--- a/SYSG3_paper.pptx
+++ b/SYSG3_paper.pptx
@@ -3607,7 +3607,7 @@
             <p:spPr>
               <a:xfrm>
                 <a:off x="937491" y="526473"/>
-                <a:ext cx="10317018" cy="3970318"/>
+                <a:ext cx="10317018" cy="4247317"/>
               </a:xfrm>
               <a:prstGeom prst="rect">
                 <a:avLst/>
@@ -3619,15 +3619,6 @@
                 <a:spAutoFit/>
               </a:bodyPr>
               <a:lstStyle/>
-              <a:p>
-                <a:r>
-                  <a:rPr lang="en-US" dirty="0"/>
-                  <a:t>Run for plotting (inconsequential to results)</a:t>
-                </a:r>
-              </a:p>
-              <a:p>
-                <a:endParaRPr lang="en-US" dirty="0"/>
-              </a:p>
               <a:p>
                 <a:pPr marL="285750" indent="-285750">
                   <a:buFont typeface="Arial" panose="020B0604020202020204" pitchFamily="34" charset="0"/>
@@ -3969,6 +3960,131 @@
                 </a:pPr>
                 <a:endParaRPr lang="en-US" dirty="0"/>
               </a:p>
+              <a:p>
+                <a:pPr marL="285750" indent="-285750">
+                  <a:buFont typeface="Arial" panose="020B0604020202020204" pitchFamily="34" charset="0"/>
+                  <a:buChar char="•"/>
+                </a:pPr>
+                <a:r>
+                  <a:rPr lang="en-US" dirty="0"/>
+                  <a:t>Fig 4: Elevated lateral segregations</a:t>
+                </a:r>
+              </a:p>
+              <a:p>
+                <a:pPr marL="742950" lvl="1" indent="-285750">
+                  <a:buFont typeface="Arial" panose="020B0604020202020204" pitchFamily="34" charset="0"/>
+                  <a:buChar char="•"/>
+                </a:pPr>
+                <a14:m>
+                  <m:oMath xmlns:m="http://schemas.openxmlformats.org/officeDocument/2006/math">
+                    <m:r>
+                      <a:rPr lang="en-US" b="0" i="1" smtClean="0">
+                        <a:latin typeface="Cambria Math" panose="02040503050406030204" pitchFamily="18" charset="0"/>
+                      </a:rPr>
+                      <m:t>𝛼</m:t>
+                    </m:r>
+                    <m:r>
+                      <a:rPr lang="en-US" b="0" i="1" smtClean="0">
+                        <a:latin typeface="Cambria Math" panose="02040503050406030204" pitchFamily="18" charset="0"/>
+                      </a:rPr>
+                      <m:t>=0.30, </m:t>
+                    </m:r>
+                    <m:r>
+                      <a:rPr lang="en-US" b="0" i="1" smtClean="0">
+                        <a:latin typeface="Cambria Math" panose="02040503050406030204" pitchFamily="18" charset="0"/>
+                      </a:rPr>
+                      <m:t>𝜎</m:t>
+                    </m:r>
+                    <m:r>
+                      <a:rPr lang="en-US" b="0" i="1" smtClean="0">
+                        <a:latin typeface="Cambria Math" panose="02040503050406030204" pitchFamily="18" charset="0"/>
+                      </a:rPr>
+                      <m:t>=2.5</m:t>
+                    </m:r>
+                    <m:r>
+                      <m:rPr>
+                        <m:sty m:val="p"/>
+                      </m:rPr>
+                      <a:rPr lang="en-US" b="0" i="0" smtClean="0">
+                        <a:latin typeface="Cambria Math" panose="02040503050406030204" pitchFamily="18" charset="0"/>
+                      </a:rPr>
+                      <m:t>E</m:t>
+                    </m:r>
+                    <m:r>
+                      <a:rPr lang="en-US" b="0" i="0" smtClean="0">
+                        <a:latin typeface="Cambria Math" panose="02040503050406030204" pitchFamily="18" charset="0"/>
+                      </a:rPr>
+                      <m:t>−03</m:t>
+                    </m:r>
+                  </m:oMath>
+                </a14:m>
+                <a:r>
+                  <a:rPr lang="en-US" dirty="0"/>
+                  <a:t> (repeat of above)</a:t>
+                </a:r>
+              </a:p>
+              <a:p>
+                <a:pPr marL="742950" lvl="1" indent="-285750">
+                  <a:buFont typeface="Arial" panose="020B0604020202020204" pitchFamily="34" charset="0"/>
+                  <a:buChar char="•"/>
+                </a:pPr>
+                <a14:m>
+                  <m:oMath xmlns:m="http://schemas.openxmlformats.org/officeDocument/2006/math">
+                    <m:r>
+                      <a:rPr lang="en-US" b="0" i="1" smtClean="0">
+                        <a:latin typeface="Cambria Math" panose="02040503050406030204" pitchFamily="18" charset="0"/>
+                      </a:rPr>
+                      <m:t>𝛼</m:t>
+                    </m:r>
+                    <m:r>
+                      <a:rPr lang="en-US" b="0" i="1" smtClean="0">
+                        <a:latin typeface="Cambria Math" panose="02040503050406030204" pitchFamily="18" charset="0"/>
+                      </a:rPr>
+                      <m:t>=0.30, </m:t>
+                    </m:r>
+                    <m:r>
+                      <a:rPr lang="en-US" b="0" i="1" smtClean="0">
+                        <a:latin typeface="Cambria Math" panose="02040503050406030204" pitchFamily="18" charset="0"/>
+                      </a:rPr>
+                      <m:t>𝜎</m:t>
+                    </m:r>
+                    <m:r>
+                      <a:rPr lang="en-US" b="0" i="1" smtClean="0">
+                        <a:latin typeface="Cambria Math" panose="02040503050406030204" pitchFamily="18" charset="0"/>
+                      </a:rPr>
+                      <m:t>= ?</m:t>
+                    </m:r>
+                  </m:oMath>
+                </a14:m>
+                <a:r>
+                  <a:rPr lang="en-US" dirty="0"/>
+                  <a:t>, once </a:t>
+                </a:r>
+                <a:r>
+                  <a:rPr lang="en-US" dirty="0" err="1"/>
+                  <a:t>pn</a:t>
+                </a:r>
+                <a:r>
+                  <a:rPr lang="en-US" dirty="0"/>
+                  <a:t> &lt;&gt; </a:t>
+                </a:r>
+                <a:r>
+                  <a:rPr lang="en-US" dirty="0" err="1"/>
+                  <a:t>cyl</a:t>
+                </a:r>
+                <a:r>
+                  <a:rPr lang="en-US" dirty="0"/>
+                  <a:t> transition known, plot </a:t>
+                </a:r>
+                <a:r>
+                  <a:rPr lang="en-US" dirty="0" err="1"/>
+                  <a:t>cyl</a:t>
+                </a:r>
+                <a:r>
+                  <a:rPr lang="en-US" dirty="0"/>
+                  <a:t> with that many pearls (e.g., 3 per str)</a:t>
+                </a:r>
+              </a:p>
             </p:txBody>
           </p:sp>
         </mc:Choice>
@@ -3990,7 +4106,7 @@
             <p:spPr>
               <a:xfrm>
                 <a:off x="937491" y="526473"/>
-                <a:ext cx="10317018" cy="3970318"/>
+                <a:ext cx="10317018" cy="4247317"/>
               </a:xfrm>
               <a:prstGeom prst="rect">
                 <a:avLst/>
@@ -3998,7 +4114,7 @@
               <a:blipFill>
                 <a:blip r:embed="rId2"/>
                 <a:stretch>
-                  <a:fillRect l="-532" t="-613" r="-236"/>
+                  <a:fillRect l="-414" t="-574" r="-236" b="-1435"/>
                 </a:stretch>
               </a:blipFill>
             </p:spPr>
@@ -5459,8 +5575,8 @@
         </p:blipFill>
         <p:spPr>
           <a:xfrm>
-            <a:off x="978786" y="3609399"/>
-            <a:ext cx="1936989" cy="2604174"/>
+            <a:off x="1256692" y="3429000"/>
+            <a:ext cx="1746696" cy="2348336"/>
           </a:xfrm>
           <a:prstGeom prst="rect">
             <a:avLst/>
@@ -5489,8 +5605,8 @@
         </p:blipFill>
         <p:spPr>
           <a:xfrm>
-            <a:off x="3821681" y="3783864"/>
-            <a:ext cx="2123971" cy="2614117"/>
+            <a:off x="3791477" y="3479896"/>
+            <a:ext cx="1915310" cy="2357303"/>
           </a:xfrm>
           <a:prstGeom prst="rect">
             <a:avLst/>
@@ -5519,8 +5635,8 @@
         </p:blipFill>
         <p:spPr>
           <a:xfrm>
-            <a:off x="6721192" y="3783864"/>
-            <a:ext cx="1746381" cy="2807580"/>
+            <a:off x="6686154" y="3453069"/>
+            <a:ext cx="1574814" cy="2531760"/>
           </a:xfrm>
           <a:prstGeom prst="rect">
             <a:avLst/>
@@ -5549,8 +5665,8 @@
         </p:blipFill>
         <p:spPr>
           <a:xfrm>
-            <a:off x="9909670" y="3997145"/>
-            <a:ext cx="1809103" cy="2578934"/>
+            <a:off x="9398681" y="3626161"/>
+            <a:ext cx="1631374" cy="2325576"/>
           </a:xfrm>
           <a:prstGeom prst="rect">
             <a:avLst/>
@@ -5653,6 +5769,49 @@
             <a:r>
               <a:rPr lang="en-US" dirty="0"/>
               <a:t>Fig 4: Elevated lateral segregation at high charge fractions with increasing grafting density</a:t>
+            </a:r>
+          </a:p>
+        </p:txBody>
+      </p:sp>
+      <p:sp>
+        <p:nvSpPr>
+          <p:cNvPr id="5" name="TextBox 4">
+            <a:extLst>
+              <a:ext uri="{FF2B5EF4-FFF2-40B4-BE49-F238E27FC236}">
+                <a16:creationId xmlns:a16="http://schemas.microsoft.com/office/drawing/2014/main" id="{4205CC06-DF94-E868-0F79-0C729C1589FD}"/>
+              </a:ext>
+            </a:extLst>
+          </p:cNvPr>
+          <p:cNvSpPr txBox="1"/>
+          <p:nvPr/>
+        </p:nvSpPr>
+        <p:spPr>
+          <a:xfrm>
+            <a:off x="1100584" y="6225489"/>
+            <a:ext cx="9436032" cy="369332"/>
+          </a:xfrm>
+          <a:prstGeom prst="rect">
+            <a:avLst/>
+          </a:prstGeom>
+          <a:noFill/>
+        </p:spPr>
+        <p:txBody>
+          <a:bodyPr wrap="square" rtlCol="0">
+            <a:spAutoFit/>
+          </a:bodyPr>
+          <a:lstStyle/>
+          <a:p>
+            <a:r>
+              <a:rPr lang="en-US" dirty="0"/>
+              <a:t>Pair with </a:t>
+            </a:r>
+            <a:r>
+              <a:rPr lang="en-US" dirty="0" err="1"/>
+              <a:t>xy</a:t>
+            </a:r>
+            <a:r>
+              <a:rPr lang="en-US" dirty="0"/>
+              <a:t> heatmaps?</a:t>
             </a:r>
           </a:p>
         </p:txBody>

--- a/SYSG3_paper.pptx
+++ b/SYSG3_paper.pptx
@@ -5882,7 +5882,7 @@
           <a:p>
             <a:r>
               <a:rPr lang="en-US" dirty="0"/>
-              <a:t>Fig 5: Interesting other morphologies?</a:t>
+              <a:t>Fig 5: Interesting other morphologies? Increasing chi to get multilayered morphologies?</a:t>
             </a:r>
           </a:p>
         </p:txBody>

--- a/SYSG3_paper.pptx
+++ b/SYSG3_paper.pptx
@@ -5463,96 +5463,6 @@
           <a:chExt cx="0" cy="0"/>
         </a:xfrm>
       </p:grpSpPr>
-      <p:sp>
-        <p:nvSpPr>
-          <p:cNvPr id="2" name="TextBox 1">
-            <a:extLst>
-              <a:ext uri="{FF2B5EF4-FFF2-40B4-BE49-F238E27FC236}">
-                <a16:creationId xmlns:a16="http://schemas.microsoft.com/office/drawing/2014/main" id="{DE34D97E-80F0-DCAF-ACA1-39D9BE7C500D}"/>
-              </a:ext>
-            </a:extLst>
-          </p:cNvPr>
-          <p:cNvSpPr txBox="1"/>
-          <p:nvPr/>
-        </p:nvSpPr>
-        <p:spPr>
-          <a:xfrm>
-            <a:off x="1100584" y="281921"/>
-            <a:ext cx="6422080" cy="1477328"/>
-          </a:xfrm>
-          <a:prstGeom prst="rect">
-            <a:avLst/>
-          </a:prstGeom>
-          <a:noFill/>
-        </p:spPr>
-        <p:txBody>
-          <a:bodyPr wrap="square" rtlCol="0">
-            <a:spAutoFit/>
-          </a:bodyPr>
-          <a:lstStyle/>
-          <a:p>
-            <a:r>
-              <a:rPr lang="en-US" dirty="0"/>
-              <a:t>Inc. density, high charge: just like neutral but elevated</a:t>
-            </a:r>
-          </a:p>
-          <a:p>
-            <a:pPr marL="285750" indent="-285750">
-              <a:buFont typeface="Arial" panose="020B0604020202020204" pitchFamily="34" charset="0"/>
-              <a:buChar char="•"/>
-            </a:pPr>
-            <a:r>
-              <a:rPr lang="en-US" dirty="0"/>
-              <a:t>Sparse, isolated </a:t>
-            </a:r>
-            <a:r>
-              <a:rPr lang="en-US" dirty="0" err="1"/>
-              <a:t>cyl</a:t>
-            </a:r>
-            <a:endParaRPr lang="en-US" dirty="0"/>
-          </a:p>
-          <a:p>
-            <a:pPr marL="285750" indent="-285750">
-              <a:buFont typeface="Arial" panose="020B0604020202020204" pitchFamily="34" charset="0"/>
-              <a:buChar char="•"/>
-            </a:pPr>
-            <a:r>
-              <a:rPr lang="en-US" dirty="0"/>
-              <a:t>Med, pinned </a:t>
-            </a:r>
-            <a:r>
-              <a:rPr lang="en-US" dirty="0" err="1"/>
-              <a:t>pn</a:t>
-            </a:r>
-            <a:endParaRPr lang="en-US" dirty="0"/>
-          </a:p>
-          <a:p>
-            <a:pPr marL="285750" indent="-285750">
-              <a:buFont typeface="Arial" panose="020B0604020202020204" pitchFamily="34" charset="0"/>
-              <a:buChar char="•"/>
-            </a:pPr>
-            <a:r>
-              <a:rPr lang="en-US" dirty="0"/>
-              <a:t>Med-high, pinned str</a:t>
-            </a:r>
-          </a:p>
-          <a:p>
-            <a:pPr marL="285750" indent="-285750">
-              <a:buFont typeface="Arial" panose="020B0604020202020204" pitchFamily="34" charset="0"/>
-              <a:buChar char="•"/>
-            </a:pPr>
-            <a:r>
-              <a:rPr lang="en-US" dirty="0"/>
-              <a:t>High </a:t>
-            </a:r>
-            <a:r>
-              <a:rPr lang="en-US" dirty="0" err="1"/>
-              <a:t>hom</a:t>
-            </a:r>
-            <a:endParaRPr lang="en-US" dirty="0"/>
-          </a:p>
-        </p:txBody>
-      </p:sp>
       <p:pic>
         <p:nvPicPr>
           <p:cNvPr id="6" name="Picture 5">
@@ -5575,7 +5485,7 @@
         </p:blipFill>
         <p:spPr>
           <a:xfrm>
-            <a:off x="1256692" y="3429000"/>
+            <a:off x="1100583" y="1446061"/>
             <a:ext cx="1746696" cy="2348336"/>
           </a:xfrm>
           <a:prstGeom prst="rect">
@@ -5605,7 +5515,7 @@
         </p:blipFill>
         <p:spPr>
           <a:xfrm>
-            <a:off x="3791477" y="3479896"/>
+            <a:off x="3617439" y="1539152"/>
             <a:ext cx="1915310" cy="2357303"/>
           </a:xfrm>
           <a:prstGeom prst="rect">
@@ -5635,7 +5545,7 @@
         </p:blipFill>
         <p:spPr>
           <a:xfrm>
-            <a:off x="6686154" y="3453069"/>
+            <a:off x="6513555" y="1485926"/>
             <a:ext cx="1574814" cy="2531760"/>
           </a:xfrm>
           <a:prstGeom prst="rect">
@@ -5665,7 +5575,7 @@
         </p:blipFill>
         <p:spPr>
           <a:xfrm>
-            <a:off x="9398681" y="3626161"/>
+            <a:off x="9347742" y="1604882"/>
             <a:ext cx="1631374" cy="2325576"/>
           </a:xfrm>
           <a:prstGeom prst="rect">
@@ -5675,10 +5585,10 @@
       </p:pic>
       <p:sp>
         <p:nvSpPr>
-          <p:cNvPr id="14" name="TextBox 13">
-            <a:extLst>
-              <a:ext uri="{FF2B5EF4-FFF2-40B4-BE49-F238E27FC236}">
-                <a16:creationId xmlns:a16="http://schemas.microsoft.com/office/drawing/2014/main" id="{967A9759-58EA-6A2A-5C01-81650C6E898A}"/>
+          <p:cNvPr id="3" name="TextBox 2">
+            <a:extLst>
+              <a:ext uri="{FF2B5EF4-FFF2-40B4-BE49-F238E27FC236}">
+                <a16:creationId xmlns:a16="http://schemas.microsoft.com/office/drawing/2014/main" id="{94698C8E-16D9-7D94-45D1-DE4A4A7BFB34}"/>
               </a:ext>
             </a:extLst>
           </p:cNvPr>
@@ -5687,72 +5597,7 @@
         </p:nvSpPr>
         <p:spPr>
           <a:xfrm>
-            <a:off x="9837952" y="1195054"/>
-            <a:ext cx="3251200" cy="646331"/>
-          </a:xfrm>
-          <a:prstGeom prst="rect">
-            <a:avLst/>
-          </a:prstGeom>
-          <a:noFill/>
-        </p:spPr>
-        <p:txBody>
-          <a:bodyPr wrap="square" rtlCol="0">
-            <a:spAutoFit/>
-          </a:bodyPr>
-          <a:lstStyle/>
-          <a:p>
-            <a:r>
-              <a:rPr lang="en-US" dirty="0"/>
-              <a:t>Unsure if hole morph or hybrids exist</a:t>
-            </a:r>
-          </a:p>
-        </p:txBody>
-      </p:sp>
-      <p:pic>
-        <p:nvPicPr>
-          <p:cNvPr id="4" name="Picture 3">
-            <a:extLst>
-              <a:ext uri="{FF2B5EF4-FFF2-40B4-BE49-F238E27FC236}">
-                <a16:creationId xmlns:a16="http://schemas.microsoft.com/office/drawing/2014/main" id="{7DB9299D-23F5-3517-87C9-EEAF6AB28F7C}"/>
-              </a:ext>
-            </a:extLst>
-          </p:cNvPr>
-          <p:cNvPicPr>
-            <a:picLocks noChangeAspect="1"/>
-          </p:cNvPicPr>
-          <p:nvPr/>
-        </p:nvPicPr>
-        <p:blipFill>
-          <a:blip r:embed="rId6"/>
-          <a:stretch>
-            <a:fillRect/>
-          </a:stretch>
-        </p:blipFill>
-        <p:spPr>
-          <a:xfrm>
-            <a:off x="8260968" y="545804"/>
-            <a:ext cx="1576984" cy="2068087"/>
-          </a:xfrm>
-          <a:prstGeom prst="rect">
-            <a:avLst/>
-          </a:prstGeom>
-        </p:spPr>
-      </p:pic>
-      <p:sp>
-        <p:nvSpPr>
-          <p:cNvPr id="3" name="TextBox 2">
-            <a:extLst>
-              <a:ext uri="{FF2B5EF4-FFF2-40B4-BE49-F238E27FC236}">
-                <a16:creationId xmlns:a16="http://schemas.microsoft.com/office/drawing/2014/main" id="{94698C8E-16D9-7D94-45D1-DE4A4A7BFB34}"/>
-              </a:ext>
-            </a:extLst>
-          </p:cNvPr>
-          <p:cNvSpPr txBox="1"/>
-          <p:nvPr/>
-        </p:nvSpPr>
-        <p:spPr>
-          <a:xfrm>
-            <a:off x="1100584" y="2722274"/>
+            <a:off x="957991" y="354542"/>
             <a:ext cx="9436032" cy="369332"/>
           </a:xfrm>
           <a:prstGeom prst="rect">
@@ -5773,49 +5618,598 @@
           </a:p>
         </p:txBody>
       </p:sp>
-      <p:sp>
-        <p:nvSpPr>
-          <p:cNvPr id="5" name="TextBox 4">
-            <a:extLst>
-              <a:ext uri="{FF2B5EF4-FFF2-40B4-BE49-F238E27FC236}">
-                <a16:creationId xmlns:a16="http://schemas.microsoft.com/office/drawing/2014/main" id="{4205CC06-DF94-E868-0F79-0C729C1589FD}"/>
-              </a:ext>
-            </a:extLst>
-          </p:cNvPr>
-          <p:cNvSpPr txBox="1"/>
+      <mc:AlternateContent xmlns:mc="http://schemas.openxmlformats.org/markup-compatibility/2006">
+        <mc:Choice xmlns:a14="http://schemas.microsoft.com/office/drawing/2010/main" Requires="a14">
+          <p:sp>
+            <p:nvSpPr>
+              <p:cNvPr id="7" name="TextBox 6">
+                <a:extLst>
+                  <a:ext uri="{FF2B5EF4-FFF2-40B4-BE49-F238E27FC236}">
+                    <a16:creationId xmlns:a16="http://schemas.microsoft.com/office/drawing/2014/main" id="{C7C76F35-D1EE-7CEE-9F54-59AC3E50D5DE}"/>
+                  </a:ext>
+                </a:extLst>
+              </p:cNvPr>
+              <p:cNvSpPr txBox="1"/>
+              <p:nvPr/>
+            </p:nvSpPr>
+            <p:spPr>
+              <a:xfrm>
+                <a:off x="1510648" y="881061"/>
+                <a:ext cx="1237130" cy="369332"/>
+              </a:xfrm>
+              <a:prstGeom prst="rect">
+                <a:avLst/>
+              </a:prstGeom>
+              <a:noFill/>
+            </p:spPr>
+            <p:txBody>
+              <a:bodyPr wrap="square" rtlCol="0">
+                <a:spAutoFit/>
+              </a:bodyPr>
+              <a:lstStyle/>
+              <a:p>
+                <a14:m>
+                  <m:oMathPara xmlns:m="http://schemas.openxmlformats.org/officeDocument/2006/math">
+                    <m:oMathParaPr>
+                      <m:jc m:val="centerGroup"/>
+                    </m:oMathParaPr>
+                    <m:oMath xmlns:m="http://schemas.openxmlformats.org/officeDocument/2006/math">
+                      <m:r>
+                        <a:rPr lang="en-US" b="0" i="1" smtClean="0">
+                          <a:latin typeface="Cambria Math" panose="02040503050406030204" pitchFamily="18" charset="0"/>
+                        </a:rPr>
+                        <m:t>𝜎</m:t>
+                      </m:r>
+                      <m:r>
+                        <a:rPr lang="en-US" b="0" i="1" smtClean="0">
+                          <a:latin typeface="Cambria Math" panose="02040503050406030204" pitchFamily="18" charset="0"/>
+                        </a:rPr>
+                        <m:t>=0.025</m:t>
+                      </m:r>
+                    </m:oMath>
+                  </m:oMathPara>
+                </a14:m>
+                <a:endParaRPr lang="en-US" dirty="0"/>
+              </a:p>
+            </p:txBody>
+          </p:sp>
+        </mc:Choice>
+        <mc:Fallback>
+          <p:sp>
+            <p:nvSpPr>
+              <p:cNvPr id="7" name="TextBox 6">
+                <a:extLst>
+                  <a:ext uri="{FF2B5EF4-FFF2-40B4-BE49-F238E27FC236}">
+                    <a16:creationId xmlns:a16="http://schemas.microsoft.com/office/drawing/2014/main" id="{C7C76F35-D1EE-7CEE-9F54-59AC3E50D5DE}"/>
+                  </a:ext>
+                </a:extLst>
+              </p:cNvPr>
+              <p:cNvSpPr txBox="1">
+                <a:spLocks noRot="1" noChangeAspect="1" noMove="1" noResize="1" noEditPoints="1" noAdjustHandles="1" noChangeArrowheads="1" noChangeShapeType="1" noTextEdit="1"/>
+              </p:cNvSpPr>
+              <p:nvPr/>
+            </p:nvSpPr>
+            <p:spPr>
+              <a:xfrm>
+                <a:off x="1510648" y="881061"/>
+                <a:ext cx="1237130" cy="369332"/>
+              </a:xfrm>
+              <a:prstGeom prst="rect">
+                <a:avLst/>
+              </a:prstGeom>
+              <a:blipFill>
+                <a:blip r:embed="rId6"/>
+                <a:stretch>
+                  <a:fillRect/>
+                </a:stretch>
+              </a:blipFill>
+            </p:spPr>
+            <p:txBody>
+              <a:bodyPr/>
+              <a:lstStyle/>
+              <a:p>
+                <a:r>
+                  <a:rPr lang="en-US">
+                    <a:noFill/>
+                  </a:rPr>
+                  <a:t> </a:t>
+                </a:r>
+              </a:p>
+            </p:txBody>
+          </p:sp>
+        </mc:Fallback>
+      </mc:AlternateContent>
+      <mc:AlternateContent xmlns:mc="http://schemas.openxmlformats.org/markup-compatibility/2006">
+        <mc:Choice xmlns:a14="http://schemas.microsoft.com/office/drawing/2010/main" Requires="a14">
+          <p:sp>
+            <p:nvSpPr>
+              <p:cNvPr id="8" name="TextBox 7">
+                <a:extLst>
+                  <a:ext uri="{FF2B5EF4-FFF2-40B4-BE49-F238E27FC236}">
+                    <a16:creationId xmlns:a16="http://schemas.microsoft.com/office/drawing/2014/main" id="{A3D5A164-5866-DA2B-BE67-42CEB03795EE}"/>
+                  </a:ext>
+                </a:extLst>
+              </p:cNvPr>
+              <p:cNvSpPr txBox="1"/>
+              <p:nvPr/>
+            </p:nvSpPr>
+            <p:spPr>
+              <a:xfrm>
+                <a:off x="4046176" y="881061"/>
+                <a:ext cx="1237130" cy="369332"/>
+              </a:xfrm>
+              <a:prstGeom prst="rect">
+                <a:avLst/>
+              </a:prstGeom>
+              <a:noFill/>
+            </p:spPr>
+            <p:txBody>
+              <a:bodyPr wrap="square" rtlCol="0">
+                <a:spAutoFit/>
+              </a:bodyPr>
+              <a:lstStyle/>
+              <a:p>
+                <a14:m>
+                  <m:oMathPara xmlns:m="http://schemas.openxmlformats.org/officeDocument/2006/math">
+                    <m:oMathParaPr>
+                      <m:jc m:val="centerGroup"/>
+                    </m:oMathParaPr>
+                    <m:oMath xmlns:m="http://schemas.openxmlformats.org/officeDocument/2006/math">
+                      <m:r>
+                        <a:rPr lang="en-US" b="0" i="1" smtClean="0">
+                          <a:latin typeface="Cambria Math" panose="02040503050406030204" pitchFamily="18" charset="0"/>
+                        </a:rPr>
+                        <m:t>𝜎</m:t>
+                      </m:r>
+                      <m:r>
+                        <a:rPr lang="en-US" b="0" i="1" smtClean="0">
+                          <a:latin typeface="Cambria Math" panose="02040503050406030204" pitchFamily="18" charset="0"/>
+                        </a:rPr>
+                        <m:t>=0.035</m:t>
+                      </m:r>
+                    </m:oMath>
+                  </m:oMathPara>
+                </a14:m>
+                <a:endParaRPr lang="en-US" dirty="0"/>
+              </a:p>
+            </p:txBody>
+          </p:sp>
+        </mc:Choice>
+        <mc:Fallback>
+          <p:sp>
+            <p:nvSpPr>
+              <p:cNvPr id="8" name="TextBox 7">
+                <a:extLst>
+                  <a:ext uri="{FF2B5EF4-FFF2-40B4-BE49-F238E27FC236}">
+                    <a16:creationId xmlns:a16="http://schemas.microsoft.com/office/drawing/2014/main" id="{A3D5A164-5866-DA2B-BE67-42CEB03795EE}"/>
+                  </a:ext>
+                </a:extLst>
+              </p:cNvPr>
+              <p:cNvSpPr txBox="1">
+                <a:spLocks noRot="1" noChangeAspect="1" noMove="1" noResize="1" noEditPoints="1" noAdjustHandles="1" noChangeArrowheads="1" noChangeShapeType="1" noTextEdit="1"/>
+              </p:cNvSpPr>
+              <p:nvPr/>
+            </p:nvSpPr>
+            <p:spPr>
+              <a:xfrm>
+                <a:off x="4046176" y="881061"/>
+                <a:ext cx="1237130" cy="369332"/>
+              </a:xfrm>
+              <a:prstGeom prst="rect">
+                <a:avLst/>
+              </a:prstGeom>
+              <a:blipFill>
+                <a:blip r:embed="rId7"/>
+                <a:stretch>
+                  <a:fillRect/>
+                </a:stretch>
+              </a:blipFill>
+            </p:spPr>
+            <p:txBody>
+              <a:bodyPr/>
+              <a:lstStyle/>
+              <a:p>
+                <a:r>
+                  <a:rPr lang="en-US">
+                    <a:noFill/>
+                  </a:rPr>
+                  <a:t> </a:t>
+                </a:r>
+              </a:p>
+            </p:txBody>
+          </p:sp>
+        </mc:Fallback>
+      </mc:AlternateContent>
+      <p:pic>
+        <p:nvPicPr>
+          <p:cNvPr id="1032" name="Picture 8">
+            <a:extLst>
+              <a:ext uri="{FF2B5EF4-FFF2-40B4-BE49-F238E27FC236}">
+                <a16:creationId xmlns:a16="http://schemas.microsoft.com/office/drawing/2014/main" id="{71C32CC3-F487-944A-A8EE-9094654B51BA}"/>
+              </a:ext>
+            </a:extLst>
+          </p:cNvPr>
+          <p:cNvPicPr>
+            <a:picLocks noChangeAspect="1" noChangeArrowheads="1"/>
+          </p:cNvPicPr>
           <p:nvPr/>
-        </p:nvSpPr>
-        <p:spPr>
+        </p:nvPicPr>
+        <p:blipFill>
+          <a:blip r:embed="rId8">
+            <a:extLst>
+              <a:ext uri="{28A0092B-C50C-407E-A947-70E740481C1C}">
+                <a14:useLocalDpi xmlns:a14="http://schemas.microsoft.com/office/drawing/2010/main" val="0"/>
+              </a:ext>
+            </a:extLst>
+          </a:blip>
+          <a:srcRect/>
+          <a:stretch>
+            <a:fillRect/>
+          </a:stretch>
+        </p:blipFill>
+        <p:spPr bwMode="auto">
           <a:xfrm>
-            <a:off x="1100584" y="6225489"/>
-            <a:ext cx="9436032" cy="369332"/>
+            <a:off x="3617439" y="4185214"/>
+            <a:ext cx="2190718" cy="2318244"/>
           </a:xfrm>
           <a:prstGeom prst="rect">
             <a:avLst/>
           </a:prstGeom>
           <a:noFill/>
+          <a:extLst>
+            <a:ext uri="{909E8E84-426E-40DD-AFC4-6F175D3DCCD1}">
+              <a14:hiddenFill xmlns:a14="http://schemas.microsoft.com/office/drawing/2010/main">
+                <a:solidFill>
+                  <a:srgbClr val="FFFFFF"/>
+                </a:solidFill>
+              </a14:hiddenFill>
+            </a:ext>
+          </a:extLst>
         </p:spPr>
-        <p:txBody>
-          <a:bodyPr wrap="square" rtlCol="0">
-            <a:spAutoFit/>
-          </a:bodyPr>
-          <a:lstStyle/>
-          <a:p>
-            <a:r>
-              <a:rPr lang="en-US" dirty="0"/>
-              <a:t>Pair with </a:t>
-            </a:r>
-            <a:r>
-              <a:rPr lang="en-US" dirty="0" err="1"/>
-              <a:t>xy</a:t>
-            </a:r>
-            <a:r>
-              <a:rPr lang="en-US" dirty="0"/>
-              <a:t> heatmaps?</a:t>
-            </a:r>
-          </a:p>
-        </p:txBody>
-      </p:sp>
+      </p:pic>
+      <p:pic>
+        <p:nvPicPr>
+          <p:cNvPr id="1034" name="Picture 10">
+            <a:extLst>
+              <a:ext uri="{FF2B5EF4-FFF2-40B4-BE49-F238E27FC236}">
+                <a16:creationId xmlns:a16="http://schemas.microsoft.com/office/drawing/2014/main" id="{F0B0DE48-D413-3CAE-B7BB-4713AD04106F}"/>
+              </a:ext>
+            </a:extLst>
+          </p:cNvPr>
+          <p:cNvPicPr>
+            <a:picLocks noChangeAspect="1" noChangeArrowheads="1"/>
+          </p:cNvPicPr>
+          <p:nvPr/>
+        </p:nvPicPr>
+        <p:blipFill>
+          <a:blip r:embed="rId9">
+            <a:extLst>
+              <a:ext uri="{28A0092B-C50C-407E-A947-70E740481C1C}">
+                <a14:useLocalDpi xmlns:a14="http://schemas.microsoft.com/office/drawing/2010/main" val="0"/>
+              </a:ext>
+            </a:extLst>
+          </a:blip>
+          <a:srcRect/>
+          <a:stretch>
+            <a:fillRect/>
+          </a:stretch>
+        </p:blipFill>
+        <p:spPr bwMode="auto">
+          <a:xfrm>
+            <a:off x="958272" y="4292791"/>
+            <a:ext cx="2341881" cy="1973539"/>
+          </a:xfrm>
+          <a:prstGeom prst="rect">
+            <a:avLst/>
+          </a:prstGeom>
+          <a:noFill/>
+          <a:extLst>
+            <a:ext uri="{909E8E84-426E-40DD-AFC4-6F175D3DCCD1}">
+              <a14:hiddenFill xmlns:a14="http://schemas.microsoft.com/office/drawing/2010/main">
+                <a:solidFill>
+                  <a:srgbClr val="FFFFFF"/>
+                </a:solidFill>
+              </a14:hiddenFill>
+            </a:ext>
+          </a:extLst>
+        </p:spPr>
+      </p:pic>
+      <mc:AlternateContent xmlns:mc="http://schemas.openxmlformats.org/markup-compatibility/2006">
+        <mc:Choice xmlns:a14="http://schemas.microsoft.com/office/drawing/2010/main" Requires="a14">
+          <p:sp>
+            <p:nvSpPr>
+              <p:cNvPr id="9" name="TextBox 8">
+                <a:extLst>
+                  <a:ext uri="{FF2B5EF4-FFF2-40B4-BE49-F238E27FC236}">
+                    <a16:creationId xmlns:a16="http://schemas.microsoft.com/office/drawing/2014/main" id="{3E3F4180-94C3-1CEC-6A9B-2DE22DA48533}"/>
+                  </a:ext>
+                </a:extLst>
+              </p:cNvPr>
+              <p:cNvSpPr txBox="1"/>
+              <p:nvPr/>
+            </p:nvSpPr>
+            <p:spPr>
+              <a:xfrm>
+                <a:off x="6851239" y="881061"/>
+                <a:ext cx="1237130" cy="369332"/>
+              </a:xfrm>
+              <a:prstGeom prst="rect">
+                <a:avLst/>
+              </a:prstGeom>
+              <a:noFill/>
+            </p:spPr>
+            <p:txBody>
+              <a:bodyPr wrap="square" rtlCol="0">
+                <a:spAutoFit/>
+              </a:bodyPr>
+              <a:lstStyle/>
+              <a:p>
+                <a14:m>
+                  <m:oMathPara xmlns:m="http://schemas.openxmlformats.org/officeDocument/2006/math">
+                    <m:oMathParaPr>
+                      <m:jc m:val="centerGroup"/>
+                    </m:oMathParaPr>
+                    <m:oMath xmlns:m="http://schemas.openxmlformats.org/officeDocument/2006/math">
+                      <m:r>
+                        <a:rPr lang="en-US" b="0" i="1" smtClean="0">
+                          <a:latin typeface="Cambria Math" panose="02040503050406030204" pitchFamily="18" charset="0"/>
+                        </a:rPr>
+                        <m:t>𝜎</m:t>
+                      </m:r>
+                      <m:r>
+                        <a:rPr lang="en-US" b="0" i="1" smtClean="0">
+                          <a:latin typeface="Cambria Math" panose="02040503050406030204" pitchFamily="18" charset="0"/>
+                        </a:rPr>
+                        <m:t>=0.050</m:t>
+                      </m:r>
+                    </m:oMath>
+                  </m:oMathPara>
+                </a14:m>
+                <a:endParaRPr lang="en-US" dirty="0"/>
+              </a:p>
+            </p:txBody>
+          </p:sp>
+        </mc:Choice>
+        <mc:Fallback>
+          <p:sp>
+            <p:nvSpPr>
+              <p:cNvPr id="9" name="TextBox 8">
+                <a:extLst>
+                  <a:ext uri="{FF2B5EF4-FFF2-40B4-BE49-F238E27FC236}">
+                    <a16:creationId xmlns:a16="http://schemas.microsoft.com/office/drawing/2014/main" id="{3E3F4180-94C3-1CEC-6A9B-2DE22DA48533}"/>
+                  </a:ext>
+                </a:extLst>
+              </p:cNvPr>
+              <p:cNvSpPr txBox="1">
+                <a:spLocks noRot="1" noChangeAspect="1" noMove="1" noResize="1" noEditPoints="1" noAdjustHandles="1" noChangeArrowheads="1" noChangeShapeType="1" noTextEdit="1"/>
+              </p:cNvSpPr>
+              <p:nvPr/>
+            </p:nvSpPr>
+            <p:spPr>
+              <a:xfrm>
+                <a:off x="6851239" y="881061"/>
+                <a:ext cx="1237130" cy="369332"/>
+              </a:xfrm>
+              <a:prstGeom prst="rect">
+                <a:avLst/>
+              </a:prstGeom>
+              <a:blipFill>
+                <a:blip r:embed="rId10"/>
+                <a:stretch>
+                  <a:fillRect/>
+                </a:stretch>
+              </a:blipFill>
+            </p:spPr>
+            <p:txBody>
+              <a:bodyPr/>
+              <a:lstStyle/>
+              <a:p>
+                <a:r>
+                  <a:rPr lang="en-US">
+                    <a:noFill/>
+                  </a:rPr>
+                  <a:t> </a:t>
+                </a:r>
+              </a:p>
+            </p:txBody>
+          </p:sp>
+        </mc:Fallback>
+      </mc:AlternateContent>
+      <mc:AlternateContent xmlns:mc="http://schemas.openxmlformats.org/markup-compatibility/2006">
+        <mc:Choice xmlns:a14="http://schemas.microsoft.com/office/drawing/2010/main" Requires="a14">
+          <p:sp>
+            <p:nvSpPr>
+              <p:cNvPr id="10" name="TextBox 9">
+                <a:extLst>
+                  <a:ext uri="{FF2B5EF4-FFF2-40B4-BE49-F238E27FC236}">
+                    <a16:creationId xmlns:a16="http://schemas.microsoft.com/office/drawing/2014/main" id="{AC0F5B3D-AED0-A461-B1F0-BD4CA6B64ECB}"/>
+                  </a:ext>
+                </a:extLst>
+              </p:cNvPr>
+              <p:cNvSpPr txBox="1"/>
+              <p:nvPr/>
+            </p:nvSpPr>
+            <p:spPr>
+              <a:xfrm>
+                <a:off x="9444222" y="881061"/>
+                <a:ext cx="1237130" cy="369332"/>
+              </a:xfrm>
+              <a:prstGeom prst="rect">
+                <a:avLst/>
+              </a:prstGeom>
+              <a:noFill/>
+            </p:spPr>
+            <p:txBody>
+              <a:bodyPr wrap="square" rtlCol="0">
+                <a:spAutoFit/>
+              </a:bodyPr>
+              <a:lstStyle/>
+              <a:p>
+                <a14:m>
+                  <m:oMathPara xmlns:m="http://schemas.openxmlformats.org/officeDocument/2006/math">
+                    <m:oMathParaPr>
+                      <m:jc m:val="centerGroup"/>
+                    </m:oMathParaPr>
+                    <m:oMath xmlns:m="http://schemas.openxmlformats.org/officeDocument/2006/math">
+                      <m:r>
+                        <a:rPr lang="en-US" b="0" i="1" smtClean="0">
+                          <a:latin typeface="Cambria Math" panose="02040503050406030204" pitchFamily="18" charset="0"/>
+                        </a:rPr>
+                        <m:t>𝜎</m:t>
+                      </m:r>
+                      <m:r>
+                        <a:rPr lang="en-US" b="0" i="1" smtClean="0">
+                          <a:latin typeface="Cambria Math" panose="02040503050406030204" pitchFamily="18" charset="0"/>
+                        </a:rPr>
+                        <m:t>=0.050</m:t>
+                      </m:r>
+                    </m:oMath>
+                  </m:oMathPara>
+                </a14:m>
+                <a:endParaRPr lang="en-US" dirty="0"/>
+              </a:p>
+            </p:txBody>
+          </p:sp>
+        </mc:Choice>
+        <mc:Fallback>
+          <p:sp>
+            <p:nvSpPr>
+              <p:cNvPr id="10" name="TextBox 9">
+                <a:extLst>
+                  <a:ext uri="{FF2B5EF4-FFF2-40B4-BE49-F238E27FC236}">
+                    <a16:creationId xmlns:a16="http://schemas.microsoft.com/office/drawing/2014/main" id="{AC0F5B3D-AED0-A461-B1F0-BD4CA6B64ECB}"/>
+                  </a:ext>
+                </a:extLst>
+              </p:cNvPr>
+              <p:cNvSpPr txBox="1">
+                <a:spLocks noRot="1" noChangeAspect="1" noMove="1" noResize="1" noEditPoints="1" noAdjustHandles="1" noChangeArrowheads="1" noChangeShapeType="1" noTextEdit="1"/>
+              </p:cNvSpPr>
+              <p:nvPr/>
+            </p:nvSpPr>
+            <p:spPr>
+              <a:xfrm>
+                <a:off x="9444222" y="881061"/>
+                <a:ext cx="1237130" cy="369332"/>
+              </a:xfrm>
+              <a:prstGeom prst="rect">
+                <a:avLst/>
+              </a:prstGeom>
+              <a:blipFill>
+                <a:blip r:embed="rId11"/>
+                <a:stretch>
+                  <a:fillRect/>
+                </a:stretch>
+              </a:blipFill>
+            </p:spPr>
+            <p:txBody>
+              <a:bodyPr/>
+              <a:lstStyle/>
+              <a:p>
+                <a:r>
+                  <a:rPr lang="en-US">
+                    <a:noFill/>
+                  </a:rPr>
+                  <a:t> </a:t>
+                </a:r>
+              </a:p>
+            </p:txBody>
+          </p:sp>
+        </mc:Fallback>
+      </mc:AlternateContent>
+      <p:pic>
+        <p:nvPicPr>
+          <p:cNvPr id="1036" name="Picture 12">
+            <a:extLst>
+              <a:ext uri="{FF2B5EF4-FFF2-40B4-BE49-F238E27FC236}">
+                <a16:creationId xmlns:a16="http://schemas.microsoft.com/office/drawing/2014/main" id="{ED2D560D-545E-F023-2562-68B02589EADA}"/>
+              </a:ext>
+            </a:extLst>
+          </p:cNvPr>
+          <p:cNvPicPr>
+            <a:picLocks noChangeAspect="1" noChangeArrowheads="1"/>
+          </p:cNvPicPr>
+          <p:nvPr/>
+        </p:nvPicPr>
+        <p:blipFill>
+          <a:blip r:embed="rId12">
+            <a:extLst>
+              <a:ext uri="{28A0092B-C50C-407E-A947-70E740481C1C}">
+                <a14:useLocalDpi xmlns:a14="http://schemas.microsoft.com/office/drawing/2010/main" val="0"/>
+              </a:ext>
+            </a:extLst>
+          </a:blip>
+          <a:srcRect/>
+          <a:stretch>
+            <a:fillRect/>
+          </a:stretch>
+        </p:blipFill>
+        <p:spPr bwMode="auto">
+          <a:xfrm>
+            <a:off x="6513555" y="4168781"/>
+            <a:ext cx="2057545" cy="2407565"/>
+          </a:xfrm>
+          <a:prstGeom prst="rect">
+            <a:avLst/>
+          </a:prstGeom>
+          <a:noFill/>
+          <a:extLst>
+            <a:ext uri="{909E8E84-426E-40DD-AFC4-6F175D3DCCD1}">
+              <a14:hiddenFill xmlns:a14="http://schemas.microsoft.com/office/drawing/2010/main">
+                <a:solidFill>
+                  <a:srgbClr val="FFFFFF"/>
+                </a:solidFill>
+              </a14:hiddenFill>
+            </a:ext>
+          </a:extLst>
+        </p:spPr>
+      </p:pic>
+      <p:pic>
+        <p:nvPicPr>
+          <p:cNvPr id="1038" name="Picture 14">
+            <a:extLst>
+              <a:ext uri="{FF2B5EF4-FFF2-40B4-BE49-F238E27FC236}">
+                <a16:creationId xmlns:a16="http://schemas.microsoft.com/office/drawing/2014/main" id="{2F3EA6DD-CC07-C71C-3956-CE407FF6B318}"/>
+              </a:ext>
+            </a:extLst>
+          </p:cNvPr>
+          <p:cNvPicPr>
+            <a:picLocks noChangeAspect="1" noChangeArrowheads="1"/>
+          </p:cNvPicPr>
+          <p:nvPr/>
+        </p:nvPicPr>
+        <p:blipFill>
+          <a:blip r:embed="rId13">
+            <a:extLst>
+              <a:ext uri="{28A0092B-C50C-407E-A947-70E740481C1C}">
+                <a14:useLocalDpi xmlns:a14="http://schemas.microsoft.com/office/drawing/2010/main" val="0"/>
+              </a:ext>
+            </a:extLst>
+          </a:blip>
+          <a:srcRect/>
+          <a:stretch>
+            <a:fillRect/>
+          </a:stretch>
+        </p:blipFill>
+        <p:spPr bwMode="auto">
+          <a:xfrm>
+            <a:off x="9031512" y="4392524"/>
+            <a:ext cx="2223534" cy="1873806"/>
+          </a:xfrm>
+          <a:prstGeom prst="rect">
+            <a:avLst/>
+          </a:prstGeom>
+          <a:noFill/>
+          <a:extLst>
+            <a:ext uri="{909E8E84-426E-40DD-AFC4-6F175D3DCCD1}">
+              <a14:hiddenFill xmlns:a14="http://schemas.microsoft.com/office/drawing/2010/main">
+                <a:solidFill>
+                  <a:srgbClr val="FFFFFF"/>
+                </a:solidFill>
+              </a14:hiddenFill>
+            </a:ext>
+          </a:extLst>
+        </p:spPr>
+      </p:pic>
     </p:spTree>
     <p:extLst>
       <p:ext uri="{BB962C8B-B14F-4D97-AF65-F5344CB8AC3E}">

--- a/SYSG3_paper.pptx
+++ b/SYSG3_paper.pptx
@@ -111,6 +111,11 @@
       </a:defRPr>
     </a:lvl9pPr>
   </p:defaultTextStyle>
+  <p:extLst>
+    <p:ext uri="{EFAFB233-063F-42B5-8137-9DF3F51BA10A}">
+      <p15:sldGuideLst xmlns:p15="http://schemas.microsoft.com/office/powerpoint/2012/main"/>
+    </p:ext>
+  </p:extLst>
 </p:presentation>
 </file>
 
@@ -3590,8 +3595,8 @@
           <a:chExt cx="0" cy="0"/>
         </a:xfrm>
       </p:grpSpPr>
-      <mc:AlternateContent xmlns:mc="http://schemas.openxmlformats.org/markup-compatibility/2006">
-        <mc:Choice xmlns:a14="http://schemas.microsoft.com/office/drawing/2010/main" Requires="a14">
+      <mc:AlternateContent xmlns:mc="http://schemas.openxmlformats.org/markup-compatibility/2006" xmlns:a14="http://schemas.microsoft.com/office/drawing/2010/main">
+        <mc:Choice Requires="a14">
           <p:sp>
             <p:nvSpPr>
               <p:cNvPr id="2" name="TextBox 1">
@@ -4088,7 +4093,7 @@
             </p:txBody>
           </p:sp>
         </mc:Choice>
-        <mc:Fallback>
+        <mc:Fallback xmlns="">
           <p:sp>
             <p:nvSpPr>
               <p:cNvPr id="2" name="TextBox 1">
@@ -5283,8 +5288,8 @@
           </a:p>
         </p:txBody>
       </p:sp>
-      <mc:AlternateContent xmlns:mc="http://schemas.openxmlformats.org/markup-compatibility/2006">
-        <mc:Choice xmlns:a14="http://schemas.microsoft.com/office/drawing/2010/main" Requires="a14">
+      <mc:AlternateContent xmlns:mc="http://schemas.openxmlformats.org/markup-compatibility/2006" xmlns:a14="http://schemas.microsoft.com/office/drawing/2010/main">
+        <mc:Choice Requires="a14">
           <p:sp>
             <p:nvSpPr>
               <p:cNvPr id="16" name="TextBox 15">
@@ -5332,7 +5337,7 @@
             </p:txBody>
           </p:sp>
         </mc:Choice>
-        <mc:Fallback>
+        <mc:Fallback xmlns="">
           <p:sp>
             <p:nvSpPr>
               <p:cNvPr id="16" name="TextBox 15">
@@ -5618,8 +5623,8 @@
           </a:p>
         </p:txBody>
       </p:sp>
-      <mc:AlternateContent xmlns:mc="http://schemas.openxmlformats.org/markup-compatibility/2006">
-        <mc:Choice xmlns:a14="http://schemas.microsoft.com/office/drawing/2010/main" Requires="a14">
+      <mc:AlternateContent xmlns:mc="http://schemas.openxmlformats.org/markup-compatibility/2006" xmlns:a14="http://schemas.microsoft.com/office/drawing/2010/main">
+        <mc:Choice Requires="a14">
           <p:sp>
             <p:nvSpPr>
               <p:cNvPr id="7" name="TextBox 6">
@@ -5648,6 +5653,7 @@
               </a:bodyPr>
               <a:lstStyle/>
               <a:p>
+                <a:pPr/>
                 <a14:m>
                   <m:oMathPara xmlns:m="http://schemas.openxmlformats.org/officeDocument/2006/math">
                     <m:oMathParaPr>
@@ -5674,7 +5680,7 @@
             </p:txBody>
           </p:sp>
         </mc:Choice>
-        <mc:Fallback>
+        <mc:Fallback xmlns="">
           <p:sp>
             <p:nvSpPr>
               <p:cNvPr id="7" name="TextBox 6">
@@ -5719,8 +5725,8 @@
           </p:sp>
         </mc:Fallback>
       </mc:AlternateContent>
-      <mc:AlternateContent xmlns:mc="http://schemas.openxmlformats.org/markup-compatibility/2006">
-        <mc:Choice xmlns:a14="http://schemas.microsoft.com/office/drawing/2010/main" Requires="a14">
+      <mc:AlternateContent xmlns:mc="http://schemas.openxmlformats.org/markup-compatibility/2006" xmlns:a14="http://schemas.microsoft.com/office/drawing/2010/main">
+        <mc:Choice Requires="a14">
           <p:sp>
             <p:nvSpPr>
               <p:cNvPr id="8" name="TextBox 7">
@@ -5749,6 +5755,7 @@
               </a:bodyPr>
               <a:lstStyle/>
               <a:p>
+                <a:pPr/>
                 <a14:m>
                   <m:oMathPara xmlns:m="http://schemas.openxmlformats.org/officeDocument/2006/math">
                     <m:oMathParaPr>
@@ -5775,7 +5782,7 @@
             </p:txBody>
           </p:sp>
         </mc:Choice>
-        <mc:Fallback>
+        <mc:Fallback xmlns="">
           <p:sp>
             <p:nvSpPr>
               <p:cNvPr id="8" name="TextBox 7">
@@ -5914,8 +5921,8 @@
           </a:extLst>
         </p:spPr>
       </p:pic>
-      <mc:AlternateContent xmlns:mc="http://schemas.openxmlformats.org/markup-compatibility/2006">
-        <mc:Choice xmlns:a14="http://schemas.microsoft.com/office/drawing/2010/main" Requires="a14">
+      <mc:AlternateContent xmlns:mc="http://schemas.openxmlformats.org/markup-compatibility/2006" xmlns:a14="http://schemas.microsoft.com/office/drawing/2010/main">
+        <mc:Choice Requires="a14">
           <p:sp>
             <p:nvSpPr>
               <p:cNvPr id="9" name="TextBox 8">
@@ -5944,6 +5951,7 @@
               </a:bodyPr>
               <a:lstStyle/>
               <a:p>
+                <a:pPr/>
                 <a14:m>
                   <m:oMathPara xmlns:m="http://schemas.openxmlformats.org/officeDocument/2006/math">
                     <m:oMathParaPr>
@@ -5970,7 +5978,7 @@
             </p:txBody>
           </p:sp>
         </mc:Choice>
-        <mc:Fallback>
+        <mc:Fallback xmlns="">
           <p:sp>
             <p:nvSpPr>
               <p:cNvPr id="9" name="TextBox 8">
@@ -6015,8 +6023,8 @@
           </p:sp>
         </mc:Fallback>
       </mc:AlternateContent>
-      <mc:AlternateContent xmlns:mc="http://schemas.openxmlformats.org/markup-compatibility/2006">
-        <mc:Choice xmlns:a14="http://schemas.microsoft.com/office/drawing/2010/main" Requires="a14">
+      <mc:AlternateContent xmlns:mc="http://schemas.openxmlformats.org/markup-compatibility/2006" xmlns:a14="http://schemas.microsoft.com/office/drawing/2010/main">
+        <mc:Choice Requires="a14">
           <p:sp>
             <p:nvSpPr>
               <p:cNvPr id="10" name="TextBox 9">
@@ -6045,6 +6053,7 @@
               </a:bodyPr>
               <a:lstStyle/>
               <a:p>
+                <a:pPr/>
                 <a14:m>
                   <m:oMathPara xmlns:m="http://schemas.openxmlformats.org/officeDocument/2006/math">
                     <m:oMathParaPr>
@@ -6071,7 +6080,7 @@
             </p:txBody>
           </p:sp>
         </mc:Choice>
-        <mc:Fallback>
+        <mc:Fallback xmlns="">
           <p:sp>
             <p:nvSpPr>
               <p:cNvPr id="10" name="TextBox 9">
@@ -6261,7 +6270,7 @@
         <p:spPr>
           <a:xfrm>
             <a:off x="978786" y="634704"/>
-            <a:ext cx="9436032" cy="369332"/>
+            <a:ext cx="9436032" cy="646331"/>
           </a:xfrm>
           <a:prstGeom prst="rect">
             <a:avLst/>
@@ -6276,7 +6285,7 @@
           <a:p>
             <a:r>
               <a:rPr lang="en-US" dirty="0"/>
-              <a:t>Fig 5: Interesting other morphologies? Increasing chi to get multilayered morphologies?</a:t>
+              <a:t>Fig 5: Interesting other morphologies? Increasing chi to get multilayered morphologies? a40x170s020?</a:t>
             </a:r>
           </a:p>
         </p:txBody>

--- a/SYSG3_paper.pptx
+++ b/SYSG3_paper.pptx
@@ -266,7 +266,7 @@
           <a:p>
             <a:fld id="{E3B1C2F4-07A0-459D-95BE-47AEA2376715}" type="datetimeFigureOut">
               <a:rPr lang="en-US" smtClean="0"/>
-              <a:t>5/5/2025</a:t>
+              <a:t>5/6/2025</a:t>
             </a:fld>
             <a:endParaRPr lang="en-US"/>
           </a:p>
@@ -464,7 +464,7 @@
           <a:p>
             <a:fld id="{E3B1C2F4-07A0-459D-95BE-47AEA2376715}" type="datetimeFigureOut">
               <a:rPr lang="en-US" smtClean="0"/>
-              <a:t>5/5/2025</a:t>
+              <a:t>5/6/2025</a:t>
             </a:fld>
             <a:endParaRPr lang="en-US"/>
           </a:p>
@@ -672,7 +672,7 @@
           <a:p>
             <a:fld id="{E3B1C2F4-07A0-459D-95BE-47AEA2376715}" type="datetimeFigureOut">
               <a:rPr lang="en-US" smtClean="0"/>
-              <a:t>5/5/2025</a:t>
+              <a:t>5/6/2025</a:t>
             </a:fld>
             <a:endParaRPr lang="en-US"/>
           </a:p>
@@ -870,7 +870,7 @@
           <a:p>
             <a:fld id="{E3B1C2F4-07A0-459D-95BE-47AEA2376715}" type="datetimeFigureOut">
               <a:rPr lang="en-US" smtClean="0"/>
-              <a:t>5/5/2025</a:t>
+              <a:t>5/6/2025</a:t>
             </a:fld>
             <a:endParaRPr lang="en-US"/>
           </a:p>
@@ -1145,7 +1145,7 @@
           <a:p>
             <a:fld id="{E3B1C2F4-07A0-459D-95BE-47AEA2376715}" type="datetimeFigureOut">
               <a:rPr lang="en-US" smtClean="0"/>
-              <a:t>5/5/2025</a:t>
+              <a:t>5/6/2025</a:t>
             </a:fld>
             <a:endParaRPr lang="en-US"/>
           </a:p>
@@ -1410,7 +1410,7 @@
           <a:p>
             <a:fld id="{E3B1C2F4-07A0-459D-95BE-47AEA2376715}" type="datetimeFigureOut">
               <a:rPr lang="en-US" smtClean="0"/>
-              <a:t>5/5/2025</a:t>
+              <a:t>5/6/2025</a:t>
             </a:fld>
             <a:endParaRPr lang="en-US"/>
           </a:p>
@@ -1822,7 +1822,7 @@
           <a:p>
             <a:fld id="{E3B1C2F4-07A0-459D-95BE-47AEA2376715}" type="datetimeFigureOut">
               <a:rPr lang="en-US" smtClean="0"/>
-              <a:t>5/5/2025</a:t>
+              <a:t>5/6/2025</a:t>
             </a:fld>
             <a:endParaRPr lang="en-US"/>
           </a:p>
@@ -1963,7 +1963,7 @@
           <a:p>
             <a:fld id="{E3B1C2F4-07A0-459D-95BE-47AEA2376715}" type="datetimeFigureOut">
               <a:rPr lang="en-US" smtClean="0"/>
-              <a:t>5/5/2025</a:t>
+              <a:t>5/6/2025</a:t>
             </a:fld>
             <a:endParaRPr lang="en-US"/>
           </a:p>
@@ -2076,7 +2076,7 @@
           <a:p>
             <a:fld id="{E3B1C2F4-07A0-459D-95BE-47AEA2376715}" type="datetimeFigureOut">
               <a:rPr lang="en-US" smtClean="0"/>
-              <a:t>5/5/2025</a:t>
+              <a:t>5/6/2025</a:t>
             </a:fld>
             <a:endParaRPr lang="en-US"/>
           </a:p>
@@ -2387,7 +2387,7 @@
           <a:p>
             <a:fld id="{E3B1C2F4-07A0-459D-95BE-47AEA2376715}" type="datetimeFigureOut">
               <a:rPr lang="en-US" smtClean="0"/>
-              <a:t>5/5/2025</a:t>
+              <a:t>5/6/2025</a:t>
             </a:fld>
             <a:endParaRPr lang="en-US"/>
           </a:p>
@@ -2675,7 +2675,7 @@
           <a:p>
             <a:fld id="{E3B1C2F4-07A0-459D-95BE-47AEA2376715}" type="datetimeFigureOut">
               <a:rPr lang="en-US" smtClean="0"/>
-              <a:t>5/5/2025</a:t>
+              <a:t>5/6/2025</a:t>
             </a:fld>
             <a:endParaRPr lang="en-US"/>
           </a:p>
@@ -2916,7 +2916,7 @@
           <a:p>
             <a:fld id="{E3B1C2F4-07A0-459D-95BE-47AEA2376715}" type="datetimeFigureOut">
               <a:rPr lang="en-US" smtClean="0"/>
-              <a:t>5/5/2025</a:t>
+              <a:t>5/6/2025</a:t>
             </a:fld>
             <a:endParaRPr lang="en-US"/>
           </a:p>
@@ -3348,7 +3348,7 @@
         <p:spPr>
           <a:xfrm>
             <a:off x="937491" y="526473"/>
-            <a:ext cx="10317018" cy="2862322"/>
+            <a:ext cx="10317018" cy="3139321"/>
           </a:xfrm>
           <a:prstGeom prst="rect">
             <a:avLst/>
@@ -3382,6 +3382,24 @@
             <a:r>
               <a:rPr lang="en-US" dirty="0"/>
               <a:t>, otherwise why not stripe?</a:t>
+            </a:r>
+          </a:p>
+          <a:p>
+            <a:pPr marL="742950" lvl="1" indent="-285750">
+              <a:buFont typeface="Arial" panose="020B0604020202020204" pitchFamily="34" charset="0"/>
+              <a:buChar char="•"/>
+            </a:pPr>
+            <a:r>
+              <a:rPr lang="en-US" dirty="0"/>
+              <a:t>Pinned </a:t>
+            </a:r>
+            <a:r>
+              <a:rPr lang="en-US" dirty="0" err="1"/>
+              <a:t>pn</a:t>
+            </a:r>
+            <a:r>
+              <a:rPr lang="en-US" dirty="0"/>
+              <a:t> may be too large of box (e.g., 40 x 80)</a:t>
             </a:r>
           </a:p>
           <a:p>

--- a/SYSG3_paper.pptx
+++ b/SYSG3_paper.pptx
@@ -266,7 +266,7 @@
           <a:p>
             <a:fld id="{E3B1C2F4-07A0-459D-95BE-47AEA2376715}" type="datetimeFigureOut">
               <a:rPr lang="en-US" smtClean="0"/>
-              <a:t>5/6/2025</a:t>
+              <a:t>5/7/2025</a:t>
             </a:fld>
             <a:endParaRPr lang="en-US"/>
           </a:p>
@@ -464,7 +464,7 @@
           <a:p>
             <a:fld id="{E3B1C2F4-07A0-459D-95BE-47AEA2376715}" type="datetimeFigureOut">
               <a:rPr lang="en-US" smtClean="0"/>
-              <a:t>5/6/2025</a:t>
+              <a:t>5/7/2025</a:t>
             </a:fld>
             <a:endParaRPr lang="en-US"/>
           </a:p>
@@ -672,7 +672,7 @@
           <a:p>
             <a:fld id="{E3B1C2F4-07A0-459D-95BE-47AEA2376715}" type="datetimeFigureOut">
               <a:rPr lang="en-US" smtClean="0"/>
-              <a:t>5/6/2025</a:t>
+              <a:t>5/7/2025</a:t>
             </a:fld>
             <a:endParaRPr lang="en-US"/>
           </a:p>
@@ -870,7 +870,7 @@
           <a:p>
             <a:fld id="{E3B1C2F4-07A0-459D-95BE-47AEA2376715}" type="datetimeFigureOut">
               <a:rPr lang="en-US" smtClean="0"/>
-              <a:t>5/6/2025</a:t>
+              <a:t>5/7/2025</a:t>
             </a:fld>
             <a:endParaRPr lang="en-US"/>
           </a:p>
@@ -1145,7 +1145,7 @@
           <a:p>
             <a:fld id="{E3B1C2F4-07A0-459D-95BE-47AEA2376715}" type="datetimeFigureOut">
               <a:rPr lang="en-US" smtClean="0"/>
-              <a:t>5/6/2025</a:t>
+              <a:t>5/7/2025</a:t>
             </a:fld>
             <a:endParaRPr lang="en-US"/>
           </a:p>
@@ -1410,7 +1410,7 @@
           <a:p>
             <a:fld id="{E3B1C2F4-07A0-459D-95BE-47AEA2376715}" type="datetimeFigureOut">
               <a:rPr lang="en-US" smtClean="0"/>
-              <a:t>5/6/2025</a:t>
+              <a:t>5/7/2025</a:t>
             </a:fld>
             <a:endParaRPr lang="en-US"/>
           </a:p>
@@ -1822,7 +1822,7 @@
           <a:p>
             <a:fld id="{E3B1C2F4-07A0-459D-95BE-47AEA2376715}" type="datetimeFigureOut">
               <a:rPr lang="en-US" smtClean="0"/>
-              <a:t>5/6/2025</a:t>
+              <a:t>5/7/2025</a:t>
             </a:fld>
             <a:endParaRPr lang="en-US"/>
           </a:p>
@@ -1963,7 +1963,7 @@
           <a:p>
             <a:fld id="{E3B1C2F4-07A0-459D-95BE-47AEA2376715}" type="datetimeFigureOut">
               <a:rPr lang="en-US" smtClean="0"/>
-              <a:t>5/6/2025</a:t>
+              <a:t>5/7/2025</a:t>
             </a:fld>
             <a:endParaRPr lang="en-US"/>
           </a:p>
@@ -2076,7 +2076,7 @@
           <a:p>
             <a:fld id="{E3B1C2F4-07A0-459D-95BE-47AEA2376715}" type="datetimeFigureOut">
               <a:rPr lang="en-US" smtClean="0"/>
-              <a:t>5/6/2025</a:t>
+              <a:t>5/7/2025</a:t>
             </a:fld>
             <a:endParaRPr lang="en-US"/>
           </a:p>
@@ -2387,7 +2387,7 @@
           <a:p>
             <a:fld id="{E3B1C2F4-07A0-459D-95BE-47AEA2376715}" type="datetimeFigureOut">
               <a:rPr lang="en-US" smtClean="0"/>
-              <a:t>5/6/2025</a:t>
+              <a:t>5/7/2025</a:t>
             </a:fld>
             <a:endParaRPr lang="en-US"/>
           </a:p>
@@ -2675,7 +2675,7 @@
           <a:p>
             <a:fld id="{E3B1C2F4-07A0-459D-95BE-47AEA2376715}" type="datetimeFigureOut">
               <a:rPr lang="en-US" smtClean="0"/>
-              <a:t>5/6/2025</a:t>
+              <a:t>5/7/2025</a:t>
             </a:fld>
             <a:endParaRPr lang="en-US"/>
           </a:p>
@@ -2916,7 +2916,7 @@
           <a:p>
             <a:fld id="{E3B1C2F4-07A0-459D-95BE-47AEA2376715}" type="datetimeFigureOut">
               <a:rPr lang="en-US" smtClean="0"/>
-              <a:t>5/6/2025</a:t>
+              <a:t>5/7/2025</a:t>
             </a:fld>
             <a:endParaRPr lang="en-US"/>
           </a:p>
@@ -5518,10 +5518,10 @@
       </p:pic>
       <p:pic>
         <p:nvPicPr>
-          <p:cNvPr id="11" name="Picture 10">
-            <a:extLst>
-              <a:ext uri="{FF2B5EF4-FFF2-40B4-BE49-F238E27FC236}">
-                <a16:creationId xmlns:a16="http://schemas.microsoft.com/office/drawing/2014/main" id="{97C96C8A-B9F2-96FF-3FAF-A612D5DCD6B1}"/>
+          <p:cNvPr id="12" name="Picture 11">
+            <a:extLst>
+              <a:ext uri="{FF2B5EF4-FFF2-40B4-BE49-F238E27FC236}">
+                <a16:creationId xmlns:a16="http://schemas.microsoft.com/office/drawing/2014/main" id="{8FF23A00-D1CB-D0FD-0A1A-D6EBF9D38EAA}"/>
               </a:ext>
             </a:extLst>
           </p:cNvPr>
@@ -5532,36 +5532,6 @@
         </p:nvPicPr>
         <p:blipFill>
           <a:blip r:embed="rId3"/>
-          <a:stretch>
-            <a:fillRect/>
-          </a:stretch>
-        </p:blipFill>
-        <p:spPr>
-          <a:xfrm>
-            <a:off x="3617439" y="1539152"/>
-            <a:ext cx="1915310" cy="2357303"/>
-          </a:xfrm>
-          <a:prstGeom prst="rect">
-            <a:avLst/>
-          </a:prstGeom>
-        </p:spPr>
-      </p:pic>
-      <p:pic>
-        <p:nvPicPr>
-          <p:cNvPr id="12" name="Picture 11">
-            <a:extLst>
-              <a:ext uri="{FF2B5EF4-FFF2-40B4-BE49-F238E27FC236}">
-                <a16:creationId xmlns:a16="http://schemas.microsoft.com/office/drawing/2014/main" id="{8FF23A00-D1CB-D0FD-0A1A-D6EBF9D38EAA}"/>
-              </a:ext>
-            </a:extLst>
-          </p:cNvPr>
-          <p:cNvPicPr>
-            <a:picLocks noChangeAspect="1"/>
-          </p:cNvPicPr>
-          <p:nvPr/>
-        </p:nvPicPr>
-        <p:blipFill>
-          <a:blip r:embed="rId4"/>
           <a:stretch>
             <a:fillRect/>
           </a:stretch>
@@ -5591,7 +5561,7 @@
           <p:nvPr/>
         </p:nvPicPr>
         <p:blipFill>
-          <a:blip r:embed="rId5"/>
+          <a:blip r:embed="rId4"/>
           <a:stretch>
             <a:fillRect/>
           </a:stretch>
@@ -5641,8 +5611,8 @@
           </a:p>
         </p:txBody>
       </p:sp>
-      <mc:AlternateContent xmlns:mc="http://schemas.openxmlformats.org/markup-compatibility/2006" xmlns:a14="http://schemas.microsoft.com/office/drawing/2010/main">
-        <mc:Choice Requires="a14">
+      <mc:AlternateContent xmlns:mc="http://schemas.openxmlformats.org/markup-compatibility/2006">
+        <mc:Choice xmlns:a14="http://schemas.microsoft.com/office/drawing/2010/main" Requires="a14">
           <p:sp>
             <p:nvSpPr>
               <p:cNvPr id="7" name="TextBox 6">
@@ -5688,7 +5658,7 @@
                         <a:rPr lang="en-US" b="0" i="1" smtClean="0">
                           <a:latin typeface="Cambria Math" panose="02040503050406030204" pitchFamily="18" charset="0"/>
                         </a:rPr>
-                        <m:t>=0.025</m:t>
+                        <m:t>=0.020</m:t>
                       </m:r>
                     </m:oMath>
                   </m:oMathPara>
@@ -5698,7 +5668,7 @@
             </p:txBody>
           </p:sp>
         </mc:Choice>
-        <mc:Fallback xmlns="">
+        <mc:Fallback>
           <p:sp>
             <p:nvSpPr>
               <p:cNvPr id="7" name="TextBox 6">
@@ -5722,7 +5692,7 @@
                 <a:avLst/>
               </a:prstGeom>
               <a:blipFill>
-                <a:blip r:embed="rId6"/>
+                <a:blip r:embed="rId5"/>
                 <a:stretch>
                   <a:fillRect/>
                 </a:stretch>
@@ -5743,8 +5713,8 @@
           </p:sp>
         </mc:Fallback>
       </mc:AlternateContent>
-      <mc:AlternateContent xmlns:mc="http://schemas.openxmlformats.org/markup-compatibility/2006" xmlns:a14="http://schemas.microsoft.com/office/drawing/2010/main">
-        <mc:Choice Requires="a14">
+      <mc:AlternateContent xmlns:mc="http://schemas.openxmlformats.org/markup-compatibility/2006">
+        <mc:Choice xmlns:a14="http://schemas.microsoft.com/office/drawing/2010/main" Requires="a14">
           <p:sp>
             <p:nvSpPr>
               <p:cNvPr id="8" name="TextBox 7">
@@ -5759,8 +5729,8 @@
             </p:nvSpPr>
             <p:spPr>
               <a:xfrm>
-                <a:off x="4046176" y="881061"/>
-                <a:ext cx="1237130" cy="369332"/>
+                <a:off x="4046175" y="881061"/>
+                <a:ext cx="1525469" cy="369332"/>
               </a:xfrm>
               <a:prstGeom prst="rect">
                 <a:avLst/>
@@ -5790,7 +5760,7 @@
                         <a:rPr lang="en-US" b="0" i="1" smtClean="0">
                           <a:latin typeface="Cambria Math" panose="02040503050406030204" pitchFamily="18" charset="0"/>
                         </a:rPr>
-                        <m:t>=0.035</m:t>
+                        <m:t>=0.0325</m:t>
                       </m:r>
                     </m:oMath>
                   </m:oMathPara>
@@ -5800,7 +5770,7 @@
             </p:txBody>
           </p:sp>
         </mc:Choice>
-        <mc:Fallback xmlns="">
+        <mc:Fallback>
           <p:sp>
             <p:nvSpPr>
               <p:cNvPr id="8" name="TextBox 7">
@@ -5817,14 +5787,14 @@
             </p:nvSpPr>
             <p:spPr>
               <a:xfrm>
-                <a:off x="4046176" y="881061"/>
-                <a:ext cx="1237130" cy="369332"/>
+                <a:off x="4046175" y="881061"/>
+                <a:ext cx="1525469" cy="369332"/>
               </a:xfrm>
               <a:prstGeom prst="rect">
                 <a:avLst/>
               </a:prstGeom>
               <a:blipFill>
-                <a:blip r:embed="rId7"/>
+                <a:blip r:embed="rId6"/>
                 <a:stretch>
                   <a:fillRect/>
                 </a:stretch>
@@ -5847,10 +5817,10 @@
       </mc:AlternateContent>
       <p:pic>
         <p:nvPicPr>
-          <p:cNvPr id="1032" name="Picture 8">
-            <a:extLst>
-              <a:ext uri="{FF2B5EF4-FFF2-40B4-BE49-F238E27FC236}">
-                <a16:creationId xmlns:a16="http://schemas.microsoft.com/office/drawing/2014/main" id="{71C32CC3-F487-944A-A8EE-9094654B51BA}"/>
+          <p:cNvPr id="1034" name="Picture 10">
+            <a:extLst>
+              <a:ext uri="{FF2B5EF4-FFF2-40B4-BE49-F238E27FC236}">
+                <a16:creationId xmlns:a16="http://schemas.microsoft.com/office/drawing/2014/main" id="{F0B0DE48-D413-3CAE-B7BB-4713AD04106F}"/>
               </a:ext>
             </a:extLst>
           </p:cNvPr>
@@ -5860,54 +5830,7 @@
           <p:nvPr/>
         </p:nvPicPr>
         <p:blipFill>
-          <a:blip r:embed="rId8">
-            <a:extLst>
-              <a:ext uri="{28A0092B-C50C-407E-A947-70E740481C1C}">
-                <a14:useLocalDpi xmlns:a14="http://schemas.microsoft.com/office/drawing/2010/main" val="0"/>
-              </a:ext>
-            </a:extLst>
-          </a:blip>
-          <a:srcRect/>
-          <a:stretch>
-            <a:fillRect/>
-          </a:stretch>
-        </p:blipFill>
-        <p:spPr bwMode="auto">
-          <a:xfrm>
-            <a:off x="3617439" y="4185214"/>
-            <a:ext cx="2190718" cy="2318244"/>
-          </a:xfrm>
-          <a:prstGeom prst="rect">
-            <a:avLst/>
-          </a:prstGeom>
-          <a:noFill/>
-          <a:extLst>
-            <a:ext uri="{909E8E84-426E-40DD-AFC4-6F175D3DCCD1}">
-              <a14:hiddenFill xmlns:a14="http://schemas.microsoft.com/office/drawing/2010/main">
-                <a:solidFill>
-                  <a:srgbClr val="FFFFFF"/>
-                </a:solidFill>
-              </a14:hiddenFill>
-            </a:ext>
-          </a:extLst>
-        </p:spPr>
-      </p:pic>
-      <p:pic>
-        <p:nvPicPr>
-          <p:cNvPr id="1034" name="Picture 10">
-            <a:extLst>
-              <a:ext uri="{FF2B5EF4-FFF2-40B4-BE49-F238E27FC236}">
-                <a16:creationId xmlns:a16="http://schemas.microsoft.com/office/drawing/2014/main" id="{F0B0DE48-D413-3CAE-B7BB-4713AD04106F}"/>
-              </a:ext>
-            </a:extLst>
-          </p:cNvPr>
-          <p:cNvPicPr>
-            <a:picLocks noChangeAspect="1" noChangeArrowheads="1"/>
-          </p:cNvPicPr>
-          <p:nvPr/>
-        </p:nvPicPr>
-        <p:blipFill>
-          <a:blip r:embed="rId9">
+          <a:blip r:embed="rId7">
             <a:extLst>
               <a:ext uri="{28A0092B-C50C-407E-A947-70E740481C1C}">
                 <a14:useLocalDpi xmlns:a14="http://schemas.microsoft.com/office/drawing/2010/main" val="0"/>
@@ -6237,6 +6160,218 @@
           </a:extLst>
         </p:spPr>
       </p:pic>
+      <p:sp>
+        <p:nvSpPr>
+          <p:cNvPr id="2" name="TextBox 1">
+            <a:extLst>
+              <a:ext uri="{FF2B5EF4-FFF2-40B4-BE49-F238E27FC236}">
+                <a16:creationId xmlns:a16="http://schemas.microsoft.com/office/drawing/2014/main" id="{38654690-6387-129A-02B7-03109470F031}"/>
+              </a:ext>
+            </a:extLst>
+          </p:cNvPr>
+          <p:cNvSpPr txBox="1"/>
+          <p:nvPr/>
+        </p:nvSpPr>
+        <p:spPr>
+          <a:xfrm>
+            <a:off x="3694118" y="6488668"/>
+            <a:ext cx="2994882" cy="369332"/>
+          </a:xfrm>
+          <a:prstGeom prst="rect">
+            <a:avLst/>
+          </a:prstGeom>
+          <a:noFill/>
+        </p:spPr>
+        <p:txBody>
+          <a:bodyPr wrap="square" rtlCol="0">
+            <a:spAutoFit/>
+          </a:bodyPr>
+          <a:lstStyle/>
+          <a:p>
+            <a:r>
+              <a:rPr lang="en-US" dirty="0"/>
+              <a:t>“Pearls” should be uniform</a:t>
+            </a:r>
+          </a:p>
+        </p:txBody>
+      </p:sp>
+      <p:pic>
+        <p:nvPicPr>
+          <p:cNvPr id="1026" name="Picture 2">
+            <a:extLst>
+              <a:ext uri="{FF2B5EF4-FFF2-40B4-BE49-F238E27FC236}">
+                <a16:creationId xmlns:a16="http://schemas.microsoft.com/office/drawing/2014/main" id="{EA3C8CD8-F4F6-7772-A6AB-3D5FC1C0CAA9}"/>
+              </a:ext>
+            </a:extLst>
+          </p:cNvPr>
+          <p:cNvPicPr>
+            <a:picLocks noChangeAspect="1" noChangeArrowheads="1"/>
+          </p:cNvPicPr>
+          <p:nvPr/>
+        </p:nvPicPr>
+        <p:blipFill>
+          <a:blip r:embed="rId14">
+            <a:extLst>
+              <a:ext uri="{28A0092B-C50C-407E-A947-70E740481C1C}">
+                <a14:useLocalDpi xmlns:a14="http://schemas.microsoft.com/office/drawing/2010/main" val="0"/>
+              </a:ext>
+            </a:extLst>
+          </a:blip>
+          <a:srcRect/>
+          <a:stretch>
+            <a:fillRect/>
+          </a:stretch>
+        </p:blipFill>
+        <p:spPr bwMode="auto">
+          <a:xfrm>
+            <a:off x="3878081" y="4168781"/>
+            <a:ext cx="2057545" cy="2177319"/>
+          </a:xfrm>
+          <a:prstGeom prst="rect">
+            <a:avLst/>
+          </a:prstGeom>
+          <a:noFill/>
+          <a:extLst>
+            <a:ext uri="{909E8E84-426E-40DD-AFC4-6F175D3DCCD1}">
+              <a14:hiddenFill xmlns:a14="http://schemas.microsoft.com/office/drawing/2010/main">
+                <a:solidFill>
+                  <a:srgbClr val="FFFFFF"/>
+                </a:solidFill>
+              </a14:hiddenFill>
+            </a:ext>
+          </a:extLst>
+        </p:spPr>
+      </p:pic>
+      <p:pic>
+        <p:nvPicPr>
+          <p:cNvPr id="5" name="Picture 4">
+            <a:extLst>
+              <a:ext uri="{FF2B5EF4-FFF2-40B4-BE49-F238E27FC236}">
+                <a16:creationId xmlns:a16="http://schemas.microsoft.com/office/drawing/2014/main" id="{ACC6ECEA-592A-000B-6ED8-AA4B37879217}"/>
+              </a:ext>
+            </a:extLst>
+          </p:cNvPr>
+          <p:cNvPicPr>
+            <a:picLocks noChangeAspect="1"/>
+          </p:cNvPicPr>
+          <p:nvPr/>
+        </p:nvPicPr>
+        <p:blipFill>
+          <a:blip r:embed="rId15"/>
+          <a:stretch>
+            <a:fillRect/>
+          </a:stretch>
+        </p:blipFill>
+        <p:spPr>
+          <a:xfrm>
+            <a:off x="3824949" y="1508090"/>
+            <a:ext cx="1836198" cy="2422368"/>
+          </a:xfrm>
+          <a:prstGeom prst="rect">
+            <a:avLst/>
+          </a:prstGeom>
+        </p:spPr>
+      </p:pic>
+      <mc:AlternateContent xmlns:mc="http://schemas.openxmlformats.org/markup-compatibility/2006">
+        <mc:Choice xmlns:a14="http://schemas.microsoft.com/office/drawing/2010/main" Requires="a14">
+          <p:sp>
+            <p:nvSpPr>
+              <p:cNvPr id="14" name="TextBox 13">
+                <a:extLst>
+                  <a:ext uri="{FF2B5EF4-FFF2-40B4-BE49-F238E27FC236}">
+                    <a16:creationId xmlns:a16="http://schemas.microsoft.com/office/drawing/2014/main" id="{8E78F023-85D7-9ADE-9024-2EEFD7AAE79D}"/>
+                  </a:ext>
+                </a:extLst>
+              </p:cNvPr>
+              <p:cNvSpPr txBox="1"/>
+              <p:nvPr/>
+            </p:nvSpPr>
+            <p:spPr>
+              <a:xfrm>
+                <a:off x="8896582" y="6488668"/>
+                <a:ext cx="2994882" cy="369332"/>
+              </a:xfrm>
+              <a:prstGeom prst="rect">
+                <a:avLst/>
+              </a:prstGeom>
+              <a:noFill/>
+            </p:spPr>
+            <p:txBody>
+              <a:bodyPr wrap="square" rtlCol="0">
+                <a:spAutoFit/>
+              </a:bodyPr>
+              <a:lstStyle/>
+              <a:p>
+                <a:pPr algn="ctr"/>
+                <a14:m>
+                  <m:oMath xmlns:m="http://schemas.openxmlformats.org/officeDocument/2006/math">
+                    <m:r>
+                      <a:rPr lang="en-US" b="0" i="1" smtClean="0">
+                        <a:latin typeface="Cambria Math" panose="02040503050406030204" pitchFamily="18" charset="0"/>
+                      </a:rPr>
+                      <m:t>𝜎</m:t>
+                    </m:r>
+                    <m:r>
+                      <a:rPr lang="en-US" b="0" i="1" smtClean="0">
+                        <a:latin typeface="Cambria Math" panose="02040503050406030204" pitchFamily="18" charset="0"/>
+                      </a:rPr>
+                      <m:t> </m:t>
+                    </m:r>
+                  </m:oMath>
+                </a14:m>
+                <a:r>
+                  <a:rPr lang="en-US" dirty="0"/>
+                  <a:t>thresh TBD</a:t>
+                </a:r>
+              </a:p>
+            </p:txBody>
+          </p:sp>
+        </mc:Choice>
+        <mc:Fallback>
+          <p:sp>
+            <p:nvSpPr>
+              <p:cNvPr id="14" name="TextBox 13">
+                <a:extLst>
+                  <a:ext uri="{FF2B5EF4-FFF2-40B4-BE49-F238E27FC236}">
+                    <a16:creationId xmlns:a16="http://schemas.microsoft.com/office/drawing/2014/main" id="{8E78F023-85D7-9ADE-9024-2EEFD7AAE79D}"/>
+                  </a:ext>
+                </a:extLst>
+              </p:cNvPr>
+              <p:cNvSpPr txBox="1">
+                <a:spLocks noRot="1" noChangeAspect="1" noMove="1" noResize="1" noEditPoints="1" noAdjustHandles="1" noChangeArrowheads="1" noChangeShapeType="1" noTextEdit="1"/>
+              </p:cNvSpPr>
+              <p:nvPr/>
+            </p:nvSpPr>
+            <p:spPr>
+              <a:xfrm>
+                <a:off x="8896582" y="6488668"/>
+                <a:ext cx="2994882" cy="369332"/>
+              </a:xfrm>
+              <a:prstGeom prst="rect">
+                <a:avLst/>
+              </a:prstGeom>
+              <a:blipFill>
+                <a:blip r:embed="rId16"/>
+                <a:stretch>
+                  <a:fillRect t="-6557" b="-26230"/>
+                </a:stretch>
+              </a:blipFill>
+            </p:spPr>
+            <p:txBody>
+              <a:bodyPr/>
+              <a:lstStyle/>
+              <a:p>
+                <a:r>
+                  <a:rPr lang="en-US">
+                    <a:noFill/>
+                  </a:rPr>
+                  <a:t> </a:t>
+                </a:r>
+              </a:p>
+            </p:txBody>
+          </p:sp>
+        </mc:Fallback>
+      </mc:AlternateContent>
     </p:spTree>
     <p:extLst>
       <p:ext uri="{BB962C8B-B14F-4D97-AF65-F5344CB8AC3E}">

--- a/SYSG3_paper.pptx
+++ b/SYSG3_paper.pptx
@@ -5508,7 +5508,7 @@
         </p:blipFill>
         <p:spPr>
           <a:xfrm>
-            <a:off x="1100583" y="1446061"/>
+            <a:off x="2533527" y="1455221"/>
             <a:ext cx="1746696" cy="2348336"/>
           </a:xfrm>
           <a:prstGeom prst="rect">
@@ -5538,7 +5538,7 @@
         </p:blipFill>
         <p:spPr>
           <a:xfrm>
-            <a:off x="6513555" y="1485926"/>
+            <a:off x="7087296" y="1413038"/>
             <a:ext cx="1574814" cy="2531760"/>
           </a:xfrm>
           <a:prstGeom prst="rect">
@@ -5627,7 +5627,7 @@
             </p:nvSpPr>
             <p:spPr>
               <a:xfrm>
-                <a:off x="1510648" y="881061"/>
+                <a:off x="2899657" y="843866"/>
                 <a:ext cx="1237130" cy="369332"/>
               </a:xfrm>
               <a:prstGeom prst="rect">
@@ -5685,7 +5685,7 @@
             </p:nvSpPr>
             <p:spPr>
               <a:xfrm>
-                <a:off x="1510648" y="881061"/>
+                <a:off x="2899657" y="843866"/>
                 <a:ext cx="1237130" cy="369332"/>
               </a:xfrm>
               <a:prstGeom prst="rect">
@@ -5729,7 +5729,7 @@
             </p:nvSpPr>
             <p:spPr>
               <a:xfrm>
-                <a:off x="4046175" y="881061"/>
+                <a:off x="5053824" y="862868"/>
                 <a:ext cx="1525469" cy="369332"/>
               </a:xfrm>
               <a:prstGeom prst="rect">
@@ -5787,7 +5787,7 @@
             </p:nvSpPr>
             <p:spPr>
               <a:xfrm>
-                <a:off x="4046175" y="881061"/>
+                <a:off x="5053824" y="862868"/>
                 <a:ext cx="1525469" cy="369332"/>
               </a:xfrm>
               <a:prstGeom prst="rect">
@@ -5844,7 +5844,7 @@
         </p:blipFill>
         <p:spPr bwMode="auto">
           <a:xfrm>
-            <a:off x="958272" y="4292791"/>
+            <a:off x="2445892" y="4222308"/>
             <a:ext cx="2341881" cy="1973539"/>
           </a:xfrm>
           <a:prstGeom prst="rect">
@@ -5862,8 +5862,8 @@
           </a:extLst>
         </p:spPr>
       </p:pic>
-      <mc:AlternateContent xmlns:mc="http://schemas.openxmlformats.org/markup-compatibility/2006" xmlns:a14="http://schemas.microsoft.com/office/drawing/2010/main">
-        <mc:Choice Requires="a14">
+      <mc:AlternateContent xmlns:mc="http://schemas.openxmlformats.org/markup-compatibility/2006">
+        <mc:Choice xmlns:a14="http://schemas.microsoft.com/office/drawing/2010/main" Requires="a14">
           <p:sp>
             <p:nvSpPr>
               <p:cNvPr id="9" name="TextBox 8">
@@ -5878,7 +5878,7 @@
             </p:nvSpPr>
             <p:spPr>
               <a:xfrm>
-                <a:off x="6851239" y="881061"/>
+                <a:off x="7424980" y="808173"/>
                 <a:ext cx="1237130" cy="369332"/>
               </a:xfrm>
               <a:prstGeom prst="rect">
@@ -5919,7 +5919,7 @@
             </p:txBody>
           </p:sp>
         </mc:Choice>
-        <mc:Fallback xmlns="">
+        <mc:Fallback>
           <p:sp>
             <p:nvSpPr>
               <p:cNvPr id="9" name="TextBox 8">
@@ -5936,14 +5936,14 @@
             </p:nvSpPr>
             <p:spPr>
               <a:xfrm>
-                <a:off x="6851239" y="881061"/>
+                <a:off x="7424980" y="808173"/>
                 <a:ext cx="1237130" cy="369332"/>
               </a:xfrm>
               <a:prstGeom prst="rect">
                 <a:avLst/>
               </a:prstGeom>
               <a:blipFill>
-                <a:blip r:embed="rId10"/>
+                <a:blip r:embed="rId8"/>
                 <a:stretch>
                   <a:fillRect/>
                 </a:stretch>
@@ -6095,7 +6095,7 @@
         </p:blipFill>
         <p:spPr bwMode="auto">
           <a:xfrm>
-            <a:off x="6513555" y="4168781"/>
+            <a:off x="7087296" y="4095893"/>
             <a:ext cx="2057545" cy="2407565"/>
           </a:xfrm>
           <a:prstGeom prst="rect">
@@ -6174,7 +6174,7 @@
         </p:nvSpPr>
         <p:spPr>
           <a:xfrm>
-            <a:off x="3694118" y="6488668"/>
+            <a:off x="4652518" y="6488668"/>
             <a:ext cx="2994882" cy="369332"/>
           </a:xfrm>
           <a:prstGeom prst="rect">
@@ -6224,7 +6224,7 @@
         </p:blipFill>
         <p:spPr bwMode="auto">
           <a:xfrm>
-            <a:off x="3878081" y="4168781"/>
+            <a:off x="4885730" y="4150588"/>
             <a:ext cx="2057545" cy="2177319"/>
           </a:xfrm>
           <a:prstGeom prst="rect">
@@ -6264,7 +6264,7 @@
         </p:blipFill>
         <p:spPr>
           <a:xfrm>
-            <a:off x="3824949" y="1508090"/>
+            <a:off x="4832598" y="1489897"/>
             <a:ext cx="1836198" cy="2422368"/>
           </a:xfrm>
           <a:prstGeom prst="rect">
@@ -6272,8 +6272,8 @@
           </a:prstGeom>
         </p:spPr>
       </p:pic>
-      <mc:AlternateContent xmlns:mc="http://schemas.openxmlformats.org/markup-compatibility/2006">
-        <mc:Choice xmlns:a14="http://schemas.microsoft.com/office/drawing/2010/main" Requires="a14">
+      <mc:AlternateContent xmlns:mc="http://schemas.openxmlformats.org/markup-compatibility/2006" xmlns:a14="http://schemas.microsoft.com/office/drawing/2010/main">
+        <mc:Choice Requires="a14">
           <p:sp>
             <p:nvSpPr>
               <p:cNvPr id="14" name="TextBox 13">
@@ -6327,7 +6327,7 @@
             </p:txBody>
           </p:sp>
         </mc:Choice>
-        <mc:Fallback>
+        <mc:Fallback xmlns="">
           <p:sp>
             <p:nvSpPr>
               <p:cNvPr id="14" name="TextBox 13">

--- a/SYSG3_paper.pptx
+++ b/SYSG3_paper.pptx
@@ -8,11 +8,12 @@
     <p:sldId id="365" r:id="rId2"/>
     <p:sldId id="366" r:id="rId3"/>
     <p:sldId id="355" r:id="rId4"/>
-    <p:sldId id="361" r:id="rId5"/>
-    <p:sldId id="362" r:id="rId6"/>
-    <p:sldId id="363" r:id="rId7"/>
-    <p:sldId id="364" r:id="rId8"/>
-    <p:sldId id="367" r:id="rId9"/>
+    <p:sldId id="368" r:id="rId5"/>
+    <p:sldId id="361" r:id="rId6"/>
+    <p:sldId id="362" r:id="rId7"/>
+    <p:sldId id="363" r:id="rId8"/>
+    <p:sldId id="364" r:id="rId9"/>
+    <p:sldId id="367" r:id="rId10"/>
   </p:sldIdLst>
   <p:sldSz cx="12192000" cy="6858000"/>
   <p:notesSz cx="6858000" cy="9144000"/>
@@ -266,7 +267,7 @@
           <a:p>
             <a:fld id="{E3B1C2F4-07A0-459D-95BE-47AEA2376715}" type="datetimeFigureOut">
               <a:rPr lang="en-US" smtClean="0"/>
-              <a:t>5/7/2025</a:t>
+              <a:t>5/8/2025</a:t>
             </a:fld>
             <a:endParaRPr lang="en-US"/>
           </a:p>
@@ -464,7 +465,7 @@
           <a:p>
             <a:fld id="{E3B1C2F4-07A0-459D-95BE-47AEA2376715}" type="datetimeFigureOut">
               <a:rPr lang="en-US" smtClean="0"/>
-              <a:t>5/7/2025</a:t>
+              <a:t>5/8/2025</a:t>
             </a:fld>
             <a:endParaRPr lang="en-US"/>
           </a:p>
@@ -672,7 +673,7 @@
           <a:p>
             <a:fld id="{E3B1C2F4-07A0-459D-95BE-47AEA2376715}" type="datetimeFigureOut">
               <a:rPr lang="en-US" smtClean="0"/>
-              <a:t>5/7/2025</a:t>
+              <a:t>5/8/2025</a:t>
             </a:fld>
             <a:endParaRPr lang="en-US"/>
           </a:p>
@@ -870,7 +871,7 @@
           <a:p>
             <a:fld id="{E3B1C2F4-07A0-459D-95BE-47AEA2376715}" type="datetimeFigureOut">
               <a:rPr lang="en-US" smtClean="0"/>
-              <a:t>5/7/2025</a:t>
+              <a:t>5/8/2025</a:t>
             </a:fld>
             <a:endParaRPr lang="en-US"/>
           </a:p>
@@ -1145,7 +1146,7 @@
           <a:p>
             <a:fld id="{E3B1C2F4-07A0-459D-95BE-47AEA2376715}" type="datetimeFigureOut">
               <a:rPr lang="en-US" smtClean="0"/>
-              <a:t>5/7/2025</a:t>
+              <a:t>5/8/2025</a:t>
             </a:fld>
             <a:endParaRPr lang="en-US"/>
           </a:p>
@@ -1410,7 +1411,7 @@
           <a:p>
             <a:fld id="{E3B1C2F4-07A0-459D-95BE-47AEA2376715}" type="datetimeFigureOut">
               <a:rPr lang="en-US" smtClean="0"/>
-              <a:t>5/7/2025</a:t>
+              <a:t>5/8/2025</a:t>
             </a:fld>
             <a:endParaRPr lang="en-US"/>
           </a:p>
@@ -1822,7 +1823,7 @@
           <a:p>
             <a:fld id="{E3B1C2F4-07A0-459D-95BE-47AEA2376715}" type="datetimeFigureOut">
               <a:rPr lang="en-US" smtClean="0"/>
-              <a:t>5/7/2025</a:t>
+              <a:t>5/8/2025</a:t>
             </a:fld>
             <a:endParaRPr lang="en-US"/>
           </a:p>
@@ -1963,7 +1964,7 @@
           <a:p>
             <a:fld id="{E3B1C2F4-07A0-459D-95BE-47AEA2376715}" type="datetimeFigureOut">
               <a:rPr lang="en-US" smtClean="0"/>
-              <a:t>5/7/2025</a:t>
+              <a:t>5/8/2025</a:t>
             </a:fld>
             <a:endParaRPr lang="en-US"/>
           </a:p>
@@ -2076,7 +2077,7 @@
           <a:p>
             <a:fld id="{E3B1C2F4-07A0-459D-95BE-47AEA2376715}" type="datetimeFigureOut">
               <a:rPr lang="en-US" smtClean="0"/>
-              <a:t>5/7/2025</a:t>
+              <a:t>5/8/2025</a:t>
             </a:fld>
             <a:endParaRPr lang="en-US"/>
           </a:p>
@@ -2387,7 +2388,7 @@
           <a:p>
             <a:fld id="{E3B1C2F4-07A0-459D-95BE-47AEA2376715}" type="datetimeFigureOut">
               <a:rPr lang="en-US" smtClean="0"/>
-              <a:t>5/7/2025</a:t>
+              <a:t>5/8/2025</a:t>
             </a:fld>
             <a:endParaRPr lang="en-US"/>
           </a:p>
@@ -2675,7 +2676,7 @@
           <a:p>
             <a:fld id="{E3B1C2F4-07A0-459D-95BE-47AEA2376715}" type="datetimeFigureOut">
               <a:rPr lang="en-US" smtClean="0"/>
-              <a:t>5/7/2025</a:t>
+              <a:t>5/8/2025</a:t>
             </a:fld>
             <a:endParaRPr lang="en-US"/>
           </a:p>
@@ -2916,7 +2917,7 @@
           <a:p>
             <a:fld id="{E3B1C2F4-07A0-459D-95BE-47AEA2376715}" type="datetimeFigureOut">
               <a:rPr lang="en-US" smtClean="0"/>
-              <a:t>5/7/2025</a:t>
+              <a:t>5/8/2025</a:t>
             </a:fld>
             <a:endParaRPr lang="en-US"/>
           </a:p>
@@ -4321,6 +4322,124 @@
   <p:cSld>
     <p:spTree>
       <p:nvGrpSpPr>
+        <p:cNvPr id="1" name="">
+          <a:extLst>
+            <a:ext uri="{FF2B5EF4-FFF2-40B4-BE49-F238E27FC236}">
+              <a16:creationId xmlns:a16="http://schemas.microsoft.com/office/drawing/2014/main" id="{002F12E8-E4D9-F79D-E33B-625278036EE2}"/>
+            </a:ext>
+          </a:extLst>
+        </p:cNvPr>
+        <p:cNvGrpSpPr/>
+        <p:nvPr/>
+      </p:nvGrpSpPr>
+      <p:grpSpPr>
+        <a:xfrm>
+          <a:off x="0" y="0"/>
+          <a:ext cx="0" cy="0"/>
+          <a:chOff x="0" y="0"/>
+          <a:chExt cx="0" cy="0"/>
+        </a:xfrm>
+      </p:grpSpPr>
+      <p:sp>
+        <p:nvSpPr>
+          <p:cNvPr id="4" name="TextBox 3">
+            <a:extLst>
+              <a:ext uri="{FF2B5EF4-FFF2-40B4-BE49-F238E27FC236}">
+                <a16:creationId xmlns:a16="http://schemas.microsoft.com/office/drawing/2014/main" id="{46466165-900D-1FF4-FC8E-CEA6BBFAC552}"/>
+              </a:ext>
+            </a:extLst>
+          </p:cNvPr>
+          <p:cNvSpPr txBox="1"/>
+          <p:nvPr/>
+        </p:nvSpPr>
+        <p:spPr>
+          <a:xfrm>
+            <a:off x="604439" y="583854"/>
+            <a:ext cx="9436032" cy="369332"/>
+          </a:xfrm>
+          <a:prstGeom prst="rect">
+            <a:avLst/>
+          </a:prstGeom>
+          <a:noFill/>
+        </p:spPr>
+        <p:txBody>
+          <a:bodyPr wrap="square" rtlCol="0">
+            <a:spAutoFit/>
+          </a:bodyPr>
+          <a:lstStyle/>
+          <a:p>
+            <a:r>
+              <a:rPr lang="en-US" dirty="0"/>
+              <a:t>Fig 1: Phase diagram</a:t>
+            </a:r>
+          </a:p>
+        </p:txBody>
+      </p:sp>
+      <p:pic>
+        <p:nvPicPr>
+          <p:cNvPr id="1026" name="Picture 2">
+            <a:extLst>
+              <a:ext uri="{FF2B5EF4-FFF2-40B4-BE49-F238E27FC236}">
+                <a16:creationId xmlns:a16="http://schemas.microsoft.com/office/drawing/2014/main" id="{63DE2EAC-2386-97CB-A376-CFB38EEBEABE}"/>
+              </a:ext>
+            </a:extLst>
+          </p:cNvPr>
+          <p:cNvPicPr>
+            <a:picLocks noChangeAspect="1" noChangeArrowheads="1"/>
+          </p:cNvPicPr>
+          <p:nvPr/>
+        </p:nvPicPr>
+        <p:blipFill>
+          <a:blip r:embed="rId2">
+            <a:extLst>
+              <a:ext uri="{28A0092B-C50C-407E-A947-70E740481C1C}">
+                <a14:useLocalDpi xmlns:a14="http://schemas.microsoft.com/office/drawing/2010/main" val="0"/>
+              </a:ext>
+            </a:extLst>
+          </a:blip>
+          <a:srcRect/>
+          <a:stretch>
+            <a:fillRect/>
+          </a:stretch>
+        </p:blipFill>
+        <p:spPr bwMode="auto">
+          <a:xfrm>
+            <a:off x="2415201" y="1407459"/>
+            <a:ext cx="7361597" cy="4274766"/>
+          </a:xfrm>
+          <a:prstGeom prst="rect">
+            <a:avLst/>
+          </a:prstGeom>
+          <a:noFill/>
+          <a:extLst>
+            <a:ext uri="{909E8E84-426E-40DD-AFC4-6F175D3DCCD1}">
+              <a14:hiddenFill xmlns:a14="http://schemas.microsoft.com/office/drawing/2010/main">
+                <a:solidFill>
+                  <a:srgbClr val="FFFFFF"/>
+                </a:solidFill>
+              </a14:hiddenFill>
+            </a:ext>
+          </a:extLst>
+        </p:spPr>
+      </p:pic>
+    </p:spTree>
+    <p:extLst>
+      <p:ext uri="{BB962C8B-B14F-4D97-AF65-F5344CB8AC3E}">
+        <p14:creationId xmlns:p14="http://schemas.microsoft.com/office/powerpoint/2010/main" val="559705995"/>
+      </p:ext>
+    </p:extLst>
+  </p:cSld>
+  <p:clrMapOvr>
+    <a:masterClrMapping/>
+  </p:clrMapOvr>
+</p:sld>
+</file>
+
+<file path=ppt/slides/slide5.xml><?xml version="1.0" encoding="utf-8"?>
+<p:sld xmlns:a="http://schemas.openxmlformats.org/drawingml/2006/main" xmlns:r="http://schemas.openxmlformats.org/officeDocument/2006/relationships" xmlns:p="http://schemas.openxmlformats.org/presentationml/2006/main">
+  <p:cSld>
+    <p:spTree>
+      <p:nvGrpSpPr>
         <p:cNvPr id="1" name=""/>
         <p:cNvGrpSpPr/>
         <p:nvPr/>
@@ -4604,7 +4723,7 @@
           <a:p>
             <a:r>
               <a:rPr lang="en-US" dirty="0"/>
-              <a:t>Fig 1: lateral segregation in neutrally charged brushes</a:t>
+              <a:t>Fig 2: lateral segregation in neutrally charged brushes</a:t>
             </a:r>
           </a:p>
         </p:txBody>
@@ -4622,7 +4741,7 @@
 </p:sld>
 </file>
 
-<file path=ppt/slides/slide5.xml><?xml version="1.0" encoding="utf-8"?>
+<file path=ppt/slides/slide6.xml><?xml version="1.0" encoding="utf-8"?>
 <p:sld xmlns:a="http://schemas.openxmlformats.org/drawingml/2006/main" xmlns:r="http://schemas.openxmlformats.org/officeDocument/2006/relationships" xmlns:p="http://schemas.openxmlformats.org/presentationml/2006/main">
   <p:cSld>
     <p:spTree>
@@ -4876,7 +4995,7 @@
           <a:p>
             <a:r>
               <a:rPr lang="en-US" dirty="0"/>
-              <a:t>Fig 2: Micelle to cylinder transition in spare PE brushes as a result of increasing intrachain repulsion</a:t>
+              <a:t>Fig 3: Micelle to cylinder transition in spare PE brushes as a result of increasing intrachain repulsion</a:t>
             </a:r>
           </a:p>
         </p:txBody>
@@ -4894,7 +5013,7 @@
 </p:sld>
 </file>
 
-<file path=ppt/slides/slide6.xml><?xml version="1.0" encoding="utf-8"?>
+<file path=ppt/slides/slide7.xml><?xml version="1.0" encoding="utf-8"?>
 <p:sld xmlns:a="http://schemas.openxmlformats.org/drawingml/2006/main" xmlns:r="http://schemas.openxmlformats.org/officeDocument/2006/relationships" xmlns:p="http://schemas.openxmlformats.org/presentationml/2006/main">
   <p:cSld>
     <p:spTree>
@@ -5040,7 +5159,7 @@
           <a:p>
             <a:r>
               <a:rPr lang="en-US" dirty="0"/>
-              <a:t>Fig 3: Increasing lateral segregation (decrease in aggregate size) as a result of increasing intrachain repulsion</a:t>
+              <a:t>Fig 4: Increasing lateral segregation (decrease in aggregate size) as a result of increasing intrachain repulsion</a:t>
             </a:r>
           </a:p>
         </p:txBody>
@@ -5221,7 +5340,7 @@
         </p:nvSpPr>
         <p:spPr>
           <a:xfrm>
-            <a:off x="7936801" y="3774139"/>
+            <a:off x="8057301" y="3765176"/>
             <a:ext cx="914400" cy="914400"/>
           </a:xfrm>
           <a:prstGeom prst="rect">
@@ -5463,7 +5582,7 @@
 </p:sld>
 </file>
 
-<file path=ppt/slides/slide7.xml><?xml version="1.0" encoding="utf-8"?>
+<file path=ppt/slides/slide8.xml><?xml version="1.0" encoding="utf-8"?>
 <p:sld xmlns:a="http://schemas.openxmlformats.org/drawingml/2006/main" xmlns:r="http://schemas.openxmlformats.org/officeDocument/2006/relationships" xmlns:p="http://schemas.openxmlformats.org/presentationml/2006/main">
   <p:cSld>
     <p:spTree>
@@ -5508,7 +5627,7 @@
         </p:blipFill>
         <p:spPr>
           <a:xfrm>
-            <a:off x="2533527" y="1455221"/>
+            <a:off x="1900359" y="1525704"/>
             <a:ext cx="1746696" cy="2348336"/>
           </a:xfrm>
           <a:prstGeom prst="rect">
@@ -5538,7 +5657,7 @@
         </p:blipFill>
         <p:spPr>
           <a:xfrm>
-            <a:off x="7087296" y="1413038"/>
+            <a:off x="7685215" y="1413038"/>
             <a:ext cx="1574814" cy="2531760"/>
           </a:xfrm>
           <a:prstGeom prst="rect">
@@ -5568,7 +5687,7 @@
         </p:blipFill>
         <p:spPr>
           <a:xfrm>
-            <a:off x="9347742" y="1604882"/>
+            <a:off x="9925511" y="1604882"/>
             <a:ext cx="1631374" cy="2325576"/>
           </a:xfrm>
           <a:prstGeom prst="rect">
@@ -5606,7 +5725,7 @@
           <a:p>
             <a:r>
               <a:rPr lang="en-US" dirty="0"/>
-              <a:t>Fig 4: Elevated lateral segregation at high charge fractions with increasing grafting density</a:t>
+              <a:t>Fig 5: Elevated lateral segregation at high charge fractions with increasing grafting density</a:t>
             </a:r>
           </a:p>
         </p:txBody>
@@ -5627,7 +5746,7 @@
             </p:nvSpPr>
             <p:spPr>
               <a:xfrm>
-                <a:off x="2899657" y="843866"/>
+                <a:off x="2266489" y="914349"/>
                 <a:ext cx="1237130" cy="369332"/>
               </a:xfrm>
               <a:prstGeom prst="rect">
@@ -5685,7 +5804,7 @@
             </p:nvSpPr>
             <p:spPr>
               <a:xfrm>
-                <a:off x="2899657" y="843866"/>
+                <a:off x="2266489" y="914349"/>
                 <a:ext cx="1237130" cy="369332"/>
               </a:xfrm>
               <a:prstGeom prst="rect">
@@ -5729,7 +5848,7 @@
             </p:nvSpPr>
             <p:spPr>
               <a:xfrm>
-                <a:off x="5053824" y="862868"/>
+                <a:off x="4389437" y="914349"/>
                 <a:ext cx="1525469" cy="369332"/>
               </a:xfrm>
               <a:prstGeom prst="rect">
@@ -5760,7 +5879,13 @@
                         <a:rPr lang="en-US" b="0" i="1" smtClean="0">
                           <a:latin typeface="Cambria Math" panose="02040503050406030204" pitchFamily="18" charset="0"/>
                         </a:rPr>
-                        <m:t>=0.0325</m:t>
+                        <m:t>=0.03</m:t>
+                      </m:r>
+                      <m:r>
+                        <a:rPr lang="en-US" b="0" i="0" smtClean="0">
+                          <a:latin typeface="Cambria Math" panose="02040503050406030204" pitchFamily="18" charset="0"/>
+                        </a:rPr>
+                        <m:t>0</m:t>
                       </m:r>
                     </m:oMath>
                   </m:oMathPara>
@@ -5787,7 +5912,7 @@
             </p:nvSpPr>
             <p:spPr>
               <a:xfrm>
-                <a:off x="5053824" y="862868"/>
+                <a:off x="4389437" y="914349"/>
                 <a:ext cx="1525469" cy="369332"/>
               </a:xfrm>
               <a:prstGeom prst="rect">
@@ -5844,7 +5969,7 @@
         </p:blipFill>
         <p:spPr bwMode="auto">
           <a:xfrm>
-            <a:off x="2445892" y="4222308"/>
+            <a:off x="1714113" y="4292791"/>
             <a:ext cx="2341881" cy="1973539"/>
           </a:xfrm>
           <a:prstGeom prst="rect">
@@ -5878,7 +6003,107 @@
             </p:nvSpPr>
             <p:spPr>
               <a:xfrm>
-                <a:off x="7424980" y="808173"/>
+                <a:off x="8022899" y="893530"/>
+                <a:ext cx="1318040" cy="369332"/>
+              </a:xfrm>
+              <a:prstGeom prst="rect">
+                <a:avLst/>
+              </a:prstGeom>
+              <a:noFill/>
+            </p:spPr>
+            <p:txBody>
+              <a:bodyPr wrap="square" rtlCol="0">
+                <a:spAutoFit/>
+              </a:bodyPr>
+              <a:lstStyle/>
+              <a:p>
+                <a:pPr/>
+                <a14:m>
+                  <m:oMath xmlns:m="http://schemas.openxmlformats.org/officeDocument/2006/math">
+                    <m:r>
+                      <a:rPr lang="en-US" b="0" i="1" smtClean="0">
+                        <a:latin typeface="Cambria Math" panose="02040503050406030204" pitchFamily="18" charset="0"/>
+                      </a:rPr>
+                      <m:t>𝜎</m:t>
+                    </m:r>
+                    <m:r>
+                      <a:rPr lang="en-US" b="0" i="1" smtClean="0">
+                        <a:latin typeface="Cambria Math" panose="02040503050406030204" pitchFamily="18" charset="0"/>
+                      </a:rPr>
+                      <m:t>=0.05</m:t>
+                    </m:r>
+                  </m:oMath>
+                </a14:m>
+                <a:r>
+                  <a:rPr lang="en-US" dirty="0"/>
+                  <a:t>5?</a:t>
+                </a:r>
+              </a:p>
+            </p:txBody>
+          </p:sp>
+        </mc:Choice>
+        <mc:Fallback>
+          <p:sp>
+            <p:nvSpPr>
+              <p:cNvPr id="9" name="TextBox 8">
+                <a:extLst>
+                  <a:ext uri="{FF2B5EF4-FFF2-40B4-BE49-F238E27FC236}">
+                    <a16:creationId xmlns:a16="http://schemas.microsoft.com/office/drawing/2014/main" id="{3E3F4180-94C3-1CEC-6A9B-2DE22DA48533}"/>
+                  </a:ext>
+                </a:extLst>
+              </p:cNvPr>
+              <p:cNvSpPr txBox="1">
+                <a:spLocks noRot="1" noChangeAspect="1" noMove="1" noResize="1" noEditPoints="1" noAdjustHandles="1" noChangeArrowheads="1" noChangeShapeType="1" noTextEdit="1"/>
+              </p:cNvSpPr>
+              <p:nvPr/>
+            </p:nvSpPr>
+            <p:spPr>
+              <a:xfrm>
+                <a:off x="8022899" y="893530"/>
+                <a:ext cx="1318040" cy="369332"/>
+              </a:xfrm>
+              <a:prstGeom prst="rect">
+                <a:avLst/>
+              </a:prstGeom>
+              <a:blipFill>
+                <a:blip r:embed="rId8"/>
+                <a:stretch>
+                  <a:fillRect t="-8333" r="-1852" b="-28333"/>
+                </a:stretch>
+              </a:blipFill>
+            </p:spPr>
+            <p:txBody>
+              <a:bodyPr/>
+              <a:lstStyle/>
+              <a:p>
+                <a:r>
+                  <a:rPr lang="en-US">
+                    <a:noFill/>
+                  </a:rPr>
+                  <a:t> </a:t>
+                </a:r>
+              </a:p>
+            </p:txBody>
+          </p:sp>
+        </mc:Fallback>
+      </mc:AlternateContent>
+      <mc:AlternateContent xmlns:mc="http://schemas.openxmlformats.org/markup-compatibility/2006">
+        <mc:Choice xmlns:a14="http://schemas.microsoft.com/office/drawing/2010/main" Requires="a14">
+          <p:sp>
+            <p:nvSpPr>
+              <p:cNvPr id="10" name="TextBox 9">
+                <a:extLst>
+                  <a:ext uri="{FF2B5EF4-FFF2-40B4-BE49-F238E27FC236}">
+                    <a16:creationId xmlns:a16="http://schemas.microsoft.com/office/drawing/2014/main" id="{AC0F5B3D-AED0-A461-B1F0-BD4CA6B64ECB}"/>
+                  </a:ext>
+                </a:extLst>
+              </p:cNvPr>
+              <p:cNvSpPr txBox="1"/>
+              <p:nvPr/>
+            </p:nvSpPr>
+            <p:spPr>
+              <a:xfrm>
+                <a:off x="10013026" y="931316"/>
                 <a:ext cx="1237130" cy="369332"/>
               </a:xfrm>
               <a:prstGeom prst="rect">
@@ -5909,7 +6134,7 @@
                         <a:rPr lang="en-US" b="0" i="1" smtClean="0">
                           <a:latin typeface="Cambria Math" panose="02040503050406030204" pitchFamily="18" charset="0"/>
                         </a:rPr>
-                        <m:t>=0.050</m:t>
+                        <m:t>= ?</m:t>
                       </m:r>
                     </m:oMath>
                   </m:oMathPara>
@@ -5922,10 +6147,10 @@
         <mc:Fallback>
           <p:sp>
             <p:nvSpPr>
-              <p:cNvPr id="9" name="TextBox 8">
+              <p:cNvPr id="10" name="TextBox 9">
                 <a:extLst>
                   <a:ext uri="{FF2B5EF4-FFF2-40B4-BE49-F238E27FC236}">
-                    <a16:creationId xmlns:a16="http://schemas.microsoft.com/office/drawing/2014/main" id="{3E3F4180-94C3-1CEC-6A9B-2DE22DA48533}"/>
+                    <a16:creationId xmlns:a16="http://schemas.microsoft.com/office/drawing/2014/main" id="{AC0F5B3D-AED0-A461-B1F0-BD4CA6B64ECB}"/>
                   </a:ext>
                 </a:extLst>
               </p:cNvPr>
@@ -5936,14 +6161,14 @@
             </p:nvSpPr>
             <p:spPr>
               <a:xfrm>
-                <a:off x="7424980" y="808173"/>
+                <a:off x="10013026" y="931316"/>
                 <a:ext cx="1237130" cy="369332"/>
               </a:xfrm>
               <a:prstGeom prst="rect">
                 <a:avLst/>
               </a:prstGeom>
               <a:blipFill>
-                <a:blip r:embed="rId8"/>
+                <a:blip r:embed="rId9"/>
                 <a:stretch>
                   <a:fillRect/>
                 </a:stretch>
@@ -5964,14 +6189,310 @@
           </p:sp>
         </mc:Fallback>
       </mc:AlternateContent>
-      <mc:AlternateContent xmlns:mc="http://schemas.openxmlformats.org/markup-compatibility/2006" xmlns:a14="http://schemas.microsoft.com/office/drawing/2010/main">
-        <mc:Choice Requires="a14">
+      <p:pic>
+        <p:nvPicPr>
+          <p:cNvPr id="1036" name="Picture 12">
+            <a:extLst>
+              <a:ext uri="{FF2B5EF4-FFF2-40B4-BE49-F238E27FC236}">
+                <a16:creationId xmlns:a16="http://schemas.microsoft.com/office/drawing/2014/main" id="{ED2D560D-545E-F023-2562-68B02589EADA}"/>
+              </a:ext>
+            </a:extLst>
+          </p:cNvPr>
+          <p:cNvPicPr>
+            <a:picLocks noChangeAspect="1" noChangeArrowheads="1"/>
+          </p:cNvPicPr>
+          <p:nvPr/>
+        </p:nvPicPr>
+        <p:blipFill>
+          <a:blip r:embed="rId10">
+            <a:extLst>
+              <a:ext uri="{28A0092B-C50C-407E-A947-70E740481C1C}">
+                <a14:useLocalDpi xmlns:a14="http://schemas.microsoft.com/office/drawing/2010/main" val="0"/>
+              </a:ext>
+            </a:extLst>
+          </a:blip>
+          <a:srcRect/>
+          <a:stretch>
+            <a:fillRect/>
+          </a:stretch>
+        </p:blipFill>
+        <p:spPr bwMode="auto">
+          <a:xfrm>
+            <a:off x="7685215" y="4095893"/>
+            <a:ext cx="2057545" cy="2407565"/>
+          </a:xfrm>
+          <a:prstGeom prst="rect">
+            <a:avLst/>
+          </a:prstGeom>
+          <a:noFill/>
+          <a:extLst>
+            <a:ext uri="{909E8E84-426E-40DD-AFC4-6F175D3DCCD1}">
+              <a14:hiddenFill xmlns:a14="http://schemas.microsoft.com/office/drawing/2010/main">
+                <a:solidFill>
+                  <a:srgbClr val="FFFFFF"/>
+                </a:solidFill>
+              </a14:hiddenFill>
+            </a:ext>
+          </a:extLst>
+        </p:spPr>
+      </p:pic>
+      <p:pic>
+        <p:nvPicPr>
+          <p:cNvPr id="1038" name="Picture 14">
+            <a:extLst>
+              <a:ext uri="{FF2B5EF4-FFF2-40B4-BE49-F238E27FC236}">
+                <a16:creationId xmlns:a16="http://schemas.microsoft.com/office/drawing/2014/main" id="{2F3EA6DD-CC07-C71C-3956-CE407FF6B318}"/>
+              </a:ext>
+            </a:extLst>
+          </p:cNvPr>
+          <p:cNvPicPr>
+            <a:picLocks noChangeAspect="1" noChangeArrowheads="1"/>
+          </p:cNvPicPr>
+          <p:nvPr/>
+        </p:nvPicPr>
+        <p:blipFill>
+          <a:blip r:embed="rId11">
+            <a:extLst>
+              <a:ext uri="{28A0092B-C50C-407E-A947-70E740481C1C}">
+                <a14:useLocalDpi xmlns:a14="http://schemas.microsoft.com/office/drawing/2010/main" val="0"/>
+              </a:ext>
+            </a:extLst>
+          </a:blip>
+          <a:srcRect/>
+          <a:stretch>
+            <a:fillRect/>
+          </a:stretch>
+        </p:blipFill>
+        <p:spPr bwMode="auto">
+          <a:xfrm>
+            <a:off x="9629431" y="4392524"/>
+            <a:ext cx="2223534" cy="1873806"/>
+          </a:xfrm>
+          <a:prstGeom prst="rect">
+            <a:avLst/>
+          </a:prstGeom>
+          <a:noFill/>
+          <a:extLst>
+            <a:ext uri="{909E8E84-426E-40DD-AFC4-6F175D3DCCD1}">
+              <a14:hiddenFill xmlns:a14="http://schemas.microsoft.com/office/drawing/2010/main">
+                <a:solidFill>
+                  <a:srgbClr val="FFFFFF"/>
+                </a:solidFill>
+              </a14:hiddenFill>
+            </a:ext>
+          </a:extLst>
+        </p:spPr>
+      </p:pic>
+      <p:sp>
+        <p:nvSpPr>
+          <p:cNvPr id="2" name="TextBox 1">
+            <a:extLst>
+              <a:ext uri="{FF2B5EF4-FFF2-40B4-BE49-F238E27FC236}">
+                <a16:creationId xmlns:a16="http://schemas.microsoft.com/office/drawing/2014/main" id="{38654690-6387-129A-02B7-03109470F031}"/>
+              </a:ext>
+            </a:extLst>
+          </p:cNvPr>
+          <p:cNvSpPr txBox="1"/>
+          <p:nvPr/>
+        </p:nvSpPr>
+        <p:spPr>
+          <a:xfrm>
+            <a:off x="4652518" y="6488668"/>
+            <a:ext cx="2994882" cy="369332"/>
+          </a:xfrm>
+          <a:prstGeom prst="rect">
+            <a:avLst/>
+          </a:prstGeom>
+          <a:noFill/>
+        </p:spPr>
+        <p:txBody>
+          <a:bodyPr wrap="square" rtlCol="0">
+            <a:spAutoFit/>
+          </a:bodyPr>
+          <a:lstStyle/>
+          <a:p>
+            <a:r>
+              <a:rPr lang="en-US" dirty="0"/>
+              <a:t>“Pearls” should be uniform</a:t>
+            </a:r>
+          </a:p>
+        </p:txBody>
+      </p:sp>
+      <p:pic>
+        <p:nvPicPr>
+          <p:cNvPr id="5" name="Picture 4">
+            <a:extLst>
+              <a:ext uri="{FF2B5EF4-FFF2-40B4-BE49-F238E27FC236}">
+                <a16:creationId xmlns:a16="http://schemas.microsoft.com/office/drawing/2014/main" id="{ACC6ECEA-592A-000B-6ED8-AA4B37879217}"/>
+              </a:ext>
+            </a:extLst>
+          </p:cNvPr>
+          <p:cNvPicPr>
+            <a:picLocks noChangeAspect="1"/>
+          </p:cNvPicPr>
+          <p:nvPr/>
+        </p:nvPicPr>
+        <p:blipFill>
+          <a:blip r:embed="rId12"/>
+          <a:stretch>
+            <a:fillRect/>
+          </a:stretch>
+        </p:blipFill>
+        <p:spPr>
+          <a:xfrm>
+            <a:off x="4138180" y="1508090"/>
+            <a:ext cx="1836198" cy="2422368"/>
+          </a:xfrm>
+          <a:prstGeom prst="rect">
+            <a:avLst/>
+          </a:prstGeom>
+        </p:spPr>
+      </p:pic>
+      <p:pic>
+        <p:nvPicPr>
+          <p:cNvPr id="4" name="Picture 3">
+            <a:extLst>
+              <a:ext uri="{FF2B5EF4-FFF2-40B4-BE49-F238E27FC236}">
+                <a16:creationId xmlns:a16="http://schemas.microsoft.com/office/drawing/2014/main" id="{7A6DAF14-91F8-7B35-A263-A663BA4EAF04}"/>
+              </a:ext>
+            </a:extLst>
+          </p:cNvPr>
+          <p:cNvPicPr>
+            <a:picLocks noChangeAspect="1"/>
+          </p:cNvPicPr>
+          <p:nvPr/>
+        </p:nvPicPr>
+        <p:blipFill>
+          <a:blip r:embed="rId13"/>
+          <a:stretch>
+            <a:fillRect/>
+          </a:stretch>
+        </p:blipFill>
+        <p:spPr>
+          <a:xfrm>
+            <a:off x="240825" y="1489897"/>
+            <a:ext cx="1607070" cy="2281795"/>
+          </a:xfrm>
+          <a:prstGeom prst="rect">
+            <a:avLst/>
+          </a:prstGeom>
+        </p:spPr>
+      </p:pic>
+      <p:pic>
+        <p:nvPicPr>
+          <p:cNvPr id="11" name="Picture 10">
+            <a:extLst>
+              <a:ext uri="{FF2B5EF4-FFF2-40B4-BE49-F238E27FC236}">
+                <a16:creationId xmlns:a16="http://schemas.microsoft.com/office/drawing/2014/main" id="{406B3EA0-7D03-289E-17D2-C246CF09B9D7}"/>
+              </a:ext>
+            </a:extLst>
+          </p:cNvPr>
+          <p:cNvPicPr>
+            <a:picLocks noChangeAspect="1"/>
+          </p:cNvPicPr>
+          <p:nvPr/>
+        </p:nvPicPr>
+        <p:blipFill>
+          <a:blip r:embed="rId14"/>
+          <a:stretch>
+            <a:fillRect/>
+          </a:stretch>
+        </p:blipFill>
+        <p:spPr>
+          <a:xfrm>
+            <a:off x="4092415" y="4240767"/>
+            <a:ext cx="2057544" cy="2177319"/>
+          </a:xfrm>
+          <a:prstGeom prst="rect">
+            <a:avLst/>
+          </a:prstGeom>
+        </p:spPr>
+      </p:pic>
+      <p:pic>
+        <p:nvPicPr>
+          <p:cNvPr id="18" name="Picture 17">
+            <a:extLst>
+              <a:ext uri="{FF2B5EF4-FFF2-40B4-BE49-F238E27FC236}">
+                <a16:creationId xmlns:a16="http://schemas.microsoft.com/office/drawing/2014/main" id="{E315708B-0A30-9E7E-81A2-35D352F0A0CB}"/>
+              </a:ext>
+            </a:extLst>
+          </p:cNvPr>
+          <p:cNvPicPr>
+            <a:picLocks noChangeAspect="1"/>
+          </p:cNvPicPr>
+          <p:nvPr/>
+        </p:nvPicPr>
+        <p:blipFill>
+          <a:blip r:embed="rId15"/>
+          <a:stretch>
+            <a:fillRect/>
+          </a:stretch>
+        </p:blipFill>
+        <p:spPr>
+          <a:xfrm>
+            <a:off x="5937340" y="1489897"/>
+            <a:ext cx="1659854" cy="2531761"/>
+          </a:xfrm>
+          <a:prstGeom prst="rect">
+            <a:avLst/>
+          </a:prstGeom>
+        </p:spPr>
+      </p:pic>
+      <p:pic>
+        <p:nvPicPr>
+          <p:cNvPr id="2050" name="Picture 2">
+            <a:extLst>
+              <a:ext uri="{FF2B5EF4-FFF2-40B4-BE49-F238E27FC236}">
+                <a16:creationId xmlns:a16="http://schemas.microsoft.com/office/drawing/2014/main" id="{E3FF28B5-F9B8-AF66-F97A-E2639D73CE0F}"/>
+              </a:ext>
+            </a:extLst>
+          </p:cNvPr>
+          <p:cNvPicPr>
+            <a:picLocks noChangeAspect="1" noChangeArrowheads="1"/>
+          </p:cNvPicPr>
+          <p:nvPr/>
+        </p:nvPicPr>
+        <p:blipFill>
+          <a:blip r:embed="rId16">
+            <a:extLst>
+              <a:ext uri="{28A0092B-C50C-407E-A947-70E740481C1C}">
+                <a14:useLocalDpi xmlns:a14="http://schemas.microsoft.com/office/drawing/2010/main" val="0"/>
+              </a:ext>
+            </a:extLst>
+          </a:blip>
+          <a:srcRect/>
+          <a:stretch>
+            <a:fillRect/>
+          </a:stretch>
+        </p:blipFill>
+        <p:spPr bwMode="auto">
+          <a:xfrm>
+            <a:off x="6000210" y="4267843"/>
+            <a:ext cx="1833391" cy="2145278"/>
+          </a:xfrm>
+          <a:prstGeom prst="rect">
+            <a:avLst/>
+          </a:prstGeom>
+          <a:noFill/>
+          <a:extLst>
+            <a:ext uri="{909E8E84-426E-40DD-AFC4-6F175D3DCCD1}">
+              <a14:hiddenFill xmlns:a14="http://schemas.microsoft.com/office/drawing/2010/main">
+                <a:solidFill>
+                  <a:srgbClr val="FFFFFF"/>
+                </a:solidFill>
+              </a14:hiddenFill>
+            </a:ext>
+          </a:extLst>
+        </p:spPr>
+      </p:pic>
+      <mc:AlternateContent xmlns:mc="http://schemas.openxmlformats.org/markup-compatibility/2006">
+        <mc:Choice xmlns:a14="http://schemas.microsoft.com/office/drawing/2010/main" Requires="a14">
           <p:sp>
             <p:nvSpPr>
-              <p:cNvPr id="10" name="TextBox 9">
+              <p:cNvPr id="19" name="TextBox 18">
                 <a:extLst>
                   <a:ext uri="{FF2B5EF4-FFF2-40B4-BE49-F238E27FC236}">
-                    <a16:creationId xmlns:a16="http://schemas.microsoft.com/office/drawing/2014/main" id="{AC0F5B3D-AED0-A461-B1F0-BD4CA6B64ECB}"/>
+                    <a16:creationId xmlns:a16="http://schemas.microsoft.com/office/drawing/2014/main" id="{F2C5BF87-2AA1-EB0C-20BE-B82C3AA162B1}"/>
                   </a:ext>
                 </a:extLst>
               </p:cNvPr>
@@ -5980,8 +6501,8 @@
             </p:nvSpPr>
             <p:spPr>
               <a:xfrm>
-                <a:off x="9444222" y="881061"/>
-                <a:ext cx="1237130" cy="369332"/>
+                <a:off x="6121931" y="893530"/>
+                <a:ext cx="1525469" cy="369332"/>
               </a:xfrm>
               <a:prstGeom prst="rect">
                 <a:avLst/>
@@ -6011,7 +6532,13 @@
                         <a:rPr lang="en-US" b="0" i="1" smtClean="0">
                           <a:latin typeface="Cambria Math" panose="02040503050406030204" pitchFamily="18" charset="0"/>
                         </a:rPr>
-                        <m:t>=0.050</m:t>
+                        <m:t>=0.0</m:t>
+                      </m:r>
+                      <m:r>
+                        <a:rPr lang="en-US" b="0" i="0" smtClean="0">
+                          <a:latin typeface="Cambria Math" panose="02040503050406030204" pitchFamily="18" charset="0"/>
+                        </a:rPr>
+                        <m:t>50</m:t>
                       </m:r>
                     </m:oMath>
                   </m:oMathPara>
@@ -6021,13 +6548,13 @@
             </p:txBody>
           </p:sp>
         </mc:Choice>
-        <mc:Fallback xmlns="">
+        <mc:Fallback>
           <p:sp>
             <p:nvSpPr>
-              <p:cNvPr id="10" name="TextBox 9">
+              <p:cNvPr id="19" name="TextBox 18">
                 <a:extLst>
                   <a:ext uri="{FF2B5EF4-FFF2-40B4-BE49-F238E27FC236}">
-                    <a16:creationId xmlns:a16="http://schemas.microsoft.com/office/drawing/2014/main" id="{AC0F5B3D-AED0-A461-B1F0-BD4CA6B64ECB}"/>
+                    <a16:creationId xmlns:a16="http://schemas.microsoft.com/office/drawing/2014/main" id="{F2C5BF87-2AA1-EB0C-20BE-B82C3AA162B1}"/>
                   </a:ext>
                 </a:extLst>
               </p:cNvPr>
@@ -6038,322 +6565,16 @@
             </p:nvSpPr>
             <p:spPr>
               <a:xfrm>
-                <a:off x="9444222" y="881061"/>
-                <a:ext cx="1237130" cy="369332"/>
+                <a:off x="6121931" y="893530"/>
+                <a:ext cx="1525469" cy="369332"/>
               </a:xfrm>
               <a:prstGeom prst="rect">
                 <a:avLst/>
               </a:prstGeom>
               <a:blipFill>
-                <a:blip r:embed="rId11"/>
+                <a:blip r:embed="rId17"/>
                 <a:stretch>
                   <a:fillRect/>
-                </a:stretch>
-              </a:blipFill>
-            </p:spPr>
-            <p:txBody>
-              <a:bodyPr/>
-              <a:lstStyle/>
-              <a:p>
-                <a:r>
-                  <a:rPr lang="en-US">
-                    <a:noFill/>
-                  </a:rPr>
-                  <a:t> </a:t>
-                </a:r>
-              </a:p>
-            </p:txBody>
-          </p:sp>
-        </mc:Fallback>
-      </mc:AlternateContent>
-      <p:pic>
-        <p:nvPicPr>
-          <p:cNvPr id="1036" name="Picture 12">
-            <a:extLst>
-              <a:ext uri="{FF2B5EF4-FFF2-40B4-BE49-F238E27FC236}">
-                <a16:creationId xmlns:a16="http://schemas.microsoft.com/office/drawing/2014/main" id="{ED2D560D-545E-F023-2562-68B02589EADA}"/>
-              </a:ext>
-            </a:extLst>
-          </p:cNvPr>
-          <p:cNvPicPr>
-            <a:picLocks noChangeAspect="1" noChangeArrowheads="1"/>
-          </p:cNvPicPr>
-          <p:nvPr/>
-        </p:nvPicPr>
-        <p:blipFill>
-          <a:blip r:embed="rId12">
-            <a:extLst>
-              <a:ext uri="{28A0092B-C50C-407E-A947-70E740481C1C}">
-                <a14:useLocalDpi xmlns:a14="http://schemas.microsoft.com/office/drawing/2010/main" val="0"/>
-              </a:ext>
-            </a:extLst>
-          </a:blip>
-          <a:srcRect/>
-          <a:stretch>
-            <a:fillRect/>
-          </a:stretch>
-        </p:blipFill>
-        <p:spPr bwMode="auto">
-          <a:xfrm>
-            <a:off x="7087296" y="4095893"/>
-            <a:ext cx="2057545" cy="2407565"/>
-          </a:xfrm>
-          <a:prstGeom prst="rect">
-            <a:avLst/>
-          </a:prstGeom>
-          <a:noFill/>
-          <a:extLst>
-            <a:ext uri="{909E8E84-426E-40DD-AFC4-6F175D3DCCD1}">
-              <a14:hiddenFill xmlns:a14="http://schemas.microsoft.com/office/drawing/2010/main">
-                <a:solidFill>
-                  <a:srgbClr val="FFFFFF"/>
-                </a:solidFill>
-              </a14:hiddenFill>
-            </a:ext>
-          </a:extLst>
-        </p:spPr>
-      </p:pic>
-      <p:pic>
-        <p:nvPicPr>
-          <p:cNvPr id="1038" name="Picture 14">
-            <a:extLst>
-              <a:ext uri="{FF2B5EF4-FFF2-40B4-BE49-F238E27FC236}">
-                <a16:creationId xmlns:a16="http://schemas.microsoft.com/office/drawing/2014/main" id="{2F3EA6DD-CC07-C71C-3956-CE407FF6B318}"/>
-              </a:ext>
-            </a:extLst>
-          </p:cNvPr>
-          <p:cNvPicPr>
-            <a:picLocks noChangeAspect="1" noChangeArrowheads="1"/>
-          </p:cNvPicPr>
-          <p:nvPr/>
-        </p:nvPicPr>
-        <p:blipFill>
-          <a:blip r:embed="rId13">
-            <a:extLst>
-              <a:ext uri="{28A0092B-C50C-407E-A947-70E740481C1C}">
-                <a14:useLocalDpi xmlns:a14="http://schemas.microsoft.com/office/drawing/2010/main" val="0"/>
-              </a:ext>
-            </a:extLst>
-          </a:blip>
-          <a:srcRect/>
-          <a:stretch>
-            <a:fillRect/>
-          </a:stretch>
-        </p:blipFill>
-        <p:spPr bwMode="auto">
-          <a:xfrm>
-            <a:off x="9031512" y="4392524"/>
-            <a:ext cx="2223534" cy="1873806"/>
-          </a:xfrm>
-          <a:prstGeom prst="rect">
-            <a:avLst/>
-          </a:prstGeom>
-          <a:noFill/>
-          <a:extLst>
-            <a:ext uri="{909E8E84-426E-40DD-AFC4-6F175D3DCCD1}">
-              <a14:hiddenFill xmlns:a14="http://schemas.microsoft.com/office/drawing/2010/main">
-                <a:solidFill>
-                  <a:srgbClr val="FFFFFF"/>
-                </a:solidFill>
-              </a14:hiddenFill>
-            </a:ext>
-          </a:extLst>
-        </p:spPr>
-      </p:pic>
-      <p:sp>
-        <p:nvSpPr>
-          <p:cNvPr id="2" name="TextBox 1">
-            <a:extLst>
-              <a:ext uri="{FF2B5EF4-FFF2-40B4-BE49-F238E27FC236}">
-                <a16:creationId xmlns:a16="http://schemas.microsoft.com/office/drawing/2014/main" id="{38654690-6387-129A-02B7-03109470F031}"/>
-              </a:ext>
-            </a:extLst>
-          </p:cNvPr>
-          <p:cNvSpPr txBox="1"/>
-          <p:nvPr/>
-        </p:nvSpPr>
-        <p:spPr>
-          <a:xfrm>
-            <a:off x="4652518" y="6488668"/>
-            <a:ext cx="2994882" cy="369332"/>
-          </a:xfrm>
-          <a:prstGeom prst="rect">
-            <a:avLst/>
-          </a:prstGeom>
-          <a:noFill/>
-        </p:spPr>
-        <p:txBody>
-          <a:bodyPr wrap="square" rtlCol="0">
-            <a:spAutoFit/>
-          </a:bodyPr>
-          <a:lstStyle/>
-          <a:p>
-            <a:r>
-              <a:rPr lang="en-US" dirty="0"/>
-              <a:t>“Pearls” should be uniform</a:t>
-            </a:r>
-          </a:p>
-        </p:txBody>
-      </p:sp>
-      <p:pic>
-        <p:nvPicPr>
-          <p:cNvPr id="1026" name="Picture 2">
-            <a:extLst>
-              <a:ext uri="{FF2B5EF4-FFF2-40B4-BE49-F238E27FC236}">
-                <a16:creationId xmlns:a16="http://schemas.microsoft.com/office/drawing/2014/main" id="{EA3C8CD8-F4F6-7772-A6AB-3D5FC1C0CAA9}"/>
-              </a:ext>
-            </a:extLst>
-          </p:cNvPr>
-          <p:cNvPicPr>
-            <a:picLocks noChangeAspect="1" noChangeArrowheads="1"/>
-          </p:cNvPicPr>
-          <p:nvPr/>
-        </p:nvPicPr>
-        <p:blipFill>
-          <a:blip r:embed="rId14">
-            <a:extLst>
-              <a:ext uri="{28A0092B-C50C-407E-A947-70E740481C1C}">
-                <a14:useLocalDpi xmlns:a14="http://schemas.microsoft.com/office/drawing/2010/main" val="0"/>
-              </a:ext>
-            </a:extLst>
-          </a:blip>
-          <a:srcRect/>
-          <a:stretch>
-            <a:fillRect/>
-          </a:stretch>
-        </p:blipFill>
-        <p:spPr bwMode="auto">
-          <a:xfrm>
-            <a:off x="4885730" y="4150588"/>
-            <a:ext cx="2057545" cy="2177319"/>
-          </a:xfrm>
-          <a:prstGeom prst="rect">
-            <a:avLst/>
-          </a:prstGeom>
-          <a:noFill/>
-          <a:extLst>
-            <a:ext uri="{909E8E84-426E-40DD-AFC4-6F175D3DCCD1}">
-              <a14:hiddenFill xmlns:a14="http://schemas.microsoft.com/office/drawing/2010/main">
-                <a:solidFill>
-                  <a:srgbClr val="FFFFFF"/>
-                </a:solidFill>
-              </a14:hiddenFill>
-            </a:ext>
-          </a:extLst>
-        </p:spPr>
-      </p:pic>
-      <p:pic>
-        <p:nvPicPr>
-          <p:cNvPr id="5" name="Picture 4">
-            <a:extLst>
-              <a:ext uri="{FF2B5EF4-FFF2-40B4-BE49-F238E27FC236}">
-                <a16:creationId xmlns:a16="http://schemas.microsoft.com/office/drawing/2014/main" id="{ACC6ECEA-592A-000B-6ED8-AA4B37879217}"/>
-              </a:ext>
-            </a:extLst>
-          </p:cNvPr>
-          <p:cNvPicPr>
-            <a:picLocks noChangeAspect="1"/>
-          </p:cNvPicPr>
-          <p:nvPr/>
-        </p:nvPicPr>
-        <p:blipFill>
-          <a:blip r:embed="rId15"/>
-          <a:stretch>
-            <a:fillRect/>
-          </a:stretch>
-        </p:blipFill>
-        <p:spPr>
-          <a:xfrm>
-            <a:off x="4832598" y="1489897"/>
-            <a:ext cx="1836198" cy="2422368"/>
-          </a:xfrm>
-          <a:prstGeom prst="rect">
-            <a:avLst/>
-          </a:prstGeom>
-        </p:spPr>
-      </p:pic>
-      <mc:AlternateContent xmlns:mc="http://schemas.openxmlformats.org/markup-compatibility/2006" xmlns:a14="http://schemas.microsoft.com/office/drawing/2010/main">
-        <mc:Choice Requires="a14">
-          <p:sp>
-            <p:nvSpPr>
-              <p:cNvPr id="14" name="TextBox 13">
-                <a:extLst>
-                  <a:ext uri="{FF2B5EF4-FFF2-40B4-BE49-F238E27FC236}">
-                    <a16:creationId xmlns:a16="http://schemas.microsoft.com/office/drawing/2014/main" id="{8E78F023-85D7-9ADE-9024-2EEFD7AAE79D}"/>
-                  </a:ext>
-                </a:extLst>
-              </p:cNvPr>
-              <p:cNvSpPr txBox="1"/>
-              <p:nvPr/>
-            </p:nvSpPr>
-            <p:spPr>
-              <a:xfrm>
-                <a:off x="8896582" y="6488668"/>
-                <a:ext cx="2994882" cy="369332"/>
-              </a:xfrm>
-              <a:prstGeom prst="rect">
-                <a:avLst/>
-              </a:prstGeom>
-              <a:noFill/>
-            </p:spPr>
-            <p:txBody>
-              <a:bodyPr wrap="square" rtlCol="0">
-                <a:spAutoFit/>
-              </a:bodyPr>
-              <a:lstStyle/>
-              <a:p>
-                <a:pPr algn="ctr"/>
-                <a14:m>
-                  <m:oMath xmlns:m="http://schemas.openxmlformats.org/officeDocument/2006/math">
-                    <m:r>
-                      <a:rPr lang="en-US" b="0" i="1" smtClean="0">
-                        <a:latin typeface="Cambria Math" panose="02040503050406030204" pitchFamily="18" charset="0"/>
-                      </a:rPr>
-                      <m:t>𝜎</m:t>
-                    </m:r>
-                    <m:r>
-                      <a:rPr lang="en-US" b="0" i="1" smtClean="0">
-                        <a:latin typeface="Cambria Math" panose="02040503050406030204" pitchFamily="18" charset="0"/>
-                      </a:rPr>
-                      <m:t> </m:t>
-                    </m:r>
-                  </m:oMath>
-                </a14:m>
-                <a:r>
-                  <a:rPr lang="en-US" dirty="0"/>
-                  <a:t>thresh TBD</a:t>
-                </a:r>
-              </a:p>
-            </p:txBody>
-          </p:sp>
-        </mc:Choice>
-        <mc:Fallback xmlns="">
-          <p:sp>
-            <p:nvSpPr>
-              <p:cNvPr id="14" name="TextBox 13">
-                <a:extLst>
-                  <a:ext uri="{FF2B5EF4-FFF2-40B4-BE49-F238E27FC236}">
-                    <a16:creationId xmlns:a16="http://schemas.microsoft.com/office/drawing/2014/main" id="{8E78F023-85D7-9ADE-9024-2EEFD7AAE79D}"/>
-                  </a:ext>
-                </a:extLst>
-              </p:cNvPr>
-              <p:cNvSpPr txBox="1">
-                <a:spLocks noRot="1" noChangeAspect="1" noMove="1" noResize="1" noEditPoints="1" noAdjustHandles="1" noChangeArrowheads="1" noChangeShapeType="1" noTextEdit="1"/>
-              </p:cNvSpPr>
-              <p:nvPr/>
-            </p:nvSpPr>
-            <p:spPr>
-              <a:xfrm>
-                <a:off x="8896582" y="6488668"/>
-                <a:ext cx="2994882" cy="369332"/>
-              </a:xfrm>
-              <a:prstGeom prst="rect">
-                <a:avLst/>
-              </a:prstGeom>
-              <a:blipFill>
-                <a:blip r:embed="rId16"/>
-                <a:stretch>
-                  <a:fillRect t="-6557" b="-26230"/>
                 </a:stretch>
               </a:blipFill>
             </p:spPr>
@@ -6385,7 +6606,7 @@
 </p:sld>
 </file>
 
-<file path=ppt/slides/slide8.xml><?xml version="1.0" encoding="utf-8"?>
+<file path=ppt/slides/slide9.xml><?xml version="1.0" encoding="utf-8"?>
 <p:sld xmlns:a="http://schemas.openxmlformats.org/drawingml/2006/main" xmlns:r="http://schemas.openxmlformats.org/officeDocument/2006/relationships" xmlns:p="http://schemas.openxmlformats.org/presentationml/2006/main">
   <p:cSld>
     <p:spTree>
@@ -6470,7 +6691,7 @@
         </p:blipFill>
         <p:spPr bwMode="auto">
           <a:xfrm>
-            <a:off x="1112722" y="4133351"/>
+            <a:off x="978786" y="4149852"/>
             <a:ext cx="3513067" cy="2357718"/>
           </a:xfrm>
           <a:prstGeom prst="rect">

--- a/SYSG3_paper.pptx
+++ b/SYSG3_paper.pptx
@@ -267,7 +267,7 @@
           <a:p>
             <a:fld id="{E3B1C2F4-07A0-459D-95BE-47AEA2376715}" type="datetimeFigureOut">
               <a:rPr lang="en-US" smtClean="0"/>
-              <a:t>5/8/2025</a:t>
+              <a:t>5/13/2025</a:t>
             </a:fld>
             <a:endParaRPr lang="en-US"/>
           </a:p>
@@ -465,7 +465,7 @@
           <a:p>
             <a:fld id="{E3B1C2F4-07A0-459D-95BE-47AEA2376715}" type="datetimeFigureOut">
               <a:rPr lang="en-US" smtClean="0"/>
-              <a:t>5/8/2025</a:t>
+              <a:t>5/13/2025</a:t>
             </a:fld>
             <a:endParaRPr lang="en-US"/>
           </a:p>
@@ -673,7 +673,7 @@
           <a:p>
             <a:fld id="{E3B1C2F4-07A0-459D-95BE-47AEA2376715}" type="datetimeFigureOut">
               <a:rPr lang="en-US" smtClean="0"/>
-              <a:t>5/8/2025</a:t>
+              <a:t>5/13/2025</a:t>
             </a:fld>
             <a:endParaRPr lang="en-US"/>
           </a:p>
@@ -871,7 +871,7 @@
           <a:p>
             <a:fld id="{E3B1C2F4-07A0-459D-95BE-47AEA2376715}" type="datetimeFigureOut">
               <a:rPr lang="en-US" smtClean="0"/>
-              <a:t>5/8/2025</a:t>
+              <a:t>5/13/2025</a:t>
             </a:fld>
             <a:endParaRPr lang="en-US"/>
           </a:p>
@@ -1146,7 +1146,7 @@
           <a:p>
             <a:fld id="{E3B1C2F4-07A0-459D-95BE-47AEA2376715}" type="datetimeFigureOut">
               <a:rPr lang="en-US" smtClean="0"/>
-              <a:t>5/8/2025</a:t>
+              <a:t>5/13/2025</a:t>
             </a:fld>
             <a:endParaRPr lang="en-US"/>
           </a:p>
@@ -1411,7 +1411,7 @@
           <a:p>
             <a:fld id="{E3B1C2F4-07A0-459D-95BE-47AEA2376715}" type="datetimeFigureOut">
               <a:rPr lang="en-US" smtClean="0"/>
-              <a:t>5/8/2025</a:t>
+              <a:t>5/13/2025</a:t>
             </a:fld>
             <a:endParaRPr lang="en-US"/>
           </a:p>
@@ -1823,7 +1823,7 @@
           <a:p>
             <a:fld id="{E3B1C2F4-07A0-459D-95BE-47AEA2376715}" type="datetimeFigureOut">
               <a:rPr lang="en-US" smtClean="0"/>
-              <a:t>5/8/2025</a:t>
+              <a:t>5/13/2025</a:t>
             </a:fld>
             <a:endParaRPr lang="en-US"/>
           </a:p>
@@ -1964,7 +1964,7 @@
           <a:p>
             <a:fld id="{E3B1C2F4-07A0-459D-95BE-47AEA2376715}" type="datetimeFigureOut">
               <a:rPr lang="en-US" smtClean="0"/>
-              <a:t>5/8/2025</a:t>
+              <a:t>5/13/2025</a:t>
             </a:fld>
             <a:endParaRPr lang="en-US"/>
           </a:p>
@@ -2077,7 +2077,7 @@
           <a:p>
             <a:fld id="{E3B1C2F4-07A0-459D-95BE-47AEA2376715}" type="datetimeFigureOut">
               <a:rPr lang="en-US" smtClean="0"/>
-              <a:t>5/8/2025</a:t>
+              <a:t>5/13/2025</a:t>
             </a:fld>
             <a:endParaRPr lang="en-US"/>
           </a:p>
@@ -2388,7 +2388,7 @@
           <a:p>
             <a:fld id="{E3B1C2F4-07A0-459D-95BE-47AEA2376715}" type="datetimeFigureOut">
               <a:rPr lang="en-US" smtClean="0"/>
-              <a:t>5/8/2025</a:t>
+              <a:t>5/13/2025</a:t>
             </a:fld>
             <a:endParaRPr lang="en-US"/>
           </a:p>
@@ -2676,7 +2676,7 @@
           <a:p>
             <a:fld id="{E3B1C2F4-07A0-459D-95BE-47AEA2376715}" type="datetimeFigureOut">
               <a:rPr lang="en-US" smtClean="0"/>
-              <a:t>5/8/2025</a:t>
+              <a:t>5/13/2025</a:t>
             </a:fld>
             <a:endParaRPr lang="en-US"/>
           </a:p>
@@ -2917,7 +2917,7 @@
           <a:p>
             <a:fld id="{E3B1C2F4-07A0-459D-95BE-47AEA2376715}" type="datetimeFigureOut">
               <a:rPr lang="en-US" smtClean="0"/>
-              <a:t>5/8/2025</a:t>
+              <a:t>5/13/2025</a:t>
             </a:fld>
             <a:endParaRPr lang="en-US"/>
           </a:p>
@@ -4377,10 +4377,10 @@
       </p:sp>
       <p:pic>
         <p:nvPicPr>
-          <p:cNvPr id="1026" name="Picture 2">
-            <a:extLst>
-              <a:ext uri="{FF2B5EF4-FFF2-40B4-BE49-F238E27FC236}">
-                <a16:creationId xmlns:a16="http://schemas.microsoft.com/office/drawing/2014/main" id="{63DE2EAC-2386-97CB-A376-CFB38EEBEABE}"/>
+          <p:cNvPr id="2" name="Picture 2">
+            <a:extLst>
+              <a:ext uri="{FF2B5EF4-FFF2-40B4-BE49-F238E27FC236}">
+                <a16:creationId xmlns:a16="http://schemas.microsoft.com/office/drawing/2014/main" id="{C3CF5437-E2EE-716B-D72D-6C6E2C9BBF4B}"/>
               </a:ext>
             </a:extLst>
           </p:cNvPr>
@@ -4404,8 +4404,8 @@
         </p:blipFill>
         <p:spPr bwMode="auto">
           <a:xfrm>
-            <a:off x="2415201" y="1407459"/>
-            <a:ext cx="7361597" cy="4274766"/>
+            <a:off x="2249021" y="1355072"/>
+            <a:ext cx="7791450" cy="4524375"/>
           </a:xfrm>
           <a:prstGeom prst="rect">
             <a:avLst/>
@@ -5607,40 +5607,57 @@
       </p:grpSpPr>
       <p:pic>
         <p:nvPicPr>
-          <p:cNvPr id="6" name="Picture 5">
-            <a:extLst>
-              <a:ext uri="{FF2B5EF4-FFF2-40B4-BE49-F238E27FC236}">
-                <a16:creationId xmlns:a16="http://schemas.microsoft.com/office/drawing/2014/main" id="{9DFD2A8E-5DCF-B051-ECD1-DBAE47466D9A}"/>
+          <p:cNvPr id="27" name="Picture 2">
+            <a:extLst>
+              <a:ext uri="{FF2B5EF4-FFF2-40B4-BE49-F238E27FC236}">
+                <a16:creationId xmlns:a16="http://schemas.microsoft.com/office/drawing/2014/main" id="{BB6EA0D5-2AA7-C3F4-FE9F-54ADABEBCF79}"/>
               </a:ext>
             </a:extLst>
           </p:cNvPr>
           <p:cNvPicPr>
-            <a:picLocks noChangeAspect="1"/>
+            <a:picLocks noChangeAspect="1" noChangeArrowheads="1"/>
           </p:cNvPicPr>
           <p:nvPr/>
         </p:nvPicPr>
         <p:blipFill>
-          <a:blip r:embed="rId2"/>
+          <a:blip r:embed="rId2">
+            <a:extLst>
+              <a:ext uri="{28A0092B-C50C-407E-A947-70E740481C1C}">
+                <a14:useLocalDpi xmlns:a14="http://schemas.microsoft.com/office/drawing/2010/main" val="0"/>
+              </a:ext>
+            </a:extLst>
+          </a:blip>
+          <a:srcRect/>
           <a:stretch>
             <a:fillRect/>
           </a:stretch>
         </p:blipFill>
-        <p:spPr>
+        <p:spPr bwMode="auto">
           <a:xfrm>
-            <a:off x="1900359" y="1525704"/>
-            <a:ext cx="1746696" cy="2348336"/>
+            <a:off x="680443" y="4452793"/>
+            <a:ext cx="2230086" cy="1879327"/>
           </a:xfrm>
           <a:prstGeom prst="rect">
             <a:avLst/>
           </a:prstGeom>
+          <a:noFill/>
+          <a:extLst>
+            <a:ext uri="{909E8E84-426E-40DD-AFC4-6F175D3DCCD1}">
+              <a14:hiddenFill xmlns:a14="http://schemas.microsoft.com/office/drawing/2010/main">
+                <a:solidFill>
+                  <a:srgbClr val="FFFFFF"/>
+                </a:solidFill>
+              </a14:hiddenFill>
+            </a:ext>
+          </a:extLst>
         </p:spPr>
       </p:pic>
       <p:pic>
         <p:nvPicPr>
-          <p:cNvPr id="12" name="Picture 11">
-            <a:extLst>
-              <a:ext uri="{FF2B5EF4-FFF2-40B4-BE49-F238E27FC236}">
-                <a16:creationId xmlns:a16="http://schemas.microsoft.com/office/drawing/2014/main" id="{8FF23A00-D1CB-D0FD-0A1A-D6EBF9D38EAA}"/>
+          <p:cNvPr id="6" name="Picture 5">
+            <a:extLst>
+              <a:ext uri="{FF2B5EF4-FFF2-40B4-BE49-F238E27FC236}">
+                <a16:creationId xmlns:a16="http://schemas.microsoft.com/office/drawing/2014/main" id="{9DFD2A8E-5DCF-B051-ECD1-DBAE47466D9A}"/>
               </a:ext>
             </a:extLst>
           </p:cNvPr>
@@ -5657,8 +5674,8 @@
         </p:blipFill>
         <p:spPr>
           <a:xfrm>
-            <a:off x="7685215" y="1413038"/>
-            <a:ext cx="1574814" cy="2531760"/>
+            <a:off x="2751131" y="1556321"/>
+            <a:ext cx="1746696" cy="2348336"/>
           </a:xfrm>
           <a:prstGeom prst="rect">
             <a:avLst/>
@@ -5687,7 +5704,7 @@
         </p:blipFill>
         <p:spPr>
           <a:xfrm>
-            <a:off x="9925511" y="1604882"/>
+            <a:off x="9199693" y="1607156"/>
             <a:ext cx="1631374" cy="2325576"/>
           </a:xfrm>
           <a:prstGeom prst="rect">
@@ -5709,7 +5726,7 @@
         </p:nvSpPr>
         <p:spPr>
           <a:xfrm>
-            <a:off x="957991" y="354542"/>
+            <a:off x="1645962" y="247374"/>
             <a:ext cx="9436032" cy="369332"/>
           </a:xfrm>
           <a:prstGeom prst="rect">
@@ -5746,7 +5763,7 @@
             </p:nvSpPr>
             <p:spPr>
               <a:xfrm>
-                <a:off x="2266489" y="914349"/>
+                <a:off x="3188979" y="954838"/>
                 <a:ext cx="1237130" cy="369332"/>
               </a:xfrm>
               <a:prstGeom prst="rect">
@@ -5804,7 +5821,7 @@
             </p:nvSpPr>
             <p:spPr>
               <a:xfrm>
-                <a:off x="2266489" y="914349"/>
+                <a:off x="3188979" y="954838"/>
                 <a:ext cx="1237130" cy="369332"/>
               </a:xfrm>
               <a:prstGeom prst="rect">
@@ -5848,7 +5865,7 @@
             </p:nvSpPr>
             <p:spPr>
               <a:xfrm>
-                <a:off x="4389437" y="914349"/>
+                <a:off x="5083981" y="954838"/>
                 <a:ext cx="1525469" cy="369332"/>
               </a:xfrm>
               <a:prstGeom prst="rect">
@@ -5912,7 +5929,7 @@
             </p:nvSpPr>
             <p:spPr>
               <a:xfrm>
-                <a:off x="4389437" y="914349"/>
+                <a:off x="5083981" y="954838"/>
                 <a:ext cx="1525469" cy="369332"/>
               </a:xfrm>
               <a:prstGeom prst="rect">
@@ -5969,8 +5986,8 @@
         </p:blipFill>
         <p:spPr bwMode="auto">
           <a:xfrm>
-            <a:off x="1714113" y="4292791"/>
-            <a:ext cx="2341881" cy="1973539"/>
+            <a:off x="2828399" y="4479419"/>
+            <a:ext cx="2156752" cy="1817528"/>
           </a:xfrm>
           <a:prstGeom prst="rect">
             <a:avLst/>
@@ -6003,7 +6020,7 @@
             </p:nvSpPr>
             <p:spPr>
               <a:xfrm>
-                <a:off x="8022899" y="893530"/>
+                <a:off x="7288117" y="911068"/>
                 <a:ext cx="1318040" cy="369332"/>
               </a:xfrm>
               <a:prstGeom prst="rect">
@@ -6017,7 +6034,6 @@
               </a:bodyPr>
               <a:lstStyle/>
               <a:p>
-                <a:pPr/>
                 <a14:m>
                   <m:oMath xmlns:m="http://schemas.openxmlformats.org/officeDocument/2006/math">
                     <m:r>
@@ -6036,7 +6052,7 @@
                 </a14:m>
                 <a:r>
                   <a:rPr lang="en-US" dirty="0"/>
-                  <a:t>5?</a:t>
+                  <a:t>5</a:t>
                 </a:r>
               </a:p>
             </p:txBody>
@@ -6059,7 +6075,7 @@
             </p:nvSpPr>
             <p:spPr>
               <a:xfrm>
-                <a:off x="8022899" y="893530"/>
+                <a:off x="7288117" y="911068"/>
                 <a:ext cx="1318040" cy="369332"/>
               </a:xfrm>
               <a:prstGeom prst="rect">
@@ -6068,7 +6084,7 @@
               <a:blipFill>
                 <a:blip r:embed="rId8"/>
                 <a:stretch>
-                  <a:fillRect t="-8333" r="-1852" b="-28333"/>
+                  <a:fillRect t="-6557" b="-26230"/>
                 </a:stretch>
               </a:blipFill>
             </p:spPr>
@@ -6103,7 +6119,7 @@
             </p:nvSpPr>
             <p:spPr>
               <a:xfrm>
-                <a:off x="10013026" y="931316"/>
+                <a:off x="9358926" y="943462"/>
                 <a:ext cx="1237130" cy="369332"/>
               </a:xfrm>
               <a:prstGeom prst="rect">
@@ -6161,7 +6177,7 @@
             </p:nvSpPr>
             <p:spPr>
               <a:xfrm>
-                <a:off x="10013026" y="931316"/>
+                <a:off x="9358926" y="943462"/>
                 <a:ext cx="1237130" cy="369332"/>
               </a:xfrm>
               <a:prstGeom prst="rect">
@@ -6191,10 +6207,10 @@
       </mc:AlternateContent>
       <p:pic>
         <p:nvPicPr>
-          <p:cNvPr id="1036" name="Picture 12">
-            <a:extLst>
-              <a:ext uri="{FF2B5EF4-FFF2-40B4-BE49-F238E27FC236}">
-                <a16:creationId xmlns:a16="http://schemas.microsoft.com/office/drawing/2014/main" id="{ED2D560D-545E-F023-2562-68B02589EADA}"/>
+          <p:cNvPr id="1038" name="Picture 14">
+            <a:extLst>
+              <a:ext uri="{FF2B5EF4-FFF2-40B4-BE49-F238E27FC236}">
+                <a16:creationId xmlns:a16="http://schemas.microsoft.com/office/drawing/2014/main" id="{2F3EA6DD-CC07-C71C-3956-CE407FF6B318}"/>
               </a:ext>
             </a:extLst>
           </p:cNvPr>
@@ -6218,8 +6234,8 @@
         </p:blipFill>
         <p:spPr bwMode="auto">
           <a:xfrm>
-            <a:off x="7685215" y="4095893"/>
-            <a:ext cx="2057545" cy="2407565"/>
+            <a:off x="8903613" y="4411244"/>
+            <a:ext cx="2223534" cy="1873806"/>
           </a:xfrm>
           <a:prstGeom prst="rect">
             <a:avLst/>
@@ -6238,92 +6254,40 @@
       </p:pic>
       <p:pic>
         <p:nvPicPr>
-          <p:cNvPr id="1038" name="Picture 14">
-            <a:extLst>
-              <a:ext uri="{FF2B5EF4-FFF2-40B4-BE49-F238E27FC236}">
-                <a16:creationId xmlns:a16="http://schemas.microsoft.com/office/drawing/2014/main" id="{2F3EA6DD-CC07-C71C-3956-CE407FF6B318}"/>
+          <p:cNvPr id="5" name="Picture 4">
+            <a:extLst>
+              <a:ext uri="{FF2B5EF4-FFF2-40B4-BE49-F238E27FC236}">
+                <a16:creationId xmlns:a16="http://schemas.microsoft.com/office/drawing/2014/main" id="{ACC6ECEA-592A-000B-6ED8-AA4B37879217}"/>
               </a:ext>
             </a:extLst>
           </p:cNvPr>
           <p:cNvPicPr>
-            <a:picLocks noChangeAspect="1" noChangeArrowheads="1"/>
+            <a:picLocks noChangeAspect="1"/>
           </p:cNvPicPr>
           <p:nvPr/>
         </p:nvPicPr>
         <p:blipFill>
-          <a:blip r:embed="rId11">
-            <a:extLst>
-              <a:ext uri="{28A0092B-C50C-407E-A947-70E740481C1C}">
-                <a14:useLocalDpi xmlns:a14="http://schemas.microsoft.com/office/drawing/2010/main" val="0"/>
-              </a:ext>
-            </a:extLst>
-          </a:blip>
-          <a:srcRect/>
+          <a:blip r:embed="rId11"/>
           <a:stretch>
             <a:fillRect/>
           </a:stretch>
         </p:blipFill>
-        <p:spPr bwMode="auto">
+        <p:spPr>
           <a:xfrm>
-            <a:off x="9629431" y="4392524"/>
-            <a:ext cx="2223534" cy="1873806"/>
+            <a:off x="4761006" y="1538707"/>
+            <a:ext cx="1892294" cy="2496372"/>
           </a:xfrm>
           <a:prstGeom prst="rect">
             <a:avLst/>
           </a:prstGeom>
-          <a:noFill/>
-          <a:extLst>
-            <a:ext uri="{909E8E84-426E-40DD-AFC4-6F175D3DCCD1}">
-              <a14:hiddenFill xmlns:a14="http://schemas.microsoft.com/office/drawing/2010/main">
-                <a:solidFill>
-                  <a:srgbClr val="FFFFFF"/>
-                </a:solidFill>
-              </a14:hiddenFill>
-            </a:ext>
-          </a:extLst>
         </p:spPr>
       </p:pic>
-      <p:sp>
-        <p:nvSpPr>
-          <p:cNvPr id="2" name="TextBox 1">
-            <a:extLst>
-              <a:ext uri="{FF2B5EF4-FFF2-40B4-BE49-F238E27FC236}">
-                <a16:creationId xmlns:a16="http://schemas.microsoft.com/office/drawing/2014/main" id="{38654690-6387-129A-02B7-03109470F031}"/>
-              </a:ext>
-            </a:extLst>
-          </p:cNvPr>
-          <p:cNvSpPr txBox="1"/>
-          <p:nvPr/>
-        </p:nvSpPr>
-        <p:spPr>
-          <a:xfrm>
-            <a:off x="4652518" y="6488668"/>
-            <a:ext cx="2994882" cy="369332"/>
-          </a:xfrm>
-          <a:prstGeom prst="rect">
-            <a:avLst/>
-          </a:prstGeom>
-          <a:noFill/>
-        </p:spPr>
-        <p:txBody>
-          <a:bodyPr wrap="square" rtlCol="0">
-            <a:spAutoFit/>
-          </a:bodyPr>
-          <a:lstStyle/>
-          <a:p>
-            <a:r>
-              <a:rPr lang="en-US" dirty="0"/>
-              <a:t>“Pearls” should be uniform</a:t>
-            </a:r>
-          </a:p>
-        </p:txBody>
-      </p:sp>
       <p:pic>
         <p:nvPicPr>
-          <p:cNvPr id="5" name="Picture 4">
-            <a:extLst>
-              <a:ext uri="{FF2B5EF4-FFF2-40B4-BE49-F238E27FC236}">
-                <a16:creationId xmlns:a16="http://schemas.microsoft.com/office/drawing/2014/main" id="{ACC6ECEA-592A-000B-6ED8-AA4B37879217}"/>
+          <p:cNvPr id="11" name="Picture 10">
+            <a:extLst>
+              <a:ext uri="{FF2B5EF4-FFF2-40B4-BE49-F238E27FC236}">
+                <a16:creationId xmlns:a16="http://schemas.microsoft.com/office/drawing/2014/main" id="{406B3EA0-7D03-289E-17D2-C246CF09B9D7}"/>
               </a:ext>
             </a:extLst>
           </p:cNvPr>
@@ -6340,8 +6304,8 @@
         </p:blipFill>
         <p:spPr>
           <a:xfrm>
-            <a:off x="4138180" y="1508090"/>
-            <a:ext cx="1836198" cy="2422368"/>
+            <a:off x="4781957" y="4259488"/>
+            <a:ext cx="2057544" cy="2177319"/>
           </a:xfrm>
           <a:prstGeom prst="rect">
             <a:avLst/>
@@ -6350,10 +6314,10 @@
       </p:pic>
       <p:pic>
         <p:nvPicPr>
-          <p:cNvPr id="4" name="Picture 3">
-            <a:extLst>
-              <a:ext uri="{FF2B5EF4-FFF2-40B4-BE49-F238E27FC236}">
-                <a16:creationId xmlns:a16="http://schemas.microsoft.com/office/drawing/2014/main" id="{7A6DAF14-91F8-7B35-A263-A663BA4EAF04}"/>
+          <p:cNvPr id="17" name="Picture 16">
+            <a:extLst>
+              <a:ext uri="{FF2B5EF4-FFF2-40B4-BE49-F238E27FC236}">
+                <a16:creationId xmlns:a16="http://schemas.microsoft.com/office/drawing/2014/main" id="{E8D234D4-4820-D053-F339-2D32E7706173}"/>
               </a:ext>
             </a:extLst>
           </p:cNvPr>
@@ -6370,8 +6334,8 @@
         </p:blipFill>
         <p:spPr>
           <a:xfrm>
-            <a:off x="240825" y="1489897"/>
-            <a:ext cx="1607070" cy="2281795"/>
+            <a:off x="7027101" y="1533370"/>
+            <a:ext cx="1659854" cy="2559246"/>
           </a:xfrm>
           <a:prstGeom prst="rect">
             <a:avLst/>
@@ -6380,70 +6344,10 @@
       </p:pic>
       <p:pic>
         <p:nvPicPr>
-          <p:cNvPr id="11" name="Picture 10">
-            <a:extLst>
-              <a:ext uri="{FF2B5EF4-FFF2-40B4-BE49-F238E27FC236}">
-                <a16:creationId xmlns:a16="http://schemas.microsoft.com/office/drawing/2014/main" id="{406B3EA0-7D03-289E-17D2-C246CF09B9D7}"/>
-              </a:ext>
-            </a:extLst>
-          </p:cNvPr>
-          <p:cNvPicPr>
-            <a:picLocks noChangeAspect="1"/>
-          </p:cNvPicPr>
-          <p:nvPr/>
-        </p:nvPicPr>
-        <p:blipFill>
-          <a:blip r:embed="rId14"/>
-          <a:stretch>
-            <a:fillRect/>
-          </a:stretch>
-        </p:blipFill>
-        <p:spPr>
-          <a:xfrm>
-            <a:off x="4092415" y="4240767"/>
-            <a:ext cx="2057544" cy="2177319"/>
-          </a:xfrm>
-          <a:prstGeom prst="rect">
-            <a:avLst/>
-          </a:prstGeom>
-        </p:spPr>
-      </p:pic>
-      <p:pic>
-        <p:nvPicPr>
-          <p:cNvPr id="18" name="Picture 17">
-            <a:extLst>
-              <a:ext uri="{FF2B5EF4-FFF2-40B4-BE49-F238E27FC236}">
-                <a16:creationId xmlns:a16="http://schemas.microsoft.com/office/drawing/2014/main" id="{E315708B-0A30-9E7E-81A2-35D352F0A0CB}"/>
-              </a:ext>
-            </a:extLst>
-          </p:cNvPr>
-          <p:cNvPicPr>
-            <a:picLocks noChangeAspect="1"/>
-          </p:cNvPicPr>
-          <p:nvPr/>
-        </p:nvPicPr>
-        <p:blipFill>
-          <a:blip r:embed="rId15"/>
-          <a:stretch>
-            <a:fillRect/>
-          </a:stretch>
-        </p:blipFill>
-        <p:spPr>
-          <a:xfrm>
-            <a:off x="5937340" y="1489897"/>
-            <a:ext cx="1659854" cy="2531761"/>
-          </a:xfrm>
-          <a:prstGeom prst="rect">
-            <a:avLst/>
-          </a:prstGeom>
-        </p:spPr>
-      </p:pic>
-      <p:pic>
-        <p:nvPicPr>
-          <p:cNvPr id="2050" name="Picture 2">
-            <a:extLst>
-              <a:ext uri="{FF2B5EF4-FFF2-40B4-BE49-F238E27FC236}">
-                <a16:creationId xmlns:a16="http://schemas.microsoft.com/office/drawing/2014/main" id="{E3FF28B5-F9B8-AF66-F97A-E2639D73CE0F}"/>
+          <p:cNvPr id="20" name="Picture 2">
+            <a:extLst>
+              <a:ext uri="{FF2B5EF4-FFF2-40B4-BE49-F238E27FC236}">
+                <a16:creationId xmlns:a16="http://schemas.microsoft.com/office/drawing/2014/main" id="{BE025E67-221A-FCE4-B307-3FF4B6B21FE7}"/>
               </a:ext>
             </a:extLst>
           </p:cNvPr>
@@ -6453,7 +6357,7 @@
           <p:nvPr/>
         </p:nvPicPr>
         <p:blipFill>
-          <a:blip r:embed="rId16">
+          <a:blip r:embed="rId14">
             <a:extLst>
               <a:ext uri="{28A0092B-C50C-407E-A947-70E740481C1C}">
                 <a14:useLocalDpi xmlns:a14="http://schemas.microsoft.com/office/drawing/2010/main" val="0"/>
@@ -6467,8 +6371,8 @@
         </p:blipFill>
         <p:spPr bwMode="auto">
           <a:xfrm>
-            <a:off x="6000210" y="4267843"/>
-            <a:ext cx="1833391" cy="2145278"/>
+            <a:off x="7026712" y="4259488"/>
+            <a:ext cx="1796609" cy="2177319"/>
           </a:xfrm>
           <a:prstGeom prst="rect">
             <a:avLst/>
@@ -6489,10 +6393,10 @@
         <mc:Choice xmlns:a14="http://schemas.microsoft.com/office/drawing/2010/main" Requires="a14">
           <p:sp>
             <p:nvSpPr>
-              <p:cNvPr id="19" name="TextBox 18">
+              <p:cNvPr id="25" name="TextBox 24">
                 <a:extLst>
                   <a:ext uri="{FF2B5EF4-FFF2-40B4-BE49-F238E27FC236}">
-                    <a16:creationId xmlns:a16="http://schemas.microsoft.com/office/drawing/2014/main" id="{F2C5BF87-2AA1-EB0C-20BE-B82C3AA162B1}"/>
+                    <a16:creationId xmlns:a16="http://schemas.microsoft.com/office/drawing/2014/main" id="{17163C2C-ABBF-3700-264D-E93F94C0B106}"/>
                   </a:ext>
                 </a:extLst>
               </p:cNvPr>
@@ -6501,8 +6405,8 @@
             </p:nvSpPr>
             <p:spPr>
               <a:xfrm>
-                <a:off x="6121931" y="893530"/>
-                <a:ext cx="1525469" cy="369332"/>
+                <a:off x="1145535" y="971805"/>
+                <a:ext cx="1237130" cy="369332"/>
               </a:xfrm>
               <a:prstGeom prst="rect">
                 <a:avLst/>
@@ -6532,13 +6436,7 @@
                         <a:rPr lang="en-US" b="0" i="1" smtClean="0">
                           <a:latin typeface="Cambria Math" panose="02040503050406030204" pitchFamily="18" charset="0"/>
                         </a:rPr>
-                        <m:t>=0.0</m:t>
-                      </m:r>
-                      <m:r>
-                        <a:rPr lang="en-US" b="0" i="0" smtClean="0">
-                          <a:latin typeface="Cambria Math" panose="02040503050406030204" pitchFamily="18" charset="0"/>
-                        </a:rPr>
-                        <m:t>50</m:t>
+                        <m:t>=0.005</m:t>
                       </m:r>
                     </m:oMath>
                   </m:oMathPara>
@@ -6551,10 +6449,10 @@
         <mc:Fallback>
           <p:sp>
             <p:nvSpPr>
-              <p:cNvPr id="19" name="TextBox 18">
+              <p:cNvPr id="25" name="TextBox 24">
                 <a:extLst>
                   <a:ext uri="{FF2B5EF4-FFF2-40B4-BE49-F238E27FC236}">
-                    <a16:creationId xmlns:a16="http://schemas.microsoft.com/office/drawing/2014/main" id="{F2C5BF87-2AA1-EB0C-20BE-B82C3AA162B1}"/>
+                    <a16:creationId xmlns:a16="http://schemas.microsoft.com/office/drawing/2014/main" id="{17163C2C-ABBF-3700-264D-E93F94C0B106}"/>
                   </a:ext>
                 </a:extLst>
               </p:cNvPr>
@@ -6565,14 +6463,14 @@
             </p:nvSpPr>
             <p:spPr>
               <a:xfrm>
-                <a:off x="6121931" y="893530"/>
-                <a:ext cx="1525469" cy="369332"/>
+                <a:off x="1145535" y="971805"/>
+                <a:ext cx="1237130" cy="369332"/>
               </a:xfrm>
               <a:prstGeom prst="rect">
                 <a:avLst/>
               </a:prstGeom>
               <a:blipFill>
-                <a:blip r:embed="rId17"/>
+                <a:blip r:embed="rId15"/>
                 <a:stretch>
                   <a:fillRect/>
                 </a:stretch>
@@ -6593,6 +6491,36 @@
           </p:sp>
         </mc:Fallback>
       </mc:AlternateContent>
+      <p:pic>
+        <p:nvPicPr>
+          <p:cNvPr id="26" name="Picture 25">
+            <a:extLst>
+              <a:ext uri="{FF2B5EF4-FFF2-40B4-BE49-F238E27FC236}">
+                <a16:creationId xmlns:a16="http://schemas.microsoft.com/office/drawing/2014/main" id="{6E967488-28C5-3385-A498-0DB307D293BA}"/>
+              </a:ext>
+            </a:extLst>
+          </p:cNvPr>
+          <p:cNvPicPr>
+            <a:picLocks noChangeAspect="1"/>
+          </p:cNvPicPr>
+          <p:nvPr/>
+        </p:nvPicPr>
+        <p:blipFill>
+          <a:blip r:embed="rId16"/>
+          <a:stretch>
+            <a:fillRect/>
+          </a:stretch>
+        </p:blipFill>
+        <p:spPr>
+          <a:xfrm>
+            <a:off x="680443" y="1953292"/>
+            <a:ext cx="1994052" cy="1951365"/>
+          </a:xfrm>
+          <a:prstGeom prst="rect">
+            <a:avLst/>
+          </a:prstGeom>
+        </p:spPr>
+      </p:pic>
     </p:spTree>
     <p:extLst>
       <p:ext uri="{BB962C8B-B14F-4D97-AF65-F5344CB8AC3E}">

--- a/SYSG3_paper.pptx
+++ b/SYSG3_paper.pptx
@@ -267,7 +267,7 @@
           <a:p>
             <a:fld id="{E3B1C2F4-07A0-459D-95BE-47AEA2376715}" type="datetimeFigureOut">
               <a:rPr lang="en-US" smtClean="0"/>
-              <a:t>5/13/2025</a:t>
+              <a:t>5/14/2025</a:t>
             </a:fld>
             <a:endParaRPr lang="en-US"/>
           </a:p>
@@ -465,7 +465,7 @@
           <a:p>
             <a:fld id="{E3B1C2F4-07A0-459D-95BE-47AEA2376715}" type="datetimeFigureOut">
               <a:rPr lang="en-US" smtClean="0"/>
-              <a:t>5/13/2025</a:t>
+              <a:t>5/14/2025</a:t>
             </a:fld>
             <a:endParaRPr lang="en-US"/>
           </a:p>
@@ -673,7 +673,7 @@
           <a:p>
             <a:fld id="{E3B1C2F4-07A0-459D-95BE-47AEA2376715}" type="datetimeFigureOut">
               <a:rPr lang="en-US" smtClean="0"/>
-              <a:t>5/13/2025</a:t>
+              <a:t>5/14/2025</a:t>
             </a:fld>
             <a:endParaRPr lang="en-US"/>
           </a:p>
@@ -871,7 +871,7 @@
           <a:p>
             <a:fld id="{E3B1C2F4-07A0-459D-95BE-47AEA2376715}" type="datetimeFigureOut">
               <a:rPr lang="en-US" smtClean="0"/>
-              <a:t>5/13/2025</a:t>
+              <a:t>5/14/2025</a:t>
             </a:fld>
             <a:endParaRPr lang="en-US"/>
           </a:p>
@@ -1146,7 +1146,7 @@
           <a:p>
             <a:fld id="{E3B1C2F4-07A0-459D-95BE-47AEA2376715}" type="datetimeFigureOut">
               <a:rPr lang="en-US" smtClean="0"/>
-              <a:t>5/13/2025</a:t>
+              <a:t>5/14/2025</a:t>
             </a:fld>
             <a:endParaRPr lang="en-US"/>
           </a:p>
@@ -1411,7 +1411,7 @@
           <a:p>
             <a:fld id="{E3B1C2F4-07A0-459D-95BE-47AEA2376715}" type="datetimeFigureOut">
               <a:rPr lang="en-US" smtClean="0"/>
-              <a:t>5/13/2025</a:t>
+              <a:t>5/14/2025</a:t>
             </a:fld>
             <a:endParaRPr lang="en-US"/>
           </a:p>
@@ -1823,7 +1823,7 @@
           <a:p>
             <a:fld id="{E3B1C2F4-07A0-459D-95BE-47AEA2376715}" type="datetimeFigureOut">
               <a:rPr lang="en-US" smtClean="0"/>
-              <a:t>5/13/2025</a:t>
+              <a:t>5/14/2025</a:t>
             </a:fld>
             <a:endParaRPr lang="en-US"/>
           </a:p>
@@ -1964,7 +1964,7 @@
           <a:p>
             <a:fld id="{E3B1C2F4-07A0-459D-95BE-47AEA2376715}" type="datetimeFigureOut">
               <a:rPr lang="en-US" smtClean="0"/>
-              <a:t>5/13/2025</a:t>
+              <a:t>5/14/2025</a:t>
             </a:fld>
             <a:endParaRPr lang="en-US"/>
           </a:p>
@@ -2077,7 +2077,7 @@
           <a:p>
             <a:fld id="{E3B1C2F4-07A0-459D-95BE-47AEA2376715}" type="datetimeFigureOut">
               <a:rPr lang="en-US" smtClean="0"/>
-              <a:t>5/13/2025</a:t>
+              <a:t>5/14/2025</a:t>
             </a:fld>
             <a:endParaRPr lang="en-US"/>
           </a:p>
@@ -2388,7 +2388,7 @@
           <a:p>
             <a:fld id="{E3B1C2F4-07A0-459D-95BE-47AEA2376715}" type="datetimeFigureOut">
               <a:rPr lang="en-US" smtClean="0"/>
-              <a:t>5/13/2025</a:t>
+              <a:t>5/14/2025</a:t>
             </a:fld>
             <a:endParaRPr lang="en-US"/>
           </a:p>
@@ -2676,7 +2676,7 @@
           <a:p>
             <a:fld id="{E3B1C2F4-07A0-459D-95BE-47AEA2376715}" type="datetimeFigureOut">
               <a:rPr lang="en-US" smtClean="0"/>
-              <a:t>5/13/2025</a:t>
+              <a:t>5/14/2025</a:t>
             </a:fld>
             <a:endParaRPr lang="en-US"/>
           </a:p>
@@ -2917,7 +2917,7 @@
           <a:p>
             <a:fld id="{E3B1C2F4-07A0-459D-95BE-47AEA2376715}" type="datetimeFigureOut">
               <a:rPr lang="en-US" smtClean="0"/>
-              <a:t>5/13/2025</a:t>
+              <a:t>5/14/2025</a:t>
             </a:fld>
             <a:endParaRPr lang="en-US"/>
           </a:p>
@@ -5607,53 +5607,6 @@
       </p:grpSpPr>
       <p:pic>
         <p:nvPicPr>
-          <p:cNvPr id="27" name="Picture 2">
-            <a:extLst>
-              <a:ext uri="{FF2B5EF4-FFF2-40B4-BE49-F238E27FC236}">
-                <a16:creationId xmlns:a16="http://schemas.microsoft.com/office/drawing/2014/main" id="{BB6EA0D5-2AA7-C3F4-FE9F-54ADABEBCF79}"/>
-              </a:ext>
-            </a:extLst>
-          </p:cNvPr>
-          <p:cNvPicPr>
-            <a:picLocks noChangeAspect="1" noChangeArrowheads="1"/>
-          </p:cNvPicPr>
-          <p:nvPr/>
-        </p:nvPicPr>
-        <p:blipFill>
-          <a:blip r:embed="rId2">
-            <a:extLst>
-              <a:ext uri="{28A0092B-C50C-407E-A947-70E740481C1C}">
-                <a14:useLocalDpi xmlns:a14="http://schemas.microsoft.com/office/drawing/2010/main" val="0"/>
-              </a:ext>
-            </a:extLst>
-          </a:blip>
-          <a:srcRect/>
-          <a:stretch>
-            <a:fillRect/>
-          </a:stretch>
-        </p:blipFill>
-        <p:spPr bwMode="auto">
-          <a:xfrm>
-            <a:off x="680443" y="4452793"/>
-            <a:ext cx="2230086" cy="1879327"/>
-          </a:xfrm>
-          <a:prstGeom prst="rect">
-            <a:avLst/>
-          </a:prstGeom>
-          <a:noFill/>
-          <a:extLst>
-            <a:ext uri="{909E8E84-426E-40DD-AFC4-6F175D3DCCD1}">
-              <a14:hiddenFill xmlns:a14="http://schemas.microsoft.com/office/drawing/2010/main">
-                <a:solidFill>
-                  <a:srgbClr val="FFFFFF"/>
-                </a:solidFill>
-              </a14:hiddenFill>
-            </a:ext>
-          </a:extLst>
-        </p:spPr>
-      </p:pic>
-      <p:pic>
-        <p:nvPicPr>
           <p:cNvPr id="6" name="Picture 5">
             <a:extLst>
               <a:ext uri="{FF2B5EF4-FFF2-40B4-BE49-F238E27FC236}">
@@ -5667,7 +5620,7 @@
           <p:nvPr/>
         </p:nvPicPr>
         <p:blipFill>
-          <a:blip r:embed="rId3"/>
+          <a:blip r:embed="rId2"/>
           <a:stretch>
             <a:fillRect/>
           </a:stretch>
@@ -5697,7 +5650,7 @@
           <p:nvPr/>
         </p:nvPicPr>
         <p:blipFill>
-          <a:blip r:embed="rId4"/>
+          <a:blip r:embed="rId3"/>
           <a:stretch>
             <a:fillRect/>
           </a:stretch>
@@ -5747,8 +5700,8 @@
           </a:p>
         </p:txBody>
       </p:sp>
-      <mc:AlternateContent xmlns:mc="http://schemas.openxmlformats.org/markup-compatibility/2006">
-        <mc:Choice xmlns:a14="http://schemas.microsoft.com/office/drawing/2010/main" Requires="a14">
+      <mc:AlternateContent xmlns:mc="http://schemas.openxmlformats.org/markup-compatibility/2006" xmlns:a14="http://schemas.microsoft.com/office/drawing/2010/main">
+        <mc:Choice Requires="a14">
           <p:sp>
             <p:nvSpPr>
               <p:cNvPr id="7" name="TextBox 6">
@@ -5804,7 +5757,7 @@
             </p:txBody>
           </p:sp>
         </mc:Choice>
-        <mc:Fallback>
+        <mc:Fallback xmlns="">
           <p:sp>
             <p:nvSpPr>
               <p:cNvPr id="7" name="TextBox 6">
@@ -5849,8 +5802,8 @@
           </p:sp>
         </mc:Fallback>
       </mc:AlternateContent>
-      <mc:AlternateContent xmlns:mc="http://schemas.openxmlformats.org/markup-compatibility/2006">
-        <mc:Choice xmlns:a14="http://schemas.microsoft.com/office/drawing/2010/main" Requires="a14">
+      <mc:AlternateContent xmlns:mc="http://schemas.openxmlformats.org/markup-compatibility/2006" xmlns:a14="http://schemas.microsoft.com/office/drawing/2010/main">
+        <mc:Choice Requires="a14">
           <p:sp>
             <p:nvSpPr>
               <p:cNvPr id="8" name="TextBox 7">
@@ -5912,7 +5865,7 @@
             </p:txBody>
           </p:sp>
         </mc:Choice>
-        <mc:Fallback>
+        <mc:Fallback xmlns="">
           <p:sp>
             <p:nvSpPr>
               <p:cNvPr id="8" name="TextBox 7">
@@ -6004,8 +5957,8 @@
           </a:extLst>
         </p:spPr>
       </p:pic>
-      <mc:AlternateContent xmlns:mc="http://schemas.openxmlformats.org/markup-compatibility/2006">
-        <mc:Choice xmlns:a14="http://schemas.microsoft.com/office/drawing/2010/main" Requires="a14">
+      <mc:AlternateContent xmlns:mc="http://schemas.openxmlformats.org/markup-compatibility/2006" xmlns:a14="http://schemas.microsoft.com/office/drawing/2010/main">
+        <mc:Choice Requires="a14">
           <p:sp>
             <p:nvSpPr>
               <p:cNvPr id="9" name="TextBox 8">
@@ -6058,7 +6011,7 @@
             </p:txBody>
           </p:sp>
         </mc:Choice>
-        <mc:Fallback>
+        <mc:Fallback xmlns="">
           <p:sp>
             <p:nvSpPr>
               <p:cNvPr id="9" name="TextBox 8">
@@ -6103,8 +6056,8 @@
           </p:sp>
         </mc:Fallback>
       </mc:AlternateContent>
-      <mc:AlternateContent xmlns:mc="http://schemas.openxmlformats.org/markup-compatibility/2006">
-        <mc:Choice xmlns:a14="http://schemas.microsoft.com/office/drawing/2010/main" Requires="a14">
+      <mc:AlternateContent xmlns:mc="http://schemas.openxmlformats.org/markup-compatibility/2006" xmlns:a14="http://schemas.microsoft.com/office/drawing/2010/main">
+        <mc:Choice Requires="a14">
           <p:sp>
             <p:nvSpPr>
               <p:cNvPr id="10" name="TextBox 9">
@@ -6160,7 +6113,7 @@
             </p:txBody>
           </p:sp>
         </mc:Choice>
-        <mc:Fallback>
+        <mc:Fallback xmlns="">
           <p:sp>
             <p:nvSpPr>
               <p:cNvPr id="10" name="TextBox 9">
@@ -6405,7 +6358,7 @@
             </p:nvSpPr>
             <p:spPr>
               <a:xfrm>
-                <a:off x="1145535" y="971805"/>
+                <a:off x="940703" y="969820"/>
                 <a:ext cx="1237130" cy="369332"/>
               </a:xfrm>
               <a:prstGeom prst="rect">
@@ -6463,7 +6416,7 @@
             </p:nvSpPr>
             <p:spPr>
               <a:xfrm>
-                <a:off x="1145535" y="971805"/>
+                <a:off x="940703" y="969820"/>
                 <a:ext cx="1237130" cy="369332"/>
               </a:xfrm>
               <a:prstGeom prst="rect">
@@ -6493,10 +6446,10 @@
       </mc:AlternateContent>
       <p:pic>
         <p:nvPicPr>
-          <p:cNvPr id="26" name="Picture 25">
-            <a:extLst>
-              <a:ext uri="{FF2B5EF4-FFF2-40B4-BE49-F238E27FC236}">
-                <a16:creationId xmlns:a16="http://schemas.microsoft.com/office/drawing/2014/main" id="{6E967488-28C5-3385-A498-0DB307D293BA}"/>
+          <p:cNvPr id="2" name="Picture 1">
+            <a:extLst>
+              <a:ext uri="{FF2B5EF4-FFF2-40B4-BE49-F238E27FC236}">
+                <a16:creationId xmlns:a16="http://schemas.microsoft.com/office/drawing/2014/main" id="{4BD2C008-D1D1-0B3F-9A68-4E8080153BF2}"/>
               </a:ext>
             </a:extLst>
           </p:cNvPr>
@@ -6513,12 +6466,59 @@
         </p:blipFill>
         <p:spPr>
           <a:xfrm>
-            <a:off x="680443" y="1953292"/>
-            <a:ext cx="1994052" cy="1951365"/>
+            <a:off x="430854" y="1692266"/>
+            <a:ext cx="2188687" cy="2076446"/>
           </a:xfrm>
           <a:prstGeom prst="rect">
             <a:avLst/>
           </a:prstGeom>
+        </p:spPr>
+      </p:pic>
+      <p:pic>
+        <p:nvPicPr>
+          <p:cNvPr id="4" name="Picture 2">
+            <a:extLst>
+              <a:ext uri="{FF2B5EF4-FFF2-40B4-BE49-F238E27FC236}">
+                <a16:creationId xmlns:a16="http://schemas.microsoft.com/office/drawing/2014/main" id="{ED29C8DD-3452-7762-2938-223B30955C5E}"/>
+              </a:ext>
+            </a:extLst>
+          </p:cNvPr>
+          <p:cNvPicPr>
+            <a:picLocks noChangeAspect="1" noChangeArrowheads="1"/>
+          </p:cNvPicPr>
+          <p:nvPr/>
+        </p:nvPicPr>
+        <p:blipFill>
+          <a:blip r:embed="rId17">
+            <a:extLst>
+              <a:ext uri="{28A0092B-C50C-407E-A947-70E740481C1C}">
+                <a14:useLocalDpi xmlns:a14="http://schemas.microsoft.com/office/drawing/2010/main" val="0"/>
+              </a:ext>
+            </a:extLst>
+          </a:blip>
+          <a:srcRect/>
+          <a:stretch>
+            <a:fillRect/>
+          </a:stretch>
+        </p:blipFill>
+        <p:spPr bwMode="auto">
+          <a:xfrm>
+            <a:off x="480892" y="4392773"/>
+            <a:ext cx="2156752" cy="2025437"/>
+          </a:xfrm>
+          <a:prstGeom prst="rect">
+            <a:avLst/>
+          </a:prstGeom>
+          <a:noFill/>
+          <a:extLst>
+            <a:ext uri="{909E8E84-426E-40DD-AFC4-6F175D3DCCD1}">
+              <a14:hiddenFill xmlns:a14="http://schemas.microsoft.com/office/drawing/2010/main">
+                <a:solidFill>
+                  <a:srgbClr val="FFFFFF"/>
+                </a:solidFill>
+              </a14:hiddenFill>
+            </a:ext>
+          </a:extLst>
         </p:spPr>
       </p:pic>
     </p:spTree>

--- a/SYSG3_paper.pptx
+++ b/SYSG3_paper.pptx
@@ -4906,7 +4906,7 @@
         </p:nvSpPr>
         <p:spPr>
           <a:xfrm>
-            <a:off x="5363829" y="5619226"/>
+            <a:off x="8130663" y="5619226"/>
             <a:ext cx="2062208" cy="646331"/>
           </a:xfrm>
           <a:prstGeom prst="rect">
@@ -4935,12 +4935,47 @@
           </a:p>
         </p:txBody>
       </p:sp>
+      <p:sp>
+        <p:nvSpPr>
+          <p:cNvPr id="5" name="TextBox 4">
+            <a:extLst>
+              <a:ext uri="{FF2B5EF4-FFF2-40B4-BE49-F238E27FC236}">
+                <a16:creationId xmlns:a16="http://schemas.microsoft.com/office/drawing/2014/main" id="{D4F95C47-8CB7-40C4-8A22-8BBC85D30F73}"/>
+              </a:ext>
+            </a:extLst>
+          </p:cNvPr>
+          <p:cNvSpPr txBox="1"/>
+          <p:nvPr/>
+        </p:nvSpPr>
+        <p:spPr>
+          <a:xfrm>
+            <a:off x="756839" y="1539641"/>
+            <a:ext cx="9436032" cy="646331"/>
+          </a:xfrm>
+          <a:prstGeom prst="rect">
+            <a:avLst/>
+          </a:prstGeom>
+          <a:noFill/>
+        </p:spPr>
+        <p:txBody>
+          <a:bodyPr wrap="square" rtlCol="0">
+            <a:spAutoFit/>
+          </a:bodyPr>
+          <a:lstStyle/>
+          <a:p>
+            <a:r>
+              <a:rPr lang="en-US" dirty="0"/>
+              <a:t>Fig 3: Micelle to cylinder transition in spare PE brushes as a result of increasing intrachain repulsion</a:t>
+            </a:r>
+          </a:p>
+        </p:txBody>
+      </p:sp>
       <p:pic>
         <p:nvPicPr>
-          <p:cNvPr id="10" name="Picture 9">
-            <a:extLst>
-              <a:ext uri="{FF2B5EF4-FFF2-40B4-BE49-F238E27FC236}">
-                <a16:creationId xmlns:a16="http://schemas.microsoft.com/office/drawing/2014/main" id="{750C98D6-1468-AF00-D378-3B792FBC1032}"/>
+          <p:cNvPr id="6" name="Picture 5">
+            <a:extLst>
+              <a:ext uri="{FF2B5EF4-FFF2-40B4-BE49-F238E27FC236}">
+                <a16:creationId xmlns:a16="http://schemas.microsoft.com/office/drawing/2014/main" id="{654FB548-BC56-8FDF-561A-E5E57AC40307}"/>
               </a:ext>
             </a:extLst>
           </p:cNvPr>
@@ -4957,49 +4992,160 @@
         </p:blipFill>
         <p:spPr>
           <a:xfrm>
-            <a:off x="5363829" y="2851257"/>
-            <a:ext cx="1607070" cy="2281795"/>
+            <a:off x="7768490" y="2922831"/>
+            <a:ext cx="2188687" cy="2076446"/>
           </a:xfrm>
           <a:prstGeom prst="rect">
             <a:avLst/>
           </a:prstGeom>
         </p:spPr>
       </p:pic>
-      <p:sp>
-        <p:nvSpPr>
-          <p:cNvPr id="5" name="TextBox 4">
-            <a:extLst>
-              <a:ext uri="{FF2B5EF4-FFF2-40B4-BE49-F238E27FC236}">
-                <a16:creationId xmlns:a16="http://schemas.microsoft.com/office/drawing/2014/main" id="{D4F95C47-8CB7-40C4-8A22-8BBC85D30F73}"/>
-              </a:ext>
-            </a:extLst>
-          </p:cNvPr>
-          <p:cNvSpPr txBox="1"/>
+      <p:pic>
+        <p:nvPicPr>
+          <p:cNvPr id="7" name="Picture 6">
+            <a:extLst>
+              <a:ext uri="{FF2B5EF4-FFF2-40B4-BE49-F238E27FC236}">
+                <a16:creationId xmlns:a16="http://schemas.microsoft.com/office/drawing/2014/main" id="{F51B7B24-BC38-A12F-55F5-EE8AFA5CB688}"/>
+              </a:ext>
+            </a:extLst>
+          </p:cNvPr>
+          <p:cNvPicPr>
+            <a:picLocks noChangeAspect="1"/>
+          </p:cNvPicPr>
           <p:nvPr/>
-        </p:nvSpPr>
+        </p:nvPicPr>
+        <p:blipFill>
+          <a:blip r:embed="rId4"/>
+          <a:stretch>
+            <a:fillRect/>
+          </a:stretch>
+        </p:blipFill>
         <p:spPr>
           <a:xfrm>
-            <a:off x="756839" y="1856842"/>
-            <a:ext cx="9436032" cy="646331"/>
+            <a:off x="4583283" y="3016960"/>
+            <a:ext cx="2028915" cy="1818469"/>
           </a:xfrm>
           <a:prstGeom prst="rect">
             <a:avLst/>
           </a:prstGeom>
-          <a:noFill/>
         </p:spPr>
-        <p:txBody>
-          <a:bodyPr wrap="square" rtlCol="0">
-            <a:spAutoFit/>
-          </a:bodyPr>
-          <a:lstStyle/>
-          <a:p>
-            <a:r>
-              <a:rPr lang="en-US" dirty="0"/>
-              <a:t>Fig 3: Micelle to cylinder transition in spare PE brushes as a result of increasing intrachain repulsion</a:t>
-            </a:r>
-          </a:p>
-        </p:txBody>
-      </p:sp>
+      </p:pic>
+      <mc:AlternateContent xmlns:mc="http://schemas.openxmlformats.org/markup-compatibility/2006">
+        <mc:Choice xmlns:a14="http://schemas.microsoft.com/office/drawing/2010/main" Requires="a14">
+          <p:sp>
+            <p:nvSpPr>
+              <p:cNvPr id="9" name="TextBox 8">
+                <a:extLst>
+                  <a:ext uri="{FF2B5EF4-FFF2-40B4-BE49-F238E27FC236}">
+                    <a16:creationId xmlns:a16="http://schemas.microsoft.com/office/drawing/2014/main" id="{31F7F416-DCD3-5C27-DB2D-23DC04D6E333}"/>
+                  </a:ext>
+                </a:extLst>
+              </p:cNvPr>
+              <p:cNvSpPr txBox="1"/>
+              <p:nvPr/>
+            </p:nvSpPr>
+            <p:spPr>
+              <a:xfrm>
+                <a:off x="4310884" y="2265707"/>
+                <a:ext cx="3370729" cy="369332"/>
+              </a:xfrm>
+              <a:prstGeom prst="rect">
+                <a:avLst/>
+              </a:prstGeom>
+              <a:noFill/>
+            </p:spPr>
+            <p:txBody>
+              <a:bodyPr wrap="square" rtlCol="0">
+                <a:spAutoFit/>
+              </a:bodyPr>
+              <a:lstStyle/>
+              <a:p>
+                <a14:m>
+                  <m:oMathPara xmlns:m="http://schemas.openxmlformats.org/officeDocument/2006/math">
+                    <m:oMathParaPr>
+                      <m:jc m:val="centerGroup"/>
+                    </m:oMathParaPr>
+                    <m:oMath xmlns:m="http://schemas.openxmlformats.org/officeDocument/2006/math">
+                      <m:r>
+                        <a:rPr lang="en-US" b="0" i="1" smtClean="0">
+                          <a:latin typeface="Cambria Math" panose="02040503050406030204" pitchFamily="18" charset="0"/>
+                        </a:rPr>
+                        <m:t>𝜎</m:t>
+                      </m:r>
+                      <m:r>
+                        <a:rPr lang="en-US" b="0" i="1" smtClean="0">
+                          <a:latin typeface="Cambria Math" panose="02040503050406030204" pitchFamily="18" charset="0"/>
+                        </a:rPr>
+                        <m:t>=2.5</m:t>
+                      </m:r>
+                      <m:r>
+                        <m:rPr>
+                          <m:sty m:val="p"/>
+                        </m:rPr>
+                        <a:rPr lang="en-US" b="0" i="0" smtClean="0">
+                          <a:latin typeface="Cambria Math" panose="02040503050406030204" pitchFamily="18" charset="0"/>
+                        </a:rPr>
+                        <m:t>E</m:t>
+                      </m:r>
+                      <m:r>
+                        <a:rPr lang="en-US" b="0" i="1" smtClean="0">
+                          <a:latin typeface="Cambria Math" panose="02040503050406030204" pitchFamily="18" charset="0"/>
+                        </a:rPr>
+                        <m:t>−03 ??</m:t>
+                      </m:r>
+                    </m:oMath>
+                  </m:oMathPara>
+                </a14:m>
+                <a:endParaRPr lang="en-US" dirty="0"/>
+              </a:p>
+            </p:txBody>
+          </p:sp>
+        </mc:Choice>
+        <mc:Fallback>
+          <p:sp>
+            <p:nvSpPr>
+              <p:cNvPr id="9" name="TextBox 8">
+                <a:extLst>
+                  <a:ext uri="{FF2B5EF4-FFF2-40B4-BE49-F238E27FC236}">
+                    <a16:creationId xmlns:a16="http://schemas.microsoft.com/office/drawing/2014/main" id="{31F7F416-DCD3-5C27-DB2D-23DC04D6E333}"/>
+                  </a:ext>
+                </a:extLst>
+              </p:cNvPr>
+              <p:cNvSpPr txBox="1">
+                <a:spLocks noRot="1" noChangeAspect="1" noMove="1" noResize="1" noEditPoints="1" noAdjustHandles="1" noChangeArrowheads="1" noChangeShapeType="1" noTextEdit="1"/>
+              </p:cNvSpPr>
+              <p:nvPr/>
+            </p:nvSpPr>
+            <p:spPr>
+              <a:xfrm>
+                <a:off x="4310884" y="2265707"/>
+                <a:ext cx="3370729" cy="369332"/>
+              </a:xfrm>
+              <a:prstGeom prst="rect">
+                <a:avLst/>
+              </a:prstGeom>
+              <a:blipFill>
+                <a:blip r:embed="rId5"/>
+                <a:stretch>
+                  <a:fillRect/>
+                </a:stretch>
+              </a:blipFill>
+            </p:spPr>
+            <p:txBody>
+              <a:bodyPr/>
+              <a:lstStyle/>
+              <a:p>
+                <a:r>
+                  <a:rPr lang="en-US">
+                    <a:noFill/>
+                  </a:rPr>
+                  <a:t> </a:t>
+                </a:r>
+              </a:p>
+            </p:txBody>
+          </p:sp>
+        </mc:Fallback>
+      </mc:AlternateContent>
     </p:spTree>
     <p:extLst>
       <p:ext uri="{BB962C8B-B14F-4D97-AF65-F5344CB8AC3E}">
@@ -5159,7 +5305,7 @@
           <a:p>
             <a:r>
               <a:rPr lang="en-US" dirty="0"/>
-              <a:t>Fig 4: Increasing lateral segregation (decrease in aggregate size) as a result of increasing intrachain repulsion</a:t>
+              <a:t>Fig 4: Increasing lateral segregation (decrease in aggregate size) with increasing intrachain repulsion</a:t>
             </a:r>
           </a:p>
         </p:txBody>

--- a/SYSG3_paper.pptx
+++ b/SYSG3_paper.pptx
@@ -267,7 +267,7 @@
           <a:p>
             <a:fld id="{E3B1C2F4-07A0-459D-95BE-47AEA2376715}" type="datetimeFigureOut">
               <a:rPr lang="en-US" smtClean="0"/>
-              <a:t>5/14/2025</a:t>
+              <a:t>5/15/2025</a:t>
             </a:fld>
             <a:endParaRPr lang="en-US"/>
           </a:p>
@@ -465,7 +465,7 @@
           <a:p>
             <a:fld id="{E3B1C2F4-07A0-459D-95BE-47AEA2376715}" type="datetimeFigureOut">
               <a:rPr lang="en-US" smtClean="0"/>
-              <a:t>5/14/2025</a:t>
+              <a:t>5/15/2025</a:t>
             </a:fld>
             <a:endParaRPr lang="en-US"/>
           </a:p>
@@ -673,7 +673,7 @@
           <a:p>
             <a:fld id="{E3B1C2F4-07A0-459D-95BE-47AEA2376715}" type="datetimeFigureOut">
               <a:rPr lang="en-US" smtClean="0"/>
-              <a:t>5/14/2025</a:t>
+              <a:t>5/15/2025</a:t>
             </a:fld>
             <a:endParaRPr lang="en-US"/>
           </a:p>
@@ -871,7 +871,7 @@
           <a:p>
             <a:fld id="{E3B1C2F4-07A0-459D-95BE-47AEA2376715}" type="datetimeFigureOut">
               <a:rPr lang="en-US" smtClean="0"/>
-              <a:t>5/14/2025</a:t>
+              <a:t>5/15/2025</a:t>
             </a:fld>
             <a:endParaRPr lang="en-US"/>
           </a:p>
@@ -1146,7 +1146,7 @@
           <a:p>
             <a:fld id="{E3B1C2F4-07A0-459D-95BE-47AEA2376715}" type="datetimeFigureOut">
               <a:rPr lang="en-US" smtClean="0"/>
-              <a:t>5/14/2025</a:t>
+              <a:t>5/15/2025</a:t>
             </a:fld>
             <a:endParaRPr lang="en-US"/>
           </a:p>
@@ -1411,7 +1411,7 @@
           <a:p>
             <a:fld id="{E3B1C2F4-07A0-459D-95BE-47AEA2376715}" type="datetimeFigureOut">
               <a:rPr lang="en-US" smtClean="0"/>
-              <a:t>5/14/2025</a:t>
+              <a:t>5/15/2025</a:t>
             </a:fld>
             <a:endParaRPr lang="en-US"/>
           </a:p>
@@ -1823,7 +1823,7 @@
           <a:p>
             <a:fld id="{E3B1C2F4-07A0-459D-95BE-47AEA2376715}" type="datetimeFigureOut">
               <a:rPr lang="en-US" smtClean="0"/>
-              <a:t>5/14/2025</a:t>
+              <a:t>5/15/2025</a:t>
             </a:fld>
             <a:endParaRPr lang="en-US"/>
           </a:p>
@@ -1964,7 +1964,7 @@
           <a:p>
             <a:fld id="{E3B1C2F4-07A0-459D-95BE-47AEA2376715}" type="datetimeFigureOut">
               <a:rPr lang="en-US" smtClean="0"/>
-              <a:t>5/14/2025</a:t>
+              <a:t>5/15/2025</a:t>
             </a:fld>
             <a:endParaRPr lang="en-US"/>
           </a:p>
@@ -2077,7 +2077,7 @@
           <a:p>
             <a:fld id="{E3B1C2F4-07A0-459D-95BE-47AEA2376715}" type="datetimeFigureOut">
               <a:rPr lang="en-US" smtClean="0"/>
-              <a:t>5/14/2025</a:t>
+              <a:t>5/15/2025</a:t>
             </a:fld>
             <a:endParaRPr lang="en-US"/>
           </a:p>
@@ -2388,7 +2388,7 @@
           <a:p>
             <a:fld id="{E3B1C2F4-07A0-459D-95BE-47AEA2376715}" type="datetimeFigureOut">
               <a:rPr lang="en-US" smtClean="0"/>
-              <a:t>5/14/2025</a:t>
+              <a:t>5/15/2025</a:t>
             </a:fld>
             <a:endParaRPr lang="en-US"/>
           </a:p>
@@ -2676,7 +2676,7 @@
           <a:p>
             <a:fld id="{E3B1C2F4-07A0-459D-95BE-47AEA2376715}" type="datetimeFigureOut">
               <a:rPr lang="en-US" smtClean="0"/>
-              <a:t>5/14/2025</a:t>
+              <a:t>5/15/2025</a:t>
             </a:fld>
             <a:endParaRPr lang="en-US"/>
           </a:p>
@@ -2917,7 +2917,7 @@
           <a:p>
             <a:fld id="{E3B1C2F4-07A0-459D-95BE-47AEA2376715}" type="datetimeFigureOut">
               <a:rPr lang="en-US" smtClean="0"/>
-              <a:t>5/14/2025</a:t>
+              <a:t>5/15/2025</a:t>
             </a:fld>
             <a:endParaRPr lang="en-US"/>
           </a:p>
@@ -5030,8 +5030,8 @@
           </a:prstGeom>
         </p:spPr>
       </p:pic>
-      <mc:AlternateContent xmlns:mc="http://schemas.openxmlformats.org/markup-compatibility/2006">
-        <mc:Choice xmlns:a14="http://schemas.microsoft.com/office/drawing/2010/main" Requires="a14">
+      <mc:AlternateContent xmlns:mc="http://schemas.openxmlformats.org/markup-compatibility/2006" xmlns:a14="http://schemas.microsoft.com/office/drawing/2010/main">
+        <mc:Choice Requires="a14">
           <p:sp>
             <p:nvSpPr>
               <p:cNvPr id="9" name="TextBox 8">
@@ -5060,6 +5060,7 @@
               </a:bodyPr>
               <a:lstStyle/>
               <a:p>
+                <a:pPr/>
                 <a14:m>
                   <m:oMathPara xmlns:m="http://schemas.openxmlformats.org/officeDocument/2006/math">
                     <m:oMathParaPr>
@@ -5101,7 +5102,7 @@
             </p:txBody>
           </p:sp>
         </mc:Choice>
-        <mc:Fallback>
+        <mc:Fallback xmlns="">
           <p:sp>
             <p:nvSpPr>
               <p:cNvPr id="9" name="TextBox 8">
@@ -6333,7 +6334,7 @@
         </p:blipFill>
         <p:spPr bwMode="auto">
           <a:xfrm>
-            <a:off x="8903613" y="4411244"/>
+            <a:off x="8858460" y="4392773"/>
             <a:ext cx="2223534" cy="1873806"/>
           </a:xfrm>
           <a:prstGeom prst="rect">
@@ -6488,8 +6489,8 @@
           </a:extLst>
         </p:spPr>
       </p:pic>
-      <mc:AlternateContent xmlns:mc="http://schemas.openxmlformats.org/markup-compatibility/2006">
-        <mc:Choice xmlns:a14="http://schemas.microsoft.com/office/drawing/2010/main" Requires="a14">
+      <mc:AlternateContent xmlns:mc="http://schemas.openxmlformats.org/markup-compatibility/2006" xmlns:a14="http://schemas.microsoft.com/office/drawing/2010/main">
+        <mc:Choice Requires="a14">
           <p:sp>
             <p:nvSpPr>
               <p:cNvPr id="25" name="TextBox 24">
@@ -6545,7 +6546,7 @@
             </p:txBody>
           </p:sp>
         </mc:Choice>
-        <mc:Fallback>
+        <mc:Fallback xmlns="">
           <p:sp>
             <p:nvSpPr>
               <p:cNvPr id="25" name="TextBox 24">
@@ -6622,10 +6623,10 @@
       </p:pic>
       <p:pic>
         <p:nvPicPr>
-          <p:cNvPr id="4" name="Picture 2">
-            <a:extLst>
-              <a:ext uri="{FF2B5EF4-FFF2-40B4-BE49-F238E27FC236}">
-                <a16:creationId xmlns:a16="http://schemas.microsoft.com/office/drawing/2014/main" id="{ED29C8DD-3452-7762-2938-223B30955C5E}"/>
+          <p:cNvPr id="1026" name="Picture 2">
+            <a:extLst>
+              <a:ext uri="{FF2B5EF4-FFF2-40B4-BE49-F238E27FC236}">
+                <a16:creationId xmlns:a16="http://schemas.microsoft.com/office/drawing/2014/main" id="{CE8C8A4E-5B3B-F05E-01D7-2CA3FB178328}"/>
               </a:ext>
             </a:extLst>
           </p:cNvPr>
@@ -6649,8 +6650,8 @@
         </p:blipFill>
         <p:spPr bwMode="auto">
           <a:xfrm>
-            <a:off x="480892" y="4392773"/>
-            <a:ext cx="2156752" cy="2025437"/>
+            <a:off x="430854" y="4224445"/>
+            <a:ext cx="2057544" cy="2247404"/>
           </a:xfrm>
           <a:prstGeom prst="rect">
             <a:avLst/>

--- a/SYSG3_paper.pptx
+++ b/SYSG3_paper.pptx
@@ -13,7 +13,8 @@
     <p:sldId id="362" r:id="rId7"/>
     <p:sldId id="363" r:id="rId8"/>
     <p:sldId id="364" r:id="rId9"/>
-    <p:sldId id="367" r:id="rId10"/>
+    <p:sldId id="369" r:id="rId10"/>
+    <p:sldId id="367" r:id="rId11"/>
   </p:sldIdLst>
   <p:sldSz cx="12192000" cy="6858000"/>
   <p:notesSz cx="6858000" cy="9144000"/>
@@ -267,7 +268,7 @@
           <a:p>
             <a:fld id="{E3B1C2F4-07A0-459D-95BE-47AEA2376715}" type="datetimeFigureOut">
               <a:rPr lang="en-US" smtClean="0"/>
-              <a:t>5/15/2025</a:t>
+              <a:t>5/16/2025</a:t>
             </a:fld>
             <a:endParaRPr lang="en-US"/>
           </a:p>
@@ -465,7 +466,7 @@
           <a:p>
             <a:fld id="{E3B1C2F4-07A0-459D-95BE-47AEA2376715}" type="datetimeFigureOut">
               <a:rPr lang="en-US" smtClean="0"/>
-              <a:t>5/15/2025</a:t>
+              <a:t>5/16/2025</a:t>
             </a:fld>
             <a:endParaRPr lang="en-US"/>
           </a:p>
@@ -673,7 +674,7 @@
           <a:p>
             <a:fld id="{E3B1C2F4-07A0-459D-95BE-47AEA2376715}" type="datetimeFigureOut">
               <a:rPr lang="en-US" smtClean="0"/>
-              <a:t>5/15/2025</a:t>
+              <a:t>5/16/2025</a:t>
             </a:fld>
             <a:endParaRPr lang="en-US"/>
           </a:p>
@@ -871,7 +872,7 @@
           <a:p>
             <a:fld id="{E3B1C2F4-07A0-459D-95BE-47AEA2376715}" type="datetimeFigureOut">
               <a:rPr lang="en-US" smtClean="0"/>
-              <a:t>5/15/2025</a:t>
+              <a:t>5/16/2025</a:t>
             </a:fld>
             <a:endParaRPr lang="en-US"/>
           </a:p>
@@ -1146,7 +1147,7 @@
           <a:p>
             <a:fld id="{E3B1C2F4-07A0-459D-95BE-47AEA2376715}" type="datetimeFigureOut">
               <a:rPr lang="en-US" smtClean="0"/>
-              <a:t>5/15/2025</a:t>
+              <a:t>5/16/2025</a:t>
             </a:fld>
             <a:endParaRPr lang="en-US"/>
           </a:p>
@@ -1411,7 +1412,7 @@
           <a:p>
             <a:fld id="{E3B1C2F4-07A0-459D-95BE-47AEA2376715}" type="datetimeFigureOut">
               <a:rPr lang="en-US" smtClean="0"/>
-              <a:t>5/15/2025</a:t>
+              <a:t>5/16/2025</a:t>
             </a:fld>
             <a:endParaRPr lang="en-US"/>
           </a:p>
@@ -1823,7 +1824,7 @@
           <a:p>
             <a:fld id="{E3B1C2F4-07A0-459D-95BE-47AEA2376715}" type="datetimeFigureOut">
               <a:rPr lang="en-US" smtClean="0"/>
-              <a:t>5/15/2025</a:t>
+              <a:t>5/16/2025</a:t>
             </a:fld>
             <a:endParaRPr lang="en-US"/>
           </a:p>
@@ -1964,7 +1965,7 @@
           <a:p>
             <a:fld id="{E3B1C2F4-07A0-459D-95BE-47AEA2376715}" type="datetimeFigureOut">
               <a:rPr lang="en-US" smtClean="0"/>
-              <a:t>5/15/2025</a:t>
+              <a:t>5/16/2025</a:t>
             </a:fld>
             <a:endParaRPr lang="en-US"/>
           </a:p>
@@ -2077,7 +2078,7 @@
           <a:p>
             <a:fld id="{E3B1C2F4-07A0-459D-95BE-47AEA2376715}" type="datetimeFigureOut">
               <a:rPr lang="en-US" smtClean="0"/>
-              <a:t>5/15/2025</a:t>
+              <a:t>5/16/2025</a:t>
             </a:fld>
             <a:endParaRPr lang="en-US"/>
           </a:p>
@@ -2388,7 +2389,7 @@
           <a:p>
             <a:fld id="{E3B1C2F4-07A0-459D-95BE-47AEA2376715}" type="datetimeFigureOut">
               <a:rPr lang="en-US" smtClean="0"/>
-              <a:t>5/15/2025</a:t>
+              <a:t>5/16/2025</a:t>
             </a:fld>
             <a:endParaRPr lang="en-US"/>
           </a:p>
@@ -2676,7 +2677,7 @@
           <a:p>
             <a:fld id="{E3B1C2F4-07A0-459D-95BE-47AEA2376715}" type="datetimeFigureOut">
               <a:rPr lang="en-US" smtClean="0"/>
-              <a:t>5/15/2025</a:t>
+              <a:t>5/16/2025</a:t>
             </a:fld>
             <a:endParaRPr lang="en-US"/>
           </a:p>
@@ -2917,7 +2918,7 @@
           <a:p>
             <a:fld id="{E3B1C2F4-07A0-459D-95BE-47AEA2376715}" type="datetimeFigureOut">
               <a:rPr lang="en-US" smtClean="0"/>
-              <a:t>5/15/2025</a:t>
+              <a:t>5/16/2025</a:t>
             </a:fld>
             <a:endParaRPr lang="en-US"/>
           </a:p>
@@ -3588,6 +3589,237 @@
     <p:extLst>
       <p:ext uri="{BB962C8B-B14F-4D97-AF65-F5344CB8AC3E}">
         <p14:creationId xmlns:p14="http://schemas.microsoft.com/office/powerpoint/2010/main" val="242587510"/>
+      </p:ext>
+    </p:extLst>
+  </p:cSld>
+  <p:clrMapOvr>
+    <a:masterClrMapping/>
+  </p:clrMapOvr>
+</p:sld>
+</file>
+
+<file path=ppt/slides/slide10.xml><?xml version="1.0" encoding="utf-8"?>
+<p:sld xmlns:a="http://schemas.openxmlformats.org/drawingml/2006/main" xmlns:r="http://schemas.openxmlformats.org/officeDocument/2006/relationships" xmlns:p="http://schemas.openxmlformats.org/presentationml/2006/main">
+  <p:cSld>
+    <p:spTree>
+      <p:nvGrpSpPr>
+        <p:cNvPr id="1" name="">
+          <a:extLst>
+            <a:ext uri="{FF2B5EF4-FFF2-40B4-BE49-F238E27FC236}">
+              <a16:creationId xmlns:a16="http://schemas.microsoft.com/office/drawing/2014/main" id="{BFFC0606-D4C7-3899-95C5-D24353FB3F85}"/>
+            </a:ext>
+          </a:extLst>
+        </p:cNvPr>
+        <p:cNvGrpSpPr/>
+        <p:nvPr/>
+      </p:nvGrpSpPr>
+      <p:grpSpPr>
+        <a:xfrm>
+          <a:off x="0" y="0"/>
+          <a:ext cx="0" cy="0"/>
+          <a:chOff x="0" y="0"/>
+          <a:chExt cx="0" cy="0"/>
+        </a:xfrm>
+      </p:grpSpPr>
+      <p:pic>
+        <p:nvPicPr>
+          <p:cNvPr id="7" name="Picture 6">
+            <a:extLst>
+              <a:ext uri="{FF2B5EF4-FFF2-40B4-BE49-F238E27FC236}">
+                <a16:creationId xmlns:a16="http://schemas.microsoft.com/office/drawing/2014/main" id="{1FAB252F-A037-CECA-0EEF-259768A2E7C3}"/>
+              </a:ext>
+            </a:extLst>
+          </p:cNvPr>
+          <p:cNvPicPr>
+            <a:picLocks noChangeAspect="1" noChangeArrowheads="1"/>
+          </p:cNvPicPr>
+          <p:nvPr/>
+        </p:nvPicPr>
+        <p:blipFill rotWithShape="1">
+          <a:blip r:embed="rId2">
+            <a:extLst>
+              <a:ext uri="{28A0092B-C50C-407E-A947-70E740481C1C}">
+                <a14:useLocalDpi xmlns:a14="http://schemas.microsoft.com/office/drawing/2010/main" val="0"/>
+              </a:ext>
+            </a:extLst>
+          </a:blip>
+          <a:srcRect t="20397" b="12490"/>
+          <a:stretch/>
+        </p:blipFill>
+        <p:spPr bwMode="auto">
+          <a:xfrm>
+            <a:off x="978786" y="4149852"/>
+            <a:ext cx="3513067" cy="2357718"/>
+          </a:xfrm>
+          <a:prstGeom prst="rect">
+            <a:avLst/>
+          </a:prstGeom>
+          <a:noFill/>
+          <a:extLst>
+            <a:ext uri="{909E8E84-426E-40DD-AFC4-6F175D3DCCD1}">
+              <a14:hiddenFill xmlns:a14="http://schemas.microsoft.com/office/drawing/2010/main">
+                <a:solidFill>
+                  <a:srgbClr val="FFFFFF"/>
+                </a:solidFill>
+              </a14:hiddenFill>
+            </a:ext>
+          </a:extLst>
+        </p:spPr>
+      </p:pic>
+      <p:pic>
+        <p:nvPicPr>
+          <p:cNvPr id="8" name="Picture 7">
+            <a:extLst>
+              <a:ext uri="{FF2B5EF4-FFF2-40B4-BE49-F238E27FC236}">
+                <a16:creationId xmlns:a16="http://schemas.microsoft.com/office/drawing/2014/main" id="{0E930578-142F-3DDF-2459-7797054E7518}"/>
+              </a:ext>
+            </a:extLst>
+          </p:cNvPr>
+          <p:cNvPicPr>
+            <a:picLocks noChangeAspect="1"/>
+          </p:cNvPicPr>
+          <p:nvPr/>
+        </p:nvPicPr>
+        <p:blipFill>
+          <a:blip r:embed="rId3"/>
+          <a:stretch>
+            <a:fillRect/>
+          </a:stretch>
+        </p:blipFill>
+        <p:spPr>
+          <a:xfrm>
+            <a:off x="3838967" y="1316383"/>
+            <a:ext cx="2257033" cy="2833469"/>
+          </a:xfrm>
+          <a:prstGeom prst="rect">
+            <a:avLst/>
+          </a:prstGeom>
+        </p:spPr>
+      </p:pic>
+      <p:pic>
+        <p:nvPicPr>
+          <p:cNvPr id="9" name="Picture 8">
+            <a:extLst>
+              <a:ext uri="{FF2B5EF4-FFF2-40B4-BE49-F238E27FC236}">
+                <a16:creationId xmlns:a16="http://schemas.microsoft.com/office/drawing/2014/main" id="{42D86276-2A59-28BD-F10C-842AC117945A}"/>
+              </a:ext>
+            </a:extLst>
+          </p:cNvPr>
+          <p:cNvPicPr>
+            <a:picLocks noChangeAspect="1"/>
+          </p:cNvPicPr>
+          <p:nvPr/>
+        </p:nvPicPr>
+        <p:blipFill>
+          <a:blip r:embed="rId4"/>
+          <a:stretch>
+            <a:fillRect/>
+          </a:stretch>
+        </p:blipFill>
+        <p:spPr>
+          <a:xfrm>
+            <a:off x="6408545" y="1498716"/>
+            <a:ext cx="2413057" cy="2468804"/>
+          </a:xfrm>
+          <a:prstGeom prst="rect">
+            <a:avLst/>
+          </a:prstGeom>
+        </p:spPr>
+      </p:pic>
+      <p:pic>
+        <p:nvPicPr>
+          <p:cNvPr id="10" name="Picture 9">
+            <a:extLst>
+              <a:ext uri="{FF2B5EF4-FFF2-40B4-BE49-F238E27FC236}">
+                <a16:creationId xmlns:a16="http://schemas.microsoft.com/office/drawing/2014/main" id="{BDCC62B8-570C-0483-AF40-90B1320B8EAB}"/>
+              </a:ext>
+            </a:extLst>
+          </p:cNvPr>
+          <p:cNvPicPr>
+            <a:picLocks noChangeAspect="1"/>
+          </p:cNvPicPr>
+          <p:nvPr/>
+        </p:nvPicPr>
+        <p:blipFill>
+          <a:blip r:embed="rId5"/>
+          <a:stretch>
+            <a:fillRect/>
+          </a:stretch>
+        </p:blipFill>
+        <p:spPr>
+          <a:xfrm>
+            <a:off x="9116232" y="1655058"/>
+            <a:ext cx="2597171" cy="2419916"/>
+          </a:xfrm>
+          <a:prstGeom prst="rect">
+            <a:avLst/>
+          </a:prstGeom>
+        </p:spPr>
+      </p:pic>
+      <p:pic>
+        <p:nvPicPr>
+          <p:cNvPr id="15" name="Picture 14">
+            <a:extLst>
+              <a:ext uri="{FF2B5EF4-FFF2-40B4-BE49-F238E27FC236}">
+                <a16:creationId xmlns:a16="http://schemas.microsoft.com/office/drawing/2014/main" id="{0F174053-483E-AD0D-3C9F-C21F7FDE287B}"/>
+              </a:ext>
+            </a:extLst>
+          </p:cNvPr>
+          <p:cNvPicPr>
+            <a:picLocks noChangeAspect="1"/>
+          </p:cNvPicPr>
+          <p:nvPr/>
+        </p:nvPicPr>
+        <p:blipFill>
+          <a:blip r:embed="rId6"/>
+          <a:stretch>
+            <a:fillRect/>
+          </a:stretch>
+        </p:blipFill>
+        <p:spPr>
+          <a:xfrm>
+            <a:off x="4376456" y="4441489"/>
+            <a:ext cx="1378885" cy="2175575"/>
+          </a:xfrm>
+          <a:prstGeom prst="rect">
+            <a:avLst/>
+          </a:prstGeom>
+        </p:spPr>
+      </p:pic>
+      <p:pic>
+        <p:nvPicPr>
+          <p:cNvPr id="16" name="Picture 15">
+            <a:extLst>
+              <a:ext uri="{FF2B5EF4-FFF2-40B4-BE49-F238E27FC236}">
+                <a16:creationId xmlns:a16="http://schemas.microsoft.com/office/drawing/2014/main" id="{986D988D-9A57-A27A-8044-9144346CB72F}"/>
+              </a:ext>
+            </a:extLst>
+          </p:cNvPr>
+          <p:cNvPicPr>
+            <a:picLocks noChangeAspect="1"/>
+          </p:cNvPicPr>
+          <p:nvPr/>
+        </p:nvPicPr>
+        <p:blipFill>
+          <a:blip r:embed="rId7"/>
+          <a:stretch>
+            <a:fillRect/>
+          </a:stretch>
+        </p:blipFill>
+        <p:spPr>
+          <a:xfrm>
+            <a:off x="6096000" y="4441488"/>
+            <a:ext cx="1658948" cy="2175576"/>
+          </a:xfrm>
+          <a:prstGeom prst="rect">
+            <a:avLst/>
+          </a:prstGeom>
+        </p:spPr>
+      </p:pic>
+    </p:spTree>
+    <p:extLst>
+      <p:ext uri="{BB962C8B-B14F-4D97-AF65-F5344CB8AC3E}">
+        <p14:creationId xmlns:p14="http://schemas.microsoft.com/office/powerpoint/2010/main" val="59981036"/>
       </p:ext>
     </p:extLst>
   </p:cSld>
@@ -6689,7 +6921,7 @@
         <p:cNvPr id="1" name="">
           <a:extLst>
             <a:ext uri="{FF2B5EF4-FFF2-40B4-BE49-F238E27FC236}">
-              <a16:creationId xmlns:a16="http://schemas.microsoft.com/office/drawing/2014/main" id="{BFFC0606-D4C7-3899-95C5-D24353FB3F85}"/>
+              <a16:creationId xmlns:a16="http://schemas.microsoft.com/office/drawing/2014/main" id="{7D49501A-FCEE-80E2-5DBA-86A0CB3E8FE8}"/>
             </a:ext>
           </a:extLst>
         </p:cNvPr>
@@ -6709,7 +6941,7 @@
           <p:cNvPr id="3" name="TextBox 2">
             <a:extLst>
               <a:ext uri="{FF2B5EF4-FFF2-40B4-BE49-F238E27FC236}">
-                <a16:creationId xmlns:a16="http://schemas.microsoft.com/office/drawing/2014/main" id="{3129F4BA-D947-1FA5-0B2B-9F26C9611E39}"/>
+                <a16:creationId xmlns:a16="http://schemas.microsoft.com/office/drawing/2014/main" id="{F6947F9F-AD79-C316-0CC9-726304461962}"/>
               </a:ext>
             </a:extLst>
           </p:cNvPr>
@@ -6718,8 +6950,8 @@
         </p:nvSpPr>
         <p:spPr>
           <a:xfrm>
-            <a:off x="978786" y="634704"/>
-            <a:ext cx="9436032" cy="646331"/>
+            <a:off x="978786" y="302473"/>
+            <a:ext cx="9436032" cy="369332"/>
           </a:xfrm>
           <a:prstGeom prst="rect">
             <a:avLst/>
@@ -6734,17 +6966,77 @@
           <a:p>
             <a:r>
               <a:rPr lang="en-US" dirty="0"/>
-              <a:t>Fig 5: Interesting other morphologies? Increasing chi to get multilayered morphologies? a40x170s020?</a:t>
+              <a:t>Fig 5: Interesting other morphologies? </a:t>
             </a:r>
           </a:p>
         </p:txBody>
       </p:sp>
       <p:pic>
         <p:nvPicPr>
-          <p:cNvPr id="7" name="Picture 6">
-            <a:extLst>
-              <a:ext uri="{FF2B5EF4-FFF2-40B4-BE49-F238E27FC236}">
-                <a16:creationId xmlns:a16="http://schemas.microsoft.com/office/drawing/2014/main" id="{1FAB252F-A037-CECA-0EEF-259768A2E7C3}"/>
+          <p:cNvPr id="2" name="Picture 1">
+            <a:extLst>
+              <a:ext uri="{FF2B5EF4-FFF2-40B4-BE49-F238E27FC236}">
+                <a16:creationId xmlns:a16="http://schemas.microsoft.com/office/drawing/2014/main" id="{6EAA4040-2F56-F382-413A-6FB6AF500A64}"/>
+              </a:ext>
+            </a:extLst>
+          </p:cNvPr>
+          <p:cNvPicPr>
+            <a:picLocks noChangeAspect="1"/>
+          </p:cNvPicPr>
+          <p:nvPr/>
+        </p:nvPicPr>
+        <p:blipFill>
+          <a:blip r:embed="rId2"/>
+          <a:stretch>
+            <a:fillRect/>
+          </a:stretch>
+        </p:blipFill>
+        <p:spPr>
+          <a:xfrm>
+            <a:off x="2970027" y="1335145"/>
+            <a:ext cx="1296951" cy="1696013"/>
+          </a:xfrm>
+          <a:prstGeom prst="rect">
+            <a:avLst/>
+          </a:prstGeom>
+        </p:spPr>
+      </p:pic>
+      <p:pic>
+        <p:nvPicPr>
+          <p:cNvPr id="4" name="Picture 3">
+            <a:extLst>
+              <a:ext uri="{FF2B5EF4-FFF2-40B4-BE49-F238E27FC236}">
+                <a16:creationId xmlns:a16="http://schemas.microsoft.com/office/drawing/2014/main" id="{9AB04202-DABB-597B-FBE1-AB7ADEEBA9B9}"/>
+              </a:ext>
+            </a:extLst>
+          </p:cNvPr>
+          <p:cNvPicPr>
+            <a:picLocks noChangeAspect="1"/>
+          </p:cNvPicPr>
+          <p:nvPr/>
+        </p:nvPicPr>
+        <p:blipFill>
+          <a:blip r:embed="rId3"/>
+          <a:stretch>
+            <a:fillRect/>
+          </a:stretch>
+        </p:blipFill>
+        <p:spPr>
+          <a:xfrm>
+            <a:off x="2984792" y="3031158"/>
+            <a:ext cx="1282186" cy="1941087"/>
+          </a:xfrm>
+          <a:prstGeom prst="rect">
+            <a:avLst/>
+          </a:prstGeom>
+        </p:spPr>
+      </p:pic>
+      <p:pic>
+        <p:nvPicPr>
+          <p:cNvPr id="5" name="Picture 4">
+            <a:extLst>
+              <a:ext uri="{FF2B5EF4-FFF2-40B4-BE49-F238E27FC236}">
+                <a16:creationId xmlns:a16="http://schemas.microsoft.com/office/drawing/2014/main" id="{842B75F2-FF41-E4AA-2623-9BAD9E09C789}"/>
               </a:ext>
             </a:extLst>
           </p:cNvPr>
@@ -6753,21 +7045,23 @@
           </p:cNvPicPr>
           <p:nvPr/>
         </p:nvPicPr>
-        <p:blipFill rotWithShape="1">
-          <a:blip r:embed="rId2">
+        <p:blipFill>
+          <a:blip r:embed="rId4">
             <a:extLst>
               <a:ext uri="{28A0092B-C50C-407E-A947-70E740481C1C}">
                 <a14:useLocalDpi xmlns:a14="http://schemas.microsoft.com/office/drawing/2010/main" val="0"/>
               </a:ext>
             </a:extLst>
           </a:blip>
-          <a:srcRect t="20397" b="12490"/>
-          <a:stretch/>
+          <a:srcRect/>
+          <a:stretch>
+            <a:fillRect/>
+          </a:stretch>
         </p:blipFill>
         <p:spPr bwMode="auto">
           <a:xfrm>
-            <a:off x="978786" y="4149852"/>
-            <a:ext cx="3513067" cy="2357718"/>
+            <a:off x="4746150" y="3228714"/>
+            <a:ext cx="2188689" cy="1670229"/>
           </a:xfrm>
           <a:prstGeom prst="rect">
             <a:avLst/>
@@ -6786,70 +7080,10 @@
       </p:pic>
       <p:pic>
         <p:nvPicPr>
-          <p:cNvPr id="8" name="Picture 7">
-            <a:extLst>
-              <a:ext uri="{FF2B5EF4-FFF2-40B4-BE49-F238E27FC236}">
-                <a16:creationId xmlns:a16="http://schemas.microsoft.com/office/drawing/2014/main" id="{0E930578-142F-3DDF-2459-7797054E7518}"/>
-              </a:ext>
-            </a:extLst>
-          </p:cNvPr>
-          <p:cNvPicPr>
-            <a:picLocks noChangeAspect="1"/>
-          </p:cNvPicPr>
-          <p:nvPr/>
-        </p:nvPicPr>
-        <p:blipFill>
-          <a:blip r:embed="rId3"/>
-          <a:stretch>
-            <a:fillRect/>
-          </a:stretch>
-        </p:blipFill>
-        <p:spPr>
-          <a:xfrm>
-            <a:off x="3838967" y="1316383"/>
-            <a:ext cx="2257033" cy="2833469"/>
-          </a:xfrm>
-          <a:prstGeom prst="rect">
-            <a:avLst/>
-          </a:prstGeom>
-        </p:spPr>
-      </p:pic>
-      <p:pic>
-        <p:nvPicPr>
-          <p:cNvPr id="9" name="Picture 8">
-            <a:extLst>
-              <a:ext uri="{FF2B5EF4-FFF2-40B4-BE49-F238E27FC236}">
-                <a16:creationId xmlns:a16="http://schemas.microsoft.com/office/drawing/2014/main" id="{42D86276-2A59-28BD-F10C-842AC117945A}"/>
-              </a:ext>
-            </a:extLst>
-          </p:cNvPr>
-          <p:cNvPicPr>
-            <a:picLocks noChangeAspect="1"/>
-          </p:cNvPicPr>
-          <p:nvPr/>
-        </p:nvPicPr>
-        <p:blipFill>
-          <a:blip r:embed="rId4"/>
-          <a:stretch>
-            <a:fillRect/>
-          </a:stretch>
-        </p:blipFill>
-        <p:spPr>
-          <a:xfrm>
-            <a:off x="6408545" y="1498716"/>
-            <a:ext cx="2413057" cy="2468804"/>
-          </a:xfrm>
-          <a:prstGeom prst="rect">
-            <a:avLst/>
-          </a:prstGeom>
-        </p:spPr>
-      </p:pic>
-      <p:pic>
-        <p:nvPicPr>
-          <p:cNvPr id="10" name="Picture 9">
-            <a:extLst>
-              <a:ext uri="{FF2B5EF4-FFF2-40B4-BE49-F238E27FC236}">
-                <a16:creationId xmlns:a16="http://schemas.microsoft.com/office/drawing/2014/main" id="{BDCC62B8-570C-0483-AF40-90B1320B8EAB}"/>
+          <p:cNvPr id="6" name="Picture 5">
+            <a:extLst>
+              <a:ext uri="{FF2B5EF4-FFF2-40B4-BE49-F238E27FC236}">
+                <a16:creationId xmlns:a16="http://schemas.microsoft.com/office/drawing/2014/main" id="{FF0F2037-F969-9410-A0AF-6BE308639776}"/>
               </a:ext>
             </a:extLst>
           </p:cNvPr>
@@ -6866,8 +7100,8 @@
         </p:blipFill>
         <p:spPr>
           <a:xfrm>
-            <a:off x="9116232" y="1655058"/>
-            <a:ext cx="2597171" cy="2419916"/>
+            <a:off x="2935086" y="4839700"/>
+            <a:ext cx="1546196" cy="1941087"/>
           </a:xfrm>
           <a:prstGeom prst="rect">
             <a:avLst/>
@@ -6876,68 +7110,618 @@
       </p:pic>
       <p:pic>
         <p:nvPicPr>
-          <p:cNvPr id="15" name="Picture 14">
-            <a:extLst>
-              <a:ext uri="{FF2B5EF4-FFF2-40B4-BE49-F238E27FC236}">
-                <a16:creationId xmlns:a16="http://schemas.microsoft.com/office/drawing/2014/main" id="{0F174053-483E-AD0D-3C9F-C21F7FDE287B}"/>
+          <p:cNvPr id="11" name="Picture 2">
+            <a:extLst>
+              <a:ext uri="{FF2B5EF4-FFF2-40B4-BE49-F238E27FC236}">
+                <a16:creationId xmlns:a16="http://schemas.microsoft.com/office/drawing/2014/main" id="{EADAFA70-9764-9103-2EBA-2AB853B48981}"/>
               </a:ext>
             </a:extLst>
           </p:cNvPr>
           <p:cNvPicPr>
-            <a:picLocks noChangeAspect="1"/>
+            <a:picLocks noChangeAspect="1" noChangeArrowheads="1"/>
           </p:cNvPicPr>
           <p:nvPr/>
         </p:nvPicPr>
         <p:blipFill>
-          <a:blip r:embed="rId6"/>
+          <a:blip r:embed="rId6">
+            <a:extLst>
+              <a:ext uri="{28A0092B-C50C-407E-A947-70E740481C1C}">
+                <a14:useLocalDpi xmlns:a14="http://schemas.microsoft.com/office/drawing/2010/main" val="0"/>
+              </a:ext>
+            </a:extLst>
+          </a:blip>
+          <a:srcRect/>
           <a:stretch>
             <a:fillRect/>
           </a:stretch>
         </p:blipFill>
-        <p:spPr>
+        <p:spPr bwMode="auto">
           <a:xfrm>
-            <a:off x="4376456" y="4441489"/>
-            <a:ext cx="1378885" cy="2175575"/>
+            <a:off x="4807454" y="4963259"/>
+            <a:ext cx="2256734" cy="1817528"/>
           </a:xfrm>
           <a:prstGeom prst="rect">
             <a:avLst/>
           </a:prstGeom>
+          <a:noFill/>
+          <a:extLst>
+            <a:ext uri="{909E8E84-426E-40DD-AFC4-6F175D3DCCD1}">
+              <a14:hiddenFill xmlns:a14="http://schemas.microsoft.com/office/drawing/2010/main">
+                <a:solidFill>
+                  <a:srgbClr val="FFFFFF"/>
+                </a:solidFill>
+              </a14:hiddenFill>
+            </a:ext>
+          </a:extLst>
         </p:spPr>
       </p:pic>
+      <mc:AlternateContent xmlns:mc="http://schemas.openxmlformats.org/markup-compatibility/2006">
+        <mc:Choice xmlns:a14="http://schemas.microsoft.com/office/drawing/2010/main" Requires="a14">
+          <p:sp>
+            <p:nvSpPr>
+              <p:cNvPr id="12" name="TextBox 11">
+                <a:extLst>
+                  <a:ext uri="{FF2B5EF4-FFF2-40B4-BE49-F238E27FC236}">
+                    <a16:creationId xmlns:a16="http://schemas.microsoft.com/office/drawing/2014/main" id="{4DB3CE13-1834-340A-996F-C3778AB6B3D0}"/>
+                  </a:ext>
+                </a:extLst>
+              </p:cNvPr>
+              <p:cNvSpPr txBox="1"/>
+              <p:nvPr/>
+            </p:nvSpPr>
+            <p:spPr>
+              <a:xfrm>
+                <a:off x="2999937" y="762545"/>
+                <a:ext cx="1237130" cy="369332"/>
+              </a:xfrm>
+              <a:prstGeom prst="rect">
+                <a:avLst/>
+              </a:prstGeom>
+              <a:noFill/>
+            </p:spPr>
+            <p:txBody>
+              <a:bodyPr wrap="square" rtlCol="0">
+                <a:spAutoFit/>
+              </a:bodyPr>
+              <a:lstStyle/>
+              <a:p>
+                <a:pPr/>
+                <a14:m>
+                  <m:oMathPara xmlns:m="http://schemas.openxmlformats.org/officeDocument/2006/math">
+                    <m:oMathParaPr>
+                      <m:jc m:val="centerGroup"/>
+                    </m:oMathParaPr>
+                    <m:oMath xmlns:m="http://schemas.openxmlformats.org/officeDocument/2006/math">
+                      <m:r>
+                        <a:rPr lang="en-US" b="0" i="1" smtClean="0">
+                          <a:latin typeface="Cambria Math" panose="02040503050406030204" pitchFamily="18" charset="0"/>
+                        </a:rPr>
+                        <m:t>𝜎</m:t>
+                      </m:r>
+                      <m:r>
+                        <a:rPr lang="en-US" b="0" i="1" smtClean="0">
+                          <a:latin typeface="Cambria Math" panose="02040503050406030204" pitchFamily="18" charset="0"/>
+                        </a:rPr>
+                        <m:t>=0.020</m:t>
+                      </m:r>
+                    </m:oMath>
+                  </m:oMathPara>
+                </a14:m>
+                <a:endParaRPr lang="en-US" dirty="0"/>
+              </a:p>
+            </p:txBody>
+          </p:sp>
+        </mc:Choice>
+        <mc:Fallback>
+          <p:sp>
+            <p:nvSpPr>
+              <p:cNvPr id="12" name="TextBox 11">
+                <a:extLst>
+                  <a:ext uri="{FF2B5EF4-FFF2-40B4-BE49-F238E27FC236}">
+                    <a16:creationId xmlns:a16="http://schemas.microsoft.com/office/drawing/2014/main" id="{4DB3CE13-1834-340A-996F-C3778AB6B3D0}"/>
+                  </a:ext>
+                </a:extLst>
+              </p:cNvPr>
+              <p:cNvSpPr txBox="1">
+                <a:spLocks noRot="1" noChangeAspect="1" noMove="1" noResize="1" noEditPoints="1" noAdjustHandles="1" noChangeArrowheads="1" noChangeShapeType="1" noTextEdit="1"/>
+              </p:cNvSpPr>
+              <p:nvPr/>
+            </p:nvSpPr>
+            <p:spPr>
+              <a:xfrm>
+                <a:off x="2999937" y="762545"/>
+                <a:ext cx="1237130" cy="369332"/>
+              </a:xfrm>
+              <a:prstGeom prst="rect">
+                <a:avLst/>
+              </a:prstGeom>
+              <a:blipFill>
+                <a:blip r:embed="rId7"/>
+                <a:stretch>
+                  <a:fillRect/>
+                </a:stretch>
+              </a:blipFill>
+            </p:spPr>
+            <p:txBody>
+              <a:bodyPr/>
+              <a:lstStyle/>
+              <a:p>
+                <a:r>
+                  <a:rPr lang="en-US">
+                    <a:noFill/>
+                  </a:rPr>
+                  <a:t> </a:t>
+                </a:r>
+              </a:p>
+            </p:txBody>
+          </p:sp>
+        </mc:Fallback>
+      </mc:AlternateContent>
+      <mc:AlternateContent xmlns:mc="http://schemas.openxmlformats.org/markup-compatibility/2006">
+        <mc:Choice xmlns:a14="http://schemas.microsoft.com/office/drawing/2010/main" Requires="a14">
+          <p:sp>
+            <p:nvSpPr>
+              <p:cNvPr id="13" name="TextBox 12">
+                <a:extLst>
+                  <a:ext uri="{FF2B5EF4-FFF2-40B4-BE49-F238E27FC236}">
+                    <a16:creationId xmlns:a16="http://schemas.microsoft.com/office/drawing/2014/main" id="{7B70FFC1-434C-7D97-6F98-36654DF62BF7}"/>
+                  </a:ext>
+                </a:extLst>
+              </p:cNvPr>
+              <p:cNvSpPr txBox="1"/>
+              <p:nvPr/>
+            </p:nvSpPr>
+            <p:spPr>
+              <a:xfrm>
+                <a:off x="1332537" y="1998485"/>
+                <a:ext cx="1237130" cy="369332"/>
+              </a:xfrm>
+              <a:prstGeom prst="rect">
+                <a:avLst/>
+              </a:prstGeom>
+              <a:noFill/>
+            </p:spPr>
+            <p:txBody>
+              <a:bodyPr wrap="square" rtlCol="0">
+                <a:spAutoFit/>
+              </a:bodyPr>
+              <a:lstStyle/>
+              <a:p>
+                <a:pPr/>
+                <a14:m>
+                  <m:oMathPara xmlns:m="http://schemas.openxmlformats.org/officeDocument/2006/math">
+                    <m:oMathParaPr>
+                      <m:jc m:val="centerGroup"/>
+                    </m:oMathParaPr>
+                    <m:oMath xmlns:m="http://schemas.openxmlformats.org/officeDocument/2006/math">
+                      <m:r>
+                        <a:rPr lang="en-US" b="0" i="1" smtClean="0">
+                          <a:latin typeface="Cambria Math" panose="02040503050406030204" pitchFamily="18" charset="0"/>
+                        </a:rPr>
+                        <m:t>𝛼</m:t>
+                      </m:r>
+                      <m:r>
+                        <a:rPr lang="en-US" b="0" i="1" smtClean="0">
+                          <a:latin typeface="Cambria Math" panose="02040503050406030204" pitchFamily="18" charset="0"/>
+                        </a:rPr>
+                        <m:t>=0.20</m:t>
+                      </m:r>
+                    </m:oMath>
+                  </m:oMathPara>
+                </a14:m>
+                <a:endParaRPr lang="en-US" dirty="0"/>
+              </a:p>
+            </p:txBody>
+          </p:sp>
+        </mc:Choice>
+        <mc:Fallback>
+          <p:sp>
+            <p:nvSpPr>
+              <p:cNvPr id="13" name="TextBox 12">
+                <a:extLst>
+                  <a:ext uri="{FF2B5EF4-FFF2-40B4-BE49-F238E27FC236}">
+                    <a16:creationId xmlns:a16="http://schemas.microsoft.com/office/drawing/2014/main" id="{7B70FFC1-434C-7D97-6F98-36654DF62BF7}"/>
+                  </a:ext>
+                </a:extLst>
+              </p:cNvPr>
+              <p:cNvSpPr txBox="1">
+                <a:spLocks noRot="1" noChangeAspect="1" noMove="1" noResize="1" noEditPoints="1" noAdjustHandles="1" noChangeArrowheads="1" noChangeShapeType="1" noTextEdit="1"/>
+              </p:cNvSpPr>
+              <p:nvPr/>
+            </p:nvSpPr>
+            <p:spPr>
+              <a:xfrm>
+                <a:off x="1332537" y="1998485"/>
+                <a:ext cx="1237130" cy="369332"/>
+              </a:xfrm>
+              <a:prstGeom prst="rect">
+                <a:avLst/>
+              </a:prstGeom>
+              <a:blipFill>
+                <a:blip r:embed="rId8"/>
+                <a:stretch>
+                  <a:fillRect/>
+                </a:stretch>
+              </a:blipFill>
+            </p:spPr>
+            <p:txBody>
+              <a:bodyPr/>
+              <a:lstStyle/>
+              <a:p>
+                <a:r>
+                  <a:rPr lang="en-US">
+                    <a:noFill/>
+                  </a:rPr>
+                  <a:t> </a:t>
+                </a:r>
+              </a:p>
+            </p:txBody>
+          </p:sp>
+        </mc:Fallback>
+      </mc:AlternateContent>
+      <mc:AlternateContent xmlns:mc="http://schemas.openxmlformats.org/markup-compatibility/2006">
+        <mc:Choice xmlns:a14="http://schemas.microsoft.com/office/drawing/2010/main" Requires="a14">
+          <p:sp>
+            <p:nvSpPr>
+              <p:cNvPr id="14" name="TextBox 13">
+                <a:extLst>
+                  <a:ext uri="{FF2B5EF4-FFF2-40B4-BE49-F238E27FC236}">
+                    <a16:creationId xmlns:a16="http://schemas.microsoft.com/office/drawing/2014/main" id="{8828E280-7781-88A5-243A-258D78494F7D}"/>
+                  </a:ext>
+                </a:extLst>
+              </p:cNvPr>
+              <p:cNvSpPr txBox="1"/>
+              <p:nvPr/>
+            </p:nvSpPr>
+            <p:spPr>
+              <a:xfrm>
+                <a:off x="1404255" y="3694497"/>
+                <a:ext cx="1237130" cy="369332"/>
+              </a:xfrm>
+              <a:prstGeom prst="rect">
+                <a:avLst/>
+              </a:prstGeom>
+              <a:noFill/>
+            </p:spPr>
+            <p:txBody>
+              <a:bodyPr wrap="square" rtlCol="0">
+                <a:spAutoFit/>
+              </a:bodyPr>
+              <a:lstStyle/>
+              <a:p>
+                <a:pPr/>
+                <a14:m>
+                  <m:oMathPara xmlns:m="http://schemas.openxmlformats.org/officeDocument/2006/math">
+                    <m:oMathParaPr>
+                      <m:jc m:val="centerGroup"/>
+                    </m:oMathParaPr>
+                    <m:oMath xmlns:m="http://schemas.openxmlformats.org/officeDocument/2006/math">
+                      <m:r>
+                        <a:rPr lang="en-US" b="0" i="1" smtClean="0">
+                          <a:latin typeface="Cambria Math" panose="02040503050406030204" pitchFamily="18" charset="0"/>
+                        </a:rPr>
+                        <m:t>𝛼</m:t>
+                      </m:r>
+                      <m:r>
+                        <a:rPr lang="en-US" b="0" i="1" smtClean="0">
+                          <a:latin typeface="Cambria Math" panose="02040503050406030204" pitchFamily="18" charset="0"/>
+                        </a:rPr>
+                        <m:t>=0.25</m:t>
+                      </m:r>
+                    </m:oMath>
+                  </m:oMathPara>
+                </a14:m>
+                <a:endParaRPr lang="en-US" dirty="0"/>
+              </a:p>
+            </p:txBody>
+          </p:sp>
+        </mc:Choice>
+        <mc:Fallback>
+          <p:sp>
+            <p:nvSpPr>
+              <p:cNvPr id="14" name="TextBox 13">
+                <a:extLst>
+                  <a:ext uri="{FF2B5EF4-FFF2-40B4-BE49-F238E27FC236}">
+                    <a16:creationId xmlns:a16="http://schemas.microsoft.com/office/drawing/2014/main" id="{8828E280-7781-88A5-243A-258D78494F7D}"/>
+                  </a:ext>
+                </a:extLst>
+              </p:cNvPr>
+              <p:cNvSpPr txBox="1">
+                <a:spLocks noRot="1" noChangeAspect="1" noMove="1" noResize="1" noEditPoints="1" noAdjustHandles="1" noChangeArrowheads="1" noChangeShapeType="1" noTextEdit="1"/>
+              </p:cNvSpPr>
+              <p:nvPr/>
+            </p:nvSpPr>
+            <p:spPr>
+              <a:xfrm>
+                <a:off x="1404255" y="3694497"/>
+                <a:ext cx="1237130" cy="369332"/>
+              </a:xfrm>
+              <a:prstGeom prst="rect">
+                <a:avLst/>
+              </a:prstGeom>
+              <a:blipFill>
+                <a:blip r:embed="rId9"/>
+                <a:stretch>
+                  <a:fillRect/>
+                </a:stretch>
+              </a:blipFill>
+            </p:spPr>
+            <p:txBody>
+              <a:bodyPr/>
+              <a:lstStyle/>
+              <a:p>
+                <a:r>
+                  <a:rPr lang="en-US">
+                    <a:noFill/>
+                  </a:rPr>
+                  <a:t> </a:t>
+                </a:r>
+              </a:p>
+            </p:txBody>
+          </p:sp>
+        </mc:Fallback>
+      </mc:AlternateContent>
+      <mc:AlternateContent xmlns:mc="http://schemas.openxmlformats.org/markup-compatibility/2006">
+        <mc:Choice xmlns:a14="http://schemas.microsoft.com/office/drawing/2010/main" Requires="a14">
+          <p:sp>
+            <p:nvSpPr>
+              <p:cNvPr id="17" name="TextBox 16">
+                <a:extLst>
+                  <a:ext uri="{FF2B5EF4-FFF2-40B4-BE49-F238E27FC236}">
+                    <a16:creationId xmlns:a16="http://schemas.microsoft.com/office/drawing/2014/main" id="{4C264E08-EA9B-5465-5B35-ECBDBFAC64BC}"/>
+                  </a:ext>
+                </a:extLst>
+              </p:cNvPr>
+              <p:cNvSpPr txBox="1"/>
+              <p:nvPr/>
+            </p:nvSpPr>
+            <p:spPr>
+              <a:xfrm>
+                <a:off x="1483652" y="5625577"/>
+                <a:ext cx="1237130" cy="369332"/>
+              </a:xfrm>
+              <a:prstGeom prst="rect">
+                <a:avLst/>
+              </a:prstGeom>
+              <a:noFill/>
+            </p:spPr>
+            <p:txBody>
+              <a:bodyPr wrap="square" rtlCol="0">
+                <a:spAutoFit/>
+              </a:bodyPr>
+              <a:lstStyle/>
+              <a:p>
+                <a:pPr/>
+                <a14:m>
+                  <m:oMathPara xmlns:m="http://schemas.openxmlformats.org/officeDocument/2006/math">
+                    <m:oMathParaPr>
+                      <m:jc m:val="centerGroup"/>
+                    </m:oMathParaPr>
+                    <m:oMath xmlns:m="http://schemas.openxmlformats.org/officeDocument/2006/math">
+                      <m:r>
+                        <a:rPr lang="en-US" b="0" i="1" smtClean="0">
+                          <a:latin typeface="Cambria Math" panose="02040503050406030204" pitchFamily="18" charset="0"/>
+                        </a:rPr>
+                        <m:t>𝛼</m:t>
+                      </m:r>
+                      <m:r>
+                        <a:rPr lang="en-US" b="0" i="1" smtClean="0">
+                          <a:latin typeface="Cambria Math" panose="02040503050406030204" pitchFamily="18" charset="0"/>
+                        </a:rPr>
+                        <m:t>=0.30</m:t>
+                      </m:r>
+                    </m:oMath>
+                  </m:oMathPara>
+                </a14:m>
+                <a:endParaRPr lang="en-US" dirty="0"/>
+              </a:p>
+            </p:txBody>
+          </p:sp>
+        </mc:Choice>
+        <mc:Fallback>
+          <p:sp>
+            <p:nvSpPr>
+              <p:cNvPr id="17" name="TextBox 16">
+                <a:extLst>
+                  <a:ext uri="{FF2B5EF4-FFF2-40B4-BE49-F238E27FC236}">
+                    <a16:creationId xmlns:a16="http://schemas.microsoft.com/office/drawing/2014/main" id="{4C264E08-EA9B-5465-5B35-ECBDBFAC64BC}"/>
+                  </a:ext>
+                </a:extLst>
+              </p:cNvPr>
+              <p:cNvSpPr txBox="1">
+                <a:spLocks noRot="1" noChangeAspect="1" noMove="1" noResize="1" noEditPoints="1" noAdjustHandles="1" noChangeArrowheads="1" noChangeShapeType="1" noTextEdit="1"/>
+              </p:cNvSpPr>
+              <p:nvPr/>
+            </p:nvSpPr>
+            <p:spPr>
+              <a:xfrm>
+                <a:off x="1483652" y="5625577"/>
+                <a:ext cx="1237130" cy="369332"/>
+              </a:xfrm>
+              <a:prstGeom prst="rect">
+                <a:avLst/>
+              </a:prstGeom>
+              <a:blipFill>
+                <a:blip r:embed="rId10"/>
+                <a:stretch>
+                  <a:fillRect/>
+                </a:stretch>
+              </a:blipFill>
+            </p:spPr>
+            <p:txBody>
+              <a:bodyPr/>
+              <a:lstStyle/>
+              <a:p>
+                <a:r>
+                  <a:rPr lang="en-US">
+                    <a:noFill/>
+                  </a:rPr>
+                  <a:t> </a:t>
+                </a:r>
+              </a:p>
+            </p:txBody>
+          </p:sp>
+        </mc:Fallback>
+      </mc:AlternateContent>
+      <p:sp>
+        <p:nvSpPr>
+          <p:cNvPr id="18" name="TextBox 17">
+            <a:extLst>
+              <a:ext uri="{FF2B5EF4-FFF2-40B4-BE49-F238E27FC236}">
+                <a16:creationId xmlns:a16="http://schemas.microsoft.com/office/drawing/2014/main" id="{7584767A-4C21-2D0B-D5C7-E4A682945C84}"/>
+              </a:ext>
+            </a:extLst>
+          </p:cNvPr>
+          <p:cNvSpPr txBox="1"/>
+          <p:nvPr/>
+        </p:nvSpPr>
+        <p:spPr>
+          <a:xfrm>
+            <a:off x="1596981" y="4036319"/>
+            <a:ext cx="908639" cy="369332"/>
+          </a:xfrm>
+          <a:prstGeom prst="rect">
+            <a:avLst/>
+          </a:prstGeom>
+          <a:noFill/>
+        </p:spPr>
+        <p:txBody>
+          <a:bodyPr wrap="square" rtlCol="0">
+            <a:spAutoFit/>
+          </a:bodyPr>
+          <a:lstStyle/>
+          <a:p>
+            <a:pPr algn="ctr"/>
+            <a:r>
+              <a:rPr lang="en-US" dirty="0"/>
+              <a:t>(meta)</a:t>
+            </a:r>
+          </a:p>
+        </p:txBody>
+      </p:sp>
+      <p:sp>
+        <p:nvSpPr>
+          <p:cNvPr id="19" name="TextBox 18">
+            <a:extLst>
+              <a:ext uri="{FF2B5EF4-FFF2-40B4-BE49-F238E27FC236}">
+                <a16:creationId xmlns:a16="http://schemas.microsoft.com/office/drawing/2014/main" id="{9822BE3E-B353-47AF-4654-262B7E6FC5B9}"/>
+              </a:ext>
+            </a:extLst>
+          </p:cNvPr>
+          <p:cNvSpPr txBox="1"/>
+          <p:nvPr/>
+        </p:nvSpPr>
+        <p:spPr>
+          <a:xfrm>
+            <a:off x="1596981" y="5967399"/>
+            <a:ext cx="908639" cy="369332"/>
+          </a:xfrm>
+          <a:prstGeom prst="rect">
+            <a:avLst/>
+          </a:prstGeom>
+          <a:noFill/>
+        </p:spPr>
+        <p:txBody>
+          <a:bodyPr wrap="square" rtlCol="0">
+            <a:spAutoFit/>
+          </a:bodyPr>
+          <a:lstStyle/>
+          <a:p>
+            <a:pPr algn="ctr"/>
+            <a:r>
+              <a:rPr lang="en-US" dirty="0"/>
+              <a:t>(meta)</a:t>
+            </a:r>
+          </a:p>
+        </p:txBody>
+      </p:sp>
+      <p:sp>
+        <p:nvSpPr>
+          <p:cNvPr id="20" name="TextBox 19">
+            <a:extLst>
+              <a:ext uri="{FF2B5EF4-FFF2-40B4-BE49-F238E27FC236}">
+                <a16:creationId xmlns:a16="http://schemas.microsoft.com/office/drawing/2014/main" id="{E54A5412-5259-7766-41BB-5B4E6BD47DB6}"/>
+              </a:ext>
+            </a:extLst>
+          </p:cNvPr>
+          <p:cNvSpPr txBox="1"/>
+          <p:nvPr/>
+        </p:nvSpPr>
+        <p:spPr>
+          <a:xfrm>
+            <a:off x="1568500" y="2340307"/>
+            <a:ext cx="908639" cy="369332"/>
+          </a:xfrm>
+          <a:prstGeom prst="rect">
+            <a:avLst/>
+          </a:prstGeom>
+          <a:noFill/>
+        </p:spPr>
+        <p:txBody>
+          <a:bodyPr wrap="square" rtlCol="0">
+            <a:spAutoFit/>
+          </a:bodyPr>
+          <a:lstStyle/>
+          <a:p>
+            <a:pPr algn="ctr"/>
+            <a:r>
+              <a:rPr lang="en-US" dirty="0"/>
+              <a:t>(meta)</a:t>
+            </a:r>
+          </a:p>
+        </p:txBody>
+      </p:sp>
       <p:pic>
         <p:nvPicPr>
-          <p:cNvPr id="16" name="Picture 15">
-            <a:extLst>
-              <a:ext uri="{FF2B5EF4-FFF2-40B4-BE49-F238E27FC236}">
-                <a16:creationId xmlns:a16="http://schemas.microsoft.com/office/drawing/2014/main" id="{986D988D-9A57-A27A-8044-9144346CB72F}"/>
+          <p:cNvPr id="1026" name="Picture 2">
+            <a:extLst>
+              <a:ext uri="{FF2B5EF4-FFF2-40B4-BE49-F238E27FC236}">
+                <a16:creationId xmlns:a16="http://schemas.microsoft.com/office/drawing/2014/main" id="{F4E17394-6355-6CA2-4A8D-D793F769BCCE}"/>
               </a:ext>
             </a:extLst>
           </p:cNvPr>
           <p:cNvPicPr>
-            <a:picLocks noChangeAspect="1"/>
+            <a:picLocks noChangeAspect="1" noChangeArrowheads="1"/>
           </p:cNvPicPr>
           <p:nvPr/>
         </p:nvPicPr>
         <p:blipFill>
-          <a:blip r:embed="rId7"/>
+          <a:blip r:embed="rId11">
+            <a:extLst>
+              <a:ext uri="{28A0092B-C50C-407E-A947-70E740481C1C}">
+                <a14:useLocalDpi xmlns:a14="http://schemas.microsoft.com/office/drawing/2010/main" val="0"/>
+              </a:ext>
+            </a:extLst>
+          </a:blip>
+          <a:srcRect/>
           <a:stretch>
             <a:fillRect/>
           </a:stretch>
         </p:blipFill>
-        <p:spPr>
+        <p:spPr bwMode="auto">
           <a:xfrm>
-            <a:off x="6096000" y="4441488"/>
-            <a:ext cx="1658948" cy="2175576"/>
+            <a:off x="4901736" y="1335145"/>
+            <a:ext cx="1877516" cy="1685460"/>
           </a:xfrm>
           <a:prstGeom prst="rect">
             <a:avLst/>
           </a:prstGeom>
+          <a:noFill/>
+          <a:extLst>
+            <a:ext uri="{909E8E84-426E-40DD-AFC4-6F175D3DCCD1}">
+              <a14:hiddenFill xmlns:a14="http://schemas.microsoft.com/office/drawing/2010/main">
+                <a:solidFill>
+                  <a:srgbClr val="FFFFFF"/>
+                </a:solidFill>
+              </a14:hiddenFill>
+            </a:ext>
+          </a:extLst>
         </p:spPr>
       </p:pic>
     </p:spTree>
     <p:extLst>
       <p:ext uri="{BB962C8B-B14F-4D97-AF65-F5344CB8AC3E}">
-        <p14:creationId xmlns:p14="http://schemas.microsoft.com/office/powerpoint/2010/main" val="59981036"/>
+        <p14:creationId xmlns:p14="http://schemas.microsoft.com/office/powerpoint/2010/main" val="390415339"/>
       </p:ext>
     </p:extLst>
   </p:cSld>

--- a/SYSG3_paper.pptx
+++ b/SYSG3_paper.pptx
@@ -6993,7 +6993,7 @@
         </p:blipFill>
         <p:spPr>
           <a:xfrm>
-            <a:off x="2970027" y="1335145"/>
+            <a:off x="2985172" y="1205845"/>
             <a:ext cx="1296951" cy="1696013"/>
           </a:xfrm>
           <a:prstGeom prst="rect">
@@ -7023,7 +7023,7 @@
         </p:blipFill>
         <p:spPr>
           <a:xfrm>
-            <a:off x="2984792" y="3031158"/>
+            <a:off x="2985172" y="2975150"/>
             <a:ext cx="1282186" cy="1941087"/>
           </a:xfrm>
           <a:prstGeom prst="rect">
@@ -7060,85 +7060,8 @@
         </p:blipFill>
         <p:spPr bwMode="auto">
           <a:xfrm>
-            <a:off x="4746150" y="3228714"/>
-            <a:ext cx="2188689" cy="1670229"/>
-          </a:xfrm>
-          <a:prstGeom prst="rect">
-            <a:avLst/>
-          </a:prstGeom>
-          <a:noFill/>
-          <a:extLst>
-            <a:ext uri="{909E8E84-426E-40DD-AFC4-6F175D3DCCD1}">
-              <a14:hiddenFill xmlns:a14="http://schemas.microsoft.com/office/drawing/2010/main">
-                <a:solidFill>
-                  <a:srgbClr val="FFFFFF"/>
-                </a:solidFill>
-              </a14:hiddenFill>
-            </a:ext>
-          </a:extLst>
-        </p:spPr>
-      </p:pic>
-      <p:pic>
-        <p:nvPicPr>
-          <p:cNvPr id="6" name="Picture 5">
-            <a:extLst>
-              <a:ext uri="{FF2B5EF4-FFF2-40B4-BE49-F238E27FC236}">
-                <a16:creationId xmlns:a16="http://schemas.microsoft.com/office/drawing/2014/main" id="{FF0F2037-F969-9410-A0AF-6BE308639776}"/>
-              </a:ext>
-            </a:extLst>
-          </p:cNvPr>
-          <p:cNvPicPr>
-            <a:picLocks noChangeAspect="1"/>
-          </p:cNvPicPr>
-          <p:nvPr/>
-        </p:nvPicPr>
-        <p:blipFill>
-          <a:blip r:embed="rId5"/>
-          <a:stretch>
-            <a:fillRect/>
-          </a:stretch>
-        </p:blipFill>
-        <p:spPr>
-          <a:xfrm>
-            <a:off x="2935086" y="4839700"/>
-            <a:ext cx="1546196" cy="1941087"/>
-          </a:xfrm>
-          <a:prstGeom prst="rect">
-            <a:avLst/>
-          </a:prstGeom>
-        </p:spPr>
-      </p:pic>
-      <p:pic>
-        <p:nvPicPr>
-          <p:cNvPr id="11" name="Picture 2">
-            <a:extLst>
-              <a:ext uri="{FF2B5EF4-FFF2-40B4-BE49-F238E27FC236}">
-                <a16:creationId xmlns:a16="http://schemas.microsoft.com/office/drawing/2014/main" id="{EADAFA70-9764-9103-2EBA-2AB853B48981}"/>
-              </a:ext>
-            </a:extLst>
-          </p:cNvPr>
-          <p:cNvPicPr>
-            <a:picLocks noChangeAspect="1" noChangeArrowheads="1"/>
-          </p:cNvPicPr>
-          <p:nvPr/>
-        </p:nvPicPr>
-        <p:blipFill>
-          <a:blip r:embed="rId6">
-            <a:extLst>
-              <a:ext uri="{28A0092B-C50C-407E-A947-70E740481C1C}">
-                <a14:useLocalDpi xmlns:a14="http://schemas.microsoft.com/office/drawing/2010/main" val="0"/>
-              </a:ext>
-            </a:extLst>
-          </a:blip>
-          <a:srcRect/>
-          <a:stretch>
-            <a:fillRect/>
-          </a:stretch>
-        </p:blipFill>
-        <p:spPr bwMode="auto">
-          <a:xfrm>
-            <a:off x="4807454" y="4963259"/>
-            <a:ext cx="2256734" cy="1817528"/>
+            <a:off x="7140916" y="3282970"/>
+            <a:ext cx="1769944" cy="1350677"/>
           </a:xfrm>
           <a:prstGeom prst="rect">
             <a:avLst/>
@@ -7236,7 +7159,7 @@
                 <a:avLst/>
               </a:prstGeom>
               <a:blipFill>
-                <a:blip r:embed="rId7"/>
+                <a:blip r:embed="rId5"/>
                 <a:stretch>
                   <a:fillRect/>
                 </a:stretch>
@@ -7273,7 +7196,7 @@
             </p:nvSpPr>
             <p:spPr>
               <a:xfrm>
-                <a:off x="1332537" y="1998485"/>
+                <a:off x="1347682" y="1869185"/>
                 <a:ext cx="1237130" cy="369332"/>
               </a:xfrm>
               <a:prstGeom prst="rect">
@@ -7331,14 +7254,14 @@
             </p:nvSpPr>
             <p:spPr>
               <a:xfrm>
-                <a:off x="1332537" y="1998485"/>
+                <a:off x="1347682" y="1869185"/>
                 <a:ext cx="1237130" cy="369332"/>
               </a:xfrm>
               <a:prstGeom prst="rect">
                 <a:avLst/>
               </a:prstGeom>
               <a:blipFill>
-                <a:blip r:embed="rId8"/>
+                <a:blip r:embed="rId6"/>
                 <a:stretch>
                   <a:fillRect/>
                 </a:stretch>
@@ -7375,7 +7298,7 @@
             </p:nvSpPr>
             <p:spPr>
               <a:xfrm>
-                <a:off x="1404255" y="3694497"/>
+                <a:off x="1404635" y="3638489"/>
                 <a:ext cx="1237130" cy="369332"/>
               </a:xfrm>
               <a:prstGeom prst="rect">
@@ -7433,14 +7356,14 @@
             </p:nvSpPr>
             <p:spPr>
               <a:xfrm>
-                <a:off x="1404255" y="3694497"/>
+                <a:off x="1404635" y="3638489"/>
                 <a:ext cx="1237130" cy="369332"/>
               </a:xfrm>
               <a:prstGeom prst="rect">
                 <a:avLst/>
               </a:prstGeom>
               <a:blipFill>
-                <a:blip r:embed="rId9"/>
+                <a:blip r:embed="rId7"/>
                 <a:stretch>
                   <a:fillRect/>
                 </a:stretch>
@@ -7542,7 +7465,7 @@
                 <a:avLst/>
               </a:prstGeom>
               <a:blipFill>
-                <a:blip r:embed="rId10"/>
+                <a:blip r:embed="rId8"/>
                 <a:stretch>
                   <a:fillRect/>
                 </a:stretch>
@@ -7577,7 +7500,7 @@
         </p:nvSpPr>
         <p:spPr>
           <a:xfrm>
-            <a:off x="1596981" y="4036319"/>
+            <a:off x="1597361" y="3980311"/>
             <a:ext cx="908639" cy="369332"/>
           </a:xfrm>
           <a:prstGeom prst="rect">
@@ -7649,7 +7572,7 @@
         </p:nvSpPr>
         <p:spPr>
           <a:xfrm>
-            <a:off x="1568500" y="2340307"/>
+            <a:off x="1583645" y="2211007"/>
             <a:ext cx="908639" cy="369332"/>
           </a:xfrm>
           <a:prstGeom prst="rect">
@@ -7686,7 +7609,7 @@
           <p:nvPr/>
         </p:nvPicPr>
         <p:blipFill>
-          <a:blip r:embed="rId11">
+          <a:blip r:embed="rId9">
             <a:extLst>
               <a:ext uri="{28A0092B-C50C-407E-A947-70E740481C1C}">
                 <a14:useLocalDpi xmlns:a14="http://schemas.microsoft.com/office/drawing/2010/main" val="0"/>
@@ -7700,8 +7623,226 @@
         </p:blipFill>
         <p:spPr bwMode="auto">
           <a:xfrm>
-            <a:off x="4901736" y="1335145"/>
-            <a:ext cx="1877516" cy="1685460"/>
+            <a:off x="4984792" y="1363230"/>
+            <a:ext cx="1649091" cy="1480401"/>
+          </a:xfrm>
+          <a:prstGeom prst="rect">
+            <a:avLst/>
+          </a:prstGeom>
+          <a:noFill/>
+          <a:extLst>
+            <a:ext uri="{909E8E84-426E-40DD-AFC4-6F175D3DCCD1}">
+              <a14:hiddenFill xmlns:a14="http://schemas.microsoft.com/office/drawing/2010/main">
+                <a:solidFill>
+                  <a:srgbClr val="FFFFFF"/>
+                </a:solidFill>
+              </a14:hiddenFill>
+            </a:ext>
+          </a:extLst>
+        </p:spPr>
+      </p:pic>
+      <p:pic>
+        <p:nvPicPr>
+          <p:cNvPr id="1034" name="Picture 10">
+            <a:extLst>
+              <a:ext uri="{FF2B5EF4-FFF2-40B4-BE49-F238E27FC236}">
+                <a16:creationId xmlns:a16="http://schemas.microsoft.com/office/drawing/2014/main" id="{9138EC91-D770-11A1-C1E2-C2612A3B9182}"/>
+              </a:ext>
+            </a:extLst>
+          </p:cNvPr>
+          <p:cNvPicPr>
+            <a:picLocks noChangeAspect="1" noChangeArrowheads="1"/>
+          </p:cNvPicPr>
+          <p:nvPr/>
+        </p:nvPicPr>
+        <p:blipFill>
+          <a:blip r:embed="rId10">
+            <a:extLst>
+              <a:ext uri="{28A0092B-C50C-407E-A947-70E740481C1C}">
+                <a14:useLocalDpi xmlns:a14="http://schemas.microsoft.com/office/drawing/2010/main" val="0"/>
+              </a:ext>
+            </a:extLst>
+          </a:blip>
+          <a:srcRect/>
+          <a:stretch>
+            <a:fillRect/>
+          </a:stretch>
+        </p:blipFill>
+        <p:spPr bwMode="auto">
+          <a:xfrm>
+            <a:off x="7142912" y="5106191"/>
+            <a:ext cx="1875140" cy="1468379"/>
+          </a:xfrm>
+          <a:prstGeom prst="rect">
+            <a:avLst/>
+          </a:prstGeom>
+          <a:noFill/>
+          <a:extLst>
+            <a:ext uri="{909E8E84-426E-40DD-AFC4-6F175D3DCCD1}">
+              <a14:hiddenFill xmlns:a14="http://schemas.microsoft.com/office/drawing/2010/main">
+                <a:solidFill>
+                  <a:srgbClr val="FFFFFF"/>
+                </a:solidFill>
+              </a14:hiddenFill>
+            </a:ext>
+          </a:extLst>
+        </p:spPr>
+      </p:pic>
+      <p:pic>
+        <p:nvPicPr>
+          <p:cNvPr id="1036" name="Picture 12">
+            <a:extLst>
+              <a:ext uri="{FF2B5EF4-FFF2-40B4-BE49-F238E27FC236}">
+                <a16:creationId xmlns:a16="http://schemas.microsoft.com/office/drawing/2014/main" id="{1F472A55-1C0A-F016-2F00-52916B8E97CB}"/>
+              </a:ext>
+            </a:extLst>
+          </p:cNvPr>
+          <p:cNvPicPr>
+            <a:picLocks noChangeAspect="1" noChangeArrowheads="1"/>
+          </p:cNvPicPr>
+          <p:nvPr/>
+        </p:nvPicPr>
+        <p:blipFill>
+          <a:blip r:embed="rId11">
+            <a:extLst>
+              <a:ext uri="{28A0092B-C50C-407E-A947-70E740481C1C}">
+                <a14:useLocalDpi xmlns:a14="http://schemas.microsoft.com/office/drawing/2010/main" val="0"/>
+              </a:ext>
+            </a:extLst>
+          </a:blip>
+          <a:srcRect/>
+          <a:stretch>
+            <a:fillRect/>
+          </a:stretch>
+        </p:blipFill>
+        <p:spPr bwMode="auto">
+          <a:xfrm>
+            <a:off x="4901736" y="5087148"/>
+            <a:ext cx="1875140" cy="1468379"/>
+          </a:xfrm>
+          <a:prstGeom prst="rect">
+            <a:avLst/>
+          </a:prstGeom>
+          <a:noFill/>
+          <a:extLst>
+            <a:ext uri="{909E8E84-426E-40DD-AFC4-6F175D3DCCD1}">
+              <a14:hiddenFill xmlns:a14="http://schemas.microsoft.com/office/drawing/2010/main">
+                <a:solidFill>
+                  <a:srgbClr val="FFFFFF"/>
+                </a:solidFill>
+              </a14:hiddenFill>
+            </a:ext>
+          </a:extLst>
+        </p:spPr>
+      </p:pic>
+      <p:pic>
+        <p:nvPicPr>
+          <p:cNvPr id="22" name="Picture 21">
+            <a:extLst>
+              <a:ext uri="{FF2B5EF4-FFF2-40B4-BE49-F238E27FC236}">
+                <a16:creationId xmlns:a16="http://schemas.microsoft.com/office/drawing/2014/main" id="{542247A0-ECD1-86CD-FBBB-0FD07929F1D2}"/>
+              </a:ext>
+            </a:extLst>
+          </p:cNvPr>
+          <p:cNvPicPr>
+            <a:picLocks noChangeAspect="1"/>
+          </p:cNvPicPr>
+          <p:nvPr/>
+        </p:nvPicPr>
+        <p:blipFill>
+          <a:blip r:embed="rId12"/>
+          <a:stretch>
+            <a:fillRect/>
+          </a:stretch>
+        </p:blipFill>
+        <p:spPr>
+          <a:xfrm>
+            <a:off x="3154714" y="4916913"/>
+            <a:ext cx="1097928" cy="1941087"/>
+          </a:xfrm>
+          <a:prstGeom prst="rect">
+            <a:avLst/>
+          </a:prstGeom>
+        </p:spPr>
+      </p:pic>
+      <p:pic>
+        <p:nvPicPr>
+          <p:cNvPr id="1038" name="Picture 14">
+            <a:extLst>
+              <a:ext uri="{FF2B5EF4-FFF2-40B4-BE49-F238E27FC236}">
+                <a16:creationId xmlns:a16="http://schemas.microsoft.com/office/drawing/2014/main" id="{545BD058-94BB-FB19-8625-A06A2F09A9B9}"/>
+              </a:ext>
+            </a:extLst>
+          </p:cNvPr>
+          <p:cNvPicPr>
+            <a:picLocks noChangeAspect="1" noChangeArrowheads="1"/>
+          </p:cNvPicPr>
+          <p:nvPr/>
+        </p:nvPicPr>
+        <p:blipFill>
+          <a:blip r:embed="rId13">
+            <a:extLst>
+              <a:ext uri="{28A0092B-C50C-407E-A947-70E740481C1C}">
+                <a14:useLocalDpi xmlns:a14="http://schemas.microsoft.com/office/drawing/2010/main" val="0"/>
+              </a:ext>
+            </a:extLst>
+          </a:blip>
+          <a:srcRect/>
+          <a:stretch>
+            <a:fillRect/>
+          </a:stretch>
+        </p:blipFill>
+        <p:spPr bwMode="auto">
+          <a:xfrm>
+            <a:off x="4877215" y="3205075"/>
+            <a:ext cx="1924182" cy="1468379"/>
+          </a:xfrm>
+          <a:prstGeom prst="rect">
+            <a:avLst/>
+          </a:prstGeom>
+          <a:noFill/>
+          <a:extLst>
+            <a:ext uri="{909E8E84-426E-40DD-AFC4-6F175D3DCCD1}">
+              <a14:hiddenFill xmlns:a14="http://schemas.microsoft.com/office/drawing/2010/main">
+                <a:solidFill>
+                  <a:srgbClr val="FFFFFF"/>
+                </a:solidFill>
+              </a14:hiddenFill>
+            </a:ext>
+          </a:extLst>
+        </p:spPr>
+      </p:pic>
+      <p:pic>
+        <p:nvPicPr>
+          <p:cNvPr id="1040" name="Picture 16">
+            <a:extLst>
+              <a:ext uri="{FF2B5EF4-FFF2-40B4-BE49-F238E27FC236}">
+                <a16:creationId xmlns:a16="http://schemas.microsoft.com/office/drawing/2014/main" id="{EEA866AA-6A73-3025-8E63-43EAC3B262C9}"/>
+              </a:ext>
+            </a:extLst>
+          </p:cNvPr>
+          <p:cNvPicPr>
+            <a:picLocks noChangeAspect="1" noChangeArrowheads="1"/>
+          </p:cNvPicPr>
+          <p:nvPr/>
+        </p:nvPicPr>
+        <p:blipFill>
+          <a:blip r:embed="rId14">
+            <a:extLst>
+              <a:ext uri="{28A0092B-C50C-407E-A947-70E740481C1C}">
+                <a14:useLocalDpi xmlns:a14="http://schemas.microsoft.com/office/drawing/2010/main" val="0"/>
+              </a:ext>
+            </a:extLst>
+          </a:blip>
+          <a:srcRect/>
+          <a:stretch>
+            <a:fillRect/>
+          </a:stretch>
+        </p:blipFill>
+        <p:spPr bwMode="auto">
+          <a:xfrm>
+            <a:off x="7140916" y="1331659"/>
+            <a:ext cx="1769944" cy="1588892"/>
           </a:xfrm>
           <a:prstGeom prst="rect">
             <a:avLst/>

--- a/SYSG3_paper.pptx
+++ b/SYSG3_paper.pptx
@@ -6006,8 +6006,8 @@
         </p:blipFill>
         <p:spPr>
           <a:xfrm>
-            <a:off x="2751131" y="1556321"/>
-            <a:ext cx="1746696" cy="2348336"/>
+            <a:off x="2834465" y="1544101"/>
+            <a:ext cx="1600897" cy="2152317"/>
           </a:xfrm>
           <a:prstGeom prst="rect">
             <a:avLst/>
@@ -6037,7 +6037,7 @@
         <p:spPr>
           <a:xfrm>
             <a:off x="9199693" y="1607156"/>
-            <a:ext cx="1631374" cy="2325576"/>
+            <a:ext cx="1495201" cy="2131457"/>
           </a:xfrm>
           <a:prstGeom prst="rect">
             <a:avLst/>
@@ -6318,7 +6318,7 @@
         </p:blipFill>
         <p:spPr bwMode="auto">
           <a:xfrm>
-            <a:off x="2828399" y="4479419"/>
+            <a:off x="2729168" y="4449051"/>
             <a:ext cx="2156752" cy="1817528"/>
           </a:xfrm>
           <a:prstGeom prst="rect">
@@ -6607,7 +6607,7 @@
         <p:spPr>
           <a:xfrm>
             <a:off x="4761006" y="1538707"/>
-            <a:ext cx="1892294" cy="2496372"/>
+            <a:ext cx="1734342" cy="2287997"/>
           </a:xfrm>
           <a:prstGeom prst="rect">
             <a:avLst/>
@@ -6667,7 +6667,7 @@
         <p:spPr>
           <a:xfrm>
             <a:off x="7027101" y="1533370"/>
-            <a:ext cx="1659854" cy="2559246"/>
+            <a:ext cx="1521304" cy="2345623"/>
           </a:xfrm>
           <a:prstGeom prst="rect">
             <a:avLst/>
@@ -6825,10 +6825,10 @@
       </mc:AlternateContent>
       <p:pic>
         <p:nvPicPr>
-          <p:cNvPr id="2" name="Picture 1">
-            <a:extLst>
-              <a:ext uri="{FF2B5EF4-FFF2-40B4-BE49-F238E27FC236}">
-                <a16:creationId xmlns:a16="http://schemas.microsoft.com/office/drawing/2014/main" id="{4BD2C008-D1D1-0B3F-9A68-4E8080153BF2}"/>
+          <p:cNvPr id="14" name="Picture 13">
+            <a:extLst>
+              <a:ext uri="{FF2B5EF4-FFF2-40B4-BE49-F238E27FC236}">
+                <a16:creationId xmlns:a16="http://schemas.microsoft.com/office/drawing/2014/main" id="{463AE8D8-A25D-2F6A-66E7-9FC8C6D38268}"/>
               </a:ext>
             </a:extLst>
           </p:cNvPr>
@@ -6845,8 +6845,8 @@
         </p:blipFill>
         <p:spPr>
           <a:xfrm>
-            <a:off x="430854" y="1692266"/>
-            <a:ext cx="2188687" cy="2076446"/>
+            <a:off x="376154" y="1572270"/>
+            <a:ext cx="2241904" cy="2267822"/>
           </a:xfrm>
           <a:prstGeom prst="rect">
             <a:avLst/>
@@ -6855,10 +6855,10 @@
       </p:pic>
       <p:pic>
         <p:nvPicPr>
-          <p:cNvPr id="1026" name="Picture 2">
-            <a:extLst>
-              <a:ext uri="{FF2B5EF4-FFF2-40B4-BE49-F238E27FC236}">
-                <a16:creationId xmlns:a16="http://schemas.microsoft.com/office/drawing/2014/main" id="{CE8C8A4E-5B3B-F05E-01D7-2CA3FB178328}"/>
+          <p:cNvPr id="15" name="Picture 2">
+            <a:extLst>
+              <a:ext uri="{FF2B5EF4-FFF2-40B4-BE49-F238E27FC236}">
+                <a16:creationId xmlns:a16="http://schemas.microsoft.com/office/drawing/2014/main" id="{0D2259BA-BC67-C113-1BD0-871FCEF11AE3}"/>
               </a:ext>
             </a:extLst>
           </p:cNvPr>
@@ -6882,8 +6882,8 @@
         </p:blipFill>
         <p:spPr bwMode="auto">
           <a:xfrm>
-            <a:off x="430854" y="4224445"/>
-            <a:ext cx="2057544" cy="2247404"/>
+            <a:off x="561709" y="4259488"/>
+            <a:ext cx="1915176" cy="2091898"/>
           </a:xfrm>
           <a:prstGeom prst="rect">
             <a:avLst/>

--- a/SYSG3_paper.pptx
+++ b/SYSG3_paper.pptx
@@ -268,7 +268,7 @@
           <a:p>
             <a:fld id="{E3B1C2F4-07A0-459D-95BE-47AEA2376715}" type="datetimeFigureOut">
               <a:rPr lang="en-US" smtClean="0"/>
-              <a:t>5/16/2025</a:t>
+              <a:t>5/29/2025</a:t>
             </a:fld>
             <a:endParaRPr lang="en-US"/>
           </a:p>
@@ -466,7 +466,7 @@
           <a:p>
             <a:fld id="{E3B1C2F4-07A0-459D-95BE-47AEA2376715}" type="datetimeFigureOut">
               <a:rPr lang="en-US" smtClean="0"/>
-              <a:t>5/16/2025</a:t>
+              <a:t>5/29/2025</a:t>
             </a:fld>
             <a:endParaRPr lang="en-US"/>
           </a:p>
@@ -674,7 +674,7 @@
           <a:p>
             <a:fld id="{E3B1C2F4-07A0-459D-95BE-47AEA2376715}" type="datetimeFigureOut">
               <a:rPr lang="en-US" smtClean="0"/>
-              <a:t>5/16/2025</a:t>
+              <a:t>5/29/2025</a:t>
             </a:fld>
             <a:endParaRPr lang="en-US"/>
           </a:p>
@@ -872,7 +872,7 @@
           <a:p>
             <a:fld id="{E3B1C2F4-07A0-459D-95BE-47AEA2376715}" type="datetimeFigureOut">
               <a:rPr lang="en-US" smtClean="0"/>
-              <a:t>5/16/2025</a:t>
+              <a:t>5/29/2025</a:t>
             </a:fld>
             <a:endParaRPr lang="en-US"/>
           </a:p>
@@ -1147,7 +1147,7 @@
           <a:p>
             <a:fld id="{E3B1C2F4-07A0-459D-95BE-47AEA2376715}" type="datetimeFigureOut">
               <a:rPr lang="en-US" smtClean="0"/>
-              <a:t>5/16/2025</a:t>
+              <a:t>5/29/2025</a:t>
             </a:fld>
             <a:endParaRPr lang="en-US"/>
           </a:p>
@@ -1412,7 +1412,7 @@
           <a:p>
             <a:fld id="{E3B1C2F4-07A0-459D-95BE-47AEA2376715}" type="datetimeFigureOut">
               <a:rPr lang="en-US" smtClean="0"/>
-              <a:t>5/16/2025</a:t>
+              <a:t>5/29/2025</a:t>
             </a:fld>
             <a:endParaRPr lang="en-US"/>
           </a:p>
@@ -1824,7 +1824,7 @@
           <a:p>
             <a:fld id="{E3B1C2F4-07A0-459D-95BE-47AEA2376715}" type="datetimeFigureOut">
               <a:rPr lang="en-US" smtClean="0"/>
-              <a:t>5/16/2025</a:t>
+              <a:t>5/29/2025</a:t>
             </a:fld>
             <a:endParaRPr lang="en-US"/>
           </a:p>
@@ -1965,7 +1965,7 @@
           <a:p>
             <a:fld id="{E3B1C2F4-07A0-459D-95BE-47AEA2376715}" type="datetimeFigureOut">
               <a:rPr lang="en-US" smtClean="0"/>
-              <a:t>5/16/2025</a:t>
+              <a:t>5/29/2025</a:t>
             </a:fld>
             <a:endParaRPr lang="en-US"/>
           </a:p>
@@ -2078,7 +2078,7 @@
           <a:p>
             <a:fld id="{E3B1C2F4-07A0-459D-95BE-47AEA2376715}" type="datetimeFigureOut">
               <a:rPr lang="en-US" smtClean="0"/>
-              <a:t>5/16/2025</a:t>
+              <a:t>5/29/2025</a:t>
             </a:fld>
             <a:endParaRPr lang="en-US"/>
           </a:p>
@@ -2389,7 +2389,7 @@
           <a:p>
             <a:fld id="{E3B1C2F4-07A0-459D-95BE-47AEA2376715}" type="datetimeFigureOut">
               <a:rPr lang="en-US" smtClean="0"/>
-              <a:t>5/16/2025</a:t>
+              <a:t>5/29/2025</a:t>
             </a:fld>
             <a:endParaRPr lang="en-US"/>
           </a:p>
@@ -2677,7 +2677,7 @@
           <a:p>
             <a:fld id="{E3B1C2F4-07A0-459D-95BE-47AEA2376715}" type="datetimeFigureOut">
               <a:rPr lang="en-US" smtClean="0"/>
-              <a:t>5/16/2025</a:t>
+              <a:t>5/29/2025</a:t>
             </a:fld>
             <a:endParaRPr lang="en-US"/>
           </a:p>
@@ -2918,7 +2918,7 @@
           <a:p>
             <a:fld id="{E3B1C2F4-07A0-459D-95BE-47AEA2376715}" type="datetimeFigureOut">
               <a:rPr lang="en-US" smtClean="0"/>
-              <a:t>5/16/2025</a:t>
+              <a:t>5/29/2025</a:t>
             </a:fld>
             <a:endParaRPr lang="en-US"/>
           </a:p>
@@ -7078,8 +7078,8 @@
           </a:extLst>
         </p:spPr>
       </p:pic>
-      <mc:AlternateContent xmlns:mc="http://schemas.openxmlformats.org/markup-compatibility/2006">
-        <mc:Choice xmlns:a14="http://schemas.microsoft.com/office/drawing/2010/main" Requires="a14">
+      <mc:AlternateContent xmlns:mc="http://schemas.openxmlformats.org/markup-compatibility/2006" xmlns:a14="http://schemas.microsoft.com/office/drawing/2010/main">
+        <mc:Choice Requires="a14">
           <p:sp>
             <p:nvSpPr>
               <p:cNvPr id="12" name="TextBox 11">
@@ -7135,7 +7135,7 @@
             </p:txBody>
           </p:sp>
         </mc:Choice>
-        <mc:Fallback>
+        <mc:Fallback xmlns="">
           <p:sp>
             <p:nvSpPr>
               <p:cNvPr id="12" name="TextBox 11">
@@ -7180,8 +7180,8 @@
           </p:sp>
         </mc:Fallback>
       </mc:AlternateContent>
-      <mc:AlternateContent xmlns:mc="http://schemas.openxmlformats.org/markup-compatibility/2006">
-        <mc:Choice xmlns:a14="http://schemas.microsoft.com/office/drawing/2010/main" Requires="a14">
+      <mc:AlternateContent xmlns:mc="http://schemas.openxmlformats.org/markup-compatibility/2006" xmlns:a14="http://schemas.microsoft.com/office/drawing/2010/main">
+        <mc:Choice Requires="a14">
           <p:sp>
             <p:nvSpPr>
               <p:cNvPr id="13" name="TextBox 12">
@@ -7237,7 +7237,7 @@
             </p:txBody>
           </p:sp>
         </mc:Choice>
-        <mc:Fallback>
+        <mc:Fallback xmlns="">
           <p:sp>
             <p:nvSpPr>
               <p:cNvPr id="13" name="TextBox 12">
@@ -7282,8 +7282,8 @@
           </p:sp>
         </mc:Fallback>
       </mc:AlternateContent>
-      <mc:AlternateContent xmlns:mc="http://schemas.openxmlformats.org/markup-compatibility/2006">
-        <mc:Choice xmlns:a14="http://schemas.microsoft.com/office/drawing/2010/main" Requires="a14">
+      <mc:AlternateContent xmlns:mc="http://schemas.openxmlformats.org/markup-compatibility/2006" xmlns:a14="http://schemas.microsoft.com/office/drawing/2010/main">
+        <mc:Choice Requires="a14">
           <p:sp>
             <p:nvSpPr>
               <p:cNvPr id="14" name="TextBox 13">
@@ -7339,7 +7339,7 @@
             </p:txBody>
           </p:sp>
         </mc:Choice>
-        <mc:Fallback>
+        <mc:Fallback xmlns="">
           <p:sp>
             <p:nvSpPr>
               <p:cNvPr id="14" name="TextBox 13">
@@ -7384,8 +7384,8 @@
           </p:sp>
         </mc:Fallback>
       </mc:AlternateContent>
-      <mc:AlternateContent xmlns:mc="http://schemas.openxmlformats.org/markup-compatibility/2006">
-        <mc:Choice xmlns:a14="http://schemas.microsoft.com/office/drawing/2010/main" Requires="a14">
+      <mc:AlternateContent xmlns:mc="http://schemas.openxmlformats.org/markup-compatibility/2006" xmlns:a14="http://schemas.microsoft.com/office/drawing/2010/main">
+        <mc:Choice Requires="a14">
           <p:sp>
             <p:nvSpPr>
               <p:cNvPr id="17" name="TextBox 16">
@@ -7441,7 +7441,7 @@
             </p:txBody>
           </p:sp>
         </mc:Choice>
-        <mc:Fallback>
+        <mc:Fallback xmlns="">
           <p:sp>
             <p:nvSpPr>
               <p:cNvPr id="17" name="TextBox 16">

--- a/SYSG3_paper.pptx
+++ b/SYSG3_paper.pptx
@@ -11,9 +11,9 @@
     <p:sldId id="368" r:id="rId5"/>
     <p:sldId id="361" r:id="rId6"/>
     <p:sldId id="362" r:id="rId7"/>
-    <p:sldId id="363" r:id="rId8"/>
-    <p:sldId id="364" r:id="rId9"/>
-    <p:sldId id="369" r:id="rId10"/>
+    <p:sldId id="364" r:id="rId8"/>
+    <p:sldId id="369" r:id="rId9"/>
+    <p:sldId id="370" r:id="rId10"/>
     <p:sldId id="367" r:id="rId11"/>
   </p:sldIdLst>
   <p:sldSz cx="12192000" cy="6858000"/>
@@ -268,7 +268,7 @@
           <a:p>
             <a:fld id="{E3B1C2F4-07A0-459D-95BE-47AEA2376715}" type="datetimeFigureOut">
               <a:rPr lang="en-US" smtClean="0"/>
-              <a:t>5/29/2025</a:t>
+              <a:t>6/3/2025</a:t>
             </a:fld>
             <a:endParaRPr lang="en-US"/>
           </a:p>
@@ -466,7 +466,7 @@
           <a:p>
             <a:fld id="{E3B1C2F4-07A0-459D-95BE-47AEA2376715}" type="datetimeFigureOut">
               <a:rPr lang="en-US" smtClean="0"/>
-              <a:t>5/29/2025</a:t>
+              <a:t>6/3/2025</a:t>
             </a:fld>
             <a:endParaRPr lang="en-US"/>
           </a:p>
@@ -674,7 +674,7 @@
           <a:p>
             <a:fld id="{E3B1C2F4-07A0-459D-95BE-47AEA2376715}" type="datetimeFigureOut">
               <a:rPr lang="en-US" smtClean="0"/>
-              <a:t>5/29/2025</a:t>
+              <a:t>6/3/2025</a:t>
             </a:fld>
             <a:endParaRPr lang="en-US"/>
           </a:p>
@@ -872,7 +872,7 @@
           <a:p>
             <a:fld id="{E3B1C2F4-07A0-459D-95BE-47AEA2376715}" type="datetimeFigureOut">
               <a:rPr lang="en-US" smtClean="0"/>
-              <a:t>5/29/2025</a:t>
+              <a:t>6/3/2025</a:t>
             </a:fld>
             <a:endParaRPr lang="en-US"/>
           </a:p>
@@ -1147,7 +1147,7 @@
           <a:p>
             <a:fld id="{E3B1C2F4-07A0-459D-95BE-47AEA2376715}" type="datetimeFigureOut">
               <a:rPr lang="en-US" smtClean="0"/>
-              <a:t>5/29/2025</a:t>
+              <a:t>6/3/2025</a:t>
             </a:fld>
             <a:endParaRPr lang="en-US"/>
           </a:p>
@@ -1412,7 +1412,7 @@
           <a:p>
             <a:fld id="{E3B1C2F4-07A0-459D-95BE-47AEA2376715}" type="datetimeFigureOut">
               <a:rPr lang="en-US" smtClean="0"/>
-              <a:t>5/29/2025</a:t>
+              <a:t>6/3/2025</a:t>
             </a:fld>
             <a:endParaRPr lang="en-US"/>
           </a:p>
@@ -1824,7 +1824,7 @@
           <a:p>
             <a:fld id="{E3B1C2F4-07A0-459D-95BE-47AEA2376715}" type="datetimeFigureOut">
               <a:rPr lang="en-US" smtClean="0"/>
-              <a:t>5/29/2025</a:t>
+              <a:t>6/3/2025</a:t>
             </a:fld>
             <a:endParaRPr lang="en-US"/>
           </a:p>
@@ -1965,7 +1965,7 @@
           <a:p>
             <a:fld id="{E3B1C2F4-07A0-459D-95BE-47AEA2376715}" type="datetimeFigureOut">
               <a:rPr lang="en-US" smtClean="0"/>
-              <a:t>5/29/2025</a:t>
+              <a:t>6/3/2025</a:t>
             </a:fld>
             <a:endParaRPr lang="en-US"/>
           </a:p>
@@ -2078,7 +2078,7 @@
           <a:p>
             <a:fld id="{E3B1C2F4-07A0-459D-95BE-47AEA2376715}" type="datetimeFigureOut">
               <a:rPr lang="en-US" smtClean="0"/>
-              <a:t>5/29/2025</a:t>
+              <a:t>6/3/2025</a:t>
             </a:fld>
             <a:endParaRPr lang="en-US"/>
           </a:p>
@@ -2389,7 +2389,7 @@
           <a:p>
             <a:fld id="{E3B1C2F4-07A0-459D-95BE-47AEA2376715}" type="datetimeFigureOut">
               <a:rPr lang="en-US" smtClean="0"/>
-              <a:t>5/29/2025</a:t>
+              <a:t>6/3/2025</a:t>
             </a:fld>
             <a:endParaRPr lang="en-US"/>
           </a:p>
@@ -2677,7 +2677,7 @@
           <a:p>
             <a:fld id="{E3B1C2F4-07A0-459D-95BE-47AEA2376715}" type="datetimeFigureOut">
               <a:rPr lang="en-US" smtClean="0"/>
-              <a:t>5/29/2025</a:t>
+              <a:t>6/3/2025</a:t>
             </a:fld>
             <a:endParaRPr lang="en-US"/>
           </a:p>
@@ -2918,7 +2918,7 @@
           <a:p>
             <a:fld id="{E3B1C2F4-07A0-459D-95BE-47AEA2376715}" type="datetimeFigureOut">
               <a:rPr lang="en-US" smtClean="0"/>
-              <a:t>5/29/2025</a:t>
+              <a:t>6/3/2025</a:t>
             </a:fld>
             <a:endParaRPr lang="en-US"/>
           </a:p>
@@ -5397,575 +5397,6 @@
   <p:cSld>
     <p:spTree>
       <p:nvGrpSpPr>
-        <p:cNvPr id="1" name=""/>
-        <p:cNvGrpSpPr/>
-        <p:nvPr/>
-      </p:nvGrpSpPr>
-      <p:grpSpPr>
-        <a:xfrm>
-          <a:off x="0" y="0"/>
-          <a:ext cx="0" cy="0"/>
-          <a:chOff x="0" y="0"/>
-          <a:chExt cx="0" cy="0"/>
-        </a:xfrm>
-      </p:grpSpPr>
-      <p:sp>
-        <p:nvSpPr>
-          <p:cNvPr id="2" name="TextBox 1">
-            <a:extLst>
-              <a:ext uri="{FF2B5EF4-FFF2-40B4-BE49-F238E27FC236}">
-                <a16:creationId xmlns:a16="http://schemas.microsoft.com/office/drawing/2014/main" id="{FE089B12-4438-9439-809F-D2CC3594476F}"/>
-              </a:ext>
-            </a:extLst>
-          </p:cNvPr>
-          <p:cNvSpPr txBox="1"/>
-          <p:nvPr/>
-        </p:nvSpPr>
-        <p:spPr>
-          <a:xfrm>
-            <a:off x="920649" y="235776"/>
-            <a:ext cx="10095708" cy="1477328"/>
-          </a:xfrm>
-          <a:prstGeom prst="rect">
-            <a:avLst/>
-          </a:prstGeom>
-          <a:noFill/>
-        </p:spPr>
-        <p:txBody>
-          <a:bodyPr wrap="square" rtlCol="0">
-            <a:spAutoFit/>
-          </a:bodyPr>
-          <a:lstStyle/>
-          <a:p>
-            <a:r>
-              <a:rPr lang="en-US" dirty="0"/>
-              <a:t>Inc. charged, medium density: decrease lateral segregation length scale</a:t>
-            </a:r>
-          </a:p>
-          <a:p>
-            <a:pPr marL="285750" indent="-285750">
-              <a:buFont typeface="Arial" panose="020B0604020202020204" pitchFamily="34" charset="0"/>
-              <a:buChar char="•"/>
-            </a:pPr>
-            <a:r>
-              <a:rPr lang="en-US" dirty="0"/>
-              <a:t>Low charge little segregation (stripe)</a:t>
-            </a:r>
-          </a:p>
-          <a:p>
-            <a:pPr marL="285750" indent="-285750">
-              <a:buFont typeface="Arial" panose="020B0604020202020204" pitchFamily="34" charset="0"/>
-              <a:buChar char="•"/>
-            </a:pPr>
-            <a:r>
-              <a:rPr lang="en-US" dirty="0"/>
-              <a:t>Little charge more segregation (pinned </a:t>
-            </a:r>
-            <a:r>
-              <a:rPr lang="en-US" dirty="0" err="1"/>
-              <a:t>pn</a:t>
-            </a:r>
-            <a:r>
-              <a:rPr lang="en-US" dirty="0"/>
-              <a:t>)</a:t>
-            </a:r>
-          </a:p>
-          <a:p>
-            <a:pPr marL="285750" indent="-285750">
-              <a:buFont typeface="Arial" panose="020B0604020202020204" pitchFamily="34" charset="0"/>
-              <a:buChar char="•"/>
-            </a:pPr>
-            <a:r>
-              <a:rPr lang="en-US" dirty="0"/>
-              <a:t>Med charge (pinned mic / </a:t>
-            </a:r>
-            <a:r>
-              <a:rPr lang="en-US" dirty="0" err="1"/>
-              <a:t>cyl</a:t>
-            </a:r>
-            <a:r>
-              <a:rPr lang="en-US" dirty="0"/>
-              <a:t>)</a:t>
-            </a:r>
-          </a:p>
-          <a:p>
-            <a:pPr marL="285750" indent="-285750">
-              <a:buFont typeface="Arial" panose="020B0604020202020204" pitchFamily="34" charset="0"/>
-              <a:buChar char="•"/>
-            </a:pPr>
-            <a:r>
-              <a:rPr lang="en-US" dirty="0"/>
-              <a:t>High charge, intrachain dominated (</a:t>
-            </a:r>
-            <a:r>
-              <a:rPr lang="en-US" dirty="0" err="1"/>
-              <a:t>cyl</a:t>
-            </a:r>
-            <a:r>
-              <a:rPr lang="en-US" dirty="0"/>
-              <a:t>)</a:t>
-            </a:r>
-          </a:p>
-        </p:txBody>
-      </p:sp>
-      <p:sp>
-        <p:nvSpPr>
-          <p:cNvPr id="6" name="TextBox 5">
-            <a:extLst>
-              <a:ext uri="{FF2B5EF4-FFF2-40B4-BE49-F238E27FC236}">
-                <a16:creationId xmlns:a16="http://schemas.microsoft.com/office/drawing/2014/main" id="{004F59D9-CA45-34D6-2823-B0A942A82709}"/>
-              </a:ext>
-            </a:extLst>
-          </p:cNvPr>
-          <p:cNvSpPr txBox="1"/>
-          <p:nvPr/>
-        </p:nvSpPr>
-        <p:spPr>
-          <a:xfrm>
-            <a:off x="959089" y="2273970"/>
-            <a:ext cx="9436032" cy="646331"/>
-          </a:xfrm>
-          <a:prstGeom prst="rect">
-            <a:avLst/>
-          </a:prstGeom>
-          <a:noFill/>
-        </p:spPr>
-        <p:txBody>
-          <a:bodyPr wrap="square" rtlCol="0">
-            <a:spAutoFit/>
-          </a:bodyPr>
-          <a:lstStyle/>
-          <a:p>
-            <a:r>
-              <a:rPr lang="en-US" dirty="0"/>
-              <a:t>Fig 4: Increasing lateral segregation (decrease in aggregate size) with increasing intrachain repulsion</a:t>
-            </a:r>
-          </a:p>
-        </p:txBody>
-      </p:sp>
-      <p:sp>
-        <p:nvSpPr>
-          <p:cNvPr id="11" name="Rectangle 10">
-            <a:extLst>
-              <a:ext uri="{FF2B5EF4-FFF2-40B4-BE49-F238E27FC236}">
-                <a16:creationId xmlns:a16="http://schemas.microsoft.com/office/drawing/2014/main" id="{818A5805-9C05-C0F9-E462-7EBFD14ADA6F}"/>
-              </a:ext>
-            </a:extLst>
-          </p:cNvPr>
-          <p:cNvSpPr/>
-          <p:nvPr/>
-        </p:nvSpPr>
-        <p:spPr>
-          <a:xfrm>
-            <a:off x="1461247" y="3792071"/>
-            <a:ext cx="914400" cy="914400"/>
-          </a:xfrm>
-          <a:prstGeom prst="rect">
-            <a:avLst/>
-          </a:prstGeom>
-        </p:spPr>
-        <p:style>
-          <a:lnRef idx="2">
-            <a:schemeClr val="accent1">
-              <a:shade val="15000"/>
-            </a:schemeClr>
-          </a:lnRef>
-          <a:fillRef idx="1">
-            <a:schemeClr val="accent1"/>
-          </a:fillRef>
-          <a:effectRef idx="0">
-            <a:schemeClr val="accent1"/>
-          </a:effectRef>
-          <a:fontRef idx="minor">
-            <a:schemeClr val="lt1"/>
-          </a:fontRef>
-        </p:style>
-        <p:txBody>
-          <a:bodyPr rtlCol="0" anchor="ctr"/>
-          <a:lstStyle/>
-          <a:p>
-            <a:pPr algn="ctr"/>
-            <a:r>
-              <a:rPr lang="en-US" dirty="0"/>
-              <a:t>Hom</a:t>
-            </a:r>
-          </a:p>
-        </p:txBody>
-      </p:sp>
-      <p:sp>
-        <p:nvSpPr>
-          <p:cNvPr id="12" name="Rectangle 11">
-            <a:extLst>
-              <a:ext uri="{FF2B5EF4-FFF2-40B4-BE49-F238E27FC236}">
-                <a16:creationId xmlns:a16="http://schemas.microsoft.com/office/drawing/2014/main" id="{EE68B198-A8B9-D561-1E52-1E187FFC1F47}"/>
-              </a:ext>
-            </a:extLst>
-          </p:cNvPr>
-          <p:cNvSpPr/>
-          <p:nvPr/>
-        </p:nvSpPr>
-        <p:spPr>
-          <a:xfrm>
-            <a:off x="3017125" y="3601126"/>
-            <a:ext cx="1443317" cy="1434352"/>
-          </a:xfrm>
-          <a:prstGeom prst="rect">
-            <a:avLst/>
-          </a:prstGeom>
-        </p:spPr>
-        <p:style>
-          <a:lnRef idx="2">
-            <a:schemeClr val="accent1">
-              <a:shade val="15000"/>
-            </a:schemeClr>
-          </a:lnRef>
-          <a:fillRef idx="1">
-            <a:schemeClr val="accent1"/>
-          </a:fillRef>
-          <a:effectRef idx="0">
-            <a:schemeClr val="accent1"/>
-          </a:effectRef>
-          <a:fontRef idx="minor">
-            <a:schemeClr val="lt1"/>
-          </a:fontRef>
-        </p:style>
-        <p:txBody>
-          <a:bodyPr rtlCol="0" anchor="ctr"/>
-          <a:lstStyle/>
-          <a:p>
-            <a:pPr algn="ctr"/>
-            <a:r>
-              <a:rPr lang="en-US" dirty="0"/>
-              <a:t>Hole </a:t>
-            </a:r>
-            <a:br>
-              <a:rPr lang="en-US" dirty="0"/>
-            </a:br>
-            <a:r>
-              <a:rPr lang="en-US" dirty="0"/>
-              <a:t>(If possible, will probably by </a:t>
-            </a:r>
-            <a:r>
-              <a:rPr lang="en-US" dirty="0" err="1"/>
-              <a:t>elong</a:t>
-            </a:r>
-            <a:r>
-              <a:rPr lang="en-US" dirty="0"/>
-              <a:t>)</a:t>
-            </a:r>
-          </a:p>
-        </p:txBody>
-      </p:sp>
-      <p:sp>
-        <p:nvSpPr>
-          <p:cNvPr id="13" name="Rectangle 12">
-            <a:extLst>
-              <a:ext uri="{FF2B5EF4-FFF2-40B4-BE49-F238E27FC236}">
-                <a16:creationId xmlns:a16="http://schemas.microsoft.com/office/drawing/2014/main" id="{7E53EAEA-F93C-D74E-B984-B9D28E15DFA7}"/>
-              </a:ext>
-            </a:extLst>
-          </p:cNvPr>
-          <p:cNvSpPr/>
-          <p:nvPr/>
-        </p:nvSpPr>
-        <p:spPr>
-          <a:xfrm>
-            <a:off x="5089962" y="3765176"/>
-            <a:ext cx="914400" cy="914400"/>
-          </a:xfrm>
-          <a:prstGeom prst="rect">
-            <a:avLst/>
-          </a:prstGeom>
-        </p:spPr>
-        <p:style>
-          <a:lnRef idx="2">
-            <a:schemeClr val="accent1">
-              <a:shade val="15000"/>
-            </a:schemeClr>
-          </a:lnRef>
-          <a:fillRef idx="1">
-            <a:schemeClr val="accent1"/>
-          </a:fillRef>
-          <a:effectRef idx="0">
-            <a:schemeClr val="accent1"/>
-          </a:effectRef>
-          <a:fontRef idx="minor">
-            <a:schemeClr val="lt1"/>
-          </a:fontRef>
-        </p:style>
-        <p:txBody>
-          <a:bodyPr rtlCol="0" anchor="ctr"/>
-          <a:lstStyle/>
-          <a:p>
-            <a:pPr algn="ctr"/>
-            <a:r>
-              <a:rPr lang="en-US" dirty="0"/>
-              <a:t>Str</a:t>
-            </a:r>
-          </a:p>
-        </p:txBody>
-      </p:sp>
-      <p:sp>
-        <p:nvSpPr>
-          <p:cNvPr id="14" name="Rectangle 13">
-            <a:extLst>
-              <a:ext uri="{FF2B5EF4-FFF2-40B4-BE49-F238E27FC236}">
-                <a16:creationId xmlns:a16="http://schemas.microsoft.com/office/drawing/2014/main" id="{9771FA59-55FA-0D1E-D6F3-53D4D8190B56}"/>
-              </a:ext>
-            </a:extLst>
-          </p:cNvPr>
-          <p:cNvSpPr/>
-          <p:nvPr/>
-        </p:nvSpPr>
-        <p:spPr>
-          <a:xfrm>
-            <a:off x="8057301" y="3765176"/>
-            <a:ext cx="914400" cy="914400"/>
-          </a:xfrm>
-          <a:prstGeom prst="rect">
-            <a:avLst/>
-          </a:prstGeom>
-        </p:spPr>
-        <p:style>
-          <a:lnRef idx="2">
-            <a:schemeClr val="accent1">
-              <a:shade val="15000"/>
-            </a:schemeClr>
-          </a:lnRef>
-          <a:fillRef idx="1">
-            <a:schemeClr val="accent1"/>
-          </a:fillRef>
-          <a:effectRef idx="0">
-            <a:schemeClr val="accent1"/>
-          </a:effectRef>
-          <a:fontRef idx="minor">
-            <a:schemeClr val="lt1"/>
-          </a:fontRef>
-        </p:style>
-        <p:txBody>
-          <a:bodyPr rtlCol="0" anchor="ctr"/>
-          <a:lstStyle/>
-          <a:p>
-            <a:pPr algn="ctr"/>
-            <a:r>
-              <a:rPr lang="en-US" dirty="0"/>
-              <a:t>Mic</a:t>
-            </a:r>
-          </a:p>
-        </p:txBody>
-      </p:sp>
-      <p:sp>
-        <p:nvSpPr>
-          <p:cNvPr id="15" name="Rectangle 14">
-            <a:extLst>
-              <a:ext uri="{FF2B5EF4-FFF2-40B4-BE49-F238E27FC236}">
-                <a16:creationId xmlns:a16="http://schemas.microsoft.com/office/drawing/2014/main" id="{D6C64A9F-2636-31FC-229C-906A8ACFC40A}"/>
-              </a:ext>
-            </a:extLst>
-          </p:cNvPr>
-          <p:cNvSpPr/>
-          <p:nvPr/>
-        </p:nvSpPr>
-        <p:spPr>
-          <a:xfrm>
-            <a:off x="9480721" y="3765176"/>
-            <a:ext cx="914400" cy="914400"/>
-          </a:xfrm>
-          <a:prstGeom prst="rect">
-            <a:avLst/>
-          </a:prstGeom>
-        </p:spPr>
-        <p:style>
-          <a:lnRef idx="2">
-            <a:schemeClr val="accent1">
-              <a:shade val="15000"/>
-            </a:schemeClr>
-          </a:lnRef>
-          <a:fillRef idx="1">
-            <a:schemeClr val="accent1"/>
-          </a:fillRef>
-          <a:effectRef idx="0">
-            <a:schemeClr val="accent1"/>
-          </a:effectRef>
-          <a:fontRef idx="minor">
-            <a:schemeClr val="lt1"/>
-          </a:fontRef>
-        </p:style>
-        <p:txBody>
-          <a:bodyPr rtlCol="0" anchor="ctr"/>
-          <a:lstStyle/>
-          <a:p>
-            <a:pPr algn="ctr"/>
-            <a:r>
-              <a:rPr lang="en-US" dirty="0" err="1"/>
-              <a:t>Cyl</a:t>
-            </a:r>
-            <a:endParaRPr lang="en-US" dirty="0"/>
-          </a:p>
-        </p:txBody>
-      </p:sp>
-      <mc:AlternateContent xmlns:mc="http://schemas.openxmlformats.org/markup-compatibility/2006" xmlns:a14="http://schemas.microsoft.com/office/drawing/2010/main">
-        <mc:Choice Requires="a14">
-          <p:sp>
-            <p:nvSpPr>
-              <p:cNvPr id="16" name="TextBox 15">
-                <a:extLst>
-                  <a:ext uri="{FF2B5EF4-FFF2-40B4-BE49-F238E27FC236}">
-                    <a16:creationId xmlns:a16="http://schemas.microsoft.com/office/drawing/2014/main" id="{CF991F6F-87F4-4FEB-A28E-250B8AB2E5E4}"/>
-                  </a:ext>
-                </a:extLst>
-              </p:cNvPr>
-              <p:cNvSpPr txBox="1"/>
-              <p:nvPr/>
-            </p:nvSpPr>
-            <p:spPr>
-              <a:xfrm>
-                <a:off x="2796988" y="5391379"/>
-                <a:ext cx="4374776" cy="369332"/>
-              </a:xfrm>
-              <a:prstGeom prst="rect">
-                <a:avLst/>
-              </a:prstGeom>
-              <a:noFill/>
-            </p:spPr>
-            <p:txBody>
-              <a:bodyPr wrap="square" rtlCol="0">
-                <a:spAutoFit/>
-              </a:bodyPr>
-              <a:lstStyle/>
-              <a:p>
-                <a:pPr algn="ctr"/>
-                <a14:m>
-                  <m:oMath xmlns:m="http://schemas.openxmlformats.org/officeDocument/2006/math">
-                    <m:r>
-                      <a:rPr lang="en-US" b="0" i="1" smtClean="0">
-                        <a:latin typeface="Cambria Math" panose="02040503050406030204" pitchFamily="18" charset="0"/>
-                      </a:rPr>
-                      <m:t>𝜎</m:t>
-                    </m:r>
-                  </m:oMath>
-                </a14:m>
-                <a:r>
-                  <a:rPr lang="en-US" dirty="0"/>
-                  <a:t> = 0.0075? 0.010?</a:t>
-                </a:r>
-              </a:p>
-            </p:txBody>
-          </p:sp>
-        </mc:Choice>
-        <mc:Fallback xmlns="">
-          <p:sp>
-            <p:nvSpPr>
-              <p:cNvPr id="16" name="TextBox 15">
-                <a:extLst>
-                  <a:ext uri="{FF2B5EF4-FFF2-40B4-BE49-F238E27FC236}">
-                    <a16:creationId xmlns:a16="http://schemas.microsoft.com/office/drawing/2014/main" id="{CF991F6F-87F4-4FEB-A28E-250B8AB2E5E4}"/>
-                  </a:ext>
-                </a:extLst>
-              </p:cNvPr>
-              <p:cNvSpPr txBox="1">
-                <a:spLocks noRot="1" noChangeAspect="1" noMove="1" noResize="1" noEditPoints="1" noAdjustHandles="1" noChangeArrowheads="1" noChangeShapeType="1" noTextEdit="1"/>
-              </p:cNvSpPr>
-              <p:nvPr/>
-            </p:nvSpPr>
-            <p:spPr>
-              <a:xfrm>
-                <a:off x="2796988" y="5391379"/>
-                <a:ext cx="4374776" cy="369332"/>
-              </a:xfrm>
-              <a:prstGeom prst="rect">
-                <a:avLst/>
-              </a:prstGeom>
-              <a:blipFill>
-                <a:blip r:embed="rId2"/>
-                <a:stretch>
-                  <a:fillRect t="-6557" b="-26230"/>
-                </a:stretch>
-              </a:blipFill>
-            </p:spPr>
-            <p:txBody>
-              <a:bodyPr/>
-              <a:lstStyle/>
-              <a:p>
-                <a:r>
-                  <a:rPr lang="en-US">
-                    <a:noFill/>
-                  </a:rPr>
-                  <a:t> </a:t>
-                </a:r>
-              </a:p>
-            </p:txBody>
-          </p:sp>
-        </mc:Fallback>
-      </mc:AlternateContent>
-      <p:sp>
-        <p:nvSpPr>
-          <p:cNvPr id="17" name="Rectangle 16">
-            <a:extLst>
-              <a:ext uri="{FF2B5EF4-FFF2-40B4-BE49-F238E27FC236}">
-                <a16:creationId xmlns:a16="http://schemas.microsoft.com/office/drawing/2014/main" id="{7B3F0605-AA00-F383-EBD0-3B2B1DC2E688}"/>
-              </a:ext>
-            </a:extLst>
-          </p:cNvPr>
-          <p:cNvSpPr/>
-          <p:nvPr/>
-        </p:nvSpPr>
-        <p:spPr>
-          <a:xfrm>
-            <a:off x="6633882" y="3765176"/>
-            <a:ext cx="914400" cy="914400"/>
-          </a:xfrm>
-          <a:prstGeom prst="rect">
-            <a:avLst/>
-          </a:prstGeom>
-        </p:spPr>
-        <p:style>
-          <a:lnRef idx="2">
-            <a:schemeClr val="accent1">
-              <a:shade val="15000"/>
-            </a:schemeClr>
-          </a:lnRef>
-          <a:fillRef idx="1">
-            <a:schemeClr val="accent1"/>
-          </a:fillRef>
-          <a:effectRef idx="0">
-            <a:schemeClr val="accent1"/>
-          </a:effectRef>
-          <a:fontRef idx="minor">
-            <a:schemeClr val="lt1"/>
-          </a:fontRef>
-        </p:style>
-        <p:txBody>
-          <a:bodyPr rtlCol="0" anchor="ctr"/>
-          <a:lstStyle/>
-          <a:p>
-            <a:pPr algn="ctr"/>
-            <a:r>
-              <a:rPr lang="en-US" dirty="0" err="1"/>
-              <a:t>Pn</a:t>
-            </a:r>
-            <a:endParaRPr lang="en-US" dirty="0"/>
-          </a:p>
-        </p:txBody>
-      </p:sp>
-    </p:spTree>
-    <p:extLst>
-      <p:ext uri="{BB962C8B-B14F-4D97-AF65-F5344CB8AC3E}">
-        <p14:creationId xmlns:p14="http://schemas.microsoft.com/office/powerpoint/2010/main" val="2718116514"/>
-      </p:ext>
-    </p:extLst>
-  </p:cSld>
-  <p:clrMapOvr>
-    <a:masterClrMapping/>
-  </p:clrMapOvr>
-</p:sld>
-</file>
-
-<file path=ppt/slides/slide8.xml><?xml version="1.0" encoding="utf-8"?>
-<p:sld xmlns:a="http://schemas.openxmlformats.org/drawingml/2006/main" xmlns:r="http://schemas.openxmlformats.org/officeDocument/2006/relationships" xmlns:p="http://schemas.openxmlformats.org/presentationml/2006/main">
-  <p:cSld>
-    <p:spTree>
-      <p:nvGrpSpPr>
         <p:cNvPr id="1" name="">
           <a:extLst>
             <a:ext uri="{FF2B5EF4-FFF2-40B4-BE49-F238E27FC236}">
@@ -6006,38 +5437,8 @@
         </p:blipFill>
         <p:spPr>
           <a:xfrm>
-            <a:off x="2834465" y="1544101"/>
+            <a:off x="3990912" y="1535136"/>
             <a:ext cx="1600897" cy="2152317"/>
-          </a:xfrm>
-          <a:prstGeom prst="rect">
-            <a:avLst/>
-          </a:prstGeom>
-        </p:spPr>
-      </p:pic>
-      <p:pic>
-        <p:nvPicPr>
-          <p:cNvPr id="13" name="Picture 12">
-            <a:extLst>
-              <a:ext uri="{FF2B5EF4-FFF2-40B4-BE49-F238E27FC236}">
-                <a16:creationId xmlns:a16="http://schemas.microsoft.com/office/drawing/2014/main" id="{F662BFE4-C05D-1A71-E84B-D09DC2536917}"/>
-              </a:ext>
-            </a:extLst>
-          </p:cNvPr>
-          <p:cNvPicPr>
-            <a:picLocks noChangeAspect="1"/>
-          </p:cNvPicPr>
-          <p:nvPr/>
-        </p:nvPicPr>
-        <p:blipFill>
-          <a:blip r:embed="rId3"/>
-          <a:stretch>
-            <a:fillRect/>
-          </a:stretch>
-        </p:blipFill>
-        <p:spPr>
-          <a:xfrm>
-            <a:off x="9199693" y="1607156"/>
-            <a:ext cx="1495201" cy="2131457"/>
           </a:xfrm>
           <a:prstGeom prst="rect">
             <a:avLst/>
@@ -6079,8 +5480,8 @@
           </a:p>
         </p:txBody>
       </p:sp>
-      <mc:AlternateContent xmlns:mc="http://schemas.openxmlformats.org/markup-compatibility/2006" xmlns:a14="http://schemas.microsoft.com/office/drawing/2010/main">
-        <mc:Choice Requires="a14">
+      <mc:AlternateContent xmlns:mc="http://schemas.openxmlformats.org/markup-compatibility/2006">
+        <mc:Choice xmlns:a14="http://schemas.microsoft.com/office/drawing/2010/main" Requires="a14">
           <p:sp>
             <p:nvSpPr>
               <p:cNvPr id="7" name="TextBox 6">
@@ -6095,7 +5496,7 @@
             </p:nvSpPr>
             <p:spPr>
               <a:xfrm>
-                <a:off x="3188979" y="954838"/>
+                <a:off x="4345426" y="945873"/>
                 <a:ext cx="1237130" cy="369332"/>
               </a:xfrm>
               <a:prstGeom prst="rect">
@@ -6136,7 +5537,7 @@
             </p:txBody>
           </p:sp>
         </mc:Choice>
-        <mc:Fallback xmlns="">
+        <mc:Fallback>
           <p:sp>
             <p:nvSpPr>
               <p:cNvPr id="7" name="TextBox 6">
@@ -6153,14 +5554,14 @@
             </p:nvSpPr>
             <p:spPr>
               <a:xfrm>
-                <a:off x="3188979" y="954838"/>
+                <a:off x="4345426" y="945873"/>
                 <a:ext cx="1237130" cy="369332"/>
               </a:xfrm>
               <a:prstGeom prst="rect">
                 <a:avLst/>
               </a:prstGeom>
               <a:blipFill>
-                <a:blip r:embed="rId5"/>
+                <a:blip r:embed="rId3"/>
                 <a:stretch>
                   <a:fillRect/>
                 </a:stretch>
@@ -6181,8 +5582,8 @@
           </p:sp>
         </mc:Fallback>
       </mc:AlternateContent>
-      <mc:AlternateContent xmlns:mc="http://schemas.openxmlformats.org/markup-compatibility/2006" xmlns:a14="http://schemas.microsoft.com/office/drawing/2010/main">
-        <mc:Choice Requires="a14">
+      <mc:AlternateContent xmlns:mc="http://schemas.openxmlformats.org/markup-compatibility/2006">
+        <mc:Choice xmlns:a14="http://schemas.microsoft.com/office/drawing/2010/main" Requires="a14">
           <p:sp>
             <p:nvSpPr>
               <p:cNvPr id="8" name="TextBox 7">
@@ -6197,7 +5598,7 @@
             </p:nvSpPr>
             <p:spPr>
               <a:xfrm>
-                <a:off x="5083981" y="954838"/>
+                <a:off x="6240428" y="945873"/>
                 <a:ext cx="1525469" cy="369332"/>
               </a:xfrm>
               <a:prstGeom prst="rect">
@@ -6244,7 +5645,7 @@
             </p:txBody>
           </p:sp>
         </mc:Choice>
-        <mc:Fallback xmlns="">
+        <mc:Fallback>
           <p:sp>
             <p:nvSpPr>
               <p:cNvPr id="8" name="TextBox 7">
@@ -6261,14 +5662,14 @@
             </p:nvSpPr>
             <p:spPr>
               <a:xfrm>
-                <a:off x="5083981" y="954838"/>
+                <a:off x="6240428" y="945873"/>
                 <a:ext cx="1525469" cy="369332"/>
               </a:xfrm>
               <a:prstGeom prst="rect">
                 <a:avLst/>
               </a:prstGeom>
               <a:blipFill>
-                <a:blip r:embed="rId6"/>
+                <a:blip r:embed="rId4"/>
                 <a:stretch>
                   <a:fillRect/>
                 </a:stretch>
@@ -6304,7 +5705,7 @@
           <p:nvPr/>
         </p:nvPicPr>
         <p:blipFill>
-          <a:blip r:embed="rId7">
+          <a:blip r:embed="rId5">
             <a:extLst>
               <a:ext uri="{28A0092B-C50C-407E-A947-70E740481C1C}">
                 <a14:useLocalDpi xmlns:a14="http://schemas.microsoft.com/office/drawing/2010/main" val="0"/>
@@ -6318,7 +5719,7 @@
         </p:blipFill>
         <p:spPr bwMode="auto">
           <a:xfrm>
-            <a:off x="2729168" y="4449051"/>
+            <a:off x="3868938" y="4385931"/>
             <a:ext cx="2156752" cy="1817528"/>
           </a:xfrm>
           <a:prstGeom prst="rect">
@@ -6336,8 +5737,8 @@
           </a:extLst>
         </p:spPr>
       </p:pic>
-      <mc:AlternateContent xmlns:mc="http://schemas.openxmlformats.org/markup-compatibility/2006" xmlns:a14="http://schemas.microsoft.com/office/drawing/2010/main">
-        <mc:Choice Requires="a14">
+      <mc:AlternateContent xmlns:mc="http://schemas.openxmlformats.org/markup-compatibility/2006">
+        <mc:Choice xmlns:a14="http://schemas.microsoft.com/office/drawing/2010/main" Requires="a14">
           <p:sp>
             <p:nvSpPr>
               <p:cNvPr id="9" name="TextBox 8">
@@ -6352,7 +5753,7 @@
             </p:nvSpPr>
             <p:spPr>
               <a:xfrm>
-                <a:off x="7288117" y="911068"/>
+                <a:off x="8444564" y="902103"/>
                 <a:ext cx="1318040" cy="369332"/>
               </a:xfrm>
               <a:prstGeom prst="rect">
@@ -6390,7 +5791,7 @@
             </p:txBody>
           </p:sp>
         </mc:Choice>
-        <mc:Fallback xmlns="">
+        <mc:Fallback>
           <p:sp>
             <p:nvSpPr>
               <p:cNvPr id="9" name="TextBox 8">
@@ -6407,118 +5808,16 @@
             </p:nvSpPr>
             <p:spPr>
               <a:xfrm>
-                <a:off x="7288117" y="911068"/>
+                <a:off x="8444564" y="902103"/>
                 <a:ext cx="1318040" cy="369332"/>
               </a:xfrm>
               <a:prstGeom prst="rect">
                 <a:avLst/>
               </a:prstGeom>
               <a:blipFill>
-                <a:blip r:embed="rId8"/>
+                <a:blip r:embed="rId6"/>
                 <a:stretch>
-                  <a:fillRect t="-6557" b="-26230"/>
-                </a:stretch>
-              </a:blipFill>
-            </p:spPr>
-            <p:txBody>
-              <a:bodyPr/>
-              <a:lstStyle/>
-              <a:p>
-                <a:r>
-                  <a:rPr lang="en-US">
-                    <a:noFill/>
-                  </a:rPr>
-                  <a:t> </a:t>
-                </a:r>
-              </a:p>
-            </p:txBody>
-          </p:sp>
-        </mc:Fallback>
-      </mc:AlternateContent>
-      <mc:AlternateContent xmlns:mc="http://schemas.openxmlformats.org/markup-compatibility/2006" xmlns:a14="http://schemas.microsoft.com/office/drawing/2010/main">
-        <mc:Choice Requires="a14">
-          <p:sp>
-            <p:nvSpPr>
-              <p:cNvPr id="10" name="TextBox 9">
-                <a:extLst>
-                  <a:ext uri="{FF2B5EF4-FFF2-40B4-BE49-F238E27FC236}">
-                    <a16:creationId xmlns:a16="http://schemas.microsoft.com/office/drawing/2014/main" id="{AC0F5B3D-AED0-A461-B1F0-BD4CA6B64ECB}"/>
-                  </a:ext>
-                </a:extLst>
-              </p:cNvPr>
-              <p:cNvSpPr txBox="1"/>
-              <p:nvPr/>
-            </p:nvSpPr>
-            <p:spPr>
-              <a:xfrm>
-                <a:off x="9358926" y="943462"/>
-                <a:ext cx="1237130" cy="369332"/>
-              </a:xfrm>
-              <a:prstGeom prst="rect">
-                <a:avLst/>
-              </a:prstGeom>
-              <a:noFill/>
-            </p:spPr>
-            <p:txBody>
-              <a:bodyPr wrap="square" rtlCol="0">
-                <a:spAutoFit/>
-              </a:bodyPr>
-              <a:lstStyle/>
-              <a:p>
-                <a:pPr/>
-                <a14:m>
-                  <m:oMathPara xmlns:m="http://schemas.openxmlformats.org/officeDocument/2006/math">
-                    <m:oMathParaPr>
-                      <m:jc m:val="centerGroup"/>
-                    </m:oMathParaPr>
-                    <m:oMath xmlns:m="http://schemas.openxmlformats.org/officeDocument/2006/math">
-                      <m:r>
-                        <a:rPr lang="en-US" b="0" i="1" smtClean="0">
-                          <a:latin typeface="Cambria Math" panose="02040503050406030204" pitchFamily="18" charset="0"/>
-                        </a:rPr>
-                        <m:t>𝜎</m:t>
-                      </m:r>
-                      <m:r>
-                        <a:rPr lang="en-US" b="0" i="1" smtClean="0">
-                          <a:latin typeface="Cambria Math" panose="02040503050406030204" pitchFamily="18" charset="0"/>
-                        </a:rPr>
-                        <m:t>= ?</m:t>
-                      </m:r>
-                    </m:oMath>
-                  </m:oMathPara>
-                </a14:m>
-                <a:endParaRPr lang="en-US" dirty="0"/>
-              </a:p>
-            </p:txBody>
-          </p:sp>
-        </mc:Choice>
-        <mc:Fallback xmlns="">
-          <p:sp>
-            <p:nvSpPr>
-              <p:cNvPr id="10" name="TextBox 9">
-                <a:extLst>
-                  <a:ext uri="{FF2B5EF4-FFF2-40B4-BE49-F238E27FC236}">
-                    <a16:creationId xmlns:a16="http://schemas.microsoft.com/office/drawing/2014/main" id="{AC0F5B3D-AED0-A461-B1F0-BD4CA6B64ECB}"/>
-                  </a:ext>
-                </a:extLst>
-              </p:cNvPr>
-              <p:cNvSpPr txBox="1">
-                <a:spLocks noRot="1" noChangeAspect="1" noMove="1" noResize="1" noEditPoints="1" noAdjustHandles="1" noChangeArrowheads="1" noChangeShapeType="1" noTextEdit="1"/>
-              </p:cNvSpPr>
-              <p:nvPr/>
-            </p:nvSpPr>
-            <p:spPr>
-              <a:xfrm>
-                <a:off x="9358926" y="943462"/>
-                <a:ext cx="1237130" cy="369332"/>
-              </a:xfrm>
-              <a:prstGeom prst="rect">
-                <a:avLst/>
-              </a:prstGeom>
-              <a:blipFill>
-                <a:blip r:embed="rId9"/>
-                <a:stretch>
-                  <a:fillRect/>
+                  <a:fillRect t="-8197" b="-26230"/>
                 </a:stretch>
               </a:blipFill>
             </p:spPr>
@@ -6539,53 +5838,6 @@
       </mc:AlternateContent>
       <p:pic>
         <p:nvPicPr>
-          <p:cNvPr id="1038" name="Picture 14">
-            <a:extLst>
-              <a:ext uri="{FF2B5EF4-FFF2-40B4-BE49-F238E27FC236}">
-                <a16:creationId xmlns:a16="http://schemas.microsoft.com/office/drawing/2014/main" id="{2F3EA6DD-CC07-C71C-3956-CE407FF6B318}"/>
-              </a:ext>
-            </a:extLst>
-          </p:cNvPr>
-          <p:cNvPicPr>
-            <a:picLocks noChangeAspect="1" noChangeArrowheads="1"/>
-          </p:cNvPicPr>
-          <p:nvPr/>
-        </p:nvPicPr>
-        <p:blipFill>
-          <a:blip r:embed="rId10">
-            <a:extLst>
-              <a:ext uri="{28A0092B-C50C-407E-A947-70E740481C1C}">
-                <a14:useLocalDpi xmlns:a14="http://schemas.microsoft.com/office/drawing/2010/main" val="0"/>
-              </a:ext>
-            </a:extLst>
-          </a:blip>
-          <a:srcRect/>
-          <a:stretch>
-            <a:fillRect/>
-          </a:stretch>
-        </p:blipFill>
-        <p:spPr bwMode="auto">
-          <a:xfrm>
-            <a:off x="8858460" y="4392773"/>
-            <a:ext cx="2223534" cy="1873806"/>
-          </a:xfrm>
-          <a:prstGeom prst="rect">
-            <a:avLst/>
-          </a:prstGeom>
-          <a:noFill/>
-          <a:extLst>
-            <a:ext uri="{909E8E84-426E-40DD-AFC4-6F175D3DCCD1}">
-              <a14:hiddenFill xmlns:a14="http://schemas.microsoft.com/office/drawing/2010/main">
-                <a:solidFill>
-                  <a:srgbClr val="FFFFFF"/>
-                </a:solidFill>
-              </a14:hiddenFill>
-            </a:ext>
-          </a:extLst>
-        </p:spPr>
-      </p:pic>
-      <p:pic>
-        <p:nvPicPr>
           <p:cNvPr id="5" name="Picture 4">
             <a:extLst>
               <a:ext uri="{FF2B5EF4-FFF2-40B4-BE49-F238E27FC236}">
@@ -6599,14 +5851,14 @@
           <p:nvPr/>
         </p:nvPicPr>
         <p:blipFill>
-          <a:blip r:embed="rId11"/>
+          <a:blip r:embed="rId7"/>
           <a:stretch>
             <a:fillRect/>
           </a:stretch>
         </p:blipFill>
         <p:spPr>
           <a:xfrm>
-            <a:off x="4761006" y="1538707"/>
+            <a:off x="5917453" y="1529742"/>
             <a:ext cx="1734342" cy="2287997"/>
           </a:xfrm>
           <a:prstGeom prst="rect">
@@ -6629,14 +5881,14 @@
           <p:nvPr/>
         </p:nvPicPr>
         <p:blipFill>
-          <a:blip r:embed="rId12"/>
+          <a:blip r:embed="rId8"/>
           <a:stretch>
             <a:fillRect/>
           </a:stretch>
         </p:blipFill>
         <p:spPr>
           <a:xfrm>
-            <a:off x="4781957" y="4259488"/>
+            <a:off x="5974390" y="4250523"/>
             <a:ext cx="2057544" cy="2177319"/>
           </a:xfrm>
           <a:prstGeom prst="rect">
@@ -6659,14 +5911,14 @@
           <p:nvPr/>
         </p:nvPicPr>
         <p:blipFill>
-          <a:blip r:embed="rId13"/>
+          <a:blip r:embed="rId9"/>
           <a:stretch>
             <a:fillRect/>
           </a:stretch>
         </p:blipFill>
         <p:spPr>
           <a:xfrm>
-            <a:off x="7027101" y="1533370"/>
+            <a:off x="8183548" y="1524405"/>
             <a:ext cx="1521304" cy="2345623"/>
           </a:xfrm>
           <a:prstGeom prst="rect">
@@ -6689,7 +5941,7 @@
           <p:nvPr/>
         </p:nvPicPr>
         <p:blipFill>
-          <a:blip r:embed="rId14">
+          <a:blip r:embed="rId10">
             <a:extLst>
               <a:ext uri="{28A0092B-C50C-407E-A947-70E740481C1C}">
                 <a14:useLocalDpi xmlns:a14="http://schemas.microsoft.com/office/drawing/2010/main" val="0"/>
@@ -6703,7 +5955,7 @@
         </p:blipFill>
         <p:spPr bwMode="auto">
           <a:xfrm>
-            <a:off x="7026712" y="4259488"/>
+            <a:off x="8183159" y="4250523"/>
             <a:ext cx="1796609" cy="2177319"/>
           </a:xfrm>
           <a:prstGeom prst="rect">
@@ -6721,8 +5973,8 @@
           </a:extLst>
         </p:spPr>
       </p:pic>
-      <mc:AlternateContent xmlns:mc="http://schemas.openxmlformats.org/markup-compatibility/2006" xmlns:a14="http://schemas.microsoft.com/office/drawing/2010/main">
-        <mc:Choice Requires="a14">
+      <mc:AlternateContent xmlns:mc="http://schemas.openxmlformats.org/markup-compatibility/2006">
+        <mc:Choice xmlns:a14="http://schemas.microsoft.com/office/drawing/2010/main" Requires="a14">
           <p:sp>
             <p:nvSpPr>
               <p:cNvPr id="25" name="TextBox 24">
@@ -6737,7 +5989,7 @@
             </p:nvSpPr>
             <p:spPr>
               <a:xfrm>
-                <a:off x="940703" y="969820"/>
+                <a:off x="2097150" y="960855"/>
                 <a:ext cx="1237130" cy="369332"/>
               </a:xfrm>
               <a:prstGeom prst="rect">
@@ -6778,7 +6030,7 @@
             </p:txBody>
           </p:sp>
         </mc:Choice>
-        <mc:Fallback xmlns="">
+        <mc:Fallback>
           <p:sp>
             <p:nvSpPr>
               <p:cNvPr id="25" name="TextBox 24">
@@ -6795,14 +6047,14 @@
             </p:nvSpPr>
             <p:spPr>
               <a:xfrm>
-                <a:off x="940703" y="969820"/>
+                <a:off x="2097150" y="960855"/>
                 <a:ext cx="1237130" cy="369332"/>
               </a:xfrm>
               <a:prstGeom prst="rect">
                 <a:avLst/>
               </a:prstGeom>
               <a:blipFill>
-                <a:blip r:embed="rId15"/>
+                <a:blip r:embed="rId11"/>
                 <a:stretch>
                   <a:fillRect/>
                 </a:stretch>
@@ -6838,14 +6090,14 @@
           <p:nvPr/>
         </p:nvPicPr>
         <p:blipFill>
-          <a:blip r:embed="rId16"/>
+          <a:blip r:embed="rId12"/>
           <a:stretch>
             <a:fillRect/>
           </a:stretch>
         </p:blipFill>
         <p:spPr>
           <a:xfrm>
-            <a:off x="376154" y="1572270"/>
+            <a:off x="1532601" y="1563305"/>
             <a:ext cx="2241904" cy="2267822"/>
           </a:xfrm>
           <a:prstGeom prst="rect">
@@ -6868,7 +6120,7 @@
           <p:nvPr/>
         </p:nvPicPr>
         <p:blipFill>
-          <a:blip r:embed="rId17">
+          <a:blip r:embed="rId13">
             <a:extLst>
               <a:ext uri="{28A0092B-C50C-407E-A947-70E740481C1C}">
                 <a14:useLocalDpi xmlns:a14="http://schemas.microsoft.com/office/drawing/2010/main" val="0"/>
@@ -6882,8 +6134,8 @@
         </p:blipFill>
         <p:spPr bwMode="auto">
           <a:xfrm>
-            <a:off x="561709" y="4259488"/>
-            <a:ext cx="1915176" cy="2091898"/>
+            <a:off x="1625378" y="4171646"/>
+            <a:ext cx="2056349" cy="2246098"/>
           </a:xfrm>
           <a:prstGeom prst="rect">
             <a:avLst/>
@@ -6913,7 +6165,7 @@
 </p:sld>
 </file>
 
-<file path=ppt/slides/slide9.xml><?xml version="1.0" encoding="utf-8"?>
+<file path=ppt/slides/slide8.xml><?xml version="1.0" encoding="utf-8"?>
 <p:sld xmlns:a="http://schemas.openxmlformats.org/drawingml/2006/main" xmlns:r="http://schemas.openxmlformats.org/officeDocument/2006/relationships" xmlns:p="http://schemas.openxmlformats.org/presentationml/2006/main">
   <p:cSld>
     <p:spTree>
@@ -6936,6 +6188,51 @@
           <a:chExt cx="0" cy="0"/>
         </a:xfrm>
       </p:grpSpPr>
+      <p:pic>
+        <p:nvPicPr>
+          <p:cNvPr id="15" name="Picture 6">
+            <a:extLst>
+              <a:ext uri="{FF2B5EF4-FFF2-40B4-BE49-F238E27FC236}">
+                <a16:creationId xmlns:a16="http://schemas.microsoft.com/office/drawing/2014/main" id="{51A8B85E-CBCA-B33E-72E8-8E92DD59F162}"/>
+              </a:ext>
+            </a:extLst>
+          </p:cNvPr>
+          <p:cNvPicPr>
+            <a:picLocks noChangeAspect="1" noChangeArrowheads="1"/>
+          </p:cNvPicPr>
+          <p:nvPr/>
+        </p:nvPicPr>
+        <p:blipFill rotWithShape="1">
+          <a:blip r:embed="rId2">
+            <a:extLst>
+              <a:ext uri="{28A0092B-C50C-407E-A947-70E740481C1C}">
+                <a14:useLocalDpi xmlns:a14="http://schemas.microsoft.com/office/drawing/2010/main" val="0"/>
+              </a:ext>
+            </a:extLst>
+          </a:blip>
+          <a:srcRect l="26063" r="26152"/>
+          <a:stretch/>
+        </p:blipFill>
+        <p:spPr bwMode="auto">
+          <a:xfrm>
+            <a:off x="7276753" y="4607859"/>
+            <a:ext cx="1086267" cy="2273222"/>
+          </a:xfrm>
+          <a:prstGeom prst="rect">
+            <a:avLst/>
+          </a:prstGeom>
+          <a:noFill/>
+          <a:extLst>
+            <a:ext uri="{909E8E84-426E-40DD-AFC4-6F175D3DCCD1}">
+              <a14:hiddenFill xmlns:a14="http://schemas.microsoft.com/office/drawing/2010/main">
+                <a:solidFill>
+                  <a:srgbClr val="FFFFFF"/>
+                </a:solidFill>
+              </a14:hiddenFill>
+            </a:ext>
+          </a:extLst>
+        </p:spPr>
+      </p:pic>
       <p:sp>
         <p:nvSpPr>
           <p:cNvPr id="3" name="TextBox 2">
@@ -6986,7 +6283,7 @@
           <p:nvPr/>
         </p:nvPicPr>
         <p:blipFill>
-          <a:blip r:embed="rId2"/>
+          <a:blip r:embed="rId3"/>
           <a:stretch>
             <a:fillRect/>
           </a:stretch>
@@ -7016,66 +6313,19 @@
           <p:nvPr/>
         </p:nvPicPr>
         <p:blipFill>
-          <a:blip r:embed="rId3"/>
+          <a:blip r:embed="rId4"/>
           <a:stretch>
             <a:fillRect/>
           </a:stretch>
         </p:blipFill>
         <p:spPr>
           <a:xfrm>
-            <a:off x="2985172" y="2975150"/>
-            <a:ext cx="1282186" cy="1941087"/>
+            <a:off x="3060382" y="3371722"/>
+            <a:ext cx="1116239" cy="1689862"/>
           </a:xfrm>
           <a:prstGeom prst="rect">
             <a:avLst/>
           </a:prstGeom>
-        </p:spPr>
-      </p:pic>
-      <p:pic>
-        <p:nvPicPr>
-          <p:cNvPr id="5" name="Picture 4">
-            <a:extLst>
-              <a:ext uri="{FF2B5EF4-FFF2-40B4-BE49-F238E27FC236}">
-                <a16:creationId xmlns:a16="http://schemas.microsoft.com/office/drawing/2014/main" id="{842B75F2-FF41-E4AA-2623-9BAD9E09C789}"/>
-              </a:ext>
-            </a:extLst>
-          </p:cNvPr>
-          <p:cNvPicPr>
-            <a:picLocks noChangeAspect="1" noChangeArrowheads="1"/>
-          </p:cNvPicPr>
-          <p:nvPr/>
-        </p:nvPicPr>
-        <p:blipFill>
-          <a:blip r:embed="rId4">
-            <a:extLst>
-              <a:ext uri="{28A0092B-C50C-407E-A947-70E740481C1C}">
-                <a14:useLocalDpi xmlns:a14="http://schemas.microsoft.com/office/drawing/2010/main" val="0"/>
-              </a:ext>
-            </a:extLst>
-          </a:blip>
-          <a:srcRect/>
-          <a:stretch>
-            <a:fillRect/>
-          </a:stretch>
-        </p:blipFill>
-        <p:spPr bwMode="auto">
-          <a:xfrm>
-            <a:off x="7140916" y="3282970"/>
-            <a:ext cx="1769944" cy="1350677"/>
-          </a:xfrm>
-          <a:prstGeom prst="rect">
-            <a:avLst/>
-          </a:prstGeom>
-          <a:noFill/>
-          <a:extLst>
-            <a:ext uri="{909E8E84-426E-40DD-AFC4-6F175D3DCCD1}">
-              <a14:hiddenFill xmlns:a14="http://schemas.microsoft.com/office/drawing/2010/main">
-                <a:solidFill>
-                  <a:srgbClr val="FFFFFF"/>
-                </a:solidFill>
-              </a14:hiddenFill>
-            </a:ext>
-          </a:extLst>
         </p:spPr>
       </p:pic>
       <mc:AlternateContent xmlns:mc="http://schemas.openxmlformats.org/markup-compatibility/2006" xmlns:a14="http://schemas.microsoft.com/office/drawing/2010/main">
@@ -7596,10 +6846,310 @@
       </p:sp>
       <p:pic>
         <p:nvPicPr>
-          <p:cNvPr id="1026" name="Picture 2">
-            <a:extLst>
-              <a:ext uri="{FF2B5EF4-FFF2-40B4-BE49-F238E27FC236}">
-                <a16:creationId xmlns:a16="http://schemas.microsoft.com/office/drawing/2014/main" id="{F4E17394-6355-6CA2-4A8D-D793F769BCCE}"/>
+          <p:cNvPr id="8" name="Picture 7">
+            <a:extLst>
+              <a:ext uri="{FF2B5EF4-FFF2-40B4-BE49-F238E27FC236}">
+                <a16:creationId xmlns:a16="http://schemas.microsoft.com/office/drawing/2014/main" id="{D863FE3C-00AC-CE9F-4BB7-919F0A511D70}"/>
+              </a:ext>
+            </a:extLst>
+          </p:cNvPr>
+          <p:cNvPicPr>
+            <a:picLocks noChangeAspect="1"/>
+          </p:cNvPicPr>
+          <p:nvPr/>
+        </p:nvPicPr>
+        <p:blipFill>
+          <a:blip r:embed="rId9"/>
+          <a:stretch>
+            <a:fillRect/>
+          </a:stretch>
+        </p:blipFill>
+        <p:spPr>
+          <a:xfrm>
+            <a:off x="2834111" y="5158200"/>
+            <a:ext cx="1635630" cy="1673417"/>
+          </a:xfrm>
+          <a:prstGeom prst="rect">
+            <a:avLst/>
+          </a:prstGeom>
+        </p:spPr>
+      </p:pic>
+      <p:pic>
+        <p:nvPicPr>
+          <p:cNvPr id="9" name="Picture 8">
+            <a:extLst>
+              <a:ext uri="{FF2B5EF4-FFF2-40B4-BE49-F238E27FC236}">
+                <a16:creationId xmlns:a16="http://schemas.microsoft.com/office/drawing/2014/main" id="{1F4AE211-4ED5-DCD8-2D84-0DD717FF95FF}"/>
+              </a:ext>
+            </a:extLst>
+          </p:cNvPr>
+          <p:cNvPicPr>
+            <a:picLocks noChangeAspect="1"/>
+          </p:cNvPicPr>
+          <p:nvPr/>
+        </p:nvPicPr>
+        <p:blipFill>
+          <a:blip r:embed="rId10"/>
+          <a:stretch>
+            <a:fillRect/>
+          </a:stretch>
+        </p:blipFill>
+        <p:spPr>
+          <a:xfrm>
+            <a:off x="5280659" y="4819700"/>
+            <a:ext cx="1187476" cy="1873574"/>
+          </a:xfrm>
+          <a:prstGeom prst="rect">
+            <a:avLst/>
+          </a:prstGeom>
+        </p:spPr>
+      </p:pic>
+      <mc:AlternateContent xmlns:mc="http://schemas.openxmlformats.org/markup-compatibility/2006">
+        <mc:Choice xmlns:a14="http://schemas.microsoft.com/office/drawing/2010/main" Requires="a14">
+          <p:sp>
+            <p:nvSpPr>
+              <p:cNvPr id="10" name="TextBox 9">
+                <a:extLst>
+                  <a:ext uri="{FF2B5EF4-FFF2-40B4-BE49-F238E27FC236}">
+                    <a16:creationId xmlns:a16="http://schemas.microsoft.com/office/drawing/2014/main" id="{2D4B1F92-AB7E-7DC2-D145-D99F3C3A4436}"/>
+                  </a:ext>
+                </a:extLst>
+              </p:cNvPr>
+              <p:cNvSpPr txBox="1"/>
+              <p:nvPr/>
+            </p:nvSpPr>
+            <p:spPr>
+              <a:xfrm>
+                <a:off x="5231005" y="4450368"/>
+                <a:ext cx="1237130" cy="369332"/>
+              </a:xfrm>
+              <a:prstGeom prst="rect">
+                <a:avLst/>
+              </a:prstGeom>
+              <a:noFill/>
+            </p:spPr>
+            <p:txBody>
+              <a:bodyPr wrap="square" rtlCol="0">
+                <a:spAutoFit/>
+              </a:bodyPr>
+              <a:lstStyle/>
+              <a:p>
+                <a:pPr/>
+                <a14:m>
+                  <m:oMathPara xmlns:m="http://schemas.openxmlformats.org/officeDocument/2006/math">
+                    <m:oMathParaPr>
+                      <m:jc m:val="centerGroup"/>
+                    </m:oMathParaPr>
+                    <m:oMath xmlns:m="http://schemas.openxmlformats.org/officeDocument/2006/math">
+                      <m:r>
+                        <a:rPr lang="en-US" b="0" i="1" smtClean="0">
+                          <a:latin typeface="Cambria Math" panose="02040503050406030204" pitchFamily="18" charset="0"/>
+                        </a:rPr>
+                        <m:t>𝜎</m:t>
+                      </m:r>
+                      <m:r>
+                        <a:rPr lang="en-US" b="0" i="1" smtClean="0">
+                          <a:latin typeface="Cambria Math" panose="02040503050406030204" pitchFamily="18" charset="0"/>
+                        </a:rPr>
+                        <m:t>=0.025</m:t>
+                      </m:r>
+                    </m:oMath>
+                  </m:oMathPara>
+                </a14:m>
+                <a:endParaRPr lang="en-US" dirty="0"/>
+              </a:p>
+            </p:txBody>
+          </p:sp>
+        </mc:Choice>
+        <mc:Fallback>
+          <p:sp>
+            <p:nvSpPr>
+              <p:cNvPr id="10" name="TextBox 9">
+                <a:extLst>
+                  <a:ext uri="{FF2B5EF4-FFF2-40B4-BE49-F238E27FC236}">
+                    <a16:creationId xmlns:a16="http://schemas.microsoft.com/office/drawing/2014/main" id="{2D4B1F92-AB7E-7DC2-D145-D99F3C3A4436}"/>
+                  </a:ext>
+                </a:extLst>
+              </p:cNvPr>
+              <p:cNvSpPr txBox="1">
+                <a:spLocks noRot="1" noChangeAspect="1" noMove="1" noResize="1" noEditPoints="1" noAdjustHandles="1" noChangeArrowheads="1" noChangeShapeType="1" noTextEdit="1"/>
+              </p:cNvSpPr>
+              <p:nvPr/>
+            </p:nvSpPr>
+            <p:spPr>
+              <a:xfrm>
+                <a:off x="5231005" y="4450368"/>
+                <a:ext cx="1237130" cy="369332"/>
+              </a:xfrm>
+              <a:prstGeom prst="rect">
+                <a:avLst/>
+              </a:prstGeom>
+              <a:blipFill>
+                <a:blip r:embed="rId11"/>
+                <a:stretch>
+                  <a:fillRect/>
+                </a:stretch>
+              </a:blipFill>
+            </p:spPr>
+            <p:txBody>
+              <a:bodyPr/>
+              <a:lstStyle/>
+              <a:p>
+                <a:r>
+                  <a:rPr lang="en-US">
+                    <a:noFill/>
+                  </a:rPr>
+                  <a:t> </a:t>
+                </a:r>
+              </a:p>
+            </p:txBody>
+          </p:sp>
+        </mc:Fallback>
+      </mc:AlternateContent>
+      <mc:AlternateContent xmlns:mc="http://schemas.openxmlformats.org/markup-compatibility/2006">
+        <mc:Choice xmlns:a14="http://schemas.microsoft.com/office/drawing/2010/main" Requires="a14">
+          <p:sp>
+            <p:nvSpPr>
+              <p:cNvPr id="11" name="TextBox 10">
+                <a:extLst>
+                  <a:ext uri="{FF2B5EF4-FFF2-40B4-BE49-F238E27FC236}">
+                    <a16:creationId xmlns:a16="http://schemas.microsoft.com/office/drawing/2014/main" id="{BE5E0A73-F655-C2BC-E001-F54737B49D93}"/>
+                  </a:ext>
+                </a:extLst>
+              </p:cNvPr>
+              <p:cNvSpPr txBox="1"/>
+              <p:nvPr/>
+            </p:nvSpPr>
+            <p:spPr>
+              <a:xfrm>
+                <a:off x="7201148" y="4450368"/>
+                <a:ext cx="1237130" cy="369332"/>
+              </a:xfrm>
+              <a:prstGeom prst="rect">
+                <a:avLst/>
+              </a:prstGeom>
+              <a:noFill/>
+            </p:spPr>
+            <p:txBody>
+              <a:bodyPr wrap="square" rtlCol="0">
+                <a:spAutoFit/>
+              </a:bodyPr>
+              <a:lstStyle/>
+              <a:p>
+                <a:pPr/>
+                <a14:m>
+                  <m:oMathPara xmlns:m="http://schemas.openxmlformats.org/officeDocument/2006/math">
+                    <m:oMathParaPr>
+                      <m:jc m:val="centerGroup"/>
+                    </m:oMathParaPr>
+                    <m:oMath xmlns:m="http://schemas.openxmlformats.org/officeDocument/2006/math">
+                      <m:r>
+                        <a:rPr lang="en-US" b="0" i="1" smtClean="0">
+                          <a:latin typeface="Cambria Math" panose="02040503050406030204" pitchFamily="18" charset="0"/>
+                        </a:rPr>
+                        <m:t>𝜎</m:t>
+                      </m:r>
+                      <m:r>
+                        <a:rPr lang="en-US" b="0" i="1" smtClean="0">
+                          <a:latin typeface="Cambria Math" panose="02040503050406030204" pitchFamily="18" charset="0"/>
+                        </a:rPr>
+                        <m:t>=0.040</m:t>
+                      </m:r>
+                    </m:oMath>
+                  </m:oMathPara>
+                </a14:m>
+                <a:endParaRPr lang="en-US" dirty="0"/>
+              </a:p>
+            </p:txBody>
+          </p:sp>
+        </mc:Choice>
+        <mc:Fallback>
+          <p:sp>
+            <p:nvSpPr>
+              <p:cNvPr id="11" name="TextBox 10">
+                <a:extLst>
+                  <a:ext uri="{FF2B5EF4-FFF2-40B4-BE49-F238E27FC236}">
+                    <a16:creationId xmlns:a16="http://schemas.microsoft.com/office/drawing/2014/main" id="{BE5E0A73-F655-C2BC-E001-F54737B49D93}"/>
+                  </a:ext>
+                </a:extLst>
+              </p:cNvPr>
+              <p:cNvSpPr txBox="1">
+                <a:spLocks noRot="1" noChangeAspect="1" noMove="1" noResize="1" noEditPoints="1" noAdjustHandles="1" noChangeArrowheads="1" noChangeShapeType="1" noTextEdit="1"/>
+              </p:cNvSpPr>
+              <p:nvPr/>
+            </p:nvSpPr>
+            <p:spPr>
+              <a:xfrm>
+                <a:off x="7201148" y="4450368"/>
+                <a:ext cx="1237130" cy="369332"/>
+              </a:xfrm>
+              <a:prstGeom prst="rect">
+                <a:avLst/>
+              </a:prstGeom>
+              <a:blipFill>
+                <a:blip r:embed="rId12"/>
+                <a:stretch>
+                  <a:fillRect/>
+                </a:stretch>
+              </a:blipFill>
+            </p:spPr>
+            <p:txBody>
+              <a:bodyPr/>
+              <a:lstStyle/>
+              <a:p>
+                <a:r>
+                  <a:rPr lang="en-US">
+                    <a:noFill/>
+                  </a:rPr>
+                  <a:t> </a:t>
+                </a:r>
+              </a:p>
+            </p:txBody>
+          </p:sp>
+        </mc:Fallback>
+      </mc:AlternateContent>
+    </p:spTree>
+    <p:extLst>
+      <p:ext uri="{BB962C8B-B14F-4D97-AF65-F5344CB8AC3E}">
+        <p14:creationId xmlns:p14="http://schemas.microsoft.com/office/powerpoint/2010/main" val="390415339"/>
+      </p:ext>
+    </p:extLst>
+  </p:cSld>
+  <p:clrMapOvr>
+    <a:masterClrMapping/>
+  </p:clrMapOvr>
+</p:sld>
+</file>
+
+<file path=ppt/slides/slide9.xml><?xml version="1.0" encoding="utf-8"?>
+<p:sld xmlns:a="http://schemas.openxmlformats.org/drawingml/2006/main" xmlns:r="http://schemas.openxmlformats.org/officeDocument/2006/relationships" xmlns:p="http://schemas.openxmlformats.org/presentationml/2006/main">
+  <p:cSld>
+    <p:spTree>
+      <p:nvGrpSpPr>
+        <p:cNvPr id="1" name="">
+          <a:extLst>
+            <a:ext uri="{FF2B5EF4-FFF2-40B4-BE49-F238E27FC236}">
+              <a16:creationId xmlns:a16="http://schemas.microsoft.com/office/drawing/2014/main" id="{C7111304-37A9-D09B-0145-E4CBCAC4926A}"/>
+            </a:ext>
+          </a:extLst>
+        </p:cNvPr>
+        <p:cNvGrpSpPr/>
+        <p:nvPr/>
+      </p:nvGrpSpPr>
+      <p:grpSpPr>
+        <a:xfrm>
+          <a:off x="0" y="0"/>
+          <a:ext cx="0" cy="0"/>
+          <a:chOff x="0" y="0"/>
+          <a:chExt cx="0" cy="0"/>
+        </a:xfrm>
+      </p:grpSpPr>
+      <p:pic>
+        <p:nvPicPr>
+          <p:cNvPr id="15" name="Picture 6">
+            <a:extLst>
+              <a:ext uri="{FF2B5EF4-FFF2-40B4-BE49-F238E27FC236}">
+                <a16:creationId xmlns:a16="http://schemas.microsoft.com/office/drawing/2014/main" id="{CD46FE5C-5193-5339-8BEF-CD1BA0DFDF30}"/>
               </a:ext>
             </a:extLst>
           </p:cNvPr>
@@ -7608,23 +7158,21 @@
           </p:cNvPicPr>
           <p:nvPr/>
         </p:nvPicPr>
-        <p:blipFill>
-          <a:blip r:embed="rId9">
+        <p:blipFill rotWithShape="1">
+          <a:blip r:embed="rId2">
             <a:extLst>
               <a:ext uri="{28A0092B-C50C-407E-A947-70E740481C1C}">
                 <a14:useLocalDpi xmlns:a14="http://schemas.microsoft.com/office/drawing/2010/main" val="0"/>
               </a:ext>
             </a:extLst>
           </a:blip>
-          <a:srcRect/>
-          <a:stretch>
-            <a:fillRect/>
-          </a:stretch>
+          <a:srcRect l="26063" r="26152"/>
+          <a:stretch/>
         </p:blipFill>
         <p:spPr bwMode="auto">
           <a:xfrm>
-            <a:off x="4984792" y="1363230"/>
-            <a:ext cx="1649091" cy="1480401"/>
+            <a:off x="6502208" y="1337028"/>
+            <a:ext cx="1150071" cy="2406744"/>
           </a:xfrm>
           <a:prstGeom prst="rect">
             <a:avLst/>
@@ -7641,106 +7189,47 @@
           </a:extLst>
         </p:spPr>
       </p:pic>
-      <p:pic>
-        <p:nvPicPr>
-          <p:cNvPr id="1034" name="Picture 10">
-            <a:extLst>
-              <a:ext uri="{FF2B5EF4-FFF2-40B4-BE49-F238E27FC236}">
-                <a16:creationId xmlns:a16="http://schemas.microsoft.com/office/drawing/2014/main" id="{9138EC91-D770-11A1-C1E2-C2612A3B9182}"/>
-              </a:ext>
-            </a:extLst>
-          </p:cNvPr>
-          <p:cNvPicPr>
-            <a:picLocks noChangeAspect="1" noChangeArrowheads="1"/>
-          </p:cNvPicPr>
+      <p:sp>
+        <p:nvSpPr>
+          <p:cNvPr id="3" name="TextBox 2">
+            <a:extLst>
+              <a:ext uri="{FF2B5EF4-FFF2-40B4-BE49-F238E27FC236}">
+                <a16:creationId xmlns:a16="http://schemas.microsoft.com/office/drawing/2014/main" id="{AA58687C-F34C-BB24-5AAB-02C126D641C1}"/>
+              </a:ext>
+            </a:extLst>
+          </p:cNvPr>
+          <p:cNvSpPr txBox="1"/>
           <p:nvPr/>
-        </p:nvPicPr>
-        <p:blipFill>
-          <a:blip r:embed="rId10">
-            <a:extLst>
-              <a:ext uri="{28A0092B-C50C-407E-A947-70E740481C1C}">
-                <a14:useLocalDpi xmlns:a14="http://schemas.microsoft.com/office/drawing/2010/main" val="0"/>
-              </a:ext>
-            </a:extLst>
-          </a:blip>
-          <a:srcRect/>
-          <a:stretch>
-            <a:fillRect/>
-          </a:stretch>
-        </p:blipFill>
-        <p:spPr bwMode="auto">
+        </p:nvSpPr>
+        <p:spPr>
           <a:xfrm>
-            <a:off x="7142912" y="5106191"/>
-            <a:ext cx="1875140" cy="1468379"/>
+            <a:off x="978786" y="302473"/>
+            <a:ext cx="9436032" cy="369332"/>
           </a:xfrm>
           <a:prstGeom prst="rect">
             <a:avLst/>
           </a:prstGeom>
           <a:noFill/>
-          <a:extLst>
-            <a:ext uri="{909E8E84-426E-40DD-AFC4-6F175D3DCCD1}">
-              <a14:hiddenFill xmlns:a14="http://schemas.microsoft.com/office/drawing/2010/main">
-                <a:solidFill>
-                  <a:srgbClr val="FFFFFF"/>
-                </a:solidFill>
-              </a14:hiddenFill>
-            </a:ext>
-          </a:extLst>
         </p:spPr>
-      </p:pic>
+        <p:txBody>
+          <a:bodyPr wrap="square" rtlCol="0">
+            <a:spAutoFit/>
+          </a:bodyPr>
+          <a:lstStyle/>
+          <a:p>
+            <a:r>
+              <a:rPr lang="en-US" dirty="0"/>
+              <a:t>Fig 5: Interesting other morphologies? </a:t>
+            </a:r>
+          </a:p>
+        </p:txBody>
+      </p:sp>
       <p:pic>
         <p:nvPicPr>
-          <p:cNvPr id="1036" name="Picture 12">
-            <a:extLst>
-              <a:ext uri="{FF2B5EF4-FFF2-40B4-BE49-F238E27FC236}">
-                <a16:creationId xmlns:a16="http://schemas.microsoft.com/office/drawing/2014/main" id="{1F472A55-1C0A-F016-2F00-52916B8E97CB}"/>
-              </a:ext>
-            </a:extLst>
-          </p:cNvPr>
-          <p:cNvPicPr>
-            <a:picLocks noChangeAspect="1" noChangeArrowheads="1"/>
-          </p:cNvPicPr>
-          <p:nvPr/>
-        </p:nvPicPr>
-        <p:blipFill>
-          <a:blip r:embed="rId11">
-            <a:extLst>
-              <a:ext uri="{28A0092B-C50C-407E-A947-70E740481C1C}">
-                <a14:useLocalDpi xmlns:a14="http://schemas.microsoft.com/office/drawing/2010/main" val="0"/>
-              </a:ext>
-            </a:extLst>
-          </a:blip>
-          <a:srcRect/>
-          <a:stretch>
-            <a:fillRect/>
-          </a:stretch>
-        </p:blipFill>
-        <p:spPr bwMode="auto">
-          <a:xfrm>
-            <a:off x="4901736" y="5087148"/>
-            <a:ext cx="1875140" cy="1468379"/>
-          </a:xfrm>
-          <a:prstGeom prst="rect">
-            <a:avLst/>
-          </a:prstGeom>
-          <a:noFill/>
-          <a:extLst>
-            <a:ext uri="{909E8E84-426E-40DD-AFC4-6F175D3DCCD1}">
-              <a14:hiddenFill xmlns:a14="http://schemas.microsoft.com/office/drawing/2010/main">
-                <a:solidFill>
-                  <a:srgbClr val="FFFFFF"/>
-                </a:solidFill>
-              </a14:hiddenFill>
-            </a:ext>
-          </a:extLst>
-        </p:spPr>
-      </p:pic>
-      <p:pic>
-        <p:nvPicPr>
-          <p:cNvPr id="22" name="Picture 21">
-            <a:extLst>
-              <a:ext uri="{FF2B5EF4-FFF2-40B4-BE49-F238E27FC236}">
-                <a16:creationId xmlns:a16="http://schemas.microsoft.com/office/drawing/2014/main" id="{542247A0-ECD1-86CD-FBBB-0FD07929F1D2}"/>
+          <p:cNvPr id="4" name="Picture 3">
+            <a:extLst>
+              <a:ext uri="{FF2B5EF4-FFF2-40B4-BE49-F238E27FC236}">
+                <a16:creationId xmlns:a16="http://schemas.microsoft.com/office/drawing/2014/main" id="{84810C8F-1052-89F8-8B5B-F50C97C98278}"/>
               </a:ext>
             </a:extLst>
           </p:cNvPr>
@@ -7750,15 +7239,15 @@
           <p:nvPr/>
         </p:nvPicPr>
         <p:blipFill>
-          <a:blip r:embed="rId12"/>
+          <a:blip r:embed="rId3"/>
           <a:stretch>
             <a:fillRect/>
           </a:stretch>
         </p:blipFill>
         <p:spPr>
           <a:xfrm>
-            <a:off x="3154714" y="4916913"/>
-            <a:ext cx="1097928" cy="1941087"/>
+            <a:off x="1690978" y="1635105"/>
+            <a:ext cx="1392881" cy="2108667"/>
           </a:xfrm>
           <a:prstGeom prst="rect">
             <a:avLst/>
@@ -7767,102 +7256,242 @@
       </p:pic>
       <p:pic>
         <p:nvPicPr>
-          <p:cNvPr id="1038" name="Picture 14">
-            <a:extLst>
-              <a:ext uri="{FF2B5EF4-FFF2-40B4-BE49-F238E27FC236}">
-                <a16:creationId xmlns:a16="http://schemas.microsoft.com/office/drawing/2014/main" id="{545BD058-94BB-FB19-8625-A06A2F09A9B9}"/>
+          <p:cNvPr id="8" name="Picture 7">
+            <a:extLst>
+              <a:ext uri="{FF2B5EF4-FFF2-40B4-BE49-F238E27FC236}">
+                <a16:creationId xmlns:a16="http://schemas.microsoft.com/office/drawing/2014/main" id="{8D24CB12-4A59-5B3F-E7C3-8383C5A2943F}"/>
               </a:ext>
             </a:extLst>
           </p:cNvPr>
           <p:cNvPicPr>
-            <a:picLocks noChangeAspect="1" noChangeArrowheads="1"/>
+            <a:picLocks noChangeAspect="1"/>
           </p:cNvPicPr>
           <p:nvPr/>
         </p:nvPicPr>
         <p:blipFill>
-          <a:blip r:embed="rId13">
-            <a:extLst>
-              <a:ext uri="{28A0092B-C50C-407E-A947-70E740481C1C}">
-                <a14:useLocalDpi xmlns:a14="http://schemas.microsoft.com/office/drawing/2010/main" val="0"/>
-              </a:ext>
-            </a:extLst>
-          </a:blip>
-          <a:srcRect/>
+          <a:blip r:embed="rId4"/>
           <a:stretch>
             <a:fillRect/>
           </a:stretch>
         </p:blipFill>
-        <p:spPr bwMode="auto">
+        <p:spPr>
           <a:xfrm>
-            <a:off x="4877215" y="3205075"/>
-            <a:ext cx="1924182" cy="1468379"/>
+            <a:off x="3649162" y="1729985"/>
+            <a:ext cx="1935849" cy="1980572"/>
           </a:xfrm>
           <a:prstGeom prst="rect">
             <a:avLst/>
           </a:prstGeom>
-          <a:noFill/>
-          <a:extLst>
-            <a:ext uri="{909E8E84-426E-40DD-AFC4-6F175D3DCCD1}">
-              <a14:hiddenFill xmlns:a14="http://schemas.microsoft.com/office/drawing/2010/main">
-                <a:solidFill>
-                  <a:srgbClr val="FFFFFF"/>
-                </a:solidFill>
-              </a14:hiddenFill>
-            </a:ext>
-          </a:extLst>
         </p:spPr>
       </p:pic>
-      <p:pic>
-        <p:nvPicPr>
-          <p:cNvPr id="1040" name="Picture 16">
-            <a:extLst>
-              <a:ext uri="{FF2B5EF4-FFF2-40B4-BE49-F238E27FC236}">
-                <a16:creationId xmlns:a16="http://schemas.microsoft.com/office/drawing/2014/main" id="{EEA866AA-6A73-3025-8E63-43EAC3B262C9}"/>
-              </a:ext>
-            </a:extLst>
-          </p:cNvPr>
-          <p:cNvPicPr>
-            <a:picLocks noChangeAspect="1" noChangeArrowheads="1"/>
-          </p:cNvPicPr>
-          <p:nvPr/>
-        </p:nvPicPr>
-        <p:blipFill>
-          <a:blip r:embed="rId14">
-            <a:extLst>
-              <a:ext uri="{28A0092B-C50C-407E-A947-70E740481C1C}">
-                <a14:useLocalDpi xmlns:a14="http://schemas.microsoft.com/office/drawing/2010/main" val="0"/>
-              </a:ext>
-            </a:extLst>
-          </a:blip>
-          <a:srcRect/>
-          <a:stretch>
-            <a:fillRect/>
-          </a:stretch>
-        </p:blipFill>
-        <p:spPr bwMode="auto">
-          <a:xfrm>
-            <a:off x="7140916" y="1331659"/>
-            <a:ext cx="1769944" cy="1588892"/>
-          </a:xfrm>
-          <a:prstGeom prst="rect">
-            <a:avLst/>
-          </a:prstGeom>
-          <a:noFill/>
-          <a:extLst>
-            <a:ext uri="{909E8E84-426E-40DD-AFC4-6F175D3DCCD1}">
-              <a14:hiddenFill xmlns:a14="http://schemas.microsoft.com/office/drawing/2010/main">
-                <a:solidFill>
-                  <a:srgbClr val="FFFFFF"/>
-                </a:solidFill>
-              </a14:hiddenFill>
-            </a:ext>
-          </a:extLst>
-        </p:spPr>
-      </p:pic>
+      <mc:AlternateContent xmlns:mc="http://schemas.openxmlformats.org/markup-compatibility/2006">
+        <mc:Choice xmlns:a14="http://schemas.microsoft.com/office/drawing/2010/main" Requires="a14">
+          <p:sp>
+            <p:nvSpPr>
+              <p:cNvPr id="10" name="TextBox 9">
+                <a:extLst>
+                  <a:ext uri="{FF2B5EF4-FFF2-40B4-BE49-F238E27FC236}">
+                    <a16:creationId xmlns:a16="http://schemas.microsoft.com/office/drawing/2014/main" id="{66022D3E-4B55-25B7-198D-152F7D929868}"/>
+                  </a:ext>
+                </a:extLst>
+              </p:cNvPr>
+              <p:cNvSpPr txBox="1"/>
+              <p:nvPr/>
+            </p:nvSpPr>
+            <p:spPr>
+              <a:xfrm>
+                <a:off x="5841904" y="5893685"/>
+                <a:ext cx="1237130" cy="369332"/>
+              </a:xfrm>
+              <a:prstGeom prst="rect">
+                <a:avLst/>
+              </a:prstGeom>
+              <a:noFill/>
+            </p:spPr>
+            <p:txBody>
+              <a:bodyPr wrap="square" rtlCol="0">
+                <a:spAutoFit/>
+              </a:bodyPr>
+              <a:lstStyle/>
+              <a:p>
+                <a:pPr/>
+                <a14:m>
+                  <m:oMathPara xmlns:m="http://schemas.openxmlformats.org/officeDocument/2006/math">
+                    <m:oMathParaPr>
+                      <m:jc m:val="centerGroup"/>
+                    </m:oMathParaPr>
+                    <m:oMath xmlns:m="http://schemas.openxmlformats.org/officeDocument/2006/math">
+                      <m:r>
+                        <a:rPr lang="en-US" b="0" i="1" smtClean="0">
+                          <a:latin typeface="Cambria Math" panose="02040503050406030204" pitchFamily="18" charset="0"/>
+                        </a:rPr>
+                        <m:t>𝜎</m:t>
+                      </m:r>
+                      <m:r>
+                        <a:rPr lang="en-US" b="0" i="1" smtClean="0">
+                          <a:latin typeface="Cambria Math" panose="02040503050406030204" pitchFamily="18" charset="0"/>
+                        </a:rPr>
+                        <m:t>=0.025</m:t>
+                      </m:r>
+                    </m:oMath>
+                  </m:oMathPara>
+                </a14:m>
+                <a:endParaRPr lang="en-US" dirty="0"/>
+              </a:p>
+            </p:txBody>
+          </p:sp>
+        </mc:Choice>
+        <mc:Fallback>
+          <p:sp>
+            <p:nvSpPr>
+              <p:cNvPr id="10" name="TextBox 9">
+                <a:extLst>
+                  <a:ext uri="{FF2B5EF4-FFF2-40B4-BE49-F238E27FC236}">
+                    <a16:creationId xmlns:a16="http://schemas.microsoft.com/office/drawing/2014/main" id="{66022D3E-4B55-25B7-198D-152F7D929868}"/>
+                  </a:ext>
+                </a:extLst>
+              </p:cNvPr>
+              <p:cNvSpPr txBox="1">
+                <a:spLocks noRot="1" noChangeAspect="1" noMove="1" noResize="1" noEditPoints="1" noAdjustHandles="1" noChangeArrowheads="1" noChangeShapeType="1" noTextEdit="1"/>
+              </p:cNvSpPr>
+              <p:nvPr/>
+            </p:nvSpPr>
+            <p:spPr>
+              <a:xfrm>
+                <a:off x="5841904" y="5893685"/>
+                <a:ext cx="1237130" cy="369332"/>
+              </a:xfrm>
+              <a:prstGeom prst="rect">
+                <a:avLst/>
+              </a:prstGeom>
+              <a:blipFill>
+                <a:blip r:embed="rId5"/>
+                <a:stretch>
+                  <a:fillRect/>
+                </a:stretch>
+              </a:blipFill>
+            </p:spPr>
+            <p:txBody>
+              <a:bodyPr/>
+              <a:lstStyle/>
+              <a:p>
+                <a:r>
+                  <a:rPr lang="en-US">
+                    <a:noFill/>
+                  </a:rPr>
+                  <a:t> </a:t>
+                </a:r>
+              </a:p>
+            </p:txBody>
+          </p:sp>
+        </mc:Fallback>
+      </mc:AlternateContent>
+      <mc:AlternateContent xmlns:mc="http://schemas.openxmlformats.org/markup-compatibility/2006">
+        <mc:Choice xmlns:a14="http://schemas.microsoft.com/office/drawing/2010/main" Requires="a14">
+          <p:sp>
+            <p:nvSpPr>
+              <p:cNvPr id="11" name="TextBox 10">
+                <a:extLst>
+                  <a:ext uri="{FF2B5EF4-FFF2-40B4-BE49-F238E27FC236}">
+                    <a16:creationId xmlns:a16="http://schemas.microsoft.com/office/drawing/2014/main" id="{7A0131CA-ED12-1F53-A430-A0D7BA34C8D5}"/>
+                  </a:ext>
+                </a:extLst>
+              </p:cNvPr>
+              <p:cNvSpPr txBox="1"/>
+              <p:nvPr/>
+            </p:nvSpPr>
+            <p:spPr>
+              <a:xfrm>
+                <a:off x="7812047" y="5893685"/>
+                <a:ext cx="1237130" cy="369332"/>
+              </a:xfrm>
+              <a:prstGeom prst="rect">
+                <a:avLst/>
+              </a:prstGeom>
+              <a:noFill/>
+            </p:spPr>
+            <p:txBody>
+              <a:bodyPr wrap="square" rtlCol="0">
+                <a:spAutoFit/>
+              </a:bodyPr>
+              <a:lstStyle/>
+              <a:p>
+                <a:pPr/>
+                <a14:m>
+                  <m:oMathPara xmlns:m="http://schemas.openxmlformats.org/officeDocument/2006/math">
+                    <m:oMathParaPr>
+                      <m:jc m:val="centerGroup"/>
+                    </m:oMathParaPr>
+                    <m:oMath xmlns:m="http://schemas.openxmlformats.org/officeDocument/2006/math">
+                      <m:r>
+                        <a:rPr lang="en-US" b="0" i="1" smtClean="0">
+                          <a:latin typeface="Cambria Math" panose="02040503050406030204" pitchFamily="18" charset="0"/>
+                        </a:rPr>
+                        <m:t>𝜎</m:t>
+                      </m:r>
+                      <m:r>
+                        <a:rPr lang="en-US" b="0" i="1" smtClean="0">
+                          <a:latin typeface="Cambria Math" panose="02040503050406030204" pitchFamily="18" charset="0"/>
+                        </a:rPr>
+                        <m:t>=0.040</m:t>
+                      </m:r>
+                    </m:oMath>
+                  </m:oMathPara>
+                </a14:m>
+                <a:endParaRPr lang="en-US" dirty="0"/>
+              </a:p>
+            </p:txBody>
+          </p:sp>
+        </mc:Choice>
+        <mc:Fallback>
+          <p:sp>
+            <p:nvSpPr>
+              <p:cNvPr id="11" name="TextBox 10">
+                <a:extLst>
+                  <a:ext uri="{FF2B5EF4-FFF2-40B4-BE49-F238E27FC236}">
+                    <a16:creationId xmlns:a16="http://schemas.microsoft.com/office/drawing/2014/main" id="{7A0131CA-ED12-1F53-A430-A0D7BA34C8D5}"/>
+                  </a:ext>
+                </a:extLst>
+              </p:cNvPr>
+              <p:cNvSpPr txBox="1">
+                <a:spLocks noRot="1" noChangeAspect="1" noMove="1" noResize="1" noEditPoints="1" noAdjustHandles="1" noChangeArrowheads="1" noChangeShapeType="1" noTextEdit="1"/>
+              </p:cNvSpPr>
+              <p:nvPr/>
+            </p:nvSpPr>
+            <p:spPr>
+              <a:xfrm>
+                <a:off x="7812047" y="5893685"/>
+                <a:ext cx="1237130" cy="369332"/>
+              </a:xfrm>
+              <a:prstGeom prst="rect">
+                <a:avLst/>
+              </a:prstGeom>
+              <a:blipFill>
+                <a:blip r:embed="rId6"/>
+                <a:stretch>
+                  <a:fillRect/>
+                </a:stretch>
+              </a:blipFill>
+            </p:spPr>
+            <p:txBody>
+              <a:bodyPr/>
+              <a:lstStyle/>
+              <a:p>
+                <a:r>
+                  <a:rPr lang="en-US">
+                    <a:noFill/>
+                  </a:rPr>
+                  <a:t> </a:t>
+                </a:r>
+              </a:p>
+            </p:txBody>
+          </p:sp>
+        </mc:Fallback>
+      </mc:AlternateContent>
     </p:spTree>
     <p:extLst>
       <p:ext uri="{BB962C8B-B14F-4D97-AF65-F5344CB8AC3E}">
-        <p14:creationId xmlns:p14="http://schemas.microsoft.com/office/powerpoint/2010/main" val="390415339"/>
+        <p14:creationId xmlns:p14="http://schemas.microsoft.com/office/powerpoint/2010/main" val="3386628344"/>
       </p:ext>
     </p:extLst>
   </p:cSld>

--- a/SYSG3_paper.pptx
+++ b/SYSG3_paper.pptx
@@ -5,16 +5,13 @@
     <p:sldMasterId id="2147483648" r:id="rId1"/>
   </p:sldMasterIdLst>
   <p:sldIdLst>
-    <p:sldId id="365" r:id="rId2"/>
-    <p:sldId id="366" r:id="rId3"/>
-    <p:sldId id="355" r:id="rId4"/>
-    <p:sldId id="368" r:id="rId5"/>
-    <p:sldId id="361" r:id="rId6"/>
-    <p:sldId id="362" r:id="rId7"/>
-    <p:sldId id="364" r:id="rId8"/>
-    <p:sldId id="369" r:id="rId9"/>
-    <p:sldId id="370" r:id="rId10"/>
-    <p:sldId id="367" r:id="rId11"/>
+    <p:sldId id="368" r:id="rId2"/>
+    <p:sldId id="361" r:id="rId3"/>
+    <p:sldId id="362" r:id="rId4"/>
+    <p:sldId id="364" r:id="rId5"/>
+    <p:sldId id="369" r:id="rId6"/>
+    <p:sldId id="370" r:id="rId7"/>
+    <p:sldId id="367" r:id="rId8"/>
   </p:sldIdLst>
   <p:sldSz cx="12192000" cy="6858000"/>
   <p:notesSz cx="6858000" cy="9144000"/>
@@ -268,7 +265,7 @@
           <a:p>
             <a:fld id="{E3B1C2F4-07A0-459D-95BE-47AEA2376715}" type="datetimeFigureOut">
               <a:rPr lang="en-US" smtClean="0"/>
-              <a:t>6/3/2025</a:t>
+              <a:t>6/9/2025</a:t>
             </a:fld>
             <a:endParaRPr lang="en-US"/>
           </a:p>
@@ -466,7 +463,7 @@
           <a:p>
             <a:fld id="{E3B1C2F4-07A0-459D-95BE-47AEA2376715}" type="datetimeFigureOut">
               <a:rPr lang="en-US" smtClean="0"/>
-              <a:t>6/3/2025</a:t>
+              <a:t>6/9/2025</a:t>
             </a:fld>
             <a:endParaRPr lang="en-US"/>
           </a:p>
@@ -674,7 +671,7 @@
           <a:p>
             <a:fld id="{E3B1C2F4-07A0-459D-95BE-47AEA2376715}" type="datetimeFigureOut">
               <a:rPr lang="en-US" smtClean="0"/>
-              <a:t>6/3/2025</a:t>
+              <a:t>6/9/2025</a:t>
             </a:fld>
             <a:endParaRPr lang="en-US"/>
           </a:p>
@@ -872,7 +869,7 @@
           <a:p>
             <a:fld id="{E3B1C2F4-07A0-459D-95BE-47AEA2376715}" type="datetimeFigureOut">
               <a:rPr lang="en-US" smtClean="0"/>
-              <a:t>6/3/2025</a:t>
+              <a:t>6/9/2025</a:t>
             </a:fld>
             <a:endParaRPr lang="en-US"/>
           </a:p>
@@ -1147,7 +1144,7 @@
           <a:p>
             <a:fld id="{E3B1C2F4-07A0-459D-95BE-47AEA2376715}" type="datetimeFigureOut">
               <a:rPr lang="en-US" smtClean="0"/>
-              <a:t>6/3/2025</a:t>
+              <a:t>6/9/2025</a:t>
             </a:fld>
             <a:endParaRPr lang="en-US"/>
           </a:p>
@@ -1412,7 +1409,7 @@
           <a:p>
             <a:fld id="{E3B1C2F4-07A0-459D-95BE-47AEA2376715}" type="datetimeFigureOut">
               <a:rPr lang="en-US" smtClean="0"/>
-              <a:t>6/3/2025</a:t>
+              <a:t>6/9/2025</a:t>
             </a:fld>
             <a:endParaRPr lang="en-US"/>
           </a:p>
@@ -1824,7 +1821,7 @@
           <a:p>
             <a:fld id="{E3B1C2F4-07A0-459D-95BE-47AEA2376715}" type="datetimeFigureOut">
               <a:rPr lang="en-US" smtClean="0"/>
-              <a:t>6/3/2025</a:t>
+              <a:t>6/9/2025</a:t>
             </a:fld>
             <a:endParaRPr lang="en-US"/>
           </a:p>
@@ -1965,7 +1962,7 @@
           <a:p>
             <a:fld id="{E3B1C2F4-07A0-459D-95BE-47AEA2376715}" type="datetimeFigureOut">
               <a:rPr lang="en-US" smtClean="0"/>
-              <a:t>6/3/2025</a:t>
+              <a:t>6/9/2025</a:t>
             </a:fld>
             <a:endParaRPr lang="en-US"/>
           </a:p>
@@ -2078,7 +2075,7 @@
           <a:p>
             <a:fld id="{E3B1C2F4-07A0-459D-95BE-47AEA2376715}" type="datetimeFigureOut">
               <a:rPr lang="en-US" smtClean="0"/>
-              <a:t>6/3/2025</a:t>
+              <a:t>6/9/2025</a:t>
             </a:fld>
             <a:endParaRPr lang="en-US"/>
           </a:p>
@@ -2389,7 +2386,7 @@
           <a:p>
             <a:fld id="{E3B1C2F4-07A0-459D-95BE-47AEA2376715}" type="datetimeFigureOut">
               <a:rPr lang="en-US" smtClean="0"/>
-              <a:t>6/3/2025</a:t>
+              <a:t>6/9/2025</a:t>
             </a:fld>
             <a:endParaRPr lang="en-US"/>
           </a:p>
@@ -2677,7 +2674,7 @@
           <a:p>
             <a:fld id="{E3B1C2F4-07A0-459D-95BE-47AEA2376715}" type="datetimeFigureOut">
               <a:rPr lang="en-US" smtClean="0"/>
-              <a:t>6/3/2025</a:t>
+              <a:t>6/9/2025</a:t>
             </a:fld>
             <a:endParaRPr lang="en-US"/>
           </a:p>
@@ -2918,7 +2915,7 @@
           <a:p>
             <a:fld id="{E3B1C2F4-07A0-459D-95BE-47AEA2376715}" type="datetimeFigureOut">
               <a:rPr lang="en-US" smtClean="0"/>
-              <a:t>6/3/2025</a:t>
+              <a:t>6/9/2025</a:t>
             </a:fld>
             <a:endParaRPr lang="en-US"/>
           </a:p>
@@ -3323,290 +3320,10 @@
   <p:cSld>
     <p:spTree>
       <p:nvGrpSpPr>
-        <p:cNvPr id="1" name=""/>
-        <p:cNvGrpSpPr/>
-        <p:nvPr/>
-      </p:nvGrpSpPr>
-      <p:grpSpPr>
-        <a:xfrm>
-          <a:off x="0" y="0"/>
-          <a:ext cx="0" cy="0"/>
-          <a:chOff x="0" y="0"/>
-          <a:chExt cx="0" cy="0"/>
-        </a:xfrm>
-      </p:grpSpPr>
-      <p:sp>
-        <p:nvSpPr>
-          <p:cNvPr id="2" name="TextBox 1">
-            <a:extLst>
-              <a:ext uri="{FF2B5EF4-FFF2-40B4-BE49-F238E27FC236}">
-                <a16:creationId xmlns:a16="http://schemas.microsoft.com/office/drawing/2014/main" id="{C5C9AB8C-92A0-A787-BB8C-A924B559D555}"/>
-              </a:ext>
-            </a:extLst>
-          </p:cNvPr>
-          <p:cNvSpPr txBox="1"/>
-          <p:nvPr/>
-        </p:nvSpPr>
-        <p:spPr>
-          <a:xfrm>
-            <a:off x="937491" y="526473"/>
-            <a:ext cx="10317018" cy="3139321"/>
-          </a:xfrm>
-          <a:prstGeom prst="rect">
-            <a:avLst/>
-          </a:prstGeom>
-          <a:noFill/>
-        </p:spPr>
-        <p:txBody>
-          <a:bodyPr wrap="square" rtlCol="0">
-            <a:spAutoFit/>
-          </a:bodyPr>
-          <a:lstStyle/>
-          <a:p>
-            <a:r>
-              <a:rPr lang="en-US" dirty="0"/>
-              <a:t>Big tasks (affects overall story):</a:t>
-            </a:r>
-          </a:p>
-          <a:p>
-            <a:pPr marL="285750" indent="-285750">
-              <a:buFont typeface="Arial" panose="020B0604020202020204" pitchFamily="34" charset="0"/>
-              <a:buChar char="•"/>
-            </a:pPr>
-            <a:r>
-              <a:rPr lang="en-US" dirty="0"/>
-              <a:t>a10s5e3: Hoping for pinned </a:t>
-            </a:r>
-            <a:r>
-              <a:rPr lang="en-US" dirty="0" err="1"/>
-              <a:t>pn</a:t>
-            </a:r>
-            <a:r>
-              <a:rPr lang="en-US" dirty="0"/>
-              <a:t>, otherwise why not stripe?</a:t>
-            </a:r>
-          </a:p>
-          <a:p>
-            <a:pPr marL="742950" lvl="1" indent="-285750">
-              <a:buFont typeface="Arial" panose="020B0604020202020204" pitchFamily="34" charset="0"/>
-              <a:buChar char="•"/>
-            </a:pPr>
-            <a:r>
-              <a:rPr lang="en-US" dirty="0"/>
-              <a:t>Pinned </a:t>
-            </a:r>
-            <a:r>
-              <a:rPr lang="en-US" dirty="0" err="1"/>
-              <a:t>pn</a:t>
-            </a:r>
-            <a:r>
-              <a:rPr lang="en-US" dirty="0"/>
-              <a:t> may be too large of box (e.g., 40 x 80)</a:t>
-            </a:r>
-          </a:p>
-          <a:p>
-            <a:pPr marL="285750" indent="-285750">
-              <a:buFont typeface="Arial" panose="020B0604020202020204" pitchFamily="34" charset="0"/>
-              <a:buChar char="•"/>
-            </a:pPr>
-            <a:r>
-              <a:rPr lang="en-US" dirty="0"/>
-              <a:t>a20s020: </a:t>
-            </a:r>
-            <a:r>
-              <a:rPr lang="en-US" dirty="0" err="1"/>
-              <a:t>cyl</a:t>
-            </a:r>
-            <a:r>
-              <a:rPr lang="en-US" dirty="0"/>
-              <a:t>? If not, why a20 so short?</a:t>
-            </a:r>
-          </a:p>
-          <a:p>
-            <a:pPr marL="285750" indent="-285750">
-              <a:buFont typeface="Arial" panose="020B0604020202020204" pitchFamily="34" charset="0"/>
-              <a:buChar char="•"/>
-            </a:pPr>
-            <a:r>
-              <a:rPr lang="en-US" dirty="0"/>
-              <a:t>a25</a:t>
-            </a:r>
-          </a:p>
-          <a:p>
-            <a:pPr marL="742950" lvl="1" indent="-285750">
-              <a:buFont typeface="Arial" panose="020B0604020202020204" pitchFamily="34" charset="0"/>
-              <a:buChar char="•"/>
-            </a:pPr>
-            <a:r>
-              <a:rPr lang="en-US" dirty="0"/>
-              <a:t>Stability of </a:t>
-            </a:r>
-            <a:r>
-              <a:rPr lang="en-US" dirty="0" err="1"/>
-              <a:t>pn</a:t>
-            </a:r>
-            <a:r>
-              <a:rPr lang="en-US" dirty="0"/>
-              <a:t>/str</a:t>
-            </a:r>
-          </a:p>
-          <a:p>
-            <a:pPr marL="742950" lvl="1" indent="-285750">
-              <a:buFont typeface="Arial" panose="020B0604020202020204" pitchFamily="34" charset="0"/>
-              <a:buChar char="•"/>
-            </a:pPr>
-            <a:r>
-              <a:rPr lang="en-US" dirty="0"/>
-              <a:t>s &lt; 027: Get mic -&gt; </a:t>
-            </a:r>
-            <a:r>
-              <a:rPr lang="en-US" dirty="0" err="1"/>
-              <a:t>cyl</a:t>
-            </a:r>
-            <a:r>
-              <a:rPr lang="en-US" dirty="0"/>
-              <a:t>?</a:t>
-            </a:r>
-          </a:p>
-          <a:p>
-            <a:pPr marL="742950" lvl="1" indent="-285750">
-              <a:buFont typeface="Arial" panose="020B0604020202020204" pitchFamily="34" charset="0"/>
-              <a:buChar char="•"/>
-            </a:pPr>
-            <a:r>
-              <a:rPr lang="en-US" dirty="0"/>
-              <a:t>Get homogeneous sigma</a:t>
-            </a:r>
-          </a:p>
-          <a:p>
-            <a:pPr marL="285750" indent="-285750">
-              <a:buFont typeface="Arial" panose="020B0604020202020204" pitchFamily="34" charset="0"/>
-              <a:buChar char="•"/>
-            </a:pPr>
-            <a:r>
-              <a:rPr lang="en-US" dirty="0"/>
-              <a:t>a30: </a:t>
-            </a:r>
-          </a:p>
-          <a:p>
-            <a:pPr marL="742950" lvl="1" indent="-285750">
-              <a:buFont typeface="Arial" panose="020B0604020202020204" pitchFamily="34" charset="0"/>
-              <a:buChar char="•"/>
-            </a:pPr>
-            <a:r>
-              <a:rPr lang="en-US" dirty="0"/>
-              <a:t>Get homogeneous sigma</a:t>
-            </a:r>
-          </a:p>
-          <a:p>
-            <a:pPr marL="742950" lvl="1" indent="-285750">
-              <a:buFont typeface="Arial" panose="020B0604020202020204" pitchFamily="34" charset="0"/>
-              <a:buChar char="•"/>
-            </a:pPr>
-            <a:r>
-              <a:rPr lang="en-US" dirty="0"/>
-              <a:t>Any layered morphologies stable?</a:t>
-            </a:r>
-          </a:p>
-        </p:txBody>
-      </p:sp>
-      <p:sp>
-        <p:nvSpPr>
-          <p:cNvPr id="3" name="TextBox 2">
-            <a:extLst>
-              <a:ext uri="{FF2B5EF4-FFF2-40B4-BE49-F238E27FC236}">
-                <a16:creationId xmlns:a16="http://schemas.microsoft.com/office/drawing/2014/main" id="{4F6656A9-1962-0FD1-FDAE-5A47CA928837}"/>
-              </a:ext>
-            </a:extLst>
-          </p:cNvPr>
-          <p:cNvSpPr txBox="1"/>
-          <p:nvPr/>
-        </p:nvSpPr>
-        <p:spPr>
-          <a:xfrm>
-            <a:off x="937491" y="4114800"/>
-            <a:ext cx="10317018" cy="1477328"/>
-          </a:xfrm>
-          <a:prstGeom prst="rect">
-            <a:avLst/>
-          </a:prstGeom>
-          <a:noFill/>
-        </p:spPr>
-        <p:txBody>
-          <a:bodyPr wrap="square" rtlCol="0">
-            <a:spAutoFit/>
-          </a:bodyPr>
-          <a:lstStyle/>
-          <a:p>
-            <a:r>
-              <a:rPr lang="en-US" dirty="0"/>
-              <a:t>Fine tuning boundaries:</a:t>
-            </a:r>
-          </a:p>
-          <a:p>
-            <a:pPr marL="285750" indent="-285750">
-              <a:buFont typeface="Arial" panose="020B0604020202020204" pitchFamily="34" charset="0"/>
-              <a:buChar char="•"/>
-            </a:pPr>
-            <a:r>
-              <a:rPr lang="en-US" dirty="0"/>
-              <a:t>a05s6e3: Looking like will be hole (Terran?)</a:t>
-            </a:r>
-          </a:p>
-          <a:p>
-            <a:pPr marL="285750" indent="-285750">
-              <a:buFont typeface="Arial" panose="020B0604020202020204" pitchFamily="34" charset="0"/>
-              <a:buChar char="•"/>
-            </a:pPr>
-            <a:r>
-              <a:rPr lang="en-US" dirty="0"/>
-              <a:t>a10s75e4: Probably hole, if not, get hole for a10</a:t>
-            </a:r>
-          </a:p>
-          <a:p>
-            <a:pPr marL="285750" indent="-285750">
-              <a:buFont typeface="Arial" panose="020B0604020202020204" pitchFamily="34" charset="0"/>
-              <a:buChar char="•"/>
-            </a:pPr>
-            <a:r>
-              <a:rPr lang="en-US" dirty="0"/>
-              <a:t>a15: Terran started</a:t>
-            </a:r>
-          </a:p>
-          <a:p>
-            <a:pPr marL="285750" indent="-285750">
-              <a:buFont typeface="Arial" panose="020B0604020202020204" pitchFamily="34" charset="0"/>
-              <a:buChar char="•"/>
-            </a:pPr>
-            <a:r>
-              <a:rPr lang="en-US" dirty="0"/>
-              <a:t>a20s5e3: TODO, only mic run once</a:t>
-            </a:r>
-          </a:p>
-        </p:txBody>
-      </p:sp>
-    </p:spTree>
-    <p:extLst>
-      <p:ext uri="{BB962C8B-B14F-4D97-AF65-F5344CB8AC3E}">
-        <p14:creationId xmlns:p14="http://schemas.microsoft.com/office/powerpoint/2010/main" val="242587510"/>
-      </p:ext>
-    </p:extLst>
-  </p:cSld>
-  <p:clrMapOvr>
-    <a:masterClrMapping/>
-  </p:clrMapOvr>
-</p:sld>
-</file>
-
-<file path=ppt/slides/slide10.xml><?xml version="1.0" encoding="utf-8"?>
-<p:sld xmlns:a="http://schemas.openxmlformats.org/drawingml/2006/main" xmlns:r="http://schemas.openxmlformats.org/officeDocument/2006/relationships" xmlns:p="http://schemas.openxmlformats.org/presentationml/2006/main">
-  <p:cSld>
-    <p:spTree>
-      <p:nvGrpSpPr>
         <p:cNvPr id="1" name="">
           <a:extLst>
             <a:ext uri="{FF2B5EF4-FFF2-40B4-BE49-F238E27FC236}">
-              <a16:creationId xmlns:a16="http://schemas.microsoft.com/office/drawing/2014/main" id="{BFFC0606-D4C7-3899-95C5-D24353FB3F85}"/>
+              <a16:creationId xmlns:a16="http://schemas.microsoft.com/office/drawing/2014/main" id="{002F12E8-E4D9-F79D-E33B-625278036EE2}"/>
             </a:ext>
           </a:extLst>
         </p:cNvPr>
@@ -3621,49 +3338,91 @@
           <a:chExt cx="0" cy="0"/>
         </a:xfrm>
       </p:grpSpPr>
-      <p:pic>
-        <p:nvPicPr>
-          <p:cNvPr id="7" name="Picture 6">
-            <a:extLst>
-              <a:ext uri="{FF2B5EF4-FFF2-40B4-BE49-F238E27FC236}">
-                <a16:creationId xmlns:a16="http://schemas.microsoft.com/office/drawing/2014/main" id="{1FAB252F-A037-CECA-0EEF-259768A2E7C3}"/>
-              </a:ext>
-            </a:extLst>
-          </p:cNvPr>
-          <p:cNvPicPr>
-            <a:picLocks noChangeAspect="1" noChangeArrowheads="1"/>
-          </p:cNvPicPr>
+      <p:sp>
+        <p:nvSpPr>
+          <p:cNvPr id="4" name="TextBox 3">
+            <a:extLst>
+              <a:ext uri="{FF2B5EF4-FFF2-40B4-BE49-F238E27FC236}">
+                <a16:creationId xmlns:a16="http://schemas.microsoft.com/office/drawing/2014/main" id="{46466165-900D-1FF4-FC8E-CEA6BBFAC552}"/>
+              </a:ext>
+            </a:extLst>
+          </p:cNvPr>
+          <p:cNvSpPr txBox="1"/>
           <p:nvPr/>
-        </p:nvPicPr>
-        <p:blipFill rotWithShape="1">
-          <a:blip r:embed="rId2">
-            <a:extLst>
-              <a:ext uri="{28A0092B-C50C-407E-A947-70E740481C1C}">
-                <a14:useLocalDpi xmlns:a14="http://schemas.microsoft.com/office/drawing/2010/main" val="0"/>
-              </a:ext>
-            </a:extLst>
-          </a:blip>
-          <a:srcRect t="20397" b="12490"/>
-          <a:stretch/>
-        </p:blipFill>
-        <p:spPr bwMode="auto">
-          <a:xfrm>
-            <a:off x="978786" y="4149852"/>
-            <a:ext cx="3513067" cy="2357718"/>
+        </p:nvSpPr>
+        <p:spPr>
+          <a:xfrm>
+            <a:off x="604439" y="583854"/>
+            <a:ext cx="9436032" cy="369332"/>
           </a:xfrm>
           <a:prstGeom prst="rect">
             <a:avLst/>
           </a:prstGeom>
           <a:noFill/>
-          <a:extLst>
-            <a:ext uri="{909E8E84-426E-40DD-AFC4-6F175D3DCCD1}">
-              <a14:hiddenFill xmlns:a14="http://schemas.microsoft.com/office/drawing/2010/main">
-                <a:solidFill>
-                  <a:srgbClr val="FFFFFF"/>
-                </a:solidFill>
-              </a14:hiddenFill>
-            </a:ext>
-          </a:extLst>
+        </p:spPr>
+        <p:txBody>
+          <a:bodyPr wrap="square" rtlCol="0">
+            <a:spAutoFit/>
+          </a:bodyPr>
+          <a:lstStyle/>
+          <a:p>
+            <a:r>
+              <a:rPr lang="en-US" dirty="0"/>
+              <a:t>Fig 1: Mic </a:t>
+            </a:r>
+            <a:r>
+              <a:rPr lang="en-US" dirty="0">
+                <a:sym typeface="Wingdings" panose="05000000000000000000" pitchFamily="2" charset="2"/>
+              </a:rPr>
+              <a:t> </a:t>
+            </a:r>
+            <a:r>
+              <a:rPr lang="en-US" dirty="0" err="1">
+                <a:sym typeface="Wingdings" panose="05000000000000000000" pitchFamily="2" charset="2"/>
+              </a:rPr>
+              <a:t>Cyl</a:t>
+            </a:r>
+            <a:r>
+              <a:rPr lang="en-US" dirty="0">
+                <a:sym typeface="Wingdings" panose="05000000000000000000" pitchFamily="2" charset="2"/>
+              </a:rPr>
+              <a:t> in s</a:t>
+            </a:r>
+            <a:r>
+              <a:rPr lang="en-US" dirty="0"/>
+              <a:t>parse PE by increasing alpha</a:t>
+            </a:r>
+          </a:p>
+        </p:txBody>
+      </p:sp>
+      <p:pic>
+        <p:nvPicPr>
+          <p:cNvPr id="3" name="Picture 2">
+            <a:extLst>
+              <a:ext uri="{FF2B5EF4-FFF2-40B4-BE49-F238E27FC236}">
+                <a16:creationId xmlns:a16="http://schemas.microsoft.com/office/drawing/2014/main" id="{936F233C-0732-B295-334A-33B911AC60F7}"/>
+              </a:ext>
+            </a:extLst>
+          </p:cNvPr>
+          <p:cNvPicPr>
+            <a:picLocks noChangeAspect="1"/>
+          </p:cNvPicPr>
+          <p:nvPr/>
+        </p:nvPicPr>
+        <p:blipFill>
+          <a:blip r:embed="rId2"/>
+          <a:stretch>
+            <a:fillRect/>
+          </a:stretch>
+        </p:blipFill>
+        <p:spPr>
+          <a:xfrm>
+            <a:off x="873806" y="2438163"/>
+            <a:ext cx="2211007" cy="1981674"/>
+          </a:xfrm>
+          <a:prstGeom prst="rect">
+            <a:avLst/>
+          </a:prstGeom>
         </p:spPr>
       </p:pic>
       <p:pic>
@@ -3671,7 +3430,7 @@
           <p:cNvPr id="8" name="Picture 7">
             <a:extLst>
               <a:ext uri="{FF2B5EF4-FFF2-40B4-BE49-F238E27FC236}">
-                <a16:creationId xmlns:a16="http://schemas.microsoft.com/office/drawing/2014/main" id="{0E930578-142F-3DDF-2459-7797054E7518}"/>
+                <a16:creationId xmlns:a16="http://schemas.microsoft.com/office/drawing/2014/main" id="{72C3C104-EE4E-A97C-0B6C-3CAD1514FC66}"/>
               </a:ext>
             </a:extLst>
           </p:cNvPr>
@@ -3688,8 +3447,8 @@
         </p:blipFill>
         <p:spPr>
           <a:xfrm>
-            <a:off x="3838967" y="1316383"/>
-            <a:ext cx="2257033" cy="2833469"/>
+            <a:off x="6453328" y="2146539"/>
+            <a:ext cx="2196986" cy="2460323"/>
           </a:xfrm>
           <a:prstGeom prst="rect">
             <a:avLst/>
@@ -3701,7 +3460,7 @@
           <p:cNvPr id="9" name="Picture 8">
             <a:extLst>
               <a:ext uri="{FF2B5EF4-FFF2-40B4-BE49-F238E27FC236}">
-                <a16:creationId xmlns:a16="http://schemas.microsoft.com/office/drawing/2014/main" id="{42D86276-2A59-28BD-F10C-842AC117945A}"/>
+                <a16:creationId xmlns:a16="http://schemas.microsoft.com/office/drawing/2014/main" id="{915F712A-878D-6B0F-C81D-3349B96FB105}"/>
               </a:ext>
             </a:extLst>
           </p:cNvPr>
@@ -3718,20 +3477,63 @@
         </p:blipFill>
         <p:spPr>
           <a:xfrm>
-            <a:off x="6408545" y="1498716"/>
-            <a:ext cx="2413057" cy="2468804"/>
+            <a:off x="3761346" y="2375057"/>
+            <a:ext cx="2028914" cy="2231805"/>
           </a:xfrm>
           <a:prstGeom prst="rect">
             <a:avLst/>
           </a:prstGeom>
         </p:spPr>
       </p:pic>
+      <p:sp>
+        <p:nvSpPr>
+          <p:cNvPr id="10" name="TextBox 9">
+            <a:extLst>
+              <a:ext uri="{FF2B5EF4-FFF2-40B4-BE49-F238E27FC236}">
+                <a16:creationId xmlns:a16="http://schemas.microsoft.com/office/drawing/2014/main" id="{90E715B4-8B8D-95B7-B8CC-38D5C144C6C5}"/>
+              </a:ext>
+            </a:extLst>
+          </p:cNvPr>
+          <p:cNvSpPr txBox="1"/>
+          <p:nvPr/>
+        </p:nvSpPr>
+        <p:spPr>
+          <a:xfrm>
+            <a:off x="826892" y="5178073"/>
+            <a:ext cx="2443561" cy="646331"/>
+          </a:xfrm>
+          <a:prstGeom prst="rect">
+            <a:avLst/>
+          </a:prstGeom>
+          <a:noFill/>
+        </p:spPr>
+        <p:txBody>
+          <a:bodyPr wrap="square" rtlCol="0">
+            <a:spAutoFit/>
+          </a:bodyPr>
+          <a:lstStyle/>
+          <a:p>
+            <a:pPr algn="ctr"/>
+            <a:r>
+              <a:rPr lang="en-US" dirty="0"/>
+              <a:t>Example iso mic </a:t>
+            </a:r>
+            <a:br>
+              <a:rPr lang="en-US" dirty="0"/>
+            </a:br>
+            <a:r>
+              <a:rPr lang="en-US" dirty="0"/>
+              <a:t>@ (0.20, 0.005) </a:t>
+            </a:r>
+          </a:p>
+        </p:txBody>
+      </p:sp>
       <p:pic>
         <p:nvPicPr>
-          <p:cNvPr id="10" name="Picture 9">
-            <a:extLst>
-              <a:ext uri="{FF2B5EF4-FFF2-40B4-BE49-F238E27FC236}">
-                <a16:creationId xmlns:a16="http://schemas.microsoft.com/office/drawing/2014/main" id="{BDCC62B8-570C-0483-AF40-90B1320B8EAB}"/>
+          <p:cNvPr id="11" name="Picture 10">
+            <a:extLst>
+              <a:ext uri="{FF2B5EF4-FFF2-40B4-BE49-F238E27FC236}">
+                <a16:creationId xmlns:a16="http://schemas.microsoft.com/office/drawing/2014/main" id="{823945E5-2D11-6386-1BD5-28854C0FE212}"/>
               </a:ext>
             </a:extLst>
           </p:cNvPr>
@@ -3748,78 +3550,300 @@
         </p:blipFill>
         <p:spPr>
           <a:xfrm>
-            <a:off x="9116232" y="1655058"/>
-            <a:ext cx="2597171" cy="2419916"/>
+            <a:off x="9313382" y="2265509"/>
+            <a:ext cx="2196986" cy="2222385"/>
           </a:xfrm>
           <a:prstGeom prst="rect">
             <a:avLst/>
           </a:prstGeom>
         </p:spPr>
       </p:pic>
-      <p:pic>
-        <p:nvPicPr>
-          <p:cNvPr id="15" name="Picture 14">
-            <a:extLst>
-              <a:ext uri="{FF2B5EF4-FFF2-40B4-BE49-F238E27FC236}">
-                <a16:creationId xmlns:a16="http://schemas.microsoft.com/office/drawing/2014/main" id="{0F174053-483E-AD0D-3C9F-C21F7FDE287B}"/>
-              </a:ext>
-            </a:extLst>
-          </p:cNvPr>
-          <p:cNvPicPr>
-            <a:picLocks noChangeAspect="1"/>
-          </p:cNvPicPr>
+      <p:sp>
+        <p:nvSpPr>
+          <p:cNvPr id="12" name="TextBox 11">
+            <a:extLst>
+              <a:ext uri="{FF2B5EF4-FFF2-40B4-BE49-F238E27FC236}">
+                <a16:creationId xmlns:a16="http://schemas.microsoft.com/office/drawing/2014/main" id="{7B547515-6A60-21B7-CBF5-A616FE546DB0}"/>
+              </a:ext>
+            </a:extLst>
+          </p:cNvPr>
+          <p:cNvSpPr txBox="1"/>
           <p:nvPr/>
-        </p:nvPicPr>
-        <p:blipFill>
-          <a:blip r:embed="rId6"/>
-          <a:stretch>
-            <a:fillRect/>
-          </a:stretch>
-        </p:blipFill>
+        </p:nvSpPr>
         <p:spPr>
           <a:xfrm>
-            <a:off x="4376456" y="4441489"/>
-            <a:ext cx="1378885" cy="2175575"/>
+            <a:off x="9855200" y="5178076"/>
+            <a:ext cx="1759201" cy="646331"/>
           </a:xfrm>
           <a:prstGeom prst="rect">
             <a:avLst/>
           </a:prstGeom>
-        </p:spPr>
-      </p:pic>
-      <p:pic>
-        <p:nvPicPr>
-          <p:cNvPr id="16" name="Picture 15">
-            <a:extLst>
-              <a:ext uri="{FF2B5EF4-FFF2-40B4-BE49-F238E27FC236}">
-                <a16:creationId xmlns:a16="http://schemas.microsoft.com/office/drawing/2014/main" id="{986D988D-9A57-A27A-8044-9144346CB72F}"/>
-              </a:ext>
-            </a:extLst>
-          </p:cNvPr>
-          <p:cNvPicPr>
-            <a:picLocks noChangeAspect="1"/>
-          </p:cNvPicPr>
+          <a:noFill/>
+        </p:spPr>
+        <p:txBody>
+          <a:bodyPr wrap="square" rtlCol="0">
+            <a:spAutoFit/>
+          </a:bodyPr>
+          <a:lstStyle/>
+          <a:p>
+            <a:pPr algn="ctr"/>
+            <a:r>
+              <a:rPr lang="en-US" dirty="0"/>
+              <a:t>Iso </a:t>
+            </a:r>
+            <a:r>
+              <a:rPr lang="en-US" dirty="0" err="1"/>
+              <a:t>cyl</a:t>
+            </a:r>
+            <a:r>
+              <a:rPr lang="en-US" dirty="0"/>
+              <a:t>  </a:t>
+            </a:r>
+            <a:br>
+              <a:rPr lang="en-US" dirty="0"/>
+            </a:br>
+            <a:r>
+              <a:rPr lang="en-US" dirty="0"/>
+              <a:t>@  (0.3, 0.005)</a:t>
+            </a:r>
+          </a:p>
+        </p:txBody>
+      </p:sp>
+      <p:sp>
+        <p:nvSpPr>
+          <p:cNvPr id="13" name="TextBox 12">
+            <a:extLst>
+              <a:ext uri="{FF2B5EF4-FFF2-40B4-BE49-F238E27FC236}">
+                <a16:creationId xmlns:a16="http://schemas.microsoft.com/office/drawing/2014/main" id="{A6EA515F-CF83-0861-22A8-5DDF4AEBC3B9}"/>
+              </a:ext>
+            </a:extLst>
+          </p:cNvPr>
+          <p:cNvSpPr txBox="1"/>
           <p:nvPr/>
-        </p:nvPicPr>
-        <p:blipFill>
-          <a:blip r:embed="rId7"/>
-          <a:stretch>
-            <a:fillRect/>
-          </a:stretch>
-        </p:blipFill>
+        </p:nvSpPr>
         <p:spPr>
           <a:xfrm>
-            <a:off x="6096000" y="4441488"/>
-            <a:ext cx="1658948" cy="2175576"/>
+            <a:off x="6624144" y="5178075"/>
+            <a:ext cx="2196986" cy="646331"/>
           </a:xfrm>
           <a:prstGeom prst="rect">
             <a:avLst/>
           </a:prstGeom>
-        </p:spPr>
-      </p:pic>
+          <a:noFill/>
+        </p:spPr>
+        <p:txBody>
+          <a:bodyPr wrap="square" rtlCol="0">
+            <a:spAutoFit/>
+          </a:bodyPr>
+          <a:lstStyle/>
+          <a:p>
+            <a:pPr algn="ctr"/>
+            <a:r>
+              <a:rPr lang="en-US" dirty="0"/>
+              <a:t>Example fused </a:t>
+            </a:r>
+            <a:r>
+              <a:rPr lang="en-US" dirty="0" err="1"/>
+              <a:t>cyl</a:t>
+            </a:r>
+            <a:r>
+              <a:rPr lang="en-US" dirty="0"/>
+              <a:t>  @  (0.25, 0.010)</a:t>
+            </a:r>
+          </a:p>
+        </p:txBody>
+      </p:sp>
+      <p:sp>
+        <p:nvSpPr>
+          <p:cNvPr id="14" name="TextBox 13">
+            <a:extLst>
+              <a:ext uri="{FF2B5EF4-FFF2-40B4-BE49-F238E27FC236}">
+                <a16:creationId xmlns:a16="http://schemas.microsoft.com/office/drawing/2014/main" id="{4A63B5D6-4614-19B5-C232-CC384A44D161}"/>
+              </a:ext>
+            </a:extLst>
+          </p:cNvPr>
+          <p:cNvSpPr txBox="1"/>
+          <p:nvPr/>
+        </p:nvSpPr>
+        <p:spPr>
+          <a:xfrm>
+            <a:off x="3863434" y="5177410"/>
+            <a:ext cx="2167728" cy="646331"/>
+          </a:xfrm>
+          <a:prstGeom prst="rect">
+            <a:avLst/>
+          </a:prstGeom>
+          <a:noFill/>
+        </p:spPr>
+        <p:txBody>
+          <a:bodyPr wrap="square" rtlCol="0">
+            <a:spAutoFit/>
+          </a:bodyPr>
+          <a:lstStyle/>
+          <a:p>
+            <a:pPr algn="ctr"/>
+            <a:r>
+              <a:rPr lang="en-US" dirty="0"/>
+              <a:t>Example fused mic </a:t>
+            </a:r>
+            <a:br>
+              <a:rPr lang="en-US" dirty="0"/>
+            </a:br>
+            <a:r>
+              <a:rPr lang="en-US" dirty="0"/>
+              <a:t>@ (0.20, 0.0175)</a:t>
+            </a:r>
+          </a:p>
+        </p:txBody>
+      </p:sp>
+      <p:sp>
+        <p:nvSpPr>
+          <p:cNvPr id="15" name="TextBox 14">
+            <a:extLst>
+              <a:ext uri="{FF2B5EF4-FFF2-40B4-BE49-F238E27FC236}">
+                <a16:creationId xmlns:a16="http://schemas.microsoft.com/office/drawing/2014/main" id="{BABFEB32-3A2C-496B-6E71-F85CD0233B02}"/>
+              </a:ext>
+            </a:extLst>
+          </p:cNvPr>
+          <p:cNvSpPr txBox="1"/>
+          <p:nvPr/>
+        </p:nvSpPr>
+        <p:spPr>
+          <a:xfrm>
+            <a:off x="9352239" y="6089480"/>
+            <a:ext cx="2765121" cy="369332"/>
+          </a:xfrm>
+          <a:prstGeom prst="rect">
+            <a:avLst/>
+          </a:prstGeom>
+          <a:noFill/>
+        </p:spPr>
+        <p:txBody>
+          <a:bodyPr wrap="square" rtlCol="0">
+            <a:spAutoFit/>
+          </a:bodyPr>
+          <a:lstStyle/>
+          <a:p>
+            <a:pPr algn="ctr"/>
+            <a:r>
+              <a:rPr lang="en-US" dirty="0"/>
+              <a:t>Need to finalize</a:t>
+            </a:r>
+          </a:p>
+        </p:txBody>
+      </p:sp>
+      <p:sp>
+        <p:nvSpPr>
+          <p:cNvPr id="16" name="TextBox 15">
+            <a:extLst>
+              <a:ext uri="{FF2B5EF4-FFF2-40B4-BE49-F238E27FC236}">
+                <a16:creationId xmlns:a16="http://schemas.microsoft.com/office/drawing/2014/main" id="{59D74C4B-5E8C-219D-5741-CC4CFCCC1F5C}"/>
+              </a:ext>
+            </a:extLst>
+          </p:cNvPr>
+          <p:cNvSpPr txBox="1"/>
+          <p:nvPr/>
+        </p:nvSpPr>
+        <p:spPr>
+          <a:xfrm>
+            <a:off x="6453328" y="6089480"/>
+            <a:ext cx="2765121" cy="369332"/>
+          </a:xfrm>
+          <a:prstGeom prst="rect">
+            <a:avLst/>
+          </a:prstGeom>
+          <a:noFill/>
+        </p:spPr>
+        <p:txBody>
+          <a:bodyPr wrap="square" rtlCol="0">
+            <a:spAutoFit/>
+          </a:bodyPr>
+          <a:lstStyle/>
+          <a:p>
+            <a:pPr algn="ctr"/>
+            <a:r>
+              <a:rPr lang="en-US" dirty="0"/>
+              <a:t>Actual @ (0.25, 0.005)?</a:t>
+            </a:r>
+          </a:p>
+        </p:txBody>
+      </p:sp>
+      <p:sp>
+        <p:nvSpPr>
+          <p:cNvPr id="17" name="TextBox 16">
+            <a:extLst>
+              <a:ext uri="{FF2B5EF4-FFF2-40B4-BE49-F238E27FC236}">
+                <a16:creationId xmlns:a16="http://schemas.microsoft.com/office/drawing/2014/main" id="{E682C8AB-D226-38E0-BD61-8465A2F595E8}"/>
+              </a:ext>
+            </a:extLst>
+          </p:cNvPr>
+          <p:cNvSpPr txBox="1"/>
+          <p:nvPr/>
+        </p:nvSpPr>
+        <p:spPr>
+          <a:xfrm>
+            <a:off x="596748" y="6089480"/>
+            <a:ext cx="2765121" cy="369332"/>
+          </a:xfrm>
+          <a:prstGeom prst="rect">
+            <a:avLst/>
+          </a:prstGeom>
+          <a:noFill/>
+        </p:spPr>
+        <p:txBody>
+          <a:bodyPr wrap="square" rtlCol="0">
+            <a:spAutoFit/>
+          </a:bodyPr>
+          <a:lstStyle/>
+          <a:p>
+            <a:pPr algn="ctr"/>
+            <a:r>
+              <a:rPr lang="en-US" dirty="0"/>
+              <a:t>Actual @ (0.15, 0.005)?</a:t>
+            </a:r>
+          </a:p>
+        </p:txBody>
+      </p:sp>
+      <p:sp>
+        <p:nvSpPr>
+          <p:cNvPr id="18" name="TextBox 17">
+            <a:extLst>
+              <a:ext uri="{FF2B5EF4-FFF2-40B4-BE49-F238E27FC236}">
+                <a16:creationId xmlns:a16="http://schemas.microsoft.com/office/drawing/2014/main" id="{F93ABA80-5DBE-434A-AA4F-C855B90D0365}"/>
+              </a:ext>
+            </a:extLst>
+          </p:cNvPr>
+          <p:cNvSpPr txBox="1"/>
+          <p:nvPr/>
+        </p:nvSpPr>
+        <p:spPr>
+          <a:xfrm>
+            <a:off x="3564737" y="6089480"/>
+            <a:ext cx="2765121" cy="369332"/>
+          </a:xfrm>
+          <a:prstGeom prst="rect">
+            <a:avLst/>
+          </a:prstGeom>
+          <a:noFill/>
+        </p:spPr>
+        <p:txBody>
+          <a:bodyPr wrap="square" rtlCol="0">
+            <a:spAutoFit/>
+          </a:bodyPr>
+          <a:lstStyle/>
+          <a:p>
+            <a:pPr algn="ctr"/>
+            <a:r>
+              <a:rPr lang="en-US" dirty="0"/>
+              <a:t>Actual @ (0.225, 0.005)?</a:t>
+            </a:r>
+          </a:p>
+        </p:txBody>
+      </p:sp>
     </p:spTree>
     <p:extLst>
       <p:ext uri="{BB962C8B-B14F-4D97-AF65-F5344CB8AC3E}">
-        <p14:creationId xmlns:p14="http://schemas.microsoft.com/office/powerpoint/2010/main" val="59981036"/>
+        <p14:creationId xmlns:p14="http://schemas.microsoft.com/office/powerpoint/2010/main" val="559705995"/>
       </p:ext>
     </p:extLst>
   </p:cSld>
@@ -3846,844 +3870,6 @@
           <a:chExt cx="0" cy="0"/>
         </a:xfrm>
       </p:grpSpPr>
-      <mc:AlternateContent xmlns:mc="http://schemas.openxmlformats.org/markup-compatibility/2006" xmlns:a14="http://schemas.microsoft.com/office/drawing/2010/main">
-        <mc:Choice Requires="a14">
-          <p:sp>
-            <p:nvSpPr>
-              <p:cNvPr id="2" name="TextBox 1">
-                <a:extLst>
-                  <a:ext uri="{FF2B5EF4-FFF2-40B4-BE49-F238E27FC236}">
-                    <a16:creationId xmlns:a16="http://schemas.microsoft.com/office/drawing/2014/main" id="{B33C5428-BFEE-1BE1-20AE-5BEF0F2AEAA4}"/>
-                  </a:ext>
-                </a:extLst>
-              </p:cNvPr>
-              <p:cNvSpPr txBox="1"/>
-              <p:nvPr/>
-            </p:nvSpPr>
-            <p:spPr>
-              <a:xfrm>
-                <a:off x="937491" y="526473"/>
-                <a:ext cx="10317018" cy="4247317"/>
-              </a:xfrm>
-              <a:prstGeom prst="rect">
-                <a:avLst/>
-              </a:prstGeom>
-              <a:noFill/>
-            </p:spPr>
-            <p:txBody>
-              <a:bodyPr wrap="square" rtlCol="0">
-                <a:spAutoFit/>
-              </a:bodyPr>
-              <a:lstStyle/>
-              <a:p>
-                <a:pPr marL="285750" indent="-285750">
-                  <a:buFont typeface="Arial" panose="020B0604020202020204" pitchFamily="34" charset="0"/>
-                  <a:buChar char="•"/>
-                </a:pPr>
-                <a:r>
-                  <a:rPr lang="en-US" dirty="0"/>
-                  <a:t>Fig 1: Neutral lateral inhomogeneity</a:t>
-                </a:r>
-              </a:p>
-              <a:p>
-                <a:pPr marL="742950" lvl="1" indent="-285750">
-                  <a:buFont typeface="Arial" panose="020B0604020202020204" pitchFamily="34" charset="0"/>
-                  <a:buChar char="•"/>
-                </a:pPr>
-                <a14:m>
-                  <m:oMath xmlns:m="http://schemas.openxmlformats.org/officeDocument/2006/math">
-                    <m:r>
-                      <a:rPr lang="en-US" b="0" i="1" smtClean="0">
-                        <a:latin typeface="Cambria Math" panose="02040503050406030204" pitchFamily="18" charset="0"/>
-                      </a:rPr>
-                      <m:t>𝛼</m:t>
-                    </m:r>
-                    <m:r>
-                      <a:rPr lang="en-US" b="0" i="1" smtClean="0">
-                        <a:latin typeface="Cambria Math" panose="02040503050406030204" pitchFamily="18" charset="0"/>
-                      </a:rPr>
-                      <m:t>=0.0, </m:t>
-                    </m:r>
-                    <m:r>
-                      <a:rPr lang="en-US" b="0" i="1" smtClean="0">
-                        <a:latin typeface="Cambria Math" panose="02040503050406030204" pitchFamily="18" charset="0"/>
-                      </a:rPr>
-                      <m:t>𝜎</m:t>
-                    </m:r>
-                    <m:r>
-                      <a:rPr lang="en-US" b="0" i="1" smtClean="0">
-                        <a:latin typeface="Cambria Math" panose="02040503050406030204" pitchFamily="18" charset="0"/>
-                      </a:rPr>
-                      <m:t>=5</m:t>
-                    </m:r>
-                    <m:r>
-                      <m:rPr>
-                        <m:sty m:val="p"/>
-                      </m:rPr>
-                      <a:rPr lang="en-US" b="0" i="0" smtClean="0">
-                        <a:latin typeface="Cambria Math" panose="02040503050406030204" pitchFamily="18" charset="0"/>
-                      </a:rPr>
-                      <m:t>E</m:t>
-                    </m:r>
-                    <m:r>
-                      <a:rPr lang="en-US" b="0" i="1" smtClean="0">
-                        <a:latin typeface="Cambria Math" panose="02040503050406030204" pitchFamily="18" charset="0"/>
-                      </a:rPr>
-                      <m:t>−03</m:t>
-                    </m:r>
-                  </m:oMath>
-                </a14:m>
-                <a:r>
-                  <a:rPr lang="en-US" dirty="0"/>
-                  <a:t>: Stripe, ~(25 x 25) to get multiple stripes</a:t>
-                </a:r>
-              </a:p>
-              <a:p>
-                <a:pPr marL="285750" indent="-285750">
-                  <a:buFont typeface="Arial" panose="020B0604020202020204" pitchFamily="34" charset="0"/>
-                  <a:buChar char="•"/>
-                </a:pPr>
-                <a:endParaRPr lang="en-US" dirty="0"/>
-              </a:p>
-              <a:p>
-                <a:pPr marL="285750" indent="-285750">
-                  <a:buFont typeface="Arial" panose="020B0604020202020204" pitchFamily="34" charset="0"/>
-                  <a:buChar char="•"/>
-                </a:pPr>
-                <a:r>
-                  <a:rPr lang="en-US" dirty="0"/>
-                  <a:t>Fig 2: Low grafting density mic &lt;&gt; </a:t>
-                </a:r>
-                <a:r>
-                  <a:rPr lang="en-US" dirty="0" err="1"/>
-                  <a:t>cyl</a:t>
-                </a:r>
-                <a:r>
-                  <a:rPr lang="en-US" dirty="0"/>
-                  <a:t> with alpha, 10 chains = 4000 nm2 ~ (32 nm x 32 nm before COS)</a:t>
-                </a:r>
-              </a:p>
-              <a:p>
-                <a:pPr marL="742950" lvl="1" indent="-285750">
-                  <a:buFont typeface="Arial" panose="020B0604020202020204" pitchFamily="34" charset="0"/>
-                  <a:buChar char="•"/>
-                </a:pPr>
-                <a14:m>
-                  <m:oMath xmlns:m="http://schemas.openxmlformats.org/officeDocument/2006/math">
-                    <m:r>
-                      <a:rPr lang="en-US" b="0" i="1" smtClean="0">
-                        <a:latin typeface="Cambria Math" panose="02040503050406030204" pitchFamily="18" charset="0"/>
-                      </a:rPr>
-                      <m:t>𝛼</m:t>
-                    </m:r>
-                    <m:r>
-                      <a:rPr lang="en-US" b="0" i="1" smtClean="0">
-                        <a:latin typeface="Cambria Math" panose="02040503050406030204" pitchFamily="18" charset="0"/>
-                      </a:rPr>
-                      <m:t>=0.0, </m:t>
-                    </m:r>
-                    <m:r>
-                      <a:rPr lang="en-US" b="0" i="1" smtClean="0">
-                        <a:latin typeface="Cambria Math" panose="02040503050406030204" pitchFamily="18" charset="0"/>
-                      </a:rPr>
-                      <m:t>𝜎</m:t>
-                    </m:r>
-                    <m:r>
-                      <a:rPr lang="en-US" b="0" i="1" smtClean="0">
-                        <a:latin typeface="Cambria Math" panose="02040503050406030204" pitchFamily="18" charset="0"/>
-                      </a:rPr>
-                      <m:t>=2.5</m:t>
-                    </m:r>
-                    <m:r>
-                      <m:rPr>
-                        <m:sty m:val="p"/>
-                      </m:rPr>
-                      <a:rPr lang="en-US" b="0" i="0" smtClean="0">
-                        <a:latin typeface="Cambria Math" panose="02040503050406030204" pitchFamily="18" charset="0"/>
-                      </a:rPr>
-                      <m:t>E</m:t>
-                    </m:r>
-                    <m:r>
-                      <a:rPr lang="en-US" b="0" i="1" smtClean="0">
-                        <a:latin typeface="Cambria Math" panose="02040503050406030204" pitchFamily="18" charset="0"/>
-                      </a:rPr>
-                      <m:t>−03</m:t>
-                    </m:r>
-                  </m:oMath>
-                </a14:m>
-                <a:endParaRPr lang="en-US" dirty="0"/>
-              </a:p>
-              <a:p>
-                <a:pPr marL="742950" lvl="1" indent="-285750">
-                  <a:buFont typeface="Arial" panose="020B0604020202020204" pitchFamily="34" charset="0"/>
-                  <a:buChar char="•"/>
-                </a:pPr>
-                <a14:m>
-                  <m:oMath xmlns:m="http://schemas.openxmlformats.org/officeDocument/2006/math">
-                    <m:r>
-                      <a:rPr lang="en-US" b="0" i="1" smtClean="0">
-                        <a:latin typeface="Cambria Math" panose="02040503050406030204" pitchFamily="18" charset="0"/>
-                      </a:rPr>
-                      <m:t>𝛼</m:t>
-                    </m:r>
-                    <m:r>
-                      <a:rPr lang="en-US" b="0" i="1" smtClean="0">
-                        <a:latin typeface="Cambria Math" panose="02040503050406030204" pitchFamily="18" charset="0"/>
-                      </a:rPr>
-                      <m:t>=0.1, </m:t>
-                    </m:r>
-                    <m:r>
-                      <a:rPr lang="en-US" b="0" i="1" smtClean="0">
-                        <a:latin typeface="Cambria Math" panose="02040503050406030204" pitchFamily="18" charset="0"/>
-                      </a:rPr>
-                      <m:t>𝜎</m:t>
-                    </m:r>
-                    <m:r>
-                      <a:rPr lang="en-US" b="0" i="1" smtClean="0">
-                        <a:latin typeface="Cambria Math" panose="02040503050406030204" pitchFamily="18" charset="0"/>
-                      </a:rPr>
-                      <m:t>=2.5</m:t>
-                    </m:r>
-                    <m:r>
-                      <m:rPr>
-                        <m:sty m:val="p"/>
-                      </m:rPr>
-                      <a:rPr lang="en-US" b="0" i="0" smtClean="0">
-                        <a:latin typeface="Cambria Math" panose="02040503050406030204" pitchFamily="18" charset="0"/>
-                      </a:rPr>
-                      <m:t>E</m:t>
-                    </m:r>
-                    <m:r>
-                      <a:rPr lang="en-US" b="0" i="1" smtClean="0">
-                        <a:latin typeface="Cambria Math" panose="02040503050406030204" pitchFamily="18" charset="0"/>
-                      </a:rPr>
-                      <m:t>−03</m:t>
-                    </m:r>
-                  </m:oMath>
-                </a14:m>
-                <a:endParaRPr lang="en-US" dirty="0"/>
-              </a:p>
-              <a:p>
-                <a:pPr marL="742950" lvl="1" indent="-285750">
-                  <a:buFont typeface="Arial" panose="020B0604020202020204" pitchFamily="34" charset="0"/>
-                  <a:buChar char="•"/>
-                </a:pPr>
-                <a14:m>
-                  <m:oMath xmlns:m="http://schemas.openxmlformats.org/officeDocument/2006/math">
-                    <m:r>
-                      <a:rPr lang="en-US" b="0" i="1" smtClean="0">
-                        <a:latin typeface="Cambria Math" panose="02040503050406030204" pitchFamily="18" charset="0"/>
-                      </a:rPr>
-                      <m:t>𝛼</m:t>
-                    </m:r>
-                    <m:r>
-                      <a:rPr lang="en-US" b="0" i="1" smtClean="0">
-                        <a:latin typeface="Cambria Math" panose="02040503050406030204" pitchFamily="18" charset="0"/>
-                      </a:rPr>
-                      <m:t>=0.2, </m:t>
-                    </m:r>
-                    <m:r>
-                      <a:rPr lang="en-US" b="0" i="1" smtClean="0">
-                        <a:latin typeface="Cambria Math" panose="02040503050406030204" pitchFamily="18" charset="0"/>
-                      </a:rPr>
-                      <m:t>𝜎</m:t>
-                    </m:r>
-                    <m:r>
-                      <a:rPr lang="en-US" b="0" i="1" smtClean="0">
-                        <a:latin typeface="Cambria Math" panose="02040503050406030204" pitchFamily="18" charset="0"/>
-                      </a:rPr>
-                      <m:t>=2.5</m:t>
-                    </m:r>
-                    <m:r>
-                      <m:rPr>
-                        <m:sty m:val="p"/>
-                      </m:rPr>
-                      <a:rPr lang="en-US" b="0" i="0" smtClean="0">
-                        <a:latin typeface="Cambria Math" panose="02040503050406030204" pitchFamily="18" charset="0"/>
-                      </a:rPr>
-                      <m:t>E</m:t>
-                    </m:r>
-                    <m:r>
-                      <a:rPr lang="en-US" b="0" i="1" smtClean="0">
-                        <a:latin typeface="Cambria Math" panose="02040503050406030204" pitchFamily="18" charset="0"/>
-                      </a:rPr>
-                      <m:t>−03</m:t>
-                    </m:r>
-                  </m:oMath>
-                </a14:m>
-                <a:endParaRPr lang="en-US" dirty="0"/>
-              </a:p>
-              <a:p>
-                <a:pPr marL="742950" lvl="1" indent="-285750">
-                  <a:buFont typeface="Arial" panose="020B0604020202020204" pitchFamily="34" charset="0"/>
-                  <a:buChar char="•"/>
-                </a:pPr>
-                <a14:m>
-                  <m:oMath xmlns:m="http://schemas.openxmlformats.org/officeDocument/2006/math">
-                    <m:r>
-                      <a:rPr lang="en-US" b="0" i="1" smtClean="0">
-                        <a:latin typeface="Cambria Math" panose="02040503050406030204" pitchFamily="18" charset="0"/>
-                      </a:rPr>
-                      <m:t>𝛼</m:t>
-                    </m:r>
-                    <m:r>
-                      <a:rPr lang="en-US" b="0" i="1" smtClean="0">
-                        <a:latin typeface="Cambria Math" panose="02040503050406030204" pitchFamily="18" charset="0"/>
-                      </a:rPr>
-                      <m:t>=0.3, </m:t>
-                    </m:r>
-                    <m:r>
-                      <a:rPr lang="en-US" b="0" i="1" smtClean="0">
-                        <a:latin typeface="Cambria Math" panose="02040503050406030204" pitchFamily="18" charset="0"/>
-                      </a:rPr>
-                      <m:t>𝜎</m:t>
-                    </m:r>
-                    <m:r>
-                      <a:rPr lang="en-US" b="0" i="1" smtClean="0">
-                        <a:latin typeface="Cambria Math" panose="02040503050406030204" pitchFamily="18" charset="0"/>
-                      </a:rPr>
-                      <m:t>=2.5</m:t>
-                    </m:r>
-                    <m:r>
-                      <m:rPr>
-                        <m:sty m:val="p"/>
-                      </m:rPr>
-                      <a:rPr lang="en-US" b="0" i="0" smtClean="0">
-                        <a:latin typeface="Cambria Math" panose="02040503050406030204" pitchFamily="18" charset="0"/>
-                      </a:rPr>
-                      <m:t>E</m:t>
-                    </m:r>
-                    <m:r>
-                      <a:rPr lang="en-US" b="0" i="1" smtClean="0">
-                        <a:latin typeface="Cambria Math" panose="02040503050406030204" pitchFamily="18" charset="0"/>
-                      </a:rPr>
-                      <m:t>−03</m:t>
-                    </m:r>
-                  </m:oMath>
-                </a14:m>
-                <a:endParaRPr lang="en-US" b="0" dirty="0"/>
-              </a:p>
-              <a:p>
-                <a:pPr lvl="1"/>
-                <a:endParaRPr lang="en-US" dirty="0"/>
-              </a:p>
-              <a:p>
-                <a:pPr marL="285750" indent="-285750">
-                  <a:buFont typeface="Arial" panose="020B0604020202020204" pitchFamily="34" charset="0"/>
-                  <a:buChar char="•"/>
-                </a:pPr>
-                <a:r>
-                  <a:rPr lang="en-US" dirty="0"/>
-                  <a:t>Fig 3: Decreasing </a:t>
-                </a:r>
-                <a:r>
-                  <a:rPr lang="en-US" dirty="0" err="1"/>
-                  <a:t>xy</a:t>
-                </a:r>
-                <a:r>
-                  <a:rPr lang="en-US" dirty="0"/>
-                  <a:t> aggregate size with alpha</a:t>
-                </a:r>
-              </a:p>
-              <a:p>
-                <a:pPr marL="742950" lvl="1" indent="-285750">
-                  <a:buFont typeface="Arial" panose="020B0604020202020204" pitchFamily="34" charset="0"/>
-                  <a:buChar char="•"/>
-                </a:pPr>
-                <a:r>
-                  <a:rPr lang="en-US" dirty="0"/>
-                  <a:t>Not sure what </a:t>
-                </a:r>
-                <a14:m>
-                  <m:oMath xmlns:m="http://schemas.openxmlformats.org/officeDocument/2006/math">
-                    <m:r>
-                      <a:rPr lang="en-US" b="0" i="1" smtClean="0">
-                        <a:latin typeface="Cambria Math" panose="02040503050406030204" pitchFamily="18" charset="0"/>
-                      </a:rPr>
-                      <m:t>𝜎</m:t>
-                    </m:r>
-                  </m:oMath>
-                </a14:m>
-                <a:r>
-                  <a:rPr lang="en-US" dirty="0"/>
-                  <a:t> yet</a:t>
-                </a:r>
-              </a:p>
-              <a:p>
-                <a:pPr marL="742950" lvl="1" indent="-285750">
-                  <a:buFont typeface="Arial" panose="020B0604020202020204" pitchFamily="34" charset="0"/>
-                  <a:buChar char="•"/>
-                </a:pPr>
-                <a:endParaRPr lang="en-US" dirty="0"/>
-              </a:p>
-              <a:p>
-                <a:pPr marL="285750" indent="-285750">
-                  <a:buFont typeface="Arial" panose="020B0604020202020204" pitchFamily="34" charset="0"/>
-                  <a:buChar char="•"/>
-                </a:pPr>
-                <a:r>
-                  <a:rPr lang="en-US" dirty="0"/>
-                  <a:t>Fig 4: Elevated lateral segregations</a:t>
-                </a:r>
-              </a:p>
-              <a:p>
-                <a:pPr marL="742950" lvl="1" indent="-285750">
-                  <a:buFont typeface="Arial" panose="020B0604020202020204" pitchFamily="34" charset="0"/>
-                  <a:buChar char="•"/>
-                </a:pPr>
-                <a14:m>
-                  <m:oMath xmlns:m="http://schemas.openxmlformats.org/officeDocument/2006/math">
-                    <m:r>
-                      <a:rPr lang="en-US" b="0" i="1" smtClean="0">
-                        <a:latin typeface="Cambria Math" panose="02040503050406030204" pitchFamily="18" charset="0"/>
-                      </a:rPr>
-                      <m:t>𝛼</m:t>
-                    </m:r>
-                    <m:r>
-                      <a:rPr lang="en-US" b="0" i="1" smtClean="0">
-                        <a:latin typeface="Cambria Math" panose="02040503050406030204" pitchFamily="18" charset="0"/>
-                      </a:rPr>
-                      <m:t>=0.30, </m:t>
-                    </m:r>
-                    <m:r>
-                      <a:rPr lang="en-US" b="0" i="1" smtClean="0">
-                        <a:latin typeface="Cambria Math" panose="02040503050406030204" pitchFamily="18" charset="0"/>
-                      </a:rPr>
-                      <m:t>𝜎</m:t>
-                    </m:r>
-                    <m:r>
-                      <a:rPr lang="en-US" b="0" i="1" smtClean="0">
-                        <a:latin typeface="Cambria Math" panose="02040503050406030204" pitchFamily="18" charset="0"/>
-                      </a:rPr>
-                      <m:t>=2.5</m:t>
-                    </m:r>
-                    <m:r>
-                      <m:rPr>
-                        <m:sty m:val="p"/>
-                      </m:rPr>
-                      <a:rPr lang="en-US" b="0" i="0" smtClean="0">
-                        <a:latin typeface="Cambria Math" panose="02040503050406030204" pitchFamily="18" charset="0"/>
-                      </a:rPr>
-                      <m:t>E</m:t>
-                    </m:r>
-                    <m:r>
-                      <a:rPr lang="en-US" b="0" i="0" smtClean="0">
-                        <a:latin typeface="Cambria Math" panose="02040503050406030204" pitchFamily="18" charset="0"/>
-                      </a:rPr>
-                      <m:t>−03</m:t>
-                    </m:r>
-                  </m:oMath>
-                </a14:m>
-                <a:r>
-                  <a:rPr lang="en-US" dirty="0"/>
-                  <a:t> (repeat of above)</a:t>
-                </a:r>
-              </a:p>
-              <a:p>
-                <a:pPr marL="742950" lvl="1" indent="-285750">
-                  <a:buFont typeface="Arial" panose="020B0604020202020204" pitchFamily="34" charset="0"/>
-                  <a:buChar char="•"/>
-                </a:pPr>
-                <a14:m>
-                  <m:oMath xmlns:m="http://schemas.openxmlformats.org/officeDocument/2006/math">
-                    <m:r>
-                      <a:rPr lang="en-US" b="0" i="1" smtClean="0">
-                        <a:latin typeface="Cambria Math" panose="02040503050406030204" pitchFamily="18" charset="0"/>
-                      </a:rPr>
-                      <m:t>𝛼</m:t>
-                    </m:r>
-                    <m:r>
-                      <a:rPr lang="en-US" b="0" i="1" smtClean="0">
-                        <a:latin typeface="Cambria Math" panose="02040503050406030204" pitchFamily="18" charset="0"/>
-                      </a:rPr>
-                      <m:t>=0.30, </m:t>
-                    </m:r>
-                    <m:r>
-                      <a:rPr lang="en-US" b="0" i="1" smtClean="0">
-                        <a:latin typeface="Cambria Math" panose="02040503050406030204" pitchFamily="18" charset="0"/>
-                      </a:rPr>
-                      <m:t>𝜎</m:t>
-                    </m:r>
-                    <m:r>
-                      <a:rPr lang="en-US" b="0" i="1" smtClean="0">
-                        <a:latin typeface="Cambria Math" panose="02040503050406030204" pitchFamily="18" charset="0"/>
-                      </a:rPr>
-                      <m:t>= ?</m:t>
-                    </m:r>
-                  </m:oMath>
-                </a14:m>
-                <a:r>
-                  <a:rPr lang="en-US" dirty="0"/>
-                  <a:t>, once </a:t>
-                </a:r>
-                <a:r>
-                  <a:rPr lang="en-US" dirty="0" err="1"/>
-                  <a:t>pn</a:t>
-                </a:r>
-                <a:r>
-                  <a:rPr lang="en-US" dirty="0"/>
-                  <a:t> &lt;&gt; </a:t>
-                </a:r>
-                <a:r>
-                  <a:rPr lang="en-US" dirty="0" err="1"/>
-                  <a:t>cyl</a:t>
-                </a:r>
-                <a:r>
-                  <a:rPr lang="en-US" dirty="0"/>
-                  <a:t> transition known, plot </a:t>
-                </a:r>
-                <a:r>
-                  <a:rPr lang="en-US" dirty="0" err="1"/>
-                  <a:t>cyl</a:t>
-                </a:r>
-                <a:r>
-                  <a:rPr lang="en-US" dirty="0"/>
-                  <a:t> with that many pearls (e.g., 3 per str)</a:t>
-                </a:r>
-              </a:p>
-            </p:txBody>
-          </p:sp>
-        </mc:Choice>
-        <mc:Fallback xmlns="">
-          <p:sp>
-            <p:nvSpPr>
-              <p:cNvPr id="2" name="TextBox 1">
-                <a:extLst>
-                  <a:ext uri="{FF2B5EF4-FFF2-40B4-BE49-F238E27FC236}">
-                    <a16:creationId xmlns:a16="http://schemas.microsoft.com/office/drawing/2014/main" id="{B33C5428-BFEE-1BE1-20AE-5BEF0F2AEAA4}"/>
-                  </a:ext>
-                </a:extLst>
-              </p:cNvPr>
-              <p:cNvSpPr txBox="1">
-                <a:spLocks noRot="1" noChangeAspect="1" noMove="1" noResize="1" noEditPoints="1" noAdjustHandles="1" noChangeArrowheads="1" noChangeShapeType="1" noTextEdit="1"/>
-              </p:cNvSpPr>
-              <p:nvPr/>
-            </p:nvSpPr>
-            <p:spPr>
-              <a:xfrm>
-                <a:off x="937491" y="526473"/>
-                <a:ext cx="10317018" cy="4247317"/>
-              </a:xfrm>
-              <a:prstGeom prst="rect">
-                <a:avLst/>
-              </a:prstGeom>
-              <a:blipFill>
-                <a:blip r:embed="rId2"/>
-                <a:stretch>
-                  <a:fillRect l="-414" t="-574" r="-236" b="-1435"/>
-                </a:stretch>
-              </a:blipFill>
-            </p:spPr>
-            <p:txBody>
-              <a:bodyPr/>
-              <a:lstStyle/>
-              <a:p>
-                <a:r>
-                  <a:rPr lang="en-US">
-                    <a:noFill/>
-                  </a:rPr>
-                  <a:t> </a:t>
-                </a:r>
-              </a:p>
-            </p:txBody>
-          </p:sp>
-        </mc:Fallback>
-      </mc:AlternateContent>
-      <p:sp>
-        <p:nvSpPr>
-          <p:cNvPr id="3" name="TextBox 2">
-            <a:extLst>
-              <a:ext uri="{FF2B5EF4-FFF2-40B4-BE49-F238E27FC236}">
-                <a16:creationId xmlns:a16="http://schemas.microsoft.com/office/drawing/2014/main" id="{F3A9C404-334D-7247-FB94-34D2408944DB}"/>
-              </a:ext>
-            </a:extLst>
-          </p:cNvPr>
-          <p:cNvSpPr txBox="1"/>
-          <p:nvPr/>
-        </p:nvSpPr>
-        <p:spPr>
-          <a:xfrm>
-            <a:off x="937491" y="5131198"/>
-            <a:ext cx="9051637" cy="1200329"/>
-          </a:xfrm>
-          <a:prstGeom prst="rect">
-            <a:avLst/>
-          </a:prstGeom>
-          <a:noFill/>
-        </p:spPr>
-        <p:txBody>
-          <a:bodyPr wrap="square" rtlCol="0">
-            <a:spAutoFit/>
-          </a:bodyPr>
-          <a:lstStyle/>
-          <a:p>
-            <a:r>
-              <a:rPr lang="en-US" dirty="0"/>
-              <a:t>Plotting codes needed</a:t>
-            </a:r>
-          </a:p>
-          <a:p>
-            <a:pPr marL="285750" indent="-285750">
-              <a:buFont typeface="Arial" panose="020B0604020202020204" pitchFamily="34" charset="0"/>
-              <a:buChar char="•"/>
-            </a:pPr>
-            <a:r>
-              <a:rPr lang="en-US" dirty="0"/>
-              <a:t>Heatmap reflect box code bugfix: calculating sizes for </a:t>
-            </a:r>
-            <a:r>
-              <a:rPr lang="en-US" dirty="0" err="1"/>
-              <a:t>nxny</a:t>
-            </a:r>
-            <a:endParaRPr lang="en-US" dirty="0"/>
-          </a:p>
-          <a:p>
-            <a:pPr marL="285750" indent="-285750">
-              <a:buFont typeface="Arial" panose="020B0604020202020204" pitchFamily="34" charset="0"/>
-              <a:buChar char="•"/>
-            </a:pPr>
-            <a:r>
-              <a:rPr lang="en-US" dirty="0"/>
-              <a:t>Orca for </a:t>
-            </a:r>
-            <a:r>
-              <a:rPr lang="en-US" dirty="0" err="1"/>
-              <a:t>Plotly</a:t>
-            </a:r>
-            <a:r>
-              <a:rPr lang="en-US" dirty="0"/>
-              <a:t> go to get consistent camera setups, or X11 forwarding from Anvil to use memory?</a:t>
-            </a:r>
-          </a:p>
-        </p:txBody>
-      </p:sp>
-    </p:spTree>
-    <p:extLst>
-      <p:ext uri="{BB962C8B-B14F-4D97-AF65-F5344CB8AC3E}">
-        <p14:creationId xmlns:p14="http://schemas.microsoft.com/office/powerpoint/2010/main" val="2409359637"/>
-      </p:ext>
-    </p:extLst>
-  </p:cSld>
-  <p:clrMapOvr>
-    <a:masterClrMapping/>
-  </p:clrMapOvr>
-</p:sld>
-</file>
-
-<file path=ppt/slides/slide3.xml><?xml version="1.0" encoding="utf-8"?>
-<p:sld xmlns:a="http://schemas.openxmlformats.org/drawingml/2006/main" xmlns:r="http://schemas.openxmlformats.org/officeDocument/2006/relationships" xmlns:p="http://schemas.openxmlformats.org/presentationml/2006/main">
-  <p:cSld>
-    <p:spTree>
-      <p:nvGrpSpPr>
-        <p:cNvPr id="1" name=""/>
-        <p:cNvGrpSpPr/>
-        <p:nvPr/>
-      </p:nvGrpSpPr>
-      <p:grpSpPr>
-        <a:xfrm>
-          <a:off x="0" y="0"/>
-          <a:ext cx="0" cy="0"/>
-          <a:chOff x="0" y="0"/>
-          <a:chExt cx="0" cy="0"/>
-        </a:xfrm>
-      </p:grpSpPr>
-      <p:sp>
-        <p:nvSpPr>
-          <p:cNvPr id="3" name="Rectangle 2">
-            <a:extLst>
-              <a:ext uri="{FF2B5EF4-FFF2-40B4-BE49-F238E27FC236}">
-                <a16:creationId xmlns:a16="http://schemas.microsoft.com/office/drawing/2014/main" id="{3B27781B-A2E9-757C-CFE7-414497B533AA}"/>
-              </a:ext>
-            </a:extLst>
-          </p:cNvPr>
-          <p:cNvSpPr/>
-          <p:nvPr/>
-        </p:nvSpPr>
-        <p:spPr>
-          <a:xfrm>
-            <a:off x="1995055" y="1941945"/>
-            <a:ext cx="8201890" cy="2974109"/>
-          </a:xfrm>
-          <a:prstGeom prst="rect">
-            <a:avLst/>
-          </a:prstGeom>
-          <a:solidFill>
-            <a:schemeClr val="tx1"/>
-          </a:solidFill>
-        </p:spPr>
-        <p:style>
-          <a:lnRef idx="2">
-            <a:schemeClr val="accent1">
-              <a:shade val="15000"/>
-            </a:schemeClr>
-          </a:lnRef>
-          <a:fillRef idx="1">
-            <a:schemeClr val="accent1"/>
-          </a:fillRef>
-          <a:effectRef idx="0">
-            <a:schemeClr val="accent1"/>
-          </a:effectRef>
-          <a:fontRef idx="minor">
-            <a:schemeClr val="lt1"/>
-          </a:fontRef>
-        </p:style>
-        <p:txBody>
-          <a:bodyPr rtlCol="0" anchor="ctr"/>
-          <a:lstStyle/>
-          <a:p>
-            <a:pPr algn="ctr"/>
-            <a:endParaRPr lang="en-US"/>
-          </a:p>
-        </p:txBody>
-      </p:sp>
-    </p:spTree>
-    <p:extLst>
-      <p:ext uri="{BB962C8B-B14F-4D97-AF65-F5344CB8AC3E}">
-        <p14:creationId xmlns:p14="http://schemas.microsoft.com/office/powerpoint/2010/main" val="1581752677"/>
-      </p:ext>
-    </p:extLst>
-  </p:cSld>
-  <p:clrMapOvr>
-    <a:masterClrMapping/>
-  </p:clrMapOvr>
-</p:sld>
-</file>
-
-<file path=ppt/slides/slide4.xml><?xml version="1.0" encoding="utf-8"?>
-<p:sld xmlns:a="http://schemas.openxmlformats.org/drawingml/2006/main" xmlns:r="http://schemas.openxmlformats.org/officeDocument/2006/relationships" xmlns:p="http://schemas.openxmlformats.org/presentationml/2006/main">
-  <p:cSld>
-    <p:spTree>
-      <p:nvGrpSpPr>
-        <p:cNvPr id="1" name="">
-          <a:extLst>
-            <a:ext uri="{FF2B5EF4-FFF2-40B4-BE49-F238E27FC236}">
-              <a16:creationId xmlns:a16="http://schemas.microsoft.com/office/drawing/2014/main" id="{002F12E8-E4D9-F79D-E33B-625278036EE2}"/>
-            </a:ext>
-          </a:extLst>
-        </p:cNvPr>
-        <p:cNvGrpSpPr/>
-        <p:nvPr/>
-      </p:nvGrpSpPr>
-      <p:grpSpPr>
-        <a:xfrm>
-          <a:off x="0" y="0"/>
-          <a:ext cx="0" cy="0"/>
-          <a:chOff x="0" y="0"/>
-          <a:chExt cx="0" cy="0"/>
-        </a:xfrm>
-      </p:grpSpPr>
-      <p:sp>
-        <p:nvSpPr>
-          <p:cNvPr id="4" name="TextBox 3">
-            <a:extLst>
-              <a:ext uri="{FF2B5EF4-FFF2-40B4-BE49-F238E27FC236}">
-                <a16:creationId xmlns:a16="http://schemas.microsoft.com/office/drawing/2014/main" id="{46466165-900D-1FF4-FC8E-CEA6BBFAC552}"/>
-              </a:ext>
-            </a:extLst>
-          </p:cNvPr>
-          <p:cNvSpPr txBox="1"/>
-          <p:nvPr/>
-        </p:nvSpPr>
-        <p:spPr>
-          <a:xfrm>
-            <a:off x="604439" y="583854"/>
-            <a:ext cx="9436032" cy="369332"/>
-          </a:xfrm>
-          <a:prstGeom prst="rect">
-            <a:avLst/>
-          </a:prstGeom>
-          <a:noFill/>
-        </p:spPr>
-        <p:txBody>
-          <a:bodyPr wrap="square" rtlCol="0">
-            <a:spAutoFit/>
-          </a:bodyPr>
-          <a:lstStyle/>
-          <a:p>
-            <a:r>
-              <a:rPr lang="en-US" dirty="0"/>
-              <a:t>Fig 1: Phase diagram</a:t>
-            </a:r>
-          </a:p>
-        </p:txBody>
-      </p:sp>
-      <p:pic>
-        <p:nvPicPr>
-          <p:cNvPr id="2" name="Picture 2">
-            <a:extLst>
-              <a:ext uri="{FF2B5EF4-FFF2-40B4-BE49-F238E27FC236}">
-                <a16:creationId xmlns:a16="http://schemas.microsoft.com/office/drawing/2014/main" id="{C3CF5437-E2EE-716B-D72D-6C6E2C9BBF4B}"/>
-              </a:ext>
-            </a:extLst>
-          </p:cNvPr>
-          <p:cNvPicPr>
-            <a:picLocks noChangeAspect="1" noChangeArrowheads="1"/>
-          </p:cNvPicPr>
-          <p:nvPr/>
-        </p:nvPicPr>
-        <p:blipFill>
-          <a:blip r:embed="rId2">
-            <a:extLst>
-              <a:ext uri="{28A0092B-C50C-407E-A947-70E740481C1C}">
-                <a14:useLocalDpi xmlns:a14="http://schemas.microsoft.com/office/drawing/2010/main" val="0"/>
-              </a:ext>
-            </a:extLst>
-          </a:blip>
-          <a:srcRect/>
-          <a:stretch>
-            <a:fillRect/>
-          </a:stretch>
-        </p:blipFill>
-        <p:spPr bwMode="auto">
-          <a:xfrm>
-            <a:off x="2249021" y="1355072"/>
-            <a:ext cx="7791450" cy="4524375"/>
-          </a:xfrm>
-          <a:prstGeom prst="rect">
-            <a:avLst/>
-          </a:prstGeom>
-          <a:noFill/>
-          <a:extLst>
-            <a:ext uri="{909E8E84-426E-40DD-AFC4-6F175D3DCCD1}">
-              <a14:hiddenFill xmlns:a14="http://schemas.microsoft.com/office/drawing/2010/main">
-                <a:solidFill>
-                  <a:srgbClr val="FFFFFF"/>
-                </a:solidFill>
-              </a14:hiddenFill>
-            </a:ext>
-          </a:extLst>
-        </p:spPr>
-      </p:pic>
-    </p:spTree>
-    <p:extLst>
-      <p:ext uri="{BB962C8B-B14F-4D97-AF65-F5344CB8AC3E}">
-        <p14:creationId xmlns:p14="http://schemas.microsoft.com/office/powerpoint/2010/main" val="559705995"/>
-      </p:ext>
-    </p:extLst>
-  </p:cSld>
-  <p:clrMapOvr>
-    <a:masterClrMapping/>
-  </p:clrMapOvr>
-</p:sld>
-</file>
-
-<file path=ppt/slides/slide5.xml><?xml version="1.0" encoding="utf-8"?>
-<p:sld xmlns:a="http://schemas.openxmlformats.org/drawingml/2006/main" xmlns:r="http://schemas.openxmlformats.org/officeDocument/2006/relationships" xmlns:p="http://schemas.openxmlformats.org/presentationml/2006/main">
-  <p:cSld>
-    <p:spTree>
-      <p:nvGrpSpPr>
-        <p:cNvPr id="1" name=""/>
-        <p:cNvGrpSpPr/>
-        <p:nvPr/>
-      </p:nvGrpSpPr>
-      <p:grpSpPr>
-        <a:xfrm>
-          <a:off x="0" y="0"/>
-          <a:ext cx="0" cy="0"/>
-          <a:chOff x="0" y="0"/>
-          <a:chExt cx="0" cy="0"/>
-        </a:xfrm>
-      </p:grpSpPr>
       <p:pic>
         <p:nvPicPr>
           <p:cNvPr id="2" name="Picture 1">
@@ -4973,7 +4159,7 @@
 </p:sld>
 </file>
 
-<file path=ppt/slides/slide6.xml><?xml version="1.0" encoding="utf-8"?>
+<file path=ppt/slides/slide3.xml><?xml version="1.0" encoding="utf-8"?>
 <p:sld xmlns:a="http://schemas.openxmlformats.org/drawingml/2006/main" xmlns:r="http://schemas.openxmlformats.org/officeDocument/2006/relationships" xmlns:p="http://schemas.openxmlformats.org/presentationml/2006/main">
   <p:cSld>
     <p:spTree>
@@ -5392,7 +4578,7 @@
 </p:sld>
 </file>
 
-<file path=ppt/slides/slide7.xml><?xml version="1.0" encoding="utf-8"?>
+<file path=ppt/slides/slide4.xml><?xml version="1.0" encoding="utf-8"?>
 <p:sld xmlns:a="http://schemas.openxmlformats.org/drawingml/2006/main" xmlns:r="http://schemas.openxmlformats.org/officeDocument/2006/relationships" xmlns:p="http://schemas.openxmlformats.org/presentationml/2006/main">
   <p:cSld>
     <p:spTree>
@@ -5480,8 +4666,8 @@
           </a:p>
         </p:txBody>
       </p:sp>
-      <mc:AlternateContent xmlns:mc="http://schemas.openxmlformats.org/markup-compatibility/2006">
-        <mc:Choice xmlns:a14="http://schemas.microsoft.com/office/drawing/2010/main" Requires="a14">
+      <mc:AlternateContent xmlns:mc="http://schemas.openxmlformats.org/markup-compatibility/2006" xmlns:a14="http://schemas.microsoft.com/office/drawing/2010/main">
+        <mc:Choice Requires="a14">
           <p:sp>
             <p:nvSpPr>
               <p:cNvPr id="7" name="TextBox 6">
@@ -5537,7 +4723,7 @@
             </p:txBody>
           </p:sp>
         </mc:Choice>
-        <mc:Fallback>
+        <mc:Fallback xmlns="">
           <p:sp>
             <p:nvSpPr>
               <p:cNvPr id="7" name="TextBox 6">
@@ -5582,8 +4768,8 @@
           </p:sp>
         </mc:Fallback>
       </mc:AlternateContent>
-      <mc:AlternateContent xmlns:mc="http://schemas.openxmlformats.org/markup-compatibility/2006">
-        <mc:Choice xmlns:a14="http://schemas.microsoft.com/office/drawing/2010/main" Requires="a14">
+      <mc:AlternateContent xmlns:mc="http://schemas.openxmlformats.org/markup-compatibility/2006" xmlns:a14="http://schemas.microsoft.com/office/drawing/2010/main">
+        <mc:Choice Requires="a14">
           <p:sp>
             <p:nvSpPr>
               <p:cNvPr id="8" name="TextBox 7">
@@ -5645,7 +4831,7 @@
             </p:txBody>
           </p:sp>
         </mc:Choice>
-        <mc:Fallback>
+        <mc:Fallback xmlns="">
           <p:sp>
             <p:nvSpPr>
               <p:cNvPr id="8" name="TextBox 7">
@@ -5737,8 +4923,8 @@
           </a:extLst>
         </p:spPr>
       </p:pic>
-      <mc:AlternateContent xmlns:mc="http://schemas.openxmlformats.org/markup-compatibility/2006">
-        <mc:Choice xmlns:a14="http://schemas.microsoft.com/office/drawing/2010/main" Requires="a14">
+      <mc:AlternateContent xmlns:mc="http://schemas.openxmlformats.org/markup-compatibility/2006" xmlns:a14="http://schemas.microsoft.com/office/drawing/2010/main">
+        <mc:Choice Requires="a14">
           <p:sp>
             <p:nvSpPr>
               <p:cNvPr id="9" name="TextBox 8">
@@ -5791,7 +4977,7 @@
             </p:txBody>
           </p:sp>
         </mc:Choice>
-        <mc:Fallback>
+        <mc:Fallback xmlns="">
           <p:sp>
             <p:nvSpPr>
               <p:cNvPr id="9" name="TextBox 8">
@@ -5973,8 +5159,8 @@
           </a:extLst>
         </p:spPr>
       </p:pic>
-      <mc:AlternateContent xmlns:mc="http://schemas.openxmlformats.org/markup-compatibility/2006">
-        <mc:Choice xmlns:a14="http://schemas.microsoft.com/office/drawing/2010/main" Requires="a14">
+      <mc:AlternateContent xmlns:mc="http://schemas.openxmlformats.org/markup-compatibility/2006" xmlns:a14="http://schemas.microsoft.com/office/drawing/2010/main">
+        <mc:Choice Requires="a14">
           <p:sp>
             <p:nvSpPr>
               <p:cNvPr id="25" name="TextBox 24">
@@ -6030,7 +5216,7 @@
             </p:txBody>
           </p:sp>
         </mc:Choice>
-        <mc:Fallback>
+        <mc:Fallback xmlns="">
           <p:sp>
             <p:nvSpPr>
               <p:cNvPr id="25" name="TextBox 24">
@@ -6165,7 +5351,7 @@
 </p:sld>
 </file>
 
-<file path=ppt/slides/slide8.xml><?xml version="1.0" encoding="utf-8"?>
+<file path=ppt/slides/slide5.xml><?xml version="1.0" encoding="utf-8"?>
 <p:sld xmlns:a="http://schemas.openxmlformats.org/drawingml/2006/main" xmlns:r="http://schemas.openxmlformats.org/officeDocument/2006/relationships" xmlns:p="http://schemas.openxmlformats.org/presentationml/2006/main">
   <p:cSld>
     <p:spTree>
@@ -6904,8 +6090,8 @@
           </a:prstGeom>
         </p:spPr>
       </p:pic>
-      <mc:AlternateContent xmlns:mc="http://schemas.openxmlformats.org/markup-compatibility/2006">
-        <mc:Choice xmlns:a14="http://schemas.microsoft.com/office/drawing/2010/main" Requires="a14">
+      <mc:AlternateContent xmlns:mc="http://schemas.openxmlformats.org/markup-compatibility/2006" xmlns:a14="http://schemas.microsoft.com/office/drawing/2010/main">
+        <mc:Choice Requires="a14">
           <p:sp>
             <p:nvSpPr>
               <p:cNvPr id="10" name="TextBox 9">
@@ -6961,7 +6147,7 @@
             </p:txBody>
           </p:sp>
         </mc:Choice>
-        <mc:Fallback>
+        <mc:Fallback xmlns="">
           <p:sp>
             <p:nvSpPr>
               <p:cNvPr id="10" name="TextBox 9">
@@ -7006,8 +6192,8 @@
           </p:sp>
         </mc:Fallback>
       </mc:AlternateContent>
-      <mc:AlternateContent xmlns:mc="http://schemas.openxmlformats.org/markup-compatibility/2006">
-        <mc:Choice xmlns:a14="http://schemas.microsoft.com/office/drawing/2010/main" Requires="a14">
+      <mc:AlternateContent xmlns:mc="http://schemas.openxmlformats.org/markup-compatibility/2006" xmlns:a14="http://schemas.microsoft.com/office/drawing/2010/main">
+        <mc:Choice Requires="a14">
           <p:sp>
             <p:nvSpPr>
               <p:cNvPr id="11" name="TextBox 10">
@@ -7063,7 +6249,7 @@
             </p:txBody>
           </p:sp>
         </mc:Choice>
-        <mc:Fallback>
+        <mc:Fallback xmlns="">
           <p:sp>
             <p:nvSpPr>
               <p:cNvPr id="11" name="TextBox 10">
@@ -7121,7 +6307,7 @@
 </p:sld>
 </file>
 
-<file path=ppt/slides/slide9.xml><?xml version="1.0" encoding="utf-8"?>
+<file path=ppt/slides/slide6.xml><?xml version="1.0" encoding="utf-8"?>
 <p:sld xmlns:a="http://schemas.openxmlformats.org/drawingml/2006/main" xmlns:r="http://schemas.openxmlformats.org/officeDocument/2006/relationships" xmlns:p="http://schemas.openxmlformats.org/presentationml/2006/main">
   <p:cSld>
     <p:spTree>
@@ -7284,8 +6470,8 @@
           </a:prstGeom>
         </p:spPr>
       </p:pic>
-      <mc:AlternateContent xmlns:mc="http://schemas.openxmlformats.org/markup-compatibility/2006">
-        <mc:Choice xmlns:a14="http://schemas.microsoft.com/office/drawing/2010/main" Requires="a14">
+      <mc:AlternateContent xmlns:mc="http://schemas.openxmlformats.org/markup-compatibility/2006" xmlns:a14="http://schemas.microsoft.com/office/drawing/2010/main">
+        <mc:Choice Requires="a14">
           <p:sp>
             <p:nvSpPr>
               <p:cNvPr id="10" name="TextBox 9">
@@ -7341,7 +6527,7 @@
             </p:txBody>
           </p:sp>
         </mc:Choice>
-        <mc:Fallback>
+        <mc:Fallback xmlns="">
           <p:sp>
             <p:nvSpPr>
               <p:cNvPr id="10" name="TextBox 9">
@@ -7386,8 +6572,8 @@
           </p:sp>
         </mc:Fallback>
       </mc:AlternateContent>
-      <mc:AlternateContent xmlns:mc="http://schemas.openxmlformats.org/markup-compatibility/2006">
-        <mc:Choice xmlns:a14="http://schemas.microsoft.com/office/drawing/2010/main" Requires="a14">
+      <mc:AlternateContent xmlns:mc="http://schemas.openxmlformats.org/markup-compatibility/2006" xmlns:a14="http://schemas.microsoft.com/office/drawing/2010/main">
+        <mc:Choice Requires="a14">
           <p:sp>
             <p:nvSpPr>
               <p:cNvPr id="11" name="TextBox 10">
@@ -7443,7 +6629,7 @@
             </p:txBody>
           </p:sp>
         </mc:Choice>
-        <mc:Fallback>
+        <mc:Fallback xmlns="">
           <p:sp>
             <p:nvSpPr>
               <p:cNvPr id="11" name="TextBox 10">
@@ -7492,6 +6678,237 @@
     <p:extLst>
       <p:ext uri="{BB962C8B-B14F-4D97-AF65-F5344CB8AC3E}">
         <p14:creationId xmlns:p14="http://schemas.microsoft.com/office/powerpoint/2010/main" val="3386628344"/>
+      </p:ext>
+    </p:extLst>
+  </p:cSld>
+  <p:clrMapOvr>
+    <a:masterClrMapping/>
+  </p:clrMapOvr>
+</p:sld>
+</file>
+
+<file path=ppt/slides/slide7.xml><?xml version="1.0" encoding="utf-8"?>
+<p:sld xmlns:a="http://schemas.openxmlformats.org/drawingml/2006/main" xmlns:r="http://schemas.openxmlformats.org/officeDocument/2006/relationships" xmlns:p="http://schemas.openxmlformats.org/presentationml/2006/main">
+  <p:cSld>
+    <p:spTree>
+      <p:nvGrpSpPr>
+        <p:cNvPr id="1" name="">
+          <a:extLst>
+            <a:ext uri="{FF2B5EF4-FFF2-40B4-BE49-F238E27FC236}">
+              <a16:creationId xmlns:a16="http://schemas.microsoft.com/office/drawing/2014/main" id="{BFFC0606-D4C7-3899-95C5-D24353FB3F85}"/>
+            </a:ext>
+          </a:extLst>
+        </p:cNvPr>
+        <p:cNvGrpSpPr/>
+        <p:nvPr/>
+      </p:nvGrpSpPr>
+      <p:grpSpPr>
+        <a:xfrm>
+          <a:off x="0" y="0"/>
+          <a:ext cx="0" cy="0"/>
+          <a:chOff x="0" y="0"/>
+          <a:chExt cx="0" cy="0"/>
+        </a:xfrm>
+      </p:grpSpPr>
+      <p:pic>
+        <p:nvPicPr>
+          <p:cNvPr id="7" name="Picture 6">
+            <a:extLst>
+              <a:ext uri="{FF2B5EF4-FFF2-40B4-BE49-F238E27FC236}">
+                <a16:creationId xmlns:a16="http://schemas.microsoft.com/office/drawing/2014/main" id="{1FAB252F-A037-CECA-0EEF-259768A2E7C3}"/>
+              </a:ext>
+            </a:extLst>
+          </p:cNvPr>
+          <p:cNvPicPr>
+            <a:picLocks noChangeAspect="1" noChangeArrowheads="1"/>
+          </p:cNvPicPr>
+          <p:nvPr/>
+        </p:nvPicPr>
+        <p:blipFill rotWithShape="1">
+          <a:blip r:embed="rId2">
+            <a:extLst>
+              <a:ext uri="{28A0092B-C50C-407E-A947-70E740481C1C}">
+                <a14:useLocalDpi xmlns:a14="http://schemas.microsoft.com/office/drawing/2010/main" val="0"/>
+              </a:ext>
+            </a:extLst>
+          </a:blip>
+          <a:srcRect t="20397" b="12490"/>
+          <a:stretch/>
+        </p:blipFill>
+        <p:spPr bwMode="auto">
+          <a:xfrm>
+            <a:off x="978786" y="4149852"/>
+            <a:ext cx="3513067" cy="2357718"/>
+          </a:xfrm>
+          <a:prstGeom prst="rect">
+            <a:avLst/>
+          </a:prstGeom>
+          <a:noFill/>
+          <a:extLst>
+            <a:ext uri="{909E8E84-426E-40DD-AFC4-6F175D3DCCD1}">
+              <a14:hiddenFill xmlns:a14="http://schemas.microsoft.com/office/drawing/2010/main">
+                <a:solidFill>
+                  <a:srgbClr val="FFFFFF"/>
+                </a:solidFill>
+              </a14:hiddenFill>
+            </a:ext>
+          </a:extLst>
+        </p:spPr>
+      </p:pic>
+      <p:pic>
+        <p:nvPicPr>
+          <p:cNvPr id="8" name="Picture 7">
+            <a:extLst>
+              <a:ext uri="{FF2B5EF4-FFF2-40B4-BE49-F238E27FC236}">
+                <a16:creationId xmlns:a16="http://schemas.microsoft.com/office/drawing/2014/main" id="{0E930578-142F-3DDF-2459-7797054E7518}"/>
+              </a:ext>
+            </a:extLst>
+          </p:cNvPr>
+          <p:cNvPicPr>
+            <a:picLocks noChangeAspect="1"/>
+          </p:cNvPicPr>
+          <p:nvPr/>
+        </p:nvPicPr>
+        <p:blipFill>
+          <a:blip r:embed="rId3"/>
+          <a:stretch>
+            <a:fillRect/>
+          </a:stretch>
+        </p:blipFill>
+        <p:spPr>
+          <a:xfrm>
+            <a:off x="3838967" y="1316383"/>
+            <a:ext cx="2257033" cy="2833469"/>
+          </a:xfrm>
+          <a:prstGeom prst="rect">
+            <a:avLst/>
+          </a:prstGeom>
+        </p:spPr>
+      </p:pic>
+      <p:pic>
+        <p:nvPicPr>
+          <p:cNvPr id="9" name="Picture 8">
+            <a:extLst>
+              <a:ext uri="{FF2B5EF4-FFF2-40B4-BE49-F238E27FC236}">
+                <a16:creationId xmlns:a16="http://schemas.microsoft.com/office/drawing/2014/main" id="{42D86276-2A59-28BD-F10C-842AC117945A}"/>
+              </a:ext>
+            </a:extLst>
+          </p:cNvPr>
+          <p:cNvPicPr>
+            <a:picLocks noChangeAspect="1"/>
+          </p:cNvPicPr>
+          <p:nvPr/>
+        </p:nvPicPr>
+        <p:blipFill>
+          <a:blip r:embed="rId4"/>
+          <a:stretch>
+            <a:fillRect/>
+          </a:stretch>
+        </p:blipFill>
+        <p:spPr>
+          <a:xfrm>
+            <a:off x="6408545" y="1498716"/>
+            <a:ext cx="2413057" cy="2468804"/>
+          </a:xfrm>
+          <a:prstGeom prst="rect">
+            <a:avLst/>
+          </a:prstGeom>
+        </p:spPr>
+      </p:pic>
+      <p:pic>
+        <p:nvPicPr>
+          <p:cNvPr id="10" name="Picture 9">
+            <a:extLst>
+              <a:ext uri="{FF2B5EF4-FFF2-40B4-BE49-F238E27FC236}">
+                <a16:creationId xmlns:a16="http://schemas.microsoft.com/office/drawing/2014/main" id="{BDCC62B8-570C-0483-AF40-90B1320B8EAB}"/>
+              </a:ext>
+            </a:extLst>
+          </p:cNvPr>
+          <p:cNvPicPr>
+            <a:picLocks noChangeAspect="1"/>
+          </p:cNvPicPr>
+          <p:nvPr/>
+        </p:nvPicPr>
+        <p:blipFill>
+          <a:blip r:embed="rId5"/>
+          <a:stretch>
+            <a:fillRect/>
+          </a:stretch>
+        </p:blipFill>
+        <p:spPr>
+          <a:xfrm>
+            <a:off x="9116232" y="1655058"/>
+            <a:ext cx="2597171" cy="2419916"/>
+          </a:xfrm>
+          <a:prstGeom prst="rect">
+            <a:avLst/>
+          </a:prstGeom>
+        </p:spPr>
+      </p:pic>
+      <p:pic>
+        <p:nvPicPr>
+          <p:cNvPr id="15" name="Picture 14">
+            <a:extLst>
+              <a:ext uri="{FF2B5EF4-FFF2-40B4-BE49-F238E27FC236}">
+                <a16:creationId xmlns:a16="http://schemas.microsoft.com/office/drawing/2014/main" id="{0F174053-483E-AD0D-3C9F-C21F7FDE287B}"/>
+              </a:ext>
+            </a:extLst>
+          </p:cNvPr>
+          <p:cNvPicPr>
+            <a:picLocks noChangeAspect="1"/>
+          </p:cNvPicPr>
+          <p:nvPr/>
+        </p:nvPicPr>
+        <p:blipFill>
+          <a:blip r:embed="rId6"/>
+          <a:stretch>
+            <a:fillRect/>
+          </a:stretch>
+        </p:blipFill>
+        <p:spPr>
+          <a:xfrm>
+            <a:off x="4376456" y="4441489"/>
+            <a:ext cx="1378885" cy="2175575"/>
+          </a:xfrm>
+          <a:prstGeom prst="rect">
+            <a:avLst/>
+          </a:prstGeom>
+        </p:spPr>
+      </p:pic>
+      <p:pic>
+        <p:nvPicPr>
+          <p:cNvPr id="16" name="Picture 15">
+            <a:extLst>
+              <a:ext uri="{FF2B5EF4-FFF2-40B4-BE49-F238E27FC236}">
+                <a16:creationId xmlns:a16="http://schemas.microsoft.com/office/drawing/2014/main" id="{986D988D-9A57-A27A-8044-9144346CB72F}"/>
+              </a:ext>
+            </a:extLst>
+          </p:cNvPr>
+          <p:cNvPicPr>
+            <a:picLocks noChangeAspect="1"/>
+          </p:cNvPicPr>
+          <p:nvPr/>
+        </p:nvPicPr>
+        <p:blipFill>
+          <a:blip r:embed="rId7"/>
+          <a:stretch>
+            <a:fillRect/>
+          </a:stretch>
+        </p:blipFill>
+        <p:spPr>
+          <a:xfrm>
+            <a:off x="6096000" y="4441488"/>
+            <a:ext cx="1658948" cy="2175576"/>
+          </a:xfrm>
+          <a:prstGeom prst="rect">
+            <a:avLst/>
+          </a:prstGeom>
+        </p:spPr>
+      </p:pic>
+    </p:spTree>
+    <p:extLst>
+      <p:ext uri="{BB962C8B-B14F-4D97-AF65-F5344CB8AC3E}">
+        <p14:creationId xmlns:p14="http://schemas.microsoft.com/office/powerpoint/2010/main" val="59981036"/>
       </p:ext>
     </p:extLst>
   </p:cSld>

--- a/SYSG3_paper.pptx
+++ b/SYSG3_paper.pptx
@@ -6,12 +6,11 @@
   </p:sldMasterIdLst>
   <p:sldIdLst>
     <p:sldId id="368" r:id="rId2"/>
-    <p:sldId id="361" r:id="rId3"/>
-    <p:sldId id="362" r:id="rId4"/>
-    <p:sldId id="364" r:id="rId5"/>
-    <p:sldId id="369" r:id="rId6"/>
+    <p:sldId id="371" r:id="rId3"/>
+    <p:sldId id="364" r:id="rId4"/>
+    <p:sldId id="372" r:id="rId5"/>
+    <p:sldId id="373" r:id="rId6"/>
     <p:sldId id="370" r:id="rId7"/>
-    <p:sldId id="367" r:id="rId8"/>
   </p:sldIdLst>
   <p:sldSz cx="12192000" cy="6858000"/>
   <p:notesSz cx="6858000" cy="9144000"/>
@@ -3417,7 +3416,7 @@
         </p:blipFill>
         <p:spPr>
           <a:xfrm>
-            <a:off x="873806" y="2438163"/>
+            <a:off x="712164" y="1930162"/>
             <a:ext cx="2211007" cy="1981674"/>
           </a:xfrm>
           <a:prstGeom prst="rect">
@@ -3447,7 +3446,7 @@
         </p:blipFill>
         <p:spPr>
           <a:xfrm>
-            <a:off x="6453328" y="2146539"/>
+            <a:off x="6291686" y="1638538"/>
             <a:ext cx="2196986" cy="2460323"/>
           </a:xfrm>
           <a:prstGeom prst="rect">
@@ -3477,7 +3476,7 @@
         </p:blipFill>
         <p:spPr>
           <a:xfrm>
-            <a:off x="3761346" y="2375057"/>
+            <a:off x="3599704" y="1867056"/>
             <a:ext cx="2028914" cy="2231805"/>
           </a:xfrm>
           <a:prstGeom prst="rect">
@@ -3499,7 +3498,7 @@
         </p:nvSpPr>
         <p:spPr>
           <a:xfrm>
-            <a:off x="826892" y="5178073"/>
+            <a:off x="665250" y="4670072"/>
             <a:ext cx="2443561" cy="646331"/>
           </a:xfrm>
           <a:prstGeom prst="rect">
@@ -3550,7 +3549,7 @@
         </p:blipFill>
         <p:spPr>
           <a:xfrm>
-            <a:off x="9313382" y="2265509"/>
+            <a:off x="9151740" y="1757508"/>
             <a:ext cx="2196986" cy="2222385"/>
           </a:xfrm>
           <a:prstGeom prst="rect">
@@ -3572,7 +3571,7 @@
         </p:nvSpPr>
         <p:spPr>
           <a:xfrm>
-            <a:off x="9855200" y="5178076"/>
+            <a:off x="9693558" y="4670075"/>
             <a:ext cx="1759201" cy="646331"/>
           </a:xfrm>
           <a:prstGeom prst="rect">
@@ -3623,7 +3622,7 @@
         </p:nvSpPr>
         <p:spPr>
           <a:xfrm>
-            <a:off x="6624144" y="5178075"/>
+            <a:off x="6462502" y="4670074"/>
             <a:ext cx="2196986" cy="646331"/>
           </a:xfrm>
           <a:prstGeom prst="rect">
@@ -3667,7 +3666,7 @@
         </p:nvSpPr>
         <p:spPr>
           <a:xfrm>
-            <a:off x="3863434" y="5177410"/>
+            <a:off x="3701792" y="4669409"/>
             <a:ext cx="2167728" cy="646331"/>
           </a:xfrm>
           <a:prstGeom prst="rect">
@@ -3710,7 +3709,7 @@
         </p:nvSpPr>
         <p:spPr>
           <a:xfrm>
-            <a:off x="9352239" y="6089480"/>
+            <a:off x="9190597" y="5581479"/>
             <a:ext cx="2765121" cy="369332"/>
           </a:xfrm>
           <a:prstGeom prst="rect">
@@ -3746,7 +3745,7 @@
         </p:nvSpPr>
         <p:spPr>
           <a:xfrm>
-            <a:off x="6453328" y="6089480"/>
+            <a:off x="6291686" y="5581479"/>
             <a:ext cx="2765121" cy="369332"/>
           </a:xfrm>
           <a:prstGeom prst="rect">
@@ -3782,7 +3781,7 @@
         </p:nvSpPr>
         <p:spPr>
           <a:xfrm>
-            <a:off x="596748" y="6089480"/>
+            <a:off x="435106" y="5581479"/>
             <a:ext cx="2765121" cy="369332"/>
           </a:xfrm>
           <a:prstGeom prst="rect">
@@ -3818,7 +3817,7 @@
         </p:nvSpPr>
         <p:spPr>
           <a:xfrm>
-            <a:off x="3564737" y="6089480"/>
+            <a:off x="3403095" y="5581479"/>
             <a:ext cx="2765121" cy="369332"/>
           </a:xfrm>
           <a:prstGeom prst="rect">
@@ -3858,316 +3857,10 @@
   <p:cSld>
     <p:spTree>
       <p:nvGrpSpPr>
-        <p:cNvPr id="1" name=""/>
-        <p:cNvGrpSpPr/>
-        <p:nvPr/>
-      </p:nvGrpSpPr>
-      <p:grpSpPr>
-        <a:xfrm>
-          <a:off x="0" y="0"/>
-          <a:ext cx="0" cy="0"/>
-          <a:chOff x="0" y="0"/>
-          <a:chExt cx="0" cy="0"/>
-        </a:xfrm>
-      </p:grpSpPr>
-      <p:pic>
-        <p:nvPicPr>
-          <p:cNvPr id="2" name="Picture 1">
-            <a:extLst>
-              <a:ext uri="{FF2B5EF4-FFF2-40B4-BE49-F238E27FC236}">
-                <a16:creationId xmlns:a16="http://schemas.microsoft.com/office/drawing/2014/main" id="{65F21286-7C64-31DB-5CAE-E6879EE5DC33}"/>
-              </a:ext>
-            </a:extLst>
-          </p:cNvPr>
-          <p:cNvPicPr>
-            <a:picLocks noChangeAspect="1"/>
-          </p:cNvPicPr>
-          <p:nvPr/>
-        </p:nvPicPr>
-        <p:blipFill>
-          <a:blip r:embed="rId2"/>
-          <a:stretch>
-            <a:fillRect/>
-          </a:stretch>
-        </p:blipFill>
-        <p:spPr>
-          <a:xfrm>
-            <a:off x="1427484" y="2992909"/>
-            <a:ext cx="2028914" cy="2210221"/>
-          </a:xfrm>
-          <a:prstGeom prst="rect">
-            <a:avLst/>
-          </a:prstGeom>
-        </p:spPr>
-      </p:pic>
-      <p:sp>
-        <p:nvSpPr>
-          <p:cNvPr id="3" name="TextBox 2">
-            <a:extLst>
-              <a:ext uri="{FF2B5EF4-FFF2-40B4-BE49-F238E27FC236}">
-                <a16:creationId xmlns:a16="http://schemas.microsoft.com/office/drawing/2014/main" id="{2240212C-7D5A-826C-721E-9B8DE6A476E3}"/>
-              </a:ext>
-            </a:extLst>
-          </p:cNvPr>
-          <p:cNvSpPr txBox="1"/>
-          <p:nvPr/>
-        </p:nvSpPr>
-        <p:spPr>
-          <a:xfrm>
-            <a:off x="1108364" y="5985164"/>
-            <a:ext cx="2835563" cy="369332"/>
-          </a:xfrm>
-          <a:prstGeom prst="rect">
-            <a:avLst/>
-          </a:prstGeom>
-          <a:noFill/>
-        </p:spPr>
-        <p:txBody>
-          <a:bodyPr wrap="square" rtlCol="0">
-            <a:spAutoFit/>
-          </a:bodyPr>
-          <a:lstStyle/>
-          <a:p>
-            <a:r>
-              <a:rPr lang="en-US" dirty="0"/>
-              <a:t>Do larger box </a:t>
-            </a:r>
-            <a:r>
-              <a:rPr lang="en-US" dirty="0" err="1"/>
-              <a:t>eg</a:t>
-            </a:r>
-            <a:r>
-              <a:rPr lang="en-US" dirty="0"/>
-              <a:t> (45 x 45)</a:t>
-            </a:r>
-          </a:p>
-        </p:txBody>
-      </p:sp>
-      <p:pic>
-        <p:nvPicPr>
-          <p:cNvPr id="5" name="Picture 4">
-            <a:extLst>
-              <a:ext uri="{FF2B5EF4-FFF2-40B4-BE49-F238E27FC236}">
-                <a16:creationId xmlns:a16="http://schemas.microsoft.com/office/drawing/2014/main" id="{2A5E4EA9-AE40-F8B3-EAED-1CA689E415F3}"/>
-              </a:ext>
-            </a:extLst>
-          </p:cNvPr>
-          <p:cNvPicPr>
-            <a:picLocks noChangeAspect="1"/>
-          </p:cNvPicPr>
-          <p:nvPr/>
-        </p:nvPicPr>
-        <p:blipFill>
-          <a:blip r:embed="rId3"/>
-          <a:stretch>
-            <a:fillRect/>
-          </a:stretch>
-        </p:blipFill>
-        <p:spPr>
-          <a:xfrm>
-            <a:off x="4477970" y="3168873"/>
-            <a:ext cx="1821230" cy="1858291"/>
-          </a:xfrm>
-          <a:prstGeom prst="rect">
-            <a:avLst/>
-          </a:prstGeom>
-        </p:spPr>
-      </p:pic>
-      <p:sp>
-        <p:nvSpPr>
-          <p:cNvPr id="7" name="TextBox 6">
-            <a:extLst>
-              <a:ext uri="{FF2B5EF4-FFF2-40B4-BE49-F238E27FC236}">
-                <a16:creationId xmlns:a16="http://schemas.microsoft.com/office/drawing/2014/main" id="{628C1C11-D040-D09D-E9BA-E4700643638D}"/>
-              </a:ext>
-            </a:extLst>
-          </p:cNvPr>
-          <p:cNvSpPr txBox="1"/>
-          <p:nvPr/>
-        </p:nvSpPr>
-        <p:spPr>
-          <a:xfrm>
-            <a:off x="4114801" y="5938860"/>
-            <a:ext cx="2835563" cy="369332"/>
-          </a:xfrm>
-          <a:prstGeom prst="rect">
-            <a:avLst/>
-          </a:prstGeom>
-          <a:noFill/>
-        </p:spPr>
-        <p:txBody>
-          <a:bodyPr wrap="square" rtlCol="0">
-            <a:spAutoFit/>
-          </a:bodyPr>
-          <a:lstStyle/>
-          <a:p>
-            <a:r>
-              <a:rPr lang="en-US" dirty="0"/>
-              <a:t>Do larger box </a:t>
-            </a:r>
-            <a:r>
-              <a:rPr lang="en-US" dirty="0" err="1"/>
-              <a:t>eg</a:t>
-            </a:r>
-            <a:r>
-              <a:rPr lang="en-US" dirty="0"/>
-              <a:t> (30 x 30)</a:t>
-            </a:r>
-          </a:p>
-        </p:txBody>
-      </p:sp>
-      <p:sp>
-        <p:nvSpPr>
-          <p:cNvPr id="8" name="TextBox 7">
-            <a:extLst>
-              <a:ext uri="{FF2B5EF4-FFF2-40B4-BE49-F238E27FC236}">
-                <a16:creationId xmlns:a16="http://schemas.microsoft.com/office/drawing/2014/main" id="{B627FD57-7F16-E1C1-353C-DE1F88D952AF}"/>
-              </a:ext>
-            </a:extLst>
-          </p:cNvPr>
-          <p:cNvSpPr txBox="1"/>
-          <p:nvPr/>
-        </p:nvSpPr>
-        <p:spPr>
-          <a:xfrm>
-            <a:off x="756839" y="185270"/>
-            <a:ext cx="9436032" cy="1200329"/>
-          </a:xfrm>
-          <a:prstGeom prst="rect">
-            <a:avLst/>
-          </a:prstGeom>
-          <a:noFill/>
-        </p:spPr>
-        <p:txBody>
-          <a:bodyPr wrap="square" rtlCol="0">
-            <a:spAutoFit/>
-          </a:bodyPr>
-          <a:lstStyle/>
-          <a:p>
-            <a:r>
-              <a:rPr lang="en-US" dirty="0"/>
-              <a:t>Uncharged: </a:t>
-            </a:r>
-          </a:p>
-          <a:p>
-            <a:pPr marL="285750" indent="-285750">
-              <a:buFont typeface="Arial" panose="020B0604020202020204" pitchFamily="34" charset="0"/>
-              <a:buChar char="•"/>
-            </a:pPr>
-            <a:r>
-              <a:rPr lang="en-US" dirty="0"/>
-              <a:t>Hydrophobicity promotes lateral segregation</a:t>
-            </a:r>
-          </a:p>
-          <a:p>
-            <a:pPr marL="285750" indent="-285750">
-              <a:buFont typeface="Arial" panose="020B0604020202020204" pitchFamily="34" charset="0"/>
-              <a:buChar char="•"/>
-            </a:pPr>
-            <a:r>
-              <a:rPr lang="en-US" dirty="0"/>
-              <a:t>Grafting density (chain spacing) increases length scale of segregation</a:t>
-            </a:r>
-          </a:p>
-          <a:p>
-            <a:pPr marL="285750" indent="-285750">
-              <a:buFont typeface="Arial" panose="020B0604020202020204" pitchFamily="34" charset="0"/>
-              <a:buChar char="•"/>
-            </a:pPr>
-            <a:r>
-              <a:rPr lang="en-US" dirty="0"/>
-              <a:t>Hole metastable</a:t>
-            </a:r>
-          </a:p>
-        </p:txBody>
-      </p:sp>
-      <p:pic>
-        <p:nvPicPr>
-          <p:cNvPr id="9" name="Picture 8">
-            <a:extLst>
-              <a:ext uri="{FF2B5EF4-FFF2-40B4-BE49-F238E27FC236}">
-                <a16:creationId xmlns:a16="http://schemas.microsoft.com/office/drawing/2014/main" id="{E582234A-880E-3E35-251B-032CF591905D}"/>
-              </a:ext>
-            </a:extLst>
-          </p:cNvPr>
-          <p:cNvPicPr>
-            <a:picLocks noChangeAspect="1"/>
-          </p:cNvPicPr>
-          <p:nvPr/>
-        </p:nvPicPr>
-        <p:blipFill>
-          <a:blip r:embed="rId4"/>
-          <a:stretch>
-            <a:fillRect/>
-          </a:stretch>
-        </p:blipFill>
-        <p:spPr>
-          <a:xfrm>
-            <a:off x="7483580" y="3298915"/>
-            <a:ext cx="1755466" cy="1728249"/>
-          </a:xfrm>
-          <a:prstGeom prst="rect">
-            <a:avLst/>
-          </a:prstGeom>
-        </p:spPr>
-      </p:pic>
-      <p:sp>
-        <p:nvSpPr>
-          <p:cNvPr id="4" name="TextBox 3">
-            <a:extLst>
-              <a:ext uri="{FF2B5EF4-FFF2-40B4-BE49-F238E27FC236}">
-                <a16:creationId xmlns:a16="http://schemas.microsoft.com/office/drawing/2014/main" id="{58A5E084-1B14-BA76-AABA-A346752C56FA}"/>
-              </a:ext>
-            </a:extLst>
-          </p:cNvPr>
-          <p:cNvSpPr txBox="1"/>
-          <p:nvPr/>
-        </p:nvSpPr>
-        <p:spPr>
-          <a:xfrm>
-            <a:off x="756839" y="1856842"/>
-            <a:ext cx="9436032" cy="369332"/>
-          </a:xfrm>
-          <a:prstGeom prst="rect">
-            <a:avLst/>
-          </a:prstGeom>
-          <a:noFill/>
-        </p:spPr>
-        <p:txBody>
-          <a:bodyPr wrap="square" rtlCol="0">
-            <a:spAutoFit/>
-          </a:bodyPr>
-          <a:lstStyle/>
-          <a:p>
-            <a:r>
-              <a:rPr lang="en-US" dirty="0"/>
-              <a:t>Fig 2: lateral segregation in neutrally charged brushes</a:t>
-            </a:r>
-          </a:p>
-        </p:txBody>
-      </p:sp>
-    </p:spTree>
-    <p:extLst>
-      <p:ext uri="{BB962C8B-B14F-4D97-AF65-F5344CB8AC3E}">
-        <p14:creationId xmlns:p14="http://schemas.microsoft.com/office/powerpoint/2010/main" val="3211813469"/>
-      </p:ext>
-    </p:extLst>
-  </p:cSld>
-  <p:clrMapOvr>
-    <a:masterClrMapping/>
-  </p:clrMapOvr>
-</p:sld>
-</file>
-
-<file path=ppt/slides/slide3.xml><?xml version="1.0" encoding="utf-8"?>
-<p:sld xmlns:a="http://schemas.openxmlformats.org/drawingml/2006/main" xmlns:r="http://schemas.openxmlformats.org/officeDocument/2006/relationships" xmlns:p="http://schemas.openxmlformats.org/presentationml/2006/main">
-  <p:cSld>
-    <p:spTree>
-      <p:nvGrpSpPr>
         <p:cNvPr id="1" name="">
           <a:extLst>
             <a:ext uri="{FF2B5EF4-FFF2-40B4-BE49-F238E27FC236}">
-              <a16:creationId xmlns:a16="http://schemas.microsoft.com/office/drawing/2014/main" id="{3331E3ED-4532-2A5E-D548-4D82A5E55C21}"/>
+              <a16:creationId xmlns:a16="http://schemas.microsoft.com/office/drawing/2014/main" id="{0384268E-71CC-4849-5C77-1A6CED889FBB}"/>
             </a:ext>
           </a:extLst>
         </p:cNvPr>
@@ -4182,12 +3875,68 @@
           <a:chExt cx="0" cy="0"/>
         </a:xfrm>
       </p:grpSpPr>
+      <p:sp>
+        <p:nvSpPr>
+          <p:cNvPr id="4" name="TextBox 3">
+            <a:extLst>
+              <a:ext uri="{FF2B5EF4-FFF2-40B4-BE49-F238E27FC236}">
+                <a16:creationId xmlns:a16="http://schemas.microsoft.com/office/drawing/2014/main" id="{82099AE2-D8A5-FF7D-1148-7559534F0DA5}"/>
+              </a:ext>
+            </a:extLst>
+          </p:cNvPr>
+          <p:cNvSpPr txBox="1"/>
+          <p:nvPr/>
+        </p:nvSpPr>
+        <p:spPr>
+          <a:xfrm>
+            <a:off x="604439" y="583854"/>
+            <a:ext cx="9436032" cy="369332"/>
+          </a:xfrm>
+          <a:prstGeom prst="rect">
+            <a:avLst/>
+          </a:prstGeom>
+          <a:noFill/>
+        </p:spPr>
+        <p:txBody>
+          <a:bodyPr wrap="square" rtlCol="0">
+            <a:spAutoFit/>
+          </a:bodyPr>
+          <a:lstStyle/>
+          <a:p>
+            <a:r>
+              <a:rPr lang="en-US" dirty="0"/>
+              <a:t>Fig 2: </a:t>
+            </a:r>
+            <a:r>
+              <a:rPr lang="en-US" dirty="0" err="1"/>
+              <a:t>freeE</a:t>
+            </a:r>
+            <a:r>
+              <a:rPr lang="en-US" dirty="0"/>
+              <a:t> for Mic </a:t>
+            </a:r>
+            <a:r>
+              <a:rPr lang="en-US" dirty="0">
+                <a:sym typeface="Wingdings" panose="05000000000000000000" pitchFamily="2" charset="2"/>
+              </a:rPr>
+              <a:t> </a:t>
+            </a:r>
+            <a:r>
+              <a:rPr lang="en-US" dirty="0" err="1">
+                <a:sym typeface="Wingdings" panose="05000000000000000000" pitchFamily="2" charset="2"/>
+              </a:rPr>
+              <a:t>Cyl</a:t>
+            </a:r>
+            <a:endParaRPr lang="en-US" dirty="0"/>
+          </a:p>
+        </p:txBody>
+      </p:sp>
       <p:pic>
         <p:nvPicPr>
-          <p:cNvPr id="2" name="Picture 1">
-            <a:extLst>
-              <a:ext uri="{FF2B5EF4-FFF2-40B4-BE49-F238E27FC236}">
-                <a16:creationId xmlns:a16="http://schemas.microsoft.com/office/drawing/2014/main" id="{57F563F5-9572-24DF-FB97-6AB1F44286FE}"/>
+          <p:cNvPr id="3" name="Picture 2">
+            <a:extLst>
+              <a:ext uri="{FF2B5EF4-FFF2-40B4-BE49-F238E27FC236}">
+                <a16:creationId xmlns:a16="http://schemas.microsoft.com/office/drawing/2014/main" id="{C13CB24B-F643-392C-C64E-AB5F766C098E}"/>
               </a:ext>
             </a:extLst>
           </p:cNvPr>
@@ -4204,196 +3953,20 @@
         </p:blipFill>
         <p:spPr>
           <a:xfrm>
-            <a:off x="1878646" y="2922831"/>
-            <a:ext cx="2028914" cy="2210221"/>
+            <a:off x="1057163" y="3979893"/>
+            <a:ext cx="2211007" cy="1981674"/>
           </a:xfrm>
           <a:prstGeom prst="rect">
             <a:avLst/>
           </a:prstGeom>
         </p:spPr>
       </p:pic>
-      <p:sp>
-        <p:nvSpPr>
-          <p:cNvPr id="3" name="TextBox 2">
-            <a:extLst>
-              <a:ext uri="{FF2B5EF4-FFF2-40B4-BE49-F238E27FC236}">
-                <a16:creationId xmlns:a16="http://schemas.microsoft.com/office/drawing/2014/main" id="{3CEF998A-05AB-25A8-4095-A78A96047F35}"/>
-              </a:ext>
-            </a:extLst>
-          </p:cNvPr>
-          <p:cNvSpPr txBox="1"/>
-          <p:nvPr/>
-        </p:nvSpPr>
-        <p:spPr>
-          <a:xfrm>
-            <a:off x="1475321" y="5758083"/>
-            <a:ext cx="2835563" cy="369332"/>
-          </a:xfrm>
-          <a:prstGeom prst="rect">
-            <a:avLst/>
-          </a:prstGeom>
-          <a:noFill/>
-        </p:spPr>
-        <p:txBody>
-          <a:bodyPr wrap="square" rtlCol="0">
-            <a:spAutoFit/>
-          </a:bodyPr>
-          <a:lstStyle/>
-          <a:p>
-            <a:r>
-              <a:rPr lang="en-US" dirty="0"/>
-              <a:t>Do larger box </a:t>
-            </a:r>
-            <a:r>
-              <a:rPr lang="en-US" dirty="0" err="1"/>
-              <a:t>eg</a:t>
-            </a:r>
-            <a:r>
-              <a:rPr lang="en-US" dirty="0"/>
-              <a:t> (45 x 45)</a:t>
-            </a:r>
-          </a:p>
-        </p:txBody>
-      </p:sp>
-      <p:sp>
-        <p:nvSpPr>
-          <p:cNvPr id="8" name="TextBox 7">
-            <a:extLst>
-              <a:ext uri="{FF2B5EF4-FFF2-40B4-BE49-F238E27FC236}">
-                <a16:creationId xmlns:a16="http://schemas.microsoft.com/office/drawing/2014/main" id="{9CADA888-31E7-D396-20A7-5B8A92EA8B6A}"/>
-              </a:ext>
-            </a:extLst>
-          </p:cNvPr>
-          <p:cNvSpPr txBox="1"/>
-          <p:nvPr/>
-        </p:nvSpPr>
-        <p:spPr>
-          <a:xfrm>
-            <a:off x="667192" y="268920"/>
-            <a:ext cx="8575420" cy="923330"/>
-          </a:xfrm>
-          <a:prstGeom prst="rect">
-            <a:avLst/>
-          </a:prstGeom>
-          <a:noFill/>
-        </p:spPr>
-        <p:txBody>
-          <a:bodyPr wrap="square" rtlCol="0">
-            <a:spAutoFit/>
-          </a:bodyPr>
-          <a:lstStyle/>
-          <a:p>
-            <a:r>
-              <a:rPr lang="en-US" dirty="0"/>
-              <a:t>Inc. charge, sparse: decrease lateral segregation length scale</a:t>
-            </a:r>
-          </a:p>
-          <a:p>
-            <a:pPr marL="285750" indent="-285750">
-              <a:buFont typeface="Arial" panose="020B0604020202020204" pitchFamily="34" charset="0"/>
-              <a:buChar char="•"/>
-            </a:pPr>
-            <a:r>
-              <a:rPr lang="en-US" dirty="0"/>
-              <a:t>Low charge pinned micelle</a:t>
-            </a:r>
-          </a:p>
-          <a:p>
-            <a:pPr marL="285750" indent="-285750">
-              <a:buFont typeface="Arial" panose="020B0604020202020204" pitchFamily="34" charset="0"/>
-              <a:buChar char="•"/>
-            </a:pPr>
-            <a:r>
-              <a:rPr lang="en-US" dirty="0"/>
-              <a:t>Intrachain repulsion (more charge) cylinder</a:t>
-            </a:r>
-          </a:p>
-        </p:txBody>
-      </p:sp>
-      <p:sp>
-        <p:nvSpPr>
-          <p:cNvPr id="4" name="TextBox 3">
-            <a:extLst>
-              <a:ext uri="{FF2B5EF4-FFF2-40B4-BE49-F238E27FC236}">
-                <a16:creationId xmlns:a16="http://schemas.microsoft.com/office/drawing/2014/main" id="{84C67218-9307-B9C9-361F-B5A6C7743AAD}"/>
-              </a:ext>
-            </a:extLst>
-          </p:cNvPr>
-          <p:cNvSpPr txBox="1"/>
-          <p:nvPr/>
-        </p:nvSpPr>
-        <p:spPr>
-          <a:xfrm>
-            <a:off x="8130663" y="5619226"/>
-            <a:ext cx="2062208" cy="646331"/>
-          </a:xfrm>
-          <a:prstGeom prst="rect">
-            <a:avLst/>
-          </a:prstGeom>
-          <a:noFill/>
-        </p:spPr>
-        <p:txBody>
-          <a:bodyPr wrap="square" rtlCol="0">
-            <a:spAutoFit/>
-          </a:bodyPr>
-          <a:lstStyle/>
-          <a:p>
-            <a:r>
-              <a:rPr lang="en-US" dirty="0"/>
-              <a:t>Do s25e4 &amp; larger box </a:t>
-            </a:r>
-            <a:r>
-              <a:rPr lang="en-US" dirty="0" err="1"/>
-              <a:t>eg</a:t>
-            </a:r>
-            <a:r>
-              <a:rPr lang="en-US" dirty="0"/>
-              <a:t> (45 x 45)</a:t>
-            </a:r>
-          </a:p>
-        </p:txBody>
-      </p:sp>
-      <p:sp>
-        <p:nvSpPr>
-          <p:cNvPr id="5" name="TextBox 4">
-            <a:extLst>
-              <a:ext uri="{FF2B5EF4-FFF2-40B4-BE49-F238E27FC236}">
-                <a16:creationId xmlns:a16="http://schemas.microsoft.com/office/drawing/2014/main" id="{D4F95C47-8CB7-40C4-8A22-8BBC85D30F73}"/>
-              </a:ext>
-            </a:extLst>
-          </p:cNvPr>
-          <p:cNvSpPr txBox="1"/>
-          <p:nvPr/>
-        </p:nvSpPr>
-        <p:spPr>
-          <a:xfrm>
-            <a:off x="756839" y="1539641"/>
-            <a:ext cx="9436032" cy="646331"/>
-          </a:xfrm>
-          <a:prstGeom prst="rect">
-            <a:avLst/>
-          </a:prstGeom>
-          <a:noFill/>
-        </p:spPr>
-        <p:txBody>
-          <a:bodyPr wrap="square" rtlCol="0">
-            <a:spAutoFit/>
-          </a:bodyPr>
-          <a:lstStyle/>
-          <a:p>
-            <a:r>
-              <a:rPr lang="en-US" dirty="0"/>
-              <a:t>Fig 3: Micelle to cylinder transition in spare PE brushes as a result of increasing intrachain repulsion</a:t>
-            </a:r>
-          </a:p>
-        </p:txBody>
-      </p:sp>
       <p:pic>
         <p:nvPicPr>
-          <p:cNvPr id="6" name="Picture 5">
-            <a:extLst>
-              <a:ext uri="{FF2B5EF4-FFF2-40B4-BE49-F238E27FC236}">
-                <a16:creationId xmlns:a16="http://schemas.microsoft.com/office/drawing/2014/main" id="{654FB548-BC56-8FDF-561A-E5E57AC40307}"/>
+          <p:cNvPr id="8" name="Picture 7">
+            <a:extLst>
+              <a:ext uri="{FF2B5EF4-FFF2-40B4-BE49-F238E27FC236}">
+                <a16:creationId xmlns:a16="http://schemas.microsoft.com/office/drawing/2014/main" id="{43BC4E50-54D8-5B29-C9E9-4CD6E24D7748}"/>
               </a:ext>
             </a:extLst>
           </p:cNvPr>
@@ -4410,8 +3983,8 @@
         </p:blipFill>
         <p:spPr>
           <a:xfrm>
-            <a:off x="7768490" y="2922831"/>
-            <a:ext cx="2188687" cy="2076446"/>
+            <a:off x="6684964" y="3542076"/>
+            <a:ext cx="2196986" cy="2460323"/>
           </a:xfrm>
           <a:prstGeom prst="rect">
             <a:avLst/>
@@ -4420,10 +3993,10 @@
       </p:pic>
       <p:pic>
         <p:nvPicPr>
-          <p:cNvPr id="7" name="Picture 6">
-            <a:extLst>
-              <a:ext uri="{FF2B5EF4-FFF2-40B4-BE49-F238E27FC236}">
-                <a16:creationId xmlns:a16="http://schemas.microsoft.com/office/drawing/2014/main" id="{F51B7B24-BC38-A12F-55F5-EE8AFA5CB688}"/>
+          <p:cNvPr id="9" name="Picture 8">
+            <a:extLst>
+              <a:ext uri="{FF2B5EF4-FFF2-40B4-BE49-F238E27FC236}">
+                <a16:creationId xmlns:a16="http://schemas.microsoft.com/office/drawing/2014/main" id="{C9B74522-69AB-0738-89D9-B67A004DF920}"/>
               </a:ext>
             </a:extLst>
           </p:cNvPr>
@@ -4440,135 +4013,48 @@
         </p:blipFill>
         <p:spPr>
           <a:xfrm>
-            <a:off x="4583283" y="3016960"/>
-            <a:ext cx="2028915" cy="1818469"/>
+            <a:off x="3706032" y="1638538"/>
+            <a:ext cx="2028914" cy="2231805"/>
           </a:xfrm>
           <a:prstGeom prst="rect">
             <a:avLst/>
           </a:prstGeom>
         </p:spPr>
       </p:pic>
-      <mc:AlternateContent xmlns:mc="http://schemas.openxmlformats.org/markup-compatibility/2006" xmlns:a14="http://schemas.microsoft.com/office/drawing/2010/main">
-        <mc:Choice Requires="a14">
-          <p:sp>
-            <p:nvSpPr>
-              <p:cNvPr id="9" name="TextBox 8">
-                <a:extLst>
-                  <a:ext uri="{FF2B5EF4-FFF2-40B4-BE49-F238E27FC236}">
-                    <a16:creationId xmlns:a16="http://schemas.microsoft.com/office/drawing/2014/main" id="{31F7F416-DCD3-5C27-DB2D-23DC04D6E333}"/>
-                  </a:ext>
-                </a:extLst>
-              </p:cNvPr>
-              <p:cNvSpPr txBox="1"/>
-              <p:nvPr/>
-            </p:nvSpPr>
-            <p:spPr>
-              <a:xfrm>
-                <a:off x="4310884" y="2265707"/>
-                <a:ext cx="3370729" cy="369332"/>
-              </a:xfrm>
-              <a:prstGeom prst="rect">
-                <a:avLst/>
-              </a:prstGeom>
-              <a:noFill/>
-            </p:spPr>
-            <p:txBody>
-              <a:bodyPr wrap="square" rtlCol="0">
-                <a:spAutoFit/>
-              </a:bodyPr>
-              <a:lstStyle/>
-              <a:p>
-                <a:pPr/>
-                <a14:m>
-                  <m:oMathPara xmlns:m="http://schemas.openxmlformats.org/officeDocument/2006/math">
-                    <m:oMathParaPr>
-                      <m:jc m:val="centerGroup"/>
-                    </m:oMathParaPr>
-                    <m:oMath xmlns:m="http://schemas.openxmlformats.org/officeDocument/2006/math">
-                      <m:r>
-                        <a:rPr lang="en-US" b="0" i="1" smtClean="0">
-                          <a:latin typeface="Cambria Math" panose="02040503050406030204" pitchFamily="18" charset="0"/>
-                        </a:rPr>
-                        <m:t>𝜎</m:t>
-                      </m:r>
-                      <m:r>
-                        <a:rPr lang="en-US" b="0" i="1" smtClean="0">
-                          <a:latin typeface="Cambria Math" panose="02040503050406030204" pitchFamily="18" charset="0"/>
-                        </a:rPr>
-                        <m:t>=2.5</m:t>
-                      </m:r>
-                      <m:r>
-                        <m:rPr>
-                          <m:sty m:val="p"/>
-                        </m:rPr>
-                        <a:rPr lang="en-US" b="0" i="0" smtClean="0">
-                          <a:latin typeface="Cambria Math" panose="02040503050406030204" pitchFamily="18" charset="0"/>
-                        </a:rPr>
-                        <m:t>E</m:t>
-                      </m:r>
-                      <m:r>
-                        <a:rPr lang="en-US" b="0" i="1" smtClean="0">
-                          <a:latin typeface="Cambria Math" panose="02040503050406030204" pitchFamily="18" charset="0"/>
-                        </a:rPr>
-                        <m:t>−03 ??</m:t>
-                      </m:r>
-                    </m:oMath>
-                  </m:oMathPara>
-                </a14:m>
-                <a:endParaRPr lang="en-US" dirty="0"/>
-              </a:p>
-            </p:txBody>
-          </p:sp>
-        </mc:Choice>
-        <mc:Fallback xmlns="">
-          <p:sp>
-            <p:nvSpPr>
-              <p:cNvPr id="9" name="TextBox 8">
-                <a:extLst>
-                  <a:ext uri="{FF2B5EF4-FFF2-40B4-BE49-F238E27FC236}">
-                    <a16:creationId xmlns:a16="http://schemas.microsoft.com/office/drawing/2014/main" id="{31F7F416-DCD3-5C27-DB2D-23DC04D6E333}"/>
-                  </a:ext>
-                </a:extLst>
-              </p:cNvPr>
-              <p:cNvSpPr txBox="1">
-                <a:spLocks noRot="1" noChangeAspect="1" noMove="1" noResize="1" noEditPoints="1" noAdjustHandles="1" noChangeArrowheads="1" noChangeShapeType="1" noTextEdit="1"/>
-              </p:cNvSpPr>
-              <p:nvPr/>
-            </p:nvSpPr>
-            <p:spPr>
-              <a:xfrm>
-                <a:off x="4310884" y="2265707"/>
-                <a:ext cx="3370729" cy="369332"/>
-              </a:xfrm>
-              <a:prstGeom prst="rect">
-                <a:avLst/>
-              </a:prstGeom>
-              <a:blipFill>
-                <a:blip r:embed="rId5"/>
-                <a:stretch>
-                  <a:fillRect/>
-                </a:stretch>
-              </a:blipFill>
-            </p:spPr>
-            <p:txBody>
-              <a:bodyPr/>
-              <a:lstStyle/>
-              <a:p>
-                <a:r>
-                  <a:rPr lang="en-US">
-                    <a:noFill/>
-                  </a:rPr>
-                  <a:t> </a:t>
-                </a:r>
-              </a:p>
-            </p:txBody>
-          </p:sp>
-        </mc:Fallback>
-      </mc:AlternateContent>
+      <p:pic>
+        <p:nvPicPr>
+          <p:cNvPr id="11" name="Picture 10">
+            <a:extLst>
+              <a:ext uri="{FF2B5EF4-FFF2-40B4-BE49-F238E27FC236}">
+                <a16:creationId xmlns:a16="http://schemas.microsoft.com/office/drawing/2014/main" id="{F099D63F-2B2B-A689-5973-2419B2010E2C}"/>
+              </a:ext>
+            </a:extLst>
+          </p:cNvPr>
+          <p:cNvPicPr>
+            <a:picLocks noChangeAspect="1"/>
+          </p:cNvPicPr>
+          <p:nvPr/>
+        </p:nvPicPr>
+        <p:blipFill>
+          <a:blip r:embed="rId5"/>
+          <a:stretch>
+            <a:fillRect/>
+          </a:stretch>
+        </p:blipFill>
+        <p:spPr>
+          <a:xfrm>
+            <a:off x="9151740" y="1757508"/>
+            <a:ext cx="2196986" cy="2222385"/>
+          </a:xfrm>
+          <a:prstGeom prst="rect">
+            <a:avLst/>
+          </a:prstGeom>
+        </p:spPr>
+      </p:pic>
     </p:spTree>
     <p:extLst>
       <p:ext uri="{BB962C8B-B14F-4D97-AF65-F5344CB8AC3E}">
-        <p14:creationId xmlns:p14="http://schemas.microsoft.com/office/powerpoint/2010/main" val="2956223796"/>
+        <p14:creationId xmlns:p14="http://schemas.microsoft.com/office/powerpoint/2010/main" val="65259510"/>
       </p:ext>
     </p:extLst>
   </p:cSld>
@@ -4578,7 +4064,7 @@
 </p:sld>
 </file>
 
-<file path=ppt/slides/slide4.xml><?xml version="1.0" encoding="utf-8"?>
+<file path=ppt/slides/slide3.xml><?xml version="1.0" encoding="utf-8"?>
 <p:sld xmlns:a="http://schemas.openxmlformats.org/drawingml/2006/main" xmlns:r="http://schemas.openxmlformats.org/officeDocument/2006/relationships" xmlns:p="http://schemas.openxmlformats.org/presentationml/2006/main">
   <p:cSld>
     <p:spTree>
@@ -4623,7 +4109,7 @@
         </p:blipFill>
         <p:spPr>
           <a:xfrm>
-            <a:off x="3990912" y="1535136"/>
+            <a:off x="4763081" y="1621057"/>
             <a:ext cx="1600897" cy="2152317"/>
           </a:xfrm>
           <a:prstGeom prst="rect">
@@ -4661,13 +4147,29 @@
           <a:p>
             <a:r>
               <a:rPr lang="en-US" dirty="0"/>
-              <a:t>Fig 5: Elevated lateral segregation at high charge fractions with increasing grafting density</a:t>
-            </a:r>
-          </a:p>
-        </p:txBody>
-      </p:sp>
-      <mc:AlternateContent xmlns:mc="http://schemas.openxmlformats.org/markup-compatibility/2006" xmlns:a14="http://schemas.microsoft.com/office/drawing/2010/main">
-        <mc:Choice Requires="a14">
+              <a:t>Fig 3: </a:t>
+            </a:r>
+            <a:r>
+              <a:rPr lang="en-US" dirty="0" err="1"/>
+              <a:t>Cyl</a:t>
+            </a:r>
+            <a:r>
+              <a:rPr lang="en-US" dirty="0"/>
+              <a:t> to </a:t>
+            </a:r>
+            <a:r>
+              <a:rPr lang="en-US" dirty="0" err="1"/>
+              <a:t>Cyl</a:t>
+            </a:r>
+            <a:r>
+              <a:rPr lang="en-US" dirty="0"/>
+              <a:t>-str to Str by increasing sigma</a:t>
+            </a:r>
+          </a:p>
+        </p:txBody>
+      </p:sp>
+      <mc:AlternateContent xmlns:mc="http://schemas.openxmlformats.org/markup-compatibility/2006">
+        <mc:Choice xmlns:a14="http://schemas.microsoft.com/office/drawing/2010/main" Requires="a14">
           <p:sp>
             <p:nvSpPr>
               <p:cNvPr id="7" name="TextBox 6">
@@ -4682,7 +4184,7 @@
             </p:nvSpPr>
             <p:spPr>
               <a:xfrm>
-                <a:off x="4345426" y="945873"/>
+                <a:off x="5117595" y="1031794"/>
                 <a:ext cx="1237130" cy="369332"/>
               </a:xfrm>
               <a:prstGeom prst="rect">
@@ -4723,7 +4225,7 @@
             </p:txBody>
           </p:sp>
         </mc:Choice>
-        <mc:Fallback xmlns="">
+        <mc:Fallback>
           <p:sp>
             <p:nvSpPr>
               <p:cNvPr id="7" name="TextBox 6">
@@ -4740,7 +4242,7 @@
             </p:nvSpPr>
             <p:spPr>
               <a:xfrm>
-                <a:off x="4345426" y="945873"/>
+                <a:off x="5117595" y="1031794"/>
                 <a:ext cx="1237130" cy="369332"/>
               </a:xfrm>
               <a:prstGeom prst="rect">
@@ -4768,8 +4270,8 @@
           </p:sp>
         </mc:Fallback>
       </mc:AlternateContent>
-      <mc:AlternateContent xmlns:mc="http://schemas.openxmlformats.org/markup-compatibility/2006" xmlns:a14="http://schemas.microsoft.com/office/drawing/2010/main">
-        <mc:Choice Requires="a14">
+      <mc:AlternateContent xmlns:mc="http://schemas.openxmlformats.org/markup-compatibility/2006">
+        <mc:Choice xmlns:a14="http://schemas.microsoft.com/office/drawing/2010/main" Requires="a14">
           <p:sp>
             <p:nvSpPr>
               <p:cNvPr id="8" name="TextBox 7">
@@ -4784,7 +4286,7 @@
             </p:nvSpPr>
             <p:spPr>
               <a:xfrm>
-                <a:off x="6240428" y="945873"/>
+                <a:off x="7012597" y="1031794"/>
                 <a:ext cx="1525469" cy="369332"/>
               </a:xfrm>
               <a:prstGeom prst="rect">
@@ -4831,7 +4333,7 @@
             </p:txBody>
           </p:sp>
         </mc:Choice>
-        <mc:Fallback xmlns="">
+        <mc:Fallback>
           <p:sp>
             <p:nvSpPr>
               <p:cNvPr id="8" name="TextBox 7">
@@ -4848,7 +4350,7 @@
             </p:nvSpPr>
             <p:spPr>
               <a:xfrm>
-                <a:off x="6240428" y="945873"/>
+                <a:off x="7012597" y="1031794"/>
                 <a:ext cx="1525469" cy="369332"/>
               </a:xfrm>
               <a:prstGeom prst="rect">
@@ -4876,55 +4378,8 @@
           </p:sp>
         </mc:Fallback>
       </mc:AlternateContent>
-      <p:pic>
-        <p:nvPicPr>
-          <p:cNvPr id="1034" name="Picture 10">
-            <a:extLst>
-              <a:ext uri="{FF2B5EF4-FFF2-40B4-BE49-F238E27FC236}">
-                <a16:creationId xmlns:a16="http://schemas.microsoft.com/office/drawing/2014/main" id="{F0B0DE48-D413-3CAE-B7BB-4713AD04106F}"/>
-              </a:ext>
-            </a:extLst>
-          </p:cNvPr>
-          <p:cNvPicPr>
-            <a:picLocks noChangeAspect="1" noChangeArrowheads="1"/>
-          </p:cNvPicPr>
-          <p:nvPr/>
-        </p:nvPicPr>
-        <p:blipFill>
-          <a:blip r:embed="rId5">
-            <a:extLst>
-              <a:ext uri="{28A0092B-C50C-407E-A947-70E740481C1C}">
-                <a14:useLocalDpi xmlns:a14="http://schemas.microsoft.com/office/drawing/2010/main" val="0"/>
-              </a:ext>
-            </a:extLst>
-          </a:blip>
-          <a:srcRect/>
-          <a:stretch>
-            <a:fillRect/>
-          </a:stretch>
-        </p:blipFill>
-        <p:spPr bwMode="auto">
-          <a:xfrm>
-            <a:off x="3868938" y="4385931"/>
-            <a:ext cx="2156752" cy="1817528"/>
-          </a:xfrm>
-          <a:prstGeom prst="rect">
-            <a:avLst/>
-          </a:prstGeom>
-          <a:noFill/>
-          <a:extLst>
-            <a:ext uri="{909E8E84-426E-40DD-AFC4-6F175D3DCCD1}">
-              <a14:hiddenFill xmlns:a14="http://schemas.microsoft.com/office/drawing/2010/main">
-                <a:solidFill>
-                  <a:srgbClr val="FFFFFF"/>
-                </a:solidFill>
-              </a14:hiddenFill>
-            </a:ext>
-          </a:extLst>
-        </p:spPr>
-      </p:pic>
-      <mc:AlternateContent xmlns:mc="http://schemas.openxmlformats.org/markup-compatibility/2006" xmlns:a14="http://schemas.microsoft.com/office/drawing/2010/main">
-        <mc:Choice Requires="a14">
+      <mc:AlternateContent xmlns:mc="http://schemas.openxmlformats.org/markup-compatibility/2006">
+        <mc:Choice xmlns:a14="http://schemas.microsoft.com/office/drawing/2010/main" Requires="a14">
           <p:sp>
             <p:nvSpPr>
               <p:cNvPr id="9" name="TextBox 8">
@@ -4939,7 +4394,7 @@
             </p:nvSpPr>
             <p:spPr>
               <a:xfrm>
-                <a:off x="8444564" y="902103"/>
+                <a:off x="9216733" y="988024"/>
                 <a:ext cx="1318040" cy="369332"/>
               </a:xfrm>
               <a:prstGeom prst="rect">
@@ -4977,7 +4432,7 @@
             </p:txBody>
           </p:sp>
         </mc:Choice>
-        <mc:Fallback xmlns="">
+        <mc:Fallback>
           <p:sp>
             <p:nvSpPr>
               <p:cNvPr id="9" name="TextBox 8">
@@ -4994,16 +4449,16 @@
             </p:nvSpPr>
             <p:spPr>
               <a:xfrm>
-                <a:off x="8444564" y="902103"/>
+                <a:off x="9216733" y="988024"/>
                 <a:ext cx="1318040" cy="369332"/>
               </a:xfrm>
               <a:prstGeom prst="rect">
                 <a:avLst/>
               </a:prstGeom>
               <a:blipFill>
-                <a:blip r:embed="rId6"/>
+                <a:blip r:embed="rId5"/>
                 <a:stretch>
-                  <a:fillRect t="-8197" b="-26230"/>
+                  <a:fillRect t="-6557" b="-26230"/>
                 </a:stretch>
               </a:blipFill>
             </p:spPr>
@@ -5037,14 +4492,14 @@
           <p:nvPr/>
         </p:nvPicPr>
         <p:blipFill>
-          <a:blip r:embed="rId7"/>
+          <a:blip r:embed="rId6"/>
           <a:stretch>
             <a:fillRect/>
           </a:stretch>
         </p:blipFill>
         <p:spPr>
           <a:xfrm>
-            <a:off x="5917453" y="1529742"/>
+            <a:off x="6689622" y="1615663"/>
             <a:ext cx="1734342" cy="2287997"/>
           </a:xfrm>
           <a:prstGeom prst="rect">
@@ -5054,10 +4509,10 @@
       </p:pic>
       <p:pic>
         <p:nvPicPr>
-          <p:cNvPr id="11" name="Picture 10">
-            <a:extLst>
-              <a:ext uri="{FF2B5EF4-FFF2-40B4-BE49-F238E27FC236}">
-                <a16:creationId xmlns:a16="http://schemas.microsoft.com/office/drawing/2014/main" id="{406B3EA0-7D03-289E-17D2-C246CF09B9D7}"/>
+          <p:cNvPr id="17" name="Picture 16">
+            <a:extLst>
+              <a:ext uri="{FF2B5EF4-FFF2-40B4-BE49-F238E27FC236}">
+                <a16:creationId xmlns:a16="http://schemas.microsoft.com/office/drawing/2014/main" id="{E8D234D4-4820-D053-F339-2D32E7706173}"/>
               </a:ext>
             </a:extLst>
           </p:cNvPr>
@@ -5067,44 +4522,14 @@
           <p:nvPr/>
         </p:nvPicPr>
         <p:blipFill>
-          <a:blip r:embed="rId8"/>
+          <a:blip r:embed="rId7"/>
           <a:stretch>
             <a:fillRect/>
           </a:stretch>
         </p:blipFill>
         <p:spPr>
           <a:xfrm>
-            <a:off x="5974390" y="4250523"/>
-            <a:ext cx="2057544" cy="2177319"/>
-          </a:xfrm>
-          <a:prstGeom prst="rect">
-            <a:avLst/>
-          </a:prstGeom>
-        </p:spPr>
-      </p:pic>
-      <p:pic>
-        <p:nvPicPr>
-          <p:cNvPr id="17" name="Picture 16">
-            <a:extLst>
-              <a:ext uri="{FF2B5EF4-FFF2-40B4-BE49-F238E27FC236}">
-                <a16:creationId xmlns:a16="http://schemas.microsoft.com/office/drawing/2014/main" id="{E8D234D4-4820-D053-F339-2D32E7706173}"/>
-              </a:ext>
-            </a:extLst>
-          </p:cNvPr>
-          <p:cNvPicPr>
-            <a:picLocks noChangeAspect="1"/>
-          </p:cNvPicPr>
-          <p:nvPr/>
-        </p:nvPicPr>
-        <p:blipFill>
-          <a:blip r:embed="rId9"/>
-          <a:stretch>
-            <a:fillRect/>
-          </a:stretch>
-        </p:blipFill>
-        <p:spPr>
-          <a:xfrm>
-            <a:off x="8183548" y="1524405"/>
+            <a:off x="8955717" y="1610326"/>
             <a:ext cx="1521304" cy="2345623"/>
           </a:xfrm>
           <a:prstGeom prst="rect">
@@ -5112,55 +4537,8 @@
           </a:prstGeom>
         </p:spPr>
       </p:pic>
-      <p:pic>
-        <p:nvPicPr>
-          <p:cNvPr id="20" name="Picture 2">
-            <a:extLst>
-              <a:ext uri="{FF2B5EF4-FFF2-40B4-BE49-F238E27FC236}">
-                <a16:creationId xmlns:a16="http://schemas.microsoft.com/office/drawing/2014/main" id="{BE025E67-221A-FCE4-B307-3FF4B6B21FE7}"/>
-              </a:ext>
-            </a:extLst>
-          </p:cNvPr>
-          <p:cNvPicPr>
-            <a:picLocks noChangeAspect="1" noChangeArrowheads="1"/>
-          </p:cNvPicPr>
-          <p:nvPr/>
-        </p:nvPicPr>
-        <p:blipFill>
-          <a:blip r:embed="rId10">
-            <a:extLst>
-              <a:ext uri="{28A0092B-C50C-407E-A947-70E740481C1C}">
-                <a14:useLocalDpi xmlns:a14="http://schemas.microsoft.com/office/drawing/2010/main" val="0"/>
-              </a:ext>
-            </a:extLst>
-          </a:blip>
-          <a:srcRect/>
-          <a:stretch>
-            <a:fillRect/>
-          </a:stretch>
-        </p:blipFill>
-        <p:spPr bwMode="auto">
-          <a:xfrm>
-            <a:off x="8183159" y="4250523"/>
-            <a:ext cx="1796609" cy="2177319"/>
-          </a:xfrm>
-          <a:prstGeom prst="rect">
-            <a:avLst/>
-          </a:prstGeom>
-          <a:noFill/>
-          <a:extLst>
-            <a:ext uri="{909E8E84-426E-40DD-AFC4-6F175D3DCCD1}">
-              <a14:hiddenFill xmlns:a14="http://schemas.microsoft.com/office/drawing/2010/main">
-                <a:solidFill>
-                  <a:srgbClr val="FFFFFF"/>
-                </a:solidFill>
-              </a14:hiddenFill>
-            </a:ext>
-          </a:extLst>
-        </p:spPr>
-      </p:pic>
-      <mc:AlternateContent xmlns:mc="http://schemas.openxmlformats.org/markup-compatibility/2006" xmlns:a14="http://schemas.microsoft.com/office/drawing/2010/main">
-        <mc:Choice Requires="a14">
+      <mc:AlternateContent xmlns:mc="http://schemas.openxmlformats.org/markup-compatibility/2006">
+        <mc:Choice xmlns:a14="http://schemas.microsoft.com/office/drawing/2010/main" Requires="a14">
           <p:sp>
             <p:nvSpPr>
               <p:cNvPr id="25" name="TextBox 24">
@@ -5175,7 +4553,7 @@
             </p:nvSpPr>
             <p:spPr>
               <a:xfrm>
-                <a:off x="2097150" y="960855"/>
+                <a:off x="2869319" y="1046776"/>
                 <a:ext cx="1237130" cy="369332"/>
               </a:xfrm>
               <a:prstGeom prst="rect">
@@ -5216,7 +4594,7 @@
             </p:txBody>
           </p:sp>
         </mc:Choice>
-        <mc:Fallback xmlns="">
+        <mc:Fallback>
           <p:sp>
             <p:nvSpPr>
               <p:cNvPr id="25" name="TextBox 24">
@@ -5233,7 +4611,241 @@
             </p:nvSpPr>
             <p:spPr>
               <a:xfrm>
-                <a:off x="2097150" y="960855"/>
+                <a:off x="2869319" y="1046776"/>
+                <a:ext cx="1237130" cy="369332"/>
+              </a:xfrm>
+              <a:prstGeom prst="rect">
+                <a:avLst/>
+              </a:prstGeom>
+              <a:blipFill>
+                <a:blip r:embed="rId8"/>
+                <a:stretch>
+                  <a:fillRect/>
+                </a:stretch>
+              </a:blipFill>
+            </p:spPr>
+            <p:txBody>
+              <a:bodyPr/>
+              <a:lstStyle/>
+              <a:p>
+                <a:r>
+                  <a:rPr lang="en-US">
+                    <a:noFill/>
+                  </a:rPr>
+                  <a:t> </a:t>
+                </a:r>
+              </a:p>
+            </p:txBody>
+          </p:sp>
+        </mc:Fallback>
+      </mc:AlternateContent>
+      <p:pic>
+        <p:nvPicPr>
+          <p:cNvPr id="14" name="Picture 13">
+            <a:extLst>
+              <a:ext uri="{FF2B5EF4-FFF2-40B4-BE49-F238E27FC236}">
+                <a16:creationId xmlns:a16="http://schemas.microsoft.com/office/drawing/2014/main" id="{463AE8D8-A25D-2F6A-66E7-9FC8C6D38268}"/>
+              </a:ext>
+            </a:extLst>
+          </p:cNvPr>
+          <p:cNvPicPr>
+            <a:picLocks noChangeAspect="1"/>
+          </p:cNvPicPr>
+          <p:nvPr/>
+        </p:nvPicPr>
+        <p:blipFill>
+          <a:blip r:embed="rId9"/>
+          <a:stretch>
+            <a:fillRect/>
+          </a:stretch>
+        </p:blipFill>
+        <p:spPr>
+          <a:xfrm>
+            <a:off x="2304770" y="1649226"/>
+            <a:ext cx="2241904" cy="2267822"/>
+          </a:xfrm>
+          <a:prstGeom prst="rect">
+            <a:avLst/>
+          </a:prstGeom>
+        </p:spPr>
+      </p:pic>
+      <mc:AlternateContent xmlns:mc="http://schemas.openxmlformats.org/markup-compatibility/2006">
+        <mc:Choice xmlns:a14="http://schemas.microsoft.com/office/drawing/2010/main" Requires="a14">
+          <p:sp>
+            <p:nvSpPr>
+              <p:cNvPr id="2" name="TextBox 1">
+                <a:extLst>
+                  <a:ext uri="{FF2B5EF4-FFF2-40B4-BE49-F238E27FC236}">
+                    <a16:creationId xmlns:a16="http://schemas.microsoft.com/office/drawing/2014/main" id="{B9C2C58B-2EA2-57C1-7C14-96F4B863A27F}"/>
+                  </a:ext>
+                </a:extLst>
+              </p:cNvPr>
+              <p:cNvSpPr txBox="1"/>
+              <p:nvPr/>
+            </p:nvSpPr>
+            <p:spPr>
+              <a:xfrm>
+                <a:off x="408832" y="2361751"/>
+                <a:ext cx="1237130" cy="369332"/>
+              </a:xfrm>
+              <a:prstGeom prst="rect">
+                <a:avLst/>
+              </a:prstGeom>
+              <a:noFill/>
+            </p:spPr>
+            <p:txBody>
+              <a:bodyPr wrap="square" rtlCol="0">
+                <a:spAutoFit/>
+              </a:bodyPr>
+              <a:lstStyle/>
+              <a:p>
+                <a:pPr/>
+                <a14:m>
+                  <m:oMathPara xmlns:m="http://schemas.openxmlformats.org/officeDocument/2006/math">
+                    <m:oMathParaPr>
+                      <m:jc m:val="centerGroup"/>
+                    </m:oMathParaPr>
+                    <m:oMath xmlns:m="http://schemas.openxmlformats.org/officeDocument/2006/math">
+                      <m:r>
+                        <a:rPr lang="en-US" b="0" i="1" smtClean="0">
+                          <a:latin typeface="Cambria Math" panose="02040503050406030204" pitchFamily="18" charset="0"/>
+                        </a:rPr>
+                        <m:t>𝛼</m:t>
+                      </m:r>
+                      <m:r>
+                        <a:rPr lang="en-US" b="0" i="1" smtClean="0">
+                          <a:latin typeface="Cambria Math" panose="02040503050406030204" pitchFamily="18" charset="0"/>
+                        </a:rPr>
+                        <m:t>=0.30</m:t>
+                      </m:r>
+                    </m:oMath>
+                  </m:oMathPara>
+                </a14:m>
+                <a:endParaRPr lang="en-US" dirty="0"/>
+              </a:p>
+            </p:txBody>
+          </p:sp>
+        </mc:Choice>
+        <mc:Fallback>
+          <p:sp>
+            <p:nvSpPr>
+              <p:cNvPr id="2" name="TextBox 1">
+                <a:extLst>
+                  <a:ext uri="{FF2B5EF4-FFF2-40B4-BE49-F238E27FC236}">
+                    <a16:creationId xmlns:a16="http://schemas.microsoft.com/office/drawing/2014/main" id="{B9C2C58B-2EA2-57C1-7C14-96F4B863A27F}"/>
+                  </a:ext>
+                </a:extLst>
+              </p:cNvPr>
+              <p:cNvSpPr txBox="1">
+                <a:spLocks noRot="1" noChangeAspect="1" noMove="1" noResize="1" noEditPoints="1" noAdjustHandles="1" noChangeArrowheads="1" noChangeShapeType="1" noTextEdit="1"/>
+              </p:cNvSpPr>
+              <p:nvPr/>
+            </p:nvSpPr>
+            <p:spPr>
+              <a:xfrm>
+                <a:off x="408832" y="2361751"/>
+                <a:ext cx="1237130" cy="369332"/>
+              </a:xfrm>
+              <a:prstGeom prst="rect">
+                <a:avLst/>
+              </a:prstGeom>
+              <a:blipFill>
+                <a:blip r:embed="rId10"/>
+                <a:stretch>
+                  <a:fillRect/>
+                </a:stretch>
+              </a:blipFill>
+            </p:spPr>
+            <p:txBody>
+              <a:bodyPr/>
+              <a:lstStyle/>
+              <a:p>
+                <a:r>
+                  <a:rPr lang="en-US">
+                    <a:noFill/>
+                  </a:rPr>
+                  <a:t> </a:t>
+                </a:r>
+              </a:p>
+            </p:txBody>
+          </p:sp>
+        </mc:Fallback>
+      </mc:AlternateContent>
+      <mc:AlternateContent xmlns:mc="http://schemas.openxmlformats.org/markup-compatibility/2006">
+        <mc:Choice xmlns:a14="http://schemas.microsoft.com/office/drawing/2010/main" Requires="a14">
+          <p:sp>
+            <p:nvSpPr>
+              <p:cNvPr id="4" name="TextBox 3">
+                <a:extLst>
+                  <a:ext uri="{FF2B5EF4-FFF2-40B4-BE49-F238E27FC236}">
+                    <a16:creationId xmlns:a16="http://schemas.microsoft.com/office/drawing/2014/main" id="{A0E8D332-9447-B68E-8BCA-2DEB88A8A955}"/>
+                  </a:ext>
+                </a:extLst>
+              </p:cNvPr>
+              <p:cNvSpPr txBox="1"/>
+              <p:nvPr/>
+            </p:nvSpPr>
+            <p:spPr>
+              <a:xfrm>
+                <a:off x="420229" y="5083815"/>
+                <a:ext cx="1237130" cy="369332"/>
+              </a:xfrm>
+              <a:prstGeom prst="rect">
+                <a:avLst/>
+              </a:prstGeom>
+              <a:noFill/>
+            </p:spPr>
+            <p:txBody>
+              <a:bodyPr wrap="square" rtlCol="0">
+                <a:spAutoFit/>
+              </a:bodyPr>
+              <a:lstStyle/>
+              <a:p>
+                <a:pPr/>
+                <a14:m>
+                  <m:oMathPara xmlns:m="http://schemas.openxmlformats.org/officeDocument/2006/math">
+                    <m:oMathParaPr>
+                      <m:jc m:val="centerGroup"/>
+                    </m:oMathParaPr>
+                    <m:oMath xmlns:m="http://schemas.openxmlformats.org/officeDocument/2006/math">
+                      <m:r>
+                        <a:rPr lang="en-US" b="0" i="1" smtClean="0">
+                          <a:latin typeface="Cambria Math" panose="02040503050406030204" pitchFamily="18" charset="0"/>
+                        </a:rPr>
+                        <m:t>𝛼</m:t>
+                      </m:r>
+                      <m:r>
+                        <a:rPr lang="en-US" b="0" i="1" smtClean="0">
+                          <a:latin typeface="Cambria Math" panose="02040503050406030204" pitchFamily="18" charset="0"/>
+                        </a:rPr>
+                        <m:t>=0.30</m:t>
+                      </m:r>
+                    </m:oMath>
+                  </m:oMathPara>
+                </a14:m>
+                <a:endParaRPr lang="en-US" dirty="0"/>
+              </a:p>
+            </p:txBody>
+          </p:sp>
+        </mc:Choice>
+        <mc:Fallback>
+          <p:sp>
+            <p:nvSpPr>
+              <p:cNvPr id="4" name="TextBox 3">
+                <a:extLst>
+                  <a:ext uri="{FF2B5EF4-FFF2-40B4-BE49-F238E27FC236}">
+                    <a16:creationId xmlns:a16="http://schemas.microsoft.com/office/drawing/2014/main" id="{A0E8D332-9447-B68E-8BCA-2DEB88A8A955}"/>
+                  </a:ext>
+                </a:extLst>
+              </p:cNvPr>
+              <p:cNvSpPr txBox="1">
+                <a:spLocks noRot="1" noChangeAspect="1" noMove="1" noResize="1" noEditPoints="1" noAdjustHandles="1" noChangeArrowheads="1" noChangeShapeType="1" noTextEdit="1"/>
+              </p:cNvSpPr>
+              <p:nvPr/>
+            </p:nvSpPr>
+            <p:spPr>
+              <a:xfrm>
+                <a:off x="420229" y="5083815"/>
                 <a:ext cx="1237130" cy="369332"/>
               </a:xfrm>
               <a:prstGeom prst="rect">
@@ -5263,10 +4875,10 @@
       </mc:AlternateContent>
       <p:pic>
         <p:nvPicPr>
-          <p:cNvPr id="14" name="Picture 13">
-            <a:extLst>
-              <a:ext uri="{FF2B5EF4-FFF2-40B4-BE49-F238E27FC236}">
-                <a16:creationId xmlns:a16="http://schemas.microsoft.com/office/drawing/2014/main" id="{463AE8D8-A25D-2F6A-66E7-9FC8C6D38268}"/>
+          <p:cNvPr id="13" name="Picture 12">
+            <a:extLst>
+              <a:ext uri="{FF2B5EF4-FFF2-40B4-BE49-F238E27FC236}">
+                <a16:creationId xmlns:a16="http://schemas.microsoft.com/office/drawing/2014/main" id="{6CBCB119-DA00-0004-1E90-1B18751DDA58}"/>
               </a:ext>
             </a:extLst>
           </p:cNvPr>
@@ -5283,8 +4895,8 @@
         </p:blipFill>
         <p:spPr>
           <a:xfrm>
-            <a:off x="1532601" y="1563305"/>
-            <a:ext cx="2241904" cy="2267822"/>
+            <a:off x="2560698" y="4580593"/>
+            <a:ext cx="1855254" cy="1888622"/>
           </a:xfrm>
           <a:prstGeom prst="rect">
             <a:avLst/>
@@ -5293,10 +4905,244 @@
       </p:pic>
       <p:pic>
         <p:nvPicPr>
-          <p:cNvPr id="15" name="Picture 2">
-            <a:extLst>
-              <a:ext uri="{FF2B5EF4-FFF2-40B4-BE49-F238E27FC236}">
-                <a16:creationId xmlns:a16="http://schemas.microsoft.com/office/drawing/2014/main" id="{0D2259BA-BC67-C113-1BD0-871FCEF11AE3}"/>
+          <p:cNvPr id="16" name="Picture 15">
+            <a:extLst>
+              <a:ext uri="{FF2B5EF4-FFF2-40B4-BE49-F238E27FC236}">
+                <a16:creationId xmlns:a16="http://schemas.microsoft.com/office/drawing/2014/main" id="{50E0323C-CB9B-EC90-6057-7099214F5509}"/>
+              </a:ext>
+            </a:extLst>
+          </p:cNvPr>
+          <p:cNvPicPr>
+            <a:picLocks noChangeAspect="1"/>
+          </p:cNvPicPr>
+          <p:nvPr/>
+        </p:nvPicPr>
+        <p:blipFill>
+          <a:blip r:embed="rId13"/>
+          <a:stretch>
+            <a:fillRect/>
+          </a:stretch>
+        </p:blipFill>
+        <p:spPr>
+          <a:xfrm>
+            <a:off x="5609194" y="4624293"/>
+            <a:ext cx="1734343" cy="1844922"/>
+          </a:xfrm>
+          <a:prstGeom prst="rect">
+            <a:avLst/>
+          </a:prstGeom>
+        </p:spPr>
+      </p:pic>
+      <mc:AlternateContent xmlns:mc="http://schemas.openxmlformats.org/markup-compatibility/2006">
+        <mc:Choice xmlns:a14="http://schemas.microsoft.com/office/drawing/2010/main" Requires="a14">
+          <p:sp>
+            <p:nvSpPr>
+              <p:cNvPr id="18" name="TextBox 17">
+                <a:extLst>
+                  <a:ext uri="{FF2B5EF4-FFF2-40B4-BE49-F238E27FC236}">
+                    <a16:creationId xmlns:a16="http://schemas.microsoft.com/office/drawing/2014/main" id="{9091535F-74A0-48B2-75AA-E8D6327EB23C}"/>
+                  </a:ext>
+                </a:extLst>
+              </p:cNvPr>
+              <p:cNvSpPr txBox="1"/>
+              <p:nvPr/>
+            </p:nvSpPr>
+            <p:spPr>
+              <a:xfrm>
+                <a:off x="2928701" y="4288886"/>
+                <a:ext cx="1237130" cy="369332"/>
+              </a:xfrm>
+              <a:prstGeom prst="rect">
+                <a:avLst/>
+              </a:prstGeom>
+              <a:noFill/>
+            </p:spPr>
+            <p:txBody>
+              <a:bodyPr wrap="square" rtlCol="0">
+                <a:spAutoFit/>
+              </a:bodyPr>
+              <a:lstStyle/>
+              <a:p>
+                <a:pPr/>
+                <a14:m>
+                  <m:oMathPara xmlns:m="http://schemas.openxmlformats.org/officeDocument/2006/math">
+                    <m:oMathParaPr>
+                      <m:jc m:val="centerGroup"/>
+                    </m:oMathParaPr>
+                    <m:oMath xmlns:m="http://schemas.openxmlformats.org/officeDocument/2006/math">
+                      <m:r>
+                        <a:rPr lang="en-US" b="0" i="1" smtClean="0">
+                          <a:latin typeface="Cambria Math" panose="02040503050406030204" pitchFamily="18" charset="0"/>
+                        </a:rPr>
+                        <m:t>𝜎</m:t>
+                      </m:r>
+                      <m:r>
+                        <a:rPr lang="en-US" b="0" i="1" smtClean="0">
+                          <a:latin typeface="Cambria Math" panose="02040503050406030204" pitchFamily="18" charset="0"/>
+                        </a:rPr>
+                        <m:t>=0.003</m:t>
+                      </m:r>
+                    </m:oMath>
+                  </m:oMathPara>
+                </a14:m>
+                <a:endParaRPr lang="en-US" dirty="0"/>
+              </a:p>
+            </p:txBody>
+          </p:sp>
+        </mc:Choice>
+        <mc:Fallback>
+          <p:sp>
+            <p:nvSpPr>
+              <p:cNvPr id="18" name="TextBox 17">
+                <a:extLst>
+                  <a:ext uri="{FF2B5EF4-FFF2-40B4-BE49-F238E27FC236}">
+                    <a16:creationId xmlns:a16="http://schemas.microsoft.com/office/drawing/2014/main" id="{9091535F-74A0-48B2-75AA-E8D6327EB23C}"/>
+                  </a:ext>
+                </a:extLst>
+              </p:cNvPr>
+              <p:cNvSpPr txBox="1">
+                <a:spLocks noRot="1" noChangeAspect="1" noMove="1" noResize="1" noEditPoints="1" noAdjustHandles="1" noChangeArrowheads="1" noChangeShapeType="1" noTextEdit="1"/>
+              </p:cNvSpPr>
+              <p:nvPr/>
+            </p:nvSpPr>
+            <p:spPr>
+              <a:xfrm>
+                <a:off x="2928701" y="4288886"/>
+                <a:ext cx="1237130" cy="369332"/>
+              </a:xfrm>
+              <a:prstGeom prst="rect">
+                <a:avLst/>
+              </a:prstGeom>
+              <a:blipFill>
+                <a:blip r:embed="rId14"/>
+                <a:stretch>
+                  <a:fillRect/>
+                </a:stretch>
+              </a:blipFill>
+            </p:spPr>
+            <p:txBody>
+              <a:bodyPr/>
+              <a:lstStyle/>
+              <a:p>
+                <a:r>
+                  <a:rPr lang="en-US">
+                    <a:noFill/>
+                  </a:rPr>
+                  <a:t> </a:t>
+                </a:r>
+              </a:p>
+            </p:txBody>
+          </p:sp>
+        </mc:Fallback>
+      </mc:AlternateContent>
+      <mc:AlternateContent xmlns:mc="http://schemas.openxmlformats.org/markup-compatibility/2006">
+        <mc:Choice xmlns:a14="http://schemas.microsoft.com/office/drawing/2010/main" Requires="a14">
+          <p:sp>
+            <p:nvSpPr>
+              <p:cNvPr id="21" name="TextBox 20">
+                <a:extLst>
+                  <a:ext uri="{FF2B5EF4-FFF2-40B4-BE49-F238E27FC236}">
+                    <a16:creationId xmlns:a16="http://schemas.microsoft.com/office/drawing/2014/main" id="{C38BC33F-97A7-8471-28E1-1E9D05C8C55F}"/>
+                  </a:ext>
+                </a:extLst>
+              </p:cNvPr>
+              <p:cNvSpPr txBox="1"/>
+              <p:nvPr/>
+            </p:nvSpPr>
+            <p:spPr>
+              <a:xfrm>
+                <a:off x="5857800" y="4254961"/>
+                <a:ext cx="1237130" cy="369332"/>
+              </a:xfrm>
+              <a:prstGeom prst="rect">
+                <a:avLst/>
+              </a:prstGeom>
+              <a:noFill/>
+            </p:spPr>
+            <p:txBody>
+              <a:bodyPr wrap="square" rtlCol="0">
+                <a:spAutoFit/>
+              </a:bodyPr>
+              <a:lstStyle/>
+              <a:p>
+                <a:pPr/>
+                <a14:m>
+                  <m:oMathPara xmlns:m="http://schemas.openxmlformats.org/officeDocument/2006/math">
+                    <m:oMathParaPr>
+                      <m:jc m:val="centerGroup"/>
+                    </m:oMathParaPr>
+                    <m:oMath xmlns:m="http://schemas.openxmlformats.org/officeDocument/2006/math">
+                      <m:r>
+                        <a:rPr lang="en-US" b="0" i="1" smtClean="0">
+                          <a:latin typeface="Cambria Math" panose="02040503050406030204" pitchFamily="18" charset="0"/>
+                        </a:rPr>
+                        <m:t>𝜎</m:t>
+                      </m:r>
+                      <m:r>
+                        <a:rPr lang="en-US" b="0" i="1" smtClean="0">
+                          <a:latin typeface="Cambria Math" panose="02040503050406030204" pitchFamily="18" charset="0"/>
+                        </a:rPr>
+                        <m:t>=0.005</m:t>
+                      </m:r>
+                    </m:oMath>
+                  </m:oMathPara>
+                </a14:m>
+                <a:endParaRPr lang="en-US" dirty="0"/>
+              </a:p>
+            </p:txBody>
+          </p:sp>
+        </mc:Choice>
+        <mc:Fallback>
+          <p:sp>
+            <p:nvSpPr>
+              <p:cNvPr id="21" name="TextBox 20">
+                <a:extLst>
+                  <a:ext uri="{FF2B5EF4-FFF2-40B4-BE49-F238E27FC236}">
+                    <a16:creationId xmlns:a16="http://schemas.microsoft.com/office/drawing/2014/main" id="{C38BC33F-97A7-8471-28E1-1E9D05C8C55F}"/>
+                  </a:ext>
+                </a:extLst>
+              </p:cNvPr>
+              <p:cNvSpPr txBox="1">
+                <a:spLocks noRot="1" noChangeAspect="1" noMove="1" noResize="1" noEditPoints="1" noAdjustHandles="1" noChangeArrowheads="1" noChangeShapeType="1" noTextEdit="1"/>
+              </p:cNvSpPr>
+              <p:nvPr/>
+            </p:nvSpPr>
+            <p:spPr>
+              <a:xfrm>
+                <a:off x="5857800" y="4254961"/>
+                <a:ext cx="1237130" cy="369332"/>
+              </a:xfrm>
+              <a:prstGeom prst="rect">
+                <a:avLst/>
+              </a:prstGeom>
+              <a:blipFill>
+                <a:blip r:embed="rId15"/>
+                <a:stretch>
+                  <a:fillRect/>
+                </a:stretch>
+              </a:blipFill>
+            </p:spPr>
+            <p:txBody>
+              <a:bodyPr/>
+              <a:lstStyle/>
+              <a:p>
+                <a:r>
+                  <a:rPr lang="en-US">
+                    <a:noFill/>
+                  </a:rPr>
+                  <a:t> </a:t>
+                </a:r>
+              </a:p>
+            </p:txBody>
+          </p:sp>
+        </mc:Fallback>
+      </mc:AlternateContent>
+      <p:pic>
+        <p:nvPicPr>
+          <p:cNvPr id="22" name="Picture 8">
+            <a:extLst>
+              <a:ext uri="{FF2B5EF4-FFF2-40B4-BE49-F238E27FC236}">
+                <a16:creationId xmlns:a16="http://schemas.microsoft.com/office/drawing/2014/main" id="{6850F643-A1B2-613F-293B-317188DA3DCC}"/>
               </a:ext>
             </a:extLst>
           </p:cNvPr>
@@ -5306,7 +5152,7 @@
           <p:nvPr/>
         </p:nvPicPr>
         <p:blipFill>
-          <a:blip r:embed="rId13">
+          <a:blip r:embed="rId16">
             <a:extLst>
               <a:ext uri="{28A0092B-C50C-407E-A947-70E740481C1C}">
                 <a14:useLocalDpi xmlns:a14="http://schemas.microsoft.com/office/drawing/2010/main" val="0"/>
@@ -5320,8 +5166,8 @@
         </p:blipFill>
         <p:spPr bwMode="auto">
           <a:xfrm>
-            <a:off x="1625378" y="4171646"/>
-            <a:ext cx="2056349" cy="2246098"/>
+            <a:off x="8218621" y="4775954"/>
+            <a:ext cx="2532627" cy="1541599"/>
           </a:xfrm>
           <a:prstGeom prst="rect">
             <a:avLst/>
@@ -5338,6 +5184,216 @@
           </a:extLst>
         </p:spPr>
       </p:pic>
+      <mc:AlternateContent xmlns:mc="http://schemas.openxmlformats.org/markup-compatibility/2006">
+        <mc:Choice xmlns:a14="http://schemas.microsoft.com/office/drawing/2010/main" Requires="a14">
+          <p:sp>
+            <p:nvSpPr>
+              <p:cNvPr id="23" name="TextBox 22">
+                <a:extLst>
+                  <a:ext uri="{FF2B5EF4-FFF2-40B4-BE49-F238E27FC236}">
+                    <a16:creationId xmlns:a16="http://schemas.microsoft.com/office/drawing/2014/main" id="{FAEAB309-1955-2AD4-A24F-8C624DFE26AC}"/>
+                  </a:ext>
+                </a:extLst>
+              </p:cNvPr>
+              <p:cNvSpPr txBox="1"/>
+              <p:nvPr/>
+            </p:nvSpPr>
+            <p:spPr>
+              <a:xfrm>
+                <a:off x="8785385" y="4254961"/>
+                <a:ext cx="1237130" cy="369332"/>
+              </a:xfrm>
+              <a:prstGeom prst="rect">
+                <a:avLst/>
+              </a:prstGeom>
+              <a:noFill/>
+            </p:spPr>
+            <p:txBody>
+              <a:bodyPr wrap="square" rtlCol="0">
+                <a:spAutoFit/>
+              </a:bodyPr>
+              <a:lstStyle/>
+              <a:p>
+                <a:pPr/>
+                <a14:m>
+                  <m:oMathPara xmlns:m="http://schemas.openxmlformats.org/officeDocument/2006/math">
+                    <m:oMathParaPr>
+                      <m:jc m:val="centerGroup"/>
+                    </m:oMathParaPr>
+                    <m:oMath xmlns:m="http://schemas.openxmlformats.org/officeDocument/2006/math">
+                      <m:r>
+                        <a:rPr lang="en-US" b="0" i="1" smtClean="0">
+                          <a:latin typeface="Cambria Math" panose="02040503050406030204" pitchFamily="18" charset="0"/>
+                        </a:rPr>
+                        <m:t>𝜎</m:t>
+                      </m:r>
+                      <m:r>
+                        <a:rPr lang="en-US" b="0" i="1" smtClean="0">
+                          <a:latin typeface="Cambria Math" panose="02040503050406030204" pitchFamily="18" charset="0"/>
+                        </a:rPr>
+                        <m:t>=0.007</m:t>
+                      </m:r>
+                    </m:oMath>
+                  </m:oMathPara>
+                </a14:m>
+                <a:endParaRPr lang="en-US" dirty="0"/>
+              </a:p>
+            </p:txBody>
+          </p:sp>
+        </mc:Choice>
+        <mc:Fallback>
+          <p:sp>
+            <p:nvSpPr>
+              <p:cNvPr id="23" name="TextBox 22">
+                <a:extLst>
+                  <a:ext uri="{FF2B5EF4-FFF2-40B4-BE49-F238E27FC236}">
+                    <a16:creationId xmlns:a16="http://schemas.microsoft.com/office/drawing/2014/main" id="{FAEAB309-1955-2AD4-A24F-8C624DFE26AC}"/>
+                  </a:ext>
+                </a:extLst>
+              </p:cNvPr>
+              <p:cNvSpPr txBox="1">
+                <a:spLocks noRot="1" noChangeAspect="1" noMove="1" noResize="1" noEditPoints="1" noAdjustHandles="1" noChangeArrowheads="1" noChangeShapeType="1" noTextEdit="1"/>
+              </p:cNvSpPr>
+              <p:nvPr/>
+            </p:nvSpPr>
+            <p:spPr>
+              <a:xfrm>
+                <a:off x="8785385" y="4254961"/>
+                <a:ext cx="1237130" cy="369332"/>
+              </a:xfrm>
+              <a:prstGeom prst="rect">
+                <a:avLst/>
+              </a:prstGeom>
+              <a:blipFill>
+                <a:blip r:embed="rId17"/>
+                <a:stretch>
+                  <a:fillRect/>
+                </a:stretch>
+              </a:blipFill>
+            </p:spPr>
+            <p:txBody>
+              <a:bodyPr/>
+              <a:lstStyle/>
+              <a:p>
+                <a:r>
+                  <a:rPr lang="en-US">
+                    <a:noFill/>
+                  </a:rPr>
+                  <a:t> </a:t>
+                </a:r>
+              </a:p>
+            </p:txBody>
+          </p:sp>
+        </mc:Fallback>
+      </mc:AlternateContent>
+      <p:sp>
+        <p:nvSpPr>
+          <p:cNvPr id="24" name="TextBox 23">
+            <a:extLst>
+              <a:ext uri="{FF2B5EF4-FFF2-40B4-BE49-F238E27FC236}">
+                <a16:creationId xmlns:a16="http://schemas.microsoft.com/office/drawing/2014/main" id="{118AD73A-29D8-9658-CF28-60A4E5F0FF95}"/>
+              </a:ext>
+            </a:extLst>
+          </p:cNvPr>
+          <p:cNvSpPr txBox="1"/>
+          <p:nvPr/>
+        </p:nvSpPr>
+        <p:spPr>
+          <a:xfrm>
+            <a:off x="2164705" y="6469215"/>
+            <a:ext cx="2765121" cy="369332"/>
+          </a:xfrm>
+          <a:prstGeom prst="rect">
+            <a:avLst/>
+          </a:prstGeom>
+          <a:noFill/>
+        </p:spPr>
+        <p:txBody>
+          <a:bodyPr wrap="square" rtlCol="0">
+            <a:spAutoFit/>
+          </a:bodyPr>
+          <a:lstStyle/>
+          <a:p>
+            <a:pPr algn="ctr"/>
+            <a:r>
+              <a:rPr lang="en-US" dirty="0"/>
+              <a:t>Need to finalize</a:t>
+            </a:r>
+          </a:p>
+        </p:txBody>
+      </p:sp>
+      <p:sp>
+        <p:nvSpPr>
+          <p:cNvPr id="26" name="TextBox 25">
+            <a:extLst>
+              <a:ext uri="{FF2B5EF4-FFF2-40B4-BE49-F238E27FC236}">
+                <a16:creationId xmlns:a16="http://schemas.microsoft.com/office/drawing/2014/main" id="{77571A9F-472D-6AD1-E0E3-F404C99DEE6C}"/>
+              </a:ext>
+            </a:extLst>
+          </p:cNvPr>
+          <p:cNvSpPr txBox="1"/>
+          <p:nvPr/>
+        </p:nvSpPr>
+        <p:spPr>
+          <a:xfrm>
+            <a:off x="2276064" y="3644835"/>
+            <a:ext cx="2765121" cy="369332"/>
+          </a:xfrm>
+          <a:prstGeom prst="rect">
+            <a:avLst/>
+          </a:prstGeom>
+          <a:noFill/>
+        </p:spPr>
+        <p:txBody>
+          <a:bodyPr wrap="square" rtlCol="0">
+            <a:spAutoFit/>
+          </a:bodyPr>
+          <a:lstStyle/>
+          <a:p>
+            <a:pPr algn="ctr"/>
+            <a:r>
+              <a:rPr lang="en-US" dirty="0"/>
+              <a:t>Need to finalize</a:t>
+            </a:r>
+          </a:p>
+        </p:txBody>
+      </p:sp>
+      <p:sp>
+        <p:nvSpPr>
+          <p:cNvPr id="27" name="TextBox 26">
+            <a:extLst>
+              <a:ext uri="{FF2B5EF4-FFF2-40B4-BE49-F238E27FC236}">
+                <a16:creationId xmlns:a16="http://schemas.microsoft.com/office/drawing/2014/main" id="{57F05824-3CFA-F24E-5403-43CF55B3CE0F}"/>
+              </a:ext>
+            </a:extLst>
+          </p:cNvPr>
+          <p:cNvSpPr txBox="1"/>
+          <p:nvPr/>
+        </p:nvSpPr>
+        <p:spPr>
+          <a:xfrm>
+            <a:off x="4385696" y="3623973"/>
+            <a:ext cx="2765121" cy="369332"/>
+          </a:xfrm>
+          <a:prstGeom prst="rect">
+            <a:avLst/>
+          </a:prstGeom>
+          <a:noFill/>
+        </p:spPr>
+        <p:txBody>
+          <a:bodyPr wrap="square" rtlCol="0">
+            <a:spAutoFit/>
+          </a:bodyPr>
+          <a:lstStyle/>
+          <a:p>
+            <a:pPr algn="ctr"/>
+            <a:r>
+              <a:rPr lang="en-US" dirty="0"/>
+              <a:t>Need to finalize</a:t>
+            </a:r>
+          </a:p>
+        </p:txBody>
+      </p:sp>
     </p:spTree>
     <p:extLst>
       <p:ext uri="{BB962C8B-B14F-4D97-AF65-F5344CB8AC3E}">
@@ -5351,7 +5407,7 @@
 </p:sld>
 </file>
 
-<file path=ppt/slides/slide5.xml><?xml version="1.0" encoding="utf-8"?>
+<file path=ppt/slides/slide4.xml><?xml version="1.0" encoding="utf-8"?>
 <p:sld xmlns:a="http://schemas.openxmlformats.org/drawingml/2006/main" xmlns:r="http://schemas.openxmlformats.org/officeDocument/2006/relationships" xmlns:p="http://schemas.openxmlformats.org/presentationml/2006/main">
   <p:cSld>
     <p:spTree>
@@ -5359,7 +5415,7 @@
         <p:cNvPr id="1" name="">
           <a:extLst>
             <a:ext uri="{FF2B5EF4-FFF2-40B4-BE49-F238E27FC236}">
-              <a16:creationId xmlns:a16="http://schemas.microsoft.com/office/drawing/2014/main" id="{7D49501A-FCEE-80E2-5DBA-86A0CB3E8FE8}"/>
+              <a16:creationId xmlns:a16="http://schemas.microsoft.com/office/drawing/2014/main" id="{C775864A-3E80-27B5-12D7-24634AF6EA24}"/>
             </a:ext>
           </a:extLst>
         </p:cNvPr>
@@ -5376,90 +5432,10 @@
       </p:grpSpPr>
       <p:pic>
         <p:nvPicPr>
-          <p:cNvPr id="15" name="Picture 6">
-            <a:extLst>
-              <a:ext uri="{FF2B5EF4-FFF2-40B4-BE49-F238E27FC236}">
-                <a16:creationId xmlns:a16="http://schemas.microsoft.com/office/drawing/2014/main" id="{51A8B85E-CBCA-B33E-72E8-8E92DD59F162}"/>
-              </a:ext>
-            </a:extLst>
-          </p:cNvPr>
-          <p:cNvPicPr>
-            <a:picLocks noChangeAspect="1" noChangeArrowheads="1"/>
-          </p:cNvPicPr>
-          <p:nvPr/>
-        </p:nvPicPr>
-        <p:blipFill rotWithShape="1">
-          <a:blip r:embed="rId2">
-            <a:extLst>
-              <a:ext uri="{28A0092B-C50C-407E-A947-70E740481C1C}">
-                <a14:useLocalDpi xmlns:a14="http://schemas.microsoft.com/office/drawing/2010/main" val="0"/>
-              </a:ext>
-            </a:extLst>
-          </a:blip>
-          <a:srcRect l="26063" r="26152"/>
-          <a:stretch/>
-        </p:blipFill>
-        <p:spPr bwMode="auto">
-          <a:xfrm>
-            <a:off x="7276753" y="4607859"/>
-            <a:ext cx="1086267" cy="2273222"/>
-          </a:xfrm>
-          <a:prstGeom prst="rect">
-            <a:avLst/>
-          </a:prstGeom>
-          <a:noFill/>
-          <a:extLst>
-            <a:ext uri="{909E8E84-426E-40DD-AFC4-6F175D3DCCD1}">
-              <a14:hiddenFill xmlns:a14="http://schemas.microsoft.com/office/drawing/2010/main">
-                <a:solidFill>
-                  <a:srgbClr val="FFFFFF"/>
-                </a:solidFill>
-              </a14:hiddenFill>
-            </a:ext>
-          </a:extLst>
-        </p:spPr>
-      </p:pic>
-      <p:sp>
-        <p:nvSpPr>
-          <p:cNvPr id="3" name="TextBox 2">
-            <a:extLst>
-              <a:ext uri="{FF2B5EF4-FFF2-40B4-BE49-F238E27FC236}">
-                <a16:creationId xmlns:a16="http://schemas.microsoft.com/office/drawing/2014/main" id="{F6947F9F-AD79-C316-0CC9-726304461962}"/>
-              </a:ext>
-            </a:extLst>
-          </p:cNvPr>
-          <p:cNvSpPr txBox="1"/>
-          <p:nvPr/>
-        </p:nvSpPr>
-        <p:spPr>
-          <a:xfrm>
-            <a:off x="978786" y="302473"/>
-            <a:ext cx="9436032" cy="369332"/>
-          </a:xfrm>
-          <a:prstGeom prst="rect">
-            <a:avLst/>
-          </a:prstGeom>
-          <a:noFill/>
-        </p:spPr>
-        <p:txBody>
-          <a:bodyPr wrap="square" rtlCol="0">
-            <a:spAutoFit/>
-          </a:bodyPr>
-          <a:lstStyle/>
-          <a:p>
-            <a:r>
-              <a:rPr lang="en-US" dirty="0"/>
-              <a:t>Fig 5: Interesting other morphologies? </a:t>
-            </a:r>
-          </a:p>
-        </p:txBody>
-      </p:sp>
-      <p:pic>
-        <p:nvPicPr>
-          <p:cNvPr id="2" name="Picture 1">
-            <a:extLst>
-              <a:ext uri="{FF2B5EF4-FFF2-40B4-BE49-F238E27FC236}">
-                <a16:creationId xmlns:a16="http://schemas.microsoft.com/office/drawing/2014/main" id="{6EAA4040-2F56-F382-413A-6FB6AF500A64}"/>
+          <p:cNvPr id="6" name="Picture 5">
+            <a:extLst>
+              <a:ext uri="{FF2B5EF4-FFF2-40B4-BE49-F238E27FC236}">
+                <a16:creationId xmlns:a16="http://schemas.microsoft.com/office/drawing/2014/main" id="{1A34D515-00E2-61C9-CDB6-DC01BBE36498}"/>
               </a:ext>
             </a:extLst>
           </p:cNvPr>
@@ -5469,59 +5445,29 @@
           <p:nvPr/>
         </p:nvPicPr>
         <p:blipFill>
-          <a:blip r:embed="rId3"/>
+          <a:blip r:embed="rId2"/>
           <a:stretch>
             <a:fillRect/>
           </a:stretch>
         </p:blipFill>
         <p:spPr>
           <a:xfrm>
-            <a:off x="2985172" y="1205845"/>
-            <a:ext cx="1296951" cy="1696013"/>
+            <a:off x="4763081" y="1621057"/>
+            <a:ext cx="1600897" cy="2152317"/>
           </a:xfrm>
           <a:prstGeom prst="rect">
             <a:avLst/>
           </a:prstGeom>
         </p:spPr>
       </p:pic>
-      <p:pic>
-        <p:nvPicPr>
-          <p:cNvPr id="4" name="Picture 3">
-            <a:extLst>
-              <a:ext uri="{FF2B5EF4-FFF2-40B4-BE49-F238E27FC236}">
-                <a16:creationId xmlns:a16="http://schemas.microsoft.com/office/drawing/2014/main" id="{9AB04202-DABB-597B-FBE1-AB7ADEEBA9B9}"/>
-              </a:ext>
-            </a:extLst>
-          </p:cNvPr>
-          <p:cNvPicPr>
-            <a:picLocks noChangeAspect="1"/>
-          </p:cNvPicPr>
-          <p:nvPr/>
-        </p:nvPicPr>
-        <p:blipFill>
-          <a:blip r:embed="rId4"/>
-          <a:stretch>
-            <a:fillRect/>
-          </a:stretch>
-        </p:blipFill>
-        <p:spPr>
-          <a:xfrm>
-            <a:off x="3060382" y="3371722"/>
-            <a:ext cx="1116239" cy="1689862"/>
-          </a:xfrm>
-          <a:prstGeom prst="rect">
-            <a:avLst/>
-          </a:prstGeom>
-        </p:spPr>
-      </p:pic>
-      <mc:AlternateContent xmlns:mc="http://schemas.openxmlformats.org/markup-compatibility/2006" xmlns:a14="http://schemas.microsoft.com/office/drawing/2010/main">
-        <mc:Choice Requires="a14">
+      <mc:AlternateContent xmlns:mc="http://schemas.openxmlformats.org/markup-compatibility/2006">
+        <mc:Choice xmlns:a14="http://schemas.microsoft.com/office/drawing/2010/main" Requires="a14">
           <p:sp>
             <p:nvSpPr>
-              <p:cNvPr id="12" name="TextBox 11">
+              <p:cNvPr id="3" name="TextBox 2">
                 <a:extLst>
                   <a:ext uri="{FF2B5EF4-FFF2-40B4-BE49-F238E27FC236}">
-                    <a16:creationId xmlns:a16="http://schemas.microsoft.com/office/drawing/2014/main" id="{4DB3CE13-1834-340A-996F-C3778AB6B3D0}"/>
+                    <a16:creationId xmlns:a16="http://schemas.microsoft.com/office/drawing/2014/main" id="{B8C03A4E-A217-CDE0-AB00-890419752756}"/>
                   </a:ext>
                 </a:extLst>
               </p:cNvPr>
@@ -5530,7 +5476,115 @@
             </p:nvSpPr>
             <p:spPr>
               <a:xfrm>
-                <a:off x="2999937" y="762545"/>
+                <a:off x="1645962" y="247374"/>
+                <a:ext cx="9436032" cy="369332"/>
+              </a:xfrm>
+              <a:prstGeom prst="rect">
+                <a:avLst/>
+              </a:prstGeom>
+              <a:noFill/>
+            </p:spPr>
+            <p:txBody>
+              <a:bodyPr wrap="square" rtlCol="0">
+                <a:spAutoFit/>
+              </a:bodyPr>
+              <a:lstStyle/>
+              <a:p>
+                <a:r>
+                  <a:rPr lang="en-US" dirty="0"/>
+                  <a:t>Fig 4: </a:t>
+                </a:r>
+                <a:r>
+                  <a:rPr lang="en-US" dirty="0" err="1"/>
+                  <a:t>freeE</a:t>
+                </a:r>
+                <a:r>
+                  <a:rPr lang="en-US" dirty="0"/>
+                  <a:t> for at least </a:t>
+                </a:r>
+                <a14:m>
+                  <m:oMath xmlns:m="http://schemas.openxmlformats.org/officeDocument/2006/math">
+                    <m:r>
+                      <a:rPr lang="en-US" b="0" i="1" smtClean="0">
+                        <a:latin typeface="Cambria Math" panose="02040503050406030204" pitchFamily="18" charset="0"/>
+                      </a:rPr>
+                      <m:t>𝛼</m:t>
+                    </m:r>
+                    <m:r>
+                      <a:rPr lang="en-US" b="0" i="1" smtClean="0">
+                        <a:latin typeface="Cambria Math" panose="02040503050406030204" pitchFamily="18" charset="0"/>
+                      </a:rPr>
+                      <m:t>=0.30</m:t>
+                    </m:r>
+                  </m:oMath>
+                </a14:m>
+                <a:endParaRPr lang="en-US" dirty="0"/>
+              </a:p>
+            </p:txBody>
+          </p:sp>
+        </mc:Choice>
+        <mc:Fallback>
+          <p:sp>
+            <p:nvSpPr>
+              <p:cNvPr id="3" name="TextBox 2">
+                <a:extLst>
+                  <a:ext uri="{FF2B5EF4-FFF2-40B4-BE49-F238E27FC236}">
+                    <a16:creationId xmlns:a16="http://schemas.microsoft.com/office/drawing/2014/main" id="{B8C03A4E-A217-CDE0-AB00-890419752756}"/>
+                  </a:ext>
+                </a:extLst>
+              </p:cNvPr>
+              <p:cNvSpPr txBox="1">
+                <a:spLocks noRot="1" noChangeAspect="1" noMove="1" noResize="1" noEditPoints="1" noAdjustHandles="1" noChangeArrowheads="1" noChangeShapeType="1" noTextEdit="1"/>
+              </p:cNvSpPr>
+              <p:nvPr/>
+            </p:nvSpPr>
+            <p:spPr>
+              <a:xfrm>
+                <a:off x="1645962" y="247374"/>
+                <a:ext cx="9436032" cy="369332"/>
+              </a:xfrm>
+              <a:prstGeom prst="rect">
+                <a:avLst/>
+              </a:prstGeom>
+              <a:blipFill>
+                <a:blip r:embed="rId3"/>
+                <a:stretch>
+                  <a:fillRect l="-517" t="-8333" b="-28333"/>
+                </a:stretch>
+              </a:blipFill>
+            </p:spPr>
+            <p:txBody>
+              <a:bodyPr/>
+              <a:lstStyle/>
+              <a:p>
+                <a:r>
+                  <a:rPr lang="en-US">
+                    <a:noFill/>
+                  </a:rPr>
+                  <a:t> </a:t>
+                </a:r>
+              </a:p>
+            </p:txBody>
+          </p:sp>
+        </mc:Fallback>
+      </mc:AlternateContent>
+      <mc:AlternateContent xmlns:mc="http://schemas.openxmlformats.org/markup-compatibility/2006">
+        <mc:Choice xmlns:a14="http://schemas.microsoft.com/office/drawing/2010/main" Requires="a14">
+          <p:sp>
+            <p:nvSpPr>
+              <p:cNvPr id="7" name="TextBox 6">
+                <a:extLst>
+                  <a:ext uri="{FF2B5EF4-FFF2-40B4-BE49-F238E27FC236}">
+                    <a16:creationId xmlns:a16="http://schemas.microsoft.com/office/drawing/2014/main" id="{1395BA66-B5BD-C484-259E-17C88832D7EE}"/>
+                  </a:ext>
+                </a:extLst>
+              </p:cNvPr>
+              <p:cNvSpPr txBox="1"/>
+              <p:nvPr/>
+            </p:nvSpPr>
+            <p:spPr>
+              <a:xfrm>
+                <a:off x="5117595" y="1031794"/>
                 <a:ext cx="1237130" cy="369332"/>
               </a:xfrm>
               <a:prstGeom prst="rect">
@@ -5571,13 +5625,13 @@
             </p:txBody>
           </p:sp>
         </mc:Choice>
-        <mc:Fallback xmlns="">
+        <mc:Fallback>
           <p:sp>
             <p:nvSpPr>
-              <p:cNvPr id="12" name="TextBox 11">
+              <p:cNvPr id="7" name="TextBox 6">
                 <a:extLst>
                   <a:ext uri="{FF2B5EF4-FFF2-40B4-BE49-F238E27FC236}">
-                    <a16:creationId xmlns:a16="http://schemas.microsoft.com/office/drawing/2014/main" id="{4DB3CE13-1834-340A-996F-C3778AB6B3D0}"/>
+                    <a16:creationId xmlns:a16="http://schemas.microsoft.com/office/drawing/2014/main" id="{1395BA66-B5BD-C484-259E-17C88832D7EE}"/>
                   </a:ext>
                 </a:extLst>
               </p:cNvPr>
@@ -5588,8 +5642,116 @@
             </p:nvSpPr>
             <p:spPr>
               <a:xfrm>
-                <a:off x="2999937" y="762545"/>
+                <a:off x="5117595" y="1031794"/>
                 <a:ext cx="1237130" cy="369332"/>
+              </a:xfrm>
+              <a:prstGeom prst="rect">
+                <a:avLst/>
+              </a:prstGeom>
+              <a:blipFill>
+                <a:blip r:embed="rId4"/>
+                <a:stretch>
+                  <a:fillRect/>
+                </a:stretch>
+              </a:blipFill>
+            </p:spPr>
+            <p:txBody>
+              <a:bodyPr/>
+              <a:lstStyle/>
+              <a:p>
+                <a:r>
+                  <a:rPr lang="en-US">
+                    <a:noFill/>
+                  </a:rPr>
+                  <a:t> </a:t>
+                </a:r>
+              </a:p>
+            </p:txBody>
+          </p:sp>
+        </mc:Fallback>
+      </mc:AlternateContent>
+      <mc:AlternateContent xmlns:mc="http://schemas.openxmlformats.org/markup-compatibility/2006">
+        <mc:Choice xmlns:a14="http://schemas.microsoft.com/office/drawing/2010/main" Requires="a14">
+          <p:sp>
+            <p:nvSpPr>
+              <p:cNvPr id="8" name="TextBox 7">
+                <a:extLst>
+                  <a:ext uri="{FF2B5EF4-FFF2-40B4-BE49-F238E27FC236}">
+                    <a16:creationId xmlns:a16="http://schemas.microsoft.com/office/drawing/2014/main" id="{D27DACD4-6295-8280-7BF2-BDB196856B0B}"/>
+                  </a:ext>
+                </a:extLst>
+              </p:cNvPr>
+              <p:cNvSpPr txBox="1"/>
+              <p:nvPr/>
+            </p:nvSpPr>
+            <p:spPr>
+              <a:xfrm>
+                <a:off x="7012597" y="1031794"/>
+                <a:ext cx="1525469" cy="369332"/>
+              </a:xfrm>
+              <a:prstGeom prst="rect">
+                <a:avLst/>
+              </a:prstGeom>
+              <a:noFill/>
+            </p:spPr>
+            <p:txBody>
+              <a:bodyPr wrap="square" rtlCol="0">
+                <a:spAutoFit/>
+              </a:bodyPr>
+              <a:lstStyle/>
+              <a:p>
+                <a:pPr/>
+                <a14:m>
+                  <m:oMathPara xmlns:m="http://schemas.openxmlformats.org/officeDocument/2006/math">
+                    <m:oMathParaPr>
+                      <m:jc m:val="centerGroup"/>
+                    </m:oMathParaPr>
+                    <m:oMath xmlns:m="http://schemas.openxmlformats.org/officeDocument/2006/math">
+                      <m:r>
+                        <a:rPr lang="en-US" b="0" i="1" smtClean="0">
+                          <a:latin typeface="Cambria Math" panose="02040503050406030204" pitchFamily="18" charset="0"/>
+                        </a:rPr>
+                        <m:t>𝜎</m:t>
+                      </m:r>
+                      <m:r>
+                        <a:rPr lang="en-US" b="0" i="1" smtClean="0">
+                          <a:latin typeface="Cambria Math" panose="02040503050406030204" pitchFamily="18" charset="0"/>
+                        </a:rPr>
+                        <m:t>=0.03</m:t>
+                      </m:r>
+                      <m:r>
+                        <a:rPr lang="en-US" b="0" i="0" smtClean="0">
+                          <a:latin typeface="Cambria Math" panose="02040503050406030204" pitchFamily="18" charset="0"/>
+                        </a:rPr>
+                        <m:t>0</m:t>
+                      </m:r>
+                    </m:oMath>
+                  </m:oMathPara>
+                </a14:m>
+                <a:endParaRPr lang="en-US" dirty="0"/>
+              </a:p>
+            </p:txBody>
+          </p:sp>
+        </mc:Choice>
+        <mc:Fallback>
+          <p:sp>
+            <p:nvSpPr>
+              <p:cNvPr id="8" name="TextBox 7">
+                <a:extLst>
+                  <a:ext uri="{FF2B5EF4-FFF2-40B4-BE49-F238E27FC236}">
+                    <a16:creationId xmlns:a16="http://schemas.microsoft.com/office/drawing/2014/main" id="{D27DACD4-6295-8280-7BF2-BDB196856B0B}"/>
+                  </a:ext>
+                </a:extLst>
+              </p:cNvPr>
+              <p:cNvSpPr txBox="1">
+                <a:spLocks noRot="1" noChangeAspect="1" noMove="1" noResize="1" noEditPoints="1" noAdjustHandles="1" noChangeArrowheads="1" noChangeShapeType="1" noTextEdit="1"/>
+              </p:cNvSpPr>
+              <p:nvPr/>
+            </p:nvSpPr>
+            <p:spPr>
+              <a:xfrm>
+                <a:off x="7012597" y="1031794"/>
+                <a:ext cx="1525469" cy="369332"/>
               </a:xfrm>
               <a:prstGeom prst="rect">
                 <a:avLst/>
@@ -5616,14 +5778,14 @@
           </p:sp>
         </mc:Fallback>
       </mc:AlternateContent>
-      <mc:AlternateContent xmlns:mc="http://schemas.openxmlformats.org/markup-compatibility/2006" xmlns:a14="http://schemas.microsoft.com/office/drawing/2010/main">
-        <mc:Choice Requires="a14">
+      <mc:AlternateContent xmlns:mc="http://schemas.openxmlformats.org/markup-compatibility/2006">
+        <mc:Choice xmlns:a14="http://schemas.microsoft.com/office/drawing/2010/main" Requires="a14">
           <p:sp>
             <p:nvSpPr>
-              <p:cNvPr id="13" name="TextBox 12">
+              <p:cNvPr id="9" name="TextBox 8">
                 <a:extLst>
                   <a:ext uri="{FF2B5EF4-FFF2-40B4-BE49-F238E27FC236}">
-                    <a16:creationId xmlns:a16="http://schemas.microsoft.com/office/drawing/2014/main" id="{7B70FFC1-434C-7D97-6F98-36654DF62BF7}"/>
+                    <a16:creationId xmlns:a16="http://schemas.microsoft.com/office/drawing/2014/main" id="{1A715C6B-C74C-1587-DB35-25064FAFDB4C}"/>
                   </a:ext>
                 </a:extLst>
               </p:cNvPr>
@@ -5632,7 +5794,166 @@
             </p:nvSpPr>
             <p:spPr>
               <a:xfrm>
-                <a:off x="1347682" y="1869185"/>
+                <a:off x="9216733" y="988024"/>
+                <a:ext cx="1318040" cy="369332"/>
+              </a:xfrm>
+              <a:prstGeom prst="rect">
+                <a:avLst/>
+              </a:prstGeom>
+              <a:noFill/>
+            </p:spPr>
+            <p:txBody>
+              <a:bodyPr wrap="square" rtlCol="0">
+                <a:spAutoFit/>
+              </a:bodyPr>
+              <a:lstStyle/>
+              <a:p>
+                <a14:m>
+                  <m:oMath xmlns:m="http://schemas.openxmlformats.org/officeDocument/2006/math">
+                    <m:r>
+                      <a:rPr lang="en-US" b="0" i="1" smtClean="0">
+                        <a:latin typeface="Cambria Math" panose="02040503050406030204" pitchFamily="18" charset="0"/>
+                      </a:rPr>
+                      <m:t>𝜎</m:t>
+                    </m:r>
+                    <m:r>
+                      <a:rPr lang="en-US" b="0" i="1" smtClean="0">
+                        <a:latin typeface="Cambria Math" panose="02040503050406030204" pitchFamily="18" charset="0"/>
+                      </a:rPr>
+                      <m:t>=0.05</m:t>
+                    </m:r>
+                  </m:oMath>
+                </a14:m>
+                <a:r>
+                  <a:rPr lang="en-US" dirty="0"/>
+                  <a:t>5</a:t>
+                </a:r>
+              </a:p>
+            </p:txBody>
+          </p:sp>
+        </mc:Choice>
+        <mc:Fallback>
+          <p:sp>
+            <p:nvSpPr>
+              <p:cNvPr id="9" name="TextBox 8">
+                <a:extLst>
+                  <a:ext uri="{FF2B5EF4-FFF2-40B4-BE49-F238E27FC236}">
+                    <a16:creationId xmlns:a16="http://schemas.microsoft.com/office/drawing/2014/main" id="{1A715C6B-C74C-1587-DB35-25064FAFDB4C}"/>
+                  </a:ext>
+                </a:extLst>
+              </p:cNvPr>
+              <p:cNvSpPr txBox="1">
+                <a:spLocks noRot="1" noChangeAspect="1" noMove="1" noResize="1" noEditPoints="1" noAdjustHandles="1" noChangeArrowheads="1" noChangeShapeType="1" noTextEdit="1"/>
+              </p:cNvSpPr>
+              <p:nvPr/>
+            </p:nvSpPr>
+            <p:spPr>
+              <a:xfrm>
+                <a:off x="9216733" y="988024"/>
+                <a:ext cx="1318040" cy="369332"/>
+              </a:xfrm>
+              <a:prstGeom prst="rect">
+                <a:avLst/>
+              </a:prstGeom>
+              <a:blipFill>
+                <a:blip r:embed="rId6"/>
+                <a:stretch>
+                  <a:fillRect t="-6557" b="-26230"/>
+                </a:stretch>
+              </a:blipFill>
+            </p:spPr>
+            <p:txBody>
+              <a:bodyPr/>
+              <a:lstStyle/>
+              <a:p>
+                <a:r>
+                  <a:rPr lang="en-US">
+                    <a:noFill/>
+                  </a:rPr>
+                  <a:t> </a:t>
+                </a:r>
+              </a:p>
+            </p:txBody>
+          </p:sp>
+        </mc:Fallback>
+      </mc:AlternateContent>
+      <p:pic>
+        <p:nvPicPr>
+          <p:cNvPr id="5" name="Picture 4">
+            <a:extLst>
+              <a:ext uri="{FF2B5EF4-FFF2-40B4-BE49-F238E27FC236}">
+                <a16:creationId xmlns:a16="http://schemas.microsoft.com/office/drawing/2014/main" id="{42633F4F-4472-FCCD-A3B5-408FC517D76C}"/>
+              </a:ext>
+            </a:extLst>
+          </p:cNvPr>
+          <p:cNvPicPr>
+            <a:picLocks noChangeAspect="1"/>
+          </p:cNvPicPr>
+          <p:nvPr/>
+        </p:nvPicPr>
+        <p:blipFill>
+          <a:blip r:embed="rId7"/>
+          <a:stretch>
+            <a:fillRect/>
+          </a:stretch>
+        </p:blipFill>
+        <p:spPr>
+          <a:xfrm>
+            <a:off x="6689622" y="1615663"/>
+            <a:ext cx="1734342" cy="2287997"/>
+          </a:xfrm>
+          <a:prstGeom prst="rect">
+            <a:avLst/>
+          </a:prstGeom>
+        </p:spPr>
+      </p:pic>
+      <p:pic>
+        <p:nvPicPr>
+          <p:cNvPr id="17" name="Picture 16">
+            <a:extLst>
+              <a:ext uri="{FF2B5EF4-FFF2-40B4-BE49-F238E27FC236}">
+                <a16:creationId xmlns:a16="http://schemas.microsoft.com/office/drawing/2014/main" id="{1043D01C-F313-E5E3-2E87-14A013F308B8}"/>
+              </a:ext>
+            </a:extLst>
+          </p:cNvPr>
+          <p:cNvPicPr>
+            <a:picLocks noChangeAspect="1"/>
+          </p:cNvPicPr>
+          <p:nvPr/>
+        </p:nvPicPr>
+        <p:blipFill>
+          <a:blip r:embed="rId8"/>
+          <a:stretch>
+            <a:fillRect/>
+          </a:stretch>
+        </p:blipFill>
+        <p:spPr>
+          <a:xfrm>
+            <a:off x="8955717" y="1610326"/>
+            <a:ext cx="1521304" cy="2345623"/>
+          </a:xfrm>
+          <a:prstGeom prst="rect">
+            <a:avLst/>
+          </a:prstGeom>
+        </p:spPr>
+      </p:pic>
+      <mc:AlternateContent xmlns:mc="http://schemas.openxmlformats.org/markup-compatibility/2006">
+        <mc:Choice xmlns:a14="http://schemas.microsoft.com/office/drawing/2010/main" Requires="a14">
+          <p:sp>
+            <p:nvSpPr>
+              <p:cNvPr id="25" name="TextBox 24">
+                <a:extLst>
+                  <a:ext uri="{FF2B5EF4-FFF2-40B4-BE49-F238E27FC236}">
+                    <a16:creationId xmlns:a16="http://schemas.microsoft.com/office/drawing/2014/main" id="{A719D3CF-777F-D447-2A34-5710EC9F2808}"/>
+                  </a:ext>
+                </a:extLst>
+              </p:cNvPr>
+              <p:cNvSpPr txBox="1"/>
+              <p:nvPr/>
+            </p:nvSpPr>
+            <p:spPr>
+              <a:xfrm>
+                <a:off x="2869319" y="1046776"/>
                 <a:ext cx="1237130" cy="369332"/>
               </a:xfrm>
               <a:prstGeom prst="rect">
@@ -5657,13 +5978,13 @@
                         <a:rPr lang="en-US" b="0" i="1" smtClean="0">
                           <a:latin typeface="Cambria Math" panose="02040503050406030204" pitchFamily="18" charset="0"/>
                         </a:rPr>
-                        <m:t>𝛼</m:t>
+                        <m:t>𝜎</m:t>
                       </m:r>
                       <m:r>
                         <a:rPr lang="en-US" b="0" i="1" smtClean="0">
                           <a:latin typeface="Cambria Math" panose="02040503050406030204" pitchFamily="18" charset="0"/>
                         </a:rPr>
-                        <m:t>=0.20</m:t>
+                        <m:t>=0.005</m:t>
                       </m:r>
                     </m:oMath>
                   </m:oMathPara>
@@ -5673,13 +5994,13 @@
             </p:txBody>
           </p:sp>
         </mc:Choice>
-        <mc:Fallback xmlns="">
+        <mc:Fallback>
           <p:sp>
             <p:nvSpPr>
-              <p:cNvPr id="13" name="TextBox 12">
+              <p:cNvPr id="25" name="TextBox 24">
                 <a:extLst>
                   <a:ext uri="{FF2B5EF4-FFF2-40B4-BE49-F238E27FC236}">
-                    <a16:creationId xmlns:a16="http://schemas.microsoft.com/office/drawing/2014/main" id="{7B70FFC1-434C-7D97-6F98-36654DF62BF7}"/>
+                    <a16:creationId xmlns:a16="http://schemas.microsoft.com/office/drawing/2014/main" id="{A719D3CF-777F-D447-2A34-5710EC9F2808}"/>
                   </a:ext>
                 </a:extLst>
               </p:cNvPr>
@@ -5690,14 +6011,14 @@
             </p:nvSpPr>
             <p:spPr>
               <a:xfrm>
-                <a:off x="1347682" y="1869185"/>
+                <a:off x="2869319" y="1046776"/>
                 <a:ext cx="1237130" cy="369332"/>
               </a:xfrm>
               <a:prstGeom prst="rect">
                 <a:avLst/>
               </a:prstGeom>
               <a:blipFill>
-                <a:blip r:embed="rId6"/>
+                <a:blip r:embed="rId9"/>
                 <a:stretch>
                   <a:fillRect/>
                 </a:stretch>
@@ -5718,14 +6039,44 @@
           </p:sp>
         </mc:Fallback>
       </mc:AlternateContent>
-      <mc:AlternateContent xmlns:mc="http://schemas.openxmlformats.org/markup-compatibility/2006" xmlns:a14="http://schemas.microsoft.com/office/drawing/2010/main">
-        <mc:Choice Requires="a14">
+      <p:pic>
+        <p:nvPicPr>
+          <p:cNvPr id="14" name="Picture 13">
+            <a:extLst>
+              <a:ext uri="{FF2B5EF4-FFF2-40B4-BE49-F238E27FC236}">
+                <a16:creationId xmlns:a16="http://schemas.microsoft.com/office/drawing/2014/main" id="{0B329761-459A-C19F-B842-BF451BA0FD68}"/>
+              </a:ext>
+            </a:extLst>
+          </p:cNvPr>
+          <p:cNvPicPr>
+            <a:picLocks noChangeAspect="1"/>
+          </p:cNvPicPr>
+          <p:nvPr/>
+        </p:nvPicPr>
+        <p:blipFill>
+          <a:blip r:embed="rId10"/>
+          <a:stretch>
+            <a:fillRect/>
+          </a:stretch>
+        </p:blipFill>
+        <p:spPr>
+          <a:xfrm>
+            <a:off x="2304770" y="1649226"/>
+            <a:ext cx="2241904" cy="2267822"/>
+          </a:xfrm>
+          <a:prstGeom prst="rect">
+            <a:avLst/>
+          </a:prstGeom>
+        </p:spPr>
+      </p:pic>
+      <mc:AlternateContent xmlns:mc="http://schemas.openxmlformats.org/markup-compatibility/2006">
+        <mc:Choice xmlns:a14="http://schemas.microsoft.com/office/drawing/2010/main" Requires="a14">
           <p:sp>
             <p:nvSpPr>
-              <p:cNvPr id="14" name="TextBox 13">
+              <p:cNvPr id="2" name="TextBox 1">
                 <a:extLst>
                   <a:ext uri="{FF2B5EF4-FFF2-40B4-BE49-F238E27FC236}">
-                    <a16:creationId xmlns:a16="http://schemas.microsoft.com/office/drawing/2014/main" id="{8828E280-7781-88A5-243A-258D78494F7D}"/>
+                    <a16:creationId xmlns:a16="http://schemas.microsoft.com/office/drawing/2014/main" id="{589DD3A3-5CE6-77E4-5F98-EFA7D157AC4F}"/>
                   </a:ext>
                 </a:extLst>
               </p:cNvPr>
@@ -5734,109 +6085,7 @@
             </p:nvSpPr>
             <p:spPr>
               <a:xfrm>
-                <a:off x="1404635" y="3638489"/>
-                <a:ext cx="1237130" cy="369332"/>
-              </a:xfrm>
-              <a:prstGeom prst="rect">
-                <a:avLst/>
-              </a:prstGeom>
-              <a:noFill/>
-            </p:spPr>
-            <p:txBody>
-              <a:bodyPr wrap="square" rtlCol="0">
-                <a:spAutoFit/>
-              </a:bodyPr>
-              <a:lstStyle/>
-              <a:p>
-                <a:pPr/>
-                <a14:m>
-                  <m:oMathPara xmlns:m="http://schemas.openxmlformats.org/officeDocument/2006/math">
-                    <m:oMathParaPr>
-                      <m:jc m:val="centerGroup"/>
-                    </m:oMathParaPr>
-                    <m:oMath xmlns:m="http://schemas.openxmlformats.org/officeDocument/2006/math">
-                      <m:r>
-                        <a:rPr lang="en-US" b="0" i="1" smtClean="0">
-                          <a:latin typeface="Cambria Math" panose="02040503050406030204" pitchFamily="18" charset="0"/>
-                        </a:rPr>
-                        <m:t>𝛼</m:t>
-                      </m:r>
-                      <m:r>
-                        <a:rPr lang="en-US" b="0" i="1" smtClean="0">
-                          <a:latin typeface="Cambria Math" panose="02040503050406030204" pitchFamily="18" charset="0"/>
-                        </a:rPr>
-                        <m:t>=0.25</m:t>
-                      </m:r>
-                    </m:oMath>
-                  </m:oMathPara>
-                </a14:m>
-                <a:endParaRPr lang="en-US" dirty="0"/>
-              </a:p>
-            </p:txBody>
-          </p:sp>
-        </mc:Choice>
-        <mc:Fallback xmlns="">
-          <p:sp>
-            <p:nvSpPr>
-              <p:cNvPr id="14" name="TextBox 13">
-                <a:extLst>
-                  <a:ext uri="{FF2B5EF4-FFF2-40B4-BE49-F238E27FC236}">
-                    <a16:creationId xmlns:a16="http://schemas.microsoft.com/office/drawing/2014/main" id="{8828E280-7781-88A5-243A-258D78494F7D}"/>
-                  </a:ext>
-                </a:extLst>
-              </p:cNvPr>
-              <p:cNvSpPr txBox="1">
-                <a:spLocks noRot="1" noChangeAspect="1" noMove="1" noResize="1" noEditPoints="1" noAdjustHandles="1" noChangeArrowheads="1" noChangeShapeType="1" noTextEdit="1"/>
-              </p:cNvSpPr>
-              <p:nvPr/>
-            </p:nvSpPr>
-            <p:spPr>
-              <a:xfrm>
-                <a:off x="1404635" y="3638489"/>
-                <a:ext cx="1237130" cy="369332"/>
-              </a:xfrm>
-              <a:prstGeom prst="rect">
-                <a:avLst/>
-              </a:prstGeom>
-              <a:blipFill>
-                <a:blip r:embed="rId7"/>
-                <a:stretch>
-                  <a:fillRect/>
-                </a:stretch>
-              </a:blipFill>
-            </p:spPr>
-            <p:txBody>
-              <a:bodyPr/>
-              <a:lstStyle/>
-              <a:p>
-                <a:r>
-                  <a:rPr lang="en-US">
-                    <a:noFill/>
-                  </a:rPr>
-                  <a:t> </a:t>
-                </a:r>
-              </a:p>
-            </p:txBody>
-          </p:sp>
-        </mc:Fallback>
-      </mc:AlternateContent>
-      <mc:AlternateContent xmlns:mc="http://schemas.openxmlformats.org/markup-compatibility/2006" xmlns:a14="http://schemas.microsoft.com/office/drawing/2010/main">
-        <mc:Choice Requires="a14">
-          <p:sp>
-            <p:nvSpPr>
-              <p:cNvPr id="17" name="TextBox 16">
-                <a:extLst>
-                  <a:ext uri="{FF2B5EF4-FFF2-40B4-BE49-F238E27FC236}">
-                    <a16:creationId xmlns:a16="http://schemas.microsoft.com/office/drawing/2014/main" id="{4C264E08-EA9B-5465-5B35-ECBDBFAC64BC}"/>
-                  </a:ext>
-                </a:extLst>
-              </p:cNvPr>
-              <p:cNvSpPr txBox="1"/>
-              <p:nvPr/>
-            </p:nvSpPr>
-            <p:spPr>
-              <a:xfrm>
-                <a:off x="1483652" y="5625577"/>
+                <a:off x="408832" y="2361751"/>
                 <a:ext cx="1237130" cy="369332"/>
               </a:xfrm>
               <a:prstGeom prst="rect">
@@ -5877,13 +6126,13 @@
             </p:txBody>
           </p:sp>
         </mc:Choice>
-        <mc:Fallback xmlns="">
+        <mc:Fallback>
           <p:sp>
             <p:nvSpPr>
-              <p:cNvPr id="17" name="TextBox 16">
+              <p:cNvPr id="2" name="TextBox 1">
                 <a:extLst>
                   <a:ext uri="{FF2B5EF4-FFF2-40B4-BE49-F238E27FC236}">
-                    <a16:creationId xmlns:a16="http://schemas.microsoft.com/office/drawing/2014/main" id="{4C264E08-EA9B-5465-5B35-ECBDBFAC64BC}"/>
+                    <a16:creationId xmlns:a16="http://schemas.microsoft.com/office/drawing/2014/main" id="{589DD3A3-5CE6-77E4-5F98-EFA7D157AC4F}"/>
                   </a:ext>
                 </a:extLst>
               </p:cNvPr>
@@ -5894,14 +6143,14 @@
             </p:nvSpPr>
             <p:spPr>
               <a:xfrm>
-                <a:off x="1483652" y="5625577"/>
+                <a:off x="408832" y="2361751"/>
                 <a:ext cx="1237130" cy="369332"/>
               </a:xfrm>
               <a:prstGeom prst="rect">
                 <a:avLst/>
               </a:prstGeom>
               <a:blipFill>
-                <a:blip r:embed="rId8"/>
+                <a:blip r:embed="rId11"/>
                 <a:stretch>
                   <a:fillRect/>
                 </a:stretch>
@@ -5922,120 +6171,114 @@
           </p:sp>
         </mc:Fallback>
       </mc:AlternateContent>
-      <p:sp>
-        <p:nvSpPr>
-          <p:cNvPr id="18" name="TextBox 17">
-            <a:extLst>
-              <a:ext uri="{FF2B5EF4-FFF2-40B4-BE49-F238E27FC236}">
-                <a16:creationId xmlns:a16="http://schemas.microsoft.com/office/drawing/2014/main" id="{7584767A-4C21-2D0B-D5C7-E4A682945C84}"/>
-              </a:ext>
-            </a:extLst>
-          </p:cNvPr>
-          <p:cNvSpPr txBox="1"/>
-          <p:nvPr/>
-        </p:nvSpPr>
-        <p:spPr>
-          <a:xfrm>
-            <a:off x="1597361" y="3980311"/>
-            <a:ext cx="908639" cy="369332"/>
-          </a:xfrm>
-          <a:prstGeom prst="rect">
-            <a:avLst/>
-          </a:prstGeom>
-          <a:noFill/>
-        </p:spPr>
-        <p:txBody>
-          <a:bodyPr wrap="square" rtlCol="0">
-            <a:spAutoFit/>
-          </a:bodyPr>
-          <a:lstStyle/>
-          <a:p>
-            <a:pPr algn="ctr"/>
-            <a:r>
-              <a:rPr lang="en-US" dirty="0"/>
-              <a:t>(meta)</a:t>
-            </a:r>
-          </a:p>
-        </p:txBody>
-      </p:sp>
-      <p:sp>
-        <p:nvSpPr>
-          <p:cNvPr id="19" name="TextBox 18">
-            <a:extLst>
-              <a:ext uri="{FF2B5EF4-FFF2-40B4-BE49-F238E27FC236}">
-                <a16:creationId xmlns:a16="http://schemas.microsoft.com/office/drawing/2014/main" id="{9822BE3E-B353-47AF-4654-262B7E6FC5B9}"/>
-              </a:ext>
-            </a:extLst>
-          </p:cNvPr>
-          <p:cNvSpPr txBox="1"/>
-          <p:nvPr/>
-        </p:nvSpPr>
-        <p:spPr>
-          <a:xfrm>
-            <a:off x="1596981" y="5967399"/>
-            <a:ext cx="908639" cy="369332"/>
-          </a:xfrm>
-          <a:prstGeom prst="rect">
-            <a:avLst/>
-          </a:prstGeom>
-          <a:noFill/>
-        </p:spPr>
-        <p:txBody>
-          <a:bodyPr wrap="square" rtlCol="0">
-            <a:spAutoFit/>
-          </a:bodyPr>
-          <a:lstStyle/>
-          <a:p>
-            <a:pPr algn="ctr"/>
-            <a:r>
-              <a:rPr lang="en-US" dirty="0"/>
-              <a:t>(meta)</a:t>
-            </a:r>
-          </a:p>
-        </p:txBody>
-      </p:sp>
-      <p:sp>
-        <p:nvSpPr>
-          <p:cNvPr id="20" name="TextBox 19">
-            <a:extLst>
-              <a:ext uri="{FF2B5EF4-FFF2-40B4-BE49-F238E27FC236}">
-                <a16:creationId xmlns:a16="http://schemas.microsoft.com/office/drawing/2014/main" id="{E54A5412-5259-7766-41BB-5B4E6BD47DB6}"/>
-              </a:ext>
-            </a:extLst>
-          </p:cNvPr>
-          <p:cNvSpPr txBox="1"/>
-          <p:nvPr/>
-        </p:nvSpPr>
-        <p:spPr>
-          <a:xfrm>
-            <a:off x="1583645" y="2211007"/>
-            <a:ext cx="908639" cy="369332"/>
-          </a:xfrm>
-          <a:prstGeom prst="rect">
-            <a:avLst/>
-          </a:prstGeom>
-          <a:noFill/>
-        </p:spPr>
-        <p:txBody>
-          <a:bodyPr wrap="square" rtlCol="0">
-            <a:spAutoFit/>
-          </a:bodyPr>
-          <a:lstStyle/>
-          <a:p>
-            <a:pPr algn="ctr"/>
-            <a:r>
-              <a:rPr lang="en-US" dirty="0"/>
-              <a:t>(meta)</a:t>
-            </a:r>
-          </a:p>
-        </p:txBody>
-      </p:sp>
+      <mc:AlternateContent xmlns:mc="http://schemas.openxmlformats.org/markup-compatibility/2006">
+        <mc:Choice xmlns:a14="http://schemas.microsoft.com/office/drawing/2010/main" Requires="a14">
+          <p:sp>
+            <p:nvSpPr>
+              <p:cNvPr id="4" name="TextBox 3">
+                <a:extLst>
+                  <a:ext uri="{FF2B5EF4-FFF2-40B4-BE49-F238E27FC236}">
+                    <a16:creationId xmlns:a16="http://schemas.microsoft.com/office/drawing/2014/main" id="{3277B2A5-AD5E-5A6B-FBED-4A4BC2661862}"/>
+                  </a:ext>
+                </a:extLst>
+              </p:cNvPr>
+              <p:cNvSpPr txBox="1"/>
+              <p:nvPr/>
+            </p:nvSpPr>
+            <p:spPr>
+              <a:xfrm>
+                <a:off x="420229" y="5083815"/>
+                <a:ext cx="1237130" cy="369332"/>
+              </a:xfrm>
+              <a:prstGeom prst="rect">
+                <a:avLst/>
+              </a:prstGeom>
+              <a:noFill/>
+            </p:spPr>
+            <p:txBody>
+              <a:bodyPr wrap="square" rtlCol="0">
+                <a:spAutoFit/>
+              </a:bodyPr>
+              <a:lstStyle/>
+              <a:p>
+                <a:pPr/>
+                <a14:m>
+                  <m:oMathPara xmlns:m="http://schemas.openxmlformats.org/officeDocument/2006/math">
+                    <m:oMathParaPr>
+                      <m:jc m:val="centerGroup"/>
+                    </m:oMathParaPr>
+                    <m:oMath xmlns:m="http://schemas.openxmlformats.org/officeDocument/2006/math">
+                      <m:r>
+                        <a:rPr lang="en-US" b="0" i="1" smtClean="0">
+                          <a:latin typeface="Cambria Math" panose="02040503050406030204" pitchFamily="18" charset="0"/>
+                        </a:rPr>
+                        <m:t>𝛼</m:t>
+                      </m:r>
+                      <m:r>
+                        <a:rPr lang="en-US" b="0" i="1" smtClean="0">
+                          <a:latin typeface="Cambria Math" panose="02040503050406030204" pitchFamily="18" charset="0"/>
+                        </a:rPr>
+                        <m:t>=0.30</m:t>
+                      </m:r>
+                    </m:oMath>
+                  </m:oMathPara>
+                </a14:m>
+                <a:endParaRPr lang="en-US" dirty="0"/>
+              </a:p>
+            </p:txBody>
+          </p:sp>
+        </mc:Choice>
+        <mc:Fallback>
+          <p:sp>
+            <p:nvSpPr>
+              <p:cNvPr id="4" name="TextBox 3">
+                <a:extLst>
+                  <a:ext uri="{FF2B5EF4-FFF2-40B4-BE49-F238E27FC236}">
+                    <a16:creationId xmlns:a16="http://schemas.microsoft.com/office/drawing/2014/main" id="{3277B2A5-AD5E-5A6B-FBED-4A4BC2661862}"/>
+                  </a:ext>
+                </a:extLst>
+              </p:cNvPr>
+              <p:cNvSpPr txBox="1">
+                <a:spLocks noRot="1" noChangeAspect="1" noMove="1" noResize="1" noEditPoints="1" noAdjustHandles="1" noChangeArrowheads="1" noChangeShapeType="1" noTextEdit="1"/>
+              </p:cNvSpPr>
+              <p:nvPr/>
+            </p:nvSpPr>
+            <p:spPr>
+              <a:xfrm>
+                <a:off x="420229" y="5083815"/>
+                <a:ext cx="1237130" cy="369332"/>
+              </a:xfrm>
+              <a:prstGeom prst="rect">
+                <a:avLst/>
+              </a:prstGeom>
+              <a:blipFill>
+                <a:blip r:embed="rId12"/>
+                <a:stretch>
+                  <a:fillRect/>
+                </a:stretch>
+              </a:blipFill>
+            </p:spPr>
+            <p:txBody>
+              <a:bodyPr/>
+              <a:lstStyle/>
+              <a:p>
+                <a:r>
+                  <a:rPr lang="en-US">
+                    <a:noFill/>
+                  </a:rPr>
+                  <a:t> </a:t>
+                </a:r>
+              </a:p>
+            </p:txBody>
+          </p:sp>
+        </mc:Fallback>
+      </mc:AlternateContent>
       <p:pic>
         <p:nvPicPr>
-          <p:cNvPr id="8" name="Picture 7">
-            <a:extLst>
-              <a:ext uri="{FF2B5EF4-FFF2-40B4-BE49-F238E27FC236}">
-                <a16:creationId xmlns:a16="http://schemas.microsoft.com/office/drawing/2014/main" id="{D863FE3C-00AC-CE9F-4BB7-919F0A511D70}"/>
+          <p:cNvPr id="13" name="Picture 12">
+            <a:extLst>
+              <a:ext uri="{FF2B5EF4-FFF2-40B4-BE49-F238E27FC236}">
+                <a16:creationId xmlns:a16="http://schemas.microsoft.com/office/drawing/2014/main" id="{D4933720-D8BE-772D-06DC-9E9CA63DEC04}"/>
               </a:ext>
             </a:extLst>
           </p:cNvPr>
@@ -6045,15 +6288,15 @@
           <p:nvPr/>
         </p:nvPicPr>
         <p:blipFill>
-          <a:blip r:embed="rId9"/>
+          <a:blip r:embed="rId13"/>
           <a:stretch>
             <a:fillRect/>
           </a:stretch>
         </p:blipFill>
         <p:spPr>
           <a:xfrm>
-            <a:off x="2834111" y="5158200"/>
-            <a:ext cx="1635630" cy="1673417"/>
+            <a:off x="2560698" y="4580593"/>
+            <a:ext cx="1855254" cy="1888622"/>
           </a:xfrm>
           <a:prstGeom prst="rect">
             <a:avLst/>
@@ -6062,10 +6305,10 @@
       </p:pic>
       <p:pic>
         <p:nvPicPr>
-          <p:cNvPr id="9" name="Picture 8">
-            <a:extLst>
-              <a:ext uri="{FF2B5EF4-FFF2-40B4-BE49-F238E27FC236}">
-                <a16:creationId xmlns:a16="http://schemas.microsoft.com/office/drawing/2014/main" id="{1F4AE211-4ED5-DCD8-2D84-0DD717FF95FF}"/>
+          <p:cNvPr id="16" name="Picture 15">
+            <a:extLst>
+              <a:ext uri="{FF2B5EF4-FFF2-40B4-BE49-F238E27FC236}">
+                <a16:creationId xmlns:a16="http://schemas.microsoft.com/office/drawing/2014/main" id="{3CD89F8B-219A-FF76-5D84-BC22234AE899}"/>
               </a:ext>
             </a:extLst>
           </p:cNvPr>
@@ -6075,29 +6318,29 @@
           <p:nvPr/>
         </p:nvPicPr>
         <p:blipFill>
-          <a:blip r:embed="rId10"/>
+          <a:blip r:embed="rId14"/>
           <a:stretch>
             <a:fillRect/>
           </a:stretch>
         </p:blipFill>
         <p:spPr>
           <a:xfrm>
-            <a:off x="5280659" y="4819700"/>
-            <a:ext cx="1187476" cy="1873574"/>
+            <a:off x="5609194" y="4624293"/>
+            <a:ext cx="1734343" cy="1844922"/>
           </a:xfrm>
           <a:prstGeom prst="rect">
             <a:avLst/>
           </a:prstGeom>
         </p:spPr>
       </p:pic>
-      <mc:AlternateContent xmlns:mc="http://schemas.openxmlformats.org/markup-compatibility/2006" xmlns:a14="http://schemas.microsoft.com/office/drawing/2010/main">
-        <mc:Choice Requires="a14">
+      <mc:AlternateContent xmlns:mc="http://schemas.openxmlformats.org/markup-compatibility/2006">
+        <mc:Choice xmlns:a14="http://schemas.microsoft.com/office/drawing/2010/main" Requires="a14">
           <p:sp>
             <p:nvSpPr>
-              <p:cNvPr id="10" name="TextBox 9">
+              <p:cNvPr id="18" name="TextBox 17">
                 <a:extLst>
                   <a:ext uri="{FF2B5EF4-FFF2-40B4-BE49-F238E27FC236}">
-                    <a16:creationId xmlns:a16="http://schemas.microsoft.com/office/drawing/2014/main" id="{2D4B1F92-AB7E-7DC2-D145-D99F3C3A4436}"/>
+                    <a16:creationId xmlns:a16="http://schemas.microsoft.com/office/drawing/2014/main" id="{587A9829-3F19-7934-AA79-B03D80F69EA9}"/>
                   </a:ext>
                 </a:extLst>
               </p:cNvPr>
@@ -6106,7 +6349,7 @@
             </p:nvSpPr>
             <p:spPr>
               <a:xfrm>
-                <a:off x="5231005" y="4450368"/>
+                <a:off x="2928701" y="4288886"/>
                 <a:ext cx="1237130" cy="369332"/>
               </a:xfrm>
               <a:prstGeom prst="rect">
@@ -6137,7 +6380,7 @@
                         <a:rPr lang="en-US" b="0" i="1" smtClean="0">
                           <a:latin typeface="Cambria Math" panose="02040503050406030204" pitchFamily="18" charset="0"/>
                         </a:rPr>
-                        <m:t>=0.025</m:t>
+                        <m:t>=0.003</m:t>
                       </m:r>
                     </m:oMath>
                   </m:oMathPara>
@@ -6147,13 +6390,13 @@
             </p:txBody>
           </p:sp>
         </mc:Choice>
-        <mc:Fallback xmlns="">
+        <mc:Fallback>
           <p:sp>
             <p:nvSpPr>
-              <p:cNvPr id="10" name="TextBox 9">
+              <p:cNvPr id="18" name="TextBox 17">
                 <a:extLst>
                   <a:ext uri="{FF2B5EF4-FFF2-40B4-BE49-F238E27FC236}">
-                    <a16:creationId xmlns:a16="http://schemas.microsoft.com/office/drawing/2014/main" id="{2D4B1F92-AB7E-7DC2-D145-D99F3C3A4436}"/>
+                    <a16:creationId xmlns:a16="http://schemas.microsoft.com/office/drawing/2014/main" id="{587A9829-3F19-7934-AA79-B03D80F69EA9}"/>
                   </a:ext>
                 </a:extLst>
               </p:cNvPr>
@@ -6164,14 +6407,14 @@
             </p:nvSpPr>
             <p:spPr>
               <a:xfrm>
-                <a:off x="5231005" y="4450368"/>
+                <a:off x="2928701" y="4288886"/>
                 <a:ext cx="1237130" cy="369332"/>
               </a:xfrm>
               <a:prstGeom prst="rect">
                 <a:avLst/>
               </a:prstGeom>
               <a:blipFill>
-                <a:blip r:embed="rId11"/>
+                <a:blip r:embed="rId15"/>
                 <a:stretch>
                   <a:fillRect/>
                 </a:stretch>
@@ -6192,14 +6435,14 @@
           </p:sp>
         </mc:Fallback>
       </mc:AlternateContent>
-      <mc:AlternateContent xmlns:mc="http://schemas.openxmlformats.org/markup-compatibility/2006" xmlns:a14="http://schemas.microsoft.com/office/drawing/2010/main">
-        <mc:Choice Requires="a14">
+      <mc:AlternateContent xmlns:mc="http://schemas.openxmlformats.org/markup-compatibility/2006">
+        <mc:Choice xmlns:a14="http://schemas.microsoft.com/office/drawing/2010/main" Requires="a14">
           <p:sp>
             <p:nvSpPr>
-              <p:cNvPr id="11" name="TextBox 10">
+              <p:cNvPr id="21" name="TextBox 20">
                 <a:extLst>
                   <a:ext uri="{FF2B5EF4-FFF2-40B4-BE49-F238E27FC236}">
-                    <a16:creationId xmlns:a16="http://schemas.microsoft.com/office/drawing/2014/main" id="{BE5E0A73-F655-C2BC-E001-F54737B49D93}"/>
+                    <a16:creationId xmlns:a16="http://schemas.microsoft.com/office/drawing/2014/main" id="{70DBACE3-A422-FACE-26B4-BC53A9791A2C}"/>
                   </a:ext>
                 </a:extLst>
               </p:cNvPr>
@@ -6208,7 +6451,7 @@
             </p:nvSpPr>
             <p:spPr>
               <a:xfrm>
-                <a:off x="7201148" y="4450368"/>
+                <a:off x="5857800" y="4254961"/>
                 <a:ext cx="1237130" cy="369332"/>
               </a:xfrm>
               <a:prstGeom prst="rect">
@@ -6239,7 +6482,7 @@
                         <a:rPr lang="en-US" b="0" i="1" smtClean="0">
                           <a:latin typeface="Cambria Math" panose="02040503050406030204" pitchFamily="18" charset="0"/>
                         </a:rPr>
-                        <m:t>=0.040</m:t>
+                        <m:t>=0.005</m:t>
                       </m:r>
                     </m:oMath>
                   </m:oMathPara>
@@ -6249,13 +6492,13 @@
             </p:txBody>
           </p:sp>
         </mc:Choice>
-        <mc:Fallback xmlns="">
+        <mc:Fallback>
           <p:sp>
             <p:nvSpPr>
-              <p:cNvPr id="11" name="TextBox 10">
+              <p:cNvPr id="21" name="TextBox 20">
                 <a:extLst>
                   <a:ext uri="{FF2B5EF4-FFF2-40B4-BE49-F238E27FC236}">
-                    <a16:creationId xmlns:a16="http://schemas.microsoft.com/office/drawing/2014/main" id="{BE5E0A73-F655-C2BC-E001-F54737B49D93}"/>
+                    <a16:creationId xmlns:a16="http://schemas.microsoft.com/office/drawing/2014/main" id="{70DBACE3-A422-FACE-26B4-BC53A9791A2C}"/>
                   </a:ext>
                 </a:extLst>
               </p:cNvPr>
@@ -6266,14 +6509,14 @@
             </p:nvSpPr>
             <p:spPr>
               <a:xfrm>
-                <a:off x="7201148" y="4450368"/>
+                <a:off x="5857800" y="4254961"/>
                 <a:ext cx="1237130" cy="369332"/>
               </a:xfrm>
               <a:prstGeom prst="rect">
                 <a:avLst/>
               </a:prstGeom>
               <a:blipFill>
-                <a:blip r:embed="rId12"/>
+                <a:blip r:embed="rId16"/>
                 <a:stretch>
                   <a:fillRect/>
                 </a:stretch>
@@ -6294,10 +6537,421 @@
           </p:sp>
         </mc:Fallback>
       </mc:AlternateContent>
+      <p:pic>
+        <p:nvPicPr>
+          <p:cNvPr id="22" name="Picture 8">
+            <a:extLst>
+              <a:ext uri="{FF2B5EF4-FFF2-40B4-BE49-F238E27FC236}">
+                <a16:creationId xmlns:a16="http://schemas.microsoft.com/office/drawing/2014/main" id="{011C1F2C-9531-155B-9DE7-EB1D7238EFB9}"/>
+              </a:ext>
+            </a:extLst>
+          </p:cNvPr>
+          <p:cNvPicPr>
+            <a:picLocks noChangeAspect="1" noChangeArrowheads="1"/>
+          </p:cNvPicPr>
+          <p:nvPr/>
+        </p:nvPicPr>
+        <p:blipFill>
+          <a:blip r:embed="rId17">
+            <a:extLst>
+              <a:ext uri="{28A0092B-C50C-407E-A947-70E740481C1C}">
+                <a14:useLocalDpi xmlns:a14="http://schemas.microsoft.com/office/drawing/2010/main" val="0"/>
+              </a:ext>
+            </a:extLst>
+          </a:blip>
+          <a:srcRect/>
+          <a:stretch>
+            <a:fillRect/>
+          </a:stretch>
+        </p:blipFill>
+        <p:spPr bwMode="auto">
+          <a:xfrm>
+            <a:off x="8218621" y="4775954"/>
+            <a:ext cx="2532627" cy="1541599"/>
+          </a:xfrm>
+          <a:prstGeom prst="rect">
+            <a:avLst/>
+          </a:prstGeom>
+          <a:noFill/>
+          <a:extLst>
+            <a:ext uri="{909E8E84-426E-40DD-AFC4-6F175D3DCCD1}">
+              <a14:hiddenFill xmlns:a14="http://schemas.microsoft.com/office/drawing/2010/main">
+                <a:solidFill>
+                  <a:srgbClr val="FFFFFF"/>
+                </a:solidFill>
+              </a14:hiddenFill>
+            </a:ext>
+          </a:extLst>
+        </p:spPr>
+      </p:pic>
+      <mc:AlternateContent xmlns:mc="http://schemas.openxmlformats.org/markup-compatibility/2006">
+        <mc:Choice xmlns:a14="http://schemas.microsoft.com/office/drawing/2010/main" Requires="a14">
+          <p:sp>
+            <p:nvSpPr>
+              <p:cNvPr id="23" name="TextBox 22">
+                <a:extLst>
+                  <a:ext uri="{FF2B5EF4-FFF2-40B4-BE49-F238E27FC236}">
+                    <a16:creationId xmlns:a16="http://schemas.microsoft.com/office/drawing/2014/main" id="{D3C9E128-786D-700E-99FC-35CE628D5702}"/>
+                  </a:ext>
+                </a:extLst>
+              </p:cNvPr>
+              <p:cNvSpPr txBox="1"/>
+              <p:nvPr/>
+            </p:nvSpPr>
+            <p:spPr>
+              <a:xfrm>
+                <a:off x="8785385" y="4254961"/>
+                <a:ext cx="1237130" cy="369332"/>
+              </a:xfrm>
+              <a:prstGeom prst="rect">
+                <a:avLst/>
+              </a:prstGeom>
+              <a:noFill/>
+            </p:spPr>
+            <p:txBody>
+              <a:bodyPr wrap="square" rtlCol="0">
+                <a:spAutoFit/>
+              </a:bodyPr>
+              <a:lstStyle/>
+              <a:p>
+                <a:pPr/>
+                <a14:m>
+                  <m:oMathPara xmlns:m="http://schemas.openxmlformats.org/officeDocument/2006/math">
+                    <m:oMathParaPr>
+                      <m:jc m:val="centerGroup"/>
+                    </m:oMathParaPr>
+                    <m:oMath xmlns:m="http://schemas.openxmlformats.org/officeDocument/2006/math">
+                      <m:r>
+                        <a:rPr lang="en-US" b="0" i="1" smtClean="0">
+                          <a:latin typeface="Cambria Math" panose="02040503050406030204" pitchFamily="18" charset="0"/>
+                        </a:rPr>
+                        <m:t>𝜎</m:t>
+                      </m:r>
+                      <m:r>
+                        <a:rPr lang="en-US" b="0" i="1" smtClean="0">
+                          <a:latin typeface="Cambria Math" panose="02040503050406030204" pitchFamily="18" charset="0"/>
+                        </a:rPr>
+                        <m:t>=0.007</m:t>
+                      </m:r>
+                    </m:oMath>
+                  </m:oMathPara>
+                </a14:m>
+                <a:endParaRPr lang="en-US" dirty="0"/>
+              </a:p>
+            </p:txBody>
+          </p:sp>
+        </mc:Choice>
+        <mc:Fallback>
+          <p:sp>
+            <p:nvSpPr>
+              <p:cNvPr id="23" name="TextBox 22">
+                <a:extLst>
+                  <a:ext uri="{FF2B5EF4-FFF2-40B4-BE49-F238E27FC236}">
+                    <a16:creationId xmlns:a16="http://schemas.microsoft.com/office/drawing/2014/main" id="{D3C9E128-786D-700E-99FC-35CE628D5702}"/>
+                  </a:ext>
+                </a:extLst>
+              </p:cNvPr>
+              <p:cNvSpPr txBox="1">
+                <a:spLocks noRot="1" noChangeAspect="1" noMove="1" noResize="1" noEditPoints="1" noAdjustHandles="1" noChangeArrowheads="1" noChangeShapeType="1" noTextEdit="1"/>
+              </p:cNvSpPr>
+              <p:nvPr/>
+            </p:nvSpPr>
+            <p:spPr>
+              <a:xfrm>
+                <a:off x="8785385" y="4254961"/>
+                <a:ext cx="1237130" cy="369332"/>
+              </a:xfrm>
+              <a:prstGeom prst="rect">
+                <a:avLst/>
+              </a:prstGeom>
+              <a:blipFill>
+                <a:blip r:embed="rId18"/>
+                <a:stretch>
+                  <a:fillRect/>
+                </a:stretch>
+              </a:blipFill>
+            </p:spPr>
+            <p:txBody>
+              <a:bodyPr/>
+              <a:lstStyle/>
+              <a:p>
+                <a:r>
+                  <a:rPr lang="en-US">
+                    <a:noFill/>
+                  </a:rPr>
+                  <a:t> </a:t>
+                </a:r>
+              </a:p>
+            </p:txBody>
+          </p:sp>
+        </mc:Fallback>
+      </mc:AlternateContent>
+      <p:sp>
+        <p:nvSpPr>
+          <p:cNvPr id="24" name="TextBox 23">
+            <a:extLst>
+              <a:ext uri="{FF2B5EF4-FFF2-40B4-BE49-F238E27FC236}">
+                <a16:creationId xmlns:a16="http://schemas.microsoft.com/office/drawing/2014/main" id="{7FF078C1-7566-184A-F4B8-118B9EFF07C9}"/>
+              </a:ext>
+            </a:extLst>
+          </p:cNvPr>
+          <p:cNvSpPr txBox="1"/>
+          <p:nvPr/>
+        </p:nvSpPr>
+        <p:spPr>
+          <a:xfrm>
+            <a:off x="2164705" y="6469215"/>
+            <a:ext cx="2765121" cy="369332"/>
+          </a:xfrm>
+          <a:prstGeom prst="rect">
+            <a:avLst/>
+          </a:prstGeom>
+          <a:noFill/>
+        </p:spPr>
+        <p:txBody>
+          <a:bodyPr wrap="square" rtlCol="0">
+            <a:spAutoFit/>
+          </a:bodyPr>
+          <a:lstStyle/>
+          <a:p>
+            <a:pPr algn="ctr"/>
+            <a:r>
+              <a:rPr lang="en-US" dirty="0"/>
+              <a:t>Need to finalize</a:t>
+            </a:r>
+          </a:p>
+        </p:txBody>
+      </p:sp>
+      <p:sp>
+        <p:nvSpPr>
+          <p:cNvPr id="26" name="TextBox 25">
+            <a:extLst>
+              <a:ext uri="{FF2B5EF4-FFF2-40B4-BE49-F238E27FC236}">
+                <a16:creationId xmlns:a16="http://schemas.microsoft.com/office/drawing/2014/main" id="{6B8E4B92-0BC8-DE96-A32E-35090BC26BED}"/>
+              </a:ext>
+            </a:extLst>
+          </p:cNvPr>
+          <p:cNvSpPr txBox="1"/>
+          <p:nvPr/>
+        </p:nvSpPr>
+        <p:spPr>
+          <a:xfrm>
+            <a:off x="2276064" y="3644835"/>
+            <a:ext cx="2765121" cy="369332"/>
+          </a:xfrm>
+          <a:prstGeom prst="rect">
+            <a:avLst/>
+          </a:prstGeom>
+          <a:noFill/>
+        </p:spPr>
+        <p:txBody>
+          <a:bodyPr wrap="square" rtlCol="0">
+            <a:spAutoFit/>
+          </a:bodyPr>
+          <a:lstStyle/>
+          <a:p>
+            <a:pPr algn="ctr"/>
+            <a:r>
+              <a:rPr lang="en-US" dirty="0"/>
+              <a:t>Need to finalize</a:t>
+            </a:r>
+          </a:p>
+        </p:txBody>
+      </p:sp>
+      <p:sp>
+        <p:nvSpPr>
+          <p:cNvPr id="27" name="TextBox 26">
+            <a:extLst>
+              <a:ext uri="{FF2B5EF4-FFF2-40B4-BE49-F238E27FC236}">
+                <a16:creationId xmlns:a16="http://schemas.microsoft.com/office/drawing/2014/main" id="{2B8D0BEA-0416-23A3-1376-3CB733D9165E}"/>
+              </a:ext>
+            </a:extLst>
+          </p:cNvPr>
+          <p:cNvSpPr txBox="1"/>
+          <p:nvPr/>
+        </p:nvSpPr>
+        <p:spPr>
+          <a:xfrm>
+            <a:off x="4385696" y="3623973"/>
+            <a:ext cx="2765121" cy="369332"/>
+          </a:xfrm>
+          <a:prstGeom prst="rect">
+            <a:avLst/>
+          </a:prstGeom>
+          <a:noFill/>
+        </p:spPr>
+        <p:txBody>
+          <a:bodyPr wrap="square" rtlCol="0">
+            <a:spAutoFit/>
+          </a:bodyPr>
+          <a:lstStyle/>
+          <a:p>
+            <a:pPr algn="ctr"/>
+            <a:r>
+              <a:rPr lang="en-US" dirty="0"/>
+              <a:t>Need to finalize</a:t>
+            </a:r>
+          </a:p>
+        </p:txBody>
+      </p:sp>
     </p:spTree>
     <p:extLst>
       <p:ext uri="{BB962C8B-B14F-4D97-AF65-F5344CB8AC3E}">
-        <p14:creationId xmlns:p14="http://schemas.microsoft.com/office/powerpoint/2010/main" val="390415339"/>
+        <p14:creationId xmlns:p14="http://schemas.microsoft.com/office/powerpoint/2010/main" val="643743805"/>
+      </p:ext>
+    </p:extLst>
+  </p:cSld>
+  <p:clrMapOvr>
+    <a:masterClrMapping/>
+  </p:clrMapOvr>
+</p:sld>
+</file>
+
+<file path=ppt/slides/slide5.xml><?xml version="1.0" encoding="utf-8"?>
+<p:sld xmlns:a="http://schemas.openxmlformats.org/drawingml/2006/main" xmlns:r="http://schemas.openxmlformats.org/officeDocument/2006/relationships" xmlns:p="http://schemas.openxmlformats.org/presentationml/2006/main">
+  <p:cSld>
+    <p:spTree>
+      <p:nvGrpSpPr>
+        <p:cNvPr id="1" name="">
+          <a:extLst>
+            <a:ext uri="{FF2B5EF4-FFF2-40B4-BE49-F238E27FC236}">
+              <a16:creationId xmlns:a16="http://schemas.microsoft.com/office/drawing/2014/main" id="{068DD0BA-DA43-12CA-9A95-1FF0D6D84A79}"/>
+            </a:ext>
+          </a:extLst>
+        </p:cNvPr>
+        <p:cNvGrpSpPr/>
+        <p:nvPr/>
+      </p:nvGrpSpPr>
+      <p:grpSpPr>
+        <a:xfrm>
+          <a:off x="0" y="0"/>
+          <a:ext cx="0" cy="0"/>
+          <a:chOff x="0" y="0"/>
+          <a:chExt cx="0" cy="0"/>
+        </a:xfrm>
+      </p:grpSpPr>
+      <p:sp>
+        <p:nvSpPr>
+          <p:cNvPr id="3" name="TextBox 2">
+            <a:extLst>
+              <a:ext uri="{FF2B5EF4-FFF2-40B4-BE49-F238E27FC236}">
+                <a16:creationId xmlns:a16="http://schemas.microsoft.com/office/drawing/2014/main" id="{A534568D-A393-2082-1DFE-CD6164C93670}"/>
+              </a:ext>
+            </a:extLst>
+          </p:cNvPr>
+          <p:cNvSpPr txBox="1"/>
+          <p:nvPr/>
+        </p:nvSpPr>
+        <p:spPr>
+          <a:xfrm>
+            <a:off x="1645962" y="247374"/>
+            <a:ext cx="9436032" cy="369332"/>
+          </a:xfrm>
+          <a:prstGeom prst="rect">
+            <a:avLst/>
+          </a:prstGeom>
+          <a:noFill/>
+        </p:spPr>
+        <p:txBody>
+          <a:bodyPr wrap="square" rtlCol="0">
+            <a:spAutoFit/>
+          </a:bodyPr>
+          <a:lstStyle/>
+          <a:p>
+            <a:r>
+              <a:rPr lang="en-US" dirty="0"/>
+              <a:t>Fig 5: phase diagram</a:t>
+            </a:r>
+          </a:p>
+        </p:txBody>
+      </p:sp>
+      <p:sp>
+        <p:nvSpPr>
+          <p:cNvPr id="24" name="TextBox 23">
+            <a:extLst>
+              <a:ext uri="{FF2B5EF4-FFF2-40B4-BE49-F238E27FC236}">
+                <a16:creationId xmlns:a16="http://schemas.microsoft.com/office/drawing/2014/main" id="{A646825C-26E9-DC2B-A0C0-9C50730C0881}"/>
+              </a:ext>
+            </a:extLst>
+          </p:cNvPr>
+          <p:cNvSpPr txBox="1"/>
+          <p:nvPr/>
+        </p:nvSpPr>
+        <p:spPr>
+          <a:xfrm>
+            <a:off x="4213638" y="6241293"/>
+            <a:ext cx="2765121" cy="369332"/>
+          </a:xfrm>
+          <a:prstGeom prst="rect">
+            <a:avLst/>
+          </a:prstGeom>
+          <a:noFill/>
+        </p:spPr>
+        <p:txBody>
+          <a:bodyPr wrap="square" rtlCol="0">
+            <a:spAutoFit/>
+          </a:bodyPr>
+          <a:lstStyle/>
+          <a:p>
+            <a:pPr algn="ctr"/>
+            <a:r>
+              <a:rPr lang="en-US" dirty="0"/>
+              <a:t>Need to finalize</a:t>
+            </a:r>
+          </a:p>
+        </p:txBody>
+      </p:sp>
+      <p:pic>
+        <p:nvPicPr>
+          <p:cNvPr id="1028" name="Picture 4">
+            <a:extLst>
+              <a:ext uri="{FF2B5EF4-FFF2-40B4-BE49-F238E27FC236}">
+                <a16:creationId xmlns:a16="http://schemas.microsoft.com/office/drawing/2014/main" id="{7E67BA4C-3D52-6B55-C973-9B4A4FF3EDA2}"/>
+              </a:ext>
+            </a:extLst>
+          </p:cNvPr>
+          <p:cNvPicPr>
+            <a:picLocks noChangeAspect="1" noChangeArrowheads="1"/>
+          </p:cNvPicPr>
+          <p:nvPr/>
+        </p:nvPicPr>
+        <p:blipFill>
+          <a:blip r:embed="rId2">
+            <a:extLst>
+              <a:ext uri="{28A0092B-C50C-407E-A947-70E740481C1C}">
+                <a14:useLocalDpi xmlns:a14="http://schemas.microsoft.com/office/drawing/2010/main" val="0"/>
+              </a:ext>
+            </a:extLst>
+          </a:blip>
+          <a:srcRect/>
+          <a:stretch>
+            <a:fillRect/>
+          </a:stretch>
+        </p:blipFill>
+        <p:spPr bwMode="auto">
+          <a:xfrm>
+            <a:off x="2200275" y="1166812"/>
+            <a:ext cx="7791450" cy="4524375"/>
+          </a:xfrm>
+          <a:prstGeom prst="rect">
+            <a:avLst/>
+          </a:prstGeom>
+          <a:noFill/>
+          <a:extLst>
+            <a:ext uri="{909E8E84-426E-40DD-AFC4-6F175D3DCCD1}">
+              <a14:hiddenFill xmlns:a14="http://schemas.microsoft.com/office/drawing/2010/main">
+                <a:solidFill>
+                  <a:srgbClr val="FFFFFF"/>
+                </a:solidFill>
+              </a14:hiddenFill>
+            </a:ext>
+          </a:extLst>
+        </p:spPr>
+      </p:pic>
+    </p:spTree>
+    <p:extLst>
+      <p:ext uri="{BB962C8B-B14F-4D97-AF65-F5344CB8AC3E}">
+        <p14:creationId xmlns:p14="http://schemas.microsoft.com/office/powerpoint/2010/main" val="3153369564"/>
       </p:ext>
     </p:extLst>
   </p:cSld>
@@ -6405,7 +7059,7 @@
           <a:p>
             <a:r>
               <a:rPr lang="en-US" dirty="0"/>
-              <a:t>Fig 5: Interesting other morphologies? </a:t>
+              <a:t>Fig 6: Metastable multilayered morphologies</a:t>
             </a:r>
           </a:p>
         </p:txBody>
@@ -6678,237 +7332,6 @@
     <p:extLst>
       <p:ext uri="{BB962C8B-B14F-4D97-AF65-F5344CB8AC3E}">
         <p14:creationId xmlns:p14="http://schemas.microsoft.com/office/powerpoint/2010/main" val="3386628344"/>
-      </p:ext>
-    </p:extLst>
-  </p:cSld>
-  <p:clrMapOvr>
-    <a:masterClrMapping/>
-  </p:clrMapOvr>
-</p:sld>
-</file>
-
-<file path=ppt/slides/slide7.xml><?xml version="1.0" encoding="utf-8"?>
-<p:sld xmlns:a="http://schemas.openxmlformats.org/drawingml/2006/main" xmlns:r="http://schemas.openxmlformats.org/officeDocument/2006/relationships" xmlns:p="http://schemas.openxmlformats.org/presentationml/2006/main">
-  <p:cSld>
-    <p:spTree>
-      <p:nvGrpSpPr>
-        <p:cNvPr id="1" name="">
-          <a:extLst>
-            <a:ext uri="{FF2B5EF4-FFF2-40B4-BE49-F238E27FC236}">
-              <a16:creationId xmlns:a16="http://schemas.microsoft.com/office/drawing/2014/main" id="{BFFC0606-D4C7-3899-95C5-D24353FB3F85}"/>
-            </a:ext>
-          </a:extLst>
-        </p:cNvPr>
-        <p:cNvGrpSpPr/>
-        <p:nvPr/>
-      </p:nvGrpSpPr>
-      <p:grpSpPr>
-        <a:xfrm>
-          <a:off x="0" y="0"/>
-          <a:ext cx="0" cy="0"/>
-          <a:chOff x="0" y="0"/>
-          <a:chExt cx="0" cy="0"/>
-        </a:xfrm>
-      </p:grpSpPr>
-      <p:pic>
-        <p:nvPicPr>
-          <p:cNvPr id="7" name="Picture 6">
-            <a:extLst>
-              <a:ext uri="{FF2B5EF4-FFF2-40B4-BE49-F238E27FC236}">
-                <a16:creationId xmlns:a16="http://schemas.microsoft.com/office/drawing/2014/main" id="{1FAB252F-A037-CECA-0EEF-259768A2E7C3}"/>
-              </a:ext>
-            </a:extLst>
-          </p:cNvPr>
-          <p:cNvPicPr>
-            <a:picLocks noChangeAspect="1" noChangeArrowheads="1"/>
-          </p:cNvPicPr>
-          <p:nvPr/>
-        </p:nvPicPr>
-        <p:blipFill rotWithShape="1">
-          <a:blip r:embed="rId2">
-            <a:extLst>
-              <a:ext uri="{28A0092B-C50C-407E-A947-70E740481C1C}">
-                <a14:useLocalDpi xmlns:a14="http://schemas.microsoft.com/office/drawing/2010/main" val="0"/>
-              </a:ext>
-            </a:extLst>
-          </a:blip>
-          <a:srcRect t="20397" b="12490"/>
-          <a:stretch/>
-        </p:blipFill>
-        <p:spPr bwMode="auto">
-          <a:xfrm>
-            <a:off x="978786" y="4149852"/>
-            <a:ext cx="3513067" cy="2357718"/>
-          </a:xfrm>
-          <a:prstGeom prst="rect">
-            <a:avLst/>
-          </a:prstGeom>
-          <a:noFill/>
-          <a:extLst>
-            <a:ext uri="{909E8E84-426E-40DD-AFC4-6F175D3DCCD1}">
-              <a14:hiddenFill xmlns:a14="http://schemas.microsoft.com/office/drawing/2010/main">
-                <a:solidFill>
-                  <a:srgbClr val="FFFFFF"/>
-                </a:solidFill>
-              </a14:hiddenFill>
-            </a:ext>
-          </a:extLst>
-        </p:spPr>
-      </p:pic>
-      <p:pic>
-        <p:nvPicPr>
-          <p:cNvPr id="8" name="Picture 7">
-            <a:extLst>
-              <a:ext uri="{FF2B5EF4-FFF2-40B4-BE49-F238E27FC236}">
-                <a16:creationId xmlns:a16="http://schemas.microsoft.com/office/drawing/2014/main" id="{0E930578-142F-3DDF-2459-7797054E7518}"/>
-              </a:ext>
-            </a:extLst>
-          </p:cNvPr>
-          <p:cNvPicPr>
-            <a:picLocks noChangeAspect="1"/>
-          </p:cNvPicPr>
-          <p:nvPr/>
-        </p:nvPicPr>
-        <p:blipFill>
-          <a:blip r:embed="rId3"/>
-          <a:stretch>
-            <a:fillRect/>
-          </a:stretch>
-        </p:blipFill>
-        <p:spPr>
-          <a:xfrm>
-            <a:off x="3838967" y="1316383"/>
-            <a:ext cx="2257033" cy="2833469"/>
-          </a:xfrm>
-          <a:prstGeom prst="rect">
-            <a:avLst/>
-          </a:prstGeom>
-        </p:spPr>
-      </p:pic>
-      <p:pic>
-        <p:nvPicPr>
-          <p:cNvPr id="9" name="Picture 8">
-            <a:extLst>
-              <a:ext uri="{FF2B5EF4-FFF2-40B4-BE49-F238E27FC236}">
-                <a16:creationId xmlns:a16="http://schemas.microsoft.com/office/drawing/2014/main" id="{42D86276-2A59-28BD-F10C-842AC117945A}"/>
-              </a:ext>
-            </a:extLst>
-          </p:cNvPr>
-          <p:cNvPicPr>
-            <a:picLocks noChangeAspect="1"/>
-          </p:cNvPicPr>
-          <p:nvPr/>
-        </p:nvPicPr>
-        <p:blipFill>
-          <a:blip r:embed="rId4"/>
-          <a:stretch>
-            <a:fillRect/>
-          </a:stretch>
-        </p:blipFill>
-        <p:spPr>
-          <a:xfrm>
-            <a:off x="6408545" y="1498716"/>
-            <a:ext cx="2413057" cy="2468804"/>
-          </a:xfrm>
-          <a:prstGeom prst="rect">
-            <a:avLst/>
-          </a:prstGeom>
-        </p:spPr>
-      </p:pic>
-      <p:pic>
-        <p:nvPicPr>
-          <p:cNvPr id="10" name="Picture 9">
-            <a:extLst>
-              <a:ext uri="{FF2B5EF4-FFF2-40B4-BE49-F238E27FC236}">
-                <a16:creationId xmlns:a16="http://schemas.microsoft.com/office/drawing/2014/main" id="{BDCC62B8-570C-0483-AF40-90B1320B8EAB}"/>
-              </a:ext>
-            </a:extLst>
-          </p:cNvPr>
-          <p:cNvPicPr>
-            <a:picLocks noChangeAspect="1"/>
-          </p:cNvPicPr>
-          <p:nvPr/>
-        </p:nvPicPr>
-        <p:blipFill>
-          <a:blip r:embed="rId5"/>
-          <a:stretch>
-            <a:fillRect/>
-          </a:stretch>
-        </p:blipFill>
-        <p:spPr>
-          <a:xfrm>
-            <a:off x="9116232" y="1655058"/>
-            <a:ext cx="2597171" cy="2419916"/>
-          </a:xfrm>
-          <a:prstGeom prst="rect">
-            <a:avLst/>
-          </a:prstGeom>
-        </p:spPr>
-      </p:pic>
-      <p:pic>
-        <p:nvPicPr>
-          <p:cNvPr id="15" name="Picture 14">
-            <a:extLst>
-              <a:ext uri="{FF2B5EF4-FFF2-40B4-BE49-F238E27FC236}">
-                <a16:creationId xmlns:a16="http://schemas.microsoft.com/office/drawing/2014/main" id="{0F174053-483E-AD0D-3C9F-C21F7FDE287B}"/>
-              </a:ext>
-            </a:extLst>
-          </p:cNvPr>
-          <p:cNvPicPr>
-            <a:picLocks noChangeAspect="1"/>
-          </p:cNvPicPr>
-          <p:nvPr/>
-        </p:nvPicPr>
-        <p:blipFill>
-          <a:blip r:embed="rId6"/>
-          <a:stretch>
-            <a:fillRect/>
-          </a:stretch>
-        </p:blipFill>
-        <p:spPr>
-          <a:xfrm>
-            <a:off x="4376456" y="4441489"/>
-            <a:ext cx="1378885" cy="2175575"/>
-          </a:xfrm>
-          <a:prstGeom prst="rect">
-            <a:avLst/>
-          </a:prstGeom>
-        </p:spPr>
-      </p:pic>
-      <p:pic>
-        <p:nvPicPr>
-          <p:cNvPr id="16" name="Picture 15">
-            <a:extLst>
-              <a:ext uri="{FF2B5EF4-FFF2-40B4-BE49-F238E27FC236}">
-                <a16:creationId xmlns:a16="http://schemas.microsoft.com/office/drawing/2014/main" id="{986D988D-9A57-A27A-8044-9144346CB72F}"/>
-              </a:ext>
-            </a:extLst>
-          </p:cNvPr>
-          <p:cNvPicPr>
-            <a:picLocks noChangeAspect="1"/>
-          </p:cNvPicPr>
-          <p:nvPr/>
-        </p:nvPicPr>
-        <p:blipFill>
-          <a:blip r:embed="rId7"/>
-          <a:stretch>
-            <a:fillRect/>
-          </a:stretch>
-        </p:blipFill>
-        <p:spPr>
-          <a:xfrm>
-            <a:off x="6096000" y="4441488"/>
-            <a:ext cx="1658948" cy="2175576"/>
-          </a:xfrm>
-          <a:prstGeom prst="rect">
-            <a:avLst/>
-          </a:prstGeom>
-        </p:spPr>
-      </p:pic>
-    </p:spTree>
-    <p:extLst>
-      <p:ext uri="{BB962C8B-B14F-4D97-AF65-F5344CB8AC3E}">
-        <p14:creationId xmlns:p14="http://schemas.microsoft.com/office/powerpoint/2010/main" val="59981036"/>
       </p:ext>
     </p:extLst>
   </p:cSld>

--- a/SYSG3_paper.pptx
+++ b/SYSG3_paper.pptx
@@ -8,9 +8,10 @@
     <p:sldId id="368" r:id="rId2"/>
     <p:sldId id="371" r:id="rId3"/>
     <p:sldId id="364" r:id="rId4"/>
-    <p:sldId id="372" r:id="rId5"/>
-    <p:sldId id="373" r:id="rId6"/>
-    <p:sldId id="370" r:id="rId7"/>
+    <p:sldId id="374" r:id="rId5"/>
+    <p:sldId id="372" r:id="rId6"/>
+    <p:sldId id="373" r:id="rId7"/>
+    <p:sldId id="370" r:id="rId8"/>
   </p:sldIdLst>
   <p:sldSz cx="12192000" cy="6858000"/>
   <p:notesSz cx="6858000" cy="9144000"/>
@@ -264,7 +265,7 @@
           <a:p>
             <a:fld id="{E3B1C2F4-07A0-459D-95BE-47AEA2376715}" type="datetimeFigureOut">
               <a:rPr lang="en-US" smtClean="0"/>
-              <a:t>6/9/2025</a:t>
+              <a:t>6/10/2025</a:t>
             </a:fld>
             <a:endParaRPr lang="en-US"/>
           </a:p>
@@ -462,7 +463,7 @@
           <a:p>
             <a:fld id="{E3B1C2F4-07A0-459D-95BE-47AEA2376715}" type="datetimeFigureOut">
               <a:rPr lang="en-US" smtClean="0"/>
-              <a:t>6/9/2025</a:t>
+              <a:t>6/10/2025</a:t>
             </a:fld>
             <a:endParaRPr lang="en-US"/>
           </a:p>
@@ -670,7 +671,7 @@
           <a:p>
             <a:fld id="{E3B1C2F4-07A0-459D-95BE-47AEA2376715}" type="datetimeFigureOut">
               <a:rPr lang="en-US" smtClean="0"/>
-              <a:t>6/9/2025</a:t>
+              <a:t>6/10/2025</a:t>
             </a:fld>
             <a:endParaRPr lang="en-US"/>
           </a:p>
@@ -868,7 +869,7 @@
           <a:p>
             <a:fld id="{E3B1C2F4-07A0-459D-95BE-47AEA2376715}" type="datetimeFigureOut">
               <a:rPr lang="en-US" smtClean="0"/>
-              <a:t>6/9/2025</a:t>
+              <a:t>6/10/2025</a:t>
             </a:fld>
             <a:endParaRPr lang="en-US"/>
           </a:p>
@@ -1143,7 +1144,7 @@
           <a:p>
             <a:fld id="{E3B1C2F4-07A0-459D-95BE-47AEA2376715}" type="datetimeFigureOut">
               <a:rPr lang="en-US" smtClean="0"/>
-              <a:t>6/9/2025</a:t>
+              <a:t>6/10/2025</a:t>
             </a:fld>
             <a:endParaRPr lang="en-US"/>
           </a:p>
@@ -1408,7 +1409,7 @@
           <a:p>
             <a:fld id="{E3B1C2F4-07A0-459D-95BE-47AEA2376715}" type="datetimeFigureOut">
               <a:rPr lang="en-US" smtClean="0"/>
-              <a:t>6/9/2025</a:t>
+              <a:t>6/10/2025</a:t>
             </a:fld>
             <a:endParaRPr lang="en-US"/>
           </a:p>
@@ -1820,7 +1821,7 @@
           <a:p>
             <a:fld id="{E3B1C2F4-07A0-459D-95BE-47AEA2376715}" type="datetimeFigureOut">
               <a:rPr lang="en-US" smtClean="0"/>
-              <a:t>6/9/2025</a:t>
+              <a:t>6/10/2025</a:t>
             </a:fld>
             <a:endParaRPr lang="en-US"/>
           </a:p>
@@ -1961,7 +1962,7 @@
           <a:p>
             <a:fld id="{E3B1C2F4-07A0-459D-95BE-47AEA2376715}" type="datetimeFigureOut">
               <a:rPr lang="en-US" smtClean="0"/>
-              <a:t>6/9/2025</a:t>
+              <a:t>6/10/2025</a:t>
             </a:fld>
             <a:endParaRPr lang="en-US"/>
           </a:p>
@@ -2074,7 +2075,7 @@
           <a:p>
             <a:fld id="{E3B1C2F4-07A0-459D-95BE-47AEA2376715}" type="datetimeFigureOut">
               <a:rPr lang="en-US" smtClean="0"/>
-              <a:t>6/9/2025</a:t>
+              <a:t>6/10/2025</a:t>
             </a:fld>
             <a:endParaRPr lang="en-US"/>
           </a:p>
@@ -2385,7 +2386,7 @@
           <a:p>
             <a:fld id="{E3B1C2F4-07A0-459D-95BE-47AEA2376715}" type="datetimeFigureOut">
               <a:rPr lang="en-US" smtClean="0"/>
-              <a:t>6/9/2025</a:t>
+              <a:t>6/10/2025</a:t>
             </a:fld>
             <a:endParaRPr lang="en-US"/>
           </a:p>
@@ -2673,7 +2674,7 @@
           <a:p>
             <a:fld id="{E3B1C2F4-07A0-459D-95BE-47AEA2376715}" type="datetimeFigureOut">
               <a:rPr lang="en-US" smtClean="0"/>
-              <a:t>6/9/2025</a:t>
+              <a:t>6/10/2025</a:t>
             </a:fld>
             <a:endParaRPr lang="en-US"/>
           </a:p>
@@ -2914,7 +2915,7 @@
           <a:p>
             <a:fld id="{E3B1C2F4-07A0-459D-95BE-47AEA2376715}" type="datetimeFigureOut">
               <a:rPr lang="en-US" smtClean="0"/>
-              <a:t>6/9/2025</a:t>
+              <a:t>6/10/2025</a:t>
             </a:fld>
             <a:endParaRPr lang="en-US"/>
           </a:p>
@@ -4168,8 +4169,8 @@
           </a:p>
         </p:txBody>
       </p:sp>
-      <mc:AlternateContent xmlns:mc="http://schemas.openxmlformats.org/markup-compatibility/2006">
-        <mc:Choice xmlns:a14="http://schemas.microsoft.com/office/drawing/2010/main" Requires="a14">
+      <mc:AlternateContent xmlns:mc="http://schemas.openxmlformats.org/markup-compatibility/2006" xmlns:a14="http://schemas.microsoft.com/office/drawing/2010/main">
+        <mc:Choice Requires="a14">
           <p:sp>
             <p:nvSpPr>
               <p:cNvPr id="7" name="TextBox 6">
@@ -4225,7 +4226,7 @@
             </p:txBody>
           </p:sp>
         </mc:Choice>
-        <mc:Fallback>
+        <mc:Fallback xmlns="">
           <p:sp>
             <p:nvSpPr>
               <p:cNvPr id="7" name="TextBox 6">
@@ -4270,8 +4271,8 @@
           </p:sp>
         </mc:Fallback>
       </mc:AlternateContent>
-      <mc:AlternateContent xmlns:mc="http://schemas.openxmlformats.org/markup-compatibility/2006">
-        <mc:Choice xmlns:a14="http://schemas.microsoft.com/office/drawing/2010/main" Requires="a14">
+      <mc:AlternateContent xmlns:mc="http://schemas.openxmlformats.org/markup-compatibility/2006" xmlns:a14="http://schemas.microsoft.com/office/drawing/2010/main">
+        <mc:Choice Requires="a14">
           <p:sp>
             <p:nvSpPr>
               <p:cNvPr id="8" name="TextBox 7">
@@ -4333,7 +4334,7 @@
             </p:txBody>
           </p:sp>
         </mc:Choice>
-        <mc:Fallback>
+        <mc:Fallback xmlns="">
           <p:sp>
             <p:nvSpPr>
               <p:cNvPr id="8" name="TextBox 7">
@@ -4378,8 +4379,8 @@
           </p:sp>
         </mc:Fallback>
       </mc:AlternateContent>
-      <mc:AlternateContent xmlns:mc="http://schemas.openxmlformats.org/markup-compatibility/2006">
-        <mc:Choice xmlns:a14="http://schemas.microsoft.com/office/drawing/2010/main" Requires="a14">
+      <mc:AlternateContent xmlns:mc="http://schemas.openxmlformats.org/markup-compatibility/2006" xmlns:a14="http://schemas.microsoft.com/office/drawing/2010/main">
+        <mc:Choice Requires="a14">
           <p:sp>
             <p:nvSpPr>
               <p:cNvPr id="9" name="TextBox 8">
@@ -4432,7 +4433,7 @@
             </p:txBody>
           </p:sp>
         </mc:Choice>
-        <mc:Fallback>
+        <mc:Fallback xmlns="">
           <p:sp>
             <p:nvSpPr>
               <p:cNvPr id="9" name="TextBox 8">
@@ -4537,8 +4538,8 @@
           </a:prstGeom>
         </p:spPr>
       </p:pic>
-      <mc:AlternateContent xmlns:mc="http://schemas.openxmlformats.org/markup-compatibility/2006">
-        <mc:Choice xmlns:a14="http://schemas.microsoft.com/office/drawing/2010/main" Requires="a14">
+      <mc:AlternateContent xmlns:mc="http://schemas.openxmlformats.org/markup-compatibility/2006" xmlns:a14="http://schemas.microsoft.com/office/drawing/2010/main">
+        <mc:Choice Requires="a14">
           <p:sp>
             <p:nvSpPr>
               <p:cNvPr id="25" name="TextBox 24">
@@ -4594,7 +4595,7 @@
             </p:txBody>
           </p:sp>
         </mc:Choice>
-        <mc:Fallback>
+        <mc:Fallback xmlns="">
           <p:sp>
             <p:nvSpPr>
               <p:cNvPr id="25" name="TextBox 24">
@@ -4669,8 +4670,8 @@
           </a:prstGeom>
         </p:spPr>
       </p:pic>
-      <mc:AlternateContent xmlns:mc="http://schemas.openxmlformats.org/markup-compatibility/2006">
-        <mc:Choice xmlns:a14="http://schemas.microsoft.com/office/drawing/2010/main" Requires="a14">
+      <mc:AlternateContent xmlns:mc="http://schemas.openxmlformats.org/markup-compatibility/2006" xmlns:a14="http://schemas.microsoft.com/office/drawing/2010/main">
+        <mc:Choice Requires="a14">
           <p:sp>
             <p:nvSpPr>
               <p:cNvPr id="2" name="TextBox 1">
@@ -4726,7 +4727,7 @@
             </p:txBody>
           </p:sp>
         </mc:Choice>
-        <mc:Fallback>
+        <mc:Fallback xmlns="">
           <p:sp>
             <p:nvSpPr>
               <p:cNvPr id="2" name="TextBox 1">
@@ -4771,8 +4772,8 @@
           </p:sp>
         </mc:Fallback>
       </mc:AlternateContent>
-      <mc:AlternateContent xmlns:mc="http://schemas.openxmlformats.org/markup-compatibility/2006">
-        <mc:Choice xmlns:a14="http://schemas.microsoft.com/office/drawing/2010/main" Requires="a14">
+      <mc:AlternateContent xmlns:mc="http://schemas.openxmlformats.org/markup-compatibility/2006" xmlns:a14="http://schemas.microsoft.com/office/drawing/2010/main">
+        <mc:Choice Requires="a14">
           <p:sp>
             <p:nvSpPr>
               <p:cNvPr id="4" name="TextBox 3">
@@ -4828,7 +4829,7 @@
             </p:txBody>
           </p:sp>
         </mc:Choice>
-        <mc:Fallback>
+        <mc:Fallback xmlns="">
           <p:sp>
             <p:nvSpPr>
               <p:cNvPr id="4" name="TextBox 3">
@@ -4933,8 +4934,8 @@
           </a:prstGeom>
         </p:spPr>
       </p:pic>
-      <mc:AlternateContent xmlns:mc="http://schemas.openxmlformats.org/markup-compatibility/2006">
-        <mc:Choice xmlns:a14="http://schemas.microsoft.com/office/drawing/2010/main" Requires="a14">
+      <mc:AlternateContent xmlns:mc="http://schemas.openxmlformats.org/markup-compatibility/2006" xmlns:a14="http://schemas.microsoft.com/office/drawing/2010/main">
+        <mc:Choice Requires="a14">
           <p:sp>
             <p:nvSpPr>
               <p:cNvPr id="18" name="TextBox 17">
@@ -4990,7 +4991,7 @@
             </p:txBody>
           </p:sp>
         </mc:Choice>
-        <mc:Fallback>
+        <mc:Fallback xmlns="">
           <p:sp>
             <p:nvSpPr>
               <p:cNvPr id="18" name="TextBox 17">
@@ -5035,8 +5036,8 @@
           </p:sp>
         </mc:Fallback>
       </mc:AlternateContent>
-      <mc:AlternateContent xmlns:mc="http://schemas.openxmlformats.org/markup-compatibility/2006">
-        <mc:Choice xmlns:a14="http://schemas.microsoft.com/office/drawing/2010/main" Requires="a14">
+      <mc:AlternateContent xmlns:mc="http://schemas.openxmlformats.org/markup-compatibility/2006" xmlns:a14="http://schemas.microsoft.com/office/drawing/2010/main">
+        <mc:Choice Requires="a14">
           <p:sp>
             <p:nvSpPr>
               <p:cNvPr id="21" name="TextBox 20">
@@ -5092,7 +5093,7 @@
             </p:txBody>
           </p:sp>
         </mc:Choice>
-        <mc:Fallback>
+        <mc:Fallback xmlns="">
           <p:sp>
             <p:nvSpPr>
               <p:cNvPr id="21" name="TextBox 20">
@@ -5184,8 +5185,8 @@
           </a:extLst>
         </p:spPr>
       </p:pic>
-      <mc:AlternateContent xmlns:mc="http://schemas.openxmlformats.org/markup-compatibility/2006">
-        <mc:Choice xmlns:a14="http://schemas.microsoft.com/office/drawing/2010/main" Requires="a14">
+      <mc:AlternateContent xmlns:mc="http://schemas.openxmlformats.org/markup-compatibility/2006" xmlns:a14="http://schemas.microsoft.com/office/drawing/2010/main">
+        <mc:Choice Requires="a14">
           <p:sp>
             <p:nvSpPr>
               <p:cNvPr id="23" name="TextBox 22">
@@ -5241,7 +5242,7 @@
             </p:txBody>
           </p:sp>
         </mc:Choice>
-        <mc:Fallback>
+        <mc:Fallback xmlns="">
           <p:sp>
             <p:nvSpPr>
               <p:cNvPr id="23" name="TextBox 22">
@@ -5415,6 +5416,1650 @@
         <p:cNvPr id="1" name="">
           <a:extLst>
             <a:ext uri="{FF2B5EF4-FFF2-40B4-BE49-F238E27FC236}">
+              <a16:creationId xmlns:a16="http://schemas.microsoft.com/office/drawing/2014/main" id="{E56B8314-4FAE-9057-7F8E-712B4D52BD4F}"/>
+            </a:ext>
+          </a:extLst>
+        </p:cNvPr>
+        <p:cNvGrpSpPr/>
+        <p:nvPr/>
+      </p:nvGrpSpPr>
+      <p:grpSpPr>
+        <a:xfrm>
+          <a:off x="0" y="0"/>
+          <a:ext cx="0" cy="0"/>
+          <a:chOff x="0" y="0"/>
+          <a:chExt cx="0" cy="0"/>
+        </a:xfrm>
+      </p:grpSpPr>
+      <p:pic>
+        <p:nvPicPr>
+          <p:cNvPr id="6" name="Picture 5">
+            <a:extLst>
+              <a:ext uri="{FF2B5EF4-FFF2-40B4-BE49-F238E27FC236}">
+                <a16:creationId xmlns:a16="http://schemas.microsoft.com/office/drawing/2014/main" id="{3CF99D70-1CBB-1140-69DE-9B5BCC3BB05B}"/>
+              </a:ext>
+            </a:extLst>
+          </p:cNvPr>
+          <p:cNvPicPr>
+            <a:picLocks noChangeAspect="1"/>
+          </p:cNvPicPr>
+          <p:nvPr/>
+        </p:nvPicPr>
+        <p:blipFill>
+          <a:blip r:embed="rId2"/>
+          <a:stretch>
+            <a:fillRect/>
+          </a:stretch>
+        </p:blipFill>
+        <p:spPr>
+          <a:xfrm>
+            <a:off x="4929826" y="1527353"/>
+            <a:ext cx="1241253" cy="1668795"/>
+          </a:xfrm>
+          <a:prstGeom prst="rect">
+            <a:avLst/>
+          </a:prstGeom>
+        </p:spPr>
+      </p:pic>
+      <p:sp>
+        <p:nvSpPr>
+          <p:cNvPr id="3" name="TextBox 2">
+            <a:extLst>
+              <a:ext uri="{FF2B5EF4-FFF2-40B4-BE49-F238E27FC236}">
+                <a16:creationId xmlns:a16="http://schemas.microsoft.com/office/drawing/2014/main" id="{A1D24BBF-83A1-9934-9C1E-7ED7A6B76AB4}"/>
+              </a:ext>
+            </a:extLst>
+          </p:cNvPr>
+          <p:cNvSpPr txBox="1"/>
+          <p:nvPr/>
+        </p:nvSpPr>
+        <p:spPr>
+          <a:xfrm>
+            <a:off x="1645962" y="247374"/>
+            <a:ext cx="9436032" cy="369332"/>
+          </a:xfrm>
+          <a:prstGeom prst="rect">
+            <a:avLst/>
+          </a:prstGeom>
+          <a:noFill/>
+        </p:spPr>
+        <p:txBody>
+          <a:bodyPr wrap="square" rtlCol="0">
+            <a:spAutoFit/>
+          </a:bodyPr>
+          <a:lstStyle/>
+          <a:p>
+            <a:r>
+              <a:rPr lang="en-US" dirty="0"/>
+              <a:t>Fig 3: </a:t>
+            </a:r>
+            <a:r>
+              <a:rPr lang="en-US" dirty="0" err="1"/>
+              <a:t>Cyl</a:t>
+            </a:r>
+            <a:r>
+              <a:rPr lang="en-US" dirty="0"/>
+              <a:t> to </a:t>
+            </a:r>
+            <a:r>
+              <a:rPr lang="en-US" dirty="0" err="1"/>
+              <a:t>Cyl</a:t>
+            </a:r>
+            <a:r>
+              <a:rPr lang="en-US" dirty="0"/>
+              <a:t>-str to Str by increasing sigma</a:t>
+            </a:r>
+          </a:p>
+        </p:txBody>
+      </p:sp>
+      <mc:AlternateContent xmlns:mc="http://schemas.openxmlformats.org/markup-compatibility/2006" xmlns:a14="http://schemas.microsoft.com/office/drawing/2010/main">
+        <mc:Choice Requires="a14">
+          <p:sp>
+            <p:nvSpPr>
+              <p:cNvPr id="7" name="TextBox 6">
+                <a:extLst>
+                  <a:ext uri="{FF2B5EF4-FFF2-40B4-BE49-F238E27FC236}">
+                    <a16:creationId xmlns:a16="http://schemas.microsoft.com/office/drawing/2014/main" id="{005848A7-A949-9388-54CB-AF457DB242C3}"/>
+                  </a:ext>
+                </a:extLst>
+              </p:cNvPr>
+              <p:cNvSpPr txBox="1"/>
+              <p:nvPr/>
+            </p:nvSpPr>
+            <p:spPr>
+              <a:xfrm>
+                <a:off x="5117595" y="1031794"/>
+                <a:ext cx="1237130" cy="369332"/>
+              </a:xfrm>
+              <a:prstGeom prst="rect">
+                <a:avLst/>
+              </a:prstGeom>
+              <a:noFill/>
+            </p:spPr>
+            <p:txBody>
+              <a:bodyPr wrap="square" rtlCol="0">
+                <a:spAutoFit/>
+              </a:bodyPr>
+              <a:lstStyle/>
+              <a:p>
+                <a:pPr/>
+                <a14:m>
+                  <m:oMathPara xmlns:m="http://schemas.openxmlformats.org/officeDocument/2006/math">
+                    <m:oMathParaPr>
+                      <m:jc m:val="centerGroup"/>
+                    </m:oMathParaPr>
+                    <m:oMath xmlns:m="http://schemas.openxmlformats.org/officeDocument/2006/math">
+                      <m:r>
+                        <a:rPr lang="en-US" b="0" i="1" smtClean="0">
+                          <a:latin typeface="Cambria Math" panose="02040503050406030204" pitchFamily="18" charset="0"/>
+                        </a:rPr>
+                        <m:t>𝜎</m:t>
+                      </m:r>
+                      <m:r>
+                        <a:rPr lang="en-US" b="0" i="1" smtClean="0">
+                          <a:latin typeface="Cambria Math" panose="02040503050406030204" pitchFamily="18" charset="0"/>
+                        </a:rPr>
+                        <m:t>=0.020</m:t>
+                      </m:r>
+                    </m:oMath>
+                  </m:oMathPara>
+                </a14:m>
+                <a:endParaRPr lang="en-US" dirty="0"/>
+              </a:p>
+            </p:txBody>
+          </p:sp>
+        </mc:Choice>
+        <mc:Fallback xmlns="">
+          <p:sp>
+            <p:nvSpPr>
+              <p:cNvPr id="7" name="TextBox 6">
+                <a:extLst>
+                  <a:ext uri="{FF2B5EF4-FFF2-40B4-BE49-F238E27FC236}">
+                    <a16:creationId xmlns:a16="http://schemas.microsoft.com/office/drawing/2014/main" id="{C7C76F35-D1EE-7CEE-9F54-59AC3E50D5DE}"/>
+                  </a:ext>
+                </a:extLst>
+              </p:cNvPr>
+              <p:cNvSpPr txBox="1">
+                <a:spLocks noRot="1" noChangeAspect="1" noMove="1" noResize="1" noEditPoints="1" noAdjustHandles="1" noChangeArrowheads="1" noChangeShapeType="1" noTextEdit="1"/>
+              </p:cNvSpPr>
+              <p:nvPr/>
+            </p:nvSpPr>
+            <p:spPr>
+              <a:xfrm>
+                <a:off x="5117595" y="1031794"/>
+                <a:ext cx="1237130" cy="369332"/>
+              </a:xfrm>
+              <a:prstGeom prst="rect">
+                <a:avLst/>
+              </a:prstGeom>
+              <a:blipFill>
+                <a:blip r:embed="rId3"/>
+                <a:stretch>
+                  <a:fillRect/>
+                </a:stretch>
+              </a:blipFill>
+            </p:spPr>
+            <p:txBody>
+              <a:bodyPr/>
+              <a:lstStyle/>
+              <a:p>
+                <a:r>
+                  <a:rPr lang="en-US">
+                    <a:noFill/>
+                  </a:rPr>
+                  <a:t> </a:t>
+                </a:r>
+              </a:p>
+            </p:txBody>
+          </p:sp>
+        </mc:Fallback>
+      </mc:AlternateContent>
+      <mc:AlternateContent xmlns:mc="http://schemas.openxmlformats.org/markup-compatibility/2006" xmlns:a14="http://schemas.microsoft.com/office/drawing/2010/main">
+        <mc:Choice Requires="a14">
+          <p:sp>
+            <p:nvSpPr>
+              <p:cNvPr id="8" name="TextBox 7">
+                <a:extLst>
+                  <a:ext uri="{FF2B5EF4-FFF2-40B4-BE49-F238E27FC236}">
+                    <a16:creationId xmlns:a16="http://schemas.microsoft.com/office/drawing/2014/main" id="{6CAE1B53-957D-7043-995E-69E30A7327F0}"/>
+                  </a:ext>
+                </a:extLst>
+              </p:cNvPr>
+              <p:cNvSpPr txBox="1"/>
+              <p:nvPr/>
+            </p:nvSpPr>
+            <p:spPr>
+              <a:xfrm>
+                <a:off x="7012597" y="1031794"/>
+                <a:ext cx="1525469" cy="369332"/>
+              </a:xfrm>
+              <a:prstGeom prst="rect">
+                <a:avLst/>
+              </a:prstGeom>
+              <a:noFill/>
+            </p:spPr>
+            <p:txBody>
+              <a:bodyPr wrap="square" rtlCol="0">
+                <a:spAutoFit/>
+              </a:bodyPr>
+              <a:lstStyle/>
+              <a:p>
+                <a:pPr/>
+                <a14:m>
+                  <m:oMathPara xmlns:m="http://schemas.openxmlformats.org/officeDocument/2006/math">
+                    <m:oMathParaPr>
+                      <m:jc m:val="centerGroup"/>
+                    </m:oMathParaPr>
+                    <m:oMath xmlns:m="http://schemas.openxmlformats.org/officeDocument/2006/math">
+                      <m:r>
+                        <a:rPr lang="en-US" b="0" i="1" smtClean="0">
+                          <a:latin typeface="Cambria Math" panose="02040503050406030204" pitchFamily="18" charset="0"/>
+                        </a:rPr>
+                        <m:t>𝜎</m:t>
+                      </m:r>
+                      <m:r>
+                        <a:rPr lang="en-US" b="0" i="1" smtClean="0">
+                          <a:latin typeface="Cambria Math" panose="02040503050406030204" pitchFamily="18" charset="0"/>
+                        </a:rPr>
+                        <m:t>=0.03</m:t>
+                      </m:r>
+                      <m:r>
+                        <a:rPr lang="en-US" b="0" i="0" smtClean="0">
+                          <a:latin typeface="Cambria Math" panose="02040503050406030204" pitchFamily="18" charset="0"/>
+                        </a:rPr>
+                        <m:t>0</m:t>
+                      </m:r>
+                    </m:oMath>
+                  </m:oMathPara>
+                </a14:m>
+                <a:endParaRPr lang="en-US" dirty="0"/>
+              </a:p>
+            </p:txBody>
+          </p:sp>
+        </mc:Choice>
+        <mc:Fallback xmlns="">
+          <p:sp>
+            <p:nvSpPr>
+              <p:cNvPr id="8" name="TextBox 7">
+                <a:extLst>
+                  <a:ext uri="{FF2B5EF4-FFF2-40B4-BE49-F238E27FC236}">
+                    <a16:creationId xmlns:a16="http://schemas.microsoft.com/office/drawing/2014/main" id="{A3D5A164-5866-DA2B-BE67-42CEB03795EE}"/>
+                  </a:ext>
+                </a:extLst>
+              </p:cNvPr>
+              <p:cNvSpPr txBox="1">
+                <a:spLocks noRot="1" noChangeAspect="1" noMove="1" noResize="1" noEditPoints="1" noAdjustHandles="1" noChangeArrowheads="1" noChangeShapeType="1" noTextEdit="1"/>
+              </p:cNvSpPr>
+              <p:nvPr/>
+            </p:nvSpPr>
+            <p:spPr>
+              <a:xfrm>
+                <a:off x="7012597" y="1031794"/>
+                <a:ext cx="1525469" cy="369332"/>
+              </a:xfrm>
+              <a:prstGeom prst="rect">
+                <a:avLst/>
+              </a:prstGeom>
+              <a:blipFill>
+                <a:blip r:embed="rId4"/>
+                <a:stretch>
+                  <a:fillRect/>
+                </a:stretch>
+              </a:blipFill>
+            </p:spPr>
+            <p:txBody>
+              <a:bodyPr/>
+              <a:lstStyle/>
+              <a:p>
+                <a:r>
+                  <a:rPr lang="en-US">
+                    <a:noFill/>
+                  </a:rPr>
+                  <a:t> </a:t>
+                </a:r>
+              </a:p>
+            </p:txBody>
+          </p:sp>
+        </mc:Fallback>
+      </mc:AlternateContent>
+      <mc:AlternateContent xmlns:mc="http://schemas.openxmlformats.org/markup-compatibility/2006">
+        <mc:Choice xmlns:a14="http://schemas.microsoft.com/office/drawing/2010/main" Requires="a14">
+          <p:sp>
+            <p:nvSpPr>
+              <p:cNvPr id="9" name="TextBox 8">
+                <a:extLst>
+                  <a:ext uri="{FF2B5EF4-FFF2-40B4-BE49-F238E27FC236}">
+                    <a16:creationId xmlns:a16="http://schemas.microsoft.com/office/drawing/2014/main" id="{BDE8F965-2C37-C615-E2C0-9F2F55D63C26}"/>
+                  </a:ext>
+                </a:extLst>
+              </p:cNvPr>
+              <p:cNvSpPr txBox="1"/>
+              <p:nvPr/>
+            </p:nvSpPr>
+            <p:spPr>
+              <a:xfrm>
+                <a:off x="9216733" y="988024"/>
+                <a:ext cx="1318040" cy="369332"/>
+              </a:xfrm>
+              <a:prstGeom prst="rect">
+                <a:avLst/>
+              </a:prstGeom>
+              <a:noFill/>
+            </p:spPr>
+            <p:txBody>
+              <a:bodyPr wrap="square" rtlCol="0">
+                <a:spAutoFit/>
+              </a:bodyPr>
+              <a:lstStyle/>
+              <a:p>
+                <a14:m>
+                  <m:oMathPara xmlns:m="http://schemas.openxmlformats.org/officeDocument/2006/math">
+                    <m:oMathParaPr>
+                      <m:jc m:val="centerGroup"/>
+                    </m:oMathParaPr>
+                    <m:oMath xmlns:m="http://schemas.openxmlformats.org/officeDocument/2006/math">
+                      <m:r>
+                        <a:rPr lang="en-US" b="0" i="1" smtClean="0">
+                          <a:latin typeface="Cambria Math" panose="02040503050406030204" pitchFamily="18" charset="0"/>
+                        </a:rPr>
+                        <m:t>𝜎</m:t>
+                      </m:r>
+                      <m:r>
+                        <a:rPr lang="en-US" b="0" i="1" smtClean="0">
+                          <a:latin typeface="Cambria Math" panose="02040503050406030204" pitchFamily="18" charset="0"/>
+                        </a:rPr>
+                        <m:t>=0.055</m:t>
+                      </m:r>
+                    </m:oMath>
+                  </m:oMathPara>
+                </a14:m>
+                <a:endParaRPr lang="en-US" dirty="0"/>
+              </a:p>
+            </p:txBody>
+          </p:sp>
+        </mc:Choice>
+        <mc:Fallback>
+          <p:sp>
+            <p:nvSpPr>
+              <p:cNvPr id="9" name="TextBox 8">
+                <a:extLst>
+                  <a:ext uri="{FF2B5EF4-FFF2-40B4-BE49-F238E27FC236}">
+                    <a16:creationId xmlns:a16="http://schemas.microsoft.com/office/drawing/2014/main" id="{BDE8F965-2C37-C615-E2C0-9F2F55D63C26}"/>
+                  </a:ext>
+                </a:extLst>
+              </p:cNvPr>
+              <p:cNvSpPr txBox="1">
+                <a:spLocks noRot="1" noChangeAspect="1" noMove="1" noResize="1" noEditPoints="1" noAdjustHandles="1" noChangeArrowheads="1" noChangeShapeType="1" noTextEdit="1"/>
+              </p:cNvSpPr>
+              <p:nvPr/>
+            </p:nvSpPr>
+            <p:spPr>
+              <a:xfrm>
+                <a:off x="9216733" y="988024"/>
+                <a:ext cx="1318040" cy="369332"/>
+              </a:xfrm>
+              <a:prstGeom prst="rect">
+                <a:avLst/>
+              </a:prstGeom>
+              <a:blipFill>
+                <a:blip r:embed="rId5"/>
+                <a:stretch>
+                  <a:fillRect/>
+                </a:stretch>
+              </a:blipFill>
+            </p:spPr>
+            <p:txBody>
+              <a:bodyPr/>
+              <a:lstStyle/>
+              <a:p>
+                <a:r>
+                  <a:rPr lang="en-US">
+                    <a:noFill/>
+                  </a:rPr>
+                  <a:t> </a:t>
+                </a:r>
+              </a:p>
+            </p:txBody>
+          </p:sp>
+        </mc:Fallback>
+      </mc:AlternateContent>
+      <p:pic>
+        <p:nvPicPr>
+          <p:cNvPr id="5" name="Picture 4">
+            <a:extLst>
+              <a:ext uri="{FF2B5EF4-FFF2-40B4-BE49-F238E27FC236}">
+                <a16:creationId xmlns:a16="http://schemas.microsoft.com/office/drawing/2014/main" id="{DC29D830-B350-8018-7F61-3E543B504334}"/>
+              </a:ext>
+            </a:extLst>
+          </p:cNvPr>
+          <p:cNvPicPr>
+            <a:picLocks noChangeAspect="1"/>
+          </p:cNvPicPr>
+          <p:nvPr/>
+        </p:nvPicPr>
+        <p:blipFill>
+          <a:blip r:embed="rId6"/>
+          <a:stretch>
+            <a:fillRect/>
+          </a:stretch>
+        </p:blipFill>
+        <p:spPr>
+          <a:xfrm>
+            <a:off x="6891038" y="1501516"/>
+            <a:ext cx="1344719" cy="1773994"/>
+          </a:xfrm>
+          <a:prstGeom prst="rect">
+            <a:avLst/>
+          </a:prstGeom>
+        </p:spPr>
+      </p:pic>
+      <p:pic>
+        <p:nvPicPr>
+          <p:cNvPr id="17" name="Picture 16">
+            <a:extLst>
+              <a:ext uri="{FF2B5EF4-FFF2-40B4-BE49-F238E27FC236}">
+                <a16:creationId xmlns:a16="http://schemas.microsoft.com/office/drawing/2014/main" id="{FDB0355A-C91F-59B4-56AD-2325A43604F7}"/>
+              </a:ext>
+            </a:extLst>
+          </p:cNvPr>
+          <p:cNvPicPr>
+            <a:picLocks noChangeAspect="1"/>
+          </p:cNvPicPr>
+          <p:nvPr/>
+        </p:nvPicPr>
+        <p:blipFill>
+          <a:blip r:embed="rId7"/>
+          <a:stretch>
+            <a:fillRect/>
+          </a:stretch>
+        </p:blipFill>
+        <p:spPr>
+          <a:xfrm>
+            <a:off x="9039769" y="1478764"/>
+            <a:ext cx="1179540" cy="1818674"/>
+          </a:xfrm>
+          <a:prstGeom prst="rect">
+            <a:avLst/>
+          </a:prstGeom>
+        </p:spPr>
+      </p:pic>
+      <mc:AlternateContent xmlns:mc="http://schemas.openxmlformats.org/markup-compatibility/2006" xmlns:a14="http://schemas.microsoft.com/office/drawing/2010/main">
+        <mc:Choice Requires="a14">
+          <p:sp>
+            <p:nvSpPr>
+              <p:cNvPr id="25" name="TextBox 24">
+                <a:extLst>
+                  <a:ext uri="{FF2B5EF4-FFF2-40B4-BE49-F238E27FC236}">
+                    <a16:creationId xmlns:a16="http://schemas.microsoft.com/office/drawing/2014/main" id="{7B6D2C8C-DE08-D209-C9E9-4BEE271CCAD7}"/>
+                  </a:ext>
+                </a:extLst>
+              </p:cNvPr>
+              <p:cNvSpPr txBox="1"/>
+              <p:nvPr/>
+            </p:nvSpPr>
+            <p:spPr>
+              <a:xfrm>
+                <a:off x="2869319" y="1046776"/>
+                <a:ext cx="1237130" cy="369332"/>
+              </a:xfrm>
+              <a:prstGeom prst="rect">
+                <a:avLst/>
+              </a:prstGeom>
+              <a:noFill/>
+            </p:spPr>
+            <p:txBody>
+              <a:bodyPr wrap="square" rtlCol="0">
+                <a:spAutoFit/>
+              </a:bodyPr>
+              <a:lstStyle/>
+              <a:p>
+                <a:pPr/>
+                <a14:m>
+                  <m:oMathPara xmlns:m="http://schemas.openxmlformats.org/officeDocument/2006/math">
+                    <m:oMathParaPr>
+                      <m:jc m:val="centerGroup"/>
+                    </m:oMathParaPr>
+                    <m:oMath xmlns:m="http://schemas.openxmlformats.org/officeDocument/2006/math">
+                      <m:r>
+                        <a:rPr lang="en-US" b="0" i="1" smtClean="0">
+                          <a:latin typeface="Cambria Math" panose="02040503050406030204" pitchFamily="18" charset="0"/>
+                        </a:rPr>
+                        <m:t>𝜎</m:t>
+                      </m:r>
+                      <m:r>
+                        <a:rPr lang="en-US" b="0" i="1" smtClean="0">
+                          <a:latin typeface="Cambria Math" panose="02040503050406030204" pitchFamily="18" charset="0"/>
+                        </a:rPr>
+                        <m:t>=0.005</m:t>
+                      </m:r>
+                    </m:oMath>
+                  </m:oMathPara>
+                </a14:m>
+                <a:endParaRPr lang="en-US" dirty="0"/>
+              </a:p>
+            </p:txBody>
+          </p:sp>
+        </mc:Choice>
+        <mc:Fallback xmlns="">
+          <p:sp>
+            <p:nvSpPr>
+              <p:cNvPr id="25" name="TextBox 24">
+                <a:extLst>
+                  <a:ext uri="{FF2B5EF4-FFF2-40B4-BE49-F238E27FC236}">
+                    <a16:creationId xmlns:a16="http://schemas.microsoft.com/office/drawing/2014/main" id="{17163C2C-ABBF-3700-264D-E93F94C0B106}"/>
+                  </a:ext>
+                </a:extLst>
+              </p:cNvPr>
+              <p:cNvSpPr txBox="1">
+                <a:spLocks noRot="1" noChangeAspect="1" noMove="1" noResize="1" noEditPoints="1" noAdjustHandles="1" noChangeArrowheads="1" noChangeShapeType="1" noTextEdit="1"/>
+              </p:cNvSpPr>
+              <p:nvPr/>
+            </p:nvSpPr>
+            <p:spPr>
+              <a:xfrm>
+                <a:off x="2869319" y="1046776"/>
+                <a:ext cx="1237130" cy="369332"/>
+              </a:xfrm>
+              <a:prstGeom prst="rect">
+                <a:avLst/>
+              </a:prstGeom>
+              <a:blipFill>
+                <a:blip r:embed="rId8"/>
+                <a:stretch>
+                  <a:fillRect/>
+                </a:stretch>
+              </a:blipFill>
+            </p:spPr>
+            <p:txBody>
+              <a:bodyPr/>
+              <a:lstStyle/>
+              <a:p>
+                <a:r>
+                  <a:rPr lang="en-US">
+                    <a:noFill/>
+                  </a:rPr>
+                  <a:t> </a:t>
+                </a:r>
+              </a:p>
+            </p:txBody>
+          </p:sp>
+        </mc:Fallback>
+      </mc:AlternateContent>
+      <p:pic>
+        <p:nvPicPr>
+          <p:cNvPr id="14" name="Picture 13">
+            <a:extLst>
+              <a:ext uri="{FF2B5EF4-FFF2-40B4-BE49-F238E27FC236}">
+                <a16:creationId xmlns:a16="http://schemas.microsoft.com/office/drawing/2014/main" id="{3BD0B823-23E9-070D-44B9-138C9658F82A}"/>
+              </a:ext>
+            </a:extLst>
+          </p:cNvPr>
+          <p:cNvPicPr>
+            <a:picLocks noChangeAspect="1"/>
+          </p:cNvPicPr>
+          <p:nvPr/>
+        </p:nvPicPr>
+        <p:blipFill>
+          <a:blip r:embed="rId9"/>
+          <a:stretch>
+            <a:fillRect/>
+          </a:stretch>
+        </p:blipFill>
+        <p:spPr>
+          <a:xfrm>
+            <a:off x="2567338" y="1520187"/>
+            <a:ext cx="1738256" cy="1758351"/>
+          </a:xfrm>
+          <a:prstGeom prst="rect">
+            <a:avLst/>
+          </a:prstGeom>
+        </p:spPr>
+      </p:pic>
+      <mc:AlternateContent xmlns:mc="http://schemas.openxmlformats.org/markup-compatibility/2006" xmlns:a14="http://schemas.microsoft.com/office/drawing/2010/main">
+        <mc:Choice Requires="a14">
+          <p:sp>
+            <p:nvSpPr>
+              <p:cNvPr id="2" name="TextBox 1">
+                <a:extLst>
+                  <a:ext uri="{FF2B5EF4-FFF2-40B4-BE49-F238E27FC236}">
+                    <a16:creationId xmlns:a16="http://schemas.microsoft.com/office/drawing/2014/main" id="{A9C0B4E3-97DC-4E9A-96B2-EEDC46D2BCEE}"/>
+                  </a:ext>
+                </a:extLst>
+              </p:cNvPr>
+              <p:cNvSpPr txBox="1"/>
+              <p:nvPr/>
+            </p:nvSpPr>
+            <p:spPr>
+              <a:xfrm>
+                <a:off x="408832" y="2361751"/>
+                <a:ext cx="1237130" cy="369332"/>
+              </a:xfrm>
+              <a:prstGeom prst="rect">
+                <a:avLst/>
+              </a:prstGeom>
+              <a:noFill/>
+            </p:spPr>
+            <p:txBody>
+              <a:bodyPr wrap="square" rtlCol="0">
+                <a:spAutoFit/>
+              </a:bodyPr>
+              <a:lstStyle/>
+              <a:p>
+                <a:pPr/>
+                <a14:m>
+                  <m:oMathPara xmlns:m="http://schemas.openxmlformats.org/officeDocument/2006/math">
+                    <m:oMathParaPr>
+                      <m:jc m:val="centerGroup"/>
+                    </m:oMathParaPr>
+                    <m:oMath xmlns:m="http://schemas.openxmlformats.org/officeDocument/2006/math">
+                      <m:r>
+                        <a:rPr lang="en-US" b="0" i="1" smtClean="0">
+                          <a:latin typeface="Cambria Math" panose="02040503050406030204" pitchFamily="18" charset="0"/>
+                        </a:rPr>
+                        <m:t>𝛼</m:t>
+                      </m:r>
+                      <m:r>
+                        <a:rPr lang="en-US" b="0" i="1" smtClean="0">
+                          <a:latin typeface="Cambria Math" panose="02040503050406030204" pitchFamily="18" charset="0"/>
+                        </a:rPr>
+                        <m:t>=0.30</m:t>
+                      </m:r>
+                    </m:oMath>
+                  </m:oMathPara>
+                </a14:m>
+                <a:endParaRPr lang="en-US" dirty="0"/>
+              </a:p>
+            </p:txBody>
+          </p:sp>
+        </mc:Choice>
+        <mc:Fallback xmlns="">
+          <p:sp>
+            <p:nvSpPr>
+              <p:cNvPr id="2" name="TextBox 1">
+                <a:extLst>
+                  <a:ext uri="{FF2B5EF4-FFF2-40B4-BE49-F238E27FC236}">
+                    <a16:creationId xmlns:a16="http://schemas.microsoft.com/office/drawing/2014/main" id="{B9C2C58B-2EA2-57C1-7C14-96F4B863A27F}"/>
+                  </a:ext>
+                </a:extLst>
+              </p:cNvPr>
+              <p:cNvSpPr txBox="1">
+                <a:spLocks noRot="1" noChangeAspect="1" noMove="1" noResize="1" noEditPoints="1" noAdjustHandles="1" noChangeArrowheads="1" noChangeShapeType="1" noTextEdit="1"/>
+              </p:cNvSpPr>
+              <p:nvPr/>
+            </p:nvSpPr>
+            <p:spPr>
+              <a:xfrm>
+                <a:off x="408832" y="2361751"/>
+                <a:ext cx="1237130" cy="369332"/>
+              </a:xfrm>
+              <a:prstGeom prst="rect">
+                <a:avLst/>
+              </a:prstGeom>
+              <a:blipFill>
+                <a:blip r:embed="rId10"/>
+                <a:stretch>
+                  <a:fillRect/>
+                </a:stretch>
+              </a:blipFill>
+            </p:spPr>
+            <p:txBody>
+              <a:bodyPr/>
+              <a:lstStyle/>
+              <a:p>
+                <a:r>
+                  <a:rPr lang="en-US">
+                    <a:noFill/>
+                  </a:rPr>
+                  <a:t> </a:t>
+                </a:r>
+              </a:p>
+            </p:txBody>
+          </p:sp>
+        </mc:Fallback>
+      </mc:AlternateContent>
+      <mc:AlternateContent xmlns:mc="http://schemas.openxmlformats.org/markup-compatibility/2006">
+        <mc:Choice xmlns:a14="http://schemas.microsoft.com/office/drawing/2010/main" Requires="a14">
+          <p:sp>
+            <p:nvSpPr>
+              <p:cNvPr id="4" name="TextBox 3">
+                <a:extLst>
+                  <a:ext uri="{FF2B5EF4-FFF2-40B4-BE49-F238E27FC236}">
+                    <a16:creationId xmlns:a16="http://schemas.microsoft.com/office/drawing/2014/main" id="{BD7DFD73-F802-08FE-E3D7-55E85B080779}"/>
+                  </a:ext>
+                </a:extLst>
+              </p:cNvPr>
+              <p:cNvSpPr txBox="1"/>
+              <p:nvPr/>
+            </p:nvSpPr>
+            <p:spPr>
+              <a:xfrm>
+                <a:off x="472713" y="5380024"/>
+                <a:ext cx="1237130" cy="369332"/>
+              </a:xfrm>
+              <a:prstGeom prst="rect">
+                <a:avLst/>
+              </a:prstGeom>
+              <a:noFill/>
+            </p:spPr>
+            <p:txBody>
+              <a:bodyPr wrap="square" rtlCol="0">
+                <a:spAutoFit/>
+              </a:bodyPr>
+              <a:lstStyle/>
+              <a:p>
+                <a:pPr/>
+                <a14:m>
+                  <m:oMathPara xmlns:m="http://schemas.openxmlformats.org/officeDocument/2006/math">
+                    <m:oMathParaPr>
+                      <m:jc m:val="centerGroup"/>
+                    </m:oMathParaPr>
+                    <m:oMath xmlns:m="http://schemas.openxmlformats.org/officeDocument/2006/math">
+                      <m:r>
+                        <a:rPr lang="en-US" b="0" i="1" smtClean="0">
+                          <a:latin typeface="Cambria Math" panose="02040503050406030204" pitchFamily="18" charset="0"/>
+                        </a:rPr>
+                        <m:t>𝛼</m:t>
+                      </m:r>
+                      <m:r>
+                        <a:rPr lang="en-US" b="0" i="1" smtClean="0">
+                          <a:latin typeface="Cambria Math" panose="02040503050406030204" pitchFamily="18" charset="0"/>
+                        </a:rPr>
+                        <m:t>=0.05</m:t>
+                      </m:r>
+                    </m:oMath>
+                  </m:oMathPara>
+                </a14:m>
+                <a:endParaRPr lang="en-US" dirty="0"/>
+              </a:p>
+            </p:txBody>
+          </p:sp>
+        </mc:Choice>
+        <mc:Fallback>
+          <p:sp>
+            <p:nvSpPr>
+              <p:cNvPr id="4" name="TextBox 3">
+                <a:extLst>
+                  <a:ext uri="{FF2B5EF4-FFF2-40B4-BE49-F238E27FC236}">
+                    <a16:creationId xmlns:a16="http://schemas.microsoft.com/office/drawing/2014/main" id="{BD7DFD73-F802-08FE-E3D7-55E85B080779}"/>
+                  </a:ext>
+                </a:extLst>
+              </p:cNvPr>
+              <p:cNvSpPr txBox="1">
+                <a:spLocks noRot="1" noChangeAspect="1" noMove="1" noResize="1" noEditPoints="1" noAdjustHandles="1" noChangeArrowheads="1" noChangeShapeType="1" noTextEdit="1"/>
+              </p:cNvSpPr>
+              <p:nvPr/>
+            </p:nvSpPr>
+            <p:spPr>
+              <a:xfrm>
+                <a:off x="472713" y="5380024"/>
+                <a:ext cx="1237130" cy="369332"/>
+              </a:xfrm>
+              <a:prstGeom prst="rect">
+                <a:avLst/>
+              </a:prstGeom>
+              <a:blipFill>
+                <a:blip r:embed="rId11"/>
+                <a:stretch>
+                  <a:fillRect/>
+                </a:stretch>
+              </a:blipFill>
+            </p:spPr>
+            <p:txBody>
+              <a:bodyPr/>
+              <a:lstStyle/>
+              <a:p>
+                <a:r>
+                  <a:rPr lang="en-US">
+                    <a:noFill/>
+                  </a:rPr>
+                  <a:t> </a:t>
+                </a:r>
+              </a:p>
+            </p:txBody>
+          </p:sp>
+        </mc:Fallback>
+      </mc:AlternateContent>
+      <p:pic>
+        <p:nvPicPr>
+          <p:cNvPr id="13" name="Picture 12">
+            <a:extLst>
+              <a:ext uri="{FF2B5EF4-FFF2-40B4-BE49-F238E27FC236}">
+                <a16:creationId xmlns:a16="http://schemas.microsoft.com/office/drawing/2014/main" id="{0C8920B4-1527-EA86-7B82-C003E522E403}"/>
+              </a:ext>
+            </a:extLst>
+          </p:cNvPr>
+          <p:cNvPicPr>
+            <a:picLocks noChangeAspect="1"/>
+          </p:cNvPicPr>
+          <p:nvPr/>
+        </p:nvPicPr>
+        <p:blipFill>
+          <a:blip r:embed="rId12"/>
+          <a:stretch>
+            <a:fillRect/>
+          </a:stretch>
+        </p:blipFill>
+        <p:spPr>
+          <a:xfrm>
+            <a:off x="2869319" y="5256438"/>
+            <a:ext cx="1321427" cy="1345194"/>
+          </a:xfrm>
+          <a:prstGeom prst="rect">
+            <a:avLst/>
+          </a:prstGeom>
+        </p:spPr>
+      </p:pic>
+      <p:pic>
+        <p:nvPicPr>
+          <p:cNvPr id="16" name="Picture 15">
+            <a:extLst>
+              <a:ext uri="{FF2B5EF4-FFF2-40B4-BE49-F238E27FC236}">
+                <a16:creationId xmlns:a16="http://schemas.microsoft.com/office/drawing/2014/main" id="{210498D6-4E4B-1F67-8FFE-E1706ABB5174}"/>
+              </a:ext>
+            </a:extLst>
+          </p:cNvPr>
+          <p:cNvPicPr>
+            <a:picLocks noChangeAspect="1"/>
+          </p:cNvPicPr>
+          <p:nvPr/>
+        </p:nvPicPr>
+        <p:blipFill>
+          <a:blip r:embed="rId13"/>
+          <a:stretch>
+            <a:fillRect/>
+          </a:stretch>
+        </p:blipFill>
+        <p:spPr>
+          <a:xfrm>
+            <a:off x="5272568" y="5272001"/>
+            <a:ext cx="1235307" cy="1314068"/>
+          </a:xfrm>
+          <a:prstGeom prst="rect">
+            <a:avLst/>
+          </a:prstGeom>
+        </p:spPr>
+      </p:pic>
+      <mc:AlternateContent xmlns:mc="http://schemas.openxmlformats.org/markup-compatibility/2006">
+        <mc:Choice xmlns:a14="http://schemas.microsoft.com/office/drawing/2010/main" Requires="a14">
+          <p:sp>
+            <p:nvSpPr>
+              <p:cNvPr id="18" name="TextBox 17">
+                <a:extLst>
+                  <a:ext uri="{FF2B5EF4-FFF2-40B4-BE49-F238E27FC236}">
+                    <a16:creationId xmlns:a16="http://schemas.microsoft.com/office/drawing/2014/main" id="{03553812-D432-8EB6-0CA6-A312DA406612}"/>
+                  </a:ext>
+                </a:extLst>
+              </p:cNvPr>
+              <p:cNvSpPr txBox="1"/>
+              <p:nvPr/>
+            </p:nvSpPr>
+            <p:spPr>
+              <a:xfrm>
+                <a:off x="2886493" y="4860706"/>
+                <a:ext cx="1237130" cy="369332"/>
+              </a:xfrm>
+              <a:prstGeom prst="rect">
+                <a:avLst/>
+              </a:prstGeom>
+              <a:noFill/>
+            </p:spPr>
+            <p:txBody>
+              <a:bodyPr wrap="square" rtlCol="0">
+                <a:spAutoFit/>
+              </a:bodyPr>
+              <a:lstStyle/>
+              <a:p>
+                <a:pPr/>
+                <a14:m>
+                  <m:oMathPara xmlns:m="http://schemas.openxmlformats.org/officeDocument/2006/math">
+                    <m:oMathParaPr>
+                      <m:jc m:val="centerGroup"/>
+                    </m:oMathParaPr>
+                    <m:oMath xmlns:m="http://schemas.openxmlformats.org/officeDocument/2006/math">
+                      <m:r>
+                        <a:rPr lang="en-US" b="0" i="1" smtClean="0">
+                          <a:latin typeface="Cambria Math" panose="02040503050406030204" pitchFamily="18" charset="0"/>
+                        </a:rPr>
+                        <m:t>𝜎</m:t>
+                      </m:r>
+                      <m:r>
+                        <a:rPr lang="en-US" b="0" i="1" smtClean="0">
+                          <a:latin typeface="Cambria Math" panose="02040503050406030204" pitchFamily="18" charset="0"/>
+                        </a:rPr>
+                        <m:t>=0.003</m:t>
+                      </m:r>
+                    </m:oMath>
+                  </m:oMathPara>
+                </a14:m>
+                <a:endParaRPr lang="en-US" dirty="0"/>
+              </a:p>
+            </p:txBody>
+          </p:sp>
+        </mc:Choice>
+        <mc:Fallback>
+          <p:sp>
+            <p:nvSpPr>
+              <p:cNvPr id="18" name="TextBox 17">
+                <a:extLst>
+                  <a:ext uri="{FF2B5EF4-FFF2-40B4-BE49-F238E27FC236}">
+                    <a16:creationId xmlns:a16="http://schemas.microsoft.com/office/drawing/2014/main" id="{03553812-D432-8EB6-0CA6-A312DA406612}"/>
+                  </a:ext>
+                </a:extLst>
+              </p:cNvPr>
+              <p:cNvSpPr txBox="1">
+                <a:spLocks noRot="1" noChangeAspect="1" noMove="1" noResize="1" noEditPoints="1" noAdjustHandles="1" noChangeArrowheads="1" noChangeShapeType="1" noTextEdit="1"/>
+              </p:cNvSpPr>
+              <p:nvPr/>
+            </p:nvSpPr>
+            <p:spPr>
+              <a:xfrm>
+                <a:off x="2886493" y="4860706"/>
+                <a:ext cx="1237130" cy="369332"/>
+              </a:xfrm>
+              <a:prstGeom prst="rect">
+                <a:avLst/>
+              </a:prstGeom>
+              <a:blipFill>
+                <a:blip r:embed="rId14"/>
+                <a:stretch>
+                  <a:fillRect/>
+                </a:stretch>
+              </a:blipFill>
+            </p:spPr>
+            <p:txBody>
+              <a:bodyPr/>
+              <a:lstStyle/>
+              <a:p>
+                <a:r>
+                  <a:rPr lang="en-US">
+                    <a:noFill/>
+                  </a:rPr>
+                  <a:t> </a:t>
+                </a:r>
+              </a:p>
+            </p:txBody>
+          </p:sp>
+        </mc:Fallback>
+      </mc:AlternateContent>
+      <mc:AlternateContent xmlns:mc="http://schemas.openxmlformats.org/markup-compatibility/2006">
+        <mc:Choice xmlns:a14="http://schemas.microsoft.com/office/drawing/2010/main" Requires="a14">
+          <p:sp>
+            <p:nvSpPr>
+              <p:cNvPr id="21" name="TextBox 20">
+                <a:extLst>
+                  <a:ext uri="{FF2B5EF4-FFF2-40B4-BE49-F238E27FC236}">
+                    <a16:creationId xmlns:a16="http://schemas.microsoft.com/office/drawing/2014/main" id="{3ACB6EA6-6778-7495-746F-F908C01EDFFB}"/>
+                  </a:ext>
+                </a:extLst>
+              </p:cNvPr>
+              <p:cNvSpPr txBox="1"/>
+              <p:nvPr/>
+            </p:nvSpPr>
+            <p:spPr>
+              <a:xfrm>
+                <a:off x="5186807" y="4902669"/>
+                <a:ext cx="1237130" cy="369332"/>
+              </a:xfrm>
+              <a:prstGeom prst="rect">
+                <a:avLst/>
+              </a:prstGeom>
+              <a:noFill/>
+            </p:spPr>
+            <p:txBody>
+              <a:bodyPr wrap="square" rtlCol="0">
+                <a:spAutoFit/>
+              </a:bodyPr>
+              <a:lstStyle/>
+              <a:p>
+                <a:pPr/>
+                <a14:m>
+                  <m:oMathPara xmlns:m="http://schemas.openxmlformats.org/officeDocument/2006/math">
+                    <m:oMathParaPr>
+                      <m:jc m:val="centerGroup"/>
+                    </m:oMathParaPr>
+                    <m:oMath xmlns:m="http://schemas.openxmlformats.org/officeDocument/2006/math">
+                      <m:r>
+                        <a:rPr lang="en-US" b="0" i="1" smtClean="0">
+                          <a:latin typeface="Cambria Math" panose="02040503050406030204" pitchFamily="18" charset="0"/>
+                        </a:rPr>
+                        <m:t>𝜎</m:t>
+                      </m:r>
+                      <m:r>
+                        <a:rPr lang="en-US" b="0" i="1" smtClean="0">
+                          <a:latin typeface="Cambria Math" panose="02040503050406030204" pitchFamily="18" charset="0"/>
+                        </a:rPr>
+                        <m:t>=0.005</m:t>
+                      </m:r>
+                    </m:oMath>
+                  </m:oMathPara>
+                </a14:m>
+                <a:endParaRPr lang="en-US" dirty="0"/>
+              </a:p>
+            </p:txBody>
+          </p:sp>
+        </mc:Choice>
+        <mc:Fallback>
+          <p:sp>
+            <p:nvSpPr>
+              <p:cNvPr id="21" name="TextBox 20">
+                <a:extLst>
+                  <a:ext uri="{FF2B5EF4-FFF2-40B4-BE49-F238E27FC236}">
+                    <a16:creationId xmlns:a16="http://schemas.microsoft.com/office/drawing/2014/main" id="{3ACB6EA6-6778-7495-746F-F908C01EDFFB}"/>
+                  </a:ext>
+                </a:extLst>
+              </p:cNvPr>
+              <p:cNvSpPr txBox="1">
+                <a:spLocks noRot="1" noChangeAspect="1" noMove="1" noResize="1" noEditPoints="1" noAdjustHandles="1" noChangeArrowheads="1" noChangeShapeType="1" noTextEdit="1"/>
+              </p:cNvSpPr>
+              <p:nvPr/>
+            </p:nvSpPr>
+            <p:spPr>
+              <a:xfrm>
+                <a:off x="5186807" y="4902669"/>
+                <a:ext cx="1237130" cy="369332"/>
+              </a:xfrm>
+              <a:prstGeom prst="rect">
+                <a:avLst/>
+              </a:prstGeom>
+              <a:blipFill>
+                <a:blip r:embed="rId15"/>
+                <a:stretch>
+                  <a:fillRect/>
+                </a:stretch>
+              </a:blipFill>
+            </p:spPr>
+            <p:txBody>
+              <a:bodyPr/>
+              <a:lstStyle/>
+              <a:p>
+                <a:r>
+                  <a:rPr lang="en-US">
+                    <a:noFill/>
+                  </a:rPr>
+                  <a:t> </a:t>
+                </a:r>
+              </a:p>
+            </p:txBody>
+          </p:sp>
+        </mc:Fallback>
+      </mc:AlternateContent>
+      <p:pic>
+        <p:nvPicPr>
+          <p:cNvPr id="22" name="Picture 8">
+            <a:extLst>
+              <a:ext uri="{FF2B5EF4-FFF2-40B4-BE49-F238E27FC236}">
+                <a16:creationId xmlns:a16="http://schemas.microsoft.com/office/drawing/2014/main" id="{700139E2-FB9A-335C-1348-23EF14090255}"/>
+              </a:ext>
+            </a:extLst>
+          </p:cNvPr>
+          <p:cNvPicPr>
+            <a:picLocks noChangeAspect="1" noChangeArrowheads="1"/>
+          </p:cNvPicPr>
+          <p:nvPr/>
+        </p:nvPicPr>
+        <p:blipFill>
+          <a:blip r:embed="rId16">
+            <a:extLst>
+              <a:ext uri="{28A0092B-C50C-407E-A947-70E740481C1C}">
+                <a14:useLocalDpi xmlns:a14="http://schemas.microsoft.com/office/drawing/2010/main" val="0"/>
+              </a:ext>
+            </a:extLst>
+          </a:blip>
+          <a:srcRect/>
+          <a:stretch>
+            <a:fillRect/>
+          </a:stretch>
+        </p:blipFill>
+        <p:spPr bwMode="auto">
+          <a:xfrm>
+            <a:off x="6918184" y="5380024"/>
+            <a:ext cx="1803894" cy="1098022"/>
+          </a:xfrm>
+          <a:prstGeom prst="rect">
+            <a:avLst/>
+          </a:prstGeom>
+          <a:noFill/>
+          <a:extLst>
+            <a:ext uri="{909E8E84-426E-40DD-AFC4-6F175D3DCCD1}">
+              <a14:hiddenFill xmlns:a14="http://schemas.microsoft.com/office/drawing/2010/main">
+                <a:solidFill>
+                  <a:srgbClr val="FFFFFF"/>
+                </a:solidFill>
+              </a14:hiddenFill>
+            </a:ext>
+          </a:extLst>
+        </p:spPr>
+      </p:pic>
+      <mc:AlternateContent xmlns:mc="http://schemas.openxmlformats.org/markup-compatibility/2006">
+        <mc:Choice xmlns:a14="http://schemas.microsoft.com/office/drawing/2010/main" Requires="a14">
+          <p:sp>
+            <p:nvSpPr>
+              <p:cNvPr id="23" name="TextBox 22">
+                <a:extLst>
+                  <a:ext uri="{FF2B5EF4-FFF2-40B4-BE49-F238E27FC236}">
+                    <a16:creationId xmlns:a16="http://schemas.microsoft.com/office/drawing/2014/main" id="{E303DBE3-7B79-4B08-F6FB-A412D74EDEB4}"/>
+                  </a:ext>
+                </a:extLst>
+              </p:cNvPr>
+              <p:cNvSpPr txBox="1"/>
+              <p:nvPr/>
+            </p:nvSpPr>
+            <p:spPr>
+              <a:xfrm>
+                <a:off x="7201566" y="4917860"/>
+                <a:ext cx="1237130" cy="369332"/>
+              </a:xfrm>
+              <a:prstGeom prst="rect">
+                <a:avLst/>
+              </a:prstGeom>
+              <a:noFill/>
+            </p:spPr>
+            <p:txBody>
+              <a:bodyPr wrap="square" rtlCol="0">
+                <a:spAutoFit/>
+              </a:bodyPr>
+              <a:lstStyle/>
+              <a:p>
+                <a:pPr/>
+                <a14:m>
+                  <m:oMathPara xmlns:m="http://schemas.openxmlformats.org/officeDocument/2006/math">
+                    <m:oMathParaPr>
+                      <m:jc m:val="centerGroup"/>
+                    </m:oMathParaPr>
+                    <m:oMath xmlns:m="http://schemas.openxmlformats.org/officeDocument/2006/math">
+                      <m:r>
+                        <a:rPr lang="en-US" b="0" i="1" smtClean="0">
+                          <a:latin typeface="Cambria Math" panose="02040503050406030204" pitchFamily="18" charset="0"/>
+                        </a:rPr>
+                        <m:t>𝜎</m:t>
+                      </m:r>
+                      <m:r>
+                        <a:rPr lang="en-US" b="0" i="1" smtClean="0">
+                          <a:latin typeface="Cambria Math" panose="02040503050406030204" pitchFamily="18" charset="0"/>
+                        </a:rPr>
+                        <m:t>=0.007</m:t>
+                      </m:r>
+                    </m:oMath>
+                  </m:oMathPara>
+                </a14:m>
+                <a:endParaRPr lang="en-US" dirty="0"/>
+              </a:p>
+            </p:txBody>
+          </p:sp>
+        </mc:Choice>
+        <mc:Fallback>
+          <p:sp>
+            <p:nvSpPr>
+              <p:cNvPr id="23" name="TextBox 22">
+                <a:extLst>
+                  <a:ext uri="{FF2B5EF4-FFF2-40B4-BE49-F238E27FC236}">
+                    <a16:creationId xmlns:a16="http://schemas.microsoft.com/office/drawing/2014/main" id="{E303DBE3-7B79-4B08-F6FB-A412D74EDEB4}"/>
+                  </a:ext>
+                </a:extLst>
+              </p:cNvPr>
+              <p:cNvSpPr txBox="1">
+                <a:spLocks noRot="1" noChangeAspect="1" noMove="1" noResize="1" noEditPoints="1" noAdjustHandles="1" noChangeArrowheads="1" noChangeShapeType="1" noTextEdit="1"/>
+              </p:cNvSpPr>
+              <p:nvPr/>
+            </p:nvSpPr>
+            <p:spPr>
+              <a:xfrm>
+                <a:off x="7201566" y="4917860"/>
+                <a:ext cx="1237130" cy="369332"/>
+              </a:xfrm>
+              <a:prstGeom prst="rect">
+                <a:avLst/>
+              </a:prstGeom>
+              <a:blipFill>
+                <a:blip r:embed="rId17"/>
+                <a:stretch>
+                  <a:fillRect/>
+                </a:stretch>
+              </a:blipFill>
+            </p:spPr>
+            <p:txBody>
+              <a:bodyPr/>
+              <a:lstStyle/>
+              <a:p>
+                <a:r>
+                  <a:rPr lang="en-US">
+                    <a:noFill/>
+                  </a:rPr>
+                  <a:t> </a:t>
+                </a:r>
+              </a:p>
+            </p:txBody>
+          </p:sp>
+        </mc:Fallback>
+      </mc:AlternateContent>
+      <p:sp>
+        <p:nvSpPr>
+          <p:cNvPr id="24" name="TextBox 23">
+            <a:extLst>
+              <a:ext uri="{FF2B5EF4-FFF2-40B4-BE49-F238E27FC236}">
+                <a16:creationId xmlns:a16="http://schemas.microsoft.com/office/drawing/2014/main" id="{E757F561-9B8D-6CD5-5926-BF05D3171912}"/>
+              </a:ext>
+            </a:extLst>
+          </p:cNvPr>
+          <p:cNvSpPr txBox="1"/>
+          <p:nvPr/>
+        </p:nvSpPr>
+        <p:spPr>
+          <a:xfrm>
+            <a:off x="2164705" y="6469215"/>
+            <a:ext cx="2765121" cy="369332"/>
+          </a:xfrm>
+          <a:prstGeom prst="rect">
+            <a:avLst/>
+          </a:prstGeom>
+          <a:noFill/>
+        </p:spPr>
+        <p:txBody>
+          <a:bodyPr wrap="square" rtlCol="0">
+            <a:spAutoFit/>
+          </a:bodyPr>
+          <a:lstStyle/>
+          <a:p>
+            <a:pPr algn="ctr"/>
+            <a:r>
+              <a:rPr lang="en-US" dirty="0"/>
+              <a:t>Need to finalize</a:t>
+            </a:r>
+          </a:p>
+        </p:txBody>
+      </p:sp>
+      <p:pic>
+        <p:nvPicPr>
+          <p:cNvPr id="10" name="Picture 9">
+            <a:extLst>
+              <a:ext uri="{FF2B5EF4-FFF2-40B4-BE49-F238E27FC236}">
+                <a16:creationId xmlns:a16="http://schemas.microsoft.com/office/drawing/2014/main" id="{9DD91083-07CD-3435-7F58-A6D07A6F4643}"/>
+              </a:ext>
+            </a:extLst>
+          </p:cNvPr>
+          <p:cNvPicPr>
+            <a:picLocks noChangeAspect="1"/>
+          </p:cNvPicPr>
+          <p:nvPr/>
+        </p:nvPicPr>
+        <p:blipFill>
+          <a:blip r:embed="rId18"/>
+          <a:stretch>
+            <a:fillRect/>
+          </a:stretch>
+        </p:blipFill>
+        <p:spPr>
+          <a:xfrm>
+            <a:off x="4894483" y="3457951"/>
+            <a:ext cx="1552182" cy="1441312"/>
+          </a:xfrm>
+          <a:prstGeom prst="rect">
+            <a:avLst/>
+          </a:prstGeom>
+        </p:spPr>
+      </p:pic>
+      <p:pic>
+        <p:nvPicPr>
+          <p:cNvPr id="11" name="Picture 10">
+            <a:extLst>
+              <a:ext uri="{FF2B5EF4-FFF2-40B4-BE49-F238E27FC236}">
+                <a16:creationId xmlns:a16="http://schemas.microsoft.com/office/drawing/2014/main" id="{687C36BB-6CF1-E4C3-7D8A-8302FDCC6AE2}"/>
+              </a:ext>
+            </a:extLst>
+          </p:cNvPr>
+          <p:cNvPicPr>
+            <a:picLocks noChangeAspect="1"/>
+          </p:cNvPicPr>
+          <p:nvPr/>
+        </p:nvPicPr>
+        <p:blipFill>
+          <a:blip r:embed="rId19"/>
+          <a:stretch>
+            <a:fillRect/>
+          </a:stretch>
+        </p:blipFill>
+        <p:spPr>
+          <a:xfrm>
+            <a:off x="7012597" y="3530433"/>
+            <a:ext cx="1440544" cy="1440544"/>
+          </a:xfrm>
+          <a:prstGeom prst="rect">
+            <a:avLst/>
+          </a:prstGeom>
+        </p:spPr>
+      </p:pic>
+      <mc:AlternateContent xmlns:mc="http://schemas.openxmlformats.org/markup-compatibility/2006">
+        <mc:Choice xmlns:a14="http://schemas.microsoft.com/office/drawing/2010/main" Requires="a14">
+          <p:sp>
+            <p:nvSpPr>
+              <p:cNvPr id="12" name="TextBox 11">
+                <a:extLst>
+                  <a:ext uri="{FF2B5EF4-FFF2-40B4-BE49-F238E27FC236}">
+                    <a16:creationId xmlns:a16="http://schemas.microsoft.com/office/drawing/2014/main" id="{EC5BCB1A-5E84-479C-5834-F33D2372B681}"/>
+                  </a:ext>
+                </a:extLst>
+              </p:cNvPr>
+              <p:cNvSpPr txBox="1"/>
+              <p:nvPr/>
+            </p:nvSpPr>
+            <p:spPr>
+              <a:xfrm>
+                <a:off x="420229" y="3856082"/>
+                <a:ext cx="1237130" cy="369332"/>
+              </a:xfrm>
+              <a:prstGeom prst="rect">
+                <a:avLst/>
+              </a:prstGeom>
+              <a:noFill/>
+            </p:spPr>
+            <p:txBody>
+              <a:bodyPr wrap="square" rtlCol="0">
+                <a:spAutoFit/>
+              </a:bodyPr>
+              <a:lstStyle/>
+              <a:p>
+                <a:pPr/>
+                <a14:m>
+                  <m:oMathPara xmlns:m="http://schemas.openxmlformats.org/officeDocument/2006/math">
+                    <m:oMathParaPr>
+                      <m:jc m:val="centerGroup"/>
+                    </m:oMathParaPr>
+                    <m:oMath xmlns:m="http://schemas.openxmlformats.org/officeDocument/2006/math">
+                      <m:r>
+                        <a:rPr lang="en-US" b="0" i="1" smtClean="0">
+                          <a:latin typeface="Cambria Math" panose="02040503050406030204" pitchFamily="18" charset="0"/>
+                        </a:rPr>
+                        <m:t>𝛼</m:t>
+                      </m:r>
+                      <m:r>
+                        <a:rPr lang="en-US" b="0" i="1" smtClean="0">
+                          <a:latin typeface="Cambria Math" panose="02040503050406030204" pitchFamily="18" charset="0"/>
+                        </a:rPr>
+                        <m:t>=0.25</m:t>
+                      </m:r>
+                    </m:oMath>
+                  </m:oMathPara>
+                </a14:m>
+                <a:endParaRPr lang="en-US" dirty="0"/>
+              </a:p>
+            </p:txBody>
+          </p:sp>
+        </mc:Choice>
+        <mc:Fallback>
+          <p:sp>
+            <p:nvSpPr>
+              <p:cNvPr id="12" name="TextBox 11">
+                <a:extLst>
+                  <a:ext uri="{FF2B5EF4-FFF2-40B4-BE49-F238E27FC236}">
+                    <a16:creationId xmlns:a16="http://schemas.microsoft.com/office/drawing/2014/main" id="{EC5BCB1A-5E84-479C-5834-F33D2372B681}"/>
+                  </a:ext>
+                </a:extLst>
+              </p:cNvPr>
+              <p:cNvSpPr txBox="1">
+                <a:spLocks noRot="1" noChangeAspect="1" noMove="1" noResize="1" noEditPoints="1" noAdjustHandles="1" noChangeArrowheads="1" noChangeShapeType="1" noTextEdit="1"/>
+              </p:cNvSpPr>
+              <p:nvPr/>
+            </p:nvSpPr>
+            <p:spPr>
+              <a:xfrm>
+                <a:off x="420229" y="3856082"/>
+                <a:ext cx="1237130" cy="369332"/>
+              </a:xfrm>
+              <a:prstGeom prst="rect">
+                <a:avLst/>
+              </a:prstGeom>
+              <a:blipFill>
+                <a:blip r:embed="rId20"/>
+                <a:stretch>
+                  <a:fillRect/>
+                </a:stretch>
+              </a:blipFill>
+            </p:spPr>
+            <p:txBody>
+              <a:bodyPr/>
+              <a:lstStyle/>
+              <a:p>
+                <a:r>
+                  <a:rPr lang="en-US">
+                    <a:noFill/>
+                  </a:rPr>
+                  <a:t> </a:t>
+                </a:r>
+              </a:p>
+            </p:txBody>
+          </p:sp>
+        </mc:Fallback>
+      </mc:AlternateContent>
+      <mc:AlternateContent xmlns:mc="http://schemas.openxmlformats.org/markup-compatibility/2006">
+        <mc:Choice xmlns:a14="http://schemas.microsoft.com/office/drawing/2010/main" Requires="a14">
+          <p:sp>
+            <p:nvSpPr>
+              <p:cNvPr id="15" name="TextBox 14">
+                <a:extLst>
+                  <a:ext uri="{FF2B5EF4-FFF2-40B4-BE49-F238E27FC236}">
+                    <a16:creationId xmlns:a16="http://schemas.microsoft.com/office/drawing/2014/main" id="{59828686-D70E-3AEB-776E-41D55190CAD2}"/>
+                  </a:ext>
+                </a:extLst>
+              </p:cNvPr>
+              <p:cNvSpPr txBox="1"/>
+              <p:nvPr/>
+            </p:nvSpPr>
+            <p:spPr>
+              <a:xfrm>
+                <a:off x="7020940" y="3161101"/>
+                <a:ext cx="1318040" cy="369332"/>
+              </a:xfrm>
+              <a:prstGeom prst="rect">
+                <a:avLst/>
+              </a:prstGeom>
+              <a:noFill/>
+            </p:spPr>
+            <p:txBody>
+              <a:bodyPr wrap="square" rtlCol="0">
+                <a:spAutoFit/>
+              </a:bodyPr>
+              <a:lstStyle/>
+              <a:p>
+                <a14:m>
+                  <m:oMathPara xmlns:m="http://schemas.openxmlformats.org/officeDocument/2006/math">
+                    <m:oMathParaPr>
+                      <m:jc m:val="centerGroup"/>
+                    </m:oMathParaPr>
+                    <m:oMath xmlns:m="http://schemas.openxmlformats.org/officeDocument/2006/math">
+                      <m:r>
+                        <a:rPr lang="en-US" b="0" i="1" smtClean="0">
+                          <a:latin typeface="Cambria Math" panose="02040503050406030204" pitchFamily="18" charset="0"/>
+                        </a:rPr>
+                        <m:t>𝜎</m:t>
+                      </m:r>
+                      <m:r>
+                        <a:rPr lang="en-US" b="0" i="1" smtClean="0">
+                          <a:latin typeface="Cambria Math" panose="02040503050406030204" pitchFamily="18" charset="0"/>
+                        </a:rPr>
+                        <m:t>=0.010</m:t>
+                      </m:r>
+                    </m:oMath>
+                  </m:oMathPara>
+                </a14:m>
+                <a:endParaRPr lang="en-US" dirty="0"/>
+              </a:p>
+            </p:txBody>
+          </p:sp>
+        </mc:Choice>
+        <mc:Fallback>
+          <p:sp>
+            <p:nvSpPr>
+              <p:cNvPr id="15" name="TextBox 14">
+                <a:extLst>
+                  <a:ext uri="{FF2B5EF4-FFF2-40B4-BE49-F238E27FC236}">
+                    <a16:creationId xmlns:a16="http://schemas.microsoft.com/office/drawing/2014/main" id="{59828686-D70E-3AEB-776E-41D55190CAD2}"/>
+                  </a:ext>
+                </a:extLst>
+              </p:cNvPr>
+              <p:cNvSpPr txBox="1">
+                <a:spLocks noRot="1" noChangeAspect="1" noMove="1" noResize="1" noEditPoints="1" noAdjustHandles="1" noChangeArrowheads="1" noChangeShapeType="1" noTextEdit="1"/>
+              </p:cNvSpPr>
+              <p:nvPr/>
+            </p:nvSpPr>
+            <p:spPr>
+              <a:xfrm>
+                <a:off x="7020940" y="3161101"/>
+                <a:ext cx="1318040" cy="369332"/>
+              </a:xfrm>
+              <a:prstGeom prst="rect">
+                <a:avLst/>
+              </a:prstGeom>
+              <a:blipFill>
+                <a:blip r:embed="rId21"/>
+                <a:stretch>
+                  <a:fillRect/>
+                </a:stretch>
+              </a:blipFill>
+            </p:spPr>
+            <p:txBody>
+              <a:bodyPr/>
+              <a:lstStyle/>
+              <a:p>
+                <a:r>
+                  <a:rPr lang="en-US">
+                    <a:noFill/>
+                  </a:rPr>
+                  <a:t> </a:t>
+                </a:r>
+              </a:p>
+            </p:txBody>
+          </p:sp>
+        </mc:Fallback>
+      </mc:AlternateContent>
+      <p:sp>
+        <p:nvSpPr>
+          <p:cNvPr id="19" name="TextBox 18">
+            <a:extLst>
+              <a:ext uri="{FF2B5EF4-FFF2-40B4-BE49-F238E27FC236}">
+                <a16:creationId xmlns:a16="http://schemas.microsoft.com/office/drawing/2014/main" id="{F4666AB5-207B-F157-0469-921901F155CB}"/>
+              </a:ext>
+            </a:extLst>
+          </p:cNvPr>
+          <p:cNvSpPr txBox="1"/>
+          <p:nvPr/>
+        </p:nvSpPr>
+        <p:spPr>
+          <a:xfrm>
+            <a:off x="4167891" y="4440868"/>
+            <a:ext cx="2765121" cy="369332"/>
+          </a:xfrm>
+          <a:prstGeom prst="rect">
+            <a:avLst/>
+          </a:prstGeom>
+          <a:noFill/>
+        </p:spPr>
+        <p:txBody>
+          <a:bodyPr wrap="square" rtlCol="0">
+            <a:spAutoFit/>
+          </a:bodyPr>
+          <a:lstStyle/>
+          <a:p>
+            <a:pPr algn="ctr"/>
+            <a:r>
+              <a:rPr lang="en-US" dirty="0"/>
+              <a:t>Need to finalize</a:t>
+            </a:r>
+          </a:p>
+        </p:txBody>
+      </p:sp>
+      <p:sp>
+        <p:nvSpPr>
+          <p:cNvPr id="20" name="TextBox 19">
+            <a:extLst>
+              <a:ext uri="{FF2B5EF4-FFF2-40B4-BE49-F238E27FC236}">
+                <a16:creationId xmlns:a16="http://schemas.microsoft.com/office/drawing/2014/main" id="{FF25389A-961F-C953-0C3A-B2899A8D7135}"/>
+              </a:ext>
+            </a:extLst>
+          </p:cNvPr>
+          <p:cNvSpPr txBox="1"/>
+          <p:nvPr/>
+        </p:nvSpPr>
+        <p:spPr>
+          <a:xfrm>
+            <a:off x="2164705" y="3095786"/>
+            <a:ext cx="2765121" cy="369332"/>
+          </a:xfrm>
+          <a:prstGeom prst="rect">
+            <a:avLst/>
+          </a:prstGeom>
+          <a:noFill/>
+        </p:spPr>
+        <p:txBody>
+          <a:bodyPr wrap="square" rtlCol="0">
+            <a:spAutoFit/>
+          </a:bodyPr>
+          <a:lstStyle/>
+          <a:p>
+            <a:pPr algn="ctr"/>
+            <a:r>
+              <a:rPr lang="en-US" dirty="0"/>
+              <a:t>Need to finalize</a:t>
+            </a:r>
+          </a:p>
+        </p:txBody>
+      </p:sp>
+      <p:sp>
+        <p:nvSpPr>
+          <p:cNvPr id="28" name="TextBox 27">
+            <a:extLst>
+              <a:ext uri="{FF2B5EF4-FFF2-40B4-BE49-F238E27FC236}">
+                <a16:creationId xmlns:a16="http://schemas.microsoft.com/office/drawing/2014/main" id="{2085E047-45BA-5726-63E0-D9D1AD9C44C6}"/>
+              </a:ext>
+            </a:extLst>
+          </p:cNvPr>
+          <p:cNvSpPr txBox="1"/>
+          <p:nvPr/>
+        </p:nvSpPr>
+        <p:spPr>
+          <a:xfrm>
+            <a:off x="4242910" y="3019279"/>
+            <a:ext cx="2765121" cy="369332"/>
+          </a:xfrm>
+          <a:prstGeom prst="rect">
+            <a:avLst/>
+          </a:prstGeom>
+          <a:noFill/>
+        </p:spPr>
+        <p:txBody>
+          <a:bodyPr wrap="square" rtlCol="0">
+            <a:spAutoFit/>
+          </a:bodyPr>
+          <a:lstStyle/>
+          <a:p>
+            <a:pPr algn="ctr"/>
+            <a:r>
+              <a:rPr lang="en-US" dirty="0"/>
+              <a:t>Need to finalize/switch</a:t>
+            </a:r>
+          </a:p>
+        </p:txBody>
+      </p:sp>
+    </p:spTree>
+    <p:extLst>
+      <p:ext uri="{BB962C8B-B14F-4D97-AF65-F5344CB8AC3E}">
+        <p14:creationId xmlns:p14="http://schemas.microsoft.com/office/powerpoint/2010/main" val="2189060127"/>
+      </p:ext>
+    </p:extLst>
+  </p:cSld>
+  <p:clrMapOvr>
+    <a:masterClrMapping/>
+  </p:clrMapOvr>
+</p:sld>
+</file>
+
+<file path=ppt/slides/slide5.xml><?xml version="1.0" encoding="utf-8"?>
+<p:sld xmlns:a="http://schemas.openxmlformats.org/drawingml/2006/main" xmlns:r="http://schemas.openxmlformats.org/officeDocument/2006/relationships" xmlns:p="http://schemas.openxmlformats.org/presentationml/2006/main">
+  <p:cSld>
+    <p:spTree>
+      <p:nvGrpSpPr>
+        <p:cNvPr id="1" name="">
+          <a:extLst>
+            <a:ext uri="{FF2B5EF4-FFF2-40B4-BE49-F238E27FC236}">
               <a16:creationId xmlns:a16="http://schemas.microsoft.com/office/drawing/2014/main" id="{C775864A-3E80-27B5-12D7-24634AF6EA24}"/>
             </a:ext>
           </a:extLst>
@@ -5460,8 +7105,8 @@
           </a:prstGeom>
         </p:spPr>
       </p:pic>
-      <mc:AlternateContent xmlns:mc="http://schemas.openxmlformats.org/markup-compatibility/2006">
-        <mc:Choice xmlns:a14="http://schemas.microsoft.com/office/drawing/2010/main" Requires="a14">
+      <mc:AlternateContent xmlns:mc="http://schemas.openxmlformats.org/markup-compatibility/2006" xmlns:a14="http://schemas.microsoft.com/office/drawing/2010/main">
+        <mc:Choice Requires="a14">
           <p:sp>
             <p:nvSpPr>
               <p:cNvPr id="3" name="TextBox 2">
@@ -5523,7 +7168,7 @@
             </p:txBody>
           </p:sp>
         </mc:Choice>
-        <mc:Fallback>
+        <mc:Fallback xmlns="">
           <p:sp>
             <p:nvSpPr>
               <p:cNvPr id="3" name="TextBox 2">
@@ -5568,8 +7213,8 @@
           </p:sp>
         </mc:Fallback>
       </mc:AlternateContent>
-      <mc:AlternateContent xmlns:mc="http://schemas.openxmlformats.org/markup-compatibility/2006">
-        <mc:Choice xmlns:a14="http://schemas.microsoft.com/office/drawing/2010/main" Requires="a14">
+      <mc:AlternateContent xmlns:mc="http://schemas.openxmlformats.org/markup-compatibility/2006" xmlns:a14="http://schemas.microsoft.com/office/drawing/2010/main">
+        <mc:Choice Requires="a14">
           <p:sp>
             <p:nvSpPr>
               <p:cNvPr id="7" name="TextBox 6">
@@ -5625,7 +7270,7 @@
             </p:txBody>
           </p:sp>
         </mc:Choice>
-        <mc:Fallback>
+        <mc:Fallback xmlns="">
           <p:sp>
             <p:nvSpPr>
               <p:cNvPr id="7" name="TextBox 6">
@@ -5670,8 +7315,8 @@
           </p:sp>
         </mc:Fallback>
       </mc:AlternateContent>
-      <mc:AlternateContent xmlns:mc="http://schemas.openxmlformats.org/markup-compatibility/2006">
-        <mc:Choice xmlns:a14="http://schemas.microsoft.com/office/drawing/2010/main" Requires="a14">
+      <mc:AlternateContent xmlns:mc="http://schemas.openxmlformats.org/markup-compatibility/2006" xmlns:a14="http://schemas.microsoft.com/office/drawing/2010/main">
+        <mc:Choice Requires="a14">
           <p:sp>
             <p:nvSpPr>
               <p:cNvPr id="8" name="TextBox 7">
@@ -5733,7 +7378,7 @@
             </p:txBody>
           </p:sp>
         </mc:Choice>
-        <mc:Fallback>
+        <mc:Fallback xmlns="">
           <p:sp>
             <p:nvSpPr>
               <p:cNvPr id="8" name="TextBox 7">
@@ -5778,8 +7423,8 @@
           </p:sp>
         </mc:Fallback>
       </mc:AlternateContent>
-      <mc:AlternateContent xmlns:mc="http://schemas.openxmlformats.org/markup-compatibility/2006">
-        <mc:Choice xmlns:a14="http://schemas.microsoft.com/office/drawing/2010/main" Requires="a14">
+      <mc:AlternateContent xmlns:mc="http://schemas.openxmlformats.org/markup-compatibility/2006" xmlns:a14="http://schemas.microsoft.com/office/drawing/2010/main">
+        <mc:Choice Requires="a14">
           <p:sp>
             <p:nvSpPr>
               <p:cNvPr id="9" name="TextBox 8">
@@ -5832,7 +7477,7 @@
             </p:txBody>
           </p:sp>
         </mc:Choice>
-        <mc:Fallback>
+        <mc:Fallback xmlns="">
           <p:sp>
             <p:nvSpPr>
               <p:cNvPr id="9" name="TextBox 8">
@@ -5937,8 +7582,8 @@
           </a:prstGeom>
         </p:spPr>
       </p:pic>
-      <mc:AlternateContent xmlns:mc="http://schemas.openxmlformats.org/markup-compatibility/2006">
-        <mc:Choice xmlns:a14="http://schemas.microsoft.com/office/drawing/2010/main" Requires="a14">
+      <mc:AlternateContent xmlns:mc="http://schemas.openxmlformats.org/markup-compatibility/2006" xmlns:a14="http://schemas.microsoft.com/office/drawing/2010/main">
+        <mc:Choice Requires="a14">
           <p:sp>
             <p:nvSpPr>
               <p:cNvPr id="25" name="TextBox 24">
@@ -5994,7 +7639,7 @@
             </p:txBody>
           </p:sp>
         </mc:Choice>
-        <mc:Fallback>
+        <mc:Fallback xmlns="">
           <p:sp>
             <p:nvSpPr>
               <p:cNvPr id="25" name="TextBox 24">
@@ -6069,8 +7714,8 @@
           </a:prstGeom>
         </p:spPr>
       </p:pic>
-      <mc:AlternateContent xmlns:mc="http://schemas.openxmlformats.org/markup-compatibility/2006">
-        <mc:Choice xmlns:a14="http://schemas.microsoft.com/office/drawing/2010/main" Requires="a14">
+      <mc:AlternateContent xmlns:mc="http://schemas.openxmlformats.org/markup-compatibility/2006" xmlns:a14="http://schemas.microsoft.com/office/drawing/2010/main">
+        <mc:Choice Requires="a14">
           <p:sp>
             <p:nvSpPr>
               <p:cNvPr id="2" name="TextBox 1">
@@ -6126,7 +7771,7 @@
             </p:txBody>
           </p:sp>
         </mc:Choice>
-        <mc:Fallback>
+        <mc:Fallback xmlns="">
           <p:sp>
             <p:nvSpPr>
               <p:cNvPr id="2" name="TextBox 1">
@@ -6171,8 +7816,8 @@
           </p:sp>
         </mc:Fallback>
       </mc:AlternateContent>
-      <mc:AlternateContent xmlns:mc="http://schemas.openxmlformats.org/markup-compatibility/2006">
-        <mc:Choice xmlns:a14="http://schemas.microsoft.com/office/drawing/2010/main" Requires="a14">
+      <mc:AlternateContent xmlns:mc="http://schemas.openxmlformats.org/markup-compatibility/2006" xmlns:a14="http://schemas.microsoft.com/office/drawing/2010/main">
+        <mc:Choice Requires="a14">
           <p:sp>
             <p:nvSpPr>
               <p:cNvPr id="4" name="TextBox 3">
@@ -6228,7 +7873,7 @@
             </p:txBody>
           </p:sp>
         </mc:Choice>
-        <mc:Fallback>
+        <mc:Fallback xmlns="">
           <p:sp>
             <p:nvSpPr>
               <p:cNvPr id="4" name="TextBox 3">
@@ -6333,8 +7978,8 @@
           </a:prstGeom>
         </p:spPr>
       </p:pic>
-      <mc:AlternateContent xmlns:mc="http://schemas.openxmlformats.org/markup-compatibility/2006">
-        <mc:Choice xmlns:a14="http://schemas.microsoft.com/office/drawing/2010/main" Requires="a14">
+      <mc:AlternateContent xmlns:mc="http://schemas.openxmlformats.org/markup-compatibility/2006" xmlns:a14="http://schemas.microsoft.com/office/drawing/2010/main">
+        <mc:Choice Requires="a14">
           <p:sp>
             <p:nvSpPr>
               <p:cNvPr id="18" name="TextBox 17">
@@ -6390,7 +8035,7 @@
             </p:txBody>
           </p:sp>
         </mc:Choice>
-        <mc:Fallback>
+        <mc:Fallback xmlns="">
           <p:sp>
             <p:nvSpPr>
               <p:cNvPr id="18" name="TextBox 17">
@@ -6435,8 +8080,8 @@
           </p:sp>
         </mc:Fallback>
       </mc:AlternateContent>
-      <mc:AlternateContent xmlns:mc="http://schemas.openxmlformats.org/markup-compatibility/2006">
-        <mc:Choice xmlns:a14="http://schemas.microsoft.com/office/drawing/2010/main" Requires="a14">
+      <mc:AlternateContent xmlns:mc="http://schemas.openxmlformats.org/markup-compatibility/2006" xmlns:a14="http://schemas.microsoft.com/office/drawing/2010/main">
+        <mc:Choice Requires="a14">
           <p:sp>
             <p:nvSpPr>
               <p:cNvPr id="21" name="TextBox 20">
@@ -6492,7 +8137,7 @@
             </p:txBody>
           </p:sp>
         </mc:Choice>
-        <mc:Fallback>
+        <mc:Fallback xmlns="">
           <p:sp>
             <p:nvSpPr>
               <p:cNvPr id="21" name="TextBox 20">
@@ -6584,8 +8229,8 @@
           </a:extLst>
         </p:spPr>
       </p:pic>
-      <mc:AlternateContent xmlns:mc="http://schemas.openxmlformats.org/markup-compatibility/2006">
-        <mc:Choice xmlns:a14="http://schemas.microsoft.com/office/drawing/2010/main" Requires="a14">
+      <mc:AlternateContent xmlns:mc="http://schemas.openxmlformats.org/markup-compatibility/2006" xmlns:a14="http://schemas.microsoft.com/office/drawing/2010/main">
+        <mc:Choice Requires="a14">
           <p:sp>
             <p:nvSpPr>
               <p:cNvPr id="23" name="TextBox 22">
@@ -6641,7 +8286,7 @@
             </p:txBody>
           </p:sp>
         </mc:Choice>
-        <mc:Fallback>
+        <mc:Fallback xmlns="">
           <p:sp>
             <p:nvSpPr>
               <p:cNvPr id="23" name="TextBox 22">
@@ -6807,7 +8452,7 @@
 </p:sld>
 </file>
 
-<file path=ppt/slides/slide5.xml><?xml version="1.0" encoding="utf-8"?>
+<file path=ppt/slides/slide6.xml><?xml version="1.0" encoding="utf-8"?>
 <p:sld xmlns:a="http://schemas.openxmlformats.org/drawingml/2006/main" xmlns:r="http://schemas.openxmlformats.org/officeDocument/2006/relationships" xmlns:p="http://schemas.openxmlformats.org/presentationml/2006/main">
   <p:cSld>
     <p:spTree>
@@ -6961,7 +8606,7 @@
 </p:sld>
 </file>
 
-<file path=ppt/slides/slide6.xml><?xml version="1.0" encoding="utf-8"?>
+<file path=ppt/slides/slide7.xml><?xml version="1.0" encoding="utf-8"?>
 <p:sld xmlns:a="http://schemas.openxmlformats.org/drawingml/2006/main" xmlns:r="http://schemas.openxmlformats.org/officeDocument/2006/relationships" xmlns:p="http://schemas.openxmlformats.org/presentationml/2006/main">
   <p:cSld>
     <p:spTree>

--- a/SYSG3_paper.pptx
+++ b/SYSG3_paper.pptx
@@ -7,11 +7,10 @@
   <p:sldIdLst>
     <p:sldId id="368" r:id="rId2"/>
     <p:sldId id="371" r:id="rId3"/>
-    <p:sldId id="364" r:id="rId4"/>
-    <p:sldId id="374" r:id="rId5"/>
-    <p:sldId id="372" r:id="rId6"/>
-    <p:sldId id="373" r:id="rId7"/>
-    <p:sldId id="370" r:id="rId8"/>
+    <p:sldId id="374" r:id="rId4"/>
+    <p:sldId id="372" r:id="rId5"/>
+    <p:sldId id="373" r:id="rId6"/>
+    <p:sldId id="370" r:id="rId7"/>
   </p:sldIdLst>
   <p:sldSz cx="12192000" cy="6858000"/>
   <p:notesSz cx="6858000" cy="9144000"/>
@@ -3397,10 +3396,10 @@
       </p:sp>
       <p:pic>
         <p:nvPicPr>
-          <p:cNvPr id="3" name="Picture 2">
-            <a:extLst>
-              <a:ext uri="{FF2B5EF4-FFF2-40B4-BE49-F238E27FC236}">
-                <a16:creationId xmlns:a16="http://schemas.microsoft.com/office/drawing/2014/main" id="{936F233C-0732-B295-334A-33B911AC60F7}"/>
+          <p:cNvPr id="9" name="Picture 8">
+            <a:extLst>
+              <a:ext uri="{FF2B5EF4-FFF2-40B4-BE49-F238E27FC236}">
+                <a16:creationId xmlns:a16="http://schemas.microsoft.com/office/drawing/2014/main" id="{915F712A-878D-6B0F-C81D-3349B96FB105}"/>
               </a:ext>
             </a:extLst>
           </p:cNvPr>
@@ -3411,66 +3410,6 @@
         </p:nvPicPr>
         <p:blipFill>
           <a:blip r:embed="rId2"/>
-          <a:stretch>
-            <a:fillRect/>
-          </a:stretch>
-        </p:blipFill>
-        <p:spPr>
-          <a:xfrm>
-            <a:off x="712164" y="1930162"/>
-            <a:ext cx="2211007" cy="1981674"/>
-          </a:xfrm>
-          <a:prstGeom prst="rect">
-            <a:avLst/>
-          </a:prstGeom>
-        </p:spPr>
-      </p:pic>
-      <p:pic>
-        <p:nvPicPr>
-          <p:cNvPr id="8" name="Picture 7">
-            <a:extLst>
-              <a:ext uri="{FF2B5EF4-FFF2-40B4-BE49-F238E27FC236}">
-                <a16:creationId xmlns:a16="http://schemas.microsoft.com/office/drawing/2014/main" id="{72C3C104-EE4E-A97C-0B6C-3CAD1514FC66}"/>
-              </a:ext>
-            </a:extLst>
-          </p:cNvPr>
-          <p:cNvPicPr>
-            <a:picLocks noChangeAspect="1"/>
-          </p:cNvPicPr>
-          <p:nvPr/>
-        </p:nvPicPr>
-        <p:blipFill>
-          <a:blip r:embed="rId3"/>
-          <a:stretch>
-            <a:fillRect/>
-          </a:stretch>
-        </p:blipFill>
-        <p:spPr>
-          <a:xfrm>
-            <a:off x="6291686" y="1638538"/>
-            <a:ext cx="2196986" cy="2460323"/>
-          </a:xfrm>
-          <a:prstGeom prst="rect">
-            <a:avLst/>
-          </a:prstGeom>
-        </p:spPr>
-      </p:pic>
-      <p:pic>
-        <p:nvPicPr>
-          <p:cNvPr id="9" name="Picture 8">
-            <a:extLst>
-              <a:ext uri="{FF2B5EF4-FFF2-40B4-BE49-F238E27FC236}">
-                <a16:creationId xmlns:a16="http://schemas.microsoft.com/office/drawing/2014/main" id="{915F712A-878D-6B0F-C81D-3349B96FB105}"/>
-              </a:ext>
-            </a:extLst>
-          </p:cNvPr>
-          <p:cNvPicPr>
-            <a:picLocks noChangeAspect="1"/>
-          </p:cNvPicPr>
-          <p:nvPr/>
-        </p:nvPicPr>
-        <p:blipFill>
-          <a:blip r:embed="rId4"/>
           <a:stretch>
             <a:fillRect/>
           </a:stretch>
@@ -3523,7 +3462,7 @@
             </a:br>
             <a:r>
               <a:rPr lang="en-US" dirty="0"/>
-              <a:t>@ (0.20, 0.005) </a:t>
+              <a:t>@ (0.10, 0.0025) </a:t>
             </a:r>
           </a:p>
         </p:txBody>
@@ -3543,7 +3482,7 @@
           <p:nvPr/>
         </p:nvPicPr>
         <p:blipFill>
-          <a:blip r:embed="rId5"/>
+          <a:blip r:embed="rId3"/>
           <a:stretch>
             <a:fillRect/>
           </a:stretch>
@@ -3589,7 +3528,7 @@
             <a:pPr algn="ctr"/>
             <a:r>
               <a:rPr lang="en-US" dirty="0"/>
-              <a:t>Iso </a:t>
+              <a:t>Example iso </a:t>
             </a:r>
             <a:r>
               <a:rPr lang="en-US" dirty="0" err="1"/>
@@ -3648,7 +3587,7 @@
             </a:r>
             <a:r>
               <a:rPr lang="en-US" dirty="0"/>
-              <a:t>  @  (0.25, 0.010)</a:t>
+              <a:t>  @  (0.25, 0.015)</a:t>
             </a:r>
           </a:p>
         </p:txBody>
@@ -3698,42 +3637,6 @@
       </p:sp>
       <p:sp>
         <p:nvSpPr>
-          <p:cNvPr id="15" name="TextBox 14">
-            <a:extLst>
-              <a:ext uri="{FF2B5EF4-FFF2-40B4-BE49-F238E27FC236}">
-                <a16:creationId xmlns:a16="http://schemas.microsoft.com/office/drawing/2014/main" id="{BABFEB32-3A2C-496B-6E71-F85CD0233B02}"/>
-              </a:ext>
-            </a:extLst>
-          </p:cNvPr>
-          <p:cNvSpPr txBox="1"/>
-          <p:nvPr/>
-        </p:nvSpPr>
-        <p:spPr>
-          <a:xfrm>
-            <a:off x="9190597" y="5581479"/>
-            <a:ext cx="2765121" cy="369332"/>
-          </a:xfrm>
-          <a:prstGeom prst="rect">
-            <a:avLst/>
-          </a:prstGeom>
-          <a:noFill/>
-        </p:spPr>
-        <p:txBody>
-          <a:bodyPr wrap="square" rtlCol="0">
-            <a:spAutoFit/>
-          </a:bodyPr>
-          <a:lstStyle/>
-          <a:p>
-            <a:pPr algn="ctr"/>
-            <a:r>
-              <a:rPr lang="en-US" dirty="0"/>
-              <a:t>Need to finalize</a:t>
-            </a:r>
-          </a:p>
-        </p:txBody>
-      </p:sp>
-      <p:sp>
-        <p:nvSpPr>
           <p:cNvPr id="16" name="TextBox 15">
             <a:extLst>
               <a:ext uri="{FF2B5EF4-FFF2-40B4-BE49-F238E27FC236}">
@@ -3763,7 +3666,7 @@
             <a:pPr algn="ctr"/>
             <a:r>
               <a:rPr lang="en-US" dirty="0"/>
-              <a:t>Actual @ (0.25, 0.005)?</a:t>
+              <a:t>Actual @ (0.25, 0.0025)?</a:t>
             </a:r>
           </a:p>
         </p:txBody>
@@ -3799,7 +3702,7 @@
             <a:pPr algn="ctr"/>
             <a:r>
               <a:rPr lang="en-US" dirty="0"/>
-              <a:t>Actual @ (0.15, 0.005)?</a:t>
+              <a:t>Need to finalize</a:t>
             </a:r>
           </a:p>
         </p:txBody>
@@ -3835,11 +3738,107 @@
             <a:pPr algn="ctr"/>
             <a:r>
               <a:rPr lang="en-US" dirty="0"/>
-              <a:t>Actual @ (0.225, 0.005)?</a:t>
-            </a:r>
-          </a:p>
-        </p:txBody>
-      </p:sp>
+              <a:t>Actual @ (0.15, 0.0025)?</a:t>
+            </a:r>
+          </a:p>
+        </p:txBody>
+      </p:sp>
+      <p:pic>
+        <p:nvPicPr>
+          <p:cNvPr id="2" name="Picture 1">
+            <a:extLst>
+              <a:ext uri="{FF2B5EF4-FFF2-40B4-BE49-F238E27FC236}">
+                <a16:creationId xmlns:a16="http://schemas.microsoft.com/office/drawing/2014/main" id="{DAF61ABC-2A80-D266-4ABE-77C5E76BC06B}"/>
+              </a:ext>
+            </a:extLst>
+          </p:cNvPr>
+          <p:cNvPicPr>
+            <a:picLocks noChangeAspect="1"/>
+          </p:cNvPicPr>
+          <p:nvPr/>
+        </p:nvPicPr>
+        <p:blipFill>
+          <a:blip r:embed="rId4"/>
+          <a:stretch>
+            <a:fillRect/>
+          </a:stretch>
+        </p:blipFill>
+        <p:spPr>
+          <a:xfrm>
+            <a:off x="665250" y="2337472"/>
+            <a:ext cx="2316235" cy="1642421"/>
+          </a:xfrm>
+          <a:prstGeom prst="rect">
+            <a:avLst/>
+          </a:prstGeom>
+        </p:spPr>
+      </p:pic>
+      <p:sp>
+        <p:nvSpPr>
+          <p:cNvPr id="5" name="TextBox 4">
+            <a:extLst>
+              <a:ext uri="{FF2B5EF4-FFF2-40B4-BE49-F238E27FC236}">
+                <a16:creationId xmlns:a16="http://schemas.microsoft.com/office/drawing/2014/main" id="{4A03C4D8-2DA8-E748-7A62-1EF470DCEA3B}"/>
+              </a:ext>
+            </a:extLst>
+          </p:cNvPr>
+          <p:cNvSpPr txBox="1"/>
+          <p:nvPr/>
+        </p:nvSpPr>
+        <p:spPr>
+          <a:xfrm>
+            <a:off x="9301586" y="5581479"/>
+            <a:ext cx="2765121" cy="369332"/>
+          </a:xfrm>
+          <a:prstGeom prst="rect">
+            <a:avLst/>
+          </a:prstGeom>
+          <a:noFill/>
+        </p:spPr>
+        <p:txBody>
+          <a:bodyPr wrap="square" rtlCol="0">
+            <a:spAutoFit/>
+          </a:bodyPr>
+          <a:lstStyle/>
+          <a:p>
+            <a:pPr algn="ctr"/>
+            <a:r>
+              <a:rPr lang="en-US" dirty="0"/>
+              <a:t>Actual @ (0.3, 0.0025)</a:t>
+            </a:r>
+          </a:p>
+        </p:txBody>
+      </p:sp>
+      <p:pic>
+        <p:nvPicPr>
+          <p:cNvPr id="7" name="Picture 6">
+            <a:extLst>
+              <a:ext uri="{FF2B5EF4-FFF2-40B4-BE49-F238E27FC236}">
+                <a16:creationId xmlns:a16="http://schemas.microsoft.com/office/drawing/2014/main" id="{D8AC9817-20F7-1FDA-CE12-9EEAF71BE9AF}"/>
+              </a:ext>
+            </a:extLst>
+          </p:cNvPr>
+          <p:cNvPicPr>
+            <a:picLocks noChangeAspect="1"/>
+          </p:cNvPicPr>
+          <p:nvPr/>
+        </p:nvPicPr>
+        <p:blipFill>
+          <a:blip r:embed="rId5"/>
+          <a:stretch>
+            <a:fillRect/>
+          </a:stretch>
+        </p:blipFill>
+        <p:spPr>
+          <a:xfrm>
+            <a:off x="6151295" y="1870903"/>
+            <a:ext cx="2412646" cy="2276081"/>
+          </a:xfrm>
+          <a:prstGeom prst="rect">
+            <a:avLst/>
+          </a:prstGeom>
+        </p:spPr>
+      </p:pic>
     </p:spTree>
     <p:extLst>
       <p:ext uri="{BB962C8B-B14F-4D97-AF65-F5344CB8AC3E}">
@@ -4066,1349 +4065,6 @@
 </file>
 
 <file path=ppt/slides/slide3.xml><?xml version="1.0" encoding="utf-8"?>
-<p:sld xmlns:a="http://schemas.openxmlformats.org/drawingml/2006/main" xmlns:r="http://schemas.openxmlformats.org/officeDocument/2006/relationships" xmlns:p="http://schemas.openxmlformats.org/presentationml/2006/main">
-  <p:cSld>
-    <p:spTree>
-      <p:nvGrpSpPr>
-        <p:cNvPr id="1" name="">
-          <a:extLst>
-            <a:ext uri="{FF2B5EF4-FFF2-40B4-BE49-F238E27FC236}">
-              <a16:creationId xmlns:a16="http://schemas.microsoft.com/office/drawing/2014/main" id="{CB30D3FD-4F6E-ECB8-69D0-D1C4D446D0B1}"/>
-            </a:ext>
-          </a:extLst>
-        </p:cNvPr>
-        <p:cNvGrpSpPr/>
-        <p:nvPr/>
-      </p:nvGrpSpPr>
-      <p:grpSpPr>
-        <a:xfrm>
-          <a:off x="0" y="0"/>
-          <a:ext cx="0" cy="0"/>
-          <a:chOff x="0" y="0"/>
-          <a:chExt cx="0" cy="0"/>
-        </a:xfrm>
-      </p:grpSpPr>
-      <p:pic>
-        <p:nvPicPr>
-          <p:cNvPr id="6" name="Picture 5">
-            <a:extLst>
-              <a:ext uri="{FF2B5EF4-FFF2-40B4-BE49-F238E27FC236}">
-                <a16:creationId xmlns:a16="http://schemas.microsoft.com/office/drawing/2014/main" id="{9DFD2A8E-5DCF-B051-ECD1-DBAE47466D9A}"/>
-              </a:ext>
-            </a:extLst>
-          </p:cNvPr>
-          <p:cNvPicPr>
-            <a:picLocks noChangeAspect="1"/>
-          </p:cNvPicPr>
-          <p:nvPr/>
-        </p:nvPicPr>
-        <p:blipFill>
-          <a:blip r:embed="rId2"/>
-          <a:stretch>
-            <a:fillRect/>
-          </a:stretch>
-        </p:blipFill>
-        <p:spPr>
-          <a:xfrm>
-            <a:off x="4763081" y="1621057"/>
-            <a:ext cx="1600897" cy="2152317"/>
-          </a:xfrm>
-          <a:prstGeom prst="rect">
-            <a:avLst/>
-          </a:prstGeom>
-        </p:spPr>
-      </p:pic>
-      <p:sp>
-        <p:nvSpPr>
-          <p:cNvPr id="3" name="TextBox 2">
-            <a:extLst>
-              <a:ext uri="{FF2B5EF4-FFF2-40B4-BE49-F238E27FC236}">
-                <a16:creationId xmlns:a16="http://schemas.microsoft.com/office/drawing/2014/main" id="{94698C8E-16D9-7D94-45D1-DE4A4A7BFB34}"/>
-              </a:ext>
-            </a:extLst>
-          </p:cNvPr>
-          <p:cNvSpPr txBox="1"/>
-          <p:nvPr/>
-        </p:nvSpPr>
-        <p:spPr>
-          <a:xfrm>
-            <a:off x="1645962" y="247374"/>
-            <a:ext cx="9436032" cy="369332"/>
-          </a:xfrm>
-          <a:prstGeom prst="rect">
-            <a:avLst/>
-          </a:prstGeom>
-          <a:noFill/>
-        </p:spPr>
-        <p:txBody>
-          <a:bodyPr wrap="square" rtlCol="0">
-            <a:spAutoFit/>
-          </a:bodyPr>
-          <a:lstStyle/>
-          <a:p>
-            <a:r>
-              <a:rPr lang="en-US" dirty="0"/>
-              <a:t>Fig 3: </a:t>
-            </a:r>
-            <a:r>
-              <a:rPr lang="en-US" dirty="0" err="1"/>
-              <a:t>Cyl</a:t>
-            </a:r>
-            <a:r>
-              <a:rPr lang="en-US" dirty="0"/>
-              <a:t> to </a:t>
-            </a:r>
-            <a:r>
-              <a:rPr lang="en-US" dirty="0" err="1"/>
-              <a:t>Cyl</a:t>
-            </a:r>
-            <a:r>
-              <a:rPr lang="en-US" dirty="0"/>
-              <a:t>-str to Str by increasing sigma</a:t>
-            </a:r>
-          </a:p>
-        </p:txBody>
-      </p:sp>
-      <mc:AlternateContent xmlns:mc="http://schemas.openxmlformats.org/markup-compatibility/2006" xmlns:a14="http://schemas.microsoft.com/office/drawing/2010/main">
-        <mc:Choice Requires="a14">
-          <p:sp>
-            <p:nvSpPr>
-              <p:cNvPr id="7" name="TextBox 6">
-                <a:extLst>
-                  <a:ext uri="{FF2B5EF4-FFF2-40B4-BE49-F238E27FC236}">
-                    <a16:creationId xmlns:a16="http://schemas.microsoft.com/office/drawing/2014/main" id="{C7C76F35-D1EE-7CEE-9F54-59AC3E50D5DE}"/>
-                  </a:ext>
-                </a:extLst>
-              </p:cNvPr>
-              <p:cNvSpPr txBox="1"/>
-              <p:nvPr/>
-            </p:nvSpPr>
-            <p:spPr>
-              <a:xfrm>
-                <a:off x="5117595" y="1031794"/>
-                <a:ext cx="1237130" cy="369332"/>
-              </a:xfrm>
-              <a:prstGeom prst="rect">
-                <a:avLst/>
-              </a:prstGeom>
-              <a:noFill/>
-            </p:spPr>
-            <p:txBody>
-              <a:bodyPr wrap="square" rtlCol="0">
-                <a:spAutoFit/>
-              </a:bodyPr>
-              <a:lstStyle/>
-              <a:p>
-                <a:pPr/>
-                <a14:m>
-                  <m:oMathPara xmlns:m="http://schemas.openxmlformats.org/officeDocument/2006/math">
-                    <m:oMathParaPr>
-                      <m:jc m:val="centerGroup"/>
-                    </m:oMathParaPr>
-                    <m:oMath xmlns:m="http://schemas.openxmlformats.org/officeDocument/2006/math">
-                      <m:r>
-                        <a:rPr lang="en-US" b="0" i="1" smtClean="0">
-                          <a:latin typeface="Cambria Math" panose="02040503050406030204" pitchFamily="18" charset="0"/>
-                        </a:rPr>
-                        <m:t>𝜎</m:t>
-                      </m:r>
-                      <m:r>
-                        <a:rPr lang="en-US" b="0" i="1" smtClean="0">
-                          <a:latin typeface="Cambria Math" panose="02040503050406030204" pitchFamily="18" charset="0"/>
-                        </a:rPr>
-                        <m:t>=0.020</m:t>
-                      </m:r>
-                    </m:oMath>
-                  </m:oMathPara>
-                </a14:m>
-                <a:endParaRPr lang="en-US" dirty="0"/>
-              </a:p>
-            </p:txBody>
-          </p:sp>
-        </mc:Choice>
-        <mc:Fallback xmlns="">
-          <p:sp>
-            <p:nvSpPr>
-              <p:cNvPr id="7" name="TextBox 6">
-                <a:extLst>
-                  <a:ext uri="{FF2B5EF4-FFF2-40B4-BE49-F238E27FC236}">
-                    <a16:creationId xmlns:a16="http://schemas.microsoft.com/office/drawing/2014/main" id="{C7C76F35-D1EE-7CEE-9F54-59AC3E50D5DE}"/>
-                  </a:ext>
-                </a:extLst>
-              </p:cNvPr>
-              <p:cNvSpPr txBox="1">
-                <a:spLocks noRot="1" noChangeAspect="1" noMove="1" noResize="1" noEditPoints="1" noAdjustHandles="1" noChangeArrowheads="1" noChangeShapeType="1" noTextEdit="1"/>
-              </p:cNvSpPr>
-              <p:nvPr/>
-            </p:nvSpPr>
-            <p:spPr>
-              <a:xfrm>
-                <a:off x="5117595" y="1031794"/>
-                <a:ext cx="1237130" cy="369332"/>
-              </a:xfrm>
-              <a:prstGeom prst="rect">
-                <a:avLst/>
-              </a:prstGeom>
-              <a:blipFill>
-                <a:blip r:embed="rId3"/>
-                <a:stretch>
-                  <a:fillRect/>
-                </a:stretch>
-              </a:blipFill>
-            </p:spPr>
-            <p:txBody>
-              <a:bodyPr/>
-              <a:lstStyle/>
-              <a:p>
-                <a:r>
-                  <a:rPr lang="en-US">
-                    <a:noFill/>
-                  </a:rPr>
-                  <a:t> </a:t>
-                </a:r>
-              </a:p>
-            </p:txBody>
-          </p:sp>
-        </mc:Fallback>
-      </mc:AlternateContent>
-      <mc:AlternateContent xmlns:mc="http://schemas.openxmlformats.org/markup-compatibility/2006" xmlns:a14="http://schemas.microsoft.com/office/drawing/2010/main">
-        <mc:Choice Requires="a14">
-          <p:sp>
-            <p:nvSpPr>
-              <p:cNvPr id="8" name="TextBox 7">
-                <a:extLst>
-                  <a:ext uri="{FF2B5EF4-FFF2-40B4-BE49-F238E27FC236}">
-                    <a16:creationId xmlns:a16="http://schemas.microsoft.com/office/drawing/2014/main" id="{A3D5A164-5866-DA2B-BE67-42CEB03795EE}"/>
-                  </a:ext>
-                </a:extLst>
-              </p:cNvPr>
-              <p:cNvSpPr txBox="1"/>
-              <p:nvPr/>
-            </p:nvSpPr>
-            <p:spPr>
-              <a:xfrm>
-                <a:off x="7012597" y="1031794"/>
-                <a:ext cx="1525469" cy="369332"/>
-              </a:xfrm>
-              <a:prstGeom prst="rect">
-                <a:avLst/>
-              </a:prstGeom>
-              <a:noFill/>
-            </p:spPr>
-            <p:txBody>
-              <a:bodyPr wrap="square" rtlCol="0">
-                <a:spAutoFit/>
-              </a:bodyPr>
-              <a:lstStyle/>
-              <a:p>
-                <a:pPr/>
-                <a14:m>
-                  <m:oMathPara xmlns:m="http://schemas.openxmlformats.org/officeDocument/2006/math">
-                    <m:oMathParaPr>
-                      <m:jc m:val="centerGroup"/>
-                    </m:oMathParaPr>
-                    <m:oMath xmlns:m="http://schemas.openxmlformats.org/officeDocument/2006/math">
-                      <m:r>
-                        <a:rPr lang="en-US" b="0" i="1" smtClean="0">
-                          <a:latin typeface="Cambria Math" panose="02040503050406030204" pitchFamily="18" charset="0"/>
-                        </a:rPr>
-                        <m:t>𝜎</m:t>
-                      </m:r>
-                      <m:r>
-                        <a:rPr lang="en-US" b="0" i="1" smtClean="0">
-                          <a:latin typeface="Cambria Math" panose="02040503050406030204" pitchFamily="18" charset="0"/>
-                        </a:rPr>
-                        <m:t>=0.03</m:t>
-                      </m:r>
-                      <m:r>
-                        <a:rPr lang="en-US" b="0" i="0" smtClean="0">
-                          <a:latin typeface="Cambria Math" panose="02040503050406030204" pitchFamily="18" charset="0"/>
-                        </a:rPr>
-                        <m:t>0</m:t>
-                      </m:r>
-                    </m:oMath>
-                  </m:oMathPara>
-                </a14:m>
-                <a:endParaRPr lang="en-US" dirty="0"/>
-              </a:p>
-            </p:txBody>
-          </p:sp>
-        </mc:Choice>
-        <mc:Fallback xmlns="">
-          <p:sp>
-            <p:nvSpPr>
-              <p:cNvPr id="8" name="TextBox 7">
-                <a:extLst>
-                  <a:ext uri="{FF2B5EF4-FFF2-40B4-BE49-F238E27FC236}">
-                    <a16:creationId xmlns:a16="http://schemas.microsoft.com/office/drawing/2014/main" id="{A3D5A164-5866-DA2B-BE67-42CEB03795EE}"/>
-                  </a:ext>
-                </a:extLst>
-              </p:cNvPr>
-              <p:cNvSpPr txBox="1">
-                <a:spLocks noRot="1" noChangeAspect="1" noMove="1" noResize="1" noEditPoints="1" noAdjustHandles="1" noChangeArrowheads="1" noChangeShapeType="1" noTextEdit="1"/>
-              </p:cNvSpPr>
-              <p:nvPr/>
-            </p:nvSpPr>
-            <p:spPr>
-              <a:xfrm>
-                <a:off x="7012597" y="1031794"/>
-                <a:ext cx="1525469" cy="369332"/>
-              </a:xfrm>
-              <a:prstGeom prst="rect">
-                <a:avLst/>
-              </a:prstGeom>
-              <a:blipFill>
-                <a:blip r:embed="rId4"/>
-                <a:stretch>
-                  <a:fillRect/>
-                </a:stretch>
-              </a:blipFill>
-            </p:spPr>
-            <p:txBody>
-              <a:bodyPr/>
-              <a:lstStyle/>
-              <a:p>
-                <a:r>
-                  <a:rPr lang="en-US">
-                    <a:noFill/>
-                  </a:rPr>
-                  <a:t> </a:t>
-                </a:r>
-              </a:p>
-            </p:txBody>
-          </p:sp>
-        </mc:Fallback>
-      </mc:AlternateContent>
-      <mc:AlternateContent xmlns:mc="http://schemas.openxmlformats.org/markup-compatibility/2006" xmlns:a14="http://schemas.microsoft.com/office/drawing/2010/main">
-        <mc:Choice Requires="a14">
-          <p:sp>
-            <p:nvSpPr>
-              <p:cNvPr id="9" name="TextBox 8">
-                <a:extLst>
-                  <a:ext uri="{FF2B5EF4-FFF2-40B4-BE49-F238E27FC236}">
-                    <a16:creationId xmlns:a16="http://schemas.microsoft.com/office/drawing/2014/main" id="{3E3F4180-94C3-1CEC-6A9B-2DE22DA48533}"/>
-                  </a:ext>
-                </a:extLst>
-              </p:cNvPr>
-              <p:cNvSpPr txBox="1"/>
-              <p:nvPr/>
-            </p:nvSpPr>
-            <p:spPr>
-              <a:xfrm>
-                <a:off x="9216733" y="988024"/>
-                <a:ext cx="1318040" cy="369332"/>
-              </a:xfrm>
-              <a:prstGeom prst="rect">
-                <a:avLst/>
-              </a:prstGeom>
-              <a:noFill/>
-            </p:spPr>
-            <p:txBody>
-              <a:bodyPr wrap="square" rtlCol="0">
-                <a:spAutoFit/>
-              </a:bodyPr>
-              <a:lstStyle/>
-              <a:p>
-                <a14:m>
-                  <m:oMath xmlns:m="http://schemas.openxmlformats.org/officeDocument/2006/math">
-                    <m:r>
-                      <a:rPr lang="en-US" b="0" i="1" smtClean="0">
-                        <a:latin typeface="Cambria Math" panose="02040503050406030204" pitchFamily="18" charset="0"/>
-                      </a:rPr>
-                      <m:t>𝜎</m:t>
-                    </m:r>
-                    <m:r>
-                      <a:rPr lang="en-US" b="0" i="1" smtClean="0">
-                        <a:latin typeface="Cambria Math" panose="02040503050406030204" pitchFamily="18" charset="0"/>
-                      </a:rPr>
-                      <m:t>=0.05</m:t>
-                    </m:r>
-                  </m:oMath>
-                </a14:m>
-                <a:r>
-                  <a:rPr lang="en-US" dirty="0"/>
-                  <a:t>5</a:t>
-                </a:r>
-              </a:p>
-            </p:txBody>
-          </p:sp>
-        </mc:Choice>
-        <mc:Fallback xmlns="">
-          <p:sp>
-            <p:nvSpPr>
-              <p:cNvPr id="9" name="TextBox 8">
-                <a:extLst>
-                  <a:ext uri="{FF2B5EF4-FFF2-40B4-BE49-F238E27FC236}">
-                    <a16:creationId xmlns:a16="http://schemas.microsoft.com/office/drawing/2014/main" id="{3E3F4180-94C3-1CEC-6A9B-2DE22DA48533}"/>
-                  </a:ext>
-                </a:extLst>
-              </p:cNvPr>
-              <p:cNvSpPr txBox="1">
-                <a:spLocks noRot="1" noChangeAspect="1" noMove="1" noResize="1" noEditPoints="1" noAdjustHandles="1" noChangeArrowheads="1" noChangeShapeType="1" noTextEdit="1"/>
-              </p:cNvSpPr>
-              <p:nvPr/>
-            </p:nvSpPr>
-            <p:spPr>
-              <a:xfrm>
-                <a:off x="9216733" y="988024"/>
-                <a:ext cx="1318040" cy="369332"/>
-              </a:xfrm>
-              <a:prstGeom prst="rect">
-                <a:avLst/>
-              </a:prstGeom>
-              <a:blipFill>
-                <a:blip r:embed="rId5"/>
-                <a:stretch>
-                  <a:fillRect t="-6557" b="-26230"/>
-                </a:stretch>
-              </a:blipFill>
-            </p:spPr>
-            <p:txBody>
-              <a:bodyPr/>
-              <a:lstStyle/>
-              <a:p>
-                <a:r>
-                  <a:rPr lang="en-US">
-                    <a:noFill/>
-                  </a:rPr>
-                  <a:t> </a:t>
-                </a:r>
-              </a:p>
-            </p:txBody>
-          </p:sp>
-        </mc:Fallback>
-      </mc:AlternateContent>
-      <p:pic>
-        <p:nvPicPr>
-          <p:cNvPr id="5" name="Picture 4">
-            <a:extLst>
-              <a:ext uri="{FF2B5EF4-FFF2-40B4-BE49-F238E27FC236}">
-                <a16:creationId xmlns:a16="http://schemas.microsoft.com/office/drawing/2014/main" id="{ACC6ECEA-592A-000B-6ED8-AA4B37879217}"/>
-              </a:ext>
-            </a:extLst>
-          </p:cNvPr>
-          <p:cNvPicPr>
-            <a:picLocks noChangeAspect="1"/>
-          </p:cNvPicPr>
-          <p:nvPr/>
-        </p:nvPicPr>
-        <p:blipFill>
-          <a:blip r:embed="rId6"/>
-          <a:stretch>
-            <a:fillRect/>
-          </a:stretch>
-        </p:blipFill>
-        <p:spPr>
-          <a:xfrm>
-            <a:off x="6689622" y="1615663"/>
-            <a:ext cx="1734342" cy="2287997"/>
-          </a:xfrm>
-          <a:prstGeom prst="rect">
-            <a:avLst/>
-          </a:prstGeom>
-        </p:spPr>
-      </p:pic>
-      <p:pic>
-        <p:nvPicPr>
-          <p:cNvPr id="17" name="Picture 16">
-            <a:extLst>
-              <a:ext uri="{FF2B5EF4-FFF2-40B4-BE49-F238E27FC236}">
-                <a16:creationId xmlns:a16="http://schemas.microsoft.com/office/drawing/2014/main" id="{E8D234D4-4820-D053-F339-2D32E7706173}"/>
-              </a:ext>
-            </a:extLst>
-          </p:cNvPr>
-          <p:cNvPicPr>
-            <a:picLocks noChangeAspect="1"/>
-          </p:cNvPicPr>
-          <p:nvPr/>
-        </p:nvPicPr>
-        <p:blipFill>
-          <a:blip r:embed="rId7"/>
-          <a:stretch>
-            <a:fillRect/>
-          </a:stretch>
-        </p:blipFill>
-        <p:spPr>
-          <a:xfrm>
-            <a:off x="8955717" y="1610326"/>
-            <a:ext cx="1521304" cy="2345623"/>
-          </a:xfrm>
-          <a:prstGeom prst="rect">
-            <a:avLst/>
-          </a:prstGeom>
-        </p:spPr>
-      </p:pic>
-      <mc:AlternateContent xmlns:mc="http://schemas.openxmlformats.org/markup-compatibility/2006" xmlns:a14="http://schemas.microsoft.com/office/drawing/2010/main">
-        <mc:Choice Requires="a14">
-          <p:sp>
-            <p:nvSpPr>
-              <p:cNvPr id="25" name="TextBox 24">
-                <a:extLst>
-                  <a:ext uri="{FF2B5EF4-FFF2-40B4-BE49-F238E27FC236}">
-                    <a16:creationId xmlns:a16="http://schemas.microsoft.com/office/drawing/2014/main" id="{17163C2C-ABBF-3700-264D-E93F94C0B106}"/>
-                  </a:ext>
-                </a:extLst>
-              </p:cNvPr>
-              <p:cNvSpPr txBox="1"/>
-              <p:nvPr/>
-            </p:nvSpPr>
-            <p:spPr>
-              <a:xfrm>
-                <a:off x="2869319" y="1046776"/>
-                <a:ext cx="1237130" cy="369332"/>
-              </a:xfrm>
-              <a:prstGeom prst="rect">
-                <a:avLst/>
-              </a:prstGeom>
-              <a:noFill/>
-            </p:spPr>
-            <p:txBody>
-              <a:bodyPr wrap="square" rtlCol="0">
-                <a:spAutoFit/>
-              </a:bodyPr>
-              <a:lstStyle/>
-              <a:p>
-                <a:pPr/>
-                <a14:m>
-                  <m:oMathPara xmlns:m="http://schemas.openxmlformats.org/officeDocument/2006/math">
-                    <m:oMathParaPr>
-                      <m:jc m:val="centerGroup"/>
-                    </m:oMathParaPr>
-                    <m:oMath xmlns:m="http://schemas.openxmlformats.org/officeDocument/2006/math">
-                      <m:r>
-                        <a:rPr lang="en-US" b="0" i="1" smtClean="0">
-                          <a:latin typeface="Cambria Math" panose="02040503050406030204" pitchFamily="18" charset="0"/>
-                        </a:rPr>
-                        <m:t>𝜎</m:t>
-                      </m:r>
-                      <m:r>
-                        <a:rPr lang="en-US" b="0" i="1" smtClean="0">
-                          <a:latin typeface="Cambria Math" panose="02040503050406030204" pitchFamily="18" charset="0"/>
-                        </a:rPr>
-                        <m:t>=0.005</m:t>
-                      </m:r>
-                    </m:oMath>
-                  </m:oMathPara>
-                </a14:m>
-                <a:endParaRPr lang="en-US" dirty="0"/>
-              </a:p>
-            </p:txBody>
-          </p:sp>
-        </mc:Choice>
-        <mc:Fallback xmlns="">
-          <p:sp>
-            <p:nvSpPr>
-              <p:cNvPr id="25" name="TextBox 24">
-                <a:extLst>
-                  <a:ext uri="{FF2B5EF4-FFF2-40B4-BE49-F238E27FC236}">
-                    <a16:creationId xmlns:a16="http://schemas.microsoft.com/office/drawing/2014/main" id="{17163C2C-ABBF-3700-264D-E93F94C0B106}"/>
-                  </a:ext>
-                </a:extLst>
-              </p:cNvPr>
-              <p:cNvSpPr txBox="1">
-                <a:spLocks noRot="1" noChangeAspect="1" noMove="1" noResize="1" noEditPoints="1" noAdjustHandles="1" noChangeArrowheads="1" noChangeShapeType="1" noTextEdit="1"/>
-              </p:cNvSpPr>
-              <p:nvPr/>
-            </p:nvSpPr>
-            <p:spPr>
-              <a:xfrm>
-                <a:off x="2869319" y="1046776"/>
-                <a:ext cx="1237130" cy="369332"/>
-              </a:xfrm>
-              <a:prstGeom prst="rect">
-                <a:avLst/>
-              </a:prstGeom>
-              <a:blipFill>
-                <a:blip r:embed="rId8"/>
-                <a:stretch>
-                  <a:fillRect/>
-                </a:stretch>
-              </a:blipFill>
-            </p:spPr>
-            <p:txBody>
-              <a:bodyPr/>
-              <a:lstStyle/>
-              <a:p>
-                <a:r>
-                  <a:rPr lang="en-US">
-                    <a:noFill/>
-                  </a:rPr>
-                  <a:t> </a:t>
-                </a:r>
-              </a:p>
-            </p:txBody>
-          </p:sp>
-        </mc:Fallback>
-      </mc:AlternateContent>
-      <p:pic>
-        <p:nvPicPr>
-          <p:cNvPr id="14" name="Picture 13">
-            <a:extLst>
-              <a:ext uri="{FF2B5EF4-FFF2-40B4-BE49-F238E27FC236}">
-                <a16:creationId xmlns:a16="http://schemas.microsoft.com/office/drawing/2014/main" id="{463AE8D8-A25D-2F6A-66E7-9FC8C6D38268}"/>
-              </a:ext>
-            </a:extLst>
-          </p:cNvPr>
-          <p:cNvPicPr>
-            <a:picLocks noChangeAspect="1"/>
-          </p:cNvPicPr>
-          <p:nvPr/>
-        </p:nvPicPr>
-        <p:blipFill>
-          <a:blip r:embed="rId9"/>
-          <a:stretch>
-            <a:fillRect/>
-          </a:stretch>
-        </p:blipFill>
-        <p:spPr>
-          <a:xfrm>
-            <a:off x="2304770" y="1649226"/>
-            <a:ext cx="2241904" cy="2267822"/>
-          </a:xfrm>
-          <a:prstGeom prst="rect">
-            <a:avLst/>
-          </a:prstGeom>
-        </p:spPr>
-      </p:pic>
-      <mc:AlternateContent xmlns:mc="http://schemas.openxmlformats.org/markup-compatibility/2006" xmlns:a14="http://schemas.microsoft.com/office/drawing/2010/main">
-        <mc:Choice Requires="a14">
-          <p:sp>
-            <p:nvSpPr>
-              <p:cNvPr id="2" name="TextBox 1">
-                <a:extLst>
-                  <a:ext uri="{FF2B5EF4-FFF2-40B4-BE49-F238E27FC236}">
-                    <a16:creationId xmlns:a16="http://schemas.microsoft.com/office/drawing/2014/main" id="{B9C2C58B-2EA2-57C1-7C14-96F4B863A27F}"/>
-                  </a:ext>
-                </a:extLst>
-              </p:cNvPr>
-              <p:cNvSpPr txBox="1"/>
-              <p:nvPr/>
-            </p:nvSpPr>
-            <p:spPr>
-              <a:xfrm>
-                <a:off x="408832" y="2361751"/>
-                <a:ext cx="1237130" cy="369332"/>
-              </a:xfrm>
-              <a:prstGeom prst="rect">
-                <a:avLst/>
-              </a:prstGeom>
-              <a:noFill/>
-            </p:spPr>
-            <p:txBody>
-              <a:bodyPr wrap="square" rtlCol="0">
-                <a:spAutoFit/>
-              </a:bodyPr>
-              <a:lstStyle/>
-              <a:p>
-                <a:pPr/>
-                <a14:m>
-                  <m:oMathPara xmlns:m="http://schemas.openxmlformats.org/officeDocument/2006/math">
-                    <m:oMathParaPr>
-                      <m:jc m:val="centerGroup"/>
-                    </m:oMathParaPr>
-                    <m:oMath xmlns:m="http://schemas.openxmlformats.org/officeDocument/2006/math">
-                      <m:r>
-                        <a:rPr lang="en-US" b="0" i="1" smtClean="0">
-                          <a:latin typeface="Cambria Math" panose="02040503050406030204" pitchFamily="18" charset="0"/>
-                        </a:rPr>
-                        <m:t>𝛼</m:t>
-                      </m:r>
-                      <m:r>
-                        <a:rPr lang="en-US" b="0" i="1" smtClean="0">
-                          <a:latin typeface="Cambria Math" panose="02040503050406030204" pitchFamily="18" charset="0"/>
-                        </a:rPr>
-                        <m:t>=0.30</m:t>
-                      </m:r>
-                    </m:oMath>
-                  </m:oMathPara>
-                </a14:m>
-                <a:endParaRPr lang="en-US" dirty="0"/>
-              </a:p>
-            </p:txBody>
-          </p:sp>
-        </mc:Choice>
-        <mc:Fallback xmlns="">
-          <p:sp>
-            <p:nvSpPr>
-              <p:cNvPr id="2" name="TextBox 1">
-                <a:extLst>
-                  <a:ext uri="{FF2B5EF4-FFF2-40B4-BE49-F238E27FC236}">
-                    <a16:creationId xmlns:a16="http://schemas.microsoft.com/office/drawing/2014/main" id="{B9C2C58B-2EA2-57C1-7C14-96F4B863A27F}"/>
-                  </a:ext>
-                </a:extLst>
-              </p:cNvPr>
-              <p:cNvSpPr txBox="1">
-                <a:spLocks noRot="1" noChangeAspect="1" noMove="1" noResize="1" noEditPoints="1" noAdjustHandles="1" noChangeArrowheads="1" noChangeShapeType="1" noTextEdit="1"/>
-              </p:cNvSpPr>
-              <p:nvPr/>
-            </p:nvSpPr>
-            <p:spPr>
-              <a:xfrm>
-                <a:off x="408832" y="2361751"/>
-                <a:ext cx="1237130" cy="369332"/>
-              </a:xfrm>
-              <a:prstGeom prst="rect">
-                <a:avLst/>
-              </a:prstGeom>
-              <a:blipFill>
-                <a:blip r:embed="rId10"/>
-                <a:stretch>
-                  <a:fillRect/>
-                </a:stretch>
-              </a:blipFill>
-            </p:spPr>
-            <p:txBody>
-              <a:bodyPr/>
-              <a:lstStyle/>
-              <a:p>
-                <a:r>
-                  <a:rPr lang="en-US">
-                    <a:noFill/>
-                  </a:rPr>
-                  <a:t> </a:t>
-                </a:r>
-              </a:p>
-            </p:txBody>
-          </p:sp>
-        </mc:Fallback>
-      </mc:AlternateContent>
-      <mc:AlternateContent xmlns:mc="http://schemas.openxmlformats.org/markup-compatibility/2006" xmlns:a14="http://schemas.microsoft.com/office/drawing/2010/main">
-        <mc:Choice Requires="a14">
-          <p:sp>
-            <p:nvSpPr>
-              <p:cNvPr id="4" name="TextBox 3">
-                <a:extLst>
-                  <a:ext uri="{FF2B5EF4-FFF2-40B4-BE49-F238E27FC236}">
-                    <a16:creationId xmlns:a16="http://schemas.microsoft.com/office/drawing/2014/main" id="{A0E8D332-9447-B68E-8BCA-2DEB88A8A955}"/>
-                  </a:ext>
-                </a:extLst>
-              </p:cNvPr>
-              <p:cNvSpPr txBox="1"/>
-              <p:nvPr/>
-            </p:nvSpPr>
-            <p:spPr>
-              <a:xfrm>
-                <a:off x="420229" y="5083815"/>
-                <a:ext cx="1237130" cy="369332"/>
-              </a:xfrm>
-              <a:prstGeom prst="rect">
-                <a:avLst/>
-              </a:prstGeom>
-              <a:noFill/>
-            </p:spPr>
-            <p:txBody>
-              <a:bodyPr wrap="square" rtlCol="0">
-                <a:spAutoFit/>
-              </a:bodyPr>
-              <a:lstStyle/>
-              <a:p>
-                <a:pPr/>
-                <a14:m>
-                  <m:oMathPara xmlns:m="http://schemas.openxmlformats.org/officeDocument/2006/math">
-                    <m:oMathParaPr>
-                      <m:jc m:val="centerGroup"/>
-                    </m:oMathParaPr>
-                    <m:oMath xmlns:m="http://schemas.openxmlformats.org/officeDocument/2006/math">
-                      <m:r>
-                        <a:rPr lang="en-US" b="0" i="1" smtClean="0">
-                          <a:latin typeface="Cambria Math" panose="02040503050406030204" pitchFamily="18" charset="0"/>
-                        </a:rPr>
-                        <m:t>𝛼</m:t>
-                      </m:r>
-                      <m:r>
-                        <a:rPr lang="en-US" b="0" i="1" smtClean="0">
-                          <a:latin typeface="Cambria Math" panose="02040503050406030204" pitchFamily="18" charset="0"/>
-                        </a:rPr>
-                        <m:t>=0.30</m:t>
-                      </m:r>
-                    </m:oMath>
-                  </m:oMathPara>
-                </a14:m>
-                <a:endParaRPr lang="en-US" dirty="0"/>
-              </a:p>
-            </p:txBody>
-          </p:sp>
-        </mc:Choice>
-        <mc:Fallback xmlns="">
-          <p:sp>
-            <p:nvSpPr>
-              <p:cNvPr id="4" name="TextBox 3">
-                <a:extLst>
-                  <a:ext uri="{FF2B5EF4-FFF2-40B4-BE49-F238E27FC236}">
-                    <a16:creationId xmlns:a16="http://schemas.microsoft.com/office/drawing/2014/main" id="{A0E8D332-9447-B68E-8BCA-2DEB88A8A955}"/>
-                  </a:ext>
-                </a:extLst>
-              </p:cNvPr>
-              <p:cNvSpPr txBox="1">
-                <a:spLocks noRot="1" noChangeAspect="1" noMove="1" noResize="1" noEditPoints="1" noAdjustHandles="1" noChangeArrowheads="1" noChangeShapeType="1" noTextEdit="1"/>
-              </p:cNvSpPr>
-              <p:nvPr/>
-            </p:nvSpPr>
-            <p:spPr>
-              <a:xfrm>
-                <a:off x="420229" y="5083815"/>
-                <a:ext cx="1237130" cy="369332"/>
-              </a:xfrm>
-              <a:prstGeom prst="rect">
-                <a:avLst/>
-              </a:prstGeom>
-              <a:blipFill>
-                <a:blip r:embed="rId11"/>
-                <a:stretch>
-                  <a:fillRect/>
-                </a:stretch>
-              </a:blipFill>
-            </p:spPr>
-            <p:txBody>
-              <a:bodyPr/>
-              <a:lstStyle/>
-              <a:p>
-                <a:r>
-                  <a:rPr lang="en-US">
-                    <a:noFill/>
-                  </a:rPr>
-                  <a:t> </a:t>
-                </a:r>
-              </a:p>
-            </p:txBody>
-          </p:sp>
-        </mc:Fallback>
-      </mc:AlternateContent>
-      <p:pic>
-        <p:nvPicPr>
-          <p:cNvPr id="13" name="Picture 12">
-            <a:extLst>
-              <a:ext uri="{FF2B5EF4-FFF2-40B4-BE49-F238E27FC236}">
-                <a16:creationId xmlns:a16="http://schemas.microsoft.com/office/drawing/2014/main" id="{6CBCB119-DA00-0004-1E90-1B18751DDA58}"/>
-              </a:ext>
-            </a:extLst>
-          </p:cNvPr>
-          <p:cNvPicPr>
-            <a:picLocks noChangeAspect="1"/>
-          </p:cNvPicPr>
-          <p:nvPr/>
-        </p:nvPicPr>
-        <p:blipFill>
-          <a:blip r:embed="rId12"/>
-          <a:stretch>
-            <a:fillRect/>
-          </a:stretch>
-        </p:blipFill>
-        <p:spPr>
-          <a:xfrm>
-            <a:off x="2560698" y="4580593"/>
-            <a:ext cx="1855254" cy="1888622"/>
-          </a:xfrm>
-          <a:prstGeom prst="rect">
-            <a:avLst/>
-          </a:prstGeom>
-        </p:spPr>
-      </p:pic>
-      <p:pic>
-        <p:nvPicPr>
-          <p:cNvPr id="16" name="Picture 15">
-            <a:extLst>
-              <a:ext uri="{FF2B5EF4-FFF2-40B4-BE49-F238E27FC236}">
-                <a16:creationId xmlns:a16="http://schemas.microsoft.com/office/drawing/2014/main" id="{50E0323C-CB9B-EC90-6057-7099214F5509}"/>
-              </a:ext>
-            </a:extLst>
-          </p:cNvPr>
-          <p:cNvPicPr>
-            <a:picLocks noChangeAspect="1"/>
-          </p:cNvPicPr>
-          <p:nvPr/>
-        </p:nvPicPr>
-        <p:blipFill>
-          <a:blip r:embed="rId13"/>
-          <a:stretch>
-            <a:fillRect/>
-          </a:stretch>
-        </p:blipFill>
-        <p:spPr>
-          <a:xfrm>
-            <a:off x="5609194" y="4624293"/>
-            <a:ext cx="1734343" cy="1844922"/>
-          </a:xfrm>
-          <a:prstGeom prst="rect">
-            <a:avLst/>
-          </a:prstGeom>
-        </p:spPr>
-      </p:pic>
-      <mc:AlternateContent xmlns:mc="http://schemas.openxmlformats.org/markup-compatibility/2006" xmlns:a14="http://schemas.microsoft.com/office/drawing/2010/main">
-        <mc:Choice Requires="a14">
-          <p:sp>
-            <p:nvSpPr>
-              <p:cNvPr id="18" name="TextBox 17">
-                <a:extLst>
-                  <a:ext uri="{FF2B5EF4-FFF2-40B4-BE49-F238E27FC236}">
-                    <a16:creationId xmlns:a16="http://schemas.microsoft.com/office/drawing/2014/main" id="{9091535F-74A0-48B2-75AA-E8D6327EB23C}"/>
-                  </a:ext>
-                </a:extLst>
-              </p:cNvPr>
-              <p:cNvSpPr txBox="1"/>
-              <p:nvPr/>
-            </p:nvSpPr>
-            <p:spPr>
-              <a:xfrm>
-                <a:off x="2928701" y="4288886"/>
-                <a:ext cx="1237130" cy="369332"/>
-              </a:xfrm>
-              <a:prstGeom prst="rect">
-                <a:avLst/>
-              </a:prstGeom>
-              <a:noFill/>
-            </p:spPr>
-            <p:txBody>
-              <a:bodyPr wrap="square" rtlCol="0">
-                <a:spAutoFit/>
-              </a:bodyPr>
-              <a:lstStyle/>
-              <a:p>
-                <a:pPr/>
-                <a14:m>
-                  <m:oMathPara xmlns:m="http://schemas.openxmlformats.org/officeDocument/2006/math">
-                    <m:oMathParaPr>
-                      <m:jc m:val="centerGroup"/>
-                    </m:oMathParaPr>
-                    <m:oMath xmlns:m="http://schemas.openxmlformats.org/officeDocument/2006/math">
-                      <m:r>
-                        <a:rPr lang="en-US" b="0" i="1" smtClean="0">
-                          <a:latin typeface="Cambria Math" panose="02040503050406030204" pitchFamily="18" charset="0"/>
-                        </a:rPr>
-                        <m:t>𝜎</m:t>
-                      </m:r>
-                      <m:r>
-                        <a:rPr lang="en-US" b="0" i="1" smtClean="0">
-                          <a:latin typeface="Cambria Math" panose="02040503050406030204" pitchFamily="18" charset="0"/>
-                        </a:rPr>
-                        <m:t>=0.003</m:t>
-                      </m:r>
-                    </m:oMath>
-                  </m:oMathPara>
-                </a14:m>
-                <a:endParaRPr lang="en-US" dirty="0"/>
-              </a:p>
-            </p:txBody>
-          </p:sp>
-        </mc:Choice>
-        <mc:Fallback xmlns="">
-          <p:sp>
-            <p:nvSpPr>
-              <p:cNvPr id="18" name="TextBox 17">
-                <a:extLst>
-                  <a:ext uri="{FF2B5EF4-FFF2-40B4-BE49-F238E27FC236}">
-                    <a16:creationId xmlns:a16="http://schemas.microsoft.com/office/drawing/2014/main" id="{9091535F-74A0-48B2-75AA-E8D6327EB23C}"/>
-                  </a:ext>
-                </a:extLst>
-              </p:cNvPr>
-              <p:cNvSpPr txBox="1">
-                <a:spLocks noRot="1" noChangeAspect="1" noMove="1" noResize="1" noEditPoints="1" noAdjustHandles="1" noChangeArrowheads="1" noChangeShapeType="1" noTextEdit="1"/>
-              </p:cNvSpPr>
-              <p:nvPr/>
-            </p:nvSpPr>
-            <p:spPr>
-              <a:xfrm>
-                <a:off x="2928701" y="4288886"/>
-                <a:ext cx="1237130" cy="369332"/>
-              </a:xfrm>
-              <a:prstGeom prst="rect">
-                <a:avLst/>
-              </a:prstGeom>
-              <a:blipFill>
-                <a:blip r:embed="rId14"/>
-                <a:stretch>
-                  <a:fillRect/>
-                </a:stretch>
-              </a:blipFill>
-            </p:spPr>
-            <p:txBody>
-              <a:bodyPr/>
-              <a:lstStyle/>
-              <a:p>
-                <a:r>
-                  <a:rPr lang="en-US">
-                    <a:noFill/>
-                  </a:rPr>
-                  <a:t> </a:t>
-                </a:r>
-              </a:p>
-            </p:txBody>
-          </p:sp>
-        </mc:Fallback>
-      </mc:AlternateContent>
-      <mc:AlternateContent xmlns:mc="http://schemas.openxmlformats.org/markup-compatibility/2006" xmlns:a14="http://schemas.microsoft.com/office/drawing/2010/main">
-        <mc:Choice Requires="a14">
-          <p:sp>
-            <p:nvSpPr>
-              <p:cNvPr id="21" name="TextBox 20">
-                <a:extLst>
-                  <a:ext uri="{FF2B5EF4-FFF2-40B4-BE49-F238E27FC236}">
-                    <a16:creationId xmlns:a16="http://schemas.microsoft.com/office/drawing/2014/main" id="{C38BC33F-97A7-8471-28E1-1E9D05C8C55F}"/>
-                  </a:ext>
-                </a:extLst>
-              </p:cNvPr>
-              <p:cNvSpPr txBox="1"/>
-              <p:nvPr/>
-            </p:nvSpPr>
-            <p:spPr>
-              <a:xfrm>
-                <a:off x="5857800" y="4254961"/>
-                <a:ext cx="1237130" cy="369332"/>
-              </a:xfrm>
-              <a:prstGeom prst="rect">
-                <a:avLst/>
-              </a:prstGeom>
-              <a:noFill/>
-            </p:spPr>
-            <p:txBody>
-              <a:bodyPr wrap="square" rtlCol="0">
-                <a:spAutoFit/>
-              </a:bodyPr>
-              <a:lstStyle/>
-              <a:p>
-                <a:pPr/>
-                <a14:m>
-                  <m:oMathPara xmlns:m="http://schemas.openxmlformats.org/officeDocument/2006/math">
-                    <m:oMathParaPr>
-                      <m:jc m:val="centerGroup"/>
-                    </m:oMathParaPr>
-                    <m:oMath xmlns:m="http://schemas.openxmlformats.org/officeDocument/2006/math">
-                      <m:r>
-                        <a:rPr lang="en-US" b="0" i="1" smtClean="0">
-                          <a:latin typeface="Cambria Math" panose="02040503050406030204" pitchFamily="18" charset="0"/>
-                        </a:rPr>
-                        <m:t>𝜎</m:t>
-                      </m:r>
-                      <m:r>
-                        <a:rPr lang="en-US" b="0" i="1" smtClean="0">
-                          <a:latin typeface="Cambria Math" panose="02040503050406030204" pitchFamily="18" charset="0"/>
-                        </a:rPr>
-                        <m:t>=0.005</m:t>
-                      </m:r>
-                    </m:oMath>
-                  </m:oMathPara>
-                </a14:m>
-                <a:endParaRPr lang="en-US" dirty="0"/>
-              </a:p>
-            </p:txBody>
-          </p:sp>
-        </mc:Choice>
-        <mc:Fallback xmlns="">
-          <p:sp>
-            <p:nvSpPr>
-              <p:cNvPr id="21" name="TextBox 20">
-                <a:extLst>
-                  <a:ext uri="{FF2B5EF4-FFF2-40B4-BE49-F238E27FC236}">
-                    <a16:creationId xmlns:a16="http://schemas.microsoft.com/office/drawing/2014/main" id="{C38BC33F-97A7-8471-28E1-1E9D05C8C55F}"/>
-                  </a:ext>
-                </a:extLst>
-              </p:cNvPr>
-              <p:cNvSpPr txBox="1">
-                <a:spLocks noRot="1" noChangeAspect="1" noMove="1" noResize="1" noEditPoints="1" noAdjustHandles="1" noChangeArrowheads="1" noChangeShapeType="1" noTextEdit="1"/>
-              </p:cNvSpPr>
-              <p:nvPr/>
-            </p:nvSpPr>
-            <p:spPr>
-              <a:xfrm>
-                <a:off x="5857800" y="4254961"/>
-                <a:ext cx="1237130" cy="369332"/>
-              </a:xfrm>
-              <a:prstGeom prst="rect">
-                <a:avLst/>
-              </a:prstGeom>
-              <a:blipFill>
-                <a:blip r:embed="rId15"/>
-                <a:stretch>
-                  <a:fillRect/>
-                </a:stretch>
-              </a:blipFill>
-            </p:spPr>
-            <p:txBody>
-              <a:bodyPr/>
-              <a:lstStyle/>
-              <a:p>
-                <a:r>
-                  <a:rPr lang="en-US">
-                    <a:noFill/>
-                  </a:rPr>
-                  <a:t> </a:t>
-                </a:r>
-              </a:p>
-            </p:txBody>
-          </p:sp>
-        </mc:Fallback>
-      </mc:AlternateContent>
-      <p:pic>
-        <p:nvPicPr>
-          <p:cNvPr id="22" name="Picture 8">
-            <a:extLst>
-              <a:ext uri="{FF2B5EF4-FFF2-40B4-BE49-F238E27FC236}">
-                <a16:creationId xmlns:a16="http://schemas.microsoft.com/office/drawing/2014/main" id="{6850F643-A1B2-613F-293B-317188DA3DCC}"/>
-              </a:ext>
-            </a:extLst>
-          </p:cNvPr>
-          <p:cNvPicPr>
-            <a:picLocks noChangeAspect="1" noChangeArrowheads="1"/>
-          </p:cNvPicPr>
-          <p:nvPr/>
-        </p:nvPicPr>
-        <p:blipFill>
-          <a:blip r:embed="rId16">
-            <a:extLst>
-              <a:ext uri="{28A0092B-C50C-407E-A947-70E740481C1C}">
-                <a14:useLocalDpi xmlns:a14="http://schemas.microsoft.com/office/drawing/2010/main" val="0"/>
-              </a:ext>
-            </a:extLst>
-          </a:blip>
-          <a:srcRect/>
-          <a:stretch>
-            <a:fillRect/>
-          </a:stretch>
-        </p:blipFill>
-        <p:spPr bwMode="auto">
-          <a:xfrm>
-            <a:off x="8218621" y="4775954"/>
-            <a:ext cx="2532627" cy="1541599"/>
-          </a:xfrm>
-          <a:prstGeom prst="rect">
-            <a:avLst/>
-          </a:prstGeom>
-          <a:noFill/>
-          <a:extLst>
-            <a:ext uri="{909E8E84-426E-40DD-AFC4-6F175D3DCCD1}">
-              <a14:hiddenFill xmlns:a14="http://schemas.microsoft.com/office/drawing/2010/main">
-                <a:solidFill>
-                  <a:srgbClr val="FFFFFF"/>
-                </a:solidFill>
-              </a14:hiddenFill>
-            </a:ext>
-          </a:extLst>
-        </p:spPr>
-      </p:pic>
-      <mc:AlternateContent xmlns:mc="http://schemas.openxmlformats.org/markup-compatibility/2006" xmlns:a14="http://schemas.microsoft.com/office/drawing/2010/main">
-        <mc:Choice Requires="a14">
-          <p:sp>
-            <p:nvSpPr>
-              <p:cNvPr id="23" name="TextBox 22">
-                <a:extLst>
-                  <a:ext uri="{FF2B5EF4-FFF2-40B4-BE49-F238E27FC236}">
-                    <a16:creationId xmlns:a16="http://schemas.microsoft.com/office/drawing/2014/main" id="{FAEAB309-1955-2AD4-A24F-8C624DFE26AC}"/>
-                  </a:ext>
-                </a:extLst>
-              </p:cNvPr>
-              <p:cNvSpPr txBox="1"/>
-              <p:nvPr/>
-            </p:nvSpPr>
-            <p:spPr>
-              <a:xfrm>
-                <a:off x="8785385" y="4254961"/>
-                <a:ext cx="1237130" cy="369332"/>
-              </a:xfrm>
-              <a:prstGeom prst="rect">
-                <a:avLst/>
-              </a:prstGeom>
-              <a:noFill/>
-            </p:spPr>
-            <p:txBody>
-              <a:bodyPr wrap="square" rtlCol="0">
-                <a:spAutoFit/>
-              </a:bodyPr>
-              <a:lstStyle/>
-              <a:p>
-                <a:pPr/>
-                <a14:m>
-                  <m:oMathPara xmlns:m="http://schemas.openxmlformats.org/officeDocument/2006/math">
-                    <m:oMathParaPr>
-                      <m:jc m:val="centerGroup"/>
-                    </m:oMathParaPr>
-                    <m:oMath xmlns:m="http://schemas.openxmlformats.org/officeDocument/2006/math">
-                      <m:r>
-                        <a:rPr lang="en-US" b="0" i="1" smtClean="0">
-                          <a:latin typeface="Cambria Math" panose="02040503050406030204" pitchFamily="18" charset="0"/>
-                        </a:rPr>
-                        <m:t>𝜎</m:t>
-                      </m:r>
-                      <m:r>
-                        <a:rPr lang="en-US" b="0" i="1" smtClean="0">
-                          <a:latin typeface="Cambria Math" panose="02040503050406030204" pitchFamily="18" charset="0"/>
-                        </a:rPr>
-                        <m:t>=0.007</m:t>
-                      </m:r>
-                    </m:oMath>
-                  </m:oMathPara>
-                </a14:m>
-                <a:endParaRPr lang="en-US" dirty="0"/>
-              </a:p>
-            </p:txBody>
-          </p:sp>
-        </mc:Choice>
-        <mc:Fallback xmlns="">
-          <p:sp>
-            <p:nvSpPr>
-              <p:cNvPr id="23" name="TextBox 22">
-                <a:extLst>
-                  <a:ext uri="{FF2B5EF4-FFF2-40B4-BE49-F238E27FC236}">
-                    <a16:creationId xmlns:a16="http://schemas.microsoft.com/office/drawing/2014/main" id="{FAEAB309-1955-2AD4-A24F-8C624DFE26AC}"/>
-                  </a:ext>
-                </a:extLst>
-              </p:cNvPr>
-              <p:cNvSpPr txBox="1">
-                <a:spLocks noRot="1" noChangeAspect="1" noMove="1" noResize="1" noEditPoints="1" noAdjustHandles="1" noChangeArrowheads="1" noChangeShapeType="1" noTextEdit="1"/>
-              </p:cNvSpPr>
-              <p:nvPr/>
-            </p:nvSpPr>
-            <p:spPr>
-              <a:xfrm>
-                <a:off x="8785385" y="4254961"/>
-                <a:ext cx="1237130" cy="369332"/>
-              </a:xfrm>
-              <a:prstGeom prst="rect">
-                <a:avLst/>
-              </a:prstGeom>
-              <a:blipFill>
-                <a:blip r:embed="rId17"/>
-                <a:stretch>
-                  <a:fillRect/>
-                </a:stretch>
-              </a:blipFill>
-            </p:spPr>
-            <p:txBody>
-              <a:bodyPr/>
-              <a:lstStyle/>
-              <a:p>
-                <a:r>
-                  <a:rPr lang="en-US">
-                    <a:noFill/>
-                  </a:rPr>
-                  <a:t> </a:t>
-                </a:r>
-              </a:p>
-            </p:txBody>
-          </p:sp>
-        </mc:Fallback>
-      </mc:AlternateContent>
-      <p:sp>
-        <p:nvSpPr>
-          <p:cNvPr id="24" name="TextBox 23">
-            <a:extLst>
-              <a:ext uri="{FF2B5EF4-FFF2-40B4-BE49-F238E27FC236}">
-                <a16:creationId xmlns:a16="http://schemas.microsoft.com/office/drawing/2014/main" id="{118AD73A-29D8-9658-CF28-60A4E5F0FF95}"/>
-              </a:ext>
-            </a:extLst>
-          </p:cNvPr>
-          <p:cNvSpPr txBox="1"/>
-          <p:nvPr/>
-        </p:nvSpPr>
-        <p:spPr>
-          <a:xfrm>
-            <a:off x="2164705" y="6469215"/>
-            <a:ext cx="2765121" cy="369332"/>
-          </a:xfrm>
-          <a:prstGeom prst="rect">
-            <a:avLst/>
-          </a:prstGeom>
-          <a:noFill/>
-        </p:spPr>
-        <p:txBody>
-          <a:bodyPr wrap="square" rtlCol="0">
-            <a:spAutoFit/>
-          </a:bodyPr>
-          <a:lstStyle/>
-          <a:p>
-            <a:pPr algn="ctr"/>
-            <a:r>
-              <a:rPr lang="en-US" dirty="0"/>
-              <a:t>Need to finalize</a:t>
-            </a:r>
-          </a:p>
-        </p:txBody>
-      </p:sp>
-      <p:sp>
-        <p:nvSpPr>
-          <p:cNvPr id="26" name="TextBox 25">
-            <a:extLst>
-              <a:ext uri="{FF2B5EF4-FFF2-40B4-BE49-F238E27FC236}">
-                <a16:creationId xmlns:a16="http://schemas.microsoft.com/office/drawing/2014/main" id="{77571A9F-472D-6AD1-E0E3-F404C99DEE6C}"/>
-              </a:ext>
-            </a:extLst>
-          </p:cNvPr>
-          <p:cNvSpPr txBox="1"/>
-          <p:nvPr/>
-        </p:nvSpPr>
-        <p:spPr>
-          <a:xfrm>
-            <a:off x="2276064" y="3644835"/>
-            <a:ext cx="2765121" cy="369332"/>
-          </a:xfrm>
-          <a:prstGeom prst="rect">
-            <a:avLst/>
-          </a:prstGeom>
-          <a:noFill/>
-        </p:spPr>
-        <p:txBody>
-          <a:bodyPr wrap="square" rtlCol="0">
-            <a:spAutoFit/>
-          </a:bodyPr>
-          <a:lstStyle/>
-          <a:p>
-            <a:pPr algn="ctr"/>
-            <a:r>
-              <a:rPr lang="en-US" dirty="0"/>
-              <a:t>Need to finalize</a:t>
-            </a:r>
-          </a:p>
-        </p:txBody>
-      </p:sp>
-      <p:sp>
-        <p:nvSpPr>
-          <p:cNvPr id="27" name="TextBox 26">
-            <a:extLst>
-              <a:ext uri="{FF2B5EF4-FFF2-40B4-BE49-F238E27FC236}">
-                <a16:creationId xmlns:a16="http://schemas.microsoft.com/office/drawing/2014/main" id="{57F05824-3CFA-F24E-5403-43CF55B3CE0F}"/>
-              </a:ext>
-            </a:extLst>
-          </p:cNvPr>
-          <p:cNvSpPr txBox="1"/>
-          <p:nvPr/>
-        </p:nvSpPr>
-        <p:spPr>
-          <a:xfrm>
-            <a:off x="4385696" y="3623973"/>
-            <a:ext cx="2765121" cy="369332"/>
-          </a:xfrm>
-          <a:prstGeom prst="rect">
-            <a:avLst/>
-          </a:prstGeom>
-          <a:noFill/>
-        </p:spPr>
-        <p:txBody>
-          <a:bodyPr wrap="square" rtlCol="0">
-            <a:spAutoFit/>
-          </a:bodyPr>
-          <a:lstStyle/>
-          <a:p>
-            <a:pPr algn="ctr"/>
-            <a:r>
-              <a:rPr lang="en-US" dirty="0"/>
-              <a:t>Need to finalize</a:t>
-            </a:r>
-          </a:p>
-        </p:txBody>
-      </p:sp>
-    </p:spTree>
-    <p:extLst>
-      <p:ext uri="{BB962C8B-B14F-4D97-AF65-F5344CB8AC3E}">
-        <p14:creationId xmlns:p14="http://schemas.microsoft.com/office/powerpoint/2010/main" val="3780479476"/>
-      </p:ext>
-    </p:extLst>
-  </p:cSld>
-  <p:clrMapOvr>
-    <a:masterClrMapping/>
-  </p:clrMapOvr>
-</p:sld>
-</file>
-
-<file path=ppt/slides/slide4.xml><?xml version="1.0" encoding="utf-8"?>
 <p:sld xmlns:a="http://schemas.openxmlformats.org/drawingml/2006/main" xmlns:r="http://schemas.openxmlformats.org/officeDocument/2006/relationships" xmlns:p="http://schemas.openxmlformats.org/presentationml/2006/main">
   <p:cSld>
     <p:spTree>
@@ -7039,6 +5695,137 @@
           </a:p>
         </p:txBody>
       </p:sp>
+      <mc:AlternateContent xmlns:mc="http://schemas.openxmlformats.org/markup-compatibility/2006">
+        <mc:Choice xmlns:a14="http://schemas.microsoft.com/office/drawing/2010/main" Requires="a14">
+          <p:sp>
+            <p:nvSpPr>
+              <p:cNvPr id="29" name="TextBox 28">
+                <a:extLst>
+                  <a:ext uri="{FF2B5EF4-FFF2-40B4-BE49-F238E27FC236}">
+                    <a16:creationId xmlns:a16="http://schemas.microsoft.com/office/drawing/2014/main" id="{A75273AA-5F01-EE4A-351D-256874E42FF9}"/>
+                  </a:ext>
+                </a:extLst>
+              </p:cNvPr>
+              <p:cNvSpPr txBox="1"/>
+              <p:nvPr/>
+            </p:nvSpPr>
+            <p:spPr>
+              <a:xfrm>
+                <a:off x="9060053" y="3161101"/>
+                <a:ext cx="1318040" cy="369332"/>
+              </a:xfrm>
+              <a:prstGeom prst="rect">
+                <a:avLst/>
+              </a:prstGeom>
+              <a:noFill/>
+            </p:spPr>
+            <p:txBody>
+              <a:bodyPr wrap="square" rtlCol="0">
+                <a:spAutoFit/>
+              </a:bodyPr>
+              <a:lstStyle/>
+              <a:p>
+                <a14:m>
+                  <m:oMathPara xmlns:m="http://schemas.openxmlformats.org/officeDocument/2006/math">
+                    <m:oMathParaPr>
+                      <m:jc m:val="centerGroup"/>
+                    </m:oMathParaPr>
+                    <m:oMath xmlns:m="http://schemas.openxmlformats.org/officeDocument/2006/math">
+                      <m:r>
+                        <a:rPr lang="en-US" b="0" i="1" smtClean="0">
+                          <a:latin typeface="Cambria Math" panose="02040503050406030204" pitchFamily="18" charset="0"/>
+                        </a:rPr>
+                        <m:t>𝜎</m:t>
+                      </m:r>
+                      <m:r>
+                        <a:rPr lang="en-US" b="0" i="1" smtClean="0">
+                          <a:latin typeface="Cambria Math" panose="02040503050406030204" pitchFamily="18" charset="0"/>
+                        </a:rPr>
+                        <m:t>=0.050</m:t>
+                      </m:r>
+                    </m:oMath>
+                  </m:oMathPara>
+                </a14:m>
+                <a:endParaRPr lang="en-US" dirty="0"/>
+              </a:p>
+            </p:txBody>
+          </p:sp>
+        </mc:Choice>
+        <mc:Fallback>
+          <p:sp>
+            <p:nvSpPr>
+              <p:cNvPr id="29" name="TextBox 28">
+                <a:extLst>
+                  <a:ext uri="{FF2B5EF4-FFF2-40B4-BE49-F238E27FC236}">
+                    <a16:creationId xmlns:a16="http://schemas.microsoft.com/office/drawing/2014/main" id="{A75273AA-5F01-EE4A-351D-256874E42FF9}"/>
+                  </a:ext>
+                </a:extLst>
+              </p:cNvPr>
+              <p:cNvSpPr txBox="1">
+                <a:spLocks noRot="1" noChangeAspect="1" noMove="1" noResize="1" noEditPoints="1" noAdjustHandles="1" noChangeArrowheads="1" noChangeShapeType="1" noTextEdit="1"/>
+              </p:cNvSpPr>
+              <p:nvPr/>
+            </p:nvSpPr>
+            <p:spPr>
+              <a:xfrm>
+                <a:off x="9060053" y="3161101"/>
+                <a:ext cx="1318040" cy="369332"/>
+              </a:xfrm>
+              <a:prstGeom prst="rect">
+                <a:avLst/>
+              </a:prstGeom>
+              <a:blipFill>
+                <a:blip r:embed="rId22"/>
+                <a:stretch>
+                  <a:fillRect/>
+                </a:stretch>
+              </a:blipFill>
+            </p:spPr>
+            <p:txBody>
+              <a:bodyPr/>
+              <a:lstStyle/>
+              <a:p>
+                <a:r>
+                  <a:rPr lang="en-US">
+                    <a:noFill/>
+                  </a:rPr>
+                  <a:t> </a:t>
+                </a:r>
+              </a:p>
+            </p:txBody>
+          </p:sp>
+        </mc:Fallback>
+      </mc:AlternateContent>
+      <p:pic>
+        <p:nvPicPr>
+          <p:cNvPr id="32" name="Picture 31">
+            <a:extLst>
+              <a:ext uri="{FF2B5EF4-FFF2-40B4-BE49-F238E27FC236}">
+                <a16:creationId xmlns:a16="http://schemas.microsoft.com/office/drawing/2014/main" id="{328A0840-145B-181D-F614-09070D24940B}"/>
+              </a:ext>
+            </a:extLst>
+          </p:cNvPr>
+          <p:cNvPicPr>
+            <a:picLocks noChangeAspect="1"/>
+          </p:cNvPicPr>
+          <p:nvPr/>
+        </p:nvPicPr>
+        <p:blipFill>
+          <a:blip r:embed="rId23"/>
+          <a:stretch>
+            <a:fillRect/>
+          </a:stretch>
+        </p:blipFill>
+        <p:spPr>
+          <a:xfrm>
+            <a:off x="9197182" y="3530433"/>
+            <a:ext cx="1222853" cy="1504617"/>
+          </a:xfrm>
+          <a:prstGeom prst="rect">
+            <a:avLst/>
+          </a:prstGeom>
+        </p:spPr>
+      </p:pic>
     </p:spTree>
     <p:extLst>
       <p:ext uri="{BB962C8B-B14F-4D97-AF65-F5344CB8AC3E}">
@@ -7052,7 +5839,7 @@
 </p:sld>
 </file>
 
-<file path=ppt/slides/slide5.xml><?xml version="1.0" encoding="utf-8"?>
+<file path=ppt/slides/slide4.xml><?xml version="1.0" encoding="utf-8"?>
 <p:sld xmlns:a="http://schemas.openxmlformats.org/drawingml/2006/main" xmlns:r="http://schemas.openxmlformats.org/officeDocument/2006/relationships" xmlns:p="http://schemas.openxmlformats.org/presentationml/2006/main">
   <p:cSld>
     <p:spTree>
@@ -8452,7 +7239,7 @@
 </p:sld>
 </file>
 
-<file path=ppt/slides/slide6.xml><?xml version="1.0" encoding="utf-8"?>
+<file path=ppt/slides/slide5.xml><?xml version="1.0" encoding="utf-8"?>
 <p:sld xmlns:a="http://schemas.openxmlformats.org/drawingml/2006/main" xmlns:r="http://schemas.openxmlformats.org/officeDocument/2006/relationships" xmlns:p="http://schemas.openxmlformats.org/presentationml/2006/main">
   <p:cSld>
     <p:spTree>
@@ -8606,7 +7393,7 @@
 </p:sld>
 </file>
 
-<file path=ppt/slides/slide7.xml><?xml version="1.0" encoding="utf-8"?>
+<file path=ppt/slides/slide6.xml><?xml version="1.0" encoding="utf-8"?>
 <p:sld xmlns:a="http://schemas.openxmlformats.org/drawingml/2006/main" xmlns:r="http://schemas.openxmlformats.org/officeDocument/2006/relationships" xmlns:p="http://schemas.openxmlformats.org/presentationml/2006/main">
   <p:cSld>
     <p:spTree>
@@ -8704,8 +7491,13 @@
           <a:p>
             <a:r>
               <a:rPr lang="en-US" dirty="0"/>
-              <a:t>Fig 6: Metastable multilayered morphologies</a:t>
-            </a:r>
+              <a:t>Fig 6: Metastable multilayered morphologies with </a:t>
+            </a:r>
+            <a:r>
+              <a:rPr lang="en-US" dirty="0" err="1"/>
+              <a:t>freeE</a:t>
+            </a:r>
+            <a:endParaRPr lang="en-US" dirty="0"/>
           </a:p>
         </p:txBody>
       </p:sp>

--- a/SYSG3_paper.pptx
+++ b/SYSG3_paper.pptx
@@ -4927,7 +4927,7 @@
         </p:blipFill>
         <p:spPr>
           <a:xfrm>
-            <a:off x="5272568" y="5272001"/>
+            <a:off x="5119418" y="5273923"/>
             <a:ext cx="1235307" cy="1314068"/>
           </a:xfrm>
           <a:prstGeom prst="rect">
@@ -4951,7 +4951,7 @@
             </p:nvSpPr>
             <p:spPr>
               <a:xfrm>
-                <a:off x="2886493" y="4860706"/>
+                <a:off x="2953616" y="4917860"/>
                 <a:ext cx="1237130" cy="369332"/>
               </a:xfrm>
               <a:prstGeom prst="rect">
@@ -5009,7 +5009,7 @@
             </p:nvSpPr>
             <p:spPr>
               <a:xfrm>
-                <a:off x="2886493" y="4860706"/>
+                <a:off x="2953616" y="4917860"/>
                 <a:ext cx="1237130" cy="369332"/>
               </a:xfrm>
               <a:prstGeom prst="rect">
@@ -5053,7 +5053,7 @@
             </p:nvSpPr>
             <p:spPr>
               <a:xfrm>
-                <a:off x="5186807" y="4902669"/>
+                <a:off x="5101712" y="4912972"/>
                 <a:ext cx="1237130" cy="369332"/>
               </a:xfrm>
               <a:prstGeom prst="rect">
@@ -5111,7 +5111,7 @@
             </p:nvSpPr>
             <p:spPr>
               <a:xfrm>
-                <a:off x="5186807" y="4902669"/>
+                <a:off x="5101712" y="4912972"/>
                 <a:ext cx="1237130" cy="369332"/>
               </a:xfrm>
               <a:prstGeom prst="rect">

--- a/SYSG3_paper.pptx
+++ b/SYSG3_paper.pptx
@@ -4789,7 +4789,7 @@
             </p:nvSpPr>
             <p:spPr>
               <a:xfrm>
-                <a:off x="472713" y="5380024"/>
+                <a:off x="288701" y="4627372"/>
                 <a:ext cx="1237130" cy="369332"/>
               </a:xfrm>
               <a:prstGeom prst="rect">
@@ -4847,7 +4847,7 @@
             </p:nvSpPr>
             <p:spPr>
               <a:xfrm>
-                <a:off x="472713" y="5380024"/>
+                <a:off x="288701" y="4627372"/>
                 <a:ext cx="1237130" cy="369332"/>
               </a:xfrm>
               <a:prstGeom prst="rect">
@@ -4897,7 +4897,7 @@
         </p:blipFill>
         <p:spPr>
           <a:xfrm>
-            <a:off x="2869319" y="5256438"/>
+            <a:off x="2685307" y="4503786"/>
             <a:ext cx="1321427" cy="1345194"/>
           </a:xfrm>
           <a:prstGeom prst="rect">
@@ -4927,7 +4927,7 @@
         </p:blipFill>
         <p:spPr>
           <a:xfrm>
-            <a:off x="5119418" y="5273923"/>
+            <a:off x="4935406" y="4521271"/>
             <a:ext cx="1235307" cy="1314068"/>
           </a:xfrm>
           <a:prstGeom prst="rect">
@@ -4951,7 +4951,7 @@
             </p:nvSpPr>
             <p:spPr>
               <a:xfrm>
-                <a:off x="2953616" y="4917860"/>
+                <a:off x="2769604" y="4165208"/>
                 <a:ext cx="1237130" cy="369332"/>
               </a:xfrm>
               <a:prstGeom prst="rect">
@@ -5009,7 +5009,7 @@
             </p:nvSpPr>
             <p:spPr>
               <a:xfrm>
-                <a:off x="2953616" y="4917860"/>
+                <a:off x="2769604" y="4165208"/>
                 <a:ext cx="1237130" cy="369332"/>
               </a:xfrm>
               <a:prstGeom prst="rect">
@@ -5053,7 +5053,7 @@
             </p:nvSpPr>
             <p:spPr>
               <a:xfrm>
-                <a:off x="5101712" y="4912972"/>
+                <a:off x="4917700" y="4160320"/>
                 <a:ext cx="1237130" cy="369332"/>
               </a:xfrm>
               <a:prstGeom prst="rect">
@@ -5111,7 +5111,7 @@
             </p:nvSpPr>
             <p:spPr>
               <a:xfrm>
-                <a:off x="5101712" y="4912972"/>
+                <a:off x="4917700" y="4160320"/>
                 <a:ext cx="1237130" cy="369332"/>
               </a:xfrm>
               <a:prstGeom prst="rect">
@@ -5168,7 +5168,7 @@
         </p:blipFill>
         <p:spPr bwMode="auto">
           <a:xfrm>
-            <a:off x="6918184" y="5380024"/>
+            <a:off x="6734172" y="4627372"/>
             <a:ext cx="1803894" cy="1098022"/>
           </a:xfrm>
           <a:prstGeom prst="rect">
@@ -5202,7 +5202,7 @@
             </p:nvSpPr>
             <p:spPr>
               <a:xfrm>
-                <a:off x="7201566" y="4917860"/>
+                <a:off x="7017554" y="4165208"/>
                 <a:ext cx="1237130" cy="369332"/>
               </a:xfrm>
               <a:prstGeom prst="rect">
@@ -5260,7 +5260,7 @@
             </p:nvSpPr>
             <p:spPr>
               <a:xfrm>
-                <a:off x="7201566" y="4917860"/>
+                <a:off x="7017554" y="4165208"/>
                 <a:ext cx="1237130" cy="369332"/>
               </a:xfrm>
               <a:prstGeom prst="rect">
@@ -5302,306 +5302,7 @@
         </p:nvSpPr>
         <p:spPr>
           <a:xfrm>
-            <a:off x="2164705" y="6469215"/>
-            <a:ext cx="2765121" cy="369332"/>
-          </a:xfrm>
-          <a:prstGeom prst="rect">
-            <a:avLst/>
-          </a:prstGeom>
-          <a:noFill/>
-        </p:spPr>
-        <p:txBody>
-          <a:bodyPr wrap="square" rtlCol="0">
-            <a:spAutoFit/>
-          </a:bodyPr>
-          <a:lstStyle/>
-          <a:p>
-            <a:pPr algn="ctr"/>
-            <a:r>
-              <a:rPr lang="en-US" dirty="0"/>
-              <a:t>Need to finalize</a:t>
-            </a:r>
-          </a:p>
-        </p:txBody>
-      </p:sp>
-      <p:pic>
-        <p:nvPicPr>
-          <p:cNvPr id="10" name="Picture 9">
-            <a:extLst>
-              <a:ext uri="{FF2B5EF4-FFF2-40B4-BE49-F238E27FC236}">
-                <a16:creationId xmlns:a16="http://schemas.microsoft.com/office/drawing/2014/main" id="{9DD91083-07CD-3435-7F58-A6D07A6F4643}"/>
-              </a:ext>
-            </a:extLst>
-          </p:cNvPr>
-          <p:cNvPicPr>
-            <a:picLocks noChangeAspect="1"/>
-          </p:cNvPicPr>
-          <p:nvPr/>
-        </p:nvPicPr>
-        <p:blipFill>
-          <a:blip r:embed="rId18"/>
-          <a:stretch>
-            <a:fillRect/>
-          </a:stretch>
-        </p:blipFill>
-        <p:spPr>
-          <a:xfrm>
-            <a:off x="4894483" y="3457951"/>
-            <a:ext cx="1552182" cy="1441312"/>
-          </a:xfrm>
-          <a:prstGeom prst="rect">
-            <a:avLst/>
-          </a:prstGeom>
-        </p:spPr>
-      </p:pic>
-      <p:pic>
-        <p:nvPicPr>
-          <p:cNvPr id="11" name="Picture 10">
-            <a:extLst>
-              <a:ext uri="{FF2B5EF4-FFF2-40B4-BE49-F238E27FC236}">
-                <a16:creationId xmlns:a16="http://schemas.microsoft.com/office/drawing/2014/main" id="{687C36BB-6CF1-E4C3-7D8A-8302FDCC6AE2}"/>
-              </a:ext>
-            </a:extLst>
-          </p:cNvPr>
-          <p:cNvPicPr>
-            <a:picLocks noChangeAspect="1"/>
-          </p:cNvPicPr>
-          <p:nvPr/>
-        </p:nvPicPr>
-        <p:blipFill>
-          <a:blip r:embed="rId19"/>
-          <a:stretch>
-            <a:fillRect/>
-          </a:stretch>
-        </p:blipFill>
-        <p:spPr>
-          <a:xfrm>
-            <a:off x="7012597" y="3530433"/>
-            <a:ext cx="1440544" cy="1440544"/>
-          </a:xfrm>
-          <a:prstGeom prst="rect">
-            <a:avLst/>
-          </a:prstGeom>
-        </p:spPr>
-      </p:pic>
-      <mc:AlternateContent xmlns:mc="http://schemas.openxmlformats.org/markup-compatibility/2006">
-        <mc:Choice xmlns:a14="http://schemas.microsoft.com/office/drawing/2010/main" Requires="a14">
-          <p:sp>
-            <p:nvSpPr>
-              <p:cNvPr id="12" name="TextBox 11">
-                <a:extLst>
-                  <a:ext uri="{FF2B5EF4-FFF2-40B4-BE49-F238E27FC236}">
-                    <a16:creationId xmlns:a16="http://schemas.microsoft.com/office/drawing/2014/main" id="{EC5BCB1A-5E84-479C-5834-F33D2372B681}"/>
-                  </a:ext>
-                </a:extLst>
-              </p:cNvPr>
-              <p:cNvSpPr txBox="1"/>
-              <p:nvPr/>
-            </p:nvSpPr>
-            <p:spPr>
-              <a:xfrm>
-                <a:off x="420229" y="3856082"/>
-                <a:ext cx="1237130" cy="369332"/>
-              </a:xfrm>
-              <a:prstGeom prst="rect">
-                <a:avLst/>
-              </a:prstGeom>
-              <a:noFill/>
-            </p:spPr>
-            <p:txBody>
-              <a:bodyPr wrap="square" rtlCol="0">
-                <a:spAutoFit/>
-              </a:bodyPr>
-              <a:lstStyle/>
-              <a:p>
-                <a:pPr/>
-                <a14:m>
-                  <m:oMathPara xmlns:m="http://schemas.openxmlformats.org/officeDocument/2006/math">
-                    <m:oMathParaPr>
-                      <m:jc m:val="centerGroup"/>
-                    </m:oMathParaPr>
-                    <m:oMath xmlns:m="http://schemas.openxmlformats.org/officeDocument/2006/math">
-                      <m:r>
-                        <a:rPr lang="en-US" b="0" i="1" smtClean="0">
-                          <a:latin typeface="Cambria Math" panose="02040503050406030204" pitchFamily="18" charset="0"/>
-                        </a:rPr>
-                        <m:t>𝛼</m:t>
-                      </m:r>
-                      <m:r>
-                        <a:rPr lang="en-US" b="0" i="1" smtClean="0">
-                          <a:latin typeface="Cambria Math" panose="02040503050406030204" pitchFamily="18" charset="0"/>
-                        </a:rPr>
-                        <m:t>=0.25</m:t>
-                      </m:r>
-                    </m:oMath>
-                  </m:oMathPara>
-                </a14:m>
-                <a:endParaRPr lang="en-US" dirty="0"/>
-              </a:p>
-            </p:txBody>
-          </p:sp>
-        </mc:Choice>
-        <mc:Fallback>
-          <p:sp>
-            <p:nvSpPr>
-              <p:cNvPr id="12" name="TextBox 11">
-                <a:extLst>
-                  <a:ext uri="{FF2B5EF4-FFF2-40B4-BE49-F238E27FC236}">
-                    <a16:creationId xmlns:a16="http://schemas.microsoft.com/office/drawing/2014/main" id="{EC5BCB1A-5E84-479C-5834-F33D2372B681}"/>
-                  </a:ext>
-                </a:extLst>
-              </p:cNvPr>
-              <p:cNvSpPr txBox="1">
-                <a:spLocks noRot="1" noChangeAspect="1" noMove="1" noResize="1" noEditPoints="1" noAdjustHandles="1" noChangeArrowheads="1" noChangeShapeType="1" noTextEdit="1"/>
-              </p:cNvSpPr>
-              <p:nvPr/>
-            </p:nvSpPr>
-            <p:spPr>
-              <a:xfrm>
-                <a:off x="420229" y="3856082"/>
-                <a:ext cx="1237130" cy="369332"/>
-              </a:xfrm>
-              <a:prstGeom prst="rect">
-                <a:avLst/>
-              </a:prstGeom>
-              <a:blipFill>
-                <a:blip r:embed="rId20"/>
-                <a:stretch>
-                  <a:fillRect/>
-                </a:stretch>
-              </a:blipFill>
-            </p:spPr>
-            <p:txBody>
-              <a:bodyPr/>
-              <a:lstStyle/>
-              <a:p>
-                <a:r>
-                  <a:rPr lang="en-US">
-                    <a:noFill/>
-                  </a:rPr>
-                  <a:t> </a:t>
-                </a:r>
-              </a:p>
-            </p:txBody>
-          </p:sp>
-        </mc:Fallback>
-      </mc:AlternateContent>
-      <mc:AlternateContent xmlns:mc="http://schemas.openxmlformats.org/markup-compatibility/2006">
-        <mc:Choice xmlns:a14="http://schemas.microsoft.com/office/drawing/2010/main" Requires="a14">
-          <p:sp>
-            <p:nvSpPr>
-              <p:cNvPr id="15" name="TextBox 14">
-                <a:extLst>
-                  <a:ext uri="{FF2B5EF4-FFF2-40B4-BE49-F238E27FC236}">
-                    <a16:creationId xmlns:a16="http://schemas.microsoft.com/office/drawing/2014/main" id="{59828686-D70E-3AEB-776E-41D55190CAD2}"/>
-                  </a:ext>
-                </a:extLst>
-              </p:cNvPr>
-              <p:cNvSpPr txBox="1"/>
-              <p:nvPr/>
-            </p:nvSpPr>
-            <p:spPr>
-              <a:xfrm>
-                <a:off x="7020940" y="3161101"/>
-                <a:ext cx="1318040" cy="369332"/>
-              </a:xfrm>
-              <a:prstGeom prst="rect">
-                <a:avLst/>
-              </a:prstGeom>
-              <a:noFill/>
-            </p:spPr>
-            <p:txBody>
-              <a:bodyPr wrap="square" rtlCol="0">
-                <a:spAutoFit/>
-              </a:bodyPr>
-              <a:lstStyle/>
-              <a:p>
-                <a14:m>
-                  <m:oMathPara xmlns:m="http://schemas.openxmlformats.org/officeDocument/2006/math">
-                    <m:oMathParaPr>
-                      <m:jc m:val="centerGroup"/>
-                    </m:oMathParaPr>
-                    <m:oMath xmlns:m="http://schemas.openxmlformats.org/officeDocument/2006/math">
-                      <m:r>
-                        <a:rPr lang="en-US" b="0" i="1" smtClean="0">
-                          <a:latin typeface="Cambria Math" panose="02040503050406030204" pitchFamily="18" charset="0"/>
-                        </a:rPr>
-                        <m:t>𝜎</m:t>
-                      </m:r>
-                      <m:r>
-                        <a:rPr lang="en-US" b="0" i="1" smtClean="0">
-                          <a:latin typeface="Cambria Math" panose="02040503050406030204" pitchFamily="18" charset="0"/>
-                        </a:rPr>
-                        <m:t>=0.010</m:t>
-                      </m:r>
-                    </m:oMath>
-                  </m:oMathPara>
-                </a14:m>
-                <a:endParaRPr lang="en-US" dirty="0"/>
-              </a:p>
-            </p:txBody>
-          </p:sp>
-        </mc:Choice>
-        <mc:Fallback>
-          <p:sp>
-            <p:nvSpPr>
-              <p:cNvPr id="15" name="TextBox 14">
-                <a:extLst>
-                  <a:ext uri="{FF2B5EF4-FFF2-40B4-BE49-F238E27FC236}">
-                    <a16:creationId xmlns:a16="http://schemas.microsoft.com/office/drawing/2014/main" id="{59828686-D70E-3AEB-776E-41D55190CAD2}"/>
-                  </a:ext>
-                </a:extLst>
-              </p:cNvPr>
-              <p:cNvSpPr txBox="1">
-                <a:spLocks noRot="1" noChangeAspect="1" noMove="1" noResize="1" noEditPoints="1" noAdjustHandles="1" noChangeArrowheads="1" noChangeShapeType="1" noTextEdit="1"/>
-              </p:cNvSpPr>
-              <p:nvPr/>
-            </p:nvSpPr>
-            <p:spPr>
-              <a:xfrm>
-                <a:off x="7020940" y="3161101"/>
-                <a:ext cx="1318040" cy="369332"/>
-              </a:xfrm>
-              <a:prstGeom prst="rect">
-                <a:avLst/>
-              </a:prstGeom>
-              <a:blipFill>
-                <a:blip r:embed="rId21"/>
-                <a:stretch>
-                  <a:fillRect/>
-                </a:stretch>
-              </a:blipFill>
-            </p:spPr>
-            <p:txBody>
-              <a:bodyPr/>
-              <a:lstStyle/>
-              <a:p>
-                <a:r>
-                  <a:rPr lang="en-US">
-                    <a:noFill/>
-                  </a:rPr>
-                  <a:t> </a:t>
-                </a:r>
-              </a:p>
-            </p:txBody>
-          </p:sp>
-        </mc:Fallback>
-      </mc:AlternateContent>
-      <p:sp>
-        <p:nvSpPr>
-          <p:cNvPr id="19" name="TextBox 18">
-            <a:extLst>
-              <a:ext uri="{FF2B5EF4-FFF2-40B4-BE49-F238E27FC236}">
-                <a16:creationId xmlns:a16="http://schemas.microsoft.com/office/drawing/2014/main" id="{F4666AB5-207B-F157-0469-921901F155CB}"/>
-              </a:ext>
-            </a:extLst>
-          </p:cNvPr>
-          <p:cNvSpPr txBox="1"/>
-          <p:nvPr/>
-        </p:nvSpPr>
-        <p:spPr>
-          <a:xfrm>
-            <a:off x="4167891" y="4440868"/>
+            <a:off x="1980693" y="5716563"/>
             <a:ext cx="2765121" cy="369332"/>
           </a:xfrm>
           <a:prstGeom prst="rect">
@@ -5673,7 +5374,7 @@
         </p:nvSpPr>
         <p:spPr>
           <a:xfrm>
-            <a:off x="4242910" y="3019279"/>
+            <a:off x="4247476" y="3116023"/>
             <a:ext cx="2765121" cy="369332"/>
           </a:xfrm>
           <a:prstGeom prst="rect">
@@ -5695,137 +5396,6 @@
           </a:p>
         </p:txBody>
       </p:sp>
-      <mc:AlternateContent xmlns:mc="http://schemas.openxmlformats.org/markup-compatibility/2006">
-        <mc:Choice xmlns:a14="http://schemas.microsoft.com/office/drawing/2010/main" Requires="a14">
-          <p:sp>
-            <p:nvSpPr>
-              <p:cNvPr id="29" name="TextBox 28">
-                <a:extLst>
-                  <a:ext uri="{FF2B5EF4-FFF2-40B4-BE49-F238E27FC236}">
-                    <a16:creationId xmlns:a16="http://schemas.microsoft.com/office/drawing/2014/main" id="{A75273AA-5F01-EE4A-351D-256874E42FF9}"/>
-                  </a:ext>
-                </a:extLst>
-              </p:cNvPr>
-              <p:cNvSpPr txBox="1"/>
-              <p:nvPr/>
-            </p:nvSpPr>
-            <p:spPr>
-              <a:xfrm>
-                <a:off x="9060053" y="3161101"/>
-                <a:ext cx="1318040" cy="369332"/>
-              </a:xfrm>
-              <a:prstGeom prst="rect">
-                <a:avLst/>
-              </a:prstGeom>
-              <a:noFill/>
-            </p:spPr>
-            <p:txBody>
-              <a:bodyPr wrap="square" rtlCol="0">
-                <a:spAutoFit/>
-              </a:bodyPr>
-              <a:lstStyle/>
-              <a:p>
-                <a14:m>
-                  <m:oMathPara xmlns:m="http://schemas.openxmlformats.org/officeDocument/2006/math">
-                    <m:oMathParaPr>
-                      <m:jc m:val="centerGroup"/>
-                    </m:oMathParaPr>
-                    <m:oMath xmlns:m="http://schemas.openxmlformats.org/officeDocument/2006/math">
-                      <m:r>
-                        <a:rPr lang="en-US" b="0" i="1" smtClean="0">
-                          <a:latin typeface="Cambria Math" panose="02040503050406030204" pitchFamily="18" charset="0"/>
-                        </a:rPr>
-                        <m:t>𝜎</m:t>
-                      </m:r>
-                      <m:r>
-                        <a:rPr lang="en-US" b="0" i="1" smtClean="0">
-                          <a:latin typeface="Cambria Math" panose="02040503050406030204" pitchFamily="18" charset="0"/>
-                        </a:rPr>
-                        <m:t>=0.050</m:t>
-                      </m:r>
-                    </m:oMath>
-                  </m:oMathPara>
-                </a14:m>
-                <a:endParaRPr lang="en-US" dirty="0"/>
-              </a:p>
-            </p:txBody>
-          </p:sp>
-        </mc:Choice>
-        <mc:Fallback>
-          <p:sp>
-            <p:nvSpPr>
-              <p:cNvPr id="29" name="TextBox 28">
-                <a:extLst>
-                  <a:ext uri="{FF2B5EF4-FFF2-40B4-BE49-F238E27FC236}">
-                    <a16:creationId xmlns:a16="http://schemas.microsoft.com/office/drawing/2014/main" id="{A75273AA-5F01-EE4A-351D-256874E42FF9}"/>
-                  </a:ext>
-                </a:extLst>
-              </p:cNvPr>
-              <p:cNvSpPr txBox="1">
-                <a:spLocks noRot="1" noChangeAspect="1" noMove="1" noResize="1" noEditPoints="1" noAdjustHandles="1" noChangeArrowheads="1" noChangeShapeType="1" noTextEdit="1"/>
-              </p:cNvSpPr>
-              <p:nvPr/>
-            </p:nvSpPr>
-            <p:spPr>
-              <a:xfrm>
-                <a:off x="9060053" y="3161101"/>
-                <a:ext cx="1318040" cy="369332"/>
-              </a:xfrm>
-              <a:prstGeom prst="rect">
-                <a:avLst/>
-              </a:prstGeom>
-              <a:blipFill>
-                <a:blip r:embed="rId22"/>
-                <a:stretch>
-                  <a:fillRect/>
-                </a:stretch>
-              </a:blipFill>
-            </p:spPr>
-            <p:txBody>
-              <a:bodyPr/>
-              <a:lstStyle/>
-              <a:p>
-                <a:r>
-                  <a:rPr lang="en-US">
-                    <a:noFill/>
-                  </a:rPr>
-                  <a:t> </a:t>
-                </a:r>
-              </a:p>
-            </p:txBody>
-          </p:sp>
-        </mc:Fallback>
-      </mc:AlternateContent>
-      <p:pic>
-        <p:nvPicPr>
-          <p:cNvPr id="32" name="Picture 31">
-            <a:extLst>
-              <a:ext uri="{FF2B5EF4-FFF2-40B4-BE49-F238E27FC236}">
-                <a16:creationId xmlns:a16="http://schemas.microsoft.com/office/drawing/2014/main" id="{328A0840-145B-181D-F614-09070D24940B}"/>
-              </a:ext>
-            </a:extLst>
-          </p:cNvPr>
-          <p:cNvPicPr>
-            <a:picLocks noChangeAspect="1"/>
-          </p:cNvPicPr>
-          <p:nvPr/>
-        </p:nvPicPr>
-        <p:blipFill>
-          <a:blip r:embed="rId23"/>
-          <a:stretch>
-            <a:fillRect/>
-          </a:stretch>
-        </p:blipFill>
-        <p:spPr>
-          <a:xfrm>
-            <a:off x="9197182" y="3530433"/>
-            <a:ext cx="1222853" cy="1504617"/>
-          </a:xfrm>
-          <a:prstGeom prst="rect">
-            <a:avLst/>
-          </a:prstGeom>
-        </p:spPr>
-      </p:pic>
     </p:spTree>
     <p:extLst>
       <p:ext uri="{BB962C8B-B14F-4D97-AF65-F5344CB8AC3E}">

--- a/SYSG3_paper.pptx
+++ b/SYSG3_paper.pptx
@@ -3394,36 +3394,6 @@
           </a:p>
         </p:txBody>
       </p:sp>
-      <p:pic>
-        <p:nvPicPr>
-          <p:cNvPr id="9" name="Picture 8">
-            <a:extLst>
-              <a:ext uri="{FF2B5EF4-FFF2-40B4-BE49-F238E27FC236}">
-                <a16:creationId xmlns:a16="http://schemas.microsoft.com/office/drawing/2014/main" id="{915F712A-878D-6B0F-C81D-3349B96FB105}"/>
-              </a:ext>
-            </a:extLst>
-          </p:cNvPr>
-          <p:cNvPicPr>
-            <a:picLocks noChangeAspect="1"/>
-          </p:cNvPicPr>
-          <p:nvPr/>
-        </p:nvPicPr>
-        <p:blipFill>
-          <a:blip r:embed="rId2"/>
-          <a:stretch>
-            <a:fillRect/>
-          </a:stretch>
-        </p:blipFill>
-        <p:spPr>
-          <a:xfrm>
-            <a:off x="3599704" y="1867056"/>
-            <a:ext cx="2028914" cy="2231805"/>
-          </a:xfrm>
-          <a:prstGeom prst="rect">
-            <a:avLst/>
-          </a:prstGeom>
-        </p:spPr>
-      </p:pic>
       <p:sp>
         <p:nvSpPr>
           <p:cNvPr id="10" name="TextBox 9">
@@ -3455,7 +3425,7 @@
             <a:pPr algn="ctr"/>
             <a:r>
               <a:rPr lang="en-US" dirty="0"/>
-              <a:t>Example iso mic </a:t>
+              <a:t>Iso mic </a:t>
             </a:r>
             <a:br>
               <a:rPr lang="en-US" dirty="0"/>
@@ -3482,7 +3452,7 @@
           <p:nvPr/>
         </p:nvPicPr>
         <p:blipFill>
-          <a:blip r:embed="rId3"/>
+          <a:blip r:embed="rId2"/>
           <a:stretch>
             <a:fillRect/>
           </a:stretch>
@@ -3550,10 +3520,10 @@
       </p:sp>
       <p:sp>
         <p:nvSpPr>
-          <p:cNvPr id="13" name="TextBox 12">
-            <a:extLst>
-              <a:ext uri="{FF2B5EF4-FFF2-40B4-BE49-F238E27FC236}">
-                <a16:creationId xmlns:a16="http://schemas.microsoft.com/office/drawing/2014/main" id="{A6EA515F-CF83-0861-22A8-5DDF4AEBC3B9}"/>
+          <p:cNvPr id="16" name="TextBox 15">
+            <a:extLst>
+              <a:ext uri="{FF2B5EF4-FFF2-40B4-BE49-F238E27FC236}">
+                <a16:creationId xmlns:a16="http://schemas.microsoft.com/office/drawing/2014/main" id="{59D74C4B-5E8C-219D-5741-CC4CFCCC1F5C}"/>
               </a:ext>
             </a:extLst>
           </p:cNvPr>
@@ -3562,8 +3532,8 @@
         </p:nvSpPr>
         <p:spPr>
           <a:xfrm>
-            <a:off x="6462502" y="4670074"/>
-            <a:ext cx="2196986" cy="646331"/>
+            <a:off x="6275330" y="4684644"/>
+            <a:ext cx="2765121" cy="646331"/>
           </a:xfrm>
           <a:prstGeom prst="rect">
             <a:avLst/>
@@ -3579,7 +3549,7 @@
             <a:pPr algn="ctr"/>
             <a:r>
               <a:rPr lang="en-US" dirty="0"/>
-              <a:t>Example fused </a:t>
+              <a:t>Fused </a:t>
             </a:r>
             <a:r>
               <a:rPr lang="en-US" dirty="0" err="1"/>
@@ -3587,17 +3557,24 @@
             </a:r>
             <a:r>
               <a:rPr lang="en-US" dirty="0"/>
-              <a:t>  @  (0.25, 0.015)</a:t>
-            </a:r>
-          </a:p>
-        </p:txBody>
-      </p:sp>
-      <p:sp>
-        <p:nvSpPr>
-          <p:cNvPr id="14" name="TextBox 13">
-            <a:extLst>
-              <a:ext uri="{FF2B5EF4-FFF2-40B4-BE49-F238E27FC236}">
-                <a16:creationId xmlns:a16="http://schemas.microsoft.com/office/drawing/2014/main" id="{4A63B5D6-4614-19B5-C232-CC384A44D161}"/>
+              <a:t> </a:t>
+            </a:r>
+            <a:br>
+              <a:rPr lang="en-US" dirty="0"/>
+            </a:br>
+            <a:r>
+              <a:rPr lang="en-US" dirty="0"/>
+              <a:t>@ (0.25, 0.0025)</a:t>
+            </a:r>
+          </a:p>
+        </p:txBody>
+      </p:sp>
+      <p:sp>
+        <p:nvSpPr>
+          <p:cNvPr id="17" name="TextBox 16">
+            <a:extLst>
+              <a:ext uri="{FF2B5EF4-FFF2-40B4-BE49-F238E27FC236}">
+                <a16:creationId xmlns:a16="http://schemas.microsoft.com/office/drawing/2014/main" id="{E682C8AB-D226-38E0-BD61-8465A2F595E8}"/>
               </a:ext>
             </a:extLst>
           </p:cNvPr>
@@ -3606,8 +3583,8 @@
         </p:nvSpPr>
         <p:spPr>
           <a:xfrm>
-            <a:off x="3701792" y="4669409"/>
-            <a:ext cx="2167728" cy="646331"/>
+            <a:off x="435106" y="5581479"/>
+            <a:ext cx="2765121" cy="646331"/>
           </a:xfrm>
           <a:prstGeom prst="rect">
             <a:avLst/>
@@ -3623,24 +3600,17 @@
             <a:pPr algn="ctr"/>
             <a:r>
               <a:rPr lang="en-US" dirty="0"/>
-              <a:t>Example fused mic </a:t>
-            </a:r>
-            <a:br>
-              <a:rPr lang="en-US" dirty="0"/>
-            </a:br>
-            <a:r>
-              <a:rPr lang="en-US" dirty="0"/>
-              <a:t>@ (0.20, 0.0175)</a:t>
-            </a:r>
-          </a:p>
-        </p:txBody>
-      </p:sp>
-      <p:sp>
-        <p:nvSpPr>
-          <p:cNvPr id="16" name="TextBox 15">
-            <a:extLst>
-              <a:ext uri="{FF2B5EF4-FFF2-40B4-BE49-F238E27FC236}">
-                <a16:creationId xmlns:a16="http://schemas.microsoft.com/office/drawing/2014/main" id="{59D74C4B-5E8C-219D-5741-CC4CFCCC1F5C}"/>
+              <a:t>Need to finalize – increase box size for multiple mic</a:t>
+            </a:r>
+          </a:p>
+        </p:txBody>
+      </p:sp>
+      <p:sp>
+        <p:nvSpPr>
+          <p:cNvPr id="18" name="TextBox 17">
+            <a:extLst>
+              <a:ext uri="{FF2B5EF4-FFF2-40B4-BE49-F238E27FC236}">
+                <a16:creationId xmlns:a16="http://schemas.microsoft.com/office/drawing/2014/main" id="{F93ABA80-5DBE-434A-AA4F-C855B90D0365}"/>
               </a:ext>
             </a:extLst>
           </p:cNvPr>
@@ -3649,8 +3619,8 @@
         </p:nvSpPr>
         <p:spPr>
           <a:xfrm>
-            <a:off x="6291686" y="5581479"/>
-            <a:ext cx="2765121" cy="369332"/>
+            <a:off x="3151551" y="4684644"/>
+            <a:ext cx="2765121" cy="646331"/>
           </a:xfrm>
           <a:prstGeom prst="rect">
             <a:avLst/>
@@ -3666,79 +3636,14 @@
             <a:pPr algn="ctr"/>
             <a:r>
               <a:rPr lang="en-US" dirty="0"/>
-              <a:t>Actual @ (0.25, 0.0025)?</a:t>
-            </a:r>
-          </a:p>
-        </p:txBody>
-      </p:sp>
-      <p:sp>
-        <p:nvSpPr>
-          <p:cNvPr id="17" name="TextBox 16">
-            <a:extLst>
-              <a:ext uri="{FF2B5EF4-FFF2-40B4-BE49-F238E27FC236}">
-                <a16:creationId xmlns:a16="http://schemas.microsoft.com/office/drawing/2014/main" id="{E682C8AB-D226-38E0-BD61-8465A2F595E8}"/>
-              </a:ext>
-            </a:extLst>
-          </p:cNvPr>
-          <p:cNvSpPr txBox="1"/>
-          <p:nvPr/>
-        </p:nvSpPr>
-        <p:spPr>
-          <a:xfrm>
-            <a:off x="435106" y="5581479"/>
-            <a:ext cx="2765121" cy="369332"/>
-          </a:xfrm>
-          <a:prstGeom prst="rect">
-            <a:avLst/>
-          </a:prstGeom>
-          <a:noFill/>
-        </p:spPr>
-        <p:txBody>
-          <a:bodyPr wrap="square" rtlCol="0">
-            <a:spAutoFit/>
-          </a:bodyPr>
-          <a:lstStyle/>
-          <a:p>
-            <a:pPr algn="ctr"/>
-            <a:r>
+              <a:t>Fused mic </a:t>
+            </a:r>
+            <a:br>
               <a:rPr lang="en-US" dirty="0"/>
-              <a:t>Need to finalize</a:t>
-            </a:r>
-          </a:p>
-        </p:txBody>
-      </p:sp>
-      <p:sp>
-        <p:nvSpPr>
-          <p:cNvPr id="18" name="TextBox 17">
-            <a:extLst>
-              <a:ext uri="{FF2B5EF4-FFF2-40B4-BE49-F238E27FC236}">
-                <a16:creationId xmlns:a16="http://schemas.microsoft.com/office/drawing/2014/main" id="{F93ABA80-5DBE-434A-AA4F-C855B90D0365}"/>
-              </a:ext>
-            </a:extLst>
-          </p:cNvPr>
-          <p:cNvSpPr txBox="1"/>
-          <p:nvPr/>
-        </p:nvSpPr>
-        <p:spPr>
-          <a:xfrm>
-            <a:off x="3403095" y="5581479"/>
-            <a:ext cx="2765121" cy="369332"/>
-          </a:xfrm>
-          <a:prstGeom prst="rect">
-            <a:avLst/>
-          </a:prstGeom>
-          <a:noFill/>
-        </p:spPr>
-        <p:txBody>
-          <a:bodyPr wrap="square" rtlCol="0">
-            <a:spAutoFit/>
-          </a:bodyPr>
-          <a:lstStyle/>
-          <a:p>
-            <a:pPr algn="ctr"/>
+            </a:br>
             <a:r>
               <a:rPr lang="en-US" dirty="0"/>
-              <a:t>Actual @ (0.15, 0.0025)?</a:t>
+              <a:t>@ (0.15, 0.0025)</a:t>
             </a:r>
           </a:p>
         </p:txBody>
@@ -3758,7 +3663,7 @@
           <p:nvPr/>
         </p:nvPicPr>
         <p:blipFill>
-          <a:blip r:embed="rId4"/>
+          <a:blip r:embed="rId3"/>
           <a:stretch>
             <a:fillRect/>
           </a:stretch>
@@ -3809,12 +3714,78 @@
           </a:p>
         </p:txBody>
       </p:sp>
+      <p:sp>
+        <p:nvSpPr>
+          <p:cNvPr id="19" name="TextBox 18">
+            <a:extLst>
+              <a:ext uri="{FF2B5EF4-FFF2-40B4-BE49-F238E27FC236}">
+                <a16:creationId xmlns:a16="http://schemas.microsoft.com/office/drawing/2014/main" id="{4DE68596-6420-FBB5-287C-254C69584861}"/>
+              </a:ext>
+            </a:extLst>
+          </p:cNvPr>
+          <p:cNvSpPr txBox="1"/>
+          <p:nvPr/>
+        </p:nvSpPr>
+        <p:spPr>
+          <a:xfrm>
+            <a:off x="3281786" y="5581479"/>
+            <a:ext cx="2765121" cy="369332"/>
+          </a:xfrm>
+          <a:prstGeom prst="rect">
+            <a:avLst/>
+          </a:prstGeom>
+          <a:noFill/>
+        </p:spPr>
+        <p:txBody>
+          <a:bodyPr wrap="square" rtlCol="0">
+            <a:spAutoFit/>
+          </a:bodyPr>
+          <a:lstStyle/>
+          <a:p>
+            <a:pPr algn="ctr"/>
+            <a:r>
+              <a:rPr lang="en-US" dirty="0"/>
+              <a:t>Need to finalize</a:t>
+            </a:r>
+          </a:p>
+        </p:txBody>
+      </p:sp>
       <p:pic>
         <p:nvPicPr>
-          <p:cNvPr id="7" name="Picture 6">
-            <a:extLst>
-              <a:ext uri="{FF2B5EF4-FFF2-40B4-BE49-F238E27FC236}">
-                <a16:creationId xmlns:a16="http://schemas.microsoft.com/office/drawing/2014/main" id="{D8AC9817-20F7-1FDA-CE12-9EEAF71BE9AF}"/>
+          <p:cNvPr id="20" name="Picture 19">
+            <a:extLst>
+              <a:ext uri="{FF2B5EF4-FFF2-40B4-BE49-F238E27FC236}">
+                <a16:creationId xmlns:a16="http://schemas.microsoft.com/office/drawing/2014/main" id="{EEEE68E5-4917-02A5-3D5E-FE89DB3E37E1}"/>
+              </a:ext>
+            </a:extLst>
+          </p:cNvPr>
+          <p:cNvPicPr>
+            <a:picLocks noChangeAspect="1"/>
+          </p:cNvPicPr>
+          <p:nvPr/>
+        </p:nvPicPr>
+        <p:blipFill>
+          <a:blip r:embed="rId4"/>
+          <a:stretch>
+            <a:fillRect/>
+          </a:stretch>
+        </p:blipFill>
+        <p:spPr>
+          <a:xfrm>
+            <a:off x="3734647" y="2181896"/>
+            <a:ext cx="1570778" cy="1965088"/>
+          </a:xfrm>
+          <a:prstGeom prst="rect">
+            <a:avLst/>
+          </a:prstGeom>
+        </p:spPr>
+      </p:pic>
+      <p:pic>
+        <p:nvPicPr>
+          <p:cNvPr id="21" name="Picture 20">
+            <a:extLst>
+              <a:ext uri="{FF2B5EF4-FFF2-40B4-BE49-F238E27FC236}">
+                <a16:creationId xmlns:a16="http://schemas.microsoft.com/office/drawing/2014/main" id="{60E4D5E9-5441-6206-995E-AD3E6C438A13}"/>
               </a:ext>
             </a:extLst>
           </p:cNvPr>
@@ -3831,14 +3802,50 @@
         </p:blipFill>
         <p:spPr>
           <a:xfrm>
-            <a:off x="6151295" y="1870903"/>
-            <a:ext cx="2412646" cy="2276081"/>
+            <a:off x="6675383" y="2000920"/>
+            <a:ext cx="1593780" cy="2477667"/>
           </a:xfrm>
           <a:prstGeom prst="rect">
             <a:avLst/>
           </a:prstGeom>
         </p:spPr>
       </p:pic>
+      <p:sp>
+        <p:nvSpPr>
+          <p:cNvPr id="22" name="TextBox 21">
+            <a:extLst>
+              <a:ext uri="{FF2B5EF4-FFF2-40B4-BE49-F238E27FC236}">
+                <a16:creationId xmlns:a16="http://schemas.microsoft.com/office/drawing/2014/main" id="{93127BEA-C81F-5ADC-428A-283AC1A8F3D7}"/>
+              </a:ext>
+            </a:extLst>
+          </p:cNvPr>
+          <p:cNvSpPr txBox="1"/>
+          <p:nvPr/>
+        </p:nvSpPr>
+        <p:spPr>
+          <a:xfrm>
+            <a:off x="6291686" y="5581479"/>
+            <a:ext cx="2765121" cy="646331"/>
+          </a:xfrm>
+          <a:prstGeom prst="rect">
+            <a:avLst/>
+          </a:prstGeom>
+          <a:noFill/>
+        </p:spPr>
+        <p:txBody>
+          <a:bodyPr wrap="square" rtlCol="0">
+            <a:spAutoFit/>
+          </a:bodyPr>
+          <a:lstStyle/>
+          <a:p>
+            <a:pPr algn="ctr"/>
+            <a:r>
+              <a:rPr lang="en-US" dirty="0"/>
+              <a:t>Need to finalize – actually fused?</a:t>
+            </a:r>
+          </a:p>
+        </p:txBody>
+      </p:sp>
     </p:spTree>
     <p:extLst>
       <p:ext uri="{BB962C8B-B14F-4D97-AF65-F5344CB8AC3E}">
@@ -6173,8 +6180,8 @@
           </p:sp>
         </mc:Fallback>
       </mc:AlternateContent>
-      <mc:AlternateContent xmlns:mc="http://schemas.openxmlformats.org/markup-compatibility/2006" xmlns:a14="http://schemas.microsoft.com/office/drawing/2010/main">
-        <mc:Choice Requires="a14">
+      <mc:AlternateContent xmlns:mc="http://schemas.openxmlformats.org/markup-compatibility/2006">
+        <mc:Choice xmlns:a14="http://schemas.microsoft.com/office/drawing/2010/main" Requires="a14">
           <p:sp>
             <p:nvSpPr>
               <p:cNvPr id="4" name="TextBox 3">
@@ -6220,7 +6227,7 @@
                         <a:rPr lang="en-US" b="0" i="1" smtClean="0">
                           <a:latin typeface="Cambria Math" panose="02040503050406030204" pitchFamily="18" charset="0"/>
                         </a:rPr>
-                        <m:t>=0.30</m:t>
+                        <m:t>=0.05</m:t>
                       </m:r>
                     </m:oMath>
                   </m:oMathPara>
@@ -6230,7 +6237,7 @@
             </p:txBody>
           </p:sp>
         </mc:Choice>
-        <mc:Fallback xmlns="">
+        <mc:Fallback>
           <p:sp>
             <p:nvSpPr>
               <p:cNvPr id="4" name="TextBox 3">

--- a/SYSG3_paper.pptx
+++ b/SYSG3_paper.pptx
@@ -8,9 +8,10 @@
     <p:sldId id="368" r:id="rId2"/>
     <p:sldId id="371" r:id="rId3"/>
     <p:sldId id="374" r:id="rId4"/>
-    <p:sldId id="372" r:id="rId5"/>
-    <p:sldId id="373" r:id="rId6"/>
-    <p:sldId id="370" r:id="rId7"/>
+    <p:sldId id="375" r:id="rId5"/>
+    <p:sldId id="372" r:id="rId6"/>
+    <p:sldId id="373" r:id="rId7"/>
+    <p:sldId id="370" r:id="rId8"/>
   </p:sldIdLst>
   <p:sldSz cx="12192000" cy="6858000"/>
   <p:notesSz cx="6858000" cy="9144000"/>
@@ -264,7 +265,7 @@
           <a:p>
             <a:fld id="{E3B1C2F4-07A0-459D-95BE-47AEA2376715}" type="datetimeFigureOut">
               <a:rPr lang="en-US" smtClean="0"/>
-              <a:t>6/10/2025</a:t>
+              <a:t>6/18/2025</a:t>
             </a:fld>
             <a:endParaRPr lang="en-US"/>
           </a:p>
@@ -462,7 +463,7 @@
           <a:p>
             <a:fld id="{E3B1C2F4-07A0-459D-95BE-47AEA2376715}" type="datetimeFigureOut">
               <a:rPr lang="en-US" smtClean="0"/>
-              <a:t>6/10/2025</a:t>
+              <a:t>6/18/2025</a:t>
             </a:fld>
             <a:endParaRPr lang="en-US"/>
           </a:p>
@@ -670,7 +671,7 @@
           <a:p>
             <a:fld id="{E3B1C2F4-07A0-459D-95BE-47AEA2376715}" type="datetimeFigureOut">
               <a:rPr lang="en-US" smtClean="0"/>
-              <a:t>6/10/2025</a:t>
+              <a:t>6/18/2025</a:t>
             </a:fld>
             <a:endParaRPr lang="en-US"/>
           </a:p>
@@ -868,7 +869,7 @@
           <a:p>
             <a:fld id="{E3B1C2F4-07A0-459D-95BE-47AEA2376715}" type="datetimeFigureOut">
               <a:rPr lang="en-US" smtClean="0"/>
-              <a:t>6/10/2025</a:t>
+              <a:t>6/18/2025</a:t>
             </a:fld>
             <a:endParaRPr lang="en-US"/>
           </a:p>
@@ -1143,7 +1144,7 @@
           <a:p>
             <a:fld id="{E3B1C2F4-07A0-459D-95BE-47AEA2376715}" type="datetimeFigureOut">
               <a:rPr lang="en-US" smtClean="0"/>
-              <a:t>6/10/2025</a:t>
+              <a:t>6/18/2025</a:t>
             </a:fld>
             <a:endParaRPr lang="en-US"/>
           </a:p>
@@ -1408,7 +1409,7 @@
           <a:p>
             <a:fld id="{E3B1C2F4-07A0-459D-95BE-47AEA2376715}" type="datetimeFigureOut">
               <a:rPr lang="en-US" smtClean="0"/>
-              <a:t>6/10/2025</a:t>
+              <a:t>6/18/2025</a:t>
             </a:fld>
             <a:endParaRPr lang="en-US"/>
           </a:p>
@@ -1820,7 +1821,7 @@
           <a:p>
             <a:fld id="{E3B1C2F4-07A0-459D-95BE-47AEA2376715}" type="datetimeFigureOut">
               <a:rPr lang="en-US" smtClean="0"/>
-              <a:t>6/10/2025</a:t>
+              <a:t>6/18/2025</a:t>
             </a:fld>
             <a:endParaRPr lang="en-US"/>
           </a:p>
@@ -1961,7 +1962,7 @@
           <a:p>
             <a:fld id="{E3B1C2F4-07A0-459D-95BE-47AEA2376715}" type="datetimeFigureOut">
               <a:rPr lang="en-US" smtClean="0"/>
-              <a:t>6/10/2025</a:t>
+              <a:t>6/18/2025</a:t>
             </a:fld>
             <a:endParaRPr lang="en-US"/>
           </a:p>
@@ -2074,7 +2075,7 @@
           <a:p>
             <a:fld id="{E3B1C2F4-07A0-459D-95BE-47AEA2376715}" type="datetimeFigureOut">
               <a:rPr lang="en-US" smtClean="0"/>
-              <a:t>6/10/2025</a:t>
+              <a:t>6/18/2025</a:t>
             </a:fld>
             <a:endParaRPr lang="en-US"/>
           </a:p>
@@ -2385,7 +2386,7 @@
           <a:p>
             <a:fld id="{E3B1C2F4-07A0-459D-95BE-47AEA2376715}" type="datetimeFigureOut">
               <a:rPr lang="en-US" smtClean="0"/>
-              <a:t>6/10/2025</a:t>
+              <a:t>6/18/2025</a:t>
             </a:fld>
             <a:endParaRPr lang="en-US"/>
           </a:p>
@@ -2673,7 +2674,7 @@
           <a:p>
             <a:fld id="{E3B1C2F4-07A0-459D-95BE-47AEA2376715}" type="datetimeFigureOut">
               <a:rPr lang="en-US" smtClean="0"/>
-              <a:t>6/10/2025</a:t>
+              <a:t>6/18/2025</a:t>
             </a:fld>
             <a:endParaRPr lang="en-US"/>
           </a:p>
@@ -2914,7 +2915,7 @@
           <a:p>
             <a:fld id="{E3B1C2F4-07A0-459D-95BE-47AEA2376715}" type="datetimeFigureOut">
               <a:rPr lang="en-US" smtClean="0"/>
-              <a:t>6/10/2025</a:t>
+              <a:t>6/18/2025</a:t>
             </a:fld>
             <a:endParaRPr lang="en-US"/>
           </a:p>
@@ -4094,36 +4095,6 @@
           <a:chExt cx="0" cy="0"/>
         </a:xfrm>
       </p:grpSpPr>
-      <p:pic>
-        <p:nvPicPr>
-          <p:cNvPr id="6" name="Picture 5">
-            <a:extLst>
-              <a:ext uri="{FF2B5EF4-FFF2-40B4-BE49-F238E27FC236}">
-                <a16:creationId xmlns:a16="http://schemas.microsoft.com/office/drawing/2014/main" id="{3CF99D70-1CBB-1140-69DE-9B5BCC3BB05B}"/>
-              </a:ext>
-            </a:extLst>
-          </p:cNvPr>
-          <p:cNvPicPr>
-            <a:picLocks noChangeAspect="1"/>
-          </p:cNvPicPr>
-          <p:nvPr/>
-        </p:nvPicPr>
-        <p:blipFill>
-          <a:blip r:embed="rId2"/>
-          <a:stretch>
-            <a:fillRect/>
-          </a:stretch>
-        </p:blipFill>
-        <p:spPr>
-          <a:xfrm>
-            <a:off x="4929826" y="1527353"/>
-            <a:ext cx="1241253" cy="1668795"/>
-          </a:xfrm>
-          <a:prstGeom prst="rect">
-            <a:avLst/>
-          </a:prstGeom>
-        </p:spPr>
-      </p:pic>
       <p:sp>
         <p:nvSpPr>
           <p:cNvPr id="3" name="TextBox 2">
@@ -4175,110 +4146,8 @@
           </a:p>
         </p:txBody>
       </p:sp>
-      <mc:AlternateContent xmlns:mc="http://schemas.openxmlformats.org/markup-compatibility/2006" xmlns:a14="http://schemas.microsoft.com/office/drawing/2010/main">
-        <mc:Choice Requires="a14">
-          <p:sp>
-            <p:nvSpPr>
-              <p:cNvPr id="7" name="TextBox 6">
-                <a:extLst>
-                  <a:ext uri="{FF2B5EF4-FFF2-40B4-BE49-F238E27FC236}">
-                    <a16:creationId xmlns:a16="http://schemas.microsoft.com/office/drawing/2014/main" id="{005848A7-A949-9388-54CB-AF457DB242C3}"/>
-                  </a:ext>
-                </a:extLst>
-              </p:cNvPr>
-              <p:cNvSpPr txBox="1"/>
-              <p:nvPr/>
-            </p:nvSpPr>
-            <p:spPr>
-              <a:xfrm>
-                <a:off x="5117595" y="1031794"/>
-                <a:ext cx="1237130" cy="369332"/>
-              </a:xfrm>
-              <a:prstGeom prst="rect">
-                <a:avLst/>
-              </a:prstGeom>
-              <a:noFill/>
-            </p:spPr>
-            <p:txBody>
-              <a:bodyPr wrap="square" rtlCol="0">
-                <a:spAutoFit/>
-              </a:bodyPr>
-              <a:lstStyle/>
-              <a:p>
-                <a:pPr/>
-                <a14:m>
-                  <m:oMathPara xmlns:m="http://schemas.openxmlformats.org/officeDocument/2006/math">
-                    <m:oMathParaPr>
-                      <m:jc m:val="centerGroup"/>
-                    </m:oMathParaPr>
-                    <m:oMath xmlns:m="http://schemas.openxmlformats.org/officeDocument/2006/math">
-                      <m:r>
-                        <a:rPr lang="en-US" b="0" i="1" smtClean="0">
-                          <a:latin typeface="Cambria Math" panose="02040503050406030204" pitchFamily="18" charset="0"/>
-                        </a:rPr>
-                        <m:t>𝜎</m:t>
-                      </m:r>
-                      <m:r>
-                        <a:rPr lang="en-US" b="0" i="1" smtClean="0">
-                          <a:latin typeface="Cambria Math" panose="02040503050406030204" pitchFamily="18" charset="0"/>
-                        </a:rPr>
-                        <m:t>=0.020</m:t>
-                      </m:r>
-                    </m:oMath>
-                  </m:oMathPara>
-                </a14:m>
-                <a:endParaRPr lang="en-US" dirty="0"/>
-              </a:p>
-            </p:txBody>
-          </p:sp>
-        </mc:Choice>
-        <mc:Fallback xmlns="">
-          <p:sp>
-            <p:nvSpPr>
-              <p:cNvPr id="7" name="TextBox 6">
-                <a:extLst>
-                  <a:ext uri="{FF2B5EF4-FFF2-40B4-BE49-F238E27FC236}">
-                    <a16:creationId xmlns:a16="http://schemas.microsoft.com/office/drawing/2014/main" id="{C7C76F35-D1EE-7CEE-9F54-59AC3E50D5DE}"/>
-                  </a:ext>
-                </a:extLst>
-              </p:cNvPr>
-              <p:cNvSpPr txBox="1">
-                <a:spLocks noRot="1" noChangeAspect="1" noMove="1" noResize="1" noEditPoints="1" noAdjustHandles="1" noChangeArrowheads="1" noChangeShapeType="1" noTextEdit="1"/>
-              </p:cNvSpPr>
-              <p:nvPr/>
-            </p:nvSpPr>
-            <p:spPr>
-              <a:xfrm>
-                <a:off x="5117595" y="1031794"/>
-                <a:ext cx="1237130" cy="369332"/>
-              </a:xfrm>
-              <a:prstGeom prst="rect">
-                <a:avLst/>
-              </a:prstGeom>
-              <a:blipFill>
-                <a:blip r:embed="rId3"/>
-                <a:stretch>
-                  <a:fillRect/>
-                </a:stretch>
-              </a:blipFill>
-            </p:spPr>
-            <p:txBody>
-              <a:bodyPr/>
-              <a:lstStyle/>
-              <a:p>
-                <a:r>
-                  <a:rPr lang="en-US">
-                    <a:noFill/>
-                  </a:rPr>
-                  <a:t> </a:t>
-                </a:r>
-              </a:p>
-            </p:txBody>
-          </p:sp>
-        </mc:Fallback>
-      </mc:AlternateContent>
-      <mc:AlternateContent xmlns:mc="http://schemas.openxmlformats.org/markup-compatibility/2006" xmlns:a14="http://schemas.microsoft.com/office/drawing/2010/main">
-        <mc:Choice Requires="a14">
+      <mc:AlternateContent xmlns:mc="http://schemas.openxmlformats.org/markup-compatibility/2006">
+        <mc:Choice xmlns:a14="http://schemas.microsoft.com/office/drawing/2010/main" Requires="a14">
           <p:sp>
             <p:nvSpPr>
               <p:cNvPr id="8" name="TextBox 7">
@@ -4293,7 +4162,7 @@
             </p:nvSpPr>
             <p:spPr>
               <a:xfrm>
-                <a:off x="7012597" y="1031794"/>
+                <a:off x="5051385" y="1012894"/>
                 <a:ext cx="1525469" cy="369332"/>
               </a:xfrm>
               <a:prstGeom prst="rect">
@@ -4340,13 +4209,13 @@
             </p:txBody>
           </p:sp>
         </mc:Choice>
-        <mc:Fallback xmlns="">
+        <mc:Fallback>
           <p:sp>
             <p:nvSpPr>
               <p:cNvPr id="8" name="TextBox 7">
                 <a:extLst>
                   <a:ext uri="{FF2B5EF4-FFF2-40B4-BE49-F238E27FC236}">
-                    <a16:creationId xmlns:a16="http://schemas.microsoft.com/office/drawing/2014/main" id="{A3D5A164-5866-DA2B-BE67-42CEB03795EE}"/>
+                    <a16:creationId xmlns:a16="http://schemas.microsoft.com/office/drawing/2014/main" id="{6CAE1B53-957D-7043-995E-69E30A7327F0}"/>
                   </a:ext>
                 </a:extLst>
               </p:cNvPr>
@@ -4357,14 +4226,14 @@
             </p:nvSpPr>
             <p:spPr>
               <a:xfrm>
-                <a:off x="7012597" y="1031794"/>
+                <a:off x="5051385" y="1012894"/>
                 <a:ext cx="1525469" cy="369332"/>
               </a:xfrm>
               <a:prstGeom prst="rect">
                 <a:avLst/>
               </a:prstGeom>
               <a:blipFill>
-                <a:blip r:embed="rId4"/>
+                <a:blip r:embed="rId2"/>
                 <a:stretch>
                   <a:fillRect/>
                 </a:stretch>
@@ -4401,7 +4270,7 @@
             </p:nvSpPr>
             <p:spPr>
               <a:xfrm>
-                <a:off x="9216733" y="988024"/>
+                <a:off x="7255521" y="969124"/>
                 <a:ext cx="1318040" cy="369332"/>
               </a:xfrm>
               <a:prstGeom prst="rect">
@@ -4415,6 +4284,7 @@
               </a:bodyPr>
               <a:lstStyle/>
               <a:p>
+                <a:pPr/>
                 <a14:m>
                   <m:oMathPara xmlns:m="http://schemas.openxmlformats.org/officeDocument/2006/math">
                     <m:oMathParaPr>
@@ -4458,14 +4328,14 @@
             </p:nvSpPr>
             <p:spPr>
               <a:xfrm>
-                <a:off x="9216733" y="988024"/>
+                <a:off x="7255521" y="969124"/>
                 <a:ext cx="1318040" cy="369332"/>
               </a:xfrm>
               <a:prstGeom prst="rect">
                 <a:avLst/>
               </a:prstGeom>
               <a:blipFill>
-                <a:blip r:embed="rId5"/>
+                <a:blip r:embed="rId3"/>
                 <a:stretch>
                   <a:fillRect/>
                 </a:stretch>
@@ -4501,14 +4371,14 @@
           <p:nvPr/>
         </p:nvPicPr>
         <p:blipFill>
-          <a:blip r:embed="rId6"/>
+          <a:blip r:embed="rId4"/>
           <a:stretch>
             <a:fillRect/>
           </a:stretch>
         </p:blipFill>
         <p:spPr>
           <a:xfrm>
-            <a:off x="6891038" y="1501516"/>
+            <a:off x="4929826" y="1482616"/>
             <a:ext cx="1344719" cy="1773994"/>
           </a:xfrm>
           <a:prstGeom prst="rect">
@@ -4531,14 +4401,14 @@
           <p:nvPr/>
         </p:nvPicPr>
         <p:blipFill>
-          <a:blip r:embed="rId7"/>
+          <a:blip r:embed="rId5"/>
           <a:stretch>
             <a:fillRect/>
           </a:stretch>
         </p:blipFill>
         <p:spPr>
           <a:xfrm>
-            <a:off x="9039769" y="1478764"/>
+            <a:off x="7078557" y="1459864"/>
             <a:ext cx="1179540" cy="1818674"/>
           </a:xfrm>
           <a:prstGeom prst="rect">
@@ -4796,7 +4666,7 @@
             </p:nvSpPr>
             <p:spPr>
               <a:xfrm>
-                <a:off x="288701" y="4627372"/>
+                <a:off x="383442" y="5472390"/>
                 <a:ext cx="1237130" cy="369332"/>
               </a:xfrm>
               <a:prstGeom prst="rect">
@@ -4854,7 +4724,7 @@
             </p:nvSpPr>
             <p:spPr>
               <a:xfrm>
-                <a:off x="288701" y="4627372"/>
+                <a:off x="383442" y="5472390"/>
                 <a:ext cx="1237130" cy="369332"/>
               </a:xfrm>
               <a:prstGeom prst="rect">
@@ -4904,7 +4774,7 @@
         </p:blipFill>
         <p:spPr>
           <a:xfrm>
-            <a:off x="2685307" y="4503786"/>
+            <a:off x="2610323" y="5348804"/>
             <a:ext cx="1321427" cy="1345194"/>
           </a:xfrm>
           <a:prstGeom prst="rect">
@@ -4934,7 +4804,7 @@
         </p:blipFill>
         <p:spPr>
           <a:xfrm>
-            <a:off x="4935406" y="4521271"/>
+            <a:off x="4860422" y="5366289"/>
             <a:ext cx="1235307" cy="1314068"/>
           </a:xfrm>
           <a:prstGeom prst="rect">
@@ -4958,7 +4828,7 @@
             </p:nvSpPr>
             <p:spPr>
               <a:xfrm>
-                <a:off x="2769604" y="4165208"/>
+                <a:off x="2694620" y="5010226"/>
                 <a:ext cx="1237130" cy="369332"/>
               </a:xfrm>
               <a:prstGeom prst="rect">
@@ -5016,7 +4886,7 @@
             </p:nvSpPr>
             <p:spPr>
               <a:xfrm>
-                <a:off x="2769604" y="4165208"/>
+                <a:off x="2694620" y="5010226"/>
                 <a:ext cx="1237130" cy="369332"/>
               </a:xfrm>
               <a:prstGeom prst="rect">
@@ -5060,7 +4930,7 @@
             </p:nvSpPr>
             <p:spPr>
               <a:xfrm>
-                <a:off x="4917700" y="4160320"/>
+                <a:off x="4842716" y="5005338"/>
                 <a:ext cx="1237130" cy="369332"/>
               </a:xfrm>
               <a:prstGeom prst="rect">
@@ -5118,7 +4988,7 @@
             </p:nvSpPr>
             <p:spPr>
               <a:xfrm>
-                <a:off x="4917700" y="4160320"/>
+                <a:off x="4842716" y="5005338"/>
                 <a:ext cx="1237130" cy="369332"/>
               </a:xfrm>
               <a:prstGeom prst="rect">
@@ -5175,7 +5045,7 @@
         </p:blipFill>
         <p:spPr bwMode="auto">
           <a:xfrm>
-            <a:off x="6734172" y="4627372"/>
+            <a:off x="6659188" y="5472390"/>
             <a:ext cx="1803894" cy="1098022"/>
           </a:xfrm>
           <a:prstGeom prst="rect">
@@ -5209,7 +5079,7 @@
             </p:nvSpPr>
             <p:spPr>
               <a:xfrm>
-                <a:off x="7017554" y="4165208"/>
+                <a:off x="6942570" y="5010226"/>
                 <a:ext cx="1237130" cy="369332"/>
               </a:xfrm>
               <a:prstGeom prst="rect">
@@ -5267,7 +5137,7 @@
             </p:nvSpPr>
             <p:spPr>
               <a:xfrm>
-                <a:off x="7017554" y="4165208"/>
+                <a:off x="6942570" y="5010226"/>
                 <a:ext cx="1237130" cy="369332"/>
               </a:xfrm>
               <a:prstGeom prst="rect">
@@ -5309,7 +5179,7 @@
         </p:nvSpPr>
         <p:spPr>
           <a:xfrm>
-            <a:off x="1980693" y="5716563"/>
+            <a:off x="1905709" y="6561581"/>
             <a:ext cx="2765121" cy="369332"/>
           </a:xfrm>
           <a:prstGeom prst="rect">
@@ -5367,42 +5237,504 @@
           </a:p>
         </p:txBody>
       </p:sp>
-      <p:sp>
-        <p:nvSpPr>
-          <p:cNvPr id="28" name="TextBox 27">
-            <a:extLst>
-              <a:ext uri="{FF2B5EF4-FFF2-40B4-BE49-F238E27FC236}">
-                <a16:creationId xmlns:a16="http://schemas.microsoft.com/office/drawing/2014/main" id="{2085E047-45BA-5726-63E0-D9D1AD9C44C6}"/>
-              </a:ext>
-            </a:extLst>
-          </p:cNvPr>
-          <p:cNvSpPr txBox="1"/>
+      <mc:AlternateContent xmlns:mc="http://schemas.openxmlformats.org/markup-compatibility/2006">
+        <mc:Choice xmlns:a14="http://schemas.microsoft.com/office/drawing/2010/main" Requires="a14">
+          <p:sp>
+            <p:nvSpPr>
+              <p:cNvPr id="10" name="TextBox 9">
+                <a:extLst>
+                  <a:ext uri="{FF2B5EF4-FFF2-40B4-BE49-F238E27FC236}">
+                    <a16:creationId xmlns:a16="http://schemas.microsoft.com/office/drawing/2014/main" id="{6CF6933F-D5D7-C115-052F-019FE9D965ED}"/>
+                  </a:ext>
+                </a:extLst>
+              </p:cNvPr>
+              <p:cNvSpPr txBox="1"/>
+              <p:nvPr/>
+            </p:nvSpPr>
+            <p:spPr>
+              <a:xfrm>
+                <a:off x="408832" y="3757586"/>
+                <a:ext cx="1237130" cy="369332"/>
+              </a:xfrm>
+              <a:prstGeom prst="rect">
+                <a:avLst/>
+              </a:prstGeom>
+              <a:noFill/>
+            </p:spPr>
+            <p:txBody>
+              <a:bodyPr wrap="square" rtlCol="0">
+                <a:spAutoFit/>
+              </a:bodyPr>
+              <a:lstStyle/>
+              <a:p>
+                <a:pPr/>
+                <a14:m>
+                  <m:oMathPara xmlns:m="http://schemas.openxmlformats.org/officeDocument/2006/math">
+                    <m:oMathParaPr>
+                      <m:jc m:val="centerGroup"/>
+                    </m:oMathParaPr>
+                    <m:oMath xmlns:m="http://schemas.openxmlformats.org/officeDocument/2006/math">
+                      <m:r>
+                        <a:rPr lang="en-US" b="0" i="1" smtClean="0">
+                          <a:latin typeface="Cambria Math" panose="02040503050406030204" pitchFamily="18" charset="0"/>
+                        </a:rPr>
+                        <m:t>𝛼</m:t>
+                      </m:r>
+                      <m:r>
+                        <a:rPr lang="en-US" b="0" i="1" smtClean="0">
+                          <a:latin typeface="Cambria Math" panose="02040503050406030204" pitchFamily="18" charset="0"/>
+                        </a:rPr>
+                        <m:t>=0.10</m:t>
+                      </m:r>
+                    </m:oMath>
+                  </m:oMathPara>
+                </a14:m>
+                <a:endParaRPr lang="en-US" dirty="0"/>
+              </a:p>
+            </p:txBody>
+          </p:sp>
+        </mc:Choice>
+        <mc:Fallback>
+          <p:sp>
+            <p:nvSpPr>
+              <p:cNvPr id="10" name="TextBox 9">
+                <a:extLst>
+                  <a:ext uri="{FF2B5EF4-FFF2-40B4-BE49-F238E27FC236}">
+                    <a16:creationId xmlns:a16="http://schemas.microsoft.com/office/drawing/2014/main" id="{6CF6933F-D5D7-C115-052F-019FE9D965ED}"/>
+                  </a:ext>
+                </a:extLst>
+              </p:cNvPr>
+              <p:cNvSpPr txBox="1">
+                <a:spLocks noRot="1" noChangeAspect="1" noMove="1" noResize="1" noEditPoints="1" noAdjustHandles="1" noChangeArrowheads="1" noChangeShapeType="1" noTextEdit="1"/>
+              </p:cNvSpPr>
+              <p:nvPr/>
+            </p:nvSpPr>
+            <p:spPr>
+              <a:xfrm>
+                <a:off x="408832" y="3757586"/>
+                <a:ext cx="1237130" cy="369332"/>
+              </a:xfrm>
+              <a:prstGeom prst="rect">
+                <a:avLst/>
+              </a:prstGeom>
+              <a:blipFill>
+                <a:blip r:embed="rId18"/>
+                <a:stretch>
+                  <a:fillRect/>
+                </a:stretch>
+              </a:blipFill>
+            </p:spPr>
+            <p:txBody>
+              <a:bodyPr/>
+              <a:lstStyle/>
+              <a:p>
+                <a:r>
+                  <a:rPr lang="en-US">
+                    <a:noFill/>
+                  </a:rPr>
+                  <a:t> </a:t>
+                </a:r>
+              </a:p>
+            </p:txBody>
+          </p:sp>
+        </mc:Fallback>
+      </mc:AlternateContent>
+      <p:pic>
+        <p:nvPicPr>
+          <p:cNvPr id="11" name="Picture 10">
+            <a:extLst>
+              <a:ext uri="{FF2B5EF4-FFF2-40B4-BE49-F238E27FC236}">
+                <a16:creationId xmlns:a16="http://schemas.microsoft.com/office/drawing/2014/main" id="{BFDAF66E-1F0B-CBA9-39C5-0840AF5ED53A}"/>
+              </a:ext>
+            </a:extLst>
+          </p:cNvPr>
+          <p:cNvPicPr>
+            <a:picLocks noChangeAspect="1"/>
+          </p:cNvPicPr>
           <p:nvPr/>
-        </p:nvSpPr>
+        </p:nvPicPr>
+        <p:blipFill>
+          <a:blip r:embed="rId19"/>
+          <a:stretch>
+            <a:fillRect/>
+          </a:stretch>
+        </p:blipFill>
         <p:spPr>
           <a:xfrm>
-            <a:off x="4247476" y="3116023"/>
-            <a:ext cx="2765121" cy="369332"/>
+            <a:off x="2625812" y="3779262"/>
+            <a:ext cx="1568834" cy="1112446"/>
           </a:xfrm>
           <a:prstGeom prst="rect">
             <a:avLst/>
           </a:prstGeom>
-          <a:noFill/>
         </p:spPr>
-        <p:txBody>
-          <a:bodyPr wrap="square" rtlCol="0">
-            <a:spAutoFit/>
-          </a:bodyPr>
-          <a:lstStyle/>
-          <a:p>
-            <a:pPr algn="ctr"/>
-            <a:r>
-              <a:rPr lang="en-US" dirty="0"/>
-              <a:t>Need to finalize/switch</a:t>
-            </a:r>
-          </a:p>
-        </p:txBody>
-      </p:sp>
+      </p:pic>
+      <mc:AlternateContent xmlns:mc="http://schemas.openxmlformats.org/markup-compatibility/2006">
+        <mc:Choice xmlns:a14="http://schemas.microsoft.com/office/drawing/2010/main" Requires="a14">
+          <p:sp>
+            <p:nvSpPr>
+              <p:cNvPr id="12" name="TextBox 11">
+                <a:extLst>
+                  <a:ext uri="{FF2B5EF4-FFF2-40B4-BE49-F238E27FC236}">
+                    <a16:creationId xmlns:a16="http://schemas.microsoft.com/office/drawing/2014/main" id="{37B38CDC-8778-C2F4-1FD3-CE09B6500A04}"/>
+                  </a:ext>
+                </a:extLst>
+              </p:cNvPr>
+              <p:cNvSpPr txBox="1"/>
+              <p:nvPr/>
+            </p:nvSpPr>
+            <p:spPr>
+              <a:xfrm>
+                <a:off x="2567338" y="3458871"/>
+                <a:ext cx="1568833" cy="369332"/>
+              </a:xfrm>
+              <a:prstGeom prst="rect">
+                <a:avLst/>
+              </a:prstGeom>
+              <a:noFill/>
+            </p:spPr>
+            <p:txBody>
+              <a:bodyPr wrap="square" rtlCol="0">
+                <a:spAutoFit/>
+              </a:bodyPr>
+              <a:lstStyle/>
+              <a:p>
+                <a:pPr/>
+                <a14:m>
+                  <m:oMathPara xmlns:m="http://schemas.openxmlformats.org/officeDocument/2006/math">
+                    <m:oMathParaPr>
+                      <m:jc m:val="centerGroup"/>
+                    </m:oMathParaPr>
+                    <m:oMath xmlns:m="http://schemas.openxmlformats.org/officeDocument/2006/math">
+                      <m:r>
+                        <a:rPr lang="en-US" b="0" i="1" smtClean="0">
+                          <a:latin typeface="Cambria Math" panose="02040503050406030204" pitchFamily="18" charset="0"/>
+                        </a:rPr>
+                        <m:t>𝜎</m:t>
+                      </m:r>
+                      <m:r>
+                        <a:rPr lang="en-US" b="0" i="1" smtClean="0">
+                          <a:latin typeface="Cambria Math" panose="02040503050406030204" pitchFamily="18" charset="0"/>
+                        </a:rPr>
+                        <m:t>=0.0025</m:t>
+                      </m:r>
+                    </m:oMath>
+                  </m:oMathPara>
+                </a14:m>
+                <a:endParaRPr lang="en-US" dirty="0"/>
+              </a:p>
+            </p:txBody>
+          </p:sp>
+        </mc:Choice>
+        <mc:Fallback>
+          <p:sp>
+            <p:nvSpPr>
+              <p:cNvPr id="12" name="TextBox 11">
+                <a:extLst>
+                  <a:ext uri="{FF2B5EF4-FFF2-40B4-BE49-F238E27FC236}">
+                    <a16:creationId xmlns:a16="http://schemas.microsoft.com/office/drawing/2014/main" id="{37B38CDC-8778-C2F4-1FD3-CE09B6500A04}"/>
+                  </a:ext>
+                </a:extLst>
+              </p:cNvPr>
+              <p:cNvSpPr txBox="1">
+                <a:spLocks noRot="1" noChangeAspect="1" noMove="1" noResize="1" noEditPoints="1" noAdjustHandles="1" noChangeArrowheads="1" noChangeShapeType="1" noTextEdit="1"/>
+              </p:cNvSpPr>
+              <p:nvPr/>
+            </p:nvSpPr>
+            <p:spPr>
+              <a:xfrm>
+                <a:off x="2567338" y="3458871"/>
+                <a:ext cx="1568833" cy="369332"/>
+              </a:xfrm>
+              <a:prstGeom prst="rect">
+                <a:avLst/>
+              </a:prstGeom>
+              <a:blipFill>
+                <a:blip r:embed="rId20"/>
+                <a:stretch>
+                  <a:fillRect/>
+                </a:stretch>
+              </a:blipFill>
+            </p:spPr>
+            <p:txBody>
+              <a:bodyPr/>
+              <a:lstStyle/>
+              <a:p>
+                <a:r>
+                  <a:rPr lang="en-US">
+                    <a:noFill/>
+                  </a:rPr>
+                  <a:t> </a:t>
+                </a:r>
+              </a:p>
+            </p:txBody>
+          </p:sp>
+        </mc:Fallback>
+      </mc:AlternateContent>
+      <p:pic>
+        <p:nvPicPr>
+          <p:cNvPr id="15" name="Picture 14">
+            <a:extLst>
+              <a:ext uri="{FF2B5EF4-FFF2-40B4-BE49-F238E27FC236}">
+                <a16:creationId xmlns:a16="http://schemas.microsoft.com/office/drawing/2014/main" id="{13B34BD4-5D77-3EFE-6594-2382C62CE19B}"/>
+              </a:ext>
+            </a:extLst>
+          </p:cNvPr>
+          <p:cNvPicPr>
+            <a:picLocks noChangeAspect="1"/>
+          </p:cNvPicPr>
+          <p:nvPr/>
+        </p:nvPicPr>
+        <p:blipFill>
+          <a:blip r:embed="rId21"/>
+          <a:stretch>
+            <a:fillRect/>
+          </a:stretch>
+        </p:blipFill>
+        <p:spPr>
+          <a:xfrm>
+            <a:off x="4860422" y="3826069"/>
+            <a:ext cx="1344719" cy="1136935"/>
+          </a:xfrm>
+          <a:prstGeom prst="rect">
+            <a:avLst/>
+          </a:prstGeom>
+        </p:spPr>
+      </p:pic>
+      <mc:AlternateContent xmlns:mc="http://schemas.openxmlformats.org/markup-compatibility/2006">
+        <mc:Choice xmlns:a14="http://schemas.microsoft.com/office/drawing/2010/main" Requires="a14">
+          <p:sp>
+            <p:nvSpPr>
+              <p:cNvPr id="19" name="TextBox 18">
+                <a:extLst>
+                  <a:ext uri="{FF2B5EF4-FFF2-40B4-BE49-F238E27FC236}">
+                    <a16:creationId xmlns:a16="http://schemas.microsoft.com/office/drawing/2014/main" id="{D6376C82-01A4-01EC-7405-326895321943}"/>
+                  </a:ext>
+                </a:extLst>
+              </p:cNvPr>
+              <p:cNvSpPr txBox="1"/>
+              <p:nvPr/>
+            </p:nvSpPr>
+            <p:spPr>
+              <a:xfrm>
+                <a:off x="4678757" y="3458871"/>
+                <a:ext cx="1568833" cy="369332"/>
+              </a:xfrm>
+              <a:prstGeom prst="rect">
+                <a:avLst/>
+              </a:prstGeom>
+              <a:noFill/>
+            </p:spPr>
+            <p:txBody>
+              <a:bodyPr wrap="square" rtlCol="0">
+                <a:spAutoFit/>
+              </a:bodyPr>
+              <a:lstStyle/>
+              <a:p>
+                <a:pPr/>
+                <a14:m>
+                  <m:oMathPara xmlns:m="http://schemas.openxmlformats.org/officeDocument/2006/math">
+                    <m:oMathParaPr>
+                      <m:jc m:val="centerGroup"/>
+                    </m:oMathParaPr>
+                    <m:oMath xmlns:m="http://schemas.openxmlformats.org/officeDocument/2006/math">
+                      <m:r>
+                        <a:rPr lang="en-US" b="0" i="1" smtClean="0">
+                          <a:latin typeface="Cambria Math" panose="02040503050406030204" pitchFamily="18" charset="0"/>
+                        </a:rPr>
+                        <m:t>𝜎</m:t>
+                      </m:r>
+                      <m:r>
+                        <a:rPr lang="en-US" b="0" i="1" smtClean="0">
+                          <a:latin typeface="Cambria Math" panose="02040503050406030204" pitchFamily="18" charset="0"/>
+                        </a:rPr>
+                        <m:t>=0.005</m:t>
+                      </m:r>
+                    </m:oMath>
+                  </m:oMathPara>
+                </a14:m>
+                <a:endParaRPr lang="en-US" dirty="0"/>
+              </a:p>
+            </p:txBody>
+          </p:sp>
+        </mc:Choice>
+        <mc:Fallback>
+          <p:sp>
+            <p:nvSpPr>
+              <p:cNvPr id="19" name="TextBox 18">
+                <a:extLst>
+                  <a:ext uri="{FF2B5EF4-FFF2-40B4-BE49-F238E27FC236}">
+                    <a16:creationId xmlns:a16="http://schemas.microsoft.com/office/drawing/2014/main" id="{D6376C82-01A4-01EC-7405-326895321943}"/>
+                  </a:ext>
+                </a:extLst>
+              </p:cNvPr>
+              <p:cNvSpPr txBox="1">
+                <a:spLocks noRot="1" noChangeAspect="1" noMove="1" noResize="1" noEditPoints="1" noAdjustHandles="1" noChangeArrowheads="1" noChangeShapeType="1" noTextEdit="1"/>
+              </p:cNvSpPr>
+              <p:nvPr/>
+            </p:nvSpPr>
+            <p:spPr>
+              <a:xfrm>
+                <a:off x="4678757" y="3458871"/>
+                <a:ext cx="1568833" cy="369332"/>
+              </a:xfrm>
+              <a:prstGeom prst="rect">
+                <a:avLst/>
+              </a:prstGeom>
+              <a:blipFill>
+                <a:blip r:embed="rId22"/>
+                <a:stretch>
+                  <a:fillRect/>
+                </a:stretch>
+              </a:blipFill>
+            </p:spPr>
+            <p:txBody>
+              <a:bodyPr/>
+              <a:lstStyle/>
+              <a:p>
+                <a:r>
+                  <a:rPr lang="en-US">
+                    <a:noFill/>
+                  </a:rPr>
+                  <a:t> </a:t>
+                </a:r>
+              </a:p>
+            </p:txBody>
+          </p:sp>
+        </mc:Fallback>
+      </mc:AlternateContent>
+      <p:pic>
+        <p:nvPicPr>
+          <p:cNvPr id="26" name="Picture 25">
+            <a:extLst>
+              <a:ext uri="{FF2B5EF4-FFF2-40B4-BE49-F238E27FC236}">
+                <a16:creationId xmlns:a16="http://schemas.microsoft.com/office/drawing/2014/main" id="{C5FDBD18-9EE0-FDBA-2AEE-ABDABB3E2BDF}"/>
+              </a:ext>
+            </a:extLst>
+          </p:cNvPr>
+          <p:cNvPicPr>
+            <a:picLocks noChangeAspect="1"/>
+          </p:cNvPicPr>
+          <p:nvPr/>
+        </p:nvPicPr>
+        <p:blipFill>
+          <a:blip r:embed="rId23"/>
+          <a:stretch>
+            <a:fillRect/>
+          </a:stretch>
+        </p:blipFill>
+        <p:spPr>
+          <a:xfrm>
+            <a:off x="6659188" y="3643537"/>
+            <a:ext cx="1344719" cy="1107152"/>
+          </a:xfrm>
+          <a:prstGeom prst="rect">
+            <a:avLst/>
+          </a:prstGeom>
+        </p:spPr>
+      </p:pic>
+      <mc:AlternateContent xmlns:mc="http://schemas.openxmlformats.org/markup-compatibility/2006">
+        <mc:Choice xmlns:a14="http://schemas.microsoft.com/office/drawing/2010/main" Requires="a14">
+          <p:sp>
+            <p:nvSpPr>
+              <p:cNvPr id="27" name="TextBox 26">
+                <a:extLst>
+                  <a:ext uri="{FF2B5EF4-FFF2-40B4-BE49-F238E27FC236}">
+                    <a16:creationId xmlns:a16="http://schemas.microsoft.com/office/drawing/2014/main" id="{B1E9663F-FB6F-BA05-907C-3EF29CABC06A}"/>
+                  </a:ext>
+                </a:extLst>
+              </p:cNvPr>
+              <p:cNvSpPr txBox="1"/>
+              <p:nvPr/>
+            </p:nvSpPr>
+            <p:spPr>
+              <a:xfrm>
+                <a:off x="6547130" y="3454722"/>
+                <a:ext cx="1568833" cy="369332"/>
+              </a:xfrm>
+              <a:prstGeom prst="rect">
+                <a:avLst/>
+              </a:prstGeom>
+              <a:noFill/>
+            </p:spPr>
+            <p:txBody>
+              <a:bodyPr wrap="square" rtlCol="0">
+                <a:spAutoFit/>
+              </a:bodyPr>
+              <a:lstStyle/>
+              <a:p>
+                <a:pPr/>
+                <a14:m>
+                  <m:oMathPara xmlns:m="http://schemas.openxmlformats.org/officeDocument/2006/math">
+                    <m:oMathParaPr>
+                      <m:jc m:val="centerGroup"/>
+                    </m:oMathParaPr>
+                    <m:oMath xmlns:m="http://schemas.openxmlformats.org/officeDocument/2006/math">
+                      <m:r>
+                        <a:rPr lang="en-US" b="0" i="1" smtClean="0">
+                          <a:latin typeface="Cambria Math" panose="02040503050406030204" pitchFamily="18" charset="0"/>
+                        </a:rPr>
+                        <m:t>𝜎</m:t>
+                      </m:r>
+                      <m:r>
+                        <a:rPr lang="en-US" b="0" i="1" smtClean="0">
+                          <a:latin typeface="Cambria Math" panose="02040503050406030204" pitchFamily="18" charset="0"/>
+                        </a:rPr>
+                        <m:t>=0.005</m:t>
+                      </m:r>
+                    </m:oMath>
+                  </m:oMathPara>
+                </a14:m>
+                <a:endParaRPr lang="en-US" dirty="0"/>
+              </a:p>
+            </p:txBody>
+          </p:sp>
+        </mc:Choice>
+        <mc:Fallback>
+          <p:sp>
+            <p:nvSpPr>
+              <p:cNvPr id="27" name="TextBox 26">
+                <a:extLst>
+                  <a:ext uri="{FF2B5EF4-FFF2-40B4-BE49-F238E27FC236}">
+                    <a16:creationId xmlns:a16="http://schemas.microsoft.com/office/drawing/2014/main" id="{B1E9663F-FB6F-BA05-907C-3EF29CABC06A}"/>
+                  </a:ext>
+                </a:extLst>
+              </p:cNvPr>
+              <p:cNvSpPr txBox="1">
+                <a:spLocks noRot="1" noChangeAspect="1" noMove="1" noResize="1" noEditPoints="1" noAdjustHandles="1" noChangeArrowheads="1" noChangeShapeType="1" noTextEdit="1"/>
+              </p:cNvSpPr>
+              <p:nvPr/>
+            </p:nvSpPr>
+            <p:spPr>
+              <a:xfrm>
+                <a:off x="6547130" y="3454722"/>
+                <a:ext cx="1568833" cy="369332"/>
+              </a:xfrm>
+              <a:prstGeom prst="rect">
+                <a:avLst/>
+              </a:prstGeom>
+              <a:blipFill>
+                <a:blip r:embed="rId24"/>
+                <a:stretch>
+                  <a:fillRect/>
+                </a:stretch>
+              </a:blipFill>
+            </p:spPr>
+            <p:txBody>
+              <a:bodyPr/>
+              <a:lstStyle/>
+              <a:p>
+                <a:r>
+                  <a:rPr lang="en-US">
+                    <a:noFill/>
+                  </a:rPr>
+                  <a:t> </a:t>
+                </a:r>
+              </a:p>
+            </p:txBody>
+          </p:sp>
+        </mc:Fallback>
+      </mc:AlternateContent>
     </p:spTree>
     <p:extLst>
       <p:ext uri="{BB962C8B-B14F-4D97-AF65-F5344CB8AC3E}">
@@ -5417,6 +5749,757 @@
 </file>
 
 <file path=ppt/slides/slide4.xml><?xml version="1.0" encoding="utf-8"?>
+<p:sld xmlns:a="http://schemas.openxmlformats.org/drawingml/2006/main" xmlns:r="http://schemas.openxmlformats.org/officeDocument/2006/relationships" xmlns:p="http://schemas.openxmlformats.org/presentationml/2006/main">
+  <p:cSld>
+    <p:spTree>
+      <p:nvGrpSpPr>
+        <p:cNvPr id="1" name="">
+          <a:extLst>
+            <a:ext uri="{FF2B5EF4-FFF2-40B4-BE49-F238E27FC236}">
+              <a16:creationId xmlns:a16="http://schemas.microsoft.com/office/drawing/2014/main" id="{5F8A6E35-AD85-B5DD-199C-38FDB1197775}"/>
+            </a:ext>
+          </a:extLst>
+        </p:cNvPr>
+        <p:cNvGrpSpPr/>
+        <p:nvPr/>
+      </p:nvGrpSpPr>
+      <p:grpSpPr>
+        <a:xfrm>
+          <a:off x="0" y="0"/>
+          <a:ext cx="0" cy="0"/>
+          <a:chOff x="0" y="0"/>
+          <a:chExt cx="0" cy="0"/>
+        </a:xfrm>
+      </p:grpSpPr>
+      <p:sp>
+        <p:nvSpPr>
+          <p:cNvPr id="3" name="TextBox 2">
+            <a:extLst>
+              <a:ext uri="{FF2B5EF4-FFF2-40B4-BE49-F238E27FC236}">
+                <a16:creationId xmlns:a16="http://schemas.microsoft.com/office/drawing/2014/main" id="{9205F0B4-50EC-8544-B836-A8CBD1227B30}"/>
+              </a:ext>
+            </a:extLst>
+          </p:cNvPr>
+          <p:cNvSpPr txBox="1"/>
+          <p:nvPr/>
+        </p:nvSpPr>
+        <p:spPr>
+          <a:xfrm>
+            <a:off x="1645962" y="247374"/>
+            <a:ext cx="9436032" cy="369332"/>
+          </a:xfrm>
+          <a:prstGeom prst="rect">
+            <a:avLst/>
+          </a:prstGeom>
+          <a:noFill/>
+        </p:spPr>
+        <p:txBody>
+          <a:bodyPr wrap="square" rtlCol="0">
+            <a:spAutoFit/>
+          </a:bodyPr>
+          <a:lstStyle/>
+          <a:p>
+            <a:r>
+              <a:rPr lang="en-US" dirty="0"/>
+              <a:t>Fig 3: </a:t>
+            </a:r>
+            <a:r>
+              <a:rPr lang="en-US" dirty="0" err="1"/>
+              <a:t>Cyl</a:t>
+            </a:r>
+            <a:r>
+              <a:rPr lang="en-US" dirty="0"/>
+              <a:t> to </a:t>
+            </a:r>
+            <a:r>
+              <a:rPr lang="en-US" dirty="0" err="1"/>
+              <a:t>Cyl</a:t>
+            </a:r>
+            <a:r>
+              <a:rPr lang="en-US" dirty="0"/>
+              <a:t>-str to Str by increasing sigma</a:t>
+            </a:r>
+          </a:p>
+        </p:txBody>
+      </p:sp>
+      <mc:AlternateContent xmlns:mc="http://schemas.openxmlformats.org/markup-compatibility/2006">
+        <mc:Choice xmlns:a14="http://schemas.microsoft.com/office/drawing/2010/main" Requires="a14">
+          <p:sp>
+            <p:nvSpPr>
+              <p:cNvPr id="8" name="TextBox 7">
+                <a:extLst>
+                  <a:ext uri="{FF2B5EF4-FFF2-40B4-BE49-F238E27FC236}">
+                    <a16:creationId xmlns:a16="http://schemas.microsoft.com/office/drawing/2014/main" id="{3395E763-213B-C49F-325E-55CFBBC6CDE6}"/>
+                  </a:ext>
+                </a:extLst>
+              </p:cNvPr>
+              <p:cNvSpPr txBox="1"/>
+              <p:nvPr/>
+            </p:nvSpPr>
+            <p:spPr>
+              <a:xfrm>
+                <a:off x="5051385" y="1012894"/>
+                <a:ext cx="1525469" cy="369332"/>
+              </a:xfrm>
+              <a:prstGeom prst="rect">
+                <a:avLst/>
+              </a:prstGeom>
+              <a:noFill/>
+            </p:spPr>
+            <p:txBody>
+              <a:bodyPr wrap="square" rtlCol="0">
+                <a:spAutoFit/>
+              </a:bodyPr>
+              <a:lstStyle/>
+              <a:p>
+                <a:pPr/>
+                <a14:m>
+                  <m:oMathPara xmlns:m="http://schemas.openxmlformats.org/officeDocument/2006/math">
+                    <m:oMathParaPr>
+                      <m:jc m:val="centerGroup"/>
+                    </m:oMathParaPr>
+                    <m:oMath xmlns:m="http://schemas.openxmlformats.org/officeDocument/2006/math">
+                      <m:r>
+                        <a:rPr lang="en-US" b="0" i="1" smtClean="0">
+                          <a:latin typeface="Cambria Math" panose="02040503050406030204" pitchFamily="18" charset="0"/>
+                        </a:rPr>
+                        <m:t>𝜎</m:t>
+                      </m:r>
+                      <m:r>
+                        <a:rPr lang="en-US" b="0" i="1" smtClean="0">
+                          <a:latin typeface="Cambria Math" panose="02040503050406030204" pitchFamily="18" charset="0"/>
+                        </a:rPr>
+                        <m:t>=0.03</m:t>
+                      </m:r>
+                      <m:r>
+                        <a:rPr lang="en-US" b="0" i="0" smtClean="0">
+                          <a:latin typeface="Cambria Math" panose="02040503050406030204" pitchFamily="18" charset="0"/>
+                        </a:rPr>
+                        <m:t>0</m:t>
+                      </m:r>
+                    </m:oMath>
+                  </m:oMathPara>
+                </a14:m>
+                <a:endParaRPr lang="en-US" dirty="0"/>
+              </a:p>
+            </p:txBody>
+          </p:sp>
+        </mc:Choice>
+        <mc:Fallback>
+          <p:sp>
+            <p:nvSpPr>
+              <p:cNvPr id="8" name="TextBox 7">
+                <a:extLst>
+                  <a:ext uri="{FF2B5EF4-FFF2-40B4-BE49-F238E27FC236}">
+                    <a16:creationId xmlns:a16="http://schemas.microsoft.com/office/drawing/2014/main" id="{3395E763-213B-C49F-325E-55CFBBC6CDE6}"/>
+                  </a:ext>
+                </a:extLst>
+              </p:cNvPr>
+              <p:cNvSpPr txBox="1">
+                <a:spLocks noRot="1" noChangeAspect="1" noMove="1" noResize="1" noEditPoints="1" noAdjustHandles="1" noChangeArrowheads="1" noChangeShapeType="1" noTextEdit="1"/>
+              </p:cNvSpPr>
+              <p:nvPr/>
+            </p:nvSpPr>
+            <p:spPr>
+              <a:xfrm>
+                <a:off x="5051385" y="1012894"/>
+                <a:ext cx="1525469" cy="369332"/>
+              </a:xfrm>
+              <a:prstGeom prst="rect">
+                <a:avLst/>
+              </a:prstGeom>
+              <a:blipFill>
+                <a:blip r:embed="rId2"/>
+                <a:stretch>
+                  <a:fillRect/>
+                </a:stretch>
+              </a:blipFill>
+            </p:spPr>
+            <p:txBody>
+              <a:bodyPr/>
+              <a:lstStyle/>
+              <a:p>
+                <a:r>
+                  <a:rPr lang="en-US">
+                    <a:noFill/>
+                  </a:rPr>
+                  <a:t> </a:t>
+                </a:r>
+              </a:p>
+            </p:txBody>
+          </p:sp>
+        </mc:Fallback>
+      </mc:AlternateContent>
+      <mc:AlternateContent xmlns:mc="http://schemas.openxmlformats.org/markup-compatibility/2006">
+        <mc:Choice xmlns:a14="http://schemas.microsoft.com/office/drawing/2010/main" Requires="a14">
+          <p:sp>
+            <p:nvSpPr>
+              <p:cNvPr id="9" name="TextBox 8">
+                <a:extLst>
+                  <a:ext uri="{FF2B5EF4-FFF2-40B4-BE49-F238E27FC236}">
+                    <a16:creationId xmlns:a16="http://schemas.microsoft.com/office/drawing/2014/main" id="{0B73E361-BC4B-4136-AEA0-504362671928}"/>
+                  </a:ext>
+                </a:extLst>
+              </p:cNvPr>
+              <p:cNvSpPr txBox="1"/>
+              <p:nvPr/>
+            </p:nvSpPr>
+            <p:spPr>
+              <a:xfrm>
+                <a:off x="7255521" y="969124"/>
+                <a:ext cx="1318040" cy="369332"/>
+              </a:xfrm>
+              <a:prstGeom prst="rect">
+                <a:avLst/>
+              </a:prstGeom>
+              <a:noFill/>
+            </p:spPr>
+            <p:txBody>
+              <a:bodyPr wrap="square" rtlCol="0">
+                <a:spAutoFit/>
+              </a:bodyPr>
+              <a:lstStyle/>
+              <a:p>
+                <a:pPr/>
+                <a14:m>
+                  <m:oMathPara xmlns:m="http://schemas.openxmlformats.org/officeDocument/2006/math">
+                    <m:oMathParaPr>
+                      <m:jc m:val="centerGroup"/>
+                    </m:oMathParaPr>
+                    <m:oMath xmlns:m="http://schemas.openxmlformats.org/officeDocument/2006/math">
+                      <m:r>
+                        <a:rPr lang="en-US" b="0" i="1" smtClean="0">
+                          <a:latin typeface="Cambria Math" panose="02040503050406030204" pitchFamily="18" charset="0"/>
+                        </a:rPr>
+                        <m:t>𝜎</m:t>
+                      </m:r>
+                      <m:r>
+                        <a:rPr lang="en-US" b="0" i="1" smtClean="0">
+                          <a:latin typeface="Cambria Math" panose="02040503050406030204" pitchFamily="18" charset="0"/>
+                        </a:rPr>
+                        <m:t>=0.055</m:t>
+                      </m:r>
+                    </m:oMath>
+                  </m:oMathPara>
+                </a14:m>
+                <a:endParaRPr lang="en-US" dirty="0"/>
+              </a:p>
+            </p:txBody>
+          </p:sp>
+        </mc:Choice>
+        <mc:Fallback>
+          <p:sp>
+            <p:nvSpPr>
+              <p:cNvPr id="9" name="TextBox 8">
+                <a:extLst>
+                  <a:ext uri="{FF2B5EF4-FFF2-40B4-BE49-F238E27FC236}">
+                    <a16:creationId xmlns:a16="http://schemas.microsoft.com/office/drawing/2014/main" id="{0B73E361-BC4B-4136-AEA0-504362671928}"/>
+                  </a:ext>
+                </a:extLst>
+              </p:cNvPr>
+              <p:cNvSpPr txBox="1">
+                <a:spLocks noRot="1" noChangeAspect="1" noMove="1" noResize="1" noEditPoints="1" noAdjustHandles="1" noChangeArrowheads="1" noChangeShapeType="1" noTextEdit="1"/>
+              </p:cNvSpPr>
+              <p:nvPr/>
+            </p:nvSpPr>
+            <p:spPr>
+              <a:xfrm>
+                <a:off x="7255521" y="969124"/>
+                <a:ext cx="1318040" cy="369332"/>
+              </a:xfrm>
+              <a:prstGeom prst="rect">
+                <a:avLst/>
+              </a:prstGeom>
+              <a:blipFill>
+                <a:blip r:embed="rId3"/>
+                <a:stretch>
+                  <a:fillRect/>
+                </a:stretch>
+              </a:blipFill>
+            </p:spPr>
+            <p:txBody>
+              <a:bodyPr/>
+              <a:lstStyle/>
+              <a:p>
+                <a:r>
+                  <a:rPr lang="en-US">
+                    <a:noFill/>
+                  </a:rPr>
+                  <a:t> </a:t>
+                </a:r>
+              </a:p>
+            </p:txBody>
+          </p:sp>
+        </mc:Fallback>
+      </mc:AlternateContent>
+      <p:pic>
+        <p:nvPicPr>
+          <p:cNvPr id="5" name="Picture 4">
+            <a:extLst>
+              <a:ext uri="{FF2B5EF4-FFF2-40B4-BE49-F238E27FC236}">
+                <a16:creationId xmlns:a16="http://schemas.microsoft.com/office/drawing/2014/main" id="{C8EA13DC-8209-A891-EB10-B14101B5D7E4}"/>
+              </a:ext>
+            </a:extLst>
+          </p:cNvPr>
+          <p:cNvPicPr>
+            <a:picLocks noChangeAspect="1"/>
+          </p:cNvPicPr>
+          <p:nvPr/>
+        </p:nvPicPr>
+        <p:blipFill>
+          <a:blip r:embed="rId4"/>
+          <a:stretch>
+            <a:fillRect/>
+          </a:stretch>
+        </p:blipFill>
+        <p:spPr>
+          <a:xfrm>
+            <a:off x="4929826" y="1482616"/>
+            <a:ext cx="1344719" cy="1773994"/>
+          </a:xfrm>
+          <a:prstGeom prst="rect">
+            <a:avLst/>
+          </a:prstGeom>
+        </p:spPr>
+      </p:pic>
+      <p:pic>
+        <p:nvPicPr>
+          <p:cNvPr id="17" name="Picture 16">
+            <a:extLst>
+              <a:ext uri="{FF2B5EF4-FFF2-40B4-BE49-F238E27FC236}">
+                <a16:creationId xmlns:a16="http://schemas.microsoft.com/office/drawing/2014/main" id="{827AB022-E61B-0EAE-4D7B-64FC636C6DB4}"/>
+              </a:ext>
+            </a:extLst>
+          </p:cNvPr>
+          <p:cNvPicPr>
+            <a:picLocks noChangeAspect="1"/>
+          </p:cNvPicPr>
+          <p:nvPr/>
+        </p:nvPicPr>
+        <p:blipFill>
+          <a:blip r:embed="rId5"/>
+          <a:stretch>
+            <a:fillRect/>
+          </a:stretch>
+        </p:blipFill>
+        <p:spPr>
+          <a:xfrm>
+            <a:off x="7078557" y="1459864"/>
+            <a:ext cx="1179540" cy="1818674"/>
+          </a:xfrm>
+          <a:prstGeom prst="rect">
+            <a:avLst/>
+          </a:prstGeom>
+        </p:spPr>
+      </p:pic>
+      <mc:AlternateContent xmlns:mc="http://schemas.openxmlformats.org/markup-compatibility/2006" xmlns:a14="http://schemas.microsoft.com/office/drawing/2010/main">
+        <mc:Choice Requires="a14">
+          <p:sp>
+            <p:nvSpPr>
+              <p:cNvPr id="25" name="TextBox 24">
+                <a:extLst>
+                  <a:ext uri="{FF2B5EF4-FFF2-40B4-BE49-F238E27FC236}">
+                    <a16:creationId xmlns:a16="http://schemas.microsoft.com/office/drawing/2014/main" id="{3FBF712E-028D-80CE-5B6E-1FD8FDF96A44}"/>
+                  </a:ext>
+                </a:extLst>
+              </p:cNvPr>
+              <p:cNvSpPr txBox="1"/>
+              <p:nvPr/>
+            </p:nvSpPr>
+            <p:spPr>
+              <a:xfrm>
+                <a:off x="2869319" y="1046776"/>
+                <a:ext cx="1237130" cy="369332"/>
+              </a:xfrm>
+              <a:prstGeom prst="rect">
+                <a:avLst/>
+              </a:prstGeom>
+              <a:noFill/>
+            </p:spPr>
+            <p:txBody>
+              <a:bodyPr wrap="square" rtlCol="0">
+                <a:spAutoFit/>
+              </a:bodyPr>
+              <a:lstStyle/>
+              <a:p>
+                <a:pPr/>
+                <a14:m>
+                  <m:oMathPara xmlns:m="http://schemas.openxmlformats.org/officeDocument/2006/math">
+                    <m:oMathParaPr>
+                      <m:jc m:val="centerGroup"/>
+                    </m:oMathParaPr>
+                    <m:oMath xmlns:m="http://schemas.openxmlformats.org/officeDocument/2006/math">
+                      <m:r>
+                        <a:rPr lang="en-US" b="0" i="1" smtClean="0">
+                          <a:latin typeface="Cambria Math" panose="02040503050406030204" pitchFamily="18" charset="0"/>
+                        </a:rPr>
+                        <m:t>𝜎</m:t>
+                      </m:r>
+                      <m:r>
+                        <a:rPr lang="en-US" b="0" i="1" smtClean="0">
+                          <a:latin typeface="Cambria Math" panose="02040503050406030204" pitchFamily="18" charset="0"/>
+                        </a:rPr>
+                        <m:t>=0.005</m:t>
+                      </m:r>
+                    </m:oMath>
+                  </m:oMathPara>
+                </a14:m>
+                <a:endParaRPr lang="en-US" dirty="0"/>
+              </a:p>
+            </p:txBody>
+          </p:sp>
+        </mc:Choice>
+        <mc:Fallback xmlns="">
+          <p:sp>
+            <p:nvSpPr>
+              <p:cNvPr id="25" name="TextBox 24">
+                <a:extLst>
+                  <a:ext uri="{FF2B5EF4-FFF2-40B4-BE49-F238E27FC236}">
+                    <a16:creationId xmlns:a16="http://schemas.microsoft.com/office/drawing/2014/main" id="{17163C2C-ABBF-3700-264D-E93F94C0B106}"/>
+                  </a:ext>
+                </a:extLst>
+              </p:cNvPr>
+              <p:cNvSpPr txBox="1">
+                <a:spLocks noRot="1" noChangeAspect="1" noMove="1" noResize="1" noEditPoints="1" noAdjustHandles="1" noChangeArrowheads="1" noChangeShapeType="1" noTextEdit="1"/>
+              </p:cNvSpPr>
+              <p:nvPr/>
+            </p:nvSpPr>
+            <p:spPr>
+              <a:xfrm>
+                <a:off x="2869319" y="1046776"/>
+                <a:ext cx="1237130" cy="369332"/>
+              </a:xfrm>
+              <a:prstGeom prst="rect">
+                <a:avLst/>
+              </a:prstGeom>
+              <a:blipFill>
+                <a:blip r:embed="rId8"/>
+                <a:stretch>
+                  <a:fillRect/>
+                </a:stretch>
+              </a:blipFill>
+            </p:spPr>
+            <p:txBody>
+              <a:bodyPr/>
+              <a:lstStyle/>
+              <a:p>
+                <a:r>
+                  <a:rPr lang="en-US">
+                    <a:noFill/>
+                  </a:rPr>
+                  <a:t> </a:t>
+                </a:r>
+              </a:p>
+            </p:txBody>
+          </p:sp>
+        </mc:Fallback>
+      </mc:AlternateContent>
+      <p:pic>
+        <p:nvPicPr>
+          <p:cNvPr id="14" name="Picture 13">
+            <a:extLst>
+              <a:ext uri="{FF2B5EF4-FFF2-40B4-BE49-F238E27FC236}">
+                <a16:creationId xmlns:a16="http://schemas.microsoft.com/office/drawing/2014/main" id="{5295247A-2849-3C87-F7D4-1241CFA5618C}"/>
+              </a:ext>
+            </a:extLst>
+          </p:cNvPr>
+          <p:cNvPicPr>
+            <a:picLocks noChangeAspect="1"/>
+          </p:cNvPicPr>
+          <p:nvPr/>
+        </p:nvPicPr>
+        <p:blipFill>
+          <a:blip r:embed="rId9"/>
+          <a:stretch>
+            <a:fillRect/>
+          </a:stretch>
+        </p:blipFill>
+        <p:spPr>
+          <a:xfrm>
+            <a:off x="2567338" y="1520187"/>
+            <a:ext cx="1738256" cy="1758351"/>
+          </a:xfrm>
+          <a:prstGeom prst="rect">
+            <a:avLst/>
+          </a:prstGeom>
+        </p:spPr>
+      </p:pic>
+      <mc:AlternateContent xmlns:mc="http://schemas.openxmlformats.org/markup-compatibility/2006" xmlns:a14="http://schemas.microsoft.com/office/drawing/2010/main">
+        <mc:Choice Requires="a14">
+          <p:sp>
+            <p:nvSpPr>
+              <p:cNvPr id="2" name="TextBox 1">
+                <a:extLst>
+                  <a:ext uri="{FF2B5EF4-FFF2-40B4-BE49-F238E27FC236}">
+                    <a16:creationId xmlns:a16="http://schemas.microsoft.com/office/drawing/2014/main" id="{8798B857-2ED6-36AB-A9A0-55C2B6AC8490}"/>
+                  </a:ext>
+                </a:extLst>
+              </p:cNvPr>
+              <p:cNvSpPr txBox="1"/>
+              <p:nvPr/>
+            </p:nvSpPr>
+            <p:spPr>
+              <a:xfrm>
+                <a:off x="408832" y="2361751"/>
+                <a:ext cx="1237130" cy="369332"/>
+              </a:xfrm>
+              <a:prstGeom prst="rect">
+                <a:avLst/>
+              </a:prstGeom>
+              <a:noFill/>
+            </p:spPr>
+            <p:txBody>
+              <a:bodyPr wrap="square" rtlCol="0">
+                <a:spAutoFit/>
+              </a:bodyPr>
+              <a:lstStyle/>
+              <a:p>
+                <a:pPr/>
+                <a14:m>
+                  <m:oMathPara xmlns:m="http://schemas.openxmlformats.org/officeDocument/2006/math">
+                    <m:oMathParaPr>
+                      <m:jc m:val="centerGroup"/>
+                    </m:oMathParaPr>
+                    <m:oMath xmlns:m="http://schemas.openxmlformats.org/officeDocument/2006/math">
+                      <m:r>
+                        <a:rPr lang="en-US" b="0" i="1" smtClean="0">
+                          <a:latin typeface="Cambria Math" panose="02040503050406030204" pitchFamily="18" charset="0"/>
+                        </a:rPr>
+                        <m:t>𝛼</m:t>
+                      </m:r>
+                      <m:r>
+                        <a:rPr lang="en-US" b="0" i="1" smtClean="0">
+                          <a:latin typeface="Cambria Math" panose="02040503050406030204" pitchFamily="18" charset="0"/>
+                        </a:rPr>
+                        <m:t>=0.30</m:t>
+                      </m:r>
+                    </m:oMath>
+                  </m:oMathPara>
+                </a14:m>
+                <a:endParaRPr lang="en-US" dirty="0"/>
+              </a:p>
+            </p:txBody>
+          </p:sp>
+        </mc:Choice>
+        <mc:Fallback xmlns="">
+          <p:sp>
+            <p:nvSpPr>
+              <p:cNvPr id="2" name="TextBox 1">
+                <a:extLst>
+                  <a:ext uri="{FF2B5EF4-FFF2-40B4-BE49-F238E27FC236}">
+                    <a16:creationId xmlns:a16="http://schemas.microsoft.com/office/drawing/2014/main" id="{B9C2C58B-2EA2-57C1-7C14-96F4B863A27F}"/>
+                  </a:ext>
+                </a:extLst>
+              </p:cNvPr>
+              <p:cNvSpPr txBox="1">
+                <a:spLocks noRot="1" noChangeAspect="1" noMove="1" noResize="1" noEditPoints="1" noAdjustHandles="1" noChangeArrowheads="1" noChangeShapeType="1" noTextEdit="1"/>
+              </p:cNvSpPr>
+              <p:nvPr/>
+            </p:nvSpPr>
+            <p:spPr>
+              <a:xfrm>
+                <a:off x="408832" y="2361751"/>
+                <a:ext cx="1237130" cy="369332"/>
+              </a:xfrm>
+              <a:prstGeom prst="rect">
+                <a:avLst/>
+              </a:prstGeom>
+              <a:blipFill>
+                <a:blip r:embed="rId10"/>
+                <a:stretch>
+                  <a:fillRect/>
+                </a:stretch>
+              </a:blipFill>
+            </p:spPr>
+            <p:txBody>
+              <a:bodyPr/>
+              <a:lstStyle/>
+              <a:p>
+                <a:r>
+                  <a:rPr lang="en-US">
+                    <a:noFill/>
+                  </a:rPr>
+                  <a:t> </a:t>
+                </a:r>
+              </a:p>
+            </p:txBody>
+          </p:sp>
+        </mc:Fallback>
+      </mc:AlternateContent>
+      <p:sp>
+        <p:nvSpPr>
+          <p:cNvPr id="20" name="TextBox 19">
+            <a:extLst>
+              <a:ext uri="{FF2B5EF4-FFF2-40B4-BE49-F238E27FC236}">
+                <a16:creationId xmlns:a16="http://schemas.microsoft.com/office/drawing/2014/main" id="{AA00CEED-742E-57BD-984E-75CFE620D32A}"/>
+              </a:ext>
+            </a:extLst>
+          </p:cNvPr>
+          <p:cNvSpPr txBox="1"/>
+          <p:nvPr/>
+        </p:nvSpPr>
+        <p:spPr>
+          <a:xfrm>
+            <a:off x="2164705" y="3095786"/>
+            <a:ext cx="2765121" cy="369332"/>
+          </a:xfrm>
+          <a:prstGeom prst="rect">
+            <a:avLst/>
+          </a:prstGeom>
+          <a:noFill/>
+        </p:spPr>
+        <p:txBody>
+          <a:bodyPr wrap="square" rtlCol="0">
+            <a:spAutoFit/>
+          </a:bodyPr>
+          <a:lstStyle/>
+          <a:p>
+            <a:pPr algn="ctr"/>
+            <a:r>
+              <a:rPr lang="en-US" dirty="0"/>
+              <a:t>Need to finalize</a:t>
+            </a:r>
+          </a:p>
+        </p:txBody>
+      </p:sp>
+      <p:pic>
+        <p:nvPicPr>
+          <p:cNvPr id="6" name="Picture 2">
+            <a:extLst>
+              <a:ext uri="{FF2B5EF4-FFF2-40B4-BE49-F238E27FC236}">
+                <a16:creationId xmlns:a16="http://schemas.microsoft.com/office/drawing/2014/main" id="{390EBC2C-30AB-2682-5C85-D29D141E88C1}"/>
+              </a:ext>
+            </a:extLst>
+          </p:cNvPr>
+          <p:cNvPicPr>
+            <a:picLocks noChangeAspect="1" noChangeArrowheads="1"/>
+          </p:cNvPicPr>
+          <p:nvPr/>
+        </p:nvPicPr>
+        <p:blipFill>
+          <a:blip r:embed="rId11">
+            <a:extLst>
+              <a:ext uri="{28A0092B-C50C-407E-A947-70E740481C1C}">
+                <a14:useLocalDpi xmlns:a14="http://schemas.microsoft.com/office/drawing/2010/main" val="0"/>
+              </a:ext>
+            </a:extLst>
+          </a:blip>
+          <a:srcRect/>
+          <a:stretch>
+            <a:fillRect/>
+          </a:stretch>
+        </p:blipFill>
+        <p:spPr bwMode="auto">
+          <a:xfrm>
+            <a:off x="2566696" y="3465118"/>
+            <a:ext cx="1924390" cy="2101964"/>
+          </a:xfrm>
+          <a:prstGeom prst="rect">
+            <a:avLst/>
+          </a:prstGeom>
+          <a:noFill/>
+          <a:extLst>
+            <a:ext uri="{909E8E84-426E-40DD-AFC4-6F175D3DCCD1}">
+              <a14:hiddenFill xmlns:a14="http://schemas.microsoft.com/office/drawing/2010/main">
+                <a:solidFill>
+                  <a:srgbClr val="FFFFFF"/>
+                </a:solidFill>
+              </a14:hiddenFill>
+            </a:ext>
+          </a:extLst>
+        </p:spPr>
+      </p:pic>
+      <p:pic>
+        <p:nvPicPr>
+          <p:cNvPr id="7" name="Picture 6">
+            <a:extLst>
+              <a:ext uri="{FF2B5EF4-FFF2-40B4-BE49-F238E27FC236}">
+                <a16:creationId xmlns:a16="http://schemas.microsoft.com/office/drawing/2014/main" id="{2A5D059E-6D31-0A64-E2EC-900D187E6AE2}"/>
+              </a:ext>
+            </a:extLst>
+          </p:cNvPr>
+          <p:cNvPicPr>
+            <a:picLocks noChangeAspect="1"/>
+          </p:cNvPicPr>
+          <p:nvPr/>
+        </p:nvPicPr>
+        <p:blipFill>
+          <a:blip r:embed="rId12"/>
+          <a:stretch>
+            <a:fillRect/>
+          </a:stretch>
+        </p:blipFill>
+        <p:spPr>
+          <a:xfrm>
+            <a:off x="4775516" y="3538089"/>
+            <a:ext cx="1917379" cy="2028994"/>
+          </a:xfrm>
+          <a:prstGeom prst="rect">
+            <a:avLst/>
+          </a:prstGeom>
+        </p:spPr>
+      </p:pic>
+      <p:pic>
+        <p:nvPicPr>
+          <p:cNvPr id="28" name="Picture 2">
+            <a:extLst>
+              <a:ext uri="{FF2B5EF4-FFF2-40B4-BE49-F238E27FC236}">
+                <a16:creationId xmlns:a16="http://schemas.microsoft.com/office/drawing/2014/main" id="{C703AF3B-E7A1-2A33-8229-593590FAA446}"/>
+              </a:ext>
+            </a:extLst>
+          </p:cNvPr>
+          <p:cNvPicPr>
+            <a:picLocks noChangeAspect="1" noChangeArrowheads="1"/>
+          </p:cNvPicPr>
+          <p:nvPr/>
+        </p:nvPicPr>
+        <p:blipFill>
+          <a:blip r:embed="rId13">
+            <a:extLst>
+              <a:ext uri="{28A0092B-C50C-407E-A947-70E740481C1C}">
+                <a14:useLocalDpi xmlns:a14="http://schemas.microsoft.com/office/drawing/2010/main" val="0"/>
+              </a:ext>
+            </a:extLst>
+          </a:blip>
+          <a:srcRect/>
+          <a:stretch>
+            <a:fillRect/>
+          </a:stretch>
+        </p:blipFill>
+        <p:spPr bwMode="auto">
+          <a:xfrm>
+            <a:off x="6942261" y="3524870"/>
+            <a:ext cx="1734430" cy="2101964"/>
+          </a:xfrm>
+          <a:prstGeom prst="rect">
+            <a:avLst/>
+          </a:prstGeom>
+          <a:noFill/>
+          <a:extLst>
+            <a:ext uri="{909E8E84-426E-40DD-AFC4-6F175D3DCCD1}">
+              <a14:hiddenFill xmlns:a14="http://schemas.microsoft.com/office/drawing/2010/main">
+                <a:solidFill>
+                  <a:srgbClr val="FFFFFF"/>
+                </a:solidFill>
+              </a14:hiddenFill>
+            </a:ext>
+          </a:extLst>
+        </p:spPr>
+      </p:pic>
+    </p:spTree>
+    <p:extLst>
+      <p:ext uri="{BB962C8B-B14F-4D97-AF65-F5344CB8AC3E}">
+        <p14:creationId xmlns:p14="http://schemas.microsoft.com/office/powerpoint/2010/main" val="2735270414"/>
+      </p:ext>
+    </p:extLst>
+  </p:cSld>
+  <p:clrMapOvr>
+    <a:masterClrMapping/>
+  </p:clrMapOvr>
+</p:sld>
+</file>
+
+<file path=ppt/slides/slide5.xml><?xml version="1.0" encoding="utf-8"?>
 <p:sld xmlns:a="http://schemas.openxmlformats.org/drawingml/2006/main" xmlns:r="http://schemas.openxmlformats.org/officeDocument/2006/relationships" xmlns:p="http://schemas.openxmlformats.org/presentationml/2006/main">
   <p:cSld>
     <p:spTree>
@@ -5441,32 +6524,49 @@
       </p:grpSpPr>
       <p:pic>
         <p:nvPicPr>
-          <p:cNvPr id="6" name="Picture 5">
-            <a:extLst>
-              <a:ext uri="{FF2B5EF4-FFF2-40B4-BE49-F238E27FC236}">
-                <a16:creationId xmlns:a16="http://schemas.microsoft.com/office/drawing/2014/main" id="{1A34D515-00E2-61C9-CDB6-DC01BBE36498}"/>
+          <p:cNvPr id="2052" name="Picture 4">
+            <a:extLst>
+              <a:ext uri="{FF2B5EF4-FFF2-40B4-BE49-F238E27FC236}">
+                <a16:creationId xmlns:a16="http://schemas.microsoft.com/office/drawing/2014/main" id="{D32585F6-B11F-87FE-CD36-BD4C4A961CDB}"/>
               </a:ext>
             </a:extLst>
           </p:cNvPr>
           <p:cNvPicPr>
-            <a:picLocks noChangeAspect="1"/>
+            <a:picLocks noChangeAspect="1" noChangeArrowheads="1"/>
           </p:cNvPicPr>
           <p:nvPr/>
         </p:nvPicPr>
         <p:blipFill>
-          <a:blip r:embed="rId2"/>
+          <a:blip r:embed="rId2">
+            <a:extLst>
+              <a:ext uri="{28A0092B-C50C-407E-A947-70E740481C1C}">
+                <a14:useLocalDpi xmlns:a14="http://schemas.microsoft.com/office/drawing/2010/main" val="0"/>
+              </a:ext>
+            </a:extLst>
+          </a:blip>
+          <a:srcRect/>
           <a:stretch>
             <a:fillRect/>
           </a:stretch>
         </p:blipFill>
-        <p:spPr>
+        <p:spPr bwMode="auto">
           <a:xfrm>
-            <a:off x="4763081" y="1621057"/>
-            <a:ext cx="1600897" cy="2152317"/>
+            <a:off x="2419350" y="1214437"/>
+            <a:ext cx="7353300" cy="4429125"/>
           </a:xfrm>
           <a:prstGeom prst="rect">
             <a:avLst/>
           </a:prstGeom>
+          <a:noFill/>
+          <a:extLst>
+            <a:ext uri="{909E8E84-426E-40DD-AFC4-6F175D3DCCD1}">
+              <a14:hiddenFill xmlns:a14="http://schemas.microsoft.com/office/drawing/2010/main">
+                <a:solidFill>
+                  <a:srgbClr val="FFFFFF"/>
+                </a:solidFill>
+              </a14:hiddenFill>
+            </a:ext>
+          </a:extLst>
         </p:spPr>
       </p:pic>
       <mc:AlternateContent xmlns:mc="http://schemas.openxmlformats.org/markup-compatibility/2006" xmlns:a14="http://schemas.microsoft.com/office/drawing/2010/main">
@@ -5577,321 +6677,12 @@
           </p:sp>
         </mc:Fallback>
       </mc:AlternateContent>
-      <mc:AlternateContent xmlns:mc="http://schemas.openxmlformats.org/markup-compatibility/2006" xmlns:a14="http://schemas.microsoft.com/office/drawing/2010/main">
-        <mc:Choice Requires="a14">
-          <p:sp>
-            <p:nvSpPr>
-              <p:cNvPr id="7" name="TextBox 6">
-                <a:extLst>
-                  <a:ext uri="{FF2B5EF4-FFF2-40B4-BE49-F238E27FC236}">
-                    <a16:creationId xmlns:a16="http://schemas.microsoft.com/office/drawing/2014/main" id="{1395BA66-B5BD-C484-259E-17C88832D7EE}"/>
-                  </a:ext>
-                </a:extLst>
-              </p:cNvPr>
-              <p:cNvSpPr txBox="1"/>
-              <p:nvPr/>
-            </p:nvSpPr>
-            <p:spPr>
-              <a:xfrm>
-                <a:off x="5117595" y="1031794"/>
-                <a:ext cx="1237130" cy="369332"/>
-              </a:xfrm>
-              <a:prstGeom prst="rect">
-                <a:avLst/>
-              </a:prstGeom>
-              <a:noFill/>
-            </p:spPr>
-            <p:txBody>
-              <a:bodyPr wrap="square" rtlCol="0">
-                <a:spAutoFit/>
-              </a:bodyPr>
-              <a:lstStyle/>
-              <a:p>
-                <a:pPr/>
-                <a14:m>
-                  <m:oMathPara xmlns:m="http://schemas.openxmlformats.org/officeDocument/2006/math">
-                    <m:oMathParaPr>
-                      <m:jc m:val="centerGroup"/>
-                    </m:oMathParaPr>
-                    <m:oMath xmlns:m="http://schemas.openxmlformats.org/officeDocument/2006/math">
-                      <m:r>
-                        <a:rPr lang="en-US" b="0" i="1" smtClean="0">
-                          <a:latin typeface="Cambria Math" panose="02040503050406030204" pitchFamily="18" charset="0"/>
-                        </a:rPr>
-                        <m:t>𝜎</m:t>
-                      </m:r>
-                      <m:r>
-                        <a:rPr lang="en-US" b="0" i="1" smtClean="0">
-                          <a:latin typeface="Cambria Math" panose="02040503050406030204" pitchFamily="18" charset="0"/>
-                        </a:rPr>
-                        <m:t>=0.020</m:t>
-                      </m:r>
-                    </m:oMath>
-                  </m:oMathPara>
-                </a14:m>
-                <a:endParaRPr lang="en-US" dirty="0"/>
-              </a:p>
-            </p:txBody>
-          </p:sp>
-        </mc:Choice>
-        <mc:Fallback xmlns="">
-          <p:sp>
-            <p:nvSpPr>
-              <p:cNvPr id="7" name="TextBox 6">
-                <a:extLst>
-                  <a:ext uri="{FF2B5EF4-FFF2-40B4-BE49-F238E27FC236}">
-                    <a16:creationId xmlns:a16="http://schemas.microsoft.com/office/drawing/2014/main" id="{1395BA66-B5BD-C484-259E-17C88832D7EE}"/>
-                  </a:ext>
-                </a:extLst>
-              </p:cNvPr>
-              <p:cNvSpPr txBox="1">
-                <a:spLocks noRot="1" noChangeAspect="1" noMove="1" noResize="1" noEditPoints="1" noAdjustHandles="1" noChangeArrowheads="1" noChangeShapeType="1" noTextEdit="1"/>
-              </p:cNvSpPr>
-              <p:nvPr/>
-            </p:nvSpPr>
-            <p:spPr>
-              <a:xfrm>
-                <a:off x="5117595" y="1031794"/>
-                <a:ext cx="1237130" cy="369332"/>
-              </a:xfrm>
-              <a:prstGeom prst="rect">
-                <a:avLst/>
-              </a:prstGeom>
-              <a:blipFill>
-                <a:blip r:embed="rId4"/>
-                <a:stretch>
-                  <a:fillRect/>
-                </a:stretch>
-              </a:blipFill>
-            </p:spPr>
-            <p:txBody>
-              <a:bodyPr/>
-              <a:lstStyle/>
-              <a:p>
-                <a:r>
-                  <a:rPr lang="en-US">
-                    <a:noFill/>
-                  </a:rPr>
-                  <a:t> </a:t>
-                </a:r>
-              </a:p>
-            </p:txBody>
-          </p:sp>
-        </mc:Fallback>
-      </mc:AlternateContent>
-      <mc:AlternateContent xmlns:mc="http://schemas.openxmlformats.org/markup-compatibility/2006" xmlns:a14="http://schemas.microsoft.com/office/drawing/2010/main">
-        <mc:Choice Requires="a14">
-          <p:sp>
-            <p:nvSpPr>
-              <p:cNvPr id="8" name="TextBox 7">
-                <a:extLst>
-                  <a:ext uri="{FF2B5EF4-FFF2-40B4-BE49-F238E27FC236}">
-                    <a16:creationId xmlns:a16="http://schemas.microsoft.com/office/drawing/2014/main" id="{D27DACD4-6295-8280-7BF2-BDB196856B0B}"/>
-                  </a:ext>
-                </a:extLst>
-              </p:cNvPr>
-              <p:cNvSpPr txBox="1"/>
-              <p:nvPr/>
-            </p:nvSpPr>
-            <p:spPr>
-              <a:xfrm>
-                <a:off x="7012597" y="1031794"/>
-                <a:ext cx="1525469" cy="369332"/>
-              </a:xfrm>
-              <a:prstGeom prst="rect">
-                <a:avLst/>
-              </a:prstGeom>
-              <a:noFill/>
-            </p:spPr>
-            <p:txBody>
-              <a:bodyPr wrap="square" rtlCol="0">
-                <a:spAutoFit/>
-              </a:bodyPr>
-              <a:lstStyle/>
-              <a:p>
-                <a:pPr/>
-                <a14:m>
-                  <m:oMathPara xmlns:m="http://schemas.openxmlformats.org/officeDocument/2006/math">
-                    <m:oMathParaPr>
-                      <m:jc m:val="centerGroup"/>
-                    </m:oMathParaPr>
-                    <m:oMath xmlns:m="http://schemas.openxmlformats.org/officeDocument/2006/math">
-                      <m:r>
-                        <a:rPr lang="en-US" b="0" i="1" smtClean="0">
-                          <a:latin typeface="Cambria Math" panose="02040503050406030204" pitchFamily="18" charset="0"/>
-                        </a:rPr>
-                        <m:t>𝜎</m:t>
-                      </m:r>
-                      <m:r>
-                        <a:rPr lang="en-US" b="0" i="1" smtClean="0">
-                          <a:latin typeface="Cambria Math" panose="02040503050406030204" pitchFamily="18" charset="0"/>
-                        </a:rPr>
-                        <m:t>=0.03</m:t>
-                      </m:r>
-                      <m:r>
-                        <a:rPr lang="en-US" b="0" i="0" smtClean="0">
-                          <a:latin typeface="Cambria Math" panose="02040503050406030204" pitchFamily="18" charset="0"/>
-                        </a:rPr>
-                        <m:t>0</m:t>
-                      </m:r>
-                    </m:oMath>
-                  </m:oMathPara>
-                </a14:m>
-                <a:endParaRPr lang="en-US" dirty="0"/>
-              </a:p>
-            </p:txBody>
-          </p:sp>
-        </mc:Choice>
-        <mc:Fallback xmlns="">
-          <p:sp>
-            <p:nvSpPr>
-              <p:cNvPr id="8" name="TextBox 7">
-                <a:extLst>
-                  <a:ext uri="{FF2B5EF4-FFF2-40B4-BE49-F238E27FC236}">
-                    <a16:creationId xmlns:a16="http://schemas.microsoft.com/office/drawing/2014/main" id="{D27DACD4-6295-8280-7BF2-BDB196856B0B}"/>
-                  </a:ext>
-                </a:extLst>
-              </p:cNvPr>
-              <p:cNvSpPr txBox="1">
-                <a:spLocks noRot="1" noChangeAspect="1" noMove="1" noResize="1" noEditPoints="1" noAdjustHandles="1" noChangeArrowheads="1" noChangeShapeType="1" noTextEdit="1"/>
-              </p:cNvSpPr>
-              <p:nvPr/>
-            </p:nvSpPr>
-            <p:spPr>
-              <a:xfrm>
-                <a:off x="7012597" y="1031794"/>
-                <a:ext cx="1525469" cy="369332"/>
-              </a:xfrm>
-              <a:prstGeom prst="rect">
-                <a:avLst/>
-              </a:prstGeom>
-              <a:blipFill>
-                <a:blip r:embed="rId5"/>
-                <a:stretch>
-                  <a:fillRect/>
-                </a:stretch>
-              </a:blipFill>
-            </p:spPr>
-            <p:txBody>
-              <a:bodyPr/>
-              <a:lstStyle/>
-              <a:p>
-                <a:r>
-                  <a:rPr lang="en-US">
-                    <a:noFill/>
-                  </a:rPr>
-                  <a:t> </a:t>
-                </a:r>
-              </a:p>
-            </p:txBody>
-          </p:sp>
-        </mc:Fallback>
-      </mc:AlternateContent>
-      <mc:AlternateContent xmlns:mc="http://schemas.openxmlformats.org/markup-compatibility/2006" xmlns:a14="http://schemas.microsoft.com/office/drawing/2010/main">
-        <mc:Choice Requires="a14">
-          <p:sp>
-            <p:nvSpPr>
-              <p:cNvPr id="9" name="TextBox 8">
-                <a:extLst>
-                  <a:ext uri="{FF2B5EF4-FFF2-40B4-BE49-F238E27FC236}">
-                    <a16:creationId xmlns:a16="http://schemas.microsoft.com/office/drawing/2014/main" id="{1A715C6B-C74C-1587-DB35-25064FAFDB4C}"/>
-                  </a:ext>
-                </a:extLst>
-              </p:cNvPr>
-              <p:cNvSpPr txBox="1"/>
-              <p:nvPr/>
-            </p:nvSpPr>
-            <p:spPr>
-              <a:xfrm>
-                <a:off x="9216733" y="988024"/>
-                <a:ext cx="1318040" cy="369332"/>
-              </a:xfrm>
-              <a:prstGeom prst="rect">
-                <a:avLst/>
-              </a:prstGeom>
-              <a:noFill/>
-            </p:spPr>
-            <p:txBody>
-              <a:bodyPr wrap="square" rtlCol="0">
-                <a:spAutoFit/>
-              </a:bodyPr>
-              <a:lstStyle/>
-              <a:p>
-                <a14:m>
-                  <m:oMath xmlns:m="http://schemas.openxmlformats.org/officeDocument/2006/math">
-                    <m:r>
-                      <a:rPr lang="en-US" b="0" i="1" smtClean="0">
-                        <a:latin typeface="Cambria Math" panose="02040503050406030204" pitchFamily="18" charset="0"/>
-                      </a:rPr>
-                      <m:t>𝜎</m:t>
-                    </m:r>
-                    <m:r>
-                      <a:rPr lang="en-US" b="0" i="1" smtClean="0">
-                        <a:latin typeface="Cambria Math" panose="02040503050406030204" pitchFamily="18" charset="0"/>
-                      </a:rPr>
-                      <m:t>=0.05</m:t>
-                    </m:r>
-                  </m:oMath>
-                </a14:m>
-                <a:r>
-                  <a:rPr lang="en-US" dirty="0"/>
-                  <a:t>5</a:t>
-                </a:r>
-              </a:p>
-            </p:txBody>
-          </p:sp>
-        </mc:Choice>
-        <mc:Fallback xmlns="">
-          <p:sp>
-            <p:nvSpPr>
-              <p:cNvPr id="9" name="TextBox 8">
-                <a:extLst>
-                  <a:ext uri="{FF2B5EF4-FFF2-40B4-BE49-F238E27FC236}">
-                    <a16:creationId xmlns:a16="http://schemas.microsoft.com/office/drawing/2014/main" id="{1A715C6B-C74C-1587-DB35-25064FAFDB4C}"/>
-                  </a:ext>
-                </a:extLst>
-              </p:cNvPr>
-              <p:cNvSpPr txBox="1">
-                <a:spLocks noRot="1" noChangeAspect="1" noMove="1" noResize="1" noEditPoints="1" noAdjustHandles="1" noChangeArrowheads="1" noChangeShapeType="1" noTextEdit="1"/>
-              </p:cNvSpPr>
-              <p:nvPr/>
-            </p:nvSpPr>
-            <p:spPr>
-              <a:xfrm>
-                <a:off x="9216733" y="988024"/>
-                <a:ext cx="1318040" cy="369332"/>
-              </a:xfrm>
-              <a:prstGeom prst="rect">
-                <a:avLst/>
-              </a:prstGeom>
-              <a:blipFill>
-                <a:blip r:embed="rId6"/>
-                <a:stretch>
-                  <a:fillRect t="-6557" b="-26230"/>
-                </a:stretch>
-              </a:blipFill>
-            </p:spPr>
-            <p:txBody>
-              <a:bodyPr/>
-              <a:lstStyle/>
-              <a:p>
-                <a:r>
-                  <a:rPr lang="en-US">
-                    <a:noFill/>
-                  </a:rPr>
-                  <a:t> </a:t>
-                </a:r>
-              </a:p>
-            </p:txBody>
-          </p:sp>
-        </mc:Fallback>
-      </mc:AlternateContent>
       <p:pic>
         <p:nvPicPr>
-          <p:cNvPr id="5" name="Picture 4">
-            <a:extLst>
-              <a:ext uri="{FF2B5EF4-FFF2-40B4-BE49-F238E27FC236}">
-                <a16:creationId xmlns:a16="http://schemas.microsoft.com/office/drawing/2014/main" id="{42633F4F-4472-FCCD-A3B5-408FC517D76C}"/>
+          <p:cNvPr id="10" name="Picture 9">
+            <a:extLst>
+              <a:ext uri="{FF2B5EF4-FFF2-40B4-BE49-F238E27FC236}">
+                <a16:creationId xmlns:a16="http://schemas.microsoft.com/office/drawing/2014/main" id="{FB63C8F0-29C0-D061-9D57-8E70A0E2709B}"/>
               </a:ext>
             </a:extLst>
           </p:cNvPr>
@@ -5901,15 +6692,15 @@
           <p:nvPr/>
         </p:nvPicPr>
         <p:blipFill>
-          <a:blip r:embed="rId7"/>
+          <a:blip r:embed="rId4"/>
           <a:stretch>
             <a:fillRect/>
           </a:stretch>
         </p:blipFill>
         <p:spPr>
           <a:xfrm>
-            <a:off x="6689622" y="1615663"/>
-            <a:ext cx="1734342" cy="2287997"/>
+            <a:off x="3565781" y="1359105"/>
+            <a:ext cx="1441966" cy="1458635"/>
           </a:xfrm>
           <a:prstGeom prst="rect">
             <a:avLst/>
@@ -5918,10 +6709,10 @@
       </p:pic>
       <p:pic>
         <p:nvPicPr>
-          <p:cNvPr id="17" name="Picture 16">
-            <a:extLst>
-              <a:ext uri="{FF2B5EF4-FFF2-40B4-BE49-F238E27FC236}">
-                <a16:creationId xmlns:a16="http://schemas.microsoft.com/office/drawing/2014/main" id="{1043D01C-F313-E5E3-2E87-14A013F308B8}"/>
+          <p:cNvPr id="11" name="Picture 10">
+            <a:extLst>
+              <a:ext uri="{FF2B5EF4-FFF2-40B4-BE49-F238E27FC236}">
+                <a16:creationId xmlns:a16="http://schemas.microsoft.com/office/drawing/2014/main" id="{D9DE7A25-1309-5419-459F-5084AE587178}"/>
               </a:ext>
             </a:extLst>
           </p:cNvPr>
@@ -5931,381 +6722,15 @@
           <p:nvPr/>
         </p:nvPicPr>
         <p:blipFill>
-          <a:blip r:embed="rId8"/>
+          <a:blip r:embed="rId5"/>
           <a:stretch>
             <a:fillRect/>
           </a:stretch>
         </p:blipFill>
         <p:spPr>
           <a:xfrm>
-            <a:off x="8955717" y="1610326"/>
-            <a:ext cx="1521304" cy="2345623"/>
-          </a:xfrm>
-          <a:prstGeom prst="rect">
-            <a:avLst/>
-          </a:prstGeom>
-        </p:spPr>
-      </p:pic>
-      <mc:AlternateContent xmlns:mc="http://schemas.openxmlformats.org/markup-compatibility/2006" xmlns:a14="http://schemas.microsoft.com/office/drawing/2010/main">
-        <mc:Choice Requires="a14">
-          <p:sp>
-            <p:nvSpPr>
-              <p:cNvPr id="25" name="TextBox 24">
-                <a:extLst>
-                  <a:ext uri="{FF2B5EF4-FFF2-40B4-BE49-F238E27FC236}">
-                    <a16:creationId xmlns:a16="http://schemas.microsoft.com/office/drawing/2014/main" id="{A719D3CF-777F-D447-2A34-5710EC9F2808}"/>
-                  </a:ext>
-                </a:extLst>
-              </p:cNvPr>
-              <p:cNvSpPr txBox="1"/>
-              <p:nvPr/>
-            </p:nvSpPr>
-            <p:spPr>
-              <a:xfrm>
-                <a:off x="2869319" y="1046776"/>
-                <a:ext cx="1237130" cy="369332"/>
-              </a:xfrm>
-              <a:prstGeom prst="rect">
-                <a:avLst/>
-              </a:prstGeom>
-              <a:noFill/>
-            </p:spPr>
-            <p:txBody>
-              <a:bodyPr wrap="square" rtlCol="0">
-                <a:spAutoFit/>
-              </a:bodyPr>
-              <a:lstStyle/>
-              <a:p>
-                <a:pPr/>
-                <a14:m>
-                  <m:oMathPara xmlns:m="http://schemas.openxmlformats.org/officeDocument/2006/math">
-                    <m:oMathParaPr>
-                      <m:jc m:val="centerGroup"/>
-                    </m:oMathParaPr>
-                    <m:oMath xmlns:m="http://schemas.openxmlformats.org/officeDocument/2006/math">
-                      <m:r>
-                        <a:rPr lang="en-US" b="0" i="1" smtClean="0">
-                          <a:latin typeface="Cambria Math" panose="02040503050406030204" pitchFamily="18" charset="0"/>
-                        </a:rPr>
-                        <m:t>𝜎</m:t>
-                      </m:r>
-                      <m:r>
-                        <a:rPr lang="en-US" b="0" i="1" smtClean="0">
-                          <a:latin typeface="Cambria Math" panose="02040503050406030204" pitchFamily="18" charset="0"/>
-                        </a:rPr>
-                        <m:t>=0.005</m:t>
-                      </m:r>
-                    </m:oMath>
-                  </m:oMathPara>
-                </a14:m>
-                <a:endParaRPr lang="en-US" dirty="0"/>
-              </a:p>
-            </p:txBody>
-          </p:sp>
-        </mc:Choice>
-        <mc:Fallback xmlns="">
-          <p:sp>
-            <p:nvSpPr>
-              <p:cNvPr id="25" name="TextBox 24">
-                <a:extLst>
-                  <a:ext uri="{FF2B5EF4-FFF2-40B4-BE49-F238E27FC236}">
-                    <a16:creationId xmlns:a16="http://schemas.microsoft.com/office/drawing/2014/main" id="{A719D3CF-777F-D447-2A34-5710EC9F2808}"/>
-                  </a:ext>
-                </a:extLst>
-              </p:cNvPr>
-              <p:cNvSpPr txBox="1">
-                <a:spLocks noRot="1" noChangeAspect="1" noMove="1" noResize="1" noEditPoints="1" noAdjustHandles="1" noChangeArrowheads="1" noChangeShapeType="1" noTextEdit="1"/>
-              </p:cNvSpPr>
-              <p:nvPr/>
-            </p:nvSpPr>
-            <p:spPr>
-              <a:xfrm>
-                <a:off x="2869319" y="1046776"/>
-                <a:ext cx="1237130" cy="369332"/>
-              </a:xfrm>
-              <a:prstGeom prst="rect">
-                <a:avLst/>
-              </a:prstGeom>
-              <a:blipFill>
-                <a:blip r:embed="rId9"/>
-                <a:stretch>
-                  <a:fillRect/>
-                </a:stretch>
-              </a:blipFill>
-            </p:spPr>
-            <p:txBody>
-              <a:bodyPr/>
-              <a:lstStyle/>
-              <a:p>
-                <a:r>
-                  <a:rPr lang="en-US">
-                    <a:noFill/>
-                  </a:rPr>
-                  <a:t> </a:t>
-                </a:r>
-              </a:p>
-            </p:txBody>
-          </p:sp>
-        </mc:Fallback>
-      </mc:AlternateContent>
-      <p:pic>
-        <p:nvPicPr>
-          <p:cNvPr id="14" name="Picture 13">
-            <a:extLst>
-              <a:ext uri="{FF2B5EF4-FFF2-40B4-BE49-F238E27FC236}">
-                <a16:creationId xmlns:a16="http://schemas.microsoft.com/office/drawing/2014/main" id="{0B329761-459A-C19F-B842-BF451BA0FD68}"/>
-              </a:ext>
-            </a:extLst>
-          </p:cNvPr>
-          <p:cNvPicPr>
-            <a:picLocks noChangeAspect="1"/>
-          </p:cNvPicPr>
-          <p:nvPr/>
-        </p:nvPicPr>
-        <p:blipFill>
-          <a:blip r:embed="rId10"/>
-          <a:stretch>
-            <a:fillRect/>
-          </a:stretch>
-        </p:blipFill>
-        <p:spPr>
-          <a:xfrm>
-            <a:off x="2304770" y="1649226"/>
-            <a:ext cx="2241904" cy="2267822"/>
-          </a:xfrm>
-          <a:prstGeom prst="rect">
-            <a:avLst/>
-          </a:prstGeom>
-        </p:spPr>
-      </p:pic>
-      <mc:AlternateContent xmlns:mc="http://schemas.openxmlformats.org/markup-compatibility/2006" xmlns:a14="http://schemas.microsoft.com/office/drawing/2010/main">
-        <mc:Choice Requires="a14">
-          <p:sp>
-            <p:nvSpPr>
-              <p:cNvPr id="2" name="TextBox 1">
-                <a:extLst>
-                  <a:ext uri="{FF2B5EF4-FFF2-40B4-BE49-F238E27FC236}">
-                    <a16:creationId xmlns:a16="http://schemas.microsoft.com/office/drawing/2014/main" id="{589DD3A3-5CE6-77E4-5F98-EFA7D157AC4F}"/>
-                  </a:ext>
-                </a:extLst>
-              </p:cNvPr>
-              <p:cNvSpPr txBox="1"/>
-              <p:nvPr/>
-            </p:nvSpPr>
-            <p:spPr>
-              <a:xfrm>
-                <a:off x="408832" y="2361751"/>
-                <a:ext cx="1237130" cy="369332"/>
-              </a:xfrm>
-              <a:prstGeom prst="rect">
-                <a:avLst/>
-              </a:prstGeom>
-              <a:noFill/>
-            </p:spPr>
-            <p:txBody>
-              <a:bodyPr wrap="square" rtlCol="0">
-                <a:spAutoFit/>
-              </a:bodyPr>
-              <a:lstStyle/>
-              <a:p>
-                <a:pPr/>
-                <a14:m>
-                  <m:oMathPara xmlns:m="http://schemas.openxmlformats.org/officeDocument/2006/math">
-                    <m:oMathParaPr>
-                      <m:jc m:val="centerGroup"/>
-                    </m:oMathParaPr>
-                    <m:oMath xmlns:m="http://schemas.openxmlformats.org/officeDocument/2006/math">
-                      <m:r>
-                        <a:rPr lang="en-US" b="0" i="1" smtClean="0">
-                          <a:latin typeface="Cambria Math" panose="02040503050406030204" pitchFamily="18" charset="0"/>
-                        </a:rPr>
-                        <m:t>𝛼</m:t>
-                      </m:r>
-                      <m:r>
-                        <a:rPr lang="en-US" b="0" i="1" smtClean="0">
-                          <a:latin typeface="Cambria Math" panose="02040503050406030204" pitchFamily="18" charset="0"/>
-                        </a:rPr>
-                        <m:t>=0.30</m:t>
-                      </m:r>
-                    </m:oMath>
-                  </m:oMathPara>
-                </a14:m>
-                <a:endParaRPr lang="en-US" dirty="0"/>
-              </a:p>
-            </p:txBody>
-          </p:sp>
-        </mc:Choice>
-        <mc:Fallback xmlns="">
-          <p:sp>
-            <p:nvSpPr>
-              <p:cNvPr id="2" name="TextBox 1">
-                <a:extLst>
-                  <a:ext uri="{FF2B5EF4-FFF2-40B4-BE49-F238E27FC236}">
-                    <a16:creationId xmlns:a16="http://schemas.microsoft.com/office/drawing/2014/main" id="{589DD3A3-5CE6-77E4-5F98-EFA7D157AC4F}"/>
-                  </a:ext>
-                </a:extLst>
-              </p:cNvPr>
-              <p:cNvSpPr txBox="1">
-                <a:spLocks noRot="1" noChangeAspect="1" noMove="1" noResize="1" noEditPoints="1" noAdjustHandles="1" noChangeArrowheads="1" noChangeShapeType="1" noTextEdit="1"/>
-              </p:cNvSpPr>
-              <p:nvPr/>
-            </p:nvSpPr>
-            <p:spPr>
-              <a:xfrm>
-                <a:off x="408832" y="2361751"/>
-                <a:ext cx="1237130" cy="369332"/>
-              </a:xfrm>
-              <a:prstGeom prst="rect">
-                <a:avLst/>
-              </a:prstGeom>
-              <a:blipFill>
-                <a:blip r:embed="rId11"/>
-                <a:stretch>
-                  <a:fillRect/>
-                </a:stretch>
-              </a:blipFill>
-            </p:spPr>
-            <p:txBody>
-              <a:bodyPr/>
-              <a:lstStyle/>
-              <a:p>
-                <a:r>
-                  <a:rPr lang="en-US">
-                    <a:noFill/>
-                  </a:rPr>
-                  <a:t> </a:t>
-                </a:r>
-              </a:p>
-            </p:txBody>
-          </p:sp>
-        </mc:Fallback>
-      </mc:AlternateContent>
-      <mc:AlternateContent xmlns:mc="http://schemas.openxmlformats.org/markup-compatibility/2006">
-        <mc:Choice xmlns:a14="http://schemas.microsoft.com/office/drawing/2010/main" Requires="a14">
-          <p:sp>
-            <p:nvSpPr>
-              <p:cNvPr id="4" name="TextBox 3">
-                <a:extLst>
-                  <a:ext uri="{FF2B5EF4-FFF2-40B4-BE49-F238E27FC236}">
-                    <a16:creationId xmlns:a16="http://schemas.microsoft.com/office/drawing/2014/main" id="{3277B2A5-AD5E-5A6B-FBED-4A4BC2661862}"/>
-                  </a:ext>
-                </a:extLst>
-              </p:cNvPr>
-              <p:cNvSpPr txBox="1"/>
-              <p:nvPr/>
-            </p:nvSpPr>
-            <p:spPr>
-              <a:xfrm>
-                <a:off x="420229" y="5083815"/>
-                <a:ext cx="1237130" cy="369332"/>
-              </a:xfrm>
-              <a:prstGeom prst="rect">
-                <a:avLst/>
-              </a:prstGeom>
-              <a:noFill/>
-            </p:spPr>
-            <p:txBody>
-              <a:bodyPr wrap="square" rtlCol="0">
-                <a:spAutoFit/>
-              </a:bodyPr>
-              <a:lstStyle/>
-              <a:p>
-                <a:pPr/>
-                <a14:m>
-                  <m:oMathPara xmlns:m="http://schemas.openxmlformats.org/officeDocument/2006/math">
-                    <m:oMathParaPr>
-                      <m:jc m:val="centerGroup"/>
-                    </m:oMathParaPr>
-                    <m:oMath xmlns:m="http://schemas.openxmlformats.org/officeDocument/2006/math">
-                      <m:r>
-                        <a:rPr lang="en-US" b="0" i="1" smtClean="0">
-                          <a:latin typeface="Cambria Math" panose="02040503050406030204" pitchFamily="18" charset="0"/>
-                        </a:rPr>
-                        <m:t>𝛼</m:t>
-                      </m:r>
-                      <m:r>
-                        <a:rPr lang="en-US" b="0" i="1" smtClean="0">
-                          <a:latin typeface="Cambria Math" panose="02040503050406030204" pitchFamily="18" charset="0"/>
-                        </a:rPr>
-                        <m:t>=0.05</m:t>
-                      </m:r>
-                    </m:oMath>
-                  </m:oMathPara>
-                </a14:m>
-                <a:endParaRPr lang="en-US" dirty="0"/>
-              </a:p>
-            </p:txBody>
-          </p:sp>
-        </mc:Choice>
-        <mc:Fallback>
-          <p:sp>
-            <p:nvSpPr>
-              <p:cNvPr id="4" name="TextBox 3">
-                <a:extLst>
-                  <a:ext uri="{FF2B5EF4-FFF2-40B4-BE49-F238E27FC236}">
-                    <a16:creationId xmlns:a16="http://schemas.microsoft.com/office/drawing/2014/main" id="{3277B2A5-AD5E-5A6B-FBED-4A4BC2661862}"/>
-                  </a:ext>
-                </a:extLst>
-              </p:cNvPr>
-              <p:cNvSpPr txBox="1">
-                <a:spLocks noRot="1" noChangeAspect="1" noMove="1" noResize="1" noEditPoints="1" noAdjustHandles="1" noChangeArrowheads="1" noChangeShapeType="1" noTextEdit="1"/>
-              </p:cNvSpPr>
-              <p:nvPr/>
-            </p:nvSpPr>
-            <p:spPr>
-              <a:xfrm>
-                <a:off x="420229" y="5083815"/>
-                <a:ext cx="1237130" cy="369332"/>
-              </a:xfrm>
-              <a:prstGeom prst="rect">
-                <a:avLst/>
-              </a:prstGeom>
-              <a:blipFill>
-                <a:blip r:embed="rId12"/>
-                <a:stretch>
-                  <a:fillRect/>
-                </a:stretch>
-              </a:blipFill>
-            </p:spPr>
-            <p:txBody>
-              <a:bodyPr/>
-              <a:lstStyle/>
-              <a:p>
-                <a:r>
-                  <a:rPr lang="en-US">
-                    <a:noFill/>
-                  </a:rPr>
-                  <a:t> </a:t>
-                </a:r>
-              </a:p>
-            </p:txBody>
-          </p:sp>
-        </mc:Fallback>
-      </mc:AlternateContent>
-      <p:pic>
-        <p:nvPicPr>
-          <p:cNvPr id="13" name="Picture 12">
-            <a:extLst>
-              <a:ext uri="{FF2B5EF4-FFF2-40B4-BE49-F238E27FC236}">
-                <a16:creationId xmlns:a16="http://schemas.microsoft.com/office/drawing/2014/main" id="{D4933720-D8BE-772D-06DC-9E9CA63DEC04}"/>
-              </a:ext>
-            </a:extLst>
-          </p:cNvPr>
-          <p:cNvPicPr>
-            <a:picLocks noChangeAspect="1"/>
-          </p:cNvPicPr>
-          <p:nvPr/>
-        </p:nvPicPr>
-        <p:blipFill>
-          <a:blip r:embed="rId13"/>
-          <a:stretch>
-            <a:fillRect/>
-          </a:stretch>
-        </p:blipFill>
-        <p:spPr>
-          <a:xfrm>
-            <a:off x="2560698" y="4580593"/>
-            <a:ext cx="1855254" cy="1888622"/>
+            <a:off x="5617999" y="3204728"/>
+            <a:ext cx="1123460" cy="1482102"/>
           </a:xfrm>
           <a:prstGeom prst="rect">
             <a:avLst/>
@@ -6314,10 +6739,10 @@
       </p:pic>
       <p:pic>
         <p:nvPicPr>
-          <p:cNvPr id="16" name="Picture 15">
-            <a:extLst>
-              <a:ext uri="{FF2B5EF4-FFF2-40B4-BE49-F238E27FC236}">
-                <a16:creationId xmlns:a16="http://schemas.microsoft.com/office/drawing/2014/main" id="{3CD89F8B-219A-FF76-5D84-BC22234AE899}"/>
+          <p:cNvPr id="12" name="Picture 11">
+            <a:extLst>
+              <a:ext uri="{FF2B5EF4-FFF2-40B4-BE49-F238E27FC236}">
+                <a16:creationId xmlns:a16="http://schemas.microsoft.com/office/drawing/2014/main" id="{C1087446-BD82-DF0F-3B09-0369900416E8}"/>
               </a:ext>
             </a:extLst>
           </p:cNvPr>
@@ -6327,478 +6752,66 @@
           <p:nvPr/>
         </p:nvPicPr>
         <p:blipFill>
-          <a:blip r:embed="rId14"/>
+          <a:blip r:embed="rId6"/>
           <a:stretch>
             <a:fillRect/>
           </a:stretch>
         </p:blipFill>
         <p:spPr>
           <a:xfrm>
-            <a:off x="5609194" y="4624293"/>
-            <a:ext cx="1734343" cy="1844922"/>
+            <a:off x="7184254" y="1359106"/>
+            <a:ext cx="1018452" cy="1570300"/>
           </a:xfrm>
           <a:prstGeom prst="rect">
             <a:avLst/>
           </a:prstGeom>
         </p:spPr>
       </p:pic>
-      <mc:AlternateContent xmlns:mc="http://schemas.openxmlformats.org/markup-compatibility/2006" xmlns:a14="http://schemas.microsoft.com/office/drawing/2010/main">
-        <mc:Choice Requires="a14">
-          <p:sp>
-            <p:nvSpPr>
-              <p:cNvPr id="18" name="TextBox 17">
-                <a:extLst>
-                  <a:ext uri="{FF2B5EF4-FFF2-40B4-BE49-F238E27FC236}">
-                    <a16:creationId xmlns:a16="http://schemas.microsoft.com/office/drawing/2014/main" id="{587A9829-3F19-7934-AA79-B03D80F69EA9}"/>
-                  </a:ext>
-                </a:extLst>
-              </p:cNvPr>
-              <p:cNvSpPr txBox="1"/>
-              <p:nvPr/>
-            </p:nvSpPr>
-            <p:spPr>
-              <a:xfrm>
-                <a:off x="2928701" y="4288886"/>
-                <a:ext cx="1237130" cy="369332"/>
-              </a:xfrm>
-              <a:prstGeom prst="rect">
-                <a:avLst/>
-              </a:prstGeom>
-              <a:noFill/>
-            </p:spPr>
-            <p:txBody>
-              <a:bodyPr wrap="square" rtlCol="0">
-                <a:spAutoFit/>
-              </a:bodyPr>
-              <a:lstStyle/>
-              <a:p>
-                <a:pPr/>
-                <a14:m>
-                  <m:oMathPara xmlns:m="http://schemas.openxmlformats.org/officeDocument/2006/math">
-                    <m:oMathParaPr>
-                      <m:jc m:val="centerGroup"/>
-                    </m:oMathParaPr>
-                    <m:oMath xmlns:m="http://schemas.openxmlformats.org/officeDocument/2006/math">
-                      <m:r>
-                        <a:rPr lang="en-US" b="0" i="1" smtClean="0">
-                          <a:latin typeface="Cambria Math" panose="02040503050406030204" pitchFamily="18" charset="0"/>
-                        </a:rPr>
-                        <m:t>𝜎</m:t>
-                      </m:r>
-                      <m:r>
-                        <a:rPr lang="en-US" b="0" i="1" smtClean="0">
-                          <a:latin typeface="Cambria Math" panose="02040503050406030204" pitchFamily="18" charset="0"/>
-                        </a:rPr>
-                        <m:t>=0.003</m:t>
-                      </m:r>
-                    </m:oMath>
-                  </m:oMathPara>
-                </a14:m>
-                <a:endParaRPr lang="en-US" dirty="0"/>
-              </a:p>
-            </p:txBody>
-          </p:sp>
-        </mc:Choice>
-        <mc:Fallback xmlns="">
-          <p:sp>
-            <p:nvSpPr>
-              <p:cNvPr id="18" name="TextBox 17">
-                <a:extLst>
-                  <a:ext uri="{FF2B5EF4-FFF2-40B4-BE49-F238E27FC236}">
-                    <a16:creationId xmlns:a16="http://schemas.microsoft.com/office/drawing/2014/main" id="{587A9829-3F19-7934-AA79-B03D80F69EA9}"/>
-                  </a:ext>
-                </a:extLst>
-              </p:cNvPr>
-              <p:cNvSpPr txBox="1">
-                <a:spLocks noRot="1" noChangeAspect="1" noMove="1" noResize="1" noEditPoints="1" noAdjustHandles="1" noChangeArrowheads="1" noChangeShapeType="1" noTextEdit="1"/>
-              </p:cNvSpPr>
-              <p:nvPr/>
-            </p:nvSpPr>
-            <p:spPr>
-              <a:xfrm>
-                <a:off x="2928701" y="4288886"/>
-                <a:ext cx="1237130" cy="369332"/>
-              </a:xfrm>
-              <a:prstGeom prst="rect">
-                <a:avLst/>
-              </a:prstGeom>
-              <a:blipFill>
-                <a:blip r:embed="rId15"/>
-                <a:stretch>
-                  <a:fillRect/>
-                </a:stretch>
-              </a:blipFill>
-            </p:spPr>
-            <p:txBody>
-              <a:bodyPr/>
-              <a:lstStyle/>
-              <a:p>
-                <a:r>
-                  <a:rPr lang="en-US">
-                    <a:noFill/>
-                  </a:rPr>
-                  <a:t> </a:t>
-                </a:r>
-              </a:p>
-            </p:txBody>
-          </p:sp>
-        </mc:Fallback>
-      </mc:AlternateContent>
-      <mc:AlternateContent xmlns:mc="http://schemas.openxmlformats.org/markup-compatibility/2006" xmlns:a14="http://schemas.microsoft.com/office/drawing/2010/main">
-        <mc:Choice Requires="a14">
-          <p:sp>
-            <p:nvSpPr>
-              <p:cNvPr id="21" name="TextBox 20">
-                <a:extLst>
-                  <a:ext uri="{FF2B5EF4-FFF2-40B4-BE49-F238E27FC236}">
-                    <a16:creationId xmlns:a16="http://schemas.microsoft.com/office/drawing/2014/main" id="{70DBACE3-A422-FACE-26B4-BC53A9791A2C}"/>
-                  </a:ext>
-                </a:extLst>
-              </p:cNvPr>
-              <p:cNvSpPr txBox="1"/>
-              <p:nvPr/>
-            </p:nvSpPr>
-            <p:spPr>
-              <a:xfrm>
-                <a:off x="5857800" y="4254961"/>
-                <a:ext cx="1237130" cy="369332"/>
-              </a:xfrm>
-              <a:prstGeom prst="rect">
-                <a:avLst/>
-              </a:prstGeom>
-              <a:noFill/>
-            </p:spPr>
-            <p:txBody>
-              <a:bodyPr wrap="square" rtlCol="0">
-                <a:spAutoFit/>
-              </a:bodyPr>
-              <a:lstStyle/>
-              <a:p>
-                <a:pPr/>
-                <a14:m>
-                  <m:oMathPara xmlns:m="http://schemas.openxmlformats.org/officeDocument/2006/math">
-                    <m:oMathParaPr>
-                      <m:jc m:val="centerGroup"/>
-                    </m:oMathParaPr>
-                    <m:oMath xmlns:m="http://schemas.openxmlformats.org/officeDocument/2006/math">
-                      <m:r>
-                        <a:rPr lang="en-US" b="0" i="1" smtClean="0">
-                          <a:latin typeface="Cambria Math" panose="02040503050406030204" pitchFamily="18" charset="0"/>
-                        </a:rPr>
-                        <m:t>𝜎</m:t>
-                      </m:r>
-                      <m:r>
-                        <a:rPr lang="en-US" b="0" i="1" smtClean="0">
-                          <a:latin typeface="Cambria Math" panose="02040503050406030204" pitchFamily="18" charset="0"/>
-                        </a:rPr>
-                        <m:t>=0.005</m:t>
-                      </m:r>
-                    </m:oMath>
-                  </m:oMathPara>
-                </a14:m>
-                <a:endParaRPr lang="en-US" dirty="0"/>
-              </a:p>
-            </p:txBody>
-          </p:sp>
-        </mc:Choice>
-        <mc:Fallback xmlns="">
-          <p:sp>
-            <p:nvSpPr>
-              <p:cNvPr id="21" name="TextBox 20">
-                <a:extLst>
-                  <a:ext uri="{FF2B5EF4-FFF2-40B4-BE49-F238E27FC236}">
-                    <a16:creationId xmlns:a16="http://schemas.microsoft.com/office/drawing/2014/main" id="{70DBACE3-A422-FACE-26B4-BC53A9791A2C}"/>
-                  </a:ext>
-                </a:extLst>
-              </p:cNvPr>
-              <p:cNvSpPr txBox="1">
-                <a:spLocks noRot="1" noChangeAspect="1" noMove="1" noResize="1" noEditPoints="1" noAdjustHandles="1" noChangeArrowheads="1" noChangeShapeType="1" noTextEdit="1"/>
-              </p:cNvSpPr>
-              <p:nvPr/>
-            </p:nvSpPr>
-            <p:spPr>
-              <a:xfrm>
-                <a:off x="5857800" y="4254961"/>
-                <a:ext cx="1237130" cy="369332"/>
-              </a:xfrm>
-              <a:prstGeom prst="rect">
-                <a:avLst/>
-              </a:prstGeom>
-              <a:blipFill>
-                <a:blip r:embed="rId16"/>
-                <a:stretch>
-                  <a:fillRect/>
-                </a:stretch>
-              </a:blipFill>
-            </p:spPr>
-            <p:txBody>
-              <a:bodyPr/>
-              <a:lstStyle/>
-              <a:p>
-                <a:r>
-                  <a:rPr lang="en-US">
-                    <a:noFill/>
-                  </a:rPr>
-                  <a:t> </a:t>
-                </a:r>
-              </a:p>
-            </p:txBody>
-          </p:sp>
-        </mc:Fallback>
-      </mc:AlternateContent>
-      <p:pic>
-        <p:nvPicPr>
-          <p:cNvPr id="22" name="Picture 8">
-            <a:extLst>
-              <a:ext uri="{FF2B5EF4-FFF2-40B4-BE49-F238E27FC236}">
-                <a16:creationId xmlns:a16="http://schemas.microsoft.com/office/drawing/2014/main" id="{011C1F2C-9531-155B-9DE7-EB1D7238EFB9}"/>
-              </a:ext>
-            </a:extLst>
-          </p:cNvPr>
-          <p:cNvPicPr>
-            <a:picLocks noChangeAspect="1" noChangeArrowheads="1"/>
-          </p:cNvPicPr>
+      <p:sp>
+        <p:nvSpPr>
+          <p:cNvPr id="15" name="Rectangle 14">
+            <a:extLst>
+              <a:ext uri="{FF2B5EF4-FFF2-40B4-BE49-F238E27FC236}">
+                <a16:creationId xmlns:a16="http://schemas.microsoft.com/office/drawing/2014/main" id="{3F281D3C-C27E-D708-CC52-8DC82EE47A22}"/>
+              </a:ext>
+            </a:extLst>
+          </p:cNvPr>
+          <p:cNvSpPr/>
           <p:nvPr/>
-        </p:nvPicPr>
-        <p:blipFill>
-          <a:blip r:embed="rId17">
-            <a:extLst>
-              <a:ext uri="{28A0092B-C50C-407E-A947-70E740481C1C}">
-                <a14:useLocalDpi xmlns:a14="http://schemas.microsoft.com/office/drawing/2010/main" val="0"/>
-              </a:ext>
-            </a:extLst>
-          </a:blip>
-          <a:srcRect/>
-          <a:stretch>
-            <a:fillRect/>
-          </a:stretch>
-        </p:blipFill>
-        <p:spPr bwMode="auto">
+        </p:nvSpPr>
+        <p:spPr>
           <a:xfrm>
-            <a:off x="8218621" y="4775954"/>
-            <a:ext cx="2532627" cy="1541599"/>
+            <a:off x="9018495" y="842682"/>
+            <a:ext cx="2563906" cy="600636"/>
           </a:xfrm>
           <a:prstGeom prst="rect">
             <a:avLst/>
           </a:prstGeom>
-          <a:noFill/>
-          <a:extLst>
-            <a:ext uri="{909E8E84-426E-40DD-AFC4-6F175D3DCCD1}">
-              <a14:hiddenFill xmlns:a14="http://schemas.microsoft.com/office/drawing/2010/main">
-                <a:solidFill>
-                  <a:srgbClr val="FFFFFF"/>
-                </a:solidFill>
-              </a14:hiddenFill>
-            </a:ext>
-          </a:extLst>
         </p:spPr>
-      </p:pic>
-      <mc:AlternateContent xmlns:mc="http://schemas.openxmlformats.org/markup-compatibility/2006" xmlns:a14="http://schemas.microsoft.com/office/drawing/2010/main">
-        <mc:Choice Requires="a14">
-          <p:sp>
-            <p:nvSpPr>
-              <p:cNvPr id="23" name="TextBox 22">
-                <a:extLst>
-                  <a:ext uri="{FF2B5EF4-FFF2-40B4-BE49-F238E27FC236}">
-                    <a16:creationId xmlns:a16="http://schemas.microsoft.com/office/drawing/2014/main" id="{D3C9E128-786D-700E-99FC-35CE628D5702}"/>
-                  </a:ext>
-                </a:extLst>
-              </p:cNvPr>
-              <p:cNvSpPr txBox="1"/>
-              <p:nvPr/>
-            </p:nvSpPr>
-            <p:spPr>
-              <a:xfrm>
-                <a:off x="8785385" y="4254961"/>
-                <a:ext cx="1237130" cy="369332"/>
-              </a:xfrm>
-              <a:prstGeom prst="rect">
-                <a:avLst/>
-              </a:prstGeom>
-              <a:noFill/>
-            </p:spPr>
-            <p:txBody>
-              <a:bodyPr wrap="square" rtlCol="0">
-                <a:spAutoFit/>
-              </a:bodyPr>
-              <a:lstStyle/>
-              <a:p>
-                <a:pPr/>
-                <a14:m>
-                  <m:oMathPara xmlns:m="http://schemas.openxmlformats.org/officeDocument/2006/math">
-                    <m:oMathParaPr>
-                      <m:jc m:val="centerGroup"/>
-                    </m:oMathParaPr>
-                    <m:oMath xmlns:m="http://schemas.openxmlformats.org/officeDocument/2006/math">
-                      <m:r>
-                        <a:rPr lang="en-US" b="0" i="1" smtClean="0">
-                          <a:latin typeface="Cambria Math" panose="02040503050406030204" pitchFamily="18" charset="0"/>
-                        </a:rPr>
-                        <m:t>𝜎</m:t>
-                      </m:r>
-                      <m:r>
-                        <a:rPr lang="en-US" b="0" i="1" smtClean="0">
-                          <a:latin typeface="Cambria Math" panose="02040503050406030204" pitchFamily="18" charset="0"/>
-                        </a:rPr>
-                        <m:t>=0.007</m:t>
-                      </m:r>
-                    </m:oMath>
-                  </m:oMathPara>
-                </a14:m>
-                <a:endParaRPr lang="en-US" dirty="0"/>
-              </a:p>
-            </p:txBody>
-          </p:sp>
-        </mc:Choice>
-        <mc:Fallback xmlns="">
-          <p:sp>
-            <p:nvSpPr>
-              <p:cNvPr id="23" name="TextBox 22">
-                <a:extLst>
-                  <a:ext uri="{FF2B5EF4-FFF2-40B4-BE49-F238E27FC236}">
-                    <a16:creationId xmlns:a16="http://schemas.microsoft.com/office/drawing/2014/main" id="{D3C9E128-786D-700E-99FC-35CE628D5702}"/>
-                  </a:ext>
-                </a:extLst>
-              </p:cNvPr>
-              <p:cNvSpPr txBox="1">
-                <a:spLocks noRot="1" noChangeAspect="1" noMove="1" noResize="1" noEditPoints="1" noAdjustHandles="1" noChangeArrowheads="1" noChangeShapeType="1" noTextEdit="1"/>
-              </p:cNvSpPr>
-              <p:nvPr/>
-            </p:nvSpPr>
-            <p:spPr>
-              <a:xfrm>
-                <a:off x="8785385" y="4254961"/>
-                <a:ext cx="1237130" cy="369332"/>
-              </a:xfrm>
-              <a:prstGeom prst="rect">
-                <a:avLst/>
-              </a:prstGeom>
-              <a:blipFill>
-                <a:blip r:embed="rId18"/>
-                <a:stretch>
-                  <a:fillRect/>
-                </a:stretch>
-              </a:blipFill>
-            </p:spPr>
-            <p:txBody>
-              <a:bodyPr/>
-              <a:lstStyle/>
-              <a:p>
-                <a:r>
-                  <a:rPr lang="en-US">
-                    <a:noFill/>
-                  </a:rPr>
-                  <a:t> </a:t>
-                </a:r>
-              </a:p>
-            </p:txBody>
-          </p:sp>
-        </mc:Fallback>
-      </mc:AlternateContent>
-      <p:sp>
-        <p:nvSpPr>
-          <p:cNvPr id="24" name="TextBox 23">
-            <a:extLst>
-              <a:ext uri="{FF2B5EF4-FFF2-40B4-BE49-F238E27FC236}">
-                <a16:creationId xmlns:a16="http://schemas.microsoft.com/office/drawing/2014/main" id="{7FF078C1-7566-184A-F4B8-118B9EFF07C9}"/>
-              </a:ext>
-            </a:extLst>
-          </p:cNvPr>
-          <p:cNvSpPr txBox="1"/>
-          <p:nvPr/>
-        </p:nvSpPr>
-        <p:spPr>
-          <a:xfrm>
-            <a:off x="2164705" y="6469215"/>
-            <a:ext cx="2765121" cy="369332"/>
-          </a:xfrm>
-          <a:prstGeom prst="rect">
-            <a:avLst/>
-          </a:prstGeom>
-          <a:noFill/>
-        </p:spPr>
-        <p:txBody>
-          <a:bodyPr wrap="square" rtlCol="0">
-            <a:spAutoFit/>
-          </a:bodyPr>
+        <p:style>
+          <a:lnRef idx="2">
+            <a:schemeClr val="accent1">
+              <a:shade val="15000"/>
+            </a:schemeClr>
+          </a:lnRef>
+          <a:fillRef idx="1">
+            <a:schemeClr val="accent1"/>
+          </a:fillRef>
+          <a:effectRef idx="0">
+            <a:schemeClr val="accent1"/>
+          </a:effectRef>
+          <a:fontRef idx="minor">
+            <a:schemeClr val="lt1"/>
+          </a:fontRef>
+        </p:style>
+        <p:txBody>
+          <a:bodyPr rtlCol="0" anchor="ctr"/>
           <a:lstStyle/>
           <a:p>
             <a:pPr algn="ctr"/>
             <a:r>
               <a:rPr lang="en-US" dirty="0"/>
-              <a:t>Need to finalize</a:t>
-            </a:r>
-          </a:p>
-        </p:txBody>
-      </p:sp>
-      <p:sp>
-        <p:nvSpPr>
-          <p:cNvPr id="26" name="TextBox 25">
-            <a:extLst>
-              <a:ext uri="{FF2B5EF4-FFF2-40B4-BE49-F238E27FC236}">
-                <a16:creationId xmlns:a16="http://schemas.microsoft.com/office/drawing/2014/main" id="{6B8E4B92-0BC8-DE96-A32E-35090BC26BED}"/>
-              </a:ext>
-            </a:extLst>
-          </p:cNvPr>
-          <p:cNvSpPr txBox="1"/>
-          <p:nvPr/>
-        </p:nvSpPr>
-        <p:spPr>
-          <a:xfrm>
-            <a:off x="2276064" y="3644835"/>
-            <a:ext cx="2765121" cy="369332"/>
-          </a:xfrm>
-          <a:prstGeom prst="rect">
-            <a:avLst/>
-          </a:prstGeom>
-          <a:noFill/>
-        </p:spPr>
-        <p:txBody>
-          <a:bodyPr wrap="square" rtlCol="0">
-            <a:spAutoFit/>
-          </a:bodyPr>
-          <a:lstStyle/>
-          <a:p>
-            <a:pPr algn="ctr"/>
-            <a:r>
-              <a:rPr lang="en-US" dirty="0"/>
-              <a:t>Need to finalize</a:t>
-            </a:r>
-          </a:p>
-        </p:txBody>
-      </p:sp>
-      <p:sp>
-        <p:nvSpPr>
-          <p:cNvPr id="27" name="TextBox 26">
-            <a:extLst>
-              <a:ext uri="{FF2B5EF4-FFF2-40B4-BE49-F238E27FC236}">
-                <a16:creationId xmlns:a16="http://schemas.microsoft.com/office/drawing/2014/main" id="{2B8D0BEA-0416-23A3-1376-3CB733D9165E}"/>
-              </a:ext>
-            </a:extLst>
-          </p:cNvPr>
-          <p:cNvSpPr txBox="1"/>
-          <p:nvPr/>
-        </p:nvSpPr>
-        <p:spPr>
-          <a:xfrm>
-            <a:off x="4385696" y="3623973"/>
-            <a:ext cx="2765121" cy="369332"/>
-          </a:xfrm>
-          <a:prstGeom prst="rect">
-            <a:avLst/>
-          </a:prstGeom>
-          <a:noFill/>
-        </p:spPr>
-        <p:txBody>
-          <a:bodyPr wrap="square" rtlCol="0">
-            <a:spAutoFit/>
-          </a:bodyPr>
-          <a:lstStyle/>
-          <a:p>
-            <a:pPr algn="ctr"/>
-            <a:r>
-              <a:rPr lang="en-US" dirty="0"/>
-              <a:t>Need to finalize</a:t>
+              <a:t>Supplemental?</a:t>
             </a:r>
           </a:p>
         </p:txBody>
@@ -6816,7 +6829,7 @@
 </p:sld>
 </file>
 
-<file path=ppt/slides/slide5.xml><?xml version="1.0" encoding="utf-8"?>
+<file path=ppt/slides/slide6.xml><?xml version="1.0" encoding="utf-8"?>
 <p:sld xmlns:a="http://schemas.openxmlformats.org/drawingml/2006/main" xmlns:r="http://schemas.openxmlformats.org/officeDocument/2006/relationships" xmlns:p="http://schemas.openxmlformats.org/presentationml/2006/main">
   <p:cSld>
     <p:spTree>
@@ -6912,10 +6925,10 @@
       </p:sp>
       <p:pic>
         <p:nvPicPr>
-          <p:cNvPr id="1028" name="Picture 4">
-            <a:extLst>
-              <a:ext uri="{FF2B5EF4-FFF2-40B4-BE49-F238E27FC236}">
-                <a16:creationId xmlns:a16="http://schemas.microsoft.com/office/drawing/2014/main" id="{7E67BA4C-3D52-6B55-C973-9B4A4FF3EDA2}"/>
+          <p:cNvPr id="2" name="Picture 4">
+            <a:extLst>
+              <a:ext uri="{FF2B5EF4-FFF2-40B4-BE49-F238E27FC236}">
+                <a16:creationId xmlns:a16="http://schemas.microsoft.com/office/drawing/2014/main" id="{ED76F1F2-1770-04F8-DE7F-DA7A6D79C475}"/>
               </a:ext>
             </a:extLst>
           </p:cNvPr>
@@ -6939,8 +6952,8 @@
         </p:blipFill>
         <p:spPr bwMode="auto">
           <a:xfrm>
-            <a:off x="2200275" y="1166812"/>
-            <a:ext cx="7791450" cy="4524375"/>
+            <a:off x="2782980" y="1779074"/>
+            <a:ext cx="6101043" cy="3542782"/>
           </a:xfrm>
           <a:prstGeom prst="rect">
             <a:avLst/>
@@ -6970,7 +6983,7 @@
 </p:sld>
 </file>
 
-<file path=ppt/slides/slide6.xml><?xml version="1.0" encoding="utf-8"?>
+<file path=ppt/slides/slide7.xml><?xml version="1.0" encoding="utf-8"?>
 <p:sld xmlns:a="http://schemas.openxmlformats.org/drawingml/2006/main" xmlns:r="http://schemas.openxmlformats.org/officeDocument/2006/relationships" xmlns:p="http://schemas.openxmlformats.org/presentationml/2006/main">
   <p:cSld>
     <p:spTree>

--- a/SYSG3_paper.pptx
+++ b/SYSG3_paper.pptx
@@ -5,13 +5,11 @@
     <p:sldMasterId id="2147483648" r:id="rId1"/>
   </p:sldMasterIdLst>
   <p:sldIdLst>
-    <p:sldId id="368" r:id="rId2"/>
-    <p:sldId id="371" r:id="rId3"/>
-    <p:sldId id="374" r:id="rId4"/>
-    <p:sldId id="375" r:id="rId5"/>
-    <p:sldId id="372" r:id="rId6"/>
-    <p:sldId id="373" r:id="rId7"/>
-    <p:sldId id="370" r:id="rId8"/>
+    <p:sldId id="373" r:id="rId2"/>
+    <p:sldId id="376" r:id="rId3"/>
+    <p:sldId id="371" r:id="rId4"/>
+    <p:sldId id="372" r:id="rId5"/>
+    <p:sldId id="370" r:id="rId6"/>
   </p:sldIdLst>
   <p:sldSz cx="12192000" cy="6858000"/>
   <p:notesSz cx="6858000" cy="9144000"/>
@@ -265,7 +263,7 @@
           <a:p>
             <a:fld id="{E3B1C2F4-07A0-459D-95BE-47AEA2376715}" type="datetimeFigureOut">
               <a:rPr lang="en-US" smtClean="0"/>
-              <a:t>6/18/2025</a:t>
+              <a:t>6/19/2025</a:t>
             </a:fld>
             <a:endParaRPr lang="en-US"/>
           </a:p>
@@ -463,7 +461,7 @@
           <a:p>
             <a:fld id="{E3B1C2F4-07A0-459D-95BE-47AEA2376715}" type="datetimeFigureOut">
               <a:rPr lang="en-US" smtClean="0"/>
-              <a:t>6/18/2025</a:t>
+              <a:t>6/19/2025</a:t>
             </a:fld>
             <a:endParaRPr lang="en-US"/>
           </a:p>
@@ -671,7 +669,7 @@
           <a:p>
             <a:fld id="{E3B1C2F4-07A0-459D-95BE-47AEA2376715}" type="datetimeFigureOut">
               <a:rPr lang="en-US" smtClean="0"/>
-              <a:t>6/18/2025</a:t>
+              <a:t>6/19/2025</a:t>
             </a:fld>
             <a:endParaRPr lang="en-US"/>
           </a:p>
@@ -869,7 +867,7 @@
           <a:p>
             <a:fld id="{E3B1C2F4-07A0-459D-95BE-47AEA2376715}" type="datetimeFigureOut">
               <a:rPr lang="en-US" smtClean="0"/>
-              <a:t>6/18/2025</a:t>
+              <a:t>6/19/2025</a:t>
             </a:fld>
             <a:endParaRPr lang="en-US"/>
           </a:p>
@@ -1144,7 +1142,7 @@
           <a:p>
             <a:fld id="{E3B1C2F4-07A0-459D-95BE-47AEA2376715}" type="datetimeFigureOut">
               <a:rPr lang="en-US" smtClean="0"/>
-              <a:t>6/18/2025</a:t>
+              <a:t>6/19/2025</a:t>
             </a:fld>
             <a:endParaRPr lang="en-US"/>
           </a:p>
@@ -1409,7 +1407,7 @@
           <a:p>
             <a:fld id="{E3B1C2F4-07A0-459D-95BE-47AEA2376715}" type="datetimeFigureOut">
               <a:rPr lang="en-US" smtClean="0"/>
-              <a:t>6/18/2025</a:t>
+              <a:t>6/19/2025</a:t>
             </a:fld>
             <a:endParaRPr lang="en-US"/>
           </a:p>
@@ -1821,7 +1819,7 @@
           <a:p>
             <a:fld id="{E3B1C2F4-07A0-459D-95BE-47AEA2376715}" type="datetimeFigureOut">
               <a:rPr lang="en-US" smtClean="0"/>
-              <a:t>6/18/2025</a:t>
+              <a:t>6/19/2025</a:t>
             </a:fld>
             <a:endParaRPr lang="en-US"/>
           </a:p>
@@ -1962,7 +1960,7 @@
           <a:p>
             <a:fld id="{E3B1C2F4-07A0-459D-95BE-47AEA2376715}" type="datetimeFigureOut">
               <a:rPr lang="en-US" smtClean="0"/>
-              <a:t>6/18/2025</a:t>
+              <a:t>6/19/2025</a:t>
             </a:fld>
             <a:endParaRPr lang="en-US"/>
           </a:p>
@@ -2075,7 +2073,7 @@
           <a:p>
             <a:fld id="{E3B1C2F4-07A0-459D-95BE-47AEA2376715}" type="datetimeFigureOut">
               <a:rPr lang="en-US" smtClean="0"/>
-              <a:t>6/18/2025</a:t>
+              <a:t>6/19/2025</a:t>
             </a:fld>
             <a:endParaRPr lang="en-US"/>
           </a:p>
@@ -2386,7 +2384,7 @@
           <a:p>
             <a:fld id="{E3B1C2F4-07A0-459D-95BE-47AEA2376715}" type="datetimeFigureOut">
               <a:rPr lang="en-US" smtClean="0"/>
-              <a:t>6/18/2025</a:t>
+              <a:t>6/19/2025</a:t>
             </a:fld>
             <a:endParaRPr lang="en-US"/>
           </a:p>
@@ -2674,7 +2672,7 @@
           <a:p>
             <a:fld id="{E3B1C2F4-07A0-459D-95BE-47AEA2376715}" type="datetimeFigureOut">
               <a:rPr lang="en-US" smtClean="0"/>
-              <a:t>6/18/2025</a:t>
+              <a:t>6/19/2025</a:t>
             </a:fld>
             <a:endParaRPr lang="en-US"/>
           </a:p>
@@ -2915,7 +2913,7 @@
           <a:p>
             <a:fld id="{E3B1C2F4-07A0-459D-95BE-47AEA2376715}" type="datetimeFigureOut">
               <a:rPr lang="en-US" smtClean="0"/>
-              <a:t>6/18/2025</a:t>
+              <a:t>6/19/2025</a:t>
             </a:fld>
             <a:endParaRPr lang="en-US"/>
           </a:p>
@@ -3323,7 +3321,7 @@
         <p:cNvPr id="1" name="">
           <a:extLst>
             <a:ext uri="{FF2B5EF4-FFF2-40B4-BE49-F238E27FC236}">
-              <a16:creationId xmlns:a16="http://schemas.microsoft.com/office/drawing/2014/main" id="{002F12E8-E4D9-F79D-E33B-625278036EE2}"/>
+              <a16:creationId xmlns:a16="http://schemas.microsoft.com/office/drawing/2014/main" id="{068DD0BA-DA43-12CA-9A95-1FF0D6D84A79}"/>
             </a:ext>
           </a:extLst>
         </p:cNvPr>
@@ -3340,10 +3338,10 @@
       </p:grpSpPr>
       <p:sp>
         <p:nvSpPr>
-          <p:cNvPr id="4" name="TextBox 3">
-            <a:extLst>
-              <a:ext uri="{FF2B5EF4-FFF2-40B4-BE49-F238E27FC236}">
-                <a16:creationId xmlns:a16="http://schemas.microsoft.com/office/drawing/2014/main" id="{46466165-900D-1FF4-FC8E-CEA6BBFAC552}"/>
+          <p:cNvPr id="3" name="TextBox 2">
+            <a:extLst>
+              <a:ext uri="{FF2B5EF4-FFF2-40B4-BE49-F238E27FC236}">
+                <a16:creationId xmlns:a16="http://schemas.microsoft.com/office/drawing/2014/main" id="{A534568D-A393-2082-1DFE-CD6164C93670}"/>
               </a:ext>
             </a:extLst>
           </p:cNvPr>
@@ -3352,7 +3350,7 @@
         </p:nvSpPr>
         <p:spPr>
           <a:xfrm>
-            <a:off x="604439" y="583854"/>
+            <a:off x="1645962" y="247374"/>
             <a:ext cx="9436032" cy="369332"/>
           </a:xfrm>
           <a:prstGeom prst="rect">
@@ -3368,7 +3366,161 @@
           <a:p>
             <a:r>
               <a:rPr lang="en-US" dirty="0"/>
-              <a:t>Fig 1: Mic </a:t>
+              <a:t>Fig 1: phase diagram</a:t>
+            </a:r>
+          </a:p>
+        </p:txBody>
+      </p:sp>
+      <p:sp>
+        <p:nvSpPr>
+          <p:cNvPr id="24" name="TextBox 23">
+            <a:extLst>
+              <a:ext uri="{FF2B5EF4-FFF2-40B4-BE49-F238E27FC236}">
+                <a16:creationId xmlns:a16="http://schemas.microsoft.com/office/drawing/2014/main" id="{A646825C-26E9-DC2B-A0C0-9C50730C0881}"/>
+              </a:ext>
+            </a:extLst>
+          </p:cNvPr>
+          <p:cNvSpPr txBox="1"/>
+          <p:nvPr/>
+        </p:nvSpPr>
+        <p:spPr>
+          <a:xfrm>
+            <a:off x="4213638" y="6241293"/>
+            <a:ext cx="2765121" cy="369332"/>
+          </a:xfrm>
+          <a:prstGeom prst="rect">
+            <a:avLst/>
+          </a:prstGeom>
+          <a:noFill/>
+        </p:spPr>
+        <p:txBody>
+          <a:bodyPr wrap="square" rtlCol="0">
+            <a:spAutoFit/>
+          </a:bodyPr>
+          <a:lstStyle/>
+          <a:p>
+            <a:pPr algn="ctr"/>
+            <a:r>
+              <a:rPr lang="en-US" dirty="0"/>
+              <a:t>Need to finalize</a:t>
+            </a:r>
+          </a:p>
+        </p:txBody>
+      </p:sp>
+      <p:pic>
+        <p:nvPicPr>
+          <p:cNvPr id="2" name="Picture 4">
+            <a:extLst>
+              <a:ext uri="{FF2B5EF4-FFF2-40B4-BE49-F238E27FC236}">
+                <a16:creationId xmlns:a16="http://schemas.microsoft.com/office/drawing/2014/main" id="{ED76F1F2-1770-04F8-DE7F-DA7A6D79C475}"/>
+              </a:ext>
+            </a:extLst>
+          </p:cNvPr>
+          <p:cNvPicPr>
+            <a:picLocks noChangeAspect="1" noChangeArrowheads="1"/>
+          </p:cNvPicPr>
+          <p:nvPr/>
+        </p:nvPicPr>
+        <p:blipFill>
+          <a:blip r:embed="rId2">
+            <a:extLst>
+              <a:ext uri="{28A0092B-C50C-407E-A947-70E740481C1C}">
+                <a14:useLocalDpi xmlns:a14="http://schemas.microsoft.com/office/drawing/2010/main" val="0"/>
+              </a:ext>
+            </a:extLst>
+          </a:blip>
+          <a:srcRect/>
+          <a:stretch>
+            <a:fillRect/>
+          </a:stretch>
+        </p:blipFill>
+        <p:spPr bwMode="auto">
+          <a:xfrm>
+            <a:off x="2782980" y="1779074"/>
+            <a:ext cx="6101043" cy="3542782"/>
+          </a:xfrm>
+          <a:prstGeom prst="rect">
+            <a:avLst/>
+          </a:prstGeom>
+          <a:noFill/>
+          <a:extLst>
+            <a:ext uri="{909E8E84-426E-40DD-AFC4-6F175D3DCCD1}">
+              <a14:hiddenFill xmlns:a14="http://schemas.microsoft.com/office/drawing/2010/main">
+                <a:solidFill>
+                  <a:srgbClr val="FFFFFF"/>
+                </a:solidFill>
+              </a14:hiddenFill>
+            </a:ext>
+          </a:extLst>
+        </p:spPr>
+      </p:pic>
+    </p:spTree>
+    <p:extLst>
+      <p:ext uri="{BB962C8B-B14F-4D97-AF65-F5344CB8AC3E}">
+        <p14:creationId xmlns:p14="http://schemas.microsoft.com/office/powerpoint/2010/main" val="3153369564"/>
+      </p:ext>
+    </p:extLst>
+  </p:cSld>
+  <p:clrMapOvr>
+    <a:masterClrMapping/>
+  </p:clrMapOvr>
+</p:sld>
+</file>
+
+<file path=ppt/slides/slide2.xml><?xml version="1.0" encoding="utf-8"?>
+<p:sld xmlns:a="http://schemas.openxmlformats.org/drawingml/2006/main" xmlns:r="http://schemas.openxmlformats.org/officeDocument/2006/relationships" xmlns:p="http://schemas.openxmlformats.org/presentationml/2006/main">
+  <p:cSld>
+    <p:spTree>
+      <p:nvGrpSpPr>
+        <p:cNvPr id="1" name="">
+          <a:extLst>
+            <a:ext uri="{FF2B5EF4-FFF2-40B4-BE49-F238E27FC236}">
+              <a16:creationId xmlns:a16="http://schemas.microsoft.com/office/drawing/2014/main" id="{93BAFED3-EDC6-F32F-4FC0-5508C27B39CE}"/>
+            </a:ext>
+          </a:extLst>
+        </p:cNvPr>
+        <p:cNvGrpSpPr/>
+        <p:nvPr/>
+      </p:nvGrpSpPr>
+      <p:grpSpPr>
+        <a:xfrm>
+          <a:off x="0" y="0"/>
+          <a:ext cx="0" cy="0"/>
+          <a:chOff x="0" y="0"/>
+          <a:chExt cx="0" cy="0"/>
+        </a:xfrm>
+      </p:grpSpPr>
+      <p:sp>
+        <p:nvSpPr>
+          <p:cNvPr id="4" name="TextBox 3">
+            <a:extLst>
+              <a:ext uri="{FF2B5EF4-FFF2-40B4-BE49-F238E27FC236}">
+                <a16:creationId xmlns:a16="http://schemas.microsoft.com/office/drawing/2014/main" id="{7A955CEB-A31A-7350-913D-19EA58C646E7}"/>
+              </a:ext>
+            </a:extLst>
+          </p:cNvPr>
+          <p:cNvSpPr txBox="1"/>
+          <p:nvPr/>
+        </p:nvSpPr>
+        <p:spPr>
+          <a:xfrm>
+            <a:off x="604439" y="583854"/>
+            <a:ext cx="9436032" cy="369332"/>
+          </a:xfrm>
+          <a:prstGeom prst="rect">
+            <a:avLst/>
+          </a:prstGeom>
+          <a:noFill/>
+        </p:spPr>
+        <p:txBody>
+          <a:bodyPr wrap="square" rtlCol="0">
+            <a:spAutoFit/>
+          </a:bodyPr>
+          <a:lstStyle/>
+          <a:p>
+            <a:r>
+              <a:rPr lang="en-US" dirty="0"/>
+              <a:t>Fig 2: Mic </a:t>
             </a:r>
             <a:r>
               <a:rPr lang="en-US" dirty="0">
@@ -3386,21 +3538,30 @@
               <a:rPr lang="en-US" dirty="0">
                 <a:sym typeface="Wingdings" panose="05000000000000000000" pitchFamily="2" charset="2"/>
               </a:rPr>
-              <a:t> in s</a:t>
-            </a:r>
-            <a:r>
-              <a:rPr lang="en-US" dirty="0"/>
-              <a:t>parse PE by increasing alpha</a:t>
-            </a:r>
-          </a:p>
-        </p:txBody>
-      </p:sp>
-      <p:sp>
-        <p:nvSpPr>
-          <p:cNvPr id="10" name="TextBox 9">
-            <a:extLst>
-              <a:ext uri="{FF2B5EF4-FFF2-40B4-BE49-F238E27FC236}">
-                <a16:creationId xmlns:a16="http://schemas.microsoft.com/office/drawing/2014/main" id="{90E715B4-8B8D-95B7-B8CC-38D5C144C6C5}"/>
+              <a:t>, with </a:t>
+            </a:r>
+            <a:r>
+              <a:rPr lang="en-US" dirty="0" err="1">
+                <a:sym typeface="Wingdings" panose="05000000000000000000" pitchFamily="2" charset="2"/>
+              </a:rPr>
+              <a:t>freeE</a:t>
+            </a:r>
+            <a:r>
+              <a:rPr lang="en-US" dirty="0">
+                <a:sym typeface="Wingdings" panose="05000000000000000000" pitchFamily="2" charset="2"/>
+              </a:rPr>
+              <a:t>. Sigma = 0.0025</a:t>
+            </a:r>
+            <a:endParaRPr lang="en-US" dirty="0"/>
+          </a:p>
+        </p:txBody>
+      </p:sp>
+      <p:sp>
+        <p:nvSpPr>
+          <p:cNvPr id="2" name="TextBox 1">
+            <a:extLst>
+              <a:ext uri="{FF2B5EF4-FFF2-40B4-BE49-F238E27FC236}">
+                <a16:creationId xmlns:a16="http://schemas.microsoft.com/office/drawing/2014/main" id="{39F6D5F1-19CA-5B04-F336-F215E50A1EDD}"/>
               </a:ext>
             </a:extLst>
           </p:cNvPr>
@@ -3409,7 +3570,7 @@
         </p:nvSpPr>
         <p:spPr>
           <a:xfrm>
-            <a:off x="665250" y="4670072"/>
+            <a:off x="316799" y="4737560"/>
             <a:ext cx="2443561" cy="646331"/>
           </a:xfrm>
           <a:prstGeom prst="rect">
@@ -3438,12 +3599,48 @@
           </a:p>
         </p:txBody>
       </p:sp>
+      <p:sp>
+        <p:nvSpPr>
+          <p:cNvPr id="5" name="TextBox 4">
+            <a:extLst>
+              <a:ext uri="{FF2B5EF4-FFF2-40B4-BE49-F238E27FC236}">
+                <a16:creationId xmlns:a16="http://schemas.microsoft.com/office/drawing/2014/main" id="{814AFE05-687F-1C82-4260-B4BA1C37E1E4}"/>
+              </a:ext>
+            </a:extLst>
+          </p:cNvPr>
+          <p:cNvSpPr txBox="1"/>
+          <p:nvPr/>
+        </p:nvSpPr>
+        <p:spPr>
+          <a:xfrm>
+            <a:off x="219681" y="2323212"/>
+            <a:ext cx="2765121" cy="646331"/>
+          </a:xfrm>
+          <a:prstGeom prst="rect">
+            <a:avLst/>
+          </a:prstGeom>
+          <a:noFill/>
+        </p:spPr>
+        <p:txBody>
+          <a:bodyPr wrap="square" rtlCol="0">
+            <a:spAutoFit/>
+          </a:bodyPr>
+          <a:lstStyle/>
+          <a:p>
+            <a:pPr algn="ctr"/>
+            <a:r>
+              <a:rPr lang="en-US" dirty="0"/>
+              <a:t>Need to finalize – increase box size for multiple mic</a:t>
+            </a:r>
+          </a:p>
+        </p:txBody>
+      </p:sp>
       <p:pic>
         <p:nvPicPr>
-          <p:cNvPr id="11" name="Picture 10">
-            <a:extLst>
-              <a:ext uri="{FF2B5EF4-FFF2-40B4-BE49-F238E27FC236}">
-                <a16:creationId xmlns:a16="http://schemas.microsoft.com/office/drawing/2014/main" id="{823945E5-2D11-6386-1BD5-28854C0FE212}"/>
+          <p:cNvPr id="6" name="Picture 5">
+            <a:extLst>
+              <a:ext uri="{FF2B5EF4-FFF2-40B4-BE49-F238E27FC236}">
+                <a16:creationId xmlns:a16="http://schemas.microsoft.com/office/drawing/2014/main" id="{195FC564-B501-43A7-D318-519EE0E85148}"/>
               </a:ext>
             </a:extLst>
           </p:cNvPr>
@@ -3460,8 +3657,8 @@
         </p:blipFill>
         <p:spPr>
           <a:xfrm>
-            <a:off x="9151740" y="1757508"/>
-            <a:ext cx="2196986" cy="2222385"/>
+            <a:off x="444125" y="3036719"/>
+            <a:ext cx="2316235" cy="1642421"/>
           </a:xfrm>
           <a:prstGeom prst="rect">
             <a:avLst/>
@@ -3470,10 +3667,10 @@
       </p:pic>
       <p:sp>
         <p:nvSpPr>
-          <p:cNvPr id="12" name="TextBox 11">
-            <a:extLst>
-              <a:ext uri="{FF2B5EF4-FFF2-40B4-BE49-F238E27FC236}">
-                <a16:creationId xmlns:a16="http://schemas.microsoft.com/office/drawing/2014/main" id="{7B547515-6A60-21B7-CBF5-A616FE546DB0}"/>
+          <p:cNvPr id="7" name="TextBox 6">
+            <a:extLst>
+              <a:ext uri="{FF2B5EF4-FFF2-40B4-BE49-F238E27FC236}">
+                <a16:creationId xmlns:a16="http://schemas.microsoft.com/office/drawing/2014/main" id="{A9E06EDB-D83C-C70F-9106-5146C310E7C4}"/>
               </a:ext>
             </a:extLst>
           </p:cNvPr>
@@ -3482,8 +3679,8 @@
         </p:nvSpPr>
         <p:spPr>
           <a:xfrm>
-            <a:off x="9693558" y="4670075"/>
-            <a:ext cx="1759201" cy="646331"/>
+            <a:off x="2931766" y="4854668"/>
+            <a:ext cx="2765121" cy="646331"/>
           </a:xfrm>
           <a:prstGeom prst="rect">
             <a:avLst/>
@@ -3499,32 +3696,24 @@
             <a:pPr algn="ctr"/>
             <a:r>
               <a:rPr lang="en-US" dirty="0"/>
-              <a:t>Example iso </a:t>
-            </a:r>
-            <a:r>
-              <a:rPr lang="en-US" dirty="0" err="1"/>
-              <a:t>cyl</a:t>
-            </a:r>
-            <a:r>
-              <a:rPr lang="en-US" dirty="0"/>
-              <a:t>  </a:t>
+              <a:t>Fused mic </a:t>
             </a:r>
             <a:br>
               <a:rPr lang="en-US" dirty="0"/>
             </a:br>
             <a:r>
               <a:rPr lang="en-US" dirty="0"/>
-              <a:t>@  (0.3, 0.005)</a:t>
-            </a:r>
-          </a:p>
-        </p:txBody>
-      </p:sp>
-      <p:sp>
-        <p:nvSpPr>
-          <p:cNvPr id="16" name="TextBox 15">
-            <a:extLst>
-              <a:ext uri="{FF2B5EF4-FFF2-40B4-BE49-F238E27FC236}">
-                <a16:creationId xmlns:a16="http://schemas.microsoft.com/office/drawing/2014/main" id="{59D74C4B-5E8C-219D-5741-CC4CFCCC1F5C}"/>
+              <a:t>@ (0.15, 0.0025)</a:t>
+            </a:r>
+          </a:p>
+        </p:txBody>
+      </p:sp>
+      <p:sp>
+        <p:nvSpPr>
+          <p:cNvPr id="10" name="TextBox 9">
+            <a:extLst>
+              <a:ext uri="{FF2B5EF4-FFF2-40B4-BE49-F238E27FC236}">
+                <a16:creationId xmlns:a16="http://schemas.microsoft.com/office/drawing/2014/main" id="{DB134EAA-7C3B-95CF-2D9E-25C9666E9C62}"/>
               </a:ext>
             </a:extLst>
           </p:cNvPr>
@@ -3533,7 +3722,7 @@
         </p:nvSpPr>
         <p:spPr>
           <a:xfrm>
-            <a:off x="6275330" y="4684644"/>
+            <a:off x="2931765" y="2189990"/>
             <a:ext cx="2765121" cy="646331"/>
           </a:xfrm>
           <a:prstGeom prst="rect">
@@ -3550,111 +3739,25 @@
             <a:pPr algn="ctr"/>
             <a:r>
               <a:rPr lang="en-US" dirty="0"/>
-              <a:t>Fused </a:t>
-            </a:r>
-            <a:r>
-              <a:rPr lang="en-US" dirty="0" err="1"/>
-              <a:t>cyl</a:t>
+              <a:t>Need to finalize – fusing 1</a:t>
+            </a:r>
+            <a:r>
+              <a:rPr lang="en-US" baseline="30000" dirty="0"/>
+              <a:t>st</a:t>
             </a:r>
             <a:r>
               <a:rPr lang="en-US" dirty="0"/>
-              <a:t> </a:t>
-            </a:r>
-            <a:br>
-              <a:rPr lang="en-US" dirty="0"/>
-            </a:br>
-            <a:r>
-              <a:rPr lang="en-US" dirty="0"/>
-              <a:t>@ (0.25, 0.0025)</a:t>
-            </a:r>
-          </a:p>
-        </p:txBody>
-      </p:sp>
-      <p:sp>
-        <p:nvSpPr>
-          <p:cNvPr id="17" name="TextBox 16">
-            <a:extLst>
-              <a:ext uri="{FF2B5EF4-FFF2-40B4-BE49-F238E27FC236}">
-                <a16:creationId xmlns:a16="http://schemas.microsoft.com/office/drawing/2014/main" id="{E682C8AB-D226-38E0-BD61-8465A2F595E8}"/>
-              </a:ext>
-            </a:extLst>
-          </p:cNvPr>
-          <p:cNvSpPr txBox="1"/>
-          <p:nvPr/>
-        </p:nvSpPr>
-        <p:spPr>
-          <a:xfrm>
-            <a:off x="435106" y="5581479"/>
-            <a:ext cx="2765121" cy="646331"/>
-          </a:xfrm>
-          <a:prstGeom prst="rect">
-            <a:avLst/>
-          </a:prstGeom>
-          <a:noFill/>
-        </p:spPr>
-        <p:txBody>
-          <a:bodyPr wrap="square" rtlCol="0">
-            <a:spAutoFit/>
-          </a:bodyPr>
-          <a:lstStyle/>
-          <a:p>
-            <a:pPr algn="ctr"/>
-            <a:r>
-              <a:rPr lang="en-US" dirty="0"/>
-              <a:t>Need to finalize – increase box size for multiple mic</a:t>
-            </a:r>
-          </a:p>
-        </p:txBody>
-      </p:sp>
-      <p:sp>
-        <p:nvSpPr>
-          <p:cNvPr id="18" name="TextBox 17">
-            <a:extLst>
-              <a:ext uri="{FF2B5EF4-FFF2-40B4-BE49-F238E27FC236}">
-                <a16:creationId xmlns:a16="http://schemas.microsoft.com/office/drawing/2014/main" id="{F93ABA80-5DBE-434A-AA4F-C855B90D0365}"/>
-              </a:ext>
-            </a:extLst>
-          </p:cNvPr>
-          <p:cNvSpPr txBox="1"/>
-          <p:nvPr/>
-        </p:nvSpPr>
-        <p:spPr>
-          <a:xfrm>
-            <a:off x="3151551" y="4684644"/>
-            <a:ext cx="2765121" cy="646331"/>
-          </a:xfrm>
-          <a:prstGeom prst="rect">
-            <a:avLst/>
-          </a:prstGeom>
-          <a:noFill/>
-        </p:spPr>
-        <p:txBody>
-          <a:bodyPr wrap="square" rtlCol="0">
-            <a:spAutoFit/>
-          </a:bodyPr>
-          <a:lstStyle/>
-          <a:p>
-            <a:pPr algn="ctr"/>
-            <a:r>
-              <a:rPr lang="en-US" dirty="0"/>
-              <a:t>Fused mic </a:t>
-            </a:r>
-            <a:br>
-              <a:rPr lang="en-US" dirty="0"/>
-            </a:br>
-            <a:r>
-              <a:rPr lang="en-US" dirty="0"/>
-              <a:t>@ (0.15, 0.0025)</a:t>
+              <a:t> order? </a:t>
             </a:r>
           </a:p>
         </p:txBody>
       </p:sp>
       <p:pic>
         <p:nvPicPr>
-          <p:cNvPr id="2" name="Picture 1">
-            <a:extLst>
-              <a:ext uri="{FF2B5EF4-FFF2-40B4-BE49-F238E27FC236}">
-                <a16:creationId xmlns:a16="http://schemas.microsoft.com/office/drawing/2014/main" id="{DAF61ABC-2A80-D266-4ABE-77C5E76BC06B}"/>
+          <p:cNvPr id="12" name="Picture 11">
+            <a:extLst>
+              <a:ext uri="{FF2B5EF4-FFF2-40B4-BE49-F238E27FC236}">
+                <a16:creationId xmlns:a16="http://schemas.microsoft.com/office/drawing/2014/main" id="{8B0877E6-F3E6-317E-CCBB-91E31AD52852}"/>
               </a:ext>
             </a:extLst>
           </p:cNvPr>
@@ -3671,8 +3774,8 @@
         </p:blipFill>
         <p:spPr>
           <a:xfrm>
-            <a:off x="665250" y="2337472"/>
-            <a:ext cx="2316235" cy="1642421"/>
+            <a:off x="3452941" y="2836321"/>
+            <a:ext cx="1570778" cy="1965088"/>
           </a:xfrm>
           <a:prstGeom prst="rect">
             <a:avLst/>
@@ -3681,10 +3784,10 @@
       </p:pic>
       <p:sp>
         <p:nvSpPr>
-          <p:cNvPr id="5" name="TextBox 4">
-            <a:extLst>
-              <a:ext uri="{FF2B5EF4-FFF2-40B4-BE49-F238E27FC236}">
-                <a16:creationId xmlns:a16="http://schemas.microsoft.com/office/drawing/2014/main" id="{4A03C4D8-2DA8-E748-7A62-1EF470DCEA3B}"/>
+          <p:cNvPr id="13" name="TextBox 12">
+            <a:extLst>
+              <a:ext uri="{FF2B5EF4-FFF2-40B4-BE49-F238E27FC236}">
+                <a16:creationId xmlns:a16="http://schemas.microsoft.com/office/drawing/2014/main" id="{D05C8DBC-5111-0185-9C54-0703556E8583}"/>
               </a:ext>
             </a:extLst>
           </p:cNvPr>
@@ -3693,8 +3796,8 @@
         </p:nvSpPr>
         <p:spPr>
           <a:xfrm>
-            <a:off x="9301586" y="5581479"/>
-            <a:ext cx="2765121" cy="369332"/>
+            <a:off x="5696886" y="4950991"/>
+            <a:ext cx="2765121" cy="646331"/>
           </a:xfrm>
           <a:prstGeom prst="rect">
             <a:avLst/>
@@ -3709,54 +3812,25 @@
           <a:p>
             <a:pPr algn="ctr"/>
             <a:r>
+              <a:rPr lang="en-US" dirty="0" err="1"/>
+              <a:t>Cyl</a:t>
+            </a:r>
+            <a:br>
               <a:rPr lang="en-US" dirty="0"/>
-              <a:t>Actual @ (0.3, 0.0025)</a:t>
-            </a:r>
-          </a:p>
-        </p:txBody>
-      </p:sp>
-      <p:sp>
-        <p:nvSpPr>
-          <p:cNvPr id="19" name="TextBox 18">
-            <a:extLst>
-              <a:ext uri="{FF2B5EF4-FFF2-40B4-BE49-F238E27FC236}">
-                <a16:creationId xmlns:a16="http://schemas.microsoft.com/office/drawing/2014/main" id="{4DE68596-6420-FBB5-287C-254C69584861}"/>
-              </a:ext>
-            </a:extLst>
-          </p:cNvPr>
-          <p:cNvSpPr txBox="1"/>
-          <p:nvPr/>
-        </p:nvSpPr>
-        <p:spPr>
-          <a:xfrm>
-            <a:off x="3281786" y="5581479"/>
-            <a:ext cx="2765121" cy="369332"/>
-          </a:xfrm>
-          <a:prstGeom prst="rect">
-            <a:avLst/>
-          </a:prstGeom>
-          <a:noFill/>
-        </p:spPr>
-        <p:txBody>
-          <a:bodyPr wrap="square" rtlCol="0">
-            <a:spAutoFit/>
-          </a:bodyPr>
-          <a:lstStyle/>
-          <a:p>
-            <a:pPr algn="ctr"/>
+            </a:br>
             <a:r>
               <a:rPr lang="en-US" dirty="0"/>
-              <a:t>Need to finalize</a:t>
+              <a:t>@ (0.25, 0.0025)</a:t>
             </a:r>
           </a:p>
         </p:txBody>
       </p:sp>
       <p:pic>
         <p:nvPicPr>
-          <p:cNvPr id="20" name="Picture 19">
-            <a:extLst>
-              <a:ext uri="{FF2B5EF4-FFF2-40B4-BE49-F238E27FC236}">
-                <a16:creationId xmlns:a16="http://schemas.microsoft.com/office/drawing/2014/main" id="{EEEE68E5-4917-02A5-3D5E-FE89DB3E37E1}"/>
+          <p:cNvPr id="14" name="Picture 13">
+            <a:extLst>
+              <a:ext uri="{FF2B5EF4-FFF2-40B4-BE49-F238E27FC236}">
+                <a16:creationId xmlns:a16="http://schemas.microsoft.com/office/drawing/2014/main" id="{B2EACAEA-B2F8-E173-916C-DFAB37CB3B7B}"/>
               </a:ext>
             </a:extLst>
           </p:cNvPr>
@@ -3773,84 +3847,101 @@
         </p:blipFill>
         <p:spPr>
           <a:xfrm>
-            <a:off x="3734647" y="2181896"/>
-            <a:ext cx="1570778" cy="1965088"/>
+            <a:off x="6290228" y="2540049"/>
+            <a:ext cx="1593780" cy="2477667"/>
           </a:xfrm>
           <a:prstGeom prst="rect">
             <a:avLst/>
           </a:prstGeom>
         </p:spPr>
       </p:pic>
+      <p:sp>
+        <p:nvSpPr>
+          <p:cNvPr id="15" name="TextBox 14">
+            <a:extLst>
+              <a:ext uri="{FF2B5EF4-FFF2-40B4-BE49-F238E27FC236}">
+                <a16:creationId xmlns:a16="http://schemas.microsoft.com/office/drawing/2014/main" id="{65FE5D67-EB3A-3931-51D2-E9BF1C140BE4}"/>
+              </a:ext>
+            </a:extLst>
+          </p:cNvPr>
+          <p:cNvSpPr txBox="1"/>
+          <p:nvPr/>
+        </p:nvSpPr>
+        <p:spPr>
+          <a:xfrm>
+            <a:off x="5672294" y="1893718"/>
+            <a:ext cx="2765121" cy="646331"/>
+          </a:xfrm>
+          <a:prstGeom prst="rect">
+            <a:avLst/>
+          </a:prstGeom>
+          <a:noFill/>
+        </p:spPr>
+        <p:txBody>
+          <a:bodyPr wrap="square" rtlCol="0">
+            <a:spAutoFit/>
+          </a:bodyPr>
+          <a:lstStyle/>
+          <a:p>
+            <a:pPr algn="ctr"/>
+            <a:r>
+              <a:rPr lang="en-US" dirty="0"/>
+              <a:t>Need to finalize – actually fused?</a:t>
+            </a:r>
+          </a:p>
+        </p:txBody>
+      </p:sp>
       <p:pic>
         <p:nvPicPr>
-          <p:cNvPr id="21" name="Picture 20">
-            <a:extLst>
-              <a:ext uri="{FF2B5EF4-FFF2-40B4-BE49-F238E27FC236}">
-                <a16:creationId xmlns:a16="http://schemas.microsoft.com/office/drawing/2014/main" id="{60E4D5E9-5441-6206-995E-AD3E6C438A13}"/>
+          <p:cNvPr id="2050" name="Picture 2">
+            <a:extLst>
+              <a:ext uri="{FF2B5EF4-FFF2-40B4-BE49-F238E27FC236}">
+                <a16:creationId xmlns:a16="http://schemas.microsoft.com/office/drawing/2014/main" id="{B8430D20-8B0F-8DFC-AF0E-8FFCCCCEBA40}"/>
               </a:ext>
             </a:extLst>
           </p:cNvPr>
           <p:cNvPicPr>
-            <a:picLocks noChangeAspect="1"/>
+            <a:picLocks noChangeAspect="1" noChangeArrowheads="1"/>
           </p:cNvPicPr>
           <p:nvPr/>
         </p:nvPicPr>
         <p:blipFill>
-          <a:blip r:embed="rId5"/>
+          <a:blip r:embed="rId5">
+            <a:extLst>
+              <a:ext uri="{28A0092B-C50C-407E-A947-70E740481C1C}">
+                <a14:useLocalDpi xmlns:a14="http://schemas.microsoft.com/office/drawing/2010/main" val="0"/>
+              </a:ext>
+            </a:extLst>
+          </a:blip>
+          <a:srcRect/>
           <a:stretch>
             <a:fillRect/>
           </a:stretch>
         </p:blipFill>
-        <p:spPr>
-          <a:xfrm>
-            <a:off x="6675383" y="2000920"/>
-            <a:ext cx="1593780" cy="2477667"/>
-          </a:xfrm>
-          <a:prstGeom prst="rect">
-            <a:avLst/>
-          </a:prstGeom>
-        </p:spPr>
-      </p:pic>
-      <p:sp>
-        <p:nvSpPr>
-          <p:cNvPr id="22" name="TextBox 21">
-            <a:extLst>
-              <a:ext uri="{FF2B5EF4-FFF2-40B4-BE49-F238E27FC236}">
-                <a16:creationId xmlns:a16="http://schemas.microsoft.com/office/drawing/2014/main" id="{93127BEA-C81F-5ADC-428A-283AC1A8F3D7}"/>
-              </a:ext>
-            </a:extLst>
-          </p:cNvPr>
-          <p:cNvSpPr txBox="1"/>
-          <p:nvPr/>
-        </p:nvSpPr>
-        <p:spPr>
-          <a:xfrm>
-            <a:off x="6291686" y="5581479"/>
-            <a:ext cx="2765121" cy="646331"/>
+        <p:spPr bwMode="auto">
+          <a:xfrm>
+            <a:off x="8697611" y="2799377"/>
+            <a:ext cx="3185060" cy="1979676"/>
           </a:xfrm>
           <a:prstGeom prst="rect">
             <a:avLst/>
           </a:prstGeom>
           <a:noFill/>
-        </p:spPr>
-        <p:txBody>
-          <a:bodyPr wrap="square" rtlCol="0">
-            <a:spAutoFit/>
-          </a:bodyPr>
-          <a:lstStyle/>
-          <a:p>
-            <a:pPr algn="ctr"/>
-            <a:r>
-              <a:rPr lang="en-US" dirty="0"/>
-              <a:t>Need to finalize – actually fused?</a:t>
-            </a:r>
-          </a:p>
-        </p:txBody>
-      </p:sp>
+          <a:extLst>
+            <a:ext uri="{909E8E84-426E-40DD-AFC4-6F175D3DCCD1}">
+              <a14:hiddenFill xmlns:a14="http://schemas.microsoft.com/office/drawing/2010/main">
+                <a:solidFill>
+                  <a:srgbClr val="FFFFFF"/>
+                </a:solidFill>
+              </a14:hiddenFill>
+            </a:ext>
+          </a:extLst>
+        </p:spPr>
+      </p:pic>
     </p:spTree>
     <p:extLst>
       <p:ext uri="{BB962C8B-B14F-4D97-AF65-F5344CB8AC3E}">
-        <p14:creationId xmlns:p14="http://schemas.microsoft.com/office/powerpoint/2010/main" val="559705995"/>
+        <p14:creationId xmlns:p14="http://schemas.microsoft.com/office/powerpoint/2010/main" val="627258222"/>
       </p:ext>
     </p:extLst>
   </p:cSld>
@@ -3860,7 +3951,7 @@
 </p:sld>
 </file>
 
-<file path=ppt/slides/slide2.xml><?xml version="1.0" encoding="utf-8"?>
+<file path=ppt/slides/slide3.xml><?xml version="1.0" encoding="utf-8"?>
 <p:sld xmlns:a="http://schemas.openxmlformats.org/drawingml/2006/main" xmlns:r="http://schemas.openxmlformats.org/officeDocument/2006/relationships" xmlns:p="http://schemas.openxmlformats.org/presentationml/2006/main">
   <p:cSld>
     <p:spTree>
@@ -3913,15 +4004,7 @@
           <a:p>
             <a:r>
               <a:rPr lang="en-US" dirty="0"/>
-              <a:t>Fig 2: </a:t>
-            </a:r>
-            <a:r>
-              <a:rPr lang="en-US" dirty="0" err="1"/>
-              <a:t>freeE</a:t>
-            </a:r>
-            <a:r>
-              <a:rPr lang="en-US" dirty="0"/>
-              <a:t> for Mic </a:t>
+              <a:t>Fig 3: mic </a:t>
             </a:r>
             <a:r>
               <a:rPr lang="en-US" dirty="0">
@@ -3933,18 +4016,109 @@
               <a:rPr lang="en-US" dirty="0" err="1">
                 <a:sym typeface="Wingdings" panose="05000000000000000000" pitchFamily="2" charset="2"/>
               </a:rPr>
-              <a:t>Cyl</a:t>
+              <a:t>hom</a:t>
+            </a:r>
+            <a:r>
+              <a:rPr lang="en-US" dirty="0">
+                <a:sym typeface="Wingdings" panose="05000000000000000000" pitchFamily="2" charset="2"/>
+              </a:rPr>
+              <a:t>. Alpha = 0.10 with </a:t>
+            </a:r>
+            <a:r>
+              <a:rPr lang="en-US" dirty="0" err="1">
+                <a:sym typeface="Wingdings" panose="05000000000000000000" pitchFamily="2" charset="2"/>
+              </a:rPr>
+              <a:t>freeE</a:t>
             </a:r>
             <a:endParaRPr lang="en-US" dirty="0"/>
+          </a:p>
+        </p:txBody>
+      </p:sp>
+      <p:sp>
+        <p:nvSpPr>
+          <p:cNvPr id="2" name="TextBox 1">
+            <a:extLst>
+              <a:ext uri="{FF2B5EF4-FFF2-40B4-BE49-F238E27FC236}">
+                <a16:creationId xmlns:a16="http://schemas.microsoft.com/office/drawing/2014/main" id="{1657EB42-7390-E8E1-EBB2-B975933294DF}"/>
+              </a:ext>
+            </a:extLst>
+          </p:cNvPr>
+          <p:cNvSpPr txBox="1"/>
+          <p:nvPr/>
+        </p:nvSpPr>
+        <p:spPr>
+          <a:xfrm>
+            <a:off x="64614" y="3808725"/>
+            <a:ext cx="2443561" cy="646331"/>
+          </a:xfrm>
+          <a:prstGeom prst="rect">
+            <a:avLst/>
+          </a:prstGeom>
+          <a:noFill/>
+        </p:spPr>
+        <p:txBody>
+          <a:bodyPr wrap="square" rtlCol="0">
+            <a:spAutoFit/>
+          </a:bodyPr>
+          <a:lstStyle/>
+          <a:p>
+            <a:pPr algn="ctr"/>
+            <a:r>
+              <a:rPr lang="en-US" dirty="0"/>
+              <a:t>Iso mic </a:t>
+            </a:r>
+            <a:br>
+              <a:rPr lang="en-US" dirty="0"/>
+            </a:br>
+            <a:r>
+              <a:rPr lang="en-US" dirty="0"/>
+              <a:t>@ (0.10, 0.0025) </a:t>
+            </a:r>
+          </a:p>
+        </p:txBody>
+      </p:sp>
+      <p:sp>
+        <p:nvSpPr>
+          <p:cNvPr id="5" name="TextBox 4">
+            <a:extLst>
+              <a:ext uri="{FF2B5EF4-FFF2-40B4-BE49-F238E27FC236}">
+                <a16:creationId xmlns:a16="http://schemas.microsoft.com/office/drawing/2014/main" id="{EFC1D6EC-6903-8FB6-4F95-BA66815AC28F}"/>
+              </a:ext>
+            </a:extLst>
+          </p:cNvPr>
+          <p:cNvSpPr txBox="1"/>
+          <p:nvPr/>
+        </p:nvSpPr>
+        <p:spPr>
+          <a:xfrm>
+            <a:off x="64614" y="1568503"/>
+            <a:ext cx="2765121" cy="646331"/>
+          </a:xfrm>
+          <a:prstGeom prst="rect">
+            <a:avLst/>
+          </a:prstGeom>
+          <a:noFill/>
+        </p:spPr>
+        <p:txBody>
+          <a:bodyPr wrap="square" rtlCol="0">
+            <a:spAutoFit/>
+          </a:bodyPr>
+          <a:lstStyle/>
+          <a:p>
+            <a:pPr algn="ctr"/>
+            <a:r>
+              <a:rPr lang="en-US" dirty="0"/>
+              <a:t>Need to finalize – increase box size for multiple mic</a:t>
+            </a:r>
           </a:p>
         </p:txBody>
       </p:sp>
       <p:pic>
         <p:nvPicPr>
-          <p:cNvPr id="3" name="Picture 2">
-            <a:extLst>
-              <a:ext uri="{FF2B5EF4-FFF2-40B4-BE49-F238E27FC236}">
-                <a16:creationId xmlns:a16="http://schemas.microsoft.com/office/drawing/2014/main" id="{C13CB24B-F643-392C-C64E-AB5F766C098E}"/>
+          <p:cNvPr id="6" name="Picture 5">
+            <a:extLst>
+              <a:ext uri="{FF2B5EF4-FFF2-40B4-BE49-F238E27FC236}">
+                <a16:creationId xmlns:a16="http://schemas.microsoft.com/office/drawing/2014/main" id="{4D6E70BB-5C48-DCFA-E0E8-E02B3269C9C8}"/>
               </a:ext>
             </a:extLst>
           </p:cNvPr>
@@ -3961,8 +4135,8 @@
         </p:blipFill>
         <p:spPr>
           <a:xfrm>
-            <a:off x="1057163" y="3979893"/>
-            <a:ext cx="2211007" cy="1981674"/>
+            <a:off x="423203" y="2292065"/>
+            <a:ext cx="1921050" cy="1362199"/>
           </a:xfrm>
           <a:prstGeom prst="rect">
             <a:avLst/>
@@ -3971,10 +4145,10 @@
       </p:pic>
       <p:pic>
         <p:nvPicPr>
-          <p:cNvPr id="8" name="Picture 7">
-            <a:extLst>
-              <a:ext uri="{FF2B5EF4-FFF2-40B4-BE49-F238E27FC236}">
-                <a16:creationId xmlns:a16="http://schemas.microsoft.com/office/drawing/2014/main" id="{43BC4E50-54D8-5B29-C9E9-4CD6E24D7748}"/>
+          <p:cNvPr id="7" name="Picture 6">
+            <a:extLst>
+              <a:ext uri="{FF2B5EF4-FFF2-40B4-BE49-F238E27FC236}">
+                <a16:creationId xmlns:a16="http://schemas.microsoft.com/office/drawing/2014/main" id="{74CE327E-65B7-C4F4-0820-3FA079E08E38}"/>
               </a:ext>
             </a:extLst>
           </p:cNvPr>
@@ -3991,20 +4165,63 @@
         </p:blipFill>
         <p:spPr>
           <a:xfrm>
-            <a:off x="6684964" y="3542076"/>
-            <a:ext cx="2196986" cy="2460323"/>
+            <a:off x="3398938" y="2099480"/>
+            <a:ext cx="1379210" cy="1467146"/>
           </a:xfrm>
           <a:prstGeom prst="rect">
             <a:avLst/>
           </a:prstGeom>
         </p:spPr>
       </p:pic>
+      <p:sp>
+        <p:nvSpPr>
+          <p:cNvPr id="10" name="TextBox 9">
+            <a:extLst>
+              <a:ext uri="{FF2B5EF4-FFF2-40B4-BE49-F238E27FC236}">
+                <a16:creationId xmlns:a16="http://schemas.microsoft.com/office/drawing/2014/main" id="{8384829F-3570-ACAB-D7F7-46E0F273ECFA}"/>
+              </a:ext>
+            </a:extLst>
+          </p:cNvPr>
+          <p:cNvSpPr txBox="1"/>
+          <p:nvPr/>
+        </p:nvSpPr>
+        <p:spPr>
+          <a:xfrm>
+            <a:off x="2878894" y="3764019"/>
+            <a:ext cx="2443561" cy="646331"/>
+          </a:xfrm>
+          <a:prstGeom prst="rect">
+            <a:avLst/>
+          </a:prstGeom>
+          <a:noFill/>
+        </p:spPr>
+        <p:txBody>
+          <a:bodyPr wrap="square" rtlCol="0">
+            <a:spAutoFit/>
+          </a:bodyPr>
+          <a:lstStyle/>
+          <a:p>
+            <a:pPr algn="ctr"/>
+            <a:r>
+              <a:rPr lang="en-US" dirty="0"/>
+              <a:t>Iso str </a:t>
+            </a:r>
+            <a:br>
+              <a:rPr lang="en-US" dirty="0"/>
+            </a:br>
+            <a:r>
+              <a:rPr lang="en-US" dirty="0"/>
+              <a:t>@ (0.10, 0.00375??) </a:t>
+            </a:r>
+          </a:p>
+        </p:txBody>
+      </p:sp>
       <p:pic>
         <p:nvPicPr>
-          <p:cNvPr id="9" name="Picture 8">
-            <a:extLst>
-              <a:ext uri="{FF2B5EF4-FFF2-40B4-BE49-F238E27FC236}">
-                <a16:creationId xmlns:a16="http://schemas.microsoft.com/office/drawing/2014/main" id="{C9B74522-69AB-0738-89D9-B67A004DF920}"/>
+          <p:cNvPr id="12" name="Picture 11">
+            <a:extLst>
+              <a:ext uri="{FF2B5EF4-FFF2-40B4-BE49-F238E27FC236}">
+                <a16:creationId xmlns:a16="http://schemas.microsoft.com/office/drawing/2014/main" id="{C543FFC9-26A5-3AFC-5E9C-E3F99983AF2A}"/>
               </a:ext>
             </a:extLst>
           </p:cNvPr>
@@ -4021,20 +4238,146 @@
         </p:blipFill>
         <p:spPr>
           <a:xfrm>
-            <a:off x="3706032" y="1638538"/>
-            <a:ext cx="2028914" cy="2231805"/>
+            <a:off x="5701592" y="2292065"/>
+            <a:ext cx="1344719" cy="1136935"/>
           </a:xfrm>
           <a:prstGeom prst="rect">
             <a:avLst/>
           </a:prstGeom>
         </p:spPr>
       </p:pic>
+      <p:sp>
+        <p:nvSpPr>
+          <p:cNvPr id="14" name="TextBox 13">
+            <a:extLst>
+              <a:ext uri="{FF2B5EF4-FFF2-40B4-BE49-F238E27FC236}">
+                <a16:creationId xmlns:a16="http://schemas.microsoft.com/office/drawing/2014/main" id="{DC848827-1226-499C-0CFB-018E9D738F9B}"/>
+              </a:ext>
+            </a:extLst>
+          </p:cNvPr>
+          <p:cNvSpPr txBox="1"/>
+          <p:nvPr/>
+        </p:nvSpPr>
+        <p:spPr>
+          <a:xfrm>
+            <a:off x="5252258" y="3654264"/>
+            <a:ext cx="2443561" cy="646331"/>
+          </a:xfrm>
+          <a:prstGeom prst="rect">
+            <a:avLst/>
+          </a:prstGeom>
+          <a:noFill/>
+        </p:spPr>
+        <p:txBody>
+          <a:bodyPr wrap="square" rtlCol="0">
+            <a:spAutoFit/>
+          </a:bodyPr>
+          <a:lstStyle/>
+          <a:p>
+            <a:pPr algn="ctr"/>
+            <a:r>
+              <a:rPr lang="en-US" dirty="0"/>
+              <a:t>Hol </a:t>
+            </a:r>
+            <a:br>
+              <a:rPr lang="en-US" dirty="0"/>
+            </a:br>
+            <a:r>
+              <a:rPr lang="en-US" dirty="0"/>
+              <a:t>@ (0.10, 0.005) </a:t>
+            </a:r>
+          </a:p>
+        </p:txBody>
+      </p:sp>
       <p:pic>
         <p:nvPicPr>
-          <p:cNvPr id="11" name="Picture 10">
-            <a:extLst>
-              <a:ext uri="{FF2B5EF4-FFF2-40B4-BE49-F238E27FC236}">
-                <a16:creationId xmlns:a16="http://schemas.microsoft.com/office/drawing/2014/main" id="{F099D63F-2B2B-A689-5973-2419B2010E2C}"/>
+          <p:cNvPr id="1026" name="Picture 2">
+            <a:extLst>
+              <a:ext uri="{FF2B5EF4-FFF2-40B4-BE49-F238E27FC236}">
+                <a16:creationId xmlns:a16="http://schemas.microsoft.com/office/drawing/2014/main" id="{85A14A7A-0E69-8EA2-0D2B-13F60BE106B1}"/>
+              </a:ext>
+            </a:extLst>
+          </p:cNvPr>
+          <p:cNvPicPr>
+            <a:picLocks noChangeAspect="1" noChangeArrowheads="1"/>
+          </p:cNvPicPr>
+          <p:nvPr/>
+        </p:nvPicPr>
+        <p:blipFill>
+          <a:blip r:embed="rId5">
+            <a:extLst>
+              <a:ext uri="{28A0092B-C50C-407E-A947-70E740481C1C}">
+                <a14:useLocalDpi xmlns:a14="http://schemas.microsoft.com/office/drawing/2010/main" val="0"/>
+              </a:ext>
+            </a:extLst>
+          </a:blip>
+          <a:srcRect/>
+          <a:stretch>
+            <a:fillRect/>
+          </a:stretch>
+        </p:blipFill>
+        <p:spPr bwMode="auto">
+          <a:xfrm>
+            <a:off x="7530395" y="2458323"/>
+            <a:ext cx="4481348" cy="2800102"/>
+          </a:xfrm>
+          <a:prstGeom prst="rect">
+            <a:avLst/>
+          </a:prstGeom>
+          <a:noFill/>
+          <a:extLst>
+            <a:ext uri="{909E8E84-426E-40DD-AFC4-6F175D3DCCD1}">
+              <a14:hiddenFill xmlns:a14="http://schemas.microsoft.com/office/drawing/2010/main">
+                <a:solidFill>
+                  <a:srgbClr val="FFFFFF"/>
+                </a:solidFill>
+              </a14:hiddenFill>
+            </a:ext>
+          </a:extLst>
+        </p:spPr>
+      </p:pic>
+      <p:sp>
+        <p:nvSpPr>
+          <p:cNvPr id="15" name="TextBox 14">
+            <a:extLst>
+              <a:ext uri="{FF2B5EF4-FFF2-40B4-BE49-F238E27FC236}">
+                <a16:creationId xmlns:a16="http://schemas.microsoft.com/office/drawing/2014/main" id="{F3EE4A1B-F72A-8547-7419-00B7B6480BE9}"/>
+              </a:ext>
+            </a:extLst>
+          </p:cNvPr>
+          <p:cNvSpPr txBox="1"/>
+          <p:nvPr/>
+        </p:nvSpPr>
+        <p:spPr>
+          <a:xfrm>
+            <a:off x="2718113" y="1633918"/>
+            <a:ext cx="2765121" cy="369332"/>
+          </a:xfrm>
+          <a:prstGeom prst="rect">
+            <a:avLst/>
+          </a:prstGeom>
+          <a:noFill/>
+        </p:spPr>
+        <p:txBody>
+          <a:bodyPr wrap="square" rtlCol="0">
+            <a:spAutoFit/>
+          </a:bodyPr>
+          <a:lstStyle/>
+          <a:p>
+            <a:pPr algn="ctr"/>
+            <a:r>
+              <a:rPr lang="en-US" dirty="0"/>
+              <a:t>TODO</a:t>
+            </a:r>
+          </a:p>
+        </p:txBody>
+      </p:sp>
+      <p:pic>
+        <p:nvPicPr>
+          <p:cNvPr id="16" name="Picture 15">
+            <a:extLst>
+              <a:ext uri="{FF2B5EF4-FFF2-40B4-BE49-F238E27FC236}">
+                <a16:creationId xmlns:a16="http://schemas.microsoft.com/office/drawing/2014/main" id="{E82F1C2C-4022-3D5A-E35B-36288618F0D4}"/>
               </a:ext>
             </a:extLst>
           </p:cNvPr>
@@ -4044,21 +4387,201 @@
           <p:nvPr/>
         </p:nvPicPr>
         <p:blipFill>
-          <a:blip r:embed="rId5"/>
+          <a:blip r:embed="rId6"/>
           <a:stretch>
             <a:fillRect/>
           </a:stretch>
         </p:blipFill>
         <p:spPr>
           <a:xfrm>
-            <a:off x="9151740" y="1757508"/>
-            <a:ext cx="2196986" cy="2222385"/>
+            <a:off x="1673511" y="4564811"/>
+            <a:ext cx="1341483" cy="1104488"/>
           </a:xfrm>
           <a:prstGeom prst="rect">
             <a:avLst/>
           </a:prstGeom>
         </p:spPr>
       </p:pic>
+      <p:pic>
+        <p:nvPicPr>
+          <p:cNvPr id="17" name="Picture 2">
+            <a:extLst>
+              <a:ext uri="{FF2B5EF4-FFF2-40B4-BE49-F238E27FC236}">
+                <a16:creationId xmlns:a16="http://schemas.microsoft.com/office/drawing/2014/main" id="{BE8873CF-4798-75E9-EFEE-0E662BE9FB32}"/>
+              </a:ext>
+            </a:extLst>
+          </p:cNvPr>
+          <p:cNvPicPr>
+            <a:picLocks noChangeAspect="1" noChangeArrowheads="1"/>
+          </p:cNvPicPr>
+          <p:nvPr/>
+        </p:nvPicPr>
+        <p:blipFill>
+          <a:blip r:embed="rId7">
+            <a:extLst>
+              <a:ext uri="{28A0092B-C50C-407E-A947-70E740481C1C}">
+                <a14:useLocalDpi xmlns:a14="http://schemas.microsoft.com/office/drawing/2010/main" val="0"/>
+              </a:ext>
+            </a:extLst>
+          </a:blip>
+          <a:srcRect/>
+          <a:stretch>
+            <a:fillRect/>
+          </a:stretch>
+        </p:blipFill>
+        <p:spPr bwMode="auto">
+          <a:xfrm>
+            <a:off x="1475842" y="5690634"/>
+            <a:ext cx="1736820" cy="716625"/>
+          </a:xfrm>
+          <a:prstGeom prst="rect">
+            <a:avLst/>
+          </a:prstGeom>
+          <a:noFill/>
+          <a:extLst>
+            <a:ext uri="{909E8E84-426E-40DD-AFC4-6F175D3DCCD1}">
+              <a14:hiddenFill xmlns:a14="http://schemas.microsoft.com/office/drawing/2010/main">
+                <a:solidFill>
+                  <a:srgbClr val="FFFFFF"/>
+                </a:solidFill>
+              </a14:hiddenFill>
+            </a:ext>
+          </a:extLst>
+        </p:spPr>
+      </p:pic>
+      <p:sp>
+        <p:nvSpPr>
+          <p:cNvPr id="18" name="TextBox 17">
+            <a:extLst>
+              <a:ext uri="{FF2B5EF4-FFF2-40B4-BE49-F238E27FC236}">
+                <a16:creationId xmlns:a16="http://schemas.microsoft.com/office/drawing/2014/main" id="{C69977A7-B881-6FEB-C881-54B2CF7BF8CB}"/>
+              </a:ext>
+            </a:extLst>
+          </p:cNvPr>
+          <p:cNvSpPr txBox="1"/>
+          <p:nvPr/>
+        </p:nvSpPr>
+        <p:spPr>
+          <a:xfrm>
+            <a:off x="1122471" y="6325580"/>
+            <a:ext cx="2443561" cy="646331"/>
+          </a:xfrm>
+          <a:prstGeom prst="rect">
+            <a:avLst/>
+          </a:prstGeom>
+          <a:noFill/>
+        </p:spPr>
+        <p:txBody>
+          <a:bodyPr wrap="square" rtlCol="0">
+            <a:spAutoFit/>
+          </a:bodyPr>
+          <a:lstStyle/>
+          <a:p>
+            <a:pPr algn="ctr"/>
+            <a:r>
+              <a:rPr lang="en-US" dirty="0" err="1"/>
+              <a:t>Fus</a:t>
+            </a:r>
+            <a:br>
+              <a:rPr lang="en-US" dirty="0"/>
+            </a:br>
+            <a:r>
+              <a:rPr lang="en-US" dirty="0"/>
+              <a:t>@ (0.10, 0.0075) </a:t>
+            </a:r>
+          </a:p>
+        </p:txBody>
+      </p:sp>
+      <p:pic>
+        <p:nvPicPr>
+          <p:cNvPr id="19" name="Picture 4">
+            <a:extLst>
+              <a:ext uri="{FF2B5EF4-FFF2-40B4-BE49-F238E27FC236}">
+                <a16:creationId xmlns:a16="http://schemas.microsoft.com/office/drawing/2014/main" id="{1F1C44BE-2995-BFE6-65E7-5673DFF68510}"/>
+              </a:ext>
+            </a:extLst>
+          </p:cNvPr>
+          <p:cNvPicPr>
+            <a:picLocks noChangeAspect="1" noChangeArrowheads="1"/>
+          </p:cNvPicPr>
+          <p:nvPr/>
+        </p:nvPicPr>
+        <p:blipFill>
+          <a:blip r:embed="rId8">
+            <a:extLst>
+              <a:ext uri="{28A0092B-C50C-407E-A947-70E740481C1C}">
+                <a14:useLocalDpi xmlns:a14="http://schemas.microsoft.com/office/drawing/2010/main" val="0"/>
+              </a:ext>
+            </a:extLst>
+          </a:blip>
+          <a:srcRect/>
+          <a:stretch>
+            <a:fillRect/>
+          </a:stretch>
+        </p:blipFill>
+        <p:spPr bwMode="auto">
+          <a:xfrm>
+            <a:off x="4219926" y="4781039"/>
+            <a:ext cx="1980532" cy="1069745"/>
+          </a:xfrm>
+          <a:prstGeom prst="rect">
+            <a:avLst/>
+          </a:prstGeom>
+          <a:noFill/>
+          <a:extLst>
+            <a:ext uri="{909E8E84-426E-40DD-AFC4-6F175D3DCCD1}">
+              <a14:hiddenFill xmlns:a14="http://schemas.microsoft.com/office/drawing/2010/main">
+                <a:solidFill>
+                  <a:srgbClr val="FFFFFF"/>
+                </a:solidFill>
+              </a14:hiddenFill>
+            </a:ext>
+          </a:extLst>
+        </p:spPr>
+      </p:pic>
+      <p:sp>
+        <p:nvSpPr>
+          <p:cNvPr id="21" name="TextBox 20">
+            <a:extLst>
+              <a:ext uri="{FF2B5EF4-FFF2-40B4-BE49-F238E27FC236}">
+                <a16:creationId xmlns:a16="http://schemas.microsoft.com/office/drawing/2014/main" id="{1091E229-4CE9-B04F-0A62-34B86C6F1D9F}"/>
+              </a:ext>
+            </a:extLst>
+          </p:cNvPr>
+          <p:cNvSpPr txBox="1"/>
+          <p:nvPr/>
+        </p:nvSpPr>
+        <p:spPr>
+          <a:xfrm>
+            <a:off x="4119838" y="6003988"/>
+            <a:ext cx="2443561" cy="646331"/>
+          </a:xfrm>
+          <a:prstGeom prst="rect">
+            <a:avLst/>
+          </a:prstGeom>
+          <a:noFill/>
+        </p:spPr>
+        <p:txBody>
+          <a:bodyPr wrap="square" rtlCol="0">
+            <a:spAutoFit/>
+          </a:bodyPr>
+          <a:lstStyle/>
+          <a:p>
+            <a:pPr algn="ctr"/>
+            <a:r>
+              <a:rPr lang="en-US" dirty="0"/>
+              <a:t>Hom </a:t>
+            </a:r>
+            <a:br>
+              <a:rPr lang="en-US" dirty="0"/>
+            </a:br>
+            <a:r>
+              <a:rPr lang="en-US" dirty="0"/>
+              <a:t>@ (0.10, 0.010) </a:t>
+            </a:r>
+          </a:p>
+        </p:txBody>
+      </p:sp>
     </p:spTree>
     <p:extLst>
       <p:ext uri="{BB962C8B-B14F-4D97-AF65-F5344CB8AC3E}">
@@ -4072,2434 +4595,7 @@
 </p:sld>
 </file>
 
-<file path=ppt/slides/slide3.xml><?xml version="1.0" encoding="utf-8"?>
-<p:sld xmlns:a="http://schemas.openxmlformats.org/drawingml/2006/main" xmlns:r="http://schemas.openxmlformats.org/officeDocument/2006/relationships" xmlns:p="http://schemas.openxmlformats.org/presentationml/2006/main">
-  <p:cSld>
-    <p:spTree>
-      <p:nvGrpSpPr>
-        <p:cNvPr id="1" name="">
-          <a:extLst>
-            <a:ext uri="{FF2B5EF4-FFF2-40B4-BE49-F238E27FC236}">
-              <a16:creationId xmlns:a16="http://schemas.microsoft.com/office/drawing/2014/main" id="{E56B8314-4FAE-9057-7F8E-712B4D52BD4F}"/>
-            </a:ext>
-          </a:extLst>
-        </p:cNvPr>
-        <p:cNvGrpSpPr/>
-        <p:nvPr/>
-      </p:nvGrpSpPr>
-      <p:grpSpPr>
-        <a:xfrm>
-          <a:off x="0" y="0"/>
-          <a:ext cx="0" cy="0"/>
-          <a:chOff x="0" y="0"/>
-          <a:chExt cx="0" cy="0"/>
-        </a:xfrm>
-      </p:grpSpPr>
-      <p:sp>
-        <p:nvSpPr>
-          <p:cNvPr id="3" name="TextBox 2">
-            <a:extLst>
-              <a:ext uri="{FF2B5EF4-FFF2-40B4-BE49-F238E27FC236}">
-                <a16:creationId xmlns:a16="http://schemas.microsoft.com/office/drawing/2014/main" id="{A1D24BBF-83A1-9934-9C1E-7ED7A6B76AB4}"/>
-              </a:ext>
-            </a:extLst>
-          </p:cNvPr>
-          <p:cNvSpPr txBox="1"/>
-          <p:nvPr/>
-        </p:nvSpPr>
-        <p:spPr>
-          <a:xfrm>
-            <a:off x="1645962" y="247374"/>
-            <a:ext cx="9436032" cy="369332"/>
-          </a:xfrm>
-          <a:prstGeom prst="rect">
-            <a:avLst/>
-          </a:prstGeom>
-          <a:noFill/>
-        </p:spPr>
-        <p:txBody>
-          <a:bodyPr wrap="square" rtlCol="0">
-            <a:spAutoFit/>
-          </a:bodyPr>
-          <a:lstStyle/>
-          <a:p>
-            <a:r>
-              <a:rPr lang="en-US" dirty="0"/>
-              <a:t>Fig 3: </a:t>
-            </a:r>
-            <a:r>
-              <a:rPr lang="en-US" dirty="0" err="1"/>
-              <a:t>Cyl</a:t>
-            </a:r>
-            <a:r>
-              <a:rPr lang="en-US" dirty="0"/>
-              <a:t> to </a:t>
-            </a:r>
-            <a:r>
-              <a:rPr lang="en-US" dirty="0" err="1"/>
-              <a:t>Cyl</a:t>
-            </a:r>
-            <a:r>
-              <a:rPr lang="en-US" dirty="0"/>
-              <a:t>-str to Str by increasing sigma</a:t>
-            </a:r>
-          </a:p>
-        </p:txBody>
-      </p:sp>
-      <mc:AlternateContent xmlns:mc="http://schemas.openxmlformats.org/markup-compatibility/2006">
-        <mc:Choice xmlns:a14="http://schemas.microsoft.com/office/drawing/2010/main" Requires="a14">
-          <p:sp>
-            <p:nvSpPr>
-              <p:cNvPr id="8" name="TextBox 7">
-                <a:extLst>
-                  <a:ext uri="{FF2B5EF4-FFF2-40B4-BE49-F238E27FC236}">
-                    <a16:creationId xmlns:a16="http://schemas.microsoft.com/office/drawing/2014/main" id="{6CAE1B53-957D-7043-995E-69E30A7327F0}"/>
-                  </a:ext>
-                </a:extLst>
-              </p:cNvPr>
-              <p:cNvSpPr txBox="1"/>
-              <p:nvPr/>
-            </p:nvSpPr>
-            <p:spPr>
-              <a:xfrm>
-                <a:off x="5051385" y="1012894"/>
-                <a:ext cx="1525469" cy="369332"/>
-              </a:xfrm>
-              <a:prstGeom prst="rect">
-                <a:avLst/>
-              </a:prstGeom>
-              <a:noFill/>
-            </p:spPr>
-            <p:txBody>
-              <a:bodyPr wrap="square" rtlCol="0">
-                <a:spAutoFit/>
-              </a:bodyPr>
-              <a:lstStyle/>
-              <a:p>
-                <a:pPr/>
-                <a14:m>
-                  <m:oMathPara xmlns:m="http://schemas.openxmlformats.org/officeDocument/2006/math">
-                    <m:oMathParaPr>
-                      <m:jc m:val="centerGroup"/>
-                    </m:oMathParaPr>
-                    <m:oMath xmlns:m="http://schemas.openxmlformats.org/officeDocument/2006/math">
-                      <m:r>
-                        <a:rPr lang="en-US" b="0" i="1" smtClean="0">
-                          <a:latin typeface="Cambria Math" panose="02040503050406030204" pitchFamily="18" charset="0"/>
-                        </a:rPr>
-                        <m:t>𝜎</m:t>
-                      </m:r>
-                      <m:r>
-                        <a:rPr lang="en-US" b="0" i="1" smtClean="0">
-                          <a:latin typeface="Cambria Math" panose="02040503050406030204" pitchFamily="18" charset="0"/>
-                        </a:rPr>
-                        <m:t>=0.03</m:t>
-                      </m:r>
-                      <m:r>
-                        <a:rPr lang="en-US" b="0" i="0" smtClean="0">
-                          <a:latin typeface="Cambria Math" panose="02040503050406030204" pitchFamily="18" charset="0"/>
-                        </a:rPr>
-                        <m:t>0</m:t>
-                      </m:r>
-                    </m:oMath>
-                  </m:oMathPara>
-                </a14:m>
-                <a:endParaRPr lang="en-US" dirty="0"/>
-              </a:p>
-            </p:txBody>
-          </p:sp>
-        </mc:Choice>
-        <mc:Fallback>
-          <p:sp>
-            <p:nvSpPr>
-              <p:cNvPr id="8" name="TextBox 7">
-                <a:extLst>
-                  <a:ext uri="{FF2B5EF4-FFF2-40B4-BE49-F238E27FC236}">
-                    <a16:creationId xmlns:a16="http://schemas.microsoft.com/office/drawing/2014/main" id="{6CAE1B53-957D-7043-995E-69E30A7327F0}"/>
-                  </a:ext>
-                </a:extLst>
-              </p:cNvPr>
-              <p:cNvSpPr txBox="1">
-                <a:spLocks noRot="1" noChangeAspect="1" noMove="1" noResize="1" noEditPoints="1" noAdjustHandles="1" noChangeArrowheads="1" noChangeShapeType="1" noTextEdit="1"/>
-              </p:cNvSpPr>
-              <p:nvPr/>
-            </p:nvSpPr>
-            <p:spPr>
-              <a:xfrm>
-                <a:off x="5051385" y="1012894"/>
-                <a:ext cx="1525469" cy="369332"/>
-              </a:xfrm>
-              <a:prstGeom prst="rect">
-                <a:avLst/>
-              </a:prstGeom>
-              <a:blipFill>
-                <a:blip r:embed="rId2"/>
-                <a:stretch>
-                  <a:fillRect/>
-                </a:stretch>
-              </a:blipFill>
-            </p:spPr>
-            <p:txBody>
-              <a:bodyPr/>
-              <a:lstStyle/>
-              <a:p>
-                <a:r>
-                  <a:rPr lang="en-US">
-                    <a:noFill/>
-                  </a:rPr>
-                  <a:t> </a:t>
-                </a:r>
-              </a:p>
-            </p:txBody>
-          </p:sp>
-        </mc:Fallback>
-      </mc:AlternateContent>
-      <mc:AlternateContent xmlns:mc="http://schemas.openxmlformats.org/markup-compatibility/2006">
-        <mc:Choice xmlns:a14="http://schemas.microsoft.com/office/drawing/2010/main" Requires="a14">
-          <p:sp>
-            <p:nvSpPr>
-              <p:cNvPr id="9" name="TextBox 8">
-                <a:extLst>
-                  <a:ext uri="{FF2B5EF4-FFF2-40B4-BE49-F238E27FC236}">
-                    <a16:creationId xmlns:a16="http://schemas.microsoft.com/office/drawing/2014/main" id="{BDE8F965-2C37-C615-E2C0-9F2F55D63C26}"/>
-                  </a:ext>
-                </a:extLst>
-              </p:cNvPr>
-              <p:cNvSpPr txBox="1"/>
-              <p:nvPr/>
-            </p:nvSpPr>
-            <p:spPr>
-              <a:xfrm>
-                <a:off x="7255521" y="969124"/>
-                <a:ext cx="1318040" cy="369332"/>
-              </a:xfrm>
-              <a:prstGeom prst="rect">
-                <a:avLst/>
-              </a:prstGeom>
-              <a:noFill/>
-            </p:spPr>
-            <p:txBody>
-              <a:bodyPr wrap="square" rtlCol="0">
-                <a:spAutoFit/>
-              </a:bodyPr>
-              <a:lstStyle/>
-              <a:p>
-                <a:pPr/>
-                <a14:m>
-                  <m:oMathPara xmlns:m="http://schemas.openxmlformats.org/officeDocument/2006/math">
-                    <m:oMathParaPr>
-                      <m:jc m:val="centerGroup"/>
-                    </m:oMathParaPr>
-                    <m:oMath xmlns:m="http://schemas.openxmlformats.org/officeDocument/2006/math">
-                      <m:r>
-                        <a:rPr lang="en-US" b="0" i="1" smtClean="0">
-                          <a:latin typeface="Cambria Math" panose="02040503050406030204" pitchFamily="18" charset="0"/>
-                        </a:rPr>
-                        <m:t>𝜎</m:t>
-                      </m:r>
-                      <m:r>
-                        <a:rPr lang="en-US" b="0" i="1" smtClean="0">
-                          <a:latin typeface="Cambria Math" panose="02040503050406030204" pitchFamily="18" charset="0"/>
-                        </a:rPr>
-                        <m:t>=0.055</m:t>
-                      </m:r>
-                    </m:oMath>
-                  </m:oMathPara>
-                </a14:m>
-                <a:endParaRPr lang="en-US" dirty="0"/>
-              </a:p>
-            </p:txBody>
-          </p:sp>
-        </mc:Choice>
-        <mc:Fallback>
-          <p:sp>
-            <p:nvSpPr>
-              <p:cNvPr id="9" name="TextBox 8">
-                <a:extLst>
-                  <a:ext uri="{FF2B5EF4-FFF2-40B4-BE49-F238E27FC236}">
-                    <a16:creationId xmlns:a16="http://schemas.microsoft.com/office/drawing/2014/main" id="{BDE8F965-2C37-C615-E2C0-9F2F55D63C26}"/>
-                  </a:ext>
-                </a:extLst>
-              </p:cNvPr>
-              <p:cNvSpPr txBox="1">
-                <a:spLocks noRot="1" noChangeAspect="1" noMove="1" noResize="1" noEditPoints="1" noAdjustHandles="1" noChangeArrowheads="1" noChangeShapeType="1" noTextEdit="1"/>
-              </p:cNvSpPr>
-              <p:nvPr/>
-            </p:nvSpPr>
-            <p:spPr>
-              <a:xfrm>
-                <a:off x="7255521" y="969124"/>
-                <a:ext cx="1318040" cy="369332"/>
-              </a:xfrm>
-              <a:prstGeom prst="rect">
-                <a:avLst/>
-              </a:prstGeom>
-              <a:blipFill>
-                <a:blip r:embed="rId3"/>
-                <a:stretch>
-                  <a:fillRect/>
-                </a:stretch>
-              </a:blipFill>
-            </p:spPr>
-            <p:txBody>
-              <a:bodyPr/>
-              <a:lstStyle/>
-              <a:p>
-                <a:r>
-                  <a:rPr lang="en-US">
-                    <a:noFill/>
-                  </a:rPr>
-                  <a:t> </a:t>
-                </a:r>
-              </a:p>
-            </p:txBody>
-          </p:sp>
-        </mc:Fallback>
-      </mc:AlternateContent>
-      <p:pic>
-        <p:nvPicPr>
-          <p:cNvPr id="5" name="Picture 4">
-            <a:extLst>
-              <a:ext uri="{FF2B5EF4-FFF2-40B4-BE49-F238E27FC236}">
-                <a16:creationId xmlns:a16="http://schemas.microsoft.com/office/drawing/2014/main" id="{DC29D830-B350-8018-7F61-3E543B504334}"/>
-              </a:ext>
-            </a:extLst>
-          </p:cNvPr>
-          <p:cNvPicPr>
-            <a:picLocks noChangeAspect="1"/>
-          </p:cNvPicPr>
-          <p:nvPr/>
-        </p:nvPicPr>
-        <p:blipFill>
-          <a:blip r:embed="rId4"/>
-          <a:stretch>
-            <a:fillRect/>
-          </a:stretch>
-        </p:blipFill>
-        <p:spPr>
-          <a:xfrm>
-            <a:off x="4929826" y="1482616"/>
-            <a:ext cx="1344719" cy="1773994"/>
-          </a:xfrm>
-          <a:prstGeom prst="rect">
-            <a:avLst/>
-          </a:prstGeom>
-        </p:spPr>
-      </p:pic>
-      <p:pic>
-        <p:nvPicPr>
-          <p:cNvPr id="17" name="Picture 16">
-            <a:extLst>
-              <a:ext uri="{FF2B5EF4-FFF2-40B4-BE49-F238E27FC236}">
-                <a16:creationId xmlns:a16="http://schemas.microsoft.com/office/drawing/2014/main" id="{FDB0355A-C91F-59B4-56AD-2325A43604F7}"/>
-              </a:ext>
-            </a:extLst>
-          </p:cNvPr>
-          <p:cNvPicPr>
-            <a:picLocks noChangeAspect="1"/>
-          </p:cNvPicPr>
-          <p:nvPr/>
-        </p:nvPicPr>
-        <p:blipFill>
-          <a:blip r:embed="rId5"/>
-          <a:stretch>
-            <a:fillRect/>
-          </a:stretch>
-        </p:blipFill>
-        <p:spPr>
-          <a:xfrm>
-            <a:off x="7078557" y="1459864"/>
-            <a:ext cx="1179540" cy="1818674"/>
-          </a:xfrm>
-          <a:prstGeom prst="rect">
-            <a:avLst/>
-          </a:prstGeom>
-        </p:spPr>
-      </p:pic>
-      <mc:AlternateContent xmlns:mc="http://schemas.openxmlformats.org/markup-compatibility/2006" xmlns:a14="http://schemas.microsoft.com/office/drawing/2010/main">
-        <mc:Choice Requires="a14">
-          <p:sp>
-            <p:nvSpPr>
-              <p:cNvPr id="25" name="TextBox 24">
-                <a:extLst>
-                  <a:ext uri="{FF2B5EF4-FFF2-40B4-BE49-F238E27FC236}">
-                    <a16:creationId xmlns:a16="http://schemas.microsoft.com/office/drawing/2014/main" id="{7B6D2C8C-DE08-D209-C9E9-4BEE271CCAD7}"/>
-                  </a:ext>
-                </a:extLst>
-              </p:cNvPr>
-              <p:cNvSpPr txBox="1"/>
-              <p:nvPr/>
-            </p:nvSpPr>
-            <p:spPr>
-              <a:xfrm>
-                <a:off x="2869319" y="1046776"/>
-                <a:ext cx="1237130" cy="369332"/>
-              </a:xfrm>
-              <a:prstGeom prst="rect">
-                <a:avLst/>
-              </a:prstGeom>
-              <a:noFill/>
-            </p:spPr>
-            <p:txBody>
-              <a:bodyPr wrap="square" rtlCol="0">
-                <a:spAutoFit/>
-              </a:bodyPr>
-              <a:lstStyle/>
-              <a:p>
-                <a:pPr/>
-                <a14:m>
-                  <m:oMathPara xmlns:m="http://schemas.openxmlformats.org/officeDocument/2006/math">
-                    <m:oMathParaPr>
-                      <m:jc m:val="centerGroup"/>
-                    </m:oMathParaPr>
-                    <m:oMath xmlns:m="http://schemas.openxmlformats.org/officeDocument/2006/math">
-                      <m:r>
-                        <a:rPr lang="en-US" b="0" i="1" smtClean="0">
-                          <a:latin typeface="Cambria Math" panose="02040503050406030204" pitchFamily="18" charset="0"/>
-                        </a:rPr>
-                        <m:t>𝜎</m:t>
-                      </m:r>
-                      <m:r>
-                        <a:rPr lang="en-US" b="0" i="1" smtClean="0">
-                          <a:latin typeface="Cambria Math" panose="02040503050406030204" pitchFamily="18" charset="0"/>
-                        </a:rPr>
-                        <m:t>=0.005</m:t>
-                      </m:r>
-                    </m:oMath>
-                  </m:oMathPara>
-                </a14:m>
-                <a:endParaRPr lang="en-US" dirty="0"/>
-              </a:p>
-            </p:txBody>
-          </p:sp>
-        </mc:Choice>
-        <mc:Fallback xmlns="">
-          <p:sp>
-            <p:nvSpPr>
-              <p:cNvPr id="25" name="TextBox 24">
-                <a:extLst>
-                  <a:ext uri="{FF2B5EF4-FFF2-40B4-BE49-F238E27FC236}">
-                    <a16:creationId xmlns:a16="http://schemas.microsoft.com/office/drawing/2014/main" id="{17163C2C-ABBF-3700-264D-E93F94C0B106}"/>
-                  </a:ext>
-                </a:extLst>
-              </p:cNvPr>
-              <p:cNvSpPr txBox="1">
-                <a:spLocks noRot="1" noChangeAspect="1" noMove="1" noResize="1" noEditPoints="1" noAdjustHandles="1" noChangeArrowheads="1" noChangeShapeType="1" noTextEdit="1"/>
-              </p:cNvSpPr>
-              <p:nvPr/>
-            </p:nvSpPr>
-            <p:spPr>
-              <a:xfrm>
-                <a:off x="2869319" y="1046776"/>
-                <a:ext cx="1237130" cy="369332"/>
-              </a:xfrm>
-              <a:prstGeom prst="rect">
-                <a:avLst/>
-              </a:prstGeom>
-              <a:blipFill>
-                <a:blip r:embed="rId8"/>
-                <a:stretch>
-                  <a:fillRect/>
-                </a:stretch>
-              </a:blipFill>
-            </p:spPr>
-            <p:txBody>
-              <a:bodyPr/>
-              <a:lstStyle/>
-              <a:p>
-                <a:r>
-                  <a:rPr lang="en-US">
-                    <a:noFill/>
-                  </a:rPr>
-                  <a:t> </a:t>
-                </a:r>
-              </a:p>
-            </p:txBody>
-          </p:sp>
-        </mc:Fallback>
-      </mc:AlternateContent>
-      <p:pic>
-        <p:nvPicPr>
-          <p:cNvPr id="14" name="Picture 13">
-            <a:extLst>
-              <a:ext uri="{FF2B5EF4-FFF2-40B4-BE49-F238E27FC236}">
-                <a16:creationId xmlns:a16="http://schemas.microsoft.com/office/drawing/2014/main" id="{3BD0B823-23E9-070D-44B9-138C9658F82A}"/>
-              </a:ext>
-            </a:extLst>
-          </p:cNvPr>
-          <p:cNvPicPr>
-            <a:picLocks noChangeAspect="1"/>
-          </p:cNvPicPr>
-          <p:nvPr/>
-        </p:nvPicPr>
-        <p:blipFill>
-          <a:blip r:embed="rId9"/>
-          <a:stretch>
-            <a:fillRect/>
-          </a:stretch>
-        </p:blipFill>
-        <p:spPr>
-          <a:xfrm>
-            <a:off x="2567338" y="1520187"/>
-            <a:ext cx="1738256" cy="1758351"/>
-          </a:xfrm>
-          <a:prstGeom prst="rect">
-            <a:avLst/>
-          </a:prstGeom>
-        </p:spPr>
-      </p:pic>
-      <mc:AlternateContent xmlns:mc="http://schemas.openxmlformats.org/markup-compatibility/2006" xmlns:a14="http://schemas.microsoft.com/office/drawing/2010/main">
-        <mc:Choice Requires="a14">
-          <p:sp>
-            <p:nvSpPr>
-              <p:cNvPr id="2" name="TextBox 1">
-                <a:extLst>
-                  <a:ext uri="{FF2B5EF4-FFF2-40B4-BE49-F238E27FC236}">
-                    <a16:creationId xmlns:a16="http://schemas.microsoft.com/office/drawing/2014/main" id="{A9C0B4E3-97DC-4E9A-96B2-EEDC46D2BCEE}"/>
-                  </a:ext>
-                </a:extLst>
-              </p:cNvPr>
-              <p:cNvSpPr txBox="1"/>
-              <p:nvPr/>
-            </p:nvSpPr>
-            <p:spPr>
-              <a:xfrm>
-                <a:off x="408832" y="2361751"/>
-                <a:ext cx="1237130" cy="369332"/>
-              </a:xfrm>
-              <a:prstGeom prst="rect">
-                <a:avLst/>
-              </a:prstGeom>
-              <a:noFill/>
-            </p:spPr>
-            <p:txBody>
-              <a:bodyPr wrap="square" rtlCol="0">
-                <a:spAutoFit/>
-              </a:bodyPr>
-              <a:lstStyle/>
-              <a:p>
-                <a:pPr/>
-                <a14:m>
-                  <m:oMathPara xmlns:m="http://schemas.openxmlformats.org/officeDocument/2006/math">
-                    <m:oMathParaPr>
-                      <m:jc m:val="centerGroup"/>
-                    </m:oMathParaPr>
-                    <m:oMath xmlns:m="http://schemas.openxmlformats.org/officeDocument/2006/math">
-                      <m:r>
-                        <a:rPr lang="en-US" b="0" i="1" smtClean="0">
-                          <a:latin typeface="Cambria Math" panose="02040503050406030204" pitchFamily="18" charset="0"/>
-                        </a:rPr>
-                        <m:t>𝛼</m:t>
-                      </m:r>
-                      <m:r>
-                        <a:rPr lang="en-US" b="0" i="1" smtClean="0">
-                          <a:latin typeface="Cambria Math" panose="02040503050406030204" pitchFamily="18" charset="0"/>
-                        </a:rPr>
-                        <m:t>=0.30</m:t>
-                      </m:r>
-                    </m:oMath>
-                  </m:oMathPara>
-                </a14:m>
-                <a:endParaRPr lang="en-US" dirty="0"/>
-              </a:p>
-            </p:txBody>
-          </p:sp>
-        </mc:Choice>
-        <mc:Fallback xmlns="">
-          <p:sp>
-            <p:nvSpPr>
-              <p:cNvPr id="2" name="TextBox 1">
-                <a:extLst>
-                  <a:ext uri="{FF2B5EF4-FFF2-40B4-BE49-F238E27FC236}">
-                    <a16:creationId xmlns:a16="http://schemas.microsoft.com/office/drawing/2014/main" id="{B9C2C58B-2EA2-57C1-7C14-96F4B863A27F}"/>
-                  </a:ext>
-                </a:extLst>
-              </p:cNvPr>
-              <p:cNvSpPr txBox="1">
-                <a:spLocks noRot="1" noChangeAspect="1" noMove="1" noResize="1" noEditPoints="1" noAdjustHandles="1" noChangeArrowheads="1" noChangeShapeType="1" noTextEdit="1"/>
-              </p:cNvSpPr>
-              <p:nvPr/>
-            </p:nvSpPr>
-            <p:spPr>
-              <a:xfrm>
-                <a:off x="408832" y="2361751"/>
-                <a:ext cx="1237130" cy="369332"/>
-              </a:xfrm>
-              <a:prstGeom prst="rect">
-                <a:avLst/>
-              </a:prstGeom>
-              <a:blipFill>
-                <a:blip r:embed="rId10"/>
-                <a:stretch>
-                  <a:fillRect/>
-                </a:stretch>
-              </a:blipFill>
-            </p:spPr>
-            <p:txBody>
-              <a:bodyPr/>
-              <a:lstStyle/>
-              <a:p>
-                <a:r>
-                  <a:rPr lang="en-US">
-                    <a:noFill/>
-                  </a:rPr>
-                  <a:t> </a:t>
-                </a:r>
-              </a:p>
-            </p:txBody>
-          </p:sp>
-        </mc:Fallback>
-      </mc:AlternateContent>
-      <mc:AlternateContent xmlns:mc="http://schemas.openxmlformats.org/markup-compatibility/2006">
-        <mc:Choice xmlns:a14="http://schemas.microsoft.com/office/drawing/2010/main" Requires="a14">
-          <p:sp>
-            <p:nvSpPr>
-              <p:cNvPr id="4" name="TextBox 3">
-                <a:extLst>
-                  <a:ext uri="{FF2B5EF4-FFF2-40B4-BE49-F238E27FC236}">
-                    <a16:creationId xmlns:a16="http://schemas.microsoft.com/office/drawing/2014/main" id="{BD7DFD73-F802-08FE-E3D7-55E85B080779}"/>
-                  </a:ext>
-                </a:extLst>
-              </p:cNvPr>
-              <p:cNvSpPr txBox="1"/>
-              <p:nvPr/>
-            </p:nvSpPr>
-            <p:spPr>
-              <a:xfrm>
-                <a:off x="383442" y="5472390"/>
-                <a:ext cx="1237130" cy="369332"/>
-              </a:xfrm>
-              <a:prstGeom prst="rect">
-                <a:avLst/>
-              </a:prstGeom>
-              <a:noFill/>
-            </p:spPr>
-            <p:txBody>
-              <a:bodyPr wrap="square" rtlCol="0">
-                <a:spAutoFit/>
-              </a:bodyPr>
-              <a:lstStyle/>
-              <a:p>
-                <a:pPr/>
-                <a14:m>
-                  <m:oMathPara xmlns:m="http://schemas.openxmlformats.org/officeDocument/2006/math">
-                    <m:oMathParaPr>
-                      <m:jc m:val="centerGroup"/>
-                    </m:oMathParaPr>
-                    <m:oMath xmlns:m="http://schemas.openxmlformats.org/officeDocument/2006/math">
-                      <m:r>
-                        <a:rPr lang="en-US" b="0" i="1" smtClean="0">
-                          <a:latin typeface="Cambria Math" panose="02040503050406030204" pitchFamily="18" charset="0"/>
-                        </a:rPr>
-                        <m:t>𝛼</m:t>
-                      </m:r>
-                      <m:r>
-                        <a:rPr lang="en-US" b="0" i="1" smtClean="0">
-                          <a:latin typeface="Cambria Math" panose="02040503050406030204" pitchFamily="18" charset="0"/>
-                        </a:rPr>
-                        <m:t>=0.05</m:t>
-                      </m:r>
-                    </m:oMath>
-                  </m:oMathPara>
-                </a14:m>
-                <a:endParaRPr lang="en-US" dirty="0"/>
-              </a:p>
-            </p:txBody>
-          </p:sp>
-        </mc:Choice>
-        <mc:Fallback>
-          <p:sp>
-            <p:nvSpPr>
-              <p:cNvPr id="4" name="TextBox 3">
-                <a:extLst>
-                  <a:ext uri="{FF2B5EF4-FFF2-40B4-BE49-F238E27FC236}">
-                    <a16:creationId xmlns:a16="http://schemas.microsoft.com/office/drawing/2014/main" id="{BD7DFD73-F802-08FE-E3D7-55E85B080779}"/>
-                  </a:ext>
-                </a:extLst>
-              </p:cNvPr>
-              <p:cNvSpPr txBox="1">
-                <a:spLocks noRot="1" noChangeAspect="1" noMove="1" noResize="1" noEditPoints="1" noAdjustHandles="1" noChangeArrowheads="1" noChangeShapeType="1" noTextEdit="1"/>
-              </p:cNvSpPr>
-              <p:nvPr/>
-            </p:nvSpPr>
-            <p:spPr>
-              <a:xfrm>
-                <a:off x="383442" y="5472390"/>
-                <a:ext cx="1237130" cy="369332"/>
-              </a:xfrm>
-              <a:prstGeom prst="rect">
-                <a:avLst/>
-              </a:prstGeom>
-              <a:blipFill>
-                <a:blip r:embed="rId11"/>
-                <a:stretch>
-                  <a:fillRect/>
-                </a:stretch>
-              </a:blipFill>
-            </p:spPr>
-            <p:txBody>
-              <a:bodyPr/>
-              <a:lstStyle/>
-              <a:p>
-                <a:r>
-                  <a:rPr lang="en-US">
-                    <a:noFill/>
-                  </a:rPr>
-                  <a:t> </a:t>
-                </a:r>
-              </a:p>
-            </p:txBody>
-          </p:sp>
-        </mc:Fallback>
-      </mc:AlternateContent>
-      <p:pic>
-        <p:nvPicPr>
-          <p:cNvPr id="13" name="Picture 12">
-            <a:extLst>
-              <a:ext uri="{FF2B5EF4-FFF2-40B4-BE49-F238E27FC236}">
-                <a16:creationId xmlns:a16="http://schemas.microsoft.com/office/drawing/2014/main" id="{0C8920B4-1527-EA86-7B82-C003E522E403}"/>
-              </a:ext>
-            </a:extLst>
-          </p:cNvPr>
-          <p:cNvPicPr>
-            <a:picLocks noChangeAspect="1"/>
-          </p:cNvPicPr>
-          <p:nvPr/>
-        </p:nvPicPr>
-        <p:blipFill>
-          <a:blip r:embed="rId12"/>
-          <a:stretch>
-            <a:fillRect/>
-          </a:stretch>
-        </p:blipFill>
-        <p:spPr>
-          <a:xfrm>
-            <a:off x="2610323" y="5348804"/>
-            <a:ext cx="1321427" cy="1345194"/>
-          </a:xfrm>
-          <a:prstGeom prst="rect">
-            <a:avLst/>
-          </a:prstGeom>
-        </p:spPr>
-      </p:pic>
-      <p:pic>
-        <p:nvPicPr>
-          <p:cNvPr id="16" name="Picture 15">
-            <a:extLst>
-              <a:ext uri="{FF2B5EF4-FFF2-40B4-BE49-F238E27FC236}">
-                <a16:creationId xmlns:a16="http://schemas.microsoft.com/office/drawing/2014/main" id="{210498D6-4E4B-1F67-8FFE-E1706ABB5174}"/>
-              </a:ext>
-            </a:extLst>
-          </p:cNvPr>
-          <p:cNvPicPr>
-            <a:picLocks noChangeAspect="1"/>
-          </p:cNvPicPr>
-          <p:nvPr/>
-        </p:nvPicPr>
-        <p:blipFill>
-          <a:blip r:embed="rId13"/>
-          <a:stretch>
-            <a:fillRect/>
-          </a:stretch>
-        </p:blipFill>
-        <p:spPr>
-          <a:xfrm>
-            <a:off x="4860422" y="5366289"/>
-            <a:ext cx="1235307" cy="1314068"/>
-          </a:xfrm>
-          <a:prstGeom prst="rect">
-            <a:avLst/>
-          </a:prstGeom>
-        </p:spPr>
-      </p:pic>
-      <mc:AlternateContent xmlns:mc="http://schemas.openxmlformats.org/markup-compatibility/2006">
-        <mc:Choice xmlns:a14="http://schemas.microsoft.com/office/drawing/2010/main" Requires="a14">
-          <p:sp>
-            <p:nvSpPr>
-              <p:cNvPr id="18" name="TextBox 17">
-                <a:extLst>
-                  <a:ext uri="{FF2B5EF4-FFF2-40B4-BE49-F238E27FC236}">
-                    <a16:creationId xmlns:a16="http://schemas.microsoft.com/office/drawing/2014/main" id="{03553812-D432-8EB6-0CA6-A312DA406612}"/>
-                  </a:ext>
-                </a:extLst>
-              </p:cNvPr>
-              <p:cNvSpPr txBox="1"/>
-              <p:nvPr/>
-            </p:nvSpPr>
-            <p:spPr>
-              <a:xfrm>
-                <a:off x="2694620" y="5010226"/>
-                <a:ext cx="1237130" cy="369332"/>
-              </a:xfrm>
-              <a:prstGeom prst="rect">
-                <a:avLst/>
-              </a:prstGeom>
-              <a:noFill/>
-            </p:spPr>
-            <p:txBody>
-              <a:bodyPr wrap="square" rtlCol="0">
-                <a:spAutoFit/>
-              </a:bodyPr>
-              <a:lstStyle/>
-              <a:p>
-                <a:pPr/>
-                <a14:m>
-                  <m:oMathPara xmlns:m="http://schemas.openxmlformats.org/officeDocument/2006/math">
-                    <m:oMathParaPr>
-                      <m:jc m:val="centerGroup"/>
-                    </m:oMathParaPr>
-                    <m:oMath xmlns:m="http://schemas.openxmlformats.org/officeDocument/2006/math">
-                      <m:r>
-                        <a:rPr lang="en-US" b="0" i="1" smtClean="0">
-                          <a:latin typeface="Cambria Math" panose="02040503050406030204" pitchFamily="18" charset="0"/>
-                        </a:rPr>
-                        <m:t>𝜎</m:t>
-                      </m:r>
-                      <m:r>
-                        <a:rPr lang="en-US" b="0" i="1" smtClean="0">
-                          <a:latin typeface="Cambria Math" panose="02040503050406030204" pitchFamily="18" charset="0"/>
-                        </a:rPr>
-                        <m:t>=0.003</m:t>
-                      </m:r>
-                    </m:oMath>
-                  </m:oMathPara>
-                </a14:m>
-                <a:endParaRPr lang="en-US" dirty="0"/>
-              </a:p>
-            </p:txBody>
-          </p:sp>
-        </mc:Choice>
-        <mc:Fallback>
-          <p:sp>
-            <p:nvSpPr>
-              <p:cNvPr id="18" name="TextBox 17">
-                <a:extLst>
-                  <a:ext uri="{FF2B5EF4-FFF2-40B4-BE49-F238E27FC236}">
-                    <a16:creationId xmlns:a16="http://schemas.microsoft.com/office/drawing/2014/main" id="{03553812-D432-8EB6-0CA6-A312DA406612}"/>
-                  </a:ext>
-                </a:extLst>
-              </p:cNvPr>
-              <p:cNvSpPr txBox="1">
-                <a:spLocks noRot="1" noChangeAspect="1" noMove="1" noResize="1" noEditPoints="1" noAdjustHandles="1" noChangeArrowheads="1" noChangeShapeType="1" noTextEdit="1"/>
-              </p:cNvSpPr>
-              <p:nvPr/>
-            </p:nvSpPr>
-            <p:spPr>
-              <a:xfrm>
-                <a:off x="2694620" y="5010226"/>
-                <a:ext cx="1237130" cy="369332"/>
-              </a:xfrm>
-              <a:prstGeom prst="rect">
-                <a:avLst/>
-              </a:prstGeom>
-              <a:blipFill>
-                <a:blip r:embed="rId14"/>
-                <a:stretch>
-                  <a:fillRect/>
-                </a:stretch>
-              </a:blipFill>
-            </p:spPr>
-            <p:txBody>
-              <a:bodyPr/>
-              <a:lstStyle/>
-              <a:p>
-                <a:r>
-                  <a:rPr lang="en-US">
-                    <a:noFill/>
-                  </a:rPr>
-                  <a:t> </a:t>
-                </a:r>
-              </a:p>
-            </p:txBody>
-          </p:sp>
-        </mc:Fallback>
-      </mc:AlternateContent>
-      <mc:AlternateContent xmlns:mc="http://schemas.openxmlformats.org/markup-compatibility/2006">
-        <mc:Choice xmlns:a14="http://schemas.microsoft.com/office/drawing/2010/main" Requires="a14">
-          <p:sp>
-            <p:nvSpPr>
-              <p:cNvPr id="21" name="TextBox 20">
-                <a:extLst>
-                  <a:ext uri="{FF2B5EF4-FFF2-40B4-BE49-F238E27FC236}">
-                    <a16:creationId xmlns:a16="http://schemas.microsoft.com/office/drawing/2014/main" id="{3ACB6EA6-6778-7495-746F-F908C01EDFFB}"/>
-                  </a:ext>
-                </a:extLst>
-              </p:cNvPr>
-              <p:cNvSpPr txBox="1"/>
-              <p:nvPr/>
-            </p:nvSpPr>
-            <p:spPr>
-              <a:xfrm>
-                <a:off x="4842716" y="5005338"/>
-                <a:ext cx="1237130" cy="369332"/>
-              </a:xfrm>
-              <a:prstGeom prst="rect">
-                <a:avLst/>
-              </a:prstGeom>
-              <a:noFill/>
-            </p:spPr>
-            <p:txBody>
-              <a:bodyPr wrap="square" rtlCol="0">
-                <a:spAutoFit/>
-              </a:bodyPr>
-              <a:lstStyle/>
-              <a:p>
-                <a:pPr/>
-                <a14:m>
-                  <m:oMathPara xmlns:m="http://schemas.openxmlformats.org/officeDocument/2006/math">
-                    <m:oMathParaPr>
-                      <m:jc m:val="centerGroup"/>
-                    </m:oMathParaPr>
-                    <m:oMath xmlns:m="http://schemas.openxmlformats.org/officeDocument/2006/math">
-                      <m:r>
-                        <a:rPr lang="en-US" b="0" i="1" smtClean="0">
-                          <a:latin typeface="Cambria Math" panose="02040503050406030204" pitchFamily="18" charset="0"/>
-                        </a:rPr>
-                        <m:t>𝜎</m:t>
-                      </m:r>
-                      <m:r>
-                        <a:rPr lang="en-US" b="0" i="1" smtClean="0">
-                          <a:latin typeface="Cambria Math" panose="02040503050406030204" pitchFamily="18" charset="0"/>
-                        </a:rPr>
-                        <m:t>=0.005</m:t>
-                      </m:r>
-                    </m:oMath>
-                  </m:oMathPara>
-                </a14:m>
-                <a:endParaRPr lang="en-US" dirty="0"/>
-              </a:p>
-            </p:txBody>
-          </p:sp>
-        </mc:Choice>
-        <mc:Fallback>
-          <p:sp>
-            <p:nvSpPr>
-              <p:cNvPr id="21" name="TextBox 20">
-                <a:extLst>
-                  <a:ext uri="{FF2B5EF4-FFF2-40B4-BE49-F238E27FC236}">
-                    <a16:creationId xmlns:a16="http://schemas.microsoft.com/office/drawing/2014/main" id="{3ACB6EA6-6778-7495-746F-F908C01EDFFB}"/>
-                  </a:ext>
-                </a:extLst>
-              </p:cNvPr>
-              <p:cNvSpPr txBox="1">
-                <a:spLocks noRot="1" noChangeAspect="1" noMove="1" noResize="1" noEditPoints="1" noAdjustHandles="1" noChangeArrowheads="1" noChangeShapeType="1" noTextEdit="1"/>
-              </p:cNvSpPr>
-              <p:nvPr/>
-            </p:nvSpPr>
-            <p:spPr>
-              <a:xfrm>
-                <a:off x="4842716" y="5005338"/>
-                <a:ext cx="1237130" cy="369332"/>
-              </a:xfrm>
-              <a:prstGeom prst="rect">
-                <a:avLst/>
-              </a:prstGeom>
-              <a:blipFill>
-                <a:blip r:embed="rId15"/>
-                <a:stretch>
-                  <a:fillRect/>
-                </a:stretch>
-              </a:blipFill>
-            </p:spPr>
-            <p:txBody>
-              <a:bodyPr/>
-              <a:lstStyle/>
-              <a:p>
-                <a:r>
-                  <a:rPr lang="en-US">
-                    <a:noFill/>
-                  </a:rPr>
-                  <a:t> </a:t>
-                </a:r>
-              </a:p>
-            </p:txBody>
-          </p:sp>
-        </mc:Fallback>
-      </mc:AlternateContent>
-      <p:pic>
-        <p:nvPicPr>
-          <p:cNvPr id="22" name="Picture 8">
-            <a:extLst>
-              <a:ext uri="{FF2B5EF4-FFF2-40B4-BE49-F238E27FC236}">
-                <a16:creationId xmlns:a16="http://schemas.microsoft.com/office/drawing/2014/main" id="{700139E2-FB9A-335C-1348-23EF14090255}"/>
-              </a:ext>
-            </a:extLst>
-          </p:cNvPr>
-          <p:cNvPicPr>
-            <a:picLocks noChangeAspect="1" noChangeArrowheads="1"/>
-          </p:cNvPicPr>
-          <p:nvPr/>
-        </p:nvPicPr>
-        <p:blipFill>
-          <a:blip r:embed="rId16">
-            <a:extLst>
-              <a:ext uri="{28A0092B-C50C-407E-A947-70E740481C1C}">
-                <a14:useLocalDpi xmlns:a14="http://schemas.microsoft.com/office/drawing/2010/main" val="0"/>
-              </a:ext>
-            </a:extLst>
-          </a:blip>
-          <a:srcRect/>
-          <a:stretch>
-            <a:fillRect/>
-          </a:stretch>
-        </p:blipFill>
-        <p:spPr bwMode="auto">
-          <a:xfrm>
-            <a:off x="6659188" y="5472390"/>
-            <a:ext cx="1803894" cy="1098022"/>
-          </a:xfrm>
-          <a:prstGeom prst="rect">
-            <a:avLst/>
-          </a:prstGeom>
-          <a:noFill/>
-          <a:extLst>
-            <a:ext uri="{909E8E84-426E-40DD-AFC4-6F175D3DCCD1}">
-              <a14:hiddenFill xmlns:a14="http://schemas.microsoft.com/office/drawing/2010/main">
-                <a:solidFill>
-                  <a:srgbClr val="FFFFFF"/>
-                </a:solidFill>
-              </a14:hiddenFill>
-            </a:ext>
-          </a:extLst>
-        </p:spPr>
-      </p:pic>
-      <mc:AlternateContent xmlns:mc="http://schemas.openxmlformats.org/markup-compatibility/2006">
-        <mc:Choice xmlns:a14="http://schemas.microsoft.com/office/drawing/2010/main" Requires="a14">
-          <p:sp>
-            <p:nvSpPr>
-              <p:cNvPr id="23" name="TextBox 22">
-                <a:extLst>
-                  <a:ext uri="{FF2B5EF4-FFF2-40B4-BE49-F238E27FC236}">
-                    <a16:creationId xmlns:a16="http://schemas.microsoft.com/office/drawing/2014/main" id="{E303DBE3-7B79-4B08-F6FB-A412D74EDEB4}"/>
-                  </a:ext>
-                </a:extLst>
-              </p:cNvPr>
-              <p:cNvSpPr txBox="1"/>
-              <p:nvPr/>
-            </p:nvSpPr>
-            <p:spPr>
-              <a:xfrm>
-                <a:off x="6942570" y="5010226"/>
-                <a:ext cx="1237130" cy="369332"/>
-              </a:xfrm>
-              <a:prstGeom prst="rect">
-                <a:avLst/>
-              </a:prstGeom>
-              <a:noFill/>
-            </p:spPr>
-            <p:txBody>
-              <a:bodyPr wrap="square" rtlCol="0">
-                <a:spAutoFit/>
-              </a:bodyPr>
-              <a:lstStyle/>
-              <a:p>
-                <a:pPr/>
-                <a14:m>
-                  <m:oMathPara xmlns:m="http://schemas.openxmlformats.org/officeDocument/2006/math">
-                    <m:oMathParaPr>
-                      <m:jc m:val="centerGroup"/>
-                    </m:oMathParaPr>
-                    <m:oMath xmlns:m="http://schemas.openxmlformats.org/officeDocument/2006/math">
-                      <m:r>
-                        <a:rPr lang="en-US" b="0" i="1" smtClean="0">
-                          <a:latin typeface="Cambria Math" panose="02040503050406030204" pitchFamily="18" charset="0"/>
-                        </a:rPr>
-                        <m:t>𝜎</m:t>
-                      </m:r>
-                      <m:r>
-                        <a:rPr lang="en-US" b="0" i="1" smtClean="0">
-                          <a:latin typeface="Cambria Math" panose="02040503050406030204" pitchFamily="18" charset="0"/>
-                        </a:rPr>
-                        <m:t>=0.007</m:t>
-                      </m:r>
-                    </m:oMath>
-                  </m:oMathPara>
-                </a14:m>
-                <a:endParaRPr lang="en-US" dirty="0"/>
-              </a:p>
-            </p:txBody>
-          </p:sp>
-        </mc:Choice>
-        <mc:Fallback>
-          <p:sp>
-            <p:nvSpPr>
-              <p:cNvPr id="23" name="TextBox 22">
-                <a:extLst>
-                  <a:ext uri="{FF2B5EF4-FFF2-40B4-BE49-F238E27FC236}">
-                    <a16:creationId xmlns:a16="http://schemas.microsoft.com/office/drawing/2014/main" id="{E303DBE3-7B79-4B08-F6FB-A412D74EDEB4}"/>
-                  </a:ext>
-                </a:extLst>
-              </p:cNvPr>
-              <p:cNvSpPr txBox="1">
-                <a:spLocks noRot="1" noChangeAspect="1" noMove="1" noResize="1" noEditPoints="1" noAdjustHandles="1" noChangeArrowheads="1" noChangeShapeType="1" noTextEdit="1"/>
-              </p:cNvSpPr>
-              <p:nvPr/>
-            </p:nvSpPr>
-            <p:spPr>
-              <a:xfrm>
-                <a:off x="6942570" y="5010226"/>
-                <a:ext cx="1237130" cy="369332"/>
-              </a:xfrm>
-              <a:prstGeom prst="rect">
-                <a:avLst/>
-              </a:prstGeom>
-              <a:blipFill>
-                <a:blip r:embed="rId17"/>
-                <a:stretch>
-                  <a:fillRect/>
-                </a:stretch>
-              </a:blipFill>
-            </p:spPr>
-            <p:txBody>
-              <a:bodyPr/>
-              <a:lstStyle/>
-              <a:p>
-                <a:r>
-                  <a:rPr lang="en-US">
-                    <a:noFill/>
-                  </a:rPr>
-                  <a:t> </a:t>
-                </a:r>
-              </a:p>
-            </p:txBody>
-          </p:sp>
-        </mc:Fallback>
-      </mc:AlternateContent>
-      <p:sp>
-        <p:nvSpPr>
-          <p:cNvPr id="24" name="TextBox 23">
-            <a:extLst>
-              <a:ext uri="{FF2B5EF4-FFF2-40B4-BE49-F238E27FC236}">
-                <a16:creationId xmlns:a16="http://schemas.microsoft.com/office/drawing/2014/main" id="{E757F561-9B8D-6CD5-5926-BF05D3171912}"/>
-              </a:ext>
-            </a:extLst>
-          </p:cNvPr>
-          <p:cNvSpPr txBox="1"/>
-          <p:nvPr/>
-        </p:nvSpPr>
-        <p:spPr>
-          <a:xfrm>
-            <a:off x="1905709" y="6561581"/>
-            <a:ext cx="2765121" cy="369332"/>
-          </a:xfrm>
-          <a:prstGeom prst="rect">
-            <a:avLst/>
-          </a:prstGeom>
-          <a:noFill/>
-        </p:spPr>
-        <p:txBody>
-          <a:bodyPr wrap="square" rtlCol="0">
-            <a:spAutoFit/>
-          </a:bodyPr>
-          <a:lstStyle/>
-          <a:p>
-            <a:pPr algn="ctr"/>
-            <a:r>
-              <a:rPr lang="en-US" dirty="0"/>
-              <a:t>Need to finalize</a:t>
-            </a:r>
-          </a:p>
-        </p:txBody>
-      </p:sp>
-      <p:sp>
-        <p:nvSpPr>
-          <p:cNvPr id="20" name="TextBox 19">
-            <a:extLst>
-              <a:ext uri="{FF2B5EF4-FFF2-40B4-BE49-F238E27FC236}">
-                <a16:creationId xmlns:a16="http://schemas.microsoft.com/office/drawing/2014/main" id="{FF25389A-961F-C953-0C3A-B2899A8D7135}"/>
-              </a:ext>
-            </a:extLst>
-          </p:cNvPr>
-          <p:cNvSpPr txBox="1"/>
-          <p:nvPr/>
-        </p:nvSpPr>
-        <p:spPr>
-          <a:xfrm>
-            <a:off x="2164705" y="3095786"/>
-            <a:ext cx="2765121" cy="369332"/>
-          </a:xfrm>
-          <a:prstGeom prst="rect">
-            <a:avLst/>
-          </a:prstGeom>
-          <a:noFill/>
-        </p:spPr>
-        <p:txBody>
-          <a:bodyPr wrap="square" rtlCol="0">
-            <a:spAutoFit/>
-          </a:bodyPr>
-          <a:lstStyle/>
-          <a:p>
-            <a:pPr algn="ctr"/>
-            <a:r>
-              <a:rPr lang="en-US" dirty="0"/>
-              <a:t>Need to finalize</a:t>
-            </a:r>
-          </a:p>
-        </p:txBody>
-      </p:sp>
-      <mc:AlternateContent xmlns:mc="http://schemas.openxmlformats.org/markup-compatibility/2006">
-        <mc:Choice xmlns:a14="http://schemas.microsoft.com/office/drawing/2010/main" Requires="a14">
-          <p:sp>
-            <p:nvSpPr>
-              <p:cNvPr id="10" name="TextBox 9">
-                <a:extLst>
-                  <a:ext uri="{FF2B5EF4-FFF2-40B4-BE49-F238E27FC236}">
-                    <a16:creationId xmlns:a16="http://schemas.microsoft.com/office/drawing/2014/main" id="{6CF6933F-D5D7-C115-052F-019FE9D965ED}"/>
-                  </a:ext>
-                </a:extLst>
-              </p:cNvPr>
-              <p:cNvSpPr txBox="1"/>
-              <p:nvPr/>
-            </p:nvSpPr>
-            <p:spPr>
-              <a:xfrm>
-                <a:off x="408832" y="3757586"/>
-                <a:ext cx="1237130" cy="369332"/>
-              </a:xfrm>
-              <a:prstGeom prst="rect">
-                <a:avLst/>
-              </a:prstGeom>
-              <a:noFill/>
-            </p:spPr>
-            <p:txBody>
-              <a:bodyPr wrap="square" rtlCol="0">
-                <a:spAutoFit/>
-              </a:bodyPr>
-              <a:lstStyle/>
-              <a:p>
-                <a:pPr/>
-                <a14:m>
-                  <m:oMathPara xmlns:m="http://schemas.openxmlformats.org/officeDocument/2006/math">
-                    <m:oMathParaPr>
-                      <m:jc m:val="centerGroup"/>
-                    </m:oMathParaPr>
-                    <m:oMath xmlns:m="http://schemas.openxmlformats.org/officeDocument/2006/math">
-                      <m:r>
-                        <a:rPr lang="en-US" b="0" i="1" smtClean="0">
-                          <a:latin typeface="Cambria Math" panose="02040503050406030204" pitchFamily="18" charset="0"/>
-                        </a:rPr>
-                        <m:t>𝛼</m:t>
-                      </m:r>
-                      <m:r>
-                        <a:rPr lang="en-US" b="0" i="1" smtClean="0">
-                          <a:latin typeface="Cambria Math" panose="02040503050406030204" pitchFamily="18" charset="0"/>
-                        </a:rPr>
-                        <m:t>=0.10</m:t>
-                      </m:r>
-                    </m:oMath>
-                  </m:oMathPara>
-                </a14:m>
-                <a:endParaRPr lang="en-US" dirty="0"/>
-              </a:p>
-            </p:txBody>
-          </p:sp>
-        </mc:Choice>
-        <mc:Fallback>
-          <p:sp>
-            <p:nvSpPr>
-              <p:cNvPr id="10" name="TextBox 9">
-                <a:extLst>
-                  <a:ext uri="{FF2B5EF4-FFF2-40B4-BE49-F238E27FC236}">
-                    <a16:creationId xmlns:a16="http://schemas.microsoft.com/office/drawing/2014/main" id="{6CF6933F-D5D7-C115-052F-019FE9D965ED}"/>
-                  </a:ext>
-                </a:extLst>
-              </p:cNvPr>
-              <p:cNvSpPr txBox="1">
-                <a:spLocks noRot="1" noChangeAspect="1" noMove="1" noResize="1" noEditPoints="1" noAdjustHandles="1" noChangeArrowheads="1" noChangeShapeType="1" noTextEdit="1"/>
-              </p:cNvSpPr>
-              <p:nvPr/>
-            </p:nvSpPr>
-            <p:spPr>
-              <a:xfrm>
-                <a:off x="408832" y="3757586"/>
-                <a:ext cx="1237130" cy="369332"/>
-              </a:xfrm>
-              <a:prstGeom prst="rect">
-                <a:avLst/>
-              </a:prstGeom>
-              <a:blipFill>
-                <a:blip r:embed="rId18"/>
-                <a:stretch>
-                  <a:fillRect/>
-                </a:stretch>
-              </a:blipFill>
-            </p:spPr>
-            <p:txBody>
-              <a:bodyPr/>
-              <a:lstStyle/>
-              <a:p>
-                <a:r>
-                  <a:rPr lang="en-US">
-                    <a:noFill/>
-                  </a:rPr>
-                  <a:t> </a:t>
-                </a:r>
-              </a:p>
-            </p:txBody>
-          </p:sp>
-        </mc:Fallback>
-      </mc:AlternateContent>
-      <p:pic>
-        <p:nvPicPr>
-          <p:cNvPr id="11" name="Picture 10">
-            <a:extLst>
-              <a:ext uri="{FF2B5EF4-FFF2-40B4-BE49-F238E27FC236}">
-                <a16:creationId xmlns:a16="http://schemas.microsoft.com/office/drawing/2014/main" id="{BFDAF66E-1F0B-CBA9-39C5-0840AF5ED53A}"/>
-              </a:ext>
-            </a:extLst>
-          </p:cNvPr>
-          <p:cNvPicPr>
-            <a:picLocks noChangeAspect="1"/>
-          </p:cNvPicPr>
-          <p:nvPr/>
-        </p:nvPicPr>
-        <p:blipFill>
-          <a:blip r:embed="rId19"/>
-          <a:stretch>
-            <a:fillRect/>
-          </a:stretch>
-        </p:blipFill>
-        <p:spPr>
-          <a:xfrm>
-            <a:off x="2625812" y="3779262"/>
-            <a:ext cx="1568834" cy="1112446"/>
-          </a:xfrm>
-          <a:prstGeom prst="rect">
-            <a:avLst/>
-          </a:prstGeom>
-        </p:spPr>
-      </p:pic>
-      <mc:AlternateContent xmlns:mc="http://schemas.openxmlformats.org/markup-compatibility/2006">
-        <mc:Choice xmlns:a14="http://schemas.microsoft.com/office/drawing/2010/main" Requires="a14">
-          <p:sp>
-            <p:nvSpPr>
-              <p:cNvPr id="12" name="TextBox 11">
-                <a:extLst>
-                  <a:ext uri="{FF2B5EF4-FFF2-40B4-BE49-F238E27FC236}">
-                    <a16:creationId xmlns:a16="http://schemas.microsoft.com/office/drawing/2014/main" id="{37B38CDC-8778-C2F4-1FD3-CE09B6500A04}"/>
-                  </a:ext>
-                </a:extLst>
-              </p:cNvPr>
-              <p:cNvSpPr txBox="1"/>
-              <p:nvPr/>
-            </p:nvSpPr>
-            <p:spPr>
-              <a:xfrm>
-                <a:off x="2567338" y="3458871"/>
-                <a:ext cx="1568833" cy="369332"/>
-              </a:xfrm>
-              <a:prstGeom prst="rect">
-                <a:avLst/>
-              </a:prstGeom>
-              <a:noFill/>
-            </p:spPr>
-            <p:txBody>
-              <a:bodyPr wrap="square" rtlCol="0">
-                <a:spAutoFit/>
-              </a:bodyPr>
-              <a:lstStyle/>
-              <a:p>
-                <a:pPr/>
-                <a14:m>
-                  <m:oMathPara xmlns:m="http://schemas.openxmlformats.org/officeDocument/2006/math">
-                    <m:oMathParaPr>
-                      <m:jc m:val="centerGroup"/>
-                    </m:oMathParaPr>
-                    <m:oMath xmlns:m="http://schemas.openxmlformats.org/officeDocument/2006/math">
-                      <m:r>
-                        <a:rPr lang="en-US" b="0" i="1" smtClean="0">
-                          <a:latin typeface="Cambria Math" panose="02040503050406030204" pitchFamily="18" charset="0"/>
-                        </a:rPr>
-                        <m:t>𝜎</m:t>
-                      </m:r>
-                      <m:r>
-                        <a:rPr lang="en-US" b="0" i="1" smtClean="0">
-                          <a:latin typeface="Cambria Math" panose="02040503050406030204" pitchFamily="18" charset="0"/>
-                        </a:rPr>
-                        <m:t>=0.0025</m:t>
-                      </m:r>
-                    </m:oMath>
-                  </m:oMathPara>
-                </a14:m>
-                <a:endParaRPr lang="en-US" dirty="0"/>
-              </a:p>
-            </p:txBody>
-          </p:sp>
-        </mc:Choice>
-        <mc:Fallback>
-          <p:sp>
-            <p:nvSpPr>
-              <p:cNvPr id="12" name="TextBox 11">
-                <a:extLst>
-                  <a:ext uri="{FF2B5EF4-FFF2-40B4-BE49-F238E27FC236}">
-                    <a16:creationId xmlns:a16="http://schemas.microsoft.com/office/drawing/2014/main" id="{37B38CDC-8778-C2F4-1FD3-CE09B6500A04}"/>
-                  </a:ext>
-                </a:extLst>
-              </p:cNvPr>
-              <p:cNvSpPr txBox="1">
-                <a:spLocks noRot="1" noChangeAspect="1" noMove="1" noResize="1" noEditPoints="1" noAdjustHandles="1" noChangeArrowheads="1" noChangeShapeType="1" noTextEdit="1"/>
-              </p:cNvSpPr>
-              <p:nvPr/>
-            </p:nvSpPr>
-            <p:spPr>
-              <a:xfrm>
-                <a:off x="2567338" y="3458871"/>
-                <a:ext cx="1568833" cy="369332"/>
-              </a:xfrm>
-              <a:prstGeom prst="rect">
-                <a:avLst/>
-              </a:prstGeom>
-              <a:blipFill>
-                <a:blip r:embed="rId20"/>
-                <a:stretch>
-                  <a:fillRect/>
-                </a:stretch>
-              </a:blipFill>
-            </p:spPr>
-            <p:txBody>
-              <a:bodyPr/>
-              <a:lstStyle/>
-              <a:p>
-                <a:r>
-                  <a:rPr lang="en-US">
-                    <a:noFill/>
-                  </a:rPr>
-                  <a:t> </a:t>
-                </a:r>
-              </a:p>
-            </p:txBody>
-          </p:sp>
-        </mc:Fallback>
-      </mc:AlternateContent>
-      <p:pic>
-        <p:nvPicPr>
-          <p:cNvPr id="15" name="Picture 14">
-            <a:extLst>
-              <a:ext uri="{FF2B5EF4-FFF2-40B4-BE49-F238E27FC236}">
-                <a16:creationId xmlns:a16="http://schemas.microsoft.com/office/drawing/2014/main" id="{13B34BD4-5D77-3EFE-6594-2382C62CE19B}"/>
-              </a:ext>
-            </a:extLst>
-          </p:cNvPr>
-          <p:cNvPicPr>
-            <a:picLocks noChangeAspect="1"/>
-          </p:cNvPicPr>
-          <p:nvPr/>
-        </p:nvPicPr>
-        <p:blipFill>
-          <a:blip r:embed="rId21"/>
-          <a:stretch>
-            <a:fillRect/>
-          </a:stretch>
-        </p:blipFill>
-        <p:spPr>
-          <a:xfrm>
-            <a:off x="4860422" y="3826069"/>
-            <a:ext cx="1344719" cy="1136935"/>
-          </a:xfrm>
-          <a:prstGeom prst="rect">
-            <a:avLst/>
-          </a:prstGeom>
-        </p:spPr>
-      </p:pic>
-      <mc:AlternateContent xmlns:mc="http://schemas.openxmlformats.org/markup-compatibility/2006">
-        <mc:Choice xmlns:a14="http://schemas.microsoft.com/office/drawing/2010/main" Requires="a14">
-          <p:sp>
-            <p:nvSpPr>
-              <p:cNvPr id="19" name="TextBox 18">
-                <a:extLst>
-                  <a:ext uri="{FF2B5EF4-FFF2-40B4-BE49-F238E27FC236}">
-                    <a16:creationId xmlns:a16="http://schemas.microsoft.com/office/drawing/2014/main" id="{D6376C82-01A4-01EC-7405-326895321943}"/>
-                  </a:ext>
-                </a:extLst>
-              </p:cNvPr>
-              <p:cNvSpPr txBox="1"/>
-              <p:nvPr/>
-            </p:nvSpPr>
-            <p:spPr>
-              <a:xfrm>
-                <a:off x="4678757" y="3458871"/>
-                <a:ext cx="1568833" cy="369332"/>
-              </a:xfrm>
-              <a:prstGeom prst="rect">
-                <a:avLst/>
-              </a:prstGeom>
-              <a:noFill/>
-            </p:spPr>
-            <p:txBody>
-              <a:bodyPr wrap="square" rtlCol="0">
-                <a:spAutoFit/>
-              </a:bodyPr>
-              <a:lstStyle/>
-              <a:p>
-                <a:pPr/>
-                <a14:m>
-                  <m:oMathPara xmlns:m="http://schemas.openxmlformats.org/officeDocument/2006/math">
-                    <m:oMathParaPr>
-                      <m:jc m:val="centerGroup"/>
-                    </m:oMathParaPr>
-                    <m:oMath xmlns:m="http://schemas.openxmlformats.org/officeDocument/2006/math">
-                      <m:r>
-                        <a:rPr lang="en-US" b="0" i="1" smtClean="0">
-                          <a:latin typeface="Cambria Math" panose="02040503050406030204" pitchFamily="18" charset="0"/>
-                        </a:rPr>
-                        <m:t>𝜎</m:t>
-                      </m:r>
-                      <m:r>
-                        <a:rPr lang="en-US" b="0" i="1" smtClean="0">
-                          <a:latin typeface="Cambria Math" panose="02040503050406030204" pitchFamily="18" charset="0"/>
-                        </a:rPr>
-                        <m:t>=0.005</m:t>
-                      </m:r>
-                    </m:oMath>
-                  </m:oMathPara>
-                </a14:m>
-                <a:endParaRPr lang="en-US" dirty="0"/>
-              </a:p>
-            </p:txBody>
-          </p:sp>
-        </mc:Choice>
-        <mc:Fallback>
-          <p:sp>
-            <p:nvSpPr>
-              <p:cNvPr id="19" name="TextBox 18">
-                <a:extLst>
-                  <a:ext uri="{FF2B5EF4-FFF2-40B4-BE49-F238E27FC236}">
-                    <a16:creationId xmlns:a16="http://schemas.microsoft.com/office/drawing/2014/main" id="{D6376C82-01A4-01EC-7405-326895321943}"/>
-                  </a:ext>
-                </a:extLst>
-              </p:cNvPr>
-              <p:cNvSpPr txBox="1">
-                <a:spLocks noRot="1" noChangeAspect="1" noMove="1" noResize="1" noEditPoints="1" noAdjustHandles="1" noChangeArrowheads="1" noChangeShapeType="1" noTextEdit="1"/>
-              </p:cNvSpPr>
-              <p:nvPr/>
-            </p:nvSpPr>
-            <p:spPr>
-              <a:xfrm>
-                <a:off x="4678757" y="3458871"/>
-                <a:ext cx="1568833" cy="369332"/>
-              </a:xfrm>
-              <a:prstGeom prst="rect">
-                <a:avLst/>
-              </a:prstGeom>
-              <a:blipFill>
-                <a:blip r:embed="rId22"/>
-                <a:stretch>
-                  <a:fillRect/>
-                </a:stretch>
-              </a:blipFill>
-            </p:spPr>
-            <p:txBody>
-              <a:bodyPr/>
-              <a:lstStyle/>
-              <a:p>
-                <a:r>
-                  <a:rPr lang="en-US">
-                    <a:noFill/>
-                  </a:rPr>
-                  <a:t> </a:t>
-                </a:r>
-              </a:p>
-            </p:txBody>
-          </p:sp>
-        </mc:Fallback>
-      </mc:AlternateContent>
-      <p:pic>
-        <p:nvPicPr>
-          <p:cNvPr id="26" name="Picture 25">
-            <a:extLst>
-              <a:ext uri="{FF2B5EF4-FFF2-40B4-BE49-F238E27FC236}">
-                <a16:creationId xmlns:a16="http://schemas.microsoft.com/office/drawing/2014/main" id="{C5FDBD18-9EE0-FDBA-2AEE-ABDABB3E2BDF}"/>
-              </a:ext>
-            </a:extLst>
-          </p:cNvPr>
-          <p:cNvPicPr>
-            <a:picLocks noChangeAspect="1"/>
-          </p:cNvPicPr>
-          <p:nvPr/>
-        </p:nvPicPr>
-        <p:blipFill>
-          <a:blip r:embed="rId23"/>
-          <a:stretch>
-            <a:fillRect/>
-          </a:stretch>
-        </p:blipFill>
-        <p:spPr>
-          <a:xfrm>
-            <a:off x="6659188" y="3643537"/>
-            <a:ext cx="1344719" cy="1107152"/>
-          </a:xfrm>
-          <a:prstGeom prst="rect">
-            <a:avLst/>
-          </a:prstGeom>
-        </p:spPr>
-      </p:pic>
-      <mc:AlternateContent xmlns:mc="http://schemas.openxmlformats.org/markup-compatibility/2006">
-        <mc:Choice xmlns:a14="http://schemas.microsoft.com/office/drawing/2010/main" Requires="a14">
-          <p:sp>
-            <p:nvSpPr>
-              <p:cNvPr id="27" name="TextBox 26">
-                <a:extLst>
-                  <a:ext uri="{FF2B5EF4-FFF2-40B4-BE49-F238E27FC236}">
-                    <a16:creationId xmlns:a16="http://schemas.microsoft.com/office/drawing/2014/main" id="{B1E9663F-FB6F-BA05-907C-3EF29CABC06A}"/>
-                  </a:ext>
-                </a:extLst>
-              </p:cNvPr>
-              <p:cNvSpPr txBox="1"/>
-              <p:nvPr/>
-            </p:nvSpPr>
-            <p:spPr>
-              <a:xfrm>
-                <a:off x="6547130" y="3454722"/>
-                <a:ext cx="1568833" cy="369332"/>
-              </a:xfrm>
-              <a:prstGeom prst="rect">
-                <a:avLst/>
-              </a:prstGeom>
-              <a:noFill/>
-            </p:spPr>
-            <p:txBody>
-              <a:bodyPr wrap="square" rtlCol="0">
-                <a:spAutoFit/>
-              </a:bodyPr>
-              <a:lstStyle/>
-              <a:p>
-                <a:pPr/>
-                <a14:m>
-                  <m:oMathPara xmlns:m="http://schemas.openxmlformats.org/officeDocument/2006/math">
-                    <m:oMathParaPr>
-                      <m:jc m:val="centerGroup"/>
-                    </m:oMathParaPr>
-                    <m:oMath xmlns:m="http://schemas.openxmlformats.org/officeDocument/2006/math">
-                      <m:r>
-                        <a:rPr lang="en-US" b="0" i="1" smtClean="0">
-                          <a:latin typeface="Cambria Math" panose="02040503050406030204" pitchFamily="18" charset="0"/>
-                        </a:rPr>
-                        <m:t>𝜎</m:t>
-                      </m:r>
-                      <m:r>
-                        <a:rPr lang="en-US" b="0" i="1" smtClean="0">
-                          <a:latin typeface="Cambria Math" panose="02040503050406030204" pitchFamily="18" charset="0"/>
-                        </a:rPr>
-                        <m:t>=0.005</m:t>
-                      </m:r>
-                    </m:oMath>
-                  </m:oMathPara>
-                </a14:m>
-                <a:endParaRPr lang="en-US" dirty="0"/>
-              </a:p>
-            </p:txBody>
-          </p:sp>
-        </mc:Choice>
-        <mc:Fallback>
-          <p:sp>
-            <p:nvSpPr>
-              <p:cNvPr id="27" name="TextBox 26">
-                <a:extLst>
-                  <a:ext uri="{FF2B5EF4-FFF2-40B4-BE49-F238E27FC236}">
-                    <a16:creationId xmlns:a16="http://schemas.microsoft.com/office/drawing/2014/main" id="{B1E9663F-FB6F-BA05-907C-3EF29CABC06A}"/>
-                  </a:ext>
-                </a:extLst>
-              </p:cNvPr>
-              <p:cNvSpPr txBox="1">
-                <a:spLocks noRot="1" noChangeAspect="1" noMove="1" noResize="1" noEditPoints="1" noAdjustHandles="1" noChangeArrowheads="1" noChangeShapeType="1" noTextEdit="1"/>
-              </p:cNvSpPr>
-              <p:nvPr/>
-            </p:nvSpPr>
-            <p:spPr>
-              <a:xfrm>
-                <a:off x="6547130" y="3454722"/>
-                <a:ext cx="1568833" cy="369332"/>
-              </a:xfrm>
-              <a:prstGeom prst="rect">
-                <a:avLst/>
-              </a:prstGeom>
-              <a:blipFill>
-                <a:blip r:embed="rId24"/>
-                <a:stretch>
-                  <a:fillRect/>
-                </a:stretch>
-              </a:blipFill>
-            </p:spPr>
-            <p:txBody>
-              <a:bodyPr/>
-              <a:lstStyle/>
-              <a:p>
-                <a:r>
-                  <a:rPr lang="en-US">
-                    <a:noFill/>
-                  </a:rPr>
-                  <a:t> </a:t>
-                </a:r>
-              </a:p>
-            </p:txBody>
-          </p:sp>
-        </mc:Fallback>
-      </mc:AlternateContent>
-    </p:spTree>
-    <p:extLst>
-      <p:ext uri="{BB962C8B-B14F-4D97-AF65-F5344CB8AC3E}">
-        <p14:creationId xmlns:p14="http://schemas.microsoft.com/office/powerpoint/2010/main" val="2189060127"/>
-      </p:ext>
-    </p:extLst>
-  </p:cSld>
-  <p:clrMapOvr>
-    <a:masterClrMapping/>
-  </p:clrMapOvr>
-</p:sld>
-</file>
-
 <file path=ppt/slides/slide4.xml><?xml version="1.0" encoding="utf-8"?>
-<p:sld xmlns:a="http://schemas.openxmlformats.org/drawingml/2006/main" xmlns:r="http://schemas.openxmlformats.org/officeDocument/2006/relationships" xmlns:p="http://schemas.openxmlformats.org/presentationml/2006/main">
-  <p:cSld>
-    <p:spTree>
-      <p:nvGrpSpPr>
-        <p:cNvPr id="1" name="">
-          <a:extLst>
-            <a:ext uri="{FF2B5EF4-FFF2-40B4-BE49-F238E27FC236}">
-              <a16:creationId xmlns:a16="http://schemas.microsoft.com/office/drawing/2014/main" id="{5F8A6E35-AD85-B5DD-199C-38FDB1197775}"/>
-            </a:ext>
-          </a:extLst>
-        </p:cNvPr>
-        <p:cNvGrpSpPr/>
-        <p:nvPr/>
-      </p:nvGrpSpPr>
-      <p:grpSpPr>
-        <a:xfrm>
-          <a:off x="0" y="0"/>
-          <a:ext cx="0" cy="0"/>
-          <a:chOff x="0" y="0"/>
-          <a:chExt cx="0" cy="0"/>
-        </a:xfrm>
-      </p:grpSpPr>
-      <p:sp>
-        <p:nvSpPr>
-          <p:cNvPr id="3" name="TextBox 2">
-            <a:extLst>
-              <a:ext uri="{FF2B5EF4-FFF2-40B4-BE49-F238E27FC236}">
-                <a16:creationId xmlns:a16="http://schemas.microsoft.com/office/drawing/2014/main" id="{9205F0B4-50EC-8544-B836-A8CBD1227B30}"/>
-              </a:ext>
-            </a:extLst>
-          </p:cNvPr>
-          <p:cNvSpPr txBox="1"/>
-          <p:nvPr/>
-        </p:nvSpPr>
-        <p:spPr>
-          <a:xfrm>
-            <a:off x="1645962" y="247374"/>
-            <a:ext cx="9436032" cy="369332"/>
-          </a:xfrm>
-          <a:prstGeom prst="rect">
-            <a:avLst/>
-          </a:prstGeom>
-          <a:noFill/>
-        </p:spPr>
-        <p:txBody>
-          <a:bodyPr wrap="square" rtlCol="0">
-            <a:spAutoFit/>
-          </a:bodyPr>
-          <a:lstStyle/>
-          <a:p>
-            <a:r>
-              <a:rPr lang="en-US" dirty="0"/>
-              <a:t>Fig 3: </a:t>
-            </a:r>
-            <a:r>
-              <a:rPr lang="en-US" dirty="0" err="1"/>
-              <a:t>Cyl</a:t>
-            </a:r>
-            <a:r>
-              <a:rPr lang="en-US" dirty="0"/>
-              <a:t> to </a:t>
-            </a:r>
-            <a:r>
-              <a:rPr lang="en-US" dirty="0" err="1"/>
-              <a:t>Cyl</a:t>
-            </a:r>
-            <a:r>
-              <a:rPr lang="en-US" dirty="0"/>
-              <a:t>-str to Str by increasing sigma</a:t>
-            </a:r>
-          </a:p>
-        </p:txBody>
-      </p:sp>
-      <mc:AlternateContent xmlns:mc="http://schemas.openxmlformats.org/markup-compatibility/2006">
-        <mc:Choice xmlns:a14="http://schemas.microsoft.com/office/drawing/2010/main" Requires="a14">
-          <p:sp>
-            <p:nvSpPr>
-              <p:cNvPr id="8" name="TextBox 7">
-                <a:extLst>
-                  <a:ext uri="{FF2B5EF4-FFF2-40B4-BE49-F238E27FC236}">
-                    <a16:creationId xmlns:a16="http://schemas.microsoft.com/office/drawing/2014/main" id="{3395E763-213B-C49F-325E-55CFBBC6CDE6}"/>
-                  </a:ext>
-                </a:extLst>
-              </p:cNvPr>
-              <p:cNvSpPr txBox="1"/>
-              <p:nvPr/>
-            </p:nvSpPr>
-            <p:spPr>
-              <a:xfrm>
-                <a:off x="5051385" y="1012894"/>
-                <a:ext cx="1525469" cy="369332"/>
-              </a:xfrm>
-              <a:prstGeom prst="rect">
-                <a:avLst/>
-              </a:prstGeom>
-              <a:noFill/>
-            </p:spPr>
-            <p:txBody>
-              <a:bodyPr wrap="square" rtlCol="0">
-                <a:spAutoFit/>
-              </a:bodyPr>
-              <a:lstStyle/>
-              <a:p>
-                <a:pPr/>
-                <a14:m>
-                  <m:oMathPara xmlns:m="http://schemas.openxmlformats.org/officeDocument/2006/math">
-                    <m:oMathParaPr>
-                      <m:jc m:val="centerGroup"/>
-                    </m:oMathParaPr>
-                    <m:oMath xmlns:m="http://schemas.openxmlformats.org/officeDocument/2006/math">
-                      <m:r>
-                        <a:rPr lang="en-US" b="0" i="1" smtClean="0">
-                          <a:latin typeface="Cambria Math" panose="02040503050406030204" pitchFamily="18" charset="0"/>
-                        </a:rPr>
-                        <m:t>𝜎</m:t>
-                      </m:r>
-                      <m:r>
-                        <a:rPr lang="en-US" b="0" i="1" smtClean="0">
-                          <a:latin typeface="Cambria Math" panose="02040503050406030204" pitchFamily="18" charset="0"/>
-                        </a:rPr>
-                        <m:t>=0.03</m:t>
-                      </m:r>
-                      <m:r>
-                        <a:rPr lang="en-US" b="0" i="0" smtClean="0">
-                          <a:latin typeface="Cambria Math" panose="02040503050406030204" pitchFamily="18" charset="0"/>
-                        </a:rPr>
-                        <m:t>0</m:t>
-                      </m:r>
-                    </m:oMath>
-                  </m:oMathPara>
-                </a14:m>
-                <a:endParaRPr lang="en-US" dirty="0"/>
-              </a:p>
-            </p:txBody>
-          </p:sp>
-        </mc:Choice>
-        <mc:Fallback>
-          <p:sp>
-            <p:nvSpPr>
-              <p:cNvPr id="8" name="TextBox 7">
-                <a:extLst>
-                  <a:ext uri="{FF2B5EF4-FFF2-40B4-BE49-F238E27FC236}">
-                    <a16:creationId xmlns:a16="http://schemas.microsoft.com/office/drawing/2014/main" id="{3395E763-213B-C49F-325E-55CFBBC6CDE6}"/>
-                  </a:ext>
-                </a:extLst>
-              </p:cNvPr>
-              <p:cNvSpPr txBox="1">
-                <a:spLocks noRot="1" noChangeAspect="1" noMove="1" noResize="1" noEditPoints="1" noAdjustHandles="1" noChangeArrowheads="1" noChangeShapeType="1" noTextEdit="1"/>
-              </p:cNvSpPr>
-              <p:nvPr/>
-            </p:nvSpPr>
-            <p:spPr>
-              <a:xfrm>
-                <a:off x="5051385" y="1012894"/>
-                <a:ext cx="1525469" cy="369332"/>
-              </a:xfrm>
-              <a:prstGeom prst="rect">
-                <a:avLst/>
-              </a:prstGeom>
-              <a:blipFill>
-                <a:blip r:embed="rId2"/>
-                <a:stretch>
-                  <a:fillRect/>
-                </a:stretch>
-              </a:blipFill>
-            </p:spPr>
-            <p:txBody>
-              <a:bodyPr/>
-              <a:lstStyle/>
-              <a:p>
-                <a:r>
-                  <a:rPr lang="en-US">
-                    <a:noFill/>
-                  </a:rPr>
-                  <a:t> </a:t>
-                </a:r>
-              </a:p>
-            </p:txBody>
-          </p:sp>
-        </mc:Fallback>
-      </mc:AlternateContent>
-      <mc:AlternateContent xmlns:mc="http://schemas.openxmlformats.org/markup-compatibility/2006">
-        <mc:Choice xmlns:a14="http://schemas.microsoft.com/office/drawing/2010/main" Requires="a14">
-          <p:sp>
-            <p:nvSpPr>
-              <p:cNvPr id="9" name="TextBox 8">
-                <a:extLst>
-                  <a:ext uri="{FF2B5EF4-FFF2-40B4-BE49-F238E27FC236}">
-                    <a16:creationId xmlns:a16="http://schemas.microsoft.com/office/drawing/2014/main" id="{0B73E361-BC4B-4136-AEA0-504362671928}"/>
-                  </a:ext>
-                </a:extLst>
-              </p:cNvPr>
-              <p:cNvSpPr txBox="1"/>
-              <p:nvPr/>
-            </p:nvSpPr>
-            <p:spPr>
-              <a:xfrm>
-                <a:off x="7255521" y="969124"/>
-                <a:ext cx="1318040" cy="369332"/>
-              </a:xfrm>
-              <a:prstGeom prst="rect">
-                <a:avLst/>
-              </a:prstGeom>
-              <a:noFill/>
-            </p:spPr>
-            <p:txBody>
-              <a:bodyPr wrap="square" rtlCol="0">
-                <a:spAutoFit/>
-              </a:bodyPr>
-              <a:lstStyle/>
-              <a:p>
-                <a:pPr/>
-                <a14:m>
-                  <m:oMathPara xmlns:m="http://schemas.openxmlformats.org/officeDocument/2006/math">
-                    <m:oMathParaPr>
-                      <m:jc m:val="centerGroup"/>
-                    </m:oMathParaPr>
-                    <m:oMath xmlns:m="http://schemas.openxmlformats.org/officeDocument/2006/math">
-                      <m:r>
-                        <a:rPr lang="en-US" b="0" i="1" smtClean="0">
-                          <a:latin typeface="Cambria Math" panose="02040503050406030204" pitchFamily="18" charset="0"/>
-                        </a:rPr>
-                        <m:t>𝜎</m:t>
-                      </m:r>
-                      <m:r>
-                        <a:rPr lang="en-US" b="0" i="1" smtClean="0">
-                          <a:latin typeface="Cambria Math" panose="02040503050406030204" pitchFamily="18" charset="0"/>
-                        </a:rPr>
-                        <m:t>=0.055</m:t>
-                      </m:r>
-                    </m:oMath>
-                  </m:oMathPara>
-                </a14:m>
-                <a:endParaRPr lang="en-US" dirty="0"/>
-              </a:p>
-            </p:txBody>
-          </p:sp>
-        </mc:Choice>
-        <mc:Fallback>
-          <p:sp>
-            <p:nvSpPr>
-              <p:cNvPr id="9" name="TextBox 8">
-                <a:extLst>
-                  <a:ext uri="{FF2B5EF4-FFF2-40B4-BE49-F238E27FC236}">
-                    <a16:creationId xmlns:a16="http://schemas.microsoft.com/office/drawing/2014/main" id="{0B73E361-BC4B-4136-AEA0-504362671928}"/>
-                  </a:ext>
-                </a:extLst>
-              </p:cNvPr>
-              <p:cNvSpPr txBox="1">
-                <a:spLocks noRot="1" noChangeAspect="1" noMove="1" noResize="1" noEditPoints="1" noAdjustHandles="1" noChangeArrowheads="1" noChangeShapeType="1" noTextEdit="1"/>
-              </p:cNvSpPr>
-              <p:nvPr/>
-            </p:nvSpPr>
-            <p:spPr>
-              <a:xfrm>
-                <a:off x="7255521" y="969124"/>
-                <a:ext cx="1318040" cy="369332"/>
-              </a:xfrm>
-              <a:prstGeom prst="rect">
-                <a:avLst/>
-              </a:prstGeom>
-              <a:blipFill>
-                <a:blip r:embed="rId3"/>
-                <a:stretch>
-                  <a:fillRect/>
-                </a:stretch>
-              </a:blipFill>
-            </p:spPr>
-            <p:txBody>
-              <a:bodyPr/>
-              <a:lstStyle/>
-              <a:p>
-                <a:r>
-                  <a:rPr lang="en-US">
-                    <a:noFill/>
-                  </a:rPr>
-                  <a:t> </a:t>
-                </a:r>
-              </a:p>
-            </p:txBody>
-          </p:sp>
-        </mc:Fallback>
-      </mc:AlternateContent>
-      <p:pic>
-        <p:nvPicPr>
-          <p:cNvPr id="5" name="Picture 4">
-            <a:extLst>
-              <a:ext uri="{FF2B5EF4-FFF2-40B4-BE49-F238E27FC236}">
-                <a16:creationId xmlns:a16="http://schemas.microsoft.com/office/drawing/2014/main" id="{C8EA13DC-8209-A891-EB10-B14101B5D7E4}"/>
-              </a:ext>
-            </a:extLst>
-          </p:cNvPr>
-          <p:cNvPicPr>
-            <a:picLocks noChangeAspect="1"/>
-          </p:cNvPicPr>
-          <p:nvPr/>
-        </p:nvPicPr>
-        <p:blipFill>
-          <a:blip r:embed="rId4"/>
-          <a:stretch>
-            <a:fillRect/>
-          </a:stretch>
-        </p:blipFill>
-        <p:spPr>
-          <a:xfrm>
-            <a:off x="4929826" y="1482616"/>
-            <a:ext cx="1344719" cy="1773994"/>
-          </a:xfrm>
-          <a:prstGeom prst="rect">
-            <a:avLst/>
-          </a:prstGeom>
-        </p:spPr>
-      </p:pic>
-      <p:pic>
-        <p:nvPicPr>
-          <p:cNvPr id="17" name="Picture 16">
-            <a:extLst>
-              <a:ext uri="{FF2B5EF4-FFF2-40B4-BE49-F238E27FC236}">
-                <a16:creationId xmlns:a16="http://schemas.microsoft.com/office/drawing/2014/main" id="{827AB022-E61B-0EAE-4D7B-64FC636C6DB4}"/>
-              </a:ext>
-            </a:extLst>
-          </p:cNvPr>
-          <p:cNvPicPr>
-            <a:picLocks noChangeAspect="1"/>
-          </p:cNvPicPr>
-          <p:nvPr/>
-        </p:nvPicPr>
-        <p:blipFill>
-          <a:blip r:embed="rId5"/>
-          <a:stretch>
-            <a:fillRect/>
-          </a:stretch>
-        </p:blipFill>
-        <p:spPr>
-          <a:xfrm>
-            <a:off x="7078557" y="1459864"/>
-            <a:ext cx="1179540" cy="1818674"/>
-          </a:xfrm>
-          <a:prstGeom prst="rect">
-            <a:avLst/>
-          </a:prstGeom>
-        </p:spPr>
-      </p:pic>
-      <mc:AlternateContent xmlns:mc="http://schemas.openxmlformats.org/markup-compatibility/2006" xmlns:a14="http://schemas.microsoft.com/office/drawing/2010/main">
-        <mc:Choice Requires="a14">
-          <p:sp>
-            <p:nvSpPr>
-              <p:cNvPr id="25" name="TextBox 24">
-                <a:extLst>
-                  <a:ext uri="{FF2B5EF4-FFF2-40B4-BE49-F238E27FC236}">
-                    <a16:creationId xmlns:a16="http://schemas.microsoft.com/office/drawing/2014/main" id="{3FBF712E-028D-80CE-5B6E-1FD8FDF96A44}"/>
-                  </a:ext>
-                </a:extLst>
-              </p:cNvPr>
-              <p:cNvSpPr txBox="1"/>
-              <p:nvPr/>
-            </p:nvSpPr>
-            <p:spPr>
-              <a:xfrm>
-                <a:off x="2869319" y="1046776"/>
-                <a:ext cx="1237130" cy="369332"/>
-              </a:xfrm>
-              <a:prstGeom prst="rect">
-                <a:avLst/>
-              </a:prstGeom>
-              <a:noFill/>
-            </p:spPr>
-            <p:txBody>
-              <a:bodyPr wrap="square" rtlCol="0">
-                <a:spAutoFit/>
-              </a:bodyPr>
-              <a:lstStyle/>
-              <a:p>
-                <a:pPr/>
-                <a14:m>
-                  <m:oMathPara xmlns:m="http://schemas.openxmlformats.org/officeDocument/2006/math">
-                    <m:oMathParaPr>
-                      <m:jc m:val="centerGroup"/>
-                    </m:oMathParaPr>
-                    <m:oMath xmlns:m="http://schemas.openxmlformats.org/officeDocument/2006/math">
-                      <m:r>
-                        <a:rPr lang="en-US" b="0" i="1" smtClean="0">
-                          <a:latin typeface="Cambria Math" panose="02040503050406030204" pitchFamily="18" charset="0"/>
-                        </a:rPr>
-                        <m:t>𝜎</m:t>
-                      </m:r>
-                      <m:r>
-                        <a:rPr lang="en-US" b="0" i="1" smtClean="0">
-                          <a:latin typeface="Cambria Math" panose="02040503050406030204" pitchFamily="18" charset="0"/>
-                        </a:rPr>
-                        <m:t>=0.005</m:t>
-                      </m:r>
-                    </m:oMath>
-                  </m:oMathPara>
-                </a14:m>
-                <a:endParaRPr lang="en-US" dirty="0"/>
-              </a:p>
-            </p:txBody>
-          </p:sp>
-        </mc:Choice>
-        <mc:Fallback xmlns="">
-          <p:sp>
-            <p:nvSpPr>
-              <p:cNvPr id="25" name="TextBox 24">
-                <a:extLst>
-                  <a:ext uri="{FF2B5EF4-FFF2-40B4-BE49-F238E27FC236}">
-                    <a16:creationId xmlns:a16="http://schemas.microsoft.com/office/drawing/2014/main" id="{17163C2C-ABBF-3700-264D-E93F94C0B106}"/>
-                  </a:ext>
-                </a:extLst>
-              </p:cNvPr>
-              <p:cNvSpPr txBox="1">
-                <a:spLocks noRot="1" noChangeAspect="1" noMove="1" noResize="1" noEditPoints="1" noAdjustHandles="1" noChangeArrowheads="1" noChangeShapeType="1" noTextEdit="1"/>
-              </p:cNvSpPr>
-              <p:nvPr/>
-            </p:nvSpPr>
-            <p:spPr>
-              <a:xfrm>
-                <a:off x="2869319" y="1046776"/>
-                <a:ext cx="1237130" cy="369332"/>
-              </a:xfrm>
-              <a:prstGeom prst="rect">
-                <a:avLst/>
-              </a:prstGeom>
-              <a:blipFill>
-                <a:blip r:embed="rId8"/>
-                <a:stretch>
-                  <a:fillRect/>
-                </a:stretch>
-              </a:blipFill>
-            </p:spPr>
-            <p:txBody>
-              <a:bodyPr/>
-              <a:lstStyle/>
-              <a:p>
-                <a:r>
-                  <a:rPr lang="en-US">
-                    <a:noFill/>
-                  </a:rPr>
-                  <a:t> </a:t>
-                </a:r>
-              </a:p>
-            </p:txBody>
-          </p:sp>
-        </mc:Fallback>
-      </mc:AlternateContent>
-      <p:pic>
-        <p:nvPicPr>
-          <p:cNvPr id="14" name="Picture 13">
-            <a:extLst>
-              <a:ext uri="{FF2B5EF4-FFF2-40B4-BE49-F238E27FC236}">
-                <a16:creationId xmlns:a16="http://schemas.microsoft.com/office/drawing/2014/main" id="{5295247A-2849-3C87-F7D4-1241CFA5618C}"/>
-              </a:ext>
-            </a:extLst>
-          </p:cNvPr>
-          <p:cNvPicPr>
-            <a:picLocks noChangeAspect="1"/>
-          </p:cNvPicPr>
-          <p:nvPr/>
-        </p:nvPicPr>
-        <p:blipFill>
-          <a:blip r:embed="rId9"/>
-          <a:stretch>
-            <a:fillRect/>
-          </a:stretch>
-        </p:blipFill>
-        <p:spPr>
-          <a:xfrm>
-            <a:off x="2567338" y="1520187"/>
-            <a:ext cx="1738256" cy="1758351"/>
-          </a:xfrm>
-          <a:prstGeom prst="rect">
-            <a:avLst/>
-          </a:prstGeom>
-        </p:spPr>
-      </p:pic>
-      <mc:AlternateContent xmlns:mc="http://schemas.openxmlformats.org/markup-compatibility/2006" xmlns:a14="http://schemas.microsoft.com/office/drawing/2010/main">
-        <mc:Choice Requires="a14">
-          <p:sp>
-            <p:nvSpPr>
-              <p:cNvPr id="2" name="TextBox 1">
-                <a:extLst>
-                  <a:ext uri="{FF2B5EF4-FFF2-40B4-BE49-F238E27FC236}">
-                    <a16:creationId xmlns:a16="http://schemas.microsoft.com/office/drawing/2014/main" id="{8798B857-2ED6-36AB-A9A0-55C2B6AC8490}"/>
-                  </a:ext>
-                </a:extLst>
-              </p:cNvPr>
-              <p:cNvSpPr txBox="1"/>
-              <p:nvPr/>
-            </p:nvSpPr>
-            <p:spPr>
-              <a:xfrm>
-                <a:off x="408832" y="2361751"/>
-                <a:ext cx="1237130" cy="369332"/>
-              </a:xfrm>
-              <a:prstGeom prst="rect">
-                <a:avLst/>
-              </a:prstGeom>
-              <a:noFill/>
-            </p:spPr>
-            <p:txBody>
-              <a:bodyPr wrap="square" rtlCol="0">
-                <a:spAutoFit/>
-              </a:bodyPr>
-              <a:lstStyle/>
-              <a:p>
-                <a:pPr/>
-                <a14:m>
-                  <m:oMathPara xmlns:m="http://schemas.openxmlformats.org/officeDocument/2006/math">
-                    <m:oMathParaPr>
-                      <m:jc m:val="centerGroup"/>
-                    </m:oMathParaPr>
-                    <m:oMath xmlns:m="http://schemas.openxmlformats.org/officeDocument/2006/math">
-                      <m:r>
-                        <a:rPr lang="en-US" b="0" i="1" smtClean="0">
-                          <a:latin typeface="Cambria Math" panose="02040503050406030204" pitchFamily="18" charset="0"/>
-                        </a:rPr>
-                        <m:t>𝛼</m:t>
-                      </m:r>
-                      <m:r>
-                        <a:rPr lang="en-US" b="0" i="1" smtClean="0">
-                          <a:latin typeface="Cambria Math" panose="02040503050406030204" pitchFamily="18" charset="0"/>
-                        </a:rPr>
-                        <m:t>=0.30</m:t>
-                      </m:r>
-                    </m:oMath>
-                  </m:oMathPara>
-                </a14:m>
-                <a:endParaRPr lang="en-US" dirty="0"/>
-              </a:p>
-            </p:txBody>
-          </p:sp>
-        </mc:Choice>
-        <mc:Fallback xmlns="">
-          <p:sp>
-            <p:nvSpPr>
-              <p:cNvPr id="2" name="TextBox 1">
-                <a:extLst>
-                  <a:ext uri="{FF2B5EF4-FFF2-40B4-BE49-F238E27FC236}">
-                    <a16:creationId xmlns:a16="http://schemas.microsoft.com/office/drawing/2014/main" id="{B9C2C58B-2EA2-57C1-7C14-96F4B863A27F}"/>
-                  </a:ext>
-                </a:extLst>
-              </p:cNvPr>
-              <p:cNvSpPr txBox="1">
-                <a:spLocks noRot="1" noChangeAspect="1" noMove="1" noResize="1" noEditPoints="1" noAdjustHandles="1" noChangeArrowheads="1" noChangeShapeType="1" noTextEdit="1"/>
-              </p:cNvSpPr>
-              <p:nvPr/>
-            </p:nvSpPr>
-            <p:spPr>
-              <a:xfrm>
-                <a:off x="408832" y="2361751"/>
-                <a:ext cx="1237130" cy="369332"/>
-              </a:xfrm>
-              <a:prstGeom prst="rect">
-                <a:avLst/>
-              </a:prstGeom>
-              <a:blipFill>
-                <a:blip r:embed="rId10"/>
-                <a:stretch>
-                  <a:fillRect/>
-                </a:stretch>
-              </a:blipFill>
-            </p:spPr>
-            <p:txBody>
-              <a:bodyPr/>
-              <a:lstStyle/>
-              <a:p>
-                <a:r>
-                  <a:rPr lang="en-US">
-                    <a:noFill/>
-                  </a:rPr>
-                  <a:t> </a:t>
-                </a:r>
-              </a:p>
-            </p:txBody>
-          </p:sp>
-        </mc:Fallback>
-      </mc:AlternateContent>
-      <p:sp>
-        <p:nvSpPr>
-          <p:cNvPr id="20" name="TextBox 19">
-            <a:extLst>
-              <a:ext uri="{FF2B5EF4-FFF2-40B4-BE49-F238E27FC236}">
-                <a16:creationId xmlns:a16="http://schemas.microsoft.com/office/drawing/2014/main" id="{AA00CEED-742E-57BD-984E-75CFE620D32A}"/>
-              </a:ext>
-            </a:extLst>
-          </p:cNvPr>
-          <p:cNvSpPr txBox="1"/>
-          <p:nvPr/>
-        </p:nvSpPr>
-        <p:spPr>
-          <a:xfrm>
-            <a:off x="2164705" y="3095786"/>
-            <a:ext cx="2765121" cy="369332"/>
-          </a:xfrm>
-          <a:prstGeom prst="rect">
-            <a:avLst/>
-          </a:prstGeom>
-          <a:noFill/>
-        </p:spPr>
-        <p:txBody>
-          <a:bodyPr wrap="square" rtlCol="0">
-            <a:spAutoFit/>
-          </a:bodyPr>
-          <a:lstStyle/>
-          <a:p>
-            <a:pPr algn="ctr"/>
-            <a:r>
-              <a:rPr lang="en-US" dirty="0"/>
-              <a:t>Need to finalize</a:t>
-            </a:r>
-          </a:p>
-        </p:txBody>
-      </p:sp>
-      <p:pic>
-        <p:nvPicPr>
-          <p:cNvPr id="6" name="Picture 2">
-            <a:extLst>
-              <a:ext uri="{FF2B5EF4-FFF2-40B4-BE49-F238E27FC236}">
-                <a16:creationId xmlns:a16="http://schemas.microsoft.com/office/drawing/2014/main" id="{390EBC2C-30AB-2682-5C85-D29D141E88C1}"/>
-              </a:ext>
-            </a:extLst>
-          </p:cNvPr>
-          <p:cNvPicPr>
-            <a:picLocks noChangeAspect="1" noChangeArrowheads="1"/>
-          </p:cNvPicPr>
-          <p:nvPr/>
-        </p:nvPicPr>
-        <p:blipFill>
-          <a:blip r:embed="rId11">
-            <a:extLst>
-              <a:ext uri="{28A0092B-C50C-407E-A947-70E740481C1C}">
-                <a14:useLocalDpi xmlns:a14="http://schemas.microsoft.com/office/drawing/2010/main" val="0"/>
-              </a:ext>
-            </a:extLst>
-          </a:blip>
-          <a:srcRect/>
-          <a:stretch>
-            <a:fillRect/>
-          </a:stretch>
-        </p:blipFill>
-        <p:spPr bwMode="auto">
-          <a:xfrm>
-            <a:off x="2566696" y="3465118"/>
-            <a:ext cx="1924390" cy="2101964"/>
-          </a:xfrm>
-          <a:prstGeom prst="rect">
-            <a:avLst/>
-          </a:prstGeom>
-          <a:noFill/>
-          <a:extLst>
-            <a:ext uri="{909E8E84-426E-40DD-AFC4-6F175D3DCCD1}">
-              <a14:hiddenFill xmlns:a14="http://schemas.microsoft.com/office/drawing/2010/main">
-                <a:solidFill>
-                  <a:srgbClr val="FFFFFF"/>
-                </a:solidFill>
-              </a14:hiddenFill>
-            </a:ext>
-          </a:extLst>
-        </p:spPr>
-      </p:pic>
-      <p:pic>
-        <p:nvPicPr>
-          <p:cNvPr id="7" name="Picture 6">
-            <a:extLst>
-              <a:ext uri="{FF2B5EF4-FFF2-40B4-BE49-F238E27FC236}">
-                <a16:creationId xmlns:a16="http://schemas.microsoft.com/office/drawing/2014/main" id="{2A5D059E-6D31-0A64-E2EC-900D187E6AE2}"/>
-              </a:ext>
-            </a:extLst>
-          </p:cNvPr>
-          <p:cNvPicPr>
-            <a:picLocks noChangeAspect="1"/>
-          </p:cNvPicPr>
-          <p:nvPr/>
-        </p:nvPicPr>
-        <p:blipFill>
-          <a:blip r:embed="rId12"/>
-          <a:stretch>
-            <a:fillRect/>
-          </a:stretch>
-        </p:blipFill>
-        <p:spPr>
-          <a:xfrm>
-            <a:off x="4775516" y="3538089"/>
-            <a:ext cx="1917379" cy="2028994"/>
-          </a:xfrm>
-          <a:prstGeom prst="rect">
-            <a:avLst/>
-          </a:prstGeom>
-        </p:spPr>
-      </p:pic>
-      <p:pic>
-        <p:nvPicPr>
-          <p:cNvPr id="28" name="Picture 2">
-            <a:extLst>
-              <a:ext uri="{FF2B5EF4-FFF2-40B4-BE49-F238E27FC236}">
-                <a16:creationId xmlns:a16="http://schemas.microsoft.com/office/drawing/2014/main" id="{C703AF3B-E7A1-2A33-8229-593590FAA446}"/>
-              </a:ext>
-            </a:extLst>
-          </p:cNvPr>
-          <p:cNvPicPr>
-            <a:picLocks noChangeAspect="1" noChangeArrowheads="1"/>
-          </p:cNvPicPr>
-          <p:nvPr/>
-        </p:nvPicPr>
-        <p:blipFill>
-          <a:blip r:embed="rId13">
-            <a:extLst>
-              <a:ext uri="{28A0092B-C50C-407E-A947-70E740481C1C}">
-                <a14:useLocalDpi xmlns:a14="http://schemas.microsoft.com/office/drawing/2010/main" val="0"/>
-              </a:ext>
-            </a:extLst>
-          </a:blip>
-          <a:srcRect/>
-          <a:stretch>
-            <a:fillRect/>
-          </a:stretch>
-        </p:blipFill>
-        <p:spPr bwMode="auto">
-          <a:xfrm>
-            <a:off x="6942261" y="3524870"/>
-            <a:ext cx="1734430" cy="2101964"/>
-          </a:xfrm>
-          <a:prstGeom prst="rect">
-            <a:avLst/>
-          </a:prstGeom>
-          <a:noFill/>
-          <a:extLst>
-            <a:ext uri="{909E8E84-426E-40DD-AFC4-6F175D3DCCD1}">
-              <a14:hiddenFill xmlns:a14="http://schemas.microsoft.com/office/drawing/2010/main">
-                <a:solidFill>
-                  <a:srgbClr val="FFFFFF"/>
-                </a:solidFill>
-              </a14:hiddenFill>
-            </a:ext>
-          </a:extLst>
-        </p:spPr>
-      </p:pic>
-    </p:spTree>
-    <p:extLst>
-      <p:ext uri="{BB962C8B-B14F-4D97-AF65-F5344CB8AC3E}">
-        <p14:creationId xmlns:p14="http://schemas.microsoft.com/office/powerpoint/2010/main" val="2735270414"/>
-      </p:ext>
-    </p:extLst>
-  </p:cSld>
-  <p:clrMapOvr>
-    <a:masterClrMapping/>
-  </p:clrMapOvr>
-</p:sld>
-</file>
-
-<file path=ppt/slides/slide5.xml><?xml version="1.0" encoding="utf-8"?>
 <p:sld xmlns:a="http://schemas.openxmlformats.org/drawingml/2006/main" xmlns:r="http://schemas.openxmlformats.org/officeDocument/2006/relationships" xmlns:p="http://schemas.openxmlformats.org/presentationml/2006/main">
   <p:cSld>
     <p:spTree>
@@ -6522,167 +4618,260 @@
           <a:chExt cx="0" cy="0"/>
         </a:xfrm>
       </p:grpSpPr>
+      <p:sp>
+        <p:nvSpPr>
+          <p:cNvPr id="3" name="TextBox 2">
+            <a:extLst>
+              <a:ext uri="{FF2B5EF4-FFF2-40B4-BE49-F238E27FC236}">
+                <a16:creationId xmlns:a16="http://schemas.microsoft.com/office/drawing/2014/main" id="{B8C03A4E-A217-CDE0-AB00-890419752756}"/>
+              </a:ext>
+            </a:extLst>
+          </p:cNvPr>
+          <p:cNvSpPr txBox="1"/>
+          <p:nvPr/>
+        </p:nvSpPr>
+        <p:spPr>
+          <a:xfrm>
+            <a:off x="1645962" y="247374"/>
+            <a:ext cx="9436032" cy="369332"/>
+          </a:xfrm>
+          <a:prstGeom prst="rect">
+            <a:avLst/>
+          </a:prstGeom>
+          <a:noFill/>
+        </p:spPr>
+        <p:txBody>
+          <a:bodyPr wrap="square" rtlCol="0">
+            <a:spAutoFit/>
+          </a:bodyPr>
+          <a:lstStyle/>
+          <a:p>
+            <a:r>
+              <a:rPr lang="en-US" dirty="0"/>
+              <a:t>Fig 4: </a:t>
+            </a:r>
+            <a:r>
+              <a:rPr lang="en-US" dirty="0" err="1"/>
+              <a:t>cyl</a:t>
+            </a:r>
+            <a:r>
+              <a:rPr lang="en-US" dirty="0"/>
+              <a:t> </a:t>
+            </a:r>
+            <a:r>
+              <a:rPr lang="en-US" dirty="0">
+                <a:sym typeface="Wingdings" panose="05000000000000000000" pitchFamily="2" charset="2"/>
+              </a:rPr>
+              <a:t> </a:t>
+            </a:r>
+            <a:r>
+              <a:rPr lang="en-US" dirty="0" err="1">
+                <a:sym typeface="Wingdings" panose="05000000000000000000" pitchFamily="2" charset="2"/>
+              </a:rPr>
+              <a:t>hom</a:t>
+            </a:r>
+            <a:r>
+              <a:rPr lang="en-US" dirty="0">
+                <a:sym typeface="Wingdings" panose="05000000000000000000" pitchFamily="2" charset="2"/>
+              </a:rPr>
+              <a:t>. Alpha = 0.25</a:t>
+            </a:r>
+            <a:endParaRPr lang="en-US" dirty="0"/>
+          </a:p>
+        </p:txBody>
+      </p:sp>
       <p:pic>
         <p:nvPicPr>
-          <p:cNvPr id="2052" name="Picture 4">
-            <a:extLst>
-              <a:ext uri="{FF2B5EF4-FFF2-40B4-BE49-F238E27FC236}">
-                <a16:creationId xmlns:a16="http://schemas.microsoft.com/office/drawing/2014/main" id="{D32585F6-B11F-87FE-CD36-BD4C4A961CDB}"/>
+          <p:cNvPr id="2" name="Picture 1">
+            <a:extLst>
+              <a:ext uri="{FF2B5EF4-FFF2-40B4-BE49-F238E27FC236}">
+                <a16:creationId xmlns:a16="http://schemas.microsoft.com/office/drawing/2014/main" id="{6212E76F-48C0-B20D-9331-E08DCED1A6D1}"/>
               </a:ext>
             </a:extLst>
           </p:cNvPr>
           <p:cNvPicPr>
-            <a:picLocks noChangeAspect="1" noChangeArrowheads="1"/>
+            <a:picLocks noChangeAspect="1"/>
           </p:cNvPicPr>
           <p:nvPr/>
         </p:nvPicPr>
         <p:blipFill>
-          <a:blip r:embed="rId2">
-            <a:extLst>
-              <a:ext uri="{28A0092B-C50C-407E-A947-70E740481C1C}">
-                <a14:useLocalDpi xmlns:a14="http://schemas.microsoft.com/office/drawing/2010/main" val="0"/>
-              </a:ext>
-            </a:extLst>
-          </a:blip>
-          <a:srcRect/>
+          <a:blip r:embed="rId2"/>
           <a:stretch>
             <a:fillRect/>
           </a:stretch>
         </p:blipFill>
-        <p:spPr bwMode="auto">
-          <a:xfrm>
-            <a:off x="2419350" y="1214437"/>
-            <a:ext cx="7353300" cy="4429125"/>
+        <p:spPr>
+          <a:xfrm>
+            <a:off x="275946" y="2281333"/>
+            <a:ext cx="1580291" cy="2456697"/>
+          </a:xfrm>
+          <a:prstGeom prst="rect">
+            <a:avLst/>
+          </a:prstGeom>
+        </p:spPr>
+      </p:pic>
+      <p:sp>
+        <p:nvSpPr>
+          <p:cNvPr id="4" name="TextBox 3">
+            <a:extLst>
+              <a:ext uri="{FF2B5EF4-FFF2-40B4-BE49-F238E27FC236}">
+                <a16:creationId xmlns:a16="http://schemas.microsoft.com/office/drawing/2014/main" id="{A0EAC1CE-5121-159E-81D5-D3706C42884B}"/>
+              </a:ext>
+            </a:extLst>
+          </p:cNvPr>
+          <p:cNvSpPr txBox="1"/>
+          <p:nvPr/>
+        </p:nvSpPr>
+        <p:spPr>
+          <a:xfrm>
+            <a:off x="-246714" y="4738030"/>
+            <a:ext cx="2765121" cy="646331"/>
           </a:xfrm>
           <a:prstGeom prst="rect">
             <a:avLst/>
           </a:prstGeom>
           <a:noFill/>
-          <a:extLst>
-            <a:ext uri="{909E8E84-426E-40DD-AFC4-6F175D3DCCD1}">
-              <a14:hiddenFill xmlns:a14="http://schemas.microsoft.com/office/drawing/2010/main">
-                <a:solidFill>
-                  <a:srgbClr val="FFFFFF"/>
-                </a:solidFill>
-              </a14:hiddenFill>
-            </a:ext>
-          </a:extLst>
-        </p:spPr>
-      </p:pic>
-      <mc:AlternateContent xmlns:mc="http://schemas.openxmlformats.org/markup-compatibility/2006" xmlns:a14="http://schemas.microsoft.com/office/drawing/2010/main">
-        <mc:Choice Requires="a14">
-          <p:sp>
-            <p:nvSpPr>
-              <p:cNvPr id="3" name="TextBox 2">
-                <a:extLst>
-                  <a:ext uri="{FF2B5EF4-FFF2-40B4-BE49-F238E27FC236}">
-                    <a16:creationId xmlns:a16="http://schemas.microsoft.com/office/drawing/2014/main" id="{B8C03A4E-A217-CDE0-AB00-890419752756}"/>
-                  </a:ext>
-                </a:extLst>
-              </p:cNvPr>
-              <p:cNvSpPr txBox="1"/>
-              <p:nvPr/>
-            </p:nvSpPr>
-            <p:spPr>
-              <a:xfrm>
-                <a:off x="1645962" y="247374"/>
-                <a:ext cx="9436032" cy="369332"/>
-              </a:xfrm>
-              <a:prstGeom prst="rect">
-                <a:avLst/>
-              </a:prstGeom>
-              <a:noFill/>
-            </p:spPr>
-            <p:txBody>
-              <a:bodyPr wrap="square" rtlCol="0">
-                <a:spAutoFit/>
-              </a:bodyPr>
-              <a:lstStyle/>
-              <a:p>
-                <a:r>
-                  <a:rPr lang="en-US" dirty="0"/>
-                  <a:t>Fig 4: </a:t>
-                </a:r>
-                <a:r>
-                  <a:rPr lang="en-US" dirty="0" err="1"/>
-                  <a:t>freeE</a:t>
-                </a:r>
-                <a:r>
-                  <a:rPr lang="en-US" dirty="0"/>
-                  <a:t> for at least </a:t>
-                </a:r>
-                <a14:m>
-                  <m:oMath xmlns:m="http://schemas.openxmlformats.org/officeDocument/2006/math">
-                    <m:r>
-                      <a:rPr lang="en-US" b="0" i="1" smtClean="0">
-                        <a:latin typeface="Cambria Math" panose="02040503050406030204" pitchFamily="18" charset="0"/>
-                      </a:rPr>
-                      <m:t>𝛼</m:t>
-                    </m:r>
-                    <m:r>
-                      <a:rPr lang="en-US" b="0" i="1" smtClean="0">
-                        <a:latin typeface="Cambria Math" panose="02040503050406030204" pitchFamily="18" charset="0"/>
-                      </a:rPr>
-                      <m:t>=0.30</m:t>
-                    </m:r>
-                  </m:oMath>
-                </a14:m>
-                <a:endParaRPr lang="en-US" dirty="0"/>
-              </a:p>
-            </p:txBody>
-          </p:sp>
-        </mc:Choice>
-        <mc:Fallback xmlns="">
-          <p:sp>
-            <p:nvSpPr>
-              <p:cNvPr id="3" name="TextBox 2">
-                <a:extLst>
-                  <a:ext uri="{FF2B5EF4-FFF2-40B4-BE49-F238E27FC236}">
-                    <a16:creationId xmlns:a16="http://schemas.microsoft.com/office/drawing/2014/main" id="{B8C03A4E-A217-CDE0-AB00-890419752756}"/>
-                  </a:ext>
-                </a:extLst>
-              </p:cNvPr>
-              <p:cNvSpPr txBox="1">
-                <a:spLocks noRot="1" noChangeAspect="1" noMove="1" noResize="1" noEditPoints="1" noAdjustHandles="1" noChangeArrowheads="1" noChangeShapeType="1" noTextEdit="1"/>
-              </p:cNvSpPr>
-              <p:nvPr/>
-            </p:nvSpPr>
-            <p:spPr>
-              <a:xfrm>
-                <a:off x="1645962" y="247374"/>
-                <a:ext cx="9436032" cy="369332"/>
-              </a:xfrm>
-              <a:prstGeom prst="rect">
-                <a:avLst/>
-              </a:prstGeom>
-              <a:blipFill>
-                <a:blip r:embed="rId3"/>
-                <a:stretch>
-                  <a:fillRect l="-517" t="-8333" b="-28333"/>
-                </a:stretch>
-              </a:blipFill>
-            </p:spPr>
-            <p:txBody>
-              <a:bodyPr/>
-              <a:lstStyle/>
-              <a:p>
-                <a:r>
-                  <a:rPr lang="en-US">
-                    <a:noFill/>
-                  </a:rPr>
-                  <a:t> </a:t>
-                </a:r>
-              </a:p>
-            </p:txBody>
-          </p:sp>
-        </mc:Fallback>
-      </mc:AlternateContent>
+        </p:spPr>
+        <p:txBody>
+          <a:bodyPr wrap="square" rtlCol="0">
+            <a:spAutoFit/>
+          </a:bodyPr>
+          <a:lstStyle/>
+          <a:p>
+            <a:pPr algn="ctr"/>
+            <a:r>
+              <a:rPr lang="en-US" dirty="0" err="1"/>
+              <a:t>Cyl</a:t>
+            </a:r>
+            <a:br>
+              <a:rPr lang="en-US" dirty="0"/>
+            </a:br>
+            <a:r>
+              <a:rPr lang="en-US" dirty="0"/>
+              <a:t>@ (0.25, 0.0025)</a:t>
+            </a:r>
+          </a:p>
+        </p:txBody>
+      </p:sp>
+      <p:sp>
+        <p:nvSpPr>
+          <p:cNvPr id="5" name="TextBox 4">
+            <a:extLst>
+              <a:ext uri="{FF2B5EF4-FFF2-40B4-BE49-F238E27FC236}">
+                <a16:creationId xmlns:a16="http://schemas.microsoft.com/office/drawing/2014/main" id="{67EF3764-EBCB-8A7E-8F21-6C9635AA5A2F}"/>
+              </a:ext>
+            </a:extLst>
+          </p:cNvPr>
+          <p:cNvSpPr txBox="1"/>
+          <p:nvPr/>
+        </p:nvSpPr>
+        <p:spPr>
+          <a:xfrm>
+            <a:off x="-246714" y="1801726"/>
+            <a:ext cx="2765121" cy="369332"/>
+          </a:xfrm>
+          <a:prstGeom prst="rect">
+            <a:avLst/>
+          </a:prstGeom>
+          <a:noFill/>
+        </p:spPr>
+        <p:txBody>
+          <a:bodyPr wrap="square" rtlCol="0">
+            <a:spAutoFit/>
+          </a:bodyPr>
+          <a:lstStyle/>
+          <a:p>
+            <a:pPr algn="ctr"/>
+            <a:r>
+              <a:rPr lang="en-US" dirty="0"/>
+              <a:t>Need to finalize</a:t>
+            </a:r>
+          </a:p>
+        </p:txBody>
+      </p:sp>
       <p:pic>
         <p:nvPicPr>
-          <p:cNvPr id="10" name="Picture 9">
-            <a:extLst>
-              <a:ext uri="{FF2B5EF4-FFF2-40B4-BE49-F238E27FC236}">
-                <a16:creationId xmlns:a16="http://schemas.microsoft.com/office/drawing/2014/main" id="{FB63C8F0-29C0-D061-9D57-8E70A0E2709B}"/>
+          <p:cNvPr id="6" name="Picture 5">
+            <a:extLst>
+              <a:ext uri="{FF2B5EF4-FFF2-40B4-BE49-F238E27FC236}">
+                <a16:creationId xmlns:a16="http://schemas.microsoft.com/office/drawing/2014/main" id="{93B4F575-7B10-6A39-EF33-F3F58384CF6A}"/>
+              </a:ext>
+            </a:extLst>
+          </p:cNvPr>
+          <p:cNvPicPr>
+            <a:picLocks noChangeAspect="1"/>
+          </p:cNvPicPr>
+          <p:nvPr/>
+        </p:nvPicPr>
+        <p:blipFill>
+          <a:blip r:embed="rId3"/>
+          <a:stretch>
+            <a:fillRect/>
+          </a:stretch>
+        </p:blipFill>
+        <p:spPr>
+          <a:xfrm>
+            <a:off x="2259808" y="2556846"/>
+            <a:ext cx="1787543" cy="1924091"/>
+          </a:xfrm>
+          <a:prstGeom prst="rect">
+            <a:avLst/>
+          </a:prstGeom>
+        </p:spPr>
+      </p:pic>
+      <p:sp>
+        <p:nvSpPr>
+          <p:cNvPr id="7" name="TextBox 6">
+            <a:extLst>
+              <a:ext uri="{FF2B5EF4-FFF2-40B4-BE49-F238E27FC236}">
+                <a16:creationId xmlns:a16="http://schemas.microsoft.com/office/drawing/2014/main" id="{AA3F8B14-568D-484C-1888-393AB0A417F8}"/>
+              </a:ext>
+            </a:extLst>
+          </p:cNvPr>
+          <p:cNvSpPr txBox="1"/>
+          <p:nvPr/>
+        </p:nvSpPr>
+        <p:spPr>
+          <a:xfrm>
+            <a:off x="1771018" y="4737304"/>
+            <a:ext cx="2765121" cy="646331"/>
+          </a:xfrm>
+          <a:prstGeom prst="rect">
+            <a:avLst/>
+          </a:prstGeom>
+          <a:noFill/>
+        </p:spPr>
+        <p:txBody>
+          <a:bodyPr wrap="square" rtlCol="0">
+            <a:spAutoFit/>
+          </a:bodyPr>
+          <a:lstStyle/>
+          <a:p>
+            <a:pPr algn="ctr"/>
+            <a:r>
+              <a:rPr lang="en-US" dirty="0" err="1"/>
+              <a:t>Cyl</a:t>
+            </a:r>
+            <a:r>
+              <a:rPr lang="en-US" dirty="0"/>
+              <a:t>-str</a:t>
+            </a:r>
+            <a:br>
+              <a:rPr lang="en-US" dirty="0"/>
+            </a:br>
+            <a:r>
+              <a:rPr lang="en-US" dirty="0"/>
+              <a:t>@ (0.25, 0.020)</a:t>
+            </a:r>
+          </a:p>
+        </p:txBody>
+      </p:sp>
+      <p:pic>
+        <p:nvPicPr>
+          <p:cNvPr id="8" name="Picture 7">
+            <a:extLst>
+              <a:ext uri="{FF2B5EF4-FFF2-40B4-BE49-F238E27FC236}">
+                <a16:creationId xmlns:a16="http://schemas.microsoft.com/office/drawing/2014/main" id="{29ECAA75-EAAF-B692-5A2C-CDF7A85723FA}"/>
               </a:ext>
             </a:extLst>
           </p:cNvPr>
@@ -6699,8 +4888,8 @@
         </p:blipFill>
         <p:spPr>
           <a:xfrm>
-            <a:off x="3565781" y="1359105"/>
-            <a:ext cx="1441966" cy="1458635"/>
+            <a:off x="4346261" y="2437830"/>
+            <a:ext cx="1910543" cy="2299475"/>
           </a:xfrm>
           <a:prstGeom prst="rect">
             <a:avLst/>
@@ -6709,10 +4898,10 @@
       </p:pic>
       <p:pic>
         <p:nvPicPr>
-          <p:cNvPr id="11" name="Picture 10">
-            <a:extLst>
-              <a:ext uri="{FF2B5EF4-FFF2-40B4-BE49-F238E27FC236}">
-                <a16:creationId xmlns:a16="http://schemas.microsoft.com/office/drawing/2014/main" id="{D9DE7A25-1309-5419-459F-5084AE587178}"/>
+          <p:cNvPr id="9" name="Picture 8">
+            <a:extLst>
+              <a:ext uri="{FF2B5EF4-FFF2-40B4-BE49-F238E27FC236}">
+                <a16:creationId xmlns:a16="http://schemas.microsoft.com/office/drawing/2014/main" id="{C55BD58C-DC57-5733-D9A4-081832E17A68}"/>
               </a:ext>
             </a:extLst>
           </p:cNvPr>
@@ -6729,89 +4918,168 @@
         </p:blipFill>
         <p:spPr>
           <a:xfrm>
-            <a:off x="5617999" y="3204728"/>
-            <a:ext cx="1123460" cy="1482102"/>
+            <a:off x="6770549" y="2498127"/>
+            <a:ext cx="2142565" cy="2178880"/>
           </a:xfrm>
           <a:prstGeom prst="rect">
             <a:avLst/>
           </a:prstGeom>
         </p:spPr>
       </p:pic>
-      <p:pic>
-        <p:nvPicPr>
-          <p:cNvPr id="12" name="Picture 11">
-            <a:extLst>
-              <a:ext uri="{FF2B5EF4-FFF2-40B4-BE49-F238E27FC236}">
-                <a16:creationId xmlns:a16="http://schemas.microsoft.com/office/drawing/2014/main" id="{C1087446-BD82-DF0F-3B09-0369900416E8}"/>
-              </a:ext>
-            </a:extLst>
-          </p:cNvPr>
-          <p:cNvPicPr>
-            <a:picLocks noChangeAspect="1"/>
-          </p:cNvPicPr>
+      <p:sp>
+        <p:nvSpPr>
+          <p:cNvPr id="13" name="TextBox 12">
+            <a:extLst>
+              <a:ext uri="{FF2B5EF4-FFF2-40B4-BE49-F238E27FC236}">
+                <a16:creationId xmlns:a16="http://schemas.microsoft.com/office/drawing/2014/main" id="{43ED4604-CF04-735F-AD87-A11BC53654F7}"/>
+              </a:ext>
+            </a:extLst>
+          </p:cNvPr>
+          <p:cNvSpPr txBox="1"/>
           <p:nvPr/>
-        </p:nvPicPr>
-        <p:blipFill>
-          <a:blip r:embed="rId6"/>
-          <a:stretch>
-            <a:fillRect/>
-          </a:stretch>
-        </p:blipFill>
-        <p:spPr>
-          <a:xfrm>
-            <a:off x="7184254" y="1359106"/>
-            <a:ext cx="1018452" cy="1570300"/>
+        </p:nvSpPr>
+        <p:spPr>
+          <a:xfrm>
+            <a:off x="3951675" y="1906609"/>
+            <a:ext cx="2765121" cy="369332"/>
           </a:xfrm>
           <a:prstGeom prst="rect">
             <a:avLst/>
           </a:prstGeom>
-        </p:spPr>
-      </p:pic>
-      <p:sp>
-        <p:nvSpPr>
-          <p:cNvPr id="15" name="Rectangle 14">
-            <a:extLst>
-              <a:ext uri="{FF2B5EF4-FFF2-40B4-BE49-F238E27FC236}">
-                <a16:creationId xmlns:a16="http://schemas.microsoft.com/office/drawing/2014/main" id="{3F281D3C-C27E-D708-CC52-8DC82EE47A22}"/>
-              </a:ext>
-            </a:extLst>
-          </p:cNvPr>
-          <p:cNvSpPr/>
+          <a:noFill/>
+        </p:spPr>
+        <p:txBody>
+          <a:bodyPr wrap="square" rtlCol="0">
+            <a:spAutoFit/>
+          </a:bodyPr>
+          <a:lstStyle/>
+          <a:p>
+            <a:pPr algn="ctr"/>
+            <a:r>
+              <a:rPr lang="en-US" dirty="0"/>
+              <a:t>TODO</a:t>
+            </a:r>
+          </a:p>
+        </p:txBody>
+      </p:sp>
+      <p:sp>
+        <p:nvSpPr>
+          <p:cNvPr id="14" name="TextBox 13">
+            <a:extLst>
+              <a:ext uri="{FF2B5EF4-FFF2-40B4-BE49-F238E27FC236}">
+                <a16:creationId xmlns:a16="http://schemas.microsoft.com/office/drawing/2014/main" id="{FC19ACEA-4179-1C7F-1F5E-6542E574C21F}"/>
+              </a:ext>
+            </a:extLst>
+          </p:cNvPr>
+          <p:cNvSpPr txBox="1"/>
           <p:nvPr/>
         </p:nvSpPr>
         <p:spPr>
           <a:xfrm>
-            <a:off x="9018495" y="842682"/>
-            <a:ext cx="2563906" cy="600636"/>
+            <a:off x="6623157" y="1897799"/>
+            <a:ext cx="2765121" cy="369332"/>
           </a:xfrm>
           <a:prstGeom prst="rect">
             <a:avLst/>
           </a:prstGeom>
-        </p:spPr>
-        <p:style>
-          <a:lnRef idx="2">
-            <a:schemeClr val="accent1">
-              <a:shade val="15000"/>
-            </a:schemeClr>
-          </a:lnRef>
-          <a:fillRef idx="1">
-            <a:schemeClr val="accent1"/>
-          </a:fillRef>
-          <a:effectRef idx="0">
-            <a:schemeClr val="accent1"/>
-          </a:effectRef>
-          <a:fontRef idx="minor">
-            <a:schemeClr val="lt1"/>
-          </a:fontRef>
-        </p:style>
-        <p:txBody>
-          <a:bodyPr rtlCol="0" anchor="ctr"/>
+          <a:noFill/>
+        </p:spPr>
+        <p:txBody>
+          <a:bodyPr wrap="square" rtlCol="0">
+            <a:spAutoFit/>
+          </a:bodyPr>
           <a:lstStyle/>
           <a:p>
             <a:pPr algn="ctr"/>
             <a:r>
               <a:rPr lang="en-US" dirty="0"/>
-              <a:t>Supplemental?</a:t>
+              <a:t>TODO</a:t>
+            </a:r>
+          </a:p>
+        </p:txBody>
+      </p:sp>
+      <p:sp>
+        <p:nvSpPr>
+          <p:cNvPr id="16" name="TextBox 15">
+            <a:extLst>
+              <a:ext uri="{FF2B5EF4-FFF2-40B4-BE49-F238E27FC236}">
+                <a16:creationId xmlns:a16="http://schemas.microsoft.com/office/drawing/2014/main" id="{1D13462F-3F31-7473-5236-737D7E955407}"/>
+              </a:ext>
+            </a:extLst>
+          </p:cNvPr>
+          <p:cNvSpPr txBox="1"/>
+          <p:nvPr/>
+        </p:nvSpPr>
+        <p:spPr>
+          <a:xfrm>
+            <a:off x="3873969" y="4737304"/>
+            <a:ext cx="2765121" cy="646331"/>
+          </a:xfrm>
+          <a:prstGeom prst="rect">
+            <a:avLst/>
+          </a:prstGeom>
+          <a:noFill/>
+        </p:spPr>
+        <p:txBody>
+          <a:bodyPr wrap="square" rtlCol="0">
+            <a:spAutoFit/>
+          </a:bodyPr>
+          <a:lstStyle/>
+          <a:p>
+            <a:pPr algn="ctr"/>
+            <a:r>
+              <a:rPr lang="en-US" dirty="0"/>
+              <a:t>Rai-str</a:t>
+            </a:r>
+            <a:br>
+              <a:rPr lang="en-US" dirty="0"/>
+            </a:br>
+            <a:r>
+              <a:rPr lang="en-US" dirty="0"/>
+              <a:t>@ (0.25, 0.035??)</a:t>
+            </a:r>
+          </a:p>
+        </p:txBody>
+      </p:sp>
+      <p:sp>
+        <p:nvSpPr>
+          <p:cNvPr id="17" name="TextBox 16">
+            <a:extLst>
+              <a:ext uri="{FF2B5EF4-FFF2-40B4-BE49-F238E27FC236}">
+                <a16:creationId xmlns:a16="http://schemas.microsoft.com/office/drawing/2014/main" id="{73DC2D45-D4FC-6F86-5E6D-3DD3EED30B8D}"/>
+              </a:ext>
+            </a:extLst>
+          </p:cNvPr>
+          <p:cNvSpPr txBox="1"/>
+          <p:nvPr/>
+        </p:nvSpPr>
+        <p:spPr>
+          <a:xfrm>
+            <a:off x="6639090" y="4737304"/>
+            <a:ext cx="2765121" cy="646331"/>
+          </a:xfrm>
+          <a:prstGeom prst="rect">
+            <a:avLst/>
+          </a:prstGeom>
+          <a:noFill/>
+        </p:spPr>
+        <p:txBody>
+          <a:bodyPr wrap="square" rtlCol="0">
+            <a:spAutoFit/>
+          </a:bodyPr>
+          <a:lstStyle/>
+          <a:p>
+            <a:pPr algn="ctr"/>
+            <a:r>
+              <a:rPr lang="en-US" dirty="0"/>
+              <a:t>Hom?</a:t>
+            </a:r>
+            <a:br>
+              <a:rPr lang="en-US" dirty="0"/>
+            </a:br>
+            <a:r>
+              <a:rPr lang="en-US" dirty="0"/>
+              <a:t>@ (0.25, 0.050???)</a:t>
             </a:r>
           </a:p>
         </p:txBody>
@@ -6829,161 +5097,7 @@
 </p:sld>
 </file>
 
-<file path=ppt/slides/slide6.xml><?xml version="1.0" encoding="utf-8"?>
-<p:sld xmlns:a="http://schemas.openxmlformats.org/drawingml/2006/main" xmlns:r="http://schemas.openxmlformats.org/officeDocument/2006/relationships" xmlns:p="http://schemas.openxmlformats.org/presentationml/2006/main">
-  <p:cSld>
-    <p:spTree>
-      <p:nvGrpSpPr>
-        <p:cNvPr id="1" name="">
-          <a:extLst>
-            <a:ext uri="{FF2B5EF4-FFF2-40B4-BE49-F238E27FC236}">
-              <a16:creationId xmlns:a16="http://schemas.microsoft.com/office/drawing/2014/main" id="{068DD0BA-DA43-12CA-9A95-1FF0D6D84A79}"/>
-            </a:ext>
-          </a:extLst>
-        </p:cNvPr>
-        <p:cNvGrpSpPr/>
-        <p:nvPr/>
-      </p:nvGrpSpPr>
-      <p:grpSpPr>
-        <a:xfrm>
-          <a:off x="0" y="0"/>
-          <a:ext cx="0" cy="0"/>
-          <a:chOff x="0" y="0"/>
-          <a:chExt cx="0" cy="0"/>
-        </a:xfrm>
-      </p:grpSpPr>
-      <p:sp>
-        <p:nvSpPr>
-          <p:cNvPr id="3" name="TextBox 2">
-            <a:extLst>
-              <a:ext uri="{FF2B5EF4-FFF2-40B4-BE49-F238E27FC236}">
-                <a16:creationId xmlns:a16="http://schemas.microsoft.com/office/drawing/2014/main" id="{A534568D-A393-2082-1DFE-CD6164C93670}"/>
-              </a:ext>
-            </a:extLst>
-          </p:cNvPr>
-          <p:cNvSpPr txBox="1"/>
-          <p:nvPr/>
-        </p:nvSpPr>
-        <p:spPr>
-          <a:xfrm>
-            <a:off x="1645962" y="247374"/>
-            <a:ext cx="9436032" cy="369332"/>
-          </a:xfrm>
-          <a:prstGeom prst="rect">
-            <a:avLst/>
-          </a:prstGeom>
-          <a:noFill/>
-        </p:spPr>
-        <p:txBody>
-          <a:bodyPr wrap="square" rtlCol="0">
-            <a:spAutoFit/>
-          </a:bodyPr>
-          <a:lstStyle/>
-          <a:p>
-            <a:r>
-              <a:rPr lang="en-US" dirty="0"/>
-              <a:t>Fig 5: phase diagram</a:t>
-            </a:r>
-          </a:p>
-        </p:txBody>
-      </p:sp>
-      <p:sp>
-        <p:nvSpPr>
-          <p:cNvPr id="24" name="TextBox 23">
-            <a:extLst>
-              <a:ext uri="{FF2B5EF4-FFF2-40B4-BE49-F238E27FC236}">
-                <a16:creationId xmlns:a16="http://schemas.microsoft.com/office/drawing/2014/main" id="{A646825C-26E9-DC2B-A0C0-9C50730C0881}"/>
-              </a:ext>
-            </a:extLst>
-          </p:cNvPr>
-          <p:cNvSpPr txBox="1"/>
-          <p:nvPr/>
-        </p:nvSpPr>
-        <p:spPr>
-          <a:xfrm>
-            <a:off x="4213638" y="6241293"/>
-            <a:ext cx="2765121" cy="369332"/>
-          </a:xfrm>
-          <a:prstGeom prst="rect">
-            <a:avLst/>
-          </a:prstGeom>
-          <a:noFill/>
-        </p:spPr>
-        <p:txBody>
-          <a:bodyPr wrap="square" rtlCol="0">
-            <a:spAutoFit/>
-          </a:bodyPr>
-          <a:lstStyle/>
-          <a:p>
-            <a:pPr algn="ctr"/>
-            <a:r>
-              <a:rPr lang="en-US" dirty="0"/>
-              <a:t>Need to finalize</a:t>
-            </a:r>
-          </a:p>
-        </p:txBody>
-      </p:sp>
-      <p:pic>
-        <p:nvPicPr>
-          <p:cNvPr id="2" name="Picture 4">
-            <a:extLst>
-              <a:ext uri="{FF2B5EF4-FFF2-40B4-BE49-F238E27FC236}">
-                <a16:creationId xmlns:a16="http://schemas.microsoft.com/office/drawing/2014/main" id="{ED76F1F2-1770-04F8-DE7F-DA7A6D79C475}"/>
-              </a:ext>
-            </a:extLst>
-          </p:cNvPr>
-          <p:cNvPicPr>
-            <a:picLocks noChangeAspect="1" noChangeArrowheads="1"/>
-          </p:cNvPicPr>
-          <p:nvPr/>
-        </p:nvPicPr>
-        <p:blipFill>
-          <a:blip r:embed="rId2">
-            <a:extLst>
-              <a:ext uri="{28A0092B-C50C-407E-A947-70E740481C1C}">
-                <a14:useLocalDpi xmlns:a14="http://schemas.microsoft.com/office/drawing/2010/main" val="0"/>
-              </a:ext>
-            </a:extLst>
-          </a:blip>
-          <a:srcRect/>
-          <a:stretch>
-            <a:fillRect/>
-          </a:stretch>
-        </p:blipFill>
-        <p:spPr bwMode="auto">
-          <a:xfrm>
-            <a:off x="2782980" y="1779074"/>
-            <a:ext cx="6101043" cy="3542782"/>
-          </a:xfrm>
-          <a:prstGeom prst="rect">
-            <a:avLst/>
-          </a:prstGeom>
-          <a:noFill/>
-          <a:extLst>
-            <a:ext uri="{909E8E84-426E-40DD-AFC4-6F175D3DCCD1}">
-              <a14:hiddenFill xmlns:a14="http://schemas.microsoft.com/office/drawing/2010/main">
-                <a:solidFill>
-                  <a:srgbClr val="FFFFFF"/>
-                </a:solidFill>
-              </a14:hiddenFill>
-            </a:ext>
-          </a:extLst>
-        </p:spPr>
-      </p:pic>
-    </p:spTree>
-    <p:extLst>
-      <p:ext uri="{BB962C8B-B14F-4D97-AF65-F5344CB8AC3E}">
-        <p14:creationId xmlns:p14="http://schemas.microsoft.com/office/powerpoint/2010/main" val="3153369564"/>
-      </p:ext>
-    </p:extLst>
-  </p:cSld>
-  <p:clrMapOvr>
-    <a:masterClrMapping/>
-  </p:clrMapOvr>
-</p:sld>
-</file>
-
-<file path=ppt/slides/slide7.xml><?xml version="1.0" encoding="utf-8"?>
+<file path=ppt/slides/slide5.xml><?xml version="1.0" encoding="utf-8"?>
 <p:sld xmlns:a="http://schemas.openxmlformats.org/drawingml/2006/main" xmlns:r="http://schemas.openxmlformats.org/officeDocument/2006/relationships" xmlns:p="http://schemas.openxmlformats.org/presentationml/2006/main">
   <p:cSld>
     <p:spTree>
@@ -7006,57 +5120,82 @@
           <a:chExt cx="0" cy="0"/>
         </a:xfrm>
       </p:grpSpPr>
-      <p:pic>
-        <p:nvPicPr>
-          <p:cNvPr id="15" name="Picture 6">
-            <a:extLst>
-              <a:ext uri="{FF2B5EF4-FFF2-40B4-BE49-F238E27FC236}">
-                <a16:creationId xmlns:a16="http://schemas.microsoft.com/office/drawing/2014/main" id="{CD46FE5C-5193-5339-8BEF-CD1BA0DFDF30}"/>
-              </a:ext>
-            </a:extLst>
-          </p:cNvPr>
-          <p:cNvPicPr>
-            <a:picLocks noChangeAspect="1" noChangeArrowheads="1"/>
-          </p:cNvPicPr>
+      <p:sp>
+        <p:nvSpPr>
+          <p:cNvPr id="3" name="TextBox 2">
+            <a:extLst>
+              <a:ext uri="{FF2B5EF4-FFF2-40B4-BE49-F238E27FC236}">
+                <a16:creationId xmlns:a16="http://schemas.microsoft.com/office/drawing/2014/main" id="{AA58687C-F34C-BB24-5AAB-02C126D641C1}"/>
+              </a:ext>
+            </a:extLst>
+          </p:cNvPr>
+          <p:cNvSpPr txBox="1"/>
           <p:nvPr/>
-        </p:nvPicPr>
-        <p:blipFill rotWithShape="1">
-          <a:blip r:embed="rId2">
-            <a:extLst>
-              <a:ext uri="{28A0092B-C50C-407E-A947-70E740481C1C}">
-                <a14:useLocalDpi xmlns:a14="http://schemas.microsoft.com/office/drawing/2010/main" val="0"/>
-              </a:ext>
-            </a:extLst>
-          </a:blip>
-          <a:srcRect l="26063" r="26152"/>
-          <a:stretch/>
-        </p:blipFill>
-        <p:spPr bwMode="auto">
-          <a:xfrm>
-            <a:off x="6502208" y="1337028"/>
-            <a:ext cx="1150071" cy="2406744"/>
+        </p:nvSpPr>
+        <p:spPr>
+          <a:xfrm>
+            <a:off x="978786" y="302473"/>
+            <a:ext cx="9436032" cy="369332"/>
           </a:xfrm>
           <a:prstGeom prst="rect">
             <a:avLst/>
           </a:prstGeom>
           <a:noFill/>
-          <a:extLst>
-            <a:ext uri="{909E8E84-426E-40DD-AFC4-6F175D3DCCD1}">
-              <a14:hiddenFill xmlns:a14="http://schemas.microsoft.com/office/drawing/2010/main">
-                <a:solidFill>
-                  <a:srgbClr val="FFFFFF"/>
-                </a:solidFill>
-              </a14:hiddenFill>
-            </a:ext>
-          </a:extLst>
+        </p:spPr>
+        <p:txBody>
+          <a:bodyPr wrap="square" rtlCol="0">
+            <a:spAutoFit/>
+          </a:bodyPr>
+          <a:lstStyle/>
+          <a:p>
+            <a:r>
+              <a:rPr lang="en-US" dirty="0"/>
+              <a:t>Fig 5: Metastable multilayered morphologies with </a:t>
+            </a:r>
+            <a:r>
+              <a:rPr lang="en-US" dirty="0" err="1"/>
+              <a:t>freeE</a:t>
+            </a:r>
+            <a:endParaRPr lang="en-US" dirty="0"/>
+          </a:p>
+        </p:txBody>
+      </p:sp>
+      <p:pic>
+        <p:nvPicPr>
+          <p:cNvPr id="8" name="Picture 7">
+            <a:extLst>
+              <a:ext uri="{FF2B5EF4-FFF2-40B4-BE49-F238E27FC236}">
+                <a16:creationId xmlns:a16="http://schemas.microsoft.com/office/drawing/2014/main" id="{8D24CB12-4A59-5B3F-E7C3-8383C5A2943F}"/>
+              </a:ext>
+            </a:extLst>
+          </p:cNvPr>
+          <p:cNvPicPr>
+            <a:picLocks noChangeAspect="1"/>
+          </p:cNvPicPr>
+          <p:nvPr/>
+        </p:nvPicPr>
+        <p:blipFill>
+          <a:blip r:embed="rId2"/>
+          <a:stretch>
+            <a:fillRect/>
+          </a:stretch>
+        </p:blipFill>
+        <p:spPr>
+          <a:xfrm>
+            <a:off x="2573398" y="2240973"/>
+            <a:ext cx="1935849" cy="1980572"/>
+          </a:xfrm>
+          <a:prstGeom prst="rect">
+            <a:avLst/>
+          </a:prstGeom>
         </p:spPr>
       </p:pic>
       <p:sp>
         <p:nvSpPr>
-          <p:cNvPr id="3" name="TextBox 2">
-            <a:extLst>
-              <a:ext uri="{FF2B5EF4-FFF2-40B4-BE49-F238E27FC236}">
-                <a16:creationId xmlns:a16="http://schemas.microsoft.com/office/drawing/2014/main" id="{AA58687C-F34C-BB24-5AAB-02C126D641C1}"/>
+          <p:cNvPr id="10" name="TextBox 9">
+            <a:extLst>
+              <a:ext uri="{FF2B5EF4-FFF2-40B4-BE49-F238E27FC236}">
+                <a16:creationId xmlns:a16="http://schemas.microsoft.com/office/drawing/2014/main" id="{66022D3E-4B55-25B7-198D-152F7D929868}"/>
               </a:ext>
             </a:extLst>
           </p:cNvPr>
@@ -7065,8 +5204,8 @@
         </p:nvSpPr>
         <p:spPr>
           <a:xfrm>
-            <a:off x="978786" y="302473"/>
-            <a:ext cx="9436032" cy="369332"/>
+            <a:off x="493059" y="4593802"/>
+            <a:ext cx="1969152" cy="369332"/>
           </a:xfrm>
           <a:prstGeom prst="rect">
             <a:avLst/>
@@ -7079,24 +5218,56 @@
           </a:bodyPr>
           <a:lstStyle/>
           <a:p>
+            <a:pPr/>
             <a:r>
               <a:rPr lang="en-US" dirty="0"/>
-              <a:t>Fig 6: Metastable multilayered morphologies with </a:t>
-            </a:r>
-            <a:r>
-              <a:rPr lang="en-US" dirty="0" err="1"/>
-              <a:t>freeE</a:t>
-            </a:r>
-            <a:endParaRPr lang="en-US" dirty="0"/>
+              <a:t>@ (0.30, 0.020)</a:t>
+            </a:r>
+          </a:p>
+        </p:txBody>
+      </p:sp>
+      <p:sp>
+        <p:nvSpPr>
+          <p:cNvPr id="6" name="TextBox 5">
+            <a:extLst>
+              <a:ext uri="{FF2B5EF4-FFF2-40B4-BE49-F238E27FC236}">
+                <a16:creationId xmlns:a16="http://schemas.microsoft.com/office/drawing/2014/main" id="{982CAF2C-7C43-CD08-04D6-B9D3E93B8AF7}"/>
+              </a:ext>
+            </a:extLst>
+          </p:cNvPr>
+          <p:cNvSpPr txBox="1"/>
+          <p:nvPr/>
+        </p:nvSpPr>
+        <p:spPr>
+          <a:xfrm>
+            <a:off x="2818002" y="4593802"/>
+            <a:ext cx="1969152" cy="369332"/>
+          </a:xfrm>
+          <a:prstGeom prst="rect">
+            <a:avLst/>
+          </a:prstGeom>
+          <a:noFill/>
+        </p:spPr>
+        <p:txBody>
+          <a:bodyPr wrap="square" rtlCol="0">
+            <a:spAutoFit/>
+          </a:bodyPr>
+          <a:lstStyle/>
+          <a:p>
+            <a:pPr/>
+            <a:r>
+              <a:rPr lang="en-US" dirty="0"/>
+              <a:t>@ (0.30, 0.020)</a:t>
+            </a:r>
           </a:p>
         </p:txBody>
       </p:sp>
       <p:pic>
         <p:nvPicPr>
-          <p:cNvPr id="4" name="Picture 3">
-            <a:extLst>
-              <a:ext uri="{FF2B5EF4-FFF2-40B4-BE49-F238E27FC236}">
-                <a16:creationId xmlns:a16="http://schemas.microsoft.com/office/drawing/2014/main" id="{84810C8F-1052-89F8-8B5B-F50C97C98278}"/>
+          <p:cNvPr id="7" name="Picture 6">
+            <a:extLst>
+              <a:ext uri="{FF2B5EF4-FFF2-40B4-BE49-F238E27FC236}">
+                <a16:creationId xmlns:a16="http://schemas.microsoft.com/office/drawing/2014/main" id="{72712DCD-F991-5102-53B1-25727601818C}"/>
               </a:ext>
             </a:extLst>
           </p:cNvPr>
@@ -7113,8 +5284,8 @@
         </p:blipFill>
         <p:spPr>
           <a:xfrm>
-            <a:off x="1690978" y="1635105"/>
-            <a:ext cx="1392881" cy="2108667"/>
+            <a:off x="5266142" y="2348753"/>
+            <a:ext cx="1865327" cy="1738020"/>
           </a:xfrm>
           <a:prstGeom prst="rect">
             <a:avLst/>
@@ -7123,10 +5294,10 @@
       </p:pic>
       <p:pic>
         <p:nvPicPr>
-          <p:cNvPr id="8" name="Picture 7">
-            <a:extLst>
-              <a:ext uri="{FF2B5EF4-FFF2-40B4-BE49-F238E27FC236}">
-                <a16:creationId xmlns:a16="http://schemas.microsoft.com/office/drawing/2014/main" id="{8D24CB12-4A59-5B3F-E7C3-8383C5A2943F}"/>
+          <p:cNvPr id="9" name="Picture 8">
+            <a:extLst>
+              <a:ext uri="{FF2B5EF4-FFF2-40B4-BE49-F238E27FC236}">
+                <a16:creationId xmlns:a16="http://schemas.microsoft.com/office/drawing/2014/main" id="{8F1D1DF4-96F0-152C-1642-05351B2AEFAF}"/>
               </a:ext>
             </a:extLst>
           </p:cNvPr>
@@ -7143,218 +5314,50 @@
         </p:blipFill>
         <p:spPr>
           <a:xfrm>
-            <a:off x="3649162" y="1729985"/>
-            <a:ext cx="1935849" cy="1980572"/>
+            <a:off x="524312" y="2107939"/>
+            <a:ext cx="1408310" cy="2489828"/>
           </a:xfrm>
           <a:prstGeom prst="rect">
             <a:avLst/>
           </a:prstGeom>
         </p:spPr>
       </p:pic>
-      <mc:AlternateContent xmlns:mc="http://schemas.openxmlformats.org/markup-compatibility/2006" xmlns:a14="http://schemas.microsoft.com/office/drawing/2010/main">
-        <mc:Choice Requires="a14">
-          <p:sp>
-            <p:nvSpPr>
-              <p:cNvPr id="10" name="TextBox 9">
-                <a:extLst>
-                  <a:ext uri="{FF2B5EF4-FFF2-40B4-BE49-F238E27FC236}">
-                    <a16:creationId xmlns:a16="http://schemas.microsoft.com/office/drawing/2014/main" id="{66022D3E-4B55-25B7-198D-152F7D929868}"/>
-                  </a:ext>
-                </a:extLst>
-              </p:cNvPr>
-              <p:cNvSpPr txBox="1"/>
-              <p:nvPr/>
-            </p:nvSpPr>
-            <p:spPr>
-              <a:xfrm>
-                <a:off x="5841904" y="5893685"/>
-                <a:ext cx="1237130" cy="369332"/>
-              </a:xfrm>
-              <a:prstGeom prst="rect">
-                <a:avLst/>
-              </a:prstGeom>
-              <a:noFill/>
-            </p:spPr>
-            <p:txBody>
-              <a:bodyPr wrap="square" rtlCol="0">
-                <a:spAutoFit/>
-              </a:bodyPr>
-              <a:lstStyle/>
-              <a:p>
-                <a:pPr/>
-                <a14:m>
-                  <m:oMathPara xmlns:m="http://schemas.openxmlformats.org/officeDocument/2006/math">
-                    <m:oMathParaPr>
-                      <m:jc m:val="centerGroup"/>
-                    </m:oMathParaPr>
-                    <m:oMath xmlns:m="http://schemas.openxmlformats.org/officeDocument/2006/math">
-                      <m:r>
-                        <a:rPr lang="en-US" b="0" i="1" smtClean="0">
-                          <a:latin typeface="Cambria Math" panose="02040503050406030204" pitchFamily="18" charset="0"/>
-                        </a:rPr>
-                        <m:t>𝜎</m:t>
-                      </m:r>
-                      <m:r>
-                        <a:rPr lang="en-US" b="0" i="1" smtClean="0">
-                          <a:latin typeface="Cambria Math" panose="02040503050406030204" pitchFamily="18" charset="0"/>
-                        </a:rPr>
-                        <m:t>=0.025</m:t>
-                      </m:r>
-                    </m:oMath>
-                  </m:oMathPara>
-                </a14:m>
-                <a:endParaRPr lang="en-US" dirty="0"/>
-              </a:p>
-            </p:txBody>
-          </p:sp>
-        </mc:Choice>
-        <mc:Fallback xmlns="">
-          <p:sp>
-            <p:nvSpPr>
-              <p:cNvPr id="10" name="TextBox 9">
-                <a:extLst>
-                  <a:ext uri="{FF2B5EF4-FFF2-40B4-BE49-F238E27FC236}">
-                    <a16:creationId xmlns:a16="http://schemas.microsoft.com/office/drawing/2014/main" id="{66022D3E-4B55-25B7-198D-152F7D929868}"/>
-                  </a:ext>
-                </a:extLst>
-              </p:cNvPr>
-              <p:cNvSpPr txBox="1">
-                <a:spLocks noRot="1" noChangeAspect="1" noMove="1" noResize="1" noEditPoints="1" noAdjustHandles="1" noChangeArrowheads="1" noChangeShapeType="1" noTextEdit="1"/>
-              </p:cNvSpPr>
-              <p:nvPr/>
-            </p:nvSpPr>
-            <p:spPr>
-              <a:xfrm>
-                <a:off x="5841904" y="5893685"/>
-                <a:ext cx="1237130" cy="369332"/>
-              </a:xfrm>
-              <a:prstGeom prst="rect">
-                <a:avLst/>
-              </a:prstGeom>
-              <a:blipFill>
-                <a:blip r:embed="rId5"/>
-                <a:stretch>
-                  <a:fillRect/>
-                </a:stretch>
-              </a:blipFill>
-            </p:spPr>
-            <p:txBody>
-              <a:bodyPr/>
-              <a:lstStyle/>
-              <a:p>
-                <a:r>
-                  <a:rPr lang="en-US">
-                    <a:noFill/>
-                  </a:rPr>
-                  <a:t> </a:t>
-                </a:r>
-              </a:p>
-            </p:txBody>
-          </p:sp>
-        </mc:Fallback>
-      </mc:AlternateContent>
-      <mc:AlternateContent xmlns:mc="http://schemas.openxmlformats.org/markup-compatibility/2006" xmlns:a14="http://schemas.microsoft.com/office/drawing/2010/main">
-        <mc:Choice Requires="a14">
-          <p:sp>
-            <p:nvSpPr>
-              <p:cNvPr id="11" name="TextBox 10">
-                <a:extLst>
-                  <a:ext uri="{FF2B5EF4-FFF2-40B4-BE49-F238E27FC236}">
-                    <a16:creationId xmlns:a16="http://schemas.microsoft.com/office/drawing/2014/main" id="{7A0131CA-ED12-1F53-A430-A0D7BA34C8D5}"/>
-                  </a:ext>
-                </a:extLst>
-              </p:cNvPr>
-              <p:cNvSpPr txBox="1"/>
-              <p:nvPr/>
-            </p:nvSpPr>
-            <p:spPr>
-              <a:xfrm>
-                <a:off x="7812047" y="5893685"/>
-                <a:ext cx="1237130" cy="369332"/>
-              </a:xfrm>
-              <a:prstGeom prst="rect">
-                <a:avLst/>
-              </a:prstGeom>
-              <a:noFill/>
-            </p:spPr>
-            <p:txBody>
-              <a:bodyPr wrap="square" rtlCol="0">
-                <a:spAutoFit/>
-              </a:bodyPr>
-              <a:lstStyle/>
-              <a:p>
-                <a:pPr/>
-                <a14:m>
-                  <m:oMathPara xmlns:m="http://schemas.openxmlformats.org/officeDocument/2006/math">
-                    <m:oMathParaPr>
-                      <m:jc m:val="centerGroup"/>
-                    </m:oMathParaPr>
-                    <m:oMath xmlns:m="http://schemas.openxmlformats.org/officeDocument/2006/math">
-                      <m:r>
-                        <a:rPr lang="en-US" b="0" i="1" smtClean="0">
-                          <a:latin typeface="Cambria Math" panose="02040503050406030204" pitchFamily="18" charset="0"/>
-                        </a:rPr>
-                        <m:t>𝜎</m:t>
-                      </m:r>
-                      <m:r>
-                        <a:rPr lang="en-US" b="0" i="1" smtClean="0">
-                          <a:latin typeface="Cambria Math" panose="02040503050406030204" pitchFamily="18" charset="0"/>
-                        </a:rPr>
-                        <m:t>=0.040</m:t>
-                      </m:r>
-                    </m:oMath>
-                  </m:oMathPara>
-                </a14:m>
-                <a:endParaRPr lang="en-US" dirty="0"/>
-              </a:p>
-            </p:txBody>
-          </p:sp>
-        </mc:Choice>
-        <mc:Fallback xmlns="">
-          <p:sp>
-            <p:nvSpPr>
-              <p:cNvPr id="11" name="TextBox 10">
-                <a:extLst>
-                  <a:ext uri="{FF2B5EF4-FFF2-40B4-BE49-F238E27FC236}">
-                    <a16:creationId xmlns:a16="http://schemas.microsoft.com/office/drawing/2014/main" id="{7A0131CA-ED12-1F53-A430-A0D7BA34C8D5}"/>
-                  </a:ext>
-                </a:extLst>
-              </p:cNvPr>
-              <p:cNvSpPr txBox="1">
-                <a:spLocks noRot="1" noChangeAspect="1" noMove="1" noResize="1" noEditPoints="1" noAdjustHandles="1" noChangeArrowheads="1" noChangeShapeType="1" noTextEdit="1"/>
-              </p:cNvSpPr>
-              <p:nvPr/>
-            </p:nvSpPr>
-            <p:spPr>
-              <a:xfrm>
-                <a:off x="7812047" y="5893685"/>
-                <a:ext cx="1237130" cy="369332"/>
-              </a:xfrm>
-              <a:prstGeom prst="rect">
-                <a:avLst/>
-              </a:prstGeom>
-              <a:blipFill>
-                <a:blip r:embed="rId6"/>
-                <a:stretch>
-                  <a:fillRect/>
-                </a:stretch>
-              </a:blipFill>
-            </p:spPr>
-            <p:txBody>
-              <a:bodyPr/>
-              <a:lstStyle/>
-              <a:p>
-                <a:r>
-                  <a:rPr lang="en-US">
-                    <a:noFill/>
-                  </a:rPr>
-                  <a:t> </a:t>
-                </a:r>
-              </a:p>
-            </p:txBody>
-          </p:sp>
-        </mc:Fallback>
-      </mc:AlternateContent>
+      <p:sp>
+        <p:nvSpPr>
+          <p:cNvPr id="12" name="TextBox 11">
+            <a:extLst>
+              <a:ext uri="{FF2B5EF4-FFF2-40B4-BE49-F238E27FC236}">
+                <a16:creationId xmlns:a16="http://schemas.microsoft.com/office/drawing/2014/main" id="{6676D927-F3DD-FB66-BF99-5D8D97C8C303}"/>
+              </a:ext>
+            </a:extLst>
+          </p:cNvPr>
+          <p:cNvSpPr txBox="1"/>
+          <p:nvPr/>
+        </p:nvSpPr>
+        <p:spPr>
+          <a:xfrm>
+            <a:off x="5498449" y="4593802"/>
+            <a:ext cx="1969152" cy="369332"/>
+          </a:xfrm>
+          <a:prstGeom prst="rect">
+            <a:avLst/>
+          </a:prstGeom>
+          <a:noFill/>
+        </p:spPr>
+        <p:txBody>
+          <a:bodyPr wrap="square" rtlCol="0">
+            <a:spAutoFit/>
+          </a:bodyPr>
+          <a:lstStyle/>
+          <a:p>
+            <a:pPr/>
+            <a:r>
+              <a:rPr lang="en-US" dirty="0"/>
+              <a:t>@ (0.30, 0.020)</a:t>
+            </a:r>
+          </a:p>
+        </p:txBody>
+      </p:sp>
     </p:spTree>
     <p:extLst>
       <p:ext uri="{BB962C8B-B14F-4D97-AF65-F5344CB8AC3E}">

--- a/SYSG3_paper.pptx
+++ b/SYSG3_paper.pptx
@@ -3409,10 +3409,10 @@
       </p:sp>
       <p:pic>
         <p:nvPicPr>
-          <p:cNvPr id="2" name="Picture 4">
-            <a:extLst>
-              <a:ext uri="{FF2B5EF4-FFF2-40B4-BE49-F238E27FC236}">
-                <a16:creationId xmlns:a16="http://schemas.microsoft.com/office/drawing/2014/main" id="{ED76F1F2-1770-04F8-DE7F-DA7A6D79C475}"/>
+          <p:cNvPr id="3074" name="Picture 2">
+            <a:extLst>
+              <a:ext uri="{FF2B5EF4-FFF2-40B4-BE49-F238E27FC236}">
+                <a16:creationId xmlns:a16="http://schemas.microsoft.com/office/drawing/2014/main" id="{467E9755-72BF-161C-F296-8D97D7118CFE}"/>
               </a:ext>
             </a:extLst>
           </p:cNvPr>
@@ -3436,8 +3436,8 @@
         </p:blipFill>
         <p:spPr bwMode="auto">
           <a:xfrm>
-            <a:off x="2782980" y="1779074"/>
-            <a:ext cx="6101043" cy="3542782"/>
+            <a:off x="2523004" y="1616289"/>
+            <a:ext cx="6585137" cy="3823888"/>
           </a:xfrm>
           <a:prstGeom prst="rect">
             <a:avLst/>
@@ -3454,6 +3454,64 @@
           </a:extLst>
         </p:spPr>
       </p:pic>
+      <p:sp>
+        <p:nvSpPr>
+          <p:cNvPr id="4" name="Rectangle 3">
+            <a:extLst>
+              <a:ext uri="{FF2B5EF4-FFF2-40B4-BE49-F238E27FC236}">
+                <a16:creationId xmlns:a16="http://schemas.microsoft.com/office/drawing/2014/main" id="{86B54C08-B823-677E-D724-22519034B483}"/>
+              </a:ext>
+            </a:extLst>
+          </p:cNvPr>
+          <p:cNvSpPr/>
+          <p:nvPr/>
+        </p:nvSpPr>
+        <p:spPr>
+          <a:xfrm>
+            <a:off x="5596198" y="2214282"/>
+            <a:ext cx="598414" cy="251012"/>
+          </a:xfrm>
+          <a:prstGeom prst="rect">
+            <a:avLst/>
+          </a:prstGeom>
+          <a:solidFill>
+            <a:srgbClr val="156082">
+              <a:alpha val="30196"/>
+            </a:srgbClr>
+          </a:solidFill>
+        </p:spPr>
+        <p:style>
+          <a:lnRef idx="2">
+            <a:schemeClr val="accent1">
+              <a:shade val="15000"/>
+            </a:schemeClr>
+          </a:lnRef>
+          <a:fillRef idx="1">
+            <a:schemeClr val="accent1"/>
+          </a:fillRef>
+          <a:effectRef idx="0">
+            <a:schemeClr val="accent1"/>
+          </a:effectRef>
+          <a:fontRef idx="minor">
+            <a:schemeClr val="lt1"/>
+          </a:fontRef>
+        </p:style>
+        <p:txBody>
+          <a:bodyPr rtlCol="0" anchor="ctr"/>
+          <a:lstStyle/>
+          <a:p>
+            <a:pPr algn="ctr"/>
+            <a:r>
+              <a:rPr lang="en-US" sz="900" dirty="0">
+                <a:solidFill>
+                  <a:schemeClr val="tx1"/>
+                </a:solidFill>
+              </a:rPr>
+              <a:t>06/19</a:t>
+            </a:r>
+          </a:p>
+        </p:txBody>
+      </p:sp>
     </p:spTree>
     <p:extLst>
       <p:ext uri="{BB962C8B-B14F-4D97-AF65-F5344CB8AC3E}">

--- a/SYSG3_paper.pptx
+++ b/SYSG3_paper.pptx
@@ -3336,83 +3336,12 @@
           <a:chExt cx="0" cy="0"/>
         </a:xfrm>
       </p:grpSpPr>
-      <p:sp>
-        <p:nvSpPr>
-          <p:cNvPr id="3" name="TextBox 2">
-            <a:extLst>
-              <a:ext uri="{FF2B5EF4-FFF2-40B4-BE49-F238E27FC236}">
-                <a16:creationId xmlns:a16="http://schemas.microsoft.com/office/drawing/2014/main" id="{A534568D-A393-2082-1DFE-CD6164C93670}"/>
-              </a:ext>
-            </a:extLst>
-          </p:cNvPr>
-          <p:cNvSpPr txBox="1"/>
-          <p:nvPr/>
-        </p:nvSpPr>
-        <p:spPr>
-          <a:xfrm>
-            <a:off x="1645962" y="247374"/>
-            <a:ext cx="9436032" cy="369332"/>
-          </a:xfrm>
-          <a:prstGeom prst="rect">
-            <a:avLst/>
-          </a:prstGeom>
-          <a:noFill/>
-        </p:spPr>
-        <p:txBody>
-          <a:bodyPr wrap="square" rtlCol="0">
-            <a:spAutoFit/>
-          </a:bodyPr>
-          <a:lstStyle/>
-          <a:p>
-            <a:r>
-              <a:rPr lang="en-US" dirty="0"/>
-              <a:t>Fig 1: phase diagram</a:t>
-            </a:r>
-          </a:p>
-        </p:txBody>
-      </p:sp>
-      <p:sp>
-        <p:nvSpPr>
-          <p:cNvPr id="24" name="TextBox 23">
-            <a:extLst>
-              <a:ext uri="{FF2B5EF4-FFF2-40B4-BE49-F238E27FC236}">
-                <a16:creationId xmlns:a16="http://schemas.microsoft.com/office/drawing/2014/main" id="{A646825C-26E9-DC2B-A0C0-9C50730C0881}"/>
-              </a:ext>
-            </a:extLst>
-          </p:cNvPr>
-          <p:cNvSpPr txBox="1"/>
-          <p:nvPr/>
-        </p:nvSpPr>
-        <p:spPr>
-          <a:xfrm>
-            <a:off x="4213638" y="6241293"/>
-            <a:ext cx="2765121" cy="369332"/>
-          </a:xfrm>
-          <a:prstGeom prst="rect">
-            <a:avLst/>
-          </a:prstGeom>
-          <a:noFill/>
-        </p:spPr>
-        <p:txBody>
-          <a:bodyPr wrap="square" rtlCol="0">
-            <a:spAutoFit/>
-          </a:bodyPr>
-          <a:lstStyle/>
-          <a:p>
-            <a:pPr algn="ctr"/>
-            <a:r>
-              <a:rPr lang="en-US" dirty="0"/>
-              <a:t>Need to finalize</a:t>
-            </a:r>
-          </a:p>
-        </p:txBody>
-      </p:sp>
       <p:pic>
         <p:nvPicPr>
-          <p:cNvPr id="3074" name="Picture 2">
-            <a:extLst>
-              <a:ext uri="{FF2B5EF4-FFF2-40B4-BE49-F238E27FC236}">
-                <a16:creationId xmlns:a16="http://schemas.microsoft.com/office/drawing/2014/main" id="{467E9755-72BF-161C-F296-8D97D7118CFE}"/>
+          <p:cNvPr id="3080" name="Picture 8">
+            <a:extLst>
+              <a:ext uri="{FF2B5EF4-FFF2-40B4-BE49-F238E27FC236}">
+                <a16:creationId xmlns:a16="http://schemas.microsoft.com/office/drawing/2014/main" id="{C50D943A-D856-FFCB-D901-0B570EFB7DBF}"/>
               </a:ext>
             </a:extLst>
           </p:cNvPr>
@@ -3436,8 +3365,8 @@
         </p:blipFill>
         <p:spPr bwMode="auto">
           <a:xfrm>
-            <a:off x="2523004" y="1616289"/>
-            <a:ext cx="6585137" cy="3823888"/>
+            <a:off x="2200275" y="1166813"/>
+            <a:ext cx="7791450" cy="4524375"/>
           </a:xfrm>
           <a:prstGeom prst="rect">
             <a:avLst/>
@@ -3456,6 +3385,77 @@
       </p:pic>
       <p:sp>
         <p:nvSpPr>
+          <p:cNvPr id="3" name="TextBox 2">
+            <a:extLst>
+              <a:ext uri="{FF2B5EF4-FFF2-40B4-BE49-F238E27FC236}">
+                <a16:creationId xmlns:a16="http://schemas.microsoft.com/office/drawing/2014/main" id="{A534568D-A393-2082-1DFE-CD6164C93670}"/>
+              </a:ext>
+            </a:extLst>
+          </p:cNvPr>
+          <p:cNvSpPr txBox="1"/>
+          <p:nvPr/>
+        </p:nvSpPr>
+        <p:spPr>
+          <a:xfrm>
+            <a:off x="1645962" y="247374"/>
+            <a:ext cx="9436032" cy="369332"/>
+          </a:xfrm>
+          <a:prstGeom prst="rect">
+            <a:avLst/>
+          </a:prstGeom>
+          <a:noFill/>
+        </p:spPr>
+        <p:txBody>
+          <a:bodyPr wrap="square" rtlCol="0">
+            <a:spAutoFit/>
+          </a:bodyPr>
+          <a:lstStyle/>
+          <a:p>
+            <a:r>
+              <a:rPr lang="en-US" dirty="0"/>
+              <a:t>Fig 1: phase diagram</a:t>
+            </a:r>
+          </a:p>
+        </p:txBody>
+      </p:sp>
+      <p:sp>
+        <p:nvSpPr>
+          <p:cNvPr id="24" name="TextBox 23">
+            <a:extLst>
+              <a:ext uri="{FF2B5EF4-FFF2-40B4-BE49-F238E27FC236}">
+                <a16:creationId xmlns:a16="http://schemas.microsoft.com/office/drawing/2014/main" id="{A646825C-26E9-DC2B-A0C0-9C50730C0881}"/>
+              </a:ext>
+            </a:extLst>
+          </p:cNvPr>
+          <p:cNvSpPr txBox="1"/>
+          <p:nvPr/>
+        </p:nvSpPr>
+        <p:spPr>
+          <a:xfrm>
+            <a:off x="4213638" y="6241293"/>
+            <a:ext cx="2765121" cy="369332"/>
+          </a:xfrm>
+          <a:prstGeom prst="rect">
+            <a:avLst/>
+          </a:prstGeom>
+          <a:noFill/>
+        </p:spPr>
+        <p:txBody>
+          <a:bodyPr wrap="square" rtlCol="0">
+            <a:spAutoFit/>
+          </a:bodyPr>
+          <a:lstStyle/>
+          <a:p>
+            <a:pPr algn="ctr"/>
+            <a:r>
+              <a:rPr lang="en-US" dirty="0"/>
+              <a:t>Need to finalize</a:t>
+            </a:r>
+          </a:p>
+        </p:txBody>
+      </p:sp>
+      <p:sp>
+        <p:nvSpPr>
           <p:cNvPr id="4" name="Rectangle 3">
             <a:extLst>
               <a:ext uri="{FF2B5EF4-FFF2-40B4-BE49-F238E27FC236}">
@@ -3468,7 +3468,7 @@
         </p:nvSpPr>
         <p:spPr>
           <a:xfrm>
-            <a:off x="5596198" y="2214282"/>
+            <a:off x="5882105" y="1900517"/>
             <a:ext cx="598414" cy="251012"/>
           </a:xfrm>
           <a:prstGeom prst="rect">
@@ -3498,6 +3498,122 @@
         </p:style>
         <p:txBody>
           <a:bodyPr rtlCol="0" anchor="ctr"/>
+          <a:lstStyle/>
+          <a:p>
+            <a:pPr algn="ctr"/>
+            <a:r>
+              <a:rPr lang="en-US" sz="900" dirty="0">
+                <a:solidFill>
+                  <a:schemeClr val="tx1"/>
+                </a:solidFill>
+              </a:rPr>
+              <a:t>06/19</a:t>
+            </a:r>
+          </a:p>
+        </p:txBody>
+      </p:sp>
+      <p:sp>
+        <p:nvSpPr>
+          <p:cNvPr id="5" name="Rectangle 4">
+            <a:extLst>
+              <a:ext uri="{FF2B5EF4-FFF2-40B4-BE49-F238E27FC236}">
+                <a16:creationId xmlns:a16="http://schemas.microsoft.com/office/drawing/2014/main" id="{2A73E4D0-3652-1A2C-B955-2B41B4520707}"/>
+              </a:ext>
+            </a:extLst>
+          </p:cNvPr>
+          <p:cNvSpPr/>
+          <p:nvPr/>
+        </p:nvSpPr>
+        <p:spPr>
+          <a:xfrm>
+            <a:off x="3292268" y="3281082"/>
+            <a:ext cx="598414" cy="426445"/>
+          </a:xfrm>
+          <a:prstGeom prst="rect">
+            <a:avLst/>
+          </a:prstGeom>
+          <a:solidFill>
+            <a:srgbClr val="156082">
+              <a:alpha val="30196"/>
+            </a:srgbClr>
+          </a:solidFill>
+        </p:spPr>
+        <p:style>
+          <a:lnRef idx="2">
+            <a:schemeClr val="accent1">
+              <a:shade val="15000"/>
+            </a:schemeClr>
+          </a:lnRef>
+          <a:fillRef idx="1">
+            <a:schemeClr val="accent1"/>
+          </a:fillRef>
+          <a:effectRef idx="0">
+            <a:schemeClr val="accent1"/>
+          </a:effectRef>
+          <a:fontRef idx="minor">
+            <a:schemeClr val="lt1"/>
+          </a:fontRef>
+        </p:style>
+        <p:txBody>
+          <a:bodyPr rtlCol="0" anchor="t"/>
+          <a:lstStyle/>
+          <a:p>
+            <a:pPr algn="ctr"/>
+            <a:r>
+              <a:rPr lang="en-US" sz="900" dirty="0">
+                <a:solidFill>
+                  <a:schemeClr val="tx1"/>
+                </a:solidFill>
+              </a:rPr>
+              <a:t>06/19</a:t>
+            </a:r>
+          </a:p>
+        </p:txBody>
+      </p:sp>
+      <p:sp>
+        <p:nvSpPr>
+          <p:cNvPr id="6" name="Rectangle 5">
+            <a:extLst>
+              <a:ext uri="{FF2B5EF4-FFF2-40B4-BE49-F238E27FC236}">
+                <a16:creationId xmlns:a16="http://schemas.microsoft.com/office/drawing/2014/main" id="{1F9FD8CD-F033-84BB-E3F7-7745BD6DF897}"/>
+              </a:ext>
+            </a:extLst>
+          </p:cNvPr>
+          <p:cNvSpPr/>
+          <p:nvPr/>
+        </p:nvSpPr>
+        <p:spPr>
+          <a:xfrm>
+            <a:off x="4140956" y="1694329"/>
+            <a:ext cx="529655" cy="457200"/>
+          </a:xfrm>
+          <a:prstGeom prst="rect">
+            <a:avLst/>
+          </a:prstGeom>
+          <a:solidFill>
+            <a:srgbClr val="156082">
+              <a:alpha val="30196"/>
+            </a:srgbClr>
+          </a:solidFill>
+        </p:spPr>
+        <p:style>
+          <a:lnRef idx="2">
+            <a:schemeClr val="accent1">
+              <a:shade val="15000"/>
+            </a:schemeClr>
+          </a:lnRef>
+          <a:fillRef idx="1">
+            <a:schemeClr val="accent1"/>
+          </a:fillRef>
+          <a:effectRef idx="0">
+            <a:schemeClr val="accent1"/>
+          </a:effectRef>
+          <a:fontRef idx="minor">
+            <a:schemeClr val="lt1"/>
+          </a:fontRef>
+        </p:style>
+        <p:txBody>
+          <a:bodyPr rtlCol="0" anchor="t"/>
           <a:lstStyle/>
           <a:p>
             <a:pPr algn="ctr"/>

--- a/SYSG3_paper.pptx
+++ b/SYSG3_paper.pptx
@@ -4,6 +4,9 @@
   <p:sldMasterIdLst>
     <p:sldMasterId id="2147483648" r:id="rId1"/>
   </p:sldMasterIdLst>
+  <p:notesMasterIdLst>
+    <p:notesMasterId r:id="rId7"/>
+  </p:notesMasterIdLst>
   <p:sldIdLst>
     <p:sldId id="373" r:id="rId2"/>
     <p:sldId id="376" r:id="rId3"/>
@@ -114,6 +117,439 @@
     </p:ext>
   </p:extLst>
 </p:presentation>
+</file>
+
+<file path=ppt/notesMasters/notesMaster1.xml><?xml version="1.0" encoding="utf-8"?>
+<p:notesMaster xmlns:a="http://schemas.openxmlformats.org/drawingml/2006/main" xmlns:r="http://schemas.openxmlformats.org/officeDocument/2006/relationships" xmlns:p="http://schemas.openxmlformats.org/presentationml/2006/main">
+  <p:cSld>
+    <p:bg>
+      <p:bgRef idx="1001">
+        <a:schemeClr val="bg1"/>
+      </p:bgRef>
+    </p:bg>
+    <p:spTree>
+      <p:nvGrpSpPr>
+        <p:cNvPr id="1" name=""/>
+        <p:cNvGrpSpPr/>
+        <p:nvPr/>
+      </p:nvGrpSpPr>
+      <p:grpSpPr>
+        <a:xfrm>
+          <a:off x="0" y="0"/>
+          <a:ext cx="0" cy="0"/>
+          <a:chOff x="0" y="0"/>
+          <a:chExt cx="0" cy="0"/>
+        </a:xfrm>
+      </p:grpSpPr>
+      <p:sp>
+        <p:nvSpPr>
+          <p:cNvPr id="2" name="Header Placeholder 1"/>
+          <p:cNvSpPr>
+            <a:spLocks noGrp="1"/>
+          </p:cNvSpPr>
+          <p:nvPr>
+            <p:ph type="hdr" sz="quarter"/>
+          </p:nvPr>
+        </p:nvSpPr>
+        <p:spPr>
+          <a:xfrm>
+            <a:off x="0" y="0"/>
+            <a:ext cx="2971800" cy="458788"/>
+          </a:xfrm>
+          <a:prstGeom prst="rect">
+            <a:avLst/>
+          </a:prstGeom>
+        </p:spPr>
+        <p:txBody>
+          <a:bodyPr vert="horz" lIns="91440" tIns="45720" rIns="91440" bIns="45720" rtlCol="0"/>
+          <a:lstStyle>
+            <a:lvl1pPr algn="l">
+              <a:defRPr sz="1200"/>
+            </a:lvl1pPr>
+          </a:lstStyle>
+          <a:p>
+            <a:endParaRPr lang="en-US"/>
+          </a:p>
+        </p:txBody>
+      </p:sp>
+      <p:sp>
+        <p:nvSpPr>
+          <p:cNvPr id="3" name="Date Placeholder 2"/>
+          <p:cNvSpPr>
+            <a:spLocks noGrp="1"/>
+          </p:cNvSpPr>
+          <p:nvPr>
+            <p:ph type="dt" idx="1"/>
+          </p:nvPr>
+        </p:nvSpPr>
+        <p:spPr>
+          <a:xfrm>
+            <a:off x="3884613" y="0"/>
+            <a:ext cx="2971800" cy="458788"/>
+          </a:xfrm>
+          <a:prstGeom prst="rect">
+            <a:avLst/>
+          </a:prstGeom>
+        </p:spPr>
+        <p:txBody>
+          <a:bodyPr vert="horz" lIns="91440" tIns="45720" rIns="91440" bIns="45720" rtlCol="0"/>
+          <a:lstStyle>
+            <a:lvl1pPr algn="r">
+              <a:defRPr sz="1200"/>
+            </a:lvl1pPr>
+          </a:lstStyle>
+          <a:p>
+            <a:fld id="{7B0378C8-50D4-41CA-B139-C16B0923ACC7}" type="datetimeFigureOut">
+              <a:rPr lang="en-US" smtClean="0"/>
+              <a:t>6/19/2025</a:t>
+            </a:fld>
+            <a:endParaRPr lang="en-US"/>
+          </a:p>
+        </p:txBody>
+      </p:sp>
+      <p:sp>
+        <p:nvSpPr>
+          <p:cNvPr id="4" name="Slide Image Placeholder 3"/>
+          <p:cNvSpPr>
+            <a:spLocks noGrp="1" noRot="1" noChangeAspect="1"/>
+          </p:cNvSpPr>
+          <p:nvPr>
+            <p:ph type="sldImg" idx="2"/>
+          </p:nvPr>
+        </p:nvSpPr>
+        <p:spPr>
+          <a:xfrm>
+            <a:off x="685800" y="1143000"/>
+            <a:ext cx="5486400" cy="3086100"/>
+          </a:xfrm>
+          <a:prstGeom prst="rect">
+            <a:avLst/>
+          </a:prstGeom>
+          <a:noFill/>
+          <a:ln w="12700">
+            <a:solidFill>
+              <a:prstClr val="black"/>
+            </a:solidFill>
+          </a:ln>
+        </p:spPr>
+        <p:txBody>
+          <a:bodyPr vert="horz" lIns="91440" tIns="45720" rIns="91440" bIns="45720" rtlCol="0" anchor="ctr"/>
+          <a:lstStyle/>
+          <a:p>
+            <a:endParaRPr lang="en-US"/>
+          </a:p>
+        </p:txBody>
+      </p:sp>
+      <p:sp>
+        <p:nvSpPr>
+          <p:cNvPr id="5" name="Notes Placeholder 4"/>
+          <p:cNvSpPr>
+            <a:spLocks noGrp="1"/>
+          </p:cNvSpPr>
+          <p:nvPr>
+            <p:ph type="body" sz="quarter" idx="3"/>
+          </p:nvPr>
+        </p:nvSpPr>
+        <p:spPr>
+          <a:xfrm>
+            <a:off x="685800" y="4400550"/>
+            <a:ext cx="5486400" cy="3600450"/>
+          </a:xfrm>
+          <a:prstGeom prst="rect">
+            <a:avLst/>
+          </a:prstGeom>
+        </p:spPr>
+        <p:txBody>
+          <a:bodyPr vert="horz" lIns="91440" tIns="45720" rIns="91440" bIns="45720" rtlCol="0"/>
+          <a:lstStyle/>
+          <a:p>
+            <a:pPr lvl="0"/>
+            <a:r>
+              <a:rPr lang="en-US"/>
+              <a:t>Click to edit Master text styles</a:t>
+            </a:r>
+          </a:p>
+          <a:p>
+            <a:pPr lvl="1"/>
+            <a:r>
+              <a:rPr lang="en-US"/>
+              <a:t>Second level</a:t>
+            </a:r>
+          </a:p>
+          <a:p>
+            <a:pPr lvl="2"/>
+            <a:r>
+              <a:rPr lang="en-US"/>
+              <a:t>Third level</a:t>
+            </a:r>
+          </a:p>
+          <a:p>
+            <a:pPr lvl="3"/>
+            <a:r>
+              <a:rPr lang="en-US"/>
+              <a:t>Fourth level</a:t>
+            </a:r>
+          </a:p>
+          <a:p>
+            <a:pPr lvl="4"/>
+            <a:r>
+              <a:rPr lang="en-US"/>
+              <a:t>Fifth level</a:t>
+            </a:r>
+          </a:p>
+        </p:txBody>
+      </p:sp>
+      <p:sp>
+        <p:nvSpPr>
+          <p:cNvPr id="6" name="Footer Placeholder 5"/>
+          <p:cNvSpPr>
+            <a:spLocks noGrp="1"/>
+          </p:cNvSpPr>
+          <p:nvPr>
+            <p:ph type="ftr" sz="quarter" idx="4"/>
+          </p:nvPr>
+        </p:nvSpPr>
+        <p:spPr>
+          <a:xfrm>
+            <a:off x="0" y="8685213"/>
+            <a:ext cx="2971800" cy="458787"/>
+          </a:xfrm>
+          <a:prstGeom prst="rect">
+            <a:avLst/>
+          </a:prstGeom>
+        </p:spPr>
+        <p:txBody>
+          <a:bodyPr vert="horz" lIns="91440" tIns="45720" rIns="91440" bIns="45720" rtlCol="0" anchor="b"/>
+          <a:lstStyle>
+            <a:lvl1pPr algn="l">
+              <a:defRPr sz="1200"/>
+            </a:lvl1pPr>
+          </a:lstStyle>
+          <a:p>
+            <a:endParaRPr lang="en-US"/>
+          </a:p>
+        </p:txBody>
+      </p:sp>
+      <p:sp>
+        <p:nvSpPr>
+          <p:cNvPr id="7" name="Slide Number Placeholder 6"/>
+          <p:cNvSpPr>
+            <a:spLocks noGrp="1"/>
+          </p:cNvSpPr>
+          <p:nvPr>
+            <p:ph type="sldNum" sz="quarter" idx="5"/>
+          </p:nvPr>
+        </p:nvSpPr>
+        <p:spPr>
+          <a:xfrm>
+            <a:off x="3884613" y="8685213"/>
+            <a:ext cx="2971800" cy="458787"/>
+          </a:xfrm>
+          <a:prstGeom prst="rect">
+            <a:avLst/>
+          </a:prstGeom>
+        </p:spPr>
+        <p:txBody>
+          <a:bodyPr vert="horz" lIns="91440" tIns="45720" rIns="91440" bIns="45720" rtlCol="0" anchor="b"/>
+          <a:lstStyle>
+            <a:lvl1pPr algn="r">
+              <a:defRPr sz="1200"/>
+            </a:lvl1pPr>
+          </a:lstStyle>
+          <a:p>
+            <a:fld id="{62E8446E-0259-4758-8A78-089F4A06870A}" type="slidenum">
+              <a:rPr lang="en-US" smtClean="0"/>
+              <a:t>‹#›</a:t>
+            </a:fld>
+            <a:endParaRPr lang="en-US"/>
+          </a:p>
+        </p:txBody>
+      </p:sp>
+    </p:spTree>
+    <p:extLst>
+      <p:ext uri="{BB962C8B-B14F-4D97-AF65-F5344CB8AC3E}">
+        <p14:creationId xmlns:p14="http://schemas.microsoft.com/office/powerpoint/2010/main" val="529126881"/>
+      </p:ext>
+    </p:extLst>
+  </p:cSld>
+  <p:clrMap bg1="lt1" tx1="dk1" bg2="lt2" tx2="dk2" accent1="accent1" accent2="accent2" accent3="accent3" accent4="accent4" accent5="accent5" accent6="accent6" hlink="hlink" folHlink="folHlink"/>
+  <p:notesStyle>
+    <a:lvl1pPr marL="0" algn="l" defTabSz="914400" rtl="0" eaLnBrk="1" latinLnBrk="0" hangingPunct="1">
+      <a:defRPr sz="1200" kern="1200">
+        <a:solidFill>
+          <a:schemeClr val="tx1"/>
+        </a:solidFill>
+        <a:latin typeface="+mn-lt"/>
+        <a:ea typeface="+mn-ea"/>
+        <a:cs typeface="+mn-cs"/>
+      </a:defRPr>
+    </a:lvl1pPr>
+    <a:lvl2pPr marL="457200" algn="l" defTabSz="914400" rtl="0" eaLnBrk="1" latinLnBrk="0" hangingPunct="1">
+      <a:defRPr sz="1200" kern="1200">
+        <a:solidFill>
+          <a:schemeClr val="tx1"/>
+        </a:solidFill>
+        <a:latin typeface="+mn-lt"/>
+        <a:ea typeface="+mn-ea"/>
+        <a:cs typeface="+mn-cs"/>
+      </a:defRPr>
+    </a:lvl2pPr>
+    <a:lvl3pPr marL="914400" algn="l" defTabSz="914400" rtl="0" eaLnBrk="1" latinLnBrk="0" hangingPunct="1">
+      <a:defRPr sz="1200" kern="1200">
+        <a:solidFill>
+          <a:schemeClr val="tx1"/>
+        </a:solidFill>
+        <a:latin typeface="+mn-lt"/>
+        <a:ea typeface="+mn-ea"/>
+        <a:cs typeface="+mn-cs"/>
+      </a:defRPr>
+    </a:lvl3pPr>
+    <a:lvl4pPr marL="1371600" algn="l" defTabSz="914400" rtl="0" eaLnBrk="1" latinLnBrk="0" hangingPunct="1">
+      <a:defRPr sz="1200" kern="1200">
+        <a:solidFill>
+          <a:schemeClr val="tx1"/>
+        </a:solidFill>
+        <a:latin typeface="+mn-lt"/>
+        <a:ea typeface="+mn-ea"/>
+        <a:cs typeface="+mn-cs"/>
+      </a:defRPr>
+    </a:lvl4pPr>
+    <a:lvl5pPr marL="1828800" algn="l" defTabSz="914400" rtl="0" eaLnBrk="1" latinLnBrk="0" hangingPunct="1">
+      <a:defRPr sz="1200" kern="1200">
+        <a:solidFill>
+          <a:schemeClr val="tx1"/>
+        </a:solidFill>
+        <a:latin typeface="+mn-lt"/>
+        <a:ea typeface="+mn-ea"/>
+        <a:cs typeface="+mn-cs"/>
+      </a:defRPr>
+    </a:lvl5pPr>
+    <a:lvl6pPr marL="2286000" algn="l" defTabSz="914400" rtl="0" eaLnBrk="1" latinLnBrk="0" hangingPunct="1">
+      <a:defRPr sz="1200" kern="1200">
+        <a:solidFill>
+          <a:schemeClr val="tx1"/>
+        </a:solidFill>
+        <a:latin typeface="+mn-lt"/>
+        <a:ea typeface="+mn-ea"/>
+        <a:cs typeface="+mn-cs"/>
+      </a:defRPr>
+    </a:lvl6pPr>
+    <a:lvl7pPr marL="2743200" algn="l" defTabSz="914400" rtl="0" eaLnBrk="1" latinLnBrk="0" hangingPunct="1">
+      <a:defRPr sz="1200" kern="1200">
+        <a:solidFill>
+          <a:schemeClr val="tx1"/>
+        </a:solidFill>
+        <a:latin typeface="+mn-lt"/>
+        <a:ea typeface="+mn-ea"/>
+        <a:cs typeface="+mn-cs"/>
+      </a:defRPr>
+    </a:lvl7pPr>
+    <a:lvl8pPr marL="3200400" algn="l" defTabSz="914400" rtl="0" eaLnBrk="1" latinLnBrk="0" hangingPunct="1">
+      <a:defRPr sz="1200" kern="1200">
+        <a:solidFill>
+          <a:schemeClr val="tx1"/>
+        </a:solidFill>
+        <a:latin typeface="+mn-lt"/>
+        <a:ea typeface="+mn-ea"/>
+        <a:cs typeface="+mn-cs"/>
+      </a:defRPr>
+    </a:lvl8pPr>
+    <a:lvl9pPr marL="3657600" algn="l" defTabSz="914400" rtl="0" eaLnBrk="1" latinLnBrk="0" hangingPunct="1">
+      <a:defRPr sz="1200" kern="1200">
+        <a:solidFill>
+          <a:schemeClr val="tx1"/>
+        </a:solidFill>
+        <a:latin typeface="+mn-lt"/>
+        <a:ea typeface="+mn-ea"/>
+        <a:cs typeface="+mn-cs"/>
+      </a:defRPr>
+    </a:lvl9pPr>
+  </p:notesStyle>
+</p:notesMaster>
+</file>
+
+<file path=ppt/notesSlides/notesSlide1.xml><?xml version="1.0" encoding="utf-8"?>
+<p:notes xmlns:a="http://schemas.openxmlformats.org/drawingml/2006/main" xmlns:r="http://schemas.openxmlformats.org/officeDocument/2006/relationships" xmlns:p="http://schemas.openxmlformats.org/presentationml/2006/main">
+  <p:cSld>
+    <p:spTree>
+      <p:nvGrpSpPr>
+        <p:cNvPr id="1" name=""/>
+        <p:cNvGrpSpPr/>
+        <p:nvPr/>
+      </p:nvGrpSpPr>
+      <p:grpSpPr>
+        <a:xfrm>
+          <a:off x="0" y="0"/>
+          <a:ext cx="0" cy="0"/>
+          <a:chOff x="0" y="0"/>
+          <a:chExt cx="0" cy="0"/>
+        </a:xfrm>
+      </p:grpSpPr>
+      <p:sp>
+        <p:nvSpPr>
+          <p:cNvPr id="2" name="Slide Image Placeholder 1"/>
+          <p:cNvSpPr>
+            <a:spLocks noGrp="1" noRot="1" noChangeAspect="1"/>
+          </p:cNvSpPr>
+          <p:nvPr>
+            <p:ph type="sldImg"/>
+          </p:nvPr>
+        </p:nvSpPr>
+        <p:spPr/>
+      </p:sp>
+      <p:sp>
+        <p:nvSpPr>
+          <p:cNvPr id="3" name="Notes Placeholder 2"/>
+          <p:cNvSpPr>
+            <a:spLocks noGrp="1"/>
+          </p:cNvSpPr>
+          <p:nvPr>
+            <p:ph type="body" idx="1"/>
+          </p:nvPr>
+        </p:nvSpPr>
+        <p:spPr/>
+        <p:txBody>
+          <a:bodyPr/>
+          <a:lstStyle/>
+          <a:p>
+            <a:endParaRPr lang="en-US" dirty="0"/>
+          </a:p>
+        </p:txBody>
+      </p:sp>
+      <p:sp>
+        <p:nvSpPr>
+          <p:cNvPr id="4" name="Slide Number Placeholder 3"/>
+          <p:cNvSpPr>
+            <a:spLocks noGrp="1"/>
+          </p:cNvSpPr>
+          <p:nvPr>
+            <p:ph type="sldNum" sz="quarter" idx="5"/>
+          </p:nvPr>
+        </p:nvSpPr>
+        <p:spPr/>
+        <p:txBody>
+          <a:bodyPr/>
+          <a:lstStyle/>
+          <a:p>
+            <a:fld id="{62E8446E-0259-4758-8A78-089F4A06870A}" type="slidenum">
+              <a:rPr lang="en-US" smtClean="0"/>
+              <a:t>5</a:t>
+            </a:fld>
+            <a:endParaRPr lang="en-US"/>
+          </a:p>
+        </p:txBody>
+      </p:sp>
+    </p:spTree>
+    <p:extLst>
+      <p:ext uri="{BB962C8B-B14F-4D97-AF65-F5344CB8AC3E}">
+        <p14:creationId xmlns:p14="http://schemas.microsoft.com/office/powerpoint/2010/main" val="2686897341"/>
+      </p:ext>
+    </p:extLst>
+  </p:cSld>
+  <p:clrMapOvr>
+    <a:masterClrMapping/>
+  </p:clrMapOvr>
+</p:notes>
 </file>
 
 <file path=ppt/slideLayouts/slideLayout1.xml><?xml version="1.0" encoding="utf-8"?>
@@ -3526,8 +3962,8 @@
         </p:nvSpPr>
         <p:spPr>
           <a:xfrm>
-            <a:off x="3292268" y="3281082"/>
-            <a:ext cx="598414" cy="426445"/>
+            <a:off x="3428630" y="3215777"/>
+            <a:ext cx="529655" cy="426445"/>
           </a:xfrm>
           <a:prstGeom prst="rect">
             <a:avLst/>
@@ -3572,10 +4008,10 @@
       </p:sp>
       <p:sp>
         <p:nvSpPr>
-          <p:cNvPr id="6" name="Rectangle 5">
-            <a:extLst>
-              <a:ext uri="{FF2B5EF4-FFF2-40B4-BE49-F238E27FC236}">
-                <a16:creationId xmlns:a16="http://schemas.microsoft.com/office/drawing/2014/main" id="{1F9FD8CD-F033-84BB-E3F7-7745BD6DF897}"/>
+          <p:cNvPr id="8" name="Rectangle 7">
+            <a:extLst>
+              <a:ext uri="{FF2B5EF4-FFF2-40B4-BE49-F238E27FC236}">
+                <a16:creationId xmlns:a16="http://schemas.microsoft.com/office/drawing/2014/main" id="{FA494A65-57F3-675D-427E-C1A28E550FFA}"/>
               </a:ext>
             </a:extLst>
           </p:cNvPr>
@@ -3584,8 +4020,124 @@
         </p:nvSpPr>
         <p:spPr>
           <a:xfrm>
-            <a:off x="4140956" y="1694329"/>
-            <a:ext cx="529655" cy="457200"/>
+            <a:off x="3428630" y="2208470"/>
+            <a:ext cx="372405" cy="457200"/>
+          </a:xfrm>
+          <a:prstGeom prst="rect">
+            <a:avLst/>
+          </a:prstGeom>
+          <a:solidFill>
+            <a:srgbClr val="156082">
+              <a:alpha val="30196"/>
+            </a:srgbClr>
+          </a:solidFill>
+        </p:spPr>
+        <p:style>
+          <a:lnRef idx="2">
+            <a:schemeClr val="accent1">
+              <a:shade val="15000"/>
+            </a:schemeClr>
+          </a:lnRef>
+          <a:fillRef idx="1">
+            <a:schemeClr val="accent1"/>
+          </a:fillRef>
+          <a:effectRef idx="0">
+            <a:schemeClr val="accent1"/>
+          </a:effectRef>
+          <a:fontRef idx="minor">
+            <a:schemeClr val="lt1"/>
+          </a:fontRef>
+        </p:style>
+        <p:txBody>
+          <a:bodyPr rtlCol="0" anchor="t"/>
+          <a:lstStyle/>
+          <a:p>
+            <a:pPr algn="ctr"/>
+            <a:r>
+              <a:rPr lang="en-US" sz="900" dirty="0">
+                <a:solidFill>
+                  <a:schemeClr val="tx1"/>
+                </a:solidFill>
+              </a:rPr>
+              <a:t>06/19</a:t>
+            </a:r>
+          </a:p>
+        </p:txBody>
+      </p:sp>
+      <p:sp>
+        <p:nvSpPr>
+          <p:cNvPr id="9" name="Rectangle 8">
+            <a:extLst>
+              <a:ext uri="{FF2B5EF4-FFF2-40B4-BE49-F238E27FC236}">
+                <a16:creationId xmlns:a16="http://schemas.microsoft.com/office/drawing/2014/main" id="{643CF8D2-4A99-CD45-371B-51A23C2DD4F0}"/>
+              </a:ext>
+            </a:extLst>
+          </p:cNvPr>
+          <p:cNvSpPr/>
+          <p:nvPr/>
+        </p:nvSpPr>
+        <p:spPr>
+          <a:xfrm>
+            <a:off x="3224497" y="1704817"/>
+            <a:ext cx="372405" cy="457200"/>
+          </a:xfrm>
+          <a:prstGeom prst="rect">
+            <a:avLst/>
+          </a:prstGeom>
+          <a:solidFill>
+            <a:srgbClr val="156082">
+              <a:alpha val="30196"/>
+            </a:srgbClr>
+          </a:solidFill>
+        </p:spPr>
+        <p:style>
+          <a:lnRef idx="2">
+            <a:schemeClr val="accent1">
+              <a:shade val="15000"/>
+            </a:schemeClr>
+          </a:lnRef>
+          <a:fillRef idx="1">
+            <a:schemeClr val="accent1"/>
+          </a:fillRef>
+          <a:effectRef idx="0">
+            <a:schemeClr val="accent1"/>
+          </a:effectRef>
+          <a:fontRef idx="minor">
+            <a:schemeClr val="lt1"/>
+          </a:fontRef>
+        </p:style>
+        <p:txBody>
+          <a:bodyPr rtlCol="0" anchor="t"/>
+          <a:lstStyle/>
+          <a:p>
+            <a:pPr algn="ctr"/>
+            <a:r>
+              <a:rPr lang="en-US" sz="900" dirty="0">
+                <a:solidFill>
+                  <a:schemeClr val="tx1"/>
+                </a:solidFill>
+              </a:rPr>
+              <a:t>06/19</a:t>
+            </a:r>
+          </a:p>
+        </p:txBody>
+      </p:sp>
+      <p:sp>
+        <p:nvSpPr>
+          <p:cNvPr id="10" name="Rectangle 9">
+            <a:extLst>
+              <a:ext uri="{FF2B5EF4-FFF2-40B4-BE49-F238E27FC236}">
+                <a16:creationId xmlns:a16="http://schemas.microsoft.com/office/drawing/2014/main" id="{9D27F417-AEB8-5814-1166-2B0D5099107D}"/>
+              </a:ext>
+            </a:extLst>
+          </p:cNvPr>
+          <p:cNvSpPr/>
+          <p:nvPr/>
+        </p:nvSpPr>
+        <p:spPr>
+          <a:xfrm>
+            <a:off x="4213638" y="1697481"/>
+            <a:ext cx="372405" cy="457200"/>
           </a:xfrm>
           <a:prstGeom prst="rect">
             <a:avLst/>
@@ -4067,10 +4619,10 @@
       </p:sp>
       <p:pic>
         <p:nvPicPr>
-          <p:cNvPr id="2050" name="Picture 2">
-            <a:extLst>
-              <a:ext uri="{FF2B5EF4-FFF2-40B4-BE49-F238E27FC236}">
-                <a16:creationId xmlns:a16="http://schemas.microsoft.com/office/drawing/2014/main" id="{B8430D20-8B0F-8DFC-AF0E-8FFCCCCEBA40}"/>
+          <p:cNvPr id="2054" name="Picture 6">
+            <a:extLst>
+              <a:ext uri="{FF2B5EF4-FFF2-40B4-BE49-F238E27FC236}">
+                <a16:creationId xmlns:a16="http://schemas.microsoft.com/office/drawing/2014/main" id="{E827FAA2-0949-CC4F-CDDA-87C7B0B9B27E}"/>
               </a:ext>
             </a:extLst>
           </p:cNvPr>
@@ -4094,8 +4646,8 @@
         </p:blipFill>
         <p:spPr bwMode="auto">
           <a:xfrm>
-            <a:off x="8697611" y="2799377"/>
-            <a:ext cx="3185060" cy="1979676"/>
+            <a:off x="8477349" y="2633290"/>
+            <a:ext cx="3549428" cy="2221378"/>
           </a:xfrm>
           <a:prstGeom prst="rect">
             <a:avLst/>
@@ -4463,12 +5015,78 @@
           </a:p>
         </p:txBody>
       </p:sp>
+      <p:sp>
+        <p:nvSpPr>
+          <p:cNvPr id="15" name="TextBox 14">
+            <a:extLst>
+              <a:ext uri="{FF2B5EF4-FFF2-40B4-BE49-F238E27FC236}">
+                <a16:creationId xmlns:a16="http://schemas.microsoft.com/office/drawing/2014/main" id="{F3EE4A1B-F72A-8547-7419-00B7B6480BE9}"/>
+              </a:ext>
+            </a:extLst>
+          </p:cNvPr>
+          <p:cNvSpPr txBox="1"/>
+          <p:nvPr/>
+        </p:nvSpPr>
+        <p:spPr>
+          <a:xfrm>
+            <a:off x="2718113" y="1633918"/>
+            <a:ext cx="2765121" cy="369332"/>
+          </a:xfrm>
+          <a:prstGeom prst="rect">
+            <a:avLst/>
+          </a:prstGeom>
+          <a:noFill/>
+        </p:spPr>
+        <p:txBody>
+          <a:bodyPr wrap="square" rtlCol="0">
+            <a:spAutoFit/>
+          </a:bodyPr>
+          <a:lstStyle/>
+          <a:p>
+            <a:pPr algn="ctr"/>
+            <a:r>
+              <a:rPr lang="en-US" dirty="0"/>
+              <a:t>TODO</a:t>
+            </a:r>
+          </a:p>
+        </p:txBody>
+      </p:sp>
       <p:pic>
         <p:nvPicPr>
-          <p:cNvPr id="1026" name="Picture 2">
-            <a:extLst>
-              <a:ext uri="{FF2B5EF4-FFF2-40B4-BE49-F238E27FC236}">
-                <a16:creationId xmlns:a16="http://schemas.microsoft.com/office/drawing/2014/main" id="{85A14A7A-0E69-8EA2-0D2B-13F60BE106B1}"/>
+          <p:cNvPr id="16" name="Picture 15">
+            <a:extLst>
+              <a:ext uri="{FF2B5EF4-FFF2-40B4-BE49-F238E27FC236}">
+                <a16:creationId xmlns:a16="http://schemas.microsoft.com/office/drawing/2014/main" id="{E82F1C2C-4022-3D5A-E35B-36288618F0D4}"/>
+              </a:ext>
+            </a:extLst>
+          </p:cNvPr>
+          <p:cNvPicPr>
+            <a:picLocks noChangeAspect="1"/>
+          </p:cNvPicPr>
+          <p:nvPr/>
+        </p:nvPicPr>
+        <p:blipFill>
+          <a:blip r:embed="rId5"/>
+          <a:stretch>
+            <a:fillRect/>
+          </a:stretch>
+        </p:blipFill>
+        <p:spPr>
+          <a:xfrm>
+            <a:off x="1673511" y="4564811"/>
+            <a:ext cx="1341483" cy="1104488"/>
+          </a:xfrm>
+          <a:prstGeom prst="rect">
+            <a:avLst/>
+          </a:prstGeom>
+        </p:spPr>
+      </p:pic>
+      <p:pic>
+        <p:nvPicPr>
+          <p:cNvPr id="17" name="Picture 2">
+            <a:extLst>
+              <a:ext uri="{FF2B5EF4-FFF2-40B4-BE49-F238E27FC236}">
+                <a16:creationId xmlns:a16="http://schemas.microsoft.com/office/drawing/2014/main" id="{BE8873CF-4798-75E9-EFEE-0E662BE9FB32}"/>
               </a:ext>
             </a:extLst>
           </p:cNvPr>
@@ -4478,7 +5096,7 @@
           <p:nvPr/>
         </p:nvPicPr>
         <p:blipFill>
-          <a:blip r:embed="rId5">
+          <a:blip r:embed="rId6">
             <a:extLst>
               <a:ext uri="{28A0092B-C50C-407E-A947-70E740481C1C}">
                 <a14:useLocalDpi xmlns:a14="http://schemas.microsoft.com/office/drawing/2010/main" val="0"/>
@@ -4492,8 +5110,8 @@
         </p:blipFill>
         <p:spPr bwMode="auto">
           <a:xfrm>
-            <a:off x="7530395" y="2458323"/>
-            <a:ext cx="4481348" cy="2800102"/>
+            <a:off x="1475842" y="5690634"/>
+            <a:ext cx="1736820" cy="716625"/>
           </a:xfrm>
           <a:prstGeom prst="rect">
             <a:avLst/>
@@ -4512,10 +5130,10 @@
       </p:pic>
       <p:sp>
         <p:nvSpPr>
-          <p:cNvPr id="15" name="TextBox 14">
-            <a:extLst>
-              <a:ext uri="{FF2B5EF4-FFF2-40B4-BE49-F238E27FC236}">
-                <a16:creationId xmlns:a16="http://schemas.microsoft.com/office/drawing/2014/main" id="{F3EE4A1B-F72A-8547-7419-00B7B6480BE9}"/>
+          <p:cNvPr id="18" name="TextBox 17">
+            <a:extLst>
+              <a:ext uri="{FF2B5EF4-FFF2-40B4-BE49-F238E27FC236}">
+                <a16:creationId xmlns:a16="http://schemas.microsoft.com/office/drawing/2014/main" id="{C69977A7-B881-6FEB-C881-54B2CF7BF8CB}"/>
               </a:ext>
             </a:extLst>
           </p:cNvPr>
@@ -4524,8 +5142,8 @@
         </p:nvSpPr>
         <p:spPr>
           <a:xfrm>
-            <a:off x="2718113" y="1633918"/>
-            <a:ext cx="2765121" cy="369332"/>
+            <a:off x="1122471" y="6325580"/>
+            <a:ext cx="2443561" cy="646331"/>
           </a:xfrm>
           <a:prstGeom prst="rect">
             <a:avLst/>
@@ -4540,48 +5158,25 @@
           <a:p>
             <a:pPr algn="ctr"/>
             <a:r>
+              <a:rPr lang="en-US" dirty="0" err="1"/>
+              <a:t>Fus</a:t>
+            </a:r>
+            <a:br>
               <a:rPr lang="en-US" dirty="0"/>
-              <a:t>TODO</a:t>
+            </a:br>
+            <a:r>
+              <a:rPr lang="en-US" dirty="0"/>
+              <a:t>@ (0.10, 0.0075) </a:t>
             </a:r>
           </a:p>
         </p:txBody>
       </p:sp>
       <p:pic>
         <p:nvPicPr>
-          <p:cNvPr id="16" name="Picture 15">
-            <a:extLst>
-              <a:ext uri="{FF2B5EF4-FFF2-40B4-BE49-F238E27FC236}">
-                <a16:creationId xmlns:a16="http://schemas.microsoft.com/office/drawing/2014/main" id="{E82F1C2C-4022-3D5A-E35B-36288618F0D4}"/>
-              </a:ext>
-            </a:extLst>
-          </p:cNvPr>
-          <p:cNvPicPr>
-            <a:picLocks noChangeAspect="1"/>
-          </p:cNvPicPr>
-          <p:nvPr/>
-        </p:nvPicPr>
-        <p:blipFill>
-          <a:blip r:embed="rId6"/>
-          <a:stretch>
-            <a:fillRect/>
-          </a:stretch>
-        </p:blipFill>
-        <p:spPr>
-          <a:xfrm>
-            <a:off x="1673511" y="4564811"/>
-            <a:ext cx="1341483" cy="1104488"/>
-          </a:xfrm>
-          <a:prstGeom prst="rect">
-            <a:avLst/>
-          </a:prstGeom>
-        </p:spPr>
-      </p:pic>
-      <p:pic>
-        <p:nvPicPr>
-          <p:cNvPr id="17" name="Picture 2">
-            <a:extLst>
-              <a:ext uri="{FF2B5EF4-FFF2-40B4-BE49-F238E27FC236}">
-                <a16:creationId xmlns:a16="http://schemas.microsoft.com/office/drawing/2014/main" id="{BE8873CF-4798-75E9-EFEE-0E662BE9FB32}"/>
+          <p:cNvPr id="19" name="Picture 4">
+            <a:extLst>
+              <a:ext uri="{FF2B5EF4-FFF2-40B4-BE49-F238E27FC236}">
+                <a16:creationId xmlns:a16="http://schemas.microsoft.com/office/drawing/2014/main" id="{1F1C44BE-2995-BFE6-65E7-5673DFF68510}"/>
               </a:ext>
             </a:extLst>
           </p:cNvPr>
@@ -4605,8 +5200,8 @@
         </p:blipFill>
         <p:spPr bwMode="auto">
           <a:xfrm>
-            <a:off x="1475842" y="5690634"/>
-            <a:ext cx="1736820" cy="716625"/>
+            <a:off x="4219926" y="4781039"/>
+            <a:ext cx="1980532" cy="1069745"/>
           </a:xfrm>
           <a:prstGeom prst="rect">
             <a:avLst/>
@@ -4625,10 +5220,10 @@
       </p:pic>
       <p:sp>
         <p:nvSpPr>
-          <p:cNvPr id="18" name="TextBox 17">
-            <a:extLst>
-              <a:ext uri="{FF2B5EF4-FFF2-40B4-BE49-F238E27FC236}">
-                <a16:creationId xmlns:a16="http://schemas.microsoft.com/office/drawing/2014/main" id="{C69977A7-B881-6FEB-C881-54B2CF7BF8CB}"/>
+          <p:cNvPr id="21" name="TextBox 20">
+            <a:extLst>
+              <a:ext uri="{FF2B5EF4-FFF2-40B4-BE49-F238E27FC236}">
+                <a16:creationId xmlns:a16="http://schemas.microsoft.com/office/drawing/2014/main" id="{1091E229-4CE9-B04F-0A62-34B86C6F1D9F}"/>
               </a:ext>
             </a:extLst>
           </p:cNvPr>
@@ -4637,7 +5232,7 @@
         </p:nvSpPr>
         <p:spPr>
           <a:xfrm>
-            <a:off x="1122471" y="6325580"/>
+            <a:off x="4119838" y="6003988"/>
             <a:ext cx="2443561" cy="646331"/>
           </a:xfrm>
           <a:prstGeom prst="rect">
@@ -4653,25 +5248,25 @@
           <a:p>
             <a:pPr algn="ctr"/>
             <a:r>
-              <a:rPr lang="en-US" dirty="0" err="1"/>
-              <a:t>Fus</a:t>
+              <a:rPr lang="en-US" dirty="0"/>
+              <a:t>Hom </a:t>
             </a:r>
             <a:br>
               <a:rPr lang="en-US" dirty="0"/>
             </a:br>
             <a:r>
               <a:rPr lang="en-US" dirty="0"/>
-              <a:t>@ (0.10, 0.0075) </a:t>
+              <a:t>@ (0.10, 0.010) </a:t>
             </a:r>
           </a:p>
         </p:txBody>
       </p:sp>
       <p:pic>
         <p:nvPicPr>
-          <p:cNvPr id="19" name="Picture 4">
-            <a:extLst>
-              <a:ext uri="{FF2B5EF4-FFF2-40B4-BE49-F238E27FC236}">
-                <a16:creationId xmlns:a16="http://schemas.microsoft.com/office/drawing/2014/main" id="{1F1C44BE-2995-BFE6-65E7-5673DFF68510}"/>
+          <p:cNvPr id="1030" name="Picture 6">
+            <a:extLst>
+              <a:ext uri="{FF2B5EF4-FFF2-40B4-BE49-F238E27FC236}">
+                <a16:creationId xmlns:a16="http://schemas.microsoft.com/office/drawing/2014/main" id="{81DE1FC3-B534-1CF8-F59A-0347F76C4B50}"/>
               </a:ext>
             </a:extLst>
           </p:cNvPr>
@@ -4695,8 +5290,8 @@
         </p:blipFill>
         <p:spPr bwMode="auto">
           <a:xfrm>
-            <a:off x="4219926" y="4781039"/>
-            <a:ext cx="1980532" cy="1069745"/>
+            <a:off x="7670722" y="2833053"/>
+            <a:ext cx="4458933" cy="2786097"/>
           </a:xfrm>
           <a:prstGeom prst="rect">
             <a:avLst/>
@@ -4713,49 +5308,6 @@
           </a:extLst>
         </p:spPr>
       </p:pic>
-      <p:sp>
-        <p:nvSpPr>
-          <p:cNvPr id="21" name="TextBox 20">
-            <a:extLst>
-              <a:ext uri="{FF2B5EF4-FFF2-40B4-BE49-F238E27FC236}">
-                <a16:creationId xmlns:a16="http://schemas.microsoft.com/office/drawing/2014/main" id="{1091E229-4CE9-B04F-0A62-34B86C6F1D9F}"/>
-              </a:ext>
-            </a:extLst>
-          </p:cNvPr>
-          <p:cNvSpPr txBox="1"/>
-          <p:nvPr/>
-        </p:nvSpPr>
-        <p:spPr>
-          <a:xfrm>
-            <a:off x="4119838" y="6003988"/>
-            <a:ext cx="2443561" cy="646331"/>
-          </a:xfrm>
-          <a:prstGeom prst="rect">
-            <a:avLst/>
-          </a:prstGeom>
-          <a:noFill/>
-        </p:spPr>
-        <p:txBody>
-          <a:bodyPr wrap="square" rtlCol="0">
-            <a:spAutoFit/>
-          </a:bodyPr>
-          <a:lstStyle/>
-          <a:p>
-            <a:pPr algn="ctr"/>
-            <a:r>
-              <a:rPr lang="en-US" dirty="0"/>
-              <a:t>Hom </a:t>
-            </a:r>
-            <a:br>
-              <a:rPr lang="en-US" dirty="0"/>
-            </a:br>
-            <a:r>
-              <a:rPr lang="en-US" dirty="0"/>
-              <a:t>@ (0.10, 0.010) </a:t>
-            </a:r>
-          </a:p>
-        </p:txBody>
-      </p:sp>
     </p:spTree>
     <p:extLst>
       <p:ext uri="{BB962C8B-B14F-4D97-AF65-F5344CB8AC3E}">
@@ -4876,8 +5428,8 @@
         </p:blipFill>
         <p:spPr>
           <a:xfrm>
-            <a:off x="275946" y="2281333"/>
-            <a:ext cx="1580291" cy="2456697"/>
+            <a:off x="1001014" y="1496363"/>
+            <a:ext cx="1296462" cy="2015461"/>
           </a:xfrm>
           <a:prstGeom prst="rect">
             <a:avLst/>
@@ -4898,8 +5450,8 @@
         </p:nvSpPr>
         <p:spPr>
           <a:xfrm>
-            <a:off x="-246714" y="4738030"/>
-            <a:ext cx="2765121" cy="646331"/>
+            <a:off x="486554" y="3475205"/>
+            <a:ext cx="2268490" cy="646331"/>
           </a:xfrm>
           <a:prstGeom prst="rect">
             <a:avLst/>
@@ -4941,8 +5493,8 @@
         </p:nvSpPr>
         <p:spPr>
           <a:xfrm>
-            <a:off x="-246714" y="1801726"/>
-            <a:ext cx="2765121" cy="369332"/>
+            <a:off x="478354" y="1016756"/>
+            <a:ext cx="2268490" cy="369332"/>
           </a:xfrm>
           <a:prstGeom prst="rect">
             <a:avLst/>
@@ -4985,8 +5537,8 @@
         </p:blipFill>
         <p:spPr>
           <a:xfrm>
-            <a:off x="2259808" y="2556846"/>
-            <a:ext cx="1787543" cy="1924091"/>
+            <a:off x="2984876" y="1771876"/>
+            <a:ext cx="1466490" cy="1578513"/>
           </a:xfrm>
           <a:prstGeom prst="rect">
             <a:avLst/>
@@ -5007,8 +5559,8 @@
         </p:nvSpPr>
         <p:spPr>
           <a:xfrm>
-            <a:off x="1771018" y="4737304"/>
-            <a:ext cx="2765121" cy="646331"/>
+            <a:off x="2504286" y="3474479"/>
+            <a:ext cx="2268490" cy="646331"/>
           </a:xfrm>
           <a:prstGeom prst="rect">
             <a:avLst/>
@@ -5062,8 +5614,8 @@
         </p:blipFill>
         <p:spPr>
           <a:xfrm>
-            <a:off x="4346261" y="2437830"/>
-            <a:ext cx="1910543" cy="2299475"/>
+            <a:off x="958845" y="4188696"/>
+            <a:ext cx="1567399" cy="1886477"/>
           </a:xfrm>
           <a:prstGeom prst="rect">
             <a:avLst/>
@@ -5092,8 +5644,8 @@
         </p:blipFill>
         <p:spPr>
           <a:xfrm>
-            <a:off x="6770549" y="2498127"/>
-            <a:ext cx="2142565" cy="2178880"/>
+            <a:off x="3014670" y="4307712"/>
+            <a:ext cx="1757748" cy="1787541"/>
           </a:xfrm>
           <a:prstGeom prst="rect">
             <a:avLst/>
@@ -5102,10 +5654,10 @@
       </p:pic>
       <p:sp>
         <p:nvSpPr>
-          <p:cNvPr id="13" name="TextBox 12">
-            <a:extLst>
-              <a:ext uri="{FF2B5EF4-FFF2-40B4-BE49-F238E27FC236}">
-                <a16:creationId xmlns:a16="http://schemas.microsoft.com/office/drawing/2014/main" id="{43ED4604-CF04-735F-AD87-A11BC53654F7}"/>
+          <p:cNvPr id="16" name="TextBox 15">
+            <a:extLst>
+              <a:ext uri="{FF2B5EF4-FFF2-40B4-BE49-F238E27FC236}">
+                <a16:creationId xmlns:a16="http://schemas.microsoft.com/office/drawing/2014/main" id="{1D13462F-3F31-7473-5236-737D7E955407}"/>
               </a:ext>
             </a:extLst>
           </p:cNvPr>
@@ -5114,8 +5666,8 @@
         </p:nvSpPr>
         <p:spPr>
           <a:xfrm>
-            <a:off x="3951675" y="1906609"/>
-            <a:ext cx="2765121" cy="369332"/>
+            <a:off x="618013" y="6095253"/>
+            <a:ext cx="2268490" cy="646331"/>
           </a:xfrm>
           <a:prstGeom prst="rect">
             <a:avLst/>
@@ -5131,17 +5683,24 @@
             <a:pPr algn="ctr"/>
             <a:r>
               <a:rPr lang="en-US" dirty="0"/>
-              <a:t>TODO</a:t>
-            </a:r>
-          </a:p>
-        </p:txBody>
-      </p:sp>
-      <p:sp>
-        <p:nvSpPr>
-          <p:cNvPr id="14" name="TextBox 13">
-            <a:extLst>
-              <a:ext uri="{FF2B5EF4-FFF2-40B4-BE49-F238E27FC236}">
-                <a16:creationId xmlns:a16="http://schemas.microsoft.com/office/drawing/2014/main" id="{FC19ACEA-4179-1C7F-1F5E-6542E574C21F}"/>
+              <a:t>Rai-str</a:t>
+            </a:r>
+            <a:br>
+              <a:rPr lang="en-US" dirty="0"/>
+            </a:br>
+            <a:r>
+              <a:rPr lang="en-US" dirty="0"/>
+              <a:t>@ (0.25, 0.035??)</a:t>
+            </a:r>
+          </a:p>
+        </p:txBody>
+      </p:sp>
+      <p:sp>
+        <p:nvSpPr>
+          <p:cNvPr id="17" name="TextBox 16">
+            <a:extLst>
+              <a:ext uri="{FF2B5EF4-FFF2-40B4-BE49-F238E27FC236}">
+                <a16:creationId xmlns:a16="http://schemas.microsoft.com/office/drawing/2014/main" id="{73DC2D45-D4FC-6F86-5E6D-3DD3EED30B8D}"/>
               </a:ext>
             </a:extLst>
           </p:cNvPr>
@@ -5150,8 +5709,8 @@
         </p:nvSpPr>
         <p:spPr>
           <a:xfrm>
-            <a:off x="6623157" y="1897799"/>
-            <a:ext cx="2765121" cy="369332"/>
+            <a:off x="3014670" y="6153972"/>
+            <a:ext cx="2268490" cy="646331"/>
           </a:xfrm>
           <a:prstGeom prst="rect">
             <a:avLst/>
@@ -5167,97 +5726,65 @@
             <a:pPr algn="ctr"/>
             <a:r>
               <a:rPr lang="en-US" dirty="0"/>
-              <a:t>TODO</a:t>
-            </a:r>
-          </a:p>
-        </p:txBody>
-      </p:sp>
-      <p:sp>
-        <p:nvSpPr>
-          <p:cNvPr id="16" name="TextBox 15">
-            <a:extLst>
-              <a:ext uri="{FF2B5EF4-FFF2-40B4-BE49-F238E27FC236}">
-                <a16:creationId xmlns:a16="http://schemas.microsoft.com/office/drawing/2014/main" id="{1D13462F-3F31-7473-5236-737D7E955407}"/>
-              </a:ext>
-            </a:extLst>
-          </p:cNvPr>
-          <p:cNvSpPr txBox="1"/>
+              <a:t>Hom?</a:t>
+            </a:r>
+            <a:br>
+              <a:rPr lang="en-US" dirty="0"/>
+            </a:br>
+            <a:r>
+              <a:rPr lang="en-US" dirty="0"/>
+              <a:t>@ (0.25, 0.050???)</a:t>
+            </a:r>
+          </a:p>
+        </p:txBody>
+      </p:sp>
+      <p:pic>
+        <p:nvPicPr>
+          <p:cNvPr id="4098" name="Picture 2">
+            <a:extLst>
+              <a:ext uri="{FF2B5EF4-FFF2-40B4-BE49-F238E27FC236}">
+                <a16:creationId xmlns:a16="http://schemas.microsoft.com/office/drawing/2014/main" id="{DE44CC67-62A7-0610-D770-D35C1376591F}"/>
+              </a:ext>
+            </a:extLst>
+          </p:cNvPr>
+          <p:cNvPicPr>
+            <a:picLocks noChangeAspect="1" noChangeArrowheads="1"/>
+          </p:cNvPicPr>
           <p:nvPr/>
-        </p:nvSpPr>
-        <p:spPr>
-          <a:xfrm>
-            <a:off x="3873969" y="4737304"/>
-            <a:ext cx="2765121" cy="646331"/>
+        </p:nvPicPr>
+        <p:blipFill>
+          <a:blip r:embed="rId6">
+            <a:extLst>
+              <a:ext uri="{28A0092B-C50C-407E-A947-70E740481C1C}">
+                <a14:useLocalDpi xmlns:a14="http://schemas.microsoft.com/office/drawing/2010/main" val="0"/>
+              </a:ext>
+            </a:extLst>
+          </a:blip>
+          <a:srcRect/>
+          <a:stretch>
+            <a:fillRect/>
+          </a:stretch>
+        </p:blipFill>
+        <p:spPr bwMode="auto">
+          <a:xfrm>
+            <a:off x="7781533" y="2437830"/>
+            <a:ext cx="4134521" cy="2490353"/>
           </a:xfrm>
           <a:prstGeom prst="rect">
             <a:avLst/>
           </a:prstGeom>
           <a:noFill/>
-        </p:spPr>
-        <p:txBody>
-          <a:bodyPr wrap="square" rtlCol="0">
-            <a:spAutoFit/>
-          </a:bodyPr>
-          <a:lstStyle/>
-          <a:p>
-            <a:pPr algn="ctr"/>
-            <a:r>
-              <a:rPr lang="en-US" dirty="0"/>
-              <a:t>Rai-str</a:t>
-            </a:r>
-            <a:br>
-              <a:rPr lang="en-US" dirty="0"/>
-            </a:br>
-            <a:r>
-              <a:rPr lang="en-US" dirty="0"/>
-              <a:t>@ (0.25, 0.035??)</a:t>
-            </a:r>
-          </a:p>
-        </p:txBody>
-      </p:sp>
-      <p:sp>
-        <p:nvSpPr>
-          <p:cNvPr id="17" name="TextBox 16">
-            <a:extLst>
-              <a:ext uri="{FF2B5EF4-FFF2-40B4-BE49-F238E27FC236}">
-                <a16:creationId xmlns:a16="http://schemas.microsoft.com/office/drawing/2014/main" id="{73DC2D45-D4FC-6F86-5E6D-3DD3EED30B8D}"/>
-              </a:ext>
-            </a:extLst>
-          </p:cNvPr>
-          <p:cNvSpPr txBox="1"/>
-          <p:nvPr/>
-        </p:nvSpPr>
-        <p:spPr>
-          <a:xfrm>
-            <a:off x="6639090" y="4737304"/>
-            <a:ext cx="2765121" cy="646331"/>
-          </a:xfrm>
-          <a:prstGeom prst="rect">
-            <a:avLst/>
-          </a:prstGeom>
-          <a:noFill/>
-        </p:spPr>
-        <p:txBody>
-          <a:bodyPr wrap="square" rtlCol="0">
-            <a:spAutoFit/>
-          </a:bodyPr>
-          <a:lstStyle/>
-          <a:p>
-            <a:pPr algn="ctr"/>
-            <a:r>
-              <a:rPr lang="en-US" dirty="0"/>
-              <a:t>Hom?</a:t>
-            </a:r>
-            <a:br>
-              <a:rPr lang="en-US" dirty="0"/>
-            </a:br>
-            <a:r>
-              <a:rPr lang="en-US" dirty="0"/>
-              <a:t>@ (0.25, 0.050???)</a:t>
-            </a:r>
-          </a:p>
-        </p:txBody>
-      </p:sp>
+          <a:extLst>
+            <a:ext uri="{909E8E84-426E-40DD-AFC4-6F175D3DCCD1}">
+              <a14:hiddenFill xmlns:a14="http://schemas.microsoft.com/office/drawing/2010/main">
+                <a:solidFill>
+                  <a:srgbClr val="FFFFFF"/>
+                </a:solidFill>
+              </a14:hiddenFill>
+            </a:ext>
+          </a:extLst>
+        </p:spPr>
+      </p:pic>
     </p:spTree>
     <p:extLst>
       <p:ext uri="{BB962C8B-B14F-4D97-AF65-F5344CB8AC3E}">
@@ -5349,108 +5876,6 @@
           <p:nvPr/>
         </p:nvPicPr>
         <p:blipFill>
-          <a:blip r:embed="rId2"/>
-          <a:stretch>
-            <a:fillRect/>
-          </a:stretch>
-        </p:blipFill>
-        <p:spPr>
-          <a:xfrm>
-            <a:off x="2573398" y="2240973"/>
-            <a:ext cx="1935849" cy="1980572"/>
-          </a:xfrm>
-          <a:prstGeom prst="rect">
-            <a:avLst/>
-          </a:prstGeom>
-        </p:spPr>
-      </p:pic>
-      <p:sp>
-        <p:nvSpPr>
-          <p:cNvPr id="10" name="TextBox 9">
-            <a:extLst>
-              <a:ext uri="{FF2B5EF4-FFF2-40B4-BE49-F238E27FC236}">
-                <a16:creationId xmlns:a16="http://schemas.microsoft.com/office/drawing/2014/main" id="{66022D3E-4B55-25B7-198D-152F7D929868}"/>
-              </a:ext>
-            </a:extLst>
-          </p:cNvPr>
-          <p:cNvSpPr txBox="1"/>
-          <p:nvPr/>
-        </p:nvSpPr>
-        <p:spPr>
-          <a:xfrm>
-            <a:off x="493059" y="4593802"/>
-            <a:ext cx="1969152" cy="369332"/>
-          </a:xfrm>
-          <a:prstGeom prst="rect">
-            <a:avLst/>
-          </a:prstGeom>
-          <a:noFill/>
-        </p:spPr>
-        <p:txBody>
-          <a:bodyPr wrap="square" rtlCol="0">
-            <a:spAutoFit/>
-          </a:bodyPr>
-          <a:lstStyle/>
-          <a:p>
-            <a:pPr/>
-            <a:r>
-              <a:rPr lang="en-US" dirty="0"/>
-              <a:t>@ (0.30, 0.020)</a:t>
-            </a:r>
-          </a:p>
-        </p:txBody>
-      </p:sp>
-      <p:sp>
-        <p:nvSpPr>
-          <p:cNvPr id="6" name="TextBox 5">
-            <a:extLst>
-              <a:ext uri="{FF2B5EF4-FFF2-40B4-BE49-F238E27FC236}">
-                <a16:creationId xmlns:a16="http://schemas.microsoft.com/office/drawing/2014/main" id="{982CAF2C-7C43-CD08-04D6-B9D3E93B8AF7}"/>
-              </a:ext>
-            </a:extLst>
-          </p:cNvPr>
-          <p:cNvSpPr txBox="1"/>
-          <p:nvPr/>
-        </p:nvSpPr>
-        <p:spPr>
-          <a:xfrm>
-            <a:off x="2818002" y="4593802"/>
-            <a:ext cx="1969152" cy="369332"/>
-          </a:xfrm>
-          <a:prstGeom prst="rect">
-            <a:avLst/>
-          </a:prstGeom>
-          <a:noFill/>
-        </p:spPr>
-        <p:txBody>
-          <a:bodyPr wrap="square" rtlCol="0">
-            <a:spAutoFit/>
-          </a:bodyPr>
-          <a:lstStyle/>
-          <a:p>
-            <a:pPr/>
-            <a:r>
-              <a:rPr lang="en-US" dirty="0"/>
-              <a:t>@ (0.30, 0.020)</a:t>
-            </a:r>
-          </a:p>
-        </p:txBody>
-      </p:sp>
-      <p:pic>
-        <p:nvPicPr>
-          <p:cNvPr id="7" name="Picture 6">
-            <a:extLst>
-              <a:ext uri="{FF2B5EF4-FFF2-40B4-BE49-F238E27FC236}">
-                <a16:creationId xmlns:a16="http://schemas.microsoft.com/office/drawing/2014/main" id="{72712DCD-F991-5102-53B1-25727601818C}"/>
-              </a:ext>
-            </a:extLst>
-          </p:cNvPr>
-          <p:cNvPicPr>
-            <a:picLocks noChangeAspect="1"/>
-          </p:cNvPicPr>
-          <p:nvPr/>
-        </p:nvPicPr>
-        <p:blipFill>
           <a:blip r:embed="rId3"/>
           <a:stretch>
             <a:fillRect/>
@@ -5458,20 +5883,92 @@
         </p:blipFill>
         <p:spPr>
           <a:xfrm>
-            <a:off x="5266142" y="2348753"/>
-            <a:ext cx="1865327" cy="1738020"/>
+            <a:off x="2068122" y="2272665"/>
+            <a:ext cx="1935849" cy="1980572"/>
           </a:xfrm>
           <a:prstGeom prst="rect">
             <a:avLst/>
           </a:prstGeom>
         </p:spPr>
       </p:pic>
+      <p:sp>
+        <p:nvSpPr>
+          <p:cNvPr id="10" name="TextBox 9">
+            <a:extLst>
+              <a:ext uri="{FF2B5EF4-FFF2-40B4-BE49-F238E27FC236}">
+                <a16:creationId xmlns:a16="http://schemas.microsoft.com/office/drawing/2014/main" id="{66022D3E-4B55-25B7-198D-152F7D929868}"/>
+              </a:ext>
+            </a:extLst>
+          </p:cNvPr>
+          <p:cNvSpPr txBox="1"/>
+          <p:nvPr/>
+        </p:nvSpPr>
+        <p:spPr>
+          <a:xfrm>
+            <a:off x="493059" y="4593802"/>
+            <a:ext cx="1969152" cy="369332"/>
+          </a:xfrm>
+          <a:prstGeom prst="rect">
+            <a:avLst/>
+          </a:prstGeom>
+          <a:noFill/>
+        </p:spPr>
+        <p:txBody>
+          <a:bodyPr wrap="square" rtlCol="0">
+            <a:spAutoFit/>
+          </a:bodyPr>
+          <a:lstStyle/>
+          <a:p>
+            <a:pPr/>
+            <a:r>
+              <a:rPr lang="en-US" dirty="0"/>
+              <a:t>@ (0.30, 0.020)</a:t>
+            </a:r>
+          </a:p>
+        </p:txBody>
+      </p:sp>
+      <p:sp>
+        <p:nvSpPr>
+          <p:cNvPr id="6" name="TextBox 5">
+            <a:extLst>
+              <a:ext uri="{FF2B5EF4-FFF2-40B4-BE49-F238E27FC236}">
+                <a16:creationId xmlns:a16="http://schemas.microsoft.com/office/drawing/2014/main" id="{982CAF2C-7C43-CD08-04D6-B9D3E93B8AF7}"/>
+              </a:ext>
+            </a:extLst>
+          </p:cNvPr>
+          <p:cNvSpPr txBox="1"/>
+          <p:nvPr/>
+        </p:nvSpPr>
+        <p:spPr>
+          <a:xfrm>
+            <a:off x="2312726" y="4625494"/>
+            <a:ext cx="1969152" cy="369332"/>
+          </a:xfrm>
+          <a:prstGeom prst="rect">
+            <a:avLst/>
+          </a:prstGeom>
+          <a:noFill/>
+        </p:spPr>
+        <p:txBody>
+          <a:bodyPr wrap="square" rtlCol="0">
+            <a:spAutoFit/>
+          </a:bodyPr>
+          <a:lstStyle/>
+          <a:p>
+            <a:pPr/>
+            <a:r>
+              <a:rPr lang="en-US" dirty="0"/>
+              <a:t>@ (0.30, 0.020)</a:t>
+            </a:r>
+          </a:p>
+        </p:txBody>
+      </p:sp>
       <p:pic>
         <p:nvPicPr>
-          <p:cNvPr id="9" name="Picture 8">
-            <a:extLst>
-              <a:ext uri="{FF2B5EF4-FFF2-40B4-BE49-F238E27FC236}">
-                <a16:creationId xmlns:a16="http://schemas.microsoft.com/office/drawing/2014/main" id="{8F1D1DF4-96F0-152C-1642-05351B2AEFAF}"/>
+          <p:cNvPr id="7" name="Picture 6">
+            <a:extLst>
+              <a:ext uri="{FF2B5EF4-FFF2-40B4-BE49-F238E27FC236}">
+                <a16:creationId xmlns:a16="http://schemas.microsoft.com/office/drawing/2014/main" id="{72712DCD-F991-5102-53B1-25727601818C}"/>
               </a:ext>
             </a:extLst>
           </p:cNvPr>
@@ -5488,14 +5985,44 @@
         </p:blipFill>
         <p:spPr>
           <a:xfrm>
-            <a:off x="524312" y="2107939"/>
-            <a:ext cx="1408310" cy="2489828"/>
+            <a:off x="4146066" y="2295890"/>
+            <a:ext cx="1865327" cy="1738020"/>
           </a:xfrm>
           <a:prstGeom prst="rect">
             <a:avLst/>
           </a:prstGeom>
         </p:spPr>
       </p:pic>
+      <p:pic>
+        <p:nvPicPr>
+          <p:cNvPr id="9" name="Picture 8">
+            <a:extLst>
+              <a:ext uri="{FF2B5EF4-FFF2-40B4-BE49-F238E27FC236}">
+                <a16:creationId xmlns:a16="http://schemas.microsoft.com/office/drawing/2014/main" id="{8F1D1DF4-96F0-152C-1642-05351B2AEFAF}"/>
+              </a:ext>
+            </a:extLst>
+          </p:cNvPr>
+          <p:cNvPicPr>
+            <a:picLocks noChangeAspect="1"/>
+          </p:cNvPicPr>
+          <p:nvPr/>
+        </p:nvPicPr>
+        <p:blipFill>
+          <a:blip r:embed="rId5"/>
+          <a:stretch>
+            <a:fillRect/>
+          </a:stretch>
+        </p:blipFill>
+        <p:spPr>
+          <a:xfrm>
+            <a:off x="524312" y="2107939"/>
+            <a:ext cx="1408310" cy="2489828"/>
+          </a:xfrm>
+          <a:prstGeom prst="rect">
+            <a:avLst/>
+          </a:prstGeom>
+        </p:spPr>
+      </p:pic>
       <p:sp>
         <p:nvSpPr>
           <p:cNvPr id="12" name="TextBox 11">
@@ -5510,7 +6037,7 @@
         </p:nvSpPr>
         <p:spPr>
           <a:xfrm>
-            <a:off x="5498449" y="4593802"/>
+            <a:off x="4378373" y="4540939"/>
             <a:ext cx="1969152" cy="369332"/>
           </a:xfrm>
           <a:prstGeom prst="rect">
@@ -5532,6 +6059,53 @@
           </a:p>
         </p:txBody>
       </p:sp>
+      <p:pic>
+        <p:nvPicPr>
+          <p:cNvPr id="5122" name="Picture 2">
+            <a:extLst>
+              <a:ext uri="{FF2B5EF4-FFF2-40B4-BE49-F238E27FC236}">
+                <a16:creationId xmlns:a16="http://schemas.microsoft.com/office/drawing/2014/main" id="{33430E75-5F96-B748-4198-EAD0D503085D}"/>
+              </a:ext>
+            </a:extLst>
+          </p:cNvPr>
+          <p:cNvPicPr>
+            <a:picLocks noChangeAspect="1" noChangeArrowheads="1"/>
+          </p:cNvPicPr>
+          <p:nvPr/>
+        </p:nvPicPr>
+        <p:blipFill>
+          <a:blip r:embed="rId6">
+            <a:extLst>
+              <a:ext uri="{28A0092B-C50C-407E-A947-70E740481C1C}">
+                <a14:useLocalDpi xmlns:a14="http://schemas.microsoft.com/office/drawing/2010/main" val="0"/>
+              </a:ext>
+            </a:extLst>
+          </a:blip>
+          <a:srcRect/>
+          <a:stretch>
+            <a:fillRect/>
+          </a:stretch>
+        </p:blipFill>
+        <p:spPr bwMode="auto">
+          <a:xfrm>
+            <a:off x="6727629" y="2059833"/>
+            <a:ext cx="5294245" cy="3231197"/>
+          </a:xfrm>
+          <a:prstGeom prst="rect">
+            <a:avLst/>
+          </a:prstGeom>
+          <a:noFill/>
+          <a:extLst>
+            <a:ext uri="{909E8E84-426E-40DD-AFC4-6F175D3DCCD1}">
+              <a14:hiddenFill xmlns:a14="http://schemas.microsoft.com/office/drawing/2010/main">
+                <a:solidFill>
+                  <a:srgbClr val="FFFFFF"/>
+                </a:solidFill>
+              </a14:hiddenFill>
+            </a:ext>
+          </a:extLst>
+        </p:spPr>
+      </p:pic>
     </p:spTree>
     <p:extLst>
       <p:ext uri="{BB962C8B-B14F-4D97-AF65-F5344CB8AC3E}">
@@ -5858,4 +6432,319 @@
     </a:ext>
   </a:extLst>
 </a:theme>
+</file>
+
+<file path=ppt/theme/theme2.xml><?xml version="1.0" encoding="utf-8"?>
+<a:theme xmlns:a="http://schemas.openxmlformats.org/drawingml/2006/main" name="Office Theme">
+  <a:themeElements>
+    <a:clrScheme name="Office">
+      <a:dk1>
+        <a:sysClr val="windowText" lastClr="000000"/>
+      </a:dk1>
+      <a:lt1>
+        <a:sysClr val="window" lastClr="FFFFFF"/>
+      </a:lt1>
+      <a:dk2>
+        <a:srgbClr val="0E2841"/>
+      </a:dk2>
+      <a:lt2>
+        <a:srgbClr val="E8E8E8"/>
+      </a:lt2>
+      <a:accent1>
+        <a:srgbClr val="156082"/>
+      </a:accent1>
+      <a:accent2>
+        <a:srgbClr val="E97132"/>
+      </a:accent2>
+      <a:accent3>
+        <a:srgbClr val="196B24"/>
+      </a:accent3>
+      <a:accent4>
+        <a:srgbClr val="0F9ED5"/>
+      </a:accent4>
+      <a:accent5>
+        <a:srgbClr val="A02B93"/>
+      </a:accent5>
+      <a:accent6>
+        <a:srgbClr val="4EA72E"/>
+      </a:accent6>
+      <a:hlink>
+        <a:srgbClr val="467886"/>
+      </a:hlink>
+      <a:folHlink>
+        <a:srgbClr val="96607D"/>
+      </a:folHlink>
+    </a:clrScheme>
+    <a:fontScheme name="Office">
+      <a:majorFont>
+        <a:latin typeface="Aptos Display" panose="02110004020202020204"/>
+        <a:ea typeface=""/>
+        <a:cs typeface=""/>
+        <a:font script="Jpan" typeface="游ゴシック Light"/>
+        <a:font script="Hang" typeface="맑은 고딕"/>
+        <a:font script="Hans" typeface="等线 Light"/>
+        <a:font script="Hant" typeface="新細明體"/>
+        <a:font script="Arab" typeface="Times New Roman"/>
+        <a:font script="Hebr" typeface="Times New Roman"/>
+        <a:font script="Thai" typeface="Angsana New"/>
+        <a:font script="Ethi" typeface="Nyala"/>
+        <a:font script="Beng" typeface="Vrinda"/>
+        <a:font script="Gujr" typeface="Shruti"/>
+        <a:font script="Khmr" typeface="MoolBoran"/>
+        <a:font script="Knda" typeface="Tunga"/>
+        <a:font script="Guru" typeface="Raavi"/>
+        <a:font script="Cans" typeface="Euphemia"/>
+        <a:font script="Cher" typeface="Plantagenet Cherokee"/>
+        <a:font script="Yiii" typeface="Microsoft Yi Baiti"/>
+        <a:font script="Tibt" typeface="Microsoft Himalaya"/>
+        <a:font script="Thaa" typeface="MV Boli"/>
+        <a:font script="Deva" typeface="Mangal"/>
+        <a:font script="Telu" typeface="Gautami"/>
+        <a:font script="Taml" typeface="Latha"/>
+        <a:font script="Syrc" typeface="Estrangelo Edessa"/>
+        <a:font script="Orya" typeface="Kalinga"/>
+        <a:font script="Mlym" typeface="Kartika"/>
+        <a:font script="Laoo" typeface="DokChampa"/>
+        <a:font script="Sinh" typeface="Iskoola Pota"/>
+        <a:font script="Mong" typeface="Mongolian Baiti"/>
+        <a:font script="Viet" typeface="Times New Roman"/>
+        <a:font script="Uigh" typeface="Microsoft Uighur"/>
+        <a:font script="Geor" typeface="Sylfaen"/>
+        <a:font script="Armn" typeface="Arial"/>
+        <a:font script="Bugi" typeface="Leelawadee UI"/>
+        <a:font script="Bopo" typeface="Microsoft JhengHei"/>
+        <a:font script="Java" typeface="Javanese Text"/>
+        <a:font script="Lisu" typeface="Segoe UI"/>
+        <a:font script="Mymr" typeface="Myanmar Text"/>
+        <a:font script="Nkoo" typeface="Ebrima"/>
+        <a:font script="Olck" typeface="Nirmala UI"/>
+        <a:font script="Osma" typeface="Ebrima"/>
+        <a:font script="Phag" typeface="Phagspa"/>
+        <a:font script="Syrn" typeface="Estrangelo Edessa"/>
+        <a:font script="Syrj" typeface="Estrangelo Edessa"/>
+        <a:font script="Syre" typeface="Estrangelo Edessa"/>
+        <a:font script="Sora" typeface="Nirmala UI"/>
+        <a:font script="Tale" typeface="Microsoft Tai Le"/>
+        <a:font script="Talu" typeface="Microsoft New Tai Lue"/>
+        <a:font script="Tfng" typeface="Ebrima"/>
+      </a:majorFont>
+      <a:minorFont>
+        <a:latin typeface="Aptos" panose="02110004020202020204"/>
+        <a:ea typeface=""/>
+        <a:cs typeface=""/>
+        <a:font script="Jpan" typeface="游ゴシック"/>
+        <a:font script="Hang" typeface="맑은 고딕"/>
+        <a:font script="Hans" typeface="等线"/>
+        <a:font script="Hant" typeface="新細明體"/>
+        <a:font script="Arab" typeface="Arial"/>
+        <a:font script="Hebr" typeface="Arial"/>
+        <a:font script="Thai" typeface="Cordia New"/>
+        <a:font script="Ethi" typeface="Nyala"/>
+        <a:font script="Beng" typeface="Vrinda"/>
+        <a:font script="Gujr" typeface="Shruti"/>
+        <a:font script="Khmr" typeface="DaunPenh"/>
+        <a:font script="Knda" typeface="Tunga"/>
+        <a:font script="Guru" typeface="Raavi"/>
+        <a:font script="Cans" typeface="Euphemia"/>
+        <a:font script="Cher" typeface="Plantagenet Cherokee"/>
+        <a:font script="Yiii" typeface="Microsoft Yi Baiti"/>
+        <a:font script="Tibt" typeface="Microsoft Himalaya"/>
+        <a:font script="Thaa" typeface="MV Boli"/>
+        <a:font script="Deva" typeface="Mangal"/>
+        <a:font script="Telu" typeface="Gautami"/>
+        <a:font script="Taml" typeface="Latha"/>
+        <a:font script="Syrc" typeface="Estrangelo Edessa"/>
+        <a:font script="Orya" typeface="Kalinga"/>
+        <a:font script="Mlym" typeface="Kartika"/>
+        <a:font script="Laoo" typeface="DokChampa"/>
+        <a:font script="Sinh" typeface="Iskoola Pota"/>
+        <a:font script="Mong" typeface="Mongolian Baiti"/>
+        <a:font script="Viet" typeface="Arial"/>
+        <a:font script="Uigh" typeface="Microsoft Uighur"/>
+        <a:font script="Geor" typeface="Sylfaen"/>
+        <a:font script="Armn" typeface="Arial"/>
+        <a:font script="Bugi" typeface="Leelawadee UI"/>
+        <a:font script="Bopo" typeface="Microsoft JhengHei"/>
+        <a:font script="Java" typeface="Javanese Text"/>
+        <a:font script="Lisu" typeface="Segoe UI"/>
+        <a:font script="Mymr" typeface="Myanmar Text"/>
+        <a:font script="Nkoo" typeface="Ebrima"/>
+        <a:font script="Olck" typeface="Nirmala UI"/>
+        <a:font script="Osma" typeface="Ebrima"/>
+        <a:font script="Phag" typeface="Phagspa"/>
+        <a:font script="Syrn" typeface="Estrangelo Edessa"/>
+        <a:font script="Syrj" typeface="Estrangelo Edessa"/>
+        <a:font script="Syre" typeface="Estrangelo Edessa"/>
+        <a:font script="Sora" typeface="Nirmala UI"/>
+        <a:font script="Tale" typeface="Microsoft Tai Le"/>
+        <a:font script="Talu" typeface="Microsoft New Tai Lue"/>
+        <a:font script="Tfng" typeface="Ebrima"/>
+      </a:minorFont>
+    </a:fontScheme>
+    <a:fmtScheme name="Office">
+      <a:fillStyleLst>
+        <a:solidFill>
+          <a:schemeClr val="phClr"/>
+        </a:solidFill>
+        <a:gradFill rotWithShape="1">
+          <a:gsLst>
+            <a:gs pos="0">
+              <a:schemeClr val="phClr">
+                <a:lumMod val="110000"/>
+                <a:satMod val="105000"/>
+                <a:tint val="67000"/>
+              </a:schemeClr>
+            </a:gs>
+            <a:gs pos="50000">
+              <a:schemeClr val="phClr">
+                <a:lumMod val="105000"/>
+                <a:satMod val="103000"/>
+                <a:tint val="73000"/>
+              </a:schemeClr>
+            </a:gs>
+            <a:gs pos="100000">
+              <a:schemeClr val="phClr">
+                <a:lumMod val="105000"/>
+                <a:satMod val="109000"/>
+                <a:tint val="81000"/>
+              </a:schemeClr>
+            </a:gs>
+          </a:gsLst>
+          <a:lin ang="5400000" scaled="0"/>
+        </a:gradFill>
+        <a:gradFill rotWithShape="1">
+          <a:gsLst>
+            <a:gs pos="0">
+              <a:schemeClr val="phClr">
+                <a:satMod val="103000"/>
+                <a:lumMod val="102000"/>
+                <a:tint val="94000"/>
+              </a:schemeClr>
+            </a:gs>
+            <a:gs pos="50000">
+              <a:schemeClr val="phClr">
+                <a:satMod val="110000"/>
+                <a:lumMod val="100000"/>
+                <a:shade val="100000"/>
+              </a:schemeClr>
+            </a:gs>
+            <a:gs pos="100000">
+              <a:schemeClr val="phClr">
+                <a:lumMod val="99000"/>
+                <a:satMod val="120000"/>
+                <a:shade val="78000"/>
+              </a:schemeClr>
+            </a:gs>
+          </a:gsLst>
+          <a:lin ang="5400000" scaled="0"/>
+        </a:gradFill>
+      </a:fillStyleLst>
+      <a:lnStyleLst>
+        <a:ln w="12700" cap="flat" cmpd="sng" algn="ctr">
+          <a:solidFill>
+            <a:schemeClr val="phClr"/>
+          </a:solidFill>
+          <a:prstDash val="solid"/>
+          <a:miter lim="800000"/>
+        </a:ln>
+        <a:ln w="19050" cap="flat" cmpd="sng" algn="ctr">
+          <a:solidFill>
+            <a:schemeClr val="phClr"/>
+          </a:solidFill>
+          <a:prstDash val="solid"/>
+          <a:miter lim="800000"/>
+        </a:ln>
+        <a:ln w="25400" cap="flat" cmpd="sng" algn="ctr">
+          <a:solidFill>
+            <a:schemeClr val="phClr"/>
+          </a:solidFill>
+          <a:prstDash val="solid"/>
+          <a:miter lim="800000"/>
+        </a:ln>
+      </a:lnStyleLst>
+      <a:effectStyleLst>
+        <a:effectStyle>
+          <a:effectLst/>
+        </a:effectStyle>
+        <a:effectStyle>
+          <a:effectLst/>
+        </a:effectStyle>
+        <a:effectStyle>
+          <a:effectLst>
+            <a:outerShdw blurRad="57150" dist="19050" dir="5400000" algn="ctr" rotWithShape="0">
+              <a:srgbClr val="000000">
+                <a:alpha val="63000"/>
+              </a:srgbClr>
+            </a:outerShdw>
+          </a:effectLst>
+        </a:effectStyle>
+      </a:effectStyleLst>
+      <a:bgFillStyleLst>
+        <a:solidFill>
+          <a:schemeClr val="phClr"/>
+        </a:solidFill>
+        <a:solidFill>
+          <a:schemeClr val="phClr">
+            <a:tint val="95000"/>
+            <a:satMod val="170000"/>
+          </a:schemeClr>
+        </a:solidFill>
+        <a:gradFill rotWithShape="1">
+          <a:gsLst>
+            <a:gs pos="0">
+              <a:schemeClr val="phClr">
+                <a:tint val="93000"/>
+                <a:satMod val="150000"/>
+                <a:shade val="98000"/>
+                <a:lumMod val="102000"/>
+              </a:schemeClr>
+            </a:gs>
+            <a:gs pos="50000">
+              <a:schemeClr val="phClr">
+                <a:tint val="98000"/>
+                <a:satMod val="130000"/>
+                <a:shade val="90000"/>
+                <a:lumMod val="103000"/>
+              </a:schemeClr>
+            </a:gs>
+            <a:gs pos="100000">
+              <a:schemeClr val="phClr">
+                <a:shade val="63000"/>
+                <a:satMod val="120000"/>
+              </a:schemeClr>
+            </a:gs>
+          </a:gsLst>
+          <a:lin ang="5400000" scaled="0"/>
+        </a:gradFill>
+      </a:bgFillStyleLst>
+    </a:fmtScheme>
+  </a:themeElements>
+  <a:objectDefaults>
+    <a:lnDef>
+      <a:spPr/>
+      <a:bodyPr/>
+      <a:lstStyle/>
+      <a:style>
+        <a:lnRef idx="2">
+          <a:schemeClr val="accent1"/>
+        </a:lnRef>
+        <a:fillRef idx="0">
+          <a:schemeClr val="accent1"/>
+        </a:fillRef>
+        <a:effectRef idx="1">
+          <a:schemeClr val="accent1"/>
+        </a:effectRef>
+        <a:fontRef idx="minor">
+          <a:schemeClr val="tx1"/>
+        </a:fontRef>
+      </a:style>
+    </a:lnDef>
+  </a:objectDefaults>
+  <a:extraClrSchemeLst/>
+  <a:extLst>
+    <a:ext uri="{05A4C25C-085E-4340-85A3-A5531E510DB2}">
+      <thm15:themeFamily xmlns:thm15="http://schemas.microsoft.com/office/thememl/2012/main" name="Office Theme" id="{2E142A2C-CD16-42D6-873A-C26D2A0506FA}" vid="{1BDDFF52-6CD6-40A5-AB3C-68EB2F1E4D0A}"/>
+    </a:ext>
+  </a:extLst>
+</a:theme>
 </file>
--- a/SYSG3_paper.pptx
+++ b/SYSG3_paper.pptx
@@ -3774,10 +3774,10 @@
       </p:grpSpPr>
       <p:pic>
         <p:nvPicPr>
-          <p:cNvPr id="3080" name="Picture 8">
-            <a:extLst>
-              <a:ext uri="{FF2B5EF4-FFF2-40B4-BE49-F238E27FC236}">
-                <a16:creationId xmlns:a16="http://schemas.microsoft.com/office/drawing/2014/main" id="{C50D943A-D856-FFCB-D901-0B570EFB7DBF}"/>
+          <p:cNvPr id="3082" name="Picture 10">
+            <a:extLst>
+              <a:ext uri="{FF2B5EF4-FFF2-40B4-BE49-F238E27FC236}">
+                <a16:creationId xmlns:a16="http://schemas.microsoft.com/office/drawing/2014/main" id="{85162CD9-8496-53DC-6039-E35F770CDD41}"/>
               </a:ext>
             </a:extLst>
           </p:cNvPr>
@@ -3904,8 +3904,8 @@
         </p:nvSpPr>
         <p:spPr>
           <a:xfrm>
-            <a:off x="5882105" y="1900517"/>
-            <a:ext cx="598414" cy="251012"/>
+            <a:off x="5882105" y="1704817"/>
+            <a:ext cx="598414" cy="446712"/>
           </a:xfrm>
           <a:prstGeom prst="rect">
             <a:avLst/>
@@ -3933,7 +3933,7 @@
           </a:fontRef>
         </p:style>
         <p:txBody>
-          <a:bodyPr rtlCol="0" anchor="ctr"/>
+          <a:bodyPr rtlCol="0" anchor="t"/>
           <a:lstStyle/>
           <a:p>
             <a:pPr algn="ctr"/>
@@ -3943,7 +3943,7 @@
                   <a:schemeClr val="tx1"/>
                 </a:solidFill>
               </a:rPr>
-              <a:t>06/19</a:t>
+              <a:t>06/20</a:t>
             </a:r>
           </a:p>
         </p:txBody>
@@ -3964,64 +3964,6 @@
           <a:xfrm>
             <a:off x="3428630" y="3215777"/>
             <a:ext cx="529655" cy="426445"/>
-          </a:xfrm>
-          <a:prstGeom prst="rect">
-            <a:avLst/>
-          </a:prstGeom>
-          <a:solidFill>
-            <a:srgbClr val="156082">
-              <a:alpha val="30196"/>
-            </a:srgbClr>
-          </a:solidFill>
-        </p:spPr>
-        <p:style>
-          <a:lnRef idx="2">
-            <a:schemeClr val="accent1">
-              <a:shade val="15000"/>
-            </a:schemeClr>
-          </a:lnRef>
-          <a:fillRef idx="1">
-            <a:schemeClr val="accent1"/>
-          </a:fillRef>
-          <a:effectRef idx="0">
-            <a:schemeClr val="accent1"/>
-          </a:effectRef>
-          <a:fontRef idx="minor">
-            <a:schemeClr val="lt1"/>
-          </a:fontRef>
-        </p:style>
-        <p:txBody>
-          <a:bodyPr rtlCol="0" anchor="t"/>
-          <a:lstStyle/>
-          <a:p>
-            <a:pPr algn="ctr"/>
-            <a:r>
-              <a:rPr lang="en-US" sz="900" dirty="0">
-                <a:solidFill>
-                  <a:schemeClr val="tx1"/>
-                </a:solidFill>
-              </a:rPr>
-              <a:t>06/19</a:t>
-            </a:r>
-          </a:p>
-        </p:txBody>
-      </p:sp>
-      <p:sp>
-        <p:nvSpPr>
-          <p:cNvPr id="8" name="Rectangle 7">
-            <a:extLst>
-              <a:ext uri="{FF2B5EF4-FFF2-40B4-BE49-F238E27FC236}">
-                <a16:creationId xmlns:a16="http://schemas.microsoft.com/office/drawing/2014/main" id="{FA494A65-57F3-675D-427E-C1A28E550FFA}"/>
-              </a:ext>
-            </a:extLst>
-          </p:cNvPr>
-          <p:cNvSpPr/>
-          <p:nvPr/>
-        </p:nvSpPr>
-        <p:spPr>
-          <a:xfrm>
-            <a:off x="3428630" y="2208470"/>
-            <a:ext cx="372405" cy="457200"/>
           </a:xfrm>
           <a:prstGeom prst="rect">
             <a:avLst/>
@@ -4339,7 +4281,7 @@
         </p:nvSpPr>
         <p:spPr>
           <a:xfrm>
-            <a:off x="219681" y="2323212"/>
+            <a:off x="219681" y="2170815"/>
             <a:ext cx="2765121" cy="646331"/>
           </a:xfrm>
           <a:prstGeom prst="rect">
@@ -4356,7 +4298,15 @@
             <a:pPr algn="ctr"/>
             <a:r>
               <a:rPr lang="en-US" dirty="0"/>
-              <a:t>Need to finalize – increase box size for multiple mic</a:t>
+              <a:t>Need to finalize – </a:t>
+            </a:r>
+            <a:r>
+              <a:rPr lang="en-US" dirty="0" err="1"/>
+              <a:t>init</a:t>
+            </a:r>
+            <a:r>
+              <a:rPr lang="en-US" dirty="0"/>
+              <a:t> from alpha = 0.25 when done</a:t>
             </a:r>
           </a:p>
         </p:txBody>
@@ -4551,36 +4501,6 @@
           </a:p>
         </p:txBody>
       </p:sp>
-      <p:pic>
-        <p:nvPicPr>
-          <p:cNvPr id="14" name="Picture 13">
-            <a:extLst>
-              <a:ext uri="{FF2B5EF4-FFF2-40B4-BE49-F238E27FC236}">
-                <a16:creationId xmlns:a16="http://schemas.microsoft.com/office/drawing/2014/main" id="{B2EACAEA-B2F8-E173-916C-DFAB37CB3B7B}"/>
-              </a:ext>
-            </a:extLst>
-          </p:cNvPr>
-          <p:cNvPicPr>
-            <a:picLocks noChangeAspect="1"/>
-          </p:cNvPicPr>
-          <p:nvPr/>
-        </p:nvPicPr>
-        <p:blipFill>
-          <a:blip r:embed="rId4"/>
-          <a:stretch>
-            <a:fillRect/>
-          </a:stretch>
-        </p:blipFill>
-        <p:spPr>
-          <a:xfrm>
-            <a:off x="6290228" y="2540049"/>
-            <a:ext cx="1593780" cy="2477667"/>
-          </a:xfrm>
-          <a:prstGeom prst="rect">
-            <a:avLst/>
-          </a:prstGeom>
-        </p:spPr>
-      </p:pic>
       <p:sp>
         <p:nvSpPr>
           <p:cNvPr id="15" name="TextBox 14">
@@ -4595,8 +4515,8 @@
         </p:nvSpPr>
         <p:spPr>
           <a:xfrm>
-            <a:off x="5672294" y="1893718"/>
-            <a:ext cx="2765121" cy="646331"/>
+            <a:off x="5712228" y="2277045"/>
+            <a:ext cx="2765121" cy="369332"/>
           </a:xfrm>
           <a:prstGeom prst="rect">
             <a:avLst/>
@@ -4612,7 +4532,7 @@
             <a:pPr algn="ctr"/>
             <a:r>
               <a:rPr lang="en-US" dirty="0"/>
-              <a:t>Need to finalize – actually fused?</a:t>
+              <a:t>Need to finalize</a:t>
             </a:r>
           </a:p>
         </p:txBody>
@@ -4632,7 +4552,7 @@
           <p:nvPr/>
         </p:nvPicPr>
         <p:blipFill>
-          <a:blip r:embed="rId5">
+          <a:blip r:embed="rId4">
             <a:extLst>
               <a:ext uri="{28A0092B-C50C-407E-A947-70E740481C1C}">
                 <a14:useLocalDpi xmlns:a14="http://schemas.microsoft.com/office/drawing/2010/main" val="0"/>
@@ -4662,6 +4582,36 @@
               </a14:hiddenFill>
             </a:ext>
           </a:extLst>
+        </p:spPr>
+      </p:pic>
+      <p:pic>
+        <p:nvPicPr>
+          <p:cNvPr id="16" name="Picture 15">
+            <a:extLst>
+              <a:ext uri="{FF2B5EF4-FFF2-40B4-BE49-F238E27FC236}">
+                <a16:creationId xmlns:a16="http://schemas.microsoft.com/office/drawing/2014/main" id="{37CCF191-CE3C-3846-F35D-7A62AA9F8B40}"/>
+              </a:ext>
+            </a:extLst>
+          </p:cNvPr>
+          <p:cNvPicPr>
+            <a:picLocks noChangeAspect="1"/>
+          </p:cNvPicPr>
+          <p:nvPr/>
+        </p:nvPicPr>
+        <p:blipFill>
+          <a:blip r:embed="rId5"/>
+          <a:stretch>
+            <a:fillRect/>
+          </a:stretch>
+        </p:blipFill>
+        <p:spPr>
+          <a:xfrm>
+            <a:off x="6033827" y="2969543"/>
+            <a:ext cx="2268911" cy="1958507"/>
+          </a:xfrm>
+          <a:prstGeom prst="rect">
+            <a:avLst/>
+          </a:prstGeom>
         </p:spPr>
       </p:pic>
     </p:spTree>
@@ -4869,12 +4819,55 @@
           </a:prstGeom>
         </p:spPr>
       </p:pic>
+      <p:sp>
+        <p:nvSpPr>
+          <p:cNvPr id="10" name="TextBox 9">
+            <a:extLst>
+              <a:ext uri="{FF2B5EF4-FFF2-40B4-BE49-F238E27FC236}">
+                <a16:creationId xmlns:a16="http://schemas.microsoft.com/office/drawing/2014/main" id="{8384829F-3570-ACAB-D7F7-46E0F273ECFA}"/>
+              </a:ext>
+            </a:extLst>
+          </p:cNvPr>
+          <p:cNvSpPr txBox="1"/>
+          <p:nvPr/>
+        </p:nvSpPr>
+        <p:spPr>
+          <a:xfrm>
+            <a:off x="2878894" y="3764019"/>
+            <a:ext cx="2443561" cy="646331"/>
+          </a:xfrm>
+          <a:prstGeom prst="rect">
+            <a:avLst/>
+          </a:prstGeom>
+          <a:noFill/>
+        </p:spPr>
+        <p:txBody>
+          <a:bodyPr wrap="square" rtlCol="0">
+            <a:spAutoFit/>
+          </a:bodyPr>
+          <a:lstStyle/>
+          <a:p>
+            <a:pPr algn="ctr"/>
+            <a:r>
+              <a:rPr lang="en-US" dirty="0"/>
+              <a:t>Iso str </a:t>
+            </a:r>
+            <a:br>
+              <a:rPr lang="en-US" dirty="0"/>
+            </a:br>
+            <a:r>
+              <a:rPr lang="en-US" dirty="0"/>
+              <a:t>@ (0.10, 0.00375??) </a:t>
+            </a:r>
+          </a:p>
+        </p:txBody>
+      </p:sp>
       <p:pic>
         <p:nvPicPr>
-          <p:cNvPr id="7" name="Picture 6">
-            <a:extLst>
-              <a:ext uri="{FF2B5EF4-FFF2-40B4-BE49-F238E27FC236}">
-                <a16:creationId xmlns:a16="http://schemas.microsoft.com/office/drawing/2014/main" id="{74CE327E-65B7-C4F4-0820-3FA079E08E38}"/>
+          <p:cNvPr id="12" name="Picture 11">
+            <a:extLst>
+              <a:ext uri="{FF2B5EF4-FFF2-40B4-BE49-F238E27FC236}">
+                <a16:creationId xmlns:a16="http://schemas.microsoft.com/office/drawing/2014/main" id="{C543FFC9-26A5-3AFC-5E9C-E3F99983AF2A}"/>
               </a:ext>
             </a:extLst>
           </p:cNvPr>
@@ -4891,8 +4884,8 @@
         </p:blipFill>
         <p:spPr>
           <a:xfrm>
-            <a:off x="3398938" y="2099480"/>
-            <a:ext cx="1379210" cy="1467146"/>
+            <a:off x="5701592" y="2292065"/>
+            <a:ext cx="1344719" cy="1136935"/>
           </a:xfrm>
           <a:prstGeom prst="rect">
             <a:avLst/>
@@ -4901,10 +4894,10 @@
       </p:pic>
       <p:sp>
         <p:nvSpPr>
-          <p:cNvPr id="10" name="TextBox 9">
-            <a:extLst>
-              <a:ext uri="{FF2B5EF4-FFF2-40B4-BE49-F238E27FC236}">
-                <a16:creationId xmlns:a16="http://schemas.microsoft.com/office/drawing/2014/main" id="{8384829F-3570-ACAB-D7F7-46E0F273ECFA}"/>
+          <p:cNvPr id="14" name="TextBox 13">
+            <a:extLst>
+              <a:ext uri="{FF2B5EF4-FFF2-40B4-BE49-F238E27FC236}">
+                <a16:creationId xmlns:a16="http://schemas.microsoft.com/office/drawing/2014/main" id="{DC848827-1226-499C-0CFB-018E9D738F9B}"/>
               </a:ext>
             </a:extLst>
           </p:cNvPr>
@@ -4913,7 +4906,7 @@
         </p:nvSpPr>
         <p:spPr>
           <a:xfrm>
-            <a:off x="2878894" y="3764019"/>
+            <a:off x="5252258" y="3654264"/>
             <a:ext cx="2443561" cy="646331"/>
           </a:xfrm>
           <a:prstGeom prst="rect">
@@ -4930,24 +4923,24 @@
             <a:pPr algn="ctr"/>
             <a:r>
               <a:rPr lang="en-US" dirty="0"/>
-              <a:t>Iso str </a:t>
+              <a:t>Hol </a:t>
             </a:r>
             <a:br>
               <a:rPr lang="en-US" dirty="0"/>
             </a:br>
             <a:r>
               <a:rPr lang="en-US" dirty="0"/>
-              <a:t>@ (0.10, 0.00375??) </a:t>
+              <a:t>@ (0.10, 0.005) </a:t>
             </a:r>
           </a:p>
         </p:txBody>
       </p:sp>
       <p:pic>
         <p:nvPicPr>
-          <p:cNvPr id="12" name="Picture 11">
-            <a:extLst>
-              <a:ext uri="{FF2B5EF4-FFF2-40B4-BE49-F238E27FC236}">
-                <a16:creationId xmlns:a16="http://schemas.microsoft.com/office/drawing/2014/main" id="{C543FFC9-26A5-3AFC-5E9C-E3F99983AF2A}"/>
+          <p:cNvPr id="16" name="Picture 15">
+            <a:extLst>
+              <a:ext uri="{FF2B5EF4-FFF2-40B4-BE49-F238E27FC236}">
+                <a16:creationId xmlns:a16="http://schemas.microsoft.com/office/drawing/2014/main" id="{E82F1C2C-4022-3D5A-E35B-36288618F0D4}"/>
               </a:ext>
             </a:extLst>
           </p:cNvPr>
@@ -4964,115 +4957,6 @@
         </p:blipFill>
         <p:spPr>
           <a:xfrm>
-            <a:off x="5701592" y="2292065"/>
-            <a:ext cx="1344719" cy="1136935"/>
-          </a:xfrm>
-          <a:prstGeom prst="rect">
-            <a:avLst/>
-          </a:prstGeom>
-        </p:spPr>
-      </p:pic>
-      <p:sp>
-        <p:nvSpPr>
-          <p:cNvPr id="14" name="TextBox 13">
-            <a:extLst>
-              <a:ext uri="{FF2B5EF4-FFF2-40B4-BE49-F238E27FC236}">
-                <a16:creationId xmlns:a16="http://schemas.microsoft.com/office/drawing/2014/main" id="{DC848827-1226-499C-0CFB-018E9D738F9B}"/>
-              </a:ext>
-            </a:extLst>
-          </p:cNvPr>
-          <p:cNvSpPr txBox="1"/>
-          <p:nvPr/>
-        </p:nvSpPr>
-        <p:spPr>
-          <a:xfrm>
-            <a:off x="5252258" y="3654264"/>
-            <a:ext cx="2443561" cy="646331"/>
-          </a:xfrm>
-          <a:prstGeom prst="rect">
-            <a:avLst/>
-          </a:prstGeom>
-          <a:noFill/>
-        </p:spPr>
-        <p:txBody>
-          <a:bodyPr wrap="square" rtlCol="0">
-            <a:spAutoFit/>
-          </a:bodyPr>
-          <a:lstStyle/>
-          <a:p>
-            <a:pPr algn="ctr"/>
-            <a:r>
-              <a:rPr lang="en-US" dirty="0"/>
-              <a:t>Hol </a:t>
-            </a:r>
-            <a:br>
-              <a:rPr lang="en-US" dirty="0"/>
-            </a:br>
-            <a:r>
-              <a:rPr lang="en-US" dirty="0"/>
-              <a:t>@ (0.10, 0.005) </a:t>
-            </a:r>
-          </a:p>
-        </p:txBody>
-      </p:sp>
-      <p:sp>
-        <p:nvSpPr>
-          <p:cNvPr id="15" name="TextBox 14">
-            <a:extLst>
-              <a:ext uri="{FF2B5EF4-FFF2-40B4-BE49-F238E27FC236}">
-                <a16:creationId xmlns:a16="http://schemas.microsoft.com/office/drawing/2014/main" id="{F3EE4A1B-F72A-8547-7419-00B7B6480BE9}"/>
-              </a:ext>
-            </a:extLst>
-          </p:cNvPr>
-          <p:cNvSpPr txBox="1"/>
-          <p:nvPr/>
-        </p:nvSpPr>
-        <p:spPr>
-          <a:xfrm>
-            <a:off x="2718113" y="1633918"/>
-            <a:ext cx="2765121" cy="369332"/>
-          </a:xfrm>
-          <a:prstGeom prst="rect">
-            <a:avLst/>
-          </a:prstGeom>
-          <a:noFill/>
-        </p:spPr>
-        <p:txBody>
-          <a:bodyPr wrap="square" rtlCol="0">
-            <a:spAutoFit/>
-          </a:bodyPr>
-          <a:lstStyle/>
-          <a:p>
-            <a:pPr algn="ctr"/>
-            <a:r>
-              <a:rPr lang="en-US" dirty="0"/>
-              <a:t>TODO</a:t>
-            </a:r>
-          </a:p>
-        </p:txBody>
-      </p:sp>
-      <p:pic>
-        <p:nvPicPr>
-          <p:cNvPr id="16" name="Picture 15">
-            <a:extLst>
-              <a:ext uri="{FF2B5EF4-FFF2-40B4-BE49-F238E27FC236}">
-                <a16:creationId xmlns:a16="http://schemas.microsoft.com/office/drawing/2014/main" id="{E82F1C2C-4022-3D5A-E35B-36288618F0D4}"/>
-              </a:ext>
-            </a:extLst>
-          </p:cNvPr>
-          <p:cNvPicPr>
-            <a:picLocks noChangeAspect="1"/>
-          </p:cNvPicPr>
-          <p:nvPr/>
-        </p:nvPicPr>
-        <p:blipFill>
-          <a:blip r:embed="rId5"/>
-          <a:stretch>
-            <a:fillRect/>
-          </a:stretch>
-        </p:blipFill>
-        <p:spPr>
-          <a:xfrm>
             <a:off x="1673511" y="4564811"/>
             <a:ext cx="1341483" cy="1104488"/>
           </a:xfrm>
@@ -5096,7 +4980,7 @@
           <p:nvPr/>
         </p:nvPicPr>
         <p:blipFill>
-          <a:blip r:embed="rId6">
+          <a:blip r:embed="rId5">
             <a:extLst>
               <a:ext uri="{28A0092B-C50C-407E-A947-70E740481C1C}">
                 <a14:useLocalDpi xmlns:a14="http://schemas.microsoft.com/office/drawing/2010/main" val="0"/>
@@ -5186,7 +5070,7 @@
           <p:nvPr/>
         </p:nvPicPr>
         <p:blipFill>
-          <a:blip r:embed="rId7">
+          <a:blip r:embed="rId6">
             <a:extLst>
               <a:ext uri="{28A0092B-C50C-407E-A947-70E740481C1C}">
                 <a14:useLocalDpi xmlns:a14="http://schemas.microsoft.com/office/drawing/2010/main" val="0"/>
@@ -5263,10 +5147,10 @@
       </p:sp>
       <p:pic>
         <p:nvPicPr>
-          <p:cNvPr id="1030" name="Picture 6">
-            <a:extLst>
-              <a:ext uri="{FF2B5EF4-FFF2-40B4-BE49-F238E27FC236}">
-                <a16:creationId xmlns:a16="http://schemas.microsoft.com/office/drawing/2014/main" id="{81DE1FC3-B534-1CF8-F59A-0347F76C4B50}"/>
+          <p:cNvPr id="1032" name="Picture 8">
+            <a:extLst>
+              <a:ext uri="{FF2B5EF4-FFF2-40B4-BE49-F238E27FC236}">
+                <a16:creationId xmlns:a16="http://schemas.microsoft.com/office/drawing/2014/main" id="{25FE7ACD-28A3-38D2-BB17-A48D0FC99681}"/>
               </a:ext>
             </a:extLst>
           </p:cNvPr>
@@ -5276,7 +5160,7 @@
           <p:nvPr/>
         </p:nvPicPr>
         <p:blipFill>
-          <a:blip r:embed="rId8">
+          <a:blip r:embed="rId7">
             <a:extLst>
               <a:ext uri="{28A0092B-C50C-407E-A947-70E740481C1C}">
                 <a14:useLocalDpi xmlns:a14="http://schemas.microsoft.com/office/drawing/2010/main" val="0"/>
@@ -5290,8 +5174,8 @@
         </p:blipFill>
         <p:spPr bwMode="auto">
           <a:xfrm>
-            <a:off x="7670722" y="2833053"/>
-            <a:ext cx="4458933" cy="2786097"/>
+            <a:off x="7695819" y="2803535"/>
+            <a:ext cx="4271254" cy="2668828"/>
           </a:xfrm>
           <a:prstGeom prst="rect">
             <a:avLst/>
@@ -5308,6 +5192,72 @@
           </a:extLst>
         </p:spPr>
       </p:pic>
+      <p:pic>
+        <p:nvPicPr>
+          <p:cNvPr id="23" name="Picture 22">
+            <a:extLst>
+              <a:ext uri="{FF2B5EF4-FFF2-40B4-BE49-F238E27FC236}">
+                <a16:creationId xmlns:a16="http://schemas.microsoft.com/office/drawing/2014/main" id="{7D83F069-81EB-F731-4ED6-B19DFEFA3A9C}"/>
+              </a:ext>
+            </a:extLst>
+          </p:cNvPr>
+          <p:cNvPicPr>
+            <a:picLocks noChangeAspect="1"/>
+          </p:cNvPicPr>
+          <p:nvPr/>
+        </p:nvPicPr>
+        <p:blipFill>
+          <a:blip r:embed="rId8"/>
+          <a:stretch>
+            <a:fillRect/>
+          </a:stretch>
+        </p:blipFill>
+        <p:spPr>
+          <a:xfrm>
+            <a:off x="3309722" y="1966094"/>
+            <a:ext cx="1511709" cy="1716482"/>
+          </a:xfrm>
+          <a:prstGeom prst="rect">
+            <a:avLst/>
+          </a:prstGeom>
+        </p:spPr>
+      </p:pic>
+      <p:sp>
+        <p:nvSpPr>
+          <p:cNvPr id="24" name="TextBox 23">
+            <a:extLst>
+              <a:ext uri="{FF2B5EF4-FFF2-40B4-BE49-F238E27FC236}">
+                <a16:creationId xmlns:a16="http://schemas.microsoft.com/office/drawing/2014/main" id="{F3C2D23D-D4B1-7DCB-89F6-29366907EE10}"/>
+              </a:ext>
+            </a:extLst>
+          </p:cNvPr>
+          <p:cNvSpPr txBox="1"/>
+          <p:nvPr/>
+        </p:nvSpPr>
+        <p:spPr>
+          <a:xfrm>
+            <a:off x="2718113" y="1649297"/>
+            <a:ext cx="2765121" cy="369332"/>
+          </a:xfrm>
+          <a:prstGeom prst="rect">
+            <a:avLst/>
+          </a:prstGeom>
+          <a:noFill/>
+        </p:spPr>
+        <p:txBody>
+          <a:bodyPr wrap="square" rtlCol="0">
+            <a:spAutoFit/>
+          </a:bodyPr>
+          <a:lstStyle/>
+          <a:p>
+            <a:pPr algn="ctr"/>
+            <a:r>
+              <a:rPr lang="en-US" dirty="0"/>
+              <a:t>Need to finalize</a:t>
+            </a:r>
+          </a:p>
+        </p:txBody>
+      </p:sp>
     </p:spTree>
     <p:extLst>
       <p:ext uri="{BB962C8B-B14F-4D97-AF65-F5344CB8AC3E}">
@@ -5406,12 +5356,91 @@
           </a:p>
         </p:txBody>
       </p:sp>
+      <p:sp>
+        <p:nvSpPr>
+          <p:cNvPr id="4" name="TextBox 3">
+            <a:extLst>
+              <a:ext uri="{FF2B5EF4-FFF2-40B4-BE49-F238E27FC236}">
+                <a16:creationId xmlns:a16="http://schemas.microsoft.com/office/drawing/2014/main" id="{A0EAC1CE-5121-159E-81D5-D3706C42884B}"/>
+              </a:ext>
+            </a:extLst>
+          </p:cNvPr>
+          <p:cNvSpPr txBox="1"/>
+          <p:nvPr/>
+        </p:nvSpPr>
+        <p:spPr>
+          <a:xfrm>
+            <a:off x="486554" y="3475205"/>
+            <a:ext cx="2268490" cy="646331"/>
+          </a:xfrm>
+          <a:prstGeom prst="rect">
+            <a:avLst/>
+          </a:prstGeom>
+          <a:noFill/>
+        </p:spPr>
+        <p:txBody>
+          <a:bodyPr wrap="square" rtlCol="0">
+            <a:spAutoFit/>
+          </a:bodyPr>
+          <a:lstStyle/>
+          <a:p>
+            <a:pPr algn="ctr"/>
+            <a:r>
+              <a:rPr lang="en-US" dirty="0" err="1"/>
+              <a:t>Cyl</a:t>
+            </a:r>
+            <a:br>
+              <a:rPr lang="en-US" dirty="0"/>
+            </a:br>
+            <a:r>
+              <a:rPr lang="en-US" dirty="0"/>
+              <a:t>@ (0.25, 0.0025)</a:t>
+            </a:r>
+          </a:p>
+        </p:txBody>
+      </p:sp>
+      <p:sp>
+        <p:nvSpPr>
+          <p:cNvPr id="5" name="TextBox 4">
+            <a:extLst>
+              <a:ext uri="{FF2B5EF4-FFF2-40B4-BE49-F238E27FC236}">
+                <a16:creationId xmlns:a16="http://schemas.microsoft.com/office/drawing/2014/main" id="{67EF3764-EBCB-8A7E-8F21-6C9635AA5A2F}"/>
+              </a:ext>
+            </a:extLst>
+          </p:cNvPr>
+          <p:cNvSpPr txBox="1"/>
+          <p:nvPr/>
+        </p:nvSpPr>
+        <p:spPr>
+          <a:xfrm>
+            <a:off x="478354" y="1016756"/>
+            <a:ext cx="2268490" cy="369332"/>
+          </a:xfrm>
+          <a:prstGeom prst="rect">
+            <a:avLst/>
+          </a:prstGeom>
+          <a:noFill/>
+        </p:spPr>
+        <p:txBody>
+          <a:bodyPr wrap="square" rtlCol="0">
+            <a:spAutoFit/>
+          </a:bodyPr>
+          <a:lstStyle/>
+          <a:p>
+            <a:pPr algn="ctr"/>
+            <a:r>
+              <a:rPr lang="en-US" dirty="0"/>
+              <a:t>Need to finalize</a:t>
+            </a:r>
+          </a:p>
+        </p:txBody>
+      </p:sp>
       <p:pic>
         <p:nvPicPr>
-          <p:cNvPr id="2" name="Picture 1">
-            <a:extLst>
-              <a:ext uri="{FF2B5EF4-FFF2-40B4-BE49-F238E27FC236}">
-                <a16:creationId xmlns:a16="http://schemas.microsoft.com/office/drawing/2014/main" id="{6212E76F-48C0-B20D-9331-E08DCED1A6D1}"/>
+          <p:cNvPr id="6" name="Picture 5">
+            <a:extLst>
+              <a:ext uri="{FF2B5EF4-FFF2-40B4-BE49-F238E27FC236}">
+                <a16:creationId xmlns:a16="http://schemas.microsoft.com/office/drawing/2014/main" id="{93B4F575-7B10-6A39-EF33-F3F58384CF6A}"/>
               </a:ext>
             </a:extLst>
           </p:cNvPr>
@@ -5428,8 +5457,8 @@
         </p:blipFill>
         <p:spPr>
           <a:xfrm>
-            <a:off x="1001014" y="1496363"/>
-            <a:ext cx="1296462" cy="2015461"/>
+            <a:off x="2984876" y="1771876"/>
+            <a:ext cx="1466490" cy="1578513"/>
           </a:xfrm>
           <a:prstGeom prst="rect">
             <a:avLst/>
@@ -5438,10 +5467,10 @@
       </p:pic>
       <p:sp>
         <p:nvSpPr>
-          <p:cNvPr id="4" name="TextBox 3">
-            <a:extLst>
-              <a:ext uri="{FF2B5EF4-FFF2-40B4-BE49-F238E27FC236}">
-                <a16:creationId xmlns:a16="http://schemas.microsoft.com/office/drawing/2014/main" id="{A0EAC1CE-5121-159E-81D5-D3706C42884B}"/>
+          <p:cNvPr id="7" name="TextBox 6">
+            <a:extLst>
+              <a:ext uri="{FF2B5EF4-FFF2-40B4-BE49-F238E27FC236}">
+                <a16:creationId xmlns:a16="http://schemas.microsoft.com/office/drawing/2014/main" id="{AA3F8B14-568D-484C-1888-393AB0A417F8}"/>
               </a:ext>
             </a:extLst>
           </p:cNvPr>
@@ -5450,7 +5479,7 @@
         </p:nvSpPr>
         <p:spPr>
           <a:xfrm>
-            <a:off x="486554" y="3475205"/>
+            <a:off x="2504286" y="3474479"/>
             <a:ext cx="2268490" cy="646331"/>
           </a:xfrm>
           <a:prstGeom prst="rect">
@@ -5469,58 +5498,26 @@
               <a:rPr lang="en-US" dirty="0" err="1"/>
               <a:t>Cyl</a:t>
             </a:r>
+            <a:r>
+              <a:rPr lang="en-US" dirty="0"/>
+              <a:t>-str</a:t>
+            </a:r>
             <a:br>
               <a:rPr lang="en-US" dirty="0"/>
             </a:br>
             <a:r>
               <a:rPr lang="en-US" dirty="0"/>
-              <a:t>@ (0.25, 0.0025)</a:t>
-            </a:r>
-          </a:p>
-        </p:txBody>
-      </p:sp>
-      <p:sp>
-        <p:nvSpPr>
-          <p:cNvPr id="5" name="TextBox 4">
-            <a:extLst>
-              <a:ext uri="{FF2B5EF4-FFF2-40B4-BE49-F238E27FC236}">
-                <a16:creationId xmlns:a16="http://schemas.microsoft.com/office/drawing/2014/main" id="{67EF3764-EBCB-8A7E-8F21-6C9635AA5A2F}"/>
-              </a:ext>
-            </a:extLst>
-          </p:cNvPr>
-          <p:cNvSpPr txBox="1"/>
-          <p:nvPr/>
-        </p:nvSpPr>
-        <p:spPr>
-          <a:xfrm>
-            <a:off x="478354" y="1016756"/>
-            <a:ext cx="2268490" cy="369332"/>
-          </a:xfrm>
-          <a:prstGeom prst="rect">
-            <a:avLst/>
-          </a:prstGeom>
-          <a:noFill/>
-        </p:spPr>
-        <p:txBody>
-          <a:bodyPr wrap="square" rtlCol="0">
-            <a:spAutoFit/>
-          </a:bodyPr>
-          <a:lstStyle/>
-          <a:p>
-            <a:pPr algn="ctr"/>
-            <a:r>
-              <a:rPr lang="en-US" dirty="0"/>
-              <a:t>Need to finalize</a:t>
+              <a:t>@ (0.25, 0.020)</a:t>
             </a:r>
           </a:p>
         </p:txBody>
       </p:sp>
       <p:pic>
         <p:nvPicPr>
-          <p:cNvPr id="6" name="Picture 5">
-            <a:extLst>
-              <a:ext uri="{FF2B5EF4-FFF2-40B4-BE49-F238E27FC236}">
-                <a16:creationId xmlns:a16="http://schemas.microsoft.com/office/drawing/2014/main" id="{93B4F575-7B10-6A39-EF33-F3F58384CF6A}"/>
+          <p:cNvPr id="8" name="Picture 7">
+            <a:extLst>
+              <a:ext uri="{FF2B5EF4-FFF2-40B4-BE49-F238E27FC236}">
+                <a16:creationId xmlns:a16="http://schemas.microsoft.com/office/drawing/2014/main" id="{29ECAA75-EAAF-B692-5A2C-CDF7A85723FA}"/>
               </a:ext>
             </a:extLst>
           </p:cNvPr>
@@ -5537,67 +5534,20 @@
         </p:blipFill>
         <p:spPr>
           <a:xfrm>
-            <a:off x="2984876" y="1771876"/>
-            <a:ext cx="1466490" cy="1578513"/>
+            <a:off x="958845" y="4188696"/>
+            <a:ext cx="1567399" cy="1886477"/>
           </a:xfrm>
           <a:prstGeom prst="rect">
             <a:avLst/>
           </a:prstGeom>
         </p:spPr>
       </p:pic>
-      <p:sp>
-        <p:nvSpPr>
-          <p:cNvPr id="7" name="TextBox 6">
-            <a:extLst>
-              <a:ext uri="{FF2B5EF4-FFF2-40B4-BE49-F238E27FC236}">
-                <a16:creationId xmlns:a16="http://schemas.microsoft.com/office/drawing/2014/main" id="{AA3F8B14-568D-484C-1888-393AB0A417F8}"/>
-              </a:ext>
-            </a:extLst>
-          </p:cNvPr>
-          <p:cNvSpPr txBox="1"/>
-          <p:nvPr/>
-        </p:nvSpPr>
-        <p:spPr>
-          <a:xfrm>
-            <a:off x="2504286" y="3474479"/>
-            <a:ext cx="2268490" cy="646331"/>
-          </a:xfrm>
-          <a:prstGeom prst="rect">
-            <a:avLst/>
-          </a:prstGeom>
-          <a:noFill/>
-        </p:spPr>
-        <p:txBody>
-          <a:bodyPr wrap="square" rtlCol="0">
-            <a:spAutoFit/>
-          </a:bodyPr>
-          <a:lstStyle/>
-          <a:p>
-            <a:pPr algn="ctr"/>
-            <a:r>
-              <a:rPr lang="en-US" dirty="0" err="1"/>
-              <a:t>Cyl</a:t>
-            </a:r>
-            <a:r>
-              <a:rPr lang="en-US" dirty="0"/>
-              <a:t>-str</a:t>
-            </a:r>
-            <a:br>
-              <a:rPr lang="en-US" dirty="0"/>
-            </a:br>
-            <a:r>
-              <a:rPr lang="en-US" dirty="0"/>
-              <a:t>@ (0.25, 0.020)</a:t>
-            </a:r>
-          </a:p>
-        </p:txBody>
-      </p:sp>
       <p:pic>
         <p:nvPicPr>
-          <p:cNvPr id="8" name="Picture 7">
-            <a:extLst>
-              <a:ext uri="{FF2B5EF4-FFF2-40B4-BE49-F238E27FC236}">
-                <a16:creationId xmlns:a16="http://schemas.microsoft.com/office/drawing/2014/main" id="{29ECAA75-EAAF-B692-5A2C-CDF7A85723FA}"/>
+          <p:cNvPr id="9" name="Picture 8">
+            <a:extLst>
+              <a:ext uri="{FF2B5EF4-FFF2-40B4-BE49-F238E27FC236}">
+                <a16:creationId xmlns:a16="http://schemas.microsoft.com/office/drawing/2014/main" id="{C55BD58C-DC57-5733-D9A4-081832E17A68}"/>
               </a:ext>
             </a:extLst>
           </p:cNvPr>
@@ -5614,20 +5564,106 @@
         </p:blipFill>
         <p:spPr>
           <a:xfrm>
-            <a:off x="958845" y="4188696"/>
-            <a:ext cx="1567399" cy="1886477"/>
+            <a:off x="3014670" y="4307712"/>
+            <a:ext cx="1757748" cy="1787541"/>
           </a:xfrm>
           <a:prstGeom prst="rect">
             <a:avLst/>
           </a:prstGeom>
         </p:spPr>
       </p:pic>
+      <p:sp>
+        <p:nvSpPr>
+          <p:cNvPr id="16" name="TextBox 15">
+            <a:extLst>
+              <a:ext uri="{FF2B5EF4-FFF2-40B4-BE49-F238E27FC236}">
+                <a16:creationId xmlns:a16="http://schemas.microsoft.com/office/drawing/2014/main" id="{1D13462F-3F31-7473-5236-737D7E955407}"/>
+              </a:ext>
+            </a:extLst>
+          </p:cNvPr>
+          <p:cNvSpPr txBox="1"/>
+          <p:nvPr/>
+        </p:nvSpPr>
+        <p:spPr>
+          <a:xfrm>
+            <a:off x="618013" y="6095253"/>
+            <a:ext cx="2268490" cy="646331"/>
+          </a:xfrm>
+          <a:prstGeom prst="rect">
+            <a:avLst/>
+          </a:prstGeom>
+          <a:noFill/>
+        </p:spPr>
+        <p:txBody>
+          <a:bodyPr wrap="square" rtlCol="0">
+            <a:spAutoFit/>
+          </a:bodyPr>
+          <a:lstStyle/>
+          <a:p>
+            <a:pPr algn="ctr"/>
+            <a:r>
+              <a:rPr lang="en-US" dirty="0"/>
+              <a:t>Rai-str</a:t>
+            </a:r>
+            <a:br>
+              <a:rPr lang="en-US" dirty="0"/>
+            </a:br>
+            <a:r>
+              <a:rPr lang="en-US" dirty="0"/>
+              <a:t>@ (0.25, 0.035??)</a:t>
+            </a:r>
+          </a:p>
+        </p:txBody>
+      </p:sp>
+      <p:sp>
+        <p:nvSpPr>
+          <p:cNvPr id="17" name="TextBox 16">
+            <a:extLst>
+              <a:ext uri="{FF2B5EF4-FFF2-40B4-BE49-F238E27FC236}">
+                <a16:creationId xmlns:a16="http://schemas.microsoft.com/office/drawing/2014/main" id="{73DC2D45-D4FC-6F86-5E6D-3DD3EED30B8D}"/>
+              </a:ext>
+            </a:extLst>
+          </p:cNvPr>
+          <p:cNvSpPr txBox="1"/>
+          <p:nvPr/>
+        </p:nvSpPr>
+        <p:spPr>
+          <a:xfrm>
+            <a:off x="3014670" y="6153972"/>
+            <a:ext cx="2268490" cy="646331"/>
+          </a:xfrm>
+          <a:prstGeom prst="rect">
+            <a:avLst/>
+          </a:prstGeom>
+          <a:noFill/>
+        </p:spPr>
+        <p:txBody>
+          <a:bodyPr wrap="square" rtlCol="0">
+            <a:spAutoFit/>
+          </a:bodyPr>
+          <a:lstStyle/>
+          <a:p>
+            <a:pPr algn="ctr"/>
+            <a:r>
+              <a:rPr lang="en-US" dirty="0"/>
+              <a:t>Hom?</a:t>
+            </a:r>
+            <a:br>
+              <a:rPr lang="en-US" dirty="0"/>
+            </a:br>
+            <a:r>
+              <a:rPr lang="en-US" dirty="0"/>
+              <a:t>@ (0.25, 0.050???)</a:t>
+            </a:r>
+          </a:p>
+        </p:txBody>
+      </p:sp>
       <p:pic>
         <p:nvPicPr>
-          <p:cNvPr id="9" name="Picture 8">
-            <a:extLst>
-              <a:ext uri="{FF2B5EF4-FFF2-40B4-BE49-F238E27FC236}">
-                <a16:creationId xmlns:a16="http://schemas.microsoft.com/office/drawing/2014/main" id="{C55BD58C-DC57-5733-D9A4-081832E17A68}"/>
+          <p:cNvPr id="18" name="Picture 17">
+            <a:extLst>
+              <a:ext uri="{FF2B5EF4-FFF2-40B4-BE49-F238E27FC236}">
+                <a16:creationId xmlns:a16="http://schemas.microsoft.com/office/drawing/2014/main" id="{90164463-12D6-B4F7-9236-57396D2FD11D}"/>
               </a:ext>
             </a:extLst>
           </p:cNvPr>
@@ -5644,106 +5680,20 @@
         </p:blipFill>
         <p:spPr>
           <a:xfrm>
-            <a:off x="3014670" y="4307712"/>
-            <a:ext cx="1757748" cy="1787541"/>
+            <a:off x="828198" y="1846492"/>
+            <a:ext cx="1828692" cy="1578513"/>
           </a:xfrm>
           <a:prstGeom prst="rect">
             <a:avLst/>
           </a:prstGeom>
         </p:spPr>
       </p:pic>
-      <p:sp>
-        <p:nvSpPr>
-          <p:cNvPr id="16" name="TextBox 15">
-            <a:extLst>
-              <a:ext uri="{FF2B5EF4-FFF2-40B4-BE49-F238E27FC236}">
-                <a16:creationId xmlns:a16="http://schemas.microsoft.com/office/drawing/2014/main" id="{1D13462F-3F31-7473-5236-737D7E955407}"/>
-              </a:ext>
-            </a:extLst>
-          </p:cNvPr>
-          <p:cNvSpPr txBox="1"/>
-          <p:nvPr/>
-        </p:nvSpPr>
-        <p:spPr>
-          <a:xfrm>
-            <a:off x="618013" y="6095253"/>
-            <a:ext cx="2268490" cy="646331"/>
-          </a:xfrm>
-          <a:prstGeom prst="rect">
-            <a:avLst/>
-          </a:prstGeom>
-          <a:noFill/>
-        </p:spPr>
-        <p:txBody>
-          <a:bodyPr wrap="square" rtlCol="0">
-            <a:spAutoFit/>
-          </a:bodyPr>
-          <a:lstStyle/>
-          <a:p>
-            <a:pPr algn="ctr"/>
-            <a:r>
-              <a:rPr lang="en-US" dirty="0"/>
-              <a:t>Rai-str</a:t>
-            </a:r>
-            <a:br>
-              <a:rPr lang="en-US" dirty="0"/>
-            </a:br>
-            <a:r>
-              <a:rPr lang="en-US" dirty="0"/>
-              <a:t>@ (0.25, 0.035??)</a:t>
-            </a:r>
-          </a:p>
-        </p:txBody>
-      </p:sp>
-      <p:sp>
-        <p:nvSpPr>
-          <p:cNvPr id="17" name="TextBox 16">
-            <a:extLst>
-              <a:ext uri="{FF2B5EF4-FFF2-40B4-BE49-F238E27FC236}">
-                <a16:creationId xmlns:a16="http://schemas.microsoft.com/office/drawing/2014/main" id="{73DC2D45-D4FC-6F86-5E6D-3DD3EED30B8D}"/>
-              </a:ext>
-            </a:extLst>
-          </p:cNvPr>
-          <p:cNvSpPr txBox="1"/>
-          <p:nvPr/>
-        </p:nvSpPr>
-        <p:spPr>
-          <a:xfrm>
-            <a:off x="3014670" y="6153972"/>
-            <a:ext cx="2268490" cy="646331"/>
-          </a:xfrm>
-          <a:prstGeom prst="rect">
-            <a:avLst/>
-          </a:prstGeom>
-          <a:noFill/>
-        </p:spPr>
-        <p:txBody>
-          <a:bodyPr wrap="square" rtlCol="0">
-            <a:spAutoFit/>
-          </a:bodyPr>
-          <a:lstStyle/>
-          <a:p>
-            <a:pPr algn="ctr"/>
-            <a:r>
-              <a:rPr lang="en-US" dirty="0"/>
-              <a:t>Hom?</a:t>
-            </a:r>
-            <a:br>
-              <a:rPr lang="en-US" dirty="0"/>
-            </a:br>
-            <a:r>
-              <a:rPr lang="en-US" dirty="0"/>
-              <a:t>@ (0.25, 0.050???)</a:t>
-            </a:r>
-          </a:p>
-        </p:txBody>
-      </p:sp>
       <p:pic>
         <p:nvPicPr>
-          <p:cNvPr id="4098" name="Picture 2">
-            <a:extLst>
-              <a:ext uri="{FF2B5EF4-FFF2-40B4-BE49-F238E27FC236}">
-                <a16:creationId xmlns:a16="http://schemas.microsoft.com/office/drawing/2014/main" id="{DE44CC67-62A7-0610-D770-D35C1376591F}"/>
+          <p:cNvPr id="4100" name="Picture 4">
+            <a:extLst>
+              <a:ext uri="{FF2B5EF4-FFF2-40B4-BE49-F238E27FC236}">
+                <a16:creationId xmlns:a16="http://schemas.microsoft.com/office/drawing/2014/main" id="{04C66F9B-A56A-3484-CD07-9FFFED459CA0}"/>
               </a:ext>
             </a:extLst>
           </p:cNvPr>
@@ -5767,8 +5717,8 @@
         </p:blipFill>
         <p:spPr bwMode="auto">
           <a:xfrm>
-            <a:off x="7781533" y="2437830"/>
-            <a:ext cx="4134521" cy="2490353"/>
+            <a:off x="7035167" y="2275726"/>
+            <a:ext cx="4959457" cy="3038632"/>
           </a:xfrm>
           <a:prstGeom prst="rect">
             <a:avLst/>

--- a/SYSG3_paper.pptx
+++ b/SYSG3_paper.pptx
@@ -4784,7 +4784,7 @@
             <a:pPr algn="ctr"/>
             <a:r>
               <a:rPr lang="en-US" dirty="0"/>
-              <a:t>Need to finalize – increase box size for multiple mic</a:t>
+              <a:t>Need to finalize – see slide 2</a:t>
             </a:r>
           </a:p>
         </p:txBody>
@@ -4884,8 +4884,8 @@
         </p:blipFill>
         <p:spPr>
           <a:xfrm>
-            <a:off x="5701592" y="2292065"/>
-            <a:ext cx="1344719" cy="1136935"/>
+            <a:off x="5531815" y="2284901"/>
+            <a:ext cx="1569953" cy="1327366"/>
           </a:xfrm>
           <a:prstGeom prst="rect">
             <a:avLst/>

--- a/SYSG3_paper.pptx
+++ b/SYSG3_paper.pptx
@@ -4957,7 +4957,7 @@
         </p:blipFill>
         <p:spPr>
           <a:xfrm>
-            <a:off x="1673511" y="4564811"/>
+            <a:off x="1629529" y="4670961"/>
             <a:ext cx="1341483" cy="1104488"/>
           </a:xfrm>
           <a:prstGeom prst="rect">
@@ -5237,6 +5237,42 @@
         <p:spPr>
           <a:xfrm>
             <a:off x="2718113" y="1649297"/>
+            <a:ext cx="2765121" cy="369332"/>
+          </a:xfrm>
+          <a:prstGeom prst="rect">
+            <a:avLst/>
+          </a:prstGeom>
+          <a:noFill/>
+        </p:spPr>
+        <p:txBody>
+          <a:bodyPr wrap="square" rtlCol="0">
+            <a:spAutoFit/>
+          </a:bodyPr>
+          <a:lstStyle/>
+          <a:p>
+            <a:pPr algn="ctr"/>
+            <a:r>
+              <a:rPr lang="en-US" dirty="0"/>
+              <a:t>Need to finalize</a:t>
+            </a:r>
+          </a:p>
+        </p:txBody>
+      </p:sp>
+      <p:sp>
+        <p:nvSpPr>
+          <p:cNvPr id="25" name="TextBox 24">
+            <a:extLst>
+              <a:ext uri="{FF2B5EF4-FFF2-40B4-BE49-F238E27FC236}">
+                <a16:creationId xmlns:a16="http://schemas.microsoft.com/office/drawing/2014/main" id="{9D63CD23-89D8-C57E-B45A-A273F65D5F50}"/>
+              </a:ext>
+            </a:extLst>
+          </p:cNvPr>
+          <p:cNvSpPr txBox="1"/>
+          <p:nvPr/>
+        </p:nvSpPr>
+        <p:spPr>
+          <a:xfrm>
+            <a:off x="951173" y="4441589"/>
             <a:ext cx="2765121" cy="369332"/>
           </a:xfrm>
           <a:prstGeom prst="rect">
@@ -5413,7 +5449,7 @@
         </p:nvSpPr>
         <p:spPr>
           <a:xfrm>
-            <a:off x="478354" y="1016756"/>
+            <a:off x="486554" y="1402544"/>
             <a:ext cx="2268490" cy="369332"/>
           </a:xfrm>
           <a:prstGeom prst="rect">
@@ -5811,144 +5847,212 @@
           </a:p>
         </p:txBody>
       </p:sp>
+      <p:sp>
+        <p:nvSpPr>
+          <p:cNvPr id="10" name="TextBox 9">
+            <a:extLst>
+              <a:ext uri="{FF2B5EF4-FFF2-40B4-BE49-F238E27FC236}">
+                <a16:creationId xmlns:a16="http://schemas.microsoft.com/office/drawing/2014/main" id="{66022D3E-4B55-25B7-198D-152F7D929868}"/>
+              </a:ext>
+            </a:extLst>
+          </p:cNvPr>
+          <p:cNvSpPr txBox="1"/>
+          <p:nvPr/>
+        </p:nvSpPr>
+        <p:spPr>
+          <a:xfrm>
+            <a:off x="493638" y="5772284"/>
+            <a:ext cx="1969152" cy="369332"/>
+          </a:xfrm>
+          <a:prstGeom prst="rect">
+            <a:avLst/>
+          </a:prstGeom>
+          <a:noFill/>
+        </p:spPr>
+        <p:txBody>
+          <a:bodyPr wrap="square" rtlCol="0">
+            <a:spAutoFit/>
+          </a:bodyPr>
+          <a:lstStyle/>
+          <a:p>
+            <a:pPr/>
+            <a:r>
+              <a:rPr lang="en-US" dirty="0"/>
+              <a:t>@ (0.30, 0.040)</a:t>
+            </a:r>
+          </a:p>
+        </p:txBody>
+      </p:sp>
+      <p:sp>
+        <p:nvSpPr>
+          <p:cNvPr id="6" name="TextBox 5">
+            <a:extLst>
+              <a:ext uri="{FF2B5EF4-FFF2-40B4-BE49-F238E27FC236}">
+                <a16:creationId xmlns:a16="http://schemas.microsoft.com/office/drawing/2014/main" id="{982CAF2C-7C43-CD08-04D6-B9D3E93B8AF7}"/>
+              </a:ext>
+            </a:extLst>
+          </p:cNvPr>
+          <p:cNvSpPr txBox="1"/>
+          <p:nvPr/>
+        </p:nvSpPr>
+        <p:spPr>
+          <a:xfrm>
+            <a:off x="2313305" y="5772284"/>
+            <a:ext cx="1969152" cy="369332"/>
+          </a:xfrm>
+          <a:prstGeom prst="rect">
+            <a:avLst/>
+          </a:prstGeom>
+          <a:noFill/>
+        </p:spPr>
+        <p:txBody>
+          <a:bodyPr wrap="square" rtlCol="0">
+            <a:spAutoFit/>
+          </a:bodyPr>
+          <a:lstStyle/>
+          <a:p>
+            <a:pPr/>
+            <a:r>
+              <a:rPr lang="en-US" dirty="0"/>
+              <a:t>@ (0.30, 0.040)</a:t>
+            </a:r>
+          </a:p>
+        </p:txBody>
+      </p:sp>
+      <p:sp>
+        <p:nvSpPr>
+          <p:cNvPr id="12" name="TextBox 11">
+            <a:extLst>
+              <a:ext uri="{FF2B5EF4-FFF2-40B4-BE49-F238E27FC236}">
+                <a16:creationId xmlns:a16="http://schemas.microsoft.com/office/drawing/2014/main" id="{6676D927-F3DD-FB66-BF99-5D8D97C8C303}"/>
+              </a:ext>
+            </a:extLst>
+          </p:cNvPr>
+          <p:cNvSpPr txBox="1"/>
+          <p:nvPr/>
+        </p:nvSpPr>
+        <p:spPr>
+          <a:xfrm>
+            <a:off x="4378952" y="5740592"/>
+            <a:ext cx="1969152" cy="369332"/>
+          </a:xfrm>
+          <a:prstGeom prst="rect">
+            <a:avLst/>
+          </a:prstGeom>
+          <a:noFill/>
+        </p:spPr>
+        <p:txBody>
+          <a:bodyPr wrap="square" rtlCol="0">
+            <a:spAutoFit/>
+          </a:bodyPr>
+          <a:lstStyle/>
+          <a:p>
+            <a:pPr/>
+            <a:r>
+              <a:rPr lang="en-US" dirty="0"/>
+              <a:t>@ (0.30, 0.040)</a:t>
+            </a:r>
+          </a:p>
+        </p:txBody>
+      </p:sp>
       <p:pic>
         <p:nvPicPr>
-          <p:cNvPr id="8" name="Picture 7">
-            <a:extLst>
-              <a:ext uri="{FF2B5EF4-FFF2-40B4-BE49-F238E27FC236}">
-                <a16:creationId xmlns:a16="http://schemas.microsoft.com/office/drawing/2014/main" id="{8D24CB12-4A59-5B3F-E7C3-8383C5A2943F}"/>
+          <p:cNvPr id="5122" name="Picture 2">
+            <a:extLst>
+              <a:ext uri="{FF2B5EF4-FFF2-40B4-BE49-F238E27FC236}">
+                <a16:creationId xmlns:a16="http://schemas.microsoft.com/office/drawing/2014/main" id="{33430E75-5F96-B748-4198-EAD0D503085D}"/>
               </a:ext>
             </a:extLst>
           </p:cNvPr>
           <p:cNvPicPr>
-            <a:picLocks noChangeAspect="1"/>
+            <a:picLocks noChangeAspect="1" noChangeArrowheads="1"/>
           </p:cNvPicPr>
           <p:nvPr/>
         </p:nvPicPr>
         <p:blipFill>
-          <a:blip r:embed="rId3"/>
+          <a:blip r:embed="rId3">
+            <a:extLst>
+              <a:ext uri="{28A0092B-C50C-407E-A947-70E740481C1C}">
+                <a14:useLocalDpi xmlns:a14="http://schemas.microsoft.com/office/drawing/2010/main" val="0"/>
+              </a:ext>
+            </a:extLst>
+          </a:blip>
+          <a:srcRect/>
           <a:stretch>
             <a:fillRect/>
           </a:stretch>
         </p:blipFill>
-        <p:spPr>
-          <a:xfrm>
-            <a:off x="2068122" y="2272665"/>
-            <a:ext cx="1935849" cy="1980572"/>
-          </a:xfrm>
-          <a:prstGeom prst="rect">
-            <a:avLst/>
-          </a:prstGeom>
-        </p:spPr>
-      </p:pic>
-      <p:sp>
-        <p:nvSpPr>
-          <p:cNvPr id="10" name="TextBox 9">
-            <a:extLst>
-              <a:ext uri="{FF2B5EF4-FFF2-40B4-BE49-F238E27FC236}">
-                <a16:creationId xmlns:a16="http://schemas.microsoft.com/office/drawing/2014/main" id="{66022D3E-4B55-25B7-198D-152F7D929868}"/>
-              </a:ext>
-            </a:extLst>
-          </p:cNvPr>
-          <p:cNvSpPr txBox="1"/>
-          <p:nvPr/>
-        </p:nvSpPr>
-        <p:spPr>
-          <a:xfrm>
-            <a:off x="493059" y="4593802"/>
-            <a:ext cx="1969152" cy="369332"/>
+        <p:spPr bwMode="auto">
+          <a:xfrm>
+            <a:off x="6727629" y="2059833"/>
+            <a:ext cx="5294245" cy="3231197"/>
           </a:xfrm>
           <a:prstGeom prst="rect">
             <a:avLst/>
           </a:prstGeom>
           <a:noFill/>
-        </p:spPr>
-        <p:txBody>
-          <a:bodyPr wrap="square" rtlCol="0">
-            <a:spAutoFit/>
-          </a:bodyPr>
-          <a:lstStyle/>
-          <a:p>
-            <a:pPr/>
-            <a:r>
-              <a:rPr lang="en-US" dirty="0"/>
-              <a:t>@ (0.30, 0.020)</a:t>
-            </a:r>
-          </a:p>
-        </p:txBody>
-      </p:sp>
-      <p:sp>
-        <p:nvSpPr>
-          <p:cNvPr id="6" name="TextBox 5">
-            <a:extLst>
-              <a:ext uri="{FF2B5EF4-FFF2-40B4-BE49-F238E27FC236}">
-                <a16:creationId xmlns:a16="http://schemas.microsoft.com/office/drawing/2014/main" id="{982CAF2C-7C43-CD08-04D6-B9D3E93B8AF7}"/>
-              </a:ext>
-            </a:extLst>
-          </p:cNvPr>
-          <p:cNvSpPr txBox="1"/>
+          <a:extLst>
+            <a:ext uri="{909E8E84-426E-40DD-AFC4-6F175D3DCCD1}">
+              <a14:hiddenFill xmlns:a14="http://schemas.microsoft.com/office/drawing/2010/main">
+                <a:solidFill>
+                  <a:srgbClr val="FFFFFF"/>
+                </a:solidFill>
+              </a14:hiddenFill>
+            </a:ext>
+          </a:extLst>
+        </p:spPr>
+      </p:pic>
+      <p:pic>
+        <p:nvPicPr>
+          <p:cNvPr id="13" name="Picture 6">
+            <a:extLst>
+              <a:ext uri="{FF2B5EF4-FFF2-40B4-BE49-F238E27FC236}">
+                <a16:creationId xmlns:a16="http://schemas.microsoft.com/office/drawing/2014/main" id="{4CF01689-54B4-BA2C-2313-D244211DCAC1}"/>
+              </a:ext>
+            </a:extLst>
+          </p:cNvPr>
+          <p:cNvPicPr>
+            <a:picLocks noChangeAspect="1" noChangeArrowheads="1"/>
+          </p:cNvPicPr>
           <p:nvPr/>
-        </p:nvSpPr>
-        <p:spPr>
-          <a:xfrm>
-            <a:off x="2312726" y="4625494"/>
-            <a:ext cx="1969152" cy="369332"/>
+        </p:nvPicPr>
+        <p:blipFill rotWithShape="1">
+          <a:blip r:embed="rId4">
+            <a:extLst>
+              <a:ext uri="{28A0092B-C50C-407E-A947-70E740481C1C}">
+                <a14:useLocalDpi xmlns:a14="http://schemas.microsoft.com/office/drawing/2010/main" val="0"/>
+              </a:ext>
+            </a:extLst>
+          </a:blip>
+          <a:srcRect l="26063" r="26152"/>
+          <a:stretch/>
+        </p:blipFill>
+        <p:spPr bwMode="auto">
+          <a:xfrm>
+            <a:off x="4378373" y="1085716"/>
+            <a:ext cx="1525564" cy="3192534"/>
           </a:xfrm>
           <a:prstGeom prst="rect">
             <a:avLst/>
           </a:prstGeom>
           <a:noFill/>
-        </p:spPr>
-        <p:txBody>
-          <a:bodyPr wrap="square" rtlCol="0">
-            <a:spAutoFit/>
-          </a:bodyPr>
-          <a:lstStyle/>
-          <a:p>
-            <a:pPr/>
-            <a:r>
-              <a:rPr lang="en-US" dirty="0"/>
-              <a:t>@ (0.30, 0.020)</a:t>
-            </a:r>
-          </a:p>
-        </p:txBody>
-      </p:sp>
-      <p:pic>
-        <p:nvPicPr>
-          <p:cNvPr id="7" name="Picture 6">
-            <a:extLst>
-              <a:ext uri="{FF2B5EF4-FFF2-40B4-BE49-F238E27FC236}">
-                <a16:creationId xmlns:a16="http://schemas.microsoft.com/office/drawing/2014/main" id="{72712DCD-F991-5102-53B1-25727601818C}"/>
-              </a:ext>
-            </a:extLst>
-          </p:cNvPr>
-          <p:cNvPicPr>
-            <a:picLocks noChangeAspect="1"/>
-          </p:cNvPicPr>
-          <p:nvPr/>
-        </p:nvPicPr>
-        <p:blipFill>
-          <a:blip r:embed="rId4"/>
-          <a:stretch>
-            <a:fillRect/>
-          </a:stretch>
-        </p:blipFill>
-        <p:spPr>
-          <a:xfrm>
-            <a:off x="4146066" y="2295890"/>
-            <a:ext cx="1865327" cy="1738020"/>
-          </a:xfrm>
-          <a:prstGeom prst="rect">
-            <a:avLst/>
-          </a:prstGeom>
+          <a:extLst>
+            <a:ext uri="{909E8E84-426E-40DD-AFC4-6F175D3DCCD1}">
+              <a14:hiddenFill xmlns:a14="http://schemas.microsoft.com/office/drawing/2010/main">
+                <a:solidFill>
+                  <a:srgbClr val="FFFFFF"/>
+                </a:solidFill>
+              </a14:hiddenFill>
+            </a:ext>
+          </a:extLst>
         </p:spPr>
       </p:pic>
       <p:pic>
         <p:nvPicPr>
-          <p:cNvPr id="9" name="Picture 8">
-            <a:extLst>
-              <a:ext uri="{FF2B5EF4-FFF2-40B4-BE49-F238E27FC236}">
-                <a16:creationId xmlns:a16="http://schemas.microsoft.com/office/drawing/2014/main" id="{8F1D1DF4-96F0-152C-1642-05351B2AEFAF}"/>
+          <p:cNvPr id="14" name="Picture 13">
+            <a:extLst>
+              <a:ext uri="{FF2B5EF4-FFF2-40B4-BE49-F238E27FC236}">
+                <a16:creationId xmlns:a16="http://schemas.microsoft.com/office/drawing/2014/main" id="{12D1D304-0923-C48C-7FEF-4E650C3DF344}"/>
               </a:ext>
             </a:extLst>
           </p:cNvPr>
@@ -5965,56 +6069,50 @@
         </p:blipFill>
         <p:spPr>
           <a:xfrm>
-            <a:off x="524312" y="2107939"/>
-            <a:ext cx="1408310" cy="2489828"/>
+            <a:off x="170127" y="1488382"/>
+            <a:ext cx="1927334" cy="2527542"/>
           </a:xfrm>
           <a:prstGeom prst="rect">
             <a:avLst/>
           </a:prstGeom>
         </p:spPr>
       </p:pic>
-      <p:sp>
-        <p:nvSpPr>
-          <p:cNvPr id="12" name="TextBox 11">
-            <a:extLst>
-              <a:ext uri="{FF2B5EF4-FFF2-40B4-BE49-F238E27FC236}">
-                <a16:creationId xmlns:a16="http://schemas.microsoft.com/office/drawing/2014/main" id="{6676D927-F3DD-FB66-BF99-5D8D97C8C303}"/>
-              </a:ext>
-            </a:extLst>
-          </p:cNvPr>
-          <p:cNvSpPr txBox="1"/>
+      <p:pic>
+        <p:nvPicPr>
+          <p:cNvPr id="16" name="Picture 15">
+            <a:extLst>
+              <a:ext uri="{FF2B5EF4-FFF2-40B4-BE49-F238E27FC236}">
+                <a16:creationId xmlns:a16="http://schemas.microsoft.com/office/drawing/2014/main" id="{07595CF9-E445-BDEB-FB1D-C0B5570A11B7}"/>
+              </a:ext>
+            </a:extLst>
+          </p:cNvPr>
+          <p:cNvPicPr>
+            <a:picLocks noChangeAspect="1"/>
+          </p:cNvPicPr>
           <p:nvPr/>
-        </p:nvSpPr>
-        <p:spPr>
-          <a:xfrm>
-            <a:off x="4378373" y="4540939"/>
-            <a:ext cx="1969152" cy="369332"/>
+        </p:nvPicPr>
+        <p:blipFill>
+          <a:blip r:embed="rId6"/>
+          <a:stretch>
+            <a:fillRect/>
+          </a:stretch>
+        </p:blipFill>
+        <p:spPr>
+          <a:xfrm>
+            <a:off x="2313305" y="1460895"/>
+            <a:ext cx="1342063" cy="2737504"/>
           </a:xfrm>
           <a:prstGeom prst="rect">
             <a:avLst/>
           </a:prstGeom>
-          <a:noFill/>
-        </p:spPr>
-        <p:txBody>
-          <a:bodyPr wrap="square" rtlCol="0">
-            <a:spAutoFit/>
-          </a:bodyPr>
-          <a:lstStyle/>
-          <a:p>
-            <a:pPr/>
-            <a:r>
-              <a:rPr lang="en-US" dirty="0"/>
-              <a:t>@ (0.30, 0.020)</a:t>
-            </a:r>
-          </a:p>
-        </p:txBody>
-      </p:sp>
+        </p:spPr>
+      </p:pic>
       <p:pic>
         <p:nvPicPr>
-          <p:cNvPr id="5122" name="Picture 2">
-            <a:extLst>
-              <a:ext uri="{FF2B5EF4-FFF2-40B4-BE49-F238E27FC236}">
-                <a16:creationId xmlns:a16="http://schemas.microsoft.com/office/drawing/2014/main" id="{33430E75-5F96-B748-4198-EAD0D503085D}"/>
+          <p:cNvPr id="17" name="Picture 4">
+            <a:extLst>
+              <a:ext uri="{FF2B5EF4-FFF2-40B4-BE49-F238E27FC236}">
+                <a16:creationId xmlns:a16="http://schemas.microsoft.com/office/drawing/2014/main" id="{4E7C55D1-2F03-B431-6711-B96F303F28ED}"/>
               </a:ext>
             </a:extLst>
           </p:cNvPr>
@@ -6024,7 +6122,7 @@
           <p:nvPr/>
         </p:nvPicPr>
         <p:blipFill>
-          <a:blip r:embed="rId6">
+          <a:blip r:embed="rId7">
             <a:extLst>
               <a:ext uri="{28A0092B-C50C-407E-A947-70E740481C1C}">
                 <a14:useLocalDpi xmlns:a14="http://schemas.microsoft.com/office/drawing/2010/main" val="0"/>
@@ -6038,8 +6136,55 @@
         </p:blipFill>
         <p:spPr bwMode="auto">
           <a:xfrm>
-            <a:off x="6727629" y="2059833"/>
-            <a:ext cx="5294245" cy="3231197"/>
+            <a:off x="432253" y="3984232"/>
+            <a:ext cx="1845943" cy="1603387"/>
+          </a:xfrm>
+          <a:prstGeom prst="rect">
+            <a:avLst/>
+          </a:prstGeom>
+          <a:noFill/>
+          <a:extLst>
+            <a:ext uri="{909E8E84-426E-40DD-AFC4-6F175D3DCCD1}">
+              <a14:hiddenFill xmlns:a14="http://schemas.microsoft.com/office/drawing/2010/main">
+                <a:solidFill>
+                  <a:srgbClr val="FFFFFF"/>
+                </a:solidFill>
+              </a14:hiddenFill>
+            </a:ext>
+          </a:extLst>
+        </p:spPr>
+      </p:pic>
+      <p:pic>
+        <p:nvPicPr>
+          <p:cNvPr id="20" name="Picture 4">
+            <a:extLst>
+              <a:ext uri="{FF2B5EF4-FFF2-40B4-BE49-F238E27FC236}">
+                <a16:creationId xmlns:a16="http://schemas.microsoft.com/office/drawing/2014/main" id="{1E228389-07A1-083C-5D1E-3F9E5E4E0B50}"/>
+              </a:ext>
+            </a:extLst>
+          </p:cNvPr>
+          <p:cNvPicPr>
+            <a:picLocks noChangeAspect="1" noChangeArrowheads="1"/>
+          </p:cNvPicPr>
+          <p:nvPr/>
+        </p:nvPicPr>
+        <p:blipFill>
+          <a:blip r:embed="rId8">
+            <a:extLst>
+              <a:ext uri="{28A0092B-C50C-407E-A947-70E740481C1C}">
+                <a14:useLocalDpi xmlns:a14="http://schemas.microsoft.com/office/drawing/2010/main" val="0"/>
+              </a:ext>
+            </a:extLst>
+          </a:blip>
+          <a:srcRect/>
+          <a:stretch>
+            <a:fillRect/>
+          </a:stretch>
+        </p:blipFill>
+        <p:spPr bwMode="auto">
+          <a:xfrm>
+            <a:off x="2359588" y="3925016"/>
+            <a:ext cx="1654036" cy="1739471"/>
           </a:xfrm>
           <a:prstGeom prst="rect">
             <a:avLst/>

--- a/SYSG3_paper.pptx
+++ b/SYSG3_paper.pptx
@@ -4001,7 +4001,7 @@
                   <a:schemeClr val="tx1"/>
                 </a:solidFill>
               </a:rPr>
-              <a:t>06/19</a:t>
+              <a:t>06/20</a:t>
             </a:r>
           </a:p>
         </p:txBody>
@@ -4059,7 +4059,7 @@
                   <a:schemeClr val="tx1"/>
                 </a:solidFill>
               </a:rPr>
-              <a:t>06/19</a:t>
+              <a:t>06/20</a:t>
             </a:r>
           </a:p>
         </p:txBody>
@@ -4117,7 +4117,7 @@
                   <a:schemeClr val="tx1"/>
                 </a:solidFill>
               </a:rPr>
-              <a:t>06/19</a:t>
+              <a:t>06/20</a:t>
             </a:r>
           </a:p>
         </p:txBody>
@@ -4311,12 +4311,99 @@
           </a:p>
         </p:txBody>
       </p:sp>
+      <p:sp>
+        <p:nvSpPr>
+          <p:cNvPr id="7" name="TextBox 6">
+            <a:extLst>
+              <a:ext uri="{FF2B5EF4-FFF2-40B4-BE49-F238E27FC236}">
+                <a16:creationId xmlns:a16="http://schemas.microsoft.com/office/drawing/2014/main" id="{A9E06EDB-D83C-C70F-9106-5146C310E7C4}"/>
+              </a:ext>
+            </a:extLst>
+          </p:cNvPr>
+          <p:cNvSpPr txBox="1"/>
+          <p:nvPr/>
+        </p:nvSpPr>
+        <p:spPr>
+          <a:xfrm>
+            <a:off x="2931766" y="4854668"/>
+            <a:ext cx="2765121" cy="646331"/>
+          </a:xfrm>
+          <a:prstGeom prst="rect">
+            <a:avLst/>
+          </a:prstGeom>
+          <a:noFill/>
+        </p:spPr>
+        <p:txBody>
+          <a:bodyPr wrap="square" rtlCol="0">
+            <a:spAutoFit/>
+          </a:bodyPr>
+          <a:lstStyle/>
+          <a:p>
+            <a:pPr algn="ctr"/>
+            <a:r>
+              <a:rPr lang="en-US" dirty="0"/>
+              <a:t>Fused mic </a:t>
+            </a:r>
+            <a:br>
+              <a:rPr lang="en-US" dirty="0"/>
+            </a:br>
+            <a:r>
+              <a:rPr lang="en-US" dirty="0"/>
+              <a:t>@ (0.15, 0.0025)</a:t>
+            </a:r>
+          </a:p>
+        </p:txBody>
+      </p:sp>
+      <p:sp>
+        <p:nvSpPr>
+          <p:cNvPr id="10" name="TextBox 9">
+            <a:extLst>
+              <a:ext uri="{FF2B5EF4-FFF2-40B4-BE49-F238E27FC236}">
+                <a16:creationId xmlns:a16="http://schemas.microsoft.com/office/drawing/2014/main" id="{DB134EAA-7C3B-95CF-2D9E-25C9666E9C62}"/>
+              </a:ext>
+            </a:extLst>
+          </p:cNvPr>
+          <p:cNvSpPr txBox="1"/>
+          <p:nvPr/>
+        </p:nvSpPr>
+        <p:spPr>
+          <a:xfrm>
+            <a:off x="2931765" y="2189990"/>
+            <a:ext cx="2765121" cy="646331"/>
+          </a:xfrm>
+          <a:prstGeom prst="rect">
+            <a:avLst/>
+          </a:prstGeom>
+          <a:noFill/>
+        </p:spPr>
+        <p:txBody>
+          <a:bodyPr wrap="square" rtlCol="0">
+            <a:spAutoFit/>
+          </a:bodyPr>
+          <a:lstStyle/>
+          <a:p>
+            <a:pPr algn="ctr"/>
+            <a:r>
+              <a:rPr lang="en-US" dirty="0"/>
+              <a:t>Need to finalize – fusing 1</a:t>
+            </a:r>
+            <a:r>
+              <a:rPr lang="en-US" baseline="30000" dirty="0"/>
+              <a:t>st</a:t>
+            </a:r>
+            <a:r>
+              <a:rPr lang="en-US" dirty="0"/>
+              <a:t> order? </a:t>
+            </a:r>
+          </a:p>
+        </p:txBody>
+      </p:sp>
       <p:pic>
         <p:nvPicPr>
-          <p:cNvPr id="6" name="Picture 5">
-            <a:extLst>
-              <a:ext uri="{FF2B5EF4-FFF2-40B4-BE49-F238E27FC236}">
-                <a16:creationId xmlns:a16="http://schemas.microsoft.com/office/drawing/2014/main" id="{195FC564-B501-43A7-D318-519EE0E85148}"/>
+          <p:cNvPr id="12" name="Picture 11">
+            <a:extLst>
+              <a:ext uri="{FF2B5EF4-FFF2-40B4-BE49-F238E27FC236}">
+                <a16:creationId xmlns:a16="http://schemas.microsoft.com/office/drawing/2014/main" id="{8B0877E6-F3E6-317E-CCBB-91E31AD52852}"/>
               </a:ext>
             </a:extLst>
           </p:cNvPr>
@@ -4333,123 +4420,6 @@
         </p:blipFill>
         <p:spPr>
           <a:xfrm>
-            <a:off x="444125" y="3036719"/>
-            <a:ext cx="2316235" cy="1642421"/>
-          </a:xfrm>
-          <a:prstGeom prst="rect">
-            <a:avLst/>
-          </a:prstGeom>
-        </p:spPr>
-      </p:pic>
-      <p:sp>
-        <p:nvSpPr>
-          <p:cNvPr id="7" name="TextBox 6">
-            <a:extLst>
-              <a:ext uri="{FF2B5EF4-FFF2-40B4-BE49-F238E27FC236}">
-                <a16:creationId xmlns:a16="http://schemas.microsoft.com/office/drawing/2014/main" id="{A9E06EDB-D83C-C70F-9106-5146C310E7C4}"/>
-              </a:ext>
-            </a:extLst>
-          </p:cNvPr>
-          <p:cNvSpPr txBox="1"/>
-          <p:nvPr/>
-        </p:nvSpPr>
-        <p:spPr>
-          <a:xfrm>
-            <a:off x="2931766" y="4854668"/>
-            <a:ext cx="2765121" cy="646331"/>
-          </a:xfrm>
-          <a:prstGeom prst="rect">
-            <a:avLst/>
-          </a:prstGeom>
-          <a:noFill/>
-        </p:spPr>
-        <p:txBody>
-          <a:bodyPr wrap="square" rtlCol="0">
-            <a:spAutoFit/>
-          </a:bodyPr>
-          <a:lstStyle/>
-          <a:p>
-            <a:pPr algn="ctr"/>
-            <a:r>
-              <a:rPr lang="en-US" dirty="0"/>
-              <a:t>Fused mic </a:t>
-            </a:r>
-            <a:br>
-              <a:rPr lang="en-US" dirty="0"/>
-            </a:br>
-            <a:r>
-              <a:rPr lang="en-US" dirty="0"/>
-              <a:t>@ (0.15, 0.0025)</a:t>
-            </a:r>
-          </a:p>
-        </p:txBody>
-      </p:sp>
-      <p:sp>
-        <p:nvSpPr>
-          <p:cNvPr id="10" name="TextBox 9">
-            <a:extLst>
-              <a:ext uri="{FF2B5EF4-FFF2-40B4-BE49-F238E27FC236}">
-                <a16:creationId xmlns:a16="http://schemas.microsoft.com/office/drawing/2014/main" id="{DB134EAA-7C3B-95CF-2D9E-25C9666E9C62}"/>
-              </a:ext>
-            </a:extLst>
-          </p:cNvPr>
-          <p:cNvSpPr txBox="1"/>
-          <p:nvPr/>
-        </p:nvSpPr>
-        <p:spPr>
-          <a:xfrm>
-            <a:off x="2931765" y="2189990"/>
-            <a:ext cx="2765121" cy="646331"/>
-          </a:xfrm>
-          <a:prstGeom prst="rect">
-            <a:avLst/>
-          </a:prstGeom>
-          <a:noFill/>
-        </p:spPr>
-        <p:txBody>
-          <a:bodyPr wrap="square" rtlCol="0">
-            <a:spAutoFit/>
-          </a:bodyPr>
-          <a:lstStyle/>
-          <a:p>
-            <a:pPr algn="ctr"/>
-            <a:r>
-              <a:rPr lang="en-US" dirty="0"/>
-              <a:t>Need to finalize – fusing 1</a:t>
-            </a:r>
-            <a:r>
-              <a:rPr lang="en-US" baseline="30000" dirty="0"/>
-              <a:t>st</a:t>
-            </a:r>
-            <a:r>
-              <a:rPr lang="en-US" dirty="0"/>
-              <a:t> order? </a:t>
-            </a:r>
-          </a:p>
-        </p:txBody>
-      </p:sp>
-      <p:pic>
-        <p:nvPicPr>
-          <p:cNvPr id="12" name="Picture 11">
-            <a:extLst>
-              <a:ext uri="{FF2B5EF4-FFF2-40B4-BE49-F238E27FC236}">
-                <a16:creationId xmlns:a16="http://schemas.microsoft.com/office/drawing/2014/main" id="{8B0877E6-F3E6-317E-CCBB-91E31AD52852}"/>
-              </a:ext>
-            </a:extLst>
-          </p:cNvPr>
-          <p:cNvPicPr>
-            <a:picLocks noChangeAspect="1"/>
-          </p:cNvPicPr>
-          <p:nvPr/>
-        </p:nvPicPr>
-        <p:blipFill>
-          <a:blip r:embed="rId3"/>
-          <a:stretch>
-            <a:fillRect/>
-          </a:stretch>
-        </p:blipFill>
-        <p:spPr>
-          <a:xfrm>
             <a:off x="3452941" y="2836321"/>
             <a:ext cx="1570778" cy="1965088"/>
           </a:xfrm>
@@ -4552,7 +4522,7 @@
           <p:nvPr/>
         </p:nvPicPr>
         <p:blipFill>
-          <a:blip r:embed="rId4">
+          <a:blip r:embed="rId3">
             <a:extLst>
               <a:ext uri="{28A0092B-C50C-407E-A947-70E740481C1C}">
                 <a14:useLocalDpi xmlns:a14="http://schemas.microsoft.com/office/drawing/2010/main" val="0"/>
@@ -4599,6 +4569,36 @@
           <p:nvPr/>
         </p:nvPicPr>
         <p:blipFill>
+          <a:blip r:embed="rId4"/>
+          <a:stretch>
+            <a:fillRect/>
+          </a:stretch>
+        </p:blipFill>
+        <p:spPr>
+          <a:xfrm>
+            <a:off x="6033827" y="2969543"/>
+            <a:ext cx="2268911" cy="1958507"/>
+          </a:xfrm>
+          <a:prstGeom prst="rect">
+            <a:avLst/>
+          </a:prstGeom>
+        </p:spPr>
+      </p:pic>
+      <p:pic>
+        <p:nvPicPr>
+          <p:cNvPr id="18" name="Picture 17">
+            <a:extLst>
+              <a:ext uri="{FF2B5EF4-FFF2-40B4-BE49-F238E27FC236}">
+                <a16:creationId xmlns:a16="http://schemas.microsoft.com/office/drawing/2014/main" id="{29E38CB0-2880-BB4C-A81E-B2C29BCB2A1C}"/>
+              </a:ext>
+            </a:extLst>
+          </p:cNvPr>
+          <p:cNvPicPr>
+            <a:picLocks noChangeAspect="1"/>
+          </p:cNvPicPr>
+          <p:nvPr/>
+        </p:nvPicPr>
+        <p:blipFill>
           <a:blip r:embed="rId5"/>
           <a:stretch>
             <a:fillRect/>
@@ -4606,14 +4606,63 @@
         </p:blipFill>
         <p:spPr>
           <a:xfrm>
-            <a:off x="6033827" y="2969543"/>
-            <a:ext cx="2268911" cy="1958507"/>
+            <a:off x="839384" y="3285942"/>
+            <a:ext cx="1303182" cy="1340181"/>
           </a:xfrm>
           <a:prstGeom prst="rect">
             <a:avLst/>
           </a:prstGeom>
         </p:spPr>
       </p:pic>
+      <p:sp>
+        <p:nvSpPr>
+          <p:cNvPr id="17" name="Rectangle 16">
+            <a:extLst>
+              <a:ext uri="{FF2B5EF4-FFF2-40B4-BE49-F238E27FC236}">
+                <a16:creationId xmlns:a16="http://schemas.microsoft.com/office/drawing/2014/main" id="{5D1F221D-02F7-7099-DC6D-2019852694FC}"/>
+              </a:ext>
+            </a:extLst>
+          </p:cNvPr>
+          <p:cNvSpPr/>
+          <p:nvPr/>
+        </p:nvSpPr>
+        <p:spPr>
+          <a:xfrm>
+            <a:off x="739224" y="1519212"/>
+            <a:ext cx="4180858" cy="974768"/>
+          </a:xfrm>
+          <a:prstGeom prst="rect">
+            <a:avLst/>
+          </a:prstGeom>
+        </p:spPr>
+        <p:style>
+          <a:lnRef idx="2">
+            <a:schemeClr val="accent1">
+              <a:shade val="15000"/>
+            </a:schemeClr>
+          </a:lnRef>
+          <a:fillRef idx="1">
+            <a:schemeClr val="accent1"/>
+          </a:fillRef>
+          <a:effectRef idx="0">
+            <a:schemeClr val="accent1"/>
+          </a:effectRef>
+          <a:fontRef idx="minor">
+            <a:schemeClr val="lt1"/>
+          </a:fontRef>
+        </p:style>
+        <p:txBody>
+          <a:bodyPr rtlCol="0" anchor="ctr"/>
+          <a:lstStyle/>
+          <a:p>
+            <a:pPr algn="ctr"/>
+            <a:r>
+              <a:rPr lang="en-US" dirty="0"/>
+              <a:t>Still trying to determine if intermediate step (e.g., fusing of multiple micelles)</a:t>
+            </a:r>
+          </a:p>
+        </p:txBody>
+      </p:sp>
     </p:spTree>
     <p:extLst>
       <p:ext uri="{BB962C8B-B14F-4D97-AF65-F5344CB8AC3E}">
@@ -5449,7 +5498,7 @@
         </p:nvSpPr>
         <p:spPr>
           <a:xfrm>
-            <a:off x="486554" y="1402544"/>
+            <a:off x="552393" y="1402544"/>
             <a:ext cx="2268490" cy="369332"/>
           </a:xfrm>
           <a:prstGeom prst="rect">
@@ -5726,10 +5775,10 @@
       </p:pic>
       <p:pic>
         <p:nvPicPr>
-          <p:cNvPr id="4100" name="Picture 4">
-            <a:extLst>
-              <a:ext uri="{FF2B5EF4-FFF2-40B4-BE49-F238E27FC236}">
-                <a16:creationId xmlns:a16="http://schemas.microsoft.com/office/drawing/2014/main" id="{04C66F9B-A56A-3484-CD07-9FFFED459CA0}"/>
+          <p:cNvPr id="4102" name="Picture 6">
+            <a:extLst>
+              <a:ext uri="{FF2B5EF4-FFF2-40B4-BE49-F238E27FC236}">
+                <a16:creationId xmlns:a16="http://schemas.microsoft.com/office/drawing/2014/main" id="{53AE03CB-C023-3DD1-4777-4DB4740B7E01}"/>
               </a:ext>
             </a:extLst>
           </p:cNvPr>
@@ -5753,8 +5802,8 @@
         </p:blipFill>
         <p:spPr bwMode="auto">
           <a:xfrm>
-            <a:off x="7035167" y="2275726"/>
-            <a:ext cx="4959457" cy="3038632"/>
+            <a:off x="6032201" y="1651355"/>
+            <a:ext cx="5844750" cy="3581045"/>
           </a:xfrm>
           <a:prstGeom prst="rect">
             <a:avLst/>
@@ -5771,6 +5820,55 @@
           </a:extLst>
         </p:spPr>
       </p:pic>
+      <p:sp>
+        <p:nvSpPr>
+          <p:cNvPr id="19" name="Rectangle 18">
+            <a:extLst>
+              <a:ext uri="{FF2B5EF4-FFF2-40B4-BE49-F238E27FC236}">
+                <a16:creationId xmlns:a16="http://schemas.microsoft.com/office/drawing/2014/main" id="{BA8010A4-3B94-AC93-4B35-81260C307ECC}"/>
+              </a:ext>
+            </a:extLst>
+          </p:cNvPr>
+          <p:cNvSpPr/>
+          <p:nvPr/>
+        </p:nvSpPr>
+        <p:spPr>
+          <a:xfrm>
+            <a:off x="958845" y="636786"/>
+            <a:ext cx="4180858" cy="974768"/>
+          </a:xfrm>
+          <a:prstGeom prst="rect">
+            <a:avLst/>
+          </a:prstGeom>
+        </p:spPr>
+        <p:style>
+          <a:lnRef idx="2">
+            <a:schemeClr val="accent1">
+              <a:shade val="15000"/>
+            </a:schemeClr>
+          </a:lnRef>
+          <a:fillRef idx="1">
+            <a:schemeClr val="accent1"/>
+          </a:fillRef>
+          <a:effectRef idx="0">
+            <a:schemeClr val="accent1"/>
+          </a:effectRef>
+          <a:fontRef idx="minor">
+            <a:schemeClr val="lt1"/>
+          </a:fontRef>
+        </p:style>
+        <p:txBody>
+          <a:bodyPr rtlCol="0" anchor="ctr"/>
+          <a:lstStyle/>
+          <a:p>
+            <a:pPr algn="ctr"/>
+            <a:r>
+              <a:rPr lang="en-US" dirty="0"/>
+              <a:t>Still trying to determine if intermediate step (e.g., fusing of multiple cylinders)</a:t>
+            </a:r>
+          </a:p>
+        </p:txBody>
+      </p:sp>
     </p:spTree>
     <p:extLst>
       <p:ext uri="{BB962C8B-B14F-4D97-AF65-F5344CB8AC3E}">

--- a/SYSG3_paper.pptx
+++ b/SYSG3_paper.pptx
@@ -3774,10 +3774,10 @@
       </p:grpSpPr>
       <p:pic>
         <p:nvPicPr>
-          <p:cNvPr id="3082" name="Picture 10">
-            <a:extLst>
-              <a:ext uri="{FF2B5EF4-FFF2-40B4-BE49-F238E27FC236}">
-                <a16:creationId xmlns:a16="http://schemas.microsoft.com/office/drawing/2014/main" id="{85162CD9-8496-53DC-6039-E35F770CDD41}"/>
+          <p:cNvPr id="3084" name="Picture 12">
+            <a:extLst>
+              <a:ext uri="{FF2B5EF4-FFF2-40B4-BE49-F238E27FC236}">
+                <a16:creationId xmlns:a16="http://schemas.microsoft.com/office/drawing/2014/main" id="{CA623D42-61F2-99EA-1458-A7BFF39C4A81}"/>
               </a:ext>
             </a:extLst>
           </p:cNvPr>
@@ -3904,7 +3904,7 @@
         </p:nvSpPr>
         <p:spPr>
           <a:xfrm>
-            <a:off x="5882105" y="1704817"/>
+            <a:off x="6276552" y="1697481"/>
             <a:ext cx="598414" cy="446712"/>
           </a:xfrm>
           <a:prstGeom prst="rect">
@@ -3943,7 +3943,7 @@
                   <a:schemeClr val="tx1"/>
                 </a:solidFill>
               </a:rPr>
-              <a:t>06/20</a:t>
+              <a:t>06/22</a:t>
             </a:r>
           </a:p>
         </p:txBody>
@@ -4001,7 +4001,7 @@
                   <a:schemeClr val="tx1"/>
                 </a:solidFill>
               </a:rPr>
-              <a:t>06/20</a:t>
+              <a:t>06/22</a:t>
             </a:r>
           </a:p>
         </p:txBody>
@@ -4059,7 +4059,7 @@
                   <a:schemeClr val="tx1"/>
                 </a:solidFill>
               </a:rPr>
-              <a:t>06/20</a:t>
+              <a:t>06/22</a:t>
             </a:r>
           </a:p>
         </p:txBody>
@@ -4078,8 +4078,8 @@
         </p:nvSpPr>
         <p:spPr>
           <a:xfrm>
-            <a:off x="4213638" y="1697481"/>
-            <a:ext cx="372405" cy="457200"/>
+            <a:off x="3783106" y="1697481"/>
+            <a:ext cx="802937" cy="457200"/>
           </a:xfrm>
           <a:prstGeom prst="rect">
             <a:avLst/>
@@ -4117,7 +4117,7 @@
                   <a:schemeClr val="tx1"/>
                 </a:solidFill>
               </a:rPr>
-              <a:t>06/20</a:t>
+              <a:t>06/22</a:t>
             </a:r>
           </a:p>
         </p:txBody>
@@ -4556,10 +4556,10 @@
       </p:pic>
       <p:pic>
         <p:nvPicPr>
-          <p:cNvPr id="16" name="Picture 15">
-            <a:extLst>
-              <a:ext uri="{FF2B5EF4-FFF2-40B4-BE49-F238E27FC236}">
-                <a16:creationId xmlns:a16="http://schemas.microsoft.com/office/drawing/2014/main" id="{37CCF191-CE3C-3846-F35D-7A62AA9F8B40}"/>
+          <p:cNvPr id="18" name="Picture 17">
+            <a:extLst>
+              <a:ext uri="{FF2B5EF4-FFF2-40B4-BE49-F238E27FC236}">
+                <a16:creationId xmlns:a16="http://schemas.microsoft.com/office/drawing/2014/main" id="{29E38CB0-2880-BB4C-A81E-B2C29BCB2A1C}"/>
               </a:ext>
             </a:extLst>
           </p:cNvPr>
@@ -4570,36 +4570,6 @@
         </p:nvPicPr>
         <p:blipFill>
           <a:blip r:embed="rId4"/>
-          <a:stretch>
-            <a:fillRect/>
-          </a:stretch>
-        </p:blipFill>
-        <p:spPr>
-          <a:xfrm>
-            <a:off x="6033827" y="2969543"/>
-            <a:ext cx="2268911" cy="1958507"/>
-          </a:xfrm>
-          <a:prstGeom prst="rect">
-            <a:avLst/>
-          </a:prstGeom>
-        </p:spPr>
-      </p:pic>
-      <p:pic>
-        <p:nvPicPr>
-          <p:cNvPr id="18" name="Picture 17">
-            <a:extLst>
-              <a:ext uri="{FF2B5EF4-FFF2-40B4-BE49-F238E27FC236}">
-                <a16:creationId xmlns:a16="http://schemas.microsoft.com/office/drawing/2014/main" id="{29E38CB0-2880-BB4C-A81E-B2C29BCB2A1C}"/>
-              </a:ext>
-            </a:extLst>
-          </p:cNvPr>
-          <p:cNvPicPr>
-            <a:picLocks noChangeAspect="1"/>
-          </p:cNvPicPr>
-          <p:nvPr/>
-        </p:nvPicPr>
-        <p:blipFill>
-          <a:blip r:embed="rId5"/>
           <a:stretch>
             <a:fillRect/>
           </a:stretch>
@@ -4663,6 +4633,36 @@
           </a:p>
         </p:txBody>
       </p:sp>
+      <p:pic>
+        <p:nvPicPr>
+          <p:cNvPr id="19" name="Picture 18">
+            <a:extLst>
+              <a:ext uri="{FF2B5EF4-FFF2-40B4-BE49-F238E27FC236}">
+                <a16:creationId xmlns:a16="http://schemas.microsoft.com/office/drawing/2014/main" id="{CF274C1D-198A-DEB9-61EB-73FBFE2FCB5E}"/>
+              </a:ext>
+            </a:extLst>
+          </p:cNvPr>
+          <p:cNvPicPr>
+            <a:picLocks noChangeAspect="1"/>
+          </p:cNvPicPr>
+          <p:nvPr/>
+        </p:nvPicPr>
+        <p:blipFill>
+          <a:blip r:embed="rId5"/>
+          <a:stretch>
+            <a:fillRect/>
+          </a:stretch>
+        </p:blipFill>
+        <p:spPr>
+          <a:xfrm>
+            <a:off x="6122261" y="2771725"/>
+            <a:ext cx="1770000" cy="1944507"/>
+          </a:xfrm>
+          <a:prstGeom prst="rect">
+            <a:avLst/>
+          </a:prstGeom>
+        </p:spPr>
+      </p:pic>
     </p:spTree>
     <p:extLst>
       <p:ext uri="{BB962C8B-B14F-4D97-AF65-F5344CB8AC3E}">
@@ -5196,10 +5196,112 @@
       </p:sp>
       <p:pic>
         <p:nvPicPr>
-          <p:cNvPr id="1032" name="Picture 8">
-            <a:extLst>
-              <a:ext uri="{FF2B5EF4-FFF2-40B4-BE49-F238E27FC236}">
-                <a16:creationId xmlns:a16="http://schemas.microsoft.com/office/drawing/2014/main" id="{25FE7ACD-28A3-38D2-BB17-A48D0FC99681}"/>
+          <p:cNvPr id="23" name="Picture 22">
+            <a:extLst>
+              <a:ext uri="{FF2B5EF4-FFF2-40B4-BE49-F238E27FC236}">
+                <a16:creationId xmlns:a16="http://schemas.microsoft.com/office/drawing/2014/main" id="{7D83F069-81EB-F731-4ED6-B19DFEFA3A9C}"/>
+              </a:ext>
+            </a:extLst>
+          </p:cNvPr>
+          <p:cNvPicPr>
+            <a:picLocks noChangeAspect="1"/>
+          </p:cNvPicPr>
+          <p:nvPr/>
+        </p:nvPicPr>
+        <p:blipFill>
+          <a:blip r:embed="rId7"/>
+          <a:stretch>
+            <a:fillRect/>
+          </a:stretch>
+        </p:blipFill>
+        <p:spPr>
+          <a:xfrm>
+            <a:off x="3309722" y="1966094"/>
+            <a:ext cx="1511709" cy="1716482"/>
+          </a:xfrm>
+          <a:prstGeom prst="rect">
+            <a:avLst/>
+          </a:prstGeom>
+        </p:spPr>
+      </p:pic>
+      <p:sp>
+        <p:nvSpPr>
+          <p:cNvPr id="24" name="TextBox 23">
+            <a:extLst>
+              <a:ext uri="{FF2B5EF4-FFF2-40B4-BE49-F238E27FC236}">
+                <a16:creationId xmlns:a16="http://schemas.microsoft.com/office/drawing/2014/main" id="{F3C2D23D-D4B1-7DCB-89F6-29366907EE10}"/>
+              </a:ext>
+            </a:extLst>
+          </p:cNvPr>
+          <p:cNvSpPr txBox="1"/>
+          <p:nvPr/>
+        </p:nvSpPr>
+        <p:spPr>
+          <a:xfrm>
+            <a:off x="2718113" y="1649297"/>
+            <a:ext cx="2765121" cy="369332"/>
+          </a:xfrm>
+          <a:prstGeom prst="rect">
+            <a:avLst/>
+          </a:prstGeom>
+          <a:noFill/>
+        </p:spPr>
+        <p:txBody>
+          <a:bodyPr wrap="square" rtlCol="0">
+            <a:spAutoFit/>
+          </a:bodyPr>
+          <a:lstStyle/>
+          <a:p>
+            <a:pPr algn="ctr"/>
+            <a:r>
+              <a:rPr lang="en-US" dirty="0"/>
+              <a:t>Need to finalize</a:t>
+            </a:r>
+          </a:p>
+        </p:txBody>
+      </p:sp>
+      <p:sp>
+        <p:nvSpPr>
+          <p:cNvPr id="25" name="TextBox 24">
+            <a:extLst>
+              <a:ext uri="{FF2B5EF4-FFF2-40B4-BE49-F238E27FC236}">
+                <a16:creationId xmlns:a16="http://schemas.microsoft.com/office/drawing/2014/main" id="{9D63CD23-89D8-C57E-B45A-A273F65D5F50}"/>
+              </a:ext>
+            </a:extLst>
+          </p:cNvPr>
+          <p:cNvSpPr txBox="1"/>
+          <p:nvPr/>
+        </p:nvSpPr>
+        <p:spPr>
+          <a:xfrm>
+            <a:off x="951173" y="4441589"/>
+            <a:ext cx="2765121" cy="369332"/>
+          </a:xfrm>
+          <a:prstGeom prst="rect">
+            <a:avLst/>
+          </a:prstGeom>
+          <a:noFill/>
+        </p:spPr>
+        <p:txBody>
+          <a:bodyPr wrap="square" rtlCol="0">
+            <a:spAutoFit/>
+          </a:bodyPr>
+          <a:lstStyle/>
+          <a:p>
+            <a:pPr algn="ctr"/>
+            <a:r>
+              <a:rPr lang="en-US" dirty="0"/>
+              <a:t>Need to finalize</a:t>
+            </a:r>
+          </a:p>
+        </p:txBody>
+      </p:sp>
+      <p:pic>
+        <p:nvPicPr>
+          <p:cNvPr id="1034" name="Picture 10">
+            <a:extLst>
+              <a:ext uri="{FF2B5EF4-FFF2-40B4-BE49-F238E27FC236}">
+                <a16:creationId xmlns:a16="http://schemas.microsoft.com/office/drawing/2014/main" id="{DD289090-C8F8-CAFC-533F-DC5487886509}"/>
               </a:ext>
             </a:extLst>
           </p:cNvPr>
@@ -5209,7 +5311,7 @@
           <p:nvPr/>
         </p:nvPicPr>
         <p:blipFill>
-          <a:blip r:embed="rId7">
+          <a:blip r:embed="rId8">
             <a:extLst>
               <a:ext uri="{28A0092B-C50C-407E-A947-70E740481C1C}">
                 <a14:useLocalDpi xmlns:a14="http://schemas.microsoft.com/office/drawing/2010/main" val="0"/>
@@ -5223,8 +5325,8 @@
         </p:blipFill>
         <p:spPr bwMode="auto">
           <a:xfrm>
-            <a:off x="7695819" y="2803535"/>
-            <a:ext cx="4271254" cy="2668828"/>
+            <a:off x="7893671" y="3089938"/>
+            <a:ext cx="3875126" cy="2421314"/>
           </a:xfrm>
           <a:prstGeom prst="rect">
             <a:avLst/>
@@ -5241,108 +5343,6 @@
           </a:extLst>
         </p:spPr>
       </p:pic>
-      <p:pic>
-        <p:nvPicPr>
-          <p:cNvPr id="23" name="Picture 22">
-            <a:extLst>
-              <a:ext uri="{FF2B5EF4-FFF2-40B4-BE49-F238E27FC236}">
-                <a16:creationId xmlns:a16="http://schemas.microsoft.com/office/drawing/2014/main" id="{7D83F069-81EB-F731-4ED6-B19DFEFA3A9C}"/>
-              </a:ext>
-            </a:extLst>
-          </p:cNvPr>
-          <p:cNvPicPr>
-            <a:picLocks noChangeAspect="1"/>
-          </p:cNvPicPr>
-          <p:nvPr/>
-        </p:nvPicPr>
-        <p:blipFill>
-          <a:blip r:embed="rId8"/>
-          <a:stretch>
-            <a:fillRect/>
-          </a:stretch>
-        </p:blipFill>
-        <p:spPr>
-          <a:xfrm>
-            <a:off x="3309722" y="1966094"/>
-            <a:ext cx="1511709" cy="1716482"/>
-          </a:xfrm>
-          <a:prstGeom prst="rect">
-            <a:avLst/>
-          </a:prstGeom>
-        </p:spPr>
-      </p:pic>
-      <p:sp>
-        <p:nvSpPr>
-          <p:cNvPr id="24" name="TextBox 23">
-            <a:extLst>
-              <a:ext uri="{FF2B5EF4-FFF2-40B4-BE49-F238E27FC236}">
-                <a16:creationId xmlns:a16="http://schemas.microsoft.com/office/drawing/2014/main" id="{F3C2D23D-D4B1-7DCB-89F6-29366907EE10}"/>
-              </a:ext>
-            </a:extLst>
-          </p:cNvPr>
-          <p:cNvSpPr txBox="1"/>
-          <p:nvPr/>
-        </p:nvSpPr>
-        <p:spPr>
-          <a:xfrm>
-            <a:off x="2718113" y="1649297"/>
-            <a:ext cx="2765121" cy="369332"/>
-          </a:xfrm>
-          <a:prstGeom prst="rect">
-            <a:avLst/>
-          </a:prstGeom>
-          <a:noFill/>
-        </p:spPr>
-        <p:txBody>
-          <a:bodyPr wrap="square" rtlCol="0">
-            <a:spAutoFit/>
-          </a:bodyPr>
-          <a:lstStyle/>
-          <a:p>
-            <a:pPr algn="ctr"/>
-            <a:r>
-              <a:rPr lang="en-US" dirty="0"/>
-              <a:t>Need to finalize</a:t>
-            </a:r>
-          </a:p>
-        </p:txBody>
-      </p:sp>
-      <p:sp>
-        <p:nvSpPr>
-          <p:cNvPr id="25" name="TextBox 24">
-            <a:extLst>
-              <a:ext uri="{FF2B5EF4-FFF2-40B4-BE49-F238E27FC236}">
-                <a16:creationId xmlns:a16="http://schemas.microsoft.com/office/drawing/2014/main" id="{9D63CD23-89D8-C57E-B45A-A273F65D5F50}"/>
-              </a:ext>
-            </a:extLst>
-          </p:cNvPr>
-          <p:cNvSpPr txBox="1"/>
-          <p:nvPr/>
-        </p:nvSpPr>
-        <p:spPr>
-          <a:xfrm>
-            <a:off x="951173" y="4441589"/>
-            <a:ext cx="2765121" cy="369332"/>
-          </a:xfrm>
-          <a:prstGeom prst="rect">
-            <a:avLst/>
-          </a:prstGeom>
-          <a:noFill/>
-        </p:spPr>
-        <p:txBody>
-          <a:bodyPr wrap="square" rtlCol="0">
-            <a:spAutoFit/>
-          </a:bodyPr>
-          <a:lstStyle/>
-          <a:p>
-            <a:pPr algn="ctr"/>
-            <a:r>
-              <a:rPr lang="en-US" dirty="0"/>
-              <a:t>Need to finalize</a:t>
-            </a:r>
-          </a:p>
-        </p:txBody>
-      </p:sp>
     </p:spTree>
     <p:extLst>
       <p:ext uri="{BB962C8B-B14F-4D97-AF65-F5344CB8AC3E}">
@@ -5455,7 +5455,7 @@
         </p:nvSpPr>
         <p:spPr>
           <a:xfrm>
-            <a:off x="486554" y="3475205"/>
+            <a:off x="-185799" y="3479200"/>
             <a:ext cx="2268490" cy="646331"/>
           </a:xfrm>
           <a:prstGeom prst="rect">
@@ -5498,7 +5498,7 @@
         </p:nvSpPr>
         <p:spPr>
           <a:xfrm>
-            <a:off x="552393" y="1402544"/>
+            <a:off x="-119960" y="1406539"/>
             <a:ext cx="2268490" cy="369332"/>
           </a:xfrm>
           <a:prstGeom prst="rect">
@@ -5542,7 +5542,7 @@
         </p:blipFill>
         <p:spPr>
           <a:xfrm>
-            <a:off x="2984876" y="1771876"/>
+            <a:off x="4146147" y="1651355"/>
             <a:ext cx="1466490" cy="1578513"/>
           </a:xfrm>
           <a:prstGeom prst="rect">
@@ -5564,7 +5564,7 @@
         </p:nvSpPr>
         <p:spPr>
           <a:xfrm>
-            <a:off x="2504286" y="3474479"/>
+            <a:off x="3873065" y="3429000"/>
             <a:ext cx="2268490" cy="646331"/>
           </a:xfrm>
           <a:prstGeom prst="rect">
@@ -5743,12 +5743,91 @@
           </a:p>
         </p:txBody>
       </p:sp>
+      <p:sp>
+        <p:nvSpPr>
+          <p:cNvPr id="24" name="TextBox 23">
+            <a:extLst>
+              <a:ext uri="{FF2B5EF4-FFF2-40B4-BE49-F238E27FC236}">
+                <a16:creationId xmlns:a16="http://schemas.microsoft.com/office/drawing/2014/main" id="{1D61F255-5A7A-CFF7-FE4F-86104C3D9E62}"/>
+              </a:ext>
+            </a:extLst>
+          </p:cNvPr>
+          <p:cNvSpPr txBox="1"/>
+          <p:nvPr/>
+        </p:nvSpPr>
+        <p:spPr>
+          <a:xfrm>
+            <a:off x="1828580" y="1414686"/>
+            <a:ext cx="2268490" cy="369332"/>
+          </a:xfrm>
+          <a:prstGeom prst="rect">
+            <a:avLst/>
+          </a:prstGeom>
+          <a:noFill/>
+        </p:spPr>
+        <p:txBody>
+          <a:bodyPr wrap="square" rtlCol="0">
+            <a:spAutoFit/>
+          </a:bodyPr>
+          <a:lstStyle/>
+          <a:p>
+            <a:pPr algn="ctr"/>
+            <a:r>
+              <a:rPr lang="en-US" dirty="0"/>
+              <a:t>Need to finalize</a:t>
+            </a:r>
+          </a:p>
+        </p:txBody>
+      </p:sp>
+      <p:sp>
+        <p:nvSpPr>
+          <p:cNvPr id="25" name="TextBox 24">
+            <a:extLst>
+              <a:ext uri="{FF2B5EF4-FFF2-40B4-BE49-F238E27FC236}">
+                <a16:creationId xmlns:a16="http://schemas.microsoft.com/office/drawing/2014/main" id="{F8D12C33-E629-4141-BB7D-1C6F632D955D}"/>
+              </a:ext>
+            </a:extLst>
+          </p:cNvPr>
+          <p:cNvSpPr txBox="1"/>
+          <p:nvPr/>
+        </p:nvSpPr>
+        <p:spPr>
+          <a:xfrm>
+            <a:off x="1843633" y="3416035"/>
+            <a:ext cx="2268490" cy="646331"/>
+          </a:xfrm>
+          <a:prstGeom prst="rect">
+            <a:avLst/>
+          </a:prstGeom>
+          <a:noFill/>
+        </p:spPr>
+        <p:txBody>
+          <a:bodyPr wrap="square" rtlCol="0">
+            <a:spAutoFit/>
+          </a:bodyPr>
+          <a:lstStyle/>
+          <a:p>
+            <a:pPr algn="ctr"/>
+            <a:r>
+              <a:rPr lang="en-US" dirty="0"/>
+              <a:t>?</a:t>
+            </a:r>
+            <a:br>
+              <a:rPr lang="en-US" dirty="0"/>
+            </a:br>
+            <a:r>
+              <a:rPr lang="en-US" dirty="0"/>
+              <a:t>@ (0.25, 0.015)</a:t>
+            </a:r>
+          </a:p>
+        </p:txBody>
+      </p:sp>
       <p:pic>
         <p:nvPicPr>
-          <p:cNvPr id="18" name="Picture 17">
-            <a:extLst>
-              <a:ext uri="{FF2B5EF4-FFF2-40B4-BE49-F238E27FC236}">
-                <a16:creationId xmlns:a16="http://schemas.microsoft.com/office/drawing/2014/main" id="{90164463-12D6-B4F7-9236-57396D2FD11D}"/>
+          <p:cNvPr id="26" name="Picture 25">
+            <a:extLst>
+              <a:ext uri="{FF2B5EF4-FFF2-40B4-BE49-F238E27FC236}">
+                <a16:creationId xmlns:a16="http://schemas.microsoft.com/office/drawing/2014/main" id="{A4C962C5-79E7-52D7-6153-0188BFE4612C}"/>
               </a:ext>
             </a:extLst>
           </p:cNvPr>
@@ -5765,8 +5844,8 @@
         </p:blipFill>
         <p:spPr>
           <a:xfrm>
-            <a:off x="828198" y="1846492"/>
-            <a:ext cx="1828692" cy="1578513"/>
+            <a:off x="2082691" y="1813679"/>
+            <a:ext cx="1548511" cy="1535887"/>
           </a:xfrm>
           <a:prstGeom prst="rect">
             <a:avLst/>
@@ -5775,10 +5854,141 @@
       </p:pic>
       <p:pic>
         <p:nvPicPr>
-          <p:cNvPr id="4102" name="Picture 6">
-            <a:extLst>
-              <a:ext uri="{FF2B5EF4-FFF2-40B4-BE49-F238E27FC236}">
-                <a16:creationId xmlns:a16="http://schemas.microsoft.com/office/drawing/2014/main" id="{53AE03CB-C023-3DD1-4777-4DB4740B7E01}"/>
+          <p:cNvPr id="27" name="Picture 26">
+            <a:extLst>
+              <a:ext uri="{FF2B5EF4-FFF2-40B4-BE49-F238E27FC236}">
+                <a16:creationId xmlns:a16="http://schemas.microsoft.com/office/drawing/2014/main" id="{0240B752-277E-1C20-1F04-334E04140DAE}"/>
+              </a:ext>
+            </a:extLst>
+          </p:cNvPr>
+          <p:cNvPicPr>
+            <a:picLocks noChangeAspect="1"/>
+          </p:cNvPicPr>
+          <p:nvPr/>
+        </p:nvPicPr>
+        <p:blipFill>
+          <a:blip r:embed="rId6"/>
+          <a:stretch>
+            <a:fillRect/>
+          </a:stretch>
+        </p:blipFill>
+        <p:spPr>
+          <a:xfrm>
+            <a:off x="280781" y="1813679"/>
+            <a:ext cx="1446461" cy="1589070"/>
+          </a:xfrm>
+          <a:prstGeom prst="rect">
+            <a:avLst/>
+          </a:prstGeom>
+        </p:spPr>
+      </p:pic>
+      <mc:AlternateContent xmlns:mc="http://schemas.openxmlformats.org/markup-compatibility/2006">
+        <mc:Choice xmlns:a14="http://schemas.microsoft.com/office/drawing/2010/main" Requires="a14">
+          <p:sp>
+            <p:nvSpPr>
+              <p:cNvPr id="28" name="TextBox 27">
+                <a:extLst>
+                  <a:ext uri="{FF2B5EF4-FFF2-40B4-BE49-F238E27FC236}">
+                    <a16:creationId xmlns:a16="http://schemas.microsoft.com/office/drawing/2014/main" id="{66E04DA8-F68F-9BAE-5D37-F5F803DB8539}"/>
+                  </a:ext>
+                </a:extLst>
+              </p:cNvPr>
+              <p:cNvSpPr txBox="1"/>
+              <p:nvPr/>
+            </p:nvSpPr>
+            <p:spPr>
+              <a:xfrm>
+                <a:off x="8015451" y="2016634"/>
+                <a:ext cx="1783977" cy="369332"/>
+              </a:xfrm>
+              <a:prstGeom prst="rect">
+                <a:avLst/>
+              </a:prstGeom>
+              <a:noFill/>
+            </p:spPr>
+            <p:txBody>
+              <a:bodyPr wrap="square" rtlCol="0">
+                <a:spAutoFit/>
+              </a:bodyPr>
+              <a:lstStyle/>
+              <a:p>
+                <a14:m>
+                  <m:oMathPara xmlns:m="http://schemas.openxmlformats.org/officeDocument/2006/math">
+                    <m:oMathParaPr>
+                      <m:jc m:val="centerGroup"/>
+                    </m:oMathParaPr>
+                    <m:oMath xmlns:m="http://schemas.openxmlformats.org/officeDocument/2006/math">
+                      <m:r>
+                        <a:rPr lang="en-US" b="0" i="1" smtClean="0">
+                          <a:latin typeface="Cambria Math" panose="02040503050406030204" pitchFamily="18" charset="0"/>
+                        </a:rPr>
+                        <m:t>𝛼</m:t>
+                      </m:r>
+                      <m:r>
+                        <a:rPr lang="en-US" b="0" i="1" smtClean="0">
+                          <a:latin typeface="Cambria Math" panose="02040503050406030204" pitchFamily="18" charset="0"/>
+                        </a:rPr>
+                        <m:t>=0.25</m:t>
+                      </m:r>
+                    </m:oMath>
+                  </m:oMathPara>
+                </a14:m>
+                <a:endParaRPr lang="en-US" dirty="0"/>
+              </a:p>
+            </p:txBody>
+          </p:sp>
+        </mc:Choice>
+        <mc:Fallback>
+          <p:sp>
+            <p:nvSpPr>
+              <p:cNvPr id="28" name="TextBox 27">
+                <a:extLst>
+                  <a:ext uri="{FF2B5EF4-FFF2-40B4-BE49-F238E27FC236}">
+                    <a16:creationId xmlns:a16="http://schemas.microsoft.com/office/drawing/2014/main" id="{66E04DA8-F68F-9BAE-5D37-F5F803DB8539}"/>
+                  </a:ext>
+                </a:extLst>
+              </p:cNvPr>
+              <p:cNvSpPr txBox="1">
+                <a:spLocks noRot="1" noChangeAspect="1" noMove="1" noResize="1" noEditPoints="1" noAdjustHandles="1" noChangeArrowheads="1" noChangeShapeType="1" noTextEdit="1"/>
+              </p:cNvSpPr>
+              <p:nvPr/>
+            </p:nvSpPr>
+            <p:spPr>
+              <a:xfrm>
+                <a:off x="8015451" y="2016634"/>
+                <a:ext cx="1783977" cy="369332"/>
+              </a:xfrm>
+              <a:prstGeom prst="rect">
+                <a:avLst/>
+              </a:prstGeom>
+              <a:blipFill>
+                <a:blip r:embed="rId7"/>
+                <a:stretch>
+                  <a:fillRect/>
+                </a:stretch>
+              </a:blipFill>
+            </p:spPr>
+            <p:txBody>
+              <a:bodyPr/>
+              <a:lstStyle/>
+              <a:p>
+                <a:r>
+                  <a:rPr lang="en-US">
+                    <a:noFill/>
+                  </a:rPr>
+                  <a:t> </a:t>
+                </a:r>
+              </a:p>
+            </p:txBody>
+          </p:sp>
+        </mc:Fallback>
+      </mc:AlternateContent>
+      <p:pic>
+        <p:nvPicPr>
+          <p:cNvPr id="4106" name="Picture 10">
+            <a:extLst>
+              <a:ext uri="{FF2B5EF4-FFF2-40B4-BE49-F238E27FC236}">
+                <a16:creationId xmlns:a16="http://schemas.microsoft.com/office/drawing/2014/main" id="{D1D9ECF9-8D51-E966-2AD1-162892785349}"/>
               </a:ext>
             </a:extLst>
           </p:cNvPr>
@@ -5788,7 +5998,7 @@
           <p:nvPr/>
         </p:nvPicPr>
         <p:blipFill>
-          <a:blip r:embed="rId6">
+          <a:blip r:embed="rId8">
             <a:extLst>
               <a:ext uri="{28A0092B-C50C-407E-A947-70E740481C1C}">
                 <a14:useLocalDpi xmlns:a14="http://schemas.microsoft.com/office/drawing/2010/main" val="0"/>
@@ -5802,8 +6012,8 @@
         </p:blipFill>
         <p:spPr bwMode="auto">
           <a:xfrm>
-            <a:off x="6032201" y="1651355"/>
-            <a:ext cx="5844750" cy="3581045"/>
+            <a:off x="7122693" y="2314248"/>
+            <a:ext cx="4109273" cy="2517728"/>
           </a:xfrm>
           <a:prstGeom prst="rect">
             <a:avLst/>
@@ -5820,55 +6030,6 @@
           </a:extLst>
         </p:spPr>
       </p:pic>
-      <p:sp>
-        <p:nvSpPr>
-          <p:cNvPr id="19" name="Rectangle 18">
-            <a:extLst>
-              <a:ext uri="{FF2B5EF4-FFF2-40B4-BE49-F238E27FC236}">
-                <a16:creationId xmlns:a16="http://schemas.microsoft.com/office/drawing/2014/main" id="{BA8010A4-3B94-AC93-4B35-81260C307ECC}"/>
-              </a:ext>
-            </a:extLst>
-          </p:cNvPr>
-          <p:cNvSpPr/>
-          <p:nvPr/>
-        </p:nvSpPr>
-        <p:spPr>
-          <a:xfrm>
-            <a:off x="958845" y="636786"/>
-            <a:ext cx="4180858" cy="974768"/>
-          </a:xfrm>
-          <a:prstGeom prst="rect">
-            <a:avLst/>
-          </a:prstGeom>
-        </p:spPr>
-        <p:style>
-          <a:lnRef idx="2">
-            <a:schemeClr val="accent1">
-              <a:shade val="15000"/>
-            </a:schemeClr>
-          </a:lnRef>
-          <a:fillRef idx="1">
-            <a:schemeClr val="accent1"/>
-          </a:fillRef>
-          <a:effectRef idx="0">
-            <a:schemeClr val="accent1"/>
-          </a:effectRef>
-          <a:fontRef idx="minor">
-            <a:schemeClr val="lt1"/>
-          </a:fontRef>
-        </p:style>
-        <p:txBody>
-          <a:bodyPr rtlCol="0" anchor="ctr"/>
-          <a:lstStyle/>
-          <a:p>
-            <a:pPr algn="ctr"/>
-            <a:r>
-              <a:rPr lang="en-US" dirty="0"/>
-              <a:t>Still trying to determine if intermediate step (e.g., fusing of multiple cylinders)</a:t>
-            </a:r>
-          </a:p>
-        </p:txBody>
-      </p:sp>
     </p:spTree>
     <p:extLst>
       <p:ext uri="{BB962C8B-B14F-4D97-AF65-F5344CB8AC3E}">
@@ -6055,10 +6216,10 @@
       </p:sp>
       <p:pic>
         <p:nvPicPr>
-          <p:cNvPr id="5122" name="Picture 2">
-            <a:extLst>
-              <a:ext uri="{FF2B5EF4-FFF2-40B4-BE49-F238E27FC236}">
-                <a16:creationId xmlns:a16="http://schemas.microsoft.com/office/drawing/2014/main" id="{33430E75-5F96-B748-4198-EAD0D503085D}"/>
+          <p:cNvPr id="13" name="Picture 6">
+            <a:extLst>
+              <a:ext uri="{FF2B5EF4-FFF2-40B4-BE49-F238E27FC236}">
+                <a16:creationId xmlns:a16="http://schemas.microsoft.com/office/drawing/2014/main" id="{4CF01689-54B4-BA2C-2313-D244211DCAC1}"/>
               </a:ext>
             </a:extLst>
           </p:cNvPr>
@@ -6067,7 +6228,7 @@
           </p:cNvPicPr>
           <p:nvPr/>
         </p:nvPicPr>
-        <p:blipFill>
+        <p:blipFill rotWithShape="1">
           <a:blip r:embed="rId3">
             <a:extLst>
               <a:ext uri="{28A0092B-C50C-407E-A947-70E740481C1C}">
@@ -6075,15 +6236,13 @@
               </a:ext>
             </a:extLst>
           </a:blip>
-          <a:srcRect/>
-          <a:stretch>
-            <a:fillRect/>
-          </a:stretch>
+          <a:srcRect l="26063" r="26152"/>
+          <a:stretch/>
         </p:blipFill>
         <p:spPr bwMode="auto">
           <a:xfrm>
-            <a:off x="6727629" y="2059833"/>
-            <a:ext cx="5294245" cy="3231197"/>
+            <a:off x="4378373" y="1085716"/>
+            <a:ext cx="1525564" cy="3192534"/>
           </a:xfrm>
           <a:prstGeom prst="rect">
             <a:avLst/>
@@ -6102,10 +6261,70 @@
       </p:pic>
       <p:pic>
         <p:nvPicPr>
-          <p:cNvPr id="13" name="Picture 6">
-            <a:extLst>
-              <a:ext uri="{FF2B5EF4-FFF2-40B4-BE49-F238E27FC236}">
-                <a16:creationId xmlns:a16="http://schemas.microsoft.com/office/drawing/2014/main" id="{4CF01689-54B4-BA2C-2313-D244211DCAC1}"/>
+          <p:cNvPr id="14" name="Picture 13">
+            <a:extLst>
+              <a:ext uri="{FF2B5EF4-FFF2-40B4-BE49-F238E27FC236}">
+                <a16:creationId xmlns:a16="http://schemas.microsoft.com/office/drawing/2014/main" id="{12D1D304-0923-C48C-7FEF-4E650C3DF344}"/>
+              </a:ext>
+            </a:extLst>
+          </p:cNvPr>
+          <p:cNvPicPr>
+            <a:picLocks noChangeAspect="1"/>
+          </p:cNvPicPr>
+          <p:nvPr/>
+        </p:nvPicPr>
+        <p:blipFill>
+          <a:blip r:embed="rId4"/>
+          <a:stretch>
+            <a:fillRect/>
+          </a:stretch>
+        </p:blipFill>
+        <p:spPr>
+          <a:xfrm>
+            <a:off x="170127" y="1488382"/>
+            <a:ext cx="1927334" cy="2527542"/>
+          </a:xfrm>
+          <a:prstGeom prst="rect">
+            <a:avLst/>
+          </a:prstGeom>
+        </p:spPr>
+      </p:pic>
+      <p:pic>
+        <p:nvPicPr>
+          <p:cNvPr id="16" name="Picture 15">
+            <a:extLst>
+              <a:ext uri="{FF2B5EF4-FFF2-40B4-BE49-F238E27FC236}">
+                <a16:creationId xmlns:a16="http://schemas.microsoft.com/office/drawing/2014/main" id="{07595CF9-E445-BDEB-FB1D-C0B5570A11B7}"/>
+              </a:ext>
+            </a:extLst>
+          </p:cNvPr>
+          <p:cNvPicPr>
+            <a:picLocks noChangeAspect="1"/>
+          </p:cNvPicPr>
+          <p:nvPr/>
+        </p:nvPicPr>
+        <p:blipFill>
+          <a:blip r:embed="rId5"/>
+          <a:stretch>
+            <a:fillRect/>
+          </a:stretch>
+        </p:blipFill>
+        <p:spPr>
+          <a:xfrm>
+            <a:off x="2313305" y="1460895"/>
+            <a:ext cx="1342063" cy="2737504"/>
+          </a:xfrm>
+          <a:prstGeom prst="rect">
+            <a:avLst/>
+          </a:prstGeom>
+        </p:spPr>
+      </p:pic>
+      <p:pic>
+        <p:nvPicPr>
+          <p:cNvPr id="17" name="Picture 4">
+            <a:extLst>
+              <a:ext uri="{FF2B5EF4-FFF2-40B4-BE49-F238E27FC236}">
+                <a16:creationId xmlns:a16="http://schemas.microsoft.com/office/drawing/2014/main" id="{4E7C55D1-2F03-B431-6711-B96F303F28ED}"/>
               </a:ext>
             </a:extLst>
           </p:cNvPr>
@@ -6114,21 +6333,23 @@
           </p:cNvPicPr>
           <p:nvPr/>
         </p:nvPicPr>
-        <p:blipFill rotWithShape="1">
-          <a:blip r:embed="rId4">
+        <p:blipFill>
+          <a:blip r:embed="rId6">
             <a:extLst>
               <a:ext uri="{28A0092B-C50C-407E-A947-70E740481C1C}">
                 <a14:useLocalDpi xmlns:a14="http://schemas.microsoft.com/office/drawing/2010/main" val="0"/>
               </a:ext>
             </a:extLst>
           </a:blip>
-          <a:srcRect l="26063" r="26152"/>
-          <a:stretch/>
+          <a:srcRect/>
+          <a:stretch>
+            <a:fillRect/>
+          </a:stretch>
         </p:blipFill>
         <p:spPr bwMode="auto">
           <a:xfrm>
-            <a:off x="4378373" y="1085716"/>
-            <a:ext cx="1525564" cy="3192534"/>
+            <a:off x="432253" y="3984232"/>
+            <a:ext cx="1845943" cy="1603387"/>
           </a:xfrm>
           <a:prstGeom prst="rect">
             <a:avLst/>
@@ -6147,70 +6368,10 @@
       </p:pic>
       <p:pic>
         <p:nvPicPr>
-          <p:cNvPr id="14" name="Picture 13">
-            <a:extLst>
-              <a:ext uri="{FF2B5EF4-FFF2-40B4-BE49-F238E27FC236}">
-                <a16:creationId xmlns:a16="http://schemas.microsoft.com/office/drawing/2014/main" id="{12D1D304-0923-C48C-7FEF-4E650C3DF344}"/>
-              </a:ext>
-            </a:extLst>
-          </p:cNvPr>
-          <p:cNvPicPr>
-            <a:picLocks noChangeAspect="1"/>
-          </p:cNvPicPr>
-          <p:nvPr/>
-        </p:nvPicPr>
-        <p:blipFill>
-          <a:blip r:embed="rId5"/>
-          <a:stretch>
-            <a:fillRect/>
-          </a:stretch>
-        </p:blipFill>
-        <p:spPr>
-          <a:xfrm>
-            <a:off x="170127" y="1488382"/>
-            <a:ext cx="1927334" cy="2527542"/>
-          </a:xfrm>
-          <a:prstGeom prst="rect">
-            <a:avLst/>
-          </a:prstGeom>
-        </p:spPr>
-      </p:pic>
-      <p:pic>
-        <p:nvPicPr>
-          <p:cNvPr id="16" name="Picture 15">
-            <a:extLst>
-              <a:ext uri="{FF2B5EF4-FFF2-40B4-BE49-F238E27FC236}">
-                <a16:creationId xmlns:a16="http://schemas.microsoft.com/office/drawing/2014/main" id="{07595CF9-E445-BDEB-FB1D-C0B5570A11B7}"/>
-              </a:ext>
-            </a:extLst>
-          </p:cNvPr>
-          <p:cNvPicPr>
-            <a:picLocks noChangeAspect="1"/>
-          </p:cNvPicPr>
-          <p:nvPr/>
-        </p:nvPicPr>
-        <p:blipFill>
-          <a:blip r:embed="rId6"/>
-          <a:stretch>
-            <a:fillRect/>
-          </a:stretch>
-        </p:blipFill>
-        <p:spPr>
-          <a:xfrm>
-            <a:off x="2313305" y="1460895"/>
-            <a:ext cx="1342063" cy="2737504"/>
-          </a:xfrm>
-          <a:prstGeom prst="rect">
-            <a:avLst/>
-          </a:prstGeom>
-        </p:spPr>
-      </p:pic>
-      <p:pic>
-        <p:nvPicPr>
-          <p:cNvPr id="17" name="Picture 4">
-            <a:extLst>
-              <a:ext uri="{FF2B5EF4-FFF2-40B4-BE49-F238E27FC236}">
-                <a16:creationId xmlns:a16="http://schemas.microsoft.com/office/drawing/2014/main" id="{4E7C55D1-2F03-B431-6711-B96F303F28ED}"/>
+          <p:cNvPr id="20" name="Picture 4">
+            <a:extLst>
+              <a:ext uri="{FF2B5EF4-FFF2-40B4-BE49-F238E27FC236}">
+                <a16:creationId xmlns:a16="http://schemas.microsoft.com/office/drawing/2014/main" id="{1E228389-07A1-083C-5D1E-3F9E5E4E0B50}"/>
               </a:ext>
             </a:extLst>
           </p:cNvPr>
@@ -6234,8 +6395,8 @@
         </p:blipFill>
         <p:spPr bwMode="auto">
           <a:xfrm>
-            <a:off x="432253" y="3984232"/>
-            <a:ext cx="1845943" cy="1603387"/>
+            <a:off x="2359588" y="3925016"/>
+            <a:ext cx="1654036" cy="1739471"/>
           </a:xfrm>
           <a:prstGeom prst="rect">
             <a:avLst/>
@@ -6254,10 +6415,10 @@
       </p:pic>
       <p:pic>
         <p:nvPicPr>
-          <p:cNvPr id="20" name="Picture 4">
-            <a:extLst>
-              <a:ext uri="{FF2B5EF4-FFF2-40B4-BE49-F238E27FC236}">
-                <a16:creationId xmlns:a16="http://schemas.microsoft.com/office/drawing/2014/main" id="{1E228389-07A1-083C-5D1E-3F9E5E4E0B50}"/>
+          <p:cNvPr id="5124" name="Picture 4">
+            <a:extLst>
+              <a:ext uri="{FF2B5EF4-FFF2-40B4-BE49-F238E27FC236}">
+                <a16:creationId xmlns:a16="http://schemas.microsoft.com/office/drawing/2014/main" id="{E0DFF75C-C367-EF31-482D-07E076CBDFCF}"/>
               </a:ext>
             </a:extLst>
           </p:cNvPr>
@@ -6281,8 +6442,8 @@
         </p:blipFill>
         <p:spPr bwMode="auto">
           <a:xfrm>
-            <a:off x="2359588" y="3925016"/>
-            <a:ext cx="1654036" cy="1739471"/>
+            <a:off x="7093605" y="2581836"/>
+            <a:ext cx="4195191" cy="2560420"/>
           </a:xfrm>
           <a:prstGeom prst="rect">
             <a:avLst/>
@@ -6299,6 +6460,107 @@
           </a:extLst>
         </p:spPr>
       </p:pic>
+      <mc:AlternateContent xmlns:mc="http://schemas.openxmlformats.org/markup-compatibility/2006">
+        <mc:Choice xmlns:a14="http://schemas.microsoft.com/office/drawing/2010/main" Requires="a14">
+          <p:sp>
+            <p:nvSpPr>
+              <p:cNvPr id="22" name="TextBox 21">
+                <a:extLst>
+                  <a:ext uri="{FF2B5EF4-FFF2-40B4-BE49-F238E27FC236}">
+                    <a16:creationId xmlns:a16="http://schemas.microsoft.com/office/drawing/2014/main" id="{9E995C04-4FAE-4AFC-FA44-7B3AA0BC7525}"/>
+                  </a:ext>
+                </a:extLst>
+              </p:cNvPr>
+              <p:cNvSpPr txBox="1"/>
+              <p:nvPr/>
+            </p:nvSpPr>
+            <p:spPr>
+              <a:xfrm>
+                <a:off x="8166847" y="2115671"/>
+                <a:ext cx="1783977" cy="369332"/>
+              </a:xfrm>
+              <a:prstGeom prst="rect">
+                <a:avLst/>
+              </a:prstGeom>
+              <a:noFill/>
+            </p:spPr>
+            <p:txBody>
+              <a:bodyPr wrap="square" rtlCol="0">
+                <a:spAutoFit/>
+              </a:bodyPr>
+              <a:lstStyle/>
+              <a:p>
+                <a14:m>
+                  <m:oMathPara xmlns:m="http://schemas.openxmlformats.org/officeDocument/2006/math">
+                    <m:oMathParaPr>
+                      <m:jc m:val="centerGroup"/>
+                    </m:oMathParaPr>
+                    <m:oMath xmlns:m="http://schemas.openxmlformats.org/officeDocument/2006/math">
+                      <m:r>
+                        <a:rPr lang="en-US" b="0" i="1" smtClean="0">
+                          <a:latin typeface="Cambria Math" panose="02040503050406030204" pitchFamily="18" charset="0"/>
+                        </a:rPr>
+                        <m:t>𝛼</m:t>
+                      </m:r>
+                      <m:r>
+                        <a:rPr lang="en-US" b="0" i="1" smtClean="0">
+                          <a:latin typeface="Cambria Math" panose="02040503050406030204" pitchFamily="18" charset="0"/>
+                        </a:rPr>
+                        <m:t>=0.30</m:t>
+                      </m:r>
+                    </m:oMath>
+                  </m:oMathPara>
+                </a14:m>
+                <a:endParaRPr lang="en-US" dirty="0"/>
+              </a:p>
+            </p:txBody>
+          </p:sp>
+        </mc:Choice>
+        <mc:Fallback>
+          <p:sp>
+            <p:nvSpPr>
+              <p:cNvPr id="22" name="TextBox 21">
+                <a:extLst>
+                  <a:ext uri="{FF2B5EF4-FFF2-40B4-BE49-F238E27FC236}">
+                    <a16:creationId xmlns:a16="http://schemas.microsoft.com/office/drawing/2014/main" id="{9E995C04-4FAE-4AFC-FA44-7B3AA0BC7525}"/>
+                  </a:ext>
+                </a:extLst>
+              </p:cNvPr>
+              <p:cNvSpPr txBox="1">
+                <a:spLocks noRot="1" noChangeAspect="1" noMove="1" noResize="1" noEditPoints="1" noAdjustHandles="1" noChangeArrowheads="1" noChangeShapeType="1" noTextEdit="1"/>
+              </p:cNvSpPr>
+              <p:nvPr/>
+            </p:nvSpPr>
+            <p:spPr>
+              <a:xfrm>
+                <a:off x="8166847" y="2115671"/>
+                <a:ext cx="1783977" cy="369332"/>
+              </a:xfrm>
+              <a:prstGeom prst="rect">
+                <a:avLst/>
+              </a:prstGeom>
+              <a:blipFill>
+                <a:blip r:embed="rId9"/>
+                <a:stretch>
+                  <a:fillRect/>
+                </a:stretch>
+              </a:blipFill>
+            </p:spPr>
+            <p:txBody>
+              <a:bodyPr/>
+              <a:lstStyle/>
+              <a:p>
+                <a:r>
+                  <a:rPr lang="en-US">
+                    <a:noFill/>
+                  </a:rPr>
+                  <a:t> </a:t>
+                </a:r>
+              </a:p>
+            </p:txBody>
+          </p:sp>
+        </mc:Fallback>
+      </mc:AlternateContent>
     </p:spTree>
     <p:extLst>
       <p:ext uri="{BB962C8B-B14F-4D97-AF65-F5344CB8AC3E}">

--- a/SYSG3_paper.pptx
+++ b/SYSG3_paper.pptx
@@ -201,7 +201,7 @@
           <a:p>
             <a:fld id="{7B0378C8-50D4-41CA-B139-C16B0923ACC7}" type="datetimeFigureOut">
               <a:rPr lang="en-US" smtClean="0"/>
-              <a:t>6/19/2025</a:t>
+              <a:t>6/23/2025</a:t>
             </a:fld>
             <a:endParaRPr lang="en-US"/>
           </a:p>
@@ -699,7 +699,7 @@
           <a:p>
             <a:fld id="{E3B1C2F4-07A0-459D-95BE-47AEA2376715}" type="datetimeFigureOut">
               <a:rPr lang="en-US" smtClean="0"/>
-              <a:t>6/19/2025</a:t>
+              <a:t>6/23/2025</a:t>
             </a:fld>
             <a:endParaRPr lang="en-US"/>
           </a:p>
@@ -897,7 +897,7 @@
           <a:p>
             <a:fld id="{E3B1C2F4-07A0-459D-95BE-47AEA2376715}" type="datetimeFigureOut">
               <a:rPr lang="en-US" smtClean="0"/>
-              <a:t>6/19/2025</a:t>
+              <a:t>6/23/2025</a:t>
             </a:fld>
             <a:endParaRPr lang="en-US"/>
           </a:p>
@@ -1105,7 +1105,7 @@
           <a:p>
             <a:fld id="{E3B1C2F4-07A0-459D-95BE-47AEA2376715}" type="datetimeFigureOut">
               <a:rPr lang="en-US" smtClean="0"/>
-              <a:t>6/19/2025</a:t>
+              <a:t>6/23/2025</a:t>
             </a:fld>
             <a:endParaRPr lang="en-US"/>
           </a:p>
@@ -1303,7 +1303,7 @@
           <a:p>
             <a:fld id="{E3B1C2F4-07A0-459D-95BE-47AEA2376715}" type="datetimeFigureOut">
               <a:rPr lang="en-US" smtClean="0"/>
-              <a:t>6/19/2025</a:t>
+              <a:t>6/23/2025</a:t>
             </a:fld>
             <a:endParaRPr lang="en-US"/>
           </a:p>
@@ -1578,7 +1578,7 @@
           <a:p>
             <a:fld id="{E3B1C2F4-07A0-459D-95BE-47AEA2376715}" type="datetimeFigureOut">
               <a:rPr lang="en-US" smtClean="0"/>
-              <a:t>6/19/2025</a:t>
+              <a:t>6/23/2025</a:t>
             </a:fld>
             <a:endParaRPr lang="en-US"/>
           </a:p>
@@ -1843,7 +1843,7 @@
           <a:p>
             <a:fld id="{E3B1C2F4-07A0-459D-95BE-47AEA2376715}" type="datetimeFigureOut">
               <a:rPr lang="en-US" smtClean="0"/>
-              <a:t>6/19/2025</a:t>
+              <a:t>6/23/2025</a:t>
             </a:fld>
             <a:endParaRPr lang="en-US"/>
           </a:p>
@@ -2255,7 +2255,7 @@
           <a:p>
             <a:fld id="{E3B1C2F4-07A0-459D-95BE-47AEA2376715}" type="datetimeFigureOut">
               <a:rPr lang="en-US" smtClean="0"/>
-              <a:t>6/19/2025</a:t>
+              <a:t>6/23/2025</a:t>
             </a:fld>
             <a:endParaRPr lang="en-US"/>
           </a:p>
@@ -2396,7 +2396,7 @@
           <a:p>
             <a:fld id="{E3B1C2F4-07A0-459D-95BE-47AEA2376715}" type="datetimeFigureOut">
               <a:rPr lang="en-US" smtClean="0"/>
-              <a:t>6/19/2025</a:t>
+              <a:t>6/23/2025</a:t>
             </a:fld>
             <a:endParaRPr lang="en-US"/>
           </a:p>
@@ -2509,7 +2509,7 @@
           <a:p>
             <a:fld id="{E3B1C2F4-07A0-459D-95BE-47AEA2376715}" type="datetimeFigureOut">
               <a:rPr lang="en-US" smtClean="0"/>
-              <a:t>6/19/2025</a:t>
+              <a:t>6/23/2025</a:t>
             </a:fld>
             <a:endParaRPr lang="en-US"/>
           </a:p>
@@ -2820,7 +2820,7 @@
           <a:p>
             <a:fld id="{E3B1C2F4-07A0-459D-95BE-47AEA2376715}" type="datetimeFigureOut">
               <a:rPr lang="en-US" smtClean="0"/>
-              <a:t>6/19/2025</a:t>
+              <a:t>6/23/2025</a:t>
             </a:fld>
             <a:endParaRPr lang="en-US"/>
           </a:p>
@@ -3108,7 +3108,7 @@
           <a:p>
             <a:fld id="{E3B1C2F4-07A0-459D-95BE-47AEA2376715}" type="datetimeFigureOut">
               <a:rPr lang="en-US" smtClean="0"/>
-              <a:t>6/19/2025</a:t>
+              <a:t>6/23/2025</a:t>
             </a:fld>
             <a:endParaRPr lang="en-US"/>
           </a:p>
@@ -3349,7 +3349,7 @@
           <a:p>
             <a:fld id="{E3B1C2F4-07A0-459D-95BE-47AEA2376715}" type="datetimeFigureOut">
               <a:rPr lang="en-US" smtClean="0"/>
-              <a:t>6/19/2025</a:t>
+              <a:t>6/23/2025</a:t>
             </a:fld>
             <a:endParaRPr lang="en-US"/>
           </a:p>
@@ -3774,10 +3774,10 @@
       </p:grpSpPr>
       <p:pic>
         <p:nvPicPr>
-          <p:cNvPr id="3084" name="Picture 12">
-            <a:extLst>
-              <a:ext uri="{FF2B5EF4-FFF2-40B4-BE49-F238E27FC236}">
-                <a16:creationId xmlns:a16="http://schemas.microsoft.com/office/drawing/2014/main" id="{CA623D42-61F2-99EA-1458-A7BFF39C4A81}"/>
+          <p:cNvPr id="1032" name="Picture 8">
+            <a:extLst>
+              <a:ext uri="{FF2B5EF4-FFF2-40B4-BE49-F238E27FC236}">
+                <a16:creationId xmlns:a16="http://schemas.microsoft.com/office/drawing/2014/main" id="{8B23A109-FF6F-0C59-A171-C498EE6ACB0A}"/>
               </a:ext>
             </a:extLst>
           </p:cNvPr>
@@ -3950,10 +3950,10 @@
       </p:sp>
       <p:sp>
         <p:nvSpPr>
-          <p:cNvPr id="5" name="Rectangle 4">
-            <a:extLst>
-              <a:ext uri="{FF2B5EF4-FFF2-40B4-BE49-F238E27FC236}">
-                <a16:creationId xmlns:a16="http://schemas.microsoft.com/office/drawing/2014/main" id="{2A73E4D0-3652-1A2C-B955-2B41B4520707}"/>
+          <p:cNvPr id="9" name="Rectangle 8">
+            <a:extLst>
+              <a:ext uri="{FF2B5EF4-FFF2-40B4-BE49-F238E27FC236}">
+                <a16:creationId xmlns:a16="http://schemas.microsoft.com/office/drawing/2014/main" id="{643CF8D2-4A99-CD45-371B-51A23C2DD4F0}"/>
               </a:ext>
             </a:extLst>
           </p:cNvPr>
@@ -3962,8 +3962,8 @@
         </p:nvSpPr>
         <p:spPr>
           <a:xfrm>
-            <a:off x="3428630" y="3215777"/>
-            <a:ext cx="529655" cy="426445"/>
+            <a:off x="3224497" y="941294"/>
+            <a:ext cx="372405" cy="2196353"/>
           </a:xfrm>
           <a:prstGeom prst="rect">
             <a:avLst/>
@@ -4001,65 +4001,7 @@
                   <a:schemeClr val="tx1"/>
                 </a:solidFill>
               </a:rPr>
-              <a:t>06/22</a:t>
-            </a:r>
-          </a:p>
-        </p:txBody>
-      </p:sp>
-      <p:sp>
-        <p:nvSpPr>
-          <p:cNvPr id="9" name="Rectangle 8">
-            <a:extLst>
-              <a:ext uri="{FF2B5EF4-FFF2-40B4-BE49-F238E27FC236}">
-                <a16:creationId xmlns:a16="http://schemas.microsoft.com/office/drawing/2014/main" id="{643CF8D2-4A99-CD45-371B-51A23C2DD4F0}"/>
-              </a:ext>
-            </a:extLst>
-          </p:cNvPr>
-          <p:cNvSpPr/>
-          <p:nvPr/>
-        </p:nvSpPr>
-        <p:spPr>
-          <a:xfrm>
-            <a:off x="3224497" y="1704817"/>
-            <a:ext cx="372405" cy="457200"/>
-          </a:xfrm>
-          <a:prstGeom prst="rect">
-            <a:avLst/>
-          </a:prstGeom>
-          <a:solidFill>
-            <a:srgbClr val="156082">
-              <a:alpha val="30196"/>
-            </a:srgbClr>
-          </a:solidFill>
-        </p:spPr>
-        <p:style>
-          <a:lnRef idx="2">
-            <a:schemeClr val="accent1">
-              <a:shade val="15000"/>
-            </a:schemeClr>
-          </a:lnRef>
-          <a:fillRef idx="1">
-            <a:schemeClr val="accent1"/>
-          </a:fillRef>
-          <a:effectRef idx="0">
-            <a:schemeClr val="accent1"/>
-          </a:effectRef>
-          <a:fontRef idx="minor">
-            <a:schemeClr val="lt1"/>
-          </a:fontRef>
-        </p:style>
-        <p:txBody>
-          <a:bodyPr rtlCol="0" anchor="t"/>
-          <a:lstStyle/>
-          <a:p>
-            <a:pPr algn="ctr"/>
-            <a:r>
-              <a:rPr lang="en-US" sz="900" dirty="0">
-                <a:solidFill>
-                  <a:schemeClr val="tx1"/>
-                </a:solidFill>
-              </a:rPr>
-              <a:t>06/22</a:t>
+              <a:t>06/23</a:t>
             </a:r>
           </a:p>
         </p:txBody>
@@ -4906,7 +4848,7 @@
             </a:br>
             <a:r>
               <a:rPr lang="en-US" dirty="0"/>
-              <a:t>@ (0.10, 0.00375??) </a:t>
+              <a:t>@ (0.10, 0.00375) </a:t>
             </a:r>
           </a:p>
         </p:txBody>
@@ -4933,8 +4875,8 @@
         </p:blipFill>
         <p:spPr>
           <a:xfrm>
-            <a:off x="5531815" y="2284901"/>
-            <a:ext cx="1569953" cy="1327366"/>
+            <a:off x="5602802" y="2366586"/>
+            <a:ext cx="1652825" cy="1397433"/>
           </a:xfrm>
           <a:prstGeom prst="rect">
             <a:avLst/>
@@ -5006,7 +4948,7 @@
         </p:blipFill>
         <p:spPr>
           <a:xfrm>
-            <a:off x="1629529" y="4670961"/>
+            <a:off x="1629530" y="4515880"/>
             <a:ext cx="1341483" cy="1104488"/>
           </a:xfrm>
           <a:prstGeom prst="rect">
@@ -5043,7 +4985,7 @@
         </p:blipFill>
         <p:spPr bwMode="auto">
           <a:xfrm>
-            <a:off x="1475842" y="5690634"/>
+            <a:off x="1475843" y="5535553"/>
             <a:ext cx="1736820" cy="716625"/>
           </a:xfrm>
           <a:prstGeom prst="rect">
@@ -5075,7 +5017,7 @@
         </p:nvSpPr>
         <p:spPr>
           <a:xfrm>
-            <a:off x="1122471" y="6325580"/>
+            <a:off x="1122472" y="6170499"/>
             <a:ext cx="2443561" cy="646331"/>
           </a:xfrm>
           <a:prstGeom prst="rect">
@@ -5196,108 +5138,6 @@
       </p:sp>
       <p:pic>
         <p:nvPicPr>
-          <p:cNvPr id="23" name="Picture 22">
-            <a:extLst>
-              <a:ext uri="{FF2B5EF4-FFF2-40B4-BE49-F238E27FC236}">
-                <a16:creationId xmlns:a16="http://schemas.microsoft.com/office/drawing/2014/main" id="{7D83F069-81EB-F731-4ED6-B19DFEFA3A9C}"/>
-              </a:ext>
-            </a:extLst>
-          </p:cNvPr>
-          <p:cNvPicPr>
-            <a:picLocks noChangeAspect="1"/>
-          </p:cNvPicPr>
-          <p:nvPr/>
-        </p:nvPicPr>
-        <p:blipFill>
-          <a:blip r:embed="rId7"/>
-          <a:stretch>
-            <a:fillRect/>
-          </a:stretch>
-        </p:blipFill>
-        <p:spPr>
-          <a:xfrm>
-            <a:off x="3309722" y="1966094"/>
-            <a:ext cx="1511709" cy="1716482"/>
-          </a:xfrm>
-          <a:prstGeom prst="rect">
-            <a:avLst/>
-          </a:prstGeom>
-        </p:spPr>
-      </p:pic>
-      <p:sp>
-        <p:nvSpPr>
-          <p:cNvPr id="24" name="TextBox 23">
-            <a:extLst>
-              <a:ext uri="{FF2B5EF4-FFF2-40B4-BE49-F238E27FC236}">
-                <a16:creationId xmlns:a16="http://schemas.microsoft.com/office/drawing/2014/main" id="{F3C2D23D-D4B1-7DCB-89F6-29366907EE10}"/>
-              </a:ext>
-            </a:extLst>
-          </p:cNvPr>
-          <p:cNvSpPr txBox="1"/>
-          <p:nvPr/>
-        </p:nvSpPr>
-        <p:spPr>
-          <a:xfrm>
-            <a:off x="2718113" y="1649297"/>
-            <a:ext cx="2765121" cy="369332"/>
-          </a:xfrm>
-          <a:prstGeom prst="rect">
-            <a:avLst/>
-          </a:prstGeom>
-          <a:noFill/>
-        </p:spPr>
-        <p:txBody>
-          <a:bodyPr wrap="square" rtlCol="0">
-            <a:spAutoFit/>
-          </a:bodyPr>
-          <a:lstStyle/>
-          <a:p>
-            <a:pPr algn="ctr"/>
-            <a:r>
-              <a:rPr lang="en-US" dirty="0"/>
-              <a:t>Need to finalize</a:t>
-            </a:r>
-          </a:p>
-        </p:txBody>
-      </p:sp>
-      <p:sp>
-        <p:nvSpPr>
-          <p:cNvPr id="25" name="TextBox 24">
-            <a:extLst>
-              <a:ext uri="{FF2B5EF4-FFF2-40B4-BE49-F238E27FC236}">
-                <a16:creationId xmlns:a16="http://schemas.microsoft.com/office/drawing/2014/main" id="{9D63CD23-89D8-C57E-B45A-A273F65D5F50}"/>
-              </a:ext>
-            </a:extLst>
-          </p:cNvPr>
-          <p:cNvSpPr txBox="1"/>
-          <p:nvPr/>
-        </p:nvSpPr>
-        <p:spPr>
-          <a:xfrm>
-            <a:off x="951173" y="4441589"/>
-            <a:ext cx="2765121" cy="369332"/>
-          </a:xfrm>
-          <a:prstGeom prst="rect">
-            <a:avLst/>
-          </a:prstGeom>
-          <a:noFill/>
-        </p:spPr>
-        <p:txBody>
-          <a:bodyPr wrap="square" rtlCol="0">
-            <a:spAutoFit/>
-          </a:bodyPr>
-          <a:lstStyle/>
-          <a:p>
-            <a:pPr algn="ctr"/>
-            <a:r>
-              <a:rPr lang="en-US" dirty="0"/>
-              <a:t>Need to finalize</a:t>
-            </a:r>
-          </a:p>
-        </p:txBody>
-      </p:sp>
-      <p:pic>
-        <p:nvPicPr>
           <p:cNvPr id="1034" name="Picture 10">
             <a:extLst>
               <a:ext uri="{FF2B5EF4-FFF2-40B4-BE49-F238E27FC236}">
@@ -5311,7 +5151,7 @@
           <p:nvPr/>
         </p:nvPicPr>
         <p:blipFill>
-          <a:blip r:embed="rId8">
+          <a:blip r:embed="rId7">
             <a:extLst>
               <a:ext uri="{28A0092B-C50C-407E-A947-70E740481C1C}">
                 <a14:useLocalDpi xmlns:a14="http://schemas.microsoft.com/office/drawing/2010/main" val="0"/>
@@ -5341,6 +5181,36 @@
               </a14:hiddenFill>
             </a:ext>
           </a:extLst>
+        </p:spPr>
+      </p:pic>
+      <p:pic>
+        <p:nvPicPr>
+          <p:cNvPr id="3" name="Picture 2">
+            <a:extLst>
+              <a:ext uri="{FF2B5EF4-FFF2-40B4-BE49-F238E27FC236}">
+                <a16:creationId xmlns:a16="http://schemas.microsoft.com/office/drawing/2014/main" id="{B43611EE-F4C5-1C25-8C68-256E6E5F3841}"/>
+              </a:ext>
+            </a:extLst>
+          </p:cNvPr>
+          <p:cNvPicPr>
+            <a:picLocks noChangeAspect="1"/>
+          </p:cNvPicPr>
+          <p:nvPr/>
+        </p:nvPicPr>
+        <p:blipFill>
+          <a:blip r:embed="rId8"/>
+          <a:stretch>
+            <a:fillRect/>
+          </a:stretch>
+        </p:blipFill>
+        <p:spPr>
+          <a:xfrm>
+            <a:off x="3259401" y="2063685"/>
+            <a:ext cx="1795005" cy="1588772"/>
+          </a:xfrm>
+          <a:prstGeom prst="rect">
+            <a:avLst/>
+          </a:prstGeom>
         </p:spPr>
       </p:pic>
     </p:spTree>
@@ -5809,8 +5679,8 @@
           <a:p>
             <a:pPr algn="ctr"/>
             <a:r>
-              <a:rPr lang="en-US" dirty="0"/>
-              <a:t>?</a:t>
+              <a:rPr lang="en-US" dirty="0" err="1"/>
+              <a:t>Cyl-pn</a:t>
             </a:r>
             <a:br>
               <a:rPr lang="en-US" dirty="0"/>
@@ -5882,8 +5752,8 @@
           </a:prstGeom>
         </p:spPr>
       </p:pic>
-      <mc:AlternateContent xmlns:mc="http://schemas.openxmlformats.org/markup-compatibility/2006">
-        <mc:Choice xmlns:a14="http://schemas.microsoft.com/office/drawing/2010/main" Requires="a14">
+      <mc:AlternateContent xmlns:mc="http://schemas.openxmlformats.org/markup-compatibility/2006" xmlns:a14="http://schemas.microsoft.com/office/drawing/2010/main">
+        <mc:Choice Requires="a14">
           <p:sp>
             <p:nvSpPr>
               <p:cNvPr id="28" name="TextBox 27">
@@ -5912,6 +5782,7 @@
               </a:bodyPr>
               <a:lstStyle/>
               <a:p>
+                <a:pPr/>
                 <a14:m>
                   <m:oMathPara xmlns:m="http://schemas.openxmlformats.org/officeDocument/2006/math">
                     <m:oMathParaPr>
@@ -5938,7 +5809,7 @@
             </p:txBody>
           </p:sp>
         </mc:Choice>
-        <mc:Fallback>
+        <mc:Fallback xmlns="">
           <p:sp>
             <p:nvSpPr>
               <p:cNvPr id="28" name="TextBox 27">
@@ -6134,7 +6005,6 @@
           </a:bodyPr>
           <a:lstStyle/>
           <a:p>
-            <a:pPr/>
             <a:r>
               <a:rPr lang="en-US" dirty="0"/>
               <a:t>@ (0.30, 0.040)</a:t>
@@ -6170,7 +6040,6 @@
           </a:bodyPr>
           <a:lstStyle/>
           <a:p>
-            <a:pPr/>
             <a:r>
               <a:rPr lang="en-US" dirty="0"/>
               <a:t>@ (0.30, 0.040)</a:t>
@@ -6206,7 +6075,6 @@
           </a:bodyPr>
           <a:lstStyle/>
           <a:p>
-            <a:pPr/>
             <a:r>
               <a:rPr lang="en-US" dirty="0"/>
               <a:t>@ (0.30, 0.040)</a:t>
@@ -6460,8 +6328,8 @@
           </a:extLst>
         </p:spPr>
       </p:pic>
-      <mc:AlternateContent xmlns:mc="http://schemas.openxmlformats.org/markup-compatibility/2006">
-        <mc:Choice xmlns:a14="http://schemas.microsoft.com/office/drawing/2010/main" Requires="a14">
+      <mc:AlternateContent xmlns:mc="http://schemas.openxmlformats.org/markup-compatibility/2006" xmlns:a14="http://schemas.microsoft.com/office/drawing/2010/main">
+        <mc:Choice Requires="a14">
           <p:sp>
             <p:nvSpPr>
               <p:cNvPr id="22" name="TextBox 21">
@@ -6490,6 +6358,7 @@
               </a:bodyPr>
               <a:lstStyle/>
               <a:p>
+                <a:pPr/>
                 <a14:m>
                   <m:oMathPara xmlns:m="http://schemas.openxmlformats.org/officeDocument/2006/math">
                     <m:oMathParaPr>
@@ -6516,7 +6385,7 @@
             </p:txBody>
           </p:sp>
         </mc:Choice>
-        <mc:Fallback>
+        <mc:Fallback xmlns="">
           <p:sp>
             <p:nvSpPr>
               <p:cNvPr id="22" name="TextBox 21">

--- a/SYSG3_paper.pptx
+++ b/SYSG3_paper.pptx
@@ -201,7 +201,7 @@
           <a:p>
             <a:fld id="{7B0378C8-50D4-41CA-B139-C16B0923ACC7}" type="datetimeFigureOut">
               <a:rPr lang="en-US" smtClean="0"/>
-              <a:t>6/23/2025</a:t>
+              <a:t>6/24/2025</a:t>
             </a:fld>
             <a:endParaRPr lang="en-US"/>
           </a:p>
@@ -699,7 +699,7 @@
           <a:p>
             <a:fld id="{E3B1C2F4-07A0-459D-95BE-47AEA2376715}" type="datetimeFigureOut">
               <a:rPr lang="en-US" smtClean="0"/>
-              <a:t>6/23/2025</a:t>
+              <a:t>6/24/2025</a:t>
             </a:fld>
             <a:endParaRPr lang="en-US"/>
           </a:p>
@@ -897,7 +897,7 @@
           <a:p>
             <a:fld id="{E3B1C2F4-07A0-459D-95BE-47AEA2376715}" type="datetimeFigureOut">
               <a:rPr lang="en-US" smtClean="0"/>
-              <a:t>6/23/2025</a:t>
+              <a:t>6/24/2025</a:t>
             </a:fld>
             <a:endParaRPr lang="en-US"/>
           </a:p>
@@ -1105,7 +1105,7 @@
           <a:p>
             <a:fld id="{E3B1C2F4-07A0-459D-95BE-47AEA2376715}" type="datetimeFigureOut">
               <a:rPr lang="en-US" smtClean="0"/>
-              <a:t>6/23/2025</a:t>
+              <a:t>6/24/2025</a:t>
             </a:fld>
             <a:endParaRPr lang="en-US"/>
           </a:p>
@@ -1303,7 +1303,7 @@
           <a:p>
             <a:fld id="{E3B1C2F4-07A0-459D-95BE-47AEA2376715}" type="datetimeFigureOut">
               <a:rPr lang="en-US" smtClean="0"/>
-              <a:t>6/23/2025</a:t>
+              <a:t>6/24/2025</a:t>
             </a:fld>
             <a:endParaRPr lang="en-US"/>
           </a:p>
@@ -1578,7 +1578,7 @@
           <a:p>
             <a:fld id="{E3B1C2F4-07A0-459D-95BE-47AEA2376715}" type="datetimeFigureOut">
               <a:rPr lang="en-US" smtClean="0"/>
-              <a:t>6/23/2025</a:t>
+              <a:t>6/24/2025</a:t>
             </a:fld>
             <a:endParaRPr lang="en-US"/>
           </a:p>
@@ -1843,7 +1843,7 @@
           <a:p>
             <a:fld id="{E3B1C2F4-07A0-459D-95BE-47AEA2376715}" type="datetimeFigureOut">
               <a:rPr lang="en-US" smtClean="0"/>
-              <a:t>6/23/2025</a:t>
+              <a:t>6/24/2025</a:t>
             </a:fld>
             <a:endParaRPr lang="en-US"/>
           </a:p>
@@ -2255,7 +2255,7 @@
           <a:p>
             <a:fld id="{E3B1C2F4-07A0-459D-95BE-47AEA2376715}" type="datetimeFigureOut">
               <a:rPr lang="en-US" smtClean="0"/>
-              <a:t>6/23/2025</a:t>
+              <a:t>6/24/2025</a:t>
             </a:fld>
             <a:endParaRPr lang="en-US"/>
           </a:p>
@@ -2396,7 +2396,7 @@
           <a:p>
             <a:fld id="{E3B1C2F4-07A0-459D-95BE-47AEA2376715}" type="datetimeFigureOut">
               <a:rPr lang="en-US" smtClean="0"/>
-              <a:t>6/23/2025</a:t>
+              <a:t>6/24/2025</a:t>
             </a:fld>
             <a:endParaRPr lang="en-US"/>
           </a:p>
@@ -2509,7 +2509,7 @@
           <a:p>
             <a:fld id="{E3B1C2F4-07A0-459D-95BE-47AEA2376715}" type="datetimeFigureOut">
               <a:rPr lang="en-US" smtClean="0"/>
-              <a:t>6/23/2025</a:t>
+              <a:t>6/24/2025</a:t>
             </a:fld>
             <a:endParaRPr lang="en-US"/>
           </a:p>
@@ -2820,7 +2820,7 @@
           <a:p>
             <a:fld id="{E3B1C2F4-07A0-459D-95BE-47AEA2376715}" type="datetimeFigureOut">
               <a:rPr lang="en-US" smtClean="0"/>
-              <a:t>6/23/2025</a:t>
+              <a:t>6/24/2025</a:t>
             </a:fld>
             <a:endParaRPr lang="en-US"/>
           </a:p>
@@ -3108,7 +3108,7 @@
           <a:p>
             <a:fld id="{E3B1C2F4-07A0-459D-95BE-47AEA2376715}" type="datetimeFigureOut">
               <a:rPr lang="en-US" smtClean="0"/>
-              <a:t>6/23/2025</a:t>
+              <a:t>6/24/2025</a:t>
             </a:fld>
             <a:endParaRPr lang="en-US"/>
           </a:p>
@@ -3349,7 +3349,7 @@
           <a:p>
             <a:fld id="{E3B1C2F4-07A0-459D-95BE-47AEA2376715}" type="datetimeFigureOut">
               <a:rPr lang="en-US" smtClean="0"/>
-              <a:t>6/23/2025</a:t>
+              <a:t>6/24/2025</a:t>
             </a:fld>
             <a:endParaRPr lang="en-US"/>
           </a:p>
@@ -3774,10 +3774,10 @@
       </p:grpSpPr>
       <p:pic>
         <p:nvPicPr>
-          <p:cNvPr id="1032" name="Picture 8">
-            <a:extLst>
-              <a:ext uri="{FF2B5EF4-FFF2-40B4-BE49-F238E27FC236}">
-                <a16:creationId xmlns:a16="http://schemas.microsoft.com/office/drawing/2014/main" id="{8B23A109-FF6F-0C59-A171-C498EE6ACB0A}"/>
+          <p:cNvPr id="2052" name="Picture 4">
+            <a:extLst>
+              <a:ext uri="{FF2B5EF4-FFF2-40B4-BE49-F238E27FC236}">
+                <a16:creationId xmlns:a16="http://schemas.microsoft.com/office/drawing/2014/main" id="{7CBB2CFB-526B-4D5C-AD1B-99961FC92C3D}"/>
               </a:ext>
             </a:extLst>
           </p:cNvPr>
@@ -3892,10 +3892,10 @@
       </p:sp>
       <p:sp>
         <p:nvSpPr>
-          <p:cNvPr id="4" name="Rectangle 3">
-            <a:extLst>
-              <a:ext uri="{FF2B5EF4-FFF2-40B4-BE49-F238E27FC236}">
-                <a16:creationId xmlns:a16="http://schemas.microsoft.com/office/drawing/2014/main" id="{86B54C08-B823-677E-D724-22519034B483}"/>
+          <p:cNvPr id="9" name="Rectangle 8">
+            <a:extLst>
+              <a:ext uri="{FF2B5EF4-FFF2-40B4-BE49-F238E27FC236}">
+                <a16:creationId xmlns:a16="http://schemas.microsoft.com/office/drawing/2014/main" id="{643CF8D2-4A99-CD45-371B-51A23C2DD4F0}"/>
               </a:ext>
             </a:extLst>
           </p:cNvPr>
@@ -3904,8 +3904,8 @@
         </p:nvSpPr>
         <p:spPr>
           <a:xfrm>
-            <a:off x="6276552" y="1697481"/>
-            <a:ext cx="598414" cy="446712"/>
+            <a:off x="3224497" y="941294"/>
+            <a:ext cx="372405" cy="2752165"/>
           </a:xfrm>
           <a:prstGeom prst="rect">
             <a:avLst/>
@@ -3943,17 +3943,17 @@
                   <a:schemeClr val="tx1"/>
                 </a:solidFill>
               </a:rPr>
-              <a:t>06/22</a:t>
-            </a:r>
-          </a:p>
-        </p:txBody>
-      </p:sp>
-      <p:sp>
-        <p:nvSpPr>
-          <p:cNvPr id="9" name="Rectangle 8">
-            <a:extLst>
-              <a:ext uri="{FF2B5EF4-FFF2-40B4-BE49-F238E27FC236}">
-                <a16:creationId xmlns:a16="http://schemas.microsoft.com/office/drawing/2014/main" id="{643CF8D2-4A99-CD45-371B-51A23C2DD4F0}"/>
+              <a:t>06/23</a:t>
+            </a:r>
+          </a:p>
+        </p:txBody>
+      </p:sp>
+      <p:sp>
+        <p:nvSpPr>
+          <p:cNvPr id="10" name="Rectangle 9">
+            <a:extLst>
+              <a:ext uri="{FF2B5EF4-FFF2-40B4-BE49-F238E27FC236}">
+                <a16:creationId xmlns:a16="http://schemas.microsoft.com/office/drawing/2014/main" id="{9D27F417-AEB8-5814-1166-2B0D5099107D}"/>
               </a:ext>
             </a:extLst>
           </p:cNvPr>
@@ -3962,8 +3962,8 @@
         </p:nvSpPr>
         <p:spPr>
           <a:xfrm>
-            <a:off x="3224497" y="941294"/>
-            <a:ext cx="372405" cy="2196353"/>
+            <a:off x="3783106" y="1697481"/>
+            <a:ext cx="802937" cy="457200"/>
           </a:xfrm>
           <a:prstGeom prst="rect">
             <a:avLst/>
@@ -4008,10 +4008,10 @@
       </p:sp>
       <p:sp>
         <p:nvSpPr>
-          <p:cNvPr id="10" name="Rectangle 9">
-            <a:extLst>
-              <a:ext uri="{FF2B5EF4-FFF2-40B4-BE49-F238E27FC236}">
-                <a16:creationId xmlns:a16="http://schemas.microsoft.com/office/drawing/2014/main" id="{9D27F417-AEB8-5814-1166-2B0D5099107D}"/>
+          <p:cNvPr id="2" name="Rectangle 1">
+            <a:extLst>
+              <a:ext uri="{FF2B5EF4-FFF2-40B4-BE49-F238E27FC236}">
+                <a16:creationId xmlns:a16="http://schemas.microsoft.com/office/drawing/2014/main" id="{01286FE6-7420-7111-57B7-3B94AAFE890D}"/>
               </a:ext>
             </a:extLst>
           </p:cNvPr>
@@ -4020,8 +4020,8 @@
         </p:nvSpPr>
         <p:spPr>
           <a:xfrm>
-            <a:off x="3783106" y="1697481"/>
-            <a:ext cx="802937" cy="457200"/>
+            <a:off x="4140917" y="2809105"/>
+            <a:ext cx="480207" cy="457200"/>
           </a:xfrm>
           <a:prstGeom prst="rect">
             <a:avLst/>
@@ -4059,7 +4059,7 @@
                   <a:schemeClr val="tx1"/>
                 </a:solidFill>
               </a:rPr>
-              <a:t>06/22</a:t>
+              <a:t>06/23</a:t>
             </a:r>
           </a:p>
         </p:txBody>
@@ -4180,7 +4180,7 @@
         </p:nvSpPr>
         <p:spPr>
           <a:xfrm>
-            <a:off x="316799" y="4737560"/>
+            <a:off x="1213270" y="4847777"/>
             <a:ext cx="2443561" cy="646331"/>
           </a:xfrm>
           <a:prstGeom prst="rect">
@@ -4197,7 +4197,7 @@
             <a:pPr algn="ctr"/>
             <a:r>
               <a:rPr lang="en-US" dirty="0"/>
-              <a:t>Iso mic </a:t>
+              <a:t>Mic </a:t>
             </a:r>
             <a:br>
               <a:rPr lang="en-US" dirty="0"/>
@@ -4223,8 +4223,8 @@
         </p:nvSpPr>
         <p:spPr>
           <a:xfrm>
-            <a:off x="219681" y="2170815"/>
-            <a:ext cx="2765121" cy="646331"/>
+            <a:off x="1116152" y="2197710"/>
+            <a:ext cx="2765121" cy="369332"/>
           </a:xfrm>
           <a:prstGeom prst="rect">
             <a:avLst/>
@@ -4240,25 +4240,17 @@
             <a:pPr algn="ctr"/>
             <a:r>
               <a:rPr lang="en-US" dirty="0"/>
-              <a:t>Need to finalize – </a:t>
-            </a:r>
-            <a:r>
-              <a:rPr lang="en-US" dirty="0" err="1"/>
-              <a:t>init</a:t>
-            </a:r>
-            <a:r>
-              <a:rPr lang="en-US" dirty="0"/>
-              <a:t> from alpha = 0.25 when done</a:t>
-            </a:r>
-          </a:p>
-        </p:txBody>
-      </p:sp>
-      <p:sp>
-        <p:nvSpPr>
-          <p:cNvPr id="7" name="TextBox 6">
-            <a:extLst>
-              <a:ext uri="{FF2B5EF4-FFF2-40B4-BE49-F238E27FC236}">
-                <a16:creationId xmlns:a16="http://schemas.microsoft.com/office/drawing/2014/main" id="{A9E06EDB-D83C-C70F-9106-5146C310E7C4}"/>
+              <a:t>Need to finalize</a:t>
+            </a:r>
+          </a:p>
+        </p:txBody>
+      </p:sp>
+      <p:sp>
+        <p:nvSpPr>
+          <p:cNvPr id="13" name="TextBox 12">
+            <a:extLst>
+              <a:ext uri="{FF2B5EF4-FFF2-40B4-BE49-F238E27FC236}">
+                <a16:creationId xmlns:a16="http://schemas.microsoft.com/office/drawing/2014/main" id="{D05C8DBC-5111-0185-9C54-0703556E8583}"/>
               </a:ext>
             </a:extLst>
           </p:cNvPr>
@@ -4267,7 +4259,7 @@
         </p:nvSpPr>
         <p:spPr>
           <a:xfrm>
-            <a:off x="2931766" y="4854668"/>
+            <a:off x="4511217" y="4854668"/>
             <a:ext cx="2765121" cy="646331"/>
           </a:xfrm>
           <a:prstGeom prst="rect">
@@ -4283,25 +4275,25 @@
           <a:p>
             <a:pPr algn="ctr"/>
             <a:r>
-              <a:rPr lang="en-US" dirty="0"/>
-              <a:t>Fused mic </a:t>
+              <a:rPr lang="en-US" dirty="0" err="1"/>
+              <a:t>Cyl</a:t>
             </a:r>
             <a:br>
               <a:rPr lang="en-US" dirty="0"/>
             </a:br>
             <a:r>
               <a:rPr lang="en-US" dirty="0"/>
-              <a:t>@ (0.15, 0.0025)</a:t>
-            </a:r>
-          </a:p>
-        </p:txBody>
-      </p:sp>
-      <p:sp>
-        <p:nvSpPr>
-          <p:cNvPr id="10" name="TextBox 9">
-            <a:extLst>
-              <a:ext uri="{FF2B5EF4-FFF2-40B4-BE49-F238E27FC236}">
-                <a16:creationId xmlns:a16="http://schemas.microsoft.com/office/drawing/2014/main" id="{DB134EAA-7C3B-95CF-2D9E-25C9666E9C62}"/>
+              <a:t>@ (0.25, 0.0025)</a:t>
+            </a:r>
+          </a:p>
+        </p:txBody>
+      </p:sp>
+      <p:sp>
+        <p:nvSpPr>
+          <p:cNvPr id="15" name="TextBox 14">
+            <a:extLst>
+              <a:ext uri="{FF2B5EF4-FFF2-40B4-BE49-F238E27FC236}">
+                <a16:creationId xmlns:a16="http://schemas.microsoft.com/office/drawing/2014/main" id="{65FE5D67-EB3A-3931-51D2-E9BF1C140BE4}"/>
               </a:ext>
             </a:extLst>
           </p:cNvPr>
@@ -4310,124 +4302,7 @@
         </p:nvSpPr>
         <p:spPr>
           <a:xfrm>
-            <a:off x="2931765" y="2189990"/>
-            <a:ext cx="2765121" cy="646331"/>
-          </a:xfrm>
-          <a:prstGeom prst="rect">
-            <a:avLst/>
-          </a:prstGeom>
-          <a:noFill/>
-        </p:spPr>
-        <p:txBody>
-          <a:bodyPr wrap="square" rtlCol="0">
-            <a:spAutoFit/>
-          </a:bodyPr>
-          <a:lstStyle/>
-          <a:p>
-            <a:pPr algn="ctr"/>
-            <a:r>
-              <a:rPr lang="en-US" dirty="0"/>
-              <a:t>Need to finalize – fusing 1</a:t>
-            </a:r>
-            <a:r>
-              <a:rPr lang="en-US" baseline="30000" dirty="0"/>
-              <a:t>st</a:t>
-            </a:r>
-            <a:r>
-              <a:rPr lang="en-US" dirty="0"/>
-              <a:t> order? </a:t>
-            </a:r>
-          </a:p>
-        </p:txBody>
-      </p:sp>
-      <p:pic>
-        <p:nvPicPr>
-          <p:cNvPr id="12" name="Picture 11">
-            <a:extLst>
-              <a:ext uri="{FF2B5EF4-FFF2-40B4-BE49-F238E27FC236}">
-                <a16:creationId xmlns:a16="http://schemas.microsoft.com/office/drawing/2014/main" id="{8B0877E6-F3E6-317E-CCBB-91E31AD52852}"/>
-              </a:ext>
-            </a:extLst>
-          </p:cNvPr>
-          <p:cNvPicPr>
-            <a:picLocks noChangeAspect="1"/>
-          </p:cNvPicPr>
-          <p:nvPr/>
-        </p:nvPicPr>
-        <p:blipFill>
-          <a:blip r:embed="rId2"/>
-          <a:stretch>
-            <a:fillRect/>
-          </a:stretch>
-        </p:blipFill>
-        <p:spPr>
-          <a:xfrm>
-            <a:off x="3452941" y="2836321"/>
-            <a:ext cx="1570778" cy="1965088"/>
-          </a:xfrm>
-          <a:prstGeom prst="rect">
-            <a:avLst/>
-          </a:prstGeom>
-        </p:spPr>
-      </p:pic>
-      <p:sp>
-        <p:nvSpPr>
-          <p:cNvPr id="13" name="TextBox 12">
-            <a:extLst>
-              <a:ext uri="{FF2B5EF4-FFF2-40B4-BE49-F238E27FC236}">
-                <a16:creationId xmlns:a16="http://schemas.microsoft.com/office/drawing/2014/main" id="{D05C8DBC-5111-0185-9C54-0703556E8583}"/>
-              </a:ext>
-            </a:extLst>
-          </p:cNvPr>
-          <p:cNvSpPr txBox="1"/>
-          <p:nvPr/>
-        </p:nvSpPr>
-        <p:spPr>
-          <a:xfrm>
-            <a:off x="5696886" y="4950991"/>
-            <a:ext cx="2765121" cy="646331"/>
-          </a:xfrm>
-          <a:prstGeom prst="rect">
-            <a:avLst/>
-          </a:prstGeom>
-          <a:noFill/>
-        </p:spPr>
-        <p:txBody>
-          <a:bodyPr wrap="square" rtlCol="0">
-            <a:spAutoFit/>
-          </a:bodyPr>
-          <a:lstStyle/>
-          <a:p>
-            <a:pPr algn="ctr"/>
-            <a:r>
-              <a:rPr lang="en-US" dirty="0" err="1"/>
-              <a:t>Cyl</a:t>
-            </a:r>
-            <a:br>
-              <a:rPr lang="en-US" dirty="0"/>
-            </a:br>
-            <a:r>
-              <a:rPr lang="en-US" dirty="0"/>
-              <a:t>@ (0.25, 0.0025)</a:t>
-            </a:r>
-          </a:p>
-        </p:txBody>
-      </p:sp>
-      <p:sp>
-        <p:nvSpPr>
-          <p:cNvPr id="15" name="TextBox 14">
-            <a:extLst>
-              <a:ext uri="{FF2B5EF4-FFF2-40B4-BE49-F238E27FC236}">
-                <a16:creationId xmlns:a16="http://schemas.microsoft.com/office/drawing/2014/main" id="{65FE5D67-EB3A-3931-51D2-E9BF1C140BE4}"/>
-              </a:ext>
-            </a:extLst>
-          </p:cNvPr>
-          <p:cNvSpPr txBox="1"/>
-          <p:nvPr/>
-        </p:nvSpPr>
-        <p:spPr>
-          <a:xfrm>
-            <a:off x="5712228" y="2277045"/>
+            <a:off x="4511218" y="2294976"/>
             <a:ext cx="2765121" cy="369332"/>
           </a:xfrm>
           <a:prstGeom prst="rect">
@@ -4464,7 +4339,7 @@
           <p:nvPr/>
         </p:nvPicPr>
         <p:blipFill>
-          <a:blip r:embed="rId3">
+          <a:blip r:embed="rId2">
             <a:extLst>
               <a:ext uri="{28A0092B-C50C-407E-A947-70E740481C1C}">
                 <a14:useLocalDpi xmlns:a14="http://schemas.microsoft.com/office/drawing/2010/main" val="0"/>
@@ -4498,10 +4373,40 @@
       </p:pic>
       <p:pic>
         <p:nvPicPr>
-          <p:cNvPr id="18" name="Picture 17">
-            <a:extLst>
-              <a:ext uri="{FF2B5EF4-FFF2-40B4-BE49-F238E27FC236}">
-                <a16:creationId xmlns:a16="http://schemas.microsoft.com/office/drawing/2014/main" id="{29E38CB0-2880-BB4C-A81E-B2C29BCB2A1C}"/>
+          <p:cNvPr id="3" name="Picture 2">
+            <a:extLst>
+              <a:ext uri="{FF2B5EF4-FFF2-40B4-BE49-F238E27FC236}">
+                <a16:creationId xmlns:a16="http://schemas.microsoft.com/office/drawing/2014/main" id="{61F6CAF1-5290-8511-FD0A-AEDFB19DBBF6}"/>
+              </a:ext>
+            </a:extLst>
+          </p:cNvPr>
+          <p:cNvPicPr>
+            <a:picLocks noChangeAspect="1"/>
+          </p:cNvPicPr>
+          <p:nvPr/>
+        </p:nvPicPr>
+        <p:blipFill>
+          <a:blip r:embed="rId3"/>
+          <a:stretch>
+            <a:fillRect/>
+          </a:stretch>
+        </p:blipFill>
+        <p:spPr>
+          <a:xfrm>
+            <a:off x="1213270" y="3011613"/>
+            <a:ext cx="2496001" cy="1714759"/>
+          </a:xfrm>
+          <a:prstGeom prst="rect">
+            <a:avLst/>
+          </a:prstGeom>
+        </p:spPr>
+      </p:pic>
+      <p:pic>
+        <p:nvPicPr>
+          <p:cNvPr id="8" name="Picture 7">
+            <a:extLst>
+              <a:ext uri="{FF2B5EF4-FFF2-40B4-BE49-F238E27FC236}">
+                <a16:creationId xmlns:a16="http://schemas.microsoft.com/office/drawing/2014/main" id="{5A1F016D-7B79-211C-9B03-1CFE643BCF97}"/>
               </a:ext>
             </a:extLst>
           </p:cNvPr>
@@ -4518,87 +4423,8 @@
         </p:blipFill>
         <p:spPr>
           <a:xfrm>
-            <a:off x="839384" y="3285942"/>
-            <a:ext cx="1303182" cy="1340181"/>
-          </a:xfrm>
-          <a:prstGeom prst="rect">
-            <a:avLst/>
-          </a:prstGeom>
-        </p:spPr>
-      </p:pic>
-      <p:sp>
-        <p:nvSpPr>
-          <p:cNvPr id="17" name="Rectangle 16">
-            <a:extLst>
-              <a:ext uri="{FF2B5EF4-FFF2-40B4-BE49-F238E27FC236}">
-                <a16:creationId xmlns:a16="http://schemas.microsoft.com/office/drawing/2014/main" id="{5D1F221D-02F7-7099-DC6D-2019852694FC}"/>
-              </a:ext>
-            </a:extLst>
-          </p:cNvPr>
-          <p:cNvSpPr/>
-          <p:nvPr/>
-        </p:nvSpPr>
-        <p:spPr>
-          <a:xfrm>
-            <a:off x="739224" y="1519212"/>
-            <a:ext cx="4180858" cy="974768"/>
-          </a:xfrm>
-          <a:prstGeom prst="rect">
-            <a:avLst/>
-          </a:prstGeom>
-        </p:spPr>
-        <p:style>
-          <a:lnRef idx="2">
-            <a:schemeClr val="accent1">
-              <a:shade val="15000"/>
-            </a:schemeClr>
-          </a:lnRef>
-          <a:fillRef idx="1">
-            <a:schemeClr val="accent1"/>
-          </a:fillRef>
-          <a:effectRef idx="0">
-            <a:schemeClr val="accent1"/>
-          </a:effectRef>
-          <a:fontRef idx="minor">
-            <a:schemeClr val="lt1"/>
-          </a:fontRef>
-        </p:style>
-        <p:txBody>
-          <a:bodyPr rtlCol="0" anchor="ctr"/>
-          <a:lstStyle/>
-          <a:p>
-            <a:pPr algn="ctr"/>
-            <a:r>
-              <a:rPr lang="en-US" dirty="0"/>
-              <a:t>Still trying to determine if intermediate step (e.g., fusing of multiple micelles)</a:t>
-            </a:r>
-          </a:p>
-        </p:txBody>
-      </p:sp>
-      <p:pic>
-        <p:nvPicPr>
-          <p:cNvPr id="19" name="Picture 18">
-            <a:extLst>
-              <a:ext uri="{FF2B5EF4-FFF2-40B4-BE49-F238E27FC236}">
-                <a16:creationId xmlns:a16="http://schemas.microsoft.com/office/drawing/2014/main" id="{CF274C1D-198A-DEB9-61EB-73FBFE2FCB5E}"/>
-              </a:ext>
-            </a:extLst>
-          </p:cNvPr>
-          <p:cNvPicPr>
-            <a:picLocks noChangeAspect="1"/>
-          </p:cNvPicPr>
-          <p:nvPr/>
-        </p:nvPicPr>
-        <p:blipFill>
-          <a:blip r:embed="rId5"/>
-          <a:stretch>
-            <a:fillRect/>
-          </a:stretch>
-        </p:blipFill>
-        <p:spPr>
-          <a:xfrm>
-            <a:off x="6122261" y="2771725"/>
-            <a:ext cx="1770000" cy="1944507"/>
+            <a:off x="4857841" y="2842967"/>
+            <a:ext cx="2176518" cy="1883405"/>
           </a:xfrm>
           <a:prstGeom prst="rect">
             <a:avLst/>
@@ -4759,7 +4585,7 @@
         <p:spPr>
           <a:xfrm>
             <a:off x="64614" y="1568503"/>
-            <a:ext cx="2765121" cy="646331"/>
+            <a:ext cx="2765121" cy="369332"/>
           </a:xfrm>
           <a:prstGeom prst="rect">
             <a:avLst/>
@@ -4775,17 +4601,60 @@
             <a:pPr algn="ctr"/>
             <a:r>
               <a:rPr lang="en-US" dirty="0"/>
-              <a:t>Need to finalize – see slide 2</a:t>
+              <a:t>Need to finalize</a:t>
+            </a:r>
+          </a:p>
+        </p:txBody>
+      </p:sp>
+      <p:sp>
+        <p:nvSpPr>
+          <p:cNvPr id="10" name="TextBox 9">
+            <a:extLst>
+              <a:ext uri="{FF2B5EF4-FFF2-40B4-BE49-F238E27FC236}">
+                <a16:creationId xmlns:a16="http://schemas.microsoft.com/office/drawing/2014/main" id="{8384829F-3570-ACAB-D7F7-46E0F273ECFA}"/>
+              </a:ext>
+            </a:extLst>
+          </p:cNvPr>
+          <p:cNvSpPr txBox="1"/>
+          <p:nvPr/>
+        </p:nvSpPr>
+        <p:spPr>
+          <a:xfrm>
+            <a:off x="2878894" y="3764019"/>
+            <a:ext cx="2443561" cy="646331"/>
+          </a:xfrm>
+          <a:prstGeom prst="rect">
+            <a:avLst/>
+          </a:prstGeom>
+          <a:noFill/>
+        </p:spPr>
+        <p:txBody>
+          <a:bodyPr wrap="square" rtlCol="0">
+            <a:spAutoFit/>
+          </a:bodyPr>
+          <a:lstStyle/>
+          <a:p>
+            <a:pPr algn="ctr"/>
+            <a:r>
+              <a:rPr lang="en-US" dirty="0"/>
+              <a:t>Iso str </a:t>
+            </a:r>
+            <a:br>
+              <a:rPr lang="en-US" dirty="0"/>
+            </a:br>
+            <a:r>
+              <a:rPr lang="en-US" dirty="0"/>
+              <a:t>@ (0.10, 0.00375) </a:t>
             </a:r>
           </a:p>
         </p:txBody>
       </p:sp>
       <p:pic>
         <p:nvPicPr>
-          <p:cNvPr id="6" name="Picture 5">
-            <a:extLst>
-              <a:ext uri="{FF2B5EF4-FFF2-40B4-BE49-F238E27FC236}">
-                <a16:creationId xmlns:a16="http://schemas.microsoft.com/office/drawing/2014/main" id="{4D6E70BB-5C48-DCFA-E0E8-E02B3269C9C8}"/>
+          <p:cNvPr id="12" name="Picture 11">
+            <a:extLst>
+              <a:ext uri="{FF2B5EF4-FFF2-40B4-BE49-F238E27FC236}">
+                <a16:creationId xmlns:a16="http://schemas.microsoft.com/office/drawing/2014/main" id="{C543FFC9-26A5-3AFC-5E9C-E3F99983AF2A}"/>
               </a:ext>
             </a:extLst>
           </p:cNvPr>
@@ -4802,8 +4671,8 @@
         </p:blipFill>
         <p:spPr>
           <a:xfrm>
-            <a:off x="423203" y="2292065"/>
-            <a:ext cx="1921050" cy="1362199"/>
+            <a:off x="5602802" y="2366586"/>
+            <a:ext cx="1652825" cy="1397433"/>
           </a:xfrm>
           <a:prstGeom prst="rect">
             <a:avLst/>
@@ -4812,10 +4681,10 @@
       </p:pic>
       <p:sp>
         <p:nvSpPr>
-          <p:cNvPr id="10" name="TextBox 9">
-            <a:extLst>
-              <a:ext uri="{FF2B5EF4-FFF2-40B4-BE49-F238E27FC236}">
-                <a16:creationId xmlns:a16="http://schemas.microsoft.com/office/drawing/2014/main" id="{8384829F-3570-ACAB-D7F7-46E0F273ECFA}"/>
+          <p:cNvPr id="14" name="TextBox 13">
+            <a:extLst>
+              <a:ext uri="{FF2B5EF4-FFF2-40B4-BE49-F238E27FC236}">
+                <a16:creationId xmlns:a16="http://schemas.microsoft.com/office/drawing/2014/main" id="{DC848827-1226-499C-0CFB-018E9D738F9B}"/>
               </a:ext>
             </a:extLst>
           </p:cNvPr>
@@ -4824,7 +4693,7 @@
         </p:nvSpPr>
         <p:spPr>
           <a:xfrm>
-            <a:off x="2878894" y="3764019"/>
+            <a:off x="5252258" y="3654264"/>
             <a:ext cx="2443561" cy="646331"/>
           </a:xfrm>
           <a:prstGeom prst="rect">
@@ -4841,24 +4710,24 @@
             <a:pPr algn="ctr"/>
             <a:r>
               <a:rPr lang="en-US" dirty="0"/>
-              <a:t>Iso str </a:t>
+              <a:t>Hol </a:t>
             </a:r>
             <a:br>
               <a:rPr lang="en-US" dirty="0"/>
             </a:br>
             <a:r>
               <a:rPr lang="en-US" dirty="0"/>
-              <a:t>@ (0.10, 0.00375) </a:t>
+              <a:t>@ (0.10, 0.005) </a:t>
             </a:r>
           </a:p>
         </p:txBody>
       </p:sp>
       <p:pic>
         <p:nvPicPr>
-          <p:cNvPr id="12" name="Picture 11">
-            <a:extLst>
-              <a:ext uri="{FF2B5EF4-FFF2-40B4-BE49-F238E27FC236}">
-                <a16:creationId xmlns:a16="http://schemas.microsoft.com/office/drawing/2014/main" id="{C543FFC9-26A5-3AFC-5E9C-E3F99983AF2A}"/>
+          <p:cNvPr id="16" name="Picture 15">
+            <a:extLst>
+              <a:ext uri="{FF2B5EF4-FFF2-40B4-BE49-F238E27FC236}">
+                <a16:creationId xmlns:a16="http://schemas.microsoft.com/office/drawing/2014/main" id="{E82F1C2C-4022-3D5A-E35B-36288618F0D4}"/>
               </a:ext>
             </a:extLst>
           </p:cNvPr>
@@ -4875,79 +4744,6 @@
         </p:blipFill>
         <p:spPr>
           <a:xfrm>
-            <a:off x="5602802" y="2366586"/>
-            <a:ext cx="1652825" cy="1397433"/>
-          </a:xfrm>
-          <a:prstGeom prst="rect">
-            <a:avLst/>
-          </a:prstGeom>
-        </p:spPr>
-      </p:pic>
-      <p:sp>
-        <p:nvSpPr>
-          <p:cNvPr id="14" name="TextBox 13">
-            <a:extLst>
-              <a:ext uri="{FF2B5EF4-FFF2-40B4-BE49-F238E27FC236}">
-                <a16:creationId xmlns:a16="http://schemas.microsoft.com/office/drawing/2014/main" id="{DC848827-1226-499C-0CFB-018E9D738F9B}"/>
-              </a:ext>
-            </a:extLst>
-          </p:cNvPr>
-          <p:cNvSpPr txBox="1"/>
-          <p:nvPr/>
-        </p:nvSpPr>
-        <p:spPr>
-          <a:xfrm>
-            <a:off x="5252258" y="3654264"/>
-            <a:ext cx="2443561" cy="646331"/>
-          </a:xfrm>
-          <a:prstGeom prst="rect">
-            <a:avLst/>
-          </a:prstGeom>
-          <a:noFill/>
-        </p:spPr>
-        <p:txBody>
-          <a:bodyPr wrap="square" rtlCol="0">
-            <a:spAutoFit/>
-          </a:bodyPr>
-          <a:lstStyle/>
-          <a:p>
-            <a:pPr algn="ctr"/>
-            <a:r>
-              <a:rPr lang="en-US" dirty="0"/>
-              <a:t>Hol </a:t>
-            </a:r>
-            <a:br>
-              <a:rPr lang="en-US" dirty="0"/>
-            </a:br>
-            <a:r>
-              <a:rPr lang="en-US" dirty="0"/>
-              <a:t>@ (0.10, 0.005) </a:t>
-            </a:r>
-          </a:p>
-        </p:txBody>
-      </p:sp>
-      <p:pic>
-        <p:nvPicPr>
-          <p:cNvPr id="16" name="Picture 15">
-            <a:extLst>
-              <a:ext uri="{FF2B5EF4-FFF2-40B4-BE49-F238E27FC236}">
-                <a16:creationId xmlns:a16="http://schemas.microsoft.com/office/drawing/2014/main" id="{E82F1C2C-4022-3D5A-E35B-36288618F0D4}"/>
-              </a:ext>
-            </a:extLst>
-          </p:cNvPr>
-          <p:cNvPicPr>
-            <a:picLocks noChangeAspect="1"/>
-          </p:cNvPicPr>
-          <p:nvPr/>
-        </p:nvPicPr>
-        <p:blipFill>
-          <a:blip r:embed="rId4"/>
-          <a:stretch>
-            <a:fillRect/>
-          </a:stretch>
-        </p:blipFill>
-        <p:spPr>
-          <a:xfrm>
             <a:off x="1629530" y="4515880"/>
             <a:ext cx="1341483" cy="1104488"/>
           </a:xfrm>
@@ -4971,7 +4767,7 @@
           <p:nvPr/>
         </p:nvPicPr>
         <p:blipFill>
-          <a:blip r:embed="rId5">
+          <a:blip r:embed="rId4">
             <a:extLst>
               <a:ext uri="{28A0092B-C50C-407E-A947-70E740481C1C}">
                 <a14:useLocalDpi xmlns:a14="http://schemas.microsoft.com/office/drawing/2010/main" val="0"/>
@@ -5061,7 +4857,7 @@
           <p:nvPr/>
         </p:nvPicPr>
         <p:blipFill>
-          <a:blip r:embed="rId6">
+          <a:blip r:embed="rId5">
             <a:extLst>
               <a:ext uri="{28A0092B-C50C-407E-A947-70E740481C1C}">
                 <a14:useLocalDpi xmlns:a14="http://schemas.microsoft.com/office/drawing/2010/main" val="0"/>
@@ -5138,10 +4934,70 @@
       </p:sp>
       <p:pic>
         <p:nvPicPr>
-          <p:cNvPr id="1034" name="Picture 10">
-            <a:extLst>
-              <a:ext uri="{FF2B5EF4-FFF2-40B4-BE49-F238E27FC236}">
-                <a16:creationId xmlns:a16="http://schemas.microsoft.com/office/drawing/2014/main" id="{DD289090-C8F8-CAFC-533F-DC5487886509}"/>
+          <p:cNvPr id="3" name="Picture 2">
+            <a:extLst>
+              <a:ext uri="{FF2B5EF4-FFF2-40B4-BE49-F238E27FC236}">
+                <a16:creationId xmlns:a16="http://schemas.microsoft.com/office/drawing/2014/main" id="{B43611EE-F4C5-1C25-8C68-256E6E5F3841}"/>
+              </a:ext>
+            </a:extLst>
+          </p:cNvPr>
+          <p:cNvPicPr>
+            <a:picLocks noChangeAspect="1"/>
+          </p:cNvPicPr>
+          <p:nvPr/>
+        </p:nvPicPr>
+        <p:blipFill>
+          <a:blip r:embed="rId6"/>
+          <a:stretch>
+            <a:fillRect/>
+          </a:stretch>
+        </p:blipFill>
+        <p:spPr>
+          <a:xfrm>
+            <a:off x="3259401" y="2063685"/>
+            <a:ext cx="1795005" cy="1588772"/>
+          </a:xfrm>
+          <a:prstGeom prst="rect">
+            <a:avLst/>
+          </a:prstGeom>
+        </p:spPr>
+      </p:pic>
+      <p:pic>
+        <p:nvPicPr>
+          <p:cNvPr id="7" name="Picture 6">
+            <a:extLst>
+              <a:ext uri="{FF2B5EF4-FFF2-40B4-BE49-F238E27FC236}">
+                <a16:creationId xmlns:a16="http://schemas.microsoft.com/office/drawing/2014/main" id="{0C868E0D-3D99-A55C-42BD-79C246A93FF6}"/>
+              </a:ext>
+            </a:extLst>
+          </p:cNvPr>
+          <p:cNvPicPr>
+            <a:picLocks noChangeAspect="1"/>
+          </p:cNvPicPr>
+          <p:nvPr/>
+        </p:nvPicPr>
+        <p:blipFill>
+          <a:blip r:embed="rId7"/>
+          <a:stretch>
+            <a:fillRect/>
+          </a:stretch>
+        </p:blipFill>
+        <p:spPr>
+          <a:xfrm>
+            <a:off x="471342" y="2216158"/>
+            <a:ext cx="2009001" cy="1380189"/>
+          </a:xfrm>
+          <a:prstGeom prst="rect">
+            <a:avLst/>
+          </a:prstGeom>
+        </p:spPr>
+      </p:pic>
+      <p:pic>
+        <p:nvPicPr>
+          <p:cNvPr id="3074" name="Picture 2">
+            <a:extLst>
+              <a:ext uri="{FF2B5EF4-FFF2-40B4-BE49-F238E27FC236}">
+                <a16:creationId xmlns:a16="http://schemas.microsoft.com/office/drawing/2014/main" id="{DED97127-0B2B-3E88-0DAE-E59EE09212E6}"/>
               </a:ext>
             </a:extLst>
           </p:cNvPr>
@@ -5151,7 +5007,7 @@
           <p:nvPr/>
         </p:nvPicPr>
         <p:blipFill>
-          <a:blip r:embed="rId7">
+          <a:blip r:embed="rId8">
             <a:extLst>
               <a:ext uri="{28A0092B-C50C-407E-A947-70E740481C1C}">
                 <a14:useLocalDpi xmlns:a14="http://schemas.microsoft.com/office/drawing/2010/main" val="0"/>
@@ -5165,8 +5021,8 @@
         </p:blipFill>
         <p:spPr bwMode="auto">
           <a:xfrm>
-            <a:off x="7893671" y="3089938"/>
-            <a:ext cx="3875126" cy="2421314"/>
+            <a:off x="7976166" y="2999396"/>
+            <a:ext cx="3876450" cy="2422141"/>
           </a:xfrm>
           <a:prstGeom prst="rect">
             <a:avLst/>
@@ -5181,36 +5037,6 @@
               </a14:hiddenFill>
             </a:ext>
           </a:extLst>
-        </p:spPr>
-      </p:pic>
-      <p:pic>
-        <p:nvPicPr>
-          <p:cNvPr id="3" name="Picture 2">
-            <a:extLst>
-              <a:ext uri="{FF2B5EF4-FFF2-40B4-BE49-F238E27FC236}">
-                <a16:creationId xmlns:a16="http://schemas.microsoft.com/office/drawing/2014/main" id="{B43611EE-F4C5-1C25-8C68-256E6E5F3841}"/>
-              </a:ext>
-            </a:extLst>
-          </p:cNvPr>
-          <p:cNvPicPr>
-            <a:picLocks noChangeAspect="1"/>
-          </p:cNvPicPr>
-          <p:nvPr/>
-        </p:nvPicPr>
-        <p:blipFill>
-          <a:blip r:embed="rId8"/>
-          <a:stretch>
-            <a:fillRect/>
-          </a:stretch>
-        </p:blipFill>
-        <p:spPr>
-          <a:xfrm>
-            <a:off x="3259401" y="2063685"/>
-            <a:ext cx="1795005" cy="1588772"/>
-          </a:xfrm>
-          <a:prstGeom prst="rect">
-            <a:avLst/>
-          </a:prstGeom>
         </p:spPr>
       </p:pic>
     </p:spTree>
@@ -5325,7 +5151,7 @@
         </p:nvSpPr>
         <p:spPr>
           <a:xfrm>
-            <a:off x="-185799" y="3479200"/>
+            <a:off x="-170537" y="3380640"/>
             <a:ext cx="2268490" cy="646331"/>
           </a:xfrm>
           <a:prstGeom prst="rect">
@@ -5467,12 +5293,177 @@
           </a:p>
         </p:txBody>
       </p:sp>
+      <p:sp>
+        <p:nvSpPr>
+          <p:cNvPr id="16" name="TextBox 15">
+            <a:extLst>
+              <a:ext uri="{FF2B5EF4-FFF2-40B4-BE49-F238E27FC236}">
+                <a16:creationId xmlns:a16="http://schemas.microsoft.com/office/drawing/2014/main" id="{1D13462F-3F31-7473-5236-737D7E955407}"/>
+              </a:ext>
+            </a:extLst>
+          </p:cNvPr>
+          <p:cNvSpPr txBox="1"/>
+          <p:nvPr/>
+        </p:nvSpPr>
+        <p:spPr>
+          <a:xfrm>
+            <a:off x="618013" y="6095253"/>
+            <a:ext cx="2268490" cy="646331"/>
+          </a:xfrm>
+          <a:prstGeom prst="rect">
+            <a:avLst/>
+          </a:prstGeom>
+          <a:noFill/>
+        </p:spPr>
+        <p:txBody>
+          <a:bodyPr wrap="square" rtlCol="0">
+            <a:spAutoFit/>
+          </a:bodyPr>
+          <a:lstStyle/>
+          <a:p>
+            <a:pPr algn="ctr"/>
+            <a:r>
+              <a:rPr lang="en-US" dirty="0"/>
+              <a:t>Rai-str</a:t>
+            </a:r>
+            <a:br>
+              <a:rPr lang="en-US" dirty="0"/>
+            </a:br>
+            <a:r>
+              <a:rPr lang="en-US" dirty="0"/>
+              <a:t>@ (0.25, 0.040)</a:t>
+            </a:r>
+          </a:p>
+        </p:txBody>
+      </p:sp>
+      <p:sp>
+        <p:nvSpPr>
+          <p:cNvPr id="17" name="TextBox 16">
+            <a:extLst>
+              <a:ext uri="{FF2B5EF4-FFF2-40B4-BE49-F238E27FC236}">
+                <a16:creationId xmlns:a16="http://schemas.microsoft.com/office/drawing/2014/main" id="{73DC2D45-D4FC-6F86-5E6D-3DD3EED30B8D}"/>
+              </a:ext>
+            </a:extLst>
+          </p:cNvPr>
+          <p:cNvSpPr txBox="1"/>
+          <p:nvPr/>
+        </p:nvSpPr>
+        <p:spPr>
+          <a:xfrm>
+            <a:off x="3408140" y="6161860"/>
+            <a:ext cx="2268490" cy="646331"/>
+          </a:xfrm>
+          <a:prstGeom prst="rect">
+            <a:avLst/>
+          </a:prstGeom>
+          <a:noFill/>
+        </p:spPr>
+        <p:txBody>
+          <a:bodyPr wrap="square" rtlCol="0">
+            <a:spAutoFit/>
+          </a:bodyPr>
+          <a:lstStyle/>
+          <a:p>
+            <a:pPr algn="ctr"/>
+            <a:r>
+              <a:rPr lang="en-US" dirty="0"/>
+              <a:t>Hom?</a:t>
+            </a:r>
+            <a:br>
+              <a:rPr lang="en-US" dirty="0"/>
+            </a:br>
+            <a:r>
+              <a:rPr lang="en-US" dirty="0"/>
+              <a:t>@ (0.25, 0.045)</a:t>
+            </a:r>
+          </a:p>
+        </p:txBody>
+      </p:sp>
+      <p:sp>
+        <p:nvSpPr>
+          <p:cNvPr id="24" name="TextBox 23">
+            <a:extLst>
+              <a:ext uri="{FF2B5EF4-FFF2-40B4-BE49-F238E27FC236}">
+                <a16:creationId xmlns:a16="http://schemas.microsoft.com/office/drawing/2014/main" id="{1D61F255-5A7A-CFF7-FE4F-86104C3D9E62}"/>
+              </a:ext>
+            </a:extLst>
+          </p:cNvPr>
+          <p:cNvSpPr txBox="1"/>
+          <p:nvPr/>
+        </p:nvSpPr>
+        <p:spPr>
+          <a:xfrm>
+            <a:off x="1828580" y="1414686"/>
+            <a:ext cx="2268490" cy="369332"/>
+          </a:xfrm>
+          <a:prstGeom prst="rect">
+            <a:avLst/>
+          </a:prstGeom>
+          <a:noFill/>
+        </p:spPr>
+        <p:txBody>
+          <a:bodyPr wrap="square" rtlCol="0">
+            <a:spAutoFit/>
+          </a:bodyPr>
+          <a:lstStyle/>
+          <a:p>
+            <a:pPr algn="ctr"/>
+            <a:r>
+              <a:rPr lang="en-US" dirty="0"/>
+              <a:t>Need to finalize</a:t>
+            </a:r>
+          </a:p>
+        </p:txBody>
+      </p:sp>
+      <p:sp>
+        <p:nvSpPr>
+          <p:cNvPr id="25" name="TextBox 24">
+            <a:extLst>
+              <a:ext uri="{FF2B5EF4-FFF2-40B4-BE49-F238E27FC236}">
+                <a16:creationId xmlns:a16="http://schemas.microsoft.com/office/drawing/2014/main" id="{F8D12C33-E629-4141-BB7D-1C6F632D955D}"/>
+              </a:ext>
+            </a:extLst>
+          </p:cNvPr>
+          <p:cNvSpPr txBox="1"/>
+          <p:nvPr/>
+        </p:nvSpPr>
+        <p:spPr>
+          <a:xfrm>
+            <a:off x="1843633" y="3416035"/>
+            <a:ext cx="2268490" cy="646331"/>
+          </a:xfrm>
+          <a:prstGeom prst="rect">
+            <a:avLst/>
+          </a:prstGeom>
+          <a:noFill/>
+        </p:spPr>
+        <p:txBody>
+          <a:bodyPr wrap="square" rtlCol="0">
+            <a:spAutoFit/>
+          </a:bodyPr>
+          <a:lstStyle/>
+          <a:p>
+            <a:pPr algn="ctr"/>
+            <a:r>
+              <a:rPr lang="en-US" dirty="0" err="1"/>
+              <a:t>Cyl-pn</a:t>
+            </a:r>
+            <a:br>
+              <a:rPr lang="en-US" dirty="0"/>
+            </a:br>
+            <a:r>
+              <a:rPr lang="en-US" dirty="0"/>
+              <a:t>@ (0.25, 0.010??)</a:t>
+            </a:r>
+          </a:p>
+        </p:txBody>
+      </p:sp>
       <p:pic>
         <p:nvPicPr>
-          <p:cNvPr id="8" name="Picture 7">
-            <a:extLst>
-              <a:ext uri="{FF2B5EF4-FFF2-40B4-BE49-F238E27FC236}">
-                <a16:creationId xmlns:a16="http://schemas.microsoft.com/office/drawing/2014/main" id="{29ECAA75-EAAF-B692-5A2C-CDF7A85723FA}"/>
+          <p:cNvPr id="26" name="Picture 25">
+            <a:extLst>
+              <a:ext uri="{FF2B5EF4-FFF2-40B4-BE49-F238E27FC236}">
+                <a16:creationId xmlns:a16="http://schemas.microsoft.com/office/drawing/2014/main" id="{A4C962C5-79E7-52D7-6153-0188BFE4612C}"/>
               </a:ext>
             </a:extLst>
           </p:cNvPr>
@@ -5489,8 +5480,8 @@
         </p:blipFill>
         <p:spPr>
           <a:xfrm>
-            <a:off x="958845" y="4188696"/>
-            <a:ext cx="1567399" cy="1886477"/>
+            <a:off x="2082691" y="1813679"/>
+            <a:ext cx="1548511" cy="1535887"/>
           </a:xfrm>
           <a:prstGeom prst="rect">
             <a:avLst/>
@@ -5499,10 +5490,10 @@
       </p:pic>
       <p:pic>
         <p:nvPicPr>
-          <p:cNvPr id="9" name="Picture 8">
-            <a:extLst>
-              <a:ext uri="{FF2B5EF4-FFF2-40B4-BE49-F238E27FC236}">
-                <a16:creationId xmlns:a16="http://schemas.microsoft.com/office/drawing/2014/main" id="{C55BD58C-DC57-5733-D9A4-081832E17A68}"/>
+          <p:cNvPr id="27" name="Picture 26">
+            <a:extLst>
+              <a:ext uri="{FF2B5EF4-FFF2-40B4-BE49-F238E27FC236}">
+                <a16:creationId xmlns:a16="http://schemas.microsoft.com/office/drawing/2014/main" id="{0240B752-277E-1C20-1F04-334E04140DAE}"/>
               </a:ext>
             </a:extLst>
           </p:cNvPr>
@@ -5513,231 +5504,6 @@
         </p:nvPicPr>
         <p:blipFill>
           <a:blip r:embed="rId4"/>
-          <a:stretch>
-            <a:fillRect/>
-          </a:stretch>
-        </p:blipFill>
-        <p:spPr>
-          <a:xfrm>
-            <a:off x="3014670" y="4307712"/>
-            <a:ext cx="1757748" cy="1787541"/>
-          </a:xfrm>
-          <a:prstGeom prst="rect">
-            <a:avLst/>
-          </a:prstGeom>
-        </p:spPr>
-      </p:pic>
-      <p:sp>
-        <p:nvSpPr>
-          <p:cNvPr id="16" name="TextBox 15">
-            <a:extLst>
-              <a:ext uri="{FF2B5EF4-FFF2-40B4-BE49-F238E27FC236}">
-                <a16:creationId xmlns:a16="http://schemas.microsoft.com/office/drawing/2014/main" id="{1D13462F-3F31-7473-5236-737D7E955407}"/>
-              </a:ext>
-            </a:extLst>
-          </p:cNvPr>
-          <p:cNvSpPr txBox="1"/>
-          <p:nvPr/>
-        </p:nvSpPr>
-        <p:spPr>
-          <a:xfrm>
-            <a:off x="618013" y="6095253"/>
-            <a:ext cx="2268490" cy="646331"/>
-          </a:xfrm>
-          <a:prstGeom prst="rect">
-            <a:avLst/>
-          </a:prstGeom>
-          <a:noFill/>
-        </p:spPr>
-        <p:txBody>
-          <a:bodyPr wrap="square" rtlCol="0">
-            <a:spAutoFit/>
-          </a:bodyPr>
-          <a:lstStyle/>
-          <a:p>
-            <a:pPr algn="ctr"/>
-            <a:r>
-              <a:rPr lang="en-US" dirty="0"/>
-              <a:t>Rai-str</a:t>
-            </a:r>
-            <a:br>
-              <a:rPr lang="en-US" dirty="0"/>
-            </a:br>
-            <a:r>
-              <a:rPr lang="en-US" dirty="0"/>
-              <a:t>@ (0.25, 0.035??)</a:t>
-            </a:r>
-          </a:p>
-        </p:txBody>
-      </p:sp>
-      <p:sp>
-        <p:nvSpPr>
-          <p:cNvPr id="17" name="TextBox 16">
-            <a:extLst>
-              <a:ext uri="{FF2B5EF4-FFF2-40B4-BE49-F238E27FC236}">
-                <a16:creationId xmlns:a16="http://schemas.microsoft.com/office/drawing/2014/main" id="{73DC2D45-D4FC-6F86-5E6D-3DD3EED30B8D}"/>
-              </a:ext>
-            </a:extLst>
-          </p:cNvPr>
-          <p:cNvSpPr txBox="1"/>
-          <p:nvPr/>
-        </p:nvSpPr>
-        <p:spPr>
-          <a:xfrm>
-            <a:off x="3014670" y="6153972"/>
-            <a:ext cx="2268490" cy="646331"/>
-          </a:xfrm>
-          <a:prstGeom prst="rect">
-            <a:avLst/>
-          </a:prstGeom>
-          <a:noFill/>
-        </p:spPr>
-        <p:txBody>
-          <a:bodyPr wrap="square" rtlCol="0">
-            <a:spAutoFit/>
-          </a:bodyPr>
-          <a:lstStyle/>
-          <a:p>
-            <a:pPr algn="ctr"/>
-            <a:r>
-              <a:rPr lang="en-US" dirty="0"/>
-              <a:t>Hom?</a:t>
-            </a:r>
-            <a:br>
-              <a:rPr lang="en-US" dirty="0"/>
-            </a:br>
-            <a:r>
-              <a:rPr lang="en-US" dirty="0"/>
-              <a:t>@ (0.25, 0.050???)</a:t>
-            </a:r>
-          </a:p>
-        </p:txBody>
-      </p:sp>
-      <p:sp>
-        <p:nvSpPr>
-          <p:cNvPr id="24" name="TextBox 23">
-            <a:extLst>
-              <a:ext uri="{FF2B5EF4-FFF2-40B4-BE49-F238E27FC236}">
-                <a16:creationId xmlns:a16="http://schemas.microsoft.com/office/drawing/2014/main" id="{1D61F255-5A7A-CFF7-FE4F-86104C3D9E62}"/>
-              </a:ext>
-            </a:extLst>
-          </p:cNvPr>
-          <p:cNvSpPr txBox="1"/>
-          <p:nvPr/>
-        </p:nvSpPr>
-        <p:spPr>
-          <a:xfrm>
-            <a:off x="1828580" y="1414686"/>
-            <a:ext cx="2268490" cy="369332"/>
-          </a:xfrm>
-          <a:prstGeom prst="rect">
-            <a:avLst/>
-          </a:prstGeom>
-          <a:noFill/>
-        </p:spPr>
-        <p:txBody>
-          <a:bodyPr wrap="square" rtlCol="0">
-            <a:spAutoFit/>
-          </a:bodyPr>
-          <a:lstStyle/>
-          <a:p>
-            <a:pPr algn="ctr"/>
-            <a:r>
-              <a:rPr lang="en-US" dirty="0"/>
-              <a:t>Need to finalize</a:t>
-            </a:r>
-          </a:p>
-        </p:txBody>
-      </p:sp>
-      <p:sp>
-        <p:nvSpPr>
-          <p:cNvPr id="25" name="TextBox 24">
-            <a:extLst>
-              <a:ext uri="{FF2B5EF4-FFF2-40B4-BE49-F238E27FC236}">
-                <a16:creationId xmlns:a16="http://schemas.microsoft.com/office/drawing/2014/main" id="{F8D12C33-E629-4141-BB7D-1C6F632D955D}"/>
-              </a:ext>
-            </a:extLst>
-          </p:cNvPr>
-          <p:cNvSpPr txBox="1"/>
-          <p:nvPr/>
-        </p:nvSpPr>
-        <p:spPr>
-          <a:xfrm>
-            <a:off x="1843633" y="3416035"/>
-            <a:ext cx="2268490" cy="646331"/>
-          </a:xfrm>
-          <a:prstGeom prst="rect">
-            <a:avLst/>
-          </a:prstGeom>
-          <a:noFill/>
-        </p:spPr>
-        <p:txBody>
-          <a:bodyPr wrap="square" rtlCol="0">
-            <a:spAutoFit/>
-          </a:bodyPr>
-          <a:lstStyle/>
-          <a:p>
-            <a:pPr algn="ctr"/>
-            <a:r>
-              <a:rPr lang="en-US" dirty="0" err="1"/>
-              <a:t>Cyl-pn</a:t>
-            </a:r>
-            <a:br>
-              <a:rPr lang="en-US" dirty="0"/>
-            </a:br>
-            <a:r>
-              <a:rPr lang="en-US" dirty="0"/>
-              <a:t>@ (0.25, 0.015)</a:t>
-            </a:r>
-          </a:p>
-        </p:txBody>
-      </p:sp>
-      <p:pic>
-        <p:nvPicPr>
-          <p:cNvPr id="26" name="Picture 25">
-            <a:extLst>
-              <a:ext uri="{FF2B5EF4-FFF2-40B4-BE49-F238E27FC236}">
-                <a16:creationId xmlns:a16="http://schemas.microsoft.com/office/drawing/2014/main" id="{A4C962C5-79E7-52D7-6153-0188BFE4612C}"/>
-              </a:ext>
-            </a:extLst>
-          </p:cNvPr>
-          <p:cNvPicPr>
-            <a:picLocks noChangeAspect="1"/>
-          </p:cNvPicPr>
-          <p:nvPr/>
-        </p:nvPicPr>
-        <p:blipFill>
-          <a:blip r:embed="rId5"/>
-          <a:stretch>
-            <a:fillRect/>
-          </a:stretch>
-        </p:blipFill>
-        <p:spPr>
-          <a:xfrm>
-            <a:off x="2082691" y="1813679"/>
-            <a:ext cx="1548511" cy="1535887"/>
-          </a:xfrm>
-          <a:prstGeom prst="rect">
-            <a:avLst/>
-          </a:prstGeom>
-        </p:spPr>
-      </p:pic>
-      <p:pic>
-        <p:nvPicPr>
-          <p:cNvPr id="27" name="Picture 26">
-            <a:extLst>
-              <a:ext uri="{FF2B5EF4-FFF2-40B4-BE49-F238E27FC236}">
-                <a16:creationId xmlns:a16="http://schemas.microsoft.com/office/drawing/2014/main" id="{0240B752-277E-1C20-1F04-334E04140DAE}"/>
-              </a:ext>
-            </a:extLst>
-          </p:cNvPr>
-          <p:cNvPicPr>
-            <a:picLocks noChangeAspect="1"/>
-          </p:cNvPicPr>
-          <p:nvPr/>
-        </p:nvPicPr>
-        <p:blipFill>
-          <a:blip r:embed="rId6"/>
           <a:stretch>
             <a:fillRect/>
           </a:stretch>
@@ -5856,10 +5622,10 @@
       </mc:AlternateContent>
       <p:pic>
         <p:nvPicPr>
-          <p:cNvPr id="4106" name="Picture 10">
-            <a:extLst>
-              <a:ext uri="{FF2B5EF4-FFF2-40B4-BE49-F238E27FC236}">
-                <a16:creationId xmlns:a16="http://schemas.microsoft.com/office/drawing/2014/main" id="{D1D9ECF9-8D51-E966-2AD1-162892785349}"/>
+          <p:cNvPr id="1028" name="Picture 4">
+            <a:extLst>
+              <a:ext uri="{FF2B5EF4-FFF2-40B4-BE49-F238E27FC236}">
+                <a16:creationId xmlns:a16="http://schemas.microsoft.com/office/drawing/2014/main" id="{E633A2BA-BE95-258C-4742-3BBD229A300B}"/>
               </a:ext>
             </a:extLst>
           </p:cNvPr>
@@ -5883,8 +5649,8 @@
         </p:blipFill>
         <p:spPr bwMode="auto">
           <a:xfrm>
-            <a:off x="7122693" y="2314248"/>
-            <a:ext cx="4109273" cy="2517728"/>
+            <a:off x="6894372" y="2515899"/>
+            <a:ext cx="4565915" cy="2797510"/>
           </a:xfrm>
           <a:prstGeom prst="rect">
             <a:avLst/>
@@ -5899,6 +5665,66 @@
               </a14:hiddenFill>
             </a:ext>
           </a:extLst>
+        </p:spPr>
+      </p:pic>
+      <p:pic>
+        <p:nvPicPr>
+          <p:cNvPr id="2" name="Picture 1">
+            <a:extLst>
+              <a:ext uri="{FF2B5EF4-FFF2-40B4-BE49-F238E27FC236}">
+                <a16:creationId xmlns:a16="http://schemas.microsoft.com/office/drawing/2014/main" id="{403EB434-2A5E-E330-A8D6-D360542EC85F}"/>
+              </a:ext>
+            </a:extLst>
+          </p:cNvPr>
+          <p:cNvPicPr>
+            <a:picLocks noChangeAspect="1"/>
+          </p:cNvPicPr>
+          <p:nvPr/>
+        </p:nvPicPr>
+        <p:blipFill>
+          <a:blip r:embed="rId9"/>
+          <a:stretch>
+            <a:fillRect/>
+          </a:stretch>
+        </p:blipFill>
+        <p:spPr>
+          <a:xfrm>
+            <a:off x="4072770" y="4198537"/>
+            <a:ext cx="939230" cy="2016215"/>
+          </a:xfrm>
+          <a:prstGeom prst="rect">
+            <a:avLst/>
+          </a:prstGeom>
+        </p:spPr>
+      </p:pic>
+      <p:pic>
+        <p:nvPicPr>
+          <p:cNvPr id="11" name="Picture 10">
+            <a:extLst>
+              <a:ext uri="{FF2B5EF4-FFF2-40B4-BE49-F238E27FC236}">
+                <a16:creationId xmlns:a16="http://schemas.microsoft.com/office/drawing/2014/main" id="{036F016B-5111-480D-C73E-72317E30509E}"/>
+              </a:ext>
+            </a:extLst>
+          </p:cNvPr>
+          <p:cNvPicPr>
+            <a:picLocks noChangeAspect="1"/>
+          </p:cNvPicPr>
+          <p:nvPr/>
+        </p:nvPicPr>
+        <p:blipFill>
+          <a:blip r:embed="rId10"/>
+          <a:stretch>
+            <a:fillRect/>
+          </a:stretch>
+        </p:blipFill>
+        <p:spPr>
+          <a:xfrm>
+            <a:off x="1024715" y="4142202"/>
+            <a:ext cx="1576861" cy="2016216"/>
+          </a:xfrm>
+          <a:prstGeom prst="rect">
+            <a:avLst/>
+          </a:prstGeom>
         </p:spPr>
       </p:pic>
     </p:spTree>
@@ -5977,365 +5803,14 @@
           </a:p>
         </p:txBody>
       </p:sp>
-      <p:sp>
-        <p:nvSpPr>
-          <p:cNvPr id="10" name="TextBox 9">
-            <a:extLst>
-              <a:ext uri="{FF2B5EF4-FFF2-40B4-BE49-F238E27FC236}">
-                <a16:creationId xmlns:a16="http://schemas.microsoft.com/office/drawing/2014/main" id="{66022D3E-4B55-25B7-198D-152F7D929868}"/>
-              </a:ext>
-            </a:extLst>
-          </p:cNvPr>
-          <p:cNvSpPr txBox="1"/>
-          <p:nvPr/>
-        </p:nvSpPr>
-        <p:spPr>
-          <a:xfrm>
-            <a:off x="493638" y="5772284"/>
-            <a:ext cx="1969152" cy="369332"/>
-          </a:xfrm>
-          <a:prstGeom prst="rect">
-            <a:avLst/>
-          </a:prstGeom>
-          <a:noFill/>
-        </p:spPr>
-        <p:txBody>
-          <a:bodyPr wrap="square" rtlCol="0">
-            <a:spAutoFit/>
-          </a:bodyPr>
-          <a:lstStyle/>
-          <a:p>
-            <a:r>
-              <a:rPr lang="en-US" dirty="0"/>
-              <a:t>@ (0.30, 0.040)</a:t>
-            </a:r>
-          </a:p>
-        </p:txBody>
-      </p:sp>
-      <p:sp>
-        <p:nvSpPr>
-          <p:cNvPr id="6" name="TextBox 5">
-            <a:extLst>
-              <a:ext uri="{FF2B5EF4-FFF2-40B4-BE49-F238E27FC236}">
-                <a16:creationId xmlns:a16="http://schemas.microsoft.com/office/drawing/2014/main" id="{982CAF2C-7C43-CD08-04D6-B9D3E93B8AF7}"/>
-              </a:ext>
-            </a:extLst>
-          </p:cNvPr>
-          <p:cNvSpPr txBox="1"/>
-          <p:nvPr/>
-        </p:nvSpPr>
-        <p:spPr>
-          <a:xfrm>
-            <a:off x="2313305" y="5772284"/>
-            <a:ext cx="1969152" cy="369332"/>
-          </a:xfrm>
-          <a:prstGeom prst="rect">
-            <a:avLst/>
-          </a:prstGeom>
-          <a:noFill/>
-        </p:spPr>
-        <p:txBody>
-          <a:bodyPr wrap="square" rtlCol="0">
-            <a:spAutoFit/>
-          </a:bodyPr>
-          <a:lstStyle/>
-          <a:p>
-            <a:r>
-              <a:rPr lang="en-US" dirty="0"/>
-              <a:t>@ (0.30, 0.040)</a:t>
-            </a:r>
-          </a:p>
-        </p:txBody>
-      </p:sp>
-      <p:sp>
-        <p:nvSpPr>
-          <p:cNvPr id="12" name="TextBox 11">
-            <a:extLst>
-              <a:ext uri="{FF2B5EF4-FFF2-40B4-BE49-F238E27FC236}">
-                <a16:creationId xmlns:a16="http://schemas.microsoft.com/office/drawing/2014/main" id="{6676D927-F3DD-FB66-BF99-5D8D97C8C303}"/>
-              </a:ext>
-            </a:extLst>
-          </p:cNvPr>
-          <p:cNvSpPr txBox="1"/>
-          <p:nvPr/>
-        </p:nvSpPr>
-        <p:spPr>
-          <a:xfrm>
-            <a:off x="4378952" y="5740592"/>
-            <a:ext cx="1969152" cy="369332"/>
-          </a:xfrm>
-          <a:prstGeom prst="rect">
-            <a:avLst/>
-          </a:prstGeom>
-          <a:noFill/>
-        </p:spPr>
-        <p:txBody>
-          <a:bodyPr wrap="square" rtlCol="0">
-            <a:spAutoFit/>
-          </a:bodyPr>
-          <a:lstStyle/>
-          <a:p>
-            <a:r>
-              <a:rPr lang="en-US" dirty="0"/>
-              <a:t>@ (0.30, 0.040)</a:t>
-            </a:r>
-          </a:p>
-        </p:txBody>
-      </p:sp>
-      <p:pic>
-        <p:nvPicPr>
-          <p:cNvPr id="13" name="Picture 6">
-            <a:extLst>
-              <a:ext uri="{FF2B5EF4-FFF2-40B4-BE49-F238E27FC236}">
-                <a16:creationId xmlns:a16="http://schemas.microsoft.com/office/drawing/2014/main" id="{4CF01689-54B4-BA2C-2313-D244211DCAC1}"/>
-              </a:ext>
-            </a:extLst>
-          </p:cNvPr>
-          <p:cNvPicPr>
-            <a:picLocks noChangeAspect="1" noChangeArrowheads="1"/>
-          </p:cNvPicPr>
-          <p:nvPr/>
-        </p:nvPicPr>
-        <p:blipFill rotWithShape="1">
-          <a:blip r:embed="rId3">
-            <a:extLst>
-              <a:ext uri="{28A0092B-C50C-407E-A947-70E740481C1C}">
-                <a14:useLocalDpi xmlns:a14="http://schemas.microsoft.com/office/drawing/2010/main" val="0"/>
-              </a:ext>
-            </a:extLst>
-          </a:blip>
-          <a:srcRect l="26063" r="26152"/>
-          <a:stretch/>
-        </p:blipFill>
-        <p:spPr bwMode="auto">
-          <a:xfrm>
-            <a:off x="4378373" y="1085716"/>
-            <a:ext cx="1525564" cy="3192534"/>
-          </a:xfrm>
-          <a:prstGeom prst="rect">
-            <a:avLst/>
-          </a:prstGeom>
-          <a:noFill/>
-          <a:extLst>
-            <a:ext uri="{909E8E84-426E-40DD-AFC4-6F175D3DCCD1}">
-              <a14:hiddenFill xmlns:a14="http://schemas.microsoft.com/office/drawing/2010/main">
-                <a:solidFill>
-                  <a:srgbClr val="FFFFFF"/>
-                </a:solidFill>
-              </a14:hiddenFill>
-            </a:ext>
-          </a:extLst>
-        </p:spPr>
-      </p:pic>
-      <p:pic>
-        <p:nvPicPr>
-          <p:cNvPr id="14" name="Picture 13">
-            <a:extLst>
-              <a:ext uri="{FF2B5EF4-FFF2-40B4-BE49-F238E27FC236}">
-                <a16:creationId xmlns:a16="http://schemas.microsoft.com/office/drawing/2014/main" id="{12D1D304-0923-C48C-7FEF-4E650C3DF344}"/>
-              </a:ext>
-            </a:extLst>
-          </p:cNvPr>
-          <p:cNvPicPr>
-            <a:picLocks noChangeAspect="1"/>
-          </p:cNvPicPr>
-          <p:nvPr/>
-        </p:nvPicPr>
-        <p:blipFill>
-          <a:blip r:embed="rId4"/>
-          <a:stretch>
-            <a:fillRect/>
-          </a:stretch>
-        </p:blipFill>
-        <p:spPr>
-          <a:xfrm>
-            <a:off x="170127" y="1488382"/>
-            <a:ext cx="1927334" cy="2527542"/>
-          </a:xfrm>
-          <a:prstGeom prst="rect">
-            <a:avLst/>
-          </a:prstGeom>
-        </p:spPr>
-      </p:pic>
-      <p:pic>
-        <p:nvPicPr>
-          <p:cNvPr id="16" name="Picture 15">
-            <a:extLst>
-              <a:ext uri="{FF2B5EF4-FFF2-40B4-BE49-F238E27FC236}">
-                <a16:creationId xmlns:a16="http://schemas.microsoft.com/office/drawing/2014/main" id="{07595CF9-E445-BDEB-FB1D-C0B5570A11B7}"/>
-              </a:ext>
-            </a:extLst>
-          </p:cNvPr>
-          <p:cNvPicPr>
-            <a:picLocks noChangeAspect="1"/>
-          </p:cNvPicPr>
-          <p:nvPr/>
-        </p:nvPicPr>
-        <p:blipFill>
-          <a:blip r:embed="rId5"/>
-          <a:stretch>
-            <a:fillRect/>
-          </a:stretch>
-        </p:blipFill>
-        <p:spPr>
-          <a:xfrm>
-            <a:off x="2313305" y="1460895"/>
-            <a:ext cx="1342063" cy="2737504"/>
-          </a:xfrm>
-          <a:prstGeom prst="rect">
-            <a:avLst/>
-          </a:prstGeom>
-        </p:spPr>
-      </p:pic>
-      <p:pic>
-        <p:nvPicPr>
-          <p:cNvPr id="17" name="Picture 4">
-            <a:extLst>
-              <a:ext uri="{FF2B5EF4-FFF2-40B4-BE49-F238E27FC236}">
-                <a16:creationId xmlns:a16="http://schemas.microsoft.com/office/drawing/2014/main" id="{4E7C55D1-2F03-B431-6711-B96F303F28ED}"/>
-              </a:ext>
-            </a:extLst>
-          </p:cNvPr>
-          <p:cNvPicPr>
-            <a:picLocks noChangeAspect="1" noChangeArrowheads="1"/>
-          </p:cNvPicPr>
-          <p:nvPr/>
-        </p:nvPicPr>
-        <p:blipFill>
-          <a:blip r:embed="rId6">
-            <a:extLst>
-              <a:ext uri="{28A0092B-C50C-407E-A947-70E740481C1C}">
-                <a14:useLocalDpi xmlns:a14="http://schemas.microsoft.com/office/drawing/2010/main" val="0"/>
-              </a:ext>
-            </a:extLst>
-          </a:blip>
-          <a:srcRect/>
-          <a:stretch>
-            <a:fillRect/>
-          </a:stretch>
-        </p:blipFill>
-        <p:spPr bwMode="auto">
-          <a:xfrm>
-            <a:off x="432253" y="3984232"/>
-            <a:ext cx="1845943" cy="1603387"/>
-          </a:xfrm>
-          <a:prstGeom prst="rect">
-            <a:avLst/>
-          </a:prstGeom>
-          <a:noFill/>
-          <a:extLst>
-            <a:ext uri="{909E8E84-426E-40DD-AFC4-6F175D3DCCD1}">
-              <a14:hiddenFill xmlns:a14="http://schemas.microsoft.com/office/drawing/2010/main">
-                <a:solidFill>
-                  <a:srgbClr val="FFFFFF"/>
-                </a:solidFill>
-              </a14:hiddenFill>
-            </a:ext>
-          </a:extLst>
-        </p:spPr>
-      </p:pic>
-      <p:pic>
-        <p:nvPicPr>
-          <p:cNvPr id="20" name="Picture 4">
-            <a:extLst>
-              <a:ext uri="{FF2B5EF4-FFF2-40B4-BE49-F238E27FC236}">
-                <a16:creationId xmlns:a16="http://schemas.microsoft.com/office/drawing/2014/main" id="{1E228389-07A1-083C-5D1E-3F9E5E4E0B50}"/>
-              </a:ext>
-            </a:extLst>
-          </p:cNvPr>
-          <p:cNvPicPr>
-            <a:picLocks noChangeAspect="1" noChangeArrowheads="1"/>
-          </p:cNvPicPr>
-          <p:nvPr/>
-        </p:nvPicPr>
-        <p:blipFill>
-          <a:blip r:embed="rId7">
-            <a:extLst>
-              <a:ext uri="{28A0092B-C50C-407E-A947-70E740481C1C}">
-                <a14:useLocalDpi xmlns:a14="http://schemas.microsoft.com/office/drawing/2010/main" val="0"/>
-              </a:ext>
-            </a:extLst>
-          </a:blip>
-          <a:srcRect/>
-          <a:stretch>
-            <a:fillRect/>
-          </a:stretch>
-        </p:blipFill>
-        <p:spPr bwMode="auto">
-          <a:xfrm>
-            <a:off x="2359588" y="3925016"/>
-            <a:ext cx="1654036" cy="1739471"/>
-          </a:xfrm>
-          <a:prstGeom prst="rect">
-            <a:avLst/>
-          </a:prstGeom>
-          <a:noFill/>
-          <a:extLst>
-            <a:ext uri="{909E8E84-426E-40DD-AFC4-6F175D3DCCD1}">
-              <a14:hiddenFill xmlns:a14="http://schemas.microsoft.com/office/drawing/2010/main">
-                <a:solidFill>
-                  <a:srgbClr val="FFFFFF"/>
-                </a:solidFill>
-              </a14:hiddenFill>
-            </a:ext>
-          </a:extLst>
-        </p:spPr>
-      </p:pic>
-      <p:pic>
-        <p:nvPicPr>
-          <p:cNvPr id="5124" name="Picture 4">
-            <a:extLst>
-              <a:ext uri="{FF2B5EF4-FFF2-40B4-BE49-F238E27FC236}">
-                <a16:creationId xmlns:a16="http://schemas.microsoft.com/office/drawing/2014/main" id="{E0DFF75C-C367-EF31-482D-07E076CBDFCF}"/>
-              </a:ext>
-            </a:extLst>
-          </p:cNvPr>
-          <p:cNvPicPr>
-            <a:picLocks noChangeAspect="1" noChangeArrowheads="1"/>
-          </p:cNvPicPr>
-          <p:nvPr/>
-        </p:nvPicPr>
-        <p:blipFill>
-          <a:blip r:embed="rId8">
-            <a:extLst>
-              <a:ext uri="{28A0092B-C50C-407E-A947-70E740481C1C}">
-                <a14:useLocalDpi xmlns:a14="http://schemas.microsoft.com/office/drawing/2010/main" val="0"/>
-              </a:ext>
-            </a:extLst>
-          </a:blip>
-          <a:srcRect/>
-          <a:stretch>
-            <a:fillRect/>
-          </a:stretch>
-        </p:blipFill>
-        <p:spPr bwMode="auto">
-          <a:xfrm>
-            <a:off x="7093605" y="2581836"/>
-            <a:ext cx="4195191" cy="2560420"/>
-          </a:xfrm>
-          <a:prstGeom prst="rect">
-            <a:avLst/>
-          </a:prstGeom>
-          <a:noFill/>
-          <a:extLst>
-            <a:ext uri="{909E8E84-426E-40DD-AFC4-6F175D3DCCD1}">
-              <a14:hiddenFill xmlns:a14="http://schemas.microsoft.com/office/drawing/2010/main">
-                <a:solidFill>
-                  <a:srgbClr val="FFFFFF"/>
-                </a:solidFill>
-              </a14:hiddenFill>
-            </a:ext>
-          </a:extLst>
-        </p:spPr>
-      </p:pic>
-      <mc:AlternateContent xmlns:mc="http://schemas.openxmlformats.org/markup-compatibility/2006" xmlns:a14="http://schemas.microsoft.com/office/drawing/2010/main">
-        <mc:Choice Requires="a14">
+      <mc:AlternateContent xmlns:mc="http://schemas.openxmlformats.org/markup-compatibility/2006">
+        <mc:Choice xmlns:a14="http://schemas.microsoft.com/office/drawing/2010/main" Requires="a14">
           <p:sp>
             <p:nvSpPr>
-              <p:cNvPr id="22" name="TextBox 21">
+              <p:cNvPr id="10" name="TextBox 9">
                 <a:extLst>
                   <a:ext uri="{FF2B5EF4-FFF2-40B4-BE49-F238E27FC236}">
-                    <a16:creationId xmlns:a16="http://schemas.microsoft.com/office/drawing/2014/main" id="{9E995C04-4FAE-4AFC-FA44-7B3AA0BC7525}"/>
+                    <a16:creationId xmlns:a16="http://schemas.microsoft.com/office/drawing/2014/main" id="{66022D3E-4B55-25B7-198D-152F7D929868}"/>
                   </a:ext>
                 </a:extLst>
               </p:cNvPr>
@@ -6344,8 +5819,8 @@
             </p:nvSpPr>
             <p:spPr>
               <a:xfrm>
-                <a:off x="8166847" y="2115671"/>
-                <a:ext cx="1783977" cy="369332"/>
+                <a:off x="1337586" y="4802007"/>
+                <a:ext cx="9050859" cy="1477328"/>
               </a:xfrm>
               <a:prstGeom prst="rect">
                 <a:avLst/>
@@ -6358,40 +5833,227 @@
               </a:bodyPr>
               <a:lstStyle/>
               <a:p>
-                <a:pPr/>
+                <a:r>
+                  <a:rPr lang="en-US" dirty="0"/>
+                  <a:t>Fig. 5: Metastable vertically segregated PE brush morphologies at </a:t>
+                </a:r>
                 <a14:m>
-                  <m:oMathPara xmlns:m="http://schemas.openxmlformats.org/officeDocument/2006/math">
-                    <m:oMathParaPr>
-                      <m:jc m:val="centerGroup"/>
-                    </m:oMathParaPr>
-                    <m:oMath xmlns:m="http://schemas.openxmlformats.org/officeDocument/2006/math">
-                      <m:r>
-                        <a:rPr lang="en-US" b="0" i="1" smtClean="0">
-                          <a:latin typeface="Cambria Math" panose="02040503050406030204" pitchFamily="18" charset="0"/>
-                        </a:rPr>
-                        <m:t>𝛼</m:t>
-                      </m:r>
-                      <m:r>
-                        <a:rPr lang="en-US" b="0" i="1" smtClean="0">
-                          <a:latin typeface="Cambria Math" panose="02040503050406030204" pitchFamily="18" charset="0"/>
-                        </a:rPr>
-                        <m:t>=0.30</m:t>
-                      </m:r>
-                    </m:oMath>
-                  </m:oMathPara>
+                  <m:oMath xmlns:m="http://schemas.openxmlformats.org/officeDocument/2006/math">
+                    <m:r>
+                      <a:rPr lang="en-US" b="0" i="1" smtClean="0">
+                        <a:latin typeface="Cambria Math" panose="02040503050406030204" pitchFamily="18" charset="0"/>
+                      </a:rPr>
+                      <m:t>𝛼</m:t>
+                    </m:r>
+                    <m:r>
+                      <a:rPr lang="en-US" b="0" i="1" smtClean="0">
+                        <a:latin typeface="Cambria Math" panose="02040503050406030204" pitchFamily="18" charset="0"/>
+                      </a:rPr>
+                      <m:t>=0.30</m:t>
+                    </m:r>
+                  </m:oMath>
                 </a14:m>
-                <a:endParaRPr lang="en-US" dirty="0"/>
+                <a:r>
+                  <a:rPr lang="en-US" dirty="0"/>
+                  <a:t>. (a) Two-layered brush with laterally arranged holes at </a:t>
+                </a:r>
+                <a14:m>
+                  <m:oMath xmlns:m="http://schemas.openxmlformats.org/officeDocument/2006/math">
+                    <m:r>
+                      <a:rPr lang="en-US" b="0" i="1" smtClean="0">
+                        <a:latin typeface="Cambria Math" panose="02040503050406030204" pitchFamily="18" charset="0"/>
+                      </a:rPr>
+                      <m:t>𝜎</m:t>
+                    </m:r>
+                    <m:r>
+                      <a:rPr lang="en-US" b="0" i="1" smtClean="0">
+                        <a:latin typeface="Cambria Math" panose="02040503050406030204" pitchFamily="18" charset="0"/>
+                      </a:rPr>
+                      <m:t>=0.040 </m:t>
+                    </m:r>
+                    <m:sSup>
+                      <m:sSupPr>
+                        <m:ctrlPr>
+                          <a:rPr lang="en-US" b="0" i="1" smtClean="0">
+                            <a:latin typeface="Cambria Math" panose="02040503050406030204" pitchFamily="18" charset="0"/>
+                          </a:rPr>
+                        </m:ctrlPr>
+                      </m:sSupPr>
+                      <m:e>
+                        <m:r>
+                          <m:rPr>
+                            <m:sty m:val="p"/>
+                          </m:rPr>
+                          <a:rPr lang="en-US" b="0" i="0" smtClean="0">
+                            <a:latin typeface="Cambria Math" panose="02040503050406030204" pitchFamily="18" charset="0"/>
+                          </a:rPr>
+                          <m:t>nm</m:t>
+                        </m:r>
+                      </m:e>
+                      <m:sup>
+                        <m:r>
+                          <a:rPr lang="en-US" b="0" i="1" smtClean="0">
+                            <a:latin typeface="Cambria Math" panose="02040503050406030204" pitchFamily="18" charset="0"/>
+                          </a:rPr>
+                          <m:t>−2</m:t>
+                        </m:r>
+                      </m:sup>
+                    </m:sSup>
+                  </m:oMath>
+                </a14:m>
+                <a:r>
+                  <a:rPr lang="en-US" dirty="0"/>
+                  <a:t>, (b) two-layered brush with laterally arranged stripes at </a:t>
+                </a:r>
+                <a14:m>
+                  <m:oMath xmlns:m="http://schemas.openxmlformats.org/officeDocument/2006/math">
+                    <m:r>
+                      <a:rPr lang="en-US" b="0" i="1" smtClean="0">
+                        <a:latin typeface="Cambria Math" panose="02040503050406030204" pitchFamily="18" charset="0"/>
+                      </a:rPr>
+                      <m:t>𝜎</m:t>
+                    </m:r>
+                    <m:r>
+                      <a:rPr lang="en-US" b="0" i="1" smtClean="0">
+                        <a:latin typeface="Cambria Math" panose="02040503050406030204" pitchFamily="18" charset="0"/>
+                      </a:rPr>
+                      <m:t>=0.040 </m:t>
+                    </m:r>
+                    <m:sSup>
+                      <m:sSupPr>
+                        <m:ctrlPr>
+                          <a:rPr lang="en-US" b="0" i="0" smtClean="0">
+                            <a:latin typeface="Cambria Math" panose="02040503050406030204" pitchFamily="18" charset="0"/>
+                          </a:rPr>
+                        </m:ctrlPr>
+                      </m:sSupPr>
+                      <m:e>
+                        <m:r>
+                          <m:rPr>
+                            <m:sty m:val="p"/>
+                          </m:rPr>
+                          <a:rPr lang="en-US" b="0" i="0" smtClean="0">
+                            <a:latin typeface="Cambria Math" panose="02040503050406030204" pitchFamily="18" charset="0"/>
+                          </a:rPr>
+                          <m:t>nm</m:t>
+                        </m:r>
+                      </m:e>
+                      <m:sup>
+                        <m:r>
+                          <a:rPr lang="en-US" b="0" i="1" smtClean="0">
+                            <a:latin typeface="Cambria Math" panose="02040503050406030204" pitchFamily="18" charset="0"/>
+                          </a:rPr>
+                          <m:t>−2</m:t>
+                        </m:r>
+                      </m:sup>
+                    </m:sSup>
+                  </m:oMath>
+                </a14:m>
+                <a:r>
+                  <a:rPr lang="en-US" dirty="0"/>
+                  <a:t>, (c) two-layered homogeneous brush at </a:t>
+                </a:r>
+                <a14:m>
+                  <m:oMath xmlns:m="http://schemas.openxmlformats.org/officeDocument/2006/math">
+                    <m:r>
+                      <a:rPr lang="en-US" b="0" i="1" smtClean="0">
+                        <a:latin typeface="Cambria Math" panose="02040503050406030204" pitchFamily="18" charset="0"/>
+                      </a:rPr>
+                      <m:t>𝜎</m:t>
+                    </m:r>
+                    <m:r>
+                      <a:rPr lang="en-US" b="0" i="1" smtClean="0">
+                        <a:latin typeface="Cambria Math" panose="02040503050406030204" pitchFamily="18" charset="0"/>
+                      </a:rPr>
+                      <m:t>=0.040 </m:t>
+                    </m:r>
+                    <m:sSup>
+                      <m:sSupPr>
+                        <m:ctrlPr>
+                          <a:rPr lang="en-US" b="0" i="0" smtClean="0">
+                            <a:latin typeface="Cambria Math" panose="02040503050406030204" pitchFamily="18" charset="0"/>
+                          </a:rPr>
+                        </m:ctrlPr>
+                      </m:sSupPr>
+                      <m:e>
+                        <m:r>
+                          <m:rPr>
+                            <m:sty m:val="p"/>
+                          </m:rPr>
+                          <a:rPr lang="en-US" b="0" i="0" smtClean="0">
+                            <a:latin typeface="Cambria Math" panose="02040503050406030204" pitchFamily="18" charset="0"/>
+                          </a:rPr>
+                          <m:t>nm</m:t>
+                        </m:r>
+                      </m:e>
+                      <m:sup>
+                        <m:r>
+                          <a:rPr lang="en-US" b="0" i="1" smtClean="0">
+                            <a:latin typeface="Cambria Math" panose="02040503050406030204" pitchFamily="18" charset="0"/>
+                          </a:rPr>
+                          <m:t>−2</m:t>
+                        </m:r>
+                      </m:sup>
+                    </m:sSup>
+                  </m:oMath>
+                </a14:m>
+                <a:r>
+                  <a:rPr lang="en-US" dirty="0"/>
+                  <a:t>, (d) free energy diagram at </a:t>
+                </a:r>
+                <a14:m>
+                  <m:oMath xmlns:m="http://schemas.openxmlformats.org/officeDocument/2006/math">
+                    <m:r>
+                      <a:rPr lang="en-US" b="0" i="1" smtClean="0">
+                        <a:latin typeface="Cambria Math" panose="02040503050406030204" pitchFamily="18" charset="0"/>
+                      </a:rPr>
+                      <m:t>𝛼</m:t>
+                    </m:r>
+                    <m:r>
+                      <a:rPr lang="en-US" b="0" i="1" smtClean="0">
+                        <a:latin typeface="Cambria Math" panose="02040503050406030204" pitchFamily="18" charset="0"/>
+                      </a:rPr>
+                      <m:t>=0.30</m:t>
+                    </m:r>
+                  </m:oMath>
+                </a14:m>
+                <a:r>
+                  <a:rPr lang="en-US" dirty="0"/>
+                  <a:t> for varying grafting densities </a:t>
+                </a:r>
+                <a14:m>
+                  <m:oMath xmlns:m="http://schemas.openxmlformats.org/officeDocument/2006/math">
+                    <m:r>
+                      <a:rPr lang="en-US" b="0" i="1" smtClean="0">
+                        <a:latin typeface="Cambria Math" panose="02040503050406030204" pitchFamily="18" charset="0"/>
+                      </a:rPr>
+                      <m:t>𝜎</m:t>
+                    </m:r>
+                  </m:oMath>
+                </a14:m>
+                <a:r>
+                  <a:rPr lang="en-US" dirty="0"/>
+                  <a:t>. Dotted lines indicate metastable (</a:t>
+                </a:r>
+                <a:r>
+                  <a:rPr lang="en-US" b="1" dirty="0"/>
+                  <a:t>unfinished</a:t>
+                </a:r>
+                <a:r>
+                  <a:rPr lang="en-US" dirty="0"/>
+                  <a:t>).</a:t>
+                </a:r>
               </a:p>
             </p:txBody>
           </p:sp>
         </mc:Choice>
-        <mc:Fallback xmlns="">
+        <mc:Fallback>
           <p:sp>
             <p:nvSpPr>
-              <p:cNvPr id="22" name="TextBox 21">
+              <p:cNvPr id="10" name="TextBox 9">
                 <a:extLst>
                   <a:ext uri="{FF2B5EF4-FFF2-40B4-BE49-F238E27FC236}">
-                    <a16:creationId xmlns:a16="http://schemas.microsoft.com/office/drawing/2014/main" id="{9E995C04-4FAE-4AFC-FA44-7B3AA0BC7525}"/>
+                    <a16:creationId xmlns:a16="http://schemas.microsoft.com/office/drawing/2014/main" id="{66022D3E-4B55-25B7-198D-152F7D929868}"/>
                   </a:ext>
                 </a:extLst>
               </p:cNvPr>
@@ -6402,16 +6064,16 @@
             </p:nvSpPr>
             <p:spPr>
               <a:xfrm>
-                <a:off x="8166847" y="2115671"/>
-                <a:ext cx="1783977" cy="369332"/>
+                <a:off x="1337586" y="4802007"/>
+                <a:ext cx="9050859" cy="1477328"/>
               </a:xfrm>
               <a:prstGeom prst="rect">
                 <a:avLst/>
               </a:prstGeom>
               <a:blipFill>
-                <a:blip r:embed="rId9"/>
+                <a:blip r:embed="rId3"/>
                 <a:stretch>
-                  <a:fillRect/>
+                  <a:fillRect l="-539" t="-2066" b="-6198"/>
                 </a:stretch>
               </a:blipFill>
             </p:spPr>
@@ -6430,6 +6092,300 @@
           </p:sp>
         </mc:Fallback>
       </mc:AlternateContent>
+      <p:pic>
+        <p:nvPicPr>
+          <p:cNvPr id="13" name="Picture 6">
+            <a:extLst>
+              <a:ext uri="{FF2B5EF4-FFF2-40B4-BE49-F238E27FC236}">
+                <a16:creationId xmlns:a16="http://schemas.microsoft.com/office/drawing/2014/main" id="{4CF01689-54B4-BA2C-2313-D244211DCAC1}"/>
+              </a:ext>
+            </a:extLst>
+          </p:cNvPr>
+          <p:cNvPicPr>
+            <a:picLocks noChangeAspect="1" noChangeArrowheads="1"/>
+          </p:cNvPicPr>
+          <p:nvPr/>
+        </p:nvPicPr>
+        <p:blipFill rotWithShape="1">
+          <a:blip r:embed="rId4">
+            <a:extLst>
+              <a:ext uri="{28A0092B-C50C-407E-A947-70E740481C1C}">
+                <a14:useLocalDpi xmlns:a14="http://schemas.microsoft.com/office/drawing/2010/main" val="0"/>
+              </a:ext>
+            </a:extLst>
+          </a:blip>
+          <a:srcRect l="26063" t="17925" r="26152"/>
+          <a:stretch>
+            <a:fillRect/>
+          </a:stretch>
+        </p:blipFill>
+        <p:spPr bwMode="auto">
+          <a:xfrm>
+            <a:off x="5292773" y="1909006"/>
+            <a:ext cx="1525564" cy="2620256"/>
+          </a:xfrm>
+          <a:prstGeom prst="rect">
+            <a:avLst/>
+          </a:prstGeom>
+          <a:noFill/>
+          <a:extLst>
+            <a:ext uri="{909E8E84-426E-40DD-AFC4-6F175D3DCCD1}">
+              <a14:hiddenFill xmlns:a14="http://schemas.microsoft.com/office/drawing/2010/main">
+                <a:solidFill>
+                  <a:srgbClr val="FFFFFF"/>
+                </a:solidFill>
+              </a14:hiddenFill>
+            </a:ext>
+          </a:extLst>
+        </p:spPr>
+      </p:pic>
+      <p:pic>
+        <p:nvPicPr>
+          <p:cNvPr id="14" name="Picture 13">
+            <a:extLst>
+              <a:ext uri="{FF2B5EF4-FFF2-40B4-BE49-F238E27FC236}">
+                <a16:creationId xmlns:a16="http://schemas.microsoft.com/office/drawing/2014/main" id="{12D1D304-0923-C48C-7FEF-4E650C3DF344}"/>
+              </a:ext>
+            </a:extLst>
+          </p:cNvPr>
+          <p:cNvPicPr>
+            <a:picLocks noChangeAspect="1"/>
+          </p:cNvPicPr>
+          <p:nvPr/>
+        </p:nvPicPr>
+        <p:blipFill>
+          <a:blip r:embed="rId5"/>
+          <a:stretch>
+            <a:fillRect/>
+          </a:stretch>
+        </p:blipFill>
+        <p:spPr>
+          <a:xfrm>
+            <a:off x="1084527" y="1739394"/>
+            <a:ext cx="1927334" cy="2527542"/>
+          </a:xfrm>
+          <a:prstGeom prst="rect">
+            <a:avLst/>
+          </a:prstGeom>
+        </p:spPr>
+      </p:pic>
+      <p:pic>
+        <p:nvPicPr>
+          <p:cNvPr id="16" name="Picture 15">
+            <a:extLst>
+              <a:ext uri="{FF2B5EF4-FFF2-40B4-BE49-F238E27FC236}">
+                <a16:creationId xmlns:a16="http://schemas.microsoft.com/office/drawing/2014/main" id="{07595CF9-E445-BDEB-FB1D-C0B5570A11B7}"/>
+              </a:ext>
+            </a:extLst>
+          </p:cNvPr>
+          <p:cNvPicPr>
+            <a:picLocks noChangeAspect="1"/>
+          </p:cNvPicPr>
+          <p:nvPr/>
+        </p:nvPicPr>
+        <p:blipFill>
+          <a:blip r:embed="rId6"/>
+          <a:stretch>
+            <a:fillRect/>
+          </a:stretch>
+        </p:blipFill>
+        <p:spPr>
+          <a:xfrm>
+            <a:off x="3327490" y="1711907"/>
+            <a:ext cx="1342063" cy="2737504"/>
+          </a:xfrm>
+          <a:prstGeom prst="rect">
+            <a:avLst/>
+          </a:prstGeom>
+        </p:spPr>
+      </p:pic>
+      <p:pic>
+        <p:nvPicPr>
+          <p:cNvPr id="5124" name="Picture 4">
+            <a:extLst>
+              <a:ext uri="{FF2B5EF4-FFF2-40B4-BE49-F238E27FC236}">
+                <a16:creationId xmlns:a16="http://schemas.microsoft.com/office/drawing/2014/main" id="{E0DFF75C-C367-EF31-482D-07E076CBDFCF}"/>
+              </a:ext>
+            </a:extLst>
+          </p:cNvPr>
+          <p:cNvPicPr>
+            <a:picLocks noChangeAspect="1" noChangeArrowheads="1"/>
+          </p:cNvPicPr>
+          <p:nvPr/>
+        </p:nvPicPr>
+        <p:blipFill>
+          <a:blip r:embed="rId7">
+            <a:extLst>
+              <a:ext uri="{28A0092B-C50C-407E-A947-70E740481C1C}">
+                <a14:useLocalDpi xmlns:a14="http://schemas.microsoft.com/office/drawing/2010/main" val="0"/>
+              </a:ext>
+            </a:extLst>
+          </a:blip>
+          <a:srcRect/>
+          <a:stretch>
+            <a:fillRect/>
+          </a:stretch>
+        </p:blipFill>
+        <p:spPr bwMode="auto">
+          <a:xfrm>
+            <a:off x="7006596" y="1909006"/>
+            <a:ext cx="4195191" cy="2560420"/>
+          </a:xfrm>
+          <a:prstGeom prst="rect">
+            <a:avLst/>
+          </a:prstGeom>
+          <a:noFill/>
+          <a:extLst>
+            <a:ext uri="{909E8E84-426E-40DD-AFC4-6F175D3DCCD1}">
+              <a14:hiddenFill xmlns:a14="http://schemas.microsoft.com/office/drawing/2010/main">
+                <a:solidFill>
+                  <a:srgbClr val="FFFFFF"/>
+                </a:solidFill>
+              </a14:hiddenFill>
+            </a:ext>
+          </a:extLst>
+        </p:spPr>
+      </p:pic>
+      <p:sp>
+        <p:nvSpPr>
+          <p:cNvPr id="7" name="TextBox 6">
+            <a:extLst>
+              <a:ext uri="{FF2B5EF4-FFF2-40B4-BE49-F238E27FC236}">
+                <a16:creationId xmlns:a16="http://schemas.microsoft.com/office/drawing/2014/main" id="{3EEF9924-5ED0-A927-A7E9-DD39AACA1095}"/>
+              </a:ext>
+            </a:extLst>
+          </p:cNvPr>
+          <p:cNvSpPr txBox="1"/>
+          <p:nvPr/>
+        </p:nvSpPr>
+        <p:spPr>
+          <a:xfrm>
+            <a:off x="831467" y="1386798"/>
+            <a:ext cx="506119" cy="369332"/>
+          </a:xfrm>
+          <a:prstGeom prst="rect">
+            <a:avLst/>
+          </a:prstGeom>
+          <a:noFill/>
+        </p:spPr>
+        <p:txBody>
+          <a:bodyPr wrap="square" rtlCol="0">
+            <a:spAutoFit/>
+          </a:bodyPr>
+          <a:lstStyle/>
+          <a:p>
+            <a:r>
+              <a:rPr lang="en-US" dirty="0"/>
+              <a:t>(a)</a:t>
+            </a:r>
+          </a:p>
+        </p:txBody>
+      </p:sp>
+      <p:sp>
+        <p:nvSpPr>
+          <p:cNvPr id="8" name="TextBox 7">
+            <a:extLst>
+              <a:ext uri="{FF2B5EF4-FFF2-40B4-BE49-F238E27FC236}">
+                <a16:creationId xmlns:a16="http://schemas.microsoft.com/office/drawing/2014/main" id="{C2BCF20C-9C6F-8429-1D8D-D1E055511F76}"/>
+              </a:ext>
+            </a:extLst>
+          </p:cNvPr>
+          <p:cNvSpPr txBox="1"/>
+          <p:nvPr/>
+        </p:nvSpPr>
+        <p:spPr>
+          <a:xfrm>
+            <a:off x="3074430" y="1386798"/>
+            <a:ext cx="506119" cy="369332"/>
+          </a:xfrm>
+          <a:prstGeom prst="rect">
+            <a:avLst/>
+          </a:prstGeom>
+          <a:noFill/>
+        </p:spPr>
+        <p:txBody>
+          <a:bodyPr wrap="square" rtlCol="0">
+            <a:spAutoFit/>
+          </a:bodyPr>
+          <a:lstStyle/>
+          <a:p>
+            <a:r>
+              <a:rPr lang="en-US" dirty="0"/>
+              <a:t>(b)</a:t>
+            </a:r>
+          </a:p>
+        </p:txBody>
+      </p:sp>
+      <p:sp>
+        <p:nvSpPr>
+          <p:cNvPr id="9" name="TextBox 8">
+            <a:extLst>
+              <a:ext uri="{FF2B5EF4-FFF2-40B4-BE49-F238E27FC236}">
+                <a16:creationId xmlns:a16="http://schemas.microsoft.com/office/drawing/2014/main" id="{A0D1F077-44ED-23AC-691C-CEA62C91B5D2}"/>
+              </a:ext>
+            </a:extLst>
+          </p:cNvPr>
+          <p:cNvSpPr txBox="1"/>
+          <p:nvPr/>
+        </p:nvSpPr>
+        <p:spPr>
+          <a:xfrm>
+            <a:off x="4917280" y="1386798"/>
+            <a:ext cx="506119" cy="369332"/>
+          </a:xfrm>
+          <a:prstGeom prst="rect">
+            <a:avLst/>
+          </a:prstGeom>
+          <a:noFill/>
+        </p:spPr>
+        <p:txBody>
+          <a:bodyPr wrap="square" rtlCol="0">
+            <a:spAutoFit/>
+          </a:bodyPr>
+          <a:lstStyle/>
+          <a:p>
+            <a:r>
+              <a:rPr lang="en-US" dirty="0"/>
+              <a:t>(c)</a:t>
+            </a:r>
+          </a:p>
+        </p:txBody>
+      </p:sp>
+      <p:sp>
+        <p:nvSpPr>
+          <p:cNvPr id="11" name="TextBox 10">
+            <a:extLst>
+              <a:ext uri="{FF2B5EF4-FFF2-40B4-BE49-F238E27FC236}">
+                <a16:creationId xmlns:a16="http://schemas.microsoft.com/office/drawing/2014/main" id="{17B8F06E-0305-3B14-7CB3-571E54696ECE}"/>
+              </a:ext>
+            </a:extLst>
+          </p:cNvPr>
+          <p:cNvSpPr txBox="1"/>
+          <p:nvPr/>
+        </p:nvSpPr>
+        <p:spPr>
+          <a:xfrm>
+            <a:off x="6970489" y="1386798"/>
+            <a:ext cx="506119" cy="369332"/>
+          </a:xfrm>
+          <a:prstGeom prst="rect">
+            <a:avLst/>
+          </a:prstGeom>
+          <a:noFill/>
+        </p:spPr>
+        <p:txBody>
+          <a:bodyPr wrap="square" rtlCol="0">
+            <a:spAutoFit/>
+          </a:bodyPr>
+          <a:lstStyle/>
+          <a:p>
+            <a:r>
+              <a:rPr lang="en-US" dirty="0"/>
+              <a:t>(d)</a:t>
+            </a:r>
+          </a:p>
+        </p:txBody>
+      </p:sp>
     </p:spTree>
     <p:extLst>
       <p:ext uri="{BB962C8B-B14F-4D97-AF65-F5344CB8AC3E}">

--- a/SYSG3_paper.pptx
+++ b/SYSG3_paper.pptx
@@ -5,14 +5,15 @@
     <p:sldMasterId id="2147483648" r:id="rId1"/>
   </p:sldMasterIdLst>
   <p:notesMasterIdLst>
-    <p:notesMasterId r:id="rId7"/>
+    <p:notesMasterId r:id="rId8"/>
   </p:notesMasterIdLst>
   <p:sldIdLst>
     <p:sldId id="373" r:id="rId2"/>
-    <p:sldId id="376" r:id="rId3"/>
-    <p:sldId id="371" r:id="rId4"/>
-    <p:sldId id="372" r:id="rId5"/>
-    <p:sldId id="370" r:id="rId6"/>
+    <p:sldId id="377" r:id="rId3"/>
+    <p:sldId id="376" r:id="rId4"/>
+    <p:sldId id="371" r:id="rId5"/>
+    <p:sldId id="372" r:id="rId6"/>
+    <p:sldId id="370" r:id="rId7"/>
   </p:sldIdLst>
   <p:sldSz cx="12192000" cy="6858000"/>
   <p:notesSz cx="6858000" cy="9144000"/>
@@ -533,7 +534,7 @@
           <a:p>
             <a:fld id="{62E8446E-0259-4758-8A78-089F4A06870A}" type="slidenum">
               <a:rPr lang="en-US" smtClean="0"/>
-              <a:t>5</a:t>
+              <a:t>6</a:t>
             </a:fld>
             <a:endParaRPr lang="en-US"/>
           </a:p>
@@ -4085,6 +4086,200 @@
         <p:cNvPr id="1" name="">
           <a:extLst>
             <a:ext uri="{FF2B5EF4-FFF2-40B4-BE49-F238E27FC236}">
+              <a16:creationId xmlns:a16="http://schemas.microsoft.com/office/drawing/2014/main" id="{DFE2A7D1-0DC8-0DBE-0A3E-31B2058EA320}"/>
+            </a:ext>
+          </a:extLst>
+        </p:cNvPr>
+        <p:cNvGrpSpPr/>
+        <p:nvPr/>
+      </p:nvGrpSpPr>
+      <p:grpSpPr>
+        <a:xfrm>
+          <a:off x="0" y="0"/>
+          <a:ext cx="0" cy="0"/>
+          <a:chOff x="0" y="0"/>
+          <a:chExt cx="0" cy="0"/>
+        </a:xfrm>
+      </p:grpSpPr>
+      <p:pic>
+        <p:nvPicPr>
+          <p:cNvPr id="2052" name="Picture 4">
+            <a:extLst>
+              <a:ext uri="{FF2B5EF4-FFF2-40B4-BE49-F238E27FC236}">
+                <a16:creationId xmlns:a16="http://schemas.microsoft.com/office/drawing/2014/main" id="{C0595F57-3D39-5972-20E9-A2C8728F4C39}"/>
+              </a:ext>
+            </a:extLst>
+          </p:cNvPr>
+          <p:cNvPicPr>
+            <a:picLocks noChangeAspect="1" noChangeArrowheads="1"/>
+          </p:cNvPicPr>
+          <p:nvPr/>
+        </p:nvPicPr>
+        <p:blipFill>
+          <a:blip r:embed="rId2">
+            <a:extLst>
+              <a:ext uri="{28A0092B-C50C-407E-A947-70E740481C1C}">
+                <a14:useLocalDpi xmlns:a14="http://schemas.microsoft.com/office/drawing/2010/main" val="0"/>
+              </a:ext>
+            </a:extLst>
+          </a:blip>
+          <a:srcRect/>
+          <a:stretch>
+            <a:fillRect/>
+          </a:stretch>
+        </p:blipFill>
+        <p:spPr bwMode="auto">
+          <a:xfrm>
+            <a:off x="3222252" y="915801"/>
+            <a:ext cx="5941284" cy="3450012"/>
+          </a:xfrm>
+          <a:prstGeom prst="rect">
+            <a:avLst/>
+          </a:prstGeom>
+          <a:noFill/>
+          <a:extLst>
+            <a:ext uri="{909E8E84-426E-40DD-AFC4-6F175D3DCCD1}">
+              <a14:hiddenFill xmlns:a14="http://schemas.microsoft.com/office/drawing/2010/main">
+                <a:solidFill>
+                  <a:srgbClr val="FFFFFF"/>
+                </a:solidFill>
+              </a14:hiddenFill>
+            </a:ext>
+          </a:extLst>
+        </p:spPr>
+      </p:pic>
+      <mc:AlternateContent xmlns:mc="http://schemas.openxmlformats.org/markup-compatibility/2006">
+        <mc:Choice xmlns:a14="http://schemas.microsoft.com/office/drawing/2010/main" Requires="a14">
+          <p:sp>
+            <p:nvSpPr>
+              <p:cNvPr id="4" name="TextBox 3">
+                <a:extLst>
+                  <a:ext uri="{FF2B5EF4-FFF2-40B4-BE49-F238E27FC236}">
+                    <a16:creationId xmlns:a16="http://schemas.microsoft.com/office/drawing/2014/main" id="{4BB04A51-4915-6EAF-E655-0C97EF15A8B2}"/>
+                  </a:ext>
+                </a:extLst>
+              </p:cNvPr>
+              <p:cNvSpPr txBox="1"/>
+              <p:nvPr/>
+            </p:nvSpPr>
+            <p:spPr>
+              <a:xfrm>
+                <a:off x="3222252" y="4607989"/>
+                <a:ext cx="6122321" cy="1200329"/>
+              </a:xfrm>
+              <a:prstGeom prst="rect">
+                <a:avLst/>
+              </a:prstGeom>
+              <a:noFill/>
+            </p:spPr>
+            <p:txBody>
+              <a:bodyPr wrap="square" rtlCol="0">
+                <a:spAutoFit/>
+              </a:bodyPr>
+              <a:lstStyle/>
+              <a:p>
+                <a:r>
+                  <a:rPr lang="en-US" dirty="0"/>
+                  <a:t>Fig. 1: Diagram of states for PE brushes at varying PE backbone charge fractions </a:t>
+                </a:r>
+                <a14:m>
+                  <m:oMath xmlns:m="http://schemas.openxmlformats.org/officeDocument/2006/math">
+                    <m:r>
+                      <a:rPr lang="en-US" b="0" i="1" smtClean="0">
+                        <a:latin typeface="Cambria Math" panose="02040503050406030204" pitchFamily="18" charset="0"/>
+                      </a:rPr>
+                      <m:t>𝛼</m:t>
+                    </m:r>
+                  </m:oMath>
+                </a14:m>
+                <a:r>
+                  <a:rPr lang="en-US" dirty="0"/>
+                  <a:t> and grafting densities </a:t>
+                </a:r>
+                <a14:m>
+                  <m:oMath xmlns:m="http://schemas.openxmlformats.org/officeDocument/2006/math">
+                    <m:r>
+                      <a:rPr lang="en-US" b="0" i="1" smtClean="0">
+                        <a:latin typeface="Cambria Math" panose="02040503050406030204" pitchFamily="18" charset="0"/>
+                      </a:rPr>
+                      <m:t>𝜎</m:t>
+                    </m:r>
+                  </m:oMath>
+                </a14:m>
+                <a:r>
+                  <a:rPr lang="en-US" dirty="0"/>
+                  <a:t>. At each point in the parameter space, the plotted symbol represents the morphology with the minimum free energy.</a:t>
+                </a:r>
+              </a:p>
+            </p:txBody>
+          </p:sp>
+        </mc:Choice>
+        <mc:Fallback>
+          <p:sp>
+            <p:nvSpPr>
+              <p:cNvPr id="4" name="TextBox 3">
+                <a:extLst>
+                  <a:ext uri="{FF2B5EF4-FFF2-40B4-BE49-F238E27FC236}">
+                    <a16:creationId xmlns:a16="http://schemas.microsoft.com/office/drawing/2014/main" id="{4BB04A51-4915-6EAF-E655-0C97EF15A8B2}"/>
+                  </a:ext>
+                </a:extLst>
+              </p:cNvPr>
+              <p:cNvSpPr txBox="1">
+                <a:spLocks noRot="1" noChangeAspect="1" noMove="1" noResize="1" noEditPoints="1" noAdjustHandles="1" noChangeArrowheads="1" noChangeShapeType="1" noTextEdit="1"/>
+              </p:cNvSpPr>
+              <p:nvPr/>
+            </p:nvSpPr>
+            <p:spPr>
+              <a:xfrm>
+                <a:off x="3222252" y="4607989"/>
+                <a:ext cx="6122321" cy="1200329"/>
+              </a:xfrm>
+              <a:prstGeom prst="rect">
+                <a:avLst/>
+              </a:prstGeom>
+              <a:blipFill>
+                <a:blip r:embed="rId3"/>
+                <a:stretch>
+                  <a:fillRect l="-896" t="-2538" b="-7614"/>
+                </a:stretch>
+              </a:blipFill>
+            </p:spPr>
+            <p:txBody>
+              <a:bodyPr/>
+              <a:lstStyle/>
+              <a:p>
+                <a:r>
+                  <a:rPr lang="en-US">
+                    <a:noFill/>
+                  </a:rPr>
+                  <a:t> </a:t>
+                </a:r>
+              </a:p>
+            </p:txBody>
+          </p:sp>
+        </mc:Fallback>
+      </mc:AlternateContent>
+    </p:spTree>
+    <p:extLst>
+      <p:ext uri="{BB962C8B-B14F-4D97-AF65-F5344CB8AC3E}">
+        <p14:creationId xmlns:p14="http://schemas.microsoft.com/office/powerpoint/2010/main" val="3765746678"/>
+      </p:ext>
+    </p:extLst>
+  </p:cSld>
+  <p:clrMapOvr>
+    <a:masterClrMapping/>
+  </p:clrMapOvr>
+</p:sld>
+</file>
+
+<file path=ppt/slides/slide3.xml><?xml version="1.0" encoding="utf-8"?>
+<p:sld xmlns:a="http://schemas.openxmlformats.org/drawingml/2006/main" xmlns:r="http://schemas.openxmlformats.org/officeDocument/2006/relationships" xmlns:p="http://schemas.openxmlformats.org/presentationml/2006/main">
+  <p:cSld>
+    <p:spTree>
+      <p:nvGrpSpPr>
+        <p:cNvPr id="1" name="">
+          <a:extLst>
+            <a:ext uri="{FF2B5EF4-FFF2-40B4-BE49-F238E27FC236}">
               <a16:creationId xmlns:a16="http://schemas.microsoft.com/office/drawing/2014/main" id="{93BAFED3-EDC6-F32F-4FC0-5508C27B39CE}"/>
             </a:ext>
           </a:extLst>
@@ -4100,230 +4295,6 @@
           <a:chExt cx="0" cy="0"/>
         </a:xfrm>
       </p:grpSpPr>
-      <p:sp>
-        <p:nvSpPr>
-          <p:cNvPr id="4" name="TextBox 3">
-            <a:extLst>
-              <a:ext uri="{FF2B5EF4-FFF2-40B4-BE49-F238E27FC236}">
-                <a16:creationId xmlns:a16="http://schemas.microsoft.com/office/drawing/2014/main" id="{7A955CEB-A31A-7350-913D-19EA58C646E7}"/>
-              </a:ext>
-            </a:extLst>
-          </p:cNvPr>
-          <p:cNvSpPr txBox="1"/>
-          <p:nvPr/>
-        </p:nvSpPr>
-        <p:spPr>
-          <a:xfrm>
-            <a:off x="604439" y="583854"/>
-            <a:ext cx="9436032" cy="369332"/>
-          </a:xfrm>
-          <a:prstGeom prst="rect">
-            <a:avLst/>
-          </a:prstGeom>
-          <a:noFill/>
-        </p:spPr>
-        <p:txBody>
-          <a:bodyPr wrap="square" rtlCol="0">
-            <a:spAutoFit/>
-          </a:bodyPr>
-          <a:lstStyle/>
-          <a:p>
-            <a:r>
-              <a:rPr lang="en-US" dirty="0"/>
-              <a:t>Fig 2: Mic </a:t>
-            </a:r>
-            <a:r>
-              <a:rPr lang="en-US" dirty="0">
-                <a:sym typeface="Wingdings" panose="05000000000000000000" pitchFamily="2" charset="2"/>
-              </a:rPr>
-              <a:t> </a:t>
-            </a:r>
-            <a:r>
-              <a:rPr lang="en-US" dirty="0" err="1">
-                <a:sym typeface="Wingdings" panose="05000000000000000000" pitchFamily="2" charset="2"/>
-              </a:rPr>
-              <a:t>Cyl</a:t>
-            </a:r>
-            <a:r>
-              <a:rPr lang="en-US" dirty="0">
-                <a:sym typeface="Wingdings" panose="05000000000000000000" pitchFamily="2" charset="2"/>
-              </a:rPr>
-              <a:t>, with </a:t>
-            </a:r>
-            <a:r>
-              <a:rPr lang="en-US" dirty="0" err="1">
-                <a:sym typeface="Wingdings" panose="05000000000000000000" pitchFamily="2" charset="2"/>
-              </a:rPr>
-              <a:t>freeE</a:t>
-            </a:r>
-            <a:r>
-              <a:rPr lang="en-US" dirty="0">
-                <a:sym typeface="Wingdings" panose="05000000000000000000" pitchFamily="2" charset="2"/>
-              </a:rPr>
-              <a:t>. Sigma = 0.0025</a:t>
-            </a:r>
-            <a:endParaRPr lang="en-US" dirty="0"/>
-          </a:p>
-        </p:txBody>
-      </p:sp>
-      <p:sp>
-        <p:nvSpPr>
-          <p:cNvPr id="2" name="TextBox 1">
-            <a:extLst>
-              <a:ext uri="{FF2B5EF4-FFF2-40B4-BE49-F238E27FC236}">
-                <a16:creationId xmlns:a16="http://schemas.microsoft.com/office/drawing/2014/main" id="{39F6D5F1-19CA-5B04-F336-F215E50A1EDD}"/>
-              </a:ext>
-            </a:extLst>
-          </p:cNvPr>
-          <p:cNvSpPr txBox="1"/>
-          <p:nvPr/>
-        </p:nvSpPr>
-        <p:spPr>
-          <a:xfrm>
-            <a:off x="1213270" y="4847777"/>
-            <a:ext cx="2443561" cy="646331"/>
-          </a:xfrm>
-          <a:prstGeom prst="rect">
-            <a:avLst/>
-          </a:prstGeom>
-          <a:noFill/>
-        </p:spPr>
-        <p:txBody>
-          <a:bodyPr wrap="square" rtlCol="0">
-            <a:spAutoFit/>
-          </a:bodyPr>
-          <a:lstStyle/>
-          <a:p>
-            <a:pPr algn="ctr"/>
-            <a:r>
-              <a:rPr lang="en-US" dirty="0"/>
-              <a:t>Mic </a:t>
-            </a:r>
-            <a:br>
-              <a:rPr lang="en-US" dirty="0"/>
-            </a:br>
-            <a:r>
-              <a:rPr lang="en-US" dirty="0"/>
-              <a:t>@ (0.10, 0.0025) </a:t>
-            </a:r>
-          </a:p>
-        </p:txBody>
-      </p:sp>
-      <p:sp>
-        <p:nvSpPr>
-          <p:cNvPr id="5" name="TextBox 4">
-            <a:extLst>
-              <a:ext uri="{FF2B5EF4-FFF2-40B4-BE49-F238E27FC236}">
-                <a16:creationId xmlns:a16="http://schemas.microsoft.com/office/drawing/2014/main" id="{814AFE05-687F-1C82-4260-B4BA1C37E1E4}"/>
-              </a:ext>
-            </a:extLst>
-          </p:cNvPr>
-          <p:cNvSpPr txBox="1"/>
-          <p:nvPr/>
-        </p:nvSpPr>
-        <p:spPr>
-          <a:xfrm>
-            <a:off x="1116152" y="2197710"/>
-            <a:ext cx="2765121" cy="369332"/>
-          </a:xfrm>
-          <a:prstGeom prst="rect">
-            <a:avLst/>
-          </a:prstGeom>
-          <a:noFill/>
-        </p:spPr>
-        <p:txBody>
-          <a:bodyPr wrap="square" rtlCol="0">
-            <a:spAutoFit/>
-          </a:bodyPr>
-          <a:lstStyle/>
-          <a:p>
-            <a:pPr algn="ctr"/>
-            <a:r>
-              <a:rPr lang="en-US" dirty="0"/>
-              <a:t>Need to finalize</a:t>
-            </a:r>
-          </a:p>
-        </p:txBody>
-      </p:sp>
-      <p:sp>
-        <p:nvSpPr>
-          <p:cNvPr id="13" name="TextBox 12">
-            <a:extLst>
-              <a:ext uri="{FF2B5EF4-FFF2-40B4-BE49-F238E27FC236}">
-                <a16:creationId xmlns:a16="http://schemas.microsoft.com/office/drawing/2014/main" id="{D05C8DBC-5111-0185-9C54-0703556E8583}"/>
-              </a:ext>
-            </a:extLst>
-          </p:cNvPr>
-          <p:cNvSpPr txBox="1"/>
-          <p:nvPr/>
-        </p:nvSpPr>
-        <p:spPr>
-          <a:xfrm>
-            <a:off x="4511217" y="4854668"/>
-            <a:ext cx="2765121" cy="646331"/>
-          </a:xfrm>
-          <a:prstGeom prst="rect">
-            <a:avLst/>
-          </a:prstGeom>
-          <a:noFill/>
-        </p:spPr>
-        <p:txBody>
-          <a:bodyPr wrap="square" rtlCol="0">
-            <a:spAutoFit/>
-          </a:bodyPr>
-          <a:lstStyle/>
-          <a:p>
-            <a:pPr algn="ctr"/>
-            <a:r>
-              <a:rPr lang="en-US" dirty="0" err="1"/>
-              <a:t>Cyl</a:t>
-            </a:r>
-            <a:br>
-              <a:rPr lang="en-US" dirty="0"/>
-            </a:br>
-            <a:r>
-              <a:rPr lang="en-US" dirty="0"/>
-              <a:t>@ (0.25, 0.0025)</a:t>
-            </a:r>
-          </a:p>
-        </p:txBody>
-      </p:sp>
-      <p:sp>
-        <p:nvSpPr>
-          <p:cNvPr id="15" name="TextBox 14">
-            <a:extLst>
-              <a:ext uri="{FF2B5EF4-FFF2-40B4-BE49-F238E27FC236}">
-                <a16:creationId xmlns:a16="http://schemas.microsoft.com/office/drawing/2014/main" id="{65FE5D67-EB3A-3931-51D2-E9BF1C140BE4}"/>
-              </a:ext>
-            </a:extLst>
-          </p:cNvPr>
-          <p:cNvSpPr txBox="1"/>
-          <p:nvPr/>
-        </p:nvSpPr>
-        <p:spPr>
-          <a:xfrm>
-            <a:off x="4511218" y="2294976"/>
-            <a:ext cx="2765121" cy="369332"/>
-          </a:xfrm>
-          <a:prstGeom prst="rect">
-            <a:avLst/>
-          </a:prstGeom>
-          <a:noFill/>
-        </p:spPr>
-        <p:txBody>
-          <a:bodyPr wrap="square" rtlCol="0">
-            <a:spAutoFit/>
-          </a:bodyPr>
-          <a:lstStyle/>
-          <a:p>
-            <a:pPr algn="ctr"/>
-            <a:r>
-              <a:rPr lang="en-US" dirty="0"/>
-              <a:t>Need to finalize</a:t>
-            </a:r>
-          </a:p>
-        </p:txBody>
-      </p:sp>
       <p:pic>
         <p:nvPicPr>
           <p:cNvPr id="2054" name="Picture 6">
@@ -4353,8 +4324,8 @@
         </p:blipFill>
         <p:spPr bwMode="auto">
           <a:xfrm>
-            <a:off x="8477349" y="2633290"/>
-            <a:ext cx="3549428" cy="2221378"/>
+            <a:off x="7270376" y="1705414"/>
+            <a:ext cx="2803710" cy="1754677"/>
           </a:xfrm>
           <a:prstGeom prst="rect">
             <a:avLst/>
@@ -4393,8 +4364,8 @@
         </p:blipFill>
         <p:spPr>
           <a:xfrm>
-            <a:off x="1213270" y="3011613"/>
-            <a:ext cx="2496001" cy="1714759"/>
+            <a:off x="2749459" y="1860396"/>
+            <a:ext cx="2293755" cy="1575815"/>
           </a:xfrm>
           <a:prstGeom prst="rect">
             <a:avLst/>
@@ -4423,1109 +4394,22 @@
         </p:blipFill>
         <p:spPr>
           <a:xfrm>
-            <a:off x="4857841" y="2842967"/>
-            <a:ext cx="2176518" cy="1883405"/>
+            <a:off x="5202578" y="1762550"/>
+            <a:ext cx="2000159" cy="1730797"/>
           </a:xfrm>
           <a:prstGeom prst="rect">
             <a:avLst/>
           </a:prstGeom>
         </p:spPr>
       </p:pic>
-    </p:spTree>
-    <p:extLst>
-      <p:ext uri="{BB962C8B-B14F-4D97-AF65-F5344CB8AC3E}">
-        <p14:creationId xmlns:p14="http://schemas.microsoft.com/office/powerpoint/2010/main" val="627258222"/>
-      </p:ext>
-    </p:extLst>
-  </p:cSld>
-  <p:clrMapOvr>
-    <a:masterClrMapping/>
-  </p:clrMapOvr>
-</p:sld>
-</file>
-
-<file path=ppt/slides/slide3.xml><?xml version="1.0" encoding="utf-8"?>
-<p:sld xmlns:a="http://schemas.openxmlformats.org/drawingml/2006/main" xmlns:r="http://schemas.openxmlformats.org/officeDocument/2006/relationships" xmlns:p="http://schemas.openxmlformats.org/presentationml/2006/main">
-  <p:cSld>
-    <p:spTree>
-      <p:nvGrpSpPr>
-        <p:cNvPr id="1" name="">
-          <a:extLst>
-            <a:ext uri="{FF2B5EF4-FFF2-40B4-BE49-F238E27FC236}">
-              <a16:creationId xmlns:a16="http://schemas.microsoft.com/office/drawing/2014/main" id="{0384268E-71CC-4849-5C77-1A6CED889FBB}"/>
-            </a:ext>
-          </a:extLst>
-        </p:cNvPr>
-        <p:cNvGrpSpPr/>
-        <p:nvPr/>
-      </p:nvGrpSpPr>
-      <p:grpSpPr>
-        <a:xfrm>
-          <a:off x="0" y="0"/>
-          <a:ext cx="0" cy="0"/>
-          <a:chOff x="0" y="0"/>
-          <a:chExt cx="0" cy="0"/>
-        </a:xfrm>
-      </p:grpSpPr>
-      <p:sp>
-        <p:nvSpPr>
-          <p:cNvPr id="4" name="TextBox 3">
-            <a:extLst>
-              <a:ext uri="{FF2B5EF4-FFF2-40B4-BE49-F238E27FC236}">
-                <a16:creationId xmlns:a16="http://schemas.microsoft.com/office/drawing/2014/main" id="{82099AE2-D8A5-FF7D-1148-7559534F0DA5}"/>
-              </a:ext>
-            </a:extLst>
-          </p:cNvPr>
-          <p:cNvSpPr txBox="1"/>
-          <p:nvPr/>
-        </p:nvSpPr>
-        <p:spPr>
-          <a:xfrm>
-            <a:off x="604439" y="583854"/>
-            <a:ext cx="9436032" cy="369332"/>
-          </a:xfrm>
-          <a:prstGeom prst="rect">
-            <a:avLst/>
-          </a:prstGeom>
-          <a:noFill/>
-        </p:spPr>
-        <p:txBody>
-          <a:bodyPr wrap="square" rtlCol="0">
-            <a:spAutoFit/>
-          </a:bodyPr>
-          <a:lstStyle/>
-          <a:p>
-            <a:r>
-              <a:rPr lang="en-US" dirty="0"/>
-              <a:t>Fig 3: mic </a:t>
-            </a:r>
-            <a:r>
-              <a:rPr lang="en-US" dirty="0">
-                <a:sym typeface="Wingdings" panose="05000000000000000000" pitchFamily="2" charset="2"/>
-              </a:rPr>
-              <a:t> </a:t>
-            </a:r>
-            <a:r>
-              <a:rPr lang="en-US" dirty="0" err="1">
-                <a:sym typeface="Wingdings" panose="05000000000000000000" pitchFamily="2" charset="2"/>
-              </a:rPr>
-              <a:t>hom</a:t>
-            </a:r>
-            <a:r>
-              <a:rPr lang="en-US" dirty="0">
-                <a:sym typeface="Wingdings" panose="05000000000000000000" pitchFamily="2" charset="2"/>
-              </a:rPr>
-              <a:t>. Alpha = 0.10 with </a:t>
-            </a:r>
-            <a:r>
-              <a:rPr lang="en-US" dirty="0" err="1">
-                <a:sym typeface="Wingdings" panose="05000000000000000000" pitchFamily="2" charset="2"/>
-              </a:rPr>
-              <a:t>freeE</a:t>
-            </a:r>
-            <a:endParaRPr lang="en-US" dirty="0"/>
-          </a:p>
-        </p:txBody>
-      </p:sp>
-      <p:sp>
-        <p:nvSpPr>
-          <p:cNvPr id="2" name="TextBox 1">
-            <a:extLst>
-              <a:ext uri="{FF2B5EF4-FFF2-40B4-BE49-F238E27FC236}">
-                <a16:creationId xmlns:a16="http://schemas.microsoft.com/office/drawing/2014/main" id="{1657EB42-7390-E8E1-EBB2-B975933294DF}"/>
-              </a:ext>
-            </a:extLst>
-          </p:cNvPr>
-          <p:cNvSpPr txBox="1"/>
-          <p:nvPr/>
-        </p:nvSpPr>
-        <p:spPr>
-          <a:xfrm>
-            <a:off x="64614" y="3808725"/>
-            <a:ext cx="2443561" cy="646331"/>
-          </a:xfrm>
-          <a:prstGeom prst="rect">
-            <a:avLst/>
-          </a:prstGeom>
-          <a:noFill/>
-        </p:spPr>
-        <p:txBody>
-          <a:bodyPr wrap="square" rtlCol="0">
-            <a:spAutoFit/>
-          </a:bodyPr>
-          <a:lstStyle/>
-          <a:p>
-            <a:pPr algn="ctr"/>
-            <a:r>
-              <a:rPr lang="en-US" dirty="0"/>
-              <a:t>Iso mic </a:t>
-            </a:r>
-            <a:br>
-              <a:rPr lang="en-US" dirty="0"/>
-            </a:br>
-            <a:r>
-              <a:rPr lang="en-US" dirty="0"/>
-              <a:t>@ (0.10, 0.0025) </a:t>
-            </a:r>
-          </a:p>
-        </p:txBody>
-      </p:sp>
-      <p:sp>
-        <p:nvSpPr>
-          <p:cNvPr id="5" name="TextBox 4">
-            <a:extLst>
-              <a:ext uri="{FF2B5EF4-FFF2-40B4-BE49-F238E27FC236}">
-                <a16:creationId xmlns:a16="http://schemas.microsoft.com/office/drawing/2014/main" id="{EFC1D6EC-6903-8FB6-4F95-BA66815AC28F}"/>
-              </a:ext>
-            </a:extLst>
-          </p:cNvPr>
-          <p:cNvSpPr txBox="1"/>
-          <p:nvPr/>
-        </p:nvSpPr>
-        <p:spPr>
-          <a:xfrm>
-            <a:off x="64614" y="1568503"/>
-            <a:ext cx="2765121" cy="369332"/>
-          </a:xfrm>
-          <a:prstGeom prst="rect">
-            <a:avLst/>
-          </a:prstGeom>
-          <a:noFill/>
-        </p:spPr>
-        <p:txBody>
-          <a:bodyPr wrap="square" rtlCol="0">
-            <a:spAutoFit/>
-          </a:bodyPr>
-          <a:lstStyle/>
-          <a:p>
-            <a:pPr algn="ctr"/>
-            <a:r>
-              <a:rPr lang="en-US" dirty="0"/>
-              <a:t>Need to finalize</a:t>
-            </a:r>
-          </a:p>
-        </p:txBody>
-      </p:sp>
-      <p:sp>
-        <p:nvSpPr>
-          <p:cNvPr id="10" name="TextBox 9">
-            <a:extLst>
-              <a:ext uri="{FF2B5EF4-FFF2-40B4-BE49-F238E27FC236}">
-                <a16:creationId xmlns:a16="http://schemas.microsoft.com/office/drawing/2014/main" id="{8384829F-3570-ACAB-D7F7-46E0F273ECFA}"/>
-              </a:ext>
-            </a:extLst>
-          </p:cNvPr>
-          <p:cNvSpPr txBox="1"/>
-          <p:nvPr/>
-        </p:nvSpPr>
-        <p:spPr>
-          <a:xfrm>
-            <a:off x="2878894" y="3764019"/>
-            <a:ext cx="2443561" cy="646331"/>
-          </a:xfrm>
-          <a:prstGeom prst="rect">
-            <a:avLst/>
-          </a:prstGeom>
-          <a:noFill/>
-        </p:spPr>
-        <p:txBody>
-          <a:bodyPr wrap="square" rtlCol="0">
-            <a:spAutoFit/>
-          </a:bodyPr>
-          <a:lstStyle/>
-          <a:p>
-            <a:pPr algn="ctr"/>
-            <a:r>
-              <a:rPr lang="en-US" dirty="0"/>
-              <a:t>Iso str </a:t>
-            </a:r>
-            <a:br>
-              <a:rPr lang="en-US" dirty="0"/>
-            </a:br>
-            <a:r>
-              <a:rPr lang="en-US" dirty="0"/>
-              <a:t>@ (0.10, 0.00375) </a:t>
-            </a:r>
-          </a:p>
-        </p:txBody>
-      </p:sp>
-      <p:pic>
-        <p:nvPicPr>
-          <p:cNvPr id="12" name="Picture 11">
-            <a:extLst>
-              <a:ext uri="{FF2B5EF4-FFF2-40B4-BE49-F238E27FC236}">
-                <a16:creationId xmlns:a16="http://schemas.microsoft.com/office/drawing/2014/main" id="{C543FFC9-26A5-3AFC-5E9C-E3F99983AF2A}"/>
-              </a:ext>
-            </a:extLst>
-          </p:cNvPr>
-          <p:cNvPicPr>
-            <a:picLocks noChangeAspect="1"/>
-          </p:cNvPicPr>
-          <p:nvPr/>
-        </p:nvPicPr>
-        <p:blipFill>
-          <a:blip r:embed="rId2"/>
-          <a:stretch>
-            <a:fillRect/>
-          </a:stretch>
-        </p:blipFill>
-        <p:spPr>
-          <a:xfrm>
-            <a:off x="5602802" y="2366586"/>
-            <a:ext cx="1652825" cy="1397433"/>
-          </a:xfrm>
-          <a:prstGeom prst="rect">
-            <a:avLst/>
-          </a:prstGeom>
-        </p:spPr>
-      </p:pic>
-      <p:sp>
-        <p:nvSpPr>
-          <p:cNvPr id="14" name="TextBox 13">
-            <a:extLst>
-              <a:ext uri="{FF2B5EF4-FFF2-40B4-BE49-F238E27FC236}">
-                <a16:creationId xmlns:a16="http://schemas.microsoft.com/office/drawing/2014/main" id="{DC848827-1226-499C-0CFB-018E9D738F9B}"/>
-              </a:ext>
-            </a:extLst>
-          </p:cNvPr>
-          <p:cNvSpPr txBox="1"/>
-          <p:nvPr/>
-        </p:nvSpPr>
-        <p:spPr>
-          <a:xfrm>
-            <a:off x="5252258" y="3654264"/>
-            <a:ext cx="2443561" cy="646331"/>
-          </a:xfrm>
-          <a:prstGeom prst="rect">
-            <a:avLst/>
-          </a:prstGeom>
-          <a:noFill/>
-        </p:spPr>
-        <p:txBody>
-          <a:bodyPr wrap="square" rtlCol="0">
-            <a:spAutoFit/>
-          </a:bodyPr>
-          <a:lstStyle/>
-          <a:p>
-            <a:pPr algn="ctr"/>
-            <a:r>
-              <a:rPr lang="en-US" dirty="0"/>
-              <a:t>Hol </a:t>
-            </a:r>
-            <a:br>
-              <a:rPr lang="en-US" dirty="0"/>
-            </a:br>
-            <a:r>
-              <a:rPr lang="en-US" dirty="0"/>
-              <a:t>@ (0.10, 0.005) </a:t>
-            </a:r>
-          </a:p>
-        </p:txBody>
-      </p:sp>
-      <p:pic>
-        <p:nvPicPr>
-          <p:cNvPr id="16" name="Picture 15">
-            <a:extLst>
-              <a:ext uri="{FF2B5EF4-FFF2-40B4-BE49-F238E27FC236}">
-                <a16:creationId xmlns:a16="http://schemas.microsoft.com/office/drawing/2014/main" id="{E82F1C2C-4022-3D5A-E35B-36288618F0D4}"/>
-              </a:ext>
-            </a:extLst>
-          </p:cNvPr>
-          <p:cNvPicPr>
-            <a:picLocks noChangeAspect="1"/>
-          </p:cNvPicPr>
-          <p:nvPr/>
-        </p:nvPicPr>
-        <p:blipFill>
-          <a:blip r:embed="rId3"/>
-          <a:stretch>
-            <a:fillRect/>
-          </a:stretch>
-        </p:blipFill>
-        <p:spPr>
-          <a:xfrm>
-            <a:off x="1629530" y="4515880"/>
-            <a:ext cx="1341483" cy="1104488"/>
-          </a:xfrm>
-          <a:prstGeom prst="rect">
-            <a:avLst/>
-          </a:prstGeom>
-        </p:spPr>
-      </p:pic>
-      <p:pic>
-        <p:nvPicPr>
-          <p:cNvPr id="17" name="Picture 2">
-            <a:extLst>
-              <a:ext uri="{FF2B5EF4-FFF2-40B4-BE49-F238E27FC236}">
-                <a16:creationId xmlns:a16="http://schemas.microsoft.com/office/drawing/2014/main" id="{BE8873CF-4798-75E9-EFEE-0E662BE9FB32}"/>
-              </a:ext>
-            </a:extLst>
-          </p:cNvPr>
-          <p:cNvPicPr>
-            <a:picLocks noChangeAspect="1" noChangeArrowheads="1"/>
-          </p:cNvPicPr>
-          <p:nvPr/>
-        </p:nvPicPr>
-        <p:blipFill>
-          <a:blip r:embed="rId4">
-            <a:extLst>
-              <a:ext uri="{28A0092B-C50C-407E-A947-70E740481C1C}">
-                <a14:useLocalDpi xmlns:a14="http://schemas.microsoft.com/office/drawing/2010/main" val="0"/>
-              </a:ext>
-            </a:extLst>
-          </a:blip>
-          <a:srcRect/>
-          <a:stretch>
-            <a:fillRect/>
-          </a:stretch>
-        </p:blipFill>
-        <p:spPr bwMode="auto">
-          <a:xfrm>
-            <a:off x="1475843" y="5535553"/>
-            <a:ext cx="1736820" cy="716625"/>
-          </a:xfrm>
-          <a:prstGeom prst="rect">
-            <a:avLst/>
-          </a:prstGeom>
-          <a:noFill/>
-          <a:extLst>
-            <a:ext uri="{909E8E84-426E-40DD-AFC4-6F175D3DCCD1}">
-              <a14:hiddenFill xmlns:a14="http://schemas.microsoft.com/office/drawing/2010/main">
-                <a:solidFill>
-                  <a:srgbClr val="FFFFFF"/>
-                </a:solidFill>
-              </a14:hiddenFill>
-            </a:ext>
-          </a:extLst>
-        </p:spPr>
-      </p:pic>
-      <p:sp>
-        <p:nvSpPr>
-          <p:cNvPr id="18" name="TextBox 17">
-            <a:extLst>
-              <a:ext uri="{FF2B5EF4-FFF2-40B4-BE49-F238E27FC236}">
-                <a16:creationId xmlns:a16="http://schemas.microsoft.com/office/drawing/2014/main" id="{C69977A7-B881-6FEB-C881-54B2CF7BF8CB}"/>
-              </a:ext>
-            </a:extLst>
-          </p:cNvPr>
-          <p:cNvSpPr txBox="1"/>
-          <p:nvPr/>
-        </p:nvSpPr>
-        <p:spPr>
-          <a:xfrm>
-            <a:off x="1122472" y="6170499"/>
-            <a:ext cx="2443561" cy="646331"/>
-          </a:xfrm>
-          <a:prstGeom prst="rect">
-            <a:avLst/>
-          </a:prstGeom>
-          <a:noFill/>
-        </p:spPr>
-        <p:txBody>
-          <a:bodyPr wrap="square" rtlCol="0">
-            <a:spAutoFit/>
-          </a:bodyPr>
-          <a:lstStyle/>
-          <a:p>
-            <a:pPr algn="ctr"/>
-            <a:r>
-              <a:rPr lang="en-US" dirty="0" err="1"/>
-              <a:t>Fus</a:t>
-            </a:r>
-            <a:br>
-              <a:rPr lang="en-US" dirty="0"/>
-            </a:br>
-            <a:r>
-              <a:rPr lang="en-US" dirty="0"/>
-              <a:t>@ (0.10, 0.0075) </a:t>
-            </a:r>
-          </a:p>
-        </p:txBody>
-      </p:sp>
-      <p:pic>
-        <p:nvPicPr>
-          <p:cNvPr id="19" name="Picture 4">
-            <a:extLst>
-              <a:ext uri="{FF2B5EF4-FFF2-40B4-BE49-F238E27FC236}">
-                <a16:creationId xmlns:a16="http://schemas.microsoft.com/office/drawing/2014/main" id="{1F1C44BE-2995-BFE6-65E7-5673DFF68510}"/>
-              </a:ext>
-            </a:extLst>
-          </p:cNvPr>
-          <p:cNvPicPr>
-            <a:picLocks noChangeAspect="1" noChangeArrowheads="1"/>
-          </p:cNvPicPr>
-          <p:nvPr/>
-        </p:nvPicPr>
-        <p:blipFill>
-          <a:blip r:embed="rId5">
-            <a:extLst>
-              <a:ext uri="{28A0092B-C50C-407E-A947-70E740481C1C}">
-                <a14:useLocalDpi xmlns:a14="http://schemas.microsoft.com/office/drawing/2010/main" val="0"/>
-              </a:ext>
-            </a:extLst>
-          </a:blip>
-          <a:srcRect/>
-          <a:stretch>
-            <a:fillRect/>
-          </a:stretch>
-        </p:blipFill>
-        <p:spPr bwMode="auto">
-          <a:xfrm>
-            <a:off x="4219926" y="4781039"/>
-            <a:ext cx="1980532" cy="1069745"/>
-          </a:xfrm>
-          <a:prstGeom prst="rect">
-            <a:avLst/>
-          </a:prstGeom>
-          <a:noFill/>
-          <a:extLst>
-            <a:ext uri="{909E8E84-426E-40DD-AFC4-6F175D3DCCD1}">
-              <a14:hiddenFill xmlns:a14="http://schemas.microsoft.com/office/drawing/2010/main">
-                <a:solidFill>
-                  <a:srgbClr val="FFFFFF"/>
-                </a:solidFill>
-              </a14:hiddenFill>
-            </a:ext>
-          </a:extLst>
-        </p:spPr>
-      </p:pic>
-      <p:sp>
-        <p:nvSpPr>
-          <p:cNvPr id="21" name="TextBox 20">
-            <a:extLst>
-              <a:ext uri="{FF2B5EF4-FFF2-40B4-BE49-F238E27FC236}">
-                <a16:creationId xmlns:a16="http://schemas.microsoft.com/office/drawing/2014/main" id="{1091E229-4CE9-B04F-0A62-34B86C6F1D9F}"/>
-              </a:ext>
-            </a:extLst>
-          </p:cNvPr>
-          <p:cNvSpPr txBox="1"/>
-          <p:nvPr/>
-        </p:nvSpPr>
-        <p:spPr>
-          <a:xfrm>
-            <a:off x="4119838" y="6003988"/>
-            <a:ext cx="2443561" cy="646331"/>
-          </a:xfrm>
-          <a:prstGeom prst="rect">
-            <a:avLst/>
-          </a:prstGeom>
-          <a:noFill/>
-        </p:spPr>
-        <p:txBody>
-          <a:bodyPr wrap="square" rtlCol="0">
-            <a:spAutoFit/>
-          </a:bodyPr>
-          <a:lstStyle/>
-          <a:p>
-            <a:pPr algn="ctr"/>
-            <a:r>
-              <a:rPr lang="en-US" dirty="0"/>
-              <a:t>Hom </a:t>
-            </a:r>
-            <a:br>
-              <a:rPr lang="en-US" dirty="0"/>
-            </a:br>
-            <a:r>
-              <a:rPr lang="en-US" dirty="0"/>
-              <a:t>@ (0.10, 0.010) </a:t>
-            </a:r>
-          </a:p>
-        </p:txBody>
-      </p:sp>
-      <p:pic>
-        <p:nvPicPr>
-          <p:cNvPr id="3" name="Picture 2">
-            <a:extLst>
-              <a:ext uri="{FF2B5EF4-FFF2-40B4-BE49-F238E27FC236}">
-                <a16:creationId xmlns:a16="http://schemas.microsoft.com/office/drawing/2014/main" id="{B43611EE-F4C5-1C25-8C68-256E6E5F3841}"/>
-              </a:ext>
-            </a:extLst>
-          </p:cNvPr>
-          <p:cNvPicPr>
-            <a:picLocks noChangeAspect="1"/>
-          </p:cNvPicPr>
-          <p:nvPr/>
-        </p:nvPicPr>
-        <p:blipFill>
-          <a:blip r:embed="rId6"/>
-          <a:stretch>
-            <a:fillRect/>
-          </a:stretch>
-        </p:blipFill>
-        <p:spPr>
-          <a:xfrm>
-            <a:off x="3259401" y="2063685"/>
-            <a:ext cx="1795005" cy="1588772"/>
-          </a:xfrm>
-          <a:prstGeom prst="rect">
-            <a:avLst/>
-          </a:prstGeom>
-        </p:spPr>
-      </p:pic>
-      <p:pic>
-        <p:nvPicPr>
-          <p:cNvPr id="7" name="Picture 6">
-            <a:extLst>
-              <a:ext uri="{FF2B5EF4-FFF2-40B4-BE49-F238E27FC236}">
-                <a16:creationId xmlns:a16="http://schemas.microsoft.com/office/drawing/2014/main" id="{0C868E0D-3D99-A55C-42BD-79C246A93FF6}"/>
-              </a:ext>
-            </a:extLst>
-          </p:cNvPr>
-          <p:cNvPicPr>
-            <a:picLocks noChangeAspect="1"/>
-          </p:cNvPicPr>
-          <p:nvPr/>
-        </p:nvPicPr>
-        <p:blipFill>
-          <a:blip r:embed="rId7"/>
-          <a:stretch>
-            <a:fillRect/>
-          </a:stretch>
-        </p:blipFill>
-        <p:spPr>
-          <a:xfrm>
-            <a:off x="471342" y="2216158"/>
-            <a:ext cx="2009001" cy="1380189"/>
-          </a:xfrm>
-          <a:prstGeom prst="rect">
-            <a:avLst/>
-          </a:prstGeom>
-        </p:spPr>
-      </p:pic>
-      <p:pic>
-        <p:nvPicPr>
-          <p:cNvPr id="3074" name="Picture 2">
-            <a:extLst>
-              <a:ext uri="{FF2B5EF4-FFF2-40B4-BE49-F238E27FC236}">
-                <a16:creationId xmlns:a16="http://schemas.microsoft.com/office/drawing/2014/main" id="{DED97127-0B2B-3E88-0DAE-E59EE09212E6}"/>
-              </a:ext>
-            </a:extLst>
-          </p:cNvPr>
-          <p:cNvPicPr>
-            <a:picLocks noChangeAspect="1" noChangeArrowheads="1"/>
-          </p:cNvPicPr>
-          <p:nvPr/>
-        </p:nvPicPr>
-        <p:blipFill>
-          <a:blip r:embed="rId8">
-            <a:extLst>
-              <a:ext uri="{28A0092B-C50C-407E-A947-70E740481C1C}">
-                <a14:useLocalDpi xmlns:a14="http://schemas.microsoft.com/office/drawing/2010/main" val="0"/>
-              </a:ext>
-            </a:extLst>
-          </a:blip>
-          <a:srcRect/>
-          <a:stretch>
-            <a:fillRect/>
-          </a:stretch>
-        </p:blipFill>
-        <p:spPr bwMode="auto">
-          <a:xfrm>
-            <a:off x="7976166" y="2999396"/>
-            <a:ext cx="3876450" cy="2422141"/>
-          </a:xfrm>
-          <a:prstGeom prst="rect">
-            <a:avLst/>
-          </a:prstGeom>
-          <a:noFill/>
-          <a:extLst>
-            <a:ext uri="{909E8E84-426E-40DD-AFC4-6F175D3DCCD1}">
-              <a14:hiddenFill xmlns:a14="http://schemas.microsoft.com/office/drawing/2010/main">
-                <a:solidFill>
-                  <a:srgbClr val="FFFFFF"/>
-                </a:solidFill>
-              </a14:hiddenFill>
-            </a:ext>
-          </a:extLst>
-        </p:spPr>
-      </p:pic>
-    </p:spTree>
-    <p:extLst>
-      <p:ext uri="{BB962C8B-B14F-4D97-AF65-F5344CB8AC3E}">
-        <p14:creationId xmlns:p14="http://schemas.microsoft.com/office/powerpoint/2010/main" val="65259510"/>
-      </p:ext>
-    </p:extLst>
-  </p:cSld>
-  <p:clrMapOvr>
-    <a:masterClrMapping/>
-  </p:clrMapOvr>
-</p:sld>
-</file>
-
-<file path=ppt/slides/slide4.xml><?xml version="1.0" encoding="utf-8"?>
-<p:sld xmlns:a="http://schemas.openxmlformats.org/drawingml/2006/main" xmlns:r="http://schemas.openxmlformats.org/officeDocument/2006/relationships" xmlns:p="http://schemas.openxmlformats.org/presentationml/2006/main">
-  <p:cSld>
-    <p:spTree>
-      <p:nvGrpSpPr>
-        <p:cNvPr id="1" name="">
-          <a:extLst>
-            <a:ext uri="{FF2B5EF4-FFF2-40B4-BE49-F238E27FC236}">
-              <a16:creationId xmlns:a16="http://schemas.microsoft.com/office/drawing/2014/main" id="{C775864A-3E80-27B5-12D7-24634AF6EA24}"/>
-            </a:ext>
-          </a:extLst>
-        </p:cNvPr>
-        <p:cNvGrpSpPr/>
-        <p:nvPr/>
-      </p:nvGrpSpPr>
-      <p:grpSpPr>
-        <a:xfrm>
-          <a:off x="0" y="0"/>
-          <a:ext cx="0" cy="0"/>
-          <a:chOff x="0" y="0"/>
-          <a:chExt cx="0" cy="0"/>
-        </a:xfrm>
-      </p:grpSpPr>
-      <p:sp>
-        <p:nvSpPr>
-          <p:cNvPr id="3" name="TextBox 2">
-            <a:extLst>
-              <a:ext uri="{FF2B5EF4-FFF2-40B4-BE49-F238E27FC236}">
-                <a16:creationId xmlns:a16="http://schemas.microsoft.com/office/drawing/2014/main" id="{B8C03A4E-A217-CDE0-AB00-890419752756}"/>
-              </a:ext>
-            </a:extLst>
-          </p:cNvPr>
-          <p:cNvSpPr txBox="1"/>
-          <p:nvPr/>
-        </p:nvSpPr>
-        <p:spPr>
-          <a:xfrm>
-            <a:off x="1645962" y="247374"/>
-            <a:ext cx="9436032" cy="369332"/>
-          </a:xfrm>
-          <a:prstGeom prst="rect">
-            <a:avLst/>
-          </a:prstGeom>
-          <a:noFill/>
-        </p:spPr>
-        <p:txBody>
-          <a:bodyPr wrap="square" rtlCol="0">
-            <a:spAutoFit/>
-          </a:bodyPr>
-          <a:lstStyle/>
-          <a:p>
-            <a:r>
-              <a:rPr lang="en-US" dirty="0"/>
-              <a:t>Fig 4: </a:t>
-            </a:r>
-            <a:r>
-              <a:rPr lang="en-US" dirty="0" err="1"/>
-              <a:t>cyl</a:t>
-            </a:r>
-            <a:r>
-              <a:rPr lang="en-US" dirty="0"/>
-              <a:t> </a:t>
-            </a:r>
-            <a:r>
-              <a:rPr lang="en-US" dirty="0">
-                <a:sym typeface="Wingdings" panose="05000000000000000000" pitchFamily="2" charset="2"/>
-              </a:rPr>
-              <a:t> </a:t>
-            </a:r>
-            <a:r>
-              <a:rPr lang="en-US" dirty="0" err="1">
-                <a:sym typeface="Wingdings" panose="05000000000000000000" pitchFamily="2" charset="2"/>
-              </a:rPr>
-              <a:t>hom</a:t>
-            </a:r>
-            <a:r>
-              <a:rPr lang="en-US" dirty="0">
-                <a:sym typeface="Wingdings" panose="05000000000000000000" pitchFamily="2" charset="2"/>
-              </a:rPr>
-              <a:t>. Alpha = 0.25</a:t>
-            </a:r>
-            <a:endParaRPr lang="en-US" dirty="0"/>
-          </a:p>
-        </p:txBody>
-      </p:sp>
-      <p:sp>
-        <p:nvSpPr>
-          <p:cNvPr id="4" name="TextBox 3">
-            <a:extLst>
-              <a:ext uri="{FF2B5EF4-FFF2-40B4-BE49-F238E27FC236}">
-                <a16:creationId xmlns:a16="http://schemas.microsoft.com/office/drawing/2014/main" id="{A0EAC1CE-5121-159E-81D5-D3706C42884B}"/>
-              </a:ext>
-            </a:extLst>
-          </p:cNvPr>
-          <p:cNvSpPr txBox="1"/>
-          <p:nvPr/>
-        </p:nvSpPr>
-        <p:spPr>
-          <a:xfrm>
-            <a:off x="-170537" y="3380640"/>
-            <a:ext cx="2268490" cy="646331"/>
-          </a:xfrm>
-          <a:prstGeom prst="rect">
-            <a:avLst/>
-          </a:prstGeom>
-          <a:noFill/>
-        </p:spPr>
-        <p:txBody>
-          <a:bodyPr wrap="square" rtlCol="0">
-            <a:spAutoFit/>
-          </a:bodyPr>
-          <a:lstStyle/>
-          <a:p>
-            <a:pPr algn="ctr"/>
-            <a:r>
-              <a:rPr lang="en-US" dirty="0" err="1"/>
-              <a:t>Cyl</a:t>
-            </a:r>
-            <a:br>
-              <a:rPr lang="en-US" dirty="0"/>
-            </a:br>
-            <a:r>
-              <a:rPr lang="en-US" dirty="0"/>
-              <a:t>@ (0.25, 0.0025)</a:t>
-            </a:r>
-          </a:p>
-        </p:txBody>
-      </p:sp>
-      <p:sp>
-        <p:nvSpPr>
-          <p:cNvPr id="5" name="TextBox 4">
-            <a:extLst>
-              <a:ext uri="{FF2B5EF4-FFF2-40B4-BE49-F238E27FC236}">
-                <a16:creationId xmlns:a16="http://schemas.microsoft.com/office/drawing/2014/main" id="{67EF3764-EBCB-8A7E-8F21-6C9635AA5A2F}"/>
-              </a:ext>
-            </a:extLst>
-          </p:cNvPr>
-          <p:cNvSpPr txBox="1"/>
-          <p:nvPr/>
-        </p:nvSpPr>
-        <p:spPr>
-          <a:xfrm>
-            <a:off x="-119960" y="1406539"/>
-            <a:ext cx="2268490" cy="369332"/>
-          </a:xfrm>
-          <a:prstGeom prst="rect">
-            <a:avLst/>
-          </a:prstGeom>
-          <a:noFill/>
-        </p:spPr>
-        <p:txBody>
-          <a:bodyPr wrap="square" rtlCol="0">
-            <a:spAutoFit/>
-          </a:bodyPr>
-          <a:lstStyle/>
-          <a:p>
-            <a:pPr algn="ctr"/>
-            <a:r>
-              <a:rPr lang="en-US" dirty="0"/>
-              <a:t>Need to finalize</a:t>
-            </a:r>
-          </a:p>
-        </p:txBody>
-      </p:sp>
-      <p:pic>
-        <p:nvPicPr>
-          <p:cNvPr id="6" name="Picture 5">
-            <a:extLst>
-              <a:ext uri="{FF2B5EF4-FFF2-40B4-BE49-F238E27FC236}">
-                <a16:creationId xmlns:a16="http://schemas.microsoft.com/office/drawing/2014/main" id="{93B4F575-7B10-6A39-EF33-F3F58384CF6A}"/>
-              </a:ext>
-            </a:extLst>
-          </p:cNvPr>
-          <p:cNvPicPr>
-            <a:picLocks noChangeAspect="1"/>
-          </p:cNvPicPr>
-          <p:nvPr/>
-        </p:nvPicPr>
-        <p:blipFill>
-          <a:blip r:embed="rId2"/>
-          <a:stretch>
-            <a:fillRect/>
-          </a:stretch>
-        </p:blipFill>
-        <p:spPr>
-          <a:xfrm>
-            <a:off x="4146147" y="1651355"/>
-            <a:ext cx="1466490" cy="1578513"/>
-          </a:xfrm>
-          <a:prstGeom prst="rect">
-            <a:avLst/>
-          </a:prstGeom>
-        </p:spPr>
-      </p:pic>
-      <p:sp>
-        <p:nvSpPr>
-          <p:cNvPr id="7" name="TextBox 6">
-            <a:extLst>
-              <a:ext uri="{FF2B5EF4-FFF2-40B4-BE49-F238E27FC236}">
-                <a16:creationId xmlns:a16="http://schemas.microsoft.com/office/drawing/2014/main" id="{AA3F8B14-568D-484C-1888-393AB0A417F8}"/>
-              </a:ext>
-            </a:extLst>
-          </p:cNvPr>
-          <p:cNvSpPr txBox="1"/>
-          <p:nvPr/>
-        </p:nvSpPr>
-        <p:spPr>
-          <a:xfrm>
-            <a:off x="3873065" y="3429000"/>
-            <a:ext cx="2268490" cy="646331"/>
-          </a:xfrm>
-          <a:prstGeom prst="rect">
-            <a:avLst/>
-          </a:prstGeom>
-          <a:noFill/>
-        </p:spPr>
-        <p:txBody>
-          <a:bodyPr wrap="square" rtlCol="0">
-            <a:spAutoFit/>
-          </a:bodyPr>
-          <a:lstStyle/>
-          <a:p>
-            <a:pPr algn="ctr"/>
-            <a:r>
-              <a:rPr lang="en-US" dirty="0" err="1"/>
-              <a:t>Cyl</a:t>
-            </a:r>
-            <a:r>
-              <a:rPr lang="en-US" dirty="0"/>
-              <a:t>-str</a:t>
-            </a:r>
-            <a:br>
-              <a:rPr lang="en-US" dirty="0"/>
-            </a:br>
-            <a:r>
-              <a:rPr lang="en-US" dirty="0"/>
-              <a:t>@ (0.25, 0.020)</a:t>
-            </a:r>
-          </a:p>
-        </p:txBody>
-      </p:sp>
-      <p:sp>
-        <p:nvSpPr>
-          <p:cNvPr id="16" name="TextBox 15">
-            <a:extLst>
-              <a:ext uri="{FF2B5EF4-FFF2-40B4-BE49-F238E27FC236}">
-                <a16:creationId xmlns:a16="http://schemas.microsoft.com/office/drawing/2014/main" id="{1D13462F-3F31-7473-5236-737D7E955407}"/>
-              </a:ext>
-            </a:extLst>
-          </p:cNvPr>
-          <p:cNvSpPr txBox="1"/>
-          <p:nvPr/>
-        </p:nvSpPr>
-        <p:spPr>
-          <a:xfrm>
-            <a:off x="618013" y="6095253"/>
-            <a:ext cx="2268490" cy="646331"/>
-          </a:xfrm>
-          <a:prstGeom prst="rect">
-            <a:avLst/>
-          </a:prstGeom>
-          <a:noFill/>
-        </p:spPr>
-        <p:txBody>
-          <a:bodyPr wrap="square" rtlCol="0">
-            <a:spAutoFit/>
-          </a:bodyPr>
-          <a:lstStyle/>
-          <a:p>
-            <a:pPr algn="ctr"/>
-            <a:r>
-              <a:rPr lang="en-US" dirty="0"/>
-              <a:t>Rai-str</a:t>
-            </a:r>
-            <a:br>
-              <a:rPr lang="en-US" dirty="0"/>
-            </a:br>
-            <a:r>
-              <a:rPr lang="en-US" dirty="0"/>
-              <a:t>@ (0.25, 0.040)</a:t>
-            </a:r>
-          </a:p>
-        </p:txBody>
-      </p:sp>
-      <p:sp>
-        <p:nvSpPr>
-          <p:cNvPr id="17" name="TextBox 16">
-            <a:extLst>
-              <a:ext uri="{FF2B5EF4-FFF2-40B4-BE49-F238E27FC236}">
-                <a16:creationId xmlns:a16="http://schemas.microsoft.com/office/drawing/2014/main" id="{73DC2D45-D4FC-6F86-5E6D-3DD3EED30B8D}"/>
-              </a:ext>
-            </a:extLst>
-          </p:cNvPr>
-          <p:cNvSpPr txBox="1"/>
-          <p:nvPr/>
-        </p:nvSpPr>
-        <p:spPr>
-          <a:xfrm>
-            <a:off x="3408140" y="6161860"/>
-            <a:ext cx="2268490" cy="646331"/>
-          </a:xfrm>
-          <a:prstGeom prst="rect">
-            <a:avLst/>
-          </a:prstGeom>
-          <a:noFill/>
-        </p:spPr>
-        <p:txBody>
-          <a:bodyPr wrap="square" rtlCol="0">
-            <a:spAutoFit/>
-          </a:bodyPr>
-          <a:lstStyle/>
-          <a:p>
-            <a:pPr algn="ctr"/>
-            <a:r>
-              <a:rPr lang="en-US" dirty="0"/>
-              <a:t>Hom?</a:t>
-            </a:r>
-            <a:br>
-              <a:rPr lang="en-US" dirty="0"/>
-            </a:br>
-            <a:r>
-              <a:rPr lang="en-US" dirty="0"/>
-              <a:t>@ (0.25, 0.045)</a:t>
-            </a:r>
-          </a:p>
-        </p:txBody>
-      </p:sp>
-      <p:sp>
-        <p:nvSpPr>
-          <p:cNvPr id="24" name="TextBox 23">
-            <a:extLst>
-              <a:ext uri="{FF2B5EF4-FFF2-40B4-BE49-F238E27FC236}">
-                <a16:creationId xmlns:a16="http://schemas.microsoft.com/office/drawing/2014/main" id="{1D61F255-5A7A-CFF7-FE4F-86104C3D9E62}"/>
-              </a:ext>
-            </a:extLst>
-          </p:cNvPr>
-          <p:cNvSpPr txBox="1"/>
-          <p:nvPr/>
-        </p:nvSpPr>
-        <p:spPr>
-          <a:xfrm>
-            <a:off x="1828580" y="1414686"/>
-            <a:ext cx="2268490" cy="369332"/>
-          </a:xfrm>
-          <a:prstGeom prst="rect">
-            <a:avLst/>
-          </a:prstGeom>
-          <a:noFill/>
-        </p:spPr>
-        <p:txBody>
-          <a:bodyPr wrap="square" rtlCol="0">
-            <a:spAutoFit/>
-          </a:bodyPr>
-          <a:lstStyle/>
-          <a:p>
-            <a:pPr algn="ctr"/>
-            <a:r>
-              <a:rPr lang="en-US" dirty="0"/>
-              <a:t>Need to finalize</a:t>
-            </a:r>
-          </a:p>
-        </p:txBody>
-      </p:sp>
-      <p:sp>
-        <p:nvSpPr>
-          <p:cNvPr id="25" name="TextBox 24">
-            <a:extLst>
-              <a:ext uri="{FF2B5EF4-FFF2-40B4-BE49-F238E27FC236}">
-                <a16:creationId xmlns:a16="http://schemas.microsoft.com/office/drawing/2014/main" id="{F8D12C33-E629-4141-BB7D-1C6F632D955D}"/>
-              </a:ext>
-            </a:extLst>
-          </p:cNvPr>
-          <p:cNvSpPr txBox="1"/>
-          <p:nvPr/>
-        </p:nvSpPr>
-        <p:spPr>
-          <a:xfrm>
-            <a:off x="1843633" y="3416035"/>
-            <a:ext cx="2268490" cy="646331"/>
-          </a:xfrm>
-          <a:prstGeom prst="rect">
-            <a:avLst/>
-          </a:prstGeom>
-          <a:noFill/>
-        </p:spPr>
-        <p:txBody>
-          <a:bodyPr wrap="square" rtlCol="0">
-            <a:spAutoFit/>
-          </a:bodyPr>
-          <a:lstStyle/>
-          <a:p>
-            <a:pPr algn="ctr"/>
-            <a:r>
-              <a:rPr lang="en-US" dirty="0" err="1"/>
-              <a:t>Cyl-pn</a:t>
-            </a:r>
-            <a:br>
-              <a:rPr lang="en-US" dirty="0"/>
-            </a:br>
-            <a:r>
-              <a:rPr lang="en-US" dirty="0"/>
-              <a:t>@ (0.25, 0.010??)</a:t>
-            </a:r>
-          </a:p>
-        </p:txBody>
-      </p:sp>
-      <p:pic>
-        <p:nvPicPr>
-          <p:cNvPr id="26" name="Picture 25">
-            <a:extLst>
-              <a:ext uri="{FF2B5EF4-FFF2-40B4-BE49-F238E27FC236}">
-                <a16:creationId xmlns:a16="http://schemas.microsoft.com/office/drawing/2014/main" id="{A4C962C5-79E7-52D7-6153-0188BFE4612C}"/>
-              </a:ext>
-            </a:extLst>
-          </p:cNvPr>
-          <p:cNvPicPr>
-            <a:picLocks noChangeAspect="1"/>
-          </p:cNvPicPr>
-          <p:nvPr/>
-        </p:nvPicPr>
-        <p:blipFill>
-          <a:blip r:embed="rId3"/>
-          <a:stretch>
-            <a:fillRect/>
-          </a:stretch>
-        </p:blipFill>
-        <p:spPr>
-          <a:xfrm>
-            <a:off x="2082691" y="1813679"/>
-            <a:ext cx="1548511" cy="1535887"/>
-          </a:xfrm>
-          <a:prstGeom prst="rect">
-            <a:avLst/>
-          </a:prstGeom>
-        </p:spPr>
-      </p:pic>
-      <p:pic>
-        <p:nvPicPr>
-          <p:cNvPr id="27" name="Picture 26">
-            <a:extLst>
-              <a:ext uri="{FF2B5EF4-FFF2-40B4-BE49-F238E27FC236}">
-                <a16:creationId xmlns:a16="http://schemas.microsoft.com/office/drawing/2014/main" id="{0240B752-277E-1C20-1F04-334E04140DAE}"/>
-              </a:ext>
-            </a:extLst>
-          </p:cNvPr>
-          <p:cNvPicPr>
-            <a:picLocks noChangeAspect="1"/>
-          </p:cNvPicPr>
-          <p:nvPr/>
-        </p:nvPicPr>
-        <p:blipFill>
-          <a:blip r:embed="rId4"/>
-          <a:stretch>
-            <a:fillRect/>
-          </a:stretch>
-        </p:blipFill>
-        <p:spPr>
-          <a:xfrm>
-            <a:off x="280781" y="1813679"/>
-            <a:ext cx="1446461" cy="1589070"/>
-          </a:xfrm>
-          <a:prstGeom prst="rect">
-            <a:avLst/>
-          </a:prstGeom>
-        </p:spPr>
-      </p:pic>
-      <mc:AlternateContent xmlns:mc="http://schemas.openxmlformats.org/markup-compatibility/2006" xmlns:a14="http://schemas.microsoft.com/office/drawing/2010/main">
-        <mc:Choice Requires="a14">
+      <mc:AlternateContent xmlns:mc="http://schemas.openxmlformats.org/markup-compatibility/2006">
+        <mc:Choice xmlns:a14="http://schemas.microsoft.com/office/drawing/2010/main" Requires="a14">
           <p:sp>
             <p:nvSpPr>
-              <p:cNvPr id="28" name="TextBox 27">
+              <p:cNvPr id="9" name="TextBox 8">
                 <a:extLst>
                   <a:ext uri="{FF2B5EF4-FFF2-40B4-BE49-F238E27FC236}">
-                    <a16:creationId xmlns:a16="http://schemas.microsoft.com/office/drawing/2014/main" id="{66E04DA8-F68F-9BAE-5D37-F5F803DB8539}"/>
+                    <a16:creationId xmlns:a16="http://schemas.microsoft.com/office/drawing/2014/main" id="{16EF0F49-9045-7D3E-396F-4F042A0D1128}"/>
                   </a:ext>
                 </a:extLst>
               </p:cNvPr>
@@ -5534,8 +4418,8 @@
             </p:nvSpPr>
             <p:spPr>
               <a:xfrm>
-                <a:off x="8015451" y="2016634"/>
-                <a:ext cx="1783977" cy="369332"/>
+                <a:off x="2555514" y="3792201"/>
+                <a:ext cx="7833861" cy="1775743"/>
               </a:xfrm>
               <a:prstGeom prst="rect">
                 <a:avLst/>
@@ -5548,40 +4432,225 @@
               </a:bodyPr>
               <a:lstStyle/>
               <a:p>
-                <a:pPr/>
+                <a:r>
+                  <a:rPr lang="en-US" dirty="0"/>
+                  <a:t>Fig. 2: Evolution of sparse (</a:t>
+                </a:r>
                 <a14:m>
-                  <m:oMathPara xmlns:m="http://schemas.openxmlformats.org/officeDocument/2006/math">
-                    <m:oMathParaPr>
-                      <m:jc m:val="centerGroup"/>
-                    </m:oMathParaPr>
-                    <m:oMath xmlns:m="http://schemas.openxmlformats.org/officeDocument/2006/math">
-                      <m:r>
-                        <a:rPr lang="en-US" b="0" i="1" smtClean="0">
-                          <a:latin typeface="Cambria Math" panose="02040503050406030204" pitchFamily="18" charset="0"/>
-                        </a:rPr>
-                        <m:t>𝛼</m:t>
-                      </m:r>
-                      <m:r>
-                        <a:rPr lang="en-US" b="0" i="1" smtClean="0">
-                          <a:latin typeface="Cambria Math" panose="02040503050406030204" pitchFamily="18" charset="0"/>
-                        </a:rPr>
-                        <m:t>=0.25</m:t>
-                      </m:r>
-                    </m:oMath>
-                  </m:oMathPara>
+                  <m:oMath xmlns:m="http://schemas.openxmlformats.org/officeDocument/2006/math">
+                    <m:r>
+                      <a:rPr lang="en-US" b="0" i="1" smtClean="0">
+                        <a:latin typeface="Cambria Math" panose="02040503050406030204" pitchFamily="18" charset="0"/>
+                      </a:rPr>
+                      <m:t>𝜎</m:t>
+                    </m:r>
+                    <m:r>
+                      <a:rPr lang="en-US" b="0" i="1" smtClean="0">
+                        <a:latin typeface="Cambria Math" panose="02040503050406030204" pitchFamily="18" charset="0"/>
+                      </a:rPr>
+                      <m:t>=</m:t>
+                    </m:r>
+                    <m:r>
+                      <a:rPr lang="en-US" b="0" i="0" smtClean="0">
+                        <a:latin typeface="Cambria Math" panose="02040503050406030204" pitchFamily="18" charset="0"/>
+                      </a:rPr>
+                      <m:t>2.5</m:t>
+                    </m:r>
+                    <m:r>
+                      <m:rPr>
+                        <m:sty m:val="p"/>
+                      </m:rPr>
+                      <a:rPr lang="en-US" b="0" i="0" smtClean="0">
+                        <a:latin typeface="Cambria Math" panose="02040503050406030204" pitchFamily="18" charset="0"/>
+                      </a:rPr>
+                      <m:t>E</m:t>
+                    </m:r>
+                    <m:r>
+                      <a:rPr lang="en-US" b="0" i="0" smtClean="0">
+                        <a:latin typeface="Cambria Math" panose="02040503050406030204" pitchFamily="18" charset="0"/>
+                      </a:rPr>
+                      <m:t>−03 </m:t>
+                    </m:r>
+                    <m:sSup>
+                      <m:sSupPr>
+                        <m:ctrlPr>
+                          <a:rPr lang="en-US" b="0" i="0" smtClean="0">
+                            <a:latin typeface="Cambria Math" panose="02040503050406030204" pitchFamily="18" charset="0"/>
+                          </a:rPr>
+                        </m:ctrlPr>
+                      </m:sSupPr>
+                      <m:e>
+                        <m:r>
+                          <m:rPr>
+                            <m:sty m:val="p"/>
+                          </m:rPr>
+                          <a:rPr lang="en-US" b="0" i="0" smtClean="0">
+                            <a:latin typeface="Cambria Math" panose="02040503050406030204" pitchFamily="18" charset="0"/>
+                          </a:rPr>
+                          <m:t>nm</m:t>
+                        </m:r>
+                      </m:e>
+                      <m:sup>
+                        <m:r>
+                          <a:rPr lang="en-US" b="0" i="1" smtClean="0">
+                            <a:latin typeface="Cambria Math" panose="02040503050406030204" pitchFamily="18" charset="0"/>
+                          </a:rPr>
+                          <m:t>−2</m:t>
+                        </m:r>
+                      </m:sup>
+                    </m:sSup>
+                    <m:r>
+                      <a:rPr lang="en-US" b="0" i="1" smtClean="0">
+                        <a:latin typeface="Cambria Math" panose="02040503050406030204" pitchFamily="18" charset="0"/>
+                      </a:rPr>
+                      <m:t>)</m:t>
+                    </m:r>
+                  </m:oMath>
                 </a14:m>
-                <a:endParaRPr lang="en-US" dirty="0"/>
+                <a:r>
+                  <a:rPr lang="en-US" dirty="0"/>
+                  <a:t> PE brush morphologies. Polymer density distributions are plotted for varying PE backbone charge fractions </a:t>
+                </a:r>
+                <a14:m>
+                  <m:oMath xmlns:m="http://schemas.openxmlformats.org/officeDocument/2006/math">
+                    <m:r>
+                      <a:rPr lang="en-US" b="0" i="1" smtClean="0">
+                        <a:latin typeface="Cambria Math" panose="02040503050406030204" pitchFamily="18" charset="0"/>
+                      </a:rPr>
+                      <m:t>𝛼</m:t>
+                    </m:r>
+                  </m:oMath>
+                </a14:m>
+                <a:r>
+                  <a:rPr lang="en-US" dirty="0"/>
+                  <a:t>: (a) micelle morphology at </a:t>
+                </a:r>
+                <a14:m>
+                  <m:oMath xmlns:m="http://schemas.openxmlformats.org/officeDocument/2006/math">
+                    <m:r>
+                      <a:rPr lang="en-US" b="0" i="1" smtClean="0">
+                        <a:latin typeface="Cambria Math" panose="02040503050406030204" pitchFamily="18" charset="0"/>
+                      </a:rPr>
+                      <m:t>𝛼</m:t>
+                    </m:r>
+                    <m:r>
+                      <a:rPr lang="en-US" b="0" i="1" smtClean="0">
+                        <a:latin typeface="Cambria Math" panose="02040503050406030204" pitchFamily="18" charset="0"/>
+                      </a:rPr>
+                      <m:t>=0.10</m:t>
+                    </m:r>
+                  </m:oMath>
+                </a14:m>
+                <a:r>
+                  <a:rPr lang="en-US" dirty="0"/>
+                  <a:t> and (b) cylinder at </a:t>
+                </a:r>
+                <a14:m>
+                  <m:oMath xmlns:m="http://schemas.openxmlformats.org/officeDocument/2006/math">
+                    <m:r>
+                      <a:rPr lang="en-US" b="0" i="1" smtClean="0">
+                        <a:latin typeface="Cambria Math" panose="02040503050406030204" pitchFamily="18" charset="0"/>
+                      </a:rPr>
+                      <m:t>𝛼</m:t>
+                    </m:r>
+                    <m:r>
+                      <a:rPr lang="en-US" b="0" i="1" smtClean="0">
+                        <a:latin typeface="Cambria Math" panose="02040503050406030204" pitchFamily="18" charset="0"/>
+                      </a:rPr>
+                      <m:t>=0.25</m:t>
+                    </m:r>
+                  </m:oMath>
+                </a14:m>
+                <a:r>
+                  <a:rPr lang="en-US" dirty="0"/>
+                  <a:t>. </a:t>
+                </a:r>
+                <a:r>
+                  <a:rPr lang="en-US" dirty="0" err="1"/>
+                  <a:t>Isosurfaces</a:t>
+                </a:r>
+                <a:r>
+                  <a:rPr lang="en-US" dirty="0"/>
+                  <a:t> plotted for </a:t>
+                </a:r>
+                <a14:m>
+                  <m:oMath xmlns:m="http://schemas.openxmlformats.org/officeDocument/2006/math">
+                    <m:sSub>
+                      <m:sSubPr>
+                        <m:ctrlPr>
+                          <a:rPr lang="en-US" b="0" i="1" smtClean="0">
+                            <a:latin typeface="Cambria Math" panose="02040503050406030204" pitchFamily="18" charset="0"/>
+                          </a:rPr>
+                        </m:ctrlPr>
+                      </m:sSubPr>
+                      <m:e>
+                        <m:r>
+                          <a:rPr lang="en-US" b="0" i="1" smtClean="0">
+                            <a:latin typeface="Cambria Math" panose="02040503050406030204" pitchFamily="18" charset="0"/>
+                          </a:rPr>
+                          <m:t>𝜙</m:t>
+                        </m:r>
+                      </m:e>
+                      <m:sub>
+                        <m:r>
+                          <a:rPr lang="en-US" b="0" i="1" smtClean="0">
+                            <a:latin typeface="Cambria Math" panose="02040503050406030204" pitchFamily="18" charset="0"/>
+                          </a:rPr>
+                          <m:t>𝑝</m:t>
+                        </m:r>
+                      </m:sub>
+                    </m:sSub>
+                    <m:r>
+                      <a:rPr lang="en-US" b="0" i="1" smtClean="0">
+                        <a:latin typeface="Cambria Math" panose="02040503050406030204" pitchFamily="18" charset="0"/>
+                      </a:rPr>
+                      <m:t>=0.10</m:t>
+                    </m:r>
+                    <m:r>
+                      <a:rPr lang="en-US" b="0" i="0" smtClean="0">
+                        <a:latin typeface="Cambria Math" panose="02040503050406030204" pitchFamily="18" charset="0"/>
+                      </a:rPr>
+                      <m:t>.</m:t>
+                    </m:r>
+                  </m:oMath>
+                </a14:m>
+                <a:r>
+                  <a:rPr lang="en-US" dirty="0"/>
+                  <a:t> (c) Excess free energy with respect to the micelle morphology and varying backbone charge fractions </a:t>
+                </a:r>
+                <a14:m>
+                  <m:oMath xmlns:m="http://schemas.openxmlformats.org/officeDocument/2006/math">
+                    <m:r>
+                      <a:rPr lang="en-US" b="0" i="1" smtClean="0">
+                        <a:latin typeface="Cambria Math" panose="02040503050406030204" pitchFamily="18" charset="0"/>
+                      </a:rPr>
+                      <m:t>𝛼</m:t>
+                    </m:r>
+                  </m:oMath>
+                </a14:m>
+                <a:r>
+                  <a:rPr lang="en-US" dirty="0"/>
+                  <a:t>. Dotted lines indicate metastable (</a:t>
+                </a:r>
+                <a:r>
+                  <a:rPr lang="en-US" b="1" dirty="0"/>
+                  <a:t>unfinished</a:t>
+                </a:r>
+                <a:r>
+                  <a:rPr lang="en-US" dirty="0"/>
+                  <a:t>).</a:t>
+                </a:r>
               </a:p>
             </p:txBody>
           </p:sp>
         </mc:Choice>
-        <mc:Fallback xmlns="">
+        <mc:Fallback>
           <p:sp>
             <p:nvSpPr>
-              <p:cNvPr id="28" name="TextBox 27">
+              <p:cNvPr id="9" name="TextBox 8">
                 <a:extLst>
                   <a:ext uri="{FF2B5EF4-FFF2-40B4-BE49-F238E27FC236}">
-                    <a16:creationId xmlns:a16="http://schemas.microsoft.com/office/drawing/2014/main" id="{66E04DA8-F68F-9BAE-5D37-F5F803DB8539}"/>
+                    <a16:creationId xmlns:a16="http://schemas.microsoft.com/office/drawing/2014/main" id="{16EF0F49-9045-7D3E-396F-4F042A0D1128}"/>
                   </a:ext>
                 </a:extLst>
               </p:cNvPr>
@@ -5592,8 +4661,210 @@
             </p:nvSpPr>
             <p:spPr>
               <a:xfrm>
-                <a:off x="8015451" y="2016634"/>
-                <a:ext cx="1783977" cy="369332"/>
+                <a:off x="2555514" y="3792201"/>
+                <a:ext cx="7833861" cy="1775743"/>
+              </a:xfrm>
+              <a:prstGeom prst="rect">
+                <a:avLst/>
+              </a:prstGeom>
+              <a:blipFill>
+                <a:blip r:embed="rId5"/>
+                <a:stretch>
+                  <a:fillRect l="-623" t="-1375" b="-4811"/>
+                </a:stretch>
+              </a:blipFill>
+            </p:spPr>
+            <p:txBody>
+              <a:bodyPr/>
+              <a:lstStyle/>
+              <a:p>
+                <a:r>
+                  <a:rPr lang="en-US">
+                    <a:noFill/>
+                  </a:rPr>
+                  <a:t> </a:t>
+                </a:r>
+              </a:p>
+            </p:txBody>
+          </p:sp>
+        </mc:Fallback>
+      </mc:AlternateContent>
+      <mc:AlternateContent xmlns:mc="http://schemas.openxmlformats.org/markup-compatibility/2006">
+        <mc:Choice xmlns:a14="http://schemas.microsoft.com/office/drawing/2010/main" Requires="a14">
+          <p:sp>
+            <p:nvSpPr>
+              <p:cNvPr id="11" name="TextBox 10">
+                <a:extLst>
+                  <a:ext uri="{FF2B5EF4-FFF2-40B4-BE49-F238E27FC236}">
+                    <a16:creationId xmlns:a16="http://schemas.microsoft.com/office/drawing/2014/main" id="{7333A603-2C3C-D9A6-B32C-22C4D6E7922D}"/>
+                  </a:ext>
+                </a:extLst>
+              </p:cNvPr>
+              <p:cNvSpPr txBox="1"/>
+              <p:nvPr/>
+            </p:nvSpPr>
+            <p:spPr>
+              <a:xfrm>
+                <a:off x="2979974" y="1487117"/>
+                <a:ext cx="1681433" cy="338554"/>
+              </a:xfrm>
+              <a:prstGeom prst="rect">
+                <a:avLst/>
+              </a:prstGeom>
+              <a:noFill/>
+            </p:spPr>
+            <p:txBody>
+              <a:bodyPr wrap="square" rtlCol="0">
+                <a:spAutoFit/>
+              </a:bodyPr>
+              <a:lstStyle/>
+              <a:p>
+                <a14:m>
+                  <m:oMathPara xmlns:m="http://schemas.openxmlformats.org/officeDocument/2006/math">
+                    <m:oMathParaPr>
+                      <m:jc m:val="centerGroup"/>
+                    </m:oMathParaPr>
+                    <m:oMath xmlns:m="http://schemas.openxmlformats.org/officeDocument/2006/math">
+                      <m:r>
+                        <a:rPr lang="en-US" sz="1600" b="0" i="1" smtClean="0">
+                          <a:latin typeface="Cambria Math" panose="02040503050406030204" pitchFamily="18" charset="0"/>
+                        </a:rPr>
+                        <m:t>𝛼</m:t>
+                      </m:r>
+                      <m:r>
+                        <a:rPr lang="en-US" sz="1600" b="0" i="1" smtClean="0">
+                          <a:latin typeface="Cambria Math" panose="02040503050406030204" pitchFamily="18" charset="0"/>
+                        </a:rPr>
+                        <m:t>=0.10</m:t>
+                      </m:r>
+                    </m:oMath>
+                  </m:oMathPara>
+                </a14:m>
+                <a:endParaRPr lang="en-US" sz="1600" dirty="0"/>
+              </a:p>
+            </p:txBody>
+          </p:sp>
+        </mc:Choice>
+        <mc:Fallback>
+          <p:sp>
+            <p:nvSpPr>
+              <p:cNvPr id="11" name="TextBox 10">
+                <a:extLst>
+                  <a:ext uri="{FF2B5EF4-FFF2-40B4-BE49-F238E27FC236}">
+                    <a16:creationId xmlns:a16="http://schemas.microsoft.com/office/drawing/2014/main" id="{7333A603-2C3C-D9A6-B32C-22C4D6E7922D}"/>
+                  </a:ext>
+                </a:extLst>
+              </p:cNvPr>
+              <p:cNvSpPr txBox="1">
+                <a:spLocks noRot="1" noChangeAspect="1" noMove="1" noResize="1" noEditPoints="1" noAdjustHandles="1" noChangeArrowheads="1" noChangeShapeType="1" noTextEdit="1"/>
+              </p:cNvSpPr>
+              <p:nvPr/>
+            </p:nvSpPr>
+            <p:spPr>
+              <a:xfrm>
+                <a:off x="2979974" y="1487117"/>
+                <a:ext cx="1681433" cy="338554"/>
+              </a:xfrm>
+              <a:prstGeom prst="rect">
+                <a:avLst/>
+              </a:prstGeom>
+              <a:blipFill>
+                <a:blip r:embed="rId6"/>
+                <a:stretch>
+                  <a:fillRect/>
+                </a:stretch>
+              </a:blipFill>
+            </p:spPr>
+            <p:txBody>
+              <a:bodyPr/>
+              <a:lstStyle/>
+              <a:p>
+                <a:r>
+                  <a:rPr lang="en-US">
+                    <a:noFill/>
+                  </a:rPr>
+                  <a:t> </a:t>
+                </a:r>
+              </a:p>
+            </p:txBody>
+          </p:sp>
+        </mc:Fallback>
+      </mc:AlternateContent>
+      <mc:AlternateContent xmlns:mc="http://schemas.openxmlformats.org/markup-compatibility/2006">
+        <mc:Choice xmlns:a14="http://schemas.microsoft.com/office/drawing/2010/main" Requires="a14">
+          <p:sp>
+            <p:nvSpPr>
+              <p:cNvPr id="14" name="TextBox 13">
+                <a:extLst>
+                  <a:ext uri="{FF2B5EF4-FFF2-40B4-BE49-F238E27FC236}">
+                    <a16:creationId xmlns:a16="http://schemas.microsoft.com/office/drawing/2014/main" id="{426FA3E7-F33A-E583-9106-00B019B4B662}"/>
+                  </a:ext>
+                </a:extLst>
+              </p:cNvPr>
+              <p:cNvSpPr txBox="1"/>
+              <p:nvPr/>
+            </p:nvSpPr>
+            <p:spPr>
+              <a:xfrm>
+                <a:off x="5270217" y="1493164"/>
+                <a:ext cx="1681433" cy="338554"/>
+              </a:xfrm>
+              <a:prstGeom prst="rect">
+                <a:avLst/>
+              </a:prstGeom>
+              <a:noFill/>
+            </p:spPr>
+            <p:txBody>
+              <a:bodyPr wrap="square" rtlCol="0">
+                <a:spAutoFit/>
+              </a:bodyPr>
+              <a:lstStyle/>
+              <a:p>
+                <a14:m>
+                  <m:oMathPara xmlns:m="http://schemas.openxmlformats.org/officeDocument/2006/math">
+                    <m:oMathParaPr>
+                      <m:jc m:val="centerGroup"/>
+                    </m:oMathParaPr>
+                    <m:oMath xmlns:m="http://schemas.openxmlformats.org/officeDocument/2006/math">
+                      <m:r>
+                        <a:rPr lang="en-US" sz="1600" b="0" i="1" smtClean="0">
+                          <a:latin typeface="Cambria Math" panose="02040503050406030204" pitchFamily="18" charset="0"/>
+                        </a:rPr>
+                        <m:t>𝛼</m:t>
+                      </m:r>
+                      <m:r>
+                        <a:rPr lang="en-US" sz="1600" b="0" i="1" smtClean="0">
+                          <a:latin typeface="Cambria Math" panose="02040503050406030204" pitchFamily="18" charset="0"/>
+                        </a:rPr>
+                        <m:t>=0.25</m:t>
+                      </m:r>
+                    </m:oMath>
+                  </m:oMathPara>
+                </a14:m>
+                <a:endParaRPr lang="en-US" sz="1600" dirty="0"/>
+              </a:p>
+            </p:txBody>
+          </p:sp>
+        </mc:Choice>
+        <mc:Fallback>
+          <p:sp>
+            <p:nvSpPr>
+              <p:cNvPr id="14" name="TextBox 13">
+                <a:extLst>
+                  <a:ext uri="{FF2B5EF4-FFF2-40B4-BE49-F238E27FC236}">
+                    <a16:creationId xmlns:a16="http://schemas.microsoft.com/office/drawing/2014/main" id="{426FA3E7-F33A-E583-9106-00B019B4B662}"/>
+                  </a:ext>
+                </a:extLst>
+              </p:cNvPr>
+              <p:cNvSpPr txBox="1">
+                <a:spLocks noRot="1" noChangeAspect="1" noMove="1" noResize="1" noEditPoints="1" noAdjustHandles="1" noChangeArrowheads="1" noChangeShapeType="1" noTextEdit="1"/>
+              </p:cNvSpPr>
+              <p:nvPr/>
+            </p:nvSpPr>
+            <p:spPr>
+              <a:xfrm>
+                <a:off x="5270217" y="1493164"/>
+                <a:ext cx="1681433" cy="338554"/>
               </a:xfrm>
               <a:prstGeom prst="rect">
                 <a:avLst/>
@@ -5620,12 +4891,322 @@
           </p:sp>
         </mc:Fallback>
       </mc:AlternateContent>
+      <p:sp>
+        <p:nvSpPr>
+          <p:cNvPr id="20" name="TextBox 19">
+            <a:extLst>
+              <a:ext uri="{FF2B5EF4-FFF2-40B4-BE49-F238E27FC236}">
+                <a16:creationId xmlns:a16="http://schemas.microsoft.com/office/drawing/2014/main" id="{6B6D9C77-0AC4-0032-16B3-6300A327D362}"/>
+              </a:ext>
+            </a:extLst>
+          </p:cNvPr>
+          <p:cNvSpPr txBox="1"/>
+          <p:nvPr/>
+        </p:nvSpPr>
+        <p:spPr>
+          <a:xfrm>
+            <a:off x="2730125" y="1192210"/>
+            <a:ext cx="506119" cy="369332"/>
+          </a:xfrm>
+          <a:prstGeom prst="rect">
+            <a:avLst/>
+          </a:prstGeom>
+          <a:noFill/>
+        </p:spPr>
+        <p:txBody>
+          <a:bodyPr wrap="square" rtlCol="0">
+            <a:spAutoFit/>
+          </a:bodyPr>
+          <a:lstStyle/>
+          <a:p>
+            <a:r>
+              <a:rPr lang="en-US" dirty="0"/>
+              <a:t>(a)</a:t>
+            </a:r>
+          </a:p>
+        </p:txBody>
+      </p:sp>
+      <p:sp>
+        <p:nvSpPr>
+          <p:cNvPr id="21" name="TextBox 20">
+            <a:extLst>
+              <a:ext uri="{FF2B5EF4-FFF2-40B4-BE49-F238E27FC236}">
+                <a16:creationId xmlns:a16="http://schemas.microsoft.com/office/drawing/2014/main" id="{63854D2A-A1D4-3204-55B3-88C334F89765}"/>
+              </a:ext>
+            </a:extLst>
+          </p:cNvPr>
+          <p:cNvSpPr txBox="1"/>
+          <p:nvPr/>
+        </p:nvSpPr>
+        <p:spPr>
+          <a:xfrm>
+            <a:off x="4954701" y="1191526"/>
+            <a:ext cx="506119" cy="369332"/>
+          </a:xfrm>
+          <a:prstGeom prst="rect">
+            <a:avLst/>
+          </a:prstGeom>
+          <a:noFill/>
+        </p:spPr>
+        <p:txBody>
+          <a:bodyPr wrap="square" rtlCol="0">
+            <a:spAutoFit/>
+          </a:bodyPr>
+          <a:lstStyle/>
+          <a:p>
+            <a:r>
+              <a:rPr lang="en-US" dirty="0"/>
+              <a:t>(b)</a:t>
+            </a:r>
+          </a:p>
+        </p:txBody>
+      </p:sp>
+      <p:sp>
+        <p:nvSpPr>
+          <p:cNvPr id="22" name="TextBox 21">
+            <a:extLst>
+              <a:ext uri="{FF2B5EF4-FFF2-40B4-BE49-F238E27FC236}">
+                <a16:creationId xmlns:a16="http://schemas.microsoft.com/office/drawing/2014/main" id="{EF3ED1B2-CCCA-2AF4-B7FA-7051EE66F9C2}"/>
+              </a:ext>
+            </a:extLst>
+          </p:cNvPr>
+          <p:cNvSpPr txBox="1"/>
+          <p:nvPr/>
+        </p:nvSpPr>
+        <p:spPr>
+          <a:xfrm>
+            <a:off x="7020526" y="1191526"/>
+            <a:ext cx="506119" cy="369332"/>
+          </a:xfrm>
+          <a:prstGeom prst="rect">
+            <a:avLst/>
+          </a:prstGeom>
+          <a:noFill/>
+        </p:spPr>
+        <p:txBody>
+          <a:bodyPr wrap="square" rtlCol="0">
+            <a:spAutoFit/>
+          </a:bodyPr>
+          <a:lstStyle/>
+          <a:p>
+            <a:r>
+              <a:rPr lang="en-US" dirty="0"/>
+              <a:t>(c)</a:t>
+            </a:r>
+          </a:p>
+        </p:txBody>
+      </p:sp>
+      <p:sp>
+        <p:nvSpPr>
+          <p:cNvPr id="23" name="TextBox 22">
+            <a:extLst>
+              <a:ext uri="{FF2B5EF4-FFF2-40B4-BE49-F238E27FC236}">
+                <a16:creationId xmlns:a16="http://schemas.microsoft.com/office/drawing/2014/main" id="{0E9F6A08-A4CC-24FC-4AAE-9B5D1B984473}"/>
+              </a:ext>
+            </a:extLst>
+          </p:cNvPr>
+          <p:cNvSpPr txBox="1"/>
+          <p:nvPr/>
+        </p:nvSpPr>
+        <p:spPr>
+          <a:xfrm>
+            <a:off x="2345733" y="3252229"/>
+            <a:ext cx="2765121" cy="369332"/>
+          </a:xfrm>
+          <a:prstGeom prst="rect">
+            <a:avLst/>
+          </a:prstGeom>
+          <a:noFill/>
+        </p:spPr>
+        <p:txBody>
+          <a:bodyPr wrap="square" rtlCol="0">
+            <a:spAutoFit/>
+          </a:bodyPr>
+          <a:lstStyle/>
+          <a:p>
+            <a:pPr algn="ctr"/>
+            <a:r>
+              <a:rPr lang="en-US" dirty="0"/>
+              <a:t>Need to finalize</a:t>
+            </a:r>
+          </a:p>
+        </p:txBody>
+      </p:sp>
+      <p:sp>
+        <p:nvSpPr>
+          <p:cNvPr id="24" name="TextBox 23">
+            <a:extLst>
+              <a:ext uri="{FF2B5EF4-FFF2-40B4-BE49-F238E27FC236}">
+                <a16:creationId xmlns:a16="http://schemas.microsoft.com/office/drawing/2014/main" id="{879E1010-808E-EC2F-683C-768CF99056DD}"/>
+              </a:ext>
+            </a:extLst>
+          </p:cNvPr>
+          <p:cNvSpPr txBox="1"/>
+          <p:nvPr/>
+        </p:nvSpPr>
+        <p:spPr>
+          <a:xfrm>
+            <a:off x="4824309" y="3294530"/>
+            <a:ext cx="2765121" cy="369332"/>
+          </a:xfrm>
+          <a:prstGeom prst="rect">
+            <a:avLst/>
+          </a:prstGeom>
+          <a:noFill/>
+        </p:spPr>
+        <p:txBody>
+          <a:bodyPr wrap="square" rtlCol="0">
+            <a:spAutoFit/>
+          </a:bodyPr>
+          <a:lstStyle/>
+          <a:p>
+            <a:pPr algn="ctr"/>
+            <a:r>
+              <a:rPr lang="en-US" dirty="0"/>
+              <a:t>Need to finalize</a:t>
+            </a:r>
+          </a:p>
+        </p:txBody>
+      </p:sp>
+    </p:spTree>
+    <p:extLst>
+      <p:ext uri="{BB962C8B-B14F-4D97-AF65-F5344CB8AC3E}">
+        <p14:creationId xmlns:p14="http://schemas.microsoft.com/office/powerpoint/2010/main" val="627258222"/>
+      </p:ext>
+    </p:extLst>
+  </p:cSld>
+  <p:clrMapOvr>
+    <a:masterClrMapping/>
+  </p:clrMapOvr>
+</p:sld>
+</file>
+
+<file path=ppt/slides/slide4.xml><?xml version="1.0" encoding="utf-8"?>
+<p:sld xmlns:a="http://schemas.openxmlformats.org/drawingml/2006/main" xmlns:r="http://schemas.openxmlformats.org/officeDocument/2006/relationships" xmlns:p="http://schemas.openxmlformats.org/presentationml/2006/main">
+  <p:cSld>
+    <p:spTree>
+      <p:nvGrpSpPr>
+        <p:cNvPr id="1" name="">
+          <a:extLst>
+            <a:ext uri="{FF2B5EF4-FFF2-40B4-BE49-F238E27FC236}">
+              <a16:creationId xmlns:a16="http://schemas.microsoft.com/office/drawing/2014/main" id="{0384268E-71CC-4849-5C77-1A6CED889FBB}"/>
+            </a:ext>
+          </a:extLst>
+        </p:cNvPr>
+        <p:cNvGrpSpPr/>
+        <p:nvPr/>
+      </p:nvGrpSpPr>
+      <p:grpSpPr>
+        <a:xfrm>
+          <a:off x="0" y="0"/>
+          <a:ext cx="0" cy="0"/>
+          <a:chOff x="0" y="0"/>
+          <a:chExt cx="0" cy="0"/>
+        </a:xfrm>
+      </p:grpSpPr>
+      <p:sp>
+        <p:nvSpPr>
+          <p:cNvPr id="5" name="TextBox 4">
+            <a:extLst>
+              <a:ext uri="{FF2B5EF4-FFF2-40B4-BE49-F238E27FC236}">
+                <a16:creationId xmlns:a16="http://schemas.microsoft.com/office/drawing/2014/main" id="{EFC1D6EC-6903-8FB6-4F95-BA66815AC28F}"/>
+              </a:ext>
+            </a:extLst>
+          </p:cNvPr>
+          <p:cNvSpPr txBox="1"/>
+          <p:nvPr/>
+        </p:nvSpPr>
+        <p:spPr>
+          <a:xfrm>
+            <a:off x="-387885" y="3549888"/>
+            <a:ext cx="2765121" cy="369332"/>
+          </a:xfrm>
+          <a:prstGeom prst="rect">
+            <a:avLst/>
+          </a:prstGeom>
+          <a:noFill/>
+        </p:spPr>
+        <p:txBody>
+          <a:bodyPr wrap="square" rtlCol="0">
+            <a:spAutoFit/>
+          </a:bodyPr>
+          <a:lstStyle/>
+          <a:p>
+            <a:pPr algn="ctr"/>
+            <a:r>
+              <a:rPr lang="en-US" dirty="0"/>
+              <a:t>Need to finalize</a:t>
+            </a:r>
+          </a:p>
+        </p:txBody>
+      </p:sp>
       <p:pic>
         <p:nvPicPr>
-          <p:cNvPr id="1028" name="Picture 4">
-            <a:extLst>
-              <a:ext uri="{FF2B5EF4-FFF2-40B4-BE49-F238E27FC236}">
-                <a16:creationId xmlns:a16="http://schemas.microsoft.com/office/drawing/2014/main" id="{E633A2BA-BE95-258C-4742-3BBD229A300B}"/>
+          <p:cNvPr id="12" name="Picture 11">
+            <a:extLst>
+              <a:ext uri="{FF2B5EF4-FFF2-40B4-BE49-F238E27FC236}">
+                <a16:creationId xmlns:a16="http://schemas.microsoft.com/office/drawing/2014/main" id="{C543FFC9-26A5-3AFC-5E9C-E3F99983AF2A}"/>
+              </a:ext>
+            </a:extLst>
+          </p:cNvPr>
+          <p:cNvPicPr>
+            <a:picLocks noChangeAspect="1"/>
+          </p:cNvPicPr>
+          <p:nvPr/>
+        </p:nvPicPr>
+        <p:blipFill>
+          <a:blip r:embed="rId2"/>
+          <a:stretch>
+            <a:fillRect/>
+          </a:stretch>
+        </p:blipFill>
+        <p:spPr>
+          <a:xfrm>
+            <a:off x="3346788" y="2332228"/>
+            <a:ext cx="1652825" cy="1397433"/>
+          </a:xfrm>
+          <a:prstGeom prst="rect">
+            <a:avLst/>
+          </a:prstGeom>
+        </p:spPr>
+      </p:pic>
+      <p:pic>
+        <p:nvPicPr>
+          <p:cNvPr id="16" name="Picture 15">
+            <a:extLst>
+              <a:ext uri="{FF2B5EF4-FFF2-40B4-BE49-F238E27FC236}">
+                <a16:creationId xmlns:a16="http://schemas.microsoft.com/office/drawing/2014/main" id="{E82F1C2C-4022-3D5A-E35B-36288618F0D4}"/>
+              </a:ext>
+            </a:extLst>
+          </p:cNvPr>
+          <p:cNvPicPr>
+            <a:picLocks noChangeAspect="1"/>
+          </p:cNvPicPr>
+          <p:nvPr/>
+        </p:nvPicPr>
+        <p:blipFill>
+          <a:blip r:embed="rId3"/>
+          <a:srcRect t="19084"/>
+          <a:stretch>
+            <a:fillRect/>
+          </a:stretch>
+        </p:blipFill>
+        <p:spPr>
+          <a:xfrm>
+            <a:off x="5076256" y="2274991"/>
+            <a:ext cx="1615815" cy="1076466"/>
+          </a:xfrm>
+          <a:prstGeom prst="rect">
+            <a:avLst/>
+          </a:prstGeom>
+        </p:spPr>
+      </p:pic>
+      <p:pic>
+        <p:nvPicPr>
+          <p:cNvPr id="17" name="Picture 2">
+            <a:extLst>
+              <a:ext uri="{FF2B5EF4-FFF2-40B4-BE49-F238E27FC236}">
+                <a16:creationId xmlns:a16="http://schemas.microsoft.com/office/drawing/2014/main" id="{BE8873CF-4798-75E9-EFEE-0E662BE9FB32}"/>
               </a:ext>
             </a:extLst>
           </p:cNvPr>
@@ -5635,7 +5216,7 @@
           <p:nvPr/>
         </p:nvPicPr>
         <p:blipFill>
-          <a:blip r:embed="rId8">
+          <a:blip r:embed="rId4">
             <a:extLst>
               <a:ext uri="{28A0092B-C50C-407E-A947-70E740481C1C}">
                 <a14:useLocalDpi xmlns:a14="http://schemas.microsoft.com/office/drawing/2010/main" val="0"/>
@@ -5649,8 +5230,1670 @@
         </p:blipFill>
         <p:spPr bwMode="auto">
           <a:xfrm>
-            <a:off x="6894372" y="2515899"/>
-            <a:ext cx="4565915" cy="2797510"/>
+            <a:off x="5108175" y="3244099"/>
+            <a:ext cx="1736820" cy="716625"/>
+          </a:xfrm>
+          <a:prstGeom prst="rect">
+            <a:avLst/>
+          </a:prstGeom>
+          <a:noFill/>
+          <a:extLst>
+            <a:ext uri="{909E8E84-426E-40DD-AFC4-6F175D3DCCD1}">
+              <a14:hiddenFill xmlns:a14="http://schemas.microsoft.com/office/drawing/2010/main">
+                <a:solidFill>
+                  <a:srgbClr val="FFFFFF"/>
+                </a:solidFill>
+              </a14:hiddenFill>
+            </a:ext>
+          </a:extLst>
+        </p:spPr>
+      </p:pic>
+      <p:pic>
+        <p:nvPicPr>
+          <p:cNvPr id="19" name="Picture 4">
+            <a:extLst>
+              <a:ext uri="{FF2B5EF4-FFF2-40B4-BE49-F238E27FC236}">
+                <a16:creationId xmlns:a16="http://schemas.microsoft.com/office/drawing/2014/main" id="{1F1C44BE-2995-BFE6-65E7-5673DFF68510}"/>
+              </a:ext>
+            </a:extLst>
+          </p:cNvPr>
+          <p:cNvPicPr>
+            <a:picLocks noChangeAspect="1" noChangeArrowheads="1"/>
+          </p:cNvPicPr>
+          <p:nvPr/>
+        </p:nvPicPr>
+        <p:blipFill>
+          <a:blip r:embed="rId5">
+            <a:extLst>
+              <a:ext uri="{28A0092B-C50C-407E-A947-70E740481C1C}">
+                <a14:useLocalDpi xmlns:a14="http://schemas.microsoft.com/office/drawing/2010/main" val="0"/>
+              </a:ext>
+            </a:extLst>
+          </a:blip>
+          <a:srcRect/>
+          <a:stretch>
+            <a:fillRect/>
+          </a:stretch>
+        </p:blipFill>
+        <p:spPr bwMode="auto">
+          <a:xfrm>
+            <a:off x="6726472" y="2224673"/>
+            <a:ext cx="1980532" cy="1069745"/>
+          </a:xfrm>
+          <a:prstGeom prst="rect">
+            <a:avLst/>
+          </a:prstGeom>
+          <a:noFill/>
+          <a:extLst>
+            <a:ext uri="{909E8E84-426E-40DD-AFC4-6F175D3DCCD1}">
+              <a14:hiddenFill xmlns:a14="http://schemas.microsoft.com/office/drawing/2010/main">
+                <a:solidFill>
+                  <a:srgbClr val="FFFFFF"/>
+                </a:solidFill>
+              </a14:hiddenFill>
+            </a:ext>
+          </a:extLst>
+        </p:spPr>
+      </p:pic>
+      <p:pic>
+        <p:nvPicPr>
+          <p:cNvPr id="3" name="Picture 2">
+            <a:extLst>
+              <a:ext uri="{FF2B5EF4-FFF2-40B4-BE49-F238E27FC236}">
+                <a16:creationId xmlns:a16="http://schemas.microsoft.com/office/drawing/2014/main" id="{B43611EE-F4C5-1C25-8C68-256E6E5F3841}"/>
+              </a:ext>
+            </a:extLst>
+          </p:cNvPr>
+          <p:cNvPicPr>
+            <a:picLocks noChangeAspect="1"/>
+          </p:cNvPicPr>
+          <p:nvPr/>
+        </p:nvPicPr>
+        <p:blipFill>
+          <a:blip r:embed="rId6"/>
+          <a:stretch>
+            <a:fillRect/>
+          </a:stretch>
+        </p:blipFill>
+        <p:spPr>
+          <a:xfrm>
+            <a:off x="1925851" y="2280390"/>
+            <a:ext cx="1559147" cy="1380012"/>
+          </a:xfrm>
+          <a:prstGeom prst="rect">
+            <a:avLst/>
+          </a:prstGeom>
+        </p:spPr>
+      </p:pic>
+      <p:pic>
+        <p:nvPicPr>
+          <p:cNvPr id="7" name="Picture 6">
+            <a:extLst>
+              <a:ext uri="{FF2B5EF4-FFF2-40B4-BE49-F238E27FC236}">
+                <a16:creationId xmlns:a16="http://schemas.microsoft.com/office/drawing/2014/main" id="{0C868E0D-3D99-A55C-42BD-79C246A93FF6}"/>
+              </a:ext>
+            </a:extLst>
+          </p:cNvPr>
+          <p:cNvPicPr>
+            <a:picLocks noChangeAspect="1"/>
+          </p:cNvPicPr>
+          <p:nvPr/>
+        </p:nvPicPr>
+        <p:blipFill>
+          <a:blip r:embed="rId7"/>
+          <a:stretch>
+            <a:fillRect/>
+          </a:stretch>
+        </p:blipFill>
+        <p:spPr>
+          <a:xfrm>
+            <a:off x="66011" y="2345244"/>
+            <a:ext cx="1795006" cy="1233174"/>
+          </a:xfrm>
+          <a:prstGeom prst="rect">
+            <a:avLst/>
+          </a:prstGeom>
+        </p:spPr>
+      </p:pic>
+      <p:pic>
+        <p:nvPicPr>
+          <p:cNvPr id="3074" name="Picture 2">
+            <a:extLst>
+              <a:ext uri="{FF2B5EF4-FFF2-40B4-BE49-F238E27FC236}">
+                <a16:creationId xmlns:a16="http://schemas.microsoft.com/office/drawing/2014/main" id="{DED97127-0B2B-3E88-0DAE-E59EE09212E6}"/>
+              </a:ext>
+            </a:extLst>
+          </p:cNvPr>
+          <p:cNvPicPr>
+            <a:picLocks noChangeAspect="1" noChangeArrowheads="1"/>
+          </p:cNvPicPr>
+          <p:nvPr/>
+        </p:nvPicPr>
+        <p:blipFill>
+          <a:blip r:embed="rId8">
+            <a:extLst>
+              <a:ext uri="{28A0092B-C50C-407E-A947-70E740481C1C}">
+                <a14:useLocalDpi xmlns:a14="http://schemas.microsoft.com/office/drawing/2010/main" val="0"/>
+              </a:ext>
+            </a:extLst>
+          </a:blip>
+          <a:srcRect/>
+          <a:stretch>
+            <a:fillRect/>
+          </a:stretch>
+        </p:blipFill>
+        <p:spPr bwMode="auto">
+          <a:xfrm>
+            <a:off x="8580425" y="1919907"/>
+            <a:ext cx="3611575" cy="2256638"/>
+          </a:xfrm>
+          <a:prstGeom prst="rect">
+            <a:avLst/>
+          </a:prstGeom>
+          <a:noFill/>
+          <a:extLst>
+            <a:ext uri="{909E8E84-426E-40DD-AFC4-6F175D3DCCD1}">
+              <a14:hiddenFill xmlns:a14="http://schemas.microsoft.com/office/drawing/2010/main">
+                <a:solidFill>
+                  <a:srgbClr val="FFFFFF"/>
+                </a:solidFill>
+              </a14:hiddenFill>
+            </a:ext>
+          </a:extLst>
+        </p:spPr>
+      </p:pic>
+      <mc:AlternateContent xmlns:mc="http://schemas.openxmlformats.org/markup-compatibility/2006">
+        <mc:Choice xmlns:a14="http://schemas.microsoft.com/office/drawing/2010/main" Requires="a14">
+          <p:sp>
+            <p:nvSpPr>
+              <p:cNvPr id="8" name="TextBox 7">
+                <a:extLst>
+                  <a:ext uri="{FF2B5EF4-FFF2-40B4-BE49-F238E27FC236}">
+                    <a16:creationId xmlns:a16="http://schemas.microsoft.com/office/drawing/2014/main" id="{ECD7E5F9-9E39-1182-FC35-9B84BB9AB98D}"/>
+                  </a:ext>
+                </a:extLst>
+              </p:cNvPr>
+              <p:cNvSpPr txBox="1"/>
+              <p:nvPr/>
+            </p:nvSpPr>
+            <p:spPr>
+              <a:xfrm>
+                <a:off x="66011" y="1888497"/>
+                <a:ext cx="1681433" cy="338554"/>
+              </a:xfrm>
+              <a:prstGeom prst="rect">
+                <a:avLst/>
+              </a:prstGeom>
+              <a:noFill/>
+            </p:spPr>
+            <p:txBody>
+              <a:bodyPr wrap="square" rtlCol="0">
+                <a:spAutoFit/>
+              </a:bodyPr>
+              <a:lstStyle/>
+              <a:p>
+                <a14:m>
+                  <m:oMathPara xmlns:m="http://schemas.openxmlformats.org/officeDocument/2006/math">
+                    <m:oMathParaPr>
+                      <m:jc m:val="centerGroup"/>
+                    </m:oMathParaPr>
+                    <m:oMath xmlns:m="http://schemas.openxmlformats.org/officeDocument/2006/math">
+                      <m:r>
+                        <a:rPr lang="en-US" sz="1600" b="0" i="1" smtClean="0">
+                          <a:latin typeface="Cambria Math" panose="02040503050406030204" pitchFamily="18" charset="0"/>
+                        </a:rPr>
+                        <m:t>𝜎</m:t>
+                      </m:r>
+                      <m:r>
+                        <a:rPr lang="en-US" sz="1600" b="0" i="1" smtClean="0">
+                          <a:latin typeface="Cambria Math" panose="02040503050406030204" pitchFamily="18" charset="0"/>
+                        </a:rPr>
+                        <m:t>=2.5</m:t>
+                      </m:r>
+                      <m:r>
+                        <m:rPr>
+                          <m:sty m:val="p"/>
+                        </m:rPr>
+                        <a:rPr lang="en-US" sz="1600" b="0" i="0" smtClean="0">
+                          <a:latin typeface="Cambria Math" panose="02040503050406030204" pitchFamily="18" charset="0"/>
+                        </a:rPr>
+                        <m:t>E</m:t>
+                      </m:r>
+                      <m:r>
+                        <a:rPr lang="en-US" sz="1600" b="0" i="0" smtClean="0">
+                          <a:latin typeface="Cambria Math" panose="02040503050406030204" pitchFamily="18" charset="0"/>
+                        </a:rPr>
+                        <m:t>−03</m:t>
+                      </m:r>
+                    </m:oMath>
+                  </m:oMathPara>
+                </a14:m>
+                <a:endParaRPr lang="en-US" sz="1600" dirty="0"/>
+              </a:p>
+            </p:txBody>
+          </p:sp>
+        </mc:Choice>
+        <mc:Fallback>
+          <p:sp>
+            <p:nvSpPr>
+              <p:cNvPr id="8" name="TextBox 7">
+                <a:extLst>
+                  <a:ext uri="{FF2B5EF4-FFF2-40B4-BE49-F238E27FC236}">
+                    <a16:creationId xmlns:a16="http://schemas.microsoft.com/office/drawing/2014/main" id="{ECD7E5F9-9E39-1182-FC35-9B84BB9AB98D}"/>
+                  </a:ext>
+                </a:extLst>
+              </p:cNvPr>
+              <p:cNvSpPr txBox="1">
+                <a:spLocks noRot="1" noChangeAspect="1" noMove="1" noResize="1" noEditPoints="1" noAdjustHandles="1" noChangeArrowheads="1" noChangeShapeType="1" noTextEdit="1"/>
+              </p:cNvSpPr>
+              <p:nvPr/>
+            </p:nvSpPr>
+            <p:spPr>
+              <a:xfrm>
+                <a:off x="66011" y="1888497"/>
+                <a:ext cx="1681433" cy="338554"/>
+              </a:xfrm>
+              <a:prstGeom prst="rect">
+                <a:avLst/>
+              </a:prstGeom>
+              <a:blipFill>
+                <a:blip r:embed="rId9"/>
+                <a:stretch>
+                  <a:fillRect/>
+                </a:stretch>
+              </a:blipFill>
+            </p:spPr>
+            <p:txBody>
+              <a:bodyPr/>
+              <a:lstStyle/>
+              <a:p>
+                <a:r>
+                  <a:rPr lang="en-US">
+                    <a:noFill/>
+                  </a:rPr>
+                  <a:t> </a:t>
+                </a:r>
+              </a:p>
+            </p:txBody>
+          </p:sp>
+        </mc:Fallback>
+      </mc:AlternateContent>
+      <mc:AlternateContent xmlns:mc="http://schemas.openxmlformats.org/markup-compatibility/2006">
+        <mc:Choice xmlns:a14="http://schemas.microsoft.com/office/drawing/2010/main" Requires="a14">
+          <p:sp>
+            <p:nvSpPr>
+              <p:cNvPr id="9" name="TextBox 8">
+                <a:extLst>
+                  <a:ext uri="{FF2B5EF4-FFF2-40B4-BE49-F238E27FC236}">
+                    <a16:creationId xmlns:a16="http://schemas.microsoft.com/office/drawing/2014/main" id="{65787A27-1E67-B346-2B83-6541666DC7B4}"/>
+                  </a:ext>
+                </a:extLst>
+              </p:cNvPr>
+              <p:cNvSpPr txBox="1"/>
+              <p:nvPr/>
+            </p:nvSpPr>
+            <p:spPr>
+              <a:xfrm>
+                <a:off x="1852191" y="1894312"/>
+                <a:ext cx="1681433" cy="338554"/>
+              </a:xfrm>
+              <a:prstGeom prst="rect">
+                <a:avLst/>
+              </a:prstGeom>
+              <a:noFill/>
+            </p:spPr>
+            <p:txBody>
+              <a:bodyPr wrap="square" rtlCol="0">
+                <a:spAutoFit/>
+              </a:bodyPr>
+              <a:lstStyle/>
+              <a:p>
+                <a14:m>
+                  <m:oMathPara xmlns:m="http://schemas.openxmlformats.org/officeDocument/2006/math">
+                    <m:oMathParaPr>
+                      <m:jc m:val="centerGroup"/>
+                    </m:oMathParaPr>
+                    <m:oMath xmlns:m="http://schemas.openxmlformats.org/officeDocument/2006/math">
+                      <m:r>
+                        <a:rPr lang="en-US" sz="1600" b="0" i="1" smtClean="0">
+                          <a:latin typeface="Cambria Math" panose="02040503050406030204" pitchFamily="18" charset="0"/>
+                        </a:rPr>
+                        <m:t>𝜎</m:t>
+                      </m:r>
+                      <m:r>
+                        <a:rPr lang="en-US" sz="1600" b="0" i="1" smtClean="0">
+                          <a:latin typeface="Cambria Math" panose="02040503050406030204" pitchFamily="18" charset="0"/>
+                        </a:rPr>
+                        <m:t>=3.75</m:t>
+                      </m:r>
+                      <m:r>
+                        <m:rPr>
+                          <m:sty m:val="p"/>
+                        </m:rPr>
+                        <a:rPr lang="en-US" sz="1600" b="0" i="0" smtClean="0">
+                          <a:latin typeface="Cambria Math" panose="02040503050406030204" pitchFamily="18" charset="0"/>
+                        </a:rPr>
+                        <m:t>E</m:t>
+                      </m:r>
+                      <m:r>
+                        <a:rPr lang="en-US" sz="1600" b="0" i="0" smtClean="0">
+                          <a:latin typeface="Cambria Math" panose="02040503050406030204" pitchFamily="18" charset="0"/>
+                        </a:rPr>
+                        <m:t>−03</m:t>
+                      </m:r>
+                    </m:oMath>
+                  </m:oMathPara>
+                </a14:m>
+                <a:endParaRPr lang="en-US" sz="1600" dirty="0"/>
+              </a:p>
+            </p:txBody>
+          </p:sp>
+        </mc:Choice>
+        <mc:Fallback>
+          <p:sp>
+            <p:nvSpPr>
+              <p:cNvPr id="9" name="TextBox 8">
+                <a:extLst>
+                  <a:ext uri="{FF2B5EF4-FFF2-40B4-BE49-F238E27FC236}">
+                    <a16:creationId xmlns:a16="http://schemas.microsoft.com/office/drawing/2014/main" id="{65787A27-1E67-B346-2B83-6541666DC7B4}"/>
+                  </a:ext>
+                </a:extLst>
+              </p:cNvPr>
+              <p:cNvSpPr txBox="1">
+                <a:spLocks noRot="1" noChangeAspect="1" noMove="1" noResize="1" noEditPoints="1" noAdjustHandles="1" noChangeArrowheads="1" noChangeShapeType="1" noTextEdit="1"/>
+              </p:cNvSpPr>
+              <p:nvPr/>
+            </p:nvSpPr>
+            <p:spPr>
+              <a:xfrm>
+                <a:off x="1852191" y="1894312"/>
+                <a:ext cx="1681433" cy="338554"/>
+              </a:xfrm>
+              <a:prstGeom prst="rect">
+                <a:avLst/>
+              </a:prstGeom>
+              <a:blipFill>
+                <a:blip r:embed="rId10"/>
+                <a:stretch>
+                  <a:fillRect/>
+                </a:stretch>
+              </a:blipFill>
+            </p:spPr>
+            <p:txBody>
+              <a:bodyPr/>
+              <a:lstStyle/>
+              <a:p>
+                <a:r>
+                  <a:rPr lang="en-US">
+                    <a:noFill/>
+                  </a:rPr>
+                  <a:t> </a:t>
+                </a:r>
+              </a:p>
+            </p:txBody>
+          </p:sp>
+        </mc:Fallback>
+      </mc:AlternateContent>
+      <mc:AlternateContent xmlns:mc="http://schemas.openxmlformats.org/markup-compatibility/2006">
+        <mc:Choice xmlns:a14="http://schemas.microsoft.com/office/drawing/2010/main" Requires="a14">
+          <p:sp>
+            <p:nvSpPr>
+              <p:cNvPr id="11" name="TextBox 10">
+                <a:extLst>
+                  <a:ext uri="{FF2B5EF4-FFF2-40B4-BE49-F238E27FC236}">
+                    <a16:creationId xmlns:a16="http://schemas.microsoft.com/office/drawing/2014/main" id="{A3B83735-C926-E16A-9B98-0D899E93D89D}"/>
+                  </a:ext>
+                </a:extLst>
+              </p:cNvPr>
+              <p:cNvSpPr txBox="1"/>
+              <p:nvPr/>
+            </p:nvSpPr>
+            <p:spPr>
+              <a:xfrm>
+                <a:off x="3533624" y="1888497"/>
+                <a:ext cx="1681433" cy="338554"/>
+              </a:xfrm>
+              <a:prstGeom prst="rect">
+                <a:avLst/>
+              </a:prstGeom>
+              <a:noFill/>
+            </p:spPr>
+            <p:txBody>
+              <a:bodyPr wrap="square" rtlCol="0">
+                <a:spAutoFit/>
+              </a:bodyPr>
+              <a:lstStyle/>
+              <a:p>
+                <a14:m>
+                  <m:oMathPara xmlns:m="http://schemas.openxmlformats.org/officeDocument/2006/math">
+                    <m:oMathParaPr>
+                      <m:jc m:val="centerGroup"/>
+                    </m:oMathParaPr>
+                    <m:oMath xmlns:m="http://schemas.openxmlformats.org/officeDocument/2006/math">
+                      <m:r>
+                        <a:rPr lang="en-US" sz="1600" b="0" i="1" smtClean="0">
+                          <a:latin typeface="Cambria Math" panose="02040503050406030204" pitchFamily="18" charset="0"/>
+                        </a:rPr>
+                        <m:t>𝜎</m:t>
+                      </m:r>
+                      <m:r>
+                        <a:rPr lang="en-US" sz="1600" b="0" i="1" smtClean="0">
+                          <a:latin typeface="Cambria Math" panose="02040503050406030204" pitchFamily="18" charset="0"/>
+                        </a:rPr>
+                        <m:t>=5.0</m:t>
+                      </m:r>
+                      <m:r>
+                        <m:rPr>
+                          <m:sty m:val="p"/>
+                        </m:rPr>
+                        <a:rPr lang="en-US" sz="1600" b="0" i="0" smtClean="0">
+                          <a:latin typeface="Cambria Math" panose="02040503050406030204" pitchFamily="18" charset="0"/>
+                        </a:rPr>
+                        <m:t>E</m:t>
+                      </m:r>
+                      <m:r>
+                        <a:rPr lang="en-US" sz="1600" b="0" i="0" smtClean="0">
+                          <a:latin typeface="Cambria Math" panose="02040503050406030204" pitchFamily="18" charset="0"/>
+                        </a:rPr>
+                        <m:t>−03</m:t>
+                      </m:r>
+                    </m:oMath>
+                  </m:oMathPara>
+                </a14:m>
+                <a:endParaRPr lang="en-US" sz="1600" dirty="0"/>
+              </a:p>
+            </p:txBody>
+          </p:sp>
+        </mc:Choice>
+        <mc:Fallback>
+          <p:sp>
+            <p:nvSpPr>
+              <p:cNvPr id="11" name="TextBox 10">
+                <a:extLst>
+                  <a:ext uri="{FF2B5EF4-FFF2-40B4-BE49-F238E27FC236}">
+                    <a16:creationId xmlns:a16="http://schemas.microsoft.com/office/drawing/2014/main" id="{A3B83735-C926-E16A-9B98-0D899E93D89D}"/>
+                  </a:ext>
+                </a:extLst>
+              </p:cNvPr>
+              <p:cNvSpPr txBox="1">
+                <a:spLocks noRot="1" noChangeAspect="1" noMove="1" noResize="1" noEditPoints="1" noAdjustHandles="1" noChangeArrowheads="1" noChangeShapeType="1" noTextEdit="1"/>
+              </p:cNvSpPr>
+              <p:nvPr/>
+            </p:nvSpPr>
+            <p:spPr>
+              <a:xfrm>
+                <a:off x="3533624" y="1888497"/>
+                <a:ext cx="1681433" cy="338554"/>
+              </a:xfrm>
+              <a:prstGeom prst="rect">
+                <a:avLst/>
+              </a:prstGeom>
+              <a:blipFill>
+                <a:blip r:embed="rId11"/>
+                <a:stretch>
+                  <a:fillRect/>
+                </a:stretch>
+              </a:blipFill>
+            </p:spPr>
+            <p:txBody>
+              <a:bodyPr/>
+              <a:lstStyle/>
+              <a:p>
+                <a:r>
+                  <a:rPr lang="en-US">
+                    <a:noFill/>
+                  </a:rPr>
+                  <a:t> </a:t>
+                </a:r>
+              </a:p>
+            </p:txBody>
+          </p:sp>
+        </mc:Fallback>
+      </mc:AlternateContent>
+      <mc:AlternateContent xmlns:mc="http://schemas.openxmlformats.org/markup-compatibility/2006">
+        <mc:Choice xmlns:a14="http://schemas.microsoft.com/office/drawing/2010/main" Requires="a14">
+          <p:sp>
+            <p:nvSpPr>
+              <p:cNvPr id="13" name="TextBox 12">
+                <a:extLst>
+                  <a:ext uri="{FF2B5EF4-FFF2-40B4-BE49-F238E27FC236}">
+                    <a16:creationId xmlns:a16="http://schemas.microsoft.com/office/drawing/2014/main" id="{DD9E9CC8-36BA-6216-904D-FE2D2939043A}"/>
+                  </a:ext>
+                </a:extLst>
+              </p:cNvPr>
+              <p:cNvSpPr txBox="1"/>
+              <p:nvPr/>
+            </p:nvSpPr>
+            <p:spPr>
+              <a:xfrm>
+                <a:off x="5191670" y="1883625"/>
+                <a:ext cx="1681433" cy="338554"/>
+              </a:xfrm>
+              <a:prstGeom prst="rect">
+                <a:avLst/>
+              </a:prstGeom>
+              <a:noFill/>
+            </p:spPr>
+            <p:txBody>
+              <a:bodyPr wrap="square" rtlCol="0">
+                <a:spAutoFit/>
+              </a:bodyPr>
+              <a:lstStyle/>
+              <a:p>
+                <a14:m>
+                  <m:oMathPara xmlns:m="http://schemas.openxmlformats.org/officeDocument/2006/math">
+                    <m:oMathParaPr>
+                      <m:jc m:val="centerGroup"/>
+                    </m:oMathParaPr>
+                    <m:oMath xmlns:m="http://schemas.openxmlformats.org/officeDocument/2006/math">
+                      <m:r>
+                        <a:rPr lang="en-US" sz="1600" b="0" i="1" smtClean="0">
+                          <a:latin typeface="Cambria Math" panose="02040503050406030204" pitchFamily="18" charset="0"/>
+                        </a:rPr>
+                        <m:t>𝜎</m:t>
+                      </m:r>
+                      <m:r>
+                        <a:rPr lang="en-US" sz="1600" b="0" i="1" smtClean="0">
+                          <a:latin typeface="Cambria Math" panose="02040503050406030204" pitchFamily="18" charset="0"/>
+                        </a:rPr>
+                        <m:t>=7.5</m:t>
+                      </m:r>
+                      <m:r>
+                        <m:rPr>
+                          <m:sty m:val="p"/>
+                        </m:rPr>
+                        <a:rPr lang="en-US" sz="1600" b="0" i="0" smtClean="0">
+                          <a:latin typeface="Cambria Math" panose="02040503050406030204" pitchFamily="18" charset="0"/>
+                        </a:rPr>
+                        <m:t>E</m:t>
+                      </m:r>
+                      <m:r>
+                        <a:rPr lang="en-US" sz="1600" b="0" i="0" smtClean="0">
+                          <a:latin typeface="Cambria Math" panose="02040503050406030204" pitchFamily="18" charset="0"/>
+                        </a:rPr>
+                        <m:t>−03</m:t>
+                      </m:r>
+                    </m:oMath>
+                  </m:oMathPara>
+                </a14:m>
+                <a:endParaRPr lang="en-US" sz="1600" dirty="0"/>
+              </a:p>
+            </p:txBody>
+          </p:sp>
+        </mc:Choice>
+        <mc:Fallback>
+          <p:sp>
+            <p:nvSpPr>
+              <p:cNvPr id="13" name="TextBox 12">
+                <a:extLst>
+                  <a:ext uri="{FF2B5EF4-FFF2-40B4-BE49-F238E27FC236}">
+                    <a16:creationId xmlns:a16="http://schemas.microsoft.com/office/drawing/2014/main" id="{DD9E9CC8-36BA-6216-904D-FE2D2939043A}"/>
+                  </a:ext>
+                </a:extLst>
+              </p:cNvPr>
+              <p:cNvSpPr txBox="1">
+                <a:spLocks noRot="1" noChangeAspect="1" noMove="1" noResize="1" noEditPoints="1" noAdjustHandles="1" noChangeArrowheads="1" noChangeShapeType="1" noTextEdit="1"/>
+              </p:cNvSpPr>
+              <p:nvPr/>
+            </p:nvSpPr>
+            <p:spPr>
+              <a:xfrm>
+                <a:off x="5191670" y="1883625"/>
+                <a:ext cx="1681433" cy="338554"/>
+              </a:xfrm>
+              <a:prstGeom prst="rect">
+                <a:avLst/>
+              </a:prstGeom>
+              <a:blipFill>
+                <a:blip r:embed="rId12"/>
+                <a:stretch>
+                  <a:fillRect/>
+                </a:stretch>
+              </a:blipFill>
+            </p:spPr>
+            <p:txBody>
+              <a:bodyPr/>
+              <a:lstStyle/>
+              <a:p>
+                <a:r>
+                  <a:rPr lang="en-US">
+                    <a:noFill/>
+                  </a:rPr>
+                  <a:t> </a:t>
+                </a:r>
+              </a:p>
+            </p:txBody>
+          </p:sp>
+        </mc:Fallback>
+      </mc:AlternateContent>
+      <mc:AlternateContent xmlns:mc="http://schemas.openxmlformats.org/markup-compatibility/2006">
+        <mc:Choice xmlns:a14="http://schemas.microsoft.com/office/drawing/2010/main" Requires="a14">
+          <p:sp>
+            <p:nvSpPr>
+              <p:cNvPr id="15" name="TextBox 14">
+                <a:extLst>
+                  <a:ext uri="{FF2B5EF4-FFF2-40B4-BE49-F238E27FC236}">
+                    <a16:creationId xmlns:a16="http://schemas.microsoft.com/office/drawing/2014/main" id="{B8B0DE40-7E22-D1D9-6732-F0FC5196E521}"/>
+                  </a:ext>
+                </a:extLst>
+              </p:cNvPr>
+              <p:cNvSpPr txBox="1"/>
+              <p:nvPr/>
+            </p:nvSpPr>
+            <p:spPr>
+              <a:xfrm>
+                <a:off x="6789045" y="1878753"/>
+                <a:ext cx="1681433" cy="338554"/>
+              </a:xfrm>
+              <a:prstGeom prst="rect">
+                <a:avLst/>
+              </a:prstGeom>
+              <a:noFill/>
+            </p:spPr>
+            <p:txBody>
+              <a:bodyPr wrap="square" rtlCol="0">
+                <a:spAutoFit/>
+              </a:bodyPr>
+              <a:lstStyle/>
+              <a:p>
+                <a14:m>
+                  <m:oMathPara xmlns:m="http://schemas.openxmlformats.org/officeDocument/2006/math">
+                    <m:oMathParaPr>
+                      <m:jc m:val="centerGroup"/>
+                    </m:oMathParaPr>
+                    <m:oMath xmlns:m="http://schemas.openxmlformats.org/officeDocument/2006/math">
+                      <m:r>
+                        <a:rPr lang="en-US" sz="1600" b="0" i="1" smtClean="0">
+                          <a:latin typeface="Cambria Math" panose="02040503050406030204" pitchFamily="18" charset="0"/>
+                        </a:rPr>
+                        <m:t>𝜎</m:t>
+                      </m:r>
+                      <m:r>
+                        <a:rPr lang="en-US" sz="1600" b="0" i="1" smtClean="0">
+                          <a:latin typeface="Cambria Math" panose="02040503050406030204" pitchFamily="18" charset="0"/>
+                        </a:rPr>
+                        <m:t>=1.0</m:t>
+                      </m:r>
+                      <m:r>
+                        <m:rPr>
+                          <m:sty m:val="p"/>
+                        </m:rPr>
+                        <a:rPr lang="en-US" sz="1600" b="0" i="0" smtClean="0">
+                          <a:latin typeface="Cambria Math" panose="02040503050406030204" pitchFamily="18" charset="0"/>
+                        </a:rPr>
+                        <m:t>E</m:t>
+                      </m:r>
+                      <m:r>
+                        <a:rPr lang="en-US" sz="1600" b="0" i="0" smtClean="0">
+                          <a:latin typeface="Cambria Math" panose="02040503050406030204" pitchFamily="18" charset="0"/>
+                        </a:rPr>
+                        <m:t>−02</m:t>
+                      </m:r>
+                    </m:oMath>
+                  </m:oMathPara>
+                </a14:m>
+                <a:endParaRPr lang="en-US" sz="1600" dirty="0"/>
+              </a:p>
+            </p:txBody>
+          </p:sp>
+        </mc:Choice>
+        <mc:Fallback>
+          <p:sp>
+            <p:nvSpPr>
+              <p:cNvPr id="15" name="TextBox 14">
+                <a:extLst>
+                  <a:ext uri="{FF2B5EF4-FFF2-40B4-BE49-F238E27FC236}">
+                    <a16:creationId xmlns:a16="http://schemas.microsoft.com/office/drawing/2014/main" id="{B8B0DE40-7E22-D1D9-6732-F0FC5196E521}"/>
+                  </a:ext>
+                </a:extLst>
+              </p:cNvPr>
+              <p:cNvSpPr txBox="1">
+                <a:spLocks noRot="1" noChangeAspect="1" noMove="1" noResize="1" noEditPoints="1" noAdjustHandles="1" noChangeArrowheads="1" noChangeShapeType="1" noTextEdit="1"/>
+              </p:cNvSpPr>
+              <p:nvPr/>
+            </p:nvSpPr>
+            <p:spPr>
+              <a:xfrm>
+                <a:off x="6789045" y="1878753"/>
+                <a:ext cx="1681433" cy="338554"/>
+              </a:xfrm>
+              <a:prstGeom prst="rect">
+                <a:avLst/>
+              </a:prstGeom>
+              <a:blipFill>
+                <a:blip r:embed="rId13"/>
+                <a:stretch>
+                  <a:fillRect/>
+                </a:stretch>
+              </a:blipFill>
+            </p:spPr>
+            <p:txBody>
+              <a:bodyPr/>
+              <a:lstStyle/>
+              <a:p>
+                <a:r>
+                  <a:rPr lang="en-US">
+                    <a:noFill/>
+                  </a:rPr>
+                  <a:t> </a:t>
+                </a:r>
+              </a:p>
+            </p:txBody>
+          </p:sp>
+        </mc:Fallback>
+      </mc:AlternateContent>
+      <p:sp>
+        <p:nvSpPr>
+          <p:cNvPr id="20" name="TextBox 19">
+            <a:extLst>
+              <a:ext uri="{FF2B5EF4-FFF2-40B4-BE49-F238E27FC236}">
+                <a16:creationId xmlns:a16="http://schemas.microsoft.com/office/drawing/2014/main" id="{F015422D-831A-E170-9C4F-F9C1CB99365E}"/>
+              </a:ext>
+            </a:extLst>
+          </p:cNvPr>
+          <p:cNvSpPr txBox="1"/>
+          <p:nvPr/>
+        </p:nvSpPr>
+        <p:spPr>
+          <a:xfrm>
+            <a:off x="-69735" y="1369715"/>
+            <a:ext cx="506119" cy="369332"/>
+          </a:xfrm>
+          <a:prstGeom prst="rect">
+            <a:avLst/>
+          </a:prstGeom>
+          <a:noFill/>
+        </p:spPr>
+        <p:txBody>
+          <a:bodyPr wrap="square" rtlCol="0">
+            <a:spAutoFit/>
+          </a:bodyPr>
+          <a:lstStyle/>
+          <a:p>
+            <a:r>
+              <a:rPr lang="en-US" dirty="0"/>
+              <a:t>(a)</a:t>
+            </a:r>
+          </a:p>
+        </p:txBody>
+      </p:sp>
+      <p:sp>
+        <p:nvSpPr>
+          <p:cNvPr id="22" name="TextBox 21">
+            <a:extLst>
+              <a:ext uri="{FF2B5EF4-FFF2-40B4-BE49-F238E27FC236}">
+                <a16:creationId xmlns:a16="http://schemas.microsoft.com/office/drawing/2014/main" id="{BBBE9221-20E0-F20F-4EED-C16F7B6DF179}"/>
+              </a:ext>
+            </a:extLst>
+          </p:cNvPr>
+          <p:cNvSpPr txBox="1"/>
+          <p:nvPr/>
+        </p:nvSpPr>
+        <p:spPr>
+          <a:xfrm>
+            <a:off x="1641060" y="1373590"/>
+            <a:ext cx="506119" cy="369332"/>
+          </a:xfrm>
+          <a:prstGeom prst="rect">
+            <a:avLst/>
+          </a:prstGeom>
+          <a:noFill/>
+        </p:spPr>
+        <p:txBody>
+          <a:bodyPr wrap="square" rtlCol="0">
+            <a:spAutoFit/>
+          </a:bodyPr>
+          <a:lstStyle/>
+          <a:p>
+            <a:r>
+              <a:rPr lang="en-US" dirty="0"/>
+              <a:t>(b)</a:t>
+            </a:r>
+          </a:p>
+        </p:txBody>
+      </p:sp>
+      <p:sp>
+        <p:nvSpPr>
+          <p:cNvPr id="23" name="TextBox 22">
+            <a:extLst>
+              <a:ext uri="{FF2B5EF4-FFF2-40B4-BE49-F238E27FC236}">
+                <a16:creationId xmlns:a16="http://schemas.microsoft.com/office/drawing/2014/main" id="{34108451-585A-4C71-CD31-DD235739E66C}"/>
+              </a:ext>
+            </a:extLst>
+          </p:cNvPr>
+          <p:cNvSpPr txBox="1"/>
+          <p:nvPr/>
+        </p:nvSpPr>
+        <p:spPr>
+          <a:xfrm>
+            <a:off x="3430928" y="1369715"/>
+            <a:ext cx="506119" cy="369332"/>
+          </a:xfrm>
+          <a:prstGeom prst="rect">
+            <a:avLst/>
+          </a:prstGeom>
+          <a:noFill/>
+        </p:spPr>
+        <p:txBody>
+          <a:bodyPr wrap="square" rtlCol="0">
+            <a:spAutoFit/>
+          </a:bodyPr>
+          <a:lstStyle/>
+          <a:p>
+            <a:r>
+              <a:rPr lang="en-US" dirty="0"/>
+              <a:t>(c)</a:t>
+            </a:r>
+          </a:p>
+        </p:txBody>
+      </p:sp>
+      <p:sp>
+        <p:nvSpPr>
+          <p:cNvPr id="24" name="TextBox 23">
+            <a:extLst>
+              <a:ext uri="{FF2B5EF4-FFF2-40B4-BE49-F238E27FC236}">
+                <a16:creationId xmlns:a16="http://schemas.microsoft.com/office/drawing/2014/main" id="{FEE7B705-CDDF-CD80-15E4-E844F09EC014}"/>
+              </a:ext>
+            </a:extLst>
+          </p:cNvPr>
+          <p:cNvSpPr txBox="1"/>
+          <p:nvPr/>
+        </p:nvSpPr>
+        <p:spPr>
+          <a:xfrm>
+            <a:off x="5137162" y="1369715"/>
+            <a:ext cx="506119" cy="369332"/>
+          </a:xfrm>
+          <a:prstGeom prst="rect">
+            <a:avLst/>
+          </a:prstGeom>
+          <a:noFill/>
+        </p:spPr>
+        <p:txBody>
+          <a:bodyPr wrap="square" rtlCol="0">
+            <a:spAutoFit/>
+          </a:bodyPr>
+          <a:lstStyle/>
+          <a:p>
+            <a:r>
+              <a:rPr lang="en-US" dirty="0"/>
+              <a:t>(d)</a:t>
+            </a:r>
+          </a:p>
+        </p:txBody>
+      </p:sp>
+      <p:sp>
+        <p:nvSpPr>
+          <p:cNvPr id="25" name="TextBox 24">
+            <a:extLst>
+              <a:ext uri="{FF2B5EF4-FFF2-40B4-BE49-F238E27FC236}">
+                <a16:creationId xmlns:a16="http://schemas.microsoft.com/office/drawing/2014/main" id="{82DE136F-1A1B-848E-A316-F88E172F1264}"/>
+              </a:ext>
+            </a:extLst>
+          </p:cNvPr>
+          <p:cNvSpPr txBox="1"/>
+          <p:nvPr/>
+        </p:nvSpPr>
+        <p:spPr>
+          <a:xfrm>
+            <a:off x="6620043" y="1371046"/>
+            <a:ext cx="506119" cy="369332"/>
+          </a:xfrm>
+          <a:prstGeom prst="rect">
+            <a:avLst/>
+          </a:prstGeom>
+          <a:noFill/>
+        </p:spPr>
+        <p:txBody>
+          <a:bodyPr wrap="square" rtlCol="0">
+            <a:spAutoFit/>
+          </a:bodyPr>
+          <a:lstStyle/>
+          <a:p>
+            <a:r>
+              <a:rPr lang="en-US" dirty="0"/>
+              <a:t>(e)</a:t>
+            </a:r>
+          </a:p>
+        </p:txBody>
+      </p:sp>
+      <p:sp>
+        <p:nvSpPr>
+          <p:cNvPr id="26" name="TextBox 25">
+            <a:extLst>
+              <a:ext uri="{FF2B5EF4-FFF2-40B4-BE49-F238E27FC236}">
+                <a16:creationId xmlns:a16="http://schemas.microsoft.com/office/drawing/2014/main" id="{95698D8A-8C6C-7103-874F-C3E225A118E7}"/>
+              </a:ext>
+            </a:extLst>
+          </p:cNvPr>
+          <p:cNvSpPr txBox="1"/>
+          <p:nvPr/>
+        </p:nvSpPr>
+        <p:spPr>
+          <a:xfrm>
+            <a:off x="8326277" y="1371046"/>
+            <a:ext cx="506119" cy="369332"/>
+          </a:xfrm>
+          <a:prstGeom prst="rect">
+            <a:avLst/>
+          </a:prstGeom>
+          <a:noFill/>
+        </p:spPr>
+        <p:txBody>
+          <a:bodyPr wrap="square" rtlCol="0">
+            <a:spAutoFit/>
+          </a:bodyPr>
+          <a:lstStyle/>
+          <a:p>
+            <a:r>
+              <a:rPr lang="en-US" dirty="0"/>
+              <a:t>(f)</a:t>
+            </a:r>
+          </a:p>
+        </p:txBody>
+      </p:sp>
+      <mc:AlternateContent xmlns:mc="http://schemas.openxmlformats.org/markup-compatibility/2006">
+        <mc:Choice xmlns:a14="http://schemas.microsoft.com/office/drawing/2010/main" Requires="a14">
+          <p:sp>
+            <p:nvSpPr>
+              <p:cNvPr id="27" name="TextBox 26">
+                <a:extLst>
+                  <a:ext uri="{FF2B5EF4-FFF2-40B4-BE49-F238E27FC236}">
+                    <a16:creationId xmlns:a16="http://schemas.microsoft.com/office/drawing/2014/main" id="{AC4F196C-D3C6-7014-5A00-71691336B668}"/>
+                  </a:ext>
+                </a:extLst>
+              </p:cNvPr>
+              <p:cNvSpPr txBox="1"/>
+              <p:nvPr/>
+            </p:nvSpPr>
+            <p:spPr>
+              <a:xfrm>
+                <a:off x="906727" y="4249168"/>
+                <a:ext cx="10137791" cy="2052741"/>
+              </a:xfrm>
+              <a:prstGeom prst="rect">
+                <a:avLst/>
+              </a:prstGeom>
+              <a:noFill/>
+            </p:spPr>
+            <p:txBody>
+              <a:bodyPr wrap="square" rtlCol="0">
+                <a:spAutoFit/>
+              </a:bodyPr>
+              <a:lstStyle/>
+              <a:p>
+                <a:r>
+                  <a:rPr lang="en-US" dirty="0"/>
+                  <a:t>Fig. 3: Evolution of PE brush morphologies with moderate PE backbone charge fraction (</a:t>
+                </a:r>
+                <a14:m>
+                  <m:oMath xmlns:m="http://schemas.openxmlformats.org/officeDocument/2006/math">
+                    <m:r>
+                      <a:rPr lang="en-US" b="0" i="1" smtClean="0">
+                        <a:latin typeface="Cambria Math" panose="02040503050406030204" pitchFamily="18" charset="0"/>
+                      </a:rPr>
+                      <m:t>𝛼</m:t>
+                    </m:r>
+                    <m:r>
+                      <a:rPr lang="en-US" b="0" i="1" smtClean="0">
+                        <a:latin typeface="Cambria Math" panose="02040503050406030204" pitchFamily="18" charset="0"/>
+                      </a:rPr>
+                      <m:t>=0.10</m:t>
+                    </m:r>
+                  </m:oMath>
+                </a14:m>
+                <a:r>
+                  <a:rPr lang="en-US" dirty="0"/>
+                  <a:t>). Polymer density distributions are plotted for varying grafting densities: (a) micelle morphology at </a:t>
+                </a:r>
+                <a14:m>
+                  <m:oMath xmlns:m="http://schemas.openxmlformats.org/officeDocument/2006/math">
+                    <m:r>
+                      <a:rPr lang="en-US" b="0" i="1" smtClean="0">
+                        <a:latin typeface="Cambria Math" panose="02040503050406030204" pitchFamily="18" charset="0"/>
+                      </a:rPr>
+                      <m:t>𝜎</m:t>
+                    </m:r>
+                    <m:r>
+                      <a:rPr lang="en-US" b="0" i="1" smtClean="0">
+                        <a:latin typeface="Cambria Math" panose="02040503050406030204" pitchFamily="18" charset="0"/>
+                      </a:rPr>
+                      <m:t>=2.5</m:t>
+                    </m:r>
+                    <m:r>
+                      <m:rPr>
+                        <m:sty m:val="p"/>
+                      </m:rPr>
+                      <a:rPr lang="en-US" b="0" i="0" smtClean="0">
+                        <a:latin typeface="Cambria Math" panose="02040503050406030204" pitchFamily="18" charset="0"/>
+                      </a:rPr>
+                      <m:t>E</m:t>
+                    </m:r>
+                    <m:r>
+                      <a:rPr lang="en-US" b="0" i="0" smtClean="0">
+                        <a:latin typeface="Cambria Math" panose="02040503050406030204" pitchFamily="18" charset="0"/>
+                      </a:rPr>
+                      <m:t>−03 </m:t>
+                    </m:r>
+                    <m:sSup>
+                      <m:sSupPr>
+                        <m:ctrlPr>
+                          <a:rPr lang="en-US" b="0" i="0" smtClean="0">
+                            <a:latin typeface="Cambria Math" panose="02040503050406030204" pitchFamily="18" charset="0"/>
+                          </a:rPr>
+                        </m:ctrlPr>
+                      </m:sSupPr>
+                      <m:e>
+                        <m:r>
+                          <m:rPr>
+                            <m:sty m:val="p"/>
+                          </m:rPr>
+                          <a:rPr lang="en-US" b="0" i="0" smtClean="0">
+                            <a:latin typeface="Cambria Math" panose="02040503050406030204" pitchFamily="18" charset="0"/>
+                          </a:rPr>
+                          <m:t>nm</m:t>
+                        </m:r>
+                      </m:e>
+                      <m:sup>
+                        <m:r>
+                          <a:rPr lang="en-US" b="0" i="1" smtClean="0">
+                            <a:latin typeface="Cambria Math" panose="02040503050406030204" pitchFamily="18" charset="0"/>
+                          </a:rPr>
+                          <m:t>−2</m:t>
+                        </m:r>
+                      </m:sup>
+                    </m:sSup>
+                  </m:oMath>
+                </a14:m>
+                <a:r>
+                  <a:rPr lang="en-US" dirty="0"/>
+                  <a:t>, (b) stripe at </a:t>
+                </a:r>
+                <a14:m>
+                  <m:oMath xmlns:m="http://schemas.openxmlformats.org/officeDocument/2006/math">
+                    <m:r>
+                      <a:rPr lang="en-US" b="0" i="1" smtClean="0">
+                        <a:latin typeface="Cambria Math" panose="02040503050406030204" pitchFamily="18" charset="0"/>
+                      </a:rPr>
+                      <m:t>𝜎</m:t>
+                    </m:r>
+                    <m:r>
+                      <a:rPr lang="en-US" b="0" i="1" smtClean="0">
+                        <a:latin typeface="Cambria Math" panose="02040503050406030204" pitchFamily="18" charset="0"/>
+                      </a:rPr>
+                      <m:t>=3.75</m:t>
+                    </m:r>
+                    <m:r>
+                      <m:rPr>
+                        <m:sty m:val="p"/>
+                      </m:rPr>
+                      <a:rPr lang="en-US" b="0" i="0" smtClean="0">
+                        <a:latin typeface="Cambria Math" panose="02040503050406030204" pitchFamily="18" charset="0"/>
+                      </a:rPr>
+                      <m:t>E</m:t>
+                    </m:r>
+                    <m:r>
+                      <a:rPr lang="en-US" b="0" i="0" smtClean="0">
+                        <a:latin typeface="Cambria Math" panose="02040503050406030204" pitchFamily="18" charset="0"/>
+                      </a:rPr>
+                      <m:t>−03 </m:t>
+                    </m:r>
+                    <m:sSup>
+                      <m:sSupPr>
+                        <m:ctrlPr>
+                          <a:rPr lang="en-US" b="0" i="0" smtClean="0">
+                            <a:latin typeface="Cambria Math" panose="02040503050406030204" pitchFamily="18" charset="0"/>
+                          </a:rPr>
+                        </m:ctrlPr>
+                      </m:sSupPr>
+                      <m:e>
+                        <m:r>
+                          <m:rPr>
+                            <m:sty m:val="p"/>
+                          </m:rPr>
+                          <a:rPr lang="en-US" b="0" i="0" smtClean="0">
+                            <a:latin typeface="Cambria Math" panose="02040503050406030204" pitchFamily="18" charset="0"/>
+                          </a:rPr>
+                          <m:t>nm</m:t>
+                        </m:r>
+                      </m:e>
+                      <m:sup>
+                        <m:r>
+                          <a:rPr lang="en-US" b="0" i="1" smtClean="0">
+                            <a:latin typeface="Cambria Math" panose="02040503050406030204" pitchFamily="18" charset="0"/>
+                          </a:rPr>
+                          <m:t>−2</m:t>
+                        </m:r>
+                      </m:sup>
+                    </m:sSup>
+                  </m:oMath>
+                </a14:m>
+                <a:r>
+                  <a:rPr lang="en-US" dirty="0"/>
+                  <a:t>, (c) hole at </a:t>
+                </a:r>
+                <a14:m>
+                  <m:oMath xmlns:m="http://schemas.openxmlformats.org/officeDocument/2006/math">
+                    <m:r>
+                      <a:rPr lang="en-US" b="0" i="1" smtClean="0">
+                        <a:latin typeface="Cambria Math" panose="02040503050406030204" pitchFamily="18" charset="0"/>
+                      </a:rPr>
+                      <m:t>𝜎</m:t>
+                    </m:r>
+                    <m:r>
+                      <a:rPr lang="en-US" b="0" i="1" smtClean="0">
+                        <a:latin typeface="Cambria Math" panose="02040503050406030204" pitchFamily="18" charset="0"/>
+                      </a:rPr>
+                      <m:t>=5.0</m:t>
+                    </m:r>
+                    <m:r>
+                      <m:rPr>
+                        <m:sty m:val="p"/>
+                      </m:rPr>
+                      <a:rPr lang="en-US" b="0" i="0" smtClean="0">
+                        <a:latin typeface="Cambria Math" panose="02040503050406030204" pitchFamily="18" charset="0"/>
+                      </a:rPr>
+                      <m:t>E</m:t>
+                    </m:r>
+                    <m:r>
+                      <a:rPr lang="en-US" b="0" i="0" smtClean="0">
+                        <a:latin typeface="Cambria Math" panose="02040503050406030204" pitchFamily="18" charset="0"/>
+                      </a:rPr>
+                      <m:t>−03 </m:t>
+                    </m:r>
+                    <m:sSup>
+                      <m:sSupPr>
+                        <m:ctrlPr>
+                          <a:rPr lang="en-US" b="0" i="0" smtClean="0">
+                            <a:latin typeface="Cambria Math" panose="02040503050406030204" pitchFamily="18" charset="0"/>
+                          </a:rPr>
+                        </m:ctrlPr>
+                      </m:sSupPr>
+                      <m:e>
+                        <m:r>
+                          <m:rPr>
+                            <m:sty m:val="p"/>
+                          </m:rPr>
+                          <a:rPr lang="en-US" b="0" i="0" smtClean="0">
+                            <a:latin typeface="Cambria Math" panose="02040503050406030204" pitchFamily="18" charset="0"/>
+                          </a:rPr>
+                          <m:t>nm</m:t>
+                        </m:r>
+                      </m:e>
+                      <m:sup>
+                        <m:r>
+                          <a:rPr lang="en-US" b="0" i="1" smtClean="0">
+                            <a:latin typeface="Cambria Math" panose="02040503050406030204" pitchFamily="18" charset="0"/>
+                          </a:rPr>
+                          <m:t>−2</m:t>
+                        </m:r>
+                      </m:sup>
+                    </m:sSup>
+                  </m:oMath>
+                </a14:m>
+                <a:r>
+                  <a:rPr lang="en-US" dirty="0"/>
+                  <a:t>, (d) fused-stripe at </a:t>
+                </a:r>
+                <a14:m>
+                  <m:oMath xmlns:m="http://schemas.openxmlformats.org/officeDocument/2006/math">
+                    <m:r>
+                      <a:rPr lang="en-US" b="0" i="1" smtClean="0">
+                        <a:latin typeface="Cambria Math" panose="02040503050406030204" pitchFamily="18" charset="0"/>
+                      </a:rPr>
+                      <m:t>𝜎</m:t>
+                    </m:r>
+                    <m:r>
+                      <a:rPr lang="en-US" b="0" i="1" smtClean="0">
+                        <a:latin typeface="Cambria Math" panose="02040503050406030204" pitchFamily="18" charset="0"/>
+                      </a:rPr>
+                      <m:t>=7.5</m:t>
+                    </m:r>
+                    <m:r>
+                      <m:rPr>
+                        <m:sty m:val="p"/>
+                      </m:rPr>
+                      <a:rPr lang="en-US" b="0" i="0" smtClean="0">
+                        <a:latin typeface="Cambria Math" panose="02040503050406030204" pitchFamily="18" charset="0"/>
+                      </a:rPr>
+                      <m:t>E</m:t>
+                    </m:r>
+                    <m:r>
+                      <a:rPr lang="en-US" b="0" i="0" smtClean="0">
+                        <a:latin typeface="Cambria Math" panose="02040503050406030204" pitchFamily="18" charset="0"/>
+                      </a:rPr>
+                      <m:t>−03 </m:t>
+                    </m:r>
+                    <m:sSup>
+                      <m:sSupPr>
+                        <m:ctrlPr>
+                          <a:rPr lang="en-US" b="0" i="0" smtClean="0">
+                            <a:latin typeface="Cambria Math" panose="02040503050406030204" pitchFamily="18" charset="0"/>
+                          </a:rPr>
+                        </m:ctrlPr>
+                      </m:sSupPr>
+                      <m:e>
+                        <m:r>
+                          <m:rPr>
+                            <m:sty m:val="p"/>
+                          </m:rPr>
+                          <a:rPr lang="en-US" b="0" i="0" smtClean="0">
+                            <a:latin typeface="Cambria Math" panose="02040503050406030204" pitchFamily="18" charset="0"/>
+                          </a:rPr>
+                          <m:t>nm</m:t>
+                        </m:r>
+                      </m:e>
+                      <m:sup>
+                        <m:r>
+                          <a:rPr lang="en-US" b="0" i="1" smtClean="0">
+                            <a:latin typeface="Cambria Math" panose="02040503050406030204" pitchFamily="18" charset="0"/>
+                          </a:rPr>
+                          <m:t>−2</m:t>
+                        </m:r>
+                      </m:sup>
+                    </m:sSup>
+                  </m:oMath>
+                </a14:m>
+                <a:r>
+                  <a:rPr lang="en-US" dirty="0"/>
+                  <a:t>, (e) homogeneous at </a:t>
+                </a:r>
+                <a14:m>
+                  <m:oMath xmlns:m="http://schemas.openxmlformats.org/officeDocument/2006/math">
+                    <m:r>
+                      <a:rPr lang="en-US" b="0" i="1" smtClean="0">
+                        <a:latin typeface="Cambria Math" panose="02040503050406030204" pitchFamily="18" charset="0"/>
+                      </a:rPr>
+                      <m:t>𝜎</m:t>
+                    </m:r>
+                    <m:r>
+                      <a:rPr lang="en-US" b="0" i="1" smtClean="0">
+                        <a:latin typeface="Cambria Math" panose="02040503050406030204" pitchFamily="18" charset="0"/>
+                      </a:rPr>
+                      <m:t>=1.0</m:t>
+                    </m:r>
+                    <m:r>
+                      <m:rPr>
+                        <m:sty m:val="p"/>
+                      </m:rPr>
+                      <a:rPr lang="en-US" b="0" i="0" smtClean="0">
+                        <a:latin typeface="Cambria Math" panose="02040503050406030204" pitchFamily="18" charset="0"/>
+                      </a:rPr>
+                      <m:t>E</m:t>
+                    </m:r>
+                    <m:r>
+                      <a:rPr lang="en-US" b="0" i="0" smtClean="0">
+                        <a:latin typeface="Cambria Math" panose="02040503050406030204" pitchFamily="18" charset="0"/>
+                      </a:rPr>
+                      <m:t>−02 </m:t>
+                    </m:r>
+                    <m:sSup>
+                      <m:sSupPr>
+                        <m:ctrlPr>
+                          <a:rPr lang="en-US" b="0" i="0" smtClean="0">
+                            <a:latin typeface="Cambria Math" panose="02040503050406030204" pitchFamily="18" charset="0"/>
+                          </a:rPr>
+                        </m:ctrlPr>
+                      </m:sSupPr>
+                      <m:e>
+                        <m:r>
+                          <m:rPr>
+                            <m:sty m:val="p"/>
+                          </m:rPr>
+                          <a:rPr lang="en-US" b="0" i="0" smtClean="0">
+                            <a:latin typeface="Cambria Math" panose="02040503050406030204" pitchFamily="18" charset="0"/>
+                          </a:rPr>
+                          <m:t>nm</m:t>
+                        </m:r>
+                      </m:e>
+                      <m:sup>
+                        <m:r>
+                          <a:rPr lang="en-US" b="0" i="1" smtClean="0">
+                            <a:latin typeface="Cambria Math" panose="02040503050406030204" pitchFamily="18" charset="0"/>
+                          </a:rPr>
+                          <m:t>−2</m:t>
+                        </m:r>
+                      </m:sup>
+                    </m:sSup>
+                  </m:oMath>
+                </a14:m>
+                <a:r>
+                  <a:rPr lang="en-US" dirty="0"/>
+                  <a:t>. </a:t>
+                </a:r>
+                <a:r>
+                  <a:rPr lang="en-US" dirty="0" err="1"/>
+                  <a:t>Isosurfaces</a:t>
+                </a:r>
+                <a:r>
+                  <a:rPr lang="en-US" dirty="0"/>
+                  <a:t> plotted for </a:t>
+                </a:r>
+                <a14:m>
+                  <m:oMath xmlns:m="http://schemas.openxmlformats.org/officeDocument/2006/math">
+                    <m:sSub>
+                      <m:sSubPr>
+                        <m:ctrlPr>
+                          <a:rPr lang="en-US" b="0" i="1" smtClean="0">
+                            <a:latin typeface="Cambria Math" panose="02040503050406030204" pitchFamily="18" charset="0"/>
+                          </a:rPr>
+                        </m:ctrlPr>
+                      </m:sSubPr>
+                      <m:e>
+                        <m:r>
+                          <a:rPr lang="en-US" b="0" i="1" smtClean="0">
+                            <a:latin typeface="Cambria Math" panose="02040503050406030204" pitchFamily="18" charset="0"/>
+                          </a:rPr>
+                          <m:t>𝜙</m:t>
+                        </m:r>
+                      </m:e>
+                      <m:sub>
+                        <m:r>
+                          <a:rPr lang="en-US" b="0" i="1" smtClean="0">
+                            <a:latin typeface="Cambria Math" panose="02040503050406030204" pitchFamily="18" charset="0"/>
+                          </a:rPr>
+                          <m:t>𝑝</m:t>
+                        </m:r>
+                      </m:sub>
+                    </m:sSub>
+                    <m:r>
+                      <a:rPr lang="en-US" b="0" i="1" smtClean="0">
+                        <a:latin typeface="Cambria Math" panose="02040503050406030204" pitchFamily="18" charset="0"/>
+                      </a:rPr>
+                      <m:t>=0.10</m:t>
+                    </m:r>
+                    <m:r>
+                      <a:rPr lang="en-US" b="0" i="0" smtClean="0">
+                        <a:latin typeface="Cambria Math" panose="02040503050406030204" pitchFamily="18" charset="0"/>
+                      </a:rPr>
+                      <m:t>.  </m:t>
+                    </m:r>
+                    <m:r>
+                      <a:rPr lang="en-US" b="0" i="1" smtClean="0">
+                        <a:latin typeface="Cambria Math" panose="02040503050406030204" pitchFamily="18" charset="0"/>
+                      </a:rPr>
+                      <m:t>𝑥𝑧</m:t>
+                    </m:r>
+                    <m:r>
+                      <a:rPr lang="en-US" b="0" i="1" smtClean="0">
+                        <a:latin typeface="Cambria Math" panose="02040503050406030204" pitchFamily="18" charset="0"/>
+                      </a:rPr>
+                      <m:t>−</m:t>
+                    </m:r>
+                  </m:oMath>
+                </a14:m>
+                <a:r>
+                  <a:rPr lang="en-US" dirty="0"/>
+                  <a:t>heatmaps are shown for fused-stripe and homogeneous at fixed </a:t>
+                </a:r>
+                <a14:m>
+                  <m:oMath xmlns:m="http://schemas.openxmlformats.org/officeDocument/2006/math">
+                    <m:r>
+                      <a:rPr lang="en-US" b="0" i="1" smtClean="0">
+                        <a:latin typeface="Cambria Math" panose="02040503050406030204" pitchFamily="18" charset="0"/>
+                      </a:rPr>
+                      <m:t>𝑦</m:t>
+                    </m:r>
+                    <m:r>
+                      <a:rPr lang="en-US" b="0" i="1" smtClean="0">
+                        <a:latin typeface="Cambria Math" panose="02040503050406030204" pitchFamily="18" charset="0"/>
+                      </a:rPr>
+                      <m:t>=0.0 </m:t>
+                    </m:r>
+                    <m:r>
+                      <m:rPr>
+                        <m:sty m:val="p"/>
+                      </m:rPr>
+                      <a:rPr lang="en-US" b="0" i="0" smtClean="0">
+                        <a:latin typeface="Cambria Math" panose="02040503050406030204" pitchFamily="18" charset="0"/>
+                      </a:rPr>
+                      <m:t>nm</m:t>
+                    </m:r>
+                  </m:oMath>
+                </a14:m>
+                <a:r>
+                  <a:rPr lang="en-US" dirty="0"/>
+                  <a:t> to contrast their polymer-solvent interfaces. (f) Excess free energy with respect to the raised-stripe morphology and varying grafting densities </a:t>
+                </a:r>
+                <a14:m>
+                  <m:oMath xmlns:m="http://schemas.openxmlformats.org/officeDocument/2006/math">
+                    <m:r>
+                      <a:rPr lang="en-US" b="0" i="1" smtClean="0">
+                        <a:latin typeface="Cambria Math" panose="02040503050406030204" pitchFamily="18" charset="0"/>
+                      </a:rPr>
+                      <m:t>𝜎</m:t>
+                    </m:r>
+                  </m:oMath>
+                </a14:m>
+                <a:r>
+                  <a:rPr lang="en-US" dirty="0"/>
+                  <a:t>. Dotted lines indicate regimes (</a:t>
+                </a:r>
+                <a:r>
+                  <a:rPr lang="en-US" b="1" dirty="0"/>
+                  <a:t>unfinished</a:t>
+                </a:r>
+                <a:r>
+                  <a:rPr lang="en-US" dirty="0"/>
+                  <a:t>).</a:t>
+                </a:r>
+              </a:p>
+            </p:txBody>
+          </p:sp>
+        </mc:Choice>
+        <mc:Fallback>
+          <p:sp>
+            <p:nvSpPr>
+              <p:cNvPr id="27" name="TextBox 26">
+                <a:extLst>
+                  <a:ext uri="{FF2B5EF4-FFF2-40B4-BE49-F238E27FC236}">
+                    <a16:creationId xmlns:a16="http://schemas.microsoft.com/office/drawing/2014/main" id="{AC4F196C-D3C6-7014-5A00-71691336B668}"/>
+                  </a:ext>
+                </a:extLst>
+              </p:cNvPr>
+              <p:cNvSpPr txBox="1">
+                <a:spLocks noRot="1" noChangeAspect="1" noMove="1" noResize="1" noEditPoints="1" noAdjustHandles="1" noChangeArrowheads="1" noChangeShapeType="1" noTextEdit="1"/>
+              </p:cNvSpPr>
+              <p:nvPr/>
+            </p:nvSpPr>
+            <p:spPr>
+              <a:xfrm>
+                <a:off x="906727" y="4249168"/>
+                <a:ext cx="10137791" cy="2052741"/>
+              </a:xfrm>
+              <a:prstGeom prst="rect">
+                <a:avLst/>
+              </a:prstGeom>
+              <a:blipFill>
+                <a:blip r:embed="rId14"/>
+                <a:stretch>
+                  <a:fillRect l="-541" t="-1187" r="-661" b="-3858"/>
+                </a:stretch>
+              </a:blipFill>
+            </p:spPr>
+            <p:txBody>
+              <a:bodyPr/>
+              <a:lstStyle/>
+              <a:p>
+                <a:r>
+                  <a:rPr lang="en-US">
+                    <a:noFill/>
+                  </a:rPr>
+                  <a:t> </a:t>
+                </a:r>
+              </a:p>
+            </p:txBody>
+          </p:sp>
+        </mc:Fallback>
+      </mc:AlternateContent>
+      <p:sp>
+        <p:nvSpPr>
+          <p:cNvPr id="28" name="TextBox 27">
+            <a:extLst>
+              <a:ext uri="{FF2B5EF4-FFF2-40B4-BE49-F238E27FC236}">
+                <a16:creationId xmlns:a16="http://schemas.microsoft.com/office/drawing/2014/main" id="{78C445B5-C028-3521-E65C-4FEE248B1C59}"/>
+              </a:ext>
+            </a:extLst>
+          </p:cNvPr>
+          <p:cNvSpPr txBox="1"/>
+          <p:nvPr/>
+        </p:nvSpPr>
+        <p:spPr>
+          <a:xfrm>
+            <a:off x="7330727" y="3409381"/>
+            <a:ext cx="925767" cy="369332"/>
+          </a:xfrm>
+          <a:prstGeom prst="rect">
+            <a:avLst/>
+          </a:prstGeom>
+          <a:noFill/>
+        </p:spPr>
+        <p:txBody>
+          <a:bodyPr wrap="square" rtlCol="0">
+            <a:spAutoFit/>
+          </a:bodyPr>
+          <a:lstStyle/>
+          <a:p>
+            <a:pPr algn="ctr"/>
+            <a:r>
+              <a:rPr lang="en-US" dirty="0"/>
+              <a:t>Plot </a:t>
+            </a:r>
+            <a:r>
+              <a:rPr lang="en-US" dirty="0" err="1"/>
+              <a:t>xz</a:t>
+            </a:r>
+            <a:endParaRPr lang="en-US" dirty="0"/>
+          </a:p>
+        </p:txBody>
+      </p:sp>
+    </p:spTree>
+    <p:extLst>
+      <p:ext uri="{BB962C8B-B14F-4D97-AF65-F5344CB8AC3E}">
+        <p14:creationId xmlns:p14="http://schemas.microsoft.com/office/powerpoint/2010/main" val="65259510"/>
+      </p:ext>
+    </p:extLst>
+  </p:cSld>
+  <p:clrMapOvr>
+    <a:masterClrMapping/>
+  </p:clrMapOvr>
+</p:sld>
+</file>
+
+<file path=ppt/slides/slide5.xml><?xml version="1.0" encoding="utf-8"?>
+<p:sld xmlns:a="http://schemas.openxmlformats.org/drawingml/2006/main" xmlns:r="http://schemas.openxmlformats.org/officeDocument/2006/relationships" xmlns:p="http://schemas.openxmlformats.org/presentationml/2006/main">
+  <p:cSld>
+    <p:spTree>
+      <p:nvGrpSpPr>
+        <p:cNvPr id="1" name="">
+          <a:extLst>
+            <a:ext uri="{FF2B5EF4-FFF2-40B4-BE49-F238E27FC236}">
+              <a16:creationId xmlns:a16="http://schemas.microsoft.com/office/drawing/2014/main" id="{C775864A-3E80-27B5-12D7-24634AF6EA24}"/>
+            </a:ext>
+          </a:extLst>
+        </p:cNvPr>
+        <p:cNvGrpSpPr/>
+        <p:nvPr/>
+      </p:nvGrpSpPr>
+      <p:grpSpPr>
+        <a:xfrm>
+          <a:off x="0" y="0"/>
+          <a:ext cx="0" cy="0"/>
+          <a:chOff x="0" y="0"/>
+          <a:chExt cx="0" cy="0"/>
+        </a:xfrm>
+      </p:grpSpPr>
+      <p:pic>
+        <p:nvPicPr>
+          <p:cNvPr id="6" name="Picture 5">
+            <a:extLst>
+              <a:ext uri="{FF2B5EF4-FFF2-40B4-BE49-F238E27FC236}">
+                <a16:creationId xmlns:a16="http://schemas.microsoft.com/office/drawing/2014/main" id="{93B4F575-7B10-6A39-EF33-F3F58384CF6A}"/>
+              </a:ext>
+            </a:extLst>
+          </p:cNvPr>
+          <p:cNvPicPr>
+            <a:picLocks noChangeAspect="1"/>
+          </p:cNvPicPr>
+          <p:nvPr/>
+        </p:nvPicPr>
+        <p:blipFill>
+          <a:blip r:embed="rId2"/>
+          <a:stretch>
+            <a:fillRect/>
+          </a:stretch>
+        </p:blipFill>
+        <p:spPr>
+          <a:xfrm>
+            <a:off x="3889603" y="1770447"/>
+            <a:ext cx="1466490" cy="1578513"/>
+          </a:xfrm>
+          <a:prstGeom prst="rect">
+            <a:avLst/>
+          </a:prstGeom>
+        </p:spPr>
+      </p:pic>
+      <p:pic>
+        <p:nvPicPr>
+          <p:cNvPr id="26" name="Picture 25">
+            <a:extLst>
+              <a:ext uri="{FF2B5EF4-FFF2-40B4-BE49-F238E27FC236}">
+                <a16:creationId xmlns:a16="http://schemas.microsoft.com/office/drawing/2014/main" id="{A4C962C5-79E7-52D7-6153-0188BFE4612C}"/>
+              </a:ext>
+            </a:extLst>
+          </p:cNvPr>
+          <p:cNvPicPr>
+            <a:picLocks noChangeAspect="1"/>
+          </p:cNvPicPr>
+          <p:nvPr/>
+        </p:nvPicPr>
+        <p:blipFill>
+          <a:blip r:embed="rId3"/>
+          <a:stretch>
+            <a:fillRect/>
+          </a:stretch>
+        </p:blipFill>
+        <p:spPr>
+          <a:xfrm>
+            <a:off x="2087194" y="1771085"/>
+            <a:ext cx="1574092" cy="1561259"/>
+          </a:xfrm>
+          <a:prstGeom prst="rect">
+            <a:avLst/>
+          </a:prstGeom>
+        </p:spPr>
+      </p:pic>
+      <p:pic>
+        <p:nvPicPr>
+          <p:cNvPr id="1028" name="Picture 4">
+            <a:extLst>
+              <a:ext uri="{FF2B5EF4-FFF2-40B4-BE49-F238E27FC236}">
+                <a16:creationId xmlns:a16="http://schemas.microsoft.com/office/drawing/2014/main" id="{E633A2BA-BE95-258C-4742-3BBD229A300B}"/>
+              </a:ext>
+            </a:extLst>
+          </p:cNvPr>
+          <p:cNvPicPr>
+            <a:picLocks noChangeAspect="1" noChangeArrowheads="1"/>
+          </p:cNvPicPr>
+          <p:nvPr/>
+        </p:nvPicPr>
+        <p:blipFill>
+          <a:blip r:embed="rId4">
+            <a:extLst>
+              <a:ext uri="{28A0092B-C50C-407E-A947-70E740481C1C}">
+                <a14:useLocalDpi xmlns:a14="http://schemas.microsoft.com/office/drawing/2010/main" val="0"/>
+              </a:ext>
+            </a:extLst>
+          </a:blip>
+          <a:srcRect/>
+          <a:stretch>
+            <a:fillRect/>
+          </a:stretch>
+        </p:blipFill>
+        <p:spPr bwMode="auto">
+          <a:xfrm>
+            <a:off x="8394029" y="1479176"/>
+            <a:ext cx="3797971" cy="2326995"/>
           </a:xfrm>
           <a:prstGeom prst="rect">
             <a:avLst/>
@@ -5682,15 +6925,15 @@
           <p:nvPr/>
         </p:nvPicPr>
         <p:blipFill>
-          <a:blip r:embed="rId9"/>
+          <a:blip r:embed="rId5"/>
           <a:stretch>
             <a:fillRect/>
           </a:stretch>
         </p:blipFill>
         <p:spPr>
           <a:xfrm>
-            <a:off x="4072770" y="4198537"/>
-            <a:ext cx="939230" cy="2016215"/>
+            <a:off x="7340149" y="1624584"/>
+            <a:ext cx="913665" cy="1961335"/>
           </a:xfrm>
           <a:prstGeom prst="rect">
             <a:avLst/>
@@ -5712,21 +6955,1411 @@
           <p:nvPr/>
         </p:nvPicPr>
         <p:blipFill>
-          <a:blip r:embed="rId10"/>
+          <a:blip r:embed="rId6"/>
           <a:stretch>
             <a:fillRect/>
           </a:stretch>
         </p:blipFill>
         <p:spPr>
           <a:xfrm>
-            <a:off x="1024715" y="4142202"/>
-            <a:ext cx="1576861" cy="2016216"/>
+            <a:off x="5576852" y="1678034"/>
+            <a:ext cx="1373653" cy="1756389"/>
           </a:xfrm>
           <a:prstGeom prst="rect">
             <a:avLst/>
           </a:prstGeom>
         </p:spPr>
       </p:pic>
+      <mc:AlternateContent xmlns:mc="http://schemas.openxmlformats.org/markup-compatibility/2006">
+        <mc:Choice xmlns:a14="http://schemas.microsoft.com/office/drawing/2010/main" Requires="a14">
+          <p:sp>
+            <p:nvSpPr>
+              <p:cNvPr id="14" name="TextBox 13">
+                <a:extLst>
+                  <a:ext uri="{FF2B5EF4-FFF2-40B4-BE49-F238E27FC236}">
+                    <a16:creationId xmlns:a16="http://schemas.microsoft.com/office/drawing/2014/main" id="{2DE80710-DF98-938C-F5D7-9D296B5D111B}"/>
+                  </a:ext>
+                </a:extLst>
+              </p:cNvPr>
+              <p:cNvSpPr txBox="1"/>
+              <p:nvPr/>
+            </p:nvSpPr>
+            <p:spPr>
+              <a:xfrm>
+                <a:off x="853164" y="4160862"/>
+                <a:ext cx="9626249" cy="1754326"/>
+              </a:xfrm>
+              <a:prstGeom prst="rect">
+                <a:avLst/>
+              </a:prstGeom>
+              <a:noFill/>
+            </p:spPr>
+            <p:txBody>
+              <a:bodyPr wrap="square" rtlCol="0">
+                <a:spAutoFit/>
+              </a:bodyPr>
+              <a:lstStyle/>
+              <a:p>
+                <a:r>
+                  <a:rPr lang="en-US" dirty="0"/>
+                  <a:t>Fig. 4: Evolution of PE brush morphologies with high PE backbone charge fraction (</a:t>
+                </a:r>
+                <a14:m>
+                  <m:oMath xmlns:m="http://schemas.openxmlformats.org/officeDocument/2006/math">
+                    <m:r>
+                      <a:rPr lang="en-US" b="0" i="1" smtClean="0">
+                        <a:latin typeface="Cambria Math" panose="02040503050406030204" pitchFamily="18" charset="0"/>
+                      </a:rPr>
+                      <m:t>𝛼</m:t>
+                    </m:r>
+                    <m:r>
+                      <a:rPr lang="en-US" b="0" i="1" smtClean="0">
+                        <a:latin typeface="Cambria Math" panose="02040503050406030204" pitchFamily="18" charset="0"/>
+                      </a:rPr>
+                      <m:t>=0.25</m:t>
+                    </m:r>
+                  </m:oMath>
+                </a14:m>
+                <a:r>
+                  <a:rPr lang="en-US" dirty="0"/>
+                  <a:t>) at varying grafting densities </a:t>
+                </a:r>
+                <a14:m>
+                  <m:oMath xmlns:m="http://schemas.openxmlformats.org/officeDocument/2006/math">
+                    <m:r>
+                      <a:rPr lang="en-US" b="0" i="1" smtClean="0">
+                        <a:latin typeface="Cambria Math" panose="02040503050406030204" pitchFamily="18" charset="0"/>
+                      </a:rPr>
+                      <m:t>𝜎</m:t>
+                    </m:r>
+                  </m:oMath>
+                </a14:m>
+                <a:r>
+                  <a:rPr lang="en-US" dirty="0"/>
+                  <a:t>. (a) Cylinder morphology at </a:t>
+                </a:r>
+                <a14:m>
+                  <m:oMath xmlns:m="http://schemas.openxmlformats.org/officeDocument/2006/math">
+                    <m:r>
+                      <a:rPr lang="en-US" b="0" i="1" smtClean="0">
+                        <a:latin typeface="Cambria Math" panose="02040503050406030204" pitchFamily="18" charset="0"/>
+                      </a:rPr>
+                      <m:t>𝜎</m:t>
+                    </m:r>
+                    <m:r>
+                      <a:rPr lang="en-US" b="0" i="1" smtClean="0">
+                        <a:latin typeface="Cambria Math" panose="02040503050406030204" pitchFamily="18" charset="0"/>
+                      </a:rPr>
+                      <m:t>=2.5</m:t>
+                    </m:r>
+                    <m:r>
+                      <m:rPr>
+                        <m:sty m:val="p"/>
+                      </m:rPr>
+                      <a:rPr lang="en-US" b="0" i="0" smtClean="0">
+                        <a:latin typeface="Cambria Math" panose="02040503050406030204" pitchFamily="18" charset="0"/>
+                      </a:rPr>
+                      <m:t>E</m:t>
+                    </m:r>
+                    <m:r>
+                      <a:rPr lang="en-US" b="0" i="0" smtClean="0">
+                        <a:latin typeface="Cambria Math" panose="02040503050406030204" pitchFamily="18" charset="0"/>
+                      </a:rPr>
+                      <m:t>−03 </m:t>
+                    </m:r>
+                    <m:sSup>
+                      <m:sSupPr>
+                        <m:ctrlPr>
+                          <a:rPr lang="en-US" b="0" i="0" smtClean="0">
+                            <a:latin typeface="Cambria Math" panose="02040503050406030204" pitchFamily="18" charset="0"/>
+                          </a:rPr>
+                        </m:ctrlPr>
+                      </m:sSupPr>
+                      <m:e>
+                        <m:r>
+                          <m:rPr>
+                            <m:sty m:val="p"/>
+                          </m:rPr>
+                          <a:rPr lang="en-US" b="0" i="0" smtClean="0">
+                            <a:latin typeface="Cambria Math" panose="02040503050406030204" pitchFamily="18" charset="0"/>
+                          </a:rPr>
+                          <m:t>nm</m:t>
+                        </m:r>
+                      </m:e>
+                      <m:sup>
+                        <m:r>
+                          <a:rPr lang="en-US" b="0" i="1" smtClean="0">
+                            <a:latin typeface="Cambria Math" panose="02040503050406030204" pitchFamily="18" charset="0"/>
+                          </a:rPr>
+                          <m:t>−2</m:t>
+                        </m:r>
+                      </m:sup>
+                    </m:sSup>
+                  </m:oMath>
+                </a14:m>
+                <a:r>
+                  <a:rPr lang="en-US" dirty="0"/>
+                  <a:t>, (b) cylinder-</a:t>
+                </a:r>
+                <a:r>
+                  <a:rPr lang="en-US" dirty="0" err="1"/>
+                  <a:t>pn</a:t>
+                </a:r>
+                <a:r>
+                  <a:rPr lang="en-US" dirty="0"/>
+                  <a:t> at </a:t>
+                </a:r>
+                <a14:m>
+                  <m:oMath xmlns:m="http://schemas.openxmlformats.org/officeDocument/2006/math">
+                    <m:r>
+                      <a:rPr lang="en-US" b="0" i="1" smtClean="0">
+                        <a:latin typeface="Cambria Math" panose="02040503050406030204" pitchFamily="18" charset="0"/>
+                      </a:rPr>
+                      <m:t>𝜎</m:t>
+                    </m:r>
+                    <m:r>
+                      <a:rPr lang="en-US" b="0" i="1" smtClean="0">
+                        <a:latin typeface="Cambria Math" panose="02040503050406030204" pitchFamily="18" charset="0"/>
+                      </a:rPr>
+                      <m:t>=1.0</m:t>
+                    </m:r>
+                    <m:r>
+                      <m:rPr>
+                        <m:sty m:val="p"/>
+                      </m:rPr>
+                      <a:rPr lang="en-US" b="0" i="0" smtClean="0">
+                        <a:latin typeface="Cambria Math" panose="02040503050406030204" pitchFamily="18" charset="0"/>
+                      </a:rPr>
+                      <m:t>E</m:t>
+                    </m:r>
+                    <m:r>
+                      <a:rPr lang="en-US" b="0" i="0" smtClean="0">
+                        <a:latin typeface="Cambria Math" panose="02040503050406030204" pitchFamily="18" charset="0"/>
+                      </a:rPr>
+                      <m:t>−02 </m:t>
+                    </m:r>
+                    <m:sSup>
+                      <m:sSupPr>
+                        <m:ctrlPr>
+                          <a:rPr lang="en-US" b="0" i="0" smtClean="0">
+                            <a:latin typeface="Cambria Math" panose="02040503050406030204" pitchFamily="18" charset="0"/>
+                          </a:rPr>
+                        </m:ctrlPr>
+                      </m:sSupPr>
+                      <m:e>
+                        <m:r>
+                          <m:rPr>
+                            <m:sty m:val="p"/>
+                          </m:rPr>
+                          <a:rPr lang="en-US" b="0" i="0" smtClean="0">
+                            <a:latin typeface="Cambria Math" panose="02040503050406030204" pitchFamily="18" charset="0"/>
+                          </a:rPr>
+                          <m:t>nm</m:t>
+                        </m:r>
+                      </m:e>
+                      <m:sup>
+                        <m:r>
+                          <a:rPr lang="en-US" b="0" i="1" smtClean="0">
+                            <a:latin typeface="Cambria Math" panose="02040503050406030204" pitchFamily="18" charset="0"/>
+                          </a:rPr>
+                          <m:t>−2</m:t>
+                        </m:r>
+                      </m:sup>
+                    </m:sSup>
+                  </m:oMath>
+                </a14:m>
+                <a:r>
+                  <a:rPr lang="en-US" dirty="0"/>
+                  <a:t>, (c) cylinder-stripe at </a:t>
+                </a:r>
+                <a14:m>
+                  <m:oMath xmlns:m="http://schemas.openxmlformats.org/officeDocument/2006/math">
+                    <m:r>
+                      <a:rPr lang="en-US" b="0" i="1" smtClean="0">
+                        <a:latin typeface="Cambria Math" panose="02040503050406030204" pitchFamily="18" charset="0"/>
+                      </a:rPr>
+                      <m:t>𝜎</m:t>
+                    </m:r>
+                    <m:r>
+                      <a:rPr lang="en-US" b="0" i="1" smtClean="0">
+                        <a:latin typeface="Cambria Math" panose="02040503050406030204" pitchFamily="18" charset="0"/>
+                      </a:rPr>
+                      <m:t>=2.0</m:t>
+                    </m:r>
+                    <m:r>
+                      <m:rPr>
+                        <m:sty m:val="p"/>
+                      </m:rPr>
+                      <a:rPr lang="en-US" b="0" i="0" smtClean="0">
+                        <a:latin typeface="Cambria Math" panose="02040503050406030204" pitchFamily="18" charset="0"/>
+                      </a:rPr>
+                      <m:t>E</m:t>
+                    </m:r>
+                    <m:r>
+                      <a:rPr lang="en-US" b="0" i="0" smtClean="0">
+                        <a:latin typeface="Cambria Math" panose="02040503050406030204" pitchFamily="18" charset="0"/>
+                      </a:rPr>
+                      <m:t>−02 </m:t>
+                    </m:r>
+                    <m:sSup>
+                      <m:sSupPr>
+                        <m:ctrlPr>
+                          <a:rPr lang="en-US" b="0" i="0" smtClean="0">
+                            <a:latin typeface="Cambria Math" panose="02040503050406030204" pitchFamily="18" charset="0"/>
+                          </a:rPr>
+                        </m:ctrlPr>
+                      </m:sSupPr>
+                      <m:e>
+                        <m:r>
+                          <m:rPr>
+                            <m:sty m:val="p"/>
+                          </m:rPr>
+                          <a:rPr lang="en-US" b="0" i="0" smtClean="0">
+                            <a:latin typeface="Cambria Math" panose="02040503050406030204" pitchFamily="18" charset="0"/>
+                          </a:rPr>
+                          <m:t>nm</m:t>
+                        </m:r>
+                      </m:e>
+                      <m:sup>
+                        <m:r>
+                          <a:rPr lang="en-US" b="0" i="1" smtClean="0">
+                            <a:latin typeface="Cambria Math" panose="02040503050406030204" pitchFamily="18" charset="0"/>
+                          </a:rPr>
+                          <m:t>−2</m:t>
+                        </m:r>
+                      </m:sup>
+                    </m:sSup>
+                  </m:oMath>
+                </a14:m>
+                <a:r>
+                  <a:rPr lang="en-US" dirty="0"/>
+                  <a:t>, (d) raised-stripe at </a:t>
+                </a:r>
+                <a14:m>
+                  <m:oMath xmlns:m="http://schemas.openxmlformats.org/officeDocument/2006/math">
+                    <m:r>
+                      <a:rPr lang="en-US" b="0" i="1" smtClean="0">
+                        <a:latin typeface="Cambria Math" panose="02040503050406030204" pitchFamily="18" charset="0"/>
+                      </a:rPr>
+                      <m:t>𝜎</m:t>
+                    </m:r>
+                    <m:r>
+                      <a:rPr lang="en-US" b="0" i="1" smtClean="0">
+                        <a:latin typeface="Cambria Math" panose="02040503050406030204" pitchFamily="18" charset="0"/>
+                      </a:rPr>
+                      <m:t>=4.0</m:t>
+                    </m:r>
+                    <m:r>
+                      <m:rPr>
+                        <m:sty m:val="p"/>
+                      </m:rPr>
+                      <a:rPr lang="en-US" b="0" i="0" smtClean="0">
+                        <a:latin typeface="Cambria Math" panose="02040503050406030204" pitchFamily="18" charset="0"/>
+                      </a:rPr>
+                      <m:t>E</m:t>
+                    </m:r>
+                    <m:r>
+                      <a:rPr lang="en-US" b="0" i="0" smtClean="0">
+                        <a:latin typeface="Cambria Math" panose="02040503050406030204" pitchFamily="18" charset="0"/>
+                      </a:rPr>
+                      <m:t>−02 </m:t>
+                    </m:r>
+                    <m:sSup>
+                      <m:sSupPr>
+                        <m:ctrlPr>
+                          <a:rPr lang="en-US" b="0" i="0" smtClean="0">
+                            <a:latin typeface="Cambria Math" panose="02040503050406030204" pitchFamily="18" charset="0"/>
+                          </a:rPr>
+                        </m:ctrlPr>
+                      </m:sSupPr>
+                      <m:e>
+                        <m:r>
+                          <m:rPr>
+                            <m:sty m:val="p"/>
+                          </m:rPr>
+                          <a:rPr lang="en-US" b="0" i="0" smtClean="0">
+                            <a:latin typeface="Cambria Math" panose="02040503050406030204" pitchFamily="18" charset="0"/>
+                          </a:rPr>
+                          <m:t>nm</m:t>
+                        </m:r>
+                      </m:e>
+                      <m:sup>
+                        <m:r>
+                          <a:rPr lang="en-US" b="0" i="1" smtClean="0">
+                            <a:latin typeface="Cambria Math" panose="02040503050406030204" pitchFamily="18" charset="0"/>
+                          </a:rPr>
+                          <m:t>−2</m:t>
+                        </m:r>
+                      </m:sup>
+                    </m:sSup>
+                  </m:oMath>
+                </a14:m>
+                <a:r>
+                  <a:rPr lang="en-US" dirty="0"/>
+                  <a:t>, (e) homogeneous at </a:t>
+                </a:r>
+                <a14:m>
+                  <m:oMath xmlns:m="http://schemas.openxmlformats.org/officeDocument/2006/math">
+                    <m:r>
+                      <a:rPr lang="en-US" b="0" i="1" smtClean="0">
+                        <a:latin typeface="Cambria Math" panose="02040503050406030204" pitchFamily="18" charset="0"/>
+                      </a:rPr>
+                      <m:t>𝜎</m:t>
+                    </m:r>
+                    <m:r>
+                      <a:rPr lang="en-US" b="0" i="1" smtClean="0">
+                        <a:latin typeface="Cambria Math" panose="02040503050406030204" pitchFamily="18" charset="0"/>
+                      </a:rPr>
+                      <m:t>=5.0</m:t>
+                    </m:r>
+                    <m:r>
+                      <m:rPr>
+                        <m:sty m:val="p"/>
+                      </m:rPr>
+                      <a:rPr lang="en-US" b="0" i="0" smtClean="0">
+                        <a:latin typeface="Cambria Math" panose="02040503050406030204" pitchFamily="18" charset="0"/>
+                      </a:rPr>
+                      <m:t>E</m:t>
+                    </m:r>
+                    <m:r>
+                      <a:rPr lang="en-US" b="0" i="0" smtClean="0">
+                        <a:latin typeface="Cambria Math" panose="02040503050406030204" pitchFamily="18" charset="0"/>
+                      </a:rPr>
+                      <m:t>−02 </m:t>
+                    </m:r>
+                    <m:sSup>
+                      <m:sSupPr>
+                        <m:ctrlPr>
+                          <a:rPr lang="en-US" b="0" i="0" smtClean="0">
+                            <a:latin typeface="Cambria Math" panose="02040503050406030204" pitchFamily="18" charset="0"/>
+                          </a:rPr>
+                        </m:ctrlPr>
+                      </m:sSupPr>
+                      <m:e>
+                        <m:r>
+                          <m:rPr>
+                            <m:sty m:val="p"/>
+                          </m:rPr>
+                          <a:rPr lang="en-US" b="0" i="0" smtClean="0">
+                            <a:latin typeface="Cambria Math" panose="02040503050406030204" pitchFamily="18" charset="0"/>
+                          </a:rPr>
+                          <m:t>nm</m:t>
+                        </m:r>
+                      </m:e>
+                      <m:sup>
+                        <m:r>
+                          <a:rPr lang="en-US" b="0" i="1" smtClean="0">
+                            <a:latin typeface="Cambria Math" panose="02040503050406030204" pitchFamily="18" charset="0"/>
+                          </a:rPr>
+                          <m:t>−2</m:t>
+                        </m:r>
+                      </m:sup>
+                    </m:sSup>
+                  </m:oMath>
+                </a14:m>
+                <a:r>
+                  <a:rPr lang="en-US" dirty="0"/>
+                  <a:t>, (f) excess free energy with respect to the raised-stripe morphology and varying grafting densities </a:t>
+                </a:r>
+                <a14:m>
+                  <m:oMath xmlns:m="http://schemas.openxmlformats.org/officeDocument/2006/math">
+                    <m:r>
+                      <a:rPr lang="en-US" b="0" i="1" smtClean="0">
+                        <a:latin typeface="Cambria Math" panose="02040503050406030204" pitchFamily="18" charset="0"/>
+                      </a:rPr>
+                      <m:t>𝜎</m:t>
+                    </m:r>
+                  </m:oMath>
+                </a14:m>
+                <a:r>
+                  <a:rPr lang="en-US" dirty="0"/>
+                  <a:t>. Dotted lines indicate metastable regimes (</a:t>
+                </a:r>
+                <a:r>
+                  <a:rPr lang="en-US" b="1" dirty="0"/>
+                  <a:t>unfinished</a:t>
+                </a:r>
+                <a:r>
+                  <a:rPr lang="en-US" dirty="0"/>
+                  <a:t>).</a:t>
+                </a:r>
+              </a:p>
+            </p:txBody>
+          </p:sp>
+        </mc:Choice>
+        <mc:Fallback>
+          <p:sp>
+            <p:nvSpPr>
+              <p:cNvPr id="14" name="TextBox 13">
+                <a:extLst>
+                  <a:ext uri="{FF2B5EF4-FFF2-40B4-BE49-F238E27FC236}">
+                    <a16:creationId xmlns:a16="http://schemas.microsoft.com/office/drawing/2014/main" id="{2DE80710-DF98-938C-F5D7-9D296B5D111B}"/>
+                  </a:ext>
+                </a:extLst>
+              </p:cNvPr>
+              <p:cNvSpPr txBox="1">
+                <a:spLocks noRot="1" noChangeAspect="1" noMove="1" noResize="1" noEditPoints="1" noAdjustHandles="1" noChangeArrowheads="1" noChangeShapeType="1" noTextEdit="1"/>
+              </p:cNvSpPr>
+              <p:nvPr/>
+            </p:nvSpPr>
+            <p:spPr>
+              <a:xfrm>
+                <a:off x="853164" y="4160862"/>
+                <a:ext cx="9626249" cy="1754326"/>
+              </a:xfrm>
+              <a:prstGeom prst="rect">
+                <a:avLst/>
+              </a:prstGeom>
+              <a:blipFill>
+                <a:blip r:embed="rId7"/>
+                <a:stretch>
+                  <a:fillRect l="-570" t="-1742" b="-5226"/>
+                </a:stretch>
+              </a:blipFill>
+            </p:spPr>
+            <p:txBody>
+              <a:bodyPr/>
+              <a:lstStyle/>
+              <a:p>
+                <a:r>
+                  <a:rPr lang="en-US">
+                    <a:noFill/>
+                  </a:rPr>
+                  <a:t> </a:t>
+                </a:r>
+              </a:p>
+            </p:txBody>
+          </p:sp>
+        </mc:Fallback>
+      </mc:AlternateContent>
+      <mc:AlternateContent xmlns:mc="http://schemas.openxmlformats.org/markup-compatibility/2006">
+        <mc:Choice xmlns:a14="http://schemas.microsoft.com/office/drawing/2010/main" Requires="a14">
+          <p:sp>
+            <p:nvSpPr>
+              <p:cNvPr id="15" name="TextBox 14">
+                <a:extLst>
+                  <a:ext uri="{FF2B5EF4-FFF2-40B4-BE49-F238E27FC236}">
+                    <a16:creationId xmlns:a16="http://schemas.microsoft.com/office/drawing/2014/main" id="{B2EB951D-CBD8-486A-9D64-00820AABEA33}"/>
+                  </a:ext>
+                </a:extLst>
+              </p:cNvPr>
+              <p:cNvSpPr txBox="1"/>
+              <p:nvPr/>
+            </p:nvSpPr>
+            <p:spPr>
+              <a:xfrm>
+                <a:off x="416338" y="1380527"/>
+                <a:ext cx="1681433" cy="338554"/>
+              </a:xfrm>
+              <a:prstGeom prst="rect">
+                <a:avLst/>
+              </a:prstGeom>
+              <a:noFill/>
+            </p:spPr>
+            <p:txBody>
+              <a:bodyPr wrap="square" rtlCol="0">
+                <a:spAutoFit/>
+              </a:bodyPr>
+              <a:lstStyle/>
+              <a:p>
+                <a14:m>
+                  <m:oMathPara xmlns:m="http://schemas.openxmlformats.org/officeDocument/2006/math">
+                    <m:oMathParaPr>
+                      <m:jc m:val="centerGroup"/>
+                    </m:oMathParaPr>
+                    <m:oMath xmlns:m="http://schemas.openxmlformats.org/officeDocument/2006/math">
+                      <m:r>
+                        <a:rPr lang="en-US" sz="1600" b="0" i="1" smtClean="0">
+                          <a:latin typeface="Cambria Math" panose="02040503050406030204" pitchFamily="18" charset="0"/>
+                        </a:rPr>
+                        <m:t>𝜎</m:t>
+                      </m:r>
+                      <m:r>
+                        <a:rPr lang="en-US" sz="1600" b="0" i="1" smtClean="0">
+                          <a:latin typeface="Cambria Math" panose="02040503050406030204" pitchFamily="18" charset="0"/>
+                        </a:rPr>
+                        <m:t>=2.5</m:t>
+                      </m:r>
+                      <m:r>
+                        <m:rPr>
+                          <m:sty m:val="p"/>
+                        </m:rPr>
+                        <a:rPr lang="en-US" sz="1600" b="0" i="0" smtClean="0">
+                          <a:latin typeface="Cambria Math" panose="02040503050406030204" pitchFamily="18" charset="0"/>
+                        </a:rPr>
+                        <m:t>E</m:t>
+                      </m:r>
+                      <m:r>
+                        <a:rPr lang="en-US" sz="1600" b="0" i="0" smtClean="0">
+                          <a:latin typeface="Cambria Math" panose="02040503050406030204" pitchFamily="18" charset="0"/>
+                        </a:rPr>
+                        <m:t>−03</m:t>
+                      </m:r>
+                    </m:oMath>
+                  </m:oMathPara>
+                </a14:m>
+                <a:endParaRPr lang="en-US" sz="1600" dirty="0"/>
+              </a:p>
+            </p:txBody>
+          </p:sp>
+        </mc:Choice>
+        <mc:Fallback>
+          <p:sp>
+            <p:nvSpPr>
+              <p:cNvPr id="15" name="TextBox 14">
+                <a:extLst>
+                  <a:ext uri="{FF2B5EF4-FFF2-40B4-BE49-F238E27FC236}">
+                    <a16:creationId xmlns:a16="http://schemas.microsoft.com/office/drawing/2014/main" id="{B2EB951D-CBD8-486A-9D64-00820AABEA33}"/>
+                  </a:ext>
+                </a:extLst>
+              </p:cNvPr>
+              <p:cNvSpPr txBox="1">
+                <a:spLocks noRot="1" noChangeAspect="1" noMove="1" noResize="1" noEditPoints="1" noAdjustHandles="1" noChangeArrowheads="1" noChangeShapeType="1" noTextEdit="1"/>
+              </p:cNvSpPr>
+              <p:nvPr/>
+            </p:nvSpPr>
+            <p:spPr>
+              <a:xfrm>
+                <a:off x="416338" y="1380527"/>
+                <a:ext cx="1681433" cy="338554"/>
+              </a:xfrm>
+              <a:prstGeom prst="rect">
+                <a:avLst/>
+              </a:prstGeom>
+              <a:blipFill>
+                <a:blip r:embed="rId8"/>
+                <a:stretch>
+                  <a:fillRect/>
+                </a:stretch>
+              </a:blipFill>
+            </p:spPr>
+            <p:txBody>
+              <a:bodyPr/>
+              <a:lstStyle/>
+              <a:p>
+                <a:r>
+                  <a:rPr lang="en-US">
+                    <a:noFill/>
+                  </a:rPr>
+                  <a:t> </a:t>
+                </a:r>
+              </a:p>
+            </p:txBody>
+          </p:sp>
+        </mc:Fallback>
+      </mc:AlternateContent>
+      <mc:AlternateContent xmlns:mc="http://schemas.openxmlformats.org/markup-compatibility/2006">
+        <mc:Choice xmlns:a14="http://schemas.microsoft.com/office/drawing/2010/main" Requires="a14">
+          <p:sp>
+            <p:nvSpPr>
+              <p:cNvPr id="18" name="TextBox 17">
+                <a:extLst>
+                  <a:ext uri="{FF2B5EF4-FFF2-40B4-BE49-F238E27FC236}">
+                    <a16:creationId xmlns:a16="http://schemas.microsoft.com/office/drawing/2014/main" id="{FC716CE4-9597-7CF0-22EF-220071CDB2EB}"/>
+                  </a:ext>
+                </a:extLst>
+              </p:cNvPr>
+              <p:cNvSpPr txBox="1"/>
+              <p:nvPr/>
+            </p:nvSpPr>
+            <p:spPr>
+              <a:xfrm>
+                <a:off x="2059437" y="1386342"/>
+                <a:ext cx="1681433" cy="338554"/>
+              </a:xfrm>
+              <a:prstGeom prst="rect">
+                <a:avLst/>
+              </a:prstGeom>
+              <a:noFill/>
+            </p:spPr>
+            <p:txBody>
+              <a:bodyPr wrap="square" rtlCol="0">
+                <a:spAutoFit/>
+              </a:bodyPr>
+              <a:lstStyle/>
+              <a:p>
+                <a14:m>
+                  <m:oMathPara xmlns:m="http://schemas.openxmlformats.org/officeDocument/2006/math">
+                    <m:oMathParaPr>
+                      <m:jc m:val="centerGroup"/>
+                    </m:oMathParaPr>
+                    <m:oMath xmlns:m="http://schemas.openxmlformats.org/officeDocument/2006/math">
+                      <m:r>
+                        <a:rPr lang="en-US" sz="1600" b="0" i="1" smtClean="0">
+                          <a:latin typeface="Cambria Math" panose="02040503050406030204" pitchFamily="18" charset="0"/>
+                        </a:rPr>
+                        <m:t>𝜎</m:t>
+                      </m:r>
+                      <m:r>
+                        <a:rPr lang="en-US" sz="1600" b="0" i="1" smtClean="0">
+                          <a:latin typeface="Cambria Math" panose="02040503050406030204" pitchFamily="18" charset="0"/>
+                        </a:rPr>
+                        <m:t>=1.0</m:t>
+                      </m:r>
+                      <m:r>
+                        <m:rPr>
+                          <m:sty m:val="p"/>
+                        </m:rPr>
+                        <a:rPr lang="en-US" sz="1600" b="0" i="0" smtClean="0">
+                          <a:latin typeface="Cambria Math" panose="02040503050406030204" pitchFamily="18" charset="0"/>
+                        </a:rPr>
+                        <m:t>E</m:t>
+                      </m:r>
+                      <m:r>
+                        <a:rPr lang="en-US" sz="1600" b="0" i="0" smtClean="0">
+                          <a:latin typeface="Cambria Math" panose="02040503050406030204" pitchFamily="18" charset="0"/>
+                        </a:rPr>
+                        <m:t>−02</m:t>
+                      </m:r>
+                    </m:oMath>
+                  </m:oMathPara>
+                </a14:m>
+                <a:endParaRPr lang="en-US" sz="1600" dirty="0"/>
+              </a:p>
+            </p:txBody>
+          </p:sp>
+        </mc:Choice>
+        <mc:Fallback>
+          <p:sp>
+            <p:nvSpPr>
+              <p:cNvPr id="18" name="TextBox 17">
+                <a:extLst>
+                  <a:ext uri="{FF2B5EF4-FFF2-40B4-BE49-F238E27FC236}">
+                    <a16:creationId xmlns:a16="http://schemas.microsoft.com/office/drawing/2014/main" id="{FC716CE4-9597-7CF0-22EF-220071CDB2EB}"/>
+                  </a:ext>
+                </a:extLst>
+              </p:cNvPr>
+              <p:cNvSpPr txBox="1">
+                <a:spLocks noRot="1" noChangeAspect="1" noMove="1" noResize="1" noEditPoints="1" noAdjustHandles="1" noChangeArrowheads="1" noChangeShapeType="1" noTextEdit="1"/>
+              </p:cNvSpPr>
+              <p:nvPr/>
+            </p:nvSpPr>
+            <p:spPr>
+              <a:xfrm>
+                <a:off x="2059437" y="1386342"/>
+                <a:ext cx="1681433" cy="338554"/>
+              </a:xfrm>
+              <a:prstGeom prst="rect">
+                <a:avLst/>
+              </a:prstGeom>
+              <a:blipFill>
+                <a:blip r:embed="rId9"/>
+                <a:stretch>
+                  <a:fillRect/>
+                </a:stretch>
+              </a:blipFill>
+            </p:spPr>
+            <p:txBody>
+              <a:bodyPr/>
+              <a:lstStyle/>
+              <a:p>
+                <a:r>
+                  <a:rPr lang="en-US">
+                    <a:noFill/>
+                  </a:rPr>
+                  <a:t> </a:t>
+                </a:r>
+              </a:p>
+            </p:txBody>
+          </p:sp>
+        </mc:Fallback>
+      </mc:AlternateContent>
+      <mc:AlternateContent xmlns:mc="http://schemas.openxmlformats.org/markup-compatibility/2006">
+        <mc:Choice xmlns:a14="http://schemas.microsoft.com/office/drawing/2010/main" Requires="a14">
+          <p:sp>
+            <p:nvSpPr>
+              <p:cNvPr id="19" name="TextBox 18">
+                <a:extLst>
+                  <a:ext uri="{FF2B5EF4-FFF2-40B4-BE49-F238E27FC236}">
+                    <a16:creationId xmlns:a16="http://schemas.microsoft.com/office/drawing/2014/main" id="{C1159D54-A874-D01A-C55E-C2F6665A28E4}"/>
+                  </a:ext>
+                </a:extLst>
+              </p:cNvPr>
+              <p:cNvSpPr txBox="1"/>
+              <p:nvPr/>
+            </p:nvSpPr>
+            <p:spPr>
+              <a:xfrm>
+                <a:off x="3740870" y="1380527"/>
+                <a:ext cx="1681433" cy="338554"/>
+              </a:xfrm>
+              <a:prstGeom prst="rect">
+                <a:avLst/>
+              </a:prstGeom>
+              <a:noFill/>
+            </p:spPr>
+            <p:txBody>
+              <a:bodyPr wrap="square" rtlCol="0">
+                <a:spAutoFit/>
+              </a:bodyPr>
+              <a:lstStyle/>
+              <a:p>
+                <a14:m>
+                  <m:oMathPara xmlns:m="http://schemas.openxmlformats.org/officeDocument/2006/math">
+                    <m:oMathParaPr>
+                      <m:jc m:val="centerGroup"/>
+                    </m:oMathParaPr>
+                    <m:oMath xmlns:m="http://schemas.openxmlformats.org/officeDocument/2006/math">
+                      <m:r>
+                        <a:rPr lang="en-US" sz="1600" b="0" i="1" smtClean="0">
+                          <a:latin typeface="Cambria Math" panose="02040503050406030204" pitchFamily="18" charset="0"/>
+                        </a:rPr>
+                        <m:t>𝜎</m:t>
+                      </m:r>
+                      <m:r>
+                        <a:rPr lang="en-US" sz="1600" b="0" i="1" smtClean="0">
+                          <a:latin typeface="Cambria Math" panose="02040503050406030204" pitchFamily="18" charset="0"/>
+                        </a:rPr>
+                        <m:t>=2.0</m:t>
+                      </m:r>
+                      <m:r>
+                        <m:rPr>
+                          <m:sty m:val="p"/>
+                        </m:rPr>
+                        <a:rPr lang="en-US" sz="1600" b="0" i="0" smtClean="0">
+                          <a:latin typeface="Cambria Math" panose="02040503050406030204" pitchFamily="18" charset="0"/>
+                        </a:rPr>
+                        <m:t>E</m:t>
+                      </m:r>
+                      <m:r>
+                        <a:rPr lang="en-US" sz="1600" b="0" i="0" smtClean="0">
+                          <a:latin typeface="Cambria Math" panose="02040503050406030204" pitchFamily="18" charset="0"/>
+                        </a:rPr>
+                        <m:t>−02</m:t>
+                      </m:r>
+                    </m:oMath>
+                  </m:oMathPara>
+                </a14:m>
+                <a:endParaRPr lang="en-US" sz="1600" dirty="0"/>
+              </a:p>
+            </p:txBody>
+          </p:sp>
+        </mc:Choice>
+        <mc:Fallback>
+          <p:sp>
+            <p:nvSpPr>
+              <p:cNvPr id="19" name="TextBox 18">
+                <a:extLst>
+                  <a:ext uri="{FF2B5EF4-FFF2-40B4-BE49-F238E27FC236}">
+                    <a16:creationId xmlns:a16="http://schemas.microsoft.com/office/drawing/2014/main" id="{C1159D54-A874-D01A-C55E-C2F6665A28E4}"/>
+                  </a:ext>
+                </a:extLst>
+              </p:cNvPr>
+              <p:cNvSpPr txBox="1">
+                <a:spLocks noRot="1" noChangeAspect="1" noMove="1" noResize="1" noEditPoints="1" noAdjustHandles="1" noChangeArrowheads="1" noChangeShapeType="1" noTextEdit="1"/>
+              </p:cNvSpPr>
+              <p:nvPr/>
+            </p:nvSpPr>
+            <p:spPr>
+              <a:xfrm>
+                <a:off x="3740870" y="1380527"/>
+                <a:ext cx="1681433" cy="338554"/>
+              </a:xfrm>
+              <a:prstGeom prst="rect">
+                <a:avLst/>
+              </a:prstGeom>
+              <a:blipFill>
+                <a:blip r:embed="rId10"/>
+                <a:stretch>
+                  <a:fillRect/>
+                </a:stretch>
+              </a:blipFill>
+            </p:spPr>
+            <p:txBody>
+              <a:bodyPr/>
+              <a:lstStyle/>
+              <a:p>
+                <a:r>
+                  <a:rPr lang="en-US">
+                    <a:noFill/>
+                  </a:rPr>
+                  <a:t> </a:t>
+                </a:r>
+              </a:p>
+            </p:txBody>
+          </p:sp>
+        </mc:Fallback>
+      </mc:AlternateContent>
+      <mc:AlternateContent xmlns:mc="http://schemas.openxmlformats.org/markup-compatibility/2006">
+        <mc:Choice xmlns:a14="http://schemas.microsoft.com/office/drawing/2010/main" Requires="a14">
+          <p:sp>
+            <p:nvSpPr>
+              <p:cNvPr id="20" name="TextBox 19">
+                <a:extLst>
+                  <a:ext uri="{FF2B5EF4-FFF2-40B4-BE49-F238E27FC236}">
+                    <a16:creationId xmlns:a16="http://schemas.microsoft.com/office/drawing/2014/main" id="{EE4DCA4B-936C-34B5-E9BE-449D380F133E}"/>
+                  </a:ext>
+                </a:extLst>
+              </p:cNvPr>
+              <p:cNvSpPr txBox="1"/>
+              <p:nvPr/>
+            </p:nvSpPr>
+            <p:spPr>
+              <a:xfrm>
+                <a:off x="5398916" y="1375655"/>
+                <a:ext cx="1681433" cy="338554"/>
+              </a:xfrm>
+              <a:prstGeom prst="rect">
+                <a:avLst/>
+              </a:prstGeom>
+              <a:noFill/>
+            </p:spPr>
+            <p:txBody>
+              <a:bodyPr wrap="square" rtlCol="0">
+                <a:spAutoFit/>
+              </a:bodyPr>
+              <a:lstStyle/>
+              <a:p>
+                <a14:m>
+                  <m:oMathPara xmlns:m="http://schemas.openxmlformats.org/officeDocument/2006/math">
+                    <m:oMathParaPr>
+                      <m:jc m:val="centerGroup"/>
+                    </m:oMathParaPr>
+                    <m:oMath xmlns:m="http://schemas.openxmlformats.org/officeDocument/2006/math">
+                      <m:r>
+                        <a:rPr lang="en-US" sz="1600" b="0" i="1" smtClean="0">
+                          <a:latin typeface="Cambria Math" panose="02040503050406030204" pitchFamily="18" charset="0"/>
+                        </a:rPr>
+                        <m:t>𝜎</m:t>
+                      </m:r>
+                      <m:r>
+                        <a:rPr lang="en-US" sz="1600" b="0" i="1" smtClean="0">
+                          <a:latin typeface="Cambria Math" panose="02040503050406030204" pitchFamily="18" charset="0"/>
+                        </a:rPr>
+                        <m:t>=4.0</m:t>
+                      </m:r>
+                      <m:r>
+                        <m:rPr>
+                          <m:sty m:val="p"/>
+                        </m:rPr>
+                        <a:rPr lang="en-US" sz="1600" b="0" i="0" smtClean="0">
+                          <a:latin typeface="Cambria Math" panose="02040503050406030204" pitchFamily="18" charset="0"/>
+                        </a:rPr>
+                        <m:t>E</m:t>
+                      </m:r>
+                      <m:r>
+                        <a:rPr lang="en-US" sz="1600" b="0" i="0" smtClean="0">
+                          <a:latin typeface="Cambria Math" panose="02040503050406030204" pitchFamily="18" charset="0"/>
+                        </a:rPr>
+                        <m:t>−02</m:t>
+                      </m:r>
+                    </m:oMath>
+                  </m:oMathPara>
+                </a14:m>
+                <a:endParaRPr lang="en-US" sz="1600" dirty="0"/>
+              </a:p>
+            </p:txBody>
+          </p:sp>
+        </mc:Choice>
+        <mc:Fallback>
+          <p:sp>
+            <p:nvSpPr>
+              <p:cNvPr id="20" name="TextBox 19">
+                <a:extLst>
+                  <a:ext uri="{FF2B5EF4-FFF2-40B4-BE49-F238E27FC236}">
+                    <a16:creationId xmlns:a16="http://schemas.microsoft.com/office/drawing/2014/main" id="{EE4DCA4B-936C-34B5-E9BE-449D380F133E}"/>
+                  </a:ext>
+                </a:extLst>
+              </p:cNvPr>
+              <p:cNvSpPr txBox="1">
+                <a:spLocks noRot="1" noChangeAspect="1" noMove="1" noResize="1" noEditPoints="1" noAdjustHandles="1" noChangeArrowheads="1" noChangeShapeType="1" noTextEdit="1"/>
+              </p:cNvSpPr>
+              <p:nvPr/>
+            </p:nvSpPr>
+            <p:spPr>
+              <a:xfrm>
+                <a:off x="5398916" y="1375655"/>
+                <a:ext cx="1681433" cy="338554"/>
+              </a:xfrm>
+              <a:prstGeom prst="rect">
+                <a:avLst/>
+              </a:prstGeom>
+              <a:blipFill>
+                <a:blip r:embed="rId11"/>
+                <a:stretch>
+                  <a:fillRect/>
+                </a:stretch>
+              </a:blipFill>
+            </p:spPr>
+            <p:txBody>
+              <a:bodyPr/>
+              <a:lstStyle/>
+              <a:p>
+                <a:r>
+                  <a:rPr lang="en-US">
+                    <a:noFill/>
+                  </a:rPr>
+                  <a:t> </a:t>
+                </a:r>
+              </a:p>
+            </p:txBody>
+          </p:sp>
+        </mc:Fallback>
+      </mc:AlternateContent>
+      <mc:AlternateContent xmlns:mc="http://schemas.openxmlformats.org/markup-compatibility/2006">
+        <mc:Choice xmlns:a14="http://schemas.microsoft.com/office/drawing/2010/main" Requires="a14">
+          <p:sp>
+            <p:nvSpPr>
+              <p:cNvPr id="21" name="TextBox 20">
+                <a:extLst>
+                  <a:ext uri="{FF2B5EF4-FFF2-40B4-BE49-F238E27FC236}">
+                    <a16:creationId xmlns:a16="http://schemas.microsoft.com/office/drawing/2014/main" id="{FF1AF718-D968-6854-3ACA-1F4FA9BF1695}"/>
+                  </a:ext>
+                </a:extLst>
+              </p:cNvPr>
+              <p:cNvSpPr txBox="1"/>
+              <p:nvPr/>
+            </p:nvSpPr>
+            <p:spPr>
+              <a:xfrm>
+                <a:off x="6996291" y="1370783"/>
+                <a:ext cx="1681433" cy="338554"/>
+              </a:xfrm>
+              <a:prstGeom prst="rect">
+                <a:avLst/>
+              </a:prstGeom>
+              <a:noFill/>
+            </p:spPr>
+            <p:txBody>
+              <a:bodyPr wrap="square" rtlCol="0">
+                <a:spAutoFit/>
+              </a:bodyPr>
+              <a:lstStyle/>
+              <a:p>
+                <a14:m>
+                  <m:oMathPara xmlns:m="http://schemas.openxmlformats.org/officeDocument/2006/math">
+                    <m:oMathParaPr>
+                      <m:jc m:val="centerGroup"/>
+                    </m:oMathParaPr>
+                    <m:oMath xmlns:m="http://schemas.openxmlformats.org/officeDocument/2006/math">
+                      <m:r>
+                        <a:rPr lang="en-US" sz="1600" b="0" i="1" smtClean="0">
+                          <a:latin typeface="Cambria Math" panose="02040503050406030204" pitchFamily="18" charset="0"/>
+                        </a:rPr>
+                        <m:t>𝜎</m:t>
+                      </m:r>
+                      <m:r>
+                        <a:rPr lang="en-US" sz="1600" b="0" i="1" smtClean="0">
+                          <a:latin typeface="Cambria Math" panose="02040503050406030204" pitchFamily="18" charset="0"/>
+                        </a:rPr>
+                        <m:t>=5.0</m:t>
+                      </m:r>
+                      <m:r>
+                        <m:rPr>
+                          <m:sty m:val="p"/>
+                        </m:rPr>
+                        <a:rPr lang="en-US" sz="1600" b="0" i="0" smtClean="0">
+                          <a:latin typeface="Cambria Math" panose="02040503050406030204" pitchFamily="18" charset="0"/>
+                        </a:rPr>
+                        <m:t>E</m:t>
+                      </m:r>
+                      <m:r>
+                        <a:rPr lang="en-US" sz="1600" b="0" i="0" smtClean="0">
+                          <a:latin typeface="Cambria Math" panose="02040503050406030204" pitchFamily="18" charset="0"/>
+                        </a:rPr>
+                        <m:t>−02</m:t>
+                      </m:r>
+                    </m:oMath>
+                  </m:oMathPara>
+                </a14:m>
+                <a:endParaRPr lang="en-US" sz="1600" dirty="0"/>
+              </a:p>
+            </p:txBody>
+          </p:sp>
+        </mc:Choice>
+        <mc:Fallback>
+          <p:sp>
+            <p:nvSpPr>
+              <p:cNvPr id="21" name="TextBox 20">
+                <a:extLst>
+                  <a:ext uri="{FF2B5EF4-FFF2-40B4-BE49-F238E27FC236}">
+                    <a16:creationId xmlns:a16="http://schemas.microsoft.com/office/drawing/2014/main" id="{FF1AF718-D968-6854-3ACA-1F4FA9BF1695}"/>
+                  </a:ext>
+                </a:extLst>
+              </p:cNvPr>
+              <p:cNvSpPr txBox="1">
+                <a:spLocks noRot="1" noChangeAspect="1" noMove="1" noResize="1" noEditPoints="1" noAdjustHandles="1" noChangeArrowheads="1" noChangeShapeType="1" noTextEdit="1"/>
+              </p:cNvSpPr>
+              <p:nvPr/>
+            </p:nvSpPr>
+            <p:spPr>
+              <a:xfrm>
+                <a:off x="6996291" y="1370783"/>
+                <a:ext cx="1681433" cy="338554"/>
+              </a:xfrm>
+              <a:prstGeom prst="rect">
+                <a:avLst/>
+              </a:prstGeom>
+              <a:blipFill>
+                <a:blip r:embed="rId12"/>
+                <a:stretch>
+                  <a:fillRect/>
+                </a:stretch>
+              </a:blipFill>
+            </p:spPr>
+            <p:txBody>
+              <a:bodyPr/>
+              <a:lstStyle/>
+              <a:p>
+                <a:r>
+                  <a:rPr lang="en-US">
+                    <a:noFill/>
+                  </a:rPr>
+                  <a:t> </a:t>
+                </a:r>
+              </a:p>
+            </p:txBody>
+          </p:sp>
+        </mc:Fallback>
+      </mc:AlternateContent>
+      <p:sp>
+        <p:nvSpPr>
+          <p:cNvPr id="22" name="TextBox 21">
+            <a:extLst>
+              <a:ext uri="{FF2B5EF4-FFF2-40B4-BE49-F238E27FC236}">
+                <a16:creationId xmlns:a16="http://schemas.microsoft.com/office/drawing/2014/main" id="{3449B1AF-DEE9-117F-3550-5B4745AAF2E4}"/>
+              </a:ext>
+            </a:extLst>
+          </p:cNvPr>
+          <p:cNvSpPr txBox="1"/>
+          <p:nvPr/>
+        </p:nvSpPr>
+        <p:spPr>
+          <a:xfrm>
+            <a:off x="132311" y="1014393"/>
+            <a:ext cx="506119" cy="369332"/>
+          </a:xfrm>
+          <a:prstGeom prst="rect">
+            <a:avLst/>
+          </a:prstGeom>
+          <a:noFill/>
+        </p:spPr>
+        <p:txBody>
+          <a:bodyPr wrap="square" rtlCol="0">
+            <a:spAutoFit/>
+          </a:bodyPr>
+          <a:lstStyle/>
+          <a:p>
+            <a:r>
+              <a:rPr lang="en-US" dirty="0"/>
+              <a:t>(a)</a:t>
+            </a:r>
+          </a:p>
+        </p:txBody>
+      </p:sp>
+      <p:sp>
+        <p:nvSpPr>
+          <p:cNvPr id="23" name="TextBox 22">
+            <a:extLst>
+              <a:ext uri="{FF2B5EF4-FFF2-40B4-BE49-F238E27FC236}">
+                <a16:creationId xmlns:a16="http://schemas.microsoft.com/office/drawing/2014/main" id="{0526AD28-6B20-9659-ED93-43F0EFD16BDD}"/>
+              </a:ext>
+            </a:extLst>
+          </p:cNvPr>
+          <p:cNvSpPr txBox="1"/>
+          <p:nvPr/>
+        </p:nvSpPr>
+        <p:spPr>
+          <a:xfrm>
+            <a:off x="1846531" y="965989"/>
+            <a:ext cx="506119" cy="369332"/>
+          </a:xfrm>
+          <a:prstGeom prst="rect">
+            <a:avLst/>
+          </a:prstGeom>
+          <a:noFill/>
+        </p:spPr>
+        <p:txBody>
+          <a:bodyPr wrap="square" rtlCol="0">
+            <a:spAutoFit/>
+          </a:bodyPr>
+          <a:lstStyle/>
+          <a:p>
+            <a:r>
+              <a:rPr lang="en-US" dirty="0"/>
+              <a:t>(b)</a:t>
+            </a:r>
+          </a:p>
+        </p:txBody>
+      </p:sp>
+      <p:sp>
+        <p:nvSpPr>
+          <p:cNvPr id="29" name="TextBox 28">
+            <a:extLst>
+              <a:ext uri="{FF2B5EF4-FFF2-40B4-BE49-F238E27FC236}">
+                <a16:creationId xmlns:a16="http://schemas.microsoft.com/office/drawing/2014/main" id="{B45FBCF5-90EF-5CCA-654D-AA74900D8DFA}"/>
+              </a:ext>
+            </a:extLst>
+          </p:cNvPr>
+          <p:cNvSpPr txBox="1"/>
+          <p:nvPr/>
+        </p:nvSpPr>
+        <p:spPr>
+          <a:xfrm>
+            <a:off x="3668294" y="959419"/>
+            <a:ext cx="506119" cy="369332"/>
+          </a:xfrm>
+          <a:prstGeom prst="rect">
+            <a:avLst/>
+          </a:prstGeom>
+          <a:noFill/>
+        </p:spPr>
+        <p:txBody>
+          <a:bodyPr wrap="square" rtlCol="0">
+            <a:spAutoFit/>
+          </a:bodyPr>
+          <a:lstStyle/>
+          <a:p>
+            <a:r>
+              <a:rPr lang="en-US" dirty="0"/>
+              <a:t>(c)</a:t>
+            </a:r>
+          </a:p>
+        </p:txBody>
+      </p:sp>
+      <p:sp>
+        <p:nvSpPr>
+          <p:cNvPr id="30" name="TextBox 29">
+            <a:extLst>
+              <a:ext uri="{FF2B5EF4-FFF2-40B4-BE49-F238E27FC236}">
+                <a16:creationId xmlns:a16="http://schemas.microsoft.com/office/drawing/2014/main" id="{857C3C83-7B15-125F-D5CE-2E0CE4459B11}"/>
+              </a:ext>
+            </a:extLst>
+          </p:cNvPr>
+          <p:cNvSpPr txBox="1"/>
+          <p:nvPr/>
+        </p:nvSpPr>
+        <p:spPr>
+          <a:xfrm>
+            <a:off x="5343769" y="959419"/>
+            <a:ext cx="506119" cy="369332"/>
+          </a:xfrm>
+          <a:prstGeom prst="rect">
+            <a:avLst/>
+          </a:prstGeom>
+          <a:noFill/>
+        </p:spPr>
+        <p:txBody>
+          <a:bodyPr wrap="square" rtlCol="0">
+            <a:spAutoFit/>
+          </a:bodyPr>
+          <a:lstStyle/>
+          <a:p>
+            <a:r>
+              <a:rPr lang="en-US" dirty="0"/>
+              <a:t>(d)</a:t>
+            </a:r>
+          </a:p>
+        </p:txBody>
+      </p:sp>
+      <p:sp>
+        <p:nvSpPr>
+          <p:cNvPr id="31" name="TextBox 30">
+            <a:extLst>
+              <a:ext uri="{FF2B5EF4-FFF2-40B4-BE49-F238E27FC236}">
+                <a16:creationId xmlns:a16="http://schemas.microsoft.com/office/drawing/2014/main" id="{6ADD7ADF-DAB5-A17B-D536-2B8DF6436126}"/>
+              </a:ext>
+            </a:extLst>
+          </p:cNvPr>
+          <p:cNvSpPr txBox="1"/>
+          <p:nvPr/>
+        </p:nvSpPr>
+        <p:spPr>
+          <a:xfrm>
+            <a:off x="6812550" y="965989"/>
+            <a:ext cx="506119" cy="369332"/>
+          </a:xfrm>
+          <a:prstGeom prst="rect">
+            <a:avLst/>
+          </a:prstGeom>
+          <a:noFill/>
+        </p:spPr>
+        <p:txBody>
+          <a:bodyPr wrap="square" rtlCol="0">
+            <a:spAutoFit/>
+          </a:bodyPr>
+          <a:lstStyle/>
+          <a:p>
+            <a:r>
+              <a:rPr lang="en-US" dirty="0"/>
+              <a:t>(e)</a:t>
+            </a:r>
+          </a:p>
+        </p:txBody>
+      </p:sp>
+      <p:sp>
+        <p:nvSpPr>
+          <p:cNvPr id="32" name="TextBox 31">
+            <a:extLst>
+              <a:ext uri="{FF2B5EF4-FFF2-40B4-BE49-F238E27FC236}">
+                <a16:creationId xmlns:a16="http://schemas.microsoft.com/office/drawing/2014/main" id="{E8E88B10-3075-FBD5-831D-D7B94F8B212B}"/>
+              </a:ext>
+            </a:extLst>
+          </p:cNvPr>
+          <p:cNvSpPr txBox="1"/>
+          <p:nvPr/>
+        </p:nvSpPr>
+        <p:spPr>
+          <a:xfrm>
+            <a:off x="8538951" y="959419"/>
+            <a:ext cx="506119" cy="369332"/>
+          </a:xfrm>
+          <a:prstGeom prst="rect">
+            <a:avLst/>
+          </a:prstGeom>
+          <a:noFill/>
+        </p:spPr>
+        <p:txBody>
+          <a:bodyPr wrap="square" rtlCol="0">
+            <a:spAutoFit/>
+          </a:bodyPr>
+          <a:lstStyle/>
+          <a:p>
+            <a:r>
+              <a:rPr lang="en-US" dirty="0"/>
+              <a:t>(f)</a:t>
+            </a:r>
+          </a:p>
+        </p:txBody>
+      </p:sp>
+      <p:sp>
+        <p:nvSpPr>
+          <p:cNvPr id="17" name="TextBox 16">
+            <a:extLst>
+              <a:ext uri="{FF2B5EF4-FFF2-40B4-BE49-F238E27FC236}">
+                <a16:creationId xmlns:a16="http://schemas.microsoft.com/office/drawing/2014/main" id="{73DC2D45-D4FC-6F86-5E6D-3DD3EED30B8D}"/>
+              </a:ext>
+            </a:extLst>
+          </p:cNvPr>
+          <p:cNvSpPr txBox="1"/>
+          <p:nvPr/>
+        </p:nvSpPr>
+        <p:spPr>
+          <a:xfrm>
+            <a:off x="6632483" y="3272769"/>
+            <a:ext cx="2268490" cy="369332"/>
+          </a:xfrm>
+          <a:prstGeom prst="rect">
+            <a:avLst/>
+          </a:prstGeom>
+          <a:noFill/>
+        </p:spPr>
+        <p:txBody>
+          <a:bodyPr wrap="square" rtlCol="0">
+            <a:spAutoFit/>
+          </a:bodyPr>
+          <a:lstStyle/>
+          <a:p>
+            <a:pPr algn="ctr"/>
+            <a:r>
+              <a:rPr lang="en-US" dirty="0"/>
+              <a:t>Location?</a:t>
+            </a:r>
+          </a:p>
+        </p:txBody>
+      </p:sp>
+      <p:pic>
+        <p:nvPicPr>
+          <p:cNvPr id="33" name="Picture 32">
+            <a:extLst>
+              <a:ext uri="{FF2B5EF4-FFF2-40B4-BE49-F238E27FC236}">
+                <a16:creationId xmlns:a16="http://schemas.microsoft.com/office/drawing/2014/main" id="{0FB4E052-738C-CBB0-FDB6-639AFEEFA8CB}"/>
+              </a:ext>
+            </a:extLst>
+          </p:cNvPr>
+          <p:cNvPicPr>
+            <a:picLocks noChangeAspect="1"/>
+          </p:cNvPicPr>
+          <p:nvPr/>
+        </p:nvPicPr>
+        <p:blipFill>
+          <a:blip r:embed="rId13"/>
+          <a:stretch>
+            <a:fillRect/>
+          </a:stretch>
+        </p:blipFill>
+        <p:spPr>
+          <a:xfrm>
+            <a:off x="369942" y="1824079"/>
+            <a:ext cx="1742995" cy="1508265"/>
+          </a:xfrm>
+          <a:prstGeom prst="rect">
+            <a:avLst/>
+          </a:prstGeom>
+        </p:spPr>
+      </p:pic>
+      <p:sp>
+        <p:nvSpPr>
+          <p:cNvPr id="5" name="TextBox 4">
+            <a:extLst>
+              <a:ext uri="{FF2B5EF4-FFF2-40B4-BE49-F238E27FC236}">
+                <a16:creationId xmlns:a16="http://schemas.microsoft.com/office/drawing/2014/main" id="{67EF3764-EBCB-8A7E-8F21-6C9635AA5A2F}"/>
+              </a:ext>
+            </a:extLst>
+          </p:cNvPr>
+          <p:cNvSpPr txBox="1"/>
+          <p:nvPr/>
+        </p:nvSpPr>
+        <p:spPr>
+          <a:xfrm>
+            <a:off x="132311" y="3216587"/>
+            <a:ext cx="2268490" cy="369332"/>
+          </a:xfrm>
+          <a:prstGeom prst="rect">
+            <a:avLst/>
+          </a:prstGeom>
+          <a:noFill/>
+        </p:spPr>
+        <p:txBody>
+          <a:bodyPr wrap="square" rtlCol="0">
+            <a:spAutoFit/>
+          </a:bodyPr>
+          <a:lstStyle/>
+          <a:p>
+            <a:pPr algn="ctr"/>
+            <a:r>
+              <a:rPr lang="en-US" dirty="0"/>
+              <a:t>Need to finalize</a:t>
+            </a:r>
+          </a:p>
+        </p:txBody>
+      </p:sp>
+      <p:sp>
+        <p:nvSpPr>
+          <p:cNvPr id="24" name="TextBox 23">
+            <a:extLst>
+              <a:ext uri="{FF2B5EF4-FFF2-40B4-BE49-F238E27FC236}">
+                <a16:creationId xmlns:a16="http://schemas.microsoft.com/office/drawing/2014/main" id="{1D61F255-5A7A-CFF7-FE4F-86104C3D9E62}"/>
+              </a:ext>
+            </a:extLst>
+          </p:cNvPr>
+          <p:cNvSpPr txBox="1"/>
+          <p:nvPr/>
+        </p:nvSpPr>
+        <p:spPr>
+          <a:xfrm>
+            <a:off x="1867833" y="3219570"/>
+            <a:ext cx="2268490" cy="369332"/>
+          </a:xfrm>
+          <a:prstGeom prst="rect">
+            <a:avLst/>
+          </a:prstGeom>
+          <a:noFill/>
+        </p:spPr>
+        <p:txBody>
+          <a:bodyPr wrap="square" rtlCol="0">
+            <a:spAutoFit/>
+          </a:bodyPr>
+          <a:lstStyle/>
+          <a:p>
+            <a:pPr algn="ctr"/>
+            <a:r>
+              <a:rPr lang="en-US" dirty="0"/>
+              <a:t>Need to finalize</a:t>
+            </a:r>
+          </a:p>
+        </p:txBody>
+      </p:sp>
     </p:spTree>
     <p:extLst>
       <p:ext uri="{BB962C8B-B14F-4D97-AF65-F5344CB8AC3E}">
@@ -5740,7 +8373,7 @@
 </p:sld>
 </file>
 
-<file path=ppt/slides/slide5.xml><?xml version="1.0" encoding="utf-8"?>
+<file path=ppt/slides/slide6.xml><?xml version="1.0" encoding="utf-8"?>
 <p:sld xmlns:a="http://schemas.openxmlformats.org/drawingml/2006/main" xmlns:r="http://schemas.openxmlformats.org/officeDocument/2006/relationships" xmlns:p="http://schemas.openxmlformats.org/presentationml/2006/main">
   <p:cSld>
     <p:spTree>
@@ -5763,46 +8396,6 @@
           <a:chExt cx="0" cy="0"/>
         </a:xfrm>
       </p:grpSpPr>
-      <p:sp>
-        <p:nvSpPr>
-          <p:cNvPr id="3" name="TextBox 2">
-            <a:extLst>
-              <a:ext uri="{FF2B5EF4-FFF2-40B4-BE49-F238E27FC236}">
-                <a16:creationId xmlns:a16="http://schemas.microsoft.com/office/drawing/2014/main" id="{AA58687C-F34C-BB24-5AAB-02C126D641C1}"/>
-              </a:ext>
-            </a:extLst>
-          </p:cNvPr>
-          <p:cNvSpPr txBox="1"/>
-          <p:nvPr/>
-        </p:nvSpPr>
-        <p:spPr>
-          <a:xfrm>
-            <a:off x="978786" y="302473"/>
-            <a:ext cx="9436032" cy="369332"/>
-          </a:xfrm>
-          <a:prstGeom prst="rect">
-            <a:avLst/>
-          </a:prstGeom>
-          <a:noFill/>
-        </p:spPr>
-        <p:txBody>
-          <a:bodyPr wrap="square" rtlCol="0">
-            <a:spAutoFit/>
-          </a:bodyPr>
-          <a:lstStyle/>
-          <a:p>
-            <a:r>
-              <a:rPr lang="en-US" dirty="0"/>
-              <a:t>Fig 5: Metastable multilayered morphologies with </a:t>
-            </a:r>
-            <a:r>
-              <a:rPr lang="en-US" dirty="0" err="1"/>
-              <a:t>freeE</a:t>
-            </a:r>
-            <a:endParaRPr lang="en-US" dirty="0"/>
-          </a:p>
-        </p:txBody>
-      </p:sp>
       <mc:AlternateContent xmlns:mc="http://schemas.openxmlformats.org/markup-compatibility/2006">
         <mc:Choice xmlns:a14="http://schemas.microsoft.com/office/drawing/2010/main" Requires="a14">
           <p:sp>
@@ -5819,8 +8412,8 @@
             </p:nvSpPr>
             <p:spPr>
               <a:xfrm>
-                <a:off x="1337586" y="4802007"/>
-                <a:ext cx="9050859" cy="1477328"/>
+                <a:off x="1084526" y="4682138"/>
+                <a:ext cx="9626249" cy="1477328"/>
               </a:xfrm>
               <a:prstGeom prst="rect">
                 <a:avLst/>
@@ -5999,7 +8592,7 @@
                 </a14:m>
                 <a:r>
                   <a:rPr lang="en-US" dirty="0"/>
-                  <a:t>, (d) free energy diagram at </a:t>
+                  <a:t>, (d) excess free energy with respect to the raised-stripe morphology for fixed </a:t>
                 </a:r>
                 <a14:m>
                   <m:oMath xmlns:m="http://schemas.openxmlformats.org/officeDocument/2006/math">
@@ -6019,7 +8612,7 @@
                 </a14:m>
                 <a:r>
                   <a:rPr lang="en-US" dirty="0"/>
-                  <a:t> for varying grafting densities </a:t>
+                  <a:t> and varying grafting densities </a:t>
                 </a:r>
                 <a14:m>
                   <m:oMath xmlns:m="http://schemas.openxmlformats.org/officeDocument/2006/math">
@@ -6033,7 +8626,7 @@
                 </a14:m>
                 <a:r>
                   <a:rPr lang="en-US" dirty="0"/>
-                  <a:t>. Dotted lines indicate metastable (</a:t>
+                  <a:t>. Dotted lines indicate metastable regimes (</a:t>
                 </a:r>
                 <a:r>
                   <a:rPr lang="en-US" b="1" dirty="0"/>
@@ -6064,8 +8657,8 @@
             </p:nvSpPr>
             <p:spPr>
               <a:xfrm>
-                <a:off x="1337586" y="4802007"/>
-                <a:ext cx="9050859" cy="1477328"/>
+                <a:off x="1084526" y="4682138"/>
+                <a:ext cx="9626249" cy="1477328"/>
               </a:xfrm>
               <a:prstGeom prst="rect">
                 <a:avLst/>
@@ -6073,7 +8666,7 @@
               <a:blipFill>
                 <a:blip r:embed="rId3"/>
                 <a:stretch>
-                  <a:fillRect l="-539" t="-2066" b="-6198"/>
+                  <a:fillRect l="-570" t="-1653" r="-253" b="-6198"/>
                 </a:stretch>
               </a:blipFill>
             </p:spPr>
@@ -6121,7 +8714,7 @@
         </p:blipFill>
         <p:spPr bwMode="auto">
           <a:xfrm>
-            <a:off x="5292773" y="1909006"/>
+            <a:off x="5328632" y="1774535"/>
             <a:ext cx="1525564" cy="2620256"/>
           </a:xfrm>
           <a:prstGeom prst="rect">
@@ -6161,7 +8754,7 @@
         </p:blipFill>
         <p:spPr>
           <a:xfrm>
-            <a:off x="1084527" y="1739394"/>
+            <a:off x="1120386" y="1604923"/>
             <a:ext cx="1927334" cy="2527542"/>
           </a:xfrm>
           <a:prstGeom prst="rect">
@@ -6191,7 +8784,7 @@
         </p:blipFill>
         <p:spPr>
           <a:xfrm>
-            <a:off x="3327490" y="1711907"/>
+            <a:off x="3363349" y="1577436"/>
             <a:ext cx="1342063" cy="2737504"/>
           </a:xfrm>
           <a:prstGeom prst="rect">
@@ -6228,7 +8821,7 @@
         </p:blipFill>
         <p:spPr bwMode="auto">
           <a:xfrm>
-            <a:off x="7006596" y="1909006"/>
+            <a:off x="7042455" y="1774535"/>
             <a:ext cx="4195191" cy="2560420"/>
           </a:xfrm>
           <a:prstGeom prst="rect">
@@ -6260,7 +8853,7 @@
         </p:nvSpPr>
         <p:spPr>
           <a:xfrm>
-            <a:off x="831467" y="1386798"/>
+            <a:off x="867326" y="1252327"/>
             <a:ext cx="506119" cy="369332"/>
           </a:xfrm>
           <a:prstGeom prst="rect">
@@ -6295,7 +8888,7 @@
         </p:nvSpPr>
         <p:spPr>
           <a:xfrm>
-            <a:off x="3074430" y="1386798"/>
+            <a:off x="3110289" y="1252327"/>
             <a:ext cx="506119" cy="369332"/>
           </a:xfrm>
           <a:prstGeom prst="rect">
@@ -6330,7 +8923,7 @@
         </p:nvSpPr>
         <p:spPr>
           <a:xfrm>
-            <a:off x="4917280" y="1386798"/>
+            <a:off x="4953139" y="1252327"/>
             <a:ext cx="506119" cy="369332"/>
           </a:xfrm>
           <a:prstGeom prst="rect">
@@ -6365,7 +8958,7 @@
         </p:nvSpPr>
         <p:spPr>
           <a:xfrm>
-            <a:off x="6970489" y="1386798"/>
+            <a:off x="7006348" y="1252327"/>
             <a:ext cx="506119" cy="369332"/>
           </a:xfrm>
           <a:prstGeom prst="rect">

--- a/SYSG3_paper.pptx
+++ b/SYSG3_paper.pptx
@@ -8,12 +8,12 @@
     <p:notesMasterId r:id="rId8"/>
   </p:notesMasterIdLst>
   <p:sldIdLst>
-    <p:sldId id="373" r:id="rId2"/>
-    <p:sldId id="377" r:id="rId3"/>
-    <p:sldId id="376" r:id="rId4"/>
-    <p:sldId id="371" r:id="rId5"/>
-    <p:sldId id="372" r:id="rId6"/>
-    <p:sldId id="370" r:id="rId7"/>
+    <p:sldId id="377" r:id="rId2"/>
+    <p:sldId id="376" r:id="rId3"/>
+    <p:sldId id="371" r:id="rId4"/>
+    <p:sldId id="372" r:id="rId5"/>
+    <p:sldId id="370" r:id="rId6"/>
+    <p:sldId id="373" r:id="rId7"/>
   </p:sldIdLst>
   <p:sldSz cx="12192000" cy="6858000"/>
   <p:notesSz cx="6858000" cy="9144000"/>
@@ -534,7 +534,7 @@
           <a:p>
             <a:fld id="{62E8446E-0259-4758-8A78-089F4A06870A}" type="slidenum">
               <a:rPr lang="en-US" smtClean="0"/>
-              <a:t>6</a:t>
+              <a:t>5</a:t>
             </a:fld>
             <a:endParaRPr lang="en-US"/>
           </a:p>
@@ -3758,334 +3758,6 @@
         <p:cNvPr id="1" name="">
           <a:extLst>
             <a:ext uri="{FF2B5EF4-FFF2-40B4-BE49-F238E27FC236}">
-              <a16:creationId xmlns:a16="http://schemas.microsoft.com/office/drawing/2014/main" id="{068DD0BA-DA43-12CA-9A95-1FF0D6D84A79}"/>
-            </a:ext>
-          </a:extLst>
-        </p:cNvPr>
-        <p:cNvGrpSpPr/>
-        <p:nvPr/>
-      </p:nvGrpSpPr>
-      <p:grpSpPr>
-        <a:xfrm>
-          <a:off x="0" y="0"/>
-          <a:ext cx="0" cy="0"/>
-          <a:chOff x="0" y="0"/>
-          <a:chExt cx="0" cy="0"/>
-        </a:xfrm>
-      </p:grpSpPr>
-      <p:pic>
-        <p:nvPicPr>
-          <p:cNvPr id="2052" name="Picture 4">
-            <a:extLst>
-              <a:ext uri="{FF2B5EF4-FFF2-40B4-BE49-F238E27FC236}">
-                <a16:creationId xmlns:a16="http://schemas.microsoft.com/office/drawing/2014/main" id="{7CBB2CFB-526B-4D5C-AD1B-99961FC92C3D}"/>
-              </a:ext>
-            </a:extLst>
-          </p:cNvPr>
-          <p:cNvPicPr>
-            <a:picLocks noChangeAspect="1" noChangeArrowheads="1"/>
-          </p:cNvPicPr>
-          <p:nvPr/>
-        </p:nvPicPr>
-        <p:blipFill>
-          <a:blip r:embed="rId2">
-            <a:extLst>
-              <a:ext uri="{28A0092B-C50C-407E-A947-70E740481C1C}">
-                <a14:useLocalDpi xmlns:a14="http://schemas.microsoft.com/office/drawing/2010/main" val="0"/>
-              </a:ext>
-            </a:extLst>
-          </a:blip>
-          <a:srcRect/>
-          <a:stretch>
-            <a:fillRect/>
-          </a:stretch>
-        </p:blipFill>
-        <p:spPr bwMode="auto">
-          <a:xfrm>
-            <a:off x="2200275" y="1166813"/>
-            <a:ext cx="7791450" cy="4524375"/>
-          </a:xfrm>
-          <a:prstGeom prst="rect">
-            <a:avLst/>
-          </a:prstGeom>
-          <a:noFill/>
-          <a:extLst>
-            <a:ext uri="{909E8E84-426E-40DD-AFC4-6F175D3DCCD1}">
-              <a14:hiddenFill xmlns:a14="http://schemas.microsoft.com/office/drawing/2010/main">
-                <a:solidFill>
-                  <a:srgbClr val="FFFFFF"/>
-                </a:solidFill>
-              </a14:hiddenFill>
-            </a:ext>
-          </a:extLst>
-        </p:spPr>
-      </p:pic>
-      <p:sp>
-        <p:nvSpPr>
-          <p:cNvPr id="3" name="TextBox 2">
-            <a:extLst>
-              <a:ext uri="{FF2B5EF4-FFF2-40B4-BE49-F238E27FC236}">
-                <a16:creationId xmlns:a16="http://schemas.microsoft.com/office/drawing/2014/main" id="{A534568D-A393-2082-1DFE-CD6164C93670}"/>
-              </a:ext>
-            </a:extLst>
-          </p:cNvPr>
-          <p:cNvSpPr txBox="1"/>
-          <p:nvPr/>
-        </p:nvSpPr>
-        <p:spPr>
-          <a:xfrm>
-            <a:off x="1645962" y="247374"/>
-            <a:ext cx="9436032" cy="369332"/>
-          </a:xfrm>
-          <a:prstGeom prst="rect">
-            <a:avLst/>
-          </a:prstGeom>
-          <a:noFill/>
-        </p:spPr>
-        <p:txBody>
-          <a:bodyPr wrap="square" rtlCol="0">
-            <a:spAutoFit/>
-          </a:bodyPr>
-          <a:lstStyle/>
-          <a:p>
-            <a:r>
-              <a:rPr lang="en-US" dirty="0"/>
-              <a:t>Fig 1: phase diagram</a:t>
-            </a:r>
-          </a:p>
-        </p:txBody>
-      </p:sp>
-      <p:sp>
-        <p:nvSpPr>
-          <p:cNvPr id="24" name="TextBox 23">
-            <a:extLst>
-              <a:ext uri="{FF2B5EF4-FFF2-40B4-BE49-F238E27FC236}">
-                <a16:creationId xmlns:a16="http://schemas.microsoft.com/office/drawing/2014/main" id="{A646825C-26E9-DC2B-A0C0-9C50730C0881}"/>
-              </a:ext>
-            </a:extLst>
-          </p:cNvPr>
-          <p:cNvSpPr txBox="1"/>
-          <p:nvPr/>
-        </p:nvSpPr>
-        <p:spPr>
-          <a:xfrm>
-            <a:off x="4213638" y="6241293"/>
-            <a:ext cx="2765121" cy="369332"/>
-          </a:xfrm>
-          <a:prstGeom prst="rect">
-            <a:avLst/>
-          </a:prstGeom>
-          <a:noFill/>
-        </p:spPr>
-        <p:txBody>
-          <a:bodyPr wrap="square" rtlCol="0">
-            <a:spAutoFit/>
-          </a:bodyPr>
-          <a:lstStyle/>
-          <a:p>
-            <a:pPr algn="ctr"/>
-            <a:r>
-              <a:rPr lang="en-US" dirty="0"/>
-              <a:t>Need to finalize</a:t>
-            </a:r>
-          </a:p>
-        </p:txBody>
-      </p:sp>
-      <p:sp>
-        <p:nvSpPr>
-          <p:cNvPr id="9" name="Rectangle 8">
-            <a:extLst>
-              <a:ext uri="{FF2B5EF4-FFF2-40B4-BE49-F238E27FC236}">
-                <a16:creationId xmlns:a16="http://schemas.microsoft.com/office/drawing/2014/main" id="{643CF8D2-4A99-CD45-371B-51A23C2DD4F0}"/>
-              </a:ext>
-            </a:extLst>
-          </p:cNvPr>
-          <p:cNvSpPr/>
-          <p:nvPr/>
-        </p:nvSpPr>
-        <p:spPr>
-          <a:xfrm>
-            <a:off x="3224497" y="941294"/>
-            <a:ext cx="372405" cy="2752165"/>
-          </a:xfrm>
-          <a:prstGeom prst="rect">
-            <a:avLst/>
-          </a:prstGeom>
-          <a:solidFill>
-            <a:srgbClr val="156082">
-              <a:alpha val="30196"/>
-            </a:srgbClr>
-          </a:solidFill>
-        </p:spPr>
-        <p:style>
-          <a:lnRef idx="2">
-            <a:schemeClr val="accent1">
-              <a:shade val="15000"/>
-            </a:schemeClr>
-          </a:lnRef>
-          <a:fillRef idx="1">
-            <a:schemeClr val="accent1"/>
-          </a:fillRef>
-          <a:effectRef idx="0">
-            <a:schemeClr val="accent1"/>
-          </a:effectRef>
-          <a:fontRef idx="minor">
-            <a:schemeClr val="lt1"/>
-          </a:fontRef>
-        </p:style>
-        <p:txBody>
-          <a:bodyPr rtlCol="0" anchor="t"/>
-          <a:lstStyle/>
-          <a:p>
-            <a:pPr algn="ctr"/>
-            <a:r>
-              <a:rPr lang="en-US" sz="900" dirty="0">
-                <a:solidFill>
-                  <a:schemeClr val="tx1"/>
-                </a:solidFill>
-              </a:rPr>
-              <a:t>06/23</a:t>
-            </a:r>
-          </a:p>
-        </p:txBody>
-      </p:sp>
-      <p:sp>
-        <p:nvSpPr>
-          <p:cNvPr id="10" name="Rectangle 9">
-            <a:extLst>
-              <a:ext uri="{FF2B5EF4-FFF2-40B4-BE49-F238E27FC236}">
-                <a16:creationId xmlns:a16="http://schemas.microsoft.com/office/drawing/2014/main" id="{9D27F417-AEB8-5814-1166-2B0D5099107D}"/>
-              </a:ext>
-            </a:extLst>
-          </p:cNvPr>
-          <p:cNvSpPr/>
-          <p:nvPr/>
-        </p:nvSpPr>
-        <p:spPr>
-          <a:xfrm>
-            <a:off x="3783106" y="1697481"/>
-            <a:ext cx="802937" cy="457200"/>
-          </a:xfrm>
-          <a:prstGeom prst="rect">
-            <a:avLst/>
-          </a:prstGeom>
-          <a:solidFill>
-            <a:srgbClr val="156082">
-              <a:alpha val="30196"/>
-            </a:srgbClr>
-          </a:solidFill>
-        </p:spPr>
-        <p:style>
-          <a:lnRef idx="2">
-            <a:schemeClr val="accent1">
-              <a:shade val="15000"/>
-            </a:schemeClr>
-          </a:lnRef>
-          <a:fillRef idx="1">
-            <a:schemeClr val="accent1"/>
-          </a:fillRef>
-          <a:effectRef idx="0">
-            <a:schemeClr val="accent1"/>
-          </a:effectRef>
-          <a:fontRef idx="minor">
-            <a:schemeClr val="lt1"/>
-          </a:fontRef>
-        </p:style>
-        <p:txBody>
-          <a:bodyPr rtlCol="0" anchor="t"/>
-          <a:lstStyle/>
-          <a:p>
-            <a:pPr algn="ctr"/>
-            <a:r>
-              <a:rPr lang="en-US" sz="900" dirty="0">
-                <a:solidFill>
-                  <a:schemeClr val="tx1"/>
-                </a:solidFill>
-              </a:rPr>
-              <a:t>06/23</a:t>
-            </a:r>
-          </a:p>
-        </p:txBody>
-      </p:sp>
-      <p:sp>
-        <p:nvSpPr>
-          <p:cNvPr id="2" name="Rectangle 1">
-            <a:extLst>
-              <a:ext uri="{FF2B5EF4-FFF2-40B4-BE49-F238E27FC236}">
-                <a16:creationId xmlns:a16="http://schemas.microsoft.com/office/drawing/2014/main" id="{01286FE6-7420-7111-57B7-3B94AAFE890D}"/>
-              </a:ext>
-            </a:extLst>
-          </p:cNvPr>
-          <p:cNvSpPr/>
-          <p:nvPr/>
-        </p:nvSpPr>
-        <p:spPr>
-          <a:xfrm>
-            <a:off x="4140917" y="2809105"/>
-            <a:ext cx="480207" cy="457200"/>
-          </a:xfrm>
-          <a:prstGeom prst="rect">
-            <a:avLst/>
-          </a:prstGeom>
-          <a:solidFill>
-            <a:srgbClr val="156082">
-              <a:alpha val="30196"/>
-            </a:srgbClr>
-          </a:solidFill>
-        </p:spPr>
-        <p:style>
-          <a:lnRef idx="2">
-            <a:schemeClr val="accent1">
-              <a:shade val="15000"/>
-            </a:schemeClr>
-          </a:lnRef>
-          <a:fillRef idx="1">
-            <a:schemeClr val="accent1"/>
-          </a:fillRef>
-          <a:effectRef idx="0">
-            <a:schemeClr val="accent1"/>
-          </a:effectRef>
-          <a:fontRef idx="minor">
-            <a:schemeClr val="lt1"/>
-          </a:fontRef>
-        </p:style>
-        <p:txBody>
-          <a:bodyPr rtlCol="0" anchor="t"/>
-          <a:lstStyle/>
-          <a:p>
-            <a:pPr algn="ctr"/>
-            <a:r>
-              <a:rPr lang="en-US" sz="900" dirty="0">
-                <a:solidFill>
-                  <a:schemeClr val="tx1"/>
-                </a:solidFill>
-              </a:rPr>
-              <a:t>06/23</a:t>
-            </a:r>
-          </a:p>
-        </p:txBody>
-      </p:sp>
-    </p:spTree>
-    <p:extLst>
-      <p:ext uri="{BB962C8B-B14F-4D97-AF65-F5344CB8AC3E}">
-        <p14:creationId xmlns:p14="http://schemas.microsoft.com/office/powerpoint/2010/main" val="3153369564"/>
-      </p:ext>
-    </p:extLst>
-  </p:cSld>
-  <p:clrMapOvr>
-    <a:masterClrMapping/>
-  </p:clrMapOvr>
-</p:sld>
-</file>
-
-<file path=ppt/slides/slide2.xml><?xml version="1.0" encoding="utf-8"?>
-<p:sld xmlns:a="http://schemas.openxmlformats.org/drawingml/2006/main" xmlns:r="http://schemas.openxmlformats.org/officeDocument/2006/relationships" xmlns:p="http://schemas.openxmlformats.org/presentationml/2006/main">
-  <p:cSld>
-    <p:spTree>
-      <p:nvGrpSpPr>
-        <p:cNvPr id="1" name="">
-          <a:extLst>
-            <a:ext uri="{FF2B5EF4-FFF2-40B4-BE49-F238E27FC236}">
               <a16:creationId xmlns:a16="http://schemas.microsoft.com/office/drawing/2014/main" id="{DFE2A7D1-0DC8-0DBE-0A3E-31B2058EA320}"/>
             </a:ext>
           </a:extLst>
@@ -4130,7 +3802,7 @@
         </p:blipFill>
         <p:spPr bwMode="auto">
           <a:xfrm>
-            <a:off x="3222252" y="915801"/>
+            <a:off x="3213287" y="1292318"/>
             <a:ext cx="5941284" cy="3450012"/>
           </a:xfrm>
           <a:prstGeom prst="rect">
@@ -4164,7 +3836,7 @@
             </p:nvSpPr>
             <p:spPr>
               <a:xfrm>
-                <a:off x="3222252" y="4607989"/>
+                <a:off x="3213287" y="4984506"/>
                 <a:ext cx="6122321" cy="1200329"/>
               </a:xfrm>
               <a:prstGeom prst="rect">
@@ -4231,7 +3903,7 @@
             </p:nvSpPr>
             <p:spPr>
               <a:xfrm>
-                <a:off x="3222252" y="4607989"/>
+                <a:off x="3213287" y="4984506"/>
                 <a:ext cx="6122321" cy="1200329"/>
               </a:xfrm>
               <a:prstGeom prst="rect">
@@ -4240,7 +3912,7 @@
               <a:blipFill>
                 <a:blip r:embed="rId3"/>
                 <a:stretch>
-                  <a:fillRect l="-896" t="-2538" b="-7614"/>
+                  <a:fillRect l="-797" t="-2538" b="-7614"/>
                 </a:stretch>
               </a:blipFill>
             </p:spPr>
@@ -4259,6 +3931,45 @@
           </p:sp>
         </mc:Fallback>
       </mc:AlternateContent>
+      <p:sp>
+        <p:nvSpPr>
+          <p:cNvPr id="5" name="TextBox 4">
+            <a:extLst>
+              <a:ext uri="{FF2B5EF4-FFF2-40B4-BE49-F238E27FC236}">
+                <a16:creationId xmlns:a16="http://schemas.microsoft.com/office/drawing/2014/main" id="{810DCEEC-4151-B315-AA0C-ACAB0B0DA8D8}"/>
+              </a:ext>
+            </a:extLst>
+          </p:cNvPr>
+          <p:cNvSpPr txBox="1"/>
+          <p:nvPr/>
+        </p:nvSpPr>
+        <p:spPr>
+          <a:xfrm>
+            <a:off x="2779059" y="148382"/>
+            <a:ext cx="6633882" cy="646331"/>
+          </a:xfrm>
+          <a:prstGeom prst="rect">
+            <a:avLst/>
+          </a:prstGeom>
+          <a:noFill/>
+        </p:spPr>
+        <p:txBody>
+          <a:bodyPr wrap="square" rtlCol="0">
+            <a:spAutoFit/>
+          </a:bodyPr>
+          <a:lstStyle/>
+          <a:p>
+            <a:r>
+              <a:rPr lang="en-US" dirty="0">
+                <a:solidFill>
+                  <a:srgbClr val="FF0000"/>
+                </a:solidFill>
+              </a:rPr>
+              <a:t>Note: unfinished, symbols not filled in are still being relaxed, some blank regions still need to be completed</a:t>
+            </a:r>
+          </a:p>
+        </p:txBody>
+      </p:sp>
     </p:spTree>
     <p:extLst>
       <p:ext uri="{BB962C8B-B14F-4D97-AF65-F5344CB8AC3E}">
@@ -4272,7 +3983,7 @@
 </p:sld>
 </file>
 
-<file path=ppt/slides/slide3.xml><?xml version="1.0" encoding="utf-8"?>
+<file path=ppt/slides/slide2.xml><?xml version="1.0" encoding="utf-8"?>
 <p:sld xmlns:a="http://schemas.openxmlformats.org/drawingml/2006/main" xmlns:r="http://schemas.openxmlformats.org/officeDocument/2006/relationships" xmlns:p="http://schemas.openxmlformats.org/presentationml/2006/main">
   <p:cSld>
     <p:spTree>
@@ -5081,7 +4792,7 @@
 </p:sld>
 </file>
 
-<file path=ppt/slides/slide4.xml><?xml version="1.0" encoding="utf-8"?>
+<file path=ppt/slides/slide3.xml><?xml version="1.0" encoding="utf-8"?>
 <p:sld xmlns:a="http://schemas.openxmlformats.org/drawingml/2006/main" xmlns:r="http://schemas.openxmlformats.org/officeDocument/2006/relationships" xmlns:p="http://schemas.openxmlformats.org/presentationml/2006/main">
   <p:cSld>
     <p:spTree>
@@ -6780,7 +6491,7 @@
 </p:sld>
 </file>
 
-<file path=ppt/slides/slide5.xml><?xml version="1.0" encoding="utf-8"?>
+<file path=ppt/slides/slide4.xml><?xml version="1.0" encoding="utf-8"?>
 <p:sld xmlns:a="http://schemas.openxmlformats.org/drawingml/2006/main" xmlns:r="http://schemas.openxmlformats.org/officeDocument/2006/relationships" xmlns:p="http://schemas.openxmlformats.org/presentationml/2006/main">
   <p:cSld>
     <p:spTree>
@@ -8373,7 +8084,7 @@
 </p:sld>
 </file>
 
-<file path=ppt/slides/slide6.xml><?xml version="1.0" encoding="utf-8"?>
+<file path=ppt/slides/slide5.xml><?xml version="1.0" encoding="utf-8"?>
 <p:sld xmlns:a="http://schemas.openxmlformats.org/drawingml/2006/main" xmlns:r="http://schemas.openxmlformats.org/officeDocument/2006/relationships" xmlns:p="http://schemas.openxmlformats.org/presentationml/2006/main">
   <p:cSld>
     <p:spTree>
@@ -8983,6 +8694,298 @@
     <p:extLst>
       <p:ext uri="{BB962C8B-B14F-4D97-AF65-F5344CB8AC3E}">
         <p14:creationId xmlns:p14="http://schemas.microsoft.com/office/powerpoint/2010/main" val="3386628344"/>
+      </p:ext>
+    </p:extLst>
+  </p:cSld>
+  <p:clrMapOvr>
+    <a:masterClrMapping/>
+  </p:clrMapOvr>
+</p:sld>
+</file>
+
+<file path=ppt/slides/slide6.xml><?xml version="1.0" encoding="utf-8"?>
+<p:sld xmlns:a="http://schemas.openxmlformats.org/drawingml/2006/main" xmlns:r="http://schemas.openxmlformats.org/officeDocument/2006/relationships" xmlns:p="http://schemas.openxmlformats.org/presentationml/2006/main">
+  <p:cSld>
+    <p:spTree>
+      <p:nvGrpSpPr>
+        <p:cNvPr id="1" name="">
+          <a:extLst>
+            <a:ext uri="{FF2B5EF4-FFF2-40B4-BE49-F238E27FC236}">
+              <a16:creationId xmlns:a16="http://schemas.microsoft.com/office/drawing/2014/main" id="{068DD0BA-DA43-12CA-9A95-1FF0D6D84A79}"/>
+            </a:ext>
+          </a:extLst>
+        </p:cNvPr>
+        <p:cNvGrpSpPr/>
+        <p:nvPr/>
+      </p:nvGrpSpPr>
+      <p:grpSpPr>
+        <a:xfrm>
+          <a:off x="0" y="0"/>
+          <a:ext cx="0" cy="0"/>
+          <a:chOff x="0" y="0"/>
+          <a:chExt cx="0" cy="0"/>
+        </a:xfrm>
+      </p:grpSpPr>
+      <p:pic>
+        <p:nvPicPr>
+          <p:cNvPr id="2052" name="Picture 4">
+            <a:extLst>
+              <a:ext uri="{FF2B5EF4-FFF2-40B4-BE49-F238E27FC236}">
+                <a16:creationId xmlns:a16="http://schemas.microsoft.com/office/drawing/2014/main" id="{7CBB2CFB-526B-4D5C-AD1B-99961FC92C3D}"/>
+              </a:ext>
+            </a:extLst>
+          </p:cNvPr>
+          <p:cNvPicPr>
+            <a:picLocks noChangeAspect="1" noChangeArrowheads="1"/>
+          </p:cNvPicPr>
+          <p:nvPr/>
+        </p:nvPicPr>
+        <p:blipFill>
+          <a:blip r:embed="rId2">
+            <a:extLst>
+              <a:ext uri="{28A0092B-C50C-407E-A947-70E740481C1C}">
+                <a14:useLocalDpi xmlns:a14="http://schemas.microsoft.com/office/drawing/2010/main" val="0"/>
+              </a:ext>
+            </a:extLst>
+          </a:blip>
+          <a:srcRect/>
+          <a:stretch>
+            <a:fillRect/>
+          </a:stretch>
+        </p:blipFill>
+        <p:spPr bwMode="auto">
+          <a:xfrm>
+            <a:off x="2200275" y="1166813"/>
+            <a:ext cx="7791450" cy="4524375"/>
+          </a:xfrm>
+          <a:prstGeom prst="rect">
+            <a:avLst/>
+          </a:prstGeom>
+          <a:noFill/>
+          <a:extLst>
+            <a:ext uri="{909E8E84-426E-40DD-AFC4-6F175D3DCCD1}">
+              <a14:hiddenFill xmlns:a14="http://schemas.microsoft.com/office/drawing/2010/main">
+                <a:solidFill>
+                  <a:srgbClr val="FFFFFF"/>
+                </a:solidFill>
+              </a14:hiddenFill>
+            </a:ext>
+          </a:extLst>
+        </p:spPr>
+      </p:pic>
+      <p:sp>
+        <p:nvSpPr>
+          <p:cNvPr id="3" name="TextBox 2">
+            <a:extLst>
+              <a:ext uri="{FF2B5EF4-FFF2-40B4-BE49-F238E27FC236}">
+                <a16:creationId xmlns:a16="http://schemas.microsoft.com/office/drawing/2014/main" id="{A534568D-A393-2082-1DFE-CD6164C93670}"/>
+              </a:ext>
+            </a:extLst>
+          </p:cNvPr>
+          <p:cNvSpPr txBox="1"/>
+          <p:nvPr/>
+        </p:nvSpPr>
+        <p:spPr>
+          <a:xfrm>
+            <a:off x="1645962" y="247374"/>
+            <a:ext cx="9436032" cy="369332"/>
+          </a:xfrm>
+          <a:prstGeom prst="rect">
+            <a:avLst/>
+          </a:prstGeom>
+          <a:noFill/>
+        </p:spPr>
+        <p:txBody>
+          <a:bodyPr wrap="square" rtlCol="0">
+            <a:spAutoFit/>
+          </a:bodyPr>
+          <a:lstStyle/>
+          <a:p>
+            <a:r>
+              <a:rPr lang="en-US" dirty="0"/>
+              <a:t>Current runs on phase diagram,</a:t>
+            </a:r>
+          </a:p>
+        </p:txBody>
+      </p:sp>
+      <p:sp>
+        <p:nvSpPr>
+          <p:cNvPr id="9" name="Rectangle 8">
+            <a:extLst>
+              <a:ext uri="{FF2B5EF4-FFF2-40B4-BE49-F238E27FC236}">
+                <a16:creationId xmlns:a16="http://schemas.microsoft.com/office/drawing/2014/main" id="{643CF8D2-4A99-CD45-371B-51A23C2DD4F0}"/>
+              </a:ext>
+            </a:extLst>
+          </p:cNvPr>
+          <p:cNvSpPr/>
+          <p:nvPr/>
+        </p:nvSpPr>
+        <p:spPr>
+          <a:xfrm>
+            <a:off x="3224497" y="941294"/>
+            <a:ext cx="372405" cy="2752165"/>
+          </a:xfrm>
+          <a:prstGeom prst="rect">
+            <a:avLst/>
+          </a:prstGeom>
+          <a:solidFill>
+            <a:srgbClr val="156082">
+              <a:alpha val="30196"/>
+            </a:srgbClr>
+          </a:solidFill>
+        </p:spPr>
+        <p:style>
+          <a:lnRef idx="2">
+            <a:schemeClr val="accent1">
+              <a:shade val="15000"/>
+            </a:schemeClr>
+          </a:lnRef>
+          <a:fillRef idx="1">
+            <a:schemeClr val="accent1"/>
+          </a:fillRef>
+          <a:effectRef idx="0">
+            <a:schemeClr val="accent1"/>
+          </a:effectRef>
+          <a:fontRef idx="minor">
+            <a:schemeClr val="lt1"/>
+          </a:fontRef>
+        </p:style>
+        <p:txBody>
+          <a:bodyPr rtlCol="0" anchor="t"/>
+          <a:lstStyle/>
+          <a:p>
+            <a:pPr algn="ctr"/>
+            <a:r>
+              <a:rPr lang="en-US" sz="900" dirty="0">
+                <a:solidFill>
+                  <a:schemeClr val="tx1"/>
+                </a:solidFill>
+              </a:rPr>
+              <a:t>06/24</a:t>
+            </a:r>
+          </a:p>
+        </p:txBody>
+      </p:sp>
+      <p:sp>
+        <p:nvSpPr>
+          <p:cNvPr id="10" name="Rectangle 9">
+            <a:extLst>
+              <a:ext uri="{FF2B5EF4-FFF2-40B4-BE49-F238E27FC236}">
+                <a16:creationId xmlns:a16="http://schemas.microsoft.com/office/drawing/2014/main" id="{9D27F417-AEB8-5814-1166-2B0D5099107D}"/>
+              </a:ext>
+            </a:extLst>
+          </p:cNvPr>
+          <p:cNvSpPr/>
+          <p:nvPr/>
+        </p:nvSpPr>
+        <p:spPr>
+          <a:xfrm>
+            <a:off x="3783106" y="1697481"/>
+            <a:ext cx="802937" cy="457200"/>
+          </a:xfrm>
+          <a:prstGeom prst="rect">
+            <a:avLst/>
+          </a:prstGeom>
+          <a:solidFill>
+            <a:srgbClr val="156082">
+              <a:alpha val="30196"/>
+            </a:srgbClr>
+          </a:solidFill>
+        </p:spPr>
+        <p:style>
+          <a:lnRef idx="2">
+            <a:schemeClr val="accent1">
+              <a:shade val="15000"/>
+            </a:schemeClr>
+          </a:lnRef>
+          <a:fillRef idx="1">
+            <a:schemeClr val="accent1"/>
+          </a:fillRef>
+          <a:effectRef idx="0">
+            <a:schemeClr val="accent1"/>
+          </a:effectRef>
+          <a:fontRef idx="minor">
+            <a:schemeClr val="lt1"/>
+          </a:fontRef>
+        </p:style>
+        <p:txBody>
+          <a:bodyPr rtlCol="0" anchor="t"/>
+          <a:lstStyle/>
+          <a:p>
+            <a:pPr algn="ctr"/>
+            <a:r>
+              <a:rPr lang="en-US" sz="900" dirty="0">
+                <a:solidFill>
+                  <a:schemeClr val="tx1"/>
+                </a:solidFill>
+              </a:rPr>
+              <a:t>06/24</a:t>
+            </a:r>
+          </a:p>
+        </p:txBody>
+      </p:sp>
+      <p:sp>
+        <p:nvSpPr>
+          <p:cNvPr id="2" name="Rectangle 1">
+            <a:extLst>
+              <a:ext uri="{FF2B5EF4-FFF2-40B4-BE49-F238E27FC236}">
+                <a16:creationId xmlns:a16="http://schemas.microsoft.com/office/drawing/2014/main" id="{01286FE6-7420-7111-57B7-3B94AAFE890D}"/>
+              </a:ext>
+            </a:extLst>
+          </p:cNvPr>
+          <p:cNvSpPr/>
+          <p:nvPr/>
+        </p:nvSpPr>
+        <p:spPr>
+          <a:xfrm>
+            <a:off x="4140917" y="2809105"/>
+            <a:ext cx="480207" cy="457200"/>
+          </a:xfrm>
+          <a:prstGeom prst="rect">
+            <a:avLst/>
+          </a:prstGeom>
+          <a:solidFill>
+            <a:srgbClr val="156082">
+              <a:alpha val="30196"/>
+            </a:srgbClr>
+          </a:solidFill>
+        </p:spPr>
+        <p:style>
+          <a:lnRef idx="2">
+            <a:schemeClr val="accent1">
+              <a:shade val="15000"/>
+            </a:schemeClr>
+          </a:lnRef>
+          <a:fillRef idx="1">
+            <a:schemeClr val="accent1"/>
+          </a:fillRef>
+          <a:effectRef idx="0">
+            <a:schemeClr val="accent1"/>
+          </a:effectRef>
+          <a:fontRef idx="minor">
+            <a:schemeClr val="lt1"/>
+          </a:fontRef>
+        </p:style>
+        <p:txBody>
+          <a:bodyPr rtlCol="0" anchor="t"/>
+          <a:lstStyle/>
+          <a:p>
+            <a:pPr algn="ctr"/>
+            <a:r>
+              <a:rPr lang="en-US" sz="900" dirty="0">
+                <a:solidFill>
+                  <a:schemeClr val="tx1"/>
+                </a:solidFill>
+              </a:rPr>
+              <a:t>06/24</a:t>
+            </a:r>
+          </a:p>
+        </p:txBody>
+      </p:sp>
+    </p:spTree>
+    <p:extLst>
+      <p:ext uri="{BB962C8B-B14F-4D97-AF65-F5344CB8AC3E}">
+        <p14:creationId xmlns:p14="http://schemas.microsoft.com/office/powerpoint/2010/main" val="3153369564"/>
       </p:ext>
     </p:extLst>
   </p:cSld>

--- a/SYSG3_paper.pptx
+++ b/SYSG3_paper.pptx
@@ -4737,7 +4737,11 @@
           <a:p>
             <a:pPr algn="ctr"/>
             <a:r>
-              <a:rPr lang="en-US" dirty="0"/>
+              <a:rPr lang="en-US" dirty="0">
+                <a:solidFill>
+                  <a:srgbClr val="FF0000"/>
+                </a:solidFill>
+              </a:rPr>
               <a:t>Need to finalize</a:t>
             </a:r>
           </a:p>
@@ -4773,7 +4777,11 @@
           <a:p>
             <a:pPr algn="ctr"/>
             <a:r>
-              <a:rPr lang="en-US" dirty="0"/>
+              <a:rPr lang="en-US" dirty="0">
+                <a:solidFill>
+                  <a:srgbClr val="FF0000"/>
+                </a:solidFill>
+              </a:rPr>
               <a:t>Need to finalize</a:t>
             </a:r>
           </a:p>
@@ -4845,7 +4853,11 @@
           <a:p>
             <a:pPr algn="ctr"/>
             <a:r>
-              <a:rPr lang="en-US" dirty="0"/>
+              <a:rPr lang="en-US" dirty="0">
+                <a:solidFill>
+                  <a:srgbClr val="FF0000"/>
+                </a:solidFill>
+              </a:rPr>
               <a:t>Need to finalize</a:t>
             </a:r>
           </a:p>
@@ -6467,14 +6479,26 @@
           <a:p>
             <a:pPr algn="ctr"/>
             <a:r>
-              <a:rPr lang="en-US" dirty="0"/>
+              <a:rPr lang="en-US" dirty="0">
+                <a:solidFill>
+                  <a:srgbClr val="FF0000"/>
+                </a:solidFill>
+              </a:rPr>
               <a:t>Plot </a:t>
             </a:r>
             <a:r>
-              <a:rPr lang="en-US" dirty="0" err="1"/>
+              <a:rPr lang="en-US" dirty="0" err="1">
+                <a:solidFill>
+                  <a:srgbClr val="FF0000"/>
+                </a:solidFill>
+              </a:rPr>
               <a:t>xz</a:t>
             </a:r>
-            <a:endParaRPr lang="en-US" dirty="0"/>
+            <a:endParaRPr lang="en-US" dirty="0">
+              <a:solidFill>
+                <a:srgbClr val="FF0000"/>
+              </a:solidFill>
+            </a:endParaRPr>
           </a:p>
         </p:txBody>
       </p:sp>
@@ -7963,7 +7987,11 @@
           <a:p>
             <a:pPr algn="ctr"/>
             <a:r>
-              <a:rPr lang="en-US" dirty="0"/>
+              <a:rPr lang="en-US" dirty="0">
+                <a:solidFill>
+                  <a:srgbClr val="FF0000"/>
+                </a:solidFill>
+              </a:rPr>
               <a:t>Location?</a:t>
             </a:r>
           </a:p>
@@ -8029,7 +8057,11 @@
           <a:p>
             <a:pPr algn="ctr"/>
             <a:r>
-              <a:rPr lang="en-US" dirty="0"/>
+              <a:rPr lang="en-US" dirty="0">
+                <a:solidFill>
+                  <a:srgbClr val="FF0000"/>
+                </a:solidFill>
+              </a:rPr>
               <a:t>Need to finalize</a:t>
             </a:r>
           </a:p>
@@ -8065,7 +8097,11 @@
           <a:p>
             <a:pPr algn="ctr"/>
             <a:r>
-              <a:rPr lang="en-US" dirty="0"/>
+              <a:rPr lang="en-US" dirty="0">
+                <a:solidFill>
+                  <a:srgbClr val="FF0000"/>
+                </a:solidFill>
+              </a:rPr>
               <a:t>Need to finalize</a:t>
             </a:r>
           </a:p>
@@ -8425,8 +8461,8 @@
         </p:blipFill>
         <p:spPr bwMode="auto">
           <a:xfrm>
-            <a:off x="5328632" y="1774535"/>
-            <a:ext cx="1525564" cy="2620256"/>
+            <a:off x="5328633" y="2142433"/>
+            <a:ext cx="1311366" cy="2252357"/>
           </a:xfrm>
           <a:prstGeom prst="rect">
             <a:avLst/>
@@ -8465,8 +8501,8 @@
         </p:blipFill>
         <p:spPr>
           <a:xfrm>
-            <a:off x="1120386" y="1604923"/>
-            <a:ext cx="1927334" cy="2527542"/>
+            <a:off x="1120386" y="1959805"/>
+            <a:ext cx="1656725" cy="2172660"/>
           </a:xfrm>
           <a:prstGeom prst="rect">
             <a:avLst/>
@@ -8495,8 +8531,8 @@
         </p:blipFill>
         <p:spPr>
           <a:xfrm>
-            <a:off x="3363349" y="1577436"/>
-            <a:ext cx="1342063" cy="2737504"/>
+            <a:off x="3363349" y="1961798"/>
+            <a:ext cx="1153629" cy="2353142"/>
           </a:xfrm>
           <a:prstGeom prst="rect">
             <a:avLst/>
@@ -8690,6 +8726,354 @@
           </a:p>
         </p:txBody>
       </p:sp>
+      <mc:AlternateContent xmlns:mc="http://schemas.openxmlformats.org/markup-compatibility/2006">
+        <mc:Choice xmlns:a14="http://schemas.microsoft.com/office/drawing/2010/main" Requires="a14">
+          <p:sp>
+            <p:nvSpPr>
+              <p:cNvPr id="15" name="TextBox 14">
+                <a:extLst>
+                  <a:ext uri="{FF2B5EF4-FFF2-40B4-BE49-F238E27FC236}">
+                    <a16:creationId xmlns:a16="http://schemas.microsoft.com/office/drawing/2014/main" id="{42A8A42D-544D-2F15-41E8-AB07B90635E4}"/>
+                  </a:ext>
+                </a:extLst>
+              </p:cNvPr>
+              <p:cNvSpPr txBox="1"/>
+              <p:nvPr/>
+            </p:nvSpPr>
+            <p:spPr>
+              <a:xfrm>
+                <a:off x="1335014" y="1687787"/>
+                <a:ext cx="1681433" cy="338554"/>
+              </a:xfrm>
+              <a:prstGeom prst="rect">
+                <a:avLst/>
+              </a:prstGeom>
+              <a:noFill/>
+            </p:spPr>
+            <p:txBody>
+              <a:bodyPr wrap="square" rtlCol="0">
+                <a:spAutoFit/>
+              </a:bodyPr>
+              <a:lstStyle/>
+              <a:p>
+                <a14:m>
+                  <m:oMathPara xmlns:m="http://schemas.openxmlformats.org/officeDocument/2006/math">
+                    <m:oMathParaPr>
+                      <m:jc m:val="centerGroup"/>
+                    </m:oMathParaPr>
+                    <m:oMath xmlns:m="http://schemas.openxmlformats.org/officeDocument/2006/math">
+                      <m:r>
+                        <a:rPr lang="en-US" sz="1600" b="0" i="1" smtClean="0">
+                          <a:latin typeface="Cambria Math" panose="02040503050406030204" pitchFamily="18" charset="0"/>
+                        </a:rPr>
+                        <m:t>𝜎</m:t>
+                      </m:r>
+                      <m:r>
+                        <a:rPr lang="en-US" sz="1600" b="0" i="1" smtClean="0">
+                          <a:latin typeface="Cambria Math" panose="02040503050406030204" pitchFamily="18" charset="0"/>
+                        </a:rPr>
+                        <m:t>=4.0</m:t>
+                      </m:r>
+                      <m:r>
+                        <m:rPr>
+                          <m:sty m:val="p"/>
+                        </m:rPr>
+                        <a:rPr lang="en-US" sz="1600" b="0" i="0" smtClean="0">
+                          <a:latin typeface="Cambria Math" panose="02040503050406030204" pitchFamily="18" charset="0"/>
+                        </a:rPr>
+                        <m:t>E</m:t>
+                      </m:r>
+                      <m:r>
+                        <a:rPr lang="en-US" sz="1600" b="0" i="0" smtClean="0">
+                          <a:latin typeface="Cambria Math" panose="02040503050406030204" pitchFamily="18" charset="0"/>
+                        </a:rPr>
+                        <m:t>−02</m:t>
+                      </m:r>
+                    </m:oMath>
+                  </m:oMathPara>
+                </a14:m>
+                <a:endParaRPr lang="en-US" sz="1600" dirty="0"/>
+              </a:p>
+            </p:txBody>
+          </p:sp>
+        </mc:Choice>
+        <mc:Fallback>
+          <p:sp>
+            <p:nvSpPr>
+              <p:cNvPr id="15" name="TextBox 14">
+                <a:extLst>
+                  <a:ext uri="{FF2B5EF4-FFF2-40B4-BE49-F238E27FC236}">
+                    <a16:creationId xmlns:a16="http://schemas.microsoft.com/office/drawing/2014/main" id="{42A8A42D-544D-2F15-41E8-AB07B90635E4}"/>
+                  </a:ext>
+                </a:extLst>
+              </p:cNvPr>
+              <p:cNvSpPr txBox="1">
+                <a:spLocks noRot="1" noChangeAspect="1" noMove="1" noResize="1" noEditPoints="1" noAdjustHandles="1" noChangeArrowheads="1" noChangeShapeType="1" noTextEdit="1"/>
+              </p:cNvSpPr>
+              <p:nvPr/>
+            </p:nvSpPr>
+            <p:spPr>
+              <a:xfrm>
+                <a:off x="1335014" y="1687787"/>
+                <a:ext cx="1681433" cy="338554"/>
+              </a:xfrm>
+              <a:prstGeom prst="rect">
+                <a:avLst/>
+              </a:prstGeom>
+              <a:blipFill>
+                <a:blip r:embed="rId8"/>
+                <a:stretch>
+                  <a:fillRect/>
+                </a:stretch>
+              </a:blipFill>
+            </p:spPr>
+            <p:txBody>
+              <a:bodyPr/>
+              <a:lstStyle/>
+              <a:p>
+                <a:r>
+                  <a:rPr lang="en-US">
+                    <a:noFill/>
+                  </a:rPr>
+                  <a:t> </a:t>
+                </a:r>
+              </a:p>
+            </p:txBody>
+          </p:sp>
+        </mc:Fallback>
+      </mc:AlternateContent>
+      <mc:AlternateContent xmlns:mc="http://schemas.openxmlformats.org/markup-compatibility/2006">
+        <mc:Choice xmlns:a14="http://schemas.microsoft.com/office/drawing/2010/main" Requires="a14">
+          <p:sp>
+            <p:nvSpPr>
+              <p:cNvPr id="18" name="TextBox 17">
+                <a:extLst>
+                  <a:ext uri="{FF2B5EF4-FFF2-40B4-BE49-F238E27FC236}">
+                    <a16:creationId xmlns:a16="http://schemas.microsoft.com/office/drawing/2014/main" id="{678C21C0-DD38-CE32-8B0A-A37078179764}"/>
+                  </a:ext>
+                </a:extLst>
+              </p:cNvPr>
+              <p:cNvSpPr txBox="1"/>
+              <p:nvPr/>
+            </p:nvSpPr>
+            <p:spPr>
+              <a:xfrm>
+                <a:off x="3363349" y="1687787"/>
+                <a:ext cx="1681433" cy="338554"/>
+              </a:xfrm>
+              <a:prstGeom prst="rect">
+                <a:avLst/>
+              </a:prstGeom>
+              <a:noFill/>
+            </p:spPr>
+            <p:txBody>
+              <a:bodyPr wrap="square" rtlCol="0">
+                <a:spAutoFit/>
+              </a:bodyPr>
+              <a:lstStyle/>
+              <a:p>
+                <a14:m>
+                  <m:oMathPara xmlns:m="http://schemas.openxmlformats.org/officeDocument/2006/math">
+                    <m:oMathParaPr>
+                      <m:jc m:val="centerGroup"/>
+                    </m:oMathParaPr>
+                    <m:oMath xmlns:m="http://schemas.openxmlformats.org/officeDocument/2006/math">
+                      <m:r>
+                        <a:rPr lang="en-US" sz="1600" b="0" i="1" smtClean="0">
+                          <a:latin typeface="Cambria Math" panose="02040503050406030204" pitchFamily="18" charset="0"/>
+                        </a:rPr>
+                        <m:t>𝜎</m:t>
+                      </m:r>
+                      <m:r>
+                        <a:rPr lang="en-US" sz="1600" b="0" i="1" smtClean="0">
+                          <a:latin typeface="Cambria Math" panose="02040503050406030204" pitchFamily="18" charset="0"/>
+                        </a:rPr>
+                        <m:t>=4.0</m:t>
+                      </m:r>
+                      <m:r>
+                        <m:rPr>
+                          <m:sty m:val="p"/>
+                        </m:rPr>
+                        <a:rPr lang="en-US" sz="1600" b="0" i="0" smtClean="0">
+                          <a:latin typeface="Cambria Math" panose="02040503050406030204" pitchFamily="18" charset="0"/>
+                        </a:rPr>
+                        <m:t>E</m:t>
+                      </m:r>
+                      <m:r>
+                        <a:rPr lang="en-US" sz="1600" b="0" i="0" smtClean="0">
+                          <a:latin typeface="Cambria Math" panose="02040503050406030204" pitchFamily="18" charset="0"/>
+                        </a:rPr>
+                        <m:t>−02</m:t>
+                      </m:r>
+                    </m:oMath>
+                  </m:oMathPara>
+                </a14:m>
+                <a:endParaRPr lang="en-US" sz="1600" dirty="0"/>
+              </a:p>
+            </p:txBody>
+          </p:sp>
+        </mc:Choice>
+        <mc:Fallback>
+          <p:sp>
+            <p:nvSpPr>
+              <p:cNvPr id="18" name="TextBox 17">
+                <a:extLst>
+                  <a:ext uri="{FF2B5EF4-FFF2-40B4-BE49-F238E27FC236}">
+                    <a16:creationId xmlns:a16="http://schemas.microsoft.com/office/drawing/2014/main" id="{678C21C0-DD38-CE32-8B0A-A37078179764}"/>
+                  </a:ext>
+                </a:extLst>
+              </p:cNvPr>
+              <p:cNvSpPr txBox="1">
+                <a:spLocks noRot="1" noChangeAspect="1" noMove="1" noResize="1" noEditPoints="1" noAdjustHandles="1" noChangeArrowheads="1" noChangeShapeType="1" noTextEdit="1"/>
+              </p:cNvSpPr>
+              <p:nvPr/>
+            </p:nvSpPr>
+            <p:spPr>
+              <a:xfrm>
+                <a:off x="3363349" y="1687787"/>
+                <a:ext cx="1681433" cy="338554"/>
+              </a:xfrm>
+              <a:prstGeom prst="rect">
+                <a:avLst/>
+              </a:prstGeom>
+              <a:blipFill>
+                <a:blip r:embed="rId9"/>
+                <a:stretch>
+                  <a:fillRect/>
+                </a:stretch>
+              </a:blipFill>
+            </p:spPr>
+            <p:txBody>
+              <a:bodyPr/>
+              <a:lstStyle/>
+              <a:p>
+                <a:r>
+                  <a:rPr lang="en-US">
+                    <a:noFill/>
+                  </a:rPr>
+                  <a:t> </a:t>
+                </a:r>
+              </a:p>
+            </p:txBody>
+          </p:sp>
+        </mc:Fallback>
+      </mc:AlternateContent>
+      <mc:AlternateContent xmlns:mc="http://schemas.openxmlformats.org/markup-compatibility/2006">
+        <mc:Choice xmlns:a14="http://schemas.microsoft.com/office/drawing/2010/main" Requires="a14">
+          <p:sp>
+            <p:nvSpPr>
+              <p:cNvPr id="19" name="TextBox 18">
+                <a:extLst>
+                  <a:ext uri="{FF2B5EF4-FFF2-40B4-BE49-F238E27FC236}">
+                    <a16:creationId xmlns:a16="http://schemas.microsoft.com/office/drawing/2014/main" id="{10F266FF-B50C-8C95-2A40-83E1CB8130C5}"/>
+                  </a:ext>
+                </a:extLst>
+              </p:cNvPr>
+              <p:cNvSpPr txBox="1"/>
+              <p:nvPr/>
+            </p:nvSpPr>
+            <p:spPr>
+              <a:xfrm>
+                <a:off x="5145220" y="1665079"/>
+                <a:ext cx="1681433" cy="338554"/>
+              </a:xfrm>
+              <a:prstGeom prst="rect">
+                <a:avLst/>
+              </a:prstGeom>
+              <a:noFill/>
+            </p:spPr>
+            <p:txBody>
+              <a:bodyPr wrap="square" rtlCol="0">
+                <a:spAutoFit/>
+              </a:bodyPr>
+              <a:lstStyle/>
+              <a:p>
+                <a14:m>
+                  <m:oMathPara xmlns:m="http://schemas.openxmlformats.org/officeDocument/2006/math">
+                    <m:oMathParaPr>
+                      <m:jc m:val="centerGroup"/>
+                    </m:oMathParaPr>
+                    <m:oMath xmlns:m="http://schemas.openxmlformats.org/officeDocument/2006/math">
+                      <m:r>
+                        <a:rPr lang="en-US" sz="1600" b="0" i="1" smtClean="0">
+                          <a:latin typeface="Cambria Math" panose="02040503050406030204" pitchFamily="18" charset="0"/>
+                        </a:rPr>
+                        <m:t>𝜎</m:t>
+                      </m:r>
+                      <m:r>
+                        <a:rPr lang="en-US" sz="1600" b="0" i="1" smtClean="0">
+                          <a:latin typeface="Cambria Math" panose="02040503050406030204" pitchFamily="18" charset="0"/>
+                        </a:rPr>
+                        <m:t>=4.0</m:t>
+                      </m:r>
+                      <m:r>
+                        <m:rPr>
+                          <m:sty m:val="p"/>
+                        </m:rPr>
+                        <a:rPr lang="en-US" sz="1600" b="0" i="0" smtClean="0">
+                          <a:latin typeface="Cambria Math" panose="02040503050406030204" pitchFamily="18" charset="0"/>
+                        </a:rPr>
+                        <m:t>E</m:t>
+                      </m:r>
+                      <m:r>
+                        <a:rPr lang="en-US" sz="1600" b="0" i="0" smtClean="0">
+                          <a:latin typeface="Cambria Math" panose="02040503050406030204" pitchFamily="18" charset="0"/>
+                        </a:rPr>
+                        <m:t>−02</m:t>
+                      </m:r>
+                    </m:oMath>
+                  </m:oMathPara>
+                </a14:m>
+                <a:endParaRPr lang="en-US" sz="1600" dirty="0"/>
+              </a:p>
+            </p:txBody>
+          </p:sp>
+        </mc:Choice>
+        <mc:Fallback>
+          <p:sp>
+            <p:nvSpPr>
+              <p:cNvPr id="19" name="TextBox 18">
+                <a:extLst>
+                  <a:ext uri="{FF2B5EF4-FFF2-40B4-BE49-F238E27FC236}">
+                    <a16:creationId xmlns:a16="http://schemas.microsoft.com/office/drawing/2014/main" id="{10F266FF-B50C-8C95-2A40-83E1CB8130C5}"/>
+                  </a:ext>
+                </a:extLst>
+              </p:cNvPr>
+              <p:cNvSpPr txBox="1">
+                <a:spLocks noRot="1" noChangeAspect="1" noMove="1" noResize="1" noEditPoints="1" noAdjustHandles="1" noChangeArrowheads="1" noChangeShapeType="1" noTextEdit="1"/>
+              </p:cNvSpPr>
+              <p:nvPr/>
+            </p:nvSpPr>
+            <p:spPr>
+              <a:xfrm>
+                <a:off x="5145220" y="1665079"/>
+                <a:ext cx="1681433" cy="338554"/>
+              </a:xfrm>
+              <a:prstGeom prst="rect">
+                <a:avLst/>
+              </a:prstGeom>
+              <a:blipFill>
+                <a:blip r:embed="rId10"/>
+                <a:stretch>
+                  <a:fillRect/>
+                </a:stretch>
+              </a:blipFill>
+            </p:spPr>
+            <p:txBody>
+              <a:bodyPr/>
+              <a:lstStyle/>
+              <a:p>
+                <a:r>
+                  <a:rPr lang="en-US">
+                    <a:noFill/>
+                  </a:rPr>
+                  <a:t> </a:t>
+                </a:r>
+              </a:p>
+            </p:txBody>
+          </p:sp>
+        </mc:Fallback>
+      </mc:AlternateContent>
     </p:spTree>
     <p:extLst>
       <p:ext uri="{BB962C8B-B14F-4D97-AF65-F5344CB8AC3E}">

--- a/SYSG3_paper.pptx
+++ b/SYSG3_paper.pptx
@@ -202,7 +202,7 @@
           <a:p>
             <a:fld id="{7B0378C8-50D4-41CA-B139-C16B0923ACC7}" type="datetimeFigureOut">
               <a:rPr lang="en-US" smtClean="0"/>
-              <a:t>6/24/2025</a:t>
+              <a:t>6/25/2025</a:t>
             </a:fld>
             <a:endParaRPr lang="en-US"/>
           </a:p>
@@ -700,7 +700,7 @@
           <a:p>
             <a:fld id="{E3B1C2F4-07A0-459D-95BE-47AEA2376715}" type="datetimeFigureOut">
               <a:rPr lang="en-US" smtClean="0"/>
-              <a:t>6/24/2025</a:t>
+              <a:t>6/25/2025</a:t>
             </a:fld>
             <a:endParaRPr lang="en-US"/>
           </a:p>
@@ -898,7 +898,7 @@
           <a:p>
             <a:fld id="{E3B1C2F4-07A0-459D-95BE-47AEA2376715}" type="datetimeFigureOut">
               <a:rPr lang="en-US" smtClean="0"/>
-              <a:t>6/24/2025</a:t>
+              <a:t>6/25/2025</a:t>
             </a:fld>
             <a:endParaRPr lang="en-US"/>
           </a:p>
@@ -1106,7 +1106,7 @@
           <a:p>
             <a:fld id="{E3B1C2F4-07A0-459D-95BE-47AEA2376715}" type="datetimeFigureOut">
               <a:rPr lang="en-US" smtClean="0"/>
-              <a:t>6/24/2025</a:t>
+              <a:t>6/25/2025</a:t>
             </a:fld>
             <a:endParaRPr lang="en-US"/>
           </a:p>
@@ -1304,7 +1304,7 @@
           <a:p>
             <a:fld id="{E3B1C2F4-07A0-459D-95BE-47AEA2376715}" type="datetimeFigureOut">
               <a:rPr lang="en-US" smtClean="0"/>
-              <a:t>6/24/2025</a:t>
+              <a:t>6/25/2025</a:t>
             </a:fld>
             <a:endParaRPr lang="en-US"/>
           </a:p>
@@ -1579,7 +1579,7 @@
           <a:p>
             <a:fld id="{E3B1C2F4-07A0-459D-95BE-47AEA2376715}" type="datetimeFigureOut">
               <a:rPr lang="en-US" smtClean="0"/>
-              <a:t>6/24/2025</a:t>
+              <a:t>6/25/2025</a:t>
             </a:fld>
             <a:endParaRPr lang="en-US"/>
           </a:p>
@@ -1844,7 +1844,7 @@
           <a:p>
             <a:fld id="{E3B1C2F4-07A0-459D-95BE-47AEA2376715}" type="datetimeFigureOut">
               <a:rPr lang="en-US" smtClean="0"/>
-              <a:t>6/24/2025</a:t>
+              <a:t>6/25/2025</a:t>
             </a:fld>
             <a:endParaRPr lang="en-US"/>
           </a:p>
@@ -2256,7 +2256,7 @@
           <a:p>
             <a:fld id="{E3B1C2F4-07A0-459D-95BE-47AEA2376715}" type="datetimeFigureOut">
               <a:rPr lang="en-US" smtClean="0"/>
-              <a:t>6/24/2025</a:t>
+              <a:t>6/25/2025</a:t>
             </a:fld>
             <a:endParaRPr lang="en-US"/>
           </a:p>
@@ -2397,7 +2397,7 @@
           <a:p>
             <a:fld id="{E3B1C2F4-07A0-459D-95BE-47AEA2376715}" type="datetimeFigureOut">
               <a:rPr lang="en-US" smtClean="0"/>
-              <a:t>6/24/2025</a:t>
+              <a:t>6/25/2025</a:t>
             </a:fld>
             <a:endParaRPr lang="en-US"/>
           </a:p>
@@ -2510,7 +2510,7 @@
           <a:p>
             <a:fld id="{E3B1C2F4-07A0-459D-95BE-47AEA2376715}" type="datetimeFigureOut">
               <a:rPr lang="en-US" smtClean="0"/>
-              <a:t>6/24/2025</a:t>
+              <a:t>6/25/2025</a:t>
             </a:fld>
             <a:endParaRPr lang="en-US"/>
           </a:p>
@@ -2821,7 +2821,7 @@
           <a:p>
             <a:fld id="{E3B1C2F4-07A0-459D-95BE-47AEA2376715}" type="datetimeFigureOut">
               <a:rPr lang="en-US" smtClean="0"/>
-              <a:t>6/24/2025</a:t>
+              <a:t>6/25/2025</a:t>
             </a:fld>
             <a:endParaRPr lang="en-US"/>
           </a:p>
@@ -3109,7 +3109,7 @@
           <a:p>
             <a:fld id="{E3B1C2F4-07A0-459D-95BE-47AEA2376715}" type="datetimeFigureOut">
               <a:rPr lang="en-US" smtClean="0"/>
-              <a:t>6/24/2025</a:t>
+              <a:t>6/25/2025</a:t>
             </a:fld>
             <a:endParaRPr lang="en-US"/>
           </a:p>
@@ -3350,7 +3350,7 @@
           <a:p>
             <a:fld id="{E3B1C2F4-07A0-459D-95BE-47AEA2376715}" type="datetimeFigureOut">
               <a:rPr lang="en-US" smtClean="0"/>
-              <a:t>6/24/2025</a:t>
+              <a:t>6/25/2025</a:t>
             </a:fld>
             <a:endParaRPr lang="en-US"/>
           </a:p>
@@ -3773,55 +3773,8 @@
           <a:chExt cx="0" cy="0"/>
         </a:xfrm>
       </p:grpSpPr>
-      <p:pic>
-        <p:nvPicPr>
-          <p:cNvPr id="2052" name="Picture 4">
-            <a:extLst>
-              <a:ext uri="{FF2B5EF4-FFF2-40B4-BE49-F238E27FC236}">
-                <a16:creationId xmlns:a16="http://schemas.microsoft.com/office/drawing/2014/main" id="{C0595F57-3D39-5972-20E9-A2C8728F4C39}"/>
-              </a:ext>
-            </a:extLst>
-          </p:cNvPr>
-          <p:cNvPicPr>
-            <a:picLocks noChangeAspect="1" noChangeArrowheads="1"/>
-          </p:cNvPicPr>
-          <p:nvPr/>
-        </p:nvPicPr>
-        <p:blipFill>
-          <a:blip r:embed="rId2">
-            <a:extLst>
-              <a:ext uri="{28A0092B-C50C-407E-A947-70E740481C1C}">
-                <a14:useLocalDpi xmlns:a14="http://schemas.microsoft.com/office/drawing/2010/main" val="0"/>
-              </a:ext>
-            </a:extLst>
-          </a:blip>
-          <a:srcRect/>
-          <a:stretch>
-            <a:fillRect/>
-          </a:stretch>
-        </p:blipFill>
-        <p:spPr bwMode="auto">
-          <a:xfrm>
-            <a:off x="3213287" y="1292318"/>
-            <a:ext cx="5941284" cy="3450012"/>
-          </a:xfrm>
-          <a:prstGeom prst="rect">
-            <a:avLst/>
-          </a:prstGeom>
-          <a:noFill/>
-          <a:extLst>
-            <a:ext uri="{909E8E84-426E-40DD-AFC4-6F175D3DCCD1}">
-              <a14:hiddenFill xmlns:a14="http://schemas.microsoft.com/office/drawing/2010/main">
-                <a:solidFill>
-                  <a:srgbClr val="FFFFFF"/>
-                </a:solidFill>
-              </a14:hiddenFill>
-            </a:ext>
-          </a:extLst>
-        </p:spPr>
-      </p:pic>
-      <mc:AlternateContent xmlns:mc="http://schemas.openxmlformats.org/markup-compatibility/2006">
-        <mc:Choice xmlns:a14="http://schemas.microsoft.com/office/drawing/2010/main" Requires="a14">
+      <mc:AlternateContent xmlns:mc="http://schemas.openxmlformats.org/markup-compatibility/2006" xmlns:a14="http://schemas.microsoft.com/office/drawing/2010/main">
+        <mc:Choice Requires="a14">
           <p:sp>
             <p:nvSpPr>
               <p:cNvPr id="4" name="TextBox 3">
@@ -3886,7 +3839,7 @@
             </p:txBody>
           </p:sp>
         </mc:Choice>
-        <mc:Fallback>
+        <mc:Fallback xmlns="">
           <p:sp>
             <p:nvSpPr>
               <p:cNvPr id="4" name="TextBox 3">
@@ -3970,6 +3923,53 @@
           </a:p>
         </p:txBody>
       </p:sp>
+      <p:pic>
+        <p:nvPicPr>
+          <p:cNvPr id="1026" name="Picture 2">
+            <a:extLst>
+              <a:ext uri="{FF2B5EF4-FFF2-40B4-BE49-F238E27FC236}">
+                <a16:creationId xmlns:a16="http://schemas.microsoft.com/office/drawing/2014/main" id="{1DF81142-B0E9-D5F0-9ACA-80AB54E3600D}"/>
+              </a:ext>
+            </a:extLst>
+          </p:cNvPr>
+          <p:cNvPicPr>
+            <a:picLocks noChangeAspect="1" noChangeArrowheads="1"/>
+          </p:cNvPicPr>
+          <p:nvPr/>
+        </p:nvPicPr>
+        <p:blipFill>
+          <a:blip r:embed="rId4">
+            <a:extLst>
+              <a:ext uri="{28A0092B-C50C-407E-A947-70E740481C1C}">
+                <a14:useLocalDpi xmlns:a14="http://schemas.microsoft.com/office/drawing/2010/main" val="0"/>
+              </a:ext>
+            </a:extLst>
+          </a:blip>
+          <a:srcRect/>
+          <a:stretch>
+            <a:fillRect/>
+          </a:stretch>
+        </p:blipFill>
+        <p:spPr bwMode="auto">
+          <a:xfrm>
+            <a:off x="2779059" y="963513"/>
+            <a:ext cx="6633882" cy="3852193"/>
+          </a:xfrm>
+          <a:prstGeom prst="rect">
+            <a:avLst/>
+          </a:prstGeom>
+          <a:noFill/>
+          <a:extLst>
+            <a:ext uri="{909E8E84-426E-40DD-AFC4-6F175D3DCCD1}">
+              <a14:hiddenFill xmlns:a14="http://schemas.microsoft.com/office/drawing/2010/main">
+                <a:solidFill>
+                  <a:srgbClr val="FFFFFF"/>
+                </a:solidFill>
+              </a14:hiddenFill>
+            </a:ext>
+          </a:extLst>
+        </p:spPr>
+      </p:pic>
     </p:spTree>
     <p:extLst>
       <p:ext uri="{BB962C8B-B14F-4D97-AF65-F5344CB8AC3E}">
@@ -4113,8 +4113,8 @@
           </a:prstGeom>
         </p:spPr>
       </p:pic>
-      <mc:AlternateContent xmlns:mc="http://schemas.openxmlformats.org/markup-compatibility/2006">
-        <mc:Choice xmlns:a14="http://schemas.microsoft.com/office/drawing/2010/main" Requires="a14">
+      <mc:AlternateContent xmlns:mc="http://schemas.openxmlformats.org/markup-compatibility/2006" xmlns:a14="http://schemas.microsoft.com/office/drawing/2010/main">
+        <mc:Choice Requires="a14">
           <p:sp>
             <p:nvSpPr>
               <p:cNvPr id="9" name="TextBox 8">
@@ -4185,7 +4185,7 @@
                     <m:sSup>
                       <m:sSupPr>
                         <m:ctrlPr>
-                          <a:rPr lang="en-US" b="0" i="0" smtClean="0">
+                          <a:rPr lang="en-US" b="0" i="1" smtClean="0">
                             <a:latin typeface="Cambria Math" panose="02040503050406030204" pitchFamily="18" charset="0"/>
                           </a:rPr>
                         </m:ctrlPr>
@@ -4355,7 +4355,7 @@
             </p:txBody>
           </p:sp>
         </mc:Choice>
-        <mc:Fallback>
+        <mc:Fallback xmlns="">
           <p:sp>
             <p:nvSpPr>
               <p:cNvPr id="9" name="TextBox 8">
@@ -4400,8 +4400,8 @@
           </p:sp>
         </mc:Fallback>
       </mc:AlternateContent>
-      <mc:AlternateContent xmlns:mc="http://schemas.openxmlformats.org/markup-compatibility/2006">
-        <mc:Choice xmlns:a14="http://schemas.microsoft.com/office/drawing/2010/main" Requires="a14">
+      <mc:AlternateContent xmlns:mc="http://schemas.openxmlformats.org/markup-compatibility/2006" xmlns:a14="http://schemas.microsoft.com/office/drawing/2010/main">
+        <mc:Choice Requires="a14">
           <p:sp>
             <p:nvSpPr>
               <p:cNvPr id="11" name="TextBox 10">
@@ -4430,6 +4430,7 @@
               </a:bodyPr>
               <a:lstStyle/>
               <a:p>
+                <a:pPr/>
                 <a14:m>
                   <m:oMathPara xmlns:m="http://schemas.openxmlformats.org/officeDocument/2006/math">
                     <m:oMathParaPr>
@@ -4456,7 +4457,7 @@
             </p:txBody>
           </p:sp>
         </mc:Choice>
-        <mc:Fallback>
+        <mc:Fallback xmlns="">
           <p:sp>
             <p:nvSpPr>
               <p:cNvPr id="11" name="TextBox 10">
@@ -4501,8 +4502,8 @@
           </p:sp>
         </mc:Fallback>
       </mc:AlternateContent>
-      <mc:AlternateContent xmlns:mc="http://schemas.openxmlformats.org/markup-compatibility/2006">
-        <mc:Choice xmlns:a14="http://schemas.microsoft.com/office/drawing/2010/main" Requires="a14">
+      <mc:AlternateContent xmlns:mc="http://schemas.openxmlformats.org/markup-compatibility/2006" xmlns:a14="http://schemas.microsoft.com/office/drawing/2010/main">
+        <mc:Choice Requires="a14">
           <p:sp>
             <p:nvSpPr>
               <p:cNvPr id="14" name="TextBox 13">
@@ -4531,6 +4532,7 @@
               </a:bodyPr>
               <a:lstStyle/>
               <a:p>
+                <a:pPr/>
                 <a14:m>
                   <m:oMathPara xmlns:m="http://schemas.openxmlformats.org/officeDocument/2006/math">
                     <m:oMathParaPr>
@@ -4557,7 +4559,7 @@
             </p:txBody>
           </p:sp>
         </mc:Choice>
-        <mc:Fallback>
+        <mc:Fallback xmlns="">
           <p:sp>
             <p:nvSpPr>
               <p:cNvPr id="14" name="TextBox 13">
@@ -5125,8 +5127,8 @@
           </a:extLst>
         </p:spPr>
       </p:pic>
-      <mc:AlternateContent xmlns:mc="http://schemas.openxmlformats.org/markup-compatibility/2006">
-        <mc:Choice xmlns:a14="http://schemas.microsoft.com/office/drawing/2010/main" Requires="a14">
+      <mc:AlternateContent xmlns:mc="http://schemas.openxmlformats.org/markup-compatibility/2006" xmlns:a14="http://schemas.microsoft.com/office/drawing/2010/main">
+        <mc:Choice Requires="a14">
           <p:sp>
             <p:nvSpPr>
               <p:cNvPr id="8" name="TextBox 7">
@@ -5155,6 +5157,7 @@
               </a:bodyPr>
               <a:lstStyle/>
               <a:p>
+                <a:pPr/>
                 <a14:m>
                   <m:oMathPara xmlns:m="http://schemas.openxmlformats.org/officeDocument/2006/math">
                     <m:oMathParaPr>
@@ -5196,7 +5199,7 @@
             </p:txBody>
           </p:sp>
         </mc:Choice>
-        <mc:Fallback>
+        <mc:Fallback xmlns="">
           <p:sp>
             <p:nvSpPr>
               <p:cNvPr id="8" name="TextBox 7">
@@ -5241,8 +5244,8 @@
           </p:sp>
         </mc:Fallback>
       </mc:AlternateContent>
-      <mc:AlternateContent xmlns:mc="http://schemas.openxmlformats.org/markup-compatibility/2006">
-        <mc:Choice xmlns:a14="http://schemas.microsoft.com/office/drawing/2010/main" Requires="a14">
+      <mc:AlternateContent xmlns:mc="http://schemas.openxmlformats.org/markup-compatibility/2006" xmlns:a14="http://schemas.microsoft.com/office/drawing/2010/main">
+        <mc:Choice Requires="a14">
           <p:sp>
             <p:nvSpPr>
               <p:cNvPr id="9" name="TextBox 8">
@@ -5271,6 +5274,7 @@
               </a:bodyPr>
               <a:lstStyle/>
               <a:p>
+                <a:pPr/>
                 <a14:m>
                   <m:oMathPara xmlns:m="http://schemas.openxmlformats.org/officeDocument/2006/math">
                     <m:oMathParaPr>
@@ -5312,7 +5316,7 @@
             </p:txBody>
           </p:sp>
         </mc:Choice>
-        <mc:Fallback>
+        <mc:Fallback xmlns="">
           <p:sp>
             <p:nvSpPr>
               <p:cNvPr id="9" name="TextBox 8">
@@ -5357,8 +5361,8 @@
           </p:sp>
         </mc:Fallback>
       </mc:AlternateContent>
-      <mc:AlternateContent xmlns:mc="http://schemas.openxmlformats.org/markup-compatibility/2006">
-        <mc:Choice xmlns:a14="http://schemas.microsoft.com/office/drawing/2010/main" Requires="a14">
+      <mc:AlternateContent xmlns:mc="http://schemas.openxmlformats.org/markup-compatibility/2006" xmlns:a14="http://schemas.microsoft.com/office/drawing/2010/main">
+        <mc:Choice Requires="a14">
           <p:sp>
             <p:nvSpPr>
               <p:cNvPr id="11" name="TextBox 10">
@@ -5387,6 +5391,7 @@
               </a:bodyPr>
               <a:lstStyle/>
               <a:p>
+                <a:pPr/>
                 <a14:m>
                   <m:oMathPara xmlns:m="http://schemas.openxmlformats.org/officeDocument/2006/math">
                     <m:oMathParaPr>
@@ -5428,7 +5433,7 @@
             </p:txBody>
           </p:sp>
         </mc:Choice>
-        <mc:Fallback>
+        <mc:Fallback xmlns="">
           <p:sp>
             <p:nvSpPr>
               <p:cNvPr id="11" name="TextBox 10">
@@ -5473,8 +5478,8 @@
           </p:sp>
         </mc:Fallback>
       </mc:AlternateContent>
-      <mc:AlternateContent xmlns:mc="http://schemas.openxmlformats.org/markup-compatibility/2006">
-        <mc:Choice xmlns:a14="http://schemas.microsoft.com/office/drawing/2010/main" Requires="a14">
+      <mc:AlternateContent xmlns:mc="http://schemas.openxmlformats.org/markup-compatibility/2006" xmlns:a14="http://schemas.microsoft.com/office/drawing/2010/main">
+        <mc:Choice Requires="a14">
           <p:sp>
             <p:nvSpPr>
               <p:cNvPr id="13" name="TextBox 12">
@@ -5503,6 +5508,7 @@
               </a:bodyPr>
               <a:lstStyle/>
               <a:p>
+                <a:pPr/>
                 <a14:m>
                   <m:oMathPara xmlns:m="http://schemas.openxmlformats.org/officeDocument/2006/math">
                     <m:oMathParaPr>
@@ -5544,7 +5550,7 @@
             </p:txBody>
           </p:sp>
         </mc:Choice>
-        <mc:Fallback>
+        <mc:Fallback xmlns="">
           <p:sp>
             <p:nvSpPr>
               <p:cNvPr id="13" name="TextBox 12">
@@ -5589,8 +5595,8 @@
           </p:sp>
         </mc:Fallback>
       </mc:AlternateContent>
-      <mc:AlternateContent xmlns:mc="http://schemas.openxmlformats.org/markup-compatibility/2006">
-        <mc:Choice xmlns:a14="http://schemas.microsoft.com/office/drawing/2010/main" Requires="a14">
+      <mc:AlternateContent xmlns:mc="http://schemas.openxmlformats.org/markup-compatibility/2006" xmlns:a14="http://schemas.microsoft.com/office/drawing/2010/main">
+        <mc:Choice Requires="a14">
           <p:sp>
             <p:nvSpPr>
               <p:cNvPr id="15" name="TextBox 14">
@@ -5619,6 +5625,7 @@
               </a:bodyPr>
               <a:lstStyle/>
               <a:p>
+                <a:pPr/>
                 <a14:m>
                   <m:oMathPara xmlns:m="http://schemas.openxmlformats.org/officeDocument/2006/math">
                     <m:oMathParaPr>
@@ -5660,7 +5667,7 @@
             </p:txBody>
           </p:sp>
         </mc:Choice>
-        <mc:Fallback>
+        <mc:Fallback xmlns="">
           <p:sp>
             <p:nvSpPr>
               <p:cNvPr id="15" name="TextBox 14">
@@ -5932,7 +5939,7 @@
             <p:spPr>
               <a:xfrm>
                 <a:off x="906727" y="4249168"/>
-                <a:ext cx="10137791" cy="2052741"/>
+                <a:ext cx="10137791" cy="1775743"/>
               </a:xfrm>
               <a:prstGeom prst="rect">
                 <a:avLst/>
@@ -6001,7 +6008,7 @@
                     <m:sSup>
                       <m:sSupPr>
                         <m:ctrlPr>
-                          <a:rPr lang="en-US" b="0" i="0" smtClean="0">
+                          <a:rPr lang="en-US" b="0" i="1" smtClean="0">
                             <a:latin typeface="Cambria Math" panose="02040503050406030204" pitchFamily="18" charset="0"/>
                           </a:rPr>
                         </m:ctrlPr>
@@ -6064,7 +6071,7 @@
                     <m:sSup>
                       <m:sSupPr>
                         <m:ctrlPr>
-                          <a:rPr lang="en-US" b="0" i="0" smtClean="0">
+                          <a:rPr lang="en-US" b="0" i="1" smtClean="0">
                             <a:latin typeface="Cambria Math" panose="02040503050406030204" pitchFamily="18" charset="0"/>
                           </a:rPr>
                         </m:ctrlPr>
@@ -6127,7 +6134,7 @@
                     <m:sSup>
                       <m:sSupPr>
                         <m:ctrlPr>
-                          <a:rPr lang="en-US" b="0" i="0" smtClean="0">
+                          <a:rPr lang="en-US" b="0" i="1" smtClean="0">
                             <a:latin typeface="Cambria Math" panose="02040503050406030204" pitchFamily="18" charset="0"/>
                           </a:rPr>
                         </m:ctrlPr>
@@ -6190,7 +6197,7 @@
                     <m:sSup>
                       <m:sSupPr>
                         <m:ctrlPr>
-                          <a:rPr lang="en-US" b="0" i="0" smtClean="0">
+                          <a:rPr lang="en-US" b="0" i="1" smtClean="0">
                             <a:latin typeface="Cambria Math" panose="02040503050406030204" pitchFamily="18" charset="0"/>
                           </a:rPr>
                         </m:ctrlPr>
@@ -6253,7 +6260,7 @@
                     <m:sSup>
                       <m:sSupPr>
                         <m:ctrlPr>
-                          <a:rPr lang="en-US" b="0" i="0" smtClean="0">
+                          <a:rPr lang="en-US" b="0" i="1" smtClean="0">
                             <a:latin typeface="Cambria Math" panose="02040503050406030204" pitchFamily="18" charset="0"/>
                           </a:rPr>
                         </m:ctrlPr>
@@ -6329,28 +6336,88 @@
                       <a:rPr lang="en-US" b="0" i="0" smtClean="0">
                         <a:latin typeface="Cambria Math" panose="02040503050406030204" pitchFamily="18" charset="0"/>
                       </a:rPr>
-                      <m:t>.  </m:t>
+                      <m:t>.</m:t>
                     </m:r>
                     <m:r>
-                      <a:rPr lang="en-US" b="0" i="1" smtClean="0">
+                      <m:rPr>
+                        <m:sty m:val="p"/>
+                      </m:rPr>
+                      <a:rPr lang="en-US">
                         <a:latin typeface="Cambria Math" panose="02040503050406030204" pitchFamily="18" charset="0"/>
                       </a:rPr>
-                      <m:t>𝑥𝑧</m:t>
+                      <m:t>x</m:t>
                     </m:r>
                     <m:r>
-                      <a:rPr lang="en-US" b="0" i="1" smtClean="0">
+                      <m:rPr>
+                        <m:sty m:val="p"/>
+                      </m:rPr>
+                      <a:rPr lang="en-US" b="0" i="0" smtClean="0">
+                        <a:latin typeface="Cambria Math" panose="02040503050406030204" pitchFamily="18" charset="0"/>
+                      </a:rPr>
+                      <m:t>z</m:t>
+                    </m:r>
+                    <m:r>
+                      <a:rPr lang="en-US">
                         <a:latin typeface="Cambria Math" panose="02040503050406030204" pitchFamily="18" charset="0"/>
                       </a:rPr>
                       <m:t>−</m:t>
                     </m:r>
-                  </m:oMath>
-                </a14:m>
-                <a:r>
-                  <a:rPr lang="en-US" dirty="0"/>
-                  <a:t>heatmaps are shown for fused-stripe and homogeneous at fixed </a:t>
-                </a:r>
-                <a14:m>
-                  <m:oMath xmlns:m="http://schemas.openxmlformats.org/officeDocument/2006/math">
+                    <m:r>
+                      <m:rPr>
+                        <m:nor/>
+                      </m:rPr>
+                      <a:rPr lang="en-US" dirty="0"/>
+                      <m:t>heatmaps</m:t>
+                    </m:r>
+                    <m:r>
+                      <m:rPr>
+                        <m:nor/>
+                      </m:rPr>
+                      <a:rPr lang="en-US" dirty="0"/>
+                      <m:t> </m:t>
+                    </m:r>
+                    <m:r>
+                      <m:rPr>
+                        <m:nor/>
+                      </m:rPr>
+                      <a:rPr lang="en-US" dirty="0"/>
+                      <m:t>plotted</m:t>
+                    </m:r>
+                    <m:r>
+                      <m:rPr>
+                        <m:nor/>
+                      </m:rPr>
+                      <a:rPr lang="en-US" dirty="0"/>
+                      <m:t> </m:t>
+                    </m:r>
+                    <m:r>
+                      <m:rPr>
+                        <m:nor/>
+                      </m:rPr>
+                      <a:rPr lang="en-US" dirty="0"/>
+                      <m:t>for</m:t>
+                    </m:r>
+                    <m:r>
+                      <m:rPr>
+                        <m:nor/>
+                      </m:rPr>
+                      <a:rPr lang="en-US" dirty="0"/>
+                      <m:t> </m:t>
+                    </m:r>
+                    <m:r>
+                      <m:rPr>
+                        <m:nor/>
+                      </m:rPr>
+                      <a:rPr lang="en-US" dirty="0"/>
+                      <m:t>fixed</m:t>
+                    </m:r>
+                    <m:r>
+                      <m:rPr>
+                        <m:nor/>
+                      </m:rPr>
+                      <a:rPr lang="en-US" dirty="0"/>
+                      <m:t> </m:t>
+                    </m:r>
                     <m:r>
                       <a:rPr lang="en-US" b="0" i="1" smtClean="0">
                         <a:latin typeface="Cambria Math" panose="02040503050406030204" pitchFamily="18" charset="0"/>
@@ -6372,11 +6439,17 @@
                       </a:rPr>
                       <m:t>nm</m:t>
                     </m:r>
+                    <m:r>
+                      <a:rPr lang="en-US" i="1">
+                        <a:latin typeface="Cambria Math" panose="02040503050406030204" pitchFamily="18" charset="0"/>
+                      </a:rPr>
+                      <m:t>.</m:t>
+                    </m:r>
                   </m:oMath>
                 </a14:m>
                 <a:r>
                   <a:rPr lang="en-US" dirty="0"/>
-                  <a:t> to contrast their polymer-solvent interfaces. (f) Excess free energy with respect to the raised-stripe morphology and varying grafting densities </a:t>
+                  <a:t>(f) Excess free energy with respect to the raised-stripe morphology and varying grafting densities </a:t>
                 </a:r>
                 <a14:m>
                   <m:oMath xmlns:m="http://schemas.openxmlformats.org/officeDocument/2006/math">
@@ -6422,7 +6495,7 @@
             <p:spPr>
               <a:xfrm>
                 <a:off x="906727" y="4249168"/>
-                <a:ext cx="10137791" cy="2052741"/>
+                <a:ext cx="10137791" cy="1775743"/>
               </a:xfrm>
               <a:prstGeom prst="rect">
                 <a:avLst/>
@@ -6430,7 +6503,7 @@
               <a:blipFill>
                 <a:blip r:embed="rId14"/>
                 <a:stretch>
-                  <a:fillRect l="-541" t="-1187" r="-661" b="-3858"/>
+                  <a:fillRect l="-541" t="-1375" r="-661" b="-4811"/>
                 </a:stretch>
               </a:blipFill>
             </p:spPr>
@@ -6540,40 +6613,57 @@
       </p:grpSpPr>
       <p:pic>
         <p:nvPicPr>
-          <p:cNvPr id="6" name="Picture 5">
-            <a:extLst>
-              <a:ext uri="{FF2B5EF4-FFF2-40B4-BE49-F238E27FC236}">
-                <a16:creationId xmlns:a16="http://schemas.microsoft.com/office/drawing/2014/main" id="{93B4F575-7B10-6A39-EF33-F3F58384CF6A}"/>
+          <p:cNvPr id="4" name="Picture 2">
+            <a:extLst>
+              <a:ext uri="{FF2B5EF4-FFF2-40B4-BE49-F238E27FC236}">
+                <a16:creationId xmlns:a16="http://schemas.microsoft.com/office/drawing/2014/main" id="{E219D43E-AE08-0C56-A85E-22A6CBB5897E}"/>
               </a:ext>
             </a:extLst>
           </p:cNvPr>
           <p:cNvPicPr>
-            <a:picLocks noChangeAspect="1"/>
+            <a:picLocks noChangeAspect="1" noChangeArrowheads="1"/>
           </p:cNvPicPr>
           <p:nvPr/>
         </p:nvPicPr>
         <p:blipFill>
-          <a:blip r:embed="rId2"/>
+          <a:blip r:embed="rId2">
+            <a:extLst>
+              <a:ext uri="{28A0092B-C50C-407E-A947-70E740481C1C}">
+                <a14:useLocalDpi xmlns:a14="http://schemas.microsoft.com/office/drawing/2010/main" val="0"/>
+              </a:ext>
+            </a:extLst>
+          </a:blip>
+          <a:srcRect/>
           <a:stretch>
             <a:fillRect/>
           </a:stretch>
         </p:blipFill>
-        <p:spPr>
-          <a:xfrm>
-            <a:off x="3889603" y="1770447"/>
-            <a:ext cx="1466490" cy="1578513"/>
+        <p:spPr bwMode="auto">
+          <a:xfrm rot="16200000">
+            <a:off x="2182497" y="3207924"/>
+            <a:ext cx="1724268" cy="967643"/>
           </a:xfrm>
           <a:prstGeom prst="rect">
             <a:avLst/>
           </a:prstGeom>
+          <a:noFill/>
+          <a:extLst>
+            <a:ext uri="{909E8E84-426E-40DD-AFC4-6F175D3DCCD1}">
+              <a14:hiddenFill xmlns:a14="http://schemas.microsoft.com/office/drawing/2010/main">
+                <a:solidFill>
+                  <a:srgbClr val="FFFFFF"/>
+                </a:solidFill>
+              </a14:hiddenFill>
+            </a:ext>
+          </a:extLst>
         </p:spPr>
       </p:pic>
       <p:pic>
         <p:nvPicPr>
-          <p:cNvPr id="26" name="Picture 25">
-            <a:extLst>
-              <a:ext uri="{FF2B5EF4-FFF2-40B4-BE49-F238E27FC236}">
-                <a16:creationId xmlns:a16="http://schemas.microsoft.com/office/drawing/2014/main" id="{A4C962C5-79E7-52D7-6153-0188BFE4612C}"/>
+          <p:cNvPr id="6" name="Picture 5">
+            <a:extLst>
+              <a:ext uri="{FF2B5EF4-FFF2-40B4-BE49-F238E27FC236}">
+                <a16:creationId xmlns:a16="http://schemas.microsoft.com/office/drawing/2014/main" id="{93B4F575-7B10-6A39-EF33-F3F58384CF6A}"/>
               </a:ext>
             </a:extLst>
           </p:cNvPr>
@@ -6590,8 +6680,8 @@
         </p:blipFill>
         <p:spPr>
           <a:xfrm>
-            <a:off x="2087194" y="1771085"/>
-            <a:ext cx="1574092" cy="1561259"/>
+            <a:off x="3871674" y="1194350"/>
+            <a:ext cx="1466490" cy="1578513"/>
           </a:xfrm>
           <a:prstGeom prst="rect">
             <a:avLst/>
@@ -6627,7 +6717,7 @@
         </p:blipFill>
         <p:spPr bwMode="auto">
           <a:xfrm>
-            <a:off x="8394029" y="1479176"/>
+            <a:off x="8358184" y="838616"/>
             <a:ext cx="3797971" cy="2326995"/>
           </a:xfrm>
           <a:prstGeom prst="rect">
@@ -6667,7 +6757,7 @@
         </p:blipFill>
         <p:spPr>
           <a:xfrm>
-            <a:off x="7340149" y="1624584"/>
+            <a:off x="7322220" y="1048487"/>
             <a:ext cx="913665" cy="1961335"/>
           </a:xfrm>
           <a:prstGeom prst="rect">
@@ -6697,7 +6787,7 @@
         </p:blipFill>
         <p:spPr>
           <a:xfrm>
-            <a:off x="5576852" y="1678034"/>
+            <a:off x="5558923" y="1101937"/>
             <a:ext cx="1373653" cy="1756389"/>
           </a:xfrm>
           <a:prstGeom prst="rect">
@@ -6721,8 +6811,8 @@
             </p:nvSpPr>
             <p:spPr>
               <a:xfrm>
-                <a:off x="853164" y="4160862"/>
-                <a:ext cx="9626249" cy="1754326"/>
+                <a:off x="765774" y="4713782"/>
+                <a:ext cx="9626249" cy="2052741"/>
               </a:xfrm>
               <a:prstGeom prst="rect">
                 <a:avLst/>
@@ -6805,7 +6895,7 @@
                     <m:sSup>
                       <m:sSupPr>
                         <m:ctrlPr>
-                          <a:rPr lang="en-US" b="0" i="0" smtClean="0">
+                          <a:rPr lang="en-US" b="0" i="1" smtClean="0">
                             <a:latin typeface="Cambria Math" panose="02040503050406030204" pitchFamily="18" charset="0"/>
                           </a:rPr>
                         </m:ctrlPr>
@@ -6876,7 +6966,7 @@
                     <m:sSup>
                       <m:sSupPr>
                         <m:ctrlPr>
-                          <a:rPr lang="en-US" b="0" i="0" smtClean="0">
+                          <a:rPr lang="en-US" b="0" i="1" smtClean="0">
                             <a:latin typeface="Cambria Math" panose="02040503050406030204" pitchFamily="18" charset="0"/>
                           </a:rPr>
                         </m:ctrlPr>
@@ -6939,7 +7029,7 @@
                     <m:sSup>
                       <m:sSupPr>
                         <m:ctrlPr>
-                          <a:rPr lang="en-US" b="0" i="0" smtClean="0">
+                          <a:rPr lang="en-US" b="0" i="1" smtClean="0">
                             <a:latin typeface="Cambria Math" panose="02040503050406030204" pitchFamily="18" charset="0"/>
                           </a:rPr>
                         </m:ctrlPr>
@@ -7002,7 +7092,7 @@
                     <m:sSup>
                       <m:sSupPr>
                         <m:ctrlPr>
-                          <a:rPr lang="en-US" b="0" i="0" smtClean="0">
+                          <a:rPr lang="en-US" b="0" i="1" smtClean="0">
                             <a:latin typeface="Cambria Math" panose="02040503050406030204" pitchFamily="18" charset="0"/>
                           </a:rPr>
                         </m:ctrlPr>
@@ -7065,7 +7155,7 @@
                     <m:sSup>
                       <m:sSupPr>
                         <m:ctrlPr>
-                          <a:rPr lang="en-US" b="0" i="0" smtClean="0">
+                          <a:rPr lang="en-US" b="0" i="1" smtClean="0">
                             <a:latin typeface="Cambria Math" panose="02040503050406030204" pitchFamily="18" charset="0"/>
                           </a:rPr>
                         </m:ctrlPr>
@@ -7094,7 +7184,95 @@
                 </a14:m>
                 <a:r>
                   <a:rPr lang="en-US" dirty="0"/>
-                  <a:t>, (f) excess free energy with respect to the raised-stripe morphology and varying grafting densities </a:t>
+                  <a:t>. </a:t>
+                </a:r>
+                <a:r>
+                  <a:rPr lang="en-US" dirty="0" err="1"/>
+                  <a:t>Isosurfaces</a:t>
+                </a:r>
+                <a:r>
+                  <a:rPr lang="en-US" dirty="0"/>
+                  <a:t> plotted for </a:t>
+                </a:r>
+                <a14:m>
+                  <m:oMath xmlns:m="http://schemas.openxmlformats.org/officeDocument/2006/math">
+                    <m:sSub>
+                      <m:sSubPr>
+                        <m:ctrlPr>
+                          <a:rPr lang="en-US" i="1">
+                            <a:latin typeface="Cambria Math" panose="02040503050406030204" pitchFamily="18" charset="0"/>
+                          </a:rPr>
+                        </m:ctrlPr>
+                      </m:sSubPr>
+                      <m:e>
+                        <m:r>
+                          <a:rPr lang="en-US" i="1">
+                            <a:latin typeface="Cambria Math" panose="02040503050406030204" pitchFamily="18" charset="0"/>
+                          </a:rPr>
+                          <m:t>𝜙</m:t>
+                        </m:r>
+                      </m:e>
+                      <m:sub>
+                        <m:r>
+                          <a:rPr lang="en-US" i="1">
+                            <a:latin typeface="Cambria Math" panose="02040503050406030204" pitchFamily="18" charset="0"/>
+                          </a:rPr>
+                          <m:t>𝑝</m:t>
+                        </m:r>
+                      </m:sub>
+                    </m:sSub>
+                    <m:r>
+                      <a:rPr lang="en-US" i="1">
+                        <a:latin typeface="Cambria Math" panose="02040503050406030204" pitchFamily="18" charset="0"/>
+                      </a:rPr>
+                      <m:t>=0.10</m:t>
+                    </m:r>
+                    <m:r>
+                      <a:rPr lang="en-US">
+                        <a:latin typeface="Cambria Math" panose="02040503050406030204" pitchFamily="18" charset="0"/>
+                      </a:rPr>
+                      <m:t>. </m:t>
+                    </m:r>
+                    <m:r>
+                      <m:rPr>
+                        <m:sty m:val="p"/>
+                      </m:rPr>
+                      <a:rPr lang="en-US" b="0" i="0" smtClean="0">
+                        <a:latin typeface="Cambria Math" panose="02040503050406030204" pitchFamily="18" charset="0"/>
+                      </a:rPr>
+                      <m:t>xy</m:t>
+                    </m:r>
+                    <m:r>
+                      <a:rPr lang="en-US" b="0" i="0" smtClean="0">
+                        <a:latin typeface="Cambria Math" panose="02040503050406030204" pitchFamily="18" charset="0"/>
+                      </a:rPr>
+                      <m:t>−</m:t>
+                    </m:r>
+                  </m:oMath>
+                </a14:m>
+                <a:r>
+                  <a:rPr lang="en-US" dirty="0"/>
+                  <a:t>heatmaps plotted for representative slices of fixed </a:t>
+                </a:r>
+                <a14:m>
+                  <m:oMath xmlns:m="http://schemas.openxmlformats.org/officeDocument/2006/math">
+                    <m:r>
+                      <a:rPr lang="en-US" b="0" i="1" smtClean="0">
+                        <a:latin typeface="Cambria Math" panose="02040503050406030204" pitchFamily="18" charset="0"/>
+                      </a:rPr>
+                      <m:t>𝑧</m:t>
+                    </m:r>
+                    <m:r>
+                      <a:rPr lang="en-US" b="0" i="1" smtClean="0">
+                        <a:latin typeface="Cambria Math" panose="02040503050406030204" pitchFamily="18" charset="0"/>
+                      </a:rPr>
+                      <m:t>.</m:t>
+                    </m:r>
+                  </m:oMath>
+                </a14:m>
+                <a:r>
+                  <a:rPr lang="en-US" dirty="0"/>
+                  <a:t> (f) excess free energy with respect to the raised-stripe morphology and varying grafting densities </a:t>
                 </a:r>
                 <a14:m>
                   <m:oMath xmlns:m="http://schemas.openxmlformats.org/officeDocument/2006/math">
@@ -7139,8 +7317,8 @@
             </p:nvSpPr>
             <p:spPr>
               <a:xfrm>
-                <a:off x="853164" y="4160862"/>
-                <a:ext cx="9626249" cy="1754326"/>
+                <a:off x="765774" y="4713782"/>
+                <a:ext cx="9626249" cy="2052741"/>
               </a:xfrm>
               <a:prstGeom prst="rect">
                 <a:avLst/>
@@ -7148,7 +7326,7 @@
               <a:blipFill>
                 <a:blip r:embed="rId7"/>
                 <a:stretch>
-                  <a:fillRect l="-570" t="-1742" b="-5226"/>
+                  <a:fillRect l="-570" t="-1187" b="-3858"/>
                 </a:stretch>
               </a:blipFill>
             </p:spPr>
@@ -7183,7 +7361,7 @@
             </p:nvSpPr>
             <p:spPr>
               <a:xfrm>
-                <a:off x="416338" y="1380527"/>
+                <a:off x="398409" y="804430"/>
                 <a:ext cx="1681433" cy="338554"/>
               </a:xfrm>
               <a:prstGeom prst="rect">
@@ -7197,6 +7375,7 @@
               </a:bodyPr>
               <a:lstStyle/>
               <a:p>
+                <a:pPr/>
                 <a14:m>
                   <m:oMathPara xmlns:m="http://schemas.openxmlformats.org/officeDocument/2006/math">
                     <m:oMathParaPr>
@@ -7255,7 +7434,7 @@
             </p:nvSpPr>
             <p:spPr>
               <a:xfrm>
-                <a:off x="416338" y="1380527"/>
+                <a:off x="398409" y="804430"/>
                 <a:ext cx="1681433" cy="338554"/>
               </a:xfrm>
               <a:prstGeom prst="rect">
@@ -7299,7 +7478,7 @@
             </p:nvSpPr>
             <p:spPr>
               <a:xfrm>
-                <a:off x="2059437" y="1386342"/>
+                <a:off x="2041508" y="810245"/>
                 <a:ext cx="1681433" cy="338554"/>
               </a:xfrm>
               <a:prstGeom prst="rect">
@@ -7313,6 +7492,7 @@
               </a:bodyPr>
               <a:lstStyle/>
               <a:p>
+                <a:pPr/>
                 <a14:m>
                   <m:oMathPara xmlns:m="http://schemas.openxmlformats.org/officeDocument/2006/math">
                     <m:oMathParaPr>
@@ -7329,7 +7509,7 @@
                         <a:rPr lang="en-US" sz="1600" b="0" i="1" smtClean="0">
                           <a:latin typeface="Cambria Math" panose="02040503050406030204" pitchFamily="18" charset="0"/>
                         </a:rPr>
-                        <m:t>=1.0</m:t>
+                        <m:t>=1.5</m:t>
                       </m:r>
                       <m:r>
                         <m:rPr>
@@ -7371,7 +7551,7 @@
             </p:nvSpPr>
             <p:spPr>
               <a:xfrm>
-                <a:off x="2059437" y="1386342"/>
+                <a:off x="2041508" y="810245"/>
                 <a:ext cx="1681433" cy="338554"/>
               </a:xfrm>
               <a:prstGeom prst="rect">
@@ -7415,7 +7595,7 @@
             </p:nvSpPr>
             <p:spPr>
               <a:xfrm>
-                <a:off x="3740870" y="1380527"/>
+                <a:off x="3722941" y="804430"/>
                 <a:ext cx="1681433" cy="338554"/>
               </a:xfrm>
               <a:prstGeom prst="rect">
@@ -7429,6 +7609,7 @@
               </a:bodyPr>
               <a:lstStyle/>
               <a:p>
+                <a:pPr/>
                 <a14:m>
                   <m:oMathPara xmlns:m="http://schemas.openxmlformats.org/officeDocument/2006/math">
                     <m:oMathParaPr>
@@ -7487,7 +7668,7 @@
             </p:nvSpPr>
             <p:spPr>
               <a:xfrm>
-                <a:off x="3740870" y="1380527"/>
+                <a:off x="3722941" y="804430"/>
                 <a:ext cx="1681433" cy="338554"/>
               </a:xfrm>
               <a:prstGeom prst="rect">
@@ -7531,7 +7712,7 @@
             </p:nvSpPr>
             <p:spPr>
               <a:xfrm>
-                <a:off x="5398916" y="1375655"/>
+                <a:off x="5380987" y="799558"/>
                 <a:ext cx="1681433" cy="338554"/>
               </a:xfrm>
               <a:prstGeom prst="rect">
@@ -7545,6 +7726,7 @@
               </a:bodyPr>
               <a:lstStyle/>
               <a:p>
+                <a:pPr/>
                 <a14:m>
                   <m:oMathPara xmlns:m="http://schemas.openxmlformats.org/officeDocument/2006/math">
                     <m:oMathParaPr>
@@ -7603,7 +7785,7 @@
             </p:nvSpPr>
             <p:spPr>
               <a:xfrm>
-                <a:off x="5398916" y="1375655"/>
+                <a:off x="5380987" y="799558"/>
                 <a:ext cx="1681433" cy="338554"/>
               </a:xfrm>
               <a:prstGeom prst="rect">
@@ -7647,7 +7829,7 @@
             </p:nvSpPr>
             <p:spPr>
               <a:xfrm>
-                <a:off x="6996291" y="1370783"/>
+                <a:off x="6978362" y="794686"/>
                 <a:ext cx="1681433" cy="338554"/>
               </a:xfrm>
               <a:prstGeom prst="rect">
@@ -7661,6 +7843,7 @@
               </a:bodyPr>
               <a:lstStyle/>
               <a:p>
+                <a:pPr/>
                 <a14:m>
                   <m:oMathPara xmlns:m="http://schemas.openxmlformats.org/officeDocument/2006/math">
                     <m:oMathParaPr>
@@ -7719,7 +7902,7 @@
             </p:nvSpPr>
             <p:spPr>
               <a:xfrm>
-                <a:off x="6996291" y="1370783"/>
+                <a:off x="6978362" y="794686"/>
                 <a:ext cx="1681433" cy="338554"/>
               </a:xfrm>
               <a:prstGeom prst="rect">
@@ -7761,7 +7944,7 @@
         </p:nvSpPr>
         <p:spPr>
           <a:xfrm>
-            <a:off x="132311" y="1014393"/>
+            <a:off x="114382" y="438296"/>
             <a:ext cx="506119" cy="369332"/>
           </a:xfrm>
           <a:prstGeom prst="rect">
@@ -7796,7 +7979,7 @@
         </p:nvSpPr>
         <p:spPr>
           <a:xfrm>
-            <a:off x="1846531" y="965989"/>
+            <a:off x="1828602" y="389892"/>
             <a:ext cx="506119" cy="369332"/>
           </a:xfrm>
           <a:prstGeom prst="rect">
@@ -7831,7 +8014,7 @@
         </p:nvSpPr>
         <p:spPr>
           <a:xfrm>
-            <a:off x="3668294" y="959419"/>
+            <a:off x="3650365" y="383322"/>
             <a:ext cx="506119" cy="369332"/>
           </a:xfrm>
           <a:prstGeom prst="rect">
@@ -7866,7 +8049,7 @@
         </p:nvSpPr>
         <p:spPr>
           <a:xfrm>
-            <a:off x="5343769" y="959419"/>
+            <a:off x="5325840" y="383322"/>
             <a:ext cx="506119" cy="369332"/>
           </a:xfrm>
           <a:prstGeom prst="rect">
@@ -7901,7 +8084,7 @@
         </p:nvSpPr>
         <p:spPr>
           <a:xfrm>
-            <a:off x="6812550" y="965989"/>
+            <a:off x="6794621" y="389892"/>
             <a:ext cx="506119" cy="369332"/>
           </a:xfrm>
           <a:prstGeom prst="rect">
@@ -7936,7 +8119,7 @@
         </p:nvSpPr>
         <p:spPr>
           <a:xfrm>
-            <a:off x="8538951" y="959419"/>
+            <a:off x="8616384" y="389892"/>
             <a:ext cx="506119" cy="369332"/>
           </a:xfrm>
           <a:prstGeom prst="rect">
@@ -7971,7 +8154,7 @@
         </p:nvSpPr>
         <p:spPr>
           <a:xfrm>
-            <a:off x="6632483" y="3272769"/>
+            <a:off x="6694001" y="2640490"/>
             <a:ext cx="2268490" cy="369332"/>
           </a:xfrm>
           <a:prstGeom prst="rect">
@@ -8019,7 +8202,7 @@
         </p:blipFill>
         <p:spPr>
           <a:xfrm>
-            <a:off x="369942" y="1824079"/>
+            <a:off x="352013" y="1247982"/>
             <a:ext cx="1742995" cy="1508265"/>
           </a:xfrm>
           <a:prstGeom prst="rect">
@@ -8041,7 +8224,7 @@
         </p:nvSpPr>
         <p:spPr>
           <a:xfrm>
-            <a:off x="132311" y="3216587"/>
+            <a:off x="114382" y="2640490"/>
             <a:ext cx="2268490" cy="369332"/>
           </a:xfrm>
           <a:prstGeom prst="rect">
@@ -8067,6 +8250,36 @@
           </a:p>
         </p:txBody>
       </p:sp>
+      <p:pic>
+        <p:nvPicPr>
+          <p:cNvPr id="3" name="Picture 2">
+            <a:extLst>
+              <a:ext uri="{FF2B5EF4-FFF2-40B4-BE49-F238E27FC236}">
+                <a16:creationId xmlns:a16="http://schemas.microsoft.com/office/drawing/2014/main" id="{3316FA40-1A28-5B6D-EF03-9A7843AF35A3}"/>
+              </a:ext>
+            </a:extLst>
+          </p:cNvPr>
+          <p:cNvPicPr>
+            <a:picLocks noChangeAspect="1"/>
+          </p:cNvPicPr>
+          <p:nvPr/>
+        </p:nvPicPr>
+        <p:blipFill>
+          <a:blip r:embed="rId14"/>
+          <a:stretch>
+            <a:fillRect/>
+          </a:stretch>
+        </p:blipFill>
+        <p:spPr>
+          <a:xfrm>
+            <a:off x="2215817" y="1233313"/>
+            <a:ext cx="1585749" cy="1619590"/>
+          </a:xfrm>
+          <a:prstGeom prst="rect">
+            <a:avLst/>
+          </a:prstGeom>
+        </p:spPr>
+      </p:pic>
       <p:sp>
         <p:nvSpPr>
           <p:cNvPr id="24" name="TextBox 23">
@@ -8081,7 +8294,7 @@
         </p:nvSpPr>
         <p:spPr>
           <a:xfrm>
-            <a:off x="1867833" y="3219570"/>
+            <a:off x="1849904" y="2643473"/>
             <a:ext cx="2268490" cy="369332"/>
           </a:xfrm>
           <a:prstGeom prst="rect">
@@ -8143,8 +8356,8 @@
           <a:chExt cx="0" cy="0"/>
         </a:xfrm>
       </p:grpSpPr>
-      <mc:AlternateContent xmlns:mc="http://schemas.openxmlformats.org/markup-compatibility/2006">
-        <mc:Choice xmlns:a14="http://schemas.microsoft.com/office/drawing/2010/main" Requires="a14">
+      <mc:AlternateContent xmlns:mc="http://schemas.openxmlformats.org/markup-compatibility/2006" xmlns:a14="http://schemas.microsoft.com/office/drawing/2010/main">
+        <mc:Choice Requires="a14">
           <p:sp>
             <p:nvSpPr>
               <p:cNvPr id="10" name="TextBox 9">
@@ -8262,7 +8475,7 @@
                     <m:sSup>
                       <m:sSupPr>
                         <m:ctrlPr>
-                          <a:rPr lang="en-US" b="0" i="0" smtClean="0">
+                          <a:rPr lang="en-US" b="0" i="1" smtClean="0">
                             <a:latin typeface="Cambria Math" panose="02040503050406030204" pitchFamily="18" charset="0"/>
                           </a:rPr>
                         </m:ctrlPr>
@@ -8310,7 +8523,7 @@
                     <m:sSup>
                       <m:sSupPr>
                         <m:ctrlPr>
-                          <a:rPr lang="en-US" b="0" i="0" smtClean="0">
+                          <a:rPr lang="en-US" b="0" i="1" smtClean="0">
                             <a:latin typeface="Cambria Math" panose="02040503050406030204" pitchFamily="18" charset="0"/>
                           </a:rPr>
                         </m:ctrlPr>
@@ -8387,7 +8600,7 @@
             </p:txBody>
           </p:sp>
         </mc:Choice>
-        <mc:Fallback>
+        <mc:Fallback xmlns="">
           <p:sp>
             <p:nvSpPr>
               <p:cNvPr id="10" name="TextBox 9">
@@ -8726,8 +8939,8 @@
           </a:p>
         </p:txBody>
       </p:sp>
-      <mc:AlternateContent xmlns:mc="http://schemas.openxmlformats.org/markup-compatibility/2006">
-        <mc:Choice xmlns:a14="http://schemas.microsoft.com/office/drawing/2010/main" Requires="a14">
+      <mc:AlternateContent xmlns:mc="http://schemas.openxmlformats.org/markup-compatibility/2006" xmlns:a14="http://schemas.microsoft.com/office/drawing/2010/main">
+        <mc:Choice Requires="a14">
           <p:sp>
             <p:nvSpPr>
               <p:cNvPr id="15" name="TextBox 14">
@@ -8756,6 +8969,7 @@
               </a:bodyPr>
               <a:lstStyle/>
               <a:p>
+                <a:pPr/>
                 <a14:m>
                   <m:oMathPara xmlns:m="http://schemas.openxmlformats.org/officeDocument/2006/math">
                     <m:oMathParaPr>
@@ -8797,7 +9011,7 @@
             </p:txBody>
           </p:sp>
         </mc:Choice>
-        <mc:Fallback>
+        <mc:Fallback xmlns="">
           <p:sp>
             <p:nvSpPr>
               <p:cNvPr id="15" name="TextBox 14">
@@ -8842,8 +9056,8 @@
           </p:sp>
         </mc:Fallback>
       </mc:AlternateContent>
-      <mc:AlternateContent xmlns:mc="http://schemas.openxmlformats.org/markup-compatibility/2006">
-        <mc:Choice xmlns:a14="http://schemas.microsoft.com/office/drawing/2010/main" Requires="a14">
+      <mc:AlternateContent xmlns:mc="http://schemas.openxmlformats.org/markup-compatibility/2006" xmlns:a14="http://schemas.microsoft.com/office/drawing/2010/main">
+        <mc:Choice Requires="a14">
           <p:sp>
             <p:nvSpPr>
               <p:cNvPr id="18" name="TextBox 17">
@@ -8872,6 +9086,7 @@
               </a:bodyPr>
               <a:lstStyle/>
               <a:p>
+                <a:pPr/>
                 <a14:m>
                   <m:oMathPara xmlns:m="http://schemas.openxmlformats.org/officeDocument/2006/math">
                     <m:oMathParaPr>
@@ -8913,7 +9128,7 @@
             </p:txBody>
           </p:sp>
         </mc:Choice>
-        <mc:Fallback>
+        <mc:Fallback xmlns="">
           <p:sp>
             <p:nvSpPr>
               <p:cNvPr id="18" name="TextBox 17">
@@ -8958,8 +9173,8 @@
           </p:sp>
         </mc:Fallback>
       </mc:AlternateContent>
-      <mc:AlternateContent xmlns:mc="http://schemas.openxmlformats.org/markup-compatibility/2006">
-        <mc:Choice xmlns:a14="http://schemas.microsoft.com/office/drawing/2010/main" Requires="a14">
+      <mc:AlternateContent xmlns:mc="http://schemas.openxmlformats.org/markup-compatibility/2006" xmlns:a14="http://schemas.microsoft.com/office/drawing/2010/main">
+        <mc:Choice Requires="a14">
           <p:sp>
             <p:nvSpPr>
               <p:cNvPr id="19" name="TextBox 18">
@@ -8988,6 +9203,7 @@
               </a:bodyPr>
               <a:lstStyle/>
               <a:p>
+                <a:pPr/>
                 <a14:m>
                   <m:oMathPara xmlns:m="http://schemas.openxmlformats.org/officeDocument/2006/math">
                     <m:oMathParaPr>
@@ -9029,7 +9245,7 @@
             </p:txBody>
           </p:sp>
         </mc:Choice>
-        <mc:Fallback>
+        <mc:Fallback xmlns="">
           <p:sp>
             <p:nvSpPr>
               <p:cNvPr id="19" name="TextBox 18">

--- a/SYSG3_paper.pptx
+++ b/SYSG3_paper.pptx
@@ -5,15 +5,16 @@
     <p:sldMasterId id="2147483648" r:id="rId1"/>
   </p:sldMasterIdLst>
   <p:notesMasterIdLst>
-    <p:notesMasterId r:id="rId8"/>
+    <p:notesMasterId r:id="rId9"/>
   </p:notesMasterIdLst>
   <p:sldIdLst>
     <p:sldId id="377" r:id="rId2"/>
     <p:sldId id="376" r:id="rId3"/>
     <p:sldId id="371" r:id="rId4"/>
-    <p:sldId id="372" r:id="rId5"/>
-    <p:sldId id="370" r:id="rId6"/>
-    <p:sldId id="373" r:id="rId7"/>
+    <p:sldId id="378" r:id="rId5"/>
+    <p:sldId id="372" r:id="rId6"/>
+    <p:sldId id="379" r:id="rId7"/>
+    <p:sldId id="370" r:id="rId8"/>
   </p:sldIdLst>
   <p:sldSz cx="12192000" cy="6858000"/>
   <p:notesSz cx="6858000" cy="9144000"/>
@@ -534,7 +535,7 @@
           <a:p>
             <a:fld id="{62E8446E-0259-4758-8A78-089F4A06870A}" type="slidenum">
               <a:rPr lang="en-US" smtClean="0"/>
-              <a:t>5</a:t>
+              <a:t>7</a:t>
             </a:fld>
             <a:endParaRPr lang="en-US"/>
           </a:p>
@@ -4839,7 +4840,7 @@
         </p:nvSpPr>
         <p:spPr>
           <a:xfrm>
-            <a:off x="-387885" y="3549888"/>
+            <a:off x="906727" y="2635488"/>
             <a:ext cx="2765121" cy="369332"/>
           </a:xfrm>
           <a:prstGeom prst="rect">
@@ -4887,7 +4888,7 @@
         </p:blipFill>
         <p:spPr>
           <a:xfrm>
-            <a:off x="3346788" y="2332228"/>
+            <a:off x="4641400" y="1417828"/>
             <a:ext cx="1652825" cy="1397433"/>
           </a:xfrm>
           <a:prstGeom prst="rect">
@@ -4918,8 +4919,8 @@
         </p:blipFill>
         <p:spPr>
           <a:xfrm>
-            <a:off x="5076256" y="2274991"/>
-            <a:ext cx="1615815" cy="1076466"/>
+            <a:off x="6413608" y="1479497"/>
+            <a:ext cx="1700337" cy="1132775"/>
           </a:xfrm>
           <a:prstGeom prst="rect">
             <a:avLst/>
@@ -4955,7 +4956,7 @@
         </p:blipFill>
         <p:spPr bwMode="auto">
           <a:xfrm>
-            <a:off x="5108175" y="3244099"/>
+            <a:off x="6420749" y="2728416"/>
             <a:ext cx="1736820" cy="716625"/>
           </a:xfrm>
           <a:prstGeom prst="rect">
@@ -5002,8 +5003,8 @@
         </p:blipFill>
         <p:spPr bwMode="auto">
           <a:xfrm>
-            <a:off x="6726472" y="2224673"/>
-            <a:ext cx="1980532" cy="1069745"/>
+            <a:off x="8036563" y="1479497"/>
+            <a:ext cx="2084131" cy="1125702"/>
           </a:xfrm>
           <a:prstGeom prst="rect">
             <a:avLst/>
@@ -5042,7 +5043,7 @@
         </p:blipFill>
         <p:spPr>
           <a:xfrm>
-            <a:off x="1925851" y="2280390"/>
+            <a:off x="3220463" y="1365990"/>
             <a:ext cx="1559147" cy="1380012"/>
           </a:xfrm>
           <a:prstGeom prst="rect">
@@ -5072,7 +5073,7 @@
         </p:blipFill>
         <p:spPr>
           <a:xfrm>
-            <a:off x="66011" y="2345244"/>
+            <a:off x="1360623" y="1430844"/>
             <a:ext cx="1795006" cy="1233174"/>
           </a:xfrm>
           <a:prstGeom prst="rect">
@@ -5080,55 +5081,8 @@
           </a:prstGeom>
         </p:spPr>
       </p:pic>
-      <p:pic>
-        <p:nvPicPr>
-          <p:cNvPr id="3074" name="Picture 2">
-            <a:extLst>
-              <a:ext uri="{FF2B5EF4-FFF2-40B4-BE49-F238E27FC236}">
-                <a16:creationId xmlns:a16="http://schemas.microsoft.com/office/drawing/2014/main" id="{DED97127-0B2B-3E88-0DAE-E59EE09212E6}"/>
-              </a:ext>
-            </a:extLst>
-          </p:cNvPr>
-          <p:cNvPicPr>
-            <a:picLocks noChangeAspect="1" noChangeArrowheads="1"/>
-          </p:cNvPicPr>
-          <p:nvPr/>
-        </p:nvPicPr>
-        <p:blipFill>
-          <a:blip r:embed="rId8">
-            <a:extLst>
-              <a:ext uri="{28A0092B-C50C-407E-A947-70E740481C1C}">
-                <a14:useLocalDpi xmlns:a14="http://schemas.microsoft.com/office/drawing/2010/main" val="0"/>
-              </a:ext>
-            </a:extLst>
-          </a:blip>
-          <a:srcRect/>
-          <a:stretch>
-            <a:fillRect/>
-          </a:stretch>
-        </p:blipFill>
-        <p:spPr bwMode="auto">
-          <a:xfrm>
-            <a:off x="8580425" y="1919907"/>
-            <a:ext cx="3611575" cy="2256638"/>
-          </a:xfrm>
-          <a:prstGeom prst="rect">
-            <a:avLst/>
-          </a:prstGeom>
-          <a:noFill/>
-          <a:extLst>
-            <a:ext uri="{909E8E84-426E-40DD-AFC4-6F175D3DCCD1}">
-              <a14:hiddenFill xmlns:a14="http://schemas.microsoft.com/office/drawing/2010/main">
-                <a:solidFill>
-                  <a:srgbClr val="FFFFFF"/>
-                </a:solidFill>
-              </a14:hiddenFill>
-            </a:ext>
-          </a:extLst>
-        </p:spPr>
-      </p:pic>
-      <mc:AlternateContent xmlns:mc="http://schemas.openxmlformats.org/markup-compatibility/2006" xmlns:a14="http://schemas.microsoft.com/office/drawing/2010/main">
-        <mc:Choice Requires="a14">
+      <mc:AlternateContent xmlns:mc="http://schemas.openxmlformats.org/markup-compatibility/2006">
+        <mc:Choice xmlns:a14="http://schemas.microsoft.com/office/drawing/2010/main" Requires="a14">
           <p:sp>
             <p:nvSpPr>
               <p:cNvPr id="8" name="TextBox 7">
@@ -5143,7 +5097,7 @@
             </p:nvSpPr>
             <p:spPr>
               <a:xfrm>
-                <a:off x="66011" y="1888497"/>
+                <a:off x="1360623" y="974097"/>
                 <a:ext cx="1681433" cy="338554"/>
               </a:xfrm>
               <a:prstGeom prst="rect">
@@ -5199,7 +5153,7 @@
             </p:txBody>
           </p:sp>
         </mc:Choice>
-        <mc:Fallback xmlns="">
+        <mc:Fallback>
           <p:sp>
             <p:nvSpPr>
               <p:cNvPr id="8" name="TextBox 7">
@@ -5216,14 +5170,14 @@
             </p:nvSpPr>
             <p:spPr>
               <a:xfrm>
-                <a:off x="66011" y="1888497"/>
+                <a:off x="1360623" y="974097"/>
                 <a:ext cx="1681433" cy="338554"/>
               </a:xfrm>
               <a:prstGeom prst="rect">
                 <a:avLst/>
               </a:prstGeom>
               <a:blipFill>
-                <a:blip r:embed="rId9"/>
+                <a:blip r:embed="rId8"/>
                 <a:stretch>
                   <a:fillRect/>
                 </a:stretch>
@@ -5244,8 +5198,8 @@
           </p:sp>
         </mc:Fallback>
       </mc:AlternateContent>
-      <mc:AlternateContent xmlns:mc="http://schemas.openxmlformats.org/markup-compatibility/2006" xmlns:a14="http://schemas.microsoft.com/office/drawing/2010/main">
-        <mc:Choice Requires="a14">
+      <mc:AlternateContent xmlns:mc="http://schemas.openxmlformats.org/markup-compatibility/2006">
+        <mc:Choice xmlns:a14="http://schemas.microsoft.com/office/drawing/2010/main" Requires="a14">
           <p:sp>
             <p:nvSpPr>
               <p:cNvPr id="9" name="TextBox 8">
@@ -5260,7 +5214,7 @@
             </p:nvSpPr>
             <p:spPr>
               <a:xfrm>
-                <a:off x="1852191" y="1894312"/>
+                <a:off x="3146803" y="979912"/>
                 <a:ext cx="1681433" cy="338554"/>
               </a:xfrm>
               <a:prstGeom prst="rect">
@@ -5316,7 +5270,7 @@
             </p:txBody>
           </p:sp>
         </mc:Choice>
-        <mc:Fallback xmlns="">
+        <mc:Fallback>
           <p:sp>
             <p:nvSpPr>
               <p:cNvPr id="9" name="TextBox 8">
@@ -5333,14 +5287,14 @@
             </p:nvSpPr>
             <p:spPr>
               <a:xfrm>
-                <a:off x="1852191" y="1894312"/>
+                <a:off x="3146803" y="979912"/>
                 <a:ext cx="1681433" cy="338554"/>
               </a:xfrm>
               <a:prstGeom prst="rect">
                 <a:avLst/>
               </a:prstGeom>
               <a:blipFill>
-                <a:blip r:embed="rId10"/>
+                <a:blip r:embed="rId9"/>
                 <a:stretch>
                   <a:fillRect/>
                 </a:stretch>
@@ -5361,8 +5315,8 @@
           </p:sp>
         </mc:Fallback>
       </mc:AlternateContent>
-      <mc:AlternateContent xmlns:mc="http://schemas.openxmlformats.org/markup-compatibility/2006" xmlns:a14="http://schemas.microsoft.com/office/drawing/2010/main">
-        <mc:Choice Requires="a14">
+      <mc:AlternateContent xmlns:mc="http://schemas.openxmlformats.org/markup-compatibility/2006">
+        <mc:Choice xmlns:a14="http://schemas.microsoft.com/office/drawing/2010/main" Requires="a14">
           <p:sp>
             <p:nvSpPr>
               <p:cNvPr id="11" name="TextBox 10">
@@ -5377,7 +5331,7 @@
             </p:nvSpPr>
             <p:spPr>
               <a:xfrm>
-                <a:off x="3533624" y="1888497"/>
+                <a:off x="4828236" y="974097"/>
                 <a:ext cx="1681433" cy="338554"/>
               </a:xfrm>
               <a:prstGeom prst="rect">
@@ -5433,7 +5387,7 @@
             </p:txBody>
           </p:sp>
         </mc:Choice>
-        <mc:Fallback xmlns="">
+        <mc:Fallback>
           <p:sp>
             <p:nvSpPr>
               <p:cNvPr id="11" name="TextBox 10">
@@ -5450,14 +5404,14 @@
             </p:nvSpPr>
             <p:spPr>
               <a:xfrm>
-                <a:off x="3533624" y="1888497"/>
+                <a:off x="4828236" y="974097"/>
                 <a:ext cx="1681433" cy="338554"/>
               </a:xfrm>
               <a:prstGeom prst="rect">
                 <a:avLst/>
               </a:prstGeom>
               <a:blipFill>
-                <a:blip r:embed="rId11"/>
+                <a:blip r:embed="rId10"/>
                 <a:stretch>
                   <a:fillRect/>
                 </a:stretch>
@@ -5478,8 +5432,8 @@
           </p:sp>
         </mc:Fallback>
       </mc:AlternateContent>
-      <mc:AlternateContent xmlns:mc="http://schemas.openxmlformats.org/markup-compatibility/2006" xmlns:a14="http://schemas.microsoft.com/office/drawing/2010/main">
-        <mc:Choice Requires="a14">
+      <mc:AlternateContent xmlns:mc="http://schemas.openxmlformats.org/markup-compatibility/2006">
+        <mc:Choice xmlns:a14="http://schemas.microsoft.com/office/drawing/2010/main" Requires="a14">
           <p:sp>
             <p:nvSpPr>
               <p:cNvPr id="13" name="TextBox 12">
@@ -5494,7 +5448,7 @@
             </p:nvSpPr>
             <p:spPr>
               <a:xfrm>
-                <a:off x="5191670" y="1883625"/>
+                <a:off x="6486282" y="969225"/>
                 <a:ext cx="1681433" cy="338554"/>
               </a:xfrm>
               <a:prstGeom prst="rect">
@@ -5550,7 +5504,7 @@
             </p:txBody>
           </p:sp>
         </mc:Choice>
-        <mc:Fallback xmlns="">
+        <mc:Fallback>
           <p:sp>
             <p:nvSpPr>
               <p:cNvPr id="13" name="TextBox 12">
@@ -5567,14 +5521,14 @@
             </p:nvSpPr>
             <p:spPr>
               <a:xfrm>
-                <a:off x="5191670" y="1883625"/>
+                <a:off x="6486282" y="969225"/>
                 <a:ext cx="1681433" cy="338554"/>
               </a:xfrm>
               <a:prstGeom prst="rect">
                 <a:avLst/>
               </a:prstGeom>
               <a:blipFill>
-                <a:blip r:embed="rId12"/>
+                <a:blip r:embed="rId11"/>
                 <a:stretch>
                   <a:fillRect/>
                 </a:stretch>
@@ -5595,8 +5549,8 @@
           </p:sp>
         </mc:Fallback>
       </mc:AlternateContent>
-      <mc:AlternateContent xmlns:mc="http://schemas.openxmlformats.org/markup-compatibility/2006" xmlns:a14="http://schemas.microsoft.com/office/drawing/2010/main">
-        <mc:Choice Requires="a14">
+      <mc:AlternateContent xmlns:mc="http://schemas.openxmlformats.org/markup-compatibility/2006">
+        <mc:Choice xmlns:a14="http://schemas.microsoft.com/office/drawing/2010/main" Requires="a14">
           <p:sp>
             <p:nvSpPr>
               <p:cNvPr id="15" name="TextBox 14">
@@ -5611,7 +5565,7 @@
             </p:nvSpPr>
             <p:spPr>
               <a:xfrm>
-                <a:off x="6789045" y="1878753"/>
+                <a:off x="8083657" y="964353"/>
                 <a:ext cx="1681433" cy="338554"/>
               </a:xfrm>
               <a:prstGeom prst="rect">
@@ -5667,7 +5621,7 @@
             </p:txBody>
           </p:sp>
         </mc:Choice>
-        <mc:Fallback xmlns="">
+        <mc:Fallback>
           <p:sp>
             <p:nvSpPr>
               <p:cNvPr id="15" name="TextBox 14">
@@ -5684,14 +5638,14 @@
             </p:nvSpPr>
             <p:spPr>
               <a:xfrm>
-                <a:off x="6789045" y="1878753"/>
+                <a:off x="8083657" y="964353"/>
                 <a:ext cx="1681433" cy="338554"/>
               </a:xfrm>
               <a:prstGeom prst="rect">
                 <a:avLst/>
               </a:prstGeom>
               <a:blipFill>
-                <a:blip r:embed="rId13"/>
+                <a:blip r:embed="rId12"/>
                 <a:stretch>
                   <a:fillRect/>
                 </a:stretch>
@@ -5726,7 +5680,7 @@
         </p:nvSpPr>
         <p:spPr>
           <a:xfrm>
-            <a:off x="-69735" y="1369715"/>
+            <a:off x="1224877" y="455315"/>
             <a:ext cx="506119" cy="369332"/>
           </a:xfrm>
           <a:prstGeom prst="rect">
@@ -5761,7 +5715,7 @@
         </p:nvSpPr>
         <p:spPr>
           <a:xfrm>
-            <a:off x="1641060" y="1373590"/>
+            <a:off x="2935672" y="459190"/>
             <a:ext cx="506119" cy="369332"/>
           </a:xfrm>
           <a:prstGeom prst="rect">
@@ -5796,7 +5750,7 @@
         </p:nvSpPr>
         <p:spPr>
           <a:xfrm>
-            <a:off x="3430928" y="1369715"/>
+            <a:off x="4725540" y="455315"/>
             <a:ext cx="506119" cy="369332"/>
           </a:xfrm>
           <a:prstGeom prst="rect">
@@ -5831,7 +5785,7 @@
         </p:nvSpPr>
         <p:spPr>
           <a:xfrm>
-            <a:off x="5137162" y="1369715"/>
+            <a:off x="6431774" y="455315"/>
             <a:ext cx="506119" cy="369332"/>
           </a:xfrm>
           <a:prstGeom prst="rect">
@@ -5866,7 +5820,7 @@
         </p:nvSpPr>
         <p:spPr>
           <a:xfrm>
-            <a:off x="6620043" y="1371046"/>
+            <a:off x="7914655" y="456646"/>
             <a:ext cx="506119" cy="369332"/>
           </a:xfrm>
           <a:prstGeom prst="rect">
@@ -5883,41 +5837,6 @@
             <a:r>
               <a:rPr lang="en-US" dirty="0"/>
               <a:t>(e)</a:t>
-            </a:r>
-          </a:p>
-        </p:txBody>
-      </p:sp>
-      <p:sp>
-        <p:nvSpPr>
-          <p:cNvPr id="26" name="TextBox 25">
-            <a:extLst>
-              <a:ext uri="{FF2B5EF4-FFF2-40B4-BE49-F238E27FC236}">
-                <a16:creationId xmlns:a16="http://schemas.microsoft.com/office/drawing/2014/main" id="{95698D8A-8C6C-7103-874F-C3E225A118E7}"/>
-              </a:ext>
-            </a:extLst>
-          </p:cNvPr>
-          <p:cNvSpPr txBox="1"/>
-          <p:nvPr/>
-        </p:nvSpPr>
-        <p:spPr>
-          <a:xfrm>
-            <a:off x="8326277" y="1371046"/>
-            <a:ext cx="506119" cy="369332"/>
-          </a:xfrm>
-          <a:prstGeom prst="rect">
-            <a:avLst/>
-          </a:prstGeom>
-          <a:noFill/>
-        </p:spPr>
-        <p:txBody>
-          <a:bodyPr wrap="square" rtlCol="0">
-            <a:spAutoFit/>
-          </a:bodyPr>
-          <a:lstStyle/>
-          <a:p>
-            <a:r>
-              <a:rPr lang="en-US" dirty="0"/>
-              <a:t>(f)</a:t>
             </a:r>
           </a:p>
         </p:txBody>
@@ -5939,7 +5858,7 @@
             <p:spPr>
               <a:xfrm>
                 <a:off x="906727" y="4249168"/>
-                <a:ext cx="10137791" cy="1775743"/>
+                <a:ext cx="10137791" cy="1498744"/>
               </a:xfrm>
               <a:prstGeom prst="rect">
                 <a:avLst/>
@@ -6447,32 +6366,7 @@
                     </m:r>
                   </m:oMath>
                 </a14:m>
-                <a:r>
-                  <a:rPr lang="en-US" dirty="0"/>
-                  <a:t>(f) Excess free energy with respect to the raised-stripe morphology and varying grafting densities </a:t>
-                </a:r>
-                <a14:m>
-                  <m:oMath xmlns:m="http://schemas.openxmlformats.org/officeDocument/2006/math">
-                    <m:r>
-                      <a:rPr lang="en-US" b="0" i="1" smtClean="0">
-                        <a:latin typeface="Cambria Math" panose="02040503050406030204" pitchFamily="18" charset="0"/>
-                      </a:rPr>
-                      <m:t>𝜎</m:t>
-                    </m:r>
-                  </m:oMath>
-                </a14:m>
-                <a:r>
-                  <a:rPr lang="en-US" dirty="0"/>
-                  <a:t>. Dotted lines indicate regimes (</a:t>
-                </a:r>
-                <a:r>
-                  <a:rPr lang="en-US" b="1" dirty="0"/>
-                  <a:t>unfinished</a:t>
-                </a:r>
-                <a:r>
-                  <a:rPr lang="en-US" dirty="0"/>
-                  <a:t>).</a:t>
-                </a:r>
+                <a:endParaRPr lang="en-US" dirty="0"/>
               </a:p>
             </p:txBody>
           </p:sp>
@@ -6495,15 +6389,15 @@
             <p:spPr>
               <a:xfrm>
                 <a:off x="906727" y="4249168"/>
-                <a:ext cx="10137791" cy="1775743"/>
+                <a:ext cx="10137791" cy="1498744"/>
               </a:xfrm>
               <a:prstGeom prst="rect">
                 <a:avLst/>
               </a:prstGeom>
               <a:blipFill>
-                <a:blip r:embed="rId14"/>
+                <a:blip r:embed="rId13"/>
                 <a:stretch>
-                  <a:fillRect l="-541" t="-1375" r="-661" b="-4811"/>
+                  <a:fillRect l="-541" t="-1626" r="-661" b="-1220"/>
                 </a:stretch>
               </a:blipFill>
             </p:spPr>
@@ -6536,7 +6430,7 @@
         </p:nvSpPr>
         <p:spPr>
           <a:xfrm>
-            <a:off x="7330727" y="3409381"/>
+            <a:off x="8625339" y="2494981"/>
             <a:ext cx="925767" cy="369332"/>
           </a:xfrm>
           <a:prstGeom prst="rect">
@@ -6589,6 +6483,180 @@
 </file>
 
 <file path=ppt/slides/slide4.xml><?xml version="1.0" encoding="utf-8"?>
+<p:sld xmlns:a="http://schemas.openxmlformats.org/drawingml/2006/main" xmlns:r="http://schemas.openxmlformats.org/officeDocument/2006/relationships" xmlns:p="http://schemas.openxmlformats.org/presentationml/2006/main">
+  <p:cSld>
+    <p:spTree>
+      <p:nvGrpSpPr>
+        <p:cNvPr id="1" name=""/>
+        <p:cNvGrpSpPr/>
+        <p:nvPr/>
+      </p:nvGrpSpPr>
+      <p:grpSpPr>
+        <a:xfrm>
+          <a:off x="0" y="0"/>
+          <a:ext cx="0" cy="0"/>
+          <a:chOff x="0" y="0"/>
+          <a:chExt cx="0" cy="0"/>
+        </a:xfrm>
+      </p:grpSpPr>
+      <p:pic>
+        <p:nvPicPr>
+          <p:cNvPr id="3074" name="Picture 2">
+            <a:extLst>
+              <a:ext uri="{FF2B5EF4-FFF2-40B4-BE49-F238E27FC236}">
+                <a16:creationId xmlns:a16="http://schemas.microsoft.com/office/drawing/2014/main" id="{DED97127-0B2B-3E88-0DAE-E59EE09212E6}"/>
+              </a:ext>
+            </a:extLst>
+          </p:cNvPr>
+          <p:cNvPicPr>
+            <a:picLocks noChangeAspect="1" noChangeArrowheads="1"/>
+          </p:cNvPicPr>
+          <p:nvPr/>
+        </p:nvPicPr>
+        <p:blipFill>
+          <a:blip r:embed="rId2">
+            <a:extLst>
+              <a:ext uri="{28A0092B-C50C-407E-A947-70E740481C1C}">
+                <a14:useLocalDpi xmlns:a14="http://schemas.microsoft.com/office/drawing/2010/main" val="0"/>
+              </a:ext>
+            </a:extLst>
+          </a:blip>
+          <a:srcRect/>
+          <a:stretch>
+            <a:fillRect/>
+          </a:stretch>
+        </p:blipFill>
+        <p:spPr bwMode="auto">
+          <a:xfrm>
+            <a:off x="3908613" y="1174377"/>
+            <a:ext cx="4719742" cy="2949060"/>
+          </a:xfrm>
+          <a:prstGeom prst="rect">
+            <a:avLst/>
+          </a:prstGeom>
+          <a:noFill/>
+          <a:extLst>
+            <a:ext uri="{909E8E84-426E-40DD-AFC4-6F175D3DCCD1}">
+              <a14:hiddenFill xmlns:a14="http://schemas.microsoft.com/office/drawing/2010/main">
+                <a:solidFill>
+                  <a:srgbClr val="FFFFFF"/>
+                </a:solidFill>
+              </a14:hiddenFill>
+            </a:ext>
+          </a:extLst>
+        </p:spPr>
+      </p:pic>
+      <mc:AlternateContent xmlns:mc="http://schemas.openxmlformats.org/markup-compatibility/2006">
+        <mc:Choice xmlns:a14="http://schemas.microsoft.com/office/drawing/2010/main" Requires="a14">
+          <p:sp>
+            <p:nvSpPr>
+              <p:cNvPr id="3" name="TextBox 2">
+                <a:extLst>
+                  <a:ext uri="{FF2B5EF4-FFF2-40B4-BE49-F238E27FC236}">
+                    <a16:creationId xmlns:a16="http://schemas.microsoft.com/office/drawing/2014/main" id="{2C7630F2-F0E0-2F4C-0000-FD0381C29FCF}"/>
+                  </a:ext>
+                </a:extLst>
+              </p:cNvPr>
+              <p:cNvSpPr txBox="1"/>
+              <p:nvPr/>
+            </p:nvSpPr>
+            <p:spPr>
+              <a:xfrm>
+                <a:off x="3227295" y="4455477"/>
+                <a:ext cx="6096000" cy="923330"/>
+              </a:xfrm>
+              <a:prstGeom prst="rect">
+                <a:avLst/>
+              </a:prstGeom>
+              <a:noFill/>
+            </p:spPr>
+            <p:txBody>
+              <a:bodyPr wrap="square">
+                <a:spAutoFit/>
+              </a:bodyPr>
+              <a:lstStyle/>
+              <a:p>
+                <a:r>
+                  <a:rPr lang="en-US" dirty="0"/>
+                  <a:t>Fig. 4: Excess free energy with respect to the raised-stripe morphology and varying grafting densities </a:t>
+                </a:r>
+                <a14:m>
+                  <m:oMath xmlns:m="http://schemas.openxmlformats.org/officeDocument/2006/math">
+                    <m:r>
+                      <a:rPr lang="en-US" b="0" i="1" smtClean="0">
+                        <a:latin typeface="Cambria Math" panose="02040503050406030204" pitchFamily="18" charset="0"/>
+                      </a:rPr>
+                      <m:t>𝜎</m:t>
+                    </m:r>
+                  </m:oMath>
+                </a14:m>
+                <a:r>
+                  <a:rPr lang="en-US" dirty="0"/>
+                  <a:t>. Dotted lines indicate regimes.</a:t>
+                </a:r>
+              </a:p>
+            </p:txBody>
+          </p:sp>
+        </mc:Choice>
+        <mc:Fallback>
+          <p:sp>
+            <p:nvSpPr>
+              <p:cNvPr id="3" name="TextBox 2">
+                <a:extLst>
+                  <a:ext uri="{FF2B5EF4-FFF2-40B4-BE49-F238E27FC236}">
+                    <a16:creationId xmlns:a16="http://schemas.microsoft.com/office/drawing/2014/main" id="{2C7630F2-F0E0-2F4C-0000-FD0381C29FCF}"/>
+                  </a:ext>
+                </a:extLst>
+              </p:cNvPr>
+              <p:cNvSpPr txBox="1">
+                <a:spLocks noRot="1" noChangeAspect="1" noMove="1" noResize="1" noEditPoints="1" noAdjustHandles="1" noChangeArrowheads="1" noChangeShapeType="1" noTextEdit="1"/>
+              </p:cNvSpPr>
+              <p:nvPr/>
+            </p:nvSpPr>
+            <p:spPr>
+              <a:xfrm>
+                <a:off x="3227295" y="4455477"/>
+                <a:ext cx="6096000" cy="923330"/>
+              </a:xfrm>
+              <a:prstGeom prst="rect">
+                <a:avLst/>
+              </a:prstGeom>
+              <a:blipFill>
+                <a:blip r:embed="rId3"/>
+                <a:stretch>
+                  <a:fillRect l="-800" t="-3311" b="-10596"/>
+                </a:stretch>
+              </a:blipFill>
+            </p:spPr>
+            <p:txBody>
+              <a:bodyPr/>
+              <a:lstStyle/>
+              <a:p>
+                <a:r>
+                  <a:rPr lang="en-US">
+                    <a:noFill/>
+                  </a:rPr>
+                  <a:t> </a:t>
+                </a:r>
+              </a:p>
+            </p:txBody>
+          </p:sp>
+        </mc:Fallback>
+      </mc:AlternateContent>
+    </p:spTree>
+    <p:extLst>
+      <p:ext uri="{BB962C8B-B14F-4D97-AF65-F5344CB8AC3E}">
+        <p14:creationId xmlns:p14="http://schemas.microsoft.com/office/powerpoint/2010/main" val="3829878397"/>
+      </p:ext>
+    </p:extLst>
+  </p:cSld>
+  <p:clrMapOvr>
+    <a:masterClrMapping/>
+  </p:clrMapOvr>
+</p:sld>
+</file>
+
+<file path=ppt/slides/slide5.xml><?xml version="1.0" encoding="utf-8"?>
 <p:sld xmlns:a="http://schemas.openxmlformats.org/drawingml/2006/main" xmlns:r="http://schemas.openxmlformats.org/officeDocument/2006/relationships" xmlns:p="http://schemas.openxmlformats.org/presentationml/2006/main">
   <p:cSld>
     <p:spTree>
@@ -6690,53 +6758,6 @@
       </p:pic>
       <p:pic>
         <p:nvPicPr>
-          <p:cNvPr id="1028" name="Picture 4">
-            <a:extLst>
-              <a:ext uri="{FF2B5EF4-FFF2-40B4-BE49-F238E27FC236}">
-                <a16:creationId xmlns:a16="http://schemas.microsoft.com/office/drawing/2014/main" id="{E633A2BA-BE95-258C-4742-3BBD229A300B}"/>
-              </a:ext>
-            </a:extLst>
-          </p:cNvPr>
-          <p:cNvPicPr>
-            <a:picLocks noChangeAspect="1" noChangeArrowheads="1"/>
-          </p:cNvPicPr>
-          <p:nvPr/>
-        </p:nvPicPr>
-        <p:blipFill>
-          <a:blip r:embed="rId4">
-            <a:extLst>
-              <a:ext uri="{28A0092B-C50C-407E-A947-70E740481C1C}">
-                <a14:useLocalDpi xmlns:a14="http://schemas.microsoft.com/office/drawing/2010/main" val="0"/>
-              </a:ext>
-            </a:extLst>
-          </a:blip>
-          <a:srcRect/>
-          <a:stretch>
-            <a:fillRect/>
-          </a:stretch>
-        </p:blipFill>
-        <p:spPr bwMode="auto">
-          <a:xfrm>
-            <a:off x="8358184" y="838616"/>
-            <a:ext cx="3797971" cy="2326995"/>
-          </a:xfrm>
-          <a:prstGeom prst="rect">
-            <a:avLst/>
-          </a:prstGeom>
-          <a:noFill/>
-          <a:extLst>
-            <a:ext uri="{909E8E84-426E-40DD-AFC4-6F175D3DCCD1}">
-              <a14:hiddenFill xmlns:a14="http://schemas.microsoft.com/office/drawing/2010/main">
-                <a:solidFill>
-                  <a:srgbClr val="FFFFFF"/>
-                </a:solidFill>
-              </a14:hiddenFill>
-            </a:ext>
-          </a:extLst>
-        </p:spPr>
-      </p:pic>
-      <p:pic>
-        <p:nvPicPr>
           <p:cNvPr id="2" name="Picture 1">
             <a:extLst>
               <a:ext uri="{FF2B5EF4-FFF2-40B4-BE49-F238E27FC236}">
@@ -6750,7 +6771,7 @@
           <p:nvPr/>
         </p:nvPicPr>
         <p:blipFill>
-          <a:blip r:embed="rId5"/>
+          <a:blip r:embed="rId4"/>
           <a:stretch>
             <a:fillRect/>
           </a:stretch>
@@ -6780,7 +6801,7 @@
           <p:nvPr/>
         </p:nvPicPr>
         <p:blipFill>
-          <a:blip r:embed="rId6"/>
+          <a:blip r:embed="rId5"/>
           <a:stretch>
             <a:fillRect/>
           </a:stretch>
@@ -6812,7 +6833,7 @@
             <p:spPr>
               <a:xfrm>
                 <a:off x="765774" y="4713782"/>
-                <a:ext cx="9626249" cy="2052741"/>
+                <a:ext cx="9626249" cy="1498744"/>
               </a:xfrm>
               <a:prstGeom prst="rect">
                 <a:avLst/>
@@ -6827,7 +6848,7 @@
               <a:p>
                 <a:r>
                   <a:rPr lang="en-US" dirty="0"/>
-                  <a:t>Fig. 4: Evolution of PE brush morphologies with high PE backbone charge fraction (</a:t>
+                  <a:t>Fig. 5: Evolution of PE brush morphologies with high PE backbone charge fraction (</a:t>
                 </a:r>
                 <a14:m>
                   <m:oMath xmlns:m="http://schemas.openxmlformats.org/officeDocument/2006/math">
@@ -7272,29 +7293,7 @@
                 </a14:m>
                 <a:r>
                   <a:rPr lang="en-US" dirty="0"/>
-                  <a:t> (f) excess free energy with respect to the raised-stripe morphology and varying grafting densities </a:t>
-                </a:r>
-                <a14:m>
-                  <m:oMath xmlns:m="http://schemas.openxmlformats.org/officeDocument/2006/math">
-                    <m:r>
-                      <a:rPr lang="en-US" b="0" i="1" smtClean="0">
-                        <a:latin typeface="Cambria Math" panose="02040503050406030204" pitchFamily="18" charset="0"/>
-                      </a:rPr>
-                      <m:t>𝜎</m:t>
-                    </m:r>
-                  </m:oMath>
-                </a14:m>
-                <a:r>
-                  <a:rPr lang="en-US" dirty="0"/>
-                  <a:t>. Dotted lines indicate metastable regimes (</a:t>
-                </a:r>
-                <a:r>
-                  <a:rPr lang="en-US" b="1" dirty="0"/>
-                  <a:t>unfinished</a:t>
-                </a:r>
-                <a:r>
-                  <a:rPr lang="en-US" dirty="0"/>
-                  <a:t>).</a:t>
+                  <a:t> </a:t>
                 </a:r>
               </a:p>
             </p:txBody>
@@ -7318,15 +7317,15 @@
             <p:spPr>
               <a:xfrm>
                 <a:off x="765774" y="4713782"/>
-                <a:ext cx="9626249" cy="2052741"/>
+                <a:ext cx="9626249" cy="1498744"/>
               </a:xfrm>
               <a:prstGeom prst="rect">
                 <a:avLst/>
               </a:prstGeom>
               <a:blipFill>
-                <a:blip r:embed="rId7"/>
+                <a:blip r:embed="rId6"/>
                 <a:stretch>
-                  <a:fillRect l="-570" t="-1187" b="-3858"/>
+                  <a:fillRect l="-570" t="-1626" b="-5691"/>
                 </a:stretch>
               </a:blipFill>
             </p:spPr>
@@ -7441,7 +7440,7 @@
                 <a:avLst/>
               </a:prstGeom>
               <a:blipFill>
-                <a:blip r:embed="rId8"/>
+                <a:blip r:embed="rId7"/>
                 <a:stretch>
                   <a:fillRect/>
                 </a:stretch>
@@ -7558,7 +7557,7 @@
                 <a:avLst/>
               </a:prstGeom>
               <a:blipFill>
-                <a:blip r:embed="rId9"/>
+                <a:blip r:embed="rId8"/>
                 <a:stretch>
                   <a:fillRect/>
                 </a:stretch>
@@ -7675,7 +7674,7 @@
                 <a:avLst/>
               </a:prstGeom>
               <a:blipFill>
-                <a:blip r:embed="rId10"/>
+                <a:blip r:embed="rId9"/>
                 <a:stretch>
                   <a:fillRect/>
                 </a:stretch>
@@ -7792,7 +7791,7 @@
                 <a:avLst/>
               </a:prstGeom>
               <a:blipFill>
-                <a:blip r:embed="rId11"/>
+                <a:blip r:embed="rId10"/>
                 <a:stretch>
                   <a:fillRect/>
                 </a:stretch>
@@ -7909,7 +7908,7 @@
                 <a:avLst/>
               </a:prstGeom>
               <a:blipFill>
-                <a:blip r:embed="rId12"/>
+                <a:blip r:embed="rId11"/>
                 <a:stretch>
                   <a:fillRect/>
                 </a:stretch>
@@ -8107,41 +8106,6 @@
       </p:sp>
       <p:sp>
         <p:nvSpPr>
-          <p:cNvPr id="32" name="TextBox 31">
-            <a:extLst>
-              <a:ext uri="{FF2B5EF4-FFF2-40B4-BE49-F238E27FC236}">
-                <a16:creationId xmlns:a16="http://schemas.microsoft.com/office/drawing/2014/main" id="{E8E88B10-3075-FBD5-831D-D7B94F8B212B}"/>
-              </a:ext>
-            </a:extLst>
-          </p:cNvPr>
-          <p:cNvSpPr txBox="1"/>
-          <p:nvPr/>
-        </p:nvSpPr>
-        <p:spPr>
-          <a:xfrm>
-            <a:off x="8616384" y="389892"/>
-            <a:ext cx="506119" cy="369332"/>
-          </a:xfrm>
-          <a:prstGeom prst="rect">
-            <a:avLst/>
-          </a:prstGeom>
-          <a:noFill/>
-        </p:spPr>
-        <p:txBody>
-          <a:bodyPr wrap="square" rtlCol="0">
-            <a:spAutoFit/>
-          </a:bodyPr>
-          <a:lstStyle/>
-          <a:p>
-            <a:r>
-              <a:rPr lang="en-US" dirty="0"/>
-              <a:t>(f)</a:t>
-            </a:r>
-          </a:p>
-        </p:txBody>
-      </p:sp>
-      <p:sp>
-        <p:nvSpPr>
           <p:cNvPr id="17" name="TextBox 16">
             <a:extLst>
               <a:ext uri="{FF2B5EF4-FFF2-40B4-BE49-F238E27FC236}">
@@ -8195,7 +8159,7 @@
           <p:nvPr/>
         </p:nvPicPr>
         <p:blipFill>
-          <a:blip r:embed="rId13"/>
+          <a:blip r:embed="rId12"/>
           <a:stretch>
             <a:fillRect/>
           </a:stretch>
@@ -8265,7 +8229,7 @@
           <p:nvPr/>
         </p:nvPicPr>
         <p:blipFill>
-          <a:blip r:embed="rId14"/>
+          <a:blip r:embed="rId13"/>
           <a:stretch>
             <a:fillRect/>
           </a:stretch>
@@ -8333,7 +8297,181 @@
 </p:sld>
 </file>
 
-<file path=ppt/slides/slide5.xml><?xml version="1.0" encoding="utf-8"?>
+<file path=ppt/slides/slide6.xml><?xml version="1.0" encoding="utf-8"?>
+<p:sld xmlns:a="http://schemas.openxmlformats.org/drawingml/2006/main" xmlns:r="http://schemas.openxmlformats.org/officeDocument/2006/relationships" xmlns:p="http://schemas.openxmlformats.org/presentationml/2006/main">
+  <p:cSld>
+    <p:spTree>
+      <p:nvGrpSpPr>
+        <p:cNvPr id="1" name=""/>
+        <p:cNvGrpSpPr/>
+        <p:nvPr/>
+      </p:nvGrpSpPr>
+      <p:grpSpPr>
+        <a:xfrm>
+          <a:off x="0" y="0"/>
+          <a:ext cx="0" cy="0"/>
+          <a:chOff x="0" y="0"/>
+          <a:chExt cx="0" cy="0"/>
+        </a:xfrm>
+      </p:grpSpPr>
+      <mc:AlternateContent xmlns:mc="http://schemas.openxmlformats.org/markup-compatibility/2006">
+        <mc:Choice xmlns:a14="http://schemas.microsoft.com/office/drawing/2010/main" Requires="a14">
+          <p:sp>
+            <p:nvSpPr>
+              <p:cNvPr id="3" name="TextBox 2">
+                <a:extLst>
+                  <a:ext uri="{FF2B5EF4-FFF2-40B4-BE49-F238E27FC236}">
+                    <a16:creationId xmlns:a16="http://schemas.microsoft.com/office/drawing/2014/main" id="{041002E7-0BDB-3EFC-C59E-A158172B7B8D}"/>
+                  </a:ext>
+                </a:extLst>
+              </p:cNvPr>
+              <p:cNvSpPr txBox="1"/>
+              <p:nvPr/>
+            </p:nvSpPr>
+            <p:spPr>
+              <a:xfrm>
+                <a:off x="2976282" y="4167520"/>
+                <a:ext cx="6096000" cy="923330"/>
+              </a:xfrm>
+              <a:prstGeom prst="rect">
+                <a:avLst/>
+              </a:prstGeom>
+              <a:noFill/>
+            </p:spPr>
+            <p:txBody>
+              <a:bodyPr wrap="square">
+                <a:spAutoFit/>
+              </a:bodyPr>
+              <a:lstStyle/>
+              <a:p>
+                <a:r>
+                  <a:rPr lang="en-US" dirty="0"/>
+                  <a:t>Fig. 6: Excess free energy with respect to the raised-stripe morphology and varying grafting densities </a:t>
+                </a:r>
+                <a14:m>
+                  <m:oMath xmlns:m="http://schemas.openxmlformats.org/officeDocument/2006/math">
+                    <m:r>
+                      <a:rPr lang="en-US" b="0" i="1" smtClean="0">
+                        <a:latin typeface="Cambria Math" panose="02040503050406030204" pitchFamily="18" charset="0"/>
+                      </a:rPr>
+                      <m:t>𝜎</m:t>
+                    </m:r>
+                  </m:oMath>
+                </a14:m>
+                <a:r>
+                  <a:rPr lang="en-US" dirty="0"/>
+                  <a:t>. Dotted lines indicate metastable regimes.</a:t>
+                </a:r>
+              </a:p>
+            </p:txBody>
+          </p:sp>
+        </mc:Choice>
+        <mc:Fallback>
+          <p:sp>
+            <p:nvSpPr>
+              <p:cNvPr id="3" name="TextBox 2">
+                <a:extLst>
+                  <a:ext uri="{FF2B5EF4-FFF2-40B4-BE49-F238E27FC236}">
+                    <a16:creationId xmlns:a16="http://schemas.microsoft.com/office/drawing/2014/main" id="{041002E7-0BDB-3EFC-C59E-A158172B7B8D}"/>
+                  </a:ext>
+                </a:extLst>
+              </p:cNvPr>
+              <p:cNvSpPr txBox="1">
+                <a:spLocks noRot="1" noChangeAspect="1" noMove="1" noResize="1" noEditPoints="1" noAdjustHandles="1" noChangeArrowheads="1" noChangeShapeType="1" noTextEdit="1"/>
+              </p:cNvSpPr>
+              <p:nvPr/>
+            </p:nvSpPr>
+            <p:spPr>
+              <a:xfrm>
+                <a:off x="2976282" y="4167520"/>
+                <a:ext cx="6096000" cy="923330"/>
+              </a:xfrm>
+              <a:prstGeom prst="rect">
+                <a:avLst/>
+              </a:prstGeom>
+              <a:blipFill>
+                <a:blip r:embed="rId2"/>
+                <a:stretch>
+                  <a:fillRect l="-800" t="-3311" b="-10596"/>
+                </a:stretch>
+              </a:blipFill>
+            </p:spPr>
+            <p:txBody>
+              <a:bodyPr/>
+              <a:lstStyle/>
+              <a:p>
+                <a:r>
+                  <a:rPr lang="en-US">
+                    <a:noFill/>
+                  </a:rPr>
+                  <a:t> </a:t>
+                </a:r>
+              </a:p>
+            </p:txBody>
+          </p:sp>
+        </mc:Fallback>
+      </mc:AlternateContent>
+      <p:pic>
+        <p:nvPicPr>
+          <p:cNvPr id="1028" name="Picture 4">
+            <a:extLst>
+              <a:ext uri="{FF2B5EF4-FFF2-40B4-BE49-F238E27FC236}">
+                <a16:creationId xmlns:a16="http://schemas.microsoft.com/office/drawing/2014/main" id="{E633A2BA-BE95-258C-4742-3BBD229A300B}"/>
+              </a:ext>
+            </a:extLst>
+          </p:cNvPr>
+          <p:cNvPicPr>
+            <a:picLocks noChangeAspect="1" noChangeArrowheads="1"/>
+          </p:cNvPicPr>
+          <p:nvPr/>
+        </p:nvPicPr>
+        <p:blipFill>
+          <a:blip r:embed="rId3">
+            <a:extLst>
+              <a:ext uri="{28A0092B-C50C-407E-A947-70E740481C1C}">
+                <a14:useLocalDpi xmlns:a14="http://schemas.microsoft.com/office/drawing/2010/main" val="0"/>
+              </a:ext>
+            </a:extLst>
+          </a:blip>
+          <a:srcRect/>
+          <a:stretch>
+            <a:fillRect/>
+          </a:stretch>
+        </p:blipFill>
+        <p:spPr bwMode="auto">
+          <a:xfrm>
+            <a:off x="3481384" y="797859"/>
+            <a:ext cx="5069855" cy="3106271"/>
+          </a:xfrm>
+          <a:prstGeom prst="rect">
+            <a:avLst/>
+          </a:prstGeom>
+          <a:noFill/>
+          <a:extLst>
+            <a:ext uri="{909E8E84-426E-40DD-AFC4-6F175D3DCCD1}">
+              <a14:hiddenFill xmlns:a14="http://schemas.microsoft.com/office/drawing/2010/main">
+                <a:solidFill>
+                  <a:srgbClr val="FFFFFF"/>
+                </a:solidFill>
+              </a14:hiddenFill>
+            </a:ext>
+          </a:extLst>
+        </p:spPr>
+      </p:pic>
+    </p:spTree>
+    <p:extLst>
+      <p:ext uri="{BB962C8B-B14F-4D97-AF65-F5344CB8AC3E}">
+        <p14:creationId xmlns:p14="http://schemas.microsoft.com/office/powerpoint/2010/main" val="1744265854"/>
+      </p:ext>
+    </p:extLst>
+  </p:cSld>
+  <p:clrMapOvr>
+    <a:masterClrMapping/>
+  </p:clrMapOvr>
+</p:sld>
+</file>
+
+<file path=ppt/slides/slide7.xml><?xml version="1.0" encoding="utf-8"?>
 <p:sld xmlns:a="http://schemas.openxmlformats.org/drawingml/2006/main" xmlns:r="http://schemas.openxmlformats.org/officeDocument/2006/relationships" xmlns:p="http://schemas.openxmlformats.org/presentationml/2006/main">
   <p:cSld>
     <p:spTree>
@@ -8356,8 +8494,8 @@
           <a:chExt cx="0" cy="0"/>
         </a:xfrm>
       </p:grpSpPr>
-      <mc:AlternateContent xmlns:mc="http://schemas.openxmlformats.org/markup-compatibility/2006" xmlns:a14="http://schemas.microsoft.com/office/drawing/2010/main">
-        <mc:Choice Requires="a14">
+      <mc:AlternateContent xmlns:mc="http://schemas.openxmlformats.org/markup-compatibility/2006">
+        <mc:Choice xmlns:a14="http://schemas.microsoft.com/office/drawing/2010/main" Requires="a14">
           <p:sp>
             <p:nvSpPr>
               <p:cNvPr id="10" name="TextBox 9">
@@ -8388,7 +8526,7 @@
               <a:p>
                 <a:r>
                   <a:rPr lang="en-US" dirty="0"/>
-                  <a:t>Fig. 5: Metastable vertically segregated PE brush morphologies at </a:t>
+                  <a:t>Fig. 7: Metastable vertically segregated PE brush morphologies at </a:t>
                 </a:r>
                 <a14:m>
                   <m:oMath xmlns:m="http://schemas.openxmlformats.org/officeDocument/2006/math">
@@ -8600,7 +8738,7 @@
             </p:txBody>
           </p:sp>
         </mc:Choice>
-        <mc:Fallback xmlns="">
+        <mc:Fallback>
           <p:sp>
             <p:nvSpPr>
               <p:cNvPr id="10" name="TextBox 9">
@@ -9294,298 +9432,6 @@
     <p:extLst>
       <p:ext uri="{BB962C8B-B14F-4D97-AF65-F5344CB8AC3E}">
         <p14:creationId xmlns:p14="http://schemas.microsoft.com/office/powerpoint/2010/main" val="3386628344"/>
-      </p:ext>
-    </p:extLst>
-  </p:cSld>
-  <p:clrMapOvr>
-    <a:masterClrMapping/>
-  </p:clrMapOvr>
-</p:sld>
-</file>
-
-<file path=ppt/slides/slide6.xml><?xml version="1.0" encoding="utf-8"?>
-<p:sld xmlns:a="http://schemas.openxmlformats.org/drawingml/2006/main" xmlns:r="http://schemas.openxmlformats.org/officeDocument/2006/relationships" xmlns:p="http://schemas.openxmlformats.org/presentationml/2006/main">
-  <p:cSld>
-    <p:spTree>
-      <p:nvGrpSpPr>
-        <p:cNvPr id="1" name="">
-          <a:extLst>
-            <a:ext uri="{FF2B5EF4-FFF2-40B4-BE49-F238E27FC236}">
-              <a16:creationId xmlns:a16="http://schemas.microsoft.com/office/drawing/2014/main" id="{068DD0BA-DA43-12CA-9A95-1FF0D6D84A79}"/>
-            </a:ext>
-          </a:extLst>
-        </p:cNvPr>
-        <p:cNvGrpSpPr/>
-        <p:nvPr/>
-      </p:nvGrpSpPr>
-      <p:grpSpPr>
-        <a:xfrm>
-          <a:off x="0" y="0"/>
-          <a:ext cx="0" cy="0"/>
-          <a:chOff x="0" y="0"/>
-          <a:chExt cx="0" cy="0"/>
-        </a:xfrm>
-      </p:grpSpPr>
-      <p:pic>
-        <p:nvPicPr>
-          <p:cNvPr id="2052" name="Picture 4">
-            <a:extLst>
-              <a:ext uri="{FF2B5EF4-FFF2-40B4-BE49-F238E27FC236}">
-                <a16:creationId xmlns:a16="http://schemas.microsoft.com/office/drawing/2014/main" id="{7CBB2CFB-526B-4D5C-AD1B-99961FC92C3D}"/>
-              </a:ext>
-            </a:extLst>
-          </p:cNvPr>
-          <p:cNvPicPr>
-            <a:picLocks noChangeAspect="1" noChangeArrowheads="1"/>
-          </p:cNvPicPr>
-          <p:nvPr/>
-        </p:nvPicPr>
-        <p:blipFill>
-          <a:blip r:embed="rId2">
-            <a:extLst>
-              <a:ext uri="{28A0092B-C50C-407E-A947-70E740481C1C}">
-                <a14:useLocalDpi xmlns:a14="http://schemas.microsoft.com/office/drawing/2010/main" val="0"/>
-              </a:ext>
-            </a:extLst>
-          </a:blip>
-          <a:srcRect/>
-          <a:stretch>
-            <a:fillRect/>
-          </a:stretch>
-        </p:blipFill>
-        <p:spPr bwMode="auto">
-          <a:xfrm>
-            <a:off x="2200275" y="1166813"/>
-            <a:ext cx="7791450" cy="4524375"/>
-          </a:xfrm>
-          <a:prstGeom prst="rect">
-            <a:avLst/>
-          </a:prstGeom>
-          <a:noFill/>
-          <a:extLst>
-            <a:ext uri="{909E8E84-426E-40DD-AFC4-6F175D3DCCD1}">
-              <a14:hiddenFill xmlns:a14="http://schemas.microsoft.com/office/drawing/2010/main">
-                <a:solidFill>
-                  <a:srgbClr val="FFFFFF"/>
-                </a:solidFill>
-              </a14:hiddenFill>
-            </a:ext>
-          </a:extLst>
-        </p:spPr>
-      </p:pic>
-      <p:sp>
-        <p:nvSpPr>
-          <p:cNvPr id="3" name="TextBox 2">
-            <a:extLst>
-              <a:ext uri="{FF2B5EF4-FFF2-40B4-BE49-F238E27FC236}">
-                <a16:creationId xmlns:a16="http://schemas.microsoft.com/office/drawing/2014/main" id="{A534568D-A393-2082-1DFE-CD6164C93670}"/>
-              </a:ext>
-            </a:extLst>
-          </p:cNvPr>
-          <p:cNvSpPr txBox="1"/>
-          <p:nvPr/>
-        </p:nvSpPr>
-        <p:spPr>
-          <a:xfrm>
-            <a:off x="1645962" y="247374"/>
-            <a:ext cx="9436032" cy="369332"/>
-          </a:xfrm>
-          <a:prstGeom prst="rect">
-            <a:avLst/>
-          </a:prstGeom>
-          <a:noFill/>
-        </p:spPr>
-        <p:txBody>
-          <a:bodyPr wrap="square" rtlCol="0">
-            <a:spAutoFit/>
-          </a:bodyPr>
-          <a:lstStyle/>
-          <a:p>
-            <a:r>
-              <a:rPr lang="en-US" dirty="0"/>
-              <a:t>Current runs on phase diagram,</a:t>
-            </a:r>
-          </a:p>
-        </p:txBody>
-      </p:sp>
-      <p:sp>
-        <p:nvSpPr>
-          <p:cNvPr id="9" name="Rectangle 8">
-            <a:extLst>
-              <a:ext uri="{FF2B5EF4-FFF2-40B4-BE49-F238E27FC236}">
-                <a16:creationId xmlns:a16="http://schemas.microsoft.com/office/drawing/2014/main" id="{643CF8D2-4A99-CD45-371B-51A23C2DD4F0}"/>
-              </a:ext>
-            </a:extLst>
-          </p:cNvPr>
-          <p:cNvSpPr/>
-          <p:nvPr/>
-        </p:nvSpPr>
-        <p:spPr>
-          <a:xfrm>
-            <a:off x="3224497" y="941294"/>
-            <a:ext cx="372405" cy="2752165"/>
-          </a:xfrm>
-          <a:prstGeom prst="rect">
-            <a:avLst/>
-          </a:prstGeom>
-          <a:solidFill>
-            <a:srgbClr val="156082">
-              <a:alpha val="30196"/>
-            </a:srgbClr>
-          </a:solidFill>
-        </p:spPr>
-        <p:style>
-          <a:lnRef idx="2">
-            <a:schemeClr val="accent1">
-              <a:shade val="15000"/>
-            </a:schemeClr>
-          </a:lnRef>
-          <a:fillRef idx="1">
-            <a:schemeClr val="accent1"/>
-          </a:fillRef>
-          <a:effectRef idx="0">
-            <a:schemeClr val="accent1"/>
-          </a:effectRef>
-          <a:fontRef idx="minor">
-            <a:schemeClr val="lt1"/>
-          </a:fontRef>
-        </p:style>
-        <p:txBody>
-          <a:bodyPr rtlCol="0" anchor="t"/>
-          <a:lstStyle/>
-          <a:p>
-            <a:pPr algn="ctr"/>
-            <a:r>
-              <a:rPr lang="en-US" sz="900" dirty="0">
-                <a:solidFill>
-                  <a:schemeClr val="tx1"/>
-                </a:solidFill>
-              </a:rPr>
-              <a:t>06/24</a:t>
-            </a:r>
-          </a:p>
-        </p:txBody>
-      </p:sp>
-      <p:sp>
-        <p:nvSpPr>
-          <p:cNvPr id="10" name="Rectangle 9">
-            <a:extLst>
-              <a:ext uri="{FF2B5EF4-FFF2-40B4-BE49-F238E27FC236}">
-                <a16:creationId xmlns:a16="http://schemas.microsoft.com/office/drawing/2014/main" id="{9D27F417-AEB8-5814-1166-2B0D5099107D}"/>
-              </a:ext>
-            </a:extLst>
-          </p:cNvPr>
-          <p:cNvSpPr/>
-          <p:nvPr/>
-        </p:nvSpPr>
-        <p:spPr>
-          <a:xfrm>
-            <a:off x="3783106" y="1697481"/>
-            <a:ext cx="802937" cy="457200"/>
-          </a:xfrm>
-          <a:prstGeom prst="rect">
-            <a:avLst/>
-          </a:prstGeom>
-          <a:solidFill>
-            <a:srgbClr val="156082">
-              <a:alpha val="30196"/>
-            </a:srgbClr>
-          </a:solidFill>
-        </p:spPr>
-        <p:style>
-          <a:lnRef idx="2">
-            <a:schemeClr val="accent1">
-              <a:shade val="15000"/>
-            </a:schemeClr>
-          </a:lnRef>
-          <a:fillRef idx="1">
-            <a:schemeClr val="accent1"/>
-          </a:fillRef>
-          <a:effectRef idx="0">
-            <a:schemeClr val="accent1"/>
-          </a:effectRef>
-          <a:fontRef idx="minor">
-            <a:schemeClr val="lt1"/>
-          </a:fontRef>
-        </p:style>
-        <p:txBody>
-          <a:bodyPr rtlCol="0" anchor="t"/>
-          <a:lstStyle/>
-          <a:p>
-            <a:pPr algn="ctr"/>
-            <a:r>
-              <a:rPr lang="en-US" sz="900" dirty="0">
-                <a:solidFill>
-                  <a:schemeClr val="tx1"/>
-                </a:solidFill>
-              </a:rPr>
-              <a:t>06/24</a:t>
-            </a:r>
-          </a:p>
-        </p:txBody>
-      </p:sp>
-      <p:sp>
-        <p:nvSpPr>
-          <p:cNvPr id="2" name="Rectangle 1">
-            <a:extLst>
-              <a:ext uri="{FF2B5EF4-FFF2-40B4-BE49-F238E27FC236}">
-                <a16:creationId xmlns:a16="http://schemas.microsoft.com/office/drawing/2014/main" id="{01286FE6-7420-7111-57B7-3B94AAFE890D}"/>
-              </a:ext>
-            </a:extLst>
-          </p:cNvPr>
-          <p:cNvSpPr/>
-          <p:nvPr/>
-        </p:nvSpPr>
-        <p:spPr>
-          <a:xfrm>
-            <a:off x="4140917" y="2809105"/>
-            <a:ext cx="480207" cy="457200"/>
-          </a:xfrm>
-          <a:prstGeom prst="rect">
-            <a:avLst/>
-          </a:prstGeom>
-          <a:solidFill>
-            <a:srgbClr val="156082">
-              <a:alpha val="30196"/>
-            </a:srgbClr>
-          </a:solidFill>
-        </p:spPr>
-        <p:style>
-          <a:lnRef idx="2">
-            <a:schemeClr val="accent1">
-              <a:shade val="15000"/>
-            </a:schemeClr>
-          </a:lnRef>
-          <a:fillRef idx="1">
-            <a:schemeClr val="accent1"/>
-          </a:fillRef>
-          <a:effectRef idx="0">
-            <a:schemeClr val="accent1"/>
-          </a:effectRef>
-          <a:fontRef idx="minor">
-            <a:schemeClr val="lt1"/>
-          </a:fontRef>
-        </p:style>
-        <p:txBody>
-          <a:bodyPr rtlCol="0" anchor="t"/>
-          <a:lstStyle/>
-          <a:p>
-            <a:pPr algn="ctr"/>
-            <a:r>
-              <a:rPr lang="en-US" sz="900" dirty="0">
-                <a:solidFill>
-                  <a:schemeClr val="tx1"/>
-                </a:solidFill>
-              </a:rPr>
-              <a:t>06/24</a:t>
-            </a:r>
-          </a:p>
-        </p:txBody>
-      </p:sp>
-    </p:spTree>
-    <p:extLst>
-      <p:ext uri="{BB962C8B-B14F-4D97-AF65-F5344CB8AC3E}">
-        <p14:creationId xmlns:p14="http://schemas.microsoft.com/office/powerpoint/2010/main" val="3153369564"/>
       </p:ext>
     </p:extLst>
   </p:cSld>

--- a/SYSG3_paper.pptx
+++ b/SYSG3_paper.pptx
@@ -4840,7 +4840,7 @@
         </p:nvSpPr>
         <p:spPr>
           <a:xfrm>
-            <a:off x="906727" y="2635488"/>
+            <a:off x="784495" y="2683845"/>
             <a:ext cx="2765121" cy="369332"/>
           </a:xfrm>
           <a:prstGeom prst="rect">
@@ -4888,7 +4888,7 @@
         </p:blipFill>
         <p:spPr>
           <a:xfrm>
-            <a:off x="4641400" y="1417828"/>
+            <a:off x="5041484" y="1428276"/>
             <a:ext cx="1652825" cy="1397433"/>
           </a:xfrm>
           <a:prstGeom prst="rect">
@@ -4919,7 +4919,7 @@
         </p:blipFill>
         <p:spPr>
           <a:xfrm>
-            <a:off x="6413608" y="1479497"/>
+            <a:off x="7010952" y="1463456"/>
             <a:ext cx="1700337" cy="1132775"/>
           </a:xfrm>
           <a:prstGeom prst="rect">
@@ -4956,7 +4956,7 @@
         </p:blipFill>
         <p:spPr bwMode="auto">
           <a:xfrm>
-            <a:off x="6420749" y="2728416"/>
+            <a:off x="7018093" y="2712375"/>
             <a:ext cx="1736820" cy="716625"/>
           </a:xfrm>
           <a:prstGeom prst="rect">
@@ -5003,7 +5003,7 @@
         </p:blipFill>
         <p:spPr bwMode="auto">
           <a:xfrm>
-            <a:off x="8036563" y="1479497"/>
+            <a:off x="8938932" y="1470529"/>
             <a:ext cx="2084131" cy="1125702"/>
           </a:xfrm>
           <a:prstGeom prst="rect">
@@ -5043,7 +5043,7 @@
         </p:blipFill>
         <p:spPr>
           <a:xfrm>
-            <a:off x="3220463" y="1365990"/>
+            <a:off x="3334110" y="1380871"/>
             <a:ext cx="1559147" cy="1380012"/>
           </a:xfrm>
           <a:prstGeom prst="rect">
@@ -5073,7 +5073,7 @@
         </p:blipFill>
         <p:spPr>
           <a:xfrm>
-            <a:off x="1360623" y="1430844"/>
+            <a:off x="1238391" y="1479201"/>
             <a:ext cx="1795006" cy="1233174"/>
           </a:xfrm>
           <a:prstGeom prst="rect">
@@ -5097,7 +5097,7 @@
             </p:nvSpPr>
             <p:spPr>
               <a:xfrm>
-                <a:off x="1360623" y="974097"/>
+                <a:off x="1238391" y="1022454"/>
                 <a:ext cx="1681433" cy="338554"/>
               </a:xfrm>
               <a:prstGeom prst="rect">
@@ -5170,7 +5170,7 @@
             </p:nvSpPr>
             <p:spPr>
               <a:xfrm>
-                <a:off x="1360623" y="974097"/>
+                <a:off x="1238391" y="1022454"/>
                 <a:ext cx="1681433" cy="338554"/>
               </a:xfrm>
               <a:prstGeom prst="rect">
@@ -5214,7 +5214,7 @@
             </p:nvSpPr>
             <p:spPr>
               <a:xfrm>
-                <a:off x="3146803" y="979912"/>
+                <a:off x="3260450" y="994793"/>
                 <a:ext cx="1681433" cy="338554"/>
               </a:xfrm>
               <a:prstGeom prst="rect">
@@ -5287,7 +5287,7 @@
             </p:nvSpPr>
             <p:spPr>
               <a:xfrm>
-                <a:off x="3146803" y="979912"/>
+                <a:off x="3260450" y="994793"/>
                 <a:ext cx="1681433" cy="338554"/>
               </a:xfrm>
               <a:prstGeom prst="rect">
@@ -5331,7 +5331,7 @@
             </p:nvSpPr>
             <p:spPr>
               <a:xfrm>
-                <a:off x="4828236" y="974097"/>
+                <a:off x="5228320" y="984545"/>
                 <a:ext cx="1681433" cy="338554"/>
               </a:xfrm>
               <a:prstGeom prst="rect">
@@ -5404,7 +5404,7 @@
             </p:nvSpPr>
             <p:spPr>
               <a:xfrm>
-                <a:off x="4828236" y="974097"/>
+                <a:off x="5228320" y="984545"/>
                 <a:ext cx="1681433" cy="338554"/>
               </a:xfrm>
               <a:prstGeom prst="rect">
@@ -5448,7 +5448,7 @@
             </p:nvSpPr>
             <p:spPr>
               <a:xfrm>
-                <a:off x="6486282" y="969225"/>
+                <a:off x="7083626" y="953184"/>
                 <a:ext cx="1681433" cy="338554"/>
               </a:xfrm>
               <a:prstGeom prst="rect">
@@ -5521,7 +5521,7 @@
             </p:nvSpPr>
             <p:spPr>
               <a:xfrm>
-                <a:off x="6486282" y="969225"/>
+                <a:off x="7083626" y="953184"/>
                 <a:ext cx="1681433" cy="338554"/>
               </a:xfrm>
               <a:prstGeom prst="rect">
@@ -5565,7 +5565,7 @@
             </p:nvSpPr>
             <p:spPr>
               <a:xfrm>
-                <a:off x="8083657" y="964353"/>
+                <a:off x="9062564" y="940811"/>
                 <a:ext cx="1681433" cy="338554"/>
               </a:xfrm>
               <a:prstGeom prst="rect">
@@ -5638,7 +5638,7 @@
             </p:nvSpPr>
             <p:spPr>
               <a:xfrm>
-                <a:off x="8083657" y="964353"/>
+                <a:off x="9062564" y="940811"/>
                 <a:ext cx="1681433" cy="338554"/>
               </a:xfrm>
               <a:prstGeom prst="rect">
@@ -5680,7 +5680,7 @@
         </p:nvSpPr>
         <p:spPr>
           <a:xfrm>
-            <a:off x="1224877" y="455315"/>
+            <a:off x="849718" y="761221"/>
             <a:ext cx="506119" cy="369332"/>
           </a:xfrm>
           <a:prstGeom prst="rect">
@@ -5715,7 +5715,7 @@
         </p:nvSpPr>
         <p:spPr>
           <a:xfrm>
-            <a:off x="2935672" y="459190"/>
+            <a:off x="2894071" y="761221"/>
             <a:ext cx="506119" cy="369332"/>
           </a:xfrm>
           <a:prstGeom prst="rect">
@@ -5750,7 +5750,7 @@
         </p:nvSpPr>
         <p:spPr>
           <a:xfrm>
-            <a:off x="4725540" y="455315"/>
+            <a:off x="5004810" y="756788"/>
             <a:ext cx="506119" cy="369332"/>
           </a:xfrm>
           <a:prstGeom prst="rect">
@@ -5785,7 +5785,7 @@
         </p:nvSpPr>
         <p:spPr>
           <a:xfrm>
-            <a:off x="6431774" y="455315"/>
+            <a:off x="6786121" y="740756"/>
             <a:ext cx="506119" cy="369332"/>
           </a:xfrm>
           <a:prstGeom prst="rect">
@@ -5820,7 +5820,7 @@
         </p:nvSpPr>
         <p:spPr>
           <a:xfrm>
-            <a:off x="7914655" y="456646"/>
+            <a:off x="8736811" y="745540"/>
             <a:ext cx="506119" cy="369332"/>
           </a:xfrm>
           <a:prstGeom prst="rect">
@@ -5857,7 +5857,7 @@
             </p:nvSpPr>
             <p:spPr>
               <a:xfrm>
-                <a:off x="906727" y="4249168"/>
+                <a:off x="1000140" y="4111381"/>
                 <a:ext cx="10137791" cy="1498744"/>
               </a:xfrm>
               <a:prstGeom prst="rect">
@@ -6388,7 +6388,7 @@
             </p:nvSpPr>
             <p:spPr>
               <a:xfrm>
-                <a:off x="906727" y="4249168"/>
+                <a:off x="1000140" y="4111381"/>
                 <a:ext cx="10137791" cy="1498744"/>
               </a:xfrm>
               <a:prstGeom prst="rect">
@@ -6397,7 +6397,7 @@
               <a:blipFill>
                 <a:blip r:embed="rId13"/>
                 <a:stretch>
-                  <a:fillRect l="-541" t="-1626" r="-661" b="-1220"/>
+                  <a:fillRect l="-481" t="-1626" r="-722" b="-1220"/>
                 </a:stretch>
               </a:blipFill>
             </p:spPr>
@@ -6430,7 +6430,7 @@
         </p:nvSpPr>
         <p:spPr>
           <a:xfrm>
-            <a:off x="8625339" y="2494981"/>
+            <a:off x="9553064" y="2683845"/>
             <a:ext cx="925767" cy="369332"/>
           </a:xfrm>
           <a:prstGeom prst="rect">
@@ -6563,7 +6563,7 @@
             <p:spPr>
               <a:xfrm>
                 <a:off x="3227295" y="4455477"/>
-                <a:ext cx="6096000" cy="923330"/>
+                <a:ext cx="6391834" cy="1200329"/>
               </a:xfrm>
               <a:prstGeom prst="rect">
                 <a:avLst/>
@@ -6578,15 +6578,41 @@
               <a:p>
                 <a:r>
                   <a:rPr lang="en-US" dirty="0"/>
-                  <a:t>Fig. 4: Excess free energy with respect to the raised-stripe morphology and varying grafting densities </a:t>
+                  <a:t>Fig. 4: Excess free energy as a function of grafting densities </a:t>
                 </a:r>
                 <a14:m>
                   <m:oMath xmlns:m="http://schemas.openxmlformats.org/officeDocument/2006/math">
                     <m:r>
-                      <a:rPr lang="en-US" b="0" i="1" smtClean="0">
+                      <a:rPr lang="en-US" i="1">
                         <a:latin typeface="Cambria Math" panose="02040503050406030204" pitchFamily="18" charset="0"/>
                       </a:rPr>
                       <m:t>𝜎</m:t>
+                    </m:r>
+                    <m:r>
+                      <a:rPr lang="en-US" i="1">
+                        <a:latin typeface="Cambria Math" panose="02040503050406030204" pitchFamily="18" charset="0"/>
+                      </a:rPr>
+                      <m:t> </m:t>
+                    </m:r>
+                  </m:oMath>
+                </a14:m>
+                <a:r>
+                  <a:rPr lang="en-US" dirty="0"/>
+                  <a:t>with respect to the raised-stripe morphology at fixed PE backbone charge fraction </a:t>
+                </a:r>
+                <a14:m>
+                  <m:oMath xmlns:m="http://schemas.openxmlformats.org/officeDocument/2006/math">
+                    <m:r>
+                      <a:rPr lang="en-US" i="1">
+                        <a:latin typeface="Cambria Math" panose="02040503050406030204" pitchFamily="18" charset="0"/>
+                      </a:rPr>
+                      <m:t>𝛼</m:t>
+                    </m:r>
+                    <m:r>
+                      <a:rPr lang="en-US" i="1">
+                        <a:latin typeface="Cambria Math" panose="02040503050406030204" pitchFamily="18" charset="0"/>
+                      </a:rPr>
+                      <m:t>=0.10</m:t>
                     </m:r>
                   </m:oMath>
                 </a14:m>
@@ -6616,7 +6642,7 @@
             <p:spPr>
               <a:xfrm>
                 <a:off x="3227295" y="4455477"/>
-                <a:ext cx="6096000" cy="923330"/>
+                <a:ext cx="6391834" cy="1200329"/>
               </a:xfrm>
               <a:prstGeom prst="rect">
                 <a:avLst/>
@@ -6624,7 +6650,7 @@
               <a:blipFill>
                 <a:blip r:embed="rId3"/>
                 <a:stretch>
-                  <a:fillRect l="-800" t="-3311" b="-10596"/>
+                  <a:fillRect l="-763" t="-2538" b="-7614"/>
                 </a:stretch>
               </a:blipFill>
             </p:spPr>
@@ -6708,7 +6734,7 @@
         </p:blipFill>
         <p:spPr bwMode="auto">
           <a:xfrm rot="16200000">
-            <a:off x="2182497" y="3207924"/>
+            <a:off x="2994703" y="3398880"/>
             <a:ext cx="1724268" cy="967643"/>
           </a:xfrm>
           <a:prstGeom prst="rect">
@@ -6748,7 +6774,7 @@
         </p:blipFill>
         <p:spPr>
           <a:xfrm>
-            <a:off x="3871674" y="1194350"/>
+            <a:off x="4921222" y="1299125"/>
             <a:ext cx="1466490" cy="1578513"/>
           </a:xfrm>
           <a:prstGeom prst="rect">
@@ -6778,7 +6804,7 @@
         </p:blipFill>
         <p:spPr>
           <a:xfrm>
-            <a:off x="7322220" y="1048487"/>
+            <a:off x="8889961" y="1123436"/>
             <a:ext cx="913665" cy="1961335"/>
           </a:xfrm>
           <a:prstGeom prst="rect">
@@ -6808,7 +6834,7 @@
         </p:blipFill>
         <p:spPr>
           <a:xfrm>
-            <a:off x="5558923" y="1101937"/>
+            <a:off x="6845984" y="1206712"/>
             <a:ext cx="1373653" cy="1756389"/>
           </a:xfrm>
           <a:prstGeom prst="rect">
@@ -6832,8 +6858,8 @@
             </p:nvSpPr>
             <p:spPr>
               <a:xfrm>
-                <a:off x="765774" y="4713782"/>
-                <a:ext cx="9626249" cy="1498744"/>
+                <a:off x="889599" y="4844793"/>
+                <a:ext cx="10035576" cy="1498744"/>
               </a:xfrm>
               <a:prstGeom prst="rect">
                 <a:avLst/>
@@ -7316,8 +7342,8 @@
             </p:nvSpPr>
             <p:spPr>
               <a:xfrm>
-                <a:off x="765774" y="4713782"/>
-                <a:ext cx="9626249" cy="1498744"/>
+                <a:off x="889599" y="4844793"/>
+                <a:ext cx="10035576" cy="1498744"/>
               </a:xfrm>
               <a:prstGeom prst="rect">
                 <a:avLst/>
@@ -7325,7 +7351,7 @@
               <a:blipFill>
                 <a:blip r:embed="rId6"/>
                 <a:stretch>
-                  <a:fillRect l="-570" t="-1626" b="-5691"/>
+                  <a:fillRect l="-547" t="-2033" b="-5691"/>
                 </a:stretch>
               </a:blipFill>
             </p:spPr>
@@ -7360,7 +7386,7 @@
             </p:nvSpPr>
             <p:spPr>
               <a:xfrm>
-                <a:off x="398409" y="804430"/>
+                <a:off x="1074684" y="928255"/>
                 <a:ext cx="1681433" cy="338554"/>
               </a:xfrm>
               <a:prstGeom prst="rect">
@@ -7433,7 +7459,7 @@
             </p:nvSpPr>
             <p:spPr>
               <a:xfrm>
-                <a:off x="398409" y="804430"/>
+                <a:off x="1074684" y="928255"/>
                 <a:ext cx="1681433" cy="338554"/>
               </a:xfrm>
               <a:prstGeom prst="rect">
@@ -7477,7 +7503,7 @@
             </p:nvSpPr>
             <p:spPr>
               <a:xfrm>
-                <a:off x="2041508" y="810245"/>
+                <a:off x="2860658" y="934070"/>
                 <a:ext cx="1681433" cy="338554"/>
               </a:xfrm>
               <a:prstGeom prst="rect">
@@ -7550,7 +7576,7 @@
             </p:nvSpPr>
             <p:spPr>
               <a:xfrm>
-                <a:off x="2041508" y="810245"/>
+                <a:off x="2860658" y="934070"/>
                 <a:ext cx="1681433" cy="338554"/>
               </a:xfrm>
               <a:prstGeom prst="rect">
@@ -7594,7 +7620,7 @@
             </p:nvSpPr>
             <p:spPr>
               <a:xfrm>
-                <a:off x="3722941" y="804430"/>
+                <a:off x="4772489" y="909205"/>
                 <a:ext cx="1681433" cy="338554"/>
               </a:xfrm>
               <a:prstGeom prst="rect">
@@ -7667,7 +7693,7 @@
             </p:nvSpPr>
             <p:spPr>
               <a:xfrm>
-                <a:off x="3722941" y="804430"/>
+                <a:off x="4772489" y="909205"/>
                 <a:ext cx="1681433" cy="338554"/>
               </a:xfrm>
               <a:prstGeom prst="rect">
@@ -7711,7 +7737,7 @@
             </p:nvSpPr>
             <p:spPr>
               <a:xfrm>
-                <a:off x="5380987" y="799558"/>
+                <a:off x="6668048" y="904333"/>
                 <a:ext cx="1681433" cy="338554"/>
               </a:xfrm>
               <a:prstGeom prst="rect">
@@ -7784,7 +7810,7 @@
             </p:nvSpPr>
             <p:spPr>
               <a:xfrm>
-                <a:off x="5380987" y="799558"/>
+                <a:off x="6668048" y="904333"/>
                 <a:ext cx="1681433" cy="338554"/>
               </a:xfrm>
               <a:prstGeom prst="rect">
@@ -7828,7 +7854,7 @@
             </p:nvSpPr>
             <p:spPr>
               <a:xfrm>
-                <a:off x="6978362" y="794686"/>
+                <a:off x="8546103" y="869635"/>
                 <a:ext cx="1681433" cy="338554"/>
               </a:xfrm>
               <a:prstGeom prst="rect">
@@ -7901,7 +7927,7 @@
             </p:nvSpPr>
             <p:spPr>
               <a:xfrm>
-                <a:off x="6978362" y="794686"/>
+                <a:off x="8546103" y="869635"/>
                 <a:ext cx="1681433" cy="338554"/>
               </a:xfrm>
               <a:prstGeom prst="rect">
@@ -7943,7 +7969,7 @@
         </p:nvSpPr>
         <p:spPr>
           <a:xfrm>
-            <a:off x="114382" y="438296"/>
+            <a:off x="752557" y="666896"/>
             <a:ext cx="506119" cy="369332"/>
           </a:xfrm>
           <a:prstGeom prst="rect">
@@ -7978,7 +8004,7 @@
         </p:nvSpPr>
         <p:spPr>
           <a:xfrm>
-            <a:off x="1828602" y="389892"/>
+            <a:off x="2609652" y="637542"/>
             <a:ext cx="506119" cy="369332"/>
           </a:xfrm>
           <a:prstGeom prst="rect">
@@ -8013,7 +8039,7 @@
         </p:nvSpPr>
         <p:spPr>
           <a:xfrm>
-            <a:off x="3650365" y="383322"/>
+            <a:off x="4661813" y="630972"/>
             <a:ext cx="506119" cy="369332"/>
           </a:xfrm>
           <a:prstGeom prst="rect">
@@ -8048,7 +8074,7 @@
         </p:nvSpPr>
         <p:spPr>
           <a:xfrm>
-            <a:off x="5325840" y="383322"/>
+            <a:off x="6574801" y="630972"/>
             <a:ext cx="506119" cy="369332"/>
           </a:xfrm>
           <a:prstGeom prst="rect">
@@ -8083,7 +8109,7 @@
         </p:nvSpPr>
         <p:spPr>
           <a:xfrm>
-            <a:off x="6794621" y="389892"/>
+            <a:off x="8324262" y="607716"/>
             <a:ext cx="506119" cy="369332"/>
           </a:xfrm>
           <a:prstGeom prst="rect">
@@ -8118,7 +8144,7 @@
         </p:nvSpPr>
         <p:spPr>
           <a:xfrm>
-            <a:off x="6694001" y="2640490"/>
+            <a:off x="7981062" y="2745265"/>
             <a:ext cx="2268490" cy="369332"/>
           </a:xfrm>
           <a:prstGeom prst="rect">
@@ -8166,7 +8192,7 @@
         </p:blipFill>
         <p:spPr>
           <a:xfrm>
-            <a:off x="352013" y="1247982"/>
+            <a:off x="1028288" y="1352757"/>
             <a:ext cx="1742995" cy="1508265"/>
           </a:xfrm>
           <a:prstGeom prst="rect">
@@ -8188,7 +8214,7 @@
         </p:nvSpPr>
         <p:spPr>
           <a:xfrm>
-            <a:off x="114382" y="2640490"/>
+            <a:off x="790657" y="2745265"/>
             <a:ext cx="2268490" cy="369332"/>
           </a:xfrm>
           <a:prstGeom prst="rect">
@@ -8236,7 +8262,7 @@
         </p:blipFill>
         <p:spPr>
           <a:xfrm>
-            <a:off x="2215817" y="1233313"/>
+            <a:off x="3034967" y="1338088"/>
             <a:ext cx="1585749" cy="1619590"/>
           </a:xfrm>
           <a:prstGeom prst="rect">
@@ -8258,7 +8284,7 @@
         </p:nvSpPr>
         <p:spPr>
           <a:xfrm>
-            <a:off x="1849904" y="2643473"/>
+            <a:off x="2669054" y="2748248"/>
             <a:ext cx="2268490" cy="369332"/>
           </a:xfrm>
           <a:prstGeom prst="rect">
@@ -8331,7 +8357,7 @@
             <p:spPr>
               <a:xfrm>
                 <a:off x="2976282" y="4167520"/>
-                <a:ext cx="6096000" cy="923330"/>
+                <a:ext cx="6096000" cy="1200329"/>
               </a:xfrm>
               <a:prstGeom prst="rect">
                 <a:avLst/>
@@ -8346,15 +8372,35 @@
               <a:p>
                 <a:r>
                   <a:rPr lang="en-US" dirty="0"/>
-                  <a:t>Fig. 6: Excess free energy with respect to the raised-stripe morphology and varying grafting densities </a:t>
+                  <a:t>Fig. 6: Excess free energy as a function of densities </a:t>
                 </a:r>
                 <a14:m>
                   <m:oMath xmlns:m="http://schemas.openxmlformats.org/officeDocument/2006/math">
                     <m:r>
-                      <a:rPr lang="en-US" b="0" i="1" smtClean="0">
+                      <a:rPr lang="en-US" i="1">
                         <a:latin typeface="Cambria Math" panose="02040503050406030204" pitchFamily="18" charset="0"/>
                       </a:rPr>
                       <m:t>𝜎</m:t>
+                    </m:r>
+                  </m:oMath>
+                </a14:m>
+                <a:r>
+                  <a:rPr lang="en-US" dirty="0"/>
+                  <a:t> with respect to the raised-stripe morphology at fixed PE backbone charge fraction </a:t>
+                </a:r>
+                <a14:m>
+                  <m:oMath xmlns:m="http://schemas.openxmlformats.org/officeDocument/2006/math">
+                    <m:r>
+                      <a:rPr lang="en-US" i="1">
+                        <a:latin typeface="Cambria Math" panose="02040503050406030204" pitchFamily="18" charset="0"/>
+                      </a:rPr>
+                      <m:t>𝛼</m:t>
+                    </m:r>
+                    <m:r>
+                      <a:rPr lang="en-US" i="1">
+                        <a:latin typeface="Cambria Math" panose="02040503050406030204" pitchFamily="18" charset="0"/>
+                      </a:rPr>
+                      <m:t>=0.25</m:t>
                     </m:r>
                   </m:oMath>
                 </a14:m>
@@ -8384,7 +8430,7 @@
             <p:spPr>
               <a:xfrm>
                 <a:off x="2976282" y="4167520"/>
-                <a:ext cx="6096000" cy="923330"/>
+                <a:ext cx="6096000" cy="1200329"/>
               </a:xfrm>
               <a:prstGeom prst="rect">
                 <a:avLst/>
@@ -8392,7 +8438,7 @@
               <a:blipFill>
                 <a:blip r:embed="rId2"/>
                 <a:stretch>
-                  <a:fillRect l="-800" t="-3311" b="-10596"/>
+                  <a:fillRect l="-800" t="-2538" b="-7614"/>
                 </a:stretch>
               </a:blipFill>
             </p:spPr>

--- a/SYSG3_paper.pptx
+++ b/SYSG3_paper.pptx
@@ -6707,6 +6707,36 @@
       </p:grpSpPr>
       <p:pic>
         <p:nvPicPr>
+          <p:cNvPr id="39" name="Picture 38">
+            <a:extLst>
+              <a:ext uri="{FF2B5EF4-FFF2-40B4-BE49-F238E27FC236}">
+                <a16:creationId xmlns:a16="http://schemas.microsoft.com/office/drawing/2014/main" id="{A825319F-1893-4E67-ADFD-A6C9FB055142}"/>
+              </a:ext>
+            </a:extLst>
+          </p:cNvPr>
+          <p:cNvPicPr>
+            <a:picLocks noChangeAspect="1"/>
+          </p:cNvPicPr>
+          <p:nvPr/>
+        </p:nvPicPr>
+        <p:blipFill>
+          <a:blip r:embed="rId2"/>
+          <a:stretch>
+            <a:fillRect/>
+          </a:stretch>
+        </p:blipFill>
+        <p:spPr>
+          <a:xfrm>
+            <a:off x="8608207" y="1260413"/>
+            <a:ext cx="1476718" cy="1750966"/>
+          </a:xfrm>
+          <a:prstGeom prst="rect">
+            <a:avLst/>
+          </a:prstGeom>
+        </p:spPr>
+      </p:pic>
+      <p:pic>
+        <p:nvPicPr>
           <p:cNvPr id="4" name="Picture 2">
             <a:extLst>
               <a:ext uri="{FF2B5EF4-FFF2-40B4-BE49-F238E27FC236}">
@@ -6720,7 +6750,7 @@
           <p:nvPr/>
         </p:nvPicPr>
         <p:blipFill>
-          <a:blip r:embed="rId2">
+          <a:blip r:embed="rId3">
             <a:extLst>
               <a:ext uri="{28A0092B-C50C-407E-A947-70E740481C1C}">
                 <a14:useLocalDpi xmlns:a14="http://schemas.microsoft.com/office/drawing/2010/main" val="0"/>
@@ -6754,40 +6784,10 @@
       </p:pic>
       <p:pic>
         <p:nvPicPr>
-          <p:cNvPr id="6" name="Picture 5">
-            <a:extLst>
-              <a:ext uri="{FF2B5EF4-FFF2-40B4-BE49-F238E27FC236}">
-                <a16:creationId xmlns:a16="http://schemas.microsoft.com/office/drawing/2014/main" id="{93B4F575-7B10-6A39-EF33-F3F58384CF6A}"/>
-              </a:ext>
-            </a:extLst>
-          </p:cNvPr>
-          <p:cNvPicPr>
-            <a:picLocks noChangeAspect="1"/>
-          </p:cNvPicPr>
-          <p:nvPr/>
-        </p:nvPicPr>
-        <p:blipFill>
-          <a:blip r:embed="rId3"/>
-          <a:stretch>
-            <a:fillRect/>
-          </a:stretch>
-        </p:blipFill>
-        <p:spPr>
-          <a:xfrm>
-            <a:off x="4921222" y="1299125"/>
-            <a:ext cx="1466490" cy="1578513"/>
-          </a:xfrm>
-          <a:prstGeom prst="rect">
-            <a:avLst/>
-          </a:prstGeom>
-        </p:spPr>
-      </p:pic>
-      <p:pic>
-        <p:nvPicPr>
-          <p:cNvPr id="2" name="Picture 1">
-            <a:extLst>
-              <a:ext uri="{FF2B5EF4-FFF2-40B4-BE49-F238E27FC236}">
-                <a16:creationId xmlns:a16="http://schemas.microsoft.com/office/drawing/2014/main" id="{403EB434-2A5E-E330-A8D6-D360542EC85F}"/>
+          <p:cNvPr id="11" name="Picture 10">
+            <a:extLst>
+              <a:ext uri="{FF2B5EF4-FFF2-40B4-BE49-F238E27FC236}">
+                <a16:creationId xmlns:a16="http://schemas.microsoft.com/office/drawing/2014/main" id="{036F016B-5111-480D-C73E-72317E30509E}"/>
               </a:ext>
             </a:extLst>
           </p:cNvPr>
@@ -6798,36 +6798,6 @@
         </p:nvPicPr>
         <p:blipFill>
           <a:blip r:embed="rId4"/>
-          <a:stretch>
-            <a:fillRect/>
-          </a:stretch>
-        </p:blipFill>
-        <p:spPr>
-          <a:xfrm>
-            <a:off x="8889961" y="1123436"/>
-            <a:ext cx="913665" cy="1961335"/>
-          </a:xfrm>
-          <a:prstGeom prst="rect">
-            <a:avLst/>
-          </a:prstGeom>
-        </p:spPr>
-      </p:pic>
-      <p:pic>
-        <p:nvPicPr>
-          <p:cNvPr id="11" name="Picture 10">
-            <a:extLst>
-              <a:ext uri="{FF2B5EF4-FFF2-40B4-BE49-F238E27FC236}">
-                <a16:creationId xmlns:a16="http://schemas.microsoft.com/office/drawing/2014/main" id="{036F016B-5111-480D-C73E-72317E30509E}"/>
-              </a:ext>
-            </a:extLst>
-          </p:cNvPr>
-          <p:cNvPicPr>
-            <a:picLocks noChangeAspect="1"/>
-          </p:cNvPicPr>
-          <p:nvPr/>
-        </p:nvPicPr>
-        <p:blipFill>
-          <a:blip r:embed="rId5"/>
           <a:stretch>
             <a:fillRect/>
           </a:stretch>
@@ -7349,7 +7319,7 @@
                 <a:avLst/>
               </a:prstGeom>
               <a:blipFill>
-                <a:blip r:embed="rId6"/>
+                <a:blip r:embed="rId5"/>
                 <a:stretch>
                   <a:fillRect l="-547" t="-2033" b="-5691"/>
                 </a:stretch>
@@ -7466,7 +7436,7 @@
                 <a:avLst/>
               </a:prstGeom>
               <a:blipFill>
-                <a:blip r:embed="rId7"/>
+                <a:blip r:embed="rId6"/>
                 <a:stretch>
                   <a:fillRect/>
                 </a:stretch>
@@ -7583,7 +7553,7 @@
                 <a:avLst/>
               </a:prstGeom>
               <a:blipFill>
-                <a:blip r:embed="rId8"/>
+                <a:blip r:embed="rId7"/>
                 <a:stretch>
                   <a:fillRect/>
                 </a:stretch>
@@ -7700,7 +7670,7 @@
                 <a:avLst/>
               </a:prstGeom>
               <a:blipFill>
-                <a:blip r:embed="rId9"/>
+                <a:blip r:embed="rId8"/>
                 <a:stretch>
                   <a:fillRect/>
                 </a:stretch>
@@ -7817,7 +7787,7 @@
                 <a:avLst/>
               </a:prstGeom>
               <a:blipFill>
-                <a:blip r:embed="rId10"/>
+                <a:blip r:embed="rId9"/>
                 <a:stretch>
                   <a:fillRect/>
                 </a:stretch>
@@ -7934,7 +7904,7 @@
                 <a:avLst/>
               </a:prstGeom>
               <a:blipFill>
-                <a:blip r:embed="rId11"/>
+                <a:blip r:embed="rId10"/>
                 <a:stretch>
                   <a:fillRect/>
                 </a:stretch>
@@ -8144,7 +8114,7 @@
         </p:nvSpPr>
         <p:spPr>
           <a:xfrm>
-            <a:off x="7981062" y="2745265"/>
+            <a:off x="8255040" y="2783545"/>
             <a:ext cx="2268490" cy="369332"/>
           </a:xfrm>
           <a:prstGeom prst="rect">
@@ -8185,7 +8155,7 @@
           <p:nvPr/>
         </p:nvPicPr>
         <p:blipFill>
-          <a:blip r:embed="rId12"/>
+          <a:blip r:embed="rId11"/>
           <a:stretch>
             <a:fillRect/>
           </a:stretch>
@@ -8255,7 +8225,7 @@
           <p:nvPr/>
         </p:nvPicPr>
         <p:blipFill>
-          <a:blip r:embed="rId13"/>
+          <a:blip r:embed="rId12"/>
           <a:stretch>
             <a:fillRect/>
           </a:stretch>
@@ -8310,6 +8280,224 @@
           </a:p>
         </p:txBody>
       </p:sp>
+      <p:pic>
+        <p:nvPicPr>
+          <p:cNvPr id="8" name="Picture 2">
+            <a:extLst>
+              <a:ext uri="{FF2B5EF4-FFF2-40B4-BE49-F238E27FC236}">
+                <a16:creationId xmlns:a16="http://schemas.microsoft.com/office/drawing/2014/main" id="{62462D51-80FF-2C81-6821-A7FBEFF40C85}"/>
+              </a:ext>
+            </a:extLst>
+          </p:cNvPr>
+          <p:cNvPicPr>
+            <a:picLocks noChangeAspect="1" noChangeArrowheads="1"/>
+          </p:cNvPicPr>
+          <p:nvPr/>
+        </p:nvPicPr>
+        <p:blipFill>
+          <a:blip r:embed="rId13">
+            <a:extLst>
+              <a:ext uri="{28A0092B-C50C-407E-A947-70E740481C1C}">
+                <a14:useLocalDpi xmlns:a14="http://schemas.microsoft.com/office/drawing/2010/main" val="0"/>
+              </a:ext>
+            </a:extLst>
+          </a:blip>
+          <a:srcRect/>
+          <a:stretch>
+            <a:fillRect/>
+          </a:stretch>
+        </p:blipFill>
+        <p:spPr bwMode="auto">
+          <a:xfrm>
+            <a:off x="903135" y="3200760"/>
+            <a:ext cx="1871540" cy="1432502"/>
+          </a:xfrm>
+          <a:prstGeom prst="rect">
+            <a:avLst/>
+          </a:prstGeom>
+          <a:noFill/>
+          <a:extLst>
+            <a:ext uri="{909E8E84-426E-40DD-AFC4-6F175D3DCCD1}">
+              <a14:hiddenFill xmlns:a14="http://schemas.microsoft.com/office/drawing/2010/main">
+                <a:solidFill>
+                  <a:srgbClr val="FFFFFF"/>
+                </a:solidFill>
+              </a14:hiddenFill>
+            </a:ext>
+          </a:extLst>
+        </p:spPr>
+      </p:pic>
+      <p:pic>
+        <p:nvPicPr>
+          <p:cNvPr id="35" name="Picture 34">
+            <a:extLst>
+              <a:ext uri="{FF2B5EF4-FFF2-40B4-BE49-F238E27FC236}">
+                <a16:creationId xmlns:a16="http://schemas.microsoft.com/office/drawing/2014/main" id="{7386A7E0-D37D-222C-0E71-8EBC70F77C80}"/>
+              </a:ext>
+            </a:extLst>
+          </p:cNvPr>
+          <p:cNvPicPr>
+            <a:picLocks noChangeAspect="1"/>
+          </p:cNvPicPr>
+          <p:nvPr/>
+        </p:nvPicPr>
+        <p:blipFill>
+          <a:blip r:embed="rId14"/>
+          <a:stretch>
+            <a:fillRect/>
+          </a:stretch>
+        </p:blipFill>
+        <p:spPr>
+          <a:xfrm>
+            <a:off x="4843287" y="1284387"/>
+            <a:ext cx="1610635" cy="1726992"/>
+          </a:xfrm>
+          <a:prstGeom prst="rect">
+            <a:avLst/>
+          </a:prstGeom>
+        </p:spPr>
+      </p:pic>
+      <p:pic>
+        <p:nvPicPr>
+          <p:cNvPr id="2050" name="Picture 2">
+            <a:extLst>
+              <a:ext uri="{FF2B5EF4-FFF2-40B4-BE49-F238E27FC236}">
+                <a16:creationId xmlns:a16="http://schemas.microsoft.com/office/drawing/2014/main" id="{72A219CE-3548-D2B7-FB36-19B658C06566}"/>
+              </a:ext>
+            </a:extLst>
+          </p:cNvPr>
+          <p:cNvPicPr>
+            <a:picLocks noChangeAspect="1" noChangeArrowheads="1"/>
+          </p:cNvPicPr>
+          <p:nvPr/>
+        </p:nvPicPr>
+        <p:blipFill>
+          <a:blip r:embed="rId15">
+            <a:extLst>
+              <a:ext uri="{28A0092B-C50C-407E-A947-70E740481C1C}">
+                <a14:useLocalDpi xmlns:a14="http://schemas.microsoft.com/office/drawing/2010/main" val="0"/>
+              </a:ext>
+            </a:extLst>
+          </a:blip>
+          <a:srcRect/>
+          <a:stretch>
+            <a:fillRect/>
+          </a:stretch>
+        </p:blipFill>
+        <p:spPr bwMode="auto">
+          <a:xfrm>
+            <a:off x="4816661" y="2992833"/>
+            <a:ext cx="1642642" cy="1900238"/>
+          </a:xfrm>
+          <a:prstGeom prst="rect">
+            <a:avLst/>
+          </a:prstGeom>
+          <a:noFill/>
+          <a:extLst>
+            <a:ext uri="{909E8E84-426E-40DD-AFC4-6F175D3DCCD1}">
+              <a14:hiddenFill xmlns:a14="http://schemas.microsoft.com/office/drawing/2010/main">
+                <a:solidFill>
+                  <a:srgbClr val="FFFFFF"/>
+                </a:solidFill>
+              </a14:hiddenFill>
+            </a:ext>
+          </a:extLst>
+        </p:spPr>
+      </p:pic>
+      <p:pic>
+        <p:nvPicPr>
+          <p:cNvPr id="2052" name="Picture 4">
+            <a:extLst>
+              <a:ext uri="{FF2B5EF4-FFF2-40B4-BE49-F238E27FC236}">
+                <a16:creationId xmlns:a16="http://schemas.microsoft.com/office/drawing/2014/main" id="{4605DA37-5CBE-E79E-40CD-D98D732AEB19}"/>
+              </a:ext>
+            </a:extLst>
+          </p:cNvPr>
+          <p:cNvPicPr>
+            <a:picLocks noChangeAspect="1" noChangeArrowheads="1"/>
+          </p:cNvPicPr>
+          <p:nvPr/>
+        </p:nvPicPr>
+        <p:blipFill>
+          <a:blip r:embed="rId16">
+            <a:extLst>
+              <a:ext uri="{28A0092B-C50C-407E-A947-70E740481C1C}">
+                <a14:useLocalDpi xmlns:a14="http://schemas.microsoft.com/office/drawing/2010/main" val="0"/>
+              </a:ext>
+            </a:extLst>
+          </a:blip>
+          <a:srcRect/>
+          <a:stretch>
+            <a:fillRect/>
+          </a:stretch>
+        </p:blipFill>
+        <p:spPr bwMode="auto">
+          <a:xfrm>
+            <a:off x="6695058" y="3124579"/>
+            <a:ext cx="1638877" cy="1665046"/>
+          </a:xfrm>
+          <a:prstGeom prst="rect">
+            <a:avLst/>
+          </a:prstGeom>
+          <a:noFill/>
+          <a:extLst>
+            <a:ext uri="{909E8E84-426E-40DD-AFC4-6F175D3DCCD1}">
+              <a14:hiddenFill xmlns:a14="http://schemas.microsoft.com/office/drawing/2010/main">
+                <a:solidFill>
+                  <a:srgbClr val="FFFFFF"/>
+                </a:solidFill>
+              </a14:hiddenFill>
+            </a:ext>
+          </a:extLst>
+        </p:spPr>
+      </p:pic>
+      <p:pic>
+        <p:nvPicPr>
+          <p:cNvPr id="2054" name="Picture 6">
+            <a:extLst>
+              <a:ext uri="{FF2B5EF4-FFF2-40B4-BE49-F238E27FC236}">
+                <a16:creationId xmlns:a16="http://schemas.microsoft.com/office/drawing/2014/main" id="{8545DF33-87AB-E41E-9B09-F9BA1544CDF0}"/>
+              </a:ext>
+            </a:extLst>
+          </p:cNvPr>
+          <p:cNvPicPr>
+            <a:picLocks noChangeAspect="1" noChangeArrowheads="1"/>
+          </p:cNvPicPr>
+          <p:nvPr/>
+        </p:nvPicPr>
+        <p:blipFill>
+          <a:blip r:embed="rId17">
+            <a:extLst>
+              <a:ext uri="{28A0092B-C50C-407E-A947-70E740481C1C}">
+                <a14:useLocalDpi xmlns:a14="http://schemas.microsoft.com/office/drawing/2010/main" val="0"/>
+              </a:ext>
+            </a:extLst>
+          </a:blip>
+          <a:srcRect/>
+          <a:stretch>
+            <a:fillRect/>
+          </a:stretch>
+        </p:blipFill>
+        <p:spPr bwMode="auto">
+          <a:xfrm>
+            <a:off x="8569690" y="3152764"/>
+            <a:ext cx="1828341" cy="1540771"/>
+          </a:xfrm>
+          <a:prstGeom prst="rect">
+            <a:avLst/>
+          </a:prstGeom>
+          <a:noFill/>
+          <a:extLst>
+            <a:ext uri="{909E8E84-426E-40DD-AFC4-6F175D3DCCD1}">
+              <a14:hiddenFill xmlns:a14="http://schemas.microsoft.com/office/drawing/2010/main">
+                <a:solidFill>
+                  <a:srgbClr val="FFFFFF"/>
+                </a:solidFill>
+              </a14:hiddenFill>
+            </a:ext>
+          </a:extLst>
+        </p:spPr>
+      </p:pic>
     </p:spTree>
     <p:extLst>
       <p:ext uri="{BB962C8B-B14F-4D97-AF65-F5344CB8AC3E}">
@@ -8459,10 +8647,10 @@
       </mc:AlternateContent>
       <p:pic>
         <p:nvPicPr>
-          <p:cNvPr id="1028" name="Picture 4">
-            <a:extLst>
-              <a:ext uri="{FF2B5EF4-FFF2-40B4-BE49-F238E27FC236}">
-                <a16:creationId xmlns:a16="http://schemas.microsoft.com/office/drawing/2014/main" id="{E633A2BA-BE95-258C-4742-3BBD229A300B}"/>
+          <p:cNvPr id="3074" name="Picture 2">
+            <a:extLst>
+              <a:ext uri="{FF2B5EF4-FFF2-40B4-BE49-F238E27FC236}">
+                <a16:creationId xmlns:a16="http://schemas.microsoft.com/office/drawing/2014/main" id="{3BBA5063-526C-059A-A13E-D5D7B93E5020}"/>
               </a:ext>
             </a:extLst>
           </p:cNvPr>
@@ -8486,8 +8674,8 @@
         </p:blipFill>
         <p:spPr bwMode="auto">
           <a:xfrm>
-            <a:off x="3481384" y="797859"/>
-            <a:ext cx="5069855" cy="3106271"/>
+            <a:off x="3590925" y="1153920"/>
+            <a:ext cx="4708189" cy="2884680"/>
           </a:xfrm>
           <a:prstGeom prst="rect">
             <a:avLst/>

--- a/SYSG3_paper.pptx
+++ b/SYSG3_paper.pptx
@@ -4840,7 +4840,7 @@
         </p:nvSpPr>
         <p:spPr>
           <a:xfrm>
-            <a:off x="784495" y="2683845"/>
+            <a:off x="753333" y="2623741"/>
             <a:ext cx="2765121" cy="369332"/>
           </a:xfrm>
           <a:prstGeom prst="rect">

--- a/SYSG3_paper.pptx
+++ b/SYSG3_paper.pptx
@@ -4826,113 +4826,12 @@
           <a:chExt cx="0" cy="0"/>
         </a:xfrm>
       </p:grpSpPr>
-      <p:sp>
-        <p:nvSpPr>
-          <p:cNvPr id="5" name="TextBox 4">
-            <a:extLst>
-              <a:ext uri="{FF2B5EF4-FFF2-40B4-BE49-F238E27FC236}">
-                <a16:creationId xmlns:a16="http://schemas.microsoft.com/office/drawing/2014/main" id="{EFC1D6EC-6903-8FB6-4F95-BA66815AC28F}"/>
-              </a:ext>
-            </a:extLst>
-          </p:cNvPr>
-          <p:cNvSpPr txBox="1"/>
-          <p:nvPr/>
-        </p:nvSpPr>
-        <p:spPr>
-          <a:xfrm>
-            <a:off x="753333" y="2623741"/>
-            <a:ext cx="2765121" cy="369332"/>
-          </a:xfrm>
-          <a:prstGeom prst="rect">
-            <a:avLst/>
-          </a:prstGeom>
-          <a:noFill/>
-        </p:spPr>
-        <p:txBody>
-          <a:bodyPr wrap="square" rtlCol="0">
-            <a:spAutoFit/>
-          </a:bodyPr>
-          <a:lstStyle/>
-          <a:p>
-            <a:pPr algn="ctr"/>
-            <a:r>
-              <a:rPr lang="en-US" dirty="0">
-                <a:solidFill>
-                  <a:srgbClr val="FF0000"/>
-                </a:solidFill>
-              </a:rPr>
-              <a:t>Need to finalize</a:t>
-            </a:r>
-          </a:p>
-        </p:txBody>
-      </p:sp>
       <p:pic>
         <p:nvPicPr>
-          <p:cNvPr id="12" name="Picture 11">
-            <a:extLst>
-              <a:ext uri="{FF2B5EF4-FFF2-40B4-BE49-F238E27FC236}">
-                <a16:creationId xmlns:a16="http://schemas.microsoft.com/office/drawing/2014/main" id="{C543FFC9-26A5-3AFC-5E9C-E3F99983AF2A}"/>
-              </a:ext>
-            </a:extLst>
-          </p:cNvPr>
-          <p:cNvPicPr>
-            <a:picLocks noChangeAspect="1"/>
-          </p:cNvPicPr>
-          <p:nvPr/>
-        </p:nvPicPr>
-        <p:blipFill>
-          <a:blip r:embed="rId2"/>
-          <a:stretch>
-            <a:fillRect/>
-          </a:stretch>
-        </p:blipFill>
-        <p:spPr>
-          <a:xfrm>
-            <a:off x="5041484" y="1428276"/>
-            <a:ext cx="1652825" cy="1397433"/>
-          </a:xfrm>
-          <a:prstGeom prst="rect">
-            <a:avLst/>
-          </a:prstGeom>
-        </p:spPr>
-      </p:pic>
-      <p:pic>
-        <p:nvPicPr>
-          <p:cNvPr id="16" name="Picture 15">
-            <a:extLst>
-              <a:ext uri="{FF2B5EF4-FFF2-40B4-BE49-F238E27FC236}">
-                <a16:creationId xmlns:a16="http://schemas.microsoft.com/office/drawing/2014/main" id="{E82F1C2C-4022-3D5A-E35B-36288618F0D4}"/>
-              </a:ext>
-            </a:extLst>
-          </p:cNvPr>
-          <p:cNvPicPr>
-            <a:picLocks noChangeAspect="1"/>
-          </p:cNvPicPr>
-          <p:nvPr/>
-        </p:nvPicPr>
-        <p:blipFill>
-          <a:blip r:embed="rId3"/>
-          <a:srcRect t="19084"/>
-          <a:stretch>
-            <a:fillRect/>
-          </a:stretch>
-        </p:blipFill>
-        <p:spPr>
-          <a:xfrm>
-            <a:off x="7010952" y="1463456"/>
-            <a:ext cx="1700337" cy="1132775"/>
-          </a:xfrm>
-          <a:prstGeom prst="rect">
-            <a:avLst/>
-          </a:prstGeom>
-        </p:spPr>
-      </p:pic>
-      <p:pic>
-        <p:nvPicPr>
-          <p:cNvPr id="17" name="Picture 2">
-            <a:extLst>
-              <a:ext uri="{FF2B5EF4-FFF2-40B4-BE49-F238E27FC236}">
-                <a16:creationId xmlns:a16="http://schemas.microsoft.com/office/drawing/2014/main" id="{BE8873CF-4798-75E9-EFEE-0E662BE9FB32}"/>
+          <p:cNvPr id="4098" name="Picture 2">
+            <a:extLst>
+              <a:ext uri="{FF2B5EF4-FFF2-40B4-BE49-F238E27FC236}">
+                <a16:creationId xmlns:a16="http://schemas.microsoft.com/office/drawing/2014/main" id="{44569DE9-8912-8136-67EA-16882ABD1902}"/>
               </a:ext>
             </a:extLst>
           </p:cNvPr>
@@ -4942,7 +4841,7 @@
           <p:nvPr/>
         </p:nvPicPr>
         <p:blipFill>
-          <a:blip r:embed="rId4">
+          <a:blip r:embed="rId2">
             <a:extLst>
               <a:ext uri="{28A0092B-C50C-407E-A947-70E740481C1C}">
                 <a14:useLocalDpi xmlns:a14="http://schemas.microsoft.com/office/drawing/2010/main" val="0"/>
@@ -4956,8 +4855,8 @@
         </p:blipFill>
         <p:spPr bwMode="auto">
           <a:xfrm>
-            <a:off x="7018093" y="2712375"/>
-            <a:ext cx="1736820" cy="716625"/>
+            <a:off x="1006885" y="3121217"/>
+            <a:ext cx="2070106" cy="852164"/>
           </a:xfrm>
           <a:prstGeom prst="rect">
             <a:avLst/>
@@ -4976,10 +4875,71 @@
       </p:pic>
       <p:pic>
         <p:nvPicPr>
-          <p:cNvPr id="19" name="Picture 4">
-            <a:extLst>
-              <a:ext uri="{FF2B5EF4-FFF2-40B4-BE49-F238E27FC236}">
-                <a16:creationId xmlns:a16="http://schemas.microsoft.com/office/drawing/2014/main" id="{1F1C44BE-2995-BFE6-65E7-5673DFF68510}"/>
+          <p:cNvPr id="12" name="Picture 11">
+            <a:extLst>
+              <a:ext uri="{FF2B5EF4-FFF2-40B4-BE49-F238E27FC236}">
+                <a16:creationId xmlns:a16="http://schemas.microsoft.com/office/drawing/2014/main" id="{C543FFC9-26A5-3AFC-5E9C-E3F99983AF2A}"/>
+              </a:ext>
+            </a:extLst>
+          </p:cNvPr>
+          <p:cNvPicPr>
+            <a:picLocks noChangeAspect="1"/>
+          </p:cNvPicPr>
+          <p:nvPr/>
+        </p:nvPicPr>
+        <p:blipFill>
+          <a:blip r:embed="rId3"/>
+          <a:stretch>
+            <a:fillRect/>
+          </a:stretch>
+        </p:blipFill>
+        <p:spPr>
+          <a:xfrm>
+            <a:off x="5123086" y="1733964"/>
+            <a:ext cx="1652825" cy="1397433"/>
+          </a:xfrm>
+          <a:prstGeom prst="rect">
+            <a:avLst/>
+          </a:prstGeom>
+        </p:spPr>
+      </p:pic>
+      <p:pic>
+        <p:nvPicPr>
+          <p:cNvPr id="16" name="Picture 15">
+            <a:extLst>
+              <a:ext uri="{FF2B5EF4-FFF2-40B4-BE49-F238E27FC236}">
+                <a16:creationId xmlns:a16="http://schemas.microsoft.com/office/drawing/2014/main" id="{E82F1C2C-4022-3D5A-E35B-36288618F0D4}"/>
+              </a:ext>
+            </a:extLst>
+          </p:cNvPr>
+          <p:cNvPicPr>
+            <a:picLocks noChangeAspect="1"/>
+          </p:cNvPicPr>
+          <p:nvPr/>
+        </p:nvPicPr>
+        <p:blipFill>
+          <a:blip r:embed="rId4"/>
+          <a:srcRect t="19084"/>
+          <a:stretch>
+            <a:fillRect/>
+          </a:stretch>
+        </p:blipFill>
+        <p:spPr>
+          <a:xfrm>
+            <a:off x="7072206" y="1823211"/>
+            <a:ext cx="1700337" cy="1132775"/>
+          </a:xfrm>
+          <a:prstGeom prst="rect">
+            <a:avLst/>
+          </a:prstGeom>
+        </p:spPr>
+      </p:pic>
+      <p:pic>
+        <p:nvPicPr>
+          <p:cNvPr id="17" name="Picture 2">
+            <a:extLst>
+              <a:ext uri="{FF2B5EF4-FFF2-40B4-BE49-F238E27FC236}">
+                <a16:creationId xmlns:a16="http://schemas.microsoft.com/office/drawing/2014/main" id="{BE8873CF-4798-75E9-EFEE-0E662BE9FB32}"/>
               </a:ext>
             </a:extLst>
           </p:cNvPr>
@@ -5003,8 +4963,8 @@
         </p:blipFill>
         <p:spPr bwMode="auto">
           <a:xfrm>
-            <a:off x="8938932" y="1470529"/>
-            <a:ext cx="2084131" cy="1125702"/>
+            <a:off x="6975097" y="3130742"/>
+            <a:ext cx="2065314" cy="852164"/>
           </a:xfrm>
           <a:prstGeom prst="rect">
             <a:avLst/>
@@ -5043,7 +5003,7 @@
         </p:blipFill>
         <p:spPr>
           <a:xfrm>
-            <a:off x="3334110" y="1380871"/>
+            <a:off x="3412153" y="1664870"/>
             <a:ext cx="1559147" cy="1380012"/>
           </a:xfrm>
           <a:prstGeom prst="rect">
@@ -5073,7 +5033,7 @@
         </p:blipFill>
         <p:spPr>
           <a:xfrm>
-            <a:off x="1238391" y="1479201"/>
+            <a:off x="1209174" y="1755426"/>
             <a:ext cx="1795006" cy="1233174"/>
           </a:xfrm>
           <a:prstGeom prst="rect">
@@ -5097,7 +5057,7 @@
             </p:nvSpPr>
             <p:spPr>
               <a:xfrm>
-                <a:off x="1238391" y="1022454"/>
+                <a:off x="1209174" y="1298679"/>
                 <a:ext cx="1681433" cy="338554"/>
               </a:xfrm>
               <a:prstGeom prst="rect">
@@ -5170,7 +5130,7 @@
             </p:nvSpPr>
             <p:spPr>
               <a:xfrm>
-                <a:off x="1238391" y="1022454"/>
+                <a:off x="1209174" y="1298679"/>
                 <a:ext cx="1681433" cy="338554"/>
               </a:xfrm>
               <a:prstGeom prst="rect">
@@ -5214,7 +5174,7 @@
             </p:nvSpPr>
             <p:spPr>
               <a:xfrm>
-                <a:off x="3260450" y="994793"/>
+                <a:off x="3269333" y="1271018"/>
                 <a:ext cx="1681433" cy="338554"/>
               </a:xfrm>
               <a:prstGeom prst="rect">
@@ -5287,7 +5247,7 @@
             </p:nvSpPr>
             <p:spPr>
               <a:xfrm>
-                <a:off x="3260450" y="994793"/>
+                <a:off x="3269333" y="1271018"/>
                 <a:ext cx="1681433" cy="338554"/>
               </a:xfrm>
               <a:prstGeom prst="rect">
@@ -5331,7 +5291,7 @@
             </p:nvSpPr>
             <p:spPr>
               <a:xfrm>
-                <a:off x="5228320" y="984545"/>
+                <a:off x="5209496" y="1261145"/>
                 <a:ext cx="1681433" cy="338554"/>
               </a:xfrm>
               <a:prstGeom prst="rect">
@@ -5404,7 +5364,7 @@
             </p:nvSpPr>
             <p:spPr>
               <a:xfrm>
-                <a:off x="5228320" y="984545"/>
+                <a:off x="5209496" y="1261145"/>
                 <a:ext cx="1681433" cy="338554"/>
               </a:xfrm>
               <a:prstGeom prst="rect">
@@ -5448,7 +5408,7 @@
             </p:nvSpPr>
             <p:spPr>
               <a:xfrm>
-                <a:off x="7083626" y="953184"/>
+                <a:off x="7121084" y="1229409"/>
                 <a:ext cx="1681433" cy="338554"/>
               </a:xfrm>
               <a:prstGeom prst="rect">
@@ -5521,7 +5481,7 @@
             </p:nvSpPr>
             <p:spPr>
               <a:xfrm>
-                <a:off x="7083626" y="953184"/>
+                <a:off x="7121084" y="1229409"/>
                 <a:ext cx="1681433" cy="338554"/>
               </a:xfrm>
               <a:prstGeom prst="rect">
@@ -5565,7 +5525,7 @@
             </p:nvSpPr>
             <p:spPr>
               <a:xfrm>
-                <a:off x="9062564" y="940811"/>
+                <a:off x="9100022" y="1217036"/>
                 <a:ext cx="1681433" cy="338554"/>
               </a:xfrm>
               <a:prstGeom prst="rect">
@@ -5638,7 +5598,7 @@
             </p:nvSpPr>
             <p:spPr>
               <a:xfrm>
-                <a:off x="9062564" y="940811"/>
+                <a:off x="9100022" y="1217036"/>
                 <a:ext cx="1681433" cy="338554"/>
               </a:xfrm>
               <a:prstGeom prst="rect">
@@ -5680,7 +5640,7 @@
         </p:nvSpPr>
         <p:spPr>
           <a:xfrm>
-            <a:off x="849718" y="761221"/>
+            <a:off x="887176" y="1037446"/>
             <a:ext cx="506119" cy="369332"/>
           </a:xfrm>
           <a:prstGeom prst="rect">
@@ -5715,7 +5675,7 @@
         </p:nvSpPr>
         <p:spPr>
           <a:xfrm>
-            <a:off x="2894071" y="761221"/>
+            <a:off x="2931529" y="1037446"/>
             <a:ext cx="506119" cy="369332"/>
           </a:xfrm>
           <a:prstGeom prst="rect">
@@ -5750,7 +5710,7 @@
         </p:nvSpPr>
         <p:spPr>
           <a:xfrm>
-            <a:off x="5004810" y="756788"/>
+            <a:off x="5042268" y="1033013"/>
             <a:ext cx="506119" cy="369332"/>
           </a:xfrm>
           <a:prstGeom prst="rect">
@@ -5785,7 +5745,7 @@
         </p:nvSpPr>
         <p:spPr>
           <a:xfrm>
-            <a:off x="6786121" y="740756"/>
+            <a:off x="6823579" y="1016981"/>
             <a:ext cx="506119" cy="369332"/>
           </a:xfrm>
           <a:prstGeom prst="rect">
@@ -5820,7 +5780,7 @@
         </p:nvSpPr>
         <p:spPr>
           <a:xfrm>
-            <a:off x="8736811" y="745540"/>
+            <a:off x="8774269" y="1021765"/>
             <a:ext cx="506119" cy="369332"/>
           </a:xfrm>
           <a:prstGeom prst="rect">
@@ -5857,7 +5817,7 @@
             </p:nvSpPr>
             <p:spPr>
               <a:xfrm>
-                <a:off x="1000140" y="4111381"/>
+                <a:off x="1006885" y="4125048"/>
                 <a:ext cx="10137791" cy="1498744"/>
               </a:xfrm>
               <a:prstGeom prst="rect">
@@ -6388,7 +6348,7 @@
             </p:nvSpPr>
             <p:spPr>
               <a:xfrm>
-                <a:off x="1000140" y="4111381"/>
+                <a:off x="1006885" y="4125048"/>
                 <a:ext cx="10137791" cy="1498744"/>
               </a:xfrm>
               <a:prstGeom prst="rect">
@@ -6397,7 +6357,7 @@
               <a:blipFill>
                 <a:blip r:embed="rId13"/>
                 <a:stretch>
-                  <a:fillRect l="-481" t="-1626" r="-722" b="-1220"/>
+                  <a:fillRect l="-481" t="-2033" r="-722" b="-1220"/>
                 </a:stretch>
               </a:blipFill>
             </p:spPr>
@@ -6418,10 +6378,10 @@
       </mc:AlternateContent>
       <p:sp>
         <p:nvSpPr>
-          <p:cNvPr id="28" name="TextBox 27">
-            <a:extLst>
-              <a:ext uri="{FF2B5EF4-FFF2-40B4-BE49-F238E27FC236}">
-                <a16:creationId xmlns:a16="http://schemas.microsoft.com/office/drawing/2014/main" id="{78C445B5-C028-3521-E65C-4FEE248B1C59}"/>
+          <p:cNvPr id="5" name="TextBox 4">
+            <a:extLst>
+              <a:ext uri="{FF2B5EF4-FFF2-40B4-BE49-F238E27FC236}">
+                <a16:creationId xmlns:a16="http://schemas.microsoft.com/office/drawing/2014/main" id="{EFC1D6EC-6903-8FB6-4F95-BA66815AC28F}"/>
               </a:ext>
             </a:extLst>
           </p:cNvPr>
@@ -6430,8 +6390,8 @@
         </p:nvSpPr>
         <p:spPr>
           <a:xfrm>
-            <a:off x="9553064" y="2683845"/>
-            <a:ext cx="925767" cy="369332"/>
+            <a:off x="693614" y="2828049"/>
+            <a:ext cx="2765121" cy="369332"/>
           </a:xfrm>
           <a:prstGeom prst="rect">
             <a:avLst/>
@@ -6451,24 +6411,182 @@
                   <a:srgbClr val="FF0000"/>
                 </a:solidFill>
               </a:rPr>
-              <a:t>Plot </a:t>
+              <a:t>Need to finalize</a:t>
             </a:r>
-            <a:r>
-              <a:rPr lang="en-US" dirty="0" err="1">
-                <a:solidFill>
-                  <a:srgbClr val="FF0000"/>
-                </a:solidFill>
-              </a:rPr>
-              <a:t>xz</a:t>
-            </a:r>
-            <a:endParaRPr lang="en-US" dirty="0">
-              <a:solidFill>
-                <a:srgbClr val="FF0000"/>
-              </a:solidFill>
-            </a:endParaRPr>
           </a:p>
         </p:txBody>
       </p:sp>
+      <p:pic>
+        <p:nvPicPr>
+          <p:cNvPr id="4102" name="Picture 6">
+            <a:extLst>
+              <a:ext uri="{FF2B5EF4-FFF2-40B4-BE49-F238E27FC236}">
+                <a16:creationId xmlns:a16="http://schemas.microsoft.com/office/drawing/2014/main" id="{71498E1A-7D05-2F35-A03B-A313AFD278F5}"/>
+              </a:ext>
+            </a:extLst>
+          </p:cNvPr>
+          <p:cNvPicPr>
+            <a:picLocks noChangeAspect="1" noChangeArrowheads="1"/>
+          </p:cNvPicPr>
+          <p:nvPr/>
+        </p:nvPicPr>
+        <p:blipFill>
+          <a:blip r:embed="rId14">
+            <a:extLst>
+              <a:ext uri="{28A0092B-C50C-407E-A947-70E740481C1C}">
+                <a14:useLocalDpi xmlns:a14="http://schemas.microsoft.com/office/drawing/2010/main" val="0"/>
+              </a:ext>
+            </a:extLst>
+          </a:blip>
+          <a:srcRect/>
+          <a:stretch>
+            <a:fillRect/>
+          </a:stretch>
+        </p:blipFill>
+        <p:spPr bwMode="auto">
+          <a:xfrm>
+            <a:off x="5014308" y="3264579"/>
+            <a:ext cx="1948269" cy="700544"/>
+          </a:xfrm>
+          <a:prstGeom prst="rect">
+            <a:avLst/>
+          </a:prstGeom>
+          <a:noFill/>
+          <a:extLst>
+            <a:ext uri="{909E8E84-426E-40DD-AFC4-6F175D3DCCD1}">
+              <a14:hiddenFill xmlns:a14="http://schemas.microsoft.com/office/drawing/2010/main">
+                <a:solidFill>
+                  <a:srgbClr val="FFFFFF"/>
+                </a:solidFill>
+              </a14:hiddenFill>
+            </a:ext>
+          </a:extLst>
+        </p:spPr>
+      </p:pic>
+      <p:pic>
+        <p:nvPicPr>
+          <p:cNvPr id="4104" name="Picture 8">
+            <a:extLst>
+              <a:ext uri="{FF2B5EF4-FFF2-40B4-BE49-F238E27FC236}">
+                <a16:creationId xmlns:a16="http://schemas.microsoft.com/office/drawing/2014/main" id="{BA08416E-4C82-8C04-5BC2-D627ABCE39FE}"/>
+              </a:ext>
+            </a:extLst>
+          </p:cNvPr>
+          <p:cNvPicPr>
+            <a:picLocks noChangeAspect="1" noChangeArrowheads="1"/>
+          </p:cNvPicPr>
+          <p:nvPr/>
+        </p:nvPicPr>
+        <p:blipFill>
+          <a:blip r:embed="rId15">
+            <a:extLst>
+              <a:ext uri="{28A0092B-C50C-407E-A947-70E740481C1C}">
+                <a14:useLocalDpi xmlns:a14="http://schemas.microsoft.com/office/drawing/2010/main" val="0"/>
+              </a:ext>
+            </a:extLst>
+          </a:blip>
+          <a:srcRect/>
+          <a:stretch>
+            <a:fillRect/>
+          </a:stretch>
+        </p:blipFill>
+        <p:spPr bwMode="auto">
+          <a:xfrm>
+            <a:off x="3255826" y="3066170"/>
+            <a:ext cx="1617131" cy="884124"/>
+          </a:xfrm>
+          <a:prstGeom prst="rect">
+            <a:avLst/>
+          </a:prstGeom>
+          <a:noFill/>
+          <a:extLst>
+            <a:ext uri="{909E8E84-426E-40DD-AFC4-6F175D3DCCD1}">
+              <a14:hiddenFill xmlns:a14="http://schemas.microsoft.com/office/drawing/2010/main">
+                <a:solidFill>
+                  <a:srgbClr val="FFFFFF"/>
+                </a:solidFill>
+              </a14:hiddenFill>
+            </a:ext>
+          </a:extLst>
+        </p:spPr>
+      </p:pic>
+      <p:pic>
+        <p:nvPicPr>
+          <p:cNvPr id="4106" name="Picture 10">
+            <a:extLst>
+              <a:ext uri="{FF2B5EF4-FFF2-40B4-BE49-F238E27FC236}">
+                <a16:creationId xmlns:a16="http://schemas.microsoft.com/office/drawing/2014/main" id="{205B6672-E94D-78FD-7F6E-D549FDA50D8F}"/>
+              </a:ext>
+            </a:extLst>
+          </p:cNvPr>
+          <p:cNvPicPr>
+            <a:picLocks noChangeAspect="1" noChangeArrowheads="1"/>
+          </p:cNvPicPr>
+          <p:nvPr/>
+        </p:nvPicPr>
+        <p:blipFill>
+          <a:blip r:embed="rId16">
+            <a:extLst>
+              <a:ext uri="{28A0092B-C50C-407E-A947-70E740481C1C}">
+                <a14:useLocalDpi xmlns:a14="http://schemas.microsoft.com/office/drawing/2010/main" val="0"/>
+              </a:ext>
+            </a:extLst>
+          </a:blip>
+          <a:srcRect/>
+          <a:stretch>
+            <a:fillRect/>
+          </a:stretch>
+        </p:blipFill>
+        <p:spPr bwMode="auto">
+          <a:xfrm>
+            <a:off x="9027328" y="3130742"/>
+            <a:ext cx="2024379" cy="862343"/>
+          </a:xfrm>
+          <a:prstGeom prst="rect">
+            <a:avLst/>
+          </a:prstGeom>
+          <a:noFill/>
+          <a:extLst>
+            <a:ext uri="{909E8E84-426E-40DD-AFC4-6F175D3DCCD1}">
+              <a14:hiddenFill xmlns:a14="http://schemas.microsoft.com/office/drawing/2010/main">
+                <a:solidFill>
+                  <a:srgbClr val="FFFFFF"/>
+                </a:solidFill>
+              </a14:hiddenFill>
+            </a:ext>
+          </a:extLst>
+        </p:spPr>
+      </p:pic>
+      <p:pic>
+        <p:nvPicPr>
+          <p:cNvPr id="6" name="Picture 5">
+            <a:extLst>
+              <a:ext uri="{FF2B5EF4-FFF2-40B4-BE49-F238E27FC236}">
+                <a16:creationId xmlns:a16="http://schemas.microsoft.com/office/drawing/2014/main" id="{3FEAD2E2-688E-6384-C5A0-3016981658A8}"/>
+              </a:ext>
+            </a:extLst>
+          </p:cNvPr>
+          <p:cNvPicPr>
+            <a:picLocks noChangeAspect="1"/>
+          </p:cNvPicPr>
+          <p:nvPr/>
+        </p:nvPicPr>
+        <p:blipFill>
+          <a:blip r:embed="rId17"/>
+          <a:stretch>
+            <a:fillRect/>
+          </a:stretch>
+        </p:blipFill>
+        <p:spPr>
+          <a:xfrm>
+            <a:off x="9100022" y="1795400"/>
+            <a:ext cx="1926581" cy="1193200"/>
+          </a:xfrm>
+          <a:prstGeom prst="rect">
+            <a:avLst/>
+          </a:prstGeom>
+        </p:spPr>
+      </p:pic>
     </p:spTree>
     <p:extLst>
       <p:ext uri="{BB962C8B-B14F-4D97-AF65-F5344CB8AC3E}">

--- a/SYSG3_paper.pptx
+++ b/SYSG3_paper.pptx
@@ -3774,8 +3774,8 @@
           <a:chExt cx="0" cy="0"/>
         </a:xfrm>
       </p:grpSpPr>
-      <mc:AlternateContent xmlns:mc="http://schemas.openxmlformats.org/markup-compatibility/2006" xmlns:a14="http://schemas.microsoft.com/office/drawing/2010/main">
-        <mc:Choice Requires="a14">
+      <mc:AlternateContent xmlns:mc="http://schemas.openxmlformats.org/markup-compatibility/2006">
+        <mc:Choice xmlns:a14="http://schemas.microsoft.com/office/drawing/2010/main" Requires="a14">
           <p:sp>
             <p:nvSpPr>
               <p:cNvPr id="4" name="TextBox 3">
@@ -3790,8 +3790,8 @@
             </p:nvSpPr>
             <p:spPr>
               <a:xfrm>
-                <a:off x="3213287" y="4984506"/>
-                <a:ext cx="6122321" cy="1200329"/>
+                <a:off x="3015789" y="4917831"/>
+                <a:ext cx="5851986" cy="1200329"/>
               </a:xfrm>
               <a:prstGeom prst="rect">
                 <a:avLst/>
@@ -3840,7 +3840,7 @@
             </p:txBody>
           </p:sp>
         </mc:Choice>
-        <mc:Fallback xmlns="">
+        <mc:Fallback>
           <p:sp>
             <p:nvSpPr>
               <p:cNvPr id="4" name="TextBox 3">
@@ -3857,16 +3857,16 @@
             </p:nvSpPr>
             <p:spPr>
               <a:xfrm>
-                <a:off x="3213287" y="4984506"/>
-                <a:ext cx="6122321" cy="1200329"/>
+                <a:off x="3015789" y="4917831"/>
+                <a:ext cx="5851986" cy="1200329"/>
               </a:xfrm>
               <a:prstGeom prst="rect">
                 <a:avLst/>
               </a:prstGeom>
               <a:blipFill>
-                <a:blip r:embed="rId3"/>
+                <a:blip r:embed="rId2"/>
                 <a:stretch>
-                  <a:fillRect l="-797" t="-2538" b="-7614"/>
+                  <a:fillRect l="-938" t="-2538" r="-521" b="-7614"/>
                 </a:stretch>
               </a:blipFill>
             </p:spPr>
@@ -3939,7 +3939,7 @@
           <p:nvPr/>
         </p:nvPicPr>
         <p:blipFill>
-          <a:blip r:embed="rId4">
+          <a:blip r:embed="rId3">
             <a:extLst>
               <a:ext uri="{28A0092B-C50C-407E-A947-70E740481C1C}">
                 <a14:useLocalDpi xmlns:a14="http://schemas.microsoft.com/office/drawing/2010/main" val="0"/>
@@ -6376,46 +6376,6 @@
           </p:sp>
         </mc:Fallback>
       </mc:AlternateContent>
-      <p:sp>
-        <p:nvSpPr>
-          <p:cNvPr id="5" name="TextBox 4">
-            <a:extLst>
-              <a:ext uri="{FF2B5EF4-FFF2-40B4-BE49-F238E27FC236}">
-                <a16:creationId xmlns:a16="http://schemas.microsoft.com/office/drawing/2014/main" id="{EFC1D6EC-6903-8FB6-4F95-BA66815AC28F}"/>
-              </a:ext>
-            </a:extLst>
-          </p:cNvPr>
-          <p:cNvSpPr txBox="1"/>
-          <p:nvPr/>
-        </p:nvSpPr>
-        <p:spPr>
-          <a:xfrm>
-            <a:off x="693614" y="2828049"/>
-            <a:ext cx="2765121" cy="369332"/>
-          </a:xfrm>
-          <a:prstGeom prst="rect">
-            <a:avLst/>
-          </a:prstGeom>
-          <a:noFill/>
-        </p:spPr>
-        <p:txBody>
-          <a:bodyPr wrap="square" rtlCol="0">
-            <a:spAutoFit/>
-          </a:bodyPr>
-          <a:lstStyle/>
-          <a:p>
-            <a:pPr algn="ctr"/>
-            <a:r>
-              <a:rPr lang="en-US" dirty="0">
-                <a:solidFill>
-                  <a:srgbClr val="FF0000"/>
-                </a:solidFill>
-              </a:rPr>
-              <a:t>Need to finalize</a:t>
-            </a:r>
-          </a:p>
-        </p:txBody>
-      </p:sp>
       <p:pic>
         <p:nvPicPr>
           <p:cNvPr id="4102" name="Picture 6">
@@ -6445,7 +6405,7 @@
         </p:blipFill>
         <p:spPr bwMode="auto">
           <a:xfrm>
-            <a:off x="5014308" y="3264579"/>
+            <a:off x="5004783" y="3264579"/>
             <a:ext cx="1948269" cy="700544"/>
           </a:xfrm>
           <a:prstGeom prst="rect">
@@ -6492,7 +6452,7 @@
         </p:blipFill>
         <p:spPr bwMode="auto">
           <a:xfrm>
-            <a:off x="3255826" y="3066170"/>
+            <a:off x="3246301" y="3066170"/>
             <a:ext cx="1617131" cy="884124"/>
           </a:xfrm>
           <a:prstGeom prst="rect">
@@ -6539,7 +6499,7 @@
         </p:blipFill>
         <p:spPr bwMode="auto">
           <a:xfrm>
-            <a:off x="9027328" y="3130742"/>
+            <a:off x="9008278" y="3130742"/>
             <a:ext cx="2024379" cy="862343"/>
           </a:xfrm>
           <a:prstGeom prst="rect">

--- a/SYSG3_paper.pptx
+++ b/SYSG3_paper.pptx
@@ -4114,8 +4114,8 @@
           </a:prstGeom>
         </p:spPr>
       </p:pic>
-      <mc:AlternateContent xmlns:mc="http://schemas.openxmlformats.org/markup-compatibility/2006" xmlns:a14="http://schemas.microsoft.com/office/drawing/2010/main">
-        <mc:Choice Requires="a14">
+      <mc:AlternateContent xmlns:mc="http://schemas.openxmlformats.org/markup-compatibility/2006">
+        <mc:Choice xmlns:a14="http://schemas.microsoft.com/office/drawing/2010/main" Requires="a14">
           <p:sp>
             <p:nvSpPr>
               <p:cNvPr id="9" name="TextBox 8">
@@ -4328,7 +4328,7 @@
                 </a14:m>
                 <a:r>
                   <a:rPr lang="en-US" dirty="0"/>
-                  <a:t> (c) Excess free energy with respect to the micelle morphology and varying backbone charge fractions </a:t>
+                  <a:t> (c) Excess free energy with respect to the micelle morphology as a function of backbone charge fraction </a:t>
                 </a:r>
                 <a14:m>
                   <m:oMath xmlns:m="http://schemas.openxmlformats.org/officeDocument/2006/math">
@@ -4356,7 +4356,7 @@
             </p:txBody>
           </p:sp>
         </mc:Choice>
-        <mc:Fallback xmlns="">
+        <mc:Fallback>
           <p:sp>
             <p:nvSpPr>
               <p:cNvPr id="9" name="TextBox 8">
@@ -4382,7 +4382,7 @@
               <a:blipFill>
                 <a:blip r:embed="rId5"/>
                 <a:stretch>
-                  <a:fillRect l="-623" t="-1375" b="-4811"/>
+                  <a:fillRect l="-623" t="-1375" r="-78" b="-4811"/>
                 </a:stretch>
               </a:blipFill>
             </p:spPr>
@@ -4706,46 +4706,6 @@
             <a:r>
               <a:rPr lang="en-US" dirty="0"/>
               <a:t>(c)</a:t>
-            </a:r>
-          </a:p>
-        </p:txBody>
-      </p:sp>
-      <p:sp>
-        <p:nvSpPr>
-          <p:cNvPr id="23" name="TextBox 22">
-            <a:extLst>
-              <a:ext uri="{FF2B5EF4-FFF2-40B4-BE49-F238E27FC236}">
-                <a16:creationId xmlns:a16="http://schemas.microsoft.com/office/drawing/2014/main" id="{0E9F6A08-A4CC-24FC-4AAE-9B5D1B984473}"/>
-              </a:ext>
-            </a:extLst>
-          </p:cNvPr>
-          <p:cNvSpPr txBox="1"/>
-          <p:nvPr/>
-        </p:nvSpPr>
-        <p:spPr>
-          <a:xfrm>
-            <a:off x="2345733" y="3252229"/>
-            <a:ext cx="2765121" cy="369332"/>
-          </a:xfrm>
-          <a:prstGeom prst="rect">
-            <a:avLst/>
-          </a:prstGeom>
-          <a:noFill/>
-        </p:spPr>
-        <p:txBody>
-          <a:bodyPr wrap="square" rtlCol="0">
-            <a:spAutoFit/>
-          </a:bodyPr>
-          <a:lstStyle/>
-          <a:p>
-            <a:pPr algn="ctr"/>
-            <a:r>
-              <a:rPr lang="en-US" dirty="0">
-                <a:solidFill>
-                  <a:srgbClr val="FF0000"/>
-                </a:solidFill>
-              </a:rPr>
-              <a:t>Need to finalize</a:t>
             </a:r>
           </a:p>
         </p:txBody>

--- a/SYSG3_paper.pptx
+++ b/SYSG3_paper.pptx
@@ -6065,7 +6065,7 @@
                 </a14:m>
                 <a:r>
                   <a:rPr lang="en-US" dirty="0"/>
-                  <a:t>, (e) homogeneous at </a:t>
+                  <a:t>, and (e) homogeneous at </a:t>
                 </a:r>
                 <a14:m>
                   <m:oMath xmlns:m="http://schemas.openxmlformats.org/officeDocument/2006/math">
@@ -6177,6 +6177,20 @@
                       </a:rPr>
                       <m:t>.</m:t>
                     </m:r>
+                    <m:r>
+                      <a:rPr lang="en-US" b="0" i="0" smtClean="0">
+                        <a:latin typeface="Cambria Math" panose="02040503050406030204" pitchFamily="18" charset="0"/>
+                      </a:rPr>
+                      <m:t> </m:t>
+                    </m:r>
+                  </m:oMath>
+                </a14:m>
+                <a:r>
+                  <a:rPr lang="en-US" dirty="0"/>
+                  <a:t> </a:t>
+                </a:r>
+                <a14:m>
+                  <m:oMath xmlns:m="http://schemas.openxmlformats.org/officeDocument/2006/math">
                     <m:r>
                       <m:rPr>
                         <m:sty m:val="p"/>
@@ -6601,7 +6615,7 @@
             <p:spPr>
               <a:xfrm>
                 <a:off x="3227295" y="4455477"/>
-                <a:ext cx="6391834" cy="1200329"/>
+                <a:ext cx="6391834" cy="923330"/>
               </a:xfrm>
               <a:prstGeom prst="rect">
                 <a:avLst/>
@@ -6616,7 +6630,7 @@
               <a:p>
                 <a:r>
                   <a:rPr lang="en-US" dirty="0"/>
-                  <a:t>Fig. 4: Excess free energy as a function of grafting densities </a:t>
+                  <a:t>Fig. 4: Excess free energy as a function of grafting density </a:t>
                 </a:r>
                 <a14:m>
                   <m:oMath xmlns:m="http://schemas.openxmlformats.org/officeDocument/2006/math">
@@ -6636,7 +6650,7 @@
                 </a14:m>
                 <a:r>
                   <a:rPr lang="en-US" dirty="0"/>
-                  <a:t>with respect to the raised-stripe morphology at fixed PE backbone charge fraction </a:t>
+                  <a:t>with respect to the hole morphology at fixed PE backbone charge fraction </a:t>
                 </a:r>
                 <a14:m>
                   <m:oMath xmlns:m="http://schemas.openxmlformats.org/officeDocument/2006/math">
@@ -6656,7 +6670,15 @@
                 </a14:m>
                 <a:r>
                   <a:rPr lang="en-US" dirty="0"/>
-                  <a:t>. Dotted lines indicate regimes.</a:t>
+                  <a:t>. Dotted lines indicate regimes. (</a:t>
+                </a:r>
+                <a:r>
+                  <a:rPr lang="en-US" b="1" dirty="0"/>
+                  <a:t>unfinished</a:t>
+                </a:r>
+                <a:r>
+                  <a:rPr lang="en-US" dirty="0"/>
+                  <a:t>)</a:t>
                 </a:r>
               </a:p>
             </p:txBody>
@@ -6680,7 +6702,7 @@
             <p:spPr>
               <a:xfrm>
                 <a:off x="3227295" y="4455477"/>
-                <a:ext cx="6391834" cy="1200329"/>
+                <a:ext cx="6391834" cy="923330"/>
               </a:xfrm>
               <a:prstGeom prst="rect">
                 <a:avLst/>
@@ -6688,7 +6710,7 @@
               <a:blipFill>
                 <a:blip r:embed="rId3"/>
                 <a:stretch>
-                  <a:fillRect l="-763" t="-2538" b="-7614"/>
+                  <a:fillRect l="-763" t="-3311" r="-1430" b="-10596"/>
                 </a:stretch>
               </a:blipFill>
             </p:spPr>

--- a/SYSG3_paper.pptx
+++ b/SYSG3_paper.pptx
@@ -6924,21 +6924,15 @@
                 </a14:m>
                 <a:r>
                   <a:rPr lang="en-US" dirty="0"/>
-                  <a:t>) at varying grafting densities </a:t>
+                  <a:t>). Polymer density distributions plotted for varying grafting densities: (a</a:t>
                 </a:r>
-                <a14:m>
-                  <m:oMath xmlns:m="http://schemas.openxmlformats.org/officeDocument/2006/math">
-                    <m:r>
-                      <a:rPr lang="en-US" b="0" i="1" smtClean="0">
-                        <a:latin typeface="Cambria Math" panose="02040503050406030204" pitchFamily="18" charset="0"/>
-                      </a:rPr>
-                      <m:t>𝜎</m:t>
-                    </m:r>
-                  </m:oMath>
-                </a14:m>
+                <a:r>
+                  <a:rPr lang="en-US"/>
+                  <a:t>) cylinder </a:t>
+                </a:r>
                 <a:r>
                   <a:rPr lang="en-US" dirty="0"/>
-                  <a:t>. (a) Cylinder morphology at </a:t>
+                  <a:t>morphology at </a:t>
                 </a:r>
                 <a14:m>
                   <m:oMath xmlns:m="http://schemas.openxmlformats.org/officeDocument/2006/math">
@@ -7023,7 +7017,7 @@
                       <a:rPr lang="en-US" b="0" i="1" smtClean="0">
                         <a:latin typeface="Cambria Math" panose="02040503050406030204" pitchFamily="18" charset="0"/>
                       </a:rPr>
-                      <m:t>=1.0</m:t>
+                      <m:t>=1.5</m:t>
                     </m:r>
                     <m:r>
                       <m:rPr>
@@ -7310,6 +7304,14 @@
                       </a:rPr>
                       <m:t>. </m:t>
                     </m:r>
+                  </m:oMath>
+                </a14:m>
+                <a:r>
+                  <a:rPr lang="en-US" dirty="0"/>
+                  <a:t> </a:t>
+                </a:r>
+                <a14:m>
+                  <m:oMath xmlns:m="http://schemas.openxmlformats.org/officeDocument/2006/math">
                     <m:r>
                       <m:rPr>
                         <m:sty m:val="p"/>
@@ -7381,7 +7383,7 @@
               <a:blipFill>
                 <a:blip r:embed="rId5"/>
                 <a:stretch>
-                  <a:fillRect l="-547" t="-2033" b="-5691"/>
+                  <a:fillRect l="-547" t="-2033" r="-911" b="-4878"/>
                 </a:stretch>
               </a:blipFill>
             </p:spPr>

--- a/SYSG3_paper.pptx
+++ b/SYSG3_paper.pptx
@@ -6924,15 +6924,7 @@
                 </a14:m>
                 <a:r>
                   <a:rPr lang="en-US" dirty="0"/>
-                  <a:t>). Polymer density distributions plotted for varying grafting densities: (a</a:t>
-                </a:r>
-                <a:r>
-                  <a:rPr lang="en-US"/>
-                  <a:t>) cylinder </a:t>
-                </a:r>
-                <a:r>
-                  <a:rPr lang="en-US" dirty="0"/>
-                  <a:t>morphology at </a:t>
+                  <a:t>). Polymer density distributions plotted for varying grafting densities: (a) cylinder morphology at </a:t>
                 </a:r>
                 <a14:m>
                   <m:oMath xmlns:m="http://schemas.openxmlformats.org/officeDocument/2006/math">
@@ -8656,7 +8648,15 @@
                 </a14:m>
                 <a:r>
                   <a:rPr lang="en-US" dirty="0"/>
-                  <a:t>. Dotted lines indicate metastable regimes.</a:t>
+                  <a:t>. Dotted lines indicate metastable regimes. (</a:t>
+                </a:r>
+                <a:r>
+                  <a:rPr lang="en-US" b="1" dirty="0"/>
+                  <a:t>unfinished</a:t>
+                </a:r>
+                <a:r>
+                  <a:rPr lang="en-US" dirty="0"/>
+                  <a:t>)</a:t>
                 </a:r>
               </a:p>
             </p:txBody>
@@ -8807,7 +8807,7 @@
             <p:spPr>
               <a:xfrm>
                 <a:off x="1084526" y="4682138"/>
-                <a:ext cx="9626249" cy="1477328"/>
+                <a:ext cx="9626249" cy="1754326"/>
               </a:xfrm>
               <a:prstGeom prst="rect">
                 <a:avLst/>
@@ -8822,7 +8822,7 @@
               <a:p>
                 <a:r>
                   <a:rPr lang="en-US" dirty="0"/>
-                  <a:t>Fig. 7: Metastable vertically segregated PE brush morphologies at </a:t>
+                  <a:t>Fig. 7: Metastable vertically segregated PE brush morphologies at fixed </a:t>
                 </a:r>
                 <a14:m>
                   <m:oMath xmlns:m="http://schemas.openxmlformats.org/officeDocument/2006/math">
@@ -8842,7 +8842,23 @@
                 </a14:m>
                 <a:r>
                   <a:rPr lang="en-US" dirty="0"/>
-                  <a:t>. (a) Two-layered brush with laterally arranged holes at </a:t>
+                  <a:t>. Polymer density distributions plotted for varying </a:t>
+                </a:r>
+                <a:r>
+                  <a:rPr lang="en-US"/>
+                  <a:t>grafting densities: </a:t>
+                </a:r>
+                <a:r>
+                  <a:rPr lang="en-US" dirty="0"/>
+                  <a:t>(a</a:t>
+                </a:r>
+                <a:r>
+                  <a:rPr lang="en-US"/>
+                  <a:t>) two-layered </a:t>
+                </a:r>
+                <a:r>
+                  <a:rPr lang="en-US" dirty="0"/>
+                  <a:t>brush with laterally arranged holes at </a:t>
                 </a:r>
                 <a14:m>
                   <m:oMath xmlns:m="http://schemas.openxmlformats.org/officeDocument/2006/math">
@@ -9052,7 +9068,7 @@
             <p:spPr>
               <a:xfrm>
                 <a:off x="1084526" y="4682138"/>
-                <a:ext cx="9626249" cy="1477328"/>
+                <a:ext cx="9626249" cy="1754326"/>
               </a:xfrm>
               <a:prstGeom prst="rect">
                 <a:avLst/>
@@ -9060,7 +9076,7 @@
               <a:blipFill>
                 <a:blip r:embed="rId3"/>
                 <a:stretch>
-                  <a:fillRect l="-570" t="-1653" r="-253" b="-6198"/>
+                  <a:fillRect l="-570" t="-1389" r="-253" b="-4861"/>
                 </a:stretch>
               </a:blipFill>
             </p:spPr>

--- a/SYSG3_paper.pptx
+++ b/SYSG3_paper.pptx
@@ -8807,7 +8807,7 @@
             <p:spPr>
               <a:xfrm>
                 <a:off x="1084526" y="4682138"/>
-                <a:ext cx="9626249" cy="1754326"/>
+                <a:ext cx="9626249" cy="1777987"/>
               </a:xfrm>
               <a:prstGeom prst="rect">
                 <a:avLst/>
@@ -8842,23 +8842,7 @@
                 </a14:m>
                 <a:r>
                   <a:rPr lang="en-US" dirty="0"/>
-                  <a:t>. Polymer density distributions plotted for varying </a:t>
-                </a:r>
-                <a:r>
-                  <a:rPr lang="en-US"/>
-                  <a:t>grafting densities: </a:t>
-                </a:r>
-                <a:r>
-                  <a:rPr lang="en-US" dirty="0"/>
-                  <a:t>(a</a:t>
-                </a:r>
-                <a:r>
-                  <a:rPr lang="en-US"/>
-                  <a:t>) two-layered </a:t>
-                </a:r>
-                <a:r>
-                  <a:rPr lang="en-US" dirty="0"/>
-                  <a:t>brush with laterally arranged holes at </a:t>
+                  <a:t>. Polymer density distributions plotted at representative grafting density </a:t>
                 </a:r>
                 <a14:m>
                   <m:oMath xmlns:m="http://schemas.openxmlformats.org/officeDocument/2006/math">
@@ -8877,7 +8861,7 @@
                     <m:sSup>
                       <m:sSupPr>
                         <m:ctrlPr>
-                          <a:rPr lang="en-US" b="0" i="1" smtClean="0">
+                          <a:rPr lang="en-US" b="0" i="0" smtClean="0">
                             <a:latin typeface="Cambria Math" panose="02040503050406030204" pitchFamily="18" charset="0"/>
                           </a:rPr>
                         </m:ctrlPr>
@@ -8906,137 +8890,54 @@
                 </a14:m>
                 <a:r>
                   <a:rPr lang="en-US" dirty="0"/>
-                  <a:t>, (b) two-layered brush with laterally arranged stripes at </a:t>
+                  <a:t>: (a) two-layered brush with laterally arranged holes, (b) two-layered brush with laterally arranged stripes, (c) two-layered homogeneous brush. </a:t>
+                </a:r>
+                <a:r>
+                  <a:rPr lang="en-US" dirty="0" err="1"/>
+                  <a:t>Isosurfaces</a:t>
+                </a:r>
+                <a:r>
+                  <a:rPr lang="en-US" dirty="0"/>
+                  <a:t> plotted at </a:t>
                 </a:r>
                 <a14:m>
                   <m:oMath xmlns:m="http://schemas.openxmlformats.org/officeDocument/2006/math">
-                    <m:r>
-                      <a:rPr lang="en-US" b="0" i="1" smtClean="0">
-                        <a:latin typeface="Cambria Math" panose="02040503050406030204" pitchFamily="18" charset="0"/>
-                      </a:rPr>
-                      <m:t>𝜎</m:t>
-                    </m:r>
-                    <m:r>
-                      <a:rPr lang="en-US" b="0" i="1" smtClean="0">
-                        <a:latin typeface="Cambria Math" panose="02040503050406030204" pitchFamily="18" charset="0"/>
-                      </a:rPr>
-                      <m:t>=0.040 </m:t>
-                    </m:r>
-                    <m:sSup>
-                      <m:sSupPr>
+                    <m:sSub>
+                      <m:sSubPr>
                         <m:ctrlPr>
                           <a:rPr lang="en-US" b="0" i="1" smtClean="0">
                             <a:latin typeface="Cambria Math" panose="02040503050406030204" pitchFamily="18" charset="0"/>
                           </a:rPr>
                         </m:ctrlPr>
-                      </m:sSupPr>
+                      </m:sSubPr>
                       <m:e>
-                        <m:r>
-                          <m:rPr>
-                            <m:sty m:val="p"/>
-                          </m:rPr>
-                          <a:rPr lang="en-US" b="0" i="0" smtClean="0">
-                            <a:latin typeface="Cambria Math" panose="02040503050406030204" pitchFamily="18" charset="0"/>
-                          </a:rPr>
-                          <m:t>nm</m:t>
-                        </m:r>
-                      </m:e>
-                      <m:sup>
                         <m:r>
                           <a:rPr lang="en-US" b="0" i="1" smtClean="0">
                             <a:latin typeface="Cambria Math" panose="02040503050406030204" pitchFamily="18" charset="0"/>
                           </a:rPr>
-                          <m:t>−2</m:t>
+                          <m:t>𝜙</m:t>
                         </m:r>
-                      </m:sup>
-                    </m:sSup>
-                  </m:oMath>
-                </a14:m>
-                <a:r>
-                  <a:rPr lang="en-US" dirty="0"/>
-                  <a:t>, (c) two-layered homogeneous brush at </a:t>
-                </a:r>
-                <a14:m>
-                  <m:oMath xmlns:m="http://schemas.openxmlformats.org/officeDocument/2006/math">
+                      </m:e>
+                      <m:sub>
+                        <m:r>
+                          <a:rPr lang="en-US" b="0" i="1" smtClean="0">
+                            <a:latin typeface="Cambria Math" panose="02040503050406030204" pitchFamily="18" charset="0"/>
+                          </a:rPr>
+                          <m:t>𝑝</m:t>
+                        </m:r>
+                      </m:sub>
+                    </m:sSub>
                     <m:r>
                       <a:rPr lang="en-US" b="0" i="1" smtClean="0">
                         <a:latin typeface="Cambria Math" panose="02040503050406030204" pitchFamily="18" charset="0"/>
                       </a:rPr>
-                      <m:t>𝜎</m:t>
-                    </m:r>
-                    <m:r>
-                      <a:rPr lang="en-US" b="0" i="1" smtClean="0">
-                        <a:latin typeface="Cambria Math" panose="02040503050406030204" pitchFamily="18" charset="0"/>
-                      </a:rPr>
-                      <m:t>=0.040 </m:t>
-                    </m:r>
-                    <m:sSup>
-                      <m:sSupPr>
-                        <m:ctrlPr>
-                          <a:rPr lang="en-US" b="0" i="1" smtClean="0">
-                            <a:latin typeface="Cambria Math" panose="02040503050406030204" pitchFamily="18" charset="0"/>
-                          </a:rPr>
-                        </m:ctrlPr>
-                      </m:sSupPr>
-                      <m:e>
-                        <m:r>
-                          <m:rPr>
-                            <m:sty m:val="p"/>
-                          </m:rPr>
-                          <a:rPr lang="en-US" b="0" i="0" smtClean="0">
-                            <a:latin typeface="Cambria Math" panose="02040503050406030204" pitchFamily="18" charset="0"/>
-                          </a:rPr>
-                          <m:t>nm</m:t>
-                        </m:r>
-                      </m:e>
-                      <m:sup>
-                        <m:r>
-                          <a:rPr lang="en-US" b="0" i="1" smtClean="0">
-                            <a:latin typeface="Cambria Math" panose="02040503050406030204" pitchFamily="18" charset="0"/>
-                          </a:rPr>
-                          <m:t>−2</m:t>
-                        </m:r>
-                      </m:sup>
-                    </m:sSup>
-                  </m:oMath>
-                </a14:m>
-                <a:r>
-                  <a:rPr lang="en-US" dirty="0"/>
-                  <a:t>, (d) excess free energy with respect to the raised-stripe morphology for fixed </a:t>
-                </a:r>
-                <a14:m>
-                  <m:oMath xmlns:m="http://schemas.openxmlformats.org/officeDocument/2006/math">
-                    <m:r>
-                      <a:rPr lang="en-US" b="0" i="1" smtClean="0">
-                        <a:latin typeface="Cambria Math" panose="02040503050406030204" pitchFamily="18" charset="0"/>
-                      </a:rPr>
-                      <m:t>𝛼</m:t>
-                    </m:r>
-                    <m:r>
-                      <a:rPr lang="en-US" b="0" i="1" smtClean="0">
-                        <a:latin typeface="Cambria Math" panose="02040503050406030204" pitchFamily="18" charset="0"/>
-                      </a:rPr>
-                      <m:t>=0.30</m:t>
+                      <m:t>=0.10</m:t>
                     </m:r>
                   </m:oMath>
                 </a14:m>
                 <a:r>
                   <a:rPr lang="en-US" dirty="0"/>
-                  <a:t> and varying grafting densities </a:t>
-                </a:r>
-                <a14:m>
-                  <m:oMath xmlns:m="http://schemas.openxmlformats.org/officeDocument/2006/math">
-                    <m:r>
-                      <a:rPr lang="en-US" b="0" i="1" smtClean="0">
-                        <a:latin typeface="Cambria Math" panose="02040503050406030204" pitchFamily="18" charset="0"/>
-                      </a:rPr>
-                      <m:t>𝜎</m:t>
-                    </m:r>
-                  </m:oMath>
-                </a14:m>
-                <a:r>
-                  <a:rPr lang="en-US" dirty="0"/>
-                  <a:t>. Dotted lines indicate metastable regimes (</a:t>
+                  <a:t>. (d) Excess free energy with respect to the cylinder-stripe morphology as a function of grafting density. Dotted lines indicate metastable regimes (</a:t>
                 </a:r>
                 <a:r>
                   <a:rPr lang="en-US" b="1" dirty="0"/>
@@ -9068,7 +8969,7 @@
             <p:spPr>
               <a:xfrm>
                 <a:off x="1084526" y="4682138"/>
-                <a:ext cx="9626249" cy="1754326"/>
+                <a:ext cx="9626249" cy="1777987"/>
               </a:xfrm>
               <a:prstGeom prst="rect">
                 <a:avLst/>
@@ -9076,7 +8977,7 @@
               <a:blipFill>
                 <a:blip r:embed="rId3"/>
                 <a:stretch>
-                  <a:fillRect l="-570" t="-1389" r="-253" b="-4861"/>
+                  <a:fillRect l="-570" t="-1370" b="-4452"/>
                 </a:stretch>
               </a:blipFill>
             </p:spPr>

--- a/SYSG3_paper.pptx
+++ b/SYSG3_paper.pptx
@@ -3926,10 +3926,10 @@
       </p:sp>
       <p:pic>
         <p:nvPicPr>
-          <p:cNvPr id="1026" name="Picture 2">
-            <a:extLst>
-              <a:ext uri="{FF2B5EF4-FFF2-40B4-BE49-F238E27FC236}">
-                <a16:creationId xmlns:a16="http://schemas.microsoft.com/office/drawing/2014/main" id="{1DF81142-B0E9-D5F0-9ACA-80AB54E3600D}"/>
+          <p:cNvPr id="1028" name="Picture 4">
+            <a:extLst>
+              <a:ext uri="{FF2B5EF4-FFF2-40B4-BE49-F238E27FC236}">
+                <a16:creationId xmlns:a16="http://schemas.microsoft.com/office/drawing/2014/main" id="{AB7CF371-782D-27D7-681F-A858D0345E59}"/>
               </a:ext>
             </a:extLst>
           </p:cNvPr>
@@ -3953,8 +3953,8 @@
         </p:blipFill>
         <p:spPr bwMode="auto">
           <a:xfrm>
-            <a:off x="2779059" y="963513"/>
-            <a:ext cx="6633882" cy="3852193"/>
+            <a:off x="2779059" y="1147764"/>
+            <a:ext cx="6010275" cy="3490074"/>
           </a:xfrm>
           <a:prstGeom prst="rect">
             <a:avLst/>
@@ -8598,8 +8598,8 @@
             </p:nvSpPr>
             <p:spPr>
               <a:xfrm>
-                <a:off x="2976282" y="4167520"/>
-                <a:ext cx="6096000" cy="1200329"/>
+                <a:off x="1951332" y="4377769"/>
+                <a:ext cx="7644093" cy="1200329"/>
               </a:xfrm>
               <a:prstGeom prst="rect">
                 <a:avLst/>
@@ -8614,7 +8614,7 @@
               <a:p>
                 <a:r>
                   <a:rPr lang="en-US" dirty="0"/>
-                  <a:t>Fig. 6: Excess free energy as a function of densities </a:t>
+                  <a:t>Fig. 6: Excess free energy as a function of grafting density </a:t>
                 </a:r>
                 <a14:m>
                   <m:oMath xmlns:m="http://schemas.openxmlformats.org/officeDocument/2006/math">
@@ -8628,7 +8628,7 @@
                 </a14:m>
                 <a:r>
                   <a:rPr lang="en-US" dirty="0"/>
-                  <a:t> with respect to the raised-stripe morphology at fixed PE backbone charge fraction </a:t>
+                  <a:t> at fixed PE backbone charge fraction </a:t>
                 </a:r>
                 <a14:m>
                   <m:oMath xmlns:m="http://schemas.openxmlformats.org/officeDocument/2006/math">
@@ -8648,7 +8648,15 @@
                 </a14:m>
                 <a:r>
                   <a:rPr lang="en-US" dirty="0"/>
-                  <a:t>. Dotted lines indicate metastable regimes. (</a:t>
+                  <a:t> (a) with respect to the cylinder-</a:t>
+                </a:r>
+                <a:r>
+                  <a:rPr lang="en-US" dirty="0" err="1"/>
+                  <a:t>pn</a:t>
+                </a:r>
+                <a:r>
+                  <a:rPr lang="en-US" dirty="0"/>
+                  <a:t> morphology and (b) with respect to the raised-stripe morphology.  Dotted lines indicate metastable regimes. (</a:t>
                 </a:r>
                 <a:r>
                   <a:rPr lang="en-US" b="1" dirty="0"/>
@@ -8679,8 +8687,8 @@
             </p:nvSpPr>
             <p:spPr>
               <a:xfrm>
-                <a:off x="2976282" y="4167520"/>
-                <a:ext cx="6096000" cy="1200329"/>
+                <a:off x="1951332" y="4377769"/>
+                <a:ext cx="7644093" cy="1200329"/>
               </a:xfrm>
               <a:prstGeom prst="rect">
                 <a:avLst/>
@@ -8688,7 +8696,7 @@
               <a:blipFill>
                 <a:blip r:embed="rId2"/>
                 <a:stretch>
-                  <a:fillRect l="-800" t="-2538" b="-7614"/>
+                  <a:fillRect l="-638" t="-2030" b="-7614"/>
                 </a:stretch>
               </a:blipFill>
             </p:spPr>
@@ -8709,10 +8717,10 @@
       </mc:AlternateContent>
       <p:pic>
         <p:nvPicPr>
-          <p:cNvPr id="3074" name="Picture 2">
-            <a:extLst>
-              <a:ext uri="{FF2B5EF4-FFF2-40B4-BE49-F238E27FC236}">
-                <a16:creationId xmlns:a16="http://schemas.microsoft.com/office/drawing/2014/main" id="{3BBA5063-526C-059A-A13E-D5D7B93E5020}"/>
+          <p:cNvPr id="3076" name="Picture 4">
+            <a:extLst>
+              <a:ext uri="{FF2B5EF4-FFF2-40B4-BE49-F238E27FC236}">
+                <a16:creationId xmlns:a16="http://schemas.microsoft.com/office/drawing/2014/main" id="{00BEF13C-CF58-0B7A-C2EC-14EBA940E0C6}"/>
               </a:ext>
             </a:extLst>
           </p:cNvPr>
@@ -8736,8 +8744,8 @@
         </p:blipFill>
         <p:spPr bwMode="auto">
           <a:xfrm>
-            <a:off x="3590925" y="1153920"/>
-            <a:ext cx="4708189" cy="2884680"/>
+            <a:off x="1903993" y="1882214"/>
+            <a:ext cx="3991982" cy="2445865"/>
           </a:xfrm>
           <a:prstGeom prst="rect">
             <a:avLst/>
@@ -8754,6 +8762,123 @@
           </a:extLst>
         </p:spPr>
       </p:pic>
+      <p:pic>
+        <p:nvPicPr>
+          <p:cNvPr id="3078" name="Picture 6">
+            <a:extLst>
+              <a:ext uri="{FF2B5EF4-FFF2-40B4-BE49-F238E27FC236}">
+                <a16:creationId xmlns:a16="http://schemas.microsoft.com/office/drawing/2014/main" id="{52656C83-2366-0D9F-65DD-07DA49EEDA09}"/>
+              </a:ext>
+            </a:extLst>
+          </p:cNvPr>
+          <p:cNvPicPr>
+            <a:picLocks noChangeAspect="1" noChangeArrowheads="1"/>
+          </p:cNvPicPr>
+          <p:nvPr/>
+        </p:nvPicPr>
+        <p:blipFill>
+          <a:blip r:embed="rId4">
+            <a:extLst>
+              <a:ext uri="{28A0092B-C50C-407E-A947-70E740481C1C}">
+                <a14:useLocalDpi xmlns:a14="http://schemas.microsoft.com/office/drawing/2010/main" val="0"/>
+              </a:ext>
+            </a:extLst>
+          </a:blip>
+          <a:srcRect/>
+          <a:stretch>
+            <a:fillRect/>
+          </a:stretch>
+        </p:blipFill>
+        <p:spPr bwMode="auto">
+          <a:xfrm>
+            <a:off x="5895975" y="1907059"/>
+            <a:ext cx="4060662" cy="2445865"/>
+          </a:xfrm>
+          <a:prstGeom prst="rect">
+            <a:avLst/>
+          </a:prstGeom>
+          <a:noFill/>
+          <a:extLst>
+            <a:ext uri="{909E8E84-426E-40DD-AFC4-6F175D3DCCD1}">
+              <a14:hiddenFill xmlns:a14="http://schemas.microsoft.com/office/drawing/2010/main">
+                <a:solidFill>
+                  <a:srgbClr val="FFFFFF"/>
+                </a:solidFill>
+              </a14:hiddenFill>
+            </a:ext>
+          </a:extLst>
+        </p:spPr>
+      </p:pic>
+      <p:sp>
+        <p:nvSpPr>
+          <p:cNvPr id="4" name="TextBox 3">
+            <a:extLst>
+              <a:ext uri="{FF2B5EF4-FFF2-40B4-BE49-F238E27FC236}">
+                <a16:creationId xmlns:a16="http://schemas.microsoft.com/office/drawing/2014/main" id="{D808014A-D186-C1E4-F5CD-9FBB3FF687F7}"/>
+              </a:ext>
+            </a:extLst>
+          </p:cNvPr>
+          <p:cNvSpPr txBox="1"/>
+          <p:nvPr/>
+        </p:nvSpPr>
+        <p:spPr>
+          <a:xfrm>
+            <a:off x="1812686" y="1599217"/>
+            <a:ext cx="506119" cy="369332"/>
+          </a:xfrm>
+          <a:prstGeom prst="rect">
+            <a:avLst/>
+          </a:prstGeom>
+          <a:noFill/>
+        </p:spPr>
+        <p:txBody>
+          <a:bodyPr wrap="square" rtlCol="0">
+            <a:spAutoFit/>
+          </a:bodyPr>
+          <a:lstStyle/>
+          <a:p>
+            <a:r>
+              <a:rPr lang="en-US" dirty="0"/>
+              <a:t>(a)</a:t>
+            </a:r>
+          </a:p>
+        </p:txBody>
+      </p:sp>
+      <p:sp>
+        <p:nvSpPr>
+          <p:cNvPr id="5" name="TextBox 4">
+            <a:extLst>
+              <a:ext uri="{FF2B5EF4-FFF2-40B4-BE49-F238E27FC236}">
+                <a16:creationId xmlns:a16="http://schemas.microsoft.com/office/drawing/2014/main" id="{ED8C3ED5-406A-AEEB-A73E-A36EBA1FE2AC}"/>
+              </a:ext>
+            </a:extLst>
+          </p:cNvPr>
+          <p:cNvSpPr txBox="1"/>
+          <p:nvPr/>
+        </p:nvSpPr>
+        <p:spPr>
+          <a:xfrm>
+            <a:off x="5773379" y="1612944"/>
+            <a:ext cx="506119" cy="369332"/>
+          </a:xfrm>
+          <a:prstGeom prst="rect">
+            <a:avLst/>
+          </a:prstGeom>
+          <a:noFill/>
+        </p:spPr>
+        <p:txBody>
+          <a:bodyPr wrap="square" rtlCol="0">
+            <a:spAutoFit/>
+          </a:bodyPr>
+          <a:lstStyle/>
+          <a:p>
+            <a:r>
+              <a:rPr lang="en-US" dirty="0"/>
+              <a:t>(b)</a:t>
+            </a:r>
+          </a:p>
+        </p:txBody>
+      </p:sp>
     </p:spTree>
     <p:extLst>
       <p:ext uri="{BB962C8B-B14F-4D97-AF65-F5344CB8AC3E}">

--- a/SYSG3_paper.pptx
+++ b/SYSG3_paper.pptx
@@ -8717,10 +8717,10 @@
       </mc:AlternateContent>
       <p:pic>
         <p:nvPicPr>
-          <p:cNvPr id="3076" name="Picture 4">
-            <a:extLst>
-              <a:ext uri="{FF2B5EF4-FFF2-40B4-BE49-F238E27FC236}">
-                <a16:creationId xmlns:a16="http://schemas.microsoft.com/office/drawing/2014/main" id="{00BEF13C-CF58-0B7A-C2EC-14EBA940E0C6}"/>
+          <p:cNvPr id="3078" name="Picture 6">
+            <a:extLst>
+              <a:ext uri="{FF2B5EF4-FFF2-40B4-BE49-F238E27FC236}">
+                <a16:creationId xmlns:a16="http://schemas.microsoft.com/office/drawing/2014/main" id="{52656C83-2366-0D9F-65DD-07DA49EEDA09}"/>
               </a:ext>
             </a:extLst>
           </p:cNvPr>
@@ -8731,53 +8731,6 @@
         </p:nvPicPr>
         <p:blipFill>
           <a:blip r:embed="rId3">
-            <a:extLst>
-              <a:ext uri="{28A0092B-C50C-407E-A947-70E740481C1C}">
-                <a14:useLocalDpi xmlns:a14="http://schemas.microsoft.com/office/drawing/2010/main" val="0"/>
-              </a:ext>
-            </a:extLst>
-          </a:blip>
-          <a:srcRect/>
-          <a:stretch>
-            <a:fillRect/>
-          </a:stretch>
-        </p:blipFill>
-        <p:spPr bwMode="auto">
-          <a:xfrm>
-            <a:off x="1903993" y="1882214"/>
-            <a:ext cx="3991982" cy="2445865"/>
-          </a:xfrm>
-          <a:prstGeom prst="rect">
-            <a:avLst/>
-          </a:prstGeom>
-          <a:noFill/>
-          <a:extLst>
-            <a:ext uri="{909E8E84-426E-40DD-AFC4-6F175D3DCCD1}">
-              <a14:hiddenFill xmlns:a14="http://schemas.microsoft.com/office/drawing/2010/main">
-                <a:solidFill>
-                  <a:srgbClr val="FFFFFF"/>
-                </a:solidFill>
-              </a14:hiddenFill>
-            </a:ext>
-          </a:extLst>
-        </p:spPr>
-      </p:pic>
-      <p:pic>
-        <p:nvPicPr>
-          <p:cNvPr id="3078" name="Picture 6">
-            <a:extLst>
-              <a:ext uri="{FF2B5EF4-FFF2-40B4-BE49-F238E27FC236}">
-                <a16:creationId xmlns:a16="http://schemas.microsoft.com/office/drawing/2014/main" id="{52656C83-2366-0D9F-65DD-07DA49EEDA09}"/>
-              </a:ext>
-            </a:extLst>
-          </p:cNvPr>
-          <p:cNvPicPr>
-            <a:picLocks noChangeAspect="1" noChangeArrowheads="1"/>
-          </p:cNvPicPr>
-          <p:nvPr/>
-        </p:nvPicPr>
-        <p:blipFill>
-          <a:blip r:embed="rId4">
             <a:extLst>
               <a:ext uri="{28A0092B-C50C-407E-A947-70E740481C1C}">
                 <a14:useLocalDpi xmlns:a14="http://schemas.microsoft.com/office/drawing/2010/main" val="0"/>
@@ -8879,6 +8832,53 @@
           </a:p>
         </p:txBody>
       </p:sp>
+      <p:pic>
+        <p:nvPicPr>
+          <p:cNvPr id="3080" name="Picture 8">
+            <a:extLst>
+              <a:ext uri="{FF2B5EF4-FFF2-40B4-BE49-F238E27FC236}">
+                <a16:creationId xmlns:a16="http://schemas.microsoft.com/office/drawing/2014/main" id="{5AECD5C9-B0C6-DE12-CF94-C3BBD5DCC18E}"/>
+              </a:ext>
+            </a:extLst>
+          </p:cNvPr>
+          <p:cNvPicPr>
+            <a:picLocks noChangeAspect="1" noChangeArrowheads="1"/>
+          </p:cNvPicPr>
+          <p:nvPr/>
+        </p:nvPicPr>
+        <p:blipFill>
+          <a:blip r:embed="rId4">
+            <a:extLst>
+              <a:ext uri="{28A0092B-C50C-407E-A947-70E740481C1C}">
+                <a14:useLocalDpi xmlns:a14="http://schemas.microsoft.com/office/drawing/2010/main" val="0"/>
+              </a:ext>
+            </a:extLst>
+          </a:blip>
+          <a:srcRect/>
+          <a:stretch>
+            <a:fillRect/>
+          </a:stretch>
+        </p:blipFill>
+        <p:spPr bwMode="auto">
+          <a:xfrm>
+            <a:off x="1903992" y="1907059"/>
+            <a:ext cx="3991983" cy="2445865"/>
+          </a:xfrm>
+          <a:prstGeom prst="rect">
+            <a:avLst/>
+          </a:prstGeom>
+          <a:noFill/>
+          <a:extLst>
+            <a:ext uri="{909E8E84-426E-40DD-AFC4-6F175D3DCCD1}">
+              <a14:hiddenFill xmlns:a14="http://schemas.microsoft.com/office/drawing/2010/main">
+                <a:solidFill>
+                  <a:srgbClr val="FFFFFF"/>
+                </a:solidFill>
+              </a14:hiddenFill>
+            </a:ext>
+          </a:extLst>
+        </p:spPr>
+      </p:pic>
     </p:spTree>
     <p:extLst>
       <p:ext uri="{BB962C8B-B14F-4D97-AF65-F5344CB8AC3E}">

--- a/SYSG3_paper.pptx
+++ b/SYSG3_paper.pptx
@@ -203,7 +203,7 @@
           <a:p>
             <a:fld id="{7B0378C8-50D4-41CA-B139-C16B0923ACC7}" type="datetimeFigureOut">
               <a:rPr lang="en-US" smtClean="0"/>
-              <a:t>6/25/2025</a:t>
+              <a:t>6/26/2025</a:t>
             </a:fld>
             <a:endParaRPr lang="en-US"/>
           </a:p>
@@ -701,7 +701,7 @@
           <a:p>
             <a:fld id="{E3B1C2F4-07A0-459D-95BE-47AEA2376715}" type="datetimeFigureOut">
               <a:rPr lang="en-US" smtClean="0"/>
-              <a:t>6/25/2025</a:t>
+              <a:t>6/26/2025</a:t>
             </a:fld>
             <a:endParaRPr lang="en-US"/>
           </a:p>
@@ -899,7 +899,7 @@
           <a:p>
             <a:fld id="{E3B1C2F4-07A0-459D-95BE-47AEA2376715}" type="datetimeFigureOut">
               <a:rPr lang="en-US" smtClean="0"/>
-              <a:t>6/25/2025</a:t>
+              <a:t>6/26/2025</a:t>
             </a:fld>
             <a:endParaRPr lang="en-US"/>
           </a:p>
@@ -1107,7 +1107,7 @@
           <a:p>
             <a:fld id="{E3B1C2F4-07A0-459D-95BE-47AEA2376715}" type="datetimeFigureOut">
               <a:rPr lang="en-US" smtClean="0"/>
-              <a:t>6/25/2025</a:t>
+              <a:t>6/26/2025</a:t>
             </a:fld>
             <a:endParaRPr lang="en-US"/>
           </a:p>
@@ -1305,7 +1305,7 @@
           <a:p>
             <a:fld id="{E3B1C2F4-07A0-459D-95BE-47AEA2376715}" type="datetimeFigureOut">
               <a:rPr lang="en-US" smtClean="0"/>
-              <a:t>6/25/2025</a:t>
+              <a:t>6/26/2025</a:t>
             </a:fld>
             <a:endParaRPr lang="en-US"/>
           </a:p>
@@ -1580,7 +1580,7 @@
           <a:p>
             <a:fld id="{E3B1C2F4-07A0-459D-95BE-47AEA2376715}" type="datetimeFigureOut">
               <a:rPr lang="en-US" smtClean="0"/>
-              <a:t>6/25/2025</a:t>
+              <a:t>6/26/2025</a:t>
             </a:fld>
             <a:endParaRPr lang="en-US"/>
           </a:p>
@@ -1845,7 +1845,7 @@
           <a:p>
             <a:fld id="{E3B1C2F4-07A0-459D-95BE-47AEA2376715}" type="datetimeFigureOut">
               <a:rPr lang="en-US" smtClean="0"/>
-              <a:t>6/25/2025</a:t>
+              <a:t>6/26/2025</a:t>
             </a:fld>
             <a:endParaRPr lang="en-US"/>
           </a:p>
@@ -2257,7 +2257,7 @@
           <a:p>
             <a:fld id="{E3B1C2F4-07A0-459D-95BE-47AEA2376715}" type="datetimeFigureOut">
               <a:rPr lang="en-US" smtClean="0"/>
-              <a:t>6/25/2025</a:t>
+              <a:t>6/26/2025</a:t>
             </a:fld>
             <a:endParaRPr lang="en-US"/>
           </a:p>
@@ -2398,7 +2398,7 @@
           <a:p>
             <a:fld id="{E3B1C2F4-07A0-459D-95BE-47AEA2376715}" type="datetimeFigureOut">
               <a:rPr lang="en-US" smtClean="0"/>
-              <a:t>6/25/2025</a:t>
+              <a:t>6/26/2025</a:t>
             </a:fld>
             <a:endParaRPr lang="en-US"/>
           </a:p>
@@ -2511,7 +2511,7 @@
           <a:p>
             <a:fld id="{E3B1C2F4-07A0-459D-95BE-47AEA2376715}" type="datetimeFigureOut">
               <a:rPr lang="en-US" smtClean="0"/>
-              <a:t>6/25/2025</a:t>
+              <a:t>6/26/2025</a:t>
             </a:fld>
             <a:endParaRPr lang="en-US"/>
           </a:p>
@@ -2822,7 +2822,7 @@
           <a:p>
             <a:fld id="{E3B1C2F4-07A0-459D-95BE-47AEA2376715}" type="datetimeFigureOut">
               <a:rPr lang="en-US" smtClean="0"/>
-              <a:t>6/25/2025</a:t>
+              <a:t>6/26/2025</a:t>
             </a:fld>
             <a:endParaRPr lang="en-US"/>
           </a:p>
@@ -3110,7 +3110,7 @@
           <a:p>
             <a:fld id="{E3B1C2F4-07A0-459D-95BE-47AEA2376715}" type="datetimeFigureOut">
               <a:rPr lang="en-US" smtClean="0"/>
-              <a:t>6/25/2025</a:t>
+              <a:t>6/26/2025</a:t>
             </a:fld>
             <a:endParaRPr lang="en-US"/>
           </a:p>
@@ -3351,7 +3351,7 @@
           <a:p>
             <a:fld id="{E3B1C2F4-07A0-459D-95BE-47AEA2376715}" type="datetimeFigureOut">
               <a:rPr lang="en-US" smtClean="0"/>
-              <a:t>6/25/2025</a:t>
+              <a:t>6/26/2025</a:t>
             </a:fld>
             <a:endParaRPr lang="en-US"/>
           </a:p>
@@ -3774,8 +3774,8 @@
           <a:chExt cx="0" cy="0"/>
         </a:xfrm>
       </p:grpSpPr>
-      <mc:AlternateContent xmlns:mc="http://schemas.openxmlformats.org/markup-compatibility/2006">
-        <mc:Choice xmlns:a14="http://schemas.microsoft.com/office/drawing/2010/main" Requires="a14">
+      <mc:AlternateContent xmlns:mc="http://schemas.openxmlformats.org/markup-compatibility/2006" xmlns:a14="http://schemas.microsoft.com/office/drawing/2010/main">
+        <mc:Choice Requires="a14">
           <p:sp>
             <p:nvSpPr>
               <p:cNvPr id="4" name="TextBox 3">
@@ -3840,7 +3840,7 @@
             </p:txBody>
           </p:sp>
         </mc:Choice>
-        <mc:Fallback>
+        <mc:Fallback xmlns="">
           <p:sp>
             <p:nvSpPr>
               <p:cNvPr id="4" name="TextBox 3">
@@ -3926,10 +3926,10 @@
       </p:sp>
       <p:pic>
         <p:nvPicPr>
-          <p:cNvPr id="1028" name="Picture 4">
-            <a:extLst>
-              <a:ext uri="{FF2B5EF4-FFF2-40B4-BE49-F238E27FC236}">
-                <a16:creationId xmlns:a16="http://schemas.microsoft.com/office/drawing/2014/main" id="{AB7CF371-782D-27D7-681F-A858D0345E59}"/>
+          <p:cNvPr id="1026" name="Picture 2">
+            <a:extLst>
+              <a:ext uri="{FF2B5EF4-FFF2-40B4-BE49-F238E27FC236}">
+                <a16:creationId xmlns:a16="http://schemas.microsoft.com/office/drawing/2014/main" id="{B4613986-D3EC-2105-32CA-4B3C54C56369}"/>
               </a:ext>
             </a:extLst>
           </p:cNvPr>
@@ -3953,8 +3953,8 @@
         </p:blipFill>
         <p:spPr bwMode="auto">
           <a:xfrm>
-            <a:off x="2779059" y="1147764"/>
-            <a:ext cx="6010275" cy="3490074"/>
+            <a:off x="2779059" y="1077166"/>
+            <a:ext cx="5948643" cy="3454285"/>
           </a:xfrm>
           <a:prstGeom prst="rect">
             <a:avLst/>
@@ -4009,6 +4009,36 @@
       </p:grpSpPr>
       <p:pic>
         <p:nvPicPr>
+          <p:cNvPr id="2" name="Picture 1">
+            <a:extLst>
+              <a:ext uri="{FF2B5EF4-FFF2-40B4-BE49-F238E27FC236}">
+                <a16:creationId xmlns:a16="http://schemas.microsoft.com/office/drawing/2014/main" id="{7FE3970A-9033-D7C6-A9CA-98872B95335D}"/>
+              </a:ext>
+            </a:extLst>
+          </p:cNvPr>
+          <p:cNvPicPr>
+            <a:picLocks noChangeAspect="1"/>
+          </p:cNvPicPr>
+          <p:nvPr/>
+        </p:nvPicPr>
+        <p:blipFill>
+          <a:blip r:embed="rId2"/>
+          <a:stretch>
+            <a:fillRect/>
+          </a:stretch>
+        </p:blipFill>
+        <p:spPr>
+          <a:xfrm>
+            <a:off x="5146168" y="1591464"/>
+            <a:ext cx="1861842" cy="1982575"/>
+          </a:xfrm>
+          <a:prstGeom prst="rect">
+            <a:avLst/>
+          </a:prstGeom>
+        </p:spPr>
+      </p:pic>
+      <p:pic>
+        <p:nvPicPr>
           <p:cNvPr id="2054" name="Picture 6">
             <a:extLst>
               <a:ext uri="{FF2B5EF4-FFF2-40B4-BE49-F238E27FC236}">
@@ -4022,7 +4052,7 @@
           <p:nvPr/>
         </p:nvPicPr>
         <p:blipFill>
-          <a:blip r:embed="rId2">
+          <a:blip r:embed="rId3">
             <a:extLst>
               <a:ext uri="{28A0092B-C50C-407E-A947-70E740481C1C}">
                 <a14:useLocalDpi xmlns:a14="http://schemas.microsoft.com/office/drawing/2010/main" val="0"/>
@@ -4069,7 +4099,7 @@
           <p:nvPr/>
         </p:nvPicPr>
         <p:blipFill>
-          <a:blip r:embed="rId3"/>
+          <a:blip r:embed="rId4"/>
           <a:stretch>
             <a:fillRect/>
           </a:stretch>
@@ -4084,38 +4114,8 @@
           </a:prstGeom>
         </p:spPr>
       </p:pic>
-      <p:pic>
-        <p:nvPicPr>
-          <p:cNvPr id="8" name="Picture 7">
-            <a:extLst>
-              <a:ext uri="{FF2B5EF4-FFF2-40B4-BE49-F238E27FC236}">
-                <a16:creationId xmlns:a16="http://schemas.microsoft.com/office/drawing/2014/main" id="{5A1F016D-7B79-211C-9B03-1CFE643BCF97}"/>
-              </a:ext>
-            </a:extLst>
-          </p:cNvPr>
-          <p:cNvPicPr>
-            <a:picLocks noChangeAspect="1"/>
-          </p:cNvPicPr>
-          <p:nvPr/>
-        </p:nvPicPr>
-        <p:blipFill>
-          <a:blip r:embed="rId4"/>
-          <a:stretch>
-            <a:fillRect/>
-          </a:stretch>
-        </p:blipFill>
-        <p:spPr>
-          <a:xfrm>
-            <a:off x="5202578" y="1762550"/>
-            <a:ext cx="2000159" cy="1730797"/>
-          </a:xfrm>
-          <a:prstGeom prst="rect">
-            <a:avLst/>
-          </a:prstGeom>
-        </p:spPr>
-      </p:pic>
-      <mc:AlternateContent xmlns:mc="http://schemas.openxmlformats.org/markup-compatibility/2006">
-        <mc:Choice xmlns:a14="http://schemas.microsoft.com/office/drawing/2010/main" Requires="a14">
+      <mc:AlternateContent xmlns:mc="http://schemas.openxmlformats.org/markup-compatibility/2006" xmlns:a14="http://schemas.microsoft.com/office/drawing/2010/main">
+        <mc:Choice Requires="a14">
           <p:sp>
             <p:nvSpPr>
               <p:cNvPr id="9" name="TextBox 8">
@@ -4356,7 +4356,7 @@
             </p:txBody>
           </p:sp>
         </mc:Choice>
-        <mc:Fallback>
+        <mc:Fallback xmlns="">
           <p:sp>
             <p:nvSpPr>
               <p:cNvPr id="9" name="TextBox 8">
@@ -4788,53 +4788,6 @@
       </p:grpSpPr>
       <p:pic>
         <p:nvPicPr>
-          <p:cNvPr id="4098" name="Picture 2">
-            <a:extLst>
-              <a:ext uri="{FF2B5EF4-FFF2-40B4-BE49-F238E27FC236}">
-                <a16:creationId xmlns:a16="http://schemas.microsoft.com/office/drawing/2014/main" id="{44569DE9-8912-8136-67EA-16882ABD1902}"/>
-              </a:ext>
-            </a:extLst>
-          </p:cNvPr>
-          <p:cNvPicPr>
-            <a:picLocks noChangeAspect="1" noChangeArrowheads="1"/>
-          </p:cNvPicPr>
-          <p:nvPr/>
-        </p:nvPicPr>
-        <p:blipFill>
-          <a:blip r:embed="rId2">
-            <a:extLst>
-              <a:ext uri="{28A0092B-C50C-407E-A947-70E740481C1C}">
-                <a14:useLocalDpi xmlns:a14="http://schemas.microsoft.com/office/drawing/2010/main" val="0"/>
-              </a:ext>
-            </a:extLst>
-          </a:blip>
-          <a:srcRect/>
-          <a:stretch>
-            <a:fillRect/>
-          </a:stretch>
-        </p:blipFill>
-        <p:spPr bwMode="auto">
-          <a:xfrm>
-            <a:off x="1006885" y="3121217"/>
-            <a:ext cx="2070106" cy="852164"/>
-          </a:xfrm>
-          <a:prstGeom prst="rect">
-            <a:avLst/>
-          </a:prstGeom>
-          <a:noFill/>
-          <a:extLst>
-            <a:ext uri="{909E8E84-426E-40DD-AFC4-6F175D3DCCD1}">
-              <a14:hiddenFill xmlns:a14="http://schemas.microsoft.com/office/drawing/2010/main">
-                <a:solidFill>
-                  <a:srgbClr val="FFFFFF"/>
-                </a:solidFill>
-              </a14:hiddenFill>
-            </a:ext>
-          </a:extLst>
-        </p:spPr>
-      </p:pic>
-      <p:pic>
-        <p:nvPicPr>
           <p:cNvPr id="12" name="Picture 11">
             <a:extLst>
               <a:ext uri="{FF2B5EF4-FFF2-40B4-BE49-F238E27FC236}">
@@ -4848,7 +4801,7 @@
           <p:nvPr/>
         </p:nvPicPr>
         <p:blipFill>
-          <a:blip r:embed="rId3"/>
+          <a:blip r:embed="rId2"/>
           <a:stretch>
             <a:fillRect/>
           </a:stretch>
@@ -4878,7 +4831,7 @@
           <p:nvPr/>
         </p:nvPicPr>
         <p:blipFill>
-          <a:blip r:embed="rId4"/>
+          <a:blip r:embed="rId3"/>
           <a:srcRect t="19084"/>
           <a:stretch>
             <a:fillRect/>
@@ -4909,7 +4862,7 @@
           <p:nvPr/>
         </p:nvPicPr>
         <p:blipFill>
-          <a:blip r:embed="rId5">
+          <a:blip r:embed="rId4">
             <a:extLst>
               <a:ext uri="{28A0092B-C50C-407E-A947-70E740481C1C}">
                 <a14:useLocalDpi xmlns:a14="http://schemas.microsoft.com/office/drawing/2010/main" val="0"/>
@@ -4956,7 +4909,7 @@
           <p:nvPr/>
         </p:nvPicPr>
         <p:blipFill>
-          <a:blip r:embed="rId6"/>
+          <a:blip r:embed="rId5"/>
           <a:stretch>
             <a:fillRect/>
           </a:stretch>
@@ -4986,7 +4939,7 @@
           <p:nvPr/>
         </p:nvPicPr>
         <p:blipFill>
-          <a:blip r:embed="rId7"/>
+          <a:blip r:embed="rId6"/>
           <a:stretch>
             <a:fillRect/>
           </a:stretch>
@@ -5001,8 +4954,8 @@
           </a:prstGeom>
         </p:spPr>
       </p:pic>
-      <mc:AlternateContent xmlns:mc="http://schemas.openxmlformats.org/markup-compatibility/2006">
-        <mc:Choice xmlns:a14="http://schemas.microsoft.com/office/drawing/2010/main" Requires="a14">
+      <mc:AlternateContent xmlns:mc="http://schemas.openxmlformats.org/markup-compatibility/2006" xmlns:a14="http://schemas.microsoft.com/office/drawing/2010/main">
+        <mc:Choice Requires="a14">
           <p:sp>
             <p:nvSpPr>
               <p:cNvPr id="8" name="TextBox 7">
@@ -5073,7 +5026,7 @@
             </p:txBody>
           </p:sp>
         </mc:Choice>
-        <mc:Fallback>
+        <mc:Fallback xmlns="">
           <p:sp>
             <p:nvSpPr>
               <p:cNvPr id="8" name="TextBox 7">
@@ -5118,8 +5071,8 @@
           </p:sp>
         </mc:Fallback>
       </mc:AlternateContent>
-      <mc:AlternateContent xmlns:mc="http://schemas.openxmlformats.org/markup-compatibility/2006">
-        <mc:Choice xmlns:a14="http://schemas.microsoft.com/office/drawing/2010/main" Requires="a14">
+      <mc:AlternateContent xmlns:mc="http://schemas.openxmlformats.org/markup-compatibility/2006" xmlns:a14="http://schemas.microsoft.com/office/drawing/2010/main">
+        <mc:Choice Requires="a14">
           <p:sp>
             <p:nvSpPr>
               <p:cNvPr id="9" name="TextBox 8">
@@ -5190,7 +5143,7 @@
             </p:txBody>
           </p:sp>
         </mc:Choice>
-        <mc:Fallback>
+        <mc:Fallback xmlns="">
           <p:sp>
             <p:nvSpPr>
               <p:cNvPr id="9" name="TextBox 8">
@@ -5235,8 +5188,8 @@
           </p:sp>
         </mc:Fallback>
       </mc:AlternateContent>
-      <mc:AlternateContent xmlns:mc="http://schemas.openxmlformats.org/markup-compatibility/2006">
-        <mc:Choice xmlns:a14="http://schemas.microsoft.com/office/drawing/2010/main" Requires="a14">
+      <mc:AlternateContent xmlns:mc="http://schemas.openxmlformats.org/markup-compatibility/2006" xmlns:a14="http://schemas.microsoft.com/office/drawing/2010/main">
+        <mc:Choice Requires="a14">
           <p:sp>
             <p:nvSpPr>
               <p:cNvPr id="11" name="TextBox 10">
@@ -5307,7 +5260,7 @@
             </p:txBody>
           </p:sp>
         </mc:Choice>
-        <mc:Fallback>
+        <mc:Fallback xmlns="">
           <p:sp>
             <p:nvSpPr>
               <p:cNvPr id="11" name="TextBox 10">
@@ -5352,8 +5305,8 @@
           </p:sp>
         </mc:Fallback>
       </mc:AlternateContent>
-      <mc:AlternateContent xmlns:mc="http://schemas.openxmlformats.org/markup-compatibility/2006">
-        <mc:Choice xmlns:a14="http://schemas.microsoft.com/office/drawing/2010/main" Requires="a14">
+      <mc:AlternateContent xmlns:mc="http://schemas.openxmlformats.org/markup-compatibility/2006" xmlns:a14="http://schemas.microsoft.com/office/drawing/2010/main">
+        <mc:Choice Requires="a14">
           <p:sp>
             <p:nvSpPr>
               <p:cNvPr id="13" name="TextBox 12">
@@ -5424,7 +5377,7 @@
             </p:txBody>
           </p:sp>
         </mc:Choice>
-        <mc:Fallback>
+        <mc:Fallback xmlns="">
           <p:sp>
             <p:nvSpPr>
               <p:cNvPr id="13" name="TextBox 12">
@@ -5469,8 +5422,8 @@
           </p:sp>
         </mc:Fallback>
       </mc:AlternateContent>
-      <mc:AlternateContent xmlns:mc="http://schemas.openxmlformats.org/markup-compatibility/2006">
-        <mc:Choice xmlns:a14="http://schemas.microsoft.com/office/drawing/2010/main" Requires="a14">
+      <mc:AlternateContent xmlns:mc="http://schemas.openxmlformats.org/markup-compatibility/2006" xmlns:a14="http://schemas.microsoft.com/office/drawing/2010/main">
+        <mc:Choice Requires="a14">
           <p:sp>
             <p:nvSpPr>
               <p:cNvPr id="15" name="TextBox 14">
@@ -5541,7 +5494,7 @@
             </p:txBody>
           </p:sp>
         </mc:Choice>
-        <mc:Fallback>
+        <mc:Fallback xmlns="">
           <p:sp>
             <p:nvSpPr>
               <p:cNvPr id="15" name="TextBox 14">
@@ -5778,7 +5731,7 @@
             <p:spPr>
               <a:xfrm>
                 <a:off x="1006885" y="4125048"/>
-                <a:ext cx="10137791" cy="1498744"/>
+                <a:ext cx="10137791" cy="1520160"/>
               </a:xfrm>
               <a:prstGeom prst="rect">
                 <a:avLst/>
@@ -6175,13 +6128,7 @@
                       <a:rPr lang="en-US" b="0" i="0" smtClean="0">
                         <a:latin typeface="Cambria Math" panose="02040503050406030204" pitchFamily="18" charset="0"/>
                       </a:rPr>
-                      <m:t>.</m:t>
-                    </m:r>
-                    <m:r>
-                      <a:rPr lang="en-US" b="0" i="0" smtClean="0">
-                        <a:latin typeface="Cambria Math" panose="02040503050406030204" pitchFamily="18" charset="0"/>
-                      </a:rPr>
-                      <m:t> </m:t>
+                      <m:t>. </m:t>
                     </m:r>
                   </m:oMath>
                 </a14:m>
@@ -6292,15 +6239,68 @@
                       </a:rPr>
                       <m:t>nm</m:t>
                     </m:r>
+                  </m:oMath>
+                </a14:m>
+                <a:r>
+                  <a:rPr lang="en-US" dirty="0"/>
+                  <a:t> with </a:t>
+                </a:r>
+                <a14:m>
+                  <m:oMath xmlns:m="http://schemas.openxmlformats.org/officeDocument/2006/math">
+                    <m:sSub>
+                      <m:sSubPr>
+                        <m:ctrlPr>
+                          <a:rPr lang="en-US" b="0" i="1" smtClean="0">
+                            <a:latin typeface="Cambria Math" panose="02040503050406030204" pitchFamily="18" charset="0"/>
+                          </a:rPr>
+                        </m:ctrlPr>
+                      </m:sSubPr>
+                      <m:e>
+                        <m:r>
+                          <a:rPr lang="en-US" b="0" i="1" smtClean="0">
+                            <a:latin typeface="Cambria Math" panose="02040503050406030204" pitchFamily="18" charset="0"/>
+                          </a:rPr>
+                          <m:t>𝜙</m:t>
+                        </m:r>
+                      </m:e>
+                      <m:sub>
+                        <m:r>
+                          <a:rPr lang="en-US" b="0" i="1" smtClean="0">
+                            <a:latin typeface="Cambria Math" panose="02040503050406030204" pitchFamily="18" charset="0"/>
+                          </a:rPr>
+                          <m:t>𝑝</m:t>
+                        </m:r>
+                      </m:sub>
+                    </m:sSub>
                     <m:r>
-                      <a:rPr lang="en-US" i="1">
+                      <a:rPr lang="en-US" b="0" i="1" smtClean="0">
                         <a:latin typeface="Cambria Math" panose="02040503050406030204" pitchFamily="18" charset="0"/>
                       </a:rPr>
-                      <m:t>.</m:t>
+                      <m:t>=</m:t>
                     </m:r>
+                    <m:d>
+                      <m:dPr>
+                        <m:ctrlPr>
+                          <a:rPr lang="en-US" b="0" i="1" smtClean="0">
+                            <a:latin typeface="Cambria Math" panose="02040503050406030204" pitchFamily="18" charset="0"/>
+                          </a:rPr>
+                        </m:ctrlPr>
+                      </m:dPr>
+                      <m:e>
+                        <m:r>
+                          <a:rPr lang="en-US" b="0" i="1" smtClean="0">
+                            <a:latin typeface="Cambria Math" panose="02040503050406030204" pitchFamily="18" charset="0"/>
+                          </a:rPr>
+                          <m:t>0.0, 0.80</m:t>
+                        </m:r>
+                      </m:e>
+                    </m:d>
                   </m:oMath>
                 </a14:m>
-                <a:endParaRPr lang="en-US" dirty="0"/>
+                <a:r>
+                  <a:rPr lang="en-US" dirty="0"/>
+                  <a:t>.</a:t>
+                </a:r>
               </a:p>
             </p:txBody>
           </p:sp>
@@ -6323,7 +6323,7 @@
             <p:spPr>
               <a:xfrm>
                 <a:off x="1006885" y="4125048"/>
-                <a:ext cx="10137791" cy="1498744"/>
+                <a:ext cx="10137791" cy="1520160"/>
               </a:xfrm>
               <a:prstGeom prst="rect">
                 <a:avLst/>
@@ -6331,7 +6331,7 @@
               <a:blipFill>
                 <a:blip r:embed="rId13"/>
                 <a:stretch>
-                  <a:fillRect l="-481" t="-2033" r="-722" b="-1220"/>
+                  <a:fillRect l="-481" t="-2008" r="-722" b="-4819"/>
                 </a:stretch>
               </a:blipFill>
             </p:spPr>
@@ -6519,6 +6519,53 @@
           <a:prstGeom prst="rect">
             <a:avLst/>
           </a:prstGeom>
+        </p:spPr>
+      </p:pic>
+      <p:pic>
+        <p:nvPicPr>
+          <p:cNvPr id="5" name="Picture 8">
+            <a:extLst>
+              <a:ext uri="{FF2B5EF4-FFF2-40B4-BE49-F238E27FC236}">
+                <a16:creationId xmlns:a16="http://schemas.microsoft.com/office/drawing/2014/main" id="{EA509EBE-CFBF-6771-D9F5-CA1CC190B54C}"/>
+              </a:ext>
+            </a:extLst>
+          </p:cNvPr>
+          <p:cNvPicPr>
+            <a:picLocks noChangeAspect="1" noChangeArrowheads="1"/>
+          </p:cNvPicPr>
+          <p:nvPr/>
+        </p:nvPicPr>
+        <p:blipFill>
+          <a:blip r:embed="rId18">
+            <a:extLst>
+              <a:ext uri="{28A0092B-C50C-407E-A947-70E740481C1C}">
+                <a14:useLocalDpi xmlns:a14="http://schemas.microsoft.com/office/drawing/2010/main" val="0"/>
+              </a:ext>
+            </a:extLst>
+          </a:blip>
+          <a:srcRect/>
+          <a:stretch>
+            <a:fillRect/>
+          </a:stretch>
+        </p:blipFill>
+        <p:spPr bwMode="auto">
+          <a:xfrm>
+            <a:off x="1134636" y="3118707"/>
+            <a:ext cx="1795006" cy="820270"/>
+          </a:xfrm>
+          <a:prstGeom prst="rect">
+            <a:avLst/>
+          </a:prstGeom>
+          <a:noFill/>
+          <a:extLst>
+            <a:ext uri="{909E8E84-426E-40DD-AFC4-6F175D3DCCD1}">
+              <a14:hiddenFill xmlns:a14="http://schemas.microsoft.com/office/drawing/2010/main">
+                <a:solidFill>
+                  <a:srgbClr val="FFFFFF"/>
+                </a:solidFill>
+              </a14:hiddenFill>
+            </a:ext>
+          </a:extLst>
         </p:spPr>
       </p:pic>
     </p:spTree>
@@ -6598,8 +6645,8 @@
           </a:extLst>
         </p:spPr>
       </p:pic>
-      <mc:AlternateContent xmlns:mc="http://schemas.openxmlformats.org/markup-compatibility/2006">
-        <mc:Choice xmlns:a14="http://schemas.microsoft.com/office/drawing/2010/main" Requires="a14">
+      <mc:AlternateContent xmlns:mc="http://schemas.openxmlformats.org/markup-compatibility/2006" xmlns:a14="http://schemas.microsoft.com/office/drawing/2010/main">
+        <mc:Choice Requires="a14">
           <p:sp>
             <p:nvSpPr>
               <p:cNvPr id="3" name="TextBox 2">
@@ -6684,7 +6731,7 @@
             </p:txBody>
           </p:sp>
         </mc:Choice>
-        <mc:Fallback>
+        <mc:Fallback xmlns="">
           <p:sp>
             <p:nvSpPr>
               <p:cNvPr id="3" name="TextBox 2">
@@ -6872,8 +6919,8 @@
           </a:prstGeom>
         </p:spPr>
       </p:pic>
-      <mc:AlternateContent xmlns:mc="http://schemas.openxmlformats.org/markup-compatibility/2006">
-        <mc:Choice xmlns:a14="http://schemas.microsoft.com/office/drawing/2010/main" Requires="a14">
+      <mc:AlternateContent xmlns:mc="http://schemas.openxmlformats.org/markup-compatibility/2006" xmlns:a14="http://schemas.microsoft.com/office/drawing/2010/main">
+        <mc:Choice Requires="a14">
           <p:sp>
             <p:nvSpPr>
               <p:cNvPr id="14" name="TextBox 13">
@@ -7349,7 +7396,7 @@
             </p:txBody>
           </p:sp>
         </mc:Choice>
-        <mc:Fallback>
+        <mc:Fallback xmlns="">
           <p:sp>
             <p:nvSpPr>
               <p:cNvPr id="14" name="TextBox 13">
@@ -7394,8 +7441,8 @@
           </p:sp>
         </mc:Fallback>
       </mc:AlternateContent>
-      <mc:AlternateContent xmlns:mc="http://schemas.openxmlformats.org/markup-compatibility/2006">
-        <mc:Choice xmlns:a14="http://schemas.microsoft.com/office/drawing/2010/main" Requires="a14">
+      <mc:AlternateContent xmlns:mc="http://schemas.openxmlformats.org/markup-compatibility/2006" xmlns:a14="http://schemas.microsoft.com/office/drawing/2010/main">
+        <mc:Choice Requires="a14">
           <p:sp>
             <p:nvSpPr>
               <p:cNvPr id="15" name="TextBox 14">
@@ -7466,7 +7513,7 @@
             </p:txBody>
           </p:sp>
         </mc:Choice>
-        <mc:Fallback>
+        <mc:Fallback xmlns="">
           <p:sp>
             <p:nvSpPr>
               <p:cNvPr id="15" name="TextBox 14">
@@ -7511,8 +7558,8 @@
           </p:sp>
         </mc:Fallback>
       </mc:AlternateContent>
-      <mc:AlternateContent xmlns:mc="http://schemas.openxmlformats.org/markup-compatibility/2006">
-        <mc:Choice xmlns:a14="http://schemas.microsoft.com/office/drawing/2010/main" Requires="a14">
+      <mc:AlternateContent xmlns:mc="http://schemas.openxmlformats.org/markup-compatibility/2006" xmlns:a14="http://schemas.microsoft.com/office/drawing/2010/main">
+        <mc:Choice Requires="a14">
           <p:sp>
             <p:nvSpPr>
               <p:cNvPr id="18" name="TextBox 17">
@@ -7583,7 +7630,7 @@
             </p:txBody>
           </p:sp>
         </mc:Choice>
-        <mc:Fallback>
+        <mc:Fallback xmlns="">
           <p:sp>
             <p:nvSpPr>
               <p:cNvPr id="18" name="TextBox 17">
@@ -7628,8 +7675,8 @@
           </p:sp>
         </mc:Fallback>
       </mc:AlternateContent>
-      <mc:AlternateContent xmlns:mc="http://schemas.openxmlformats.org/markup-compatibility/2006">
-        <mc:Choice xmlns:a14="http://schemas.microsoft.com/office/drawing/2010/main" Requires="a14">
+      <mc:AlternateContent xmlns:mc="http://schemas.openxmlformats.org/markup-compatibility/2006" xmlns:a14="http://schemas.microsoft.com/office/drawing/2010/main">
+        <mc:Choice Requires="a14">
           <p:sp>
             <p:nvSpPr>
               <p:cNvPr id="19" name="TextBox 18">
@@ -7700,7 +7747,7 @@
             </p:txBody>
           </p:sp>
         </mc:Choice>
-        <mc:Fallback>
+        <mc:Fallback xmlns="">
           <p:sp>
             <p:nvSpPr>
               <p:cNvPr id="19" name="TextBox 18">
@@ -7745,8 +7792,8 @@
           </p:sp>
         </mc:Fallback>
       </mc:AlternateContent>
-      <mc:AlternateContent xmlns:mc="http://schemas.openxmlformats.org/markup-compatibility/2006">
-        <mc:Choice xmlns:a14="http://schemas.microsoft.com/office/drawing/2010/main" Requires="a14">
+      <mc:AlternateContent xmlns:mc="http://schemas.openxmlformats.org/markup-compatibility/2006" xmlns:a14="http://schemas.microsoft.com/office/drawing/2010/main">
+        <mc:Choice Requires="a14">
           <p:sp>
             <p:nvSpPr>
               <p:cNvPr id="20" name="TextBox 19">
@@ -7817,7 +7864,7 @@
             </p:txBody>
           </p:sp>
         </mc:Choice>
-        <mc:Fallback>
+        <mc:Fallback xmlns="">
           <p:sp>
             <p:nvSpPr>
               <p:cNvPr id="20" name="TextBox 19">
@@ -7862,8 +7909,8 @@
           </p:sp>
         </mc:Fallback>
       </mc:AlternateContent>
-      <mc:AlternateContent xmlns:mc="http://schemas.openxmlformats.org/markup-compatibility/2006">
-        <mc:Choice xmlns:a14="http://schemas.microsoft.com/office/drawing/2010/main" Requires="a14">
+      <mc:AlternateContent xmlns:mc="http://schemas.openxmlformats.org/markup-compatibility/2006" xmlns:a14="http://schemas.microsoft.com/office/drawing/2010/main">
+        <mc:Choice Requires="a14">
           <p:sp>
             <p:nvSpPr>
               <p:cNvPr id="21" name="TextBox 20">
@@ -7934,7 +7981,7 @@
             </p:txBody>
           </p:sp>
         </mc:Choice>
-        <mc:Fallback>
+        <mc:Fallback xmlns="">
           <p:sp>
             <p:nvSpPr>
               <p:cNvPr id="21" name="TextBox 20">
@@ -8336,53 +8383,6 @@
       </p:sp>
       <p:pic>
         <p:nvPicPr>
-          <p:cNvPr id="8" name="Picture 2">
-            <a:extLst>
-              <a:ext uri="{FF2B5EF4-FFF2-40B4-BE49-F238E27FC236}">
-                <a16:creationId xmlns:a16="http://schemas.microsoft.com/office/drawing/2014/main" id="{62462D51-80FF-2C81-6821-A7FBEFF40C85}"/>
-              </a:ext>
-            </a:extLst>
-          </p:cNvPr>
-          <p:cNvPicPr>
-            <a:picLocks noChangeAspect="1" noChangeArrowheads="1"/>
-          </p:cNvPicPr>
-          <p:nvPr/>
-        </p:nvPicPr>
-        <p:blipFill>
-          <a:blip r:embed="rId13">
-            <a:extLst>
-              <a:ext uri="{28A0092B-C50C-407E-A947-70E740481C1C}">
-                <a14:useLocalDpi xmlns:a14="http://schemas.microsoft.com/office/drawing/2010/main" val="0"/>
-              </a:ext>
-            </a:extLst>
-          </a:blip>
-          <a:srcRect/>
-          <a:stretch>
-            <a:fillRect/>
-          </a:stretch>
-        </p:blipFill>
-        <p:spPr bwMode="auto">
-          <a:xfrm>
-            <a:off x="903135" y="3200760"/>
-            <a:ext cx="1871540" cy="1432502"/>
-          </a:xfrm>
-          <a:prstGeom prst="rect">
-            <a:avLst/>
-          </a:prstGeom>
-          <a:noFill/>
-          <a:extLst>
-            <a:ext uri="{909E8E84-426E-40DD-AFC4-6F175D3DCCD1}">
-              <a14:hiddenFill xmlns:a14="http://schemas.microsoft.com/office/drawing/2010/main">
-                <a:solidFill>
-                  <a:srgbClr val="FFFFFF"/>
-                </a:solidFill>
-              </a14:hiddenFill>
-            </a:ext>
-          </a:extLst>
-        </p:spPr>
-      </p:pic>
-      <p:pic>
-        <p:nvPicPr>
           <p:cNvPr id="35" name="Picture 34">
             <a:extLst>
               <a:ext uri="{FF2B5EF4-FFF2-40B4-BE49-F238E27FC236}">
@@ -8396,14 +8396,14 @@
           <p:nvPr/>
         </p:nvPicPr>
         <p:blipFill>
-          <a:blip r:embed="rId14"/>
+          <a:blip r:embed="rId13"/>
           <a:stretch>
             <a:fillRect/>
           </a:stretch>
         </p:blipFill>
         <p:spPr>
           <a:xfrm>
-            <a:off x="4843287" y="1284387"/>
+            <a:off x="4843287" y="1293575"/>
             <a:ext cx="1610635" cy="1726992"/>
           </a:xfrm>
           <a:prstGeom prst="rect">
@@ -8426,7 +8426,7 @@
           <p:nvPr/>
         </p:nvPicPr>
         <p:blipFill>
-          <a:blip r:embed="rId15">
+          <a:blip r:embed="rId14">
             <a:extLst>
               <a:ext uri="{28A0092B-C50C-407E-A947-70E740481C1C}">
                 <a14:useLocalDpi xmlns:a14="http://schemas.microsoft.com/office/drawing/2010/main" val="0"/>
@@ -8473,7 +8473,7 @@
           <p:nvPr/>
         </p:nvPicPr>
         <p:blipFill>
-          <a:blip r:embed="rId16">
+          <a:blip r:embed="rId15">
             <a:extLst>
               <a:ext uri="{28A0092B-C50C-407E-A947-70E740481C1C}">
                 <a14:useLocalDpi xmlns:a14="http://schemas.microsoft.com/office/drawing/2010/main" val="0"/>
@@ -8520,7 +8520,7 @@
           <p:nvPr/>
         </p:nvPicPr>
         <p:blipFill>
-          <a:blip r:embed="rId17">
+          <a:blip r:embed="rId16">
             <a:extLst>
               <a:ext uri="{28A0092B-C50C-407E-A947-70E740481C1C}">
                 <a14:useLocalDpi xmlns:a14="http://schemas.microsoft.com/office/drawing/2010/main" val="0"/>
@@ -8536,6 +8536,53 @@
           <a:xfrm>
             <a:off x="8569690" y="3152764"/>
             <a:ext cx="1828341" cy="1540771"/>
+          </a:xfrm>
+          <a:prstGeom prst="rect">
+            <a:avLst/>
+          </a:prstGeom>
+          <a:noFill/>
+          <a:extLst>
+            <a:ext uri="{909E8E84-426E-40DD-AFC4-6F175D3DCCD1}">
+              <a14:hiddenFill xmlns:a14="http://schemas.microsoft.com/office/drawing/2010/main">
+                <a:solidFill>
+                  <a:srgbClr val="FFFFFF"/>
+                </a:solidFill>
+              </a14:hiddenFill>
+            </a:ext>
+          </a:extLst>
+        </p:spPr>
+      </p:pic>
+      <p:pic>
+        <p:nvPicPr>
+          <p:cNvPr id="2" name="Picture 4">
+            <a:extLst>
+              <a:ext uri="{FF2B5EF4-FFF2-40B4-BE49-F238E27FC236}">
+                <a16:creationId xmlns:a16="http://schemas.microsoft.com/office/drawing/2014/main" id="{6642C469-3900-561A-1D3B-A5893FBD5B26}"/>
+              </a:ext>
+            </a:extLst>
+          </p:cNvPr>
+          <p:cNvPicPr>
+            <a:picLocks noChangeAspect="1" noChangeArrowheads="1"/>
+          </p:cNvPicPr>
+          <p:nvPr/>
+        </p:nvPicPr>
+        <p:blipFill>
+          <a:blip r:embed="rId17">
+            <a:extLst>
+              <a:ext uri="{28A0092B-C50C-407E-A947-70E740481C1C}">
+                <a14:useLocalDpi xmlns:a14="http://schemas.microsoft.com/office/drawing/2010/main" val="0"/>
+              </a:ext>
+            </a:extLst>
+          </a:blip>
+          <a:srcRect/>
+          <a:stretch>
+            <a:fillRect/>
+          </a:stretch>
+        </p:blipFill>
+        <p:spPr bwMode="auto">
+          <a:xfrm>
+            <a:off x="867902" y="3096850"/>
+            <a:ext cx="2075215" cy="1588398"/>
           </a:xfrm>
           <a:prstGeom prst="rect">
             <a:avLst/>
@@ -8582,8 +8629,8 @@
           <a:chExt cx="0" cy="0"/>
         </a:xfrm>
       </p:grpSpPr>
-      <mc:AlternateContent xmlns:mc="http://schemas.openxmlformats.org/markup-compatibility/2006">
-        <mc:Choice xmlns:a14="http://schemas.microsoft.com/office/drawing/2010/main" Requires="a14">
+      <mc:AlternateContent xmlns:mc="http://schemas.openxmlformats.org/markup-compatibility/2006" xmlns:a14="http://schemas.microsoft.com/office/drawing/2010/main">
+        <mc:Choice Requires="a14">
           <p:sp>
             <p:nvSpPr>
               <p:cNvPr id="3" name="TextBox 2">
@@ -8670,7 +8717,7 @@
             </p:txBody>
           </p:sp>
         </mc:Choice>
-        <mc:Fallback>
+        <mc:Fallback xmlns="">
           <p:sp>
             <p:nvSpPr>
               <p:cNvPr id="3" name="TextBox 2">
@@ -8931,7 +8978,7 @@
             </p:nvSpPr>
             <p:spPr>
               <a:xfrm>
-                <a:off x="1084526" y="4682138"/>
+                <a:off x="1245890" y="4126326"/>
                 <a:ext cx="9626249" cy="1777987"/>
               </a:xfrm>
               <a:prstGeom prst="rect">
@@ -8947,7 +8994,7 @@
               <a:p>
                 <a:r>
                   <a:rPr lang="en-US" dirty="0"/>
-                  <a:t>Fig. 7: Metastable vertically segregated PE brush morphologies at fixed </a:t>
+                  <a:t>Fig. 7: Metastable multilayered PE brush morphologies at fixed </a:t>
                 </a:r>
                 <a14:m>
                   <m:oMath xmlns:m="http://schemas.openxmlformats.org/officeDocument/2006/math">
@@ -8986,7 +9033,7 @@
                     <m:sSup>
                       <m:sSupPr>
                         <m:ctrlPr>
-                          <a:rPr lang="en-US" b="0" i="0" smtClean="0">
+                          <a:rPr lang="en-US" b="0" i="1" smtClean="0">
                             <a:latin typeface="Cambria Math" panose="02040503050406030204" pitchFamily="18" charset="0"/>
                           </a:rPr>
                         </m:ctrlPr>
@@ -9093,7 +9140,7 @@
             </p:nvSpPr>
             <p:spPr>
               <a:xfrm>
-                <a:off x="1084526" y="4682138"/>
+                <a:off x="1245890" y="4126326"/>
                 <a:ext cx="9626249" cy="1777987"/>
               </a:xfrm>
               <a:prstGeom prst="rect">
@@ -9102,7 +9149,7 @@
               <a:blipFill>
                 <a:blip r:embed="rId3"/>
                 <a:stretch>
-                  <a:fillRect l="-570" t="-1370" b="-4452"/>
+                  <a:fillRect l="-507" t="-1712" b="-4452"/>
                 </a:stretch>
               </a:blipFill>
             </p:spPr>
@@ -9150,7 +9197,7 @@
         </p:blipFill>
         <p:spPr bwMode="auto">
           <a:xfrm>
-            <a:off x="5328633" y="2142433"/>
+            <a:off x="5465445" y="1605495"/>
             <a:ext cx="1311366" cy="2252357"/>
           </a:xfrm>
           <a:prstGeom prst="rect">
@@ -9190,7 +9237,7 @@
         </p:blipFill>
         <p:spPr>
           <a:xfrm>
-            <a:off x="1120386" y="1959805"/>
+            <a:off x="3312121" y="1548984"/>
             <a:ext cx="1656725" cy="2172660"/>
           </a:xfrm>
           <a:prstGeom prst="rect">
@@ -9220,7 +9267,7 @@
         </p:blipFill>
         <p:spPr>
           <a:xfrm>
-            <a:off x="3363349" y="1961798"/>
+            <a:off x="11038371" y="3551171"/>
             <a:ext cx="1153629" cy="2353142"/>
           </a:xfrm>
           <a:prstGeom prst="rect">
@@ -9257,7 +9304,7 @@
         </p:blipFill>
         <p:spPr bwMode="auto">
           <a:xfrm>
-            <a:off x="7042455" y="1774535"/>
+            <a:off x="7203819" y="1218723"/>
             <a:ext cx="4195191" cy="2560420"/>
           </a:xfrm>
           <a:prstGeom prst="rect">
@@ -9289,7 +9336,7 @@
         </p:nvSpPr>
         <p:spPr>
           <a:xfrm>
-            <a:off x="867326" y="1252327"/>
+            <a:off x="1028690" y="696515"/>
             <a:ext cx="506119" cy="369332"/>
           </a:xfrm>
           <a:prstGeom prst="rect">
@@ -9324,7 +9371,7 @@
         </p:nvSpPr>
         <p:spPr>
           <a:xfrm>
-            <a:off x="3110289" y="1252327"/>
+            <a:off x="3271653" y="696515"/>
             <a:ext cx="506119" cy="369332"/>
           </a:xfrm>
           <a:prstGeom prst="rect">
@@ -9359,7 +9406,7 @@
         </p:nvSpPr>
         <p:spPr>
           <a:xfrm>
-            <a:off x="4953139" y="1252327"/>
+            <a:off x="5114503" y="696515"/>
             <a:ext cx="506119" cy="369332"/>
           </a:xfrm>
           <a:prstGeom prst="rect">
@@ -9394,7 +9441,7 @@
         </p:nvSpPr>
         <p:spPr>
           <a:xfrm>
-            <a:off x="7006348" y="1252327"/>
+            <a:off x="7167712" y="696515"/>
             <a:ext cx="506119" cy="369332"/>
           </a:xfrm>
           <a:prstGeom prst="rect">
@@ -9415,8 +9462,8 @@
           </a:p>
         </p:txBody>
       </p:sp>
-      <mc:AlternateContent xmlns:mc="http://schemas.openxmlformats.org/markup-compatibility/2006" xmlns:a14="http://schemas.microsoft.com/office/drawing/2010/main">
-        <mc:Choice Requires="a14">
+      <mc:AlternateContent xmlns:mc="http://schemas.openxmlformats.org/markup-compatibility/2006">
+        <mc:Choice xmlns:a14="http://schemas.microsoft.com/office/drawing/2010/main" Requires="a14">
           <p:sp>
             <p:nvSpPr>
               <p:cNvPr id="15" name="TextBox 14">
@@ -9431,7 +9478,7 @@
             </p:nvSpPr>
             <p:spPr>
               <a:xfrm>
-                <a:off x="1335014" y="1687787"/>
+                <a:off x="1496378" y="1131975"/>
                 <a:ext cx="1681433" cy="338554"/>
               </a:xfrm>
               <a:prstGeom prst="rect">
@@ -9487,7 +9534,7 @@
             </p:txBody>
           </p:sp>
         </mc:Choice>
-        <mc:Fallback xmlns="">
+        <mc:Fallback>
           <p:sp>
             <p:nvSpPr>
               <p:cNvPr id="15" name="TextBox 14">
@@ -9504,7 +9551,7 @@
             </p:nvSpPr>
             <p:spPr>
               <a:xfrm>
-                <a:off x="1335014" y="1687787"/>
+                <a:off x="1496378" y="1131975"/>
                 <a:ext cx="1681433" cy="338554"/>
               </a:xfrm>
               <a:prstGeom prst="rect">
@@ -9532,8 +9579,8 @@
           </p:sp>
         </mc:Fallback>
       </mc:AlternateContent>
-      <mc:AlternateContent xmlns:mc="http://schemas.openxmlformats.org/markup-compatibility/2006" xmlns:a14="http://schemas.microsoft.com/office/drawing/2010/main">
-        <mc:Choice Requires="a14">
+      <mc:AlternateContent xmlns:mc="http://schemas.openxmlformats.org/markup-compatibility/2006">
+        <mc:Choice xmlns:a14="http://schemas.microsoft.com/office/drawing/2010/main" Requires="a14">
           <p:sp>
             <p:nvSpPr>
               <p:cNvPr id="18" name="TextBox 17">
@@ -9548,7 +9595,7 @@
             </p:nvSpPr>
             <p:spPr>
               <a:xfrm>
-                <a:off x="3363349" y="1687787"/>
+                <a:off x="5367562" y="1041778"/>
                 <a:ext cx="1681433" cy="338554"/>
               </a:xfrm>
               <a:prstGeom prst="rect">
@@ -9604,7 +9651,7 @@
             </p:txBody>
           </p:sp>
         </mc:Choice>
-        <mc:Fallback xmlns="">
+        <mc:Fallback>
           <p:sp>
             <p:nvSpPr>
               <p:cNvPr id="18" name="TextBox 17">
@@ -9621,7 +9668,7 @@
             </p:nvSpPr>
             <p:spPr>
               <a:xfrm>
-                <a:off x="3363349" y="1687787"/>
+                <a:off x="5367562" y="1041778"/>
                 <a:ext cx="1681433" cy="338554"/>
               </a:xfrm>
               <a:prstGeom prst="rect">
@@ -9649,8 +9696,8 @@
           </p:sp>
         </mc:Fallback>
       </mc:AlternateContent>
-      <mc:AlternateContent xmlns:mc="http://schemas.openxmlformats.org/markup-compatibility/2006" xmlns:a14="http://schemas.microsoft.com/office/drawing/2010/main">
-        <mc:Choice Requires="a14">
+      <mc:AlternateContent xmlns:mc="http://schemas.openxmlformats.org/markup-compatibility/2006">
+        <mc:Choice xmlns:a14="http://schemas.microsoft.com/office/drawing/2010/main" Requires="a14">
           <p:sp>
             <p:nvSpPr>
               <p:cNvPr id="19" name="TextBox 18">
@@ -9665,7 +9712,7 @@
             </p:nvSpPr>
             <p:spPr>
               <a:xfrm>
-                <a:off x="5145220" y="1665079"/>
+                <a:off x="3362375" y="1049432"/>
                 <a:ext cx="1681433" cy="338554"/>
               </a:xfrm>
               <a:prstGeom prst="rect">
@@ -9721,7 +9768,7 @@
             </p:txBody>
           </p:sp>
         </mc:Choice>
-        <mc:Fallback xmlns="">
+        <mc:Fallback>
           <p:sp>
             <p:nvSpPr>
               <p:cNvPr id="19" name="TextBox 18">
@@ -9738,7 +9785,7 @@
             </p:nvSpPr>
             <p:spPr>
               <a:xfrm>
-                <a:off x="5145220" y="1665079"/>
+                <a:off x="3362375" y="1049432"/>
                 <a:ext cx="1681433" cy="338554"/>
               </a:xfrm>
               <a:prstGeom prst="rect">
@@ -9766,6 +9813,140 @@
           </p:sp>
         </mc:Fallback>
       </mc:AlternateContent>
+      <p:pic>
+        <p:nvPicPr>
+          <p:cNvPr id="5" name="Picture 4">
+            <a:extLst>
+              <a:ext uri="{FF2B5EF4-FFF2-40B4-BE49-F238E27FC236}">
+                <a16:creationId xmlns:a16="http://schemas.microsoft.com/office/drawing/2014/main" id="{68B55620-F3F7-96F5-B17D-3A892E1380D5}"/>
+              </a:ext>
+            </a:extLst>
+          </p:cNvPr>
+          <p:cNvPicPr>
+            <a:picLocks noChangeAspect="1"/>
+          </p:cNvPicPr>
+          <p:nvPr/>
+        </p:nvPicPr>
+        <p:blipFill>
+          <a:blip r:embed="rId11"/>
+          <a:stretch>
+            <a:fillRect/>
+          </a:stretch>
+        </p:blipFill>
+        <p:spPr>
+          <a:xfrm>
+            <a:off x="1806450" y="1423962"/>
+            <a:ext cx="934352" cy="2565760"/>
+          </a:xfrm>
+          <a:prstGeom prst="rect">
+            <a:avLst/>
+          </a:prstGeom>
+        </p:spPr>
+      </p:pic>
+      <p:pic>
+        <p:nvPicPr>
+          <p:cNvPr id="6" name="Picture 5">
+            <a:extLst>
+              <a:ext uri="{FF2B5EF4-FFF2-40B4-BE49-F238E27FC236}">
+                <a16:creationId xmlns:a16="http://schemas.microsoft.com/office/drawing/2014/main" id="{21A5C964-0120-733B-CCB1-4F113BE4383C}"/>
+              </a:ext>
+            </a:extLst>
+          </p:cNvPr>
+          <p:cNvPicPr>
+            <a:picLocks noChangeAspect="1"/>
+          </p:cNvPicPr>
+          <p:nvPr/>
+        </p:nvPicPr>
+        <p:blipFill>
+          <a:blip r:embed="rId11"/>
+          <a:stretch>
+            <a:fillRect/>
+          </a:stretch>
+        </p:blipFill>
+        <p:spPr>
+          <a:xfrm>
+            <a:off x="2243459" y="1448794"/>
+            <a:ext cx="934352" cy="2565760"/>
+          </a:xfrm>
+          <a:prstGeom prst="rect">
+            <a:avLst/>
+          </a:prstGeom>
+        </p:spPr>
+      </p:pic>
+      <p:cxnSp>
+        <p:nvCxnSpPr>
+          <p:cNvPr id="17" name="Straight Arrow Connector 16">
+            <a:extLst>
+              <a:ext uri="{FF2B5EF4-FFF2-40B4-BE49-F238E27FC236}">
+                <a16:creationId xmlns:a16="http://schemas.microsoft.com/office/drawing/2014/main" id="{B662A827-BE43-9D2D-EC5C-8D287825DBB7}"/>
+              </a:ext>
+            </a:extLst>
+          </p:cNvPr>
+          <p:cNvCxnSpPr/>
+          <p:nvPr/>
+        </p:nvCxnSpPr>
+        <p:spPr>
+          <a:xfrm>
+            <a:off x="3074749" y="453988"/>
+            <a:ext cx="1956705" cy="0"/>
+          </a:xfrm>
+          <a:prstGeom prst="straightConnector1">
+            <a:avLst/>
+          </a:prstGeom>
+          <a:ln>
+            <a:tailEnd type="triangle"/>
+          </a:ln>
+        </p:spPr>
+        <p:style>
+          <a:lnRef idx="2">
+            <a:schemeClr val="accent1"/>
+          </a:lnRef>
+          <a:fillRef idx="0">
+            <a:schemeClr val="accent1"/>
+          </a:fillRef>
+          <a:effectRef idx="1">
+            <a:schemeClr val="accent1"/>
+          </a:effectRef>
+          <a:fontRef idx="minor">
+            <a:schemeClr val="tx1"/>
+          </a:fontRef>
+        </p:style>
+      </p:cxnSp>
+      <p:sp>
+        <p:nvSpPr>
+          <p:cNvPr id="20" name="TextBox 19">
+            <a:extLst>
+              <a:ext uri="{FF2B5EF4-FFF2-40B4-BE49-F238E27FC236}">
+                <a16:creationId xmlns:a16="http://schemas.microsoft.com/office/drawing/2014/main" id="{70231698-2EE6-C768-B16C-88A170AF5513}"/>
+              </a:ext>
+            </a:extLst>
+          </p:cNvPr>
+          <p:cNvSpPr txBox="1"/>
+          <p:nvPr/>
+        </p:nvSpPr>
+        <p:spPr>
+          <a:xfrm>
+            <a:off x="3163027" y="60243"/>
+            <a:ext cx="2080128" cy="369332"/>
+          </a:xfrm>
+          <a:prstGeom prst="rect">
+            <a:avLst/>
+          </a:prstGeom>
+          <a:noFill/>
+        </p:spPr>
+        <p:txBody>
+          <a:bodyPr wrap="square" rtlCol="0">
+            <a:spAutoFit/>
+          </a:bodyPr>
+          <a:lstStyle/>
+          <a:p>
+            <a:r>
+              <a:rPr lang="en-US" dirty="0"/>
+              <a:t>Inc. F, less lateral </a:t>
+            </a:r>
+          </a:p>
+        </p:txBody>
+      </p:sp>
     </p:spTree>
     <p:extLst>
       <p:ext uri="{BB962C8B-B14F-4D97-AF65-F5344CB8AC3E}">

--- a/SYSG3_paper.pptx
+++ b/SYSG3_paper.pptx
@@ -6243,7 +6243,7 @@
                 </a14:m>
                 <a:r>
                   <a:rPr lang="en-US" dirty="0"/>
-                  <a:t> with </a:t>
+                  <a:t> and colors linearly mapped to </a:t>
                 </a:r>
                 <a14:m>
                   <m:oMath xmlns:m="http://schemas.openxmlformats.org/officeDocument/2006/math">
@@ -6352,10 +6352,10 @@
       </mc:AlternateContent>
       <p:pic>
         <p:nvPicPr>
-          <p:cNvPr id="4102" name="Picture 6">
-            <a:extLst>
-              <a:ext uri="{FF2B5EF4-FFF2-40B4-BE49-F238E27FC236}">
-                <a16:creationId xmlns:a16="http://schemas.microsoft.com/office/drawing/2014/main" id="{71498E1A-7D05-2F35-A03B-A313AFD278F5}"/>
+          <p:cNvPr id="4104" name="Picture 8">
+            <a:extLst>
+              <a:ext uri="{FF2B5EF4-FFF2-40B4-BE49-F238E27FC236}">
+                <a16:creationId xmlns:a16="http://schemas.microsoft.com/office/drawing/2014/main" id="{BA08416E-4C82-8C04-5BC2-D627ABCE39FE}"/>
               </a:ext>
             </a:extLst>
           </p:cNvPr>
@@ -6366,53 +6366,6 @@
         </p:nvPicPr>
         <p:blipFill>
           <a:blip r:embed="rId14">
-            <a:extLst>
-              <a:ext uri="{28A0092B-C50C-407E-A947-70E740481C1C}">
-                <a14:useLocalDpi xmlns:a14="http://schemas.microsoft.com/office/drawing/2010/main" val="0"/>
-              </a:ext>
-            </a:extLst>
-          </a:blip>
-          <a:srcRect/>
-          <a:stretch>
-            <a:fillRect/>
-          </a:stretch>
-        </p:blipFill>
-        <p:spPr bwMode="auto">
-          <a:xfrm>
-            <a:off x="5004783" y="3264579"/>
-            <a:ext cx="1948269" cy="700544"/>
-          </a:xfrm>
-          <a:prstGeom prst="rect">
-            <a:avLst/>
-          </a:prstGeom>
-          <a:noFill/>
-          <a:extLst>
-            <a:ext uri="{909E8E84-426E-40DD-AFC4-6F175D3DCCD1}">
-              <a14:hiddenFill xmlns:a14="http://schemas.microsoft.com/office/drawing/2010/main">
-                <a:solidFill>
-                  <a:srgbClr val="FFFFFF"/>
-                </a:solidFill>
-              </a14:hiddenFill>
-            </a:ext>
-          </a:extLst>
-        </p:spPr>
-      </p:pic>
-      <p:pic>
-        <p:nvPicPr>
-          <p:cNvPr id="4104" name="Picture 8">
-            <a:extLst>
-              <a:ext uri="{FF2B5EF4-FFF2-40B4-BE49-F238E27FC236}">
-                <a16:creationId xmlns:a16="http://schemas.microsoft.com/office/drawing/2014/main" id="{BA08416E-4C82-8C04-5BC2-D627ABCE39FE}"/>
-              </a:ext>
-            </a:extLst>
-          </p:cNvPr>
-          <p:cNvPicPr>
-            <a:picLocks noChangeAspect="1" noChangeArrowheads="1"/>
-          </p:cNvPicPr>
-          <p:nvPr/>
-        </p:nvPicPr>
-        <p:blipFill>
-          <a:blip r:embed="rId15">
             <a:extLst>
               <a:ext uri="{28A0092B-C50C-407E-A947-70E740481C1C}">
                 <a14:useLocalDpi xmlns:a14="http://schemas.microsoft.com/office/drawing/2010/main" val="0"/>
@@ -6446,10 +6399,40 @@
       </p:pic>
       <p:pic>
         <p:nvPicPr>
-          <p:cNvPr id="4106" name="Picture 10">
-            <a:extLst>
-              <a:ext uri="{FF2B5EF4-FFF2-40B4-BE49-F238E27FC236}">
-                <a16:creationId xmlns:a16="http://schemas.microsoft.com/office/drawing/2014/main" id="{205B6672-E94D-78FD-7F6E-D549FDA50D8F}"/>
+          <p:cNvPr id="6" name="Picture 5">
+            <a:extLst>
+              <a:ext uri="{FF2B5EF4-FFF2-40B4-BE49-F238E27FC236}">
+                <a16:creationId xmlns:a16="http://schemas.microsoft.com/office/drawing/2014/main" id="{3FEAD2E2-688E-6384-C5A0-3016981658A8}"/>
+              </a:ext>
+            </a:extLst>
+          </p:cNvPr>
+          <p:cNvPicPr>
+            <a:picLocks noChangeAspect="1"/>
+          </p:cNvPicPr>
+          <p:nvPr/>
+        </p:nvPicPr>
+        <p:blipFill>
+          <a:blip r:embed="rId15"/>
+          <a:stretch>
+            <a:fillRect/>
+          </a:stretch>
+        </p:blipFill>
+        <p:spPr>
+          <a:xfrm>
+            <a:off x="9100022" y="1795400"/>
+            <a:ext cx="1926581" cy="1193200"/>
+          </a:xfrm>
+          <a:prstGeom prst="rect">
+            <a:avLst/>
+          </a:prstGeom>
+        </p:spPr>
+      </p:pic>
+      <p:pic>
+        <p:nvPicPr>
+          <p:cNvPr id="4114" name="Picture 18">
+            <a:extLst>
+              <a:ext uri="{FF2B5EF4-FFF2-40B4-BE49-F238E27FC236}">
+                <a16:creationId xmlns:a16="http://schemas.microsoft.com/office/drawing/2014/main" id="{506A18EE-D2FD-2175-F3A5-99BD1942DF4B}"/>
               </a:ext>
             </a:extLst>
           </p:cNvPr>
@@ -6473,8 +6456,8 @@
         </p:blipFill>
         <p:spPr bwMode="auto">
           <a:xfrm>
-            <a:off x="9008278" y="3130742"/>
-            <a:ext cx="2024379" cy="862343"/>
+            <a:off x="4759047" y="3142212"/>
+            <a:ext cx="2201017" cy="934334"/>
           </a:xfrm>
           <a:prstGeom prst="rect">
             <a:avLst/>
@@ -6493,40 +6476,10 @@
       </p:pic>
       <p:pic>
         <p:nvPicPr>
-          <p:cNvPr id="6" name="Picture 5">
-            <a:extLst>
-              <a:ext uri="{FF2B5EF4-FFF2-40B4-BE49-F238E27FC236}">
-                <a16:creationId xmlns:a16="http://schemas.microsoft.com/office/drawing/2014/main" id="{3FEAD2E2-688E-6384-C5A0-3016981658A8}"/>
-              </a:ext>
-            </a:extLst>
-          </p:cNvPr>
-          <p:cNvPicPr>
-            <a:picLocks noChangeAspect="1"/>
-          </p:cNvPicPr>
-          <p:nvPr/>
-        </p:nvPicPr>
-        <p:blipFill>
-          <a:blip r:embed="rId17"/>
-          <a:stretch>
-            <a:fillRect/>
-          </a:stretch>
-        </p:blipFill>
-        <p:spPr>
-          <a:xfrm>
-            <a:off x="9100022" y="1795400"/>
-            <a:ext cx="1926581" cy="1193200"/>
-          </a:xfrm>
-          <a:prstGeom prst="rect">
-            <a:avLst/>
-          </a:prstGeom>
-        </p:spPr>
-      </p:pic>
-      <p:pic>
-        <p:nvPicPr>
-          <p:cNvPr id="5" name="Picture 8">
-            <a:extLst>
-              <a:ext uri="{FF2B5EF4-FFF2-40B4-BE49-F238E27FC236}">
-                <a16:creationId xmlns:a16="http://schemas.microsoft.com/office/drawing/2014/main" id="{EA509EBE-CFBF-6771-D9F5-CA1CC190B54C}"/>
+          <p:cNvPr id="4118" name="Picture 22">
+            <a:extLst>
+              <a:ext uri="{FF2B5EF4-FFF2-40B4-BE49-F238E27FC236}">
+                <a16:creationId xmlns:a16="http://schemas.microsoft.com/office/drawing/2014/main" id="{435BA481-34F8-6999-3437-7935A46B7161}"/>
               </a:ext>
             </a:extLst>
           </p:cNvPr>
@@ -6536,7 +6489,7 @@
           <p:nvPr/>
         </p:nvPicPr>
         <p:blipFill>
-          <a:blip r:embed="rId18">
+          <a:blip r:embed="rId17">
             <a:extLst>
               <a:ext uri="{28A0092B-C50C-407E-A947-70E740481C1C}">
                 <a14:useLocalDpi xmlns:a14="http://schemas.microsoft.com/office/drawing/2010/main" val="0"/>
@@ -6550,8 +6503,55 @@
         </p:blipFill>
         <p:spPr bwMode="auto">
           <a:xfrm>
-            <a:off x="1134636" y="3118707"/>
-            <a:ext cx="1795006" cy="820270"/>
+            <a:off x="941803" y="3106793"/>
+            <a:ext cx="1897915" cy="936565"/>
+          </a:xfrm>
+          <a:prstGeom prst="rect">
+            <a:avLst/>
+          </a:prstGeom>
+          <a:noFill/>
+          <a:extLst>
+            <a:ext uri="{909E8E84-426E-40DD-AFC4-6F175D3DCCD1}">
+              <a14:hiddenFill xmlns:a14="http://schemas.microsoft.com/office/drawing/2010/main">
+                <a:solidFill>
+                  <a:srgbClr val="FFFFFF"/>
+                </a:solidFill>
+              </a14:hiddenFill>
+            </a:ext>
+          </a:extLst>
+        </p:spPr>
+      </p:pic>
+      <p:pic>
+        <p:nvPicPr>
+          <p:cNvPr id="4122" name="Picture 26">
+            <a:extLst>
+              <a:ext uri="{FF2B5EF4-FFF2-40B4-BE49-F238E27FC236}">
+                <a16:creationId xmlns:a16="http://schemas.microsoft.com/office/drawing/2014/main" id="{7D205050-B4AB-D905-8711-97A2E8AD9D40}"/>
+              </a:ext>
+            </a:extLst>
+          </p:cNvPr>
+          <p:cNvPicPr>
+            <a:picLocks noChangeAspect="1" noChangeArrowheads="1"/>
+          </p:cNvPicPr>
+          <p:nvPr/>
+        </p:nvPicPr>
+        <p:blipFill>
+          <a:blip r:embed="rId18">
+            <a:extLst>
+              <a:ext uri="{28A0092B-C50C-407E-A947-70E740481C1C}">
+                <a14:useLocalDpi xmlns:a14="http://schemas.microsoft.com/office/drawing/2010/main" val="0"/>
+              </a:ext>
+            </a:extLst>
+          </a:blip>
+          <a:srcRect/>
+          <a:stretch>
+            <a:fillRect/>
+          </a:stretch>
+        </p:blipFill>
+        <p:spPr bwMode="auto">
+          <a:xfrm>
+            <a:off x="9010562" y="3139071"/>
+            <a:ext cx="1838134" cy="915707"/>
           </a:xfrm>
           <a:prstGeom prst="rect">
             <a:avLst/>

--- a/SYSG3_paper.pptx
+++ b/SYSG3_paper.pptx
@@ -203,7 +203,7 @@
           <a:p>
             <a:fld id="{7B0378C8-50D4-41CA-B139-C16B0923ACC7}" type="datetimeFigureOut">
               <a:rPr lang="en-US" smtClean="0"/>
-              <a:t>6/26/2025</a:t>
+              <a:t>6/27/2025</a:t>
             </a:fld>
             <a:endParaRPr lang="en-US"/>
           </a:p>
@@ -701,7 +701,7 @@
           <a:p>
             <a:fld id="{E3B1C2F4-07A0-459D-95BE-47AEA2376715}" type="datetimeFigureOut">
               <a:rPr lang="en-US" smtClean="0"/>
-              <a:t>6/26/2025</a:t>
+              <a:t>6/27/2025</a:t>
             </a:fld>
             <a:endParaRPr lang="en-US"/>
           </a:p>
@@ -899,7 +899,7 @@
           <a:p>
             <a:fld id="{E3B1C2F4-07A0-459D-95BE-47AEA2376715}" type="datetimeFigureOut">
               <a:rPr lang="en-US" smtClean="0"/>
-              <a:t>6/26/2025</a:t>
+              <a:t>6/27/2025</a:t>
             </a:fld>
             <a:endParaRPr lang="en-US"/>
           </a:p>
@@ -1107,7 +1107,7 @@
           <a:p>
             <a:fld id="{E3B1C2F4-07A0-459D-95BE-47AEA2376715}" type="datetimeFigureOut">
               <a:rPr lang="en-US" smtClean="0"/>
-              <a:t>6/26/2025</a:t>
+              <a:t>6/27/2025</a:t>
             </a:fld>
             <a:endParaRPr lang="en-US"/>
           </a:p>
@@ -1305,7 +1305,7 @@
           <a:p>
             <a:fld id="{E3B1C2F4-07A0-459D-95BE-47AEA2376715}" type="datetimeFigureOut">
               <a:rPr lang="en-US" smtClean="0"/>
-              <a:t>6/26/2025</a:t>
+              <a:t>6/27/2025</a:t>
             </a:fld>
             <a:endParaRPr lang="en-US"/>
           </a:p>
@@ -1580,7 +1580,7 @@
           <a:p>
             <a:fld id="{E3B1C2F4-07A0-459D-95BE-47AEA2376715}" type="datetimeFigureOut">
               <a:rPr lang="en-US" smtClean="0"/>
-              <a:t>6/26/2025</a:t>
+              <a:t>6/27/2025</a:t>
             </a:fld>
             <a:endParaRPr lang="en-US"/>
           </a:p>
@@ -1845,7 +1845,7 @@
           <a:p>
             <a:fld id="{E3B1C2F4-07A0-459D-95BE-47AEA2376715}" type="datetimeFigureOut">
               <a:rPr lang="en-US" smtClean="0"/>
-              <a:t>6/26/2025</a:t>
+              <a:t>6/27/2025</a:t>
             </a:fld>
             <a:endParaRPr lang="en-US"/>
           </a:p>
@@ -2257,7 +2257,7 @@
           <a:p>
             <a:fld id="{E3B1C2F4-07A0-459D-95BE-47AEA2376715}" type="datetimeFigureOut">
               <a:rPr lang="en-US" smtClean="0"/>
-              <a:t>6/26/2025</a:t>
+              <a:t>6/27/2025</a:t>
             </a:fld>
             <a:endParaRPr lang="en-US"/>
           </a:p>
@@ -2398,7 +2398,7 @@
           <a:p>
             <a:fld id="{E3B1C2F4-07A0-459D-95BE-47AEA2376715}" type="datetimeFigureOut">
               <a:rPr lang="en-US" smtClean="0"/>
-              <a:t>6/26/2025</a:t>
+              <a:t>6/27/2025</a:t>
             </a:fld>
             <a:endParaRPr lang="en-US"/>
           </a:p>
@@ -2511,7 +2511,7 @@
           <a:p>
             <a:fld id="{E3B1C2F4-07A0-459D-95BE-47AEA2376715}" type="datetimeFigureOut">
               <a:rPr lang="en-US" smtClean="0"/>
-              <a:t>6/26/2025</a:t>
+              <a:t>6/27/2025</a:t>
             </a:fld>
             <a:endParaRPr lang="en-US"/>
           </a:p>
@@ -2822,7 +2822,7 @@
           <a:p>
             <a:fld id="{E3B1C2F4-07A0-459D-95BE-47AEA2376715}" type="datetimeFigureOut">
               <a:rPr lang="en-US" smtClean="0"/>
-              <a:t>6/26/2025</a:t>
+              <a:t>6/27/2025</a:t>
             </a:fld>
             <a:endParaRPr lang="en-US"/>
           </a:p>
@@ -3110,7 +3110,7 @@
           <a:p>
             <a:fld id="{E3B1C2F4-07A0-459D-95BE-47AEA2376715}" type="datetimeFigureOut">
               <a:rPr lang="en-US" smtClean="0"/>
-              <a:t>6/26/2025</a:t>
+              <a:t>6/27/2025</a:t>
             </a:fld>
             <a:endParaRPr lang="en-US"/>
           </a:p>
@@ -3351,7 +3351,7 @@
           <a:p>
             <a:fld id="{E3B1C2F4-07A0-459D-95BE-47AEA2376715}" type="datetimeFigureOut">
               <a:rPr lang="en-US" smtClean="0"/>
-              <a:t>6/26/2025</a:t>
+              <a:t>6/27/2025</a:t>
             </a:fld>
             <a:endParaRPr lang="en-US"/>
           </a:p>
@@ -3926,10 +3926,10 @@
       </p:sp>
       <p:pic>
         <p:nvPicPr>
-          <p:cNvPr id="1026" name="Picture 2">
-            <a:extLst>
-              <a:ext uri="{FF2B5EF4-FFF2-40B4-BE49-F238E27FC236}">
-                <a16:creationId xmlns:a16="http://schemas.microsoft.com/office/drawing/2014/main" id="{B4613986-D3EC-2105-32CA-4B3C54C56369}"/>
+          <p:cNvPr id="3076" name="Picture 4">
+            <a:extLst>
+              <a:ext uri="{FF2B5EF4-FFF2-40B4-BE49-F238E27FC236}">
+                <a16:creationId xmlns:a16="http://schemas.microsoft.com/office/drawing/2014/main" id="{DCC4BF9F-22A4-0C44-4174-76F2EE9CAEA9}"/>
               </a:ext>
             </a:extLst>
           </p:cNvPr>
@@ -3953,8 +3953,8 @@
         </p:blipFill>
         <p:spPr bwMode="auto">
           <a:xfrm>
-            <a:off x="2779059" y="1077166"/>
-            <a:ext cx="5948643" cy="3454285"/>
+            <a:off x="2779059" y="1246095"/>
+            <a:ext cx="5835627" cy="3388659"/>
           </a:xfrm>
           <a:prstGeom prst="rect">
             <a:avLst/>
@@ -6243,7 +6243,7 @@
                 </a14:m>
                 <a:r>
                   <a:rPr lang="en-US" dirty="0"/>
-                  <a:t> and colors linearly mapped to </a:t>
+                  <a:t> with colors linearly mapped to </a:t>
                 </a:r>
                 <a14:m>
                   <m:oMath xmlns:m="http://schemas.openxmlformats.org/officeDocument/2006/math">
@@ -6598,53 +6598,6 @@
           <a:chExt cx="0" cy="0"/>
         </a:xfrm>
       </p:grpSpPr>
-      <p:pic>
-        <p:nvPicPr>
-          <p:cNvPr id="3074" name="Picture 2">
-            <a:extLst>
-              <a:ext uri="{FF2B5EF4-FFF2-40B4-BE49-F238E27FC236}">
-                <a16:creationId xmlns:a16="http://schemas.microsoft.com/office/drawing/2014/main" id="{DED97127-0B2B-3E88-0DAE-E59EE09212E6}"/>
-              </a:ext>
-            </a:extLst>
-          </p:cNvPr>
-          <p:cNvPicPr>
-            <a:picLocks noChangeAspect="1" noChangeArrowheads="1"/>
-          </p:cNvPicPr>
-          <p:nvPr/>
-        </p:nvPicPr>
-        <p:blipFill>
-          <a:blip r:embed="rId2">
-            <a:extLst>
-              <a:ext uri="{28A0092B-C50C-407E-A947-70E740481C1C}">
-                <a14:useLocalDpi xmlns:a14="http://schemas.microsoft.com/office/drawing/2010/main" val="0"/>
-              </a:ext>
-            </a:extLst>
-          </a:blip>
-          <a:srcRect/>
-          <a:stretch>
-            <a:fillRect/>
-          </a:stretch>
-        </p:blipFill>
-        <p:spPr bwMode="auto">
-          <a:xfrm>
-            <a:off x="3908613" y="1174377"/>
-            <a:ext cx="4719742" cy="2949060"/>
-          </a:xfrm>
-          <a:prstGeom prst="rect">
-            <a:avLst/>
-          </a:prstGeom>
-          <a:noFill/>
-          <a:extLst>
-            <a:ext uri="{909E8E84-426E-40DD-AFC4-6F175D3DCCD1}">
-              <a14:hiddenFill xmlns:a14="http://schemas.microsoft.com/office/drawing/2010/main">
-                <a:solidFill>
-                  <a:srgbClr val="FFFFFF"/>
-                </a:solidFill>
-              </a14:hiddenFill>
-            </a:ext>
-          </a:extLst>
-        </p:spPr>
-      </p:pic>
       <mc:AlternateContent xmlns:mc="http://schemas.openxmlformats.org/markup-compatibility/2006" xmlns:a14="http://schemas.microsoft.com/office/drawing/2010/main">
         <mc:Choice Requires="a14">
           <p:sp>
@@ -6776,6 +6729,53 @@
           </p:sp>
         </mc:Fallback>
       </mc:AlternateContent>
+      <p:pic>
+        <p:nvPicPr>
+          <p:cNvPr id="1026" name="Picture 2">
+            <a:extLst>
+              <a:ext uri="{FF2B5EF4-FFF2-40B4-BE49-F238E27FC236}">
+                <a16:creationId xmlns:a16="http://schemas.microsoft.com/office/drawing/2014/main" id="{D6257E91-1D04-9767-ACFF-014641CA51F2}"/>
+              </a:ext>
+            </a:extLst>
+          </p:cNvPr>
+          <p:cNvPicPr>
+            <a:picLocks noChangeAspect="1" noChangeArrowheads="1"/>
+          </p:cNvPicPr>
+          <p:nvPr/>
+        </p:nvPicPr>
+        <p:blipFill>
+          <a:blip r:embed="rId4">
+            <a:extLst>
+              <a:ext uri="{28A0092B-C50C-407E-A947-70E740481C1C}">
+                <a14:useLocalDpi xmlns:a14="http://schemas.microsoft.com/office/drawing/2010/main" val="0"/>
+              </a:ext>
+            </a:extLst>
+          </a:blip>
+          <a:srcRect/>
+          <a:stretch>
+            <a:fillRect/>
+          </a:stretch>
+        </p:blipFill>
+        <p:spPr bwMode="auto">
+          <a:xfrm>
+            <a:off x="4050928" y="1044109"/>
+            <a:ext cx="4572830" cy="2873467"/>
+          </a:xfrm>
+          <a:prstGeom prst="rect">
+            <a:avLst/>
+          </a:prstGeom>
+          <a:noFill/>
+          <a:extLst>
+            <a:ext uri="{909E8E84-426E-40DD-AFC4-6F175D3DCCD1}">
+              <a14:hiddenFill xmlns:a14="http://schemas.microsoft.com/office/drawing/2010/main">
+                <a:solidFill>
+                  <a:srgbClr val="FFFFFF"/>
+                </a:solidFill>
+              </a14:hiddenFill>
+            </a:ext>
+          </a:extLst>
+        </p:spPr>
+      </p:pic>
     </p:spTree>
     <p:extLst>
       <p:ext uri="{BB962C8B-B14F-4D97-AF65-F5344CB8AC3E}">
@@ -6844,53 +6844,6 @@
       </p:pic>
       <p:pic>
         <p:nvPicPr>
-          <p:cNvPr id="4" name="Picture 2">
-            <a:extLst>
-              <a:ext uri="{FF2B5EF4-FFF2-40B4-BE49-F238E27FC236}">
-                <a16:creationId xmlns:a16="http://schemas.microsoft.com/office/drawing/2014/main" id="{E219D43E-AE08-0C56-A85E-22A6CBB5897E}"/>
-              </a:ext>
-            </a:extLst>
-          </p:cNvPr>
-          <p:cNvPicPr>
-            <a:picLocks noChangeAspect="1" noChangeArrowheads="1"/>
-          </p:cNvPicPr>
-          <p:nvPr/>
-        </p:nvPicPr>
-        <p:blipFill>
-          <a:blip r:embed="rId3">
-            <a:extLst>
-              <a:ext uri="{28A0092B-C50C-407E-A947-70E740481C1C}">
-                <a14:useLocalDpi xmlns:a14="http://schemas.microsoft.com/office/drawing/2010/main" val="0"/>
-              </a:ext>
-            </a:extLst>
-          </a:blip>
-          <a:srcRect/>
-          <a:stretch>
-            <a:fillRect/>
-          </a:stretch>
-        </p:blipFill>
-        <p:spPr bwMode="auto">
-          <a:xfrm rot="16200000">
-            <a:off x="2994703" y="3398880"/>
-            <a:ext cx="1724268" cy="967643"/>
-          </a:xfrm>
-          <a:prstGeom prst="rect">
-            <a:avLst/>
-          </a:prstGeom>
-          <a:noFill/>
-          <a:extLst>
-            <a:ext uri="{909E8E84-426E-40DD-AFC4-6F175D3DCCD1}">
-              <a14:hiddenFill xmlns:a14="http://schemas.microsoft.com/office/drawing/2010/main">
-                <a:solidFill>
-                  <a:srgbClr val="FFFFFF"/>
-                </a:solidFill>
-              </a14:hiddenFill>
-            </a:ext>
-          </a:extLst>
-        </p:spPr>
-      </p:pic>
-      <p:pic>
-        <p:nvPicPr>
           <p:cNvPr id="11" name="Picture 10">
             <a:extLst>
               <a:ext uri="{FF2B5EF4-FFF2-40B4-BE49-F238E27FC236}">
@@ -6904,7 +6857,7 @@
           <p:nvPr/>
         </p:nvPicPr>
         <p:blipFill>
-          <a:blip r:embed="rId4"/>
+          <a:blip r:embed="rId3"/>
           <a:stretch>
             <a:fillRect/>
           </a:stretch>
@@ -6919,8 +6872,8 @@
           </a:prstGeom>
         </p:spPr>
       </p:pic>
-      <mc:AlternateContent xmlns:mc="http://schemas.openxmlformats.org/markup-compatibility/2006" xmlns:a14="http://schemas.microsoft.com/office/drawing/2010/main">
-        <mc:Choice Requires="a14">
+      <mc:AlternateContent xmlns:mc="http://schemas.openxmlformats.org/markup-compatibility/2006">
+        <mc:Choice xmlns:a14="http://schemas.microsoft.com/office/drawing/2010/main" Requires="a14">
           <p:sp>
             <p:nvSpPr>
               <p:cNvPr id="14" name="TextBox 13">
@@ -6935,7 +6888,7 @@
             </p:nvSpPr>
             <p:spPr>
               <a:xfrm>
-                <a:off x="889599" y="4844793"/>
+                <a:off x="867902" y="4920980"/>
                 <a:ext cx="10035576" cy="1498744"/>
               </a:xfrm>
               <a:prstGeom prst="rect">
@@ -7056,7 +7009,7 @@
                       <a:rPr lang="en-US" b="0" i="1" smtClean="0">
                         <a:latin typeface="Cambria Math" panose="02040503050406030204" pitchFamily="18" charset="0"/>
                       </a:rPr>
-                      <m:t>=1.5</m:t>
+                      <m:t>=1.0</m:t>
                     </m:r>
                     <m:r>
                       <m:rPr>
@@ -7396,7 +7349,7 @@
             </p:txBody>
           </p:sp>
         </mc:Choice>
-        <mc:Fallback xmlns="">
+        <mc:Fallback>
           <p:sp>
             <p:nvSpPr>
               <p:cNvPr id="14" name="TextBox 13">
@@ -7413,16 +7366,16 @@
             </p:nvSpPr>
             <p:spPr>
               <a:xfrm>
-                <a:off x="889599" y="4844793"/>
+                <a:off x="867902" y="4920980"/>
                 <a:ext cx="10035576" cy="1498744"/>
               </a:xfrm>
               <a:prstGeom prst="rect">
                 <a:avLst/>
               </a:prstGeom>
               <a:blipFill>
-                <a:blip r:embed="rId5"/>
+                <a:blip r:embed="rId4"/>
                 <a:stretch>
-                  <a:fillRect l="-547" t="-2033" r="-911" b="-4878"/>
+                  <a:fillRect l="-486" t="-1626" r="-911" b="-4878"/>
                 </a:stretch>
               </a:blipFill>
             </p:spPr>
@@ -7558,8 +7511,8 @@
           </p:sp>
         </mc:Fallback>
       </mc:AlternateContent>
-      <mc:AlternateContent xmlns:mc="http://schemas.openxmlformats.org/markup-compatibility/2006" xmlns:a14="http://schemas.microsoft.com/office/drawing/2010/main">
-        <mc:Choice Requires="a14">
+      <mc:AlternateContent xmlns:mc="http://schemas.openxmlformats.org/markup-compatibility/2006">
+        <mc:Choice xmlns:a14="http://schemas.microsoft.com/office/drawing/2010/main" Requires="a14">
           <p:sp>
             <p:nvSpPr>
               <p:cNvPr id="18" name="TextBox 17">
@@ -7574,7 +7527,7 @@
             </p:nvSpPr>
             <p:spPr>
               <a:xfrm>
-                <a:off x="2860658" y="934070"/>
+                <a:off x="3014822" y="891966"/>
                 <a:ext cx="1681433" cy="338554"/>
               </a:xfrm>
               <a:prstGeom prst="rect">
@@ -7605,7 +7558,7 @@
                         <a:rPr lang="en-US" sz="1600" b="0" i="1" smtClean="0">
                           <a:latin typeface="Cambria Math" panose="02040503050406030204" pitchFamily="18" charset="0"/>
                         </a:rPr>
-                        <m:t>=1.5</m:t>
+                        <m:t>=1.0</m:t>
                       </m:r>
                       <m:r>
                         <m:rPr>
@@ -7630,7 +7583,7 @@
             </p:txBody>
           </p:sp>
         </mc:Choice>
-        <mc:Fallback xmlns="">
+        <mc:Fallback>
           <p:sp>
             <p:nvSpPr>
               <p:cNvPr id="18" name="TextBox 17">
@@ -7647,7 +7600,7 @@
             </p:nvSpPr>
             <p:spPr>
               <a:xfrm>
-                <a:off x="2860658" y="934070"/>
+                <a:off x="3014822" y="891966"/>
                 <a:ext cx="1681433" cy="338554"/>
               </a:xfrm>
               <a:prstGeom prst="rect">
@@ -8215,7 +8168,7 @@
         </p:nvSpPr>
         <p:spPr>
           <a:xfrm>
-            <a:off x="8255040" y="2783545"/>
+            <a:off x="8349615" y="2783431"/>
             <a:ext cx="2268490" cy="369332"/>
           </a:xfrm>
           <a:prstGeom prst="rect">
@@ -8236,7 +8189,7 @@
                   <a:srgbClr val="FF0000"/>
                 </a:solidFill>
               </a:rPr>
-              <a:t>Location?</a:t>
+              <a:t>UPDATE</a:t>
             </a:r>
           </a:p>
         </p:txBody>
@@ -8313,10 +8266,10 @@
       </p:sp>
       <p:pic>
         <p:nvPicPr>
-          <p:cNvPr id="3" name="Picture 2">
-            <a:extLst>
-              <a:ext uri="{FF2B5EF4-FFF2-40B4-BE49-F238E27FC236}">
-                <a16:creationId xmlns:a16="http://schemas.microsoft.com/office/drawing/2014/main" id="{3316FA40-1A28-5B6D-EF03-9A7843AF35A3}"/>
+          <p:cNvPr id="35" name="Picture 34">
+            <a:extLst>
+              <a:ext uri="{FF2B5EF4-FFF2-40B4-BE49-F238E27FC236}">
+                <a16:creationId xmlns:a16="http://schemas.microsoft.com/office/drawing/2014/main" id="{7386A7E0-D37D-222C-0E71-8EBC70F77C80}"/>
               </a:ext>
             </a:extLst>
           </p:cNvPr>
@@ -8327,76 +8280,6 @@
         </p:nvPicPr>
         <p:blipFill>
           <a:blip r:embed="rId12"/>
-          <a:stretch>
-            <a:fillRect/>
-          </a:stretch>
-        </p:blipFill>
-        <p:spPr>
-          <a:xfrm>
-            <a:off x="3034967" y="1338088"/>
-            <a:ext cx="1585749" cy="1619590"/>
-          </a:xfrm>
-          <a:prstGeom prst="rect">
-            <a:avLst/>
-          </a:prstGeom>
-        </p:spPr>
-      </p:pic>
-      <p:sp>
-        <p:nvSpPr>
-          <p:cNvPr id="24" name="TextBox 23">
-            <a:extLst>
-              <a:ext uri="{FF2B5EF4-FFF2-40B4-BE49-F238E27FC236}">
-                <a16:creationId xmlns:a16="http://schemas.microsoft.com/office/drawing/2014/main" id="{1D61F255-5A7A-CFF7-FE4F-86104C3D9E62}"/>
-              </a:ext>
-            </a:extLst>
-          </p:cNvPr>
-          <p:cNvSpPr txBox="1"/>
-          <p:nvPr/>
-        </p:nvSpPr>
-        <p:spPr>
-          <a:xfrm>
-            <a:off x="2669054" y="2748248"/>
-            <a:ext cx="2268490" cy="369332"/>
-          </a:xfrm>
-          <a:prstGeom prst="rect">
-            <a:avLst/>
-          </a:prstGeom>
-          <a:noFill/>
-        </p:spPr>
-        <p:txBody>
-          <a:bodyPr wrap="square" rtlCol="0">
-            <a:spAutoFit/>
-          </a:bodyPr>
-          <a:lstStyle/>
-          <a:p>
-            <a:pPr algn="ctr"/>
-            <a:r>
-              <a:rPr lang="en-US" dirty="0">
-                <a:solidFill>
-                  <a:srgbClr val="FF0000"/>
-                </a:solidFill>
-              </a:rPr>
-              <a:t>Need to finalize</a:t>
-            </a:r>
-          </a:p>
-        </p:txBody>
-      </p:sp>
-      <p:pic>
-        <p:nvPicPr>
-          <p:cNvPr id="35" name="Picture 34">
-            <a:extLst>
-              <a:ext uri="{FF2B5EF4-FFF2-40B4-BE49-F238E27FC236}">
-                <a16:creationId xmlns:a16="http://schemas.microsoft.com/office/drawing/2014/main" id="{7386A7E0-D37D-222C-0E71-8EBC70F77C80}"/>
-              </a:ext>
-            </a:extLst>
-          </p:cNvPr>
-          <p:cNvPicPr>
-            <a:picLocks noChangeAspect="1"/>
-          </p:cNvPicPr>
-          <p:nvPr/>
-        </p:nvPicPr>
-        <p:blipFill>
-          <a:blip r:embed="rId13"/>
           <a:stretch>
             <a:fillRect/>
           </a:stretch>
@@ -8413,10 +8296,10 @@
       </p:pic>
       <p:pic>
         <p:nvPicPr>
-          <p:cNvPr id="2050" name="Picture 2">
-            <a:extLst>
-              <a:ext uri="{FF2B5EF4-FFF2-40B4-BE49-F238E27FC236}">
-                <a16:creationId xmlns:a16="http://schemas.microsoft.com/office/drawing/2014/main" id="{72A219CE-3548-D2B7-FB36-19B658C06566}"/>
+          <p:cNvPr id="2052" name="Picture 4">
+            <a:extLst>
+              <a:ext uri="{FF2B5EF4-FFF2-40B4-BE49-F238E27FC236}">
+                <a16:creationId xmlns:a16="http://schemas.microsoft.com/office/drawing/2014/main" id="{4605DA37-5CBE-E79E-40CD-D98D732AEB19}"/>
               </a:ext>
             </a:extLst>
           </p:cNvPr>
@@ -8426,54 +8309,7 @@
           <p:nvPr/>
         </p:nvPicPr>
         <p:blipFill>
-          <a:blip r:embed="rId14">
-            <a:extLst>
-              <a:ext uri="{28A0092B-C50C-407E-A947-70E740481C1C}">
-                <a14:useLocalDpi xmlns:a14="http://schemas.microsoft.com/office/drawing/2010/main" val="0"/>
-              </a:ext>
-            </a:extLst>
-          </a:blip>
-          <a:srcRect/>
-          <a:stretch>
-            <a:fillRect/>
-          </a:stretch>
-        </p:blipFill>
-        <p:spPr bwMode="auto">
-          <a:xfrm>
-            <a:off x="4816661" y="2992833"/>
-            <a:ext cx="1642642" cy="1900238"/>
-          </a:xfrm>
-          <a:prstGeom prst="rect">
-            <a:avLst/>
-          </a:prstGeom>
-          <a:noFill/>
-          <a:extLst>
-            <a:ext uri="{909E8E84-426E-40DD-AFC4-6F175D3DCCD1}">
-              <a14:hiddenFill xmlns:a14="http://schemas.microsoft.com/office/drawing/2010/main">
-                <a:solidFill>
-                  <a:srgbClr val="FFFFFF"/>
-                </a:solidFill>
-              </a14:hiddenFill>
-            </a:ext>
-          </a:extLst>
-        </p:spPr>
-      </p:pic>
-      <p:pic>
-        <p:nvPicPr>
-          <p:cNvPr id="2052" name="Picture 4">
-            <a:extLst>
-              <a:ext uri="{FF2B5EF4-FFF2-40B4-BE49-F238E27FC236}">
-                <a16:creationId xmlns:a16="http://schemas.microsoft.com/office/drawing/2014/main" id="{4605DA37-5CBE-E79E-40CD-D98D732AEB19}"/>
-              </a:ext>
-            </a:extLst>
-          </p:cNvPr>
-          <p:cNvPicPr>
-            <a:picLocks noChangeAspect="1" noChangeArrowheads="1"/>
-          </p:cNvPicPr>
-          <p:nvPr/>
-        </p:nvPicPr>
-        <p:blipFill>
-          <a:blip r:embed="rId15">
+          <a:blip r:embed="rId13">
             <a:extLst>
               <a:ext uri="{28A0092B-C50C-407E-A947-70E740481C1C}">
                 <a14:useLocalDpi xmlns:a14="http://schemas.microsoft.com/office/drawing/2010/main" val="0"/>
@@ -8520,7 +8356,7 @@
           <p:nvPr/>
         </p:nvPicPr>
         <p:blipFill>
-          <a:blip r:embed="rId16">
+          <a:blip r:embed="rId14">
             <a:extLst>
               <a:ext uri="{28A0092B-C50C-407E-A947-70E740481C1C}">
                 <a14:useLocalDpi xmlns:a14="http://schemas.microsoft.com/office/drawing/2010/main" val="0"/>
@@ -8567,7 +8403,7 @@
           <p:nvPr/>
         </p:nvPicPr>
         <p:blipFill>
-          <a:blip r:embed="rId17">
+          <a:blip r:embed="rId15">
             <a:extLst>
               <a:ext uri="{28A0092B-C50C-407E-A947-70E740481C1C}">
                 <a14:useLocalDpi xmlns:a14="http://schemas.microsoft.com/office/drawing/2010/main" val="0"/>
@@ -8583,6 +8419,130 @@
           <a:xfrm>
             <a:off x="867902" y="3096850"/>
             <a:ext cx="2075215" cy="1588398"/>
+          </a:xfrm>
+          <a:prstGeom prst="rect">
+            <a:avLst/>
+          </a:prstGeom>
+          <a:noFill/>
+          <a:extLst>
+            <a:ext uri="{909E8E84-426E-40DD-AFC4-6F175D3DCCD1}">
+              <a14:hiddenFill xmlns:a14="http://schemas.microsoft.com/office/drawing/2010/main">
+                <a:solidFill>
+                  <a:srgbClr val="FFFFFF"/>
+                </a:solidFill>
+              </a14:hiddenFill>
+            </a:ext>
+          </a:extLst>
+        </p:spPr>
+      </p:pic>
+      <p:pic>
+        <p:nvPicPr>
+          <p:cNvPr id="7" name="Picture 2">
+            <a:extLst>
+              <a:ext uri="{FF2B5EF4-FFF2-40B4-BE49-F238E27FC236}">
+                <a16:creationId xmlns:a16="http://schemas.microsoft.com/office/drawing/2014/main" id="{1728B922-B5A3-A0DA-2852-055829B41AA1}"/>
+              </a:ext>
+            </a:extLst>
+          </p:cNvPr>
+          <p:cNvPicPr>
+            <a:picLocks noChangeAspect="1" noChangeArrowheads="1"/>
+          </p:cNvPicPr>
+          <p:nvPr/>
+        </p:nvPicPr>
+        <p:blipFill>
+          <a:blip r:embed="rId16">
+            <a:extLst>
+              <a:ext uri="{28A0092B-C50C-407E-A947-70E740481C1C}">
+                <a14:useLocalDpi xmlns:a14="http://schemas.microsoft.com/office/drawing/2010/main" val="0"/>
+              </a:ext>
+            </a:extLst>
+          </a:blip>
+          <a:srcRect/>
+          <a:stretch>
+            <a:fillRect/>
+          </a:stretch>
+        </p:blipFill>
+        <p:spPr bwMode="auto">
+          <a:xfrm rot="16200000">
+            <a:off x="3100115" y="3281032"/>
+            <a:ext cx="1645641" cy="1389106"/>
+          </a:xfrm>
+          <a:prstGeom prst="rect">
+            <a:avLst/>
+          </a:prstGeom>
+          <a:noFill/>
+          <a:extLst>
+            <a:ext uri="{909E8E84-426E-40DD-AFC4-6F175D3DCCD1}">
+              <a14:hiddenFill xmlns:a14="http://schemas.microsoft.com/office/drawing/2010/main">
+                <a:solidFill>
+                  <a:srgbClr val="FFFFFF"/>
+                </a:solidFill>
+              </a14:hiddenFill>
+            </a:ext>
+          </a:extLst>
+        </p:spPr>
+      </p:pic>
+      <p:pic>
+        <p:nvPicPr>
+          <p:cNvPr id="16" name="Picture 15">
+            <a:extLst>
+              <a:ext uri="{FF2B5EF4-FFF2-40B4-BE49-F238E27FC236}">
+                <a16:creationId xmlns:a16="http://schemas.microsoft.com/office/drawing/2014/main" id="{615338C9-53AF-E5E8-C606-EFA64BE7F3DD}"/>
+              </a:ext>
+            </a:extLst>
+          </p:cNvPr>
+          <p:cNvPicPr>
+            <a:picLocks noChangeAspect="1"/>
+          </p:cNvPicPr>
+          <p:nvPr/>
+        </p:nvPicPr>
+        <p:blipFill>
+          <a:blip r:embed="rId17"/>
+          <a:stretch>
+            <a:fillRect/>
+          </a:stretch>
+        </p:blipFill>
+        <p:spPr>
+          <a:xfrm>
+            <a:off x="2947594" y="1327792"/>
+            <a:ext cx="1683723" cy="1635309"/>
+          </a:xfrm>
+          <a:prstGeom prst="rect">
+            <a:avLst/>
+          </a:prstGeom>
+        </p:spPr>
+      </p:pic>
+      <p:pic>
+        <p:nvPicPr>
+          <p:cNvPr id="27" name="Picture 6">
+            <a:extLst>
+              <a:ext uri="{FF2B5EF4-FFF2-40B4-BE49-F238E27FC236}">
+                <a16:creationId xmlns:a16="http://schemas.microsoft.com/office/drawing/2014/main" id="{54FAF046-4BF0-16CB-9E2E-BA697EA014C3}"/>
+              </a:ext>
+            </a:extLst>
+          </p:cNvPr>
+          <p:cNvPicPr>
+            <a:picLocks noChangeAspect="1" noChangeArrowheads="1"/>
+          </p:cNvPicPr>
+          <p:nvPr/>
+        </p:nvPicPr>
+        <p:blipFill>
+          <a:blip r:embed="rId18">
+            <a:extLst>
+              <a:ext uri="{28A0092B-C50C-407E-A947-70E740481C1C}">
+                <a14:useLocalDpi xmlns:a14="http://schemas.microsoft.com/office/drawing/2010/main" val="0"/>
+              </a:ext>
+            </a:extLst>
+          </a:blip>
+          <a:srcRect/>
+          <a:stretch>
+            <a:fillRect/>
+          </a:stretch>
+        </p:blipFill>
+        <p:spPr bwMode="auto">
+          <a:xfrm>
+            <a:off x="4789598" y="3153632"/>
+            <a:ext cx="1265080" cy="1751913"/>
           </a:xfrm>
           <a:prstGeom prst="rect">
             <a:avLst/>
@@ -8762,53 +8722,6 @@
           </p:sp>
         </mc:Fallback>
       </mc:AlternateContent>
-      <p:pic>
-        <p:nvPicPr>
-          <p:cNvPr id="3078" name="Picture 6">
-            <a:extLst>
-              <a:ext uri="{FF2B5EF4-FFF2-40B4-BE49-F238E27FC236}">
-                <a16:creationId xmlns:a16="http://schemas.microsoft.com/office/drawing/2014/main" id="{52656C83-2366-0D9F-65DD-07DA49EEDA09}"/>
-              </a:ext>
-            </a:extLst>
-          </p:cNvPr>
-          <p:cNvPicPr>
-            <a:picLocks noChangeAspect="1" noChangeArrowheads="1"/>
-          </p:cNvPicPr>
-          <p:nvPr/>
-        </p:nvPicPr>
-        <p:blipFill>
-          <a:blip r:embed="rId3">
-            <a:extLst>
-              <a:ext uri="{28A0092B-C50C-407E-A947-70E740481C1C}">
-                <a14:useLocalDpi xmlns:a14="http://schemas.microsoft.com/office/drawing/2010/main" val="0"/>
-              </a:ext>
-            </a:extLst>
-          </a:blip>
-          <a:srcRect/>
-          <a:stretch>
-            <a:fillRect/>
-          </a:stretch>
-        </p:blipFill>
-        <p:spPr bwMode="auto">
-          <a:xfrm>
-            <a:off x="5895975" y="1907059"/>
-            <a:ext cx="4060662" cy="2445865"/>
-          </a:xfrm>
-          <a:prstGeom prst="rect">
-            <a:avLst/>
-          </a:prstGeom>
-          <a:noFill/>
-          <a:extLst>
-            <a:ext uri="{909E8E84-426E-40DD-AFC4-6F175D3DCCD1}">
-              <a14:hiddenFill xmlns:a14="http://schemas.microsoft.com/office/drawing/2010/main">
-                <a:solidFill>
-                  <a:srgbClr val="FFFFFF"/>
-                </a:solidFill>
-              </a14:hiddenFill>
-            </a:ext>
-          </a:extLst>
-        </p:spPr>
-      </p:pic>
       <p:sp>
         <p:nvSpPr>
           <p:cNvPr id="4" name="TextBox 3">
@@ -8881,10 +8794,10 @@
       </p:sp>
       <p:pic>
         <p:nvPicPr>
-          <p:cNvPr id="3080" name="Picture 8">
-            <a:extLst>
-              <a:ext uri="{FF2B5EF4-FFF2-40B4-BE49-F238E27FC236}">
-                <a16:creationId xmlns:a16="http://schemas.microsoft.com/office/drawing/2014/main" id="{5AECD5C9-B0C6-DE12-CF94-C3BBD5DCC18E}"/>
+          <p:cNvPr id="4100" name="Picture 4">
+            <a:extLst>
+              <a:ext uri="{FF2B5EF4-FFF2-40B4-BE49-F238E27FC236}">
+                <a16:creationId xmlns:a16="http://schemas.microsoft.com/office/drawing/2014/main" id="{940FF532-D36C-FDB4-FAC3-123F3757C480}"/>
               </a:ext>
             </a:extLst>
           </p:cNvPr>
@@ -8894,7 +8807,7 @@
           <p:nvPr/>
         </p:nvPicPr>
         <p:blipFill>
-          <a:blip r:embed="rId4">
+          <a:blip r:embed="rId3">
             <a:extLst>
               <a:ext uri="{28A0092B-C50C-407E-A947-70E740481C1C}">
                 <a14:useLocalDpi xmlns:a14="http://schemas.microsoft.com/office/drawing/2010/main" val="0"/>
@@ -8908,8 +8821,55 @@
         </p:blipFill>
         <p:spPr bwMode="auto">
           <a:xfrm>
-            <a:off x="1903992" y="1907059"/>
-            <a:ext cx="3991983" cy="2445865"/>
+            <a:off x="1916215" y="1894636"/>
+            <a:ext cx="4030405" cy="2469406"/>
+          </a:xfrm>
+          <a:prstGeom prst="rect">
+            <a:avLst/>
+          </a:prstGeom>
+          <a:noFill/>
+          <a:extLst>
+            <a:ext uri="{909E8E84-426E-40DD-AFC4-6F175D3DCCD1}">
+              <a14:hiddenFill xmlns:a14="http://schemas.microsoft.com/office/drawing/2010/main">
+                <a:solidFill>
+                  <a:srgbClr val="FFFFFF"/>
+                </a:solidFill>
+              </a14:hiddenFill>
+            </a:ext>
+          </a:extLst>
+        </p:spPr>
+      </p:pic>
+      <p:pic>
+        <p:nvPicPr>
+          <p:cNvPr id="4102" name="Picture 6">
+            <a:extLst>
+              <a:ext uri="{FF2B5EF4-FFF2-40B4-BE49-F238E27FC236}">
+                <a16:creationId xmlns:a16="http://schemas.microsoft.com/office/drawing/2014/main" id="{D0E4CCA9-8EAE-9EB6-8D62-ACB83E525E72}"/>
+              </a:ext>
+            </a:extLst>
+          </p:cNvPr>
+          <p:cNvPicPr>
+            <a:picLocks noChangeAspect="1" noChangeArrowheads="1"/>
+          </p:cNvPicPr>
+          <p:nvPr/>
+        </p:nvPicPr>
+        <p:blipFill>
+          <a:blip r:embed="rId4">
+            <a:extLst>
+              <a:ext uri="{28A0092B-C50C-407E-A947-70E740481C1C}">
+                <a14:useLocalDpi xmlns:a14="http://schemas.microsoft.com/office/drawing/2010/main" val="0"/>
+              </a:ext>
+            </a:extLst>
+          </a:blip>
+          <a:srcRect/>
+          <a:stretch>
+            <a:fillRect/>
+          </a:stretch>
+        </p:blipFill>
+        <p:spPr bwMode="auto">
+          <a:xfrm>
+            <a:off x="5946620" y="1894636"/>
+            <a:ext cx="4087833" cy="2469406"/>
           </a:xfrm>
           <a:prstGeom prst="rect">
             <a:avLst/>
@@ -8962,8 +8922,8 @@
           <a:chExt cx="0" cy="0"/>
         </a:xfrm>
       </p:grpSpPr>
-      <mc:AlternateContent xmlns:mc="http://schemas.openxmlformats.org/markup-compatibility/2006">
-        <mc:Choice xmlns:a14="http://schemas.microsoft.com/office/drawing/2010/main" Requires="a14">
+      <mc:AlternateContent xmlns:mc="http://schemas.openxmlformats.org/markup-compatibility/2006" xmlns:a14="http://schemas.microsoft.com/office/drawing/2010/main">
+        <mc:Choice Requires="a14">
           <p:sp>
             <p:nvSpPr>
               <p:cNvPr id="10" name="TextBox 9">
@@ -9123,7 +9083,7 @@
             </p:txBody>
           </p:sp>
         </mc:Choice>
-        <mc:Fallback>
+        <mc:Fallback xmlns="">
           <p:sp>
             <p:nvSpPr>
               <p:cNvPr id="10" name="TextBox 9">
@@ -9462,8 +9422,8 @@
           </a:p>
         </p:txBody>
       </p:sp>
-      <mc:AlternateContent xmlns:mc="http://schemas.openxmlformats.org/markup-compatibility/2006">
-        <mc:Choice xmlns:a14="http://schemas.microsoft.com/office/drawing/2010/main" Requires="a14">
+      <mc:AlternateContent xmlns:mc="http://schemas.openxmlformats.org/markup-compatibility/2006" xmlns:a14="http://schemas.microsoft.com/office/drawing/2010/main">
+        <mc:Choice Requires="a14">
           <p:sp>
             <p:nvSpPr>
               <p:cNvPr id="15" name="TextBox 14">
@@ -9534,7 +9494,7 @@
             </p:txBody>
           </p:sp>
         </mc:Choice>
-        <mc:Fallback>
+        <mc:Fallback xmlns="">
           <p:sp>
             <p:nvSpPr>
               <p:cNvPr id="15" name="TextBox 14">
@@ -9579,8 +9539,8 @@
           </p:sp>
         </mc:Fallback>
       </mc:AlternateContent>
-      <mc:AlternateContent xmlns:mc="http://schemas.openxmlformats.org/markup-compatibility/2006">
-        <mc:Choice xmlns:a14="http://schemas.microsoft.com/office/drawing/2010/main" Requires="a14">
+      <mc:AlternateContent xmlns:mc="http://schemas.openxmlformats.org/markup-compatibility/2006" xmlns:a14="http://schemas.microsoft.com/office/drawing/2010/main">
+        <mc:Choice Requires="a14">
           <p:sp>
             <p:nvSpPr>
               <p:cNvPr id="18" name="TextBox 17">
@@ -9651,7 +9611,7 @@
             </p:txBody>
           </p:sp>
         </mc:Choice>
-        <mc:Fallback>
+        <mc:Fallback xmlns="">
           <p:sp>
             <p:nvSpPr>
               <p:cNvPr id="18" name="TextBox 17">
@@ -9696,8 +9656,8 @@
           </p:sp>
         </mc:Fallback>
       </mc:AlternateContent>
-      <mc:AlternateContent xmlns:mc="http://schemas.openxmlformats.org/markup-compatibility/2006">
-        <mc:Choice xmlns:a14="http://schemas.microsoft.com/office/drawing/2010/main" Requires="a14">
+      <mc:AlternateContent xmlns:mc="http://schemas.openxmlformats.org/markup-compatibility/2006" xmlns:a14="http://schemas.microsoft.com/office/drawing/2010/main">
+        <mc:Choice Requires="a14">
           <p:sp>
             <p:nvSpPr>
               <p:cNvPr id="19" name="TextBox 18">
@@ -9768,7 +9728,7 @@
             </p:txBody>
           </p:sp>
         </mc:Choice>
-        <mc:Fallback>
+        <mc:Fallback xmlns="">
           <p:sp>
             <p:nvSpPr>
               <p:cNvPr id="19" name="TextBox 18">

--- a/SYSG3_paper.pptx
+++ b/SYSG3_paper.pptx
@@ -203,7 +203,7 @@
           <a:p>
             <a:fld id="{7B0378C8-50D4-41CA-B139-C16B0923ACC7}" type="datetimeFigureOut">
               <a:rPr lang="en-US" smtClean="0"/>
-              <a:t>6/27/2025</a:t>
+              <a:t>6/28/2025</a:t>
             </a:fld>
             <a:endParaRPr lang="en-US"/>
           </a:p>
@@ -701,7 +701,7 @@
           <a:p>
             <a:fld id="{E3B1C2F4-07A0-459D-95BE-47AEA2376715}" type="datetimeFigureOut">
               <a:rPr lang="en-US" smtClean="0"/>
-              <a:t>6/27/2025</a:t>
+              <a:t>6/28/2025</a:t>
             </a:fld>
             <a:endParaRPr lang="en-US"/>
           </a:p>
@@ -899,7 +899,7 @@
           <a:p>
             <a:fld id="{E3B1C2F4-07A0-459D-95BE-47AEA2376715}" type="datetimeFigureOut">
               <a:rPr lang="en-US" smtClean="0"/>
-              <a:t>6/27/2025</a:t>
+              <a:t>6/28/2025</a:t>
             </a:fld>
             <a:endParaRPr lang="en-US"/>
           </a:p>
@@ -1107,7 +1107,7 @@
           <a:p>
             <a:fld id="{E3B1C2F4-07A0-459D-95BE-47AEA2376715}" type="datetimeFigureOut">
               <a:rPr lang="en-US" smtClean="0"/>
-              <a:t>6/27/2025</a:t>
+              <a:t>6/28/2025</a:t>
             </a:fld>
             <a:endParaRPr lang="en-US"/>
           </a:p>
@@ -1305,7 +1305,7 @@
           <a:p>
             <a:fld id="{E3B1C2F4-07A0-459D-95BE-47AEA2376715}" type="datetimeFigureOut">
               <a:rPr lang="en-US" smtClean="0"/>
-              <a:t>6/27/2025</a:t>
+              <a:t>6/28/2025</a:t>
             </a:fld>
             <a:endParaRPr lang="en-US"/>
           </a:p>
@@ -1580,7 +1580,7 @@
           <a:p>
             <a:fld id="{E3B1C2F4-07A0-459D-95BE-47AEA2376715}" type="datetimeFigureOut">
               <a:rPr lang="en-US" smtClean="0"/>
-              <a:t>6/27/2025</a:t>
+              <a:t>6/28/2025</a:t>
             </a:fld>
             <a:endParaRPr lang="en-US"/>
           </a:p>
@@ -1845,7 +1845,7 @@
           <a:p>
             <a:fld id="{E3B1C2F4-07A0-459D-95BE-47AEA2376715}" type="datetimeFigureOut">
               <a:rPr lang="en-US" smtClean="0"/>
-              <a:t>6/27/2025</a:t>
+              <a:t>6/28/2025</a:t>
             </a:fld>
             <a:endParaRPr lang="en-US"/>
           </a:p>
@@ -2257,7 +2257,7 @@
           <a:p>
             <a:fld id="{E3B1C2F4-07A0-459D-95BE-47AEA2376715}" type="datetimeFigureOut">
               <a:rPr lang="en-US" smtClean="0"/>
-              <a:t>6/27/2025</a:t>
+              <a:t>6/28/2025</a:t>
             </a:fld>
             <a:endParaRPr lang="en-US"/>
           </a:p>
@@ -2398,7 +2398,7 @@
           <a:p>
             <a:fld id="{E3B1C2F4-07A0-459D-95BE-47AEA2376715}" type="datetimeFigureOut">
               <a:rPr lang="en-US" smtClean="0"/>
-              <a:t>6/27/2025</a:t>
+              <a:t>6/28/2025</a:t>
             </a:fld>
             <a:endParaRPr lang="en-US"/>
           </a:p>
@@ -2511,7 +2511,7 @@
           <a:p>
             <a:fld id="{E3B1C2F4-07A0-459D-95BE-47AEA2376715}" type="datetimeFigureOut">
               <a:rPr lang="en-US" smtClean="0"/>
-              <a:t>6/27/2025</a:t>
+              <a:t>6/28/2025</a:t>
             </a:fld>
             <a:endParaRPr lang="en-US"/>
           </a:p>
@@ -2822,7 +2822,7 @@
           <a:p>
             <a:fld id="{E3B1C2F4-07A0-459D-95BE-47AEA2376715}" type="datetimeFigureOut">
               <a:rPr lang="en-US" smtClean="0"/>
-              <a:t>6/27/2025</a:t>
+              <a:t>6/28/2025</a:t>
             </a:fld>
             <a:endParaRPr lang="en-US"/>
           </a:p>
@@ -3110,7 +3110,7 @@
           <a:p>
             <a:fld id="{E3B1C2F4-07A0-459D-95BE-47AEA2376715}" type="datetimeFigureOut">
               <a:rPr lang="en-US" smtClean="0"/>
-              <a:t>6/27/2025</a:t>
+              <a:t>6/28/2025</a:t>
             </a:fld>
             <a:endParaRPr lang="en-US"/>
           </a:p>
@@ -3351,7 +3351,7 @@
           <a:p>
             <a:fld id="{E3B1C2F4-07A0-459D-95BE-47AEA2376715}" type="datetimeFigureOut">
               <a:rPr lang="en-US" smtClean="0"/>
-              <a:t>6/27/2025</a:t>
+              <a:t>6/28/2025</a:t>
             </a:fld>
             <a:endParaRPr lang="en-US"/>
           </a:p>
@@ -3885,51 +3885,12 @@
           </p:sp>
         </mc:Fallback>
       </mc:AlternateContent>
-      <p:sp>
-        <p:nvSpPr>
-          <p:cNvPr id="5" name="TextBox 4">
-            <a:extLst>
-              <a:ext uri="{FF2B5EF4-FFF2-40B4-BE49-F238E27FC236}">
-                <a16:creationId xmlns:a16="http://schemas.microsoft.com/office/drawing/2014/main" id="{810DCEEC-4151-B315-AA0C-ACAB0B0DA8D8}"/>
-              </a:ext>
-            </a:extLst>
-          </p:cNvPr>
-          <p:cNvSpPr txBox="1"/>
-          <p:nvPr/>
-        </p:nvSpPr>
-        <p:spPr>
-          <a:xfrm>
-            <a:off x="2779059" y="148382"/>
-            <a:ext cx="6633882" cy="646331"/>
-          </a:xfrm>
-          <a:prstGeom prst="rect">
-            <a:avLst/>
-          </a:prstGeom>
-          <a:noFill/>
-        </p:spPr>
-        <p:txBody>
-          <a:bodyPr wrap="square" rtlCol="0">
-            <a:spAutoFit/>
-          </a:bodyPr>
-          <a:lstStyle/>
-          <a:p>
-            <a:r>
-              <a:rPr lang="en-US" dirty="0">
-                <a:solidFill>
-                  <a:srgbClr val="FF0000"/>
-                </a:solidFill>
-              </a:rPr>
-              <a:t>Note: unfinished, symbols not filled in are still being relaxed, some blank regions still need to be completed</a:t>
-            </a:r>
-          </a:p>
-        </p:txBody>
-      </p:sp>
       <p:pic>
         <p:nvPicPr>
-          <p:cNvPr id="3076" name="Picture 4">
-            <a:extLst>
-              <a:ext uri="{FF2B5EF4-FFF2-40B4-BE49-F238E27FC236}">
-                <a16:creationId xmlns:a16="http://schemas.microsoft.com/office/drawing/2014/main" id="{DCC4BF9F-22A4-0C44-4174-76F2EE9CAEA9}"/>
+          <p:cNvPr id="4098" name="Picture 2">
+            <a:extLst>
+              <a:ext uri="{FF2B5EF4-FFF2-40B4-BE49-F238E27FC236}">
+                <a16:creationId xmlns:a16="http://schemas.microsoft.com/office/drawing/2014/main" id="{5FEF0EE2-C784-C1A4-1133-436158EDA674}"/>
               </a:ext>
             </a:extLst>
           </p:cNvPr>
@@ -3953,8 +3914,8 @@
         </p:blipFill>
         <p:spPr bwMode="auto">
           <a:xfrm>
-            <a:off x="2779059" y="1246095"/>
-            <a:ext cx="5835627" cy="3388659"/>
+            <a:off x="2640249" y="739840"/>
+            <a:ext cx="6603066" cy="3834299"/>
           </a:xfrm>
           <a:prstGeom prst="rect">
             <a:avLst/>
@@ -4082,36 +4043,6 @@
               </a14:hiddenFill>
             </a:ext>
           </a:extLst>
-        </p:spPr>
-      </p:pic>
-      <p:pic>
-        <p:nvPicPr>
-          <p:cNvPr id="3" name="Picture 2">
-            <a:extLst>
-              <a:ext uri="{FF2B5EF4-FFF2-40B4-BE49-F238E27FC236}">
-                <a16:creationId xmlns:a16="http://schemas.microsoft.com/office/drawing/2014/main" id="{61F6CAF1-5290-8511-FD0A-AEDFB19DBBF6}"/>
-              </a:ext>
-            </a:extLst>
-          </p:cNvPr>
-          <p:cNvPicPr>
-            <a:picLocks noChangeAspect="1"/>
-          </p:cNvPicPr>
-          <p:nvPr/>
-        </p:nvPicPr>
-        <p:blipFill>
-          <a:blip r:embed="rId4"/>
-          <a:stretch>
-            <a:fillRect/>
-          </a:stretch>
-        </p:blipFill>
-        <p:spPr>
-          <a:xfrm>
-            <a:off x="2749459" y="1860396"/>
-            <a:ext cx="2293755" cy="1575815"/>
-          </a:xfrm>
-          <a:prstGeom prst="rect">
-            <a:avLst/>
-          </a:prstGeom>
         </p:spPr>
       </p:pic>
       <mc:AlternateContent xmlns:mc="http://schemas.openxmlformats.org/markup-compatibility/2006" xmlns:a14="http://schemas.microsoft.com/office/drawing/2010/main">
@@ -4750,6 +4681,36 @@
           </a:p>
         </p:txBody>
       </p:sp>
+      <p:pic>
+        <p:nvPicPr>
+          <p:cNvPr id="4" name="Picture 3">
+            <a:extLst>
+              <a:ext uri="{FF2B5EF4-FFF2-40B4-BE49-F238E27FC236}">
+                <a16:creationId xmlns:a16="http://schemas.microsoft.com/office/drawing/2014/main" id="{71683EEA-5461-6903-9CE0-41C3C18EC808}"/>
+              </a:ext>
+            </a:extLst>
+          </p:cNvPr>
+          <p:cNvPicPr>
+            <a:picLocks noChangeAspect="1"/>
+          </p:cNvPicPr>
+          <p:nvPr/>
+        </p:nvPicPr>
+        <p:blipFill>
+          <a:blip r:embed="rId8"/>
+          <a:stretch>
+            <a:fillRect/>
+          </a:stretch>
+        </p:blipFill>
+        <p:spPr>
+          <a:xfrm>
+            <a:off x="2607342" y="2011194"/>
+            <a:ext cx="2426696" cy="1595483"/>
+          </a:xfrm>
+          <a:prstGeom prst="rect">
+            <a:avLst/>
+          </a:prstGeom>
+        </p:spPr>
+      </p:pic>
     </p:spTree>
     <p:extLst>
       <p:ext uri="{BB962C8B-B14F-4D97-AF65-F5344CB8AC3E}">
@@ -5714,8 +5675,8 @@
           </a:p>
         </p:txBody>
       </p:sp>
-      <mc:AlternateContent xmlns:mc="http://schemas.openxmlformats.org/markup-compatibility/2006">
-        <mc:Choice xmlns:a14="http://schemas.microsoft.com/office/drawing/2010/main" Requires="a14">
+      <mc:AlternateContent xmlns:mc="http://schemas.openxmlformats.org/markup-compatibility/2006" xmlns:a14="http://schemas.microsoft.com/office/drawing/2010/main">
+        <mc:Choice Requires="a14">
           <p:sp>
             <p:nvSpPr>
               <p:cNvPr id="27" name="TextBox 26">
@@ -6305,7 +6266,7 @@
             </p:txBody>
           </p:sp>
         </mc:Choice>
-        <mc:Fallback>
+        <mc:Fallback xmlns="">
           <p:sp>
             <p:nvSpPr>
               <p:cNvPr id="27" name="TextBox 26">
@@ -6568,6 +6529,55 @@
           </a:extLst>
         </p:spPr>
       </p:pic>
+      <p:sp>
+        <p:nvSpPr>
+          <p:cNvPr id="2" name="Rectangle 1">
+            <a:extLst>
+              <a:ext uri="{FF2B5EF4-FFF2-40B4-BE49-F238E27FC236}">
+                <a16:creationId xmlns:a16="http://schemas.microsoft.com/office/drawing/2014/main" id="{251A1A27-4421-78EE-A61C-51E12EFDE404}"/>
+              </a:ext>
+            </a:extLst>
+          </p:cNvPr>
+          <p:cNvSpPr/>
+          <p:nvPr/>
+        </p:nvSpPr>
+        <p:spPr>
+          <a:xfrm>
+            <a:off x="7173283" y="2587024"/>
+            <a:ext cx="1643154" cy="624210"/>
+          </a:xfrm>
+          <a:prstGeom prst="rect">
+            <a:avLst/>
+          </a:prstGeom>
+        </p:spPr>
+        <p:style>
+          <a:lnRef idx="2">
+            <a:schemeClr val="accent1">
+              <a:shade val="15000"/>
+            </a:schemeClr>
+          </a:lnRef>
+          <a:fillRef idx="1">
+            <a:schemeClr val="accent1"/>
+          </a:fillRef>
+          <a:effectRef idx="0">
+            <a:schemeClr val="accent1"/>
+          </a:effectRef>
+          <a:fontRef idx="minor">
+            <a:schemeClr val="lt1"/>
+          </a:fontRef>
+        </p:style>
+        <p:txBody>
+          <a:bodyPr rtlCol="0" anchor="ctr"/>
+          <a:lstStyle/>
+          <a:p>
+            <a:pPr algn="ctr"/>
+            <a:r>
+              <a:rPr lang="en-US" dirty="0"/>
+              <a:t>Maybe 6.25 look better</a:t>
+            </a:r>
+          </a:p>
+        </p:txBody>
+      </p:sp>
     </p:spTree>
     <p:extLst>
       <p:ext uri="{BB962C8B-B14F-4D97-AF65-F5344CB8AC3E}">
@@ -6598,8 +6608,8 @@
           <a:chExt cx="0" cy="0"/>
         </a:xfrm>
       </p:grpSpPr>
-      <mc:AlternateContent xmlns:mc="http://schemas.openxmlformats.org/markup-compatibility/2006" xmlns:a14="http://schemas.microsoft.com/office/drawing/2010/main">
-        <mc:Choice Requires="a14">
+      <mc:AlternateContent xmlns:mc="http://schemas.openxmlformats.org/markup-compatibility/2006">
+        <mc:Choice xmlns:a14="http://schemas.microsoft.com/office/drawing/2010/main" Requires="a14">
           <p:sp>
             <p:nvSpPr>
               <p:cNvPr id="3" name="TextBox 2">
@@ -6614,7 +6624,7 @@
             </p:nvSpPr>
             <p:spPr>
               <a:xfrm>
-                <a:off x="3227295" y="4455477"/>
+                <a:off x="2985248" y="4455477"/>
                 <a:ext cx="6391834" cy="923330"/>
               </a:xfrm>
               <a:prstGeom prst="rect">
@@ -6684,7 +6694,7 @@
             </p:txBody>
           </p:sp>
         </mc:Choice>
-        <mc:Fallback xmlns="">
+        <mc:Fallback>
           <p:sp>
             <p:nvSpPr>
               <p:cNvPr id="3" name="TextBox 2">
@@ -6701,16 +6711,16 @@
             </p:nvSpPr>
             <p:spPr>
               <a:xfrm>
-                <a:off x="3227295" y="4455477"/>
+                <a:off x="2985248" y="4455477"/>
                 <a:ext cx="6391834" cy="923330"/>
               </a:xfrm>
               <a:prstGeom prst="rect">
                 <a:avLst/>
               </a:prstGeom>
               <a:blipFill>
-                <a:blip r:embed="rId3"/>
+                <a:blip r:embed="rId2"/>
                 <a:stretch>
-                  <a:fillRect l="-763" t="-3311" r="-1430" b="-10596"/>
+                  <a:fillRect l="-859" t="-3311" r="-1431" b="-10596"/>
                 </a:stretch>
               </a:blipFill>
             </p:spPr>
@@ -6731,10 +6741,10 @@
       </mc:AlternateContent>
       <p:pic>
         <p:nvPicPr>
-          <p:cNvPr id="1026" name="Picture 2">
-            <a:extLst>
-              <a:ext uri="{FF2B5EF4-FFF2-40B4-BE49-F238E27FC236}">
-                <a16:creationId xmlns:a16="http://schemas.microsoft.com/office/drawing/2014/main" id="{D6257E91-1D04-9767-ACFF-014641CA51F2}"/>
+          <p:cNvPr id="2" name="Picture 2">
+            <a:extLst>
+              <a:ext uri="{FF2B5EF4-FFF2-40B4-BE49-F238E27FC236}">
+                <a16:creationId xmlns:a16="http://schemas.microsoft.com/office/drawing/2014/main" id="{D78CFEA3-8185-0712-E0BD-10FA5FB51340}"/>
               </a:ext>
             </a:extLst>
           </p:cNvPr>
@@ -6744,7 +6754,7 @@
           <p:nvPr/>
         </p:nvPicPr>
         <p:blipFill>
-          <a:blip r:embed="rId4">
+          <a:blip r:embed="rId3">
             <a:extLst>
               <a:ext uri="{28A0092B-C50C-407E-A947-70E740481C1C}">
                 <a14:useLocalDpi xmlns:a14="http://schemas.microsoft.com/office/drawing/2010/main" val="0"/>
@@ -6758,8 +6768,55 @@
         </p:blipFill>
         <p:spPr bwMode="auto">
           <a:xfrm>
-            <a:off x="4050928" y="1044109"/>
-            <a:ext cx="4572830" cy="2873467"/>
+            <a:off x="2048806" y="1479193"/>
+            <a:ext cx="4289147" cy="2705022"/>
+          </a:xfrm>
+          <a:prstGeom prst="rect">
+            <a:avLst/>
+          </a:prstGeom>
+          <a:noFill/>
+          <a:extLst>
+            <a:ext uri="{909E8E84-426E-40DD-AFC4-6F175D3DCCD1}">
+              <a14:hiddenFill xmlns:a14="http://schemas.microsoft.com/office/drawing/2010/main">
+                <a:solidFill>
+                  <a:srgbClr val="FFFFFF"/>
+                </a:solidFill>
+              </a14:hiddenFill>
+            </a:ext>
+          </a:extLst>
+        </p:spPr>
+      </p:pic>
+      <p:pic>
+        <p:nvPicPr>
+          <p:cNvPr id="1028" name="Picture 4">
+            <a:extLst>
+              <a:ext uri="{FF2B5EF4-FFF2-40B4-BE49-F238E27FC236}">
+                <a16:creationId xmlns:a16="http://schemas.microsoft.com/office/drawing/2014/main" id="{BBE23151-410E-6DA4-A5F9-00536D5F365A}"/>
+              </a:ext>
+            </a:extLst>
+          </p:cNvPr>
+          <p:cNvPicPr>
+            <a:picLocks noChangeAspect="1" noChangeArrowheads="1"/>
+          </p:cNvPicPr>
+          <p:nvPr/>
+        </p:nvPicPr>
+        <p:blipFill>
+          <a:blip r:embed="rId4">
+            <a:extLst>
+              <a:ext uri="{28A0092B-C50C-407E-A947-70E740481C1C}">
+                <a14:useLocalDpi xmlns:a14="http://schemas.microsoft.com/office/drawing/2010/main" val="0"/>
+              </a:ext>
+            </a:extLst>
+          </a:blip>
+          <a:srcRect/>
+          <a:stretch>
+            <a:fillRect/>
+          </a:stretch>
+        </p:blipFill>
+        <p:spPr bwMode="auto">
+          <a:xfrm>
+            <a:off x="6337953" y="1547279"/>
+            <a:ext cx="4289146" cy="2695207"/>
           </a:xfrm>
           <a:prstGeom prst="rect">
             <a:avLst/>
@@ -6814,10 +6871,10 @@
       </p:grpSpPr>
       <p:pic>
         <p:nvPicPr>
-          <p:cNvPr id="39" name="Picture 38">
-            <a:extLst>
-              <a:ext uri="{FF2B5EF4-FFF2-40B4-BE49-F238E27FC236}">
-                <a16:creationId xmlns:a16="http://schemas.microsoft.com/office/drawing/2014/main" id="{A825319F-1893-4E67-ADFD-A6C9FB055142}"/>
+          <p:cNvPr id="11" name="Picture 10">
+            <a:extLst>
+              <a:ext uri="{FF2B5EF4-FFF2-40B4-BE49-F238E27FC236}">
+                <a16:creationId xmlns:a16="http://schemas.microsoft.com/office/drawing/2014/main" id="{036F016B-5111-480D-C73E-72317E30509E}"/>
               </a:ext>
             </a:extLst>
           </p:cNvPr>
@@ -6834,37 +6891,7 @@
         </p:blipFill>
         <p:spPr>
           <a:xfrm>
-            <a:off x="8608207" y="1260413"/>
-            <a:ext cx="1476718" cy="1750966"/>
-          </a:xfrm>
-          <a:prstGeom prst="rect">
-            <a:avLst/>
-          </a:prstGeom>
-        </p:spPr>
-      </p:pic>
-      <p:pic>
-        <p:nvPicPr>
-          <p:cNvPr id="11" name="Picture 10">
-            <a:extLst>
-              <a:ext uri="{FF2B5EF4-FFF2-40B4-BE49-F238E27FC236}">
-                <a16:creationId xmlns:a16="http://schemas.microsoft.com/office/drawing/2014/main" id="{036F016B-5111-480D-C73E-72317E30509E}"/>
-              </a:ext>
-            </a:extLst>
-          </p:cNvPr>
-          <p:cNvPicPr>
-            <a:picLocks noChangeAspect="1"/>
-          </p:cNvPicPr>
-          <p:nvPr/>
-        </p:nvPicPr>
-        <p:blipFill>
-          <a:blip r:embed="rId3"/>
-          <a:stretch>
-            <a:fillRect/>
-          </a:stretch>
-        </p:blipFill>
-        <p:spPr>
-          <a:xfrm>
-            <a:off x="6845984" y="1206712"/>
+            <a:off x="6854707" y="1115336"/>
             <a:ext cx="1373653" cy="1756389"/>
           </a:xfrm>
           <a:prstGeom prst="rect">
@@ -6888,8 +6915,8 @@
             </p:nvSpPr>
             <p:spPr>
               <a:xfrm>
-                <a:off x="867902" y="4920980"/>
-                <a:ext cx="10035576" cy="1498744"/>
+                <a:off x="867902" y="4920581"/>
+                <a:ext cx="10035576" cy="1797159"/>
               </a:xfrm>
               <a:prstGeom prst="rect">
                 <a:avLst/>
@@ -7333,17 +7360,67 @@
                       </a:rPr>
                       <m:t>𝑧</m:t>
                     </m:r>
-                    <m:r>
-                      <a:rPr lang="en-US" b="0" i="1" smtClean="0">
-                        <a:latin typeface="Cambria Math" panose="02040503050406030204" pitchFamily="18" charset="0"/>
-                      </a:rPr>
-                      <m:t>.</m:t>
-                    </m:r>
                   </m:oMath>
                 </a14:m>
                 <a:r>
                   <a:rPr lang="en-US" dirty="0"/>
-                  <a:t> </a:t>
+                  <a:t> with colors linearly mapped to </a:t>
+                </a:r>
+                <a14:m>
+                  <m:oMath xmlns:m="http://schemas.openxmlformats.org/officeDocument/2006/math">
+                    <m:sSub>
+                      <m:sSubPr>
+                        <m:ctrlPr>
+                          <a:rPr lang="en-US" i="1">
+                            <a:latin typeface="Cambria Math" panose="02040503050406030204" pitchFamily="18" charset="0"/>
+                          </a:rPr>
+                        </m:ctrlPr>
+                      </m:sSubPr>
+                      <m:e>
+                        <m:r>
+                          <a:rPr lang="en-US" i="1">
+                            <a:latin typeface="Cambria Math" panose="02040503050406030204" pitchFamily="18" charset="0"/>
+                          </a:rPr>
+                          <m:t>𝜙</m:t>
+                        </m:r>
+                      </m:e>
+                      <m:sub>
+                        <m:r>
+                          <a:rPr lang="en-US" i="1">
+                            <a:latin typeface="Cambria Math" panose="02040503050406030204" pitchFamily="18" charset="0"/>
+                          </a:rPr>
+                          <m:t>𝑝</m:t>
+                        </m:r>
+                      </m:sub>
+                    </m:sSub>
+                    <m:r>
+                      <a:rPr lang="en-US" i="1">
+                        <a:latin typeface="Cambria Math" panose="02040503050406030204" pitchFamily="18" charset="0"/>
+                      </a:rPr>
+                      <m:t>=</m:t>
+                    </m:r>
+                    <m:d>
+                      <m:dPr>
+                        <m:ctrlPr>
+                          <a:rPr lang="en-US" i="1">
+                            <a:latin typeface="Cambria Math" panose="02040503050406030204" pitchFamily="18" charset="0"/>
+                          </a:rPr>
+                        </m:ctrlPr>
+                      </m:dPr>
+                      <m:e>
+                        <m:r>
+                          <a:rPr lang="en-US" i="1">
+                            <a:latin typeface="Cambria Math" panose="02040503050406030204" pitchFamily="18" charset="0"/>
+                          </a:rPr>
+                          <m:t>0.0, 0.80</m:t>
+                        </m:r>
+                      </m:e>
+                    </m:d>
+                  </m:oMath>
+                </a14:m>
+                <a:r>
+                  <a:rPr lang="en-US" dirty="0"/>
+                  <a:t>.</a:t>
                 </a:r>
               </a:p>
             </p:txBody>
@@ -7366,16 +7443,16 @@
             </p:nvSpPr>
             <p:spPr>
               <a:xfrm>
-                <a:off x="867902" y="4920980"/>
-                <a:ext cx="10035576" cy="1498744"/>
+                <a:off x="867902" y="4920581"/>
+                <a:ext cx="10035576" cy="1797159"/>
               </a:xfrm>
               <a:prstGeom prst="rect">
                 <a:avLst/>
               </a:prstGeom>
               <a:blipFill>
-                <a:blip r:embed="rId4"/>
+                <a:blip r:embed="rId3"/>
                 <a:stretch>
-                  <a:fillRect l="-486" t="-1626" r="-911" b="-4878"/>
+                  <a:fillRect l="-486" t="-1356" r="-911" b="-3729"/>
                 </a:stretch>
               </a:blipFill>
             </p:spPr>
@@ -7394,8 +7471,8 @@
           </p:sp>
         </mc:Fallback>
       </mc:AlternateContent>
-      <mc:AlternateContent xmlns:mc="http://schemas.openxmlformats.org/markup-compatibility/2006" xmlns:a14="http://schemas.microsoft.com/office/drawing/2010/main">
-        <mc:Choice Requires="a14">
+      <mc:AlternateContent xmlns:mc="http://schemas.openxmlformats.org/markup-compatibility/2006">
+        <mc:Choice xmlns:a14="http://schemas.microsoft.com/office/drawing/2010/main" Requires="a14">
           <p:sp>
             <p:nvSpPr>
               <p:cNvPr id="15" name="TextBox 14">
@@ -7410,7 +7487,7 @@
             </p:nvSpPr>
             <p:spPr>
               <a:xfrm>
-                <a:off x="1074684" y="928255"/>
+                <a:off x="1112784" y="778674"/>
                 <a:ext cx="1681433" cy="338554"/>
               </a:xfrm>
               <a:prstGeom prst="rect">
@@ -7466,7 +7543,7 @@
             </p:txBody>
           </p:sp>
         </mc:Choice>
-        <mc:Fallback xmlns="">
+        <mc:Fallback>
           <p:sp>
             <p:nvSpPr>
               <p:cNvPr id="15" name="TextBox 14">
@@ -7483,14 +7560,14 @@
             </p:nvSpPr>
             <p:spPr>
               <a:xfrm>
-                <a:off x="1074684" y="928255"/>
+                <a:off x="1112784" y="778674"/>
                 <a:ext cx="1681433" cy="338554"/>
               </a:xfrm>
               <a:prstGeom prst="rect">
                 <a:avLst/>
               </a:prstGeom>
               <a:blipFill>
-                <a:blip r:embed="rId6"/>
+                <a:blip r:embed="rId4"/>
                 <a:stretch>
                   <a:fillRect/>
                 </a:stretch>
@@ -7527,7 +7604,7 @@
             </p:nvSpPr>
             <p:spPr>
               <a:xfrm>
-                <a:off x="3014822" y="891966"/>
+                <a:off x="3052922" y="742385"/>
                 <a:ext cx="1681433" cy="338554"/>
               </a:xfrm>
               <a:prstGeom prst="rect">
@@ -7600,14 +7677,14 @@
             </p:nvSpPr>
             <p:spPr>
               <a:xfrm>
-                <a:off x="3014822" y="891966"/>
+                <a:off x="3052922" y="742385"/>
                 <a:ext cx="1681433" cy="338554"/>
               </a:xfrm>
               <a:prstGeom prst="rect">
                 <a:avLst/>
               </a:prstGeom>
               <a:blipFill>
-                <a:blip r:embed="rId7"/>
+                <a:blip r:embed="rId5"/>
                 <a:stretch>
                   <a:fillRect/>
                 </a:stretch>
@@ -7628,8 +7705,8 @@
           </p:sp>
         </mc:Fallback>
       </mc:AlternateContent>
-      <mc:AlternateContent xmlns:mc="http://schemas.openxmlformats.org/markup-compatibility/2006" xmlns:a14="http://schemas.microsoft.com/office/drawing/2010/main">
-        <mc:Choice Requires="a14">
+      <mc:AlternateContent xmlns:mc="http://schemas.openxmlformats.org/markup-compatibility/2006">
+        <mc:Choice xmlns:a14="http://schemas.microsoft.com/office/drawing/2010/main" Requires="a14">
           <p:sp>
             <p:nvSpPr>
               <p:cNvPr id="19" name="TextBox 18">
@@ -7644,7 +7721,7 @@
             </p:nvSpPr>
             <p:spPr>
               <a:xfrm>
-                <a:off x="4772489" y="909205"/>
+                <a:off x="4901764" y="754752"/>
                 <a:ext cx="1681433" cy="338554"/>
               </a:xfrm>
               <a:prstGeom prst="rect">
@@ -7700,7 +7777,7 @@
             </p:txBody>
           </p:sp>
         </mc:Choice>
-        <mc:Fallback xmlns="">
+        <mc:Fallback>
           <p:sp>
             <p:nvSpPr>
               <p:cNvPr id="19" name="TextBox 18">
@@ -7717,14 +7794,14 @@
             </p:nvSpPr>
             <p:spPr>
               <a:xfrm>
-                <a:off x="4772489" y="909205"/>
+                <a:off x="4901764" y="754752"/>
                 <a:ext cx="1681433" cy="338554"/>
               </a:xfrm>
               <a:prstGeom prst="rect">
                 <a:avLst/>
               </a:prstGeom>
               <a:blipFill>
-                <a:blip r:embed="rId8"/>
+                <a:blip r:embed="rId6"/>
                 <a:stretch>
                   <a:fillRect/>
                 </a:stretch>
@@ -7745,8 +7822,8 @@
           </p:sp>
         </mc:Fallback>
       </mc:AlternateContent>
-      <mc:AlternateContent xmlns:mc="http://schemas.openxmlformats.org/markup-compatibility/2006" xmlns:a14="http://schemas.microsoft.com/office/drawing/2010/main">
-        <mc:Choice Requires="a14">
+      <mc:AlternateContent xmlns:mc="http://schemas.openxmlformats.org/markup-compatibility/2006">
+        <mc:Choice xmlns:a14="http://schemas.microsoft.com/office/drawing/2010/main" Requires="a14">
           <p:sp>
             <p:nvSpPr>
               <p:cNvPr id="20" name="TextBox 19">
@@ -7761,7 +7838,7 @@
             </p:nvSpPr>
             <p:spPr>
               <a:xfrm>
-                <a:off x="6668048" y="904333"/>
+                <a:off x="6706148" y="754752"/>
                 <a:ext cx="1681433" cy="338554"/>
               </a:xfrm>
               <a:prstGeom prst="rect">
@@ -7817,7 +7894,7 @@
             </p:txBody>
           </p:sp>
         </mc:Choice>
-        <mc:Fallback xmlns="">
+        <mc:Fallback>
           <p:sp>
             <p:nvSpPr>
               <p:cNvPr id="20" name="TextBox 19">
@@ -7834,14 +7911,14 @@
             </p:nvSpPr>
             <p:spPr>
               <a:xfrm>
-                <a:off x="6668048" y="904333"/>
+                <a:off x="6706148" y="754752"/>
                 <a:ext cx="1681433" cy="338554"/>
               </a:xfrm>
               <a:prstGeom prst="rect">
                 <a:avLst/>
               </a:prstGeom>
               <a:blipFill>
-                <a:blip r:embed="rId9"/>
+                <a:blip r:embed="rId7"/>
                 <a:stretch>
                   <a:fillRect/>
                 </a:stretch>
@@ -7862,8 +7939,8 @@
           </p:sp>
         </mc:Fallback>
       </mc:AlternateContent>
-      <mc:AlternateContent xmlns:mc="http://schemas.openxmlformats.org/markup-compatibility/2006" xmlns:a14="http://schemas.microsoft.com/office/drawing/2010/main">
-        <mc:Choice Requires="a14">
+      <mc:AlternateContent xmlns:mc="http://schemas.openxmlformats.org/markup-compatibility/2006">
+        <mc:Choice xmlns:a14="http://schemas.microsoft.com/office/drawing/2010/main" Requires="a14">
           <p:sp>
             <p:nvSpPr>
               <p:cNvPr id="21" name="TextBox 20">
@@ -7878,7 +7955,7 @@
             </p:nvSpPr>
             <p:spPr>
               <a:xfrm>
-                <a:off x="8546103" y="869635"/>
+                <a:off x="8584203" y="720054"/>
                 <a:ext cx="1681433" cy="338554"/>
               </a:xfrm>
               <a:prstGeom prst="rect">
@@ -7934,7 +8011,7 @@
             </p:txBody>
           </p:sp>
         </mc:Choice>
-        <mc:Fallback xmlns="">
+        <mc:Fallback>
           <p:sp>
             <p:nvSpPr>
               <p:cNvPr id="21" name="TextBox 20">
@@ -7951,14 +8028,14 @@
             </p:nvSpPr>
             <p:spPr>
               <a:xfrm>
-                <a:off x="8546103" y="869635"/>
+                <a:off x="8584203" y="720054"/>
                 <a:ext cx="1681433" cy="338554"/>
               </a:xfrm>
               <a:prstGeom prst="rect">
                 <a:avLst/>
               </a:prstGeom>
               <a:blipFill>
-                <a:blip r:embed="rId10"/>
+                <a:blip r:embed="rId8"/>
                 <a:stretch>
                   <a:fillRect/>
                 </a:stretch>
@@ -7993,7 +8070,7 @@
         </p:nvSpPr>
         <p:spPr>
           <a:xfrm>
-            <a:off x="752557" y="666896"/>
+            <a:off x="790657" y="517315"/>
             <a:ext cx="506119" cy="369332"/>
           </a:xfrm>
           <a:prstGeom prst="rect">
@@ -8028,7 +8105,7 @@
         </p:nvSpPr>
         <p:spPr>
           <a:xfrm>
-            <a:off x="2609652" y="637542"/>
+            <a:off x="2647752" y="487961"/>
             <a:ext cx="506119" cy="369332"/>
           </a:xfrm>
           <a:prstGeom prst="rect">
@@ -8063,7 +8140,7 @@
         </p:nvSpPr>
         <p:spPr>
           <a:xfrm>
-            <a:off x="4661813" y="630972"/>
+            <a:off x="4699913" y="481391"/>
             <a:ext cx="506119" cy="369332"/>
           </a:xfrm>
           <a:prstGeom prst="rect">
@@ -8098,7 +8175,7 @@
         </p:nvSpPr>
         <p:spPr>
           <a:xfrm>
-            <a:off x="6574801" y="630972"/>
+            <a:off x="6612901" y="481391"/>
             <a:ext cx="506119" cy="369332"/>
           </a:xfrm>
           <a:prstGeom prst="rect">
@@ -8133,7 +8210,7 @@
         </p:nvSpPr>
         <p:spPr>
           <a:xfrm>
-            <a:off x="8324262" y="607716"/>
+            <a:off x="8362362" y="458135"/>
             <a:ext cx="506119" cy="369332"/>
           </a:xfrm>
           <a:prstGeom prst="rect">
@@ -8154,12 +8231,42 @@
           </a:p>
         </p:txBody>
       </p:sp>
+      <p:pic>
+        <p:nvPicPr>
+          <p:cNvPr id="33" name="Picture 32">
+            <a:extLst>
+              <a:ext uri="{FF2B5EF4-FFF2-40B4-BE49-F238E27FC236}">
+                <a16:creationId xmlns:a16="http://schemas.microsoft.com/office/drawing/2014/main" id="{0FB4E052-738C-CBB0-FDB6-639AFEEFA8CB}"/>
+              </a:ext>
+            </a:extLst>
+          </p:cNvPr>
+          <p:cNvPicPr>
+            <a:picLocks noChangeAspect="1"/>
+          </p:cNvPicPr>
+          <p:nvPr/>
+        </p:nvPicPr>
+        <p:blipFill>
+          <a:blip r:embed="rId9"/>
+          <a:stretch>
+            <a:fillRect/>
+          </a:stretch>
+        </p:blipFill>
+        <p:spPr>
+          <a:xfrm>
+            <a:off x="1066388" y="1203176"/>
+            <a:ext cx="1742995" cy="1508265"/>
+          </a:xfrm>
+          <a:prstGeom prst="rect">
+            <a:avLst/>
+          </a:prstGeom>
+        </p:spPr>
+      </p:pic>
       <p:sp>
         <p:nvSpPr>
-          <p:cNvPr id="17" name="TextBox 16">
-            <a:extLst>
-              <a:ext uri="{FF2B5EF4-FFF2-40B4-BE49-F238E27FC236}">
-                <a16:creationId xmlns:a16="http://schemas.microsoft.com/office/drawing/2014/main" id="{73DC2D45-D4FC-6F86-5E6D-3DD3EED30B8D}"/>
+          <p:cNvPr id="5" name="TextBox 4">
+            <a:extLst>
+              <a:ext uri="{FF2B5EF4-FFF2-40B4-BE49-F238E27FC236}">
+                <a16:creationId xmlns:a16="http://schemas.microsoft.com/office/drawing/2014/main" id="{67EF3764-EBCB-8A7E-8F21-6C9635AA5A2F}"/>
               </a:ext>
             </a:extLst>
           </p:cNvPr>
@@ -8168,7 +8275,7 @@
         </p:nvSpPr>
         <p:spPr>
           <a:xfrm>
-            <a:off x="8349615" y="2783431"/>
+            <a:off x="790657" y="2790090"/>
             <a:ext cx="2268490" cy="369332"/>
           </a:xfrm>
           <a:prstGeom prst="rect">
@@ -8189,117 +8296,17 @@
                   <a:srgbClr val="FF0000"/>
                 </a:solidFill>
               </a:rPr>
-              <a:t>UPDATE</a:t>
+              <a:t>Need to finalize</a:t>
             </a:r>
           </a:p>
         </p:txBody>
       </p:sp>
       <p:pic>
         <p:nvPicPr>
-          <p:cNvPr id="33" name="Picture 32">
-            <a:extLst>
-              <a:ext uri="{FF2B5EF4-FFF2-40B4-BE49-F238E27FC236}">
-                <a16:creationId xmlns:a16="http://schemas.microsoft.com/office/drawing/2014/main" id="{0FB4E052-738C-CBB0-FDB6-639AFEEFA8CB}"/>
-              </a:ext>
-            </a:extLst>
-          </p:cNvPr>
-          <p:cNvPicPr>
-            <a:picLocks noChangeAspect="1"/>
-          </p:cNvPicPr>
-          <p:nvPr/>
-        </p:nvPicPr>
-        <p:blipFill>
-          <a:blip r:embed="rId11"/>
-          <a:stretch>
-            <a:fillRect/>
-          </a:stretch>
-        </p:blipFill>
-        <p:spPr>
-          <a:xfrm>
-            <a:off x="1028288" y="1352757"/>
-            <a:ext cx="1742995" cy="1508265"/>
-          </a:xfrm>
-          <a:prstGeom prst="rect">
-            <a:avLst/>
-          </a:prstGeom>
-        </p:spPr>
-      </p:pic>
-      <p:sp>
-        <p:nvSpPr>
-          <p:cNvPr id="5" name="TextBox 4">
-            <a:extLst>
-              <a:ext uri="{FF2B5EF4-FFF2-40B4-BE49-F238E27FC236}">
-                <a16:creationId xmlns:a16="http://schemas.microsoft.com/office/drawing/2014/main" id="{67EF3764-EBCB-8A7E-8F21-6C9635AA5A2F}"/>
-              </a:ext>
-            </a:extLst>
-          </p:cNvPr>
-          <p:cNvSpPr txBox="1"/>
-          <p:nvPr/>
-        </p:nvSpPr>
-        <p:spPr>
-          <a:xfrm>
-            <a:off x="790657" y="2745265"/>
-            <a:ext cx="2268490" cy="369332"/>
-          </a:xfrm>
-          <a:prstGeom prst="rect">
-            <a:avLst/>
-          </a:prstGeom>
-          <a:noFill/>
-        </p:spPr>
-        <p:txBody>
-          <a:bodyPr wrap="square" rtlCol="0">
-            <a:spAutoFit/>
-          </a:bodyPr>
-          <a:lstStyle/>
-          <a:p>
-            <a:pPr algn="ctr"/>
-            <a:r>
-              <a:rPr lang="en-US" dirty="0">
-                <a:solidFill>
-                  <a:srgbClr val="FF0000"/>
-                </a:solidFill>
-              </a:rPr>
-              <a:t>Need to finalize</a:t>
-            </a:r>
-          </a:p>
-        </p:txBody>
-      </p:sp>
-      <p:pic>
-        <p:nvPicPr>
-          <p:cNvPr id="35" name="Picture 34">
-            <a:extLst>
-              <a:ext uri="{FF2B5EF4-FFF2-40B4-BE49-F238E27FC236}">
-                <a16:creationId xmlns:a16="http://schemas.microsoft.com/office/drawing/2014/main" id="{7386A7E0-D37D-222C-0E71-8EBC70F77C80}"/>
-              </a:ext>
-            </a:extLst>
-          </p:cNvPr>
-          <p:cNvPicPr>
-            <a:picLocks noChangeAspect="1"/>
-          </p:cNvPicPr>
-          <p:nvPr/>
-        </p:nvPicPr>
-        <p:blipFill>
-          <a:blip r:embed="rId12"/>
-          <a:stretch>
-            <a:fillRect/>
-          </a:stretch>
-        </p:blipFill>
-        <p:spPr>
-          <a:xfrm>
-            <a:off x="4843287" y="1293575"/>
-            <a:ext cx="1610635" cy="1726992"/>
-          </a:xfrm>
-          <a:prstGeom prst="rect">
-            <a:avLst/>
-          </a:prstGeom>
-        </p:spPr>
-      </p:pic>
-      <p:pic>
-        <p:nvPicPr>
-          <p:cNvPr id="2052" name="Picture 4">
-            <a:extLst>
-              <a:ext uri="{FF2B5EF4-FFF2-40B4-BE49-F238E27FC236}">
-                <a16:creationId xmlns:a16="http://schemas.microsoft.com/office/drawing/2014/main" id="{4605DA37-5CBE-E79E-40CD-D98D732AEB19}"/>
+          <p:cNvPr id="2" name="Picture 4">
+            <a:extLst>
+              <a:ext uri="{FF2B5EF4-FFF2-40B4-BE49-F238E27FC236}">
+                <a16:creationId xmlns:a16="http://schemas.microsoft.com/office/drawing/2014/main" id="{6642C469-3900-561A-1D3B-A5893FBD5B26}"/>
               </a:ext>
             </a:extLst>
           </p:cNvPr>
@@ -8309,7 +8316,7 @@
           <p:nvPr/>
         </p:nvPicPr>
         <p:blipFill>
-          <a:blip r:embed="rId13">
+          <a:blip r:embed="rId10">
             <a:extLst>
               <a:ext uri="{28A0092B-C50C-407E-A947-70E740481C1C}">
                 <a14:useLocalDpi xmlns:a14="http://schemas.microsoft.com/office/drawing/2010/main" val="0"/>
@@ -8323,101 +8330,7 @@
         </p:blipFill>
         <p:spPr bwMode="auto">
           <a:xfrm>
-            <a:off x="6695058" y="3124579"/>
-            <a:ext cx="1638877" cy="1665046"/>
-          </a:xfrm>
-          <a:prstGeom prst="rect">
-            <a:avLst/>
-          </a:prstGeom>
-          <a:noFill/>
-          <a:extLst>
-            <a:ext uri="{909E8E84-426E-40DD-AFC4-6F175D3DCCD1}">
-              <a14:hiddenFill xmlns:a14="http://schemas.microsoft.com/office/drawing/2010/main">
-                <a:solidFill>
-                  <a:srgbClr val="FFFFFF"/>
-                </a:solidFill>
-              </a14:hiddenFill>
-            </a:ext>
-          </a:extLst>
-        </p:spPr>
-      </p:pic>
-      <p:pic>
-        <p:nvPicPr>
-          <p:cNvPr id="2054" name="Picture 6">
-            <a:extLst>
-              <a:ext uri="{FF2B5EF4-FFF2-40B4-BE49-F238E27FC236}">
-                <a16:creationId xmlns:a16="http://schemas.microsoft.com/office/drawing/2014/main" id="{8545DF33-87AB-E41E-9B09-F9BA1544CDF0}"/>
-              </a:ext>
-            </a:extLst>
-          </p:cNvPr>
-          <p:cNvPicPr>
-            <a:picLocks noChangeAspect="1" noChangeArrowheads="1"/>
-          </p:cNvPicPr>
-          <p:nvPr/>
-        </p:nvPicPr>
-        <p:blipFill>
-          <a:blip r:embed="rId14">
-            <a:extLst>
-              <a:ext uri="{28A0092B-C50C-407E-A947-70E740481C1C}">
-                <a14:useLocalDpi xmlns:a14="http://schemas.microsoft.com/office/drawing/2010/main" val="0"/>
-              </a:ext>
-            </a:extLst>
-          </a:blip>
-          <a:srcRect/>
-          <a:stretch>
-            <a:fillRect/>
-          </a:stretch>
-        </p:blipFill>
-        <p:spPr bwMode="auto">
-          <a:xfrm>
-            <a:off x="8569690" y="3152764"/>
-            <a:ext cx="1828341" cy="1540771"/>
-          </a:xfrm>
-          <a:prstGeom prst="rect">
-            <a:avLst/>
-          </a:prstGeom>
-          <a:noFill/>
-          <a:extLst>
-            <a:ext uri="{909E8E84-426E-40DD-AFC4-6F175D3DCCD1}">
-              <a14:hiddenFill xmlns:a14="http://schemas.microsoft.com/office/drawing/2010/main">
-                <a:solidFill>
-                  <a:srgbClr val="FFFFFF"/>
-                </a:solidFill>
-              </a14:hiddenFill>
-            </a:ext>
-          </a:extLst>
-        </p:spPr>
-      </p:pic>
-      <p:pic>
-        <p:nvPicPr>
-          <p:cNvPr id="2" name="Picture 4">
-            <a:extLst>
-              <a:ext uri="{FF2B5EF4-FFF2-40B4-BE49-F238E27FC236}">
-                <a16:creationId xmlns:a16="http://schemas.microsoft.com/office/drawing/2014/main" id="{6642C469-3900-561A-1D3B-A5893FBD5B26}"/>
-              </a:ext>
-            </a:extLst>
-          </p:cNvPr>
-          <p:cNvPicPr>
-            <a:picLocks noChangeAspect="1" noChangeArrowheads="1"/>
-          </p:cNvPicPr>
-          <p:nvPr/>
-        </p:nvPicPr>
-        <p:blipFill>
-          <a:blip r:embed="rId15">
-            <a:extLst>
-              <a:ext uri="{28A0092B-C50C-407E-A947-70E740481C1C}">
-                <a14:useLocalDpi xmlns:a14="http://schemas.microsoft.com/office/drawing/2010/main" val="0"/>
-              </a:ext>
-            </a:extLst>
-          </a:blip>
-          <a:srcRect/>
-          <a:stretch>
-            <a:fillRect/>
-          </a:stretch>
-        </p:blipFill>
-        <p:spPr bwMode="auto">
-          <a:xfrm>
-            <a:off x="867902" y="3096850"/>
+            <a:off x="867902" y="3141675"/>
             <a:ext cx="2075215" cy="1588398"/>
           </a:xfrm>
           <a:prstGeom prst="rect">
@@ -8450,7 +8363,7 @@
           <p:nvPr/>
         </p:nvPicPr>
         <p:blipFill>
-          <a:blip r:embed="rId16">
+          <a:blip r:embed="rId11">
             <a:extLst>
               <a:ext uri="{28A0092B-C50C-407E-A947-70E740481C1C}">
                 <a14:useLocalDpi xmlns:a14="http://schemas.microsoft.com/office/drawing/2010/main" val="0"/>
@@ -8464,7 +8377,7 @@
         </p:blipFill>
         <p:spPr bwMode="auto">
           <a:xfrm rot="16200000">
-            <a:off x="3100115" y="3281032"/>
+            <a:off x="3100115" y="3325857"/>
             <a:ext cx="1645641" cy="1389106"/>
           </a:xfrm>
           <a:prstGeom prst="rect">
@@ -8497,14 +8410,14 @@
           <p:nvPr/>
         </p:nvPicPr>
         <p:blipFill>
-          <a:blip r:embed="rId17"/>
+          <a:blip r:embed="rId12"/>
           <a:stretch>
             <a:fillRect/>
           </a:stretch>
         </p:blipFill>
         <p:spPr>
           <a:xfrm>
-            <a:off x="2947594" y="1327792"/>
+            <a:off x="2985694" y="1178211"/>
             <a:ext cx="1683723" cy="1635309"/>
           </a:xfrm>
           <a:prstGeom prst="rect">
@@ -8514,10 +8427,70 @@
       </p:pic>
       <p:pic>
         <p:nvPicPr>
-          <p:cNvPr id="27" name="Picture 6">
-            <a:extLst>
-              <a:ext uri="{FF2B5EF4-FFF2-40B4-BE49-F238E27FC236}">
-                <a16:creationId xmlns:a16="http://schemas.microsoft.com/office/drawing/2014/main" id="{54FAF046-4BF0-16CB-9E2E-BA697EA014C3}"/>
+          <p:cNvPr id="10" name="Picture 9">
+            <a:extLst>
+              <a:ext uri="{FF2B5EF4-FFF2-40B4-BE49-F238E27FC236}">
+                <a16:creationId xmlns:a16="http://schemas.microsoft.com/office/drawing/2014/main" id="{64D9DF05-D178-56F7-10A1-119CF3D1E712}"/>
+              </a:ext>
+            </a:extLst>
+          </p:cNvPr>
+          <p:cNvPicPr>
+            <a:picLocks noChangeAspect="1"/>
+          </p:cNvPicPr>
+          <p:nvPr/>
+        </p:nvPicPr>
+        <p:blipFill>
+          <a:blip r:embed="rId13"/>
+          <a:stretch>
+            <a:fillRect/>
+          </a:stretch>
+        </p:blipFill>
+        <p:spPr>
+          <a:xfrm>
+            <a:off x="4799395" y="1203176"/>
+            <a:ext cx="1638877" cy="1644304"/>
+          </a:xfrm>
+          <a:prstGeom prst="rect">
+            <a:avLst/>
+          </a:prstGeom>
+        </p:spPr>
+      </p:pic>
+      <p:pic>
+        <p:nvPicPr>
+          <p:cNvPr id="26" name="Picture 25">
+            <a:extLst>
+              <a:ext uri="{FF2B5EF4-FFF2-40B4-BE49-F238E27FC236}">
+                <a16:creationId xmlns:a16="http://schemas.microsoft.com/office/drawing/2014/main" id="{731BBFC2-8BA6-9E47-BD51-F666A1CE1D37}"/>
+              </a:ext>
+            </a:extLst>
+          </p:cNvPr>
+          <p:cNvPicPr>
+            <a:picLocks noChangeAspect="1"/>
+          </p:cNvPicPr>
+          <p:nvPr/>
+        </p:nvPicPr>
+        <p:blipFill>
+          <a:blip r:embed="rId14"/>
+          <a:stretch>
+            <a:fillRect/>
+          </a:stretch>
+        </p:blipFill>
+        <p:spPr>
+          <a:xfrm>
+            <a:off x="8703549" y="1057131"/>
+            <a:ext cx="1575819" cy="1872800"/>
+          </a:xfrm>
+          <a:prstGeom prst="rect">
+            <a:avLst/>
+          </a:prstGeom>
+        </p:spPr>
+      </p:pic>
+      <p:pic>
+        <p:nvPicPr>
+          <p:cNvPr id="28" name="Picture 4">
+            <a:extLst>
+              <a:ext uri="{FF2B5EF4-FFF2-40B4-BE49-F238E27FC236}">
+                <a16:creationId xmlns:a16="http://schemas.microsoft.com/office/drawing/2014/main" id="{3CE551E2-D82A-1D66-9C81-FFAD60FF57AB}"/>
               </a:ext>
             </a:extLst>
           </p:cNvPr>
@@ -8527,7 +8500,7 @@
           <p:nvPr/>
         </p:nvPicPr>
         <p:blipFill>
-          <a:blip r:embed="rId18">
+          <a:blip r:embed="rId15">
             <a:extLst>
               <a:ext uri="{28A0092B-C50C-407E-A947-70E740481C1C}">
                 <a14:useLocalDpi xmlns:a14="http://schemas.microsoft.com/office/drawing/2010/main" val="0"/>
@@ -8541,8 +8514,8 @@
         </p:blipFill>
         <p:spPr bwMode="auto">
           <a:xfrm>
-            <a:off x="4789598" y="3153632"/>
-            <a:ext cx="1265080" cy="1751913"/>
+            <a:off x="4829657" y="3157319"/>
+            <a:ext cx="1304439" cy="1846450"/>
           </a:xfrm>
           <a:prstGeom prst="rect">
             <a:avLst/>
@@ -8559,6 +8532,451 @@
           </a:extLst>
         </p:spPr>
       </p:pic>
+      <p:pic>
+        <p:nvPicPr>
+          <p:cNvPr id="32" name="Picture 6">
+            <a:extLst>
+              <a:ext uri="{FF2B5EF4-FFF2-40B4-BE49-F238E27FC236}">
+                <a16:creationId xmlns:a16="http://schemas.microsoft.com/office/drawing/2014/main" id="{3343F994-53F6-82D1-6A0A-ECB943C87BA9}"/>
+              </a:ext>
+            </a:extLst>
+          </p:cNvPr>
+          <p:cNvPicPr>
+            <a:picLocks noChangeAspect="1" noChangeArrowheads="1"/>
+          </p:cNvPicPr>
+          <p:nvPr/>
+        </p:nvPicPr>
+        <p:blipFill>
+          <a:blip r:embed="rId16">
+            <a:extLst>
+              <a:ext uri="{28A0092B-C50C-407E-A947-70E740481C1C}">
+                <a14:useLocalDpi xmlns:a14="http://schemas.microsoft.com/office/drawing/2010/main" val="0"/>
+              </a:ext>
+            </a:extLst>
+          </a:blip>
+          <a:srcRect/>
+          <a:stretch>
+            <a:fillRect/>
+          </a:stretch>
+        </p:blipFill>
+        <p:spPr bwMode="auto">
+          <a:xfrm>
+            <a:off x="6625239" y="3128781"/>
+            <a:ext cx="1429721" cy="1849391"/>
+          </a:xfrm>
+          <a:prstGeom prst="rect">
+            <a:avLst/>
+          </a:prstGeom>
+          <a:noFill/>
+          <a:extLst>
+            <a:ext uri="{909E8E84-426E-40DD-AFC4-6F175D3DCCD1}">
+              <a14:hiddenFill xmlns:a14="http://schemas.microsoft.com/office/drawing/2010/main">
+                <a:solidFill>
+                  <a:srgbClr val="FFFFFF"/>
+                </a:solidFill>
+              </a14:hiddenFill>
+            </a:ext>
+          </a:extLst>
+        </p:spPr>
+      </p:pic>
+      <p:pic>
+        <p:nvPicPr>
+          <p:cNvPr id="2056" name="Picture 8">
+            <a:extLst>
+              <a:ext uri="{FF2B5EF4-FFF2-40B4-BE49-F238E27FC236}">
+                <a16:creationId xmlns:a16="http://schemas.microsoft.com/office/drawing/2014/main" id="{8AFF8220-EDFD-D0DF-E3E0-9FA5F578A41A}"/>
+              </a:ext>
+            </a:extLst>
+          </p:cNvPr>
+          <p:cNvPicPr>
+            <a:picLocks noChangeAspect="1" noChangeArrowheads="1"/>
+          </p:cNvPicPr>
+          <p:nvPr/>
+        </p:nvPicPr>
+        <p:blipFill>
+          <a:blip r:embed="rId17">
+            <a:extLst>
+              <a:ext uri="{28A0092B-C50C-407E-A947-70E740481C1C}">
+                <a14:useLocalDpi xmlns:a14="http://schemas.microsoft.com/office/drawing/2010/main" val="0"/>
+              </a:ext>
+            </a:extLst>
+          </a:blip>
+          <a:srcRect/>
+          <a:stretch>
+            <a:fillRect/>
+          </a:stretch>
+        </p:blipFill>
+        <p:spPr bwMode="auto">
+          <a:xfrm>
+            <a:off x="8546103" y="3246512"/>
+            <a:ext cx="1660432" cy="1660432"/>
+          </a:xfrm>
+          <a:prstGeom prst="rect">
+            <a:avLst/>
+          </a:prstGeom>
+          <a:noFill/>
+          <a:extLst>
+            <a:ext uri="{909E8E84-426E-40DD-AFC4-6F175D3DCCD1}">
+              <a14:hiddenFill xmlns:a14="http://schemas.microsoft.com/office/drawing/2010/main">
+                <a:solidFill>
+                  <a:srgbClr val="FFFFFF"/>
+                </a:solidFill>
+              </a14:hiddenFill>
+            </a:ext>
+          </a:extLst>
+        </p:spPr>
+      </p:pic>
+      <mc:AlternateContent xmlns:mc="http://schemas.openxmlformats.org/markup-compatibility/2006">
+        <mc:Choice xmlns:a14="http://schemas.microsoft.com/office/drawing/2010/main" Requires="a14">
+          <p:sp>
+            <p:nvSpPr>
+              <p:cNvPr id="34" name="TextBox 33">
+                <a:extLst>
+                  <a:ext uri="{FF2B5EF4-FFF2-40B4-BE49-F238E27FC236}">
+                    <a16:creationId xmlns:a16="http://schemas.microsoft.com/office/drawing/2014/main" id="{ED61C52A-ECDC-B03A-AE3E-29114631FE53}"/>
+                  </a:ext>
+                </a:extLst>
+              </p:cNvPr>
+              <p:cNvSpPr txBox="1"/>
+              <p:nvPr/>
+            </p:nvSpPr>
+            <p:spPr>
+              <a:xfrm>
+                <a:off x="8703549" y="3021580"/>
+                <a:ext cx="1681433" cy="276999"/>
+              </a:xfrm>
+              <a:prstGeom prst="rect">
+                <a:avLst/>
+              </a:prstGeom>
+              <a:noFill/>
+            </p:spPr>
+            <p:txBody>
+              <a:bodyPr wrap="square" rtlCol="0">
+                <a:spAutoFit/>
+              </a:bodyPr>
+              <a:lstStyle/>
+              <a:p>
+                <a:pPr/>
+                <a14:m>
+                  <m:oMathPara xmlns:m="http://schemas.openxmlformats.org/officeDocument/2006/math">
+                    <m:oMathParaPr>
+                      <m:jc m:val="centerGroup"/>
+                    </m:oMathParaPr>
+                    <m:oMath xmlns:m="http://schemas.openxmlformats.org/officeDocument/2006/math">
+                      <m:r>
+                        <a:rPr lang="en-US" sz="1200" b="0" i="1" smtClean="0">
+                          <a:latin typeface="Cambria Math" panose="02040503050406030204" pitchFamily="18" charset="0"/>
+                        </a:rPr>
+                        <m:t>𝑧</m:t>
+                      </m:r>
+                      <m:r>
+                        <a:rPr lang="en-US" sz="1200" b="0" i="1" smtClean="0">
+                          <a:latin typeface="Cambria Math" panose="02040503050406030204" pitchFamily="18" charset="0"/>
+                        </a:rPr>
+                        <m:t>=50.0 </m:t>
+                      </m:r>
+                      <m:r>
+                        <m:rPr>
+                          <m:sty m:val="p"/>
+                        </m:rPr>
+                        <a:rPr lang="en-US" sz="1200" b="0" i="0" smtClean="0">
+                          <a:latin typeface="Cambria Math" panose="02040503050406030204" pitchFamily="18" charset="0"/>
+                        </a:rPr>
+                        <m:t>nm</m:t>
+                      </m:r>
+                      <m:r>
+                        <a:rPr lang="en-US" sz="1200" b="0" i="1" smtClean="0">
+                          <a:latin typeface="Cambria Math" panose="02040503050406030204" pitchFamily="18" charset="0"/>
+                        </a:rPr>
+                        <m:t> </m:t>
+                      </m:r>
+                    </m:oMath>
+                  </m:oMathPara>
+                </a14:m>
+                <a:endParaRPr lang="en-US" sz="1200" dirty="0"/>
+              </a:p>
+            </p:txBody>
+          </p:sp>
+        </mc:Choice>
+        <mc:Fallback>
+          <p:sp>
+            <p:nvSpPr>
+              <p:cNvPr id="34" name="TextBox 33">
+                <a:extLst>
+                  <a:ext uri="{FF2B5EF4-FFF2-40B4-BE49-F238E27FC236}">
+                    <a16:creationId xmlns:a16="http://schemas.microsoft.com/office/drawing/2014/main" id="{ED61C52A-ECDC-B03A-AE3E-29114631FE53}"/>
+                  </a:ext>
+                </a:extLst>
+              </p:cNvPr>
+              <p:cNvSpPr txBox="1">
+                <a:spLocks noRot="1" noChangeAspect="1" noMove="1" noResize="1" noEditPoints="1" noAdjustHandles="1" noChangeArrowheads="1" noChangeShapeType="1" noTextEdit="1"/>
+              </p:cNvSpPr>
+              <p:nvPr/>
+            </p:nvSpPr>
+            <p:spPr>
+              <a:xfrm>
+                <a:off x="8703549" y="3021580"/>
+                <a:ext cx="1681433" cy="276999"/>
+              </a:xfrm>
+              <a:prstGeom prst="rect">
+                <a:avLst/>
+              </a:prstGeom>
+              <a:blipFill>
+                <a:blip r:embed="rId18"/>
+                <a:stretch>
+                  <a:fillRect/>
+                </a:stretch>
+              </a:blipFill>
+            </p:spPr>
+            <p:txBody>
+              <a:bodyPr/>
+              <a:lstStyle/>
+              <a:p>
+                <a:r>
+                  <a:rPr lang="en-US">
+                    <a:noFill/>
+                  </a:rPr>
+                  <a:t> </a:t>
+                </a:r>
+              </a:p>
+            </p:txBody>
+          </p:sp>
+        </mc:Fallback>
+      </mc:AlternateContent>
+      <mc:AlternateContent xmlns:mc="http://schemas.openxmlformats.org/markup-compatibility/2006">
+        <mc:Choice xmlns:a14="http://schemas.microsoft.com/office/drawing/2010/main" Requires="a14">
+          <p:sp>
+            <p:nvSpPr>
+              <p:cNvPr id="37" name="TextBox 36">
+                <a:extLst>
+                  <a:ext uri="{FF2B5EF4-FFF2-40B4-BE49-F238E27FC236}">
+                    <a16:creationId xmlns:a16="http://schemas.microsoft.com/office/drawing/2014/main" id="{56DC782C-9A5D-6D58-5A93-C43FFA0F4636}"/>
+                  </a:ext>
+                </a:extLst>
+              </p:cNvPr>
+              <p:cNvSpPr txBox="1"/>
+              <p:nvPr/>
+            </p:nvSpPr>
+            <p:spPr>
+              <a:xfrm>
+                <a:off x="6680929" y="2916550"/>
+                <a:ext cx="1681433" cy="276999"/>
+              </a:xfrm>
+              <a:prstGeom prst="rect">
+                <a:avLst/>
+              </a:prstGeom>
+              <a:noFill/>
+            </p:spPr>
+            <p:txBody>
+              <a:bodyPr wrap="square" rtlCol="0">
+                <a:spAutoFit/>
+              </a:bodyPr>
+              <a:lstStyle/>
+              <a:p>
+                <a:pPr/>
+                <a14:m>
+                  <m:oMathPara xmlns:m="http://schemas.openxmlformats.org/officeDocument/2006/math">
+                    <m:oMathParaPr>
+                      <m:jc m:val="centerGroup"/>
+                    </m:oMathParaPr>
+                    <m:oMath xmlns:m="http://schemas.openxmlformats.org/officeDocument/2006/math">
+                      <m:r>
+                        <a:rPr lang="en-US" sz="1200" b="0" i="1" smtClean="0">
+                          <a:latin typeface="Cambria Math" panose="02040503050406030204" pitchFamily="18" charset="0"/>
+                        </a:rPr>
+                        <m:t>𝑧</m:t>
+                      </m:r>
+                      <m:r>
+                        <a:rPr lang="en-US" sz="1200" b="0" i="1" smtClean="0">
+                          <a:latin typeface="Cambria Math" panose="02040503050406030204" pitchFamily="18" charset="0"/>
+                        </a:rPr>
+                        <m:t>=45.0 </m:t>
+                      </m:r>
+                      <m:r>
+                        <m:rPr>
+                          <m:sty m:val="p"/>
+                        </m:rPr>
+                        <a:rPr lang="en-US" sz="1200" b="0" i="0" smtClean="0">
+                          <a:latin typeface="Cambria Math" panose="02040503050406030204" pitchFamily="18" charset="0"/>
+                        </a:rPr>
+                        <m:t>nm</m:t>
+                      </m:r>
+                      <m:r>
+                        <a:rPr lang="en-US" sz="1200" b="0" i="1" smtClean="0">
+                          <a:latin typeface="Cambria Math" panose="02040503050406030204" pitchFamily="18" charset="0"/>
+                        </a:rPr>
+                        <m:t> </m:t>
+                      </m:r>
+                    </m:oMath>
+                  </m:oMathPara>
+                </a14:m>
+                <a:endParaRPr lang="en-US" sz="1200" dirty="0"/>
+              </a:p>
+            </p:txBody>
+          </p:sp>
+        </mc:Choice>
+        <mc:Fallback>
+          <p:sp>
+            <p:nvSpPr>
+              <p:cNvPr id="37" name="TextBox 36">
+                <a:extLst>
+                  <a:ext uri="{FF2B5EF4-FFF2-40B4-BE49-F238E27FC236}">
+                    <a16:creationId xmlns:a16="http://schemas.microsoft.com/office/drawing/2014/main" id="{56DC782C-9A5D-6D58-5A93-C43FFA0F4636}"/>
+                  </a:ext>
+                </a:extLst>
+              </p:cNvPr>
+              <p:cNvSpPr txBox="1">
+                <a:spLocks noRot="1" noChangeAspect="1" noMove="1" noResize="1" noEditPoints="1" noAdjustHandles="1" noChangeArrowheads="1" noChangeShapeType="1" noTextEdit="1"/>
+              </p:cNvSpPr>
+              <p:nvPr/>
+            </p:nvSpPr>
+            <p:spPr>
+              <a:xfrm>
+                <a:off x="6680929" y="2916550"/>
+                <a:ext cx="1681433" cy="276999"/>
+              </a:xfrm>
+              <a:prstGeom prst="rect">
+                <a:avLst/>
+              </a:prstGeom>
+              <a:blipFill>
+                <a:blip r:embed="rId19"/>
+                <a:stretch>
+                  <a:fillRect/>
+                </a:stretch>
+              </a:blipFill>
+            </p:spPr>
+            <p:txBody>
+              <a:bodyPr/>
+              <a:lstStyle/>
+              <a:p>
+                <a:r>
+                  <a:rPr lang="en-US">
+                    <a:noFill/>
+                  </a:rPr>
+                  <a:t> </a:t>
+                </a:r>
+              </a:p>
+            </p:txBody>
+          </p:sp>
+        </mc:Fallback>
+      </mc:AlternateContent>
+      <mc:AlternateContent xmlns:mc="http://schemas.openxmlformats.org/markup-compatibility/2006">
+        <mc:Choice xmlns:a14="http://schemas.microsoft.com/office/drawing/2010/main" Requires="a14">
+          <p:sp>
+            <p:nvSpPr>
+              <p:cNvPr id="38" name="TextBox 37">
+                <a:extLst>
+                  <a:ext uri="{FF2B5EF4-FFF2-40B4-BE49-F238E27FC236}">
+                    <a16:creationId xmlns:a16="http://schemas.microsoft.com/office/drawing/2014/main" id="{34091126-8804-D77B-3965-653BF8C237B1}"/>
+                  </a:ext>
+                </a:extLst>
+              </p:cNvPr>
+              <p:cNvSpPr txBox="1"/>
+              <p:nvPr/>
+            </p:nvSpPr>
+            <p:spPr>
+              <a:xfrm>
+                <a:off x="4865749" y="2911681"/>
+                <a:ext cx="1681433" cy="276999"/>
+              </a:xfrm>
+              <a:prstGeom prst="rect">
+                <a:avLst/>
+              </a:prstGeom>
+              <a:noFill/>
+            </p:spPr>
+            <p:txBody>
+              <a:bodyPr wrap="square" rtlCol="0">
+                <a:spAutoFit/>
+              </a:bodyPr>
+              <a:lstStyle/>
+              <a:p>
+                <a:pPr/>
+                <a14:m>
+                  <m:oMathPara xmlns:m="http://schemas.openxmlformats.org/officeDocument/2006/math">
+                    <m:oMathParaPr>
+                      <m:jc m:val="centerGroup"/>
+                    </m:oMathParaPr>
+                    <m:oMath xmlns:m="http://schemas.openxmlformats.org/officeDocument/2006/math">
+                      <m:r>
+                        <a:rPr lang="en-US" sz="1200" b="0" i="1" smtClean="0">
+                          <a:latin typeface="Cambria Math" panose="02040503050406030204" pitchFamily="18" charset="0"/>
+                        </a:rPr>
+                        <m:t>𝑧</m:t>
+                      </m:r>
+                      <m:r>
+                        <a:rPr lang="en-US" sz="1200" b="0" i="1" smtClean="0">
+                          <a:latin typeface="Cambria Math" panose="02040503050406030204" pitchFamily="18" charset="0"/>
+                        </a:rPr>
+                        <m:t>=32.0 </m:t>
+                      </m:r>
+                      <m:r>
+                        <m:rPr>
+                          <m:sty m:val="p"/>
+                        </m:rPr>
+                        <a:rPr lang="en-US" sz="1200" b="0" i="0" smtClean="0">
+                          <a:latin typeface="Cambria Math" panose="02040503050406030204" pitchFamily="18" charset="0"/>
+                        </a:rPr>
+                        <m:t>nm</m:t>
+                      </m:r>
+                      <m:r>
+                        <a:rPr lang="en-US" sz="1200" b="0" i="1" smtClean="0">
+                          <a:latin typeface="Cambria Math" panose="02040503050406030204" pitchFamily="18" charset="0"/>
+                        </a:rPr>
+                        <m:t> </m:t>
+                      </m:r>
+                    </m:oMath>
+                  </m:oMathPara>
+                </a14:m>
+                <a:endParaRPr lang="en-US" sz="1200" dirty="0"/>
+              </a:p>
+            </p:txBody>
+          </p:sp>
+        </mc:Choice>
+        <mc:Fallback>
+          <p:sp>
+            <p:nvSpPr>
+              <p:cNvPr id="38" name="TextBox 37">
+                <a:extLst>
+                  <a:ext uri="{FF2B5EF4-FFF2-40B4-BE49-F238E27FC236}">
+                    <a16:creationId xmlns:a16="http://schemas.microsoft.com/office/drawing/2014/main" id="{34091126-8804-D77B-3965-653BF8C237B1}"/>
+                  </a:ext>
+                </a:extLst>
+              </p:cNvPr>
+              <p:cNvSpPr txBox="1">
+                <a:spLocks noRot="1" noChangeAspect="1" noMove="1" noResize="1" noEditPoints="1" noAdjustHandles="1" noChangeArrowheads="1" noChangeShapeType="1" noTextEdit="1"/>
+              </p:cNvSpPr>
+              <p:nvPr/>
+            </p:nvSpPr>
+            <p:spPr>
+              <a:xfrm>
+                <a:off x="4865749" y="2911681"/>
+                <a:ext cx="1681433" cy="276999"/>
+              </a:xfrm>
+              <a:prstGeom prst="rect">
+                <a:avLst/>
+              </a:prstGeom>
+              <a:blipFill>
+                <a:blip r:embed="rId20"/>
+                <a:stretch>
+                  <a:fillRect/>
+                </a:stretch>
+              </a:blipFill>
+            </p:spPr>
+            <p:txBody>
+              <a:bodyPr/>
+              <a:lstStyle/>
+              <a:p>
+                <a:r>
+                  <a:rPr lang="en-US">
+                    <a:noFill/>
+                  </a:rPr>
+                  <a:t> </a:t>
+                </a:r>
+              </a:p>
+            </p:txBody>
+          </p:sp>
+        </mc:Fallback>
+      </mc:AlternateContent>
     </p:spTree>
     <p:extLst>
       <p:ext uri="{BB962C8B-B14F-4D97-AF65-F5344CB8AC3E}">

--- a/SYSG3_paper.pptx
+++ b/SYSG3_paper.pptx
@@ -6891,8 +6891,8 @@
         </p:blipFill>
         <p:spPr>
           <a:xfrm>
-            <a:off x="6854707" y="1115336"/>
-            <a:ext cx="1373653" cy="1756389"/>
+            <a:off x="6807724" y="1119469"/>
+            <a:ext cx="1429721" cy="1828079"/>
           </a:xfrm>
           <a:prstGeom prst="rect">
             <a:avLst/>
@@ -6915,8 +6915,8 @@
             </p:nvSpPr>
             <p:spPr>
               <a:xfrm>
-                <a:off x="867902" y="4920581"/>
-                <a:ext cx="10035576" cy="1797159"/>
+                <a:off x="1043716" y="4977797"/>
+                <a:ext cx="9428803" cy="1797159"/>
               </a:xfrm>
               <a:prstGeom prst="rect">
                 <a:avLst/>
@@ -7443,8 +7443,8 @@
             </p:nvSpPr>
             <p:spPr>
               <a:xfrm>
-                <a:off x="867902" y="4920581"/>
-                <a:ext cx="10035576" cy="1797159"/>
+                <a:off x="1043716" y="4977797"/>
+                <a:ext cx="9428803" cy="1797159"/>
               </a:xfrm>
               <a:prstGeom prst="rect">
                 <a:avLst/>
@@ -7452,7 +7452,7 @@
               <a:blipFill>
                 <a:blip r:embed="rId3"/>
                 <a:stretch>
-                  <a:fillRect l="-486" t="-1356" r="-911" b="-3729"/>
+                  <a:fillRect l="-517" t="-1701" b="-4082"/>
                 </a:stretch>
               </a:blipFill>
             </p:spPr>
@@ -8253,8 +8253,8 @@
         </p:blipFill>
         <p:spPr>
           <a:xfrm>
-            <a:off x="1066388" y="1203176"/>
-            <a:ext cx="1742995" cy="1508265"/>
+            <a:off x="1024083" y="1422388"/>
+            <a:ext cx="1860034" cy="1609542"/>
           </a:xfrm>
           <a:prstGeom prst="rect">
             <a:avLst/>
@@ -8417,8 +8417,8 @@
         </p:blipFill>
         <p:spPr>
           <a:xfrm>
-            <a:off x="2985694" y="1178211"/>
-            <a:ext cx="1683723" cy="1635309"/>
+            <a:off x="2871223" y="1177832"/>
+            <a:ext cx="1860034" cy="1806550"/>
           </a:xfrm>
           <a:prstGeom prst="rect">
             <a:avLst/>
@@ -8447,8 +8447,8 @@
         </p:blipFill>
         <p:spPr>
           <a:xfrm>
-            <a:off x="4799395" y="1203176"/>
-            <a:ext cx="1638877" cy="1644304"/>
+            <a:off x="4728232" y="1174700"/>
+            <a:ext cx="1747787" cy="1753575"/>
           </a:xfrm>
           <a:prstGeom prst="rect">
             <a:avLst/>
@@ -8477,8 +8477,8 @@
         </p:blipFill>
         <p:spPr>
           <a:xfrm>
-            <a:off x="8703549" y="1057131"/>
-            <a:ext cx="1575819" cy="1872800"/>
+            <a:off x="8656566" y="1061264"/>
+            <a:ext cx="1640139" cy="1949242"/>
           </a:xfrm>
           <a:prstGeom prst="rect">
             <a:avLst/>
@@ -8977,6 +8977,62 @@
           </p:sp>
         </mc:Fallback>
       </mc:AlternateContent>
+      <p:sp>
+        <p:nvSpPr>
+          <p:cNvPr id="40" name="TextBox 39">
+            <a:extLst>
+              <a:ext uri="{FF2B5EF4-FFF2-40B4-BE49-F238E27FC236}">
+                <a16:creationId xmlns:a16="http://schemas.microsoft.com/office/drawing/2014/main" id="{D276A7A4-9470-DBF8-3B96-8031F8E7AF13}"/>
+              </a:ext>
+            </a:extLst>
+          </p:cNvPr>
+          <p:cNvSpPr txBox="1"/>
+          <p:nvPr/>
+        </p:nvSpPr>
+        <p:spPr>
+          <a:xfrm>
+            <a:off x="10040466" y="1821535"/>
+            <a:ext cx="2268490" cy="369332"/>
+          </a:xfrm>
+          <a:prstGeom prst="rect">
+            <a:avLst/>
+          </a:prstGeom>
+          <a:noFill/>
+        </p:spPr>
+        <p:txBody>
+          <a:bodyPr wrap="square" rtlCol="0">
+            <a:spAutoFit/>
+          </a:bodyPr>
+          <a:lstStyle/>
+          <a:p>
+            <a:pPr algn="ctr"/>
+            <a:r>
+              <a:rPr lang="en-US" dirty="0">
+                <a:solidFill>
+                  <a:srgbClr val="FF0000"/>
+                </a:solidFill>
+              </a:rPr>
+              <a:t>Keep const. </a:t>
+            </a:r>
+            <a:r>
+              <a:rPr lang="en-US" dirty="0" err="1">
+                <a:solidFill>
+                  <a:srgbClr val="FF0000"/>
+                </a:solidFill>
+              </a:rPr>
+              <a:t>Lz</a:t>
+            </a:r>
+            <a:r>
+              <a:rPr lang="en-US" dirty="0">
+                <a:solidFill>
+                  <a:srgbClr val="FF0000"/>
+                </a:solidFill>
+              </a:rPr>
+              <a:t>?</a:t>
+            </a:r>
+          </a:p>
+        </p:txBody>
+      </p:sp>
     </p:spTree>
     <p:extLst>
       <p:ext uri="{BB962C8B-B14F-4D97-AF65-F5344CB8AC3E}">

--- a/SYSG3_paper.pptx
+++ b/SYSG3_paper.pptx
@@ -203,7 +203,7 @@
           <a:p>
             <a:fld id="{7B0378C8-50D4-41CA-B139-C16B0923ACC7}" type="datetimeFigureOut">
               <a:rPr lang="en-US" smtClean="0"/>
-              <a:t>6/28/2025</a:t>
+              <a:t>6/29/2025</a:t>
             </a:fld>
             <a:endParaRPr lang="en-US"/>
           </a:p>
@@ -701,7 +701,7 @@
           <a:p>
             <a:fld id="{E3B1C2F4-07A0-459D-95BE-47AEA2376715}" type="datetimeFigureOut">
               <a:rPr lang="en-US" smtClean="0"/>
-              <a:t>6/28/2025</a:t>
+              <a:t>6/29/2025</a:t>
             </a:fld>
             <a:endParaRPr lang="en-US"/>
           </a:p>
@@ -899,7 +899,7 @@
           <a:p>
             <a:fld id="{E3B1C2F4-07A0-459D-95BE-47AEA2376715}" type="datetimeFigureOut">
               <a:rPr lang="en-US" smtClean="0"/>
-              <a:t>6/28/2025</a:t>
+              <a:t>6/29/2025</a:t>
             </a:fld>
             <a:endParaRPr lang="en-US"/>
           </a:p>
@@ -1107,7 +1107,7 @@
           <a:p>
             <a:fld id="{E3B1C2F4-07A0-459D-95BE-47AEA2376715}" type="datetimeFigureOut">
               <a:rPr lang="en-US" smtClean="0"/>
-              <a:t>6/28/2025</a:t>
+              <a:t>6/29/2025</a:t>
             </a:fld>
             <a:endParaRPr lang="en-US"/>
           </a:p>
@@ -1305,7 +1305,7 @@
           <a:p>
             <a:fld id="{E3B1C2F4-07A0-459D-95BE-47AEA2376715}" type="datetimeFigureOut">
               <a:rPr lang="en-US" smtClean="0"/>
-              <a:t>6/28/2025</a:t>
+              <a:t>6/29/2025</a:t>
             </a:fld>
             <a:endParaRPr lang="en-US"/>
           </a:p>
@@ -1580,7 +1580,7 @@
           <a:p>
             <a:fld id="{E3B1C2F4-07A0-459D-95BE-47AEA2376715}" type="datetimeFigureOut">
               <a:rPr lang="en-US" smtClean="0"/>
-              <a:t>6/28/2025</a:t>
+              <a:t>6/29/2025</a:t>
             </a:fld>
             <a:endParaRPr lang="en-US"/>
           </a:p>
@@ -1845,7 +1845,7 @@
           <a:p>
             <a:fld id="{E3B1C2F4-07A0-459D-95BE-47AEA2376715}" type="datetimeFigureOut">
               <a:rPr lang="en-US" smtClean="0"/>
-              <a:t>6/28/2025</a:t>
+              <a:t>6/29/2025</a:t>
             </a:fld>
             <a:endParaRPr lang="en-US"/>
           </a:p>
@@ -2257,7 +2257,7 @@
           <a:p>
             <a:fld id="{E3B1C2F4-07A0-459D-95BE-47AEA2376715}" type="datetimeFigureOut">
               <a:rPr lang="en-US" smtClean="0"/>
-              <a:t>6/28/2025</a:t>
+              <a:t>6/29/2025</a:t>
             </a:fld>
             <a:endParaRPr lang="en-US"/>
           </a:p>
@@ -2398,7 +2398,7 @@
           <a:p>
             <a:fld id="{E3B1C2F4-07A0-459D-95BE-47AEA2376715}" type="datetimeFigureOut">
               <a:rPr lang="en-US" smtClean="0"/>
-              <a:t>6/28/2025</a:t>
+              <a:t>6/29/2025</a:t>
             </a:fld>
             <a:endParaRPr lang="en-US"/>
           </a:p>
@@ -2511,7 +2511,7 @@
           <a:p>
             <a:fld id="{E3B1C2F4-07A0-459D-95BE-47AEA2376715}" type="datetimeFigureOut">
               <a:rPr lang="en-US" smtClean="0"/>
-              <a:t>6/28/2025</a:t>
+              <a:t>6/29/2025</a:t>
             </a:fld>
             <a:endParaRPr lang="en-US"/>
           </a:p>
@@ -2822,7 +2822,7 @@
           <a:p>
             <a:fld id="{E3B1C2F4-07A0-459D-95BE-47AEA2376715}" type="datetimeFigureOut">
               <a:rPr lang="en-US" smtClean="0"/>
-              <a:t>6/28/2025</a:t>
+              <a:t>6/29/2025</a:t>
             </a:fld>
             <a:endParaRPr lang="en-US"/>
           </a:p>
@@ -3110,7 +3110,7 @@
           <a:p>
             <a:fld id="{E3B1C2F4-07A0-459D-95BE-47AEA2376715}" type="datetimeFigureOut">
               <a:rPr lang="en-US" smtClean="0"/>
-              <a:t>6/28/2025</a:t>
+              <a:t>6/29/2025</a:t>
             </a:fld>
             <a:endParaRPr lang="en-US"/>
           </a:p>
@@ -3351,7 +3351,7 @@
           <a:p>
             <a:fld id="{E3B1C2F4-07A0-459D-95BE-47AEA2376715}" type="datetimeFigureOut">
               <a:rPr lang="en-US" smtClean="0"/>
-              <a:t>6/28/2025</a:t>
+              <a:t>6/29/2025</a:t>
             </a:fld>
             <a:endParaRPr lang="en-US"/>
           </a:p>
@@ -3887,10 +3887,10 @@
       </mc:AlternateContent>
       <p:pic>
         <p:nvPicPr>
-          <p:cNvPr id="4098" name="Picture 2">
-            <a:extLst>
-              <a:ext uri="{FF2B5EF4-FFF2-40B4-BE49-F238E27FC236}">
-                <a16:creationId xmlns:a16="http://schemas.microsoft.com/office/drawing/2014/main" id="{5FEF0EE2-C784-C1A4-1133-436158EDA674}"/>
+          <p:cNvPr id="1028" name="Picture 4">
+            <a:extLst>
+              <a:ext uri="{FF2B5EF4-FFF2-40B4-BE49-F238E27FC236}">
+                <a16:creationId xmlns:a16="http://schemas.microsoft.com/office/drawing/2014/main" id="{B5CFA40F-CA94-7BA1-B2BA-85DA1B89A445}"/>
               </a:ext>
             </a:extLst>
           </p:cNvPr>
@@ -3914,8 +3914,8 @@
         </p:blipFill>
         <p:spPr bwMode="auto">
           <a:xfrm>
-            <a:off x="2640249" y="739840"/>
-            <a:ext cx="6603066" cy="3834299"/>
+            <a:off x="2809873" y="914400"/>
+            <a:ext cx="6206143" cy="3603812"/>
           </a:xfrm>
           <a:prstGeom prst="rect">
             <a:avLst/>
@@ -3970,36 +3970,6 @@
       </p:grpSpPr>
       <p:pic>
         <p:nvPicPr>
-          <p:cNvPr id="2" name="Picture 1">
-            <a:extLst>
-              <a:ext uri="{FF2B5EF4-FFF2-40B4-BE49-F238E27FC236}">
-                <a16:creationId xmlns:a16="http://schemas.microsoft.com/office/drawing/2014/main" id="{7FE3970A-9033-D7C6-A9CA-98872B95335D}"/>
-              </a:ext>
-   